--- a/docs/Ciencia-com-R.pptx
+++ b/docs/Ciencia-com-R.pptx
@@ -5724,7 +5724,7 @@
                 <a:pPr lvl="0"/>
                 <a:r>
                   <a:rPr/>
-                  <a:t>Conhecer resultados negativos contribui com um visão mais ampla do campo de estudo junto aos resultados positivos.</a:t>
+                  <a:t>Conhecer resultados negativos contribui com uma visão mais ampla do campo de estudo junto aos resultados positivos.</a:t>
                 </a:r>
                 <a:r>
                   <a:rPr baseline="30000"/>
@@ -6446,7 +6446,7 @@
             </a:pPr>
             <a:r>
               <a:rPr/>
-              <a:t>Este trabalho não seria possível sem o apoio e suporte da minha esposa Daniele, minha irmâ Mônica, meu pai José Victorino e meus filhos Giovanna, Victor e Lucas.</a:t>
+              <a:t>Este trabalho não seria possível sem o apoio e suporte da minha esposa Daniele, minha irmã Mônica, meu pai José Victorino e meus filhos Giovanna, Victor e Lucas.</a:t>
             </a:r>
           </a:p>
           <a:p>
@@ -6998,7 +6998,7 @@
             <a:pPr lvl="0"/>
             <a:r>
               <a:rPr/>
-              <a:t>Evidência estatística de significância não provê informação sobre a magninude do efeito observado e não necessariamente implica que o efeito é robusto.</a:t>
+              <a:t>Evidência estatística de significância não provê informação sobre a magnitude do efeito observado e não necessariamente implica que o efeito é robusto.</a:t>
             </a:r>
             <a:r>
               <a:rPr baseline="30000"/>
@@ -10087,7 +10087,7 @@
             </a:r>
             <a:r>
               <a:rPr/>
-              <a:t> fornece a funçãao </a:t>
+              <a:t> fornece a função </a:t>
             </a:r>
             <a:r>
               <a:rPr i="1">
@@ -21638,17 +21638,7 @@
             <a:pPr lvl="0"/>
             <a:r>
               <a:rPr/>
-              <a:t>R </a:t>
-            </a:r>
-            <a:r>
-              <a:rPr>
-                <a:latin typeface="Courier"/>
-              </a:rPr>
-              <a:t>R.version$version.string</a:t>
-            </a:r>
-            <a:r>
-              <a:rPr/>
-              <a:t>.</a:t>
+              <a:t>R R version 4.3.1 (2023-06-16).</a:t>
             </a:r>
           </a:p>
           <a:p>
@@ -21676,7 +21666,7 @@
             </a:r>
             <a:r>
               <a:rPr i="1"/>
-              <a:t>integrated devlopmnt environment</a:t>
+              <a:t>integrated development environment</a:t>
             </a:r>
             <a:r>
               <a:rPr/>
@@ -21713,23 +21703,6 @@
             <a:r>
               <a:rPr/>
               <a:t>.</a:t>
-            </a:r>
-          </a:p>
-          <a:p>
-            <a:pPr lvl="0"/>
-            <a:r>
-              <a:rPr/>
-              <a:t>[RStudio version (</a:t>
-            </a:r>
-            <a:r>
-              <a:rPr>
-                <a:latin typeface="Courier"/>
-              </a:rPr>
-              <a:t>RStudio.Version()$version)</a:t>
-            </a:r>
-            <a:r>
-              <a:rPr/>
-              <a:t>].</a:t>
             </a:r>
           </a:p>
           <a:p>
@@ -22642,7 +22615,7 @@
             <a:pPr lvl="0"/>
             <a:r>
               <a:rPr/>
-              <a:t>Analisar a reprodutibilidade pode fornecer evidências a respeito da objetividade e confibilidade dos achados, em detrimento de terem sido obtidos devido a vieses ou ao acaso.</a:t>
+              <a:t>Analisar a reprodutibilidade pode fornecer evidências a respeito da objetividade e confiabilidade dos achados, em detrimento de terem sido obtidos devido a vieses ou ao acaso.</a:t>
             </a:r>
             <a:r>
               <a:rPr baseline="30000"/>
@@ -23079,7 +23052,7 @@
             </a:r>
             <a:r>
               <a:rPr/>
-              <a:t>), exibindotanto o R script quando o respectivo texto, tabelas e figuras formatadas no estilo científico de interesse.</a:t>
+              <a:t>), exibindo tanto o R script quando o respectivo texto, tabelas e figuras formatadas no estilo científico de interesse.</a:t>
             </a:r>
             <a:r>
               <a:rPr baseline="30000"/>
@@ -23318,7 +23291,7 @@
             </a:pPr>
             <a:r>
               <a:rPr/>
-              <a:t>Plano de anális estatística</a:t>
+              <a:t>Plano de análise estatística</a:t>
             </a:r>
           </a:p>
         </p:txBody>
@@ -33818,7 +33791,7 @@
             </a:pPr>
             <a:r>
               <a:rPr b="1"/>
-              <a:t>O que é catogorização de uma variável?</a:t>
+              <a:t>O que é categorização de uma variável?</a:t>
             </a:r>
           </a:p>
           <a:p>
@@ -33893,7 +33866,7 @@
             <a:pPr lvl="0"/>
             <a:r>
               <a:rPr/>
-              <a:t>Categorização de variáveis contínuas aumenta a quantidade de testes de hipótese para comparações pareadas entre os quantis, inflando portanto o erro tipo I.</a:t>
+              <a:t>Categorização de variáveis contínuas aumenta a quantidade de testes de hipótese para comparações pareadas entre os quantis, inflando, portanto, o erro tipo I.</a:t>
             </a:r>
             <a:r>
               <a:rPr baseline="30000"/>
@@ -33904,7 +33877,7 @@
             <a:pPr lvl="0"/>
             <a:r>
               <a:rPr/>
-              <a:t>Categorização de variáveis contínuas requer uma função teórica que pressupõe a homogeneidade da varia’vel dentro dos grupos, levando tanto a uma perda de poder como a uma estimativa imprecisa.</a:t>
+              <a:t>Categorização de variáveis contínuas requer uma função teórica que pressupõe a homogeneidade da variável dentro dos grupos, levando tanto a uma perda de poder como a uma estimativa imprecisa.</a:t>
             </a:r>
             <a:r>
               <a:rPr baseline="30000"/>
@@ -33915,7 +33888,7 @@
             <a:pPr lvl="0"/>
             <a:r>
               <a:rPr/>
-              <a:t>Categorização de variáveis contínuas pode dificultar a comparação d resultados entre estudos devido aos pontos de corte baseados em dados de um banco usados para definir as categorias.</a:t>
+              <a:t>Categorização de variáveis contínuas pode dificultar a comparação de resultados entre estudos devido aos pontos de corte baseados em dados de um banco usados para definir as categorias.</a:t>
             </a:r>
             <a:r>
               <a:rPr baseline="30000"/>
@@ -33943,7 +33916,7 @@
             <a:pPr lvl="0"/>
             <a:r>
               <a:rPr/>
-              <a:t>Análise com os dados das variável na escala de medida original .</a:t>
+              <a:t>Análise com os dados das variáveis na escala de medida original.</a:t>
             </a:r>
             <a:r>
               <a:rPr baseline="30000"/>
@@ -36114,7 +36087,7 @@
             <a:pPr lvl="0"/>
             <a:r>
               <a:rPr/>
-              <a:t>Mais especificamente, um valor discrepante é uma observação incomun que exerce influencia indevida em uma análise.</a:t>
+              <a:t>Mais especificamente, um valor discrepante é uma observação incomum que exerce influência indevida em uma análise.</a:t>
             </a:r>
             <a:r>
               <a:rPr baseline="30000"/>
@@ -36855,7 +36828,7 @@
             <a:pPr lvl="1"/>
             <a:r>
               <a:rPr/>
-              <a:t>R elatório inicial dos dados</a:t>
+              <a:t>Relatório inicial dos dados</a:t>
             </a:r>
           </a:p>
           <a:p>
@@ -37786,7 +37759,7 @@
             <a:pPr lvl="0"/>
             <a:r>
               <a:rPr/>
-              <a:t>Reamostragem é um procedimento que cria vários conjuntos de dados sorteados a partir de um conjunto de dados real - a amostra da população - sem a necessidade de fazer suposições sobre os dados e suas distribuições .</a:t>
+              <a:t>Reamostragem é um procedimento que cria vários conjuntos de dados sorteados a partir de um conjunto de dados real - a amostra da população - sem a necessidade de fazer suposições sobre os dados e suas distribuições.</a:t>
             </a:r>
             <a:r>
               <a:rPr baseline="30000"/>
@@ -37847,7 +37820,7 @@
             <a:pPr lvl="0"/>
             <a:r>
               <a:rPr/>
-              <a:t>Procedimentos de reamostragem permitem estimar o erro-padrão e intervalos de confiança sem a necessidade de tais suposições, sendo portanto um conjunto de procedimentos não-paramétricos.</a:t>
+              <a:t>Procedimentos de reamostragem permitem estimar o erro-padrão e intervalos de confiança sem a necessidade de tais suposições, sendo, portanto, um conjunto de procedimentos não-paramétricos.</a:t>
             </a:r>
             <a:r>
               <a:rPr baseline="30000"/>
@@ -43832,7 +43805,7 @@
                 <a:pPr lvl="0"/>
                 <a:r>
                   <a:rPr/>
-                  <a:t>A condução de análise exploratória de dados pode ajudar a identificar padrões e pode prientar trabalhos futuros, mas os resultados não devem ser interpretatos como inferências sobre uma população.</a:t>
+                  <a:t>A condução de análise exploratória de dados pode ajudar a identificar padrões e pode orientar trabalhos futuros, mas os resultados não devem ser interpretados como inferências sobre uma população.</a:t>
                 </a:r>
                 <a:r>
                   <a:rPr baseline="30000"/>

--- a/docs/Ciencia-com-R.pptx
+++ b/docs/Ciencia-com-R.pptx
@@ -3614,7 +3614,7 @@
             </a:pPr>
             <a:r>
               <a:rPr/>
-              <a:t>Atualizado em 10/10/2023  </a:t>
+              <a:t>Atualizado em 11/10/2023  </a:t>
             </a:r>
           </a:p>
         </p:txBody>

--- a/docs/Ciencia-com-R.pptx
+++ b/docs/Ciencia-com-R.pptx
@@ -3614,7 +3614,7 @@
             </a:pPr>
             <a:r>
               <a:rPr/>
-              <a:t>Atualizado em 11/10/2023  </a:t>
+              <a:t>Atualizado em 12/10/2023  </a:t>
             </a:r>
           </a:p>
         </p:txBody>
@@ -22373,244 +22373,29 @@
             </a:pPr>
           </a:p>
           <a:p>
-            <a:pPr lvl="0" indent="0">
-              <a:buNone/>
-            </a:pPr>
-            <a:r>
-              <a:rPr>
-                <a:solidFill>
-                  <a:srgbClr val="06287E"/>
-                </a:solidFill>
-                <a:latin typeface="Courier"/>
-              </a:rPr>
-              <a:t>cat</a:t>
-            </a:r>
-            <a:r>
-              <a:rPr>
-                <a:latin typeface="Courier"/>
-              </a:rPr>
-              <a:t>(</a:t>
-            </a:r>
-            <a:r>
-              <a:rPr>
-                <a:solidFill>
-                  <a:srgbClr val="06287E"/>
-                </a:solidFill>
-                <a:latin typeface="Courier"/>
-              </a:rPr>
-              <a:t>paste0</a:t>
-            </a:r>
-            <a:r>
-              <a:rPr>
-                <a:latin typeface="Courier"/>
-              </a:rPr>
-              <a:t>(</a:t>
-            </a:r>
-            <a:r>
-              <a:rPr>
-                <a:solidFill>
-                  <a:srgbClr val="4070A0"/>
-                </a:solidFill>
-                <a:latin typeface="Courier"/>
-              </a:rPr>
-              <a:t>"### "</a:t>
-            </a:r>
-            <a:r>
-              <a:rPr>
-                <a:latin typeface="Courier"/>
-              </a:rPr>
-              <a:t>, scripts.tbl</a:t>
-            </a:r>
-            <a:r>
-              <a:rPr>
-                <a:solidFill>
-                  <a:srgbClr val="4070A0"/>
-                </a:solidFill>
-                <a:latin typeface="Courier"/>
-              </a:rPr>
-              <a:t>$</a:t>
-            </a:r>
-            <a:r>
-              <a:rPr>
-                <a:latin typeface="Courier"/>
-              </a:rPr>
-              <a:t>Análise[</a:t>
-            </a:r>
-            <a:r>
-              <a:rPr>
-                <a:solidFill>
-                  <a:srgbClr val="40A070"/>
-                </a:solidFill>
-                <a:latin typeface="Courier"/>
-              </a:rPr>
-              <a:t>1</a:t>
-            </a:r>
-            <a:r>
-              <a:rPr>
-                <a:latin typeface="Courier"/>
-              </a:rPr>
-              <a:t>]))</a:t>
-            </a:r>
-          </a:p>
-          <a:p>
-            <a:pPr lvl="0" indent="0" marL="0">
-              <a:spcBef>
-                <a:spcPts val="3000"/>
-              </a:spcBef>
-              <a:buNone/>
-            </a:pPr>
-            <a:r>
-              <a:rPr b="1"/>
-              <a:t>Concordância</a:t>
-            </a:r>
-          </a:p>
-          <a:p>
-            <a:pPr lvl="0" indent="0">
-              <a:buNone/>
-            </a:pPr>
-            <a:r>
-              <a:rPr>
-                <a:solidFill>
-                  <a:srgbClr val="06287E"/>
-                </a:solidFill>
-                <a:latin typeface="Courier"/>
-              </a:rPr>
-              <a:t>cat</a:t>
-            </a:r>
-            <a:r>
-              <a:rPr>
-                <a:latin typeface="Courier"/>
-              </a:rPr>
-              <a:t>(</a:t>
-            </a:r>
-            <a:r>
-              <a:rPr>
-                <a:solidFill>
-                  <a:srgbClr val="4070A0"/>
-                </a:solidFill>
-                <a:latin typeface="Courier"/>
-              </a:rPr>
-              <a:t>"\n\n"</a:t>
-            </a:r>
-            <a:r>
-              <a:rPr>
-                <a:latin typeface="Courier"/>
-              </a:rPr>
-              <a:t>)</a:t>
-            </a:r>
-          </a:p>
-          <a:p>
-            <a:pPr lvl="0" indent="0">
-              <a:buNone/>
-            </a:pPr>
-            <a:r>
-              <a:rPr>
-                <a:solidFill>
-                  <a:srgbClr val="06287E"/>
-                </a:solidFill>
-                <a:latin typeface="Courier"/>
-              </a:rPr>
-              <a:t>print</a:t>
-            </a:r>
-            <a:r>
-              <a:rPr>
-                <a:latin typeface="Courier"/>
-              </a:rPr>
-              <a:t>(knitr</a:t>
-            </a:r>
-            <a:r>
-              <a:rPr>
-                <a:solidFill>
-                  <a:srgbClr val="4070A0"/>
-                </a:solidFill>
-                <a:latin typeface="Courier"/>
-              </a:rPr>
-              <a:t>::</a:t>
-            </a:r>
-            <a:r>
-              <a:rPr>
-                <a:solidFill>
-                  <a:srgbClr val="06287E"/>
-                </a:solidFill>
-                <a:latin typeface="Courier"/>
-              </a:rPr>
-              <a:t>read_chunk</a:t>
-            </a:r>
-            <a:r>
-              <a:rPr>
-                <a:latin typeface="Courier"/>
-              </a:rPr>
-              <a:t>(links[</a:t>
-            </a:r>
-            <a:r>
-              <a:rPr>
-                <a:solidFill>
-                  <a:srgbClr val="40A070"/>
-                </a:solidFill>
-                <a:latin typeface="Courier"/>
-              </a:rPr>
-              <a:t>1</a:t>
-            </a:r>
-            <a:r>
-              <a:rPr>
-                <a:latin typeface="Courier"/>
-              </a:rPr>
-              <a:t>]))</a:t>
-            </a:r>
-          </a:p>
-          <a:p>
-            <a:pPr lvl="0" indent="0" marL="0">
-              <a:buNone/>
-            </a:pPr>
-            <a:r>
-              <a:rPr/>
-              <a:t>$</a:t>
-            </a:r>
-            <a:r>
-              <a:rPr>
-                <a:latin typeface="Courier"/>
-              </a:rPr>
-              <a:t>unnamed-chunk-5</a:t>
-            </a:r>
-            <a:r>
-              <a:rPr/>
-              <a:t> NULL</a:t>
-            </a:r>
-          </a:p>
-          <a:p>
-            <a:pPr lvl="0" indent="0">
-              <a:buNone/>
-            </a:pPr>
-            <a:r>
-              <a:rPr>
-                <a:solidFill>
-                  <a:srgbClr val="06287E"/>
-                </a:solidFill>
-                <a:latin typeface="Courier"/>
-              </a:rPr>
-              <a:t>cat</a:t>
-            </a:r>
-            <a:r>
-              <a:rPr>
-                <a:latin typeface="Courier"/>
-              </a:rPr>
-              <a:t>(</a:t>
-            </a:r>
-            <a:r>
-              <a:rPr>
-                <a:solidFill>
-                  <a:srgbClr val="4070A0"/>
-                </a:solidFill>
-                <a:latin typeface="Courier"/>
-              </a:rPr>
-              <a:t>"\n\n"</a:t>
-            </a:r>
-            <a:r>
-              <a:rPr>
-                <a:latin typeface="Courier"/>
-              </a:rPr>
-              <a:t>)</a:t>
-            </a:r>
+            <a:pPr lvl="0" indent="0" marL="0">
+              <a:buNone/>
+            </a:pPr>
+          </a:p>
+          <a:p>
+            <a:pPr lvl="0" indent="0" marL="0">
+              <a:buNone/>
+            </a:pPr>
+          </a:p>
+          <a:p>
+            <a:pPr lvl="0" indent="0" marL="0">
+              <a:buNone/>
+            </a:pPr>
+          </a:p>
+          <a:p>
+            <a:pPr lvl="0" indent="0" marL="0">
+              <a:buNone/>
+            </a:pPr>
+          </a:p>
+          <a:p>
+            <a:pPr lvl="0" indent="0" marL="0">
+              <a:buNone/>
+            </a:pPr>
           </a:p>
         </p:txBody>
       </p:sp>

--- a/docs/Ciencia-com-R.pptx
+++ b/docs/Ciencia-com-R.pptx
@@ -22379,18 +22379,245 @@
           </a:p>
           <a:p>
             <a:pPr lvl="0" indent="0" marL="0">
-              <a:buNone/>
-            </a:pPr>
-          </a:p>
-          <a:p>
-            <a:pPr lvl="0" indent="0" marL="0">
-              <a:buNone/>
-            </a:pPr>
-          </a:p>
-          <a:p>
-            <a:pPr lvl="0" indent="0" marL="0">
-              <a:buNone/>
-            </a:pPr>
+              <a:spcBef>
+                <a:spcPts val="3000"/>
+              </a:spcBef>
+              <a:buNone/>
+            </a:pPr>
+            <a:r>
+              <a:rPr b="1"/>
+              <a:t>Concordância e Confiabilidade</a:t>
+            </a:r>
+          </a:p>
+          <a:p>
+            <a:pPr lvl="0" indent="0" marL="0">
+              <a:buNone/>
+            </a:pPr>
+          </a:p>
+          <a:p>
+            <a:pPr lvl="0"/>
+            <a:r>
+              <a:rPr>
+                <a:hlinkClick r:id="rId2"/>
+              </a:rPr>
+              <a:t>reliability-kappa-icc.R</a:t>
+            </a:r>
+          </a:p>
+          <a:p>
+            <a:pPr lvl="0" indent="0" marL="0">
+              <a:buNone/>
+            </a:pPr>
+          </a:p>
+          <a:p>
+            <a:pPr lvl="0" indent="0" marL="0">
+              <a:buNone/>
+            </a:pPr>
+          </a:p>
+          <a:p>
+            <a:pPr lvl="0" indent="0" marL="0">
+              <a:spcBef>
+                <a:spcPts val="3000"/>
+              </a:spcBef>
+              <a:buNone/>
+            </a:pPr>
+            <a:r>
+              <a:rPr b="1"/>
+              <a:t>Desempenho diagnóstico</a:t>
+            </a:r>
+          </a:p>
+          <a:p>
+            <a:pPr lvl="0" indent="0" marL="0">
+              <a:buNone/>
+            </a:pPr>
+          </a:p>
+          <a:p>
+            <a:pPr lvl="0"/>
+            <a:r>
+              <a:rPr>
+                <a:hlinkClick r:id="rId3"/>
+              </a:rPr>
+              <a:t>diag-stats.R</a:t>
+            </a:r>
+          </a:p>
+          <a:p>
+            <a:pPr lvl="0"/>
+            <a:r>
+              <a:rPr>
+                <a:hlinkClick r:id="rId4"/>
+              </a:rPr>
+              <a:t>dtROC.R</a:t>
+            </a:r>
+          </a:p>
+          <a:p>
+            <a:pPr lvl="0"/>
+            <a:r>
+              <a:rPr>
+                <a:hlinkClick r:id="rId5"/>
+              </a:rPr>
+              <a:t>stROC.R</a:t>
+            </a:r>
+          </a:p>
+          <a:p>
+            <a:pPr lvl="0" indent="0" marL="0">
+              <a:buNone/>
+            </a:pPr>
+          </a:p>
+          <a:p>
+            <a:pPr lvl="0" indent="0" marL="0">
+              <a:buNone/>
+            </a:pPr>
+          </a:p>
+          <a:p>
+            <a:pPr lvl="0" indent="0" marL="0">
+              <a:spcBef>
+                <a:spcPts val="3000"/>
+              </a:spcBef>
+              <a:buNone/>
+            </a:pPr>
+            <a:r>
+              <a:rPr b="1"/>
+              <a:t>Ensaio clínico aleatorizado</a:t>
+            </a:r>
+          </a:p>
+          <a:p>
+            <a:pPr lvl="0" indent="0" marL="0">
+              <a:buNone/>
+            </a:pPr>
+          </a:p>
+          <a:p>
+            <a:pPr lvl="0"/>
+            <a:r>
+              <a:rPr>
+                <a:hlinkClick r:id="rId6"/>
+              </a:rPr>
+              <a:t>RCT-Figure1.R</a:t>
+            </a:r>
+          </a:p>
+          <a:p>
+            <a:pPr lvl="0"/>
+            <a:r>
+              <a:rPr>
+                <a:hlinkClick r:id="rId7"/>
+              </a:rPr>
+              <a:t>RCT-Missingness.R</a:t>
+            </a:r>
+          </a:p>
+          <a:p>
+            <a:pPr lvl="0"/>
+            <a:r>
+              <a:rPr>
+                <a:hlinkClick r:id="rId8"/>
+              </a:rPr>
+              <a:t>RCT-Table1.R</a:t>
+            </a:r>
+          </a:p>
+          <a:p>
+            <a:pPr lvl="0"/>
+            <a:r>
+              <a:rPr>
+                <a:hlinkClick r:id="rId9"/>
+              </a:rPr>
+              <a:t>RCT-Table2a.R</a:t>
+            </a:r>
+          </a:p>
+          <a:p>
+            <a:pPr lvl="0"/>
+            <a:r>
+              <a:rPr>
+                <a:hlinkClick r:id="rId10"/>
+              </a:rPr>
+              <a:t>RCT-Table2b.R</a:t>
+            </a:r>
+          </a:p>
+          <a:p>
+            <a:pPr lvl="0"/>
+            <a:r>
+              <a:rPr>
+                <a:hlinkClick r:id="rId11"/>
+              </a:rPr>
+              <a:t>RCT-Table3.R</a:t>
+            </a:r>
+          </a:p>
+          <a:p>
+            <a:pPr lvl="0" indent="0" marL="0">
+              <a:buNone/>
+            </a:pPr>
+          </a:p>
+          <a:p>
+            <a:pPr lvl="0" indent="0" marL="0">
+              <a:buNone/>
+            </a:pPr>
+          </a:p>
+          <a:p>
+            <a:pPr lvl="0" indent="0" marL="0">
+              <a:spcBef>
+                <a:spcPts val="3000"/>
+              </a:spcBef>
+              <a:buNone/>
+            </a:pPr>
+            <a:r>
+              <a:rPr b="1"/>
+              <a:t>Ensaio cruzado</a:t>
+            </a:r>
+          </a:p>
+          <a:p>
+            <a:pPr lvl="0" indent="0" marL="0">
+              <a:buNone/>
+            </a:pPr>
+          </a:p>
+          <a:p>
+            <a:pPr lvl="0"/>
+            <a:r>
+              <a:rPr>
+                <a:hlinkClick r:id="rId12"/>
+              </a:rPr>
+              <a:t>crossover.R</a:t>
+            </a:r>
+          </a:p>
+          <a:p>
+            <a:pPr lvl="0"/>
+            <a:r>
+              <a:rPr>
+                <a:hlinkClick r:id="rId13"/>
+              </a:rPr>
+              <a:t>RSTR-crossover-trial.R</a:t>
+            </a:r>
+          </a:p>
+          <a:p>
+            <a:pPr lvl="0" indent="0" marL="0">
+              <a:buNone/>
+            </a:pPr>
+          </a:p>
+          <a:p>
+            <a:pPr lvl="0" indent="0" marL="0">
+              <a:buNone/>
+            </a:pPr>
+          </a:p>
+          <a:p>
+            <a:pPr lvl="0" indent="0" marL="0">
+              <a:spcBef>
+                <a:spcPts val="3000"/>
+              </a:spcBef>
+              <a:buNone/>
+            </a:pPr>
+            <a:r>
+              <a:rPr b="1"/>
+              <a:t>Regressão</a:t>
+            </a:r>
+          </a:p>
+          <a:p>
+            <a:pPr lvl="0" indent="0" marL="0">
+              <a:buNone/>
+            </a:pPr>
+          </a:p>
+          <a:p>
+            <a:pPr lvl="0"/>
+            <a:r>
+              <a:rPr>
+                <a:hlinkClick r:id="rId14"/>
+              </a:rPr>
+              <a:t>mediation-analysis.R</a:t>
+            </a:r>
           </a:p>
           <a:p>
             <a:pPr lvl="0" indent="0" marL="0">
@@ -40231,7 +40458,7 @@
             </a:pPr>
             <a:r>
               <a:rPr b="1"/>
-              <a:t>Ensaios clínicos aleatorizados</a:t>
+              <a:t>Ensaio clínico aleatorizado</a:t>
             </a:r>
           </a:p>
         </p:txBody>

--- a/docs/Ciencia-com-R.pptx
+++ b/docs/Ciencia-com-R.pptx
@@ -22397,9 +22397,7 @@
           <a:p>
             <a:pPr lvl="0"/>
             <a:r>
-              <a:rPr>
-                <a:hlinkClick r:id="rId2"/>
-              </a:rPr>
+              <a:rPr/>
               <a:t>reliability-kappa-icc.R</a:t>
             </a:r>
           </a:p>
@@ -22433,28 +22431,8 @@
           <a:p>
             <a:pPr lvl="0"/>
             <a:r>
-              <a:rPr>
-                <a:hlinkClick r:id="rId3"/>
-              </a:rPr>
-              <a:t>diag-stats.R</a:t>
-            </a:r>
-          </a:p>
-          <a:p>
-            <a:pPr lvl="0"/>
-            <a:r>
-              <a:rPr>
-                <a:hlinkClick r:id="rId4"/>
-              </a:rPr>
-              <a:t>dtROC.R</a:t>
-            </a:r>
-          </a:p>
-          <a:p>
-            <a:pPr lvl="0"/>
-            <a:r>
-              <a:rPr>
-                <a:hlinkClick r:id="rId5"/>
-              </a:rPr>
-              <a:t>stROC.R</a:t>
+              <a:rPr/>
+              <a:t>diag-stats.R - dtROC.R - stROC.R</a:t>
             </a:r>
           </a:p>
           <a:p>
@@ -22487,55 +22465,8 @@
           <a:p>
             <a:pPr lvl="0"/>
             <a:r>
-              <a:rPr>
-                <a:hlinkClick r:id="rId6"/>
-              </a:rPr>
-              <a:t>RCT-Figure1.R</a:t>
-            </a:r>
-          </a:p>
-          <a:p>
-            <a:pPr lvl="0"/>
-            <a:r>
-              <a:rPr>
-                <a:hlinkClick r:id="rId7"/>
-              </a:rPr>
-              <a:t>RCT-Missingness.R</a:t>
-            </a:r>
-          </a:p>
-          <a:p>
-            <a:pPr lvl="0"/>
-            <a:r>
-              <a:rPr>
-                <a:hlinkClick r:id="rId8"/>
-              </a:rPr>
-              <a:t>RCT-Table1.R</a:t>
-            </a:r>
-          </a:p>
-          <a:p>
-            <a:pPr lvl="0"/>
-            <a:r>
-              <a:rPr>
-                <a:hlinkClick r:id="rId9"/>
-              </a:rPr>
-              <a:t>RCT-Table2a.R</a:t>
-            </a:r>
-          </a:p>
-          <a:p>
-            <a:pPr lvl="0"/>
-            <a:r>
-              <a:rPr>
-                <a:hlinkClick r:id="rId10"/>
-              </a:rPr>
-              <a:t>RCT-Table2b.R</a:t>
-            </a:r>
-          </a:p>
-          <a:p>
-            <a:pPr lvl="0"/>
-            <a:r>
-              <a:rPr>
-                <a:hlinkClick r:id="rId11"/>
-              </a:rPr>
-              <a:t>RCT-Table3.R</a:t>
+              <a:rPr/>
+              <a:t>RCT-Figure1.R - RCT-Missingness.R - RCT-Table1.R - RCT-Table2a.R - RCT-Table2b.R - RCT-Table3.R</a:t>
             </a:r>
           </a:p>
           <a:p>
@@ -22568,19 +22499,8 @@
           <a:p>
             <a:pPr lvl="0"/>
             <a:r>
-              <a:rPr>
-                <a:hlinkClick r:id="rId12"/>
-              </a:rPr>
-              <a:t>crossover.R</a:t>
-            </a:r>
-          </a:p>
-          <a:p>
-            <a:pPr lvl="0"/>
-            <a:r>
-              <a:rPr>
-                <a:hlinkClick r:id="rId13"/>
-              </a:rPr>
-              <a:t>RSTR-crossover-trial.R</a:t>
+              <a:rPr/>
+              <a:t>crossover.R - RSTR-crossover-trial.R</a:t>
             </a:r>
           </a:p>
           <a:p>
@@ -22613,9 +22533,7 @@
           <a:p>
             <a:pPr lvl="0"/>
             <a:r>
-              <a:rPr>
-                <a:hlinkClick r:id="rId14"/>
-              </a:rPr>
+              <a:rPr/>
               <a:t>mediation-analysis.R</a:t>
             </a:r>
           </a:p>

--- a/docs/Ciencia-com-R.pptx
+++ b/docs/Ciencia-com-R.pptx
@@ -22397,7 +22397,9 @@
           <a:p>
             <a:pPr lvl="0"/>
             <a:r>
-              <a:rPr/>
+              <a:rPr>
+                <a:hlinkClick r:id="rId2"/>
+              </a:rPr>
               <a:t>reliability-kappa-icc.R</a:t>
             </a:r>
           </a:p>
@@ -22431,8 +22433,28 @@
           <a:p>
             <a:pPr lvl="0"/>
             <a:r>
-              <a:rPr/>
-              <a:t>diag-stats.R - dtROC.R - stROC.R</a:t>
+              <a:rPr>
+                <a:hlinkClick r:id="rId3"/>
+              </a:rPr>
+              <a:t>diag-stats.R</a:t>
+            </a:r>
+          </a:p>
+          <a:p>
+            <a:pPr lvl="0"/>
+            <a:r>
+              <a:rPr>
+                <a:hlinkClick r:id="rId4"/>
+              </a:rPr>
+              <a:t>dtROC.R</a:t>
+            </a:r>
+          </a:p>
+          <a:p>
+            <a:pPr lvl="0"/>
+            <a:r>
+              <a:rPr>
+                <a:hlinkClick r:id="rId5"/>
+              </a:rPr>
+              <a:t>stROC.R</a:t>
             </a:r>
           </a:p>
           <a:p>
@@ -22465,8 +22487,55 @@
           <a:p>
             <a:pPr lvl="0"/>
             <a:r>
-              <a:rPr/>
-              <a:t>RCT-Figure1.R - RCT-Missingness.R - RCT-Table1.R - RCT-Table2a.R - RCT-Table2b.R - RCT-Table3.R</a:t>
+              <a:rPr>
+                <a:hlinkClick r:id="rId6"/>
+              </a:rPr>
+              <a:t>RCT-Figure1.R</a:t>
+            </a:r>
+          </a:p>
+          <a:p>
+            <a:pPr lvl="0"/>
+            <a:r>
+              <a:rPr>
+                <a:hlinkClick r:id="rId7"/>
+              </a:rPr>
+              <a:t>RCT-Missingness.R</a:t>
+            </a:r>
+          </a:p>
+          <a:p>
+            <a:pPr lvl="0"/>
+            <a:r>
+              <a:rPr>
+                <a:hlinkClick r:id="rId8"/>
+              </a:rPr>
+              <a:t>RCT-Table1.R</a:t>
+            </a:r>
+          </a:p>
+          <a:p>
+            <a:pPr lvl="0"/>
+            <a:r>
+              <a:rPr>
+                <a:hlinkClick r:id="rId9"/>
+              </a:rPr>
+              <a:t>RCT-Table2a.R</a:t>
+            </a:r>
+          </a:p>
+          <a:p>
+            <a:pPr lvl="0"/>
+            <a:r>
+              <a:rPr>
+                <a:hlinkClick r:id="rId10"/>
+              </a:rPr>
+              <a:t>RCT-Table2b.R</a:t>
+            </a:r>
+          </a:p>
+          <a:p>
+            <a:pPr lvl="0"/>
+            <a:r>
+              <a:rPr>
+                <a:hlinkClick r:id="rId11"/>
+              </a:rPr>
+              <a:t>RCT-Table3.R</a:t>
             </a:r>
           </a:p>
           <a:p>
@@ -22499,8 +22568,19 @@
           <a:p>
             <a:pPr lvl="0"/>
             <a:r>
-              <a:rPr/>
-              <a:t>crossover.R - RSTR-crossover-trial.R</a:t>
+              <a:rPr>
+                <a:hlinkClick r:id="rId12"/>
+              </a:rPr>
+              <a:t>crossover.R</a:t>
+            </a:r>
+          </a:p>
+          <a:p>
+            <a:pPr lvl="0"/>
+            <a:r>
+              <a:rPr>
+                <a:hlinkClick r:id="rId13"/>
+              </a:rPr>
+              <a:t>RSTR-crossover-trial.R</a:t>
             </a:r>
           </a:p>
           <a:p>
@@ -22533,7 +22613,9 @@
           <a:p>
             <a:pPr lvl="0"/>
             <a:r>
-              <a:rPr/>
+              <a:rPr>
+                <a:hlinkClick r:id="rId14"/>
+              </a:rPr>
               <a:t>mediation-analysis.R</a:t>
             </a:r>
           </a:p>

--- a/docs/Ciencia-com-R.pptx
+++ b/docs/Ciencia-com-R.pptx
@@ -30318,7 +30318,7 @@
             </a:r>
             <a:r>
               <a:rPr/>
-              <a:t>. Rio de Janeiro: 1a edição, 2023. 131p. </a:t>
+              <a:t>. Rio de Janeiro: 1a edição, 2023. 125p. </a:t>
             </a:r>
             <a:r>
               <a:rPr>

--- a/docs/Ciencia-com-R.pptx
+++ b/docs/Ciencia-com-R.pptx
@@ -30318,7 +30318,7 @@
             </a:r>
             <a:r>
               <a:rPr/>
-              <a:t>. Rio de Janeiro: 1a edição, 2023. 125p. </a:t>
+              <a:t>. Rio de Janeiro: 1a edição, 2023. 129p. </a:t>
             </a:r>
             <a:r>
               <a:rPr>

--- a/docs/Ciencia-com-R.pptx
+++ b/docs/Ciencia-com-R.pptx
@@ -44088,6 +44088,22 @@
               <a:t>Qual a relação entre estatística e metodologia para pesquisa científica?</a:t>
             </a:r>
           </a:p>
+          <a:p>
+            <a:pPr lvl="0"/>
+            <a:r>
+              <a:rPr/>
+              <a:t>.</a:t>
+            </a:r>
+            <a:r>
+              <a:rPr baseline="30000"/>
+              <a:t>107</a:t>
+            </a:r>
+          </a:p>
+          <a:p>
+            <a:pPr lvl="0" indent="0" marL="0">
+              <a:buNone/>
+            </a:pPr>
+          </a:p>
         </p:txBody>
       </p:sp>
       <p:pic>
@@ -44146,10 +44162,6 @@
             <a:r>
               <a:rPr/>
               <a:t>Mapa mental da relação entre o pensamento estatístico e o pensamento metodológico.</a:t>
-            </a:r>
-            <a:r>
-              <a:rPr baseline="30000"/>
-              <a:t>107</a:t>
             </a:r>
           </a:p>
         </p:txBody>

--- a/docs/Ciencia-com-R.pptx
+++ b/docs/Ciencia-com-R.pptx
@@ -3614,7 +3614,7 @@
             </a:pPr>
             <a:r>
               <a:rPr/>
-              <a:t>Atualizado em 12/10/2023  </a:t>
+              <a:t>Atualizado em 13/10/2023  </a:t>
             </a:r>
           </a:p>
         </p:txBody>

--- a/docs/Ciencia-com-R.pptx
+++ b/docs/Ciencia-com-R.pptx
@@ -30303,11 +30303,6 @@
             <a:pPr lvl="0" indent="0" marL="0">
               <a:buNone/>
             </a:pPr>
-          </a:p>
-          <a:p>
-            <a:pPr lvl="0" indent="0" marL="0">
-              <a:buNone/>
-            </a:pPr>
             <a:r>
               <a:rPr/>
               <a:t>Ferreira, Arthur de Sá. </a:t>
@@ -30331,11 +30326,6 @@
             <a:pPr lvl="0" indent="0" marL="0">
               <a:buNone/>
             </a:pPr>
-          </a:p>
-          <a:p>
-            <a:pPr lvl="0" indent="0" marL="0">
-              <a:buNone/>
-            </a:pPr>
             <a:r>
               <a:rPr/>
               <a:t>Copyright © 2023 Arthur de Sá Ferreira</a:t>
@@ -30396,20 +30386,10 @@
             <a:pPr lvl="0" indent="0" marL="0">
               <a:buNone/>
             </a:pPr>
-          </a:p>
-          <a:p>
-            <a:pPr lvl="0" indent="0" marL="0">
-              <a:buNone/>
-            </a:pPr>
             <a:r>
               <a:rPr/>
               <a:t>A versão online desta obra está licenciada com uma Licença Creative Commons Atribuição-NãoComercial 4.0 Internacional.</a:t>
             </a:r>
-          </a:p>
-          <a:p>
-            <a:pPr lvl="0" indent="0" marL="0">
-              <a:buNone/>
-            </a:pPr>
           </a:p>
         </p:txBody>
       </p:sp>

--- a/docs/Ciencia-com-R.pptx
+++ b/docs/Ciencia-com-R.pptx
@@ -30303,6 +30303,80 @@
             <a:pPr lvl="0" indent="0" marL="0">
               <a:buNone/>
             </a:pPr>
+          </a:p>
+          <a:p>
+            <a:pPr lvl="0" indent="0" marL="0">
+              <a:buNone/>
+            </a:pPr>
+            <a:r>
+              <a:rPr/>
+              <a:t>Copyright © 2023 Arthur de Sá Ferreira</a:t>
+            </a:r>
+          </a:p>
+          <a:p>
+            <a:pPr lvl="0" indent="0" marL="0">
+              <a:buNone/>
+            </a:pPr>
+            <a:r>
+              <a:rPr/>
+              <a:t>Todos os direitos reservados. Nenhuma parte deste livro pode ser reproduzida ou usada de qualquer maneira sem a permissão prévia por escrito do proprietário dos direitos autorais, exceto para o uso de breves citações em uma resenha do livro.</a:t>
+            </a:r>
+          </a:p>
+          <a:p>
+            <a:pPr lvl="0" indent="0" marL="0">
+              <a:buNone/>
+            </a:pPr>
+            <a:r>
+              <a:rPr/>
+              <a:t>Para solicitar permissões, entre em contato com </a:t>
+            </a:r>
+            <a:r>
+              <a:rPr>
+                <a:hlinkClick r:id="rId2"/>
+              </a:rPr>
+              <a:t>cienciacomr@gmail.com</a:t>
+            </a:r>
+          </a:p>
+          <a:p>
+            <a:pPr lvl="0" indent="0" marL="0">
+              <a:buNone/>
+            </a:pPr>
+            <a:r>
+              <a:rPr/>
+              <a:t>Capa dura: ISBN</a:t>
+            </a:r>
+          </a:p>
+          <a:p>
+            <a:pPr lvl="0" indent="0" marL="0">
+              <a:buNone/>
+            </a:pPr>
+            <a:r>
+              <a:rPr/>
+              <a:t>Brochura: ISBN</a:t>
+            </a:r>
+          </a:p>
+          <a:p>
+            <a:pPr lvl="0" indent="0" marL="0">
+              <a:buNone/>
+            </a:pPr>
+            <a:r>
+              <a:rPr/>
+              <a:t>E-book: ISBN</a:t>
+            </a:r>
+          </a:p>
+          <a:p>
+            <a:pPr lvl="0" indent="0" marL="0">
+              <a:buNone/>
+            </a:pPr>
+            <a:r>
+              <a:rPr/>
+              <a:t>A versão online desta obra está licenciada com uma Licença Creative Commons Atribuição-NãoComercial 4.0 Internacional.</a:t>
+            </a:r>
+          </a:p>
+          <a:p>
+            <a:pPr lvl="0" indent="0" marL="0">
+              <a:buNone/>
+            </a:pPr>
             <a:r>
               <a:rPr/>
               <a:t>Ferreira, Arthur de Sá. </a:t>
@@ -30317,78 +30391,9 @@
             </a:r>
             <a:r>
               <a:rPr>
-                <a:hlinkClick r:id="rId2"/>
+                <a:hlinkClick r:id="rId3"/>
               </a:rPr>
               <a:t>doi: 10.5281/zenodo.8320233</a:t>
-            </a:r>
-          </a:p>
-          <a:p>
-            <a:pPr lvl="0" indent="0" marL="0">
-              <a:buNone/>
-            </a:pPr>
-            <a:r>
-              <a:rPr/>
-              <a:t>Copyright © 2023 Arthur de Sá Ferreira</a:t>
-            </a:r>
-          </a:p>
-          <a:p>
-            <a:pPr lvl="0" indent="0" marL="0">
-              <a:buNone/>
-            </a:pPr>
-            <a:r>
-              <a:rPr/>
-              <a:t>Todos os direitos reservados. Nenhuma parte deste livro pode ser reproduzida ou usada de qualquer maneira sem a permissão prévia por escrito do proprietário dos direitos autorais, exceto para o uso de breves citações em uma resenha do livro.</a:t>
-            </a:r>
-          </a:p>
-          <a:p>
-            <a:pPr lvl="0" indent="0" marL="0">
-              <a:buNone/>
-            </a:pPr>
-            <a:r>
-              <a:rPr/>
-              <a:t>Para solicitar permissões, entre em contato com </a:t>
-            </a:r>
-            <a:r>
-              <a:rPr>
-                <a:hlinkClick r:id="rId3"/>
-              </a:rPr>
-              <a:t>cienciacomr@gmail.com</a:t>
-            </a:r>
-          </a:p>
-          <a:p>
-            <a:pPr lvl="0" indent="0" marL="0">
-              <a:buNone/>
-            </a:pPr>
-            <a:r>
-              <a:rPr/>
-              <a:t>Capa dura: ISBN</a:t>
-            </a:r>
-          </a:p>
-          <a:p>
-            <a:pPr lvl="0" indent="0" marL="0">
-              <a:buNone/>
-            </a:pPr>
-            <a:r>
-              <a:rPr/>
-              <a:t>Brochura: ISBN</a:t>
-            </a:r>
-          </a:p>
-          <a:p>
-            <a:pPr lvl="0" indent="0" marL="0">
-              <a:buNone/>
-            </a:pPr>
-            <a:r>
-              <a:rPr/>
-              <a:t>E-book: ISBN</a:t>
-            </a:r>
-          </a:p>
-          <a:p>
-            <a:pPr lvl="0" indent="0" marL="0">
-              <a:buNone/>
-            </a:pPr>
-            <a:r>
-              <a:rPr/>
-              <a:t>A versão online desta obra está licenciada com uma Licença Creative Commons Atribuição-NãoComercial 4.0 Internacional.</a:t>
             </a:r>
           </a:p>
         </p:txBody>

--- a/docs/Ciencia-com-R.pptx
+++ b/docs/Ciencia-com-R.pptx
@@ -30310,75 +30310,6 @@
             </a:pPr>
             <a:r>
               <a:rPr/>
-              <a:t>Copyright © 2023 Arthur de Sá Ferreira</a:t>
-            </a:r>
-          </a:p>
-          <a:p>
-            <a:pPr lvl="0" indent="0" marL="0">
-              <a:buNone/>
-            </a:pPr>
-            <a:r>
-              <a:rPr/>
-              <a:t>Todos os direitos reservados. Nenhuma parte deste livro pode ser reproduzida ou usada de qualquer maneira sem a permissão prévia por escrito do proprietário dos direitos autorais, exceto para o uso de breves citações em uma resenha do livro.</a:t>
-            </a:r>
-          </a:p>
-          <a:p>
-            <a:pPr lvl="0" indent="0" marL="0">
-              <a:buNone/>
-            </a:pPr>
-            <a:r>
-              <a:rPr/>
-              <a:t>Para solicitar permissões, entre em contato com </a:t>
-            </a:r>
-            <a:r>
-              <a:rPr>
-                <a:hlinkClick r:id="rId2"/>
-              </a:rPr>
-              <a:t>cienciacomr@gmail.com</a:t>
-            </a:r>
-          </a:p>
-          <a:p>
-            <a:pPr lvl="0" indent="0" marL="0">
-              <a:buNone/>
-            </a:pPr>
-            <a:r>
-              <a:rPr/>
-              <a:t>Capa dura: ISBN</a:t>
-            </a:r>
-          </a:p>
-          <a:p>
-            <a:pPr lvl="0" indent="0" marL="0">
-              <a:buNone/>
-            </a:pPr>
-            <a:r>
-              <a:rPr/>
-              <a:t>Brochura: ISBN</a:t>
-            </a:r>
-          </a:p>
-          <a:p>
-            <a:pPr lvl="0" indent="0" marL="0">
-              <a:buNone/>
-            </a:pPr>
-            <a:r>
-              <a:rPr/>
-              <a:t>E-book: ISBN</a:t>
-            </a:r>
-          </a:p>
-          <a:p>
-            <a:pPr lvl="0" indent="0" marL="0">
-              <a:buNone/>
-            </a:pPr>
-            <a:r>
-              <a:rPr/>
-              <a:t>A versão online desta obra está licenciada com uma Licença Creative Commons Atribuição-NãoComercial 4.0 Internacional.</a:t>
-            </a:r>
-          </a:p>
-          <a:p>
-            <a:pPr lvl="0" indent="0" marL="0">
-              <a:buNone/>
-            </a:pPr>
-            <a:r>
-              <a:rPr/>
               <a:t>Ferreira, Arthur de Sá. </a:t>
             </a:r>
             <a:r>
@@ -30391,9 +30322,83 @@
             </a:r>
             <a:r>
               <a:rPr>
+                <a:hlinkClick r:id="rId2"/>
+              </a:rPr>
+              <a:t>doi: 10.5281/zenodo.8320233</a:t>
+            </a:r>
+          </a:p>
+          <a:p>
+            <a:pPr lvl="0" indent="0" marL="0">
+              <a:buNone/>
+            </a:pPr>
+          </a:p>
+          <a:p>
+            <a:pPr lvl="0" indent="0" marL="0">
+              <a:buNone/>
+            </a:pPr>
+            <a:r>
+              <a:rPr/>
+              <a:t>Copyright © 2023 Arthur de Sá Ferreira</a:t>
+            </a:r>
+          </a:p>
+          <a:p>
+            <a:pPr lvl="0" indent="0" marL="0">
+              <a:buNone/>
+            </a:pPr>
+            <a:r>
+              <a:rPr/>
+              <a:t>Todos os direitos reservados. Nenhuma parte deste livro pode ser reproduzida ou usada de qualquer maneira sem a permissão prévia por escrito do proprietário dos direitos autorais, exceto para o uso de breves citações em uma resenha do livro.</a:t>
+            </a:r>
+          </a:p>
+          <a:p>
+            <a:pPr lvl="0" indent="0" marL="0">
+              <a:buNone/>
+            </a:pPr>
+            <a:r>
+              <a:rPr/>
+              <a:t>Para solicitar permissões, entre em contato com </a:t>
+            </a:r>
+            <a:r>
+              <a:rPr>
                 <a:hlinkClick r:id="rId3"/>
               </a:rPr>
-              <a:t>doi: 10.5281/zenodo.8320233</a:t>
+              <a:t>cienciacomr@gmail.com</a:t>
+            </a:r>
+          </a:p>
+          <a:p>
+            <a:pPr lvl="0" indent="0" marL="0">
+              <a:buNone/>
+            </a:pPr>
+            <a:r>
+              <a:rPr/>
+              <a:t>Capa dura: ISBN</a:t>
+            </a:r>
+          </a:p>
+          <a:p>
+            <a:pPr lvl="0" indent="0" marL="0">
+              <a:buNone/>
+            </a:pPr>
+            <a:r>
+              <a:rPr/>
+              <a:t>Brochura: ISBN</a:t>
+            </a:r>
+          </a:p>
+          <a:p>
+            <a:pPr lvl="0" indent="0" marL="0">
+              <a:buNone/>
+            </a:pPr>
+            <a:r>
+              <a:rPr/>
+              <a:t>E-book: ISBN</a:t>
+            </a:r>
+          </a:p>
+          <a:p>
+            <a:pPr lvl="0" indent="0" marL="0">
+              <a:buNone/>
+            </a:pPr>
+            <a:r>
+              <a:rPr/>
+              <a:t>A versão online desta obra está licenciada com uma Licença Creative Commons Atribuição-NãoComercial 4.0 Internacional.</a:t>
             </a:r>
           </a:p>
         </p:txBody>

--- a/docs/Ciencia-com-R.pptx
+++ b/docs/Ciencia-com-R.pptx
@@ -3672,7 +3672,7 @@
             </a:pPr>
             <a:r>
               <a:rPr/>
-              <a:t>Agradecimentos</a:t>
+              <a:t>Prefácio</a:t>
             </a:r>
           </a:p>
         </p:txBody>
@@ -6409,7 +6409,115 @@
             </a:pPr>
             <a:r>
               <a:rPr/>
-              <a:t>Este trabalho não seria possível sem o apoio e suporte da minha esposa Daniele, minha irmã Mônica, meu pai José Victorino e meus filhos Giovanna, Victor e Lucas.</a:t>
+              <a:t>No âmbito da análise estatística de dados, os processos envolvidos são marcados por uma série de escolhas críticas. Estas decisões abrangem considerações metodológicas e ações operacionais que moldam toda a jornada analítica. Deve-se selecionar, cuidadosamente, um delineamento de estudo para enfrentar os desafios únicos colocados por um projeto de pesquisa. Além disso, a escolha de métodos estatísticos adequados para lidar com os dados gerados pelo delineamento escolhido tem um peso importante. Estas decisões necessitam de uma base construída sobre as evidências mais convincentes da literatura existente e na adesão a práticas sólidas de investigação.</a:t>
+            </a:r>
+          </a:p>
+          <a:p>
+            <a:pPr lvl="0" indent="0" marL="0">
+              <a:buNone/>
+            </a:pPr>
+            <a:r>
+              <a:rPr/>
+              <a:t>Interpretar os resultados destas análises não é uma tarefa simples. Confiar apenas na formação educacional convencional, no bom senso e na intuição para decifrar tabelas e gráficos pode revelar-se inadequado. Interpretações errôneas podem gerar consequências indesejáveis, incluindo a utilização de testes diagnósticos imprecisos ou o endosso de tratamentos ineficazes.</a:t>
+            </a:r>
+          </a:p>
+          <a:p>
+            <a:pPr lvl="0" indent="0" marL="0">
+              <a:buNone/>
+            </a:pPr>
+            <a:r>
+              <a:rPr/>
+              <a:t>Este livro emerge do reconhecimento desses desafios.</a:t>
+            </a:r>
+          </a:p>
+          <a:p>
+            <a:pPr lvl="0" indent="0" marL="0">
+              <a:buNone/>
+            </a:pPr>
+            <a:r>
+              <a:rPr/>
+              <a:t>A proposta gira em torno da organização de um compêndio abrangente de métodos e técnicas de ponta, para análise estatística de dados em pesquisa científica, apresentados em formato de perguntas e respostas. Esse formato promove um diálogo direto e objetivo com o leitor, respondendo a dúvidas comumente colocadas por alunos de graduação, pós-graduação, mestrado e doutorado, bem como por pesquisadores.</a:t>
+            </a:r>
+          </a:p>
+          <a:p>
+            <a:pPr lvl="0" indent="0" marL="0">
+              <a:buNone/>
+            </a:pPr>
+            <a:r>
+              <a:rPr/>
+              <a:t>O objetivo geral de cada capítulo é elucidar as questões metodológicas fundamentais: </a:t>
+            </a:r>
+            <a:r>
+              <a:rPr i="1"/>
+              <a:t>“O que é?”</a:t>
+            </a:r>
+            <a:r>
+              <a:rPr/>
+              <a:t>, </a:t>
+            </a:r>
+            <a:r>
+              <a:rPr i="1"/>
+              <a:t>“Por que usar?”</a:t>
+            </a:r>
+            <a:r>
+              <a:rPr/>
+              <a:t>, </a:t>
+            </a:r>
+            <a:r>
+              <a:rPr i="1"/>
+              <a:t>“Quando usar?”</a:t>
+            </a:r>
+            <a:r>
+              <a:rPr/>
+              <a:t>, </a:t>
+            </a:r>
+            <a:r>
+              <a:rPr i="1"/>
+              <a:t>“Quando não usar?”</a:t>
+            </a:r>
+            <a:r>
+              <a:rPr/>
+              <a:t> e </a:t>
+            </a:r>
+            <a:r>
+              <a:rPr i="1"/>
+              <a:t>“Como fazer?”</a:t>
+            </a:r>
+            <a:r>
+              <a:rPr/>
+              <a:t>. Em cada capítulo, diversas questões específicas são propostas e respondidas sistematicamente, permitindo ao leitor uma melhor elaboração do conteúdo e resultado do seu trabalho.</a:t>
+            </a:r>
+          </a:p>
+          <a:p>
+            <a:pPr lvl="0" indent="0" marL="0">
+              <a:buNone/>
+            </a:pPr>
+            <a:r>
+              <a:rPr/>
+              <a:t>Os capítulos foram organizados para seguir uma progressão de conceitos e aplicações. Embora sejam fragmentados para maior clareza instrucional, as referências cruzadas ajudam a mitigar a fragmentação do conteúdo e reforçar a interconexão dos tópicos.</a:t>
+            </a:r>
+          </a:p>
+          <a:p>
+            <a:pPr lvl="0" indent="0" marL="0">
+              <a:buNone/>
+            </a:pPr>
+            <a:r>
+              <a:rPr/>
+              <a:t>O público-alvo compreende pesquisadores, professores, analistas de dados, profissionais e estudantes que regularmente lidam com a tomada de decisões em pesquisa. Os estudantes de pós-graduação encontrarão aqui uma obra repleta de exemplos para adaptar na análise dos dados de seus projetos de pesquisa. Professores de graduação e pós-graduação terão acesso a uma obra didática de referência, direcionada para seus alunos. Pesquisadores e analistas de dados iniciantes descobrirão um valioso acervo de informações e referências para a construção de projetos e manuscritos. Pesquisadores e os cientistas mais experientes podem recorrer às referências e esclarecimentos mais atuais sobre vieses, paradoxos, mitos e mal práticas em pesquisa. E mesmo os leitores não familiarizados ainda com as técnicas de análise de dados em pesquisa terão a oportunidade de apreciar o papel fundamental de colocar e responder suas perguntas na busca do conhecimento científico.</a:t>
+            </a:r>
+          </a:p>
+          <a:p>
+            <a:pPr lvl="0" indent="0" marL="0">
+              <a:buNone/>
+            </a:pPr>
+          </a:p>
+          <a:p>
+            <a:pPr lvl="0" indent="0" marL="0">
+              <a:buNone/>
+            </a:pPr>
+            <a:r>
+              <a:rPr/>
+              <a:t>Arthur de Sá Ferreira, DSc</a:t>
             </a:r>
           </a:p>
           <a:p>
@@ -41173,7 +41281,7 @@
             </a:pPr>
             <a:r>
               <a:rPr/>
-              <a:t>Prefácio</a:t>
+              <a:t>Agradecimentos</a:t>
             </a:r>
           </a:p>
         </p:txBody>
@@ -43027,115 +43135,7 @@
             </a:pPr>
             <a:r>
               <a:rPr/>
-              <a:t>No âmbito da análise estatística de dados, os processos envolvidos são marcados por uma série de escolhas críticas. Estas decisões abrangem considerações metodológicas e ações operacionais que moldam toda a jornada analítica. Deve-se selecionar, cuidadosamente, um delineamento de estudo para enfrentar os desafios únicos colocados por um projeto de pesquisa. Além disso, a escolha de métodos estatísticos adequados para lidar com os dados gerados pelo delineamento escolhido tem um peso importante. Estas decisões necessitam de uma base construída sobre as evidências mais convincentes da literatura existente e na adesão a práticas sólidas de investigação.</a:t>
-            </a:r>
-          </a:p>
-          <a:p>
-            <a:pPr lvl="0" indent="0" marL="0">
-              <a:buNone/>
-            </a:pPr>
-            <a:r>
-              <a:rPr/>
-              <a:t>Interpretar os resultados destas análises não é uma tarefa simples. Confiar apenas na formação educacional convencional, no bom senso e na intuição para decifrar tabelas e gráficos pode revelar-se inadequado. Interpretações errôneas podem gerar consequências indesejáveis, incluindo a utilização de testes diagnósticos imprecisos ou o endosso de tratamentos ineficazes.</a:t>
-            </a:r>
-          </a:p>
-          <a:p>
-            <a:pPr lvl="0" indent="0" marL="0">
-              <a:buNone/>
-            </a:pPr>
-            <a:r>
-              <a:rPr/>
-              <a:t>Este livro emerge do reconhecimento desses desafios.</a:t>
-            </a:r>
-          </a:p>
-          <a:p>
-            <a:pPr lvl="0" indent="0" marL="0">
-              <a:buNone/>
-            </a:pPr>
-            <a:r>
-              <a:rPr/>
-              <a:t>A proposta gira em torno da organização de um compêndio abrangente de métodos e técnicas de ponta, para análise estatística de dados em pesquisa científica, apresentados em formato de perguntas e respostas. Esse formato promove um diálogo direto e objetivo com o leitor, respondendo a dúvidas comumente colocadas por alunos de graduação, pós-graduação, mestrado e doutorado, bem como por pesquisadores.</a:t>
-            </a:r>
-          </a:p>
-          <a:p>
-            <a:pPr lvl="0" indent="0" marL="0">
-              <a:buNone/>
-            </a:pPr>
-            <a:r>
-              <a:rPr/>
-              <a:t>O objetivo geral de cada capítulo é elucidar as questões metodológicas fundamentais: </a:t>
-            </a:r>
-            <a:r>
-              <a:rPr i="1"/>
-              <a:t>“O que é?”</a:t>
-            </a:r>
-            <a:r>
-              <a:rPr/>
-              <a:t>, </a:t>
-            </a:r>
-            <a:r>
-              <a:rPr i="1"/>
-              <a:t>“Por que usar?”</a:t>
-            </a:r>
-            <a:r>
-              <a:rPr/>
-              <a:t>, </a:t>
-            </a:r>
-            <a:r>
-              <a:rPr i="1"/>
-              <a:t>“Quando usar?”</a:t>
-            </a:r>
-            <a:r>
-              <a:rPr/>
-              <a:t>, </a:t>
-            </a:r>
-            <a:r>
-              <a:rPr i="1"/>
-              <a:t>“Quando não usar?”</a:t>
-            </a:r>
-            <a:r>
-              <a:rPr/>
-              <a:t> e </a:t>
-            </a:r>
-            <a:r>
-              <a:rPr i="1"/>
-              <a:t>“Como fazer?”</a:t>
-            </a:r>
-            <a:r>
-              <a:rPr/>
-              <a:t>. Em cada capítulo, diversas questões específicas são propostas e respondidas sistematicamente, permitindo ao leitor uma melhor elaboração do conteúdo e resultado do seu trabalho.</a:t>
-            </a:r>
-          </a:p>
-          <a:p>
-            <a:pPr lvl="0" indent="0" marL="0">
-              <a:buNone/>
-            </a:pPr>
-            <a:r>
-              <a:rPr/>
-              <a:t>Os capítulos foram organizados para seguir uma progressão de conceitos e aplicações. Embora sejam fragmentados para maior clareza instrucional, as referências cruzadas ajudam a mitigar a fragmentação do conteúdo e reforçar a interconexão dos tópicos.</a:t>
-            </a:r>
-          </a:p>
-          <a:p>
-            <a:pPr lvl="0" indent="0" marL="0">
-              <a:buNone/>
-            </a:pPr>
-            <a:r>
-              <a:rPr/>
-              <a:t>O público-alvo compreende pesquisadores, professores, analistas de dados, profissionais e estudantes que regularmente lidam com a tomada de decisões em pesquisa. Os estudantes de pós-graduação encontrarão aqui uma obra repleta de exemplos para adaptar na análise dos dados de seus projetos de pesquisa. Professores de graduação e pós-graduação terão acesso a uma obra didática de referência, direcionada para seus alunos. Pesquisadores e analistas de dados iniciantes descobrirão um valioso acervo de informações e referências para a construção de projetos e manuscritos. Pesquisadores e os cientistas mais experientes podem recorrer às referências e esclarecimentos mais atuais sobre vieses, paradoxos, mitos e mal práticas em pesquisa. E mesmo os leitores não familiarizados ainda com as técnicas de análise de dados em pesquisa terão a oportunidade de apreciar o papel fundamental de colocar e responder suas perguntas na busca do conhecimento científico.</a:t>
-            </a:r>
-          </a:p>
-          <a:p>
-            <a:pPr lvl="0" indent="0" marL="0">
-              <a:buNone/>
-            </a:pPr>
-          </a:p>
-          <a:p>
-            <a:pPr lvl="0" indent="0" marL="0">
-              <a:buNone/>
-            </a:pPr>
-            <a:r>
-              <a:rPr/>
-              <a:t>Arthur de Sá Ferreira, DSc</a:t>
+              <a:t>Este trabalho não seria possível sem o apoio e suporte da minha esposa Daniele, minha irmã Mônica, meu pai José Victorino e meus filhos Giovanna, Victor e Lucas.</a:t>
             </a:r>
           </a:p>
           <a:p>

--- a/docs/Ciencia-com-R.pptx
+++ b/docs/Ciencia-com-R.pptx
@@ -3911,7 +3911,7 @@
                 </a:r>
                 <a:r>
                   <a:rPr baseline="30000"/>
-                  <a:t>27</a:t>
+                  <a:t>28</a:t>
                 </a:r>
               </a:p>
               <a:p>
@@ -3942,7 +3942,7 @@
                 </a:r>
                 <a:r>
                   <a:rPr baseline="30000"/>
-                  <a:t>27</a:t>
+                  <a:t>28</a:t>
                 </a:r>
               </a:p>
               <a:p>
@@ -4296,7 +4296,7 @@
                 </a:r>
                 <a:r>
                   <a:rPr baseline="30000"/>
-                  <a:t>14,27</a:t>
+                  <a:t>14,28</a:t>
                 </a:r>
               </a:p>
               <a:p>
@@ -4324,7 +4324,7 @@
                 </a:r>
                 <a:r>
                   <a:rPr baseline="30000"/>
-                  <a:t>14,27</a:t>
+                  <a:t>14,28</a:t>
                 </a:r>
               </a:p>
               <a:p>
@@ -4335,7 +4335,7 @@
                 </a:r>
                 <a:r>
                   <a:rPr baseline="30000"/>
-                  <a:t>27</a:t>
+                  <a:t>28</a:t>
                 </a:r>
               </a:p>
               <a:p>
@@ -4374,7 +4374,7 @@
                 </a:r>
                 <a:r>
                   <a:rPr baseline="30000"/>
-                  <a:t>27</a:t>
+                  <a:t>28</a:t>
                 </a:r>
               </a:p>
               <a:p>
@@ -16911,7 +16911,22 @@
             </a:pPr>
             <a:r>
               <a:rPr/>
-              <a:t>16. Heymans MW, Twisk JWR. Handling missing data in clinical research. </a:t>
+              <a:t>16. R Core Team. R: A language and environment for statistical computing. 2023. </a:t>
+            </a:r>
+            <a:r>
+              <a:rPr>
+                <a:hlinkClick r:id="rId17"/>
+              </a:rPr>
+              <a:t>https://www.R-project.org/.</a:t>
+            </a:r>
+          </a:p>
+          <a:p>
+            <a:pPr lvl="0" indent="0" marL="0">
+              <a:buNone/>
+            </a:pPr>
+            <a:r>
+              <a:rPr/>
+              <a:t>17. Heymans MW, Twisk JWR. Handling missing data in clinical research. </a:t>
             </a:r>
             <a:r>
               <a:rPr i="1"/>
@@ -16923,7 +16938,7 @@
             </a:r>
             <a:r>
               <a:rPr>
-                <a:hlinkClick r:id="rId17"/>
+                <a:hlinkClick r:id="rId18"/>
               </a:rPr>
               <a:t>10.1016/j.jclinepi.2022.08.016</a:t>
             </a:r>
@@ -16934,7 +16949,7 @@
             </a:pPr>
             <a:r>
               <a:rPr/>
-              <a:t>17. Carpenter JR, Smuk M. Missing data: A statistical framework for practice. </a:t>
+              <a:t>18. Carpenter JR, Smuk M. Missing data: A statistical framework for practice. </a:t>
             </a:r>
             <a:r>
               <a:rPr i="1"/>
@@ -16946,7 +16961,7 @@
             </a:r>
             <a:r>
               <a:rPr>
-                <a:hlinkClick r:id="rId18"/>
+                <a:hlinkClick r:id="rId19"/>
               </a:rPr>
               <a:t>10.1002/bimj.202000196</a:t>
             </a:r>
@@ -16957,11 +16972,11 @@
             </a:pPr>
             <a:r>
               <a:rPr/>
-              <a:t>18. Yanagida T. Misty: Miscellaneous functions ’t. yanagida’. 2023. </a:t>
-            </a:r>
-            <a:r>
-              <a:rPr>
-                <a:hlinkClick r:id="rId19"/>
+              <a:t>19. Yanagida T. Misty: Miscellaneous functions ’t. yanagida’. 2023. </a:t>
+            </a:r>
+            <a:r>
+              <a:rPr>
+                <a:hlinkClick r:id="rId20"/>
               </a:rPr>
               <a:t>https://CRAN.R-project.org/package=misty.</a:t>
             </a:r>
@@ -16972,7 +16987,7 @@
             </a:pPr>
             <a:r>
               <a:rPr/>
-              <a:t>19. Little RJA. A Test of Missing Completely at Random for Multivariate Data with Missing Values. </a:t>
+              <a:t>20. Little RJA. A Test of Missing Completely at Random for Multivariate Data with Missing Values. </a:t>
             </a:r>
             <a:r>
               <a:rPr i="1"/>
@@ -16984,7 +16999,7 @@
             </a:r>
             <a:r>
               <a:rPr>
-                <a:hlinkClick r:id="rId20"/>
+                <a:hlinkClick r:id="rId21"/>
               </a:rPr>
               <a:t>10.1080/01621459.1988.10478722</a:t>
             </a:r>
@@ -16995,11 +17010,11 @@
             </a:pPr>
             <a:r>
               <a:rPr/>
-              <a:t>20. R Core Team. R: A language and environment for statistical computing. 2022. </a:t>
-            </a:r>
-            <a:r>
-              <a:rPr>
-                <a:hlinkClick r:id="rId21"/>
+              <a:t>21. R Core Team. R: A language and environment for statistical computing. 2022. </a:t>
+            </a:r>
+            <a:r>
+              <a:rPr>
+                <a:hlinkClick r:id="rId22"/>
               </a:rPr>
               <a:t>https://www.R-project.org/.</a:t>
             </a:r>
@@ -17010,7 +17025,7 @@
             </a:pPr>
             <a:r>
               <a:rPr/>
-              <a:t>21. Cao Y, Allore H, Vander Wyk B, Gutman R. Review and evaluation of imputation methods for multivariate longitudinal data with mixed-type incomplete variables. </a:t>
+              <a:t>22. Cao Y, Allore H, Vander Wyk B, Gutman R. Review and evaluation of imputation methods for multivariate longitudinal data with mixed-type incomplete variables. </a:t>
             </a:r>
             <a:r>
               <a:rPr i="1"/>
@@ -17022,7 +17037,7 @@
             </a:r>
             <a:r>
               <a:rPr>
-                <a:hlinkClick r:id="rId22"/>
+                <a:hlinkClick r:id="rId23"/>
               </a:rPr>
               <a:t>10.1002/sim.9592</a:t>
             </a:r>
@@ -17033,11 +17048,11 @@
             </a:pPr>
             <a:r>
               <a:rPr/>
-              <a:t>22. Buuren S van, Groothuis-Oudshoorn K. Mice: Multivariate imputation by chained equations in r. 2011;45:1-67. doi:</a:t>
-            </a:r>
-            <a:r>
-              <a:rPr>
-                <a:hlinkClick r:id="rId23"/>
+              <a:t>23. Buuren S van, Groothuis-Oudshoorn K. Mice: Multivariate imputation by chained equations in r. 2011;45:1-67. doi:</a:t>
+            </a:r>
+            <a:r>
+              <a:rPr>
+                <a:hlinkClick r:id="rId24"/>
               </a:rPr>
               <a:t>10.18637/jss.v045.i03</a:t>
             </a:r>
@@ -17048,11 +17063,11 @@
             </a:pPr>
             <a:r>
               <a:rPr/>
-              <a:t>23. Robitzsch A, Grund S. Miceadds: Some additional multiple imputation functions, especially for ’mice’. 2023. </a:t>
-            </a:r>
-            <a:r>
-              <a:rPr>
-                <a:hlinkClick r:id="rId24"/>
+              <a:t>24. Robitzsch A, Grund S. Miceadds: Some additional multiple imputation functions, especially for ’mice’. 2023. </a:t>
+            </a:r>
+            <a:r>
+              <a:rPr>
+                <a:hlinkClick r:id="rId25"/>
               </a:rPr>
               <a:t>https://CRAN.R-project.org/package=miceadds.</a:t>
             </a:r>
@@ -17063,7 +17078,7 @@
             </a:pPr>
             <a:r>
               <a:rPr/>
-              <a:t>24. Akl EA, Shawwa K, Kahale LA, et al. Reporting missing participant data in randomised trials: systematic survey of the methodological literature and a proposed guide. </a:t>
+              <a:t>25. Akl EA, Shawwa K, Kahale LA, et al. Reporting missing participant data in randomised trials: systematic survey of the methodological literature and a proposed guide. </a:t>
             </a:r>
             <a:r>
               <a:rPr i="1"/>
@@ -17075,7 +17090,7 @@
             </a:r>
             <a:r>
               <a:rPr>
-                <a:hlinkClick r:id="rId25"/>
+                <a:hlinkClick r:id="rId26"/>
               </a:rPr>
               <a:t>10.1136/bmjopen-2015-008431</a:t>
             </a:r>
@@ -17086,7 +17101,7 @@
             </a:pPr>
             <a:r>
               <a:rPr/>
-              <a:t>25. Baillie M, Cessie S le, Schmidt CO, Lusa L, Huebner M. Ten simple rules for initial data analysis. </a:t>
+              <a:t>26. Baillie M, Cessie S le, Schmidt CO, Lusa L, Huebner M. Ten simple rules for initial data analysis. </a:t>
             </a:r>
             <a:r>
               <a:rPr i="1"/>
@@ -17098,7 +17113,7 @@
             </a:r>
             <a:r>
               <a:rPr>
-                <a:hlinkClick r:id="rId26"/>
+                <a:hlinkClick r:id="rId27"/>
               </a:rPr>
               <a:t>10.1371/journal.pcbi.1009819</a:t>
             </a:r>
@@ -17109,7 +17124,7 @@
             </a:pPr>
             <a:r>
               <a:rPr/>
-              <a:t>26. Altman DG, Bland JM. Statistics notes Variables and parameters. </a:t>
+              <a:t>27. Altman DG, Bland JM. Statistics notes Variables and parameters. </a:t>
             </a:r>
             <a:r>
               <a:rPr i="1"/>
@@ -17121,7 +17136,7 @@
             </a:r>
             <a:r>
               <a:rPr>
-                <a:hlinkClick r:id="rId27"/>
+                <a:hlinkClick r:id="rId28"/>
               </a:rPr>
               <a:t>10.1136/bmj.318.7199.1667</a:t>
             </a:r>
@@ -17132,7 +17147,7 @@
             </a:pPr>
             <a:r>
               <a:rPr/>
-              <a:t>27. Ali Z, Bhaskar Sb. Basic statistical tools in research and data analysis. </a:t>
+              <a:t>28. Ali Z, Bhaskar Sb. Basic statistical tools in research and data analysis. </a:t>
             </a:r>
             <a:r>
               <a:rPr i="1"/>
@@ -17144,7 +17159,7 @@
             </a:r>
             <a:r>
               <a:rPr>
-                <a:hlinkClick r:id="rId28"/>
+                <a:hlinkClick r:id="rId29"/>
               </a:rPr>
               <a:t>10.4103/0019-5049.190623</a:t>
             </a:r>
@@ -17155,7 +17170,7 @@
             </a:pPr>
             <a:r>
               <a:rPr/>
-              <a:t>28. Dettori JR, Norvell DC. The Anatomy of Data. </a:t>
+              <a:t>29. Dettori JR, Norvell DC. The Anatomy of Data. </a:t>
             </a:r>
             <a:r>
               <a:rPr i="1"/>
@@ -17167,7 +17182,7 @@
             </a:r>
             <a:r>
               <a:rPr>
-                <a:hlinkClick r:id="rId29"/>
+                <a:hlinkClick r:id="rId30"/>
               </a:rPr>
               <a:t>10.1177/2192568217746998</a:t>
             </a:r>
@@ -17178,7 +17193,7 @@
             </a:pPr>
             <a:r>
               <a:rPr/>
-              <a:t>29. Kaliyadan F, Kulkarni V. Types of variables, descriptive statistics, and sample size. </a:t>
+              <a:t>30. Kaliyadan F, Kulkarni V. Types of variables, descriptive statistics, and sample size. </a:t>
             </a:r>
             <a:r>
               <a:rPr i="1"/>
@@ -17190,7 +17205,7 @@
             </a:r>
             <a:r>
               <a:rPr>
-                <a:hlinkClick r:id="rId30"/>
+                <a:hlinkClick r:id="rId31"/>
               </a:rPr>
               <a:t>10.4103/idoj.idoj_468_18</a:t>
             </a:r>
@@ -17201,7 +17216,7 @@
             </a:pPr>
             <a:r>
               <a:rPr/>
-              <a:t>30. Bland JM, Altman DG. Statistics Notes: Transforming data. </a:t>
+              <a:t>31. Bland JM, Altman DG. Statistics Notes: Transforming data. </a:t>
             </a:r>
             <a:r>
               <a:rPr i="1"/>
@@ -17213,7 +17228,7 @@
             </a:r>
             <a:r>
               <a:rPr>
-                <a:hlinkClick r:id="rId31"/>
+                <a:hlinkClick r:id="rId32"/>
               </a:rPr>
               <a:t>10.1136/bmj.312.7033.770</a:t>
             </a:r>
@@ -17224,7 +17239,7 @@
             </a:pPr>
             <a:r>
               <a:rPr/>
-              <a:t>31. Fedorov V, Mannino F, Zhang R. Consequences of dichotomization. </a:t>
+              <a:t>32. Fedorov V, Mannino F, Zhang R. Consequences of dichotomization. </a:t>
             </a:r>
             <a:r>
               <a:rPr i="1"/>
@@ -17236,7 +17251,7 @@
             </a:r>
             <a:r>
               <a:rPr>
-                <a:hlinkClick r:id="rId32"/>
+                <a:hlinkClick r:id="rId33"/>
               </a:rPr>
               <a:t>10.1002/pst.331</a:t>
             </a:r>
@@ -17247,7 +17262,7 @@
             </a:pPr>
             <a:r>
               <a:rPr/>
-              <a:t>32. Osborne J. Improving your data transformations: Applying the box-cox transformation. </a:t>
+              <a:t>33. Osborne J. Improving your data transformations: Applying the box-cox transformation. </a:t>
             </a:r>
             <a:r>
               <a:rPr i="1"/>
@@ -17259,7 +17274,7 @@
             </a:r>
             <a:r>
               <a:rPr>
-                <a:hlinkClick r:id="rId33"/>
+                <a:hlinkClick r:id="rId34"/>
               </a:rPr>
               <a:t>10.7275/QBPC-GK17</a:t>
             </a:r>
@@ -17270,7 +17285,7 @@
             </a:pPr>
             <a:r>
               <a:rPr/>
-              <a:t>33. Box GEP, Cox DR. An Analysis of Transformations. </a:t>
+              <a:t>34. Box GEP, Cox DR. An Analysis of Transformations. </a:t>
             </a:r>
             <a:r>
               <a:rPr i="1"/>
@@ -17282,7 +17297,7 @@
             </a:r>
             <a:r>
               <a:rPr>
-                <a:hlinkClick r:id="rId34"/>
+                <a:hlinkClick r:id="rId35"/>
               </a:rPr>
               <a:t>10.1111/j.2517-6161.1964.tb00553.x</a:t>
             </a:r>
@@ -17293,11 +17308,11 @@
             </a:pPr>
             <a:r>
               <a:rPr/>
-              <a:t>34. Venables WN, Ripley BD. Modern applied statistics with s. 2002. </a:t>
-            </a:r>
-            <a:r>
-              <a:rPr>
-                <a:hlinkClick r:id="rId35"/>
+              <a:t>35. Venables WN, Ripley BD. Modern applied statistics with s. 2002. </a:t>
+            </a:r>
+            <a:r>
+              <a:rPr>
+                <a:hlinkClick r:id="rId36"/>
               </a:rPr>
               <a:t>https://www.stats.ox.ac.uk/pub/MASS4/.</a:t>
             </a:r>
@@ -17308,7 +17323,7 @@
             </a:pPr>
             <a:r>
               <a:rPr/>
-              <a:t>35. MacCallum RC, Zhang S, Preacher KJ, Rucker DD. On the practice of dichotomization of quantitative variables. </a:t>
+              <a:t>36. MacCallum RC, Zhang S, Preacher KJ, Rucker DD. On the practice of dichotomization of quantitative variables. </a:t>
             </a:r>
             <a:r>
               <a:rPr i="1"/>
@@ -17320,7 +17335,7 @@
             </a:r>
             <a:r>
               <a:rPr>
-                <a:hlinkClick r:id="rId36"/>
+                <a:hlinkClick r:id="rId37"/>
               </a:rPr>
               <a:t>10.1037/1082-989x.7.1.19</a:t>
             </a:r>
@@ -17331,7 +17346,7 @@
             </a:pPr>
             <a:r>
               <a:rPr/>
-              <a:t>36. Altman DG, Royston P. The cost of dichotomising continuous variables. </a:t>
+              <a:t>37. Altman DG, Royston P. The cost of dichotomising continuous variables. </a:t>
             </a:r>
             <a:r>
               <a:rPr i="1"/>
@@ -17343,7 +17358,7 @@
             </a:r>
             <a:r>
               <a:rPr>
-                <a:hlinkClick r:id="rId37"/>
+                <a:hlinkClick r:id="rId38"/>
               </a:rPr>
               <a:t>10.1136/bmj.332.7549.1080</a:t>
             </a:r>
@@ -17354,7 +17369,7 @@
             </a:pPr>
             <a:r>
               <a:rPr/>
-              <a:t>37. Royston P, Altman DG, Sauerbrei W. Dichotomizing continuous predictors in multiple regression: a bad idea. </a:t>
+              <a:t>38. Royston P, Altman DG, Sauerbrei W. Dichotomizing continuous predictors in multiple regression: a bad idea. </a:t>
             </a:r>
             <a:r>
               <a:rPr i="1"/>
@@ -17366,7 +17381,7 @@
             </a:r>
             <a:r>
               <a:rPr>
-                <a:hlinkClick r:id="rId38"/>
+                <a:hlinkClick r:id="rId39"/>
               </a:rPr>
               <a:t>10.1002/sim.2331</a:t>
             </a:r>
@@ -17377,7 +17392,7 @@
             </a:pPr>
             <a:r>
               <a:rPr/>
-              <a:t>38. Collins GS, Ogundimu EO, Cook JA, Manach YL, Altman DG. Quantifying the impact of different approaches for handling continuous predictors on the performance of a prognostic model. </a:t>
+              <a:t>39. Collins GS, Ogundimu EO, Cook JA, Manach YL, Altman DG. Quantifying the impact of different approaches for handling continuous predictors on the performance of a prognostic model. </a:t>
             </a:r>
             <a:r>
               <a:rPr i="1"/>
@@ -17389,7 +17404,7 @@
             </a:r>
             <a:r>
               <a:rPr>
-                <a:hlinkClick r:id="rId39"/>
+                <a:hlinkClick r:id="rId40"/>
               </a:rPr>
               <a:t>10.1002/sim.6986</a:t>
             </a:r>
@@ -17400,7 +17415,7 @@
             </a:pPr>
             <a:r>
               <a:rPr/>
-              <a:t>39. Nelson SLP, Ramakrishnan V, Nietert PJ, Kamen DL, Ramos PS, Wolf BJ. An evaluation of common methods for dichotomization of continuous variables to discriminate disease status. </a:t>
+              <a:t>40. Nelson SLP, Ramakrishnan V, Nietert PJ, Kamen DL, Ramos PS, Wolf BJ. An evaluation of common methods for dichotomization of continuous variables to discriminate disease status. </a:t>
             </a:r>
             <a:r>
               <a:rPr i="1"/>
@@ -17412,7 +17427,7 @@
             </a:r>
             <a:r>
               <a:rPr>
-                <a:hlinkClick r:id="rId40"/>
+                <a:hlinkClick r:id="rId41"/>
               </a:rPr>
               <a:t>10.1080/03610926.2016.1248783</a:t>
             </a:r>
@@ -17423,7 +17438,7 @@
             </a:pPr>
             <a:r>
               <a:rPr/>
-              <a:t>40. Bennette C, Vickers A. Against quantiles: categorization of continuous variables in epidemiologic research, and its discontents. </a:t>
+              <a:t>41. Bennette C, Vickers A. Against quantiles: categorization of continuous variables in epidemiologic research, and its discontents. </a:t>
             </a:r>
             <a:r>
               <a:rPr i="1"/>
@@ -17435,7 +17450,7 @@
             </a:r>
             <a:r>
               <a:rPr>
-                <a:hlinkClick r:id="rId41"/>
+                <a:hlinkClick r:id="rId42"/>
               </a:rPr>
               <a:t>10.1186/1471-2288-12-21</a:t>
             </a:r>
@@ -17446,7 +17461,7 @@
             </a:pPr>
             <a:r>
               <a:rPr/>
-              <a:t>41. Youden WJ. Index for rating diagnostic tests. </a:t>
+              <a:t>42. Youden WJ. Index for rating diagnostic tests. </a:t>
             </a:r>
             <a:r>
               <a:rPr i="1"/>
@@ -17458,7 +17473,7 @@
             </a:r>
             <a:r>
               <a:rPr>
-                <a:hlinkClick r:id="rId42"/>
+                <a:hlinkClick r:id="rId43"/>
               </a:rPr>
               <a:t>10.1002/1097-0142(1950)3:1&lt;32::aid-cncr2820030106&gt;3.0.co;2-3</a:t>
             </a:r>
@@ -17469,7 +17484,7 @@
             </a:pPr>
             <a:r>
               <a:rPr/>
-              <a:t>42. Strobl C, Boulesteix AL, Augustin T. Unbiased split selection for classification trees based on the Gini Index. </a:t>
+              <a:t>43. Strobl C, Boulesteix AL, Augustin T. Unbiased split selection for classification trees based on the Gini Index. </a:t>
             </a:r>
             <a:r>
               <a:rPr i="1"/>
@@ -17481,7 +17496,7 @@
             </a:r>
             <a:r>
               <a:rPr>
-                <a:hlinkClick r:id="rId43"/>
+                <a:hlinkClick r:id="rId44"/>
               </a:rPr>
               <a:t>10.1016/j.csda.2006.12.030</a:t>
             </a:r>
@@ -17492,7 +17507,7 @@
             </a:pPr>
             <a:r>
               <a:rPr/>
-              <a:t>43. Pearson K. X. </a:t>
+              <a:t>44. Pearson K. X. </a:t>
             </a:r>
             <a:r>
               <a:rPr i="1"/>
@@ -17512,7 +17527,7 @@
             </a:r>
             <a:r>
               <a:rPr>
-                <a:hlinkClick r:id="rId44"/>
+                <a:hlinkClick r:id="rId45"/>
               </a:rPr>
               <a:t>10.1080/14786440009463897</a:t>
             </a:r>
@@ -17523,7 +17538,7 @@
             </a:pPr>
             <a:r>
               <a:rPr/>
-              <a:t>44. Greiner M, Pfeiffer D, Smith RD. Principles and practical application of the receiver-operating characteristic analysis for diagnostic tests. </a:t>
+              <a:t>45. Greiner M, Pfeiffer D, Smith RD. Principles and practical application of the receiver-operating characteristic analysis for diagnostic tests. </a:t>
             </a:r>
             <a:r>
               <a:rPr i="1"/>
@@ -17535,7 +17550,7 @@
             </a:r>
             <a:r>
               <a:rPr>
-                <a:hlinkClick r:id="rId45"/>
+                <a:hlinkClick r:id="rId46"/>
               </a:rPr>
               <a:t>10.1016/s0167-5877(00)00115-x</a:t>
             </a:r>
@@ -17546,7 +17561,7 @@
             </a:pPr>
             <a:r>
               <a:rPr/>
-              <a:t>45. Fleiss JL. Measuring nominal scale agreement among many raters. </a:t>
+              <a:t>46. Fleiss JL. Measuring nominal scale agreement among many raters. </a:t>
             </a:r>
             <a:r>
               <a:rPr i="1"/>
@@ -17558,24 +17573,9 @@
             </a:r>
             <a:r>
               <a:rPr>
-                <a:hlinkClick r:id="rId46"/>
+                <a:hlinkClick r:id="rId47"/>
               </a:rPr>
               <a:t>10.1037/h0031619</a:t>
-            </a:r>
-          </a:p>
-          <a:p>
-            <a:pPr lvl="0" indent="0" marL="0">
-              <a:buNone/>
-            </a:pPr>
-            <a:r>
-              <a:rPr/>
-              <a:t>46. Wickham H. Forcats: Tools for working with categorical variables (factors). 2023. </a:t>
-            </a:r>
-            <a:r>
-              <a:rPr>
-                <a:hlinkClick r:id="rId47"/>
-              </a:rPr>
-              <a:t>https://CRAN.R-project.org/package=forcats.</a:t>
             </a:r>
           </a:p>
           <a:p>
@@ -22082,7 +22082,7 @@
             </a:r>
             <a:r>
               <a:rPr/>
-              <a:t>. Rio de Janeiro: 1a edição, 2023. 131p. </a:t>
+              <a:t>. Rio de Janeiro: 1a edição, 2023. 133p. </a:t>
             </a:r>
             <a:r>
               <a:rPr>
@@ -24834,6 +24834,42 @@
           </a:p>
           <a:p>
             <a:pPr lvl="0" indent="0" marL="0">
+              <a:buNone/>
+            </a:pPr>
+            <a:r>
+              <a:rPr/>
+              <a:t>O pacote </a:t>
+            </a:r>
+            <a:r>
+              <a:rPr i="1"/>
+              <a:t>base</a:t>
+            </a:r>
+            <a:r>
+              <a:rPr baseline="30000"/>
+              <a:t>16</a:t>
+            </a:r>
+            <a:r>
+              <a:rPr/>
+              <a:t> fornece a função </a:t>
+            </a:r>
+            <a:r>
+              <a:rPr i="1">
+                <a:hlinkClick r:id="rId2"/>
+              </a:rPr>
+              <a:t>is.na</a:t>
+            </a:r>
+            <a:r>
+              <a:rPr/>
+              <a:t> para identificar que elementos de um objeto são dados perdidos.</a:t>
+            </a:r>
+          </a:p>
+          <a:p>
+            <a:pPr lvl="0" indent="0" marL="0">
+              <a:buNone/>
+            </a:pPr>
+          </a:p>
+          <a:p>
+            <a:pPr lvl="0" indent="0" marL="0">
               <a:spcBef>
                 <a:spcPts val="3000"/>
               </a:spcBef>
@@ -24910,7 +24946,7 @@
             </a:r>
             <a:r>
               <a:rPr baseline="30000"/>
-              <a:t>16,17</a:t>
+              <a:t>17,18</a:t>
             </a:r>
           </a:p>
           <a:p>
@@ -24929,7 +24965,7 @@
             </a:r>
             <a:r>
               <a:rPr baseline="30000"/>
-              <a:t>16,17</a:t>
+              <a:t>17,18</a:t>
             </a:r>
           </a:p>
           <a:p>
@@ -24948,7 +24984,7 @@
             </a:r>
             <a:r>
               <a:rPr baseline="30000"/>
-              <a:t>16,17</a:t>
+              <a:t>17,18</a:t>
             </a:r>
           </a:p>
           <a:p>
@@ -24976,7 +25012,7 @@
             </a:r>
             <a:r>
               <a:rPr baseline="30000"/>
-              <a:t>16</a:t>
+              <a:t>17</a:t>
             </a:r>
           </a:p>
           <a:p>
@@ -24987,7 +25023,7 @@
             </a:r>
             <a:r>
               <a:rPr baseline="30000"/>
-              <a:t>16</a:t>
+              <a:t>17</a:t>
             </a:r>
           </a:p>
           <a:p>
@@ -25009,7 +25045,7 @@
             </a:r>
             <a:r>
               <a:rPr baseline="30000"/>
-              <a:t>18</a:t>
+              <a:t>19</a:t>
             </a:r>
             <a:r>
               <a:rPr/>
@@ -25017,7 +25053,7 @@
             </a:r>
             <a:r>
               <a:rPr i="1">
-                <a:hlinkClick r:id="rId2"/>
+                <a:hlinkClick r:id="rId3"/>
               </a:rPr>
               <a:t>na.test</a:t>
             </a:r>
@@ -25027,7 +25063,7 @@
             </a:r>
             <a:r>
               <a:rPr baseline="30000"/>
-              <a:t>19</a:t>
+              <a:t>20</a:t>
             </a:r>
             <a:r>
               <a:rPr/>
@@ -25098,7 +25134,7 @@
             </a:r>
             <a:r>
               <a:rPr baseline="30000"/>
-              <a:t>17</a:t>
+              <a:t>18</a:t>
             </a:r>
           </a:p>
           <a:p>
@@ -25109,7 +25145,43 @@
             </a:r>
             <a:r>
               <a:rPr baseline="30000"/>
-              <a:t>17</a:t>
+              <a:t>18</a:t>
+            </a:r>
+          </a:p>
+          <a:p>
+            <a:pPr lvl="0" indent="0" marL="0">
+              <a:buNone/>
+            </a:pPr>
+          </a:p>
+          <a:p>
+            <a:pPr lvl="0" indent="0" marL="0">
+              <a:buNone/>
+            </a:pPr>
+            <a:r>
+              <a:rPr/>
+              <a:t>O pacote </a:t>
+            </a:r>
+            <a:r>
+              <a:rPr i="1"/>
+              <a:t>base</a:t>
+            </a:r>
+            <a:r>
+              <a:rPr baseline="30000"/>
+              <a:t>16</a:t>
+            </a:r>
+            <a:r>
+              <a:rPr/>
+              <a:t> fornece a função </a:t>
+            </a:r>
+            <a:r>
+              <a:rPr i="1">
+                <a:hlinkClick r:id="rId4"/>
+              </a:rPr>
+              <a:t>na.omit</a:t>
+            </a:r>
+            <a:r>
+              <a:rPr/>
+              <a:t> para remover dados perdidos de um objeto em um banco de dados.</a:t>
             </a:r>
           </a:p>
           <a:p>
@@ -25131,7 +25203,7 @@
             </a:r>
             <a:r>
               <a:rPr baseline="30000"/>
-              <a:t>20</a:t>
+              <a:t>21</a:t>
             </a:r>
             <a:r>
               <a:rPr/>
@@ -25139,7 +25211,7 @@
             </a:r>
             <a:r>
               <a:rPr i="1">
-                <a:hlinkClick r:id="rId3"/>
+                <a:hlinkClick r:id="rId5"/>
               </a:rPr>
               <a:t>complete.cases</a:t>
             </a:r>
@@ -25172,7 +25244,7 @@
             </a:r>
             <a:r>
               <a:rPr baseline="30000"/>
-              <a:t>17</a:t>
+              <a:t>18</a:t>
             </a:r>
           </a:p>
           <a:p>
@@ -25191,7 +25263,7 @@
             </a:r>
             <a:r>
               <a:rPr baseline="30000"/>
-              <a:t>16,21</a:t>
+              <a:t>17,22</a:t>
             </a:r>
           </a:p>
           <a:p>
@@ -25213,7 +25285,7 @@
             </a:r>
             <a:r>
               <a:rPr baseline="30000"/>
-              <a:t>22</a:t>
+              <a:t>23</a:t>
             </a:r>
             <a:r>
               <a:rPr/>
@@ -25225,7 +25297,7 @@
             </a:r>
             <a:r>
               <a:rPr baseline="30000"/>
-              <a:t>23</a:t>
+              <a:t>24</a:t>
             </a:r>
             <a:r>
               <a:rPr/>
@@ -25233,7 +25305,7 @@
             </a:r>
             <a:r>
               <a:rPr i="1">
-                <a:hlinkClick r:id="rId4"/>
+                <a:hlinkClick r:id="rId6"/>
               </a:rPr>
               <a:t>mice</a:t>
             </a:r>
@@ -25243,7 +25315,7 @@
             </a:r>
             <a:r>
               <a:rPr i="1">
-                <a:hlinkClick r:id="rId5"/>
+                <a:hlinkClick r:id="rId7"/>
               </a:rPr>
               <a:t>mi.anova</a:t>
             </a:r>
@@ -25277,7 +25349,7 @@
             </a:r>
             <a:r>
               <a:rPr baseline="30000"/>
-              <a:t>24</a:t>
+              <a:t>25</a:t>
             </a:r>
           </a:p>
           <a:p>
@@ -25390,7 +25462,7 @@
             </a:r>
             <a:r>
               <a:rPr baseline="30000"/>
-              <a:t>25</a:t>
+              <a:t>26</a:t>
             </a:r>
           </a:p>
           <a:p>
@@ -25401,7 +25473,7 @@
             </a:r>
             <a:r>
               <a:rPr baseline="30000"/>
-              <a:t>25</a:t>
+              <a:t>26</a:t>
             </a:r>
           </a:p>
           <a:p>
@@ -25624,7 +25696,7 @@
             </a:r>
             <a:r>
               <a:rPr baseline="30000"/>
-              <a:t>26</a:t>
+              <a:t>27</a:t>
             </a:r>
           </a:p>
           <a:p>
@@ -25663,7 +25735,7 @@
             </a:r>
             <a:r>
               <a:rPr baseline="30000"/>
-              <a:t>14,27–29</a:t>
+              <a:t>14,28–30</a:t>
             </a:r>
           </a:p>
           <a:p>
@@ -25688,7 +25760,7 @@
             </a:r>
             <a:r>
               <a:rPr baseline="30000"/>
-              <a:t>14,27–29</a:t>
+              <a:t>14,28–30</a:t>
             </a:r>
           </a:p>
           <a:p>
@@ -25720,7 +25792,7 @@
             </a:r>
             <a:r>
               <a:rPr baseline="30000"/>
-              <a:t>14,27–29</a:t>
+              <a:t>14,28–30</a:t>
             </a:r>
           </a:p>
           <a:p>
@@ -25776,6 +25848,129 @@
             <a:pPr lvl="0" indent="0" marL="0">
               <a:buNone/>
             </a:pPr>
+          </a:p>
+          <a:p>
+            <a:pPr lvl="0" indent="0" marL="0">
+              <a:buNone/>
+            </a:pPr>
+            <a:r>
+              <a:rPr/>
+              <a:t>O pacote </a:t>
+            </a:r>
+            <a:r>
+              <a:rPr i="1"/>
+              <a:t>base</a:t>
+            </a:r>
+            <a:r>
+              <a:rPr baseline="30000"/>
+              <a:t>16</a:t>
+            </a:r>
+            <a:r>
+              <a:rPr/>
+              <a:t> fornece a função </a:t>
+            </a:r>
+            <a:r>
+              <a:rPr i="1">
+                <a:hlinkClick r:id="rId2"/>
+              </a:rPr>
+              <a:t>class</a:t>
+            </a:r>
+            <a:r>
+              <a:rPr/>
+              <a:t> para identificar qual é o tipo do objeto.</a:t>
+            </a:r>
+          </a:p>
+          <a:p>
+            <a:pPr lvl="0" indent="0" marL="0">
+              <a:buNone/>
+            </a:pPr>
+          </a:p>
+          <a:p>
+            <a:pPr lvl="0" indent="0" marL="0">
+              <a:buNone/>
+            </a:pPr>
+            <a:r>
+              <a:rPr/>
+              <a:t>O pacote </a:t>
+            </a:r>
+            <a:r>
+              <a:rPr i="1"/>
+              <a:t>base</a:t>
+            </a:r>
+            <a:r>
+              <a:rPr baseline="30000"/>
+              <a:t>16</a:t>
+            </a:r>
+            <a:r>
+              <a:rPr/>
+              <a:t> fornece as funções </a:t>
+            </a:r>
+            <a:r>
+              <a:rPr i="1">
+                <a:hlinkClick r:id="rId3"/>
+              </a:rPr>
+              <a:t>as.numeric</a:t>
+            </a:r>
+            <a:r>
+              <a:rPr/>
+              <a:t> e </a:t>
+            </a:r>
+            <a:r>
+              <a:rPr i="1">
+                <a:hlinkClick r:id="rId4"/>
+              </a:rPr>
+              <a:t>as.character</a:t>
+            </a:r>
+            <a:r>
+              <a:rPr/>
+              <a:t> para criar objetos numéricos e categóricos, respectivamente.</a:t>
+            </a:r>
+          </a:p>
+          <a:p>
+            <a:pPr lvl="0" indent="0" marL="0">
+              <a:buNone/>
+            </a:pPr>
+          </a:p>
+          <a:p>
+            <a:pPr lvl="0" indent="0" marL="0">
+              <a:buNone/>
+            </a:pPr>
+            <a:r>
+              <a:rPr/>
+              <a:t>O pacote </a:t>
+            </a:r>
+            <a:r>
+              <a:rPr i="1"/>
+              <a:t>base</a:t>
+            </a:r>
+            <a:r>
+              <a:rPr baseline="30000"/>
+              <a:t>16</a:t>
+            </a:r>
+            <a:r>
+              <a:rPr/>
+              <a:t> fornece as funções </a:t>
+            </a:r>
+            <a:r>
+              <a:rPr i="1">
+                <a:hlinkClick r:id="rId5"/>
+              </a:rPr>
+              <a:t>as.Date</a:t>
+            </a:r>
+            <a:r>
+              <a:rPr/>
+              <a:t> e </a:t>
+            </a:r>
+            <a:r>
+              <a:rPr i="1">
+                <a:hlinkClick r:id="rId6"/>
+              </a:rPr>
+              <a:t>as.logical</a:t>
+            </a:r>
+            <a:r>
+              <a:rPr/>
+              <a:t> para criar objetos em formato de data e lógicos (VERDADEIRO, FALSO), respectivamente.</a:t>
+            </a:r>
           </a:p>
           <a:p>
             <a:pPr lvl="0" indent="0" marL="0">
@@ -25797,7 +25992,7 @@
             </a:r>
             <a:r>
               <a:rPr baseline="30000"/>
-              <a:t>28</a:t>
+              <a:t>29</a:t>
             </a:r>
           </a:p>
           <a:p>
@@ -25910,7 +26105,7 @@
             </a:r>
             <a:r>
               <a:rPr baseline="30000"/>
-              <a:t>30</a:t>
+              <a:t>31</a:t>
             </a:r>
           </a:p>
           <a:p>
@@ -25921,7 +26116,7 @@
             </a:r>
             <a:r>
               <a:rPr baseline="30000"/>
-              <a:t>14,30</a:t>
+              <a:t>14,31</a:t>
             </a:r>
           </a:p>
           <a:p>
@@ -25932,7 +26127,7 @@
             </a:r>
             <a:r>
               <a:rPr baseline="30000"/>
-              <a:t>31</a:t>
+              <a:t>32</a:t>
             </a:r>
           </a:p>
           <a:p>
@@ -25960,7 +26155,7 @@
             </a:r>
             <a:r>
               <a:rPr baseline="30000"/>
-              <a:t>32</a:t>
+              <a:t>33</a:t>
             </a:r>
           </a:p>
           <a:p>
@@ -25971,7 +26166,7 @@
             </a:r>
             <a:r>
               <a:rPr baseline="30000"/>
-              <a:t>32</a:t>
+              <a:t>33</a:t>
             </a:r>
           </a:p>
           <a:p>
@@ -25999,7 +26194,7 @@
             </a:r>
             <a:r>
               <a:rPr baseline="30000"/>
-              <a:t>32</a:t>
+              <a:t>33</a:t>
             </a:r>
           </a:p>
           <a:p>
@@ -26035,56 +26230,6 @@
             <a:r>
               <a:rPr/>
               <a:t>Distribuições com assimetria à esquerda:</a:t>
-            </a:r>
-            <a:r>
-              <a:rPr baseline="30000"/>
-              <a:t>32</a:t>
-            </a:r>
-          </a:p>
-          <a:p>
-            <a:pPr lvl="1"/>
-            <a:r>
-              <a:rPr/>
-              <a:t>Reflexão e raiz quadrada</a:t>
-            </a:r>
-          </a:p>
-          <a:p>
-            <a:pPr lvl="1"/>
-            <a:r>
-              <a:rPr/>
-              <a:t>Reflexão e logaritmo natural</a:t>
-            </a:r>
-          </a:p>
-          <a:p>
-            <a:pPr lvl="1"/>
-            <a:r>
-              <a:rPr/>
-              <a:t>Reflexão e logaritmo base 10</a:t>
-            </a:r>
-          </a:p>
-          <a:p>
-            <a:pPr lvl="1"/>
-            <a:r>
-              <a:rPr/>
-              <a:t>Reflexão e transformação inversa</a:t>
-            </a:r>
-          </a:p>
-          <a:p>
-            <a:pPr lvl="0"/>
-            <a:r>
-              <a:rPr/>
-              <a:t>Transformação arco-seno.</a:t>
-            </a:r>
-            <a:r>
-              <a:rPr baseline="30000"/>
-              <a:t>32</a:t>
-            </a:r>
-          </a:p>
-          <a:p>
-            <a:pPr lvl="0"/>
-            <a:r>
-              <a:rPr/>
-              <a:t>Transformação de Box-Cox.</a:t>
             </a:r>
             <a:r>
               <a:rPr baseline="30000"/>
@@ -26092,6 +26237,56 @@
             </a:r>
           </a:p>
           <a:p>
+            <a:pPr lvl="1"/>
+            <a:r>
+              <a:rPr/>
+              <a:t>Reflexão e raiz quadrada</a:t>
+            </a:r>
+          </a:p>
+          <a:p>
+            <a:pPr lvl="1"/>
+            <a:r>
+              <a:rPr/>
+              <a:t>Reflexão e logaritmo natural</a:t>
+            </a:r>
+          </a:p>
+          <a:p>
+            <a:pPr lvl="1"/>
+            <a:r>
+              <a:rPr/>
+              <a:t>Reflexão e logaritmo base 10</a:t>
+            </a:r>
+          </a:p>
+          <a:p>
+            <a:pPr lvl="1"/>
+            <a:r>
+              <a:rPr/>
+              <a:t>Reflexão e transformação inversa</a:t>
+            </a:r>
+          </a:p>
+          <a:p>
+            <a:pPr lvl="0"/>
+            <a:r>
+              <a:rPr/>
+              <a:t>Transformação arco-seno.</a:t>
+            </a:r>
+            <a:r>
+              <a:rPr baseline="30000"/>
+              <a:t>33</a:t>
+            </a:r>
+          </a:p>
+          <a:p>
+            <a:pPr lvl="0"/>
+            <a:r>
+              <a:rPr/>
+              <a:t>Transformação de Box-Cox.</a:t>
+            </a:r>
+            <a:r>
+              <a:rPr baseline="30000"/>
+              <a:t>34</a:t>
+            </a:r>
+          </a:p>
+          <a:p>
             <a:pPr lvl="0"/>
             <a:r>
               <a:rPr/>
@@ -26117,7 +26312,7 @@
             </a:r>
             <a:r>
               <a:rPr baseline="30000"/>
-              <a:t>34</a:t>
+              <a:t>35</a:t>
             </a:r>
             <a:r>
               <a:rPr/>
@@ -26135,7 +26330,7 @@
             </a:r>
             <a:r>
               <a:rPr baseline="30000"/>
-              <a:t>33</a:t>
+              <a:t>34</a:t>
             </a:r>
           </a:p>
           <a:p>
@@ -26272,7 +26467,7 @@
             </a:r>
             <a:r>
               <a:rPr baseline="30000"/>
-              <a:t>35</a:t>
+              <a:t>36</a:t>
             </a:r>
           </a:p>
           <a:p>
@@ -26283,7 +26478,7 @@
             </a:r>
             <a:r>
               <a:rPr baseline="30000"/>
-              <a:t>36–38</a:t>
+              <a:t>37–39</a:t>
             </a:r>
           </a:p>
           <a:p>
@@ -26294,7 +26489,7 @@
             </a:r>
             <a:r>
               <a:rPr baseline="30000"/>
-              <a:t>36–38</a:t>
+              <a:t>37–39</a:t>
             </a:r>
           </a:p>
           <a:p>
@@ -26302,17 +26497,6 @@
             <a:r>
               <a:rPr/>
               <a:t>Caso exista um ponto de corte ou limiar verdadeiro que discrimine três ou mais grupos independentes, identificar tal ponto de corte ainda é um desafio.</a:t>
-            </a:r>
-            <a:r>
-              <a:rPr baseline="30000"/>
-              <a:t>39</a:t>
-            </a:r>
-          </a:p>
-          <a:p>
-            <a:pPr lvl="0"/>
-            <a:r>
-              <a:rPr/>
-              <a:t>Categorização de variáveis contínuas aumenta a quantidade de testes de hipótese para comparações pareadas entre os quantis, inflando, portanto, o erro tipo I.</a:t>
             </a:r>
             <a:r>
               <a:rPr baseline="30000"/>
@@ -26323,11 +26507,22 @@
             <a:pPr lvl="0"/>
             <a:r>
               <a:rPr/>
+              <a:t>Categorização de variáveis contínuas aumenta a quantidade de testes de hipótese para comparações pareadas entre os quantis, inflando, portanto, o erro tipo I.</a:t>
+            </a:r>
+            <a:r>
+              <a:rPr baseline="30000"/>
+              <a:t>41</a:t>
+            </a:r>
+          </a:p>
+          <a:p>
+            <a:pPr lvl="0"/>
+            <a:r>
+              <a:rPr/>
               <a:t>Categorização de variáveis contínuas requer uma função teórica que pressupõe a homogeneidade da variável dentro dos grupos, levando tanto a uma perda de poder como a uma estimativa imprecisa.</a:t>
             </a:r>
             <a:r>
               <a:rPr baseline="30000"/>
-              <a:t>40</a:t>
+              <a:t>41</a:t>
             </a:r>
           </a:p>
           <a:p>
@@ -26338,7 +26533,7 @@
             </a:r>
             <a:r>
               <a:rPr baseline="30000"/>
-              <a:t>40</a:t>
+              <a:t>41</a:t>
             </a:r>
           </a:p>
           <a:p>
@@ -26366,7 +26561,7 @@
             </a:r>
             <a:r>
               <a:rPr baseline="30000"/>
-              <a:t>35</a:t>
+              <a:t>36</a:t>
             </a:r>
           </a:p>
           <a:p>
@@ -26393,7 +26588,7 @@
             </a:r>
             <a:r>
               <a:rPr baseline="30000"/>
-              <a:t>35</a:t>
+              <a:t>36</a:t>
             </a:r>
           </a:p>
           <a:p>
@@ -26554,7 +26749,7 @@
                 </a:r>
                 <a:r>
                   <a:rPr baseline="30000"/>
-                  <a:t>31</a:t>
+                  <a:t>32</a:t>
                 </a:r>
               </a:p>
               <a:p>
@@ -26565,7 +26760,7 @@
                 </a:r>
                 <a:r>
                   <a:rPr baseline="30000"/>
-                  <a:t>35</a:t>
+                  <a:t>36</a:t>
                 </a:r>
               </a:p>
               <a:p>
@@ -26576,7 +26771,7 @@
                 </a:r>
                 <a:r>
                   <a:rPr baseline="30000"/>
-                  <a:t>35</a:t>
+                  <a:t>36</a:t>
                 </a:r>
               </a:p>
               <a:p>
@@ -26587,7 +26782,7 @@
                 </a:r>
                 <a:r>
                   <a:rPr baseline="30000"/>
-                  <a:t>35</a:t>
+                  <a:t>36</a:t>
                 </a:r>
               </a:p>
               <a:p>
@@ -26598,7 +26793,7 @@
                 </a:r>
                 <a:r>
                   <a:rPr baseline="30000"/>
-                  <a:t>35</a:t>
+                  <a:t>36</a:t>
                 </a:r>
               </a:p>
               <a:p>
@@ -26626,7 +26821,7 @@
                 </a:r>
                 <a:r>
                   <a:rPr baseline="30000"/>
-                  <a:t>35</a:t>
+                  <a:t>36</a:t>
                 </a:r>
               </a:p>
               <a:p>
@@ -26637,7 +26832,7 @@
                 </a:r>
                 <a:r>
                   <a:rPr baseline="30000"/>
-                  <a:t>36–38</a:t>
+                  <a:t>37–39</a:t>
                 </a:r>
               </a:p>
               <a:p>
@@ -26648,7 +26843,7 @@
                 </a:r>
                 <a:r>
                   <a:rPr baseline="30000"/>
-                  <a:t>36–38</a:t>
+                  <a:t>37–39</a:t>
                 </a:r>
               </a:p>
               <a:p>
@@ -26659,7 +26854,7 @@
                 </a:r>
                 <a:r>
                   <a:rPr baseline="30000"/>
-                  <a:t>35,36</a:t>
+                  <a:t>36,37</a:t>
                 </a:r>
               </a:p>
               <a:p>
@@ -26670,7 +26865,7 @@
                 </a:r>
                 <a:r>
                   <a:rPr baseline="30000"/>
-                  <a:t>36</a:t>
+                  <a:t>37</a:t>
                 </a:r>
               </a:p>
               <a:p>
@@ -26681,7 +26876,7 @@
                 </a:r>
                 <a:r>
                   <a:rPr baseline="30000"/>
-                  <a:t>36</a:t>
+                  <a:t>37</a:t>
                 </a:r>
               </a:p>
               <a:p>
@@ -26692,7 +26887,7 @@
                 </a:r>
                 <a:r>
                   <a:rPr baseline="30000"/>
-                  <a:t>35,36</a:t>
+                  <a:t>36,37</a:t>
                 </a:r>
               </a:p>
               <a:p>
@@ -26703,7 +26898,7 @@
                 </a:r>
                 <a:r>
                   <a:rPr baseline="30000"/>
-                  <a:t>31,36</a:t>
+                  <a:t>32,37</a:t>
                 </a:r>
               </a:p>
               <a:p>
@@ -26714,7 +26909,7 @@
                 </a:r>
                 <a:r>
                   <a:rPr baseline="30000"/>
-                  <a:t>39</a:t>
+                  <a:t>40</a:t>
                 </a:r>
               </a:p>
               <a:p>
@@ -26742,7 +26937,7 @@
                 </a:r>
                 <a:r>
                   <a:rPr baseline="30000"/>
-                  <a:t>35</a:t>
+                  <a:t>36</a:t>
                 </a:r>
               </a:p>
               <a:p>
@@ -26753,7 +26948,7 @@
                 </a:r>
                 <a:r>
                   <a:rPr baseline="30000"/>
-                  <a:t>35</a:t>
+                  <a:t>36</a:t>
                 </a:r>
               </a:p>
               <a:p>
@@ -26781,7 +26976,7 @@
                 </a:r>
                 <a:r>
                   <a:rPr baseline="30000"/>
-                  <a:t>39</a:t>
+                  <a:t>40</a:t>
                 </a:r>
                 <a:r>
                   <a:rPr/>
@@ -26796,7 +26991,7 @@
                 </a:r>
                 <a:r>
                   <a:rPr baseline="30000"/>
-                  <a:t>41</a:t>
+                  <a:t>42</a:t>
                 </a:r>
               </a:p>
               <a:p>
@@ -26807,7 +27002,7 @@
                 </a:r>
                 <a:r>
                   <a:rPr baseline="30000"/>
-                  <a:t>42</a:t>
+                  <a:t>43</a:t>
                 </a:r>
               </a:p>
               <a:p>
@@ -26838,7 +27033,7 @@
                 </a:r>
                 <a:r>
                   <a:rPr baseline="30000"/>
-                  <a:t>43</a:t>
+                  <a:t>44</a:t>
                 </a:r>
               </a:p>
               <a:p>
@@ -26863,7 +27058,7 @@
                 </a:r>
                 <a:r>
                   <a:rPr baseline="30000"/>
-                  <a:t>44</a:t>
+                  <a:t>45</a:t>
                 </a:r>
               </a:p>
               <a:p>
@@ -26885,7 +27080,7 @@
                 </a:r>
                 <a:r>
                   <a:rPr baseline="30000"/>
-                  <a:t>45</a:t>
+                  <a:t>46</a:t>
                 </a:r>
                 <a:r>
                   <a:rPr/>
@@ -27024,6 +27219,42 @@
           </a:p>
           <a:p>
             <a:pPr lvl="0" indent="0" marL="0">
+              <a:buNone/>
+            </a:pPr>
+            <a:r>
+              <a:rPr/>
+              <a:t>O pacote </a:t>
+            </a:r>
+            <a:r>
+              <a:rPr i="1"/>
+              <a:t>base</a:t>
+            </a:r>
+            <a:r>
+              <a:rPr baseline="30000"/>
+              <a:t>16</a:t>
+            </a:r>
+            <a:r>
+              <a:rPr/>
+              <a:t> fornece a função </a:t>
+            </a:r>
+            <a:r>
+              <a:rPr i="1">
+                <a:hlinkClick r:id="rId2"/>
+              </a:rPr>
+              <a:t>as.factor</a:t>
+            </a:r>
+            <a:r>
+              <a:rPr/>
+              <a:t> para converter uma variável em fator.</a:t>
+            </a:r>
+          </a:p>
+          <a:p>
+            <a:pPr lvl="0" indent="0" marL="0">
+              <a:buNone/>
+            </a:pPr>
+          </a:p>
+          <a:p>
+            <a:pPr lvl="0" indent="0" marL="0">
               <a:spcBef>
                 <a:spcPts val="3000"/>
               </a:spcBef>
@@ -27056,25 +27287,35 @@
             </a:r>
             <a:r>
               <a:rPr i="1"/>
-              <a:t>forcats</a:t>
+              <a:t>base</a:t>
             </a:r>
             <a:r>
               <a:rPr baseline="30000"/>
-              <a:t>46</a:t>
-            </a:r>
-            <a:r>
-              <a:rPr/>
-              <a:t> fornece a função </a:t>
+              <a:t>16</a:t>
+            </a:r>
+            <a:r>
+              <a:rPr/>
+              <a:t> fornece as funções </a:t>
             </a:r>
             <a:r>
               <a:rPr i="1">
-                <a:hlinkClick r:id="rId2"/>
-              </a:rPr>
-              <a:t>as_factor</a:t>
-            </a:r>
-            <a:r>
-              <a:rPr/>
-              <a:t> para converter uma variável em fator.</a:t>
+                <a:hlinkClick r:id="rId3"/>
+              </a:rPr>
+              <a:t>levels</a:t>
+            </a:r>
+            <a:r>
+              <a:rPr/>
+              <a:t> e </a:t>
+            </a:r>
+            <a:r>
+              <a:rPr i="1">
+                <a:hlinkClick r:id="rId4"/>
+              </a:rPr>
+              <a:t>nlevels</a:t>
+            </a:r>
+            <a:r>
+              <a:rPr/>
+              <a:t> para listar os níveis e a quantidade deles em um fator.</a:t>
             </a:r>
           </a:p>
           <a:p>
@@ -27297,7 +27538,7 @@
             </a:r>
             <a:r>
               <a:rPr baseline="30000"/>
-              <a:t>27</a:t>
+              <a:t>28</a:t>
             </a:r>
           </a:p>
           <a:p>
@@ -27308,7 +27549,7 @@
             </a:r>
             <a:r>
               <a:rPr baseline="30000"/>
-              <a:t>27</a:t>
+              <a:t>28</a:t>
             </a:r>
           </a:p>
           <a:p>
@@ -27516,7 +27757,7 @@
             </a:r>
             <a:r>
               <a:rPr baseline="30000"/>
-              <a:t>26</a:t>
+              <a:t>27</a:t>
             </a:r>
           </a:p>
           <a:p>
@@ -27555,7 +27796,7 @@
             </a:r>
             <a:r>
               <a:rPr baseline="30000"/>
-              <a:t>27,47</a:t>
+              <a:t>28,47</a:t>
             </a:r>
           </a:p>
           <a:p>
@@ -27566,7 +27807,7 @@
             </a:r>
             <a:r>
               <a:rPr baseline="30000"/>
-              <a:t>27,47,48</a:t>
+              <a:t>28,47,48</a:t>
             </a:r>
           </a:p>
           <a:p>
@@ -27577,7 +27818,7 @@
             </a:r>
             <a:r>
               <a:rPr baseline="30000"/>
-              <a:t>27,47,49,49</a:t>
+              <a:t>28,47,49,49</a:t>
             </a:r>
           </a:p>
           <a:p>
@@ -27599,7 +27840,7 @@
             </a:r>
             <a:r>
               <a:rPr baseline="30000"/>
-              <a:t>27</a:t>
+              <a:t>28</a:t>
             </a:r>
           </a:p>
           <a:p>
@@ -27716,7 +27957,7 @@
             </a:r>
             <a:r>
               <a:rPr baseline="30000"/>
-              <a:t>27,47</a:t>
+              <a:t>28,47</a:t>
             </a:r>
           </a:p>
           <a:p>
@@ -27731,7 +27972,7 @@
             </a:r>
             <a:r>
               <a:rPr baseline="30000"/>
-              <a:t>27,47</a:t>
+              <a:t>28,47</a:t>
             </a:r>
           </a:p>
           <a:p>
@@ -27746,7 +27987,7 @@
             </a:r>
             <a:r>
               <a:rPr baseline="30000"/>
-              <a:t>27,47</a:t>
+              <a:t>28,47</a:t>
             </a:r>
           </a:p>
           <a:p>
@@ -27778,7 +28019,7 @@
             </a:r>
             <a:r>
               <a:rPr baseline="30000"/>
-              <a:t>27,47</a:t>
+              <a:t>28,47</a:t>
             </a:r>
           </a:p>
           <a:p>
@@ -27823,7 +28064,7 @@
             </a:r>
             <a:r>
               <a:rPr baseline="30000"/>
-              <a:t>27,47</a:t>
+              <a:t>28,47</a:t>
             </a:r>
           </a:p>
           <a:p>
@@ -27838,7 +28079,7 @@
             </a:r>
             <a:r>
               <a:rPr baseline="30000"/>
-              <a:t>27,47</a:t>
+              <a:t>28,47</a:t>
             </a:r>
           </a:p>
           <a:p>
@@ -27853,7 +28094,7 @@
             </a:r>
             <a:r>
               <a:rPr baseline="30000"/>
-              <a:t>27,47</a:t>
+              <a:t>28,47</a:t>
             </a:r>
           </a:p>
           <a:p>
@@ -27885,7 +28126,7 @@
             </a:r>
             <a:r>
               <a:rPr baseline="30000"/>
-              <a:t>27,47,49</a:t>
+              <a:t>28,47,49</a:t>
             </a:r>
           </a:p>
           <a:p>
@@ -27900,7 +28141,7 @@
             </a:r>
             <a:r>
               <a:rPr baseline="30000"/>
-              <a:t>27,47,49</a:t>
+              <a:t>28,47,49</a:t>
             </a:r>
           </a:p>
           <a:p>
@@ -27915,7 +28156,7 @@
             </a:r>
             <a:r>
               <a:rPr baseline="30000"/>
-              <a:t>27,47,49</a:t>
+              <a:t>28,47,49</a:t>
             </a:r>
           </a:p>
           <a:p>
@@ -28045,7 +28286,7 @@
             </a:r>
             <a:r>
               <a:rPr baseline="30000"/>
-              <a:t>27</a:t>
+              <a:t>28</a:t>
             </a:r>
           </a:p>
           <a:p>
@@ -28060,7 +28301,7 @@
             </a:r>
             <a:r>
               <a:rPr baseline="30000"/>
-              <a:t>27</a:t>
+              <a:t>28</a:t>
             </a:r>
           </a:p>
           <a:p>
@@ -29232,7 +29473,7 @@
             </a:r>
             <a:r>
               <a:rPr baseline="30000"/>
-              <a:t>25</a:t>
+              <a:t>26</a:t>
             </a:r>
           </a:p>
           <a:p>
@@ -29243,7 +29484,7 @@
             </a:r>
             <a:r>
               <a:rPr baseline="30000"/>
-              <a:t>25</a:t>
+              <a:t>26</a:t>
             </a:r>
           </a:p>
           <a:p>
@@ -29254,7 +29495,7 @@
             </a:r>
             <a:r>
               <a:rPr baseline="30000"/>
-              <a:t>25</a:t>
+              <a:t>26</a:t>
             </a:r>
           </a:p>
           <a:p>
@@ -29355,7 +29596,7 @@
             </a:r>
             <a:r>
               <a:rPr baseline="30000"/>
-              <a:t>25</a:t>
+              <a:t>26</a:t>
             </a:r>
           </a:p>
           <a:p>
@@ -29366,7 +29607,7 @@
             </a:r>
             <a:r>
               <a:rPr baseline="30000"/>
-              <a:t>25</a:t>
+              <a:t>26</a:t>
             </a:r>
           </a:p>
           <a:p>
@@ -29377,7 +29618,7 @@
             </a:r>
             <a:r>
               <a:rPr baseline="30000"/>
-              <a:t>25</a:t>
+              <a:t>26</a:t>
             </a:r>
           </a:p>
           <a:p>
@@ -29388,7 +29629,7 @@
             </a:r>
             <a:r>
               <a:rPr baseline="30000"/>
-              <a:t>25</a:t>
+              <a:t>26</a:t>
             </a:r>
           </a:p>
           <a:p>
@@ -29399,7 +29640,7 @@
             </a:r>
             <a:r>
               <a:rPr baseline="30000"/>
-              <a:t>25</a:t>
+              <a:t>26</a:t>
             </a:r>
           </a:p>
           <a:p>
@@ -29410,7 +29651,7 @@
             </a:r>
             <a:r>
               <a:rPr baseline="30000"/>
-              <a:t>25</a:t>
+              <a:t>26</a:t>
             </a:r>
           </a:p>
           <a:p>

--- a/docs/Ciencia-com-R.pptx
+++ b/docs/Ciencia-com-R.pptx
@@ -46207,7 +46207,7 @@
             </a:pPr>
             <a:r>
               <a:rPr b="1"/>
-              <a:t>Desempenho diagnóstico</a:t>
+              <a:t>Descrição</a:t>
             </a:r>
           </a:p>
           <a:p>
@@ -46221,7 +46221,7 @@
               <a:rPr>
                 <a:hlinkClick r:id="rId3"/>
               </a:rPr>
-              <a:t>diag-stats.R</a:t>
+              <a:t>extracolumn-es.R</a:t>
             </a:r>
           </a:p>
           <a:p>
@@ -46230,7 +46230,7 @@
               <a:rPr>
                 <a:hlinkClick r:id="rId4"/>
               </a:rPr>
-              <a:t>dtROC.R</a:t>
+              <a:t>extracolumn-N.R</a:t>
             </a:r>
           </a:p>
           <a:p>
@@ -46239,7 +46239,16 @@
               <a:rPr>
                 <a:hlinkClick r:id="rId5"/>
               </a:rPr>
-              <a:t>stROC.R</a:t>
+              <a:t>extracolumn-p.R</a:t>
+            </a:r>
+          </a:p>
+          <a:p>
+            <a:pPr lvl="0"/>
+            <a:r>
+              <a:rPr>
+                <a:hlinkClick r:id="rId6"/>
+              </a:rPr>
+              <a:t>pilotdata_gopal.R</a:t>
             </a:r>
           </a:p>
           <a:p>
@@ -46261,7 +46270,7 @@
             </a:pPr>
             <a:r>
               <a:rPr b="1"/>
-              <a:t>Ensaio clínico aleatorizado</a:t>
+              <a:t>Desempenho diagnóstico</a:t>
             </a:r>
           </a:p>
           <a:p>
@@ -46273,54 +46282,27 @@
             <a:pPr lvl="0"/>
             <a:r>
               <a:rPr>
-                <a:hlinkClick r:id="rId6"/>
-              </a:rPr>
-              <a:t>RCT-Figure1.R</a:t>
+                <a:hlinkClick r:id="rId7"/>
+              </a:rPr>
+              <a:t>diag-stats.R</a:t>
             </a:r>
           </a:p>
           <a:p>
             <a:pPr lvl="0"/>
             <a:r>
               <a:rPr>
-                <a:hlinkClick r:id="rId7"/>
-              </a:rPr>
-              <a:t>RCT-Missingness.R</a:t>
+                <a:hlinkClick r:id="rId8"/>
+              </a:rPr>
+              <a:t>dtROC.R</a:t>
             </a:r>
           </a:p>
           <a:p>
             <a:pPr lvl="0"/>
             <a:r>
               <a:rPr>
-                <a:hlinkClick r:id="rId8"/>
-              </a:rPr>
-              <a:t>RCT-Table1.R</a:t>
-            </a:r>
-          </a:p>
-          <a:p>
-            <a:pPr lvl="0"/>
-            <a:r>
-              <a:rPr>
                 <a:hlinkClick r:id="rId9"/>
               </a:rPr>
-              <a:t>RCT-Table2a.R</a:t>
-            </a:r>
-          </a:p>
-          <a:p>
-            <a:pPr lvl="0"/>
-            <a:r>
-              <a:rPr>
-                <a:hlinkClick r:id="rId10"/>
-              </a:rPr>
-              <a:t>RCT-Table2b.R</a:t>
-            </a:r>
-          </a:p>
-          <a:p>
-            <a:pPr lvl="0"/>
-            <a:r>
-              <a:rPr>
-                <a:hlinkClick r:id="rId11"/>
-              </a:rPr>
-              <a:t>RCT-Table3.R</a:t>
+              <a:t>stROC.R</a:t>
             </a:r>
           </a:p>
           <a:p>
@@ -46342,7 +46324,7 @@
             </a:pPr>
             <a:r>
               <a:rPr b="1"/>
-              <a:t>Ensaio cruzado</a:t>
+              <a:t>Ensaio clínico aleatorizado</a:t>
             </a:r>
           </a:p>
           <a:p>
@@ -46354,9 +46336,27 @@
             <a:pPr lvl="0"/>
             <a:r>
               <a:rPr>
+                <a:hlinkClick r:id="rId10"/>
+              </a:rPr>
+              <a:t>RCT-Figure1.R</a:t>
+            </a:r>
+          </a:p>
+          <a:p>
+            <a:pPr lvl="0"/>
+            <a:r>
+              <a:rPr>
+                <a:hlinkClick r:id="rId11"/>
+              </a:rPr>
+              <a:t>RCT-Missingness.R</a:t>
+            </a:r>
+          </a:p>
+          <a:p>
+            <a:pPr lvl="0"/>
+            <a:r>
+              <a:rPr>
                 <a:hlinkClick r:id="rId12"/>
               </a:rPr>
-              <a:t>crossover.R</a:t>
+              <a:t>RCT-Table1.R</a:t>
             </a:r>
           </a:p>
           <a:p>
@@ -46365,7 +46365,25 @@
               <a:rPr>
                 <a:hlinkClick r:id="rId13"/>
               </a:rPr>
-              <a:t>RSTR-crossover-trial.R</a:t>
+              <a:t>RCT-Table2a.R</a:t>
+            </a:r>
+          </a:p>
+          <a:p>
+            <a:pPr lvl="0"/>
+            <a:r>
+              <a:rPr>
+                <a:hlinkClick r:id="rId14"/>
+              </a:rPr>
+              <a:t>RCT-Table2b.R</a:t>
+            </a:r>
+          </a:p>
+          <a:p>
+            <a:pPr lvl="0"/>
+            <a:r>
+              <a:rPr>
+                <a:hlinkClick r:id="rId15"/>
+              </a:rPr>
+              <a:t>RCT-Table3.R</a:t>
             </a:r>
           </a:p>
           <a:p>
@@ -46387,6 +46405,51 @@
             </a:pPr>
             <a:r>
               <a:rPr b="1"/>
+              <a:t>Ensaio cruzado</a:t>
+            </a:r>
+          </a:p>
+          <a:p>
+            <a:pPr lvl="0" indent="0" marL="0">
+              <a:buNone/>
+            </a:pPr>
+          </a:p>
+          <a:p>
+            <a:pPr lvl="0"/>
+            <a:r>
+              <a:rPr>
+                <a:hlinkClick r:id="rId16"/>
+              </a:rPr>
+              <a:t>crossover.R</a:t>
+            </a:r>
+          </a:p>
+          <a:p>
+            <a:pPr lvl="0"/>
+            <a:r>
+              <a:rPr>
+                <a:hlinkClick r:id="rId17"/>
+              </a:rPr>
+              <a:t>RSTR-crossover-trial.R</a:t>
+            </a:r>
+          </a:p>
+          <a:p>
+            <a:pPr lvl="0" indent="0" marL="0">
+              <a:buNone/>
+            </a:pPr>
+          </a:p>
+          <a:p>
+            <a:pPr lvl="0" indent="0" marL="0">
+              <a:buNone/>
+            </a:pPr>
+          </a:p>
+          <a:p>
+            <a:pPr lvl="0" indent="0" marL="0">
+              <a:spcBef>
+                <a:spcPts val="3000"/>
+              </a:spcBef>
+              <a:buNone/>
+            </a:pPr>
+            <a:r>
+              <a:rPr b="1"/>
               <a:t>Regressão</a:t>
             </a:r>
           </a:p>
@@ -46399,9 +46462,59 @@
             <a:pPr lvl="0"/>
             <a:r>
               <a:rPr>
-                <a:hlinkClick r:id="rId14"/>
+                <a:hlinkClick r:id="rId18"/>
               </a:rPr>
               <a:t>mediation-analysis.R</a:t>
+            </a:r>
+          </a:p>
+          <a:p>
+            <a:pPr lvl="0"/>
+            <a:r>
+              <a:rPr>
+                <a:hlinkClick r:id="rId19"/>
+              </a:rPr>
+              <a:t>regression-diagnosis.R</a:t>
+            </a:r>
+          </a:p>
+          <a:p>
+            <a:pPr lvl="0" indent="0" marL="0">
+              <a:buNone/>
+            </a:pPr>
+          </a:p>
+          <a:p>
+            <a:pPr lvl="0" indent="0" marL="0">
+              <a:buNone/>
+            </a:pPr>
+          </a:p>
+          <a:p>
+            <a:pPr lvl="0" indent="0" marL="0">
+              <a:buNone/>
+            </a:pPr>
+            <a:r>
+              <a:rPr/>
+              <a:t>O pacote </a:t>
+            </a:r>
+            <a:r>
+              <a:rPr i="1"/>
+              <a:t>base</a:t>
+            </a:r>
+            <a:r>
+              <a:rPr baseline="30000"/>
+              <a:t>16</a:t>
+            </a:r>
+            <a:r>
+              <a:rPr/>
+              <a:t> fornece a função </a:t>
+            </a:r>
+            <a:r>
+              <a:rPr i="1">
+                <a:hlinkClick r:id="rId20"/>
+              </a:rPr>
+              <a:t>source</a:t>
+            </a:r>
+            <a:r>
+              <a:rPr/>
+              <a:t> para abrir um arquivo .R com script e executar seus comandos.</a:t>
             </a:r>
           </a:p>
           <a:p>

--- a/docs/Ciencia-com-R.pptx
+++ b/docs/Ciencia-com-R.pptx
@@ -14517,7 +14517,7 @@
                 </a:r>
                 <a:r>
                   <a:rPr/>
-                  <a:t> fornece a função fornece a função </a:t>
+                  <a:t> fornece a função </a:t>
                 </a:r>
                 <a:r>
                   <a:rPr i="1">
@@ -14795,7 +14795,7 @@
                 </a:r>
                 <a:r>
                   <a:rPr/>
-                  <a:t> fornece a função fornece a função </a:t>
+                  <a:t> fornece a função </a:t>
                 </a:r>
                 <a:r>
                   <a:rPr i="1">
@@ -15078,7 +15078,7 @@
                 </a:r>
                 <a:r>
                   <a:rPr/>
-                  <a:t> fornece a função fornece a função </a:t>
+                  <a:t> fornece a função </a:t>
                 </a:r>
                 <a:r>
                   <a:rPr i="1">
@@ -47327,6 +47327,90 @@
                 <a:r>
                   <a:rPr/>
                   <a:t>.[REF]</a:t>
+                </a:r>
+              </a:p>
+              <a:p>
+                <a:pPr lvl="0" indent="0" marL="0">
+                  <a:buNone/>
+                </a:pPr>
+              </a:p>
+              <a:p>
+                <a:pPr lvl="0" indent="0" marL="0">
+                  <a:spcBef>
+                    <a:spcPts val="3000"/>
+                  </a:spcBef>
+                  <a:buNone/>
+                </a:pPr>
+                <a:r>
+                  <a:rPr b="1"/>
+                  <a:t>O que é uma família de hipóteses?</a:t>
+                </a:r>
+              </a:p>
+              <a:p>
+                <a:pPr lvl="0"/>
+                <a:r>
+                  <a:rPr/>
+                  <a:t>.[REF]</a:t>
+                </a:r>
+              </a:p>
+              <a:p>
+                <a:pPr lvl="0" indent="0" marL="0">
+                  <a:buNone/>
+                </a:pPr>
+              </a:p>
+              <a:p>
+                <a:pPr lvl="0" indent="0" marL="0">
+                  <a:spcBef>
+                    <a:spcPts val="3000"/>
+                  </a:spcBef>
+                  <a:buNone/>
+                </a:pPr>
+                <a:r>
+                  <a:rPr b="1"/>
+                  <a:t>Como ajustar a análise inferencial para hipóteses múltiplas?</a:t>
+                </a:r>
+              </a:p>
+              <a:p>
+                <a:pPr lvl="0"/>
+                <a:r>
+                  <a:rPr/>
+                  <a:t>.[REF]</a:t>
+                </a:r>
+              </a:p>
+              <a:p>
+                <a:pPr lvl="0" indent="0" marL="0">
+                  <a:buNone/>
+                </a:pPr>
+              </a:p>
+              <a:p>
+                <a:pPr lvl="0" indent="0" marL="0">
+                  <a:buNone/>
+                </a:pPr>
+                <a:r>
+                  <a:rPr/>
+                  <a:t>O pacote </a:t>
+                </a:r>
+                <a:r>
+                  <a:rPr i="1"/>
+                  <a:t>stats</a:t>
+                </a:r>
+                <a:r>
+                  <a:rPr baseline="30000"/>
+                  <a:t>44</a:t>
+                </a:r>
+                <a:r>
+                  <a:rPr/>
+                  <a:t> fornece a função </a:t>
+                </a:r>
+                <a:r>
+                  <a:rPr i="1">
+                    <a:hlinkClick r:id="rId2"/>
+                  </a:rPr>
+                  <a:t>p.adjust</a:t>
+                </a:r>
+                <a:r>
+                  <a:rPr/>
+                  <a:t> para ajustar o P-valor utilizando diversos métodos.</a:t>
                 </a:r>
               </a:p>
               <a:p>

--- a/docs/Ciencia-com-R.pptx
+++ b/docs/Ciencia-com-R.pptx
@@ -3796,17 +3796,6 @@
             </a:r>
             <a:r>
               <a:rPr baseline="30000"/>
-              <a:t>123</a:t>
-            </a:r>
-          </a:p>
-          <a:p>
-            <a:pPr lvl="0"/>
-            <a:r>
-              <a:rPr/>
-              <a:t>.</a:t>
-            </a:r>
-            <a:r>
-              <a:rPr baseline="30000"/>
               <a:t>124</a:t>
             </a:r>
           </a:p>
@@ -3874,6 +3863,17 @@
             <a:r>
               <a:rPr baseline="30000"/>
               <a:t>130</a:t>
+            </a:r>
+          </a:p>
+          <a:p>
+            <a:pPr lvl="0"/>
+            <a:r>
+              <a:rPr/>
+              <a:t>.</a:t>
+            </a:r>
+            <a:r>
+              <a:rPr baseline="30000"/>
+              <a:t>131</a:t>
             </a:r>
           </a:p>
           <a:p>
@@ -14210,7 +14210,7 @@
                 </a:r>
                 <a:r>
                   <a:rPr baseline="30000"/>
-                  <a:t>131,132</a:t>
+                  <a:t>132,133</a:t>
                 </a:r>
               </a:p>
               <a:p>
@@ -14221,7 +14221,7 @@
                 </a:r>
                 <a:r>
                   <a:rPr baseline="30000"/>
-                  <a:t>131,132</a:t>
+                  <a:t>132,133</a:t>
                 </a:r>
               </a:p>
               <a:p>
@@ -14232,7 +14232,7 @@
                 </a:r>
                 <a:r>
                   <a:rPr baseline="30000"/>
-                  <a:t>131,132</a:t>
+                  <a:t>132,133</a:t>
                 </a:r>
               </a:p>
               <a:p>
@@ -14254,7 +14254,7 @@
                 </a:r>
                 <a:r>
                   <a:rPr baseline="30000"/>
-                  <a:t>131,132</a:t>
+                  <a:t>132,133</a:t>
                 </a:r>
               </a:p>
               <a:p>
@@ -14282,7 +14282,7 @@
                 </a:r>
                 <a:r>
                   <a:rPr baseline="30000"/>
-                  <a:t>131</a:t>
+                  <a:t>132</a:t>
                 </a:r>
               </a:p>
               <a:p>
@@ -14293,7 +14293,7 @@
                 </a:r>
                 <a:r>
                   <a:rPr baseline="30000"/>
-                  <a:t>131</a:t>
+                  <a:t>132</a:t>
                 </a:r>
               </a:p>
               <a:p>
@@ -14332,7 +14332,7 @@
                 </a:r>
                 <a:r>
                   <a:rPr baseline="30000"/>
-                  <a:t>131,132</a:t>
+                  <a:t>132,133</a:t>
                 </a:r>
               </a:p>
               <a:p>
@@ -14354,7 +14354,7 @@
                 </a:r>
                 <a:r>
                   <a:rPr baseline="30000"/>
-                  <a:t>131,132</a:t>
+                  <a:t>132,133</a:t>
                 </a:r>
               </a:p>
               <a:p>
@@ -14365,7 +14365,7 @@
                 </a:r>
                 <a:r>
                   <a:rPr baseline="30000"/>
-                  <a:t>131,132</a:t>
+                  <a:t>132,133</a:t>
                 </a:r>
               </a:p>
               <a:p>
@@ -14376,7 +14376,7 @@
                 </a:r>
                 <a:r>
                   <a:rPr baseline="30000"/>
-                  <a:t>132</a:t>
+                  <a:t>133</a:t>
                 </a:r>
               </a:p>
               <a:p>
@@ -14473,7 +14473,7 @@
                 </a:r>
                 <a:r>
                   <a:rPr baseline="30000"/>
-                  <a:t>131,132</a:t>
+                  <a:t>132,133</a:t>
                 </a:r>
               </a:p>
               <a:p>
@@ -14513,7 +14513,7 @@
                 </a:r>
                 <a:r>
                   <a:rPr baseline="30000"/>
-                  <a:t>44</a:t>
+                  <a:t>45</a:t>
                 </a:r>
                 <a:r>
                   <a:rPr/>
@@ -14574,7 +14574,7 @@
                 </a:r>
                 <a:r>
                   <a:rPr baseline="30000"/>
-                  <a:t>131</a:t>
+                  <a:t>132</a:t>
                 </a:r>
               </a:p>
               <a:p>
@@ -14605,7 +14605,7 @@
                 </a:r>
                 <a:r>
                   <a:rPr baseline="30000"/>
-                  <a:t>131</a:t>
+                  <a:t>132</a:t>
                 </a:r>
               </a:p>
               <a:p>
@@ -14616,7 +14616,7 @@
                 </a:r>
                 <a:r>
                   <a:rPr baseline="30000"/>
-                  <a:t>131</a:t>
+                  <a:t>132</a:t>
                 </a:r>
               </a:p>
               <a:p>
@@ -14627,7 +14627,7 @@
                 </a:r>
                 <a:r>
                   <a:rPr baseline="30000"/>
-                  <a:t>131</a:t>
+                  <a:t>132</a:t>
                 </a:r>
               </a:p>
               <a:p>
@@ -14742,7 +14742,7 @@
                 </a:r>
                 <a:r>
                   <a:rPr baseline="30000"/>
-                  <a:t>131</a:t>
+                  <a:t>132</a:t>
                 </a:r>
               </a:p>
               <a:p>
@@ -14791,7 +14791,7 @@
                 </a:r>
                 <a:r>
                   <a:rPr baseline="30000"/>
-                  <a:t>44</a:t>
+                  <a:t>45</a:t>
                 </a:r>
                 <a:r>
                   <a:rPr/>
@@ -14852,7 +14852,7 @@
                 </a:r>
                 <a:r>
                   <a:rPr baseline="30000"/>
-                  <a:t>131,132</a:t>
+                  <a:t>132,133</a:t>
                 </a:r>
               </a:p>
               <a:p>
@@ -14874,7 +14874,7 @@
                 </a:r>
                 <a:r>
                   <a:rPr baseline="30000"/>
-                  <a:t>131,132</a:t>
+                  <a:t>132,133</a:t>
                 </a:r>
               </a:p>
               <a:p>
@@ -14915,7 +14915,7 @@
                 </a:r>
                 <a:r>
                   <a:rPr baseline="30000"/>
-                  <a:t>131,132</a:t>
+                  <a:t>132,133</a:t>
                 </a:r>
               </a:p>
               <a:p>
@@ -14926,7 +14926,7 @@
                 </a:r>
                 <a:r>
                   <a:rPr baseline="30000"/>
-                  <a:t>131,132</a:t>
+                  <a:t>132,133</a:t>
                 </a:r>
               </a:p>
               <a:p>
@@ -14937,7 +14937,7 @@
                 </a:r>
                 <a:r>
                   <a:rPr baseline="30000"/>
-                  <a:t>131,132</a:t>
+                  <a:t>132,133</a:t>
                 </a:r>
               </a:p>
               <a:p>
@@ -15034,7 +15034,7 @@
                 </a:r>
                 <a:r>
                   <a:rPr baseline="30000"/>
-                  <a:t>131,132</a:t>
+                  <a:t>132,133</a:t>
                 </a:r>
               </a:p>
               <a:p>
@@ -15074,7 +15074,7 @@
                 </a:r>
                 <a:r>
                   <a:rPr baseline="30000"/>
-                  <a:t>44</a:t>
+                  <a:t>45</a:t>
                 </a:r>
                 <a:r>
                   <a:rPr/>
@@ -15598,7 +15598,7 @@
                 </a:r>
                 <a:r>
                   <a:rPr baseline="30000"/>
-                  <a:t>133,134</a:t>
+                  <a:t>134,135</a:t>
                 </a:r>
               </a:p>
               <a:p>
@@ -15629,7 +15629,7 @@
                 </a:r>
                 <a:r>
                   <a:rPr baseline="30000"/>
-                  <a:t>134</a:t>
+                  <a:t>135</a:t>
                 </a:r>
               </a:p>
               <a:p>
@@ -15640,7 +15640,7 @@
                 </a:r>
                 <a:r>
                   <a:rPr baseline="30000"/>
-                  <a:t>134</a:t>
+                  <a:t>135</a:t>
                 </a:r>
               </a:p>
               <a:p>
@@ -15651,7 +15651,7 @@
                 </a:r>
                 <a:r>
                   <a:rPr baseline="30000"/>
-                  <a:t>133,134</a:t>
+                  <a:t>134,135</a:t>
                 </a:r>
               </a:p>
               <a:p>
@@ -15662,7 +15662,7 @@
                 </a:r>
                 <a:r>
                   <a:rPr baseline="30000"/>
-                  <a:t>133,134</a:t>
+                  <a:t>134,135</a:t>
                 </a:r>
               </a:p>
               <a:p>
@@ -15708,7 +15708,7 @@
                 </a:r>
                 <a:r>
                   <a:rPr baseline="30000"/>
-                  <a:t>134</a:t>
+                  <a:t>135</a:t>
                 </a:r>
               </a:p>
               <a:p>
@@ -15773,7 +15773,7 @@
                 </a:r>
                 <a:r>
                   <a:rPr baseline="30000"/>
-                  <a:t>134</a:t>
+                  <a:t>135</a:t>
                 </a:r>
               </a:p>
               <a:p>
@@ -15866,7 +15866,7 @@
                 </a:r>
                 <a:r>
                   <a:rPr baseline="30000"/>
-                  <a:t>135</a:t>
+                  <a:t>136</a:t>
                 </a:r>
                 <a:r>
                   <a:rPr/>
@@ -15916,7 +15916,7 @@
                 </a:r>
                 <a:r>
                   <a:rPr baseline="30000"/>
-                  <a:t>133,134</a:t>
+                  <a:t>134,135</a:t>
                 </a:r>
               </a:p>
               <a:p>
@@ -15927,7 +15927,7 @@
                 </a:r>
                 <a:r>
                   <a:rPr baseline="30000"/>
-                  <a:t>134</a:t>
+                  <a:t>135</a:t>
                 </a:r>
               </a:p>
               <a:p>
@@ -15938,7 +15938,7 @@
                 </a:r>
                 <a:r>
                   <a:rPr baseline="30000"/>
-                  <a:t>133,134</a:t>
+                  <a:t>134,135</a:t>
                 </a:r>
               </a:p>
               <a:p>
@@ -16003,7 +16003,7 @@
                 </a:r>
                 <a:r>
                   <a:rPr baseline="30000"/>
-                  <a:t>133,134</a:t>
+                  <a:t>134,135</a:t>
                 </a:r>
               </a:p>
               <a:p>
@@ -16096,7 +16096,7 @@
                 </a:r>
                 <a:r>
                   <a:rPr baseline="30000"/>
-                  <a:t>135</a:t>
+                  <a:t>136</a:t>
                 </a:r>
                 <a:r>
                   <a:rPr/>
@@ -16137,7 +16137,7 @@
                 </a:r>
                 <a:r>
                   <a:rPr baseline="30000"/>
-                  <a:t>131,132</a:t>
+                  <a:t>132,133</a:t>
                 </a:r>
               </a:p>
               <a:p>
@@ -16159,7 +16159,7 @@
                 </a:r>
                 <a:r>
                   <a:rPr baseline="30000"/>
-                  <a:t>131,132</a:t>
+                  <a:t>132,133</a:t>
                 </a:r>
               </a:p>
               <a:p>
@@ -16181,7 +16181,7 @@
                 </a:r>
                 <a:r>
                   <a:rPr baseline="30000"/>
-                  <a:t>131,132</a:t>
+                  <a:t>132,133</a:t>
                 </a:r>
               </a:p>
               <a:p>
@@ -16192,7 +16192,7 @@
                 </a:r>
                 <a:r>
                   <a:rPr baseline="30000"/>
-                  <a:t>131,132</a:t>
+                  <a:t>132,133</a:t>
                 </a:r>
               </a:p>
               <a:p>
@@ -16203,7 +16203,7 @@
                 </a:r>
                 <a:r>
                   <a:rPr baseline="30000"/>
-                  <a:t>131,132</a:t>
+                  <a:t>132,133</a:t>
                 </a:r>
               </a:p>
               <a:p>
@@ -16300,7 +16300,7 @@
                 </a:r>
                 <a:r>
                   <a:rPr baseline="30000"/>
-                  <a:t>131,132</a:t>
+                  <a:t>132,133</a:t>
                 </a:r>
               </a:p>
               <a:p>
@@ -16336,7 +16336,7 @@
                 </a:r>
                 <a:r>
                   <a:rPr baseline="30000"/>
-                  <a:t>44</a:t>
+                  <a:t>45</a:t>
                 </a:r>
                 <a:r>
                   <a:rPr/>
@@ -16534,7 +16534,7 @@
             </a:r>
             <a:r>
               <a:rPr baseline="30000"/>
-              <a:t>136</a:t>
+              <a:t>137</a:t>
             </a:r>
           </a:p>
           <a:p>
@@ -16570,7 +16570,7 @@
             </a:r>
             <a:r>
               <a:rPr baseline="30000"/>
-              <a:t>137</a:t>
+              <a:t>138</a:t>
             </a:r>
           </a:p>
           <a:p>
@@ -16581,7 +16581,7 @@
             </a:r>
             <a:r>
               <a:rPr baseline="30000"/>
-              <a:t>138</a:t>
+              <a:t>139</a:t>
             </a:r>
           </a:p>
           <a:p>
@@ -16592,7 +16592,7 @@
             </a:r>
             <a:r>
               <a:rPr baseline="30000"/>
-              <a:t>138</a:t>
+              <a:t>139</a:t>
             </a:r>
           </a:p>
           <a:p>
@@ -16614,7 +16614,7 @@
             </a:r>
             <a:r>
               <a:rPr baseline="30000"/>
-              <a:t>139</a:t>
+              <a:t>140</a:t>
             </a:r>
             <a:r>
               <a:rPr/>
@@ -16741,7 +16741,7 @@
             </a:r>
             <a:r>
               <a:rPr baseline="30000"/>
-              <a:t>140</a:t>
+              <a:t>141</a:t>
             </a:r>
           </a:p>
           <a:p>
@@ -16752,7 +16752,7 @@
             </a:r>
             <a:r>
               <a:rPr baseline="30000"/>
-              <a:t>140</a:t>
+              <a:t>141</a:t>
             </a:r>
           </a:p>
           <a:p>
@@ -16763,7 +16763,7 @@
             </a:r>
             <a:r>
               <a:rPr baseline="30000"/>
-              <a:t>140</a:t>
+              <a:t>141</a:t>
             </a:r>
           </a:p>
           <a:p>
@@ -16785,7 +16785,7 @@
             </a:r>
             <a:r>
               <a:rPr baseline="30000"/>
-              <a:t>141</a:t>
+              <a:t>142</a:t>
             </a:r>
             <a:r>
               <a:rPr/>
@@ -16946,7 +16946,7 @@
             </a:r>
             <a:r>
               <a:rPr baseline="30000"/>
-              <a:t>142</a:t>
+              <a:t>143</a:t>
             </a:r>
           </a:p>
           <a:p>
@@ -17059,7 +17059,7 @@
             </a:r>
             <a:r>
               <a:rPr baseline="30000"/>
-              <a:t>142</a:t>
+              <a:t>143</a:t>
             </a:r>
           </a:p>
           <a:p>
@@ -17087,7 +17087,7 @@
             </a:r>
             <a:r>
               <a:rPr baseline="30000"/>
-              <a:t>142</a:t>
+              <a:t>143</a:t>
             </a:r>
           </a:p>
           <a:p>
@@ -17200,18 +17200,18 @@
             </a:r>
             <a:r>
               <a:rPr baseline="30000"/>
+              <a:t>144</a:t>
+            </a:r>
+          </a:p>
+          <a:p>
+            <a:pPr lvl="0"/>
+            <a:r>
+              <a:rPr/>
+              <a:t>.</a:t>
+            </a:r>
+            <a:r>
+              <a:rPr baseline="30000"/>
               <a:t>143</a:t>
-            </a:r>
-          </a:p>
-          <a:p>
-            <a:pPr lvl="0"/>
-            <a:r>
-              <a:rPr/>
-              <a:t>.</a:t>
-            </a:r>
-            <a:r>
-              <a:rPr baseline="30000"/>
-              <a:t>142</a:t>
             </a:r>
           </a:p>
           <a:p>
@@ -17324,7 +17324,7 @@
             </a:r>
             <a:r>
               <a:rPr baseline="30000"/>
-              <a:t>144</a:t>
+              <a:t>145</a:t>
             </a:r>
           </a:p>
           <a:p>
@@ -17335,7 +17335,7 @@
             </a:r>
             <a:r>
               <a:rPr baseline="30000"/>
-              <a:t>142</a:t>
+              <a:t>143</a:t>
             </a:r>
           </a:p>
           <a:p>
@@ -17363,7 +17363,7 @@
             </a:r>
             <a:r>
               <a:rPr baseline="30000"/>
-              <a:t>144</a:t>
+              <a:t>145</a:t>
             </a:r>
           </a:p>
           <a:p>
@@ -17374,7 +17374,7 @@
             </a:r>
             <a:r>
               <a:rPr baseline="30000"/>
-              <a:t>142</a:t>
+              <a:t>143</a:t>
             </a:r>
           </a:p>
           <a:p>
@@ -17402,7 +17402,7 @@
             </a:r>
             <a:r>
               <a:rPr baseline="30000"/>
-              <a:t>144</a:t>
+              <a:t>145</a:t>
             </a:r>
           </a:p>
           <a:p>
@@ -17413,7 +17413,7 @@
             </a:r>
             <a:r>
               <a:rPr baseline="30000"/>
-              <a:t>142</a:t>
+              <a:t>143</a:t>
             </a:r>
           </a:p>
           <a:p>
@@ -17441,7 +17441,7 @@
             </a:r>
             <a:r>
               <a:rPr baseline="30000"/>
-              <a:t>144</a:t>
+              <a:t>145</a:t>
             </a:r>
           </a:p>
           <a:p>
@@ -17452,7 +17452,7 @@
             </a:r>
             <a:r>
               <a:rPr baseline="30000"/>
-              <a:t>142</a:t>
+              <a:t>143</a:t>
             </a:r>
           </a:p>
           <a:p>
@@ -17480,7 +17480,7 @@
             </a:r>
             <a:r>
               <a:rPr baseline="30000"/>
-              <a:t>144</a:t>
+              <a:t>145</a:t>
             </a:r>
           </a:p>
           <a:p>
@@ -17491,7 +17491,7 @@
             </a:r>
             <a:r>
               <a:rPr baseline="30000"/>
-              <a:t>142</a:t>
+              <a:t>143</a:t>
             </a:r>
           </a:p>
           <a:p>
@@ -17606,7 +17606,7 @@
                 </a:r>
                 <a:r>
                   <a:rPr baseline="30000"/>
-                  <a:t>119,145,146</a:t>
+                  <a:t>120,146,147</a:t>
                 </a:r>
               </a:p>
               <a:p>
@@ -17617,7 +17617,7 @@
                 </a:r>
                 <a:r>
                   <a:rPr baseline="30000"/>
-                  <a:t>145,146</a:t>
+                  <a:t>146,147</a:t>
                 </a:r>
               </a:p>
               <a:p>
@@ -17665,7 +17665,7 @@
                 </a:r>
                 <a:r>
                   <a:rPr baseline="30000"/>
-                  <a:t>119</a:t>
+                  <a:t>120</a:t>
                 </a:r>
               </a:p>
               <a:p>
@@ -17676,7 +17676,7 @@
                 </a:r>
                 <a:r>
                   <a:rPr baseline="30000"/>
-                  <a:t>119</a:t>
+                  <a:t>120</a:t>
                 </a:r>
               </a:p>
               <a:p>
@@ -17704,7 +17704,7 @@
                 </a:r>
                 <a:r>
                   <a:rPr baseline="30000"/>
-                  <a:t>138</a:t>
+                  <a:t>139</a:t>
                 </a:r>
               </a:p>
               <a:p>
@@ -17715,7 +17715,7 @@
                 </a:r>
                 <a:r>
                   <a:rPr baseline="30000"/>
-                  <a:t>138</a:t>
+                  <a:t>139</a:t>
                 </a:r>
               </a:p>
               <a:p>
@@ -17726,7 +17726,7 @@
                 </a:r>
                 <a:r>
                   <a:rPr baseline="30000"/>
-                  <a:t>138</a:t>
+                  <a:t>139</a:t>
                 </a:r>
               </a:p>
               <a:p>
@@ -17754,7 +17754,7 @@
                 </a:r>
                 <a:r>
                   <a:rPr baseline="30000"/>
-                  <a:t>146</a:t>
+                  <a:t>147</a:t>
                 </a:r>
               </a:p>
               <a:p>
@@ -17765,7 +17765,7 @@
                 </a:r>
                 <a:r>
                   <a:rPr baseline="30000"/>
-                  <a:t>146</a:t>
+                  <a:t>147</a:t>
                 </a:r>
               </a:p>
               <a:p>
@@ -17776,7 +17776,7 @@
                 </a:r>
                 <a:r>
                   <a:rPr baseline="30000"/>
-                  <a:t>146</a:t>
+                  <a:t>147</a:t>
                 </a:r>
               </a:p>
               <a:p>
@@ -17787,7 +17787,7 @@
                 </a:r>
                 <a:r>
                   <a:rPr baseline="30000"/>
-                  <a:t>146</a:t>
+                  <a:t>147</a:t>
                 </a:r>
               </a:p>
               <a:p>
@@ -17798,7 +17798,7 @@
                 </a:r>
                 <a:r>
                   <a:rPr baseline="30000"/>
-                  <a:t>119</a:t>
+                  <a:t>120</a:t>
                 </a:r>
               </a:p>
               <a:p>
@@ -18530,7 +18530,7 @@
             </a:r>
             <a:r>
               <a:rPr baseline="30000"/>
-              <a:t>38,136</a:t>
+              <a:t>39,137</a:t>
             </a:r>
           </a:p>
           <a:p>
@@ -18541,7 +18541,7 @@
             </a:r>
             <a:r>
               <a:rPr baseline="30000"/>
-              <a:t>38,136</a:t>
+              <a:t>39,137</a:t>
             </a:r>
           </a:p>
           <a:p>
@@ -18552,7 +18552,7 @@
             </a:r>
             <a:r>
               <a:rPr baseline="30000"/>
-              <a:t>38</a:t>
+              <a:t>39</a:t>
             </a:r>
           </a:p>
           <a:p>
@@ -18723,7 +18723,7 @@
             </a:r>
             <a:r>
               <a:rPr baseline="30000"/>
-              <a:t>147</a:t>
+              <a:t>148</a:t>
             </a:r>
           </a:p>
           <a:p>
@@ -18734,7 +18734,7 @@
             </a:r>
             <a:r>
               <a:rPr baseline="30000"/>
-              <a:t>148</a:t>
+              <a:t>149</a:t>
             </a:r>
           </a:p>
           <a:p>
@@ -18759,7 +18759,7 @@
             </a:r>
             <a:r>
               <a:rPr baseline="30000"/>
-              <a:t>148</a:t>
+              <a:t>149</a:t>
             </a:r>
           </a:p>
           <a:p>
@@ -18784,7 +18784,7 @@
             </a:r>
             <a:r>
               <a:rPr baseline="30000"/>
-              <a:t>148</a:t>
+              <a:t>149</a:t>
             </a:r>
           </a:p>
           <a:p>
@@ -18809,7 +18809,7 @@
             </a:r>
             <a:r>
               <a:rPr baseline="30000"/>
-              <a:t>148</a:t>
+              <a:t>149</a:t>
             </a:r>
           </a:p>
           <a:p>
@@ -18855,7 +18855,7 @@
             </a:r>
             <a:r>
               <a:rPr baseline="30000"/>
-              <a:t>148</a:t>
+              <a:t>149</a:t>
             </a:r>
           </a:p>
           <a:p>
@@ -19003,7 +19003,7 @@
             </a:r>
             <a:r>
               <a:rPr baseline="30000"/>
-              <a:t>149</a:t>
+              <a:t>150</a:t>
             </a:r>
           </a:p>
           <a:p>
@@ -19011,28 +19011,6 @@
             <a:r>
               <a:rPr/>
               <a:t>Se a média da variável é igual entre grupos no início do acompanhamento, ambas abordagens estimam o mesmo efeito. Caso contrário, o efeito será influenciado pela correlação entre as medidas antes e depois. A análise da mudança não controla para desbalanços no início do estudo.</a:t>
-            </a:r>
-            <a:r>
-              <a:rPr baseline="30000"/>
-              <a:t>149</a:t>
-            </a:r>
-          </a:p>
-          <a:p>
-            <a:pPr lvl="0"/>
-            <a:r>
-              <a:rPr/>
-              <a:t>Uma abordagem recomendada é a análise de covariância (ANCOVA), pois ajusta os valores pós-intervenção aos valores pré-intervenção para cada participante, e não é afetada pelas diferenças entre grupos no início do estudo.</a:t>
-            </a:r>
-            <a:r>
-              <a:rPr baseline="30000"/>
-              <a:t>149</a:t>
-            </a:r>
-          </a:p>
-          <a:p>
-            <a:pPr lvl="0"/>
-            <a:r>
-              <a:rPr/>
-              <a:t>A análise de covariância (ANCOVA) modelando seja a mudança (pré - pós) quando o desfecho no pós-tratamento parece ser o método mais efetivo considerando-se o viés de estimação dos parâmetros, a precisão das estimativas, a cobertura nominal (isto é, intervalo de confiança) e o poder do teste.</a:t>
             </a:r>
             <a:r>
               <a:rPr baseline="30000"/>
@@ -19043,11 +19021,33 @@
             <a:pPr lvl="0"/>
             <a:r>
               <a:rPr/>
-              <a:t>Análise de variância (ANOVA) e modelos lineares mistos (MLM) são outras opções de métodos, embora apresentem maior variância, menor poder, e cobertura nominal comparados à ANCOVA.</a:t>
+              <a:t>Uma abordagem recomendada é a análise de covariância (ANCOVA), pois ajusta os valores pós-intervenção aos valores pré-intervenção para cada participante, e não é afetada pelas diferenças entre grupos no início do estudo.</a:t>
             </a:r>
             <a:r>
               <a:rPr baseline="30000"/>
               <a:t>150</a:t>
+            </a:r>
+          </a:p>
+          <a:p>
+            <a:pPr lvl="0"/>
+            <a:r>
+              <a:rPr/>
+              <a:t>A análise de covariância (ANCOVA) modelando seja a mudança (pré - pós) quando o desfecho no pós-tratamento parece ser o método mais efetivo considerando-se o viés de estimação dos parâmetros, a precisão das estimativas, a cobertura nominal (isto é, intervalo de confiança) e o poder do teste.</a:t>
+            </a:r>
+            <a:r>
+              <a:rPr baseline="30000"/>
+              <a:t>151</a:t>
+            </a:r>
+          </a:p>
+          <a:p>
+            <a:pPr lvl="0"/>
+            <a:r>
+              <a:rPr/>
+              <a:t>Análise de variância (ANOVA) e modelos lineares mistos (MLM) são outras opções de métodos, embora apresentem maior variância, menor poder, e cobertura nominal comparados à ANCOVA.</a:t>
+            </a:r>
+            <a:r>
+              <a:rPr baseline="30000"/>
+              <a:t>151</a:t>
             </a:r>
           </a:p>
           <a:p>
@@ -19218,7 +19218,7 @@
             </a:r>
             <a:r>
               <a:rPr baseline="30000"/>
-              <a:t>151</a:t>
+              <a:t>152</a:t>
             </a:r>
           </a:p>
           <a:p>
@@ -19246,7 +19246,7 @@
             </a:r>
             <a:r>
               <a:rPr baseline="30000"/>
-              <a:t>152</a:t>
+              <a:t>153</a:t>
             </a:r>
           </a:p>
           <a:p>
@@ -19257,7 +19257,7 @@
             </a:r>
             <a:r>
               <a:rPr baseline="30000"/>
-              <a:t>153</a:t>
+              <a:t>154</a:t>
             </a:r>
           </a:p>
           <a:p>
@@ -19268,7 +19268,7 @@
             </a:r>
             <a:r>
               <a:rPr baseline="30000"/>
-              <a:t>153</a:t>
+              <a:t>154</a:t>
             </a:r>
           </a:p>
           <a:p>
@@ -19296,7 +19296,7 @@
             </a:r>
             <a:r>
               <a:rPr baseline="30000"/>
-              <a:t>153</a:t>
+              <a:t>154</a:t>
             </a:r>
           </a:p>
           <a:p>
@@ -19307,7 +19307,7 @@
             </a:r>
             <a:r>
               <a:rPr baseline="30000"/>
-              <a:t>153</a:t>
+              <a:t>154</a:t>
             </a:r>
           </a:p>
           <a:p>
@@ -19335,7 +19335,7 @@
             </a:r>
             <a:r>
               <a:rPr baseline="30000"/>
-              <a:t>153</a:t>
+              <a:t>154</a:t>
             </a:r>
           </a:p>
           <a:p>
@@ -19472,7 +19472,7 @@
             </a:r>
             <a:r>
               <a:rPr baseline="30000"/>
-              <a:t>154</a:t>
+              <a:t>155</a:t>
             </a:r>
           </a:p>
           <a:p>
@@ -19483,7 +19483,7 @@
             </a:r>
             <a:r>
               <a:rPr baseline="30000"/>
-              <a:t>154</a:t>
+              <a:t>155</a:t>
             </a:r>
           </a:p>
           <a:p>
@@ -19511,7 +19511,7 @@
             </a:r>
             <a:r>
               <a:rPr baseline="30000"/>
-              <a:t>155</a:t>
+              <a:t>156</a:t>
             </a:r>
           </a:p>
           <a:p>
@@ -19522,7 +19522,7 @@
             </a:r>
             <a:r>
               <a:rPr baseline="30000"/>
-              <a:t>155</a:t>
+              <a:t>156</a:t>
             </a:r>
           </a:p>
           <a:p>
@@ -19550,7 +19550,7 @@
             </a:r>
             <a:r>
               <a:rPr baseline="30000"/>
-              <a:t>99,154</a:t>
+              <a:t>100,155</a:t>
             </a:r>
           </a:p>
           <a:p>
@@ -19561,7 +19561,7 @@
             </a:r>
             <a:r>
               <a:rPr baseline="30000"/>
-              <a:t>99,154</a:t>
+              <a:t>100,155</a:t>
             </a:r>
           </a:p>
           <a:p>
@@ -19572,7 +19572,7 @@
             </a:r>
             <a:r>
               <a:rPr baseline="30000"/>
-              <a:t>99,154</a:t>
+              <a:t>100,155</a:t>
             </a:r>
           </a:p>
           <a:p>
@@ -19583,7 +19583,7 @@
             </a:r>
             <a:r>
               <a:rPr baseline="30000"/>
-              <a:t>99</a:t>
+              <a:t>100</a:t>
             </a:r>
           </a:p>
           <a:p>
@@ -19611,7 +19611,7 @@
             </a:r>
             <a:r>
               <a:rPr baseline="30000"/>
-              <a:t>155</a:t>
+              <a:t>156</a:t>
             </a:r>
           </a:p>
           <a:p>
@@ -19622,7 +19622,7 @@
             </a:r>
             <a:r>
               <a:rPr baseline="30000"/>
-              <a:t>155</a:t>
+              <a:t>156</a:t>
             </a:r>
           </a:p>
           <a:p>
@@ -19650,7 +19650,7 @@
             </a:r>
             <a:r>
               <a:rPr baseline="30000"/>
-              <a:t>151</a:t>
+              <a:t>152</a:t>
             </a:r>
           </a:p>
           <a:p>
@@ -19661,7 +19661,7 @@
             </a:r>
             <a:r>
               <a:rPr baseline="30000"/>
-              <a:t>156</a:t>
+              <a:t>157</a:t>
             </a:r>
           </a:p>
           <a:p>
@@ -19689,7 +19689,7 @@
             </a:r>
             <a:r>
               <a:rPr baseline="30000"/>
-              <a:t>151</a:t>
+              <a:t>152</a:t>
             </a:r>
           </a:p>
           <a:p>
@@ -19700,7 +19700,7 @@
             </a:r>
             <a:r>
               <a:rPr baseline="30000"/>
-              <a:t>151</a:t>
+              <a:t>152</a:t>
             </a:r>
           </a:p>
           <a:p>
@@ -19813,7 +19813,7 @@
             </a:r>
             <a:r>
               <a:rPr baseline="30000"/>
-              <a:t>147</a:t>
+              <a:t>148</a:t>
             </a:r>
           </a:p>
           <a:p>
@@ -19926,7 +19926,7 @@
             </a:r>
             <a:r>
               <a:rPr baseline="30000"/>
-              <a:t>147</a:t>
+              <a:t>148</a:t>
             </a:r>
           </a:p>
           <a:p>
@@ -20039,7 +20039,7 @@
             </a:r>
             <a:r>
               <a:rPr baseline="30000"/>
-              <a:t>147</a:t>
+              <a:t>148</a:t>
             </a:r>
           </a:p>
           <a:p>
@@ -20050,7 +20050,7 @@
             </a:r>
             <a:r>
               <a:rPr baseline="30000"/>
-              <a:t>157</a:t>
+              <a:t>158</a:t>
             </a:r>
           </a:p>
           <a:p>
@@ -20061,7 +20061,7 @@
             </a:r>
             <a:r>
               <a:rPr baseline="30000"/>
-              <a:t>142</a:t>
+              <a:t>143</a:t>
             </a:r>
           </a:p>
           <a:p>
@@ -20089,7 +20089,7 @@
             </a:r>
             <a:r>
               <a:rPr baseline="30000"/>
-              <a:t>143</a:t>
+              <a:t>144</a:t>
             </a:r>
           </a:p>
           <a:p>
@@ -20100,7 +20100,7 @@
             </a:r>
             <a:r>
               <a:rPr baseline="30000"/>
-              <a:t>158</a:t>
+              <a:t>159</a:t>
             </a:r>
           </a:p>
           <a:p>
@@ -20111,7 +20111,7 @@
             </a:r>
             <a:r>
               <a:rPr baseline="30000"/>
-              <a:t>158</a:t>
+              <a:t>159</a:t>
             </a:r>
           </a:p>
           <a:p>
@@ -20421,7 +20421,7 @@
                 </a:r>
                 <a:r>
                   <a:rPr baseline="30000"/>
-                  <a:t>159</a:t>
+                  <a:t>160</a:t>
                 </a:r>
               </a:p>
               <a:p>
@@ -20443,7 +20443,7 @@
                 </a:r>
                 <a:r>
                   <a:rPr baseline="30000"/>
-                  <a:t>160</a:t>
+                  <a:t>161</a:t>
                 </a:r>
                 <a:r>
                   <a:rPr/>
@@ -20515,7 +20515,7 @@
                 </a:r>
                 <a:r>
                   <a:rPr baseline="30000"/>
-                  <a:t>159</a:t>
+                  <a:t>160</a:t>
                 </a:r>
               </a:p>
               <a:p>
@@ -20526,7 +20526,7 @@
                 </a:r>
                 <a:r>
                   <a:rPr baseline="30000"/>
-                  <a:t>159</a:t>
+                  <a:t>160</a:t>
                 </a:r>
               </a:p>
               <a:p>
@@ -20537,7 +20537,7 @@
                 </a:r>
                 <a:r>
                   <a:rPr baseline="30000"/>
-                  <a:t>159</a:t>
+                  <a:t>160</a:t>
                 </a:r>
               </a:p>
               <a:p>
@@ -20565,7 +20565,7 @@
                 </a:r>
                 <a:r>
                   <a:rPr baseline="30000"/>
-                  <a:t>161</a:t>
+                  <a:t>162</a:t>
                 </a:r>
               </a:p>
               <a:p>
@@ -20738,7 +20738,7 @@
             </a:r>
             <a:r>
               <a:rPr baseline="30000"/>
-              <a:t>162</a:t>
+              <a:t>163</a:t>
             </a:r>
           </a:p>
           <a:p>
@@ -20749,7 +20749,7 @@
             </a:r>
             <a:r>
               <a:rPr baseline="30000"/>
-              <a:t>162</a:t>
+              <a:t>163</a:t>
             </a:r>
           </a:p>
           <a:p>
@@ -20760,7 +20760,7 @@
             </a:r>
             <a:r>
               <a:rPr baseline="30000"/>
-              <a:t>162</a:t>
+              <a:t>163</a:t>
             </a:r>
           </a:p>
           <a:p>
@@ -20771,7 +20771,7 @@
             </a:r>
             <a:r>
               <a:rPr baseline="30000"/>
-              <a:t>162</a:t>
+              <a:t>163</a:t>
             </a:r>
           </a:p>
           <a:p>
@@ -20799,7 +20799,7 @@
             </a:r>
             <a:r>
               <a:rPr baseline="30000"/>
-              <a:t>162</a:t>
+              <a:t>163</a:t>
             </a:r>
           </a:p>
           <a:p>
@@ -20810,7 +20810,7 @@
             </a:r>
             <a:r>
               <a:rPr baseline="30000"/>
-              <a:t>162</a:t>
+              <a:t>163</a:t>
             </a:r>
           </a:p>
           <a:p>
@@ -20821,7 +20821,7 @@
             </a:r>
             <a:r>
               <a:rPr baseline="30000"/>
-              <a:t>162</a:t>
+              <a:t>163</a:t>
             </a:r>
           </a:p>
           <a:p>
@@ -21095,7 +21095,7 @@
                 </a:r>
                 <a:r>
                   <a:rPr baseline="30000"/>
-                  <a:t>162</a:t>
+                  <a:t>163</a:t>
                 </a:r>
               </a:p>
               <a:p>
@@ -21106,7 +21106,7 @@
                 </a:r>
                 <a:r>
                   <a:rPr baseline="30000"/>
-                  <a:t>162</a:t>
+                  <a:t>163</a:t>
                 </a:r>
               </a:p>
               <a:p>
@@ -21190,7 +21190,7 @@
                 </a:r>
                 <a:r>
                   <a:rPr baseline="30000"/>
-                  <a:t>162</a:t>
+                  <a:t>163</a:t>
                 </a:r>
               </a:p>
               <a:p>
@@ -21201,7 +21201,7 @@
                 </a:r>
                 <a:r>
                   <a:rPr baseline="30000"/>
-                  <a:t>162</a:t>
+                  <a:t>163</a:t>
                 </a:r>
               </a:p>
               <a:p>
@@ -21288,7 +21288,7 @@
                 </a:r>
                 <a:r>
                   <a:rPr baseline="30000"/>
-                  <a:t>162</a:t>
+                  <a:t>163</a:t>
                 </a:r>
               </a:p>
               <a:p>
@@ -21705,7 +21705,7 @@
                 </a:r>
                 <a:r>
                   <a:rPr baseline="30000"/>
-                  <a:t>163</a:t>
+                  <a:t>164</a:t>
                 </a:r>
               </a:p>
               <a:p>
@@ -21736,7 +21736,7 @@
                 </a:r>
                 <a:r>
                   <a:rPr baseline="30000"/>
-                  <a:t>163</a:t>
+                  <a:t>164</a:t>
                 </a:r>
               </a:p>
               <a:p>
@@ -21767,7 +21767,7 @@
                 </a:r>
                 <a:r>
                   <a:rPr baseline="30000"/>
-                  <a:t>163</a:t>
+                  <a:t>164</a:t>
                 </a:r>
               </a:p>
               <a:p>
@@ -21815,7 +21815,7 @@
                 </a:r>
                 <a:r>
                   <a:rPr baseline="30000"/>
-                  <a:t>163,164</a:t>
+                  <a:t>164,165</a:t>
                 </a:r>
               </a:p>
               <a:p>
@@ -21842,7 +21842,7 @@
                 </a:r>
                 <a:r>
                   <a:rPr baseline="30000"/>
-                  <a:t>163</a:t>
+                  <a:t>164</a:t>
                 </a:r>
               </a:p>
               <a:p>
@@ -21889,7 +21889,7 @@
                 </a:r>
                 <a:r>
                   <a:rPr baseline="30000"/>
-                  <a:t>164</a:t>
+                  <a:t>165</a:t>
                 </a:r>
               </a:p>
               <a:p>
@@ -21900,7 +21900,7 @@
                 </a:r>
                 <a:r>
                   <a:rPr baseline="30000"/>
-                  <a:t>165</a:t>
+                  <a:t>166</a:t>
                 </a:r>
               </a:p>
               <a:p>
@@ -21922,7 +21922,7 @@
                 </a:r>
                 <a:r>
                   <a:rPr baseline="30000"/>
-                  <a:t>166</a:t>
+                  <a:t>167</a:t>
                 </a:r>
                 <a:r>
                   <a:rPr/>
@@ -21948,7 +21948,7 @@
                 </a:r>
                 <a:r>
                   <a:rPr baseline="30000"/>
-                  <a:t>166</a:t>
+                  <a:t>167</a:t>
                 </a:r>
                 <a:r>
                   <a:rPr/>
@@ -21970,7 +21970,7 @@
                 </a:r>
                 <a:r>
                   <a:rPr baseline="30000"/>
-                  <a:t>167</a:t>
+                  <a:t>168</a:t>
                 </a:r>
                 <a:r>
                   <a:rPr/>
@@ -21996,7 +21996,7 @@
                 </a:r>
                 <a:r>
                   <a:rPr baseline="30000"/>
-                  <a:t>168,169</a:t>
+                  <a:t>169,170</a:t>
                 </a:r>
                 <a:r>
                   <a:rPr/>
@@ -22241,7 +22241,7 @@
             </a:r>
             <a:r>
               <a:rPr baseline="30000"/>
-              <a:t>170</a:t>
+              <a:t>171</a:t>
             </a:r>
             <a:r>
               <a:rPr/>
@@ -22257,26 +22257,26 @@
             </a:r>
             <a:r>
               <a:rPr baseline="30000"/>
+              <a:t>172</a:t>
+            </a:r>
+          </a:p>
+          <a:p>
+            <a:pPr lvl="0"/>
+            <a:r>
+              <a:rPr/>
+              <a:t>O RMarkdown</a:t>
+            </a:r>
+            <a:r>
+              <a:rPr baseline="30000"/>
               <a:t>171</a:t>
             </a:r>
-          </a:p>
-          <a:p>
-            <a:pPr lvl="0"/>
-            <a:r>
-              <a:rPr/>
-              <a:t>O RMarkdown</a:t>
+            <a:r>
+              <a:rPr/>
+              <a:t> foi projetado especificamente para relatórios dinâmicos onde a análise é realizada em R e oferece uma flexibilidade incrível por meio de uma linguagem de marcação.</a:t>
             </a:r>
             <a:r>
               <a:rPr baseline="30000"/>
-              <a:t>170</a:t>
-            </a:r>
-            <a:r>
-              <a:rPr/>
-              <a:t> foi projetado especificamente para relatórios dinâmicos onde a análise é realizada em R e oferece uma flexibilidade incrível por meio de uma linguagem de marcação.</a:t>
-            </a:r>
-            <a:r>
-              <a:rPr baseline="30000"/>
-              <a:t>41</a:t>
+              <a:t>42</a:t>
             </a:r>
           </a:p>
           <a:p>
@@ -22304,7 +22304,7 @@
             </a:r>
             <a:r>
               <a:rPr baseline="30000"/>
-              <a:t>41</a:t>
+              <a:t>42</a:t>
             </a:r>
           </a:p>
           <a:p>
@@ -22315,7 +22315,7 @@
             </a:r>
             <a:r>
               <a:rPr baseline="30000"/>
-              <a:t>41</a:t>
+              <a:t>42</a:t>
             </a:r>
           </a:p>
           <a:p>
@@ -22337,7 +22337,7 @@
             </a:r>
             <a:r>
               <a:rPr baseline="30000"/>
-              <a:t>172</a:t>
+              <a:t>173</a:t>
             </a:r>
             <a:r>
               <a:rPr/>
@@ -22391,7 +22391,7 @@
             </a:r>
             <a:r>
               <a:rPr baseline="30000"/>
-              <a:t>173</a:t>
+              <a:t>174</a:t>
             </a:r>
             <a:r>
               <a:rPr/>
@@ -22469,7 +22469,7 @@
             </a:r>
             <a:r>
               <a:rPr baseline="30000"/>
-              <a:t>174</a:t>
+              <a:t>175</a:t>
             </a:r>
           </a:p>
           <a:p>
@@ -22491,7 +22491,7 @@
             </a:r>
             <a:r>
               <a:rPr baseline="30000"/>
-              <a:t>175</a:t>
+              <a:t>176</a:t>
             </a:r>
             <a:r>
               <a:rPr/>
@@ -22618,7 +22618,7 @@
             </a:r>
             <a:r>
               <a:rPr baseline="30000"/>
-              <a:t>176</a:t>
+              <a:t>177</a:t>
             </a:r>
           </a:p>
           <a:p>
@@ -22629,7 +22629,7 @@
             </a:r>
             <a:r>
               <a:rPr baseline="30000"/>
-              <a:t>176</a:t>
+              <a:t>177</a:t>
             </a:r>
           </a:p>
           <a:p>
@@ -22657,7 +22657,7 @@
             </a:r>
             <a:r>
               <a:rPr baseline="30000"/>
-              <a:t>40</a:t>
+              <a:t>41</a:t>
             </a:r>
           </a:p>
           <a:p>
@@ -22665,39 +22665,6 @@
             <a:r>
               <a:rPr/>
               <a:t>Crie links persistentes para versões do seu script.</a:t>
-            </a:r>
-            <a:r>
-              <a:rPr baseline="30000"/>
-              <a:t>176</a:t>
-            </a:r>
-          </a:p>
-          <a:p>
-            <a:pPr lvl="0"/>
-            <a:r>
-              <a:rPr/>
-              <a:t>Defina uma semente para o gerador de números aleatórios em scripts com métodos computacionais que dependem da geração de números pseudoaleatórios.</a:t>
-            </a:r>
-            <a:r>
-              <a:rPr baseline="30000"/>
-              <a:t>40</a:t>
-            </a:r>
-          </a:p>
-          <a:p>
-            <a:pPr lvl="0"/>
-            <a:r>
-              <a:rPr/>
-              <a:t>Escolha uma licença apropriada para garantir como outros usarão seus scripts.</a:t>
-            </a:r>
-            <a:r>
-              <a:rPr baseline="30000"/>
-              <a:t>176</a:t>
-            </a:r>
-          </a:p>
-          <a:p>
-            <a:pPr lvl="0"/>
-            <a:r>
-              <a:rPr/>
-              <a:t>Compartilhe todos os pacotes relacionados à sua análise.</a:t>
             </a:r>
             <a:r>
               <a:rPr baseline="30000"/>
@@ -22708,11 +22675,44 @@
             <a:pPr lvl="0"/>
             <a:r>
               <a:rPr/>
+              <a:t>Defina uma semente para o gerador de números aleatórios em scripts com métodos computacionais que dependem da geração de números pseudoaleatórios.</a:t>
+            </a:r>
+            <a:r>
+              <a:rPr baseline="30000"/>
+              <a:t>41</a:t>
+            </a:r>
+          </a:p>
+          <a:p>
+            <a:pPr lvl="0"/>
+            <a:r>
+              <a:rPr/>
+              <a:t>Escolha uma licença apropriada para garantir como outros usarão seus scripts.</a:t>
+            </a:r>
+            <a:r>
+              <a:rPr baseline="30000"/>
+              <a:t>177</a:t>
+            </a:r>
+          </a:p>
+          <a:p>
+            <a:pPr lvl="0"/>
+            <a:r>
+              <a:rPr/>
+              <a:t>Compartilhe todos os pacotes relacionados à sua análise.</a:t>
+            </a:r>
+            <a:r>
+              <a:rPr baseline="30000"/>
+              <a:t>178</a:t>
+            </a:r>
+          </a:p>
+          <a:p>
+            <a:pPr lvl="0"/>
+            <a:r>
+              <a:rPr/>
               <a:t>Providencie a documentação sobre seu script (ex.: arquivo README).</a:t>
             </a:r>
             <a:r>
               <a:rPr baseline="30000"/>
-              <a:t>176</a:t>
+              <a:t>177</a:t>
             </a:r>
           </a:p>
           <a:p>
@@ -22734,7 +22734,7 @@
             </a:r>
             <a:r>
               <a:rPr baseline="30000"/>
-              <a:t>178</a:t>
+              <a:t>179</a:t>
             </a:r>
             <a:r>
               <a:rPr/>
@@ -22776,7 +22776,7 @@
             </a:r>
             <a:r>
               <a:rPr baseline="30000"/>
-              <a:t>40</a:t>
+              <a:t>41</a:t>
             </a:r>
           </a:p>
           <a:p>
@@ -22787,7 +22787,7 @@
             </a:r>
             <a:r>
               <a:rPr baseline="30000"/>
-              <a:t>40</a:t>
+              <a:t>41</a:t>
             </a:r>
           </a:p>
           <a:p>
@@ -22798,7 +22798,7 @@
             </a:r>
             <a:r>
               <a:rPr baseline="30000"/>
-              <a:t>40</a:t>
+              <a:t>41</a:t>
             </a:r>
           </a:p>
           <a:p>
@@ -22809,7 +22809,7 @@
             </a:r>
             <a:r>
               <a:rPr baseline="30000"/>
-              <a:t>40</a:t>
+              <a:t>41</a:t>
             </a:r>
           </a:p>
           <a:p>
@@ -22820,7 +22820,7 @@
             </a:r>
             <a:r>
               <a:rPr baseline="30000"/>
-              <a:t>40</a:t>
+              <a:t>41</a:t>
             </a:r>
           </a:p>
           <a:p>
@@ -22842,7 +22842,7 @@
             </a:r>
             <a:r>
               <a:rPr baseline="30000"/>
-              <a:t>178</a:t>
+              <a:t>179</a:t>
             </a:r>
             <a:r>
               <a:rPr/>
@@ -22980,7 +22980,7 @@
             </a:r>
             <a:r>
               <a:rPr baseline="30000"/>
-              <a:t>179</a:t>
+              <a:t>180</a:t>
             </a:r>
             <a:r>
               <a:rPr/>
@@ -23043,7 +23043,7 @@
             </a:r>
             <a:r>
               <a:rPr baseline="30000"/>
-              <a:t>180</a:t>
+              <a:t>181</a:t>
             </a:r>
             <a:r>
               <a:rPr/>
@@ -23607,7 +23607,7 @@
             </a:r>
             <a:r>
               <a:rPr baseline="30000"/>
-              <a:t>181</a:t>
+              <a:t>182</a:t>
             </a:r>
           </a:p>
           <a:p>
@@ -23667,7 +23667,7 @@
             </a:r>
             <a:r>
               <a:rPr baseline="30000"/>
-              <a:t>182</a:t>
+              <a:t>183</a:t>
             </a:r>
           </a:p>
           <a:p>
@@ -23678,7 +23678,7 @@
             </a:r>
             <a:r>
               <a:rPr baseline="30000"/>
-              <a:t>182</a:t>
+              <a:t>183</a:t>
             </a:r>
           </a:p>
           <a:p>
@@ -23733,7 +23733,7 @@
             </a:r>
             <a:r>
               <a:rPr baseline="30000"/>
-              <a:t>41</a:t>
+              <a:t>42</a:t>
             </a:r>
           </a:p>
           <a:p>
@@ -23767,7 +23767,7 @@
             </a:r>
             <a:r>
               <a:rPr baseline="30000"/>
-              <a:t>183</a:t>
+              <a:t>184</a:t>
             </a:r>
           </a:p>
           <a:p>
@@ -23784,7 +23784,7 @@
             </a:r>
             <a:r>
               <a:rPr baseline="30000"/>
-              <a:t>184</a:t>
+              <a:t>185</a:t>
             </a:r>
           </a:p>
           <a:p>
@@ -23806,7 +23806,7 @@
             </a:r>
             <a:r>
               <a:rPr baseline="30000"/>
-              <a:t>185</a:t>
+              <a:t>186</a:t>
             </a:r>
             <a:r>
               <a:rPr/>
@@ -23818,7 +23818,7 @@
             </a:r>
             <a:r>
               <a:rPr baseline="30000"/>
-              <a:t>186</a:t>
+              <a:t>187</a:t>
             </a:r>
             <a:r>
               <a:rPr/>
@@ -23909,7 +23909,7 @@
             </a:r>
             <a:r>
               <a:rPr baseline="30000"/>
-              <a:t>187</a:t>
+              <a:t>188</a:t>
             </a:r>
           </a:p>
           <a:p>
@@ -23920,7 +23920,7 @@
             </a:r>
             <a:r>
               <a:rPr baseline="30000"/>
-              <a:t>187</a:t>
+              <a:t>188</a:t>
             </a:r>
           </a:p>
           <a:p>
@@ -23931,7 +23931,7 @@
             </a:r>
             <a:r>
               <a:rPr baseline="30000"/>
-              <a:t>187</a:t>
+              <a:t>188</a:t>
             </a:r>
           </a:p>
           <a:p>
@@ -23942,7 +23942,7 @@
             </a:r>
             <a:r>
               <a:rPr baseline="30000"/>
-              <a:t>187</a:t>
+              <a:t>188</a:t>
             </a:r>
           </a:p>
           <a:p>
@@ -23953,7 +23953,7 @@
             </a:r>
             <a:r>
               <a:rPr baseline="30000"/>
-              <a:t>176,187</a:t>
+              <a:t>177,188</a:t>
             </a:r>
           </a:p>
           <a:p>
@@ -23964,7 +23964,7 @@
             </a:r>
             <a:r>
               <a:rPr baseline="30000"/>
-              <a:t>187</a:t>
+              <a:t>188</a:t>
             </a:r>
           </a:p>
           <a:p>
@@ -23975,7 +23975,7 @@
             </a:r>
             <a:r>
               <a:rPr baseline="30000"/>
-              <a:t>187</a:t>
+              <a:t>188</a:t>
             </a:r>
           </a:p>
           <a:p>
@@ -23997,7 +23997,7 @@
             </a:r>
             <a:r>
               <a:rPr baseline="30000"/>
-              <a:t>188</a:t>
+              <a:t>189</a:t>
             </a:r>
             <a:r>
               <a:rPr/>
@@ -24033,7 +24033,7 @@
             </a:r>
             <a:r>
               <a:rPr baseline="30000"/>
-              <a:t>189</a:t>
+              <a:t>190</a:t>
             </a:r>
             <a:r>
               <a:rPr/>
@@ -24859,7 +24859,7 @@
             </a:r>
             <a:r>
               <a:rPr baseline="30000"/>
-              <a:t>48</a:t>
+              <a:t>49</a:t>
             </a:r>
             <a:r>
               <a:rPr/>
@@ -26114,7 +26114,7 @@
             </a:r>
             <a:r>
               <a:rPr baseline="30000"/>
-              <a:t>190</a:t>
+              <a:t>191</a:t>
             </a:r>
           </a:p>
           <a:p>
@@ -26129,7 +26129,7 @@
             </a:r>
             <a:r>
               <a:rPr baseline="30000"/>
-              <a:t>191</a:t>
+              <a:t>192</a:t>
             </a:r>
           </a:p>
           <a:p>
@@ -26144,7 +26144,7 @@
             </a:r>
             <a:r>
               <a:rPr baseline="30000"/>
-              <a:t>124</a:t>
+              <a:t>125</a:t>
             </a:r>
           </a:p>
           <a:p>
@@ -26159,7 +26159,7 @@
             </a:r>
             <a:r>
               <a:rPr baseline="30000"/>
-              <a:t>192</a:t>
+              <a:t>193</a:t>
             </a:r>
           </a:p>
           <a:p>
@@ -26174,7 +26174,7 @@
             </a:r>
             <a:r>
               <a:rPr baseline="30000"/>
-              <a:t>193</a:t>
+              <a:t>194</a:t>
             </a:r>
           </a:p>
           <a:p>
@@ -26189,7 +26189,7 @@
             </a:r>
             <a:r>
               <a:rPr baseline="30000"/>
-              <a:t>194</a:t>
+              <a:t>195</a:t>
             </a:r>
           </a:p>
           <a:p>
@@ -26204,7 +26204,7 @@
             </a:r>
             <a:r>
               <a:rPr baseline="30000"/>
-              <a:t>100</a:t>
+              <a:t>101</a:t>
             </a:r>
           </a:p>
           <a:p>
@@ -26219,7 +26219,7 @@
             </a:r>
             <a:r>
               <a:rPr baseline="30000"/>
-              <a:t>195</a:t>
+              <a:t>196</a:t>
             </a:r>
           </a:p>
           <a:p>
@@ -26234,7 +26234,7 @@
             </a:r>
             <a:r>
               <a:rPr baseline="30000"/>
-              <a:t>108</a:t>
+              <a:t>109</a:t>
             </a:r>
           </a:p>
           <a:p>
@@ -26249,7 +26249,7 @@
             </a:r>
             <a:r>
               <a:rPr baseline="30000"/>
-              <a:t>196</a:t>
+              <a:t>197</a:t>
             </a:r>
           </a:p>
           <a:p>
@@ -26264,7 +26264,7 @@
             </a:r>
             <a:r>
               <a:rPr baseline="30000"/>
-              <a:t>197</a:t>
+              <a:t>198</a:t>
             </a:r>
           </a:p>
           <a:p>
@@ -26279,7 +26279,7 @@
             </a:r>
             <a:r>
               <a:rPr baseline="30000"/>
-              <a:t>198</a:t>
+              <a:t>199</a:t>
             </a:r>
           </a:p>
           <a:p>
@@ -26294,7 +26294,7 @@
             </a:r>
             <a:r>
               <a:rPr baseline="30000"/>
-              <a:t>199</a:t>
+              <a:t>200</a:t>
             </a:r>
           </a:p>
           <a:p>
@@ -26309,7 +26309,7 @@
             </a:r>
             <a:r>
               <a:rPr baseline="30000"/>
-              <a:t>200</a:t>
+              <a:t>201</a:t>
             </a:r>
           </a:p>
           <a:p>
@@ -26324,7 +26324,7 @@
             </a:r>
             <a:r>
               <a:rPr baseline="30000"/>
-              <a:t>201</a:t>
+              <a:t>202</a:t>
             </a:r>
           </a:p>
           <a:p>
@@ -26424,7 +26424,7 @@
             </a:r>
             <a:r>
               <a:rPr baseline="30000"/>
-              <a:t>202</a:t>
+              <a:t>203</a:t>
             </a:r>
           </a:p>
           <a:p>
@@ -26439,7 +26439,7 @@
             </a:r>
             <a:r>
               <a:rPr baseline="30000"/>
-              <a:t>203</a:t>
+              <a:t>204</a:t>
             </a:r>
           </a:p>
           <a:p>
@@ -26454,7 +26454,7 @@
             </a:r>
             <a:r>
               <a:rPr baseline="30000"/>
-              <a:t>123</a:t>
+              <a:t>124</a:t>
             </a:r>
           </a:p>
           <a:p>
@@ -27853,7 +27853,7 @@
             </a:r>
             <a:r>
               <a:rPr baseline="30000"/>
-              <a:t>204</a:t>
+              <a:t>205</a:t>
             </a:r>
           </a:p>
           <a:p>
@@ -28484,7 +28484,22 @@
             </a:pPr>
             <a:r>
               <a:rPr/>
-              <a:t>8. Bacchetti P. Ethics and Sample Size. </a:t>
+              <a:t>8. Champely S. Pwr: Basic functions for power analysis. 2020. </a:t>
+            </a:r>
+            <a:r>
+              <a:rPr>
+                <a:hlinkClick r:id="rId8"/>
+              </a:rPr>
+              <a:t>https://CRAN.R-project.org/package=pwr.</a:t>
+            </a:r>
+          </a:p>
+          <a:p>
+            <a:pPr lvl="0" indent="0" marL="0">
+              <a:buNone/>
+            </a:pPr>
+            <a:r>
+              <a:rPr/>
+              <a:t>9. Bacchetti P. Ethics and Sample Size. </a:t>
             </a:r>
             <a:r>
               <a:rPr i="1"/>
@@ -28496,7 +28511,7 @@
             </a:r>
             <a:r>
               <a:rPr>
-                <a:hlinkClick r:id="rId8"/>
+                <a:hlinkClick r:id="rId9"/>
               </a:rPr>
               <a:t>10.1093/aje/kwi014</a:t>
             </a:r>
@@ -28507,7 +28522,7 @@
             </a:pPr>
             <a:r>
               <a:rPr/>
-              <a:t>9. Bland JM, Altman DG. Statistics notes: Matching. </a:t>
+              <a:t>10. Bland JM, Altman DG. Statistics notes: Matching. </a:t>
             </a:r>
             <a:r>
               <a:rPr i="1"/>
@@ -28519,7 +28534,7 @@
             </a:r>
             <a:r>
               <a:rPr>
-                <a:hlinkClick r:id="rId9"/>
+                <a:hlinkClick r:id="rId10"/>
               </a:rPr>
               <a:t>10.1136/bmj.309.6962.1128</a:t>
             </a:r>
@@ -28530,7 +28545,7 @@
             </a:pPr>
             <a:r>
               <a:rPr/>
-              <a:t>10. Abelson RP. A variance explanation paradox: When a little is a lot. </a:t>
+              <a:t>11. Abelson RP. A variance explanation paradox: When a little is a lot. </a:t>
             </a:r>
             <a:r>
               <a:rPr i="1"/>
@@ -28542,7 +28557,7 @@
             </a:r>
             <a:r>
               <a:rPr>
-                <a:hlinkClick r:id="rId10"/>
+                <a:hlinkClick r:id="rId11"/>
               </a:rPr>
               <a:t>10.1037/0033-2909.97.1.129</a:t>
             </a:r>
@@ -28553,7 +28568,7 @@
             </a:pPr>
             <a:r>
               <a:rPr/>
-              <a:t>11. Berkson J. Limitations of the application of fourfold table analysis to hospital data. </a:t>
+              <a:t>12. Berkson J. Limitations of the application of fourfold table analysis to hospital data. </a:t>
             </a:r>
             <a:r>
               <a:rPr i="1"/>
@@ -28565,7 +28580,7 @@
             </a:r>
             <a:r>
               <a:rPr>
-                <a:hlinkClick r:id="rId11"/>
+                <a:hlinkClick r:id="rId12"/>
               </a:rPr>
               <a:t>10.2307/3002000</a:t>
             </a:r>
@@ -28576,7 +28591,7 @@
             </a:pPr>
             <a:r>
               <a:rPr/>
-              <a:t>12. Ellsberg D. Risk, ambiguity, and the savage axioms. </a:t>
+              <a:t>13. Ellsberg D. Risk, ambiguity, and the savage axioms. </a:t>
             </a:r>
             <a:r>
               <a:rPr i="1"/>
@@ -28588,7 +28603,7 @@
             </a:r>
             <a:r>
               <a:rPr>
-                <a:hlinkClick r:id="rId12"/>
+                <a:hlinkClick r:id="rId13"/>
               </a:rPr>
               <a:t>10.2307/1884324</a:t>
             </a:r>
@@ -28599,7 +28614,7 @@
             </a:pPr>
             <a:r>
               <a:rPr/>
-              <a:t>13. Freedman DA, Freedman DA. A Note on Screening Regression Equations. </a:t>
+              <a:t>14. Freedman DA, Freedman DA. A Note on Screening Regression Equations. </a:t>
             </a:r>
             <a:r>
               <a:rPr i="1"/>
@@ -28611,7 +28626,7 @@
             </a:r>
             <a:r>
               <a:rPr>
-                <a:hlinkClick r:id="rId13"/>
+                <a:hlinkClick r:id="rId14"/>
               </a:rPr>
               <a:t>10.1080/00031305.1983.10482729</a:t>
             </a:r>
@@ -28622,7 +28637,7 @@
             </a:pPr>
             <a:r>
               <a:rPr/>
-              <a:t>14. Freedman LS, Pee D. Return to a note on screening regression equations. </a:t>
+              <a:t>15. Freedman LS, Pee D. Return to a note on screening regression equations. </a:t>
             </a:r>
             <a:r>
               <a:rPr i="1"/>
@@ -28634,7 +28649,7 @@
             </a:r>
             <a:r>
               <a:rPr>
-                <a:hlinkClick r:id="rId14"/>
+                <a:hlinkClick r:id="rId15"/>
               </a:rPr>
               <a:t>10.2307/2685389</a:t>
             </a:r>
@@ -28645,7 +28660,7 @@
             </a:pPr>
             <a:r>
               <a:rPr/>
-              <a:t>15. Hand DJ. On Comparing Two Treatments. </a:t>
+              <a:t>16. Hand DJ. On Comparing Two Treatments. </a:t>
             </a:r>
             <a:r>
               <a:rPr i="1"/>
@@ -28657,7 +28672,7 @@
             </a:r>
             <a:r>
               <a:rPr>
-                <a:hlinkClick r:id="rId15"/>
+                <a:hlinkClick r:id="rId16"/>
               </a:rPr>
               <a:t>10.1080/00031305.1992.10475881</a:t>
             </a:r>
@@ -28668,7 +28683,7 @@
             </a:pPr>
             <a:r>
               <a:rPr/>
-              <a:t>16. LINDLEY DV. A STATISTICAL PARADOX. </a:t>
+              <a:t>17. LINDLEY DV. A STATISTICAL PARADOX. </a:t>
             </a:r>
             <a:r>
               <a:rPr i="1"/>
@@ -28680,7 +28695,7 @@
             </a:r>
             <a:r>
               <a:rPr>
-                <a:hlinkClick r:id="rId16"/>
+                <a:hlinkClick r:id="rId17"/>
               </a:rPr>
               <a:t>10.1093/biomet/44.1-2.187</a:t>
             </a:r>
@@ -28691,7 +28706,7 @@
             </a:pPr>
             <a:r>
               <a:rPr/>
-              <a:t>17. Lord FM. A paradox in the interpretation of group comparisons. </a:t>
+              <a:t>18. Lord FM. A paradox in the interpretation of group comparisons. </a:t>
             </a:r>
             <a:r>
               <a:rPr i="1"/>
@@ -28703,7 +28718,7 @@
             </a:r>
             <a:r>
               <a:rPr>
-                <a:hlinkClick r:id="rId17"/>
+                <a:hlinkClick r:id="rId18"/>
               </a:rPr>
               <a:t>10.1037/h0025105</a:t>
             </a:r>
@@ -28714,7 +28729,7 @@
             </a:pPr>
             <a:r>
               <a:rPr/>
-              <a:t>18. Lord FM. Statistical adjustments when comparing preexisting groups. </a:t>
+              <a:t>19. Lord FM. Statistical adjustments when comparing preexisting groups. </a:t>
             </a:r>
             <a:r>
               <a:rPr i="1"/>
@@ -28726,7 +28741,7 @@
             </a:r>
             <a:r>
               <a:rPr>
-                <a:hlinkClick r:id="rId18"/>
+                <a:hlinkClick r:id="rId19"/>
               </a:rPr>
               <a:t>10.1037/h0028108</a:t>
             </a:r>
@@ -28737,7 +28752,7 @@
             </a:pPr>
             <a:r>
               <a:rPr/>
-              <a:t>19. Simpson EH. The Interpretation of Interaction in Contingency Tables. </a:t>
+              <a:t>20. Simpson EH. The Interpretation of Interaction in Contingency Tables. </a:t>
             </a:r>
             <a:r>
               <a:rPr i="1"/>
@@ -28749,7 +28764,7 @@
             </a:r>
             <a:r>
               <a:rPr>
-                <a:hlinkClick r:id="rId19"/>
+                <a:hlinkClick r:id="rId20"/>
               </a:rPr>
               <a:t>10.1111/j.2517-6161.1951.tb00088.x</a:t>
             </a:r>
@@ -28760,7 +28775,7 @@
             </a:pPr>
             <a:r>
               <a:rPr/>
-              <a:t>20. Blyth CR. On Simpson’s Paradox and the Sure-Thing Principle. </a:t>
+              <a:t>21. Blyth CR. On Simpson’s Paradox and the Sure-Thing Principle. </a:t>
             </a:r>
             <a:r>
               <a:rPr i="1"/>
@@ -28772,7 +28787,7 @@
             </a:r>
             <a:r>
               <a:rPr>
-                <a:hlinkClick r:id="rId20"/>
+                <a:hlinkClick r:id="rId21"/>
               </a:rPr>
               <a:t>10.1080/01621459.1972.10482387</a:t>
             </a:r>
@@ -28783,11 +28798,11 @@
             </a:pPr>
             <a:r>
               <a:rPr/>
-              <a:t>21. Stein C. INADMISSIBILITY OF THE USUAL ESTIMATOR FOR THE MEAN OF a MULTIVARIATE NORMAL DISTRIBUTION. In: University of California Press; 1956:197-206. doi:</a:t>
-            </a:r>
-            <a:r>
-              <a:rPr>
-                <a:hlinkClick r:id="rId21"/>
+              <a:t>22. Stein C. INADMISSIBILITY OF THE USUAL ESTIMATOR FOR THE MEAN OF a MULTIVARIATE NORMAL DISTRIBUTION. In: University of California Press; 1956:197-206. doi:</a:t>
+            </a:r>
+            <a:r>
+              <a:rPr>
+                <a:hlinkClick r:id="rId22"/>
               </a:rPr>
               <a:t>10.1525/9780520313880-018</a:t>
             </a:r>
@@ -28798,7 +28813,7 @@
             </a:pPr>
             <a:r>
               <a:rPr/>
-              <a:t>22. De S, Sen A. The generalised Gamow-Stern problem. </a:t>
+              <a:t>23. De S, Sen A. The generalised Gamow-Stern problem. </a:t>
             </a:r>
             <a:r>
               <a:rPr i="1"/>
@@ -28810,7 +28825,7 @@
             </a:r>
             <a:r>
               <a:rPr>
-                <a:hlinkClick r:id="rId22"/>
+                <a:hlinkClick r:id="rId23"/>
               </a:rPr>
               <a:t>10.2307/3619568</a:t>
             </a:r>
@@ -28821,7 +28836,7 @@
             </a:pPr>
             <a:r>
               <a:rPr/>
-              <a:t>23. Feld SL. Why Your Friends Have More Friends Than You Do. </a:t>
+              <a:t>24. Feld SL. Why Your Friends Have More Friends Than You Do. </a:t>
             </a:r>
             <a:r>
               <a:rPr i="1"/>
@@ -28833,7 +28848,7 @@
             </a:r>
             <a:r>
               <a:rPr>
-                <a:hlinkClick r:id="rId23"/>
+                <a:hlinkClick r:id="rId24"/>
               </a:rPr>
               <a:t>10.1086/229693</a:t>
             </a:r>
@@ -28844,7 +28859,7 @@
             </a:pPr>
             <a:r>
               <a:rPr/>
-              <a:t>24. Munafò MR, Nosek BA, Bishop DVM, et al. A manifesto for reproducible science. </a:t>
+              <a:t>25. Munafò MR, Nosek BA, Bishop DVM, et al. A manifesto for reproducible science. </a:t>
             </a:r>
             <a:r>
               <a:rPr i="1"/>
@@ -28856,7 +28871,7 @@
             </a:r>
             <a:r>
               <a:rPr>
-                <a:hlinkClick r:id="rId24"/>
+                <a:hlinkClick r:id="rId25"/>
               </a:rPr>
               <a:t>10.1038/s41562-016-0021</a:t>
             </a:r>
@@ -28867,7 +28882,7 @@
             </a:pPr>
             <a:r>
               <a:rPr/>
-              <a:t>25. Grant MJ, Booth A. A typology of reviews: an analysis of 14 review types and associated methodologies. </a:t>
+              <a:t>26. Grant MJ, Booth A. A typology of reviews: an analysis of 14 review types and associated methodologies. </a:t>
             </a:r>
             <a:r>
               <a:rPr i="1"/>
@@ -28879,7 +28894,7 @@
             </a:r>
             <a:r>
               <a:rPr>
-                <a:hlinkClick r:id="rId25"/>
+                <a:hlinkClick r:id="rId26"/>
               </a:rPr>
               <a:t>10.1111/j.1471-1842.2009.00848.x</a:t>
             </a:r>
@@ -28890,7 +28905,7 @@
             </a:pPr>
             <a:r>
               <a:rPr/>
-              <a:t>26. Sut N. Study designs in medicine. </a:t>
+              <a:t>27. Sut N. Study designs in medicine. </a:t>
             </a:r>
             <a:r>
               <a:rPr i="1"/>
@@ -28902,7 +28917,7 @@
             </a:r>
             <a:r>
               <a:rPr>
-                <a:hlinkClick r:id="rId26"/>
+                <a:hlinkClick r:id="rId27"/>
               </a:rPr>
               <a:t>10.5152/balkanmedj.2014.1408</a:t>
             </a:r>
@@ -28913,7 +28928,7 @@
             </a:pPr>
             <a:r>
               <a:rPr/>
-              <a:t>27. Souza AC de, Alexandre NMC, Guirardello E de B, Souza AC de, Alexandre NMC, Guirardello E de B. Propriedades psicométricas na avaliação de instrumentos: avaliação da confiabilidade e da validade. </a:t>
+              <a:t>28. Souza AC de, Alexandre NMC, Guirardello E de B, Souza AC de, Alexandre NMC, Guirardello E de B. Propriedades psicométricas na avaliação de instrumentos: avaliação da confiabilidade e da validade. </a:t>
             </a:r>
             <a:r>
               <a:rPr i="1"/>
@@ -28925,7 +28940,7 @@
             </a:r>
             <a:r>
               <a:rPr>
-                <a:hlinkClick r:id="rId27"/>
+                <a:hlinkClick r:id="rId28"/>
               </a:rPr>
               <a:t>10.5123/s1679-49742017000300022</a:t>
             </a:r>
@@ -28936,7 +28951,7 @@
             </a:pPr>
             <a:r>
               <a:rPr/>
-              <a:t>28. Reeves BC, Wells GA, Waddington H. Quasi-experimental study designs seriespaper 5: a checklist for classifying studies evaluating the effects on health interventionsa taxonomy without labels. </a:t>
+              <a:t>29. Reeves BC, Wells GA, Waddington H. Quasi-experimental study designs seriespaper 5: a checklist for classifying studies evaluating the effects on health interventionsa taxonomy without labels. </a:t>
             </a:r>
             <a:r>
               <a:rPr i="1"/>
@@ -28948,7 +28963,7 @@
             </a:r>
             <a:r>
               <a:rPr>
-                <a:hlinkClick r:id="rId28"/>
+                <a:hlinkClick r:id="rId29"/>
               </a:rPr>
               <a:t>10.1016/j.jclinepi.2017.02.016</a:t>
             </a:r>
@@ -28959,7 +28974,7 @@
             </a:pPr>
             <a:r>
               <a:rPr/>
-              <a:t>29. Echevarría-Guanilo ME, Gonçalves N, Romanoski PJ. PSYCHOMETRIC PROPERTIES OF MEASUREMENT INSTRUMENTS: CONCEPTUAL BASIS AND EVALUATION METHODS - PART II. </a:t>
+              <a:t>30. Echevarría-Guanilo ME, Gonçalves N, Romanoski PJ. PSYCHOMETRIC PROPERTIES OF MEASUREMENT INSTRUMENTS: CONCEPTUAL BASIS AND EVALUATION METHODS - PART II. </a:t>
             </a:r>
             <a:r>
               <a:rPr i="1"/>
@@ -28971,7 +28986,7 @@
             </a:r>
             <a:r>
               <a:rPr>
-                <a:hlinkClick r:id="rId29"/>
+                <a:hlinkClick r:id="rId30"/>
               </a:rPr>
               <a:t>10.1590/1980-265x-tce-2017-0311</a:t>
             </a:r>
@@ -28982,7 +28997,7 @@
             </a:pPr>
             <a:r>
               <a:rPr/>
-              <a:t>30. Chassé M, Fergusson DA. Diagnostic Accuracy Studies. </a:t>
+              <a:t>31. Chassé M, Fergusson DA. Diagnostic Accuracy Studies. </a:t>
             </a:r>
             <a:r>
               <a:rPr i="1"/>
@@ -28994,7 +29009,7 @@
             </a:r>
             <a:r>
               <a:rPr>
-                <a:hlinkClick r:id="rId30"/>
+                <a:hlinkClick r:id="rId31"/>
               </a:rPr>
               <a:t>10.1053/j.semnuclmed.2018.11.005</a:t>
             </a:r>
@@ -29005,7 +29020,7 @@
             </a:pPr>
             <a:r>
               <a:rPr/>
-              <a:t>31. Chidambaram AG, Josephson M. Clinical research study designs: The essentials. </a:t>
+              <a:t>32. Chidambaram AG, Josephson M. Clinical research study designs: The essentials. </a:t>
             </a:r>
             <a:r>
               <a:rPr i="1"/>
@@ -29017,7 +29032,7 @@
             </a:r>
             <a:r>
               <a:rPr>
-                <a:hlinkClick r:id="rId31"/>
+                <a:hlinkClick r:id="rId32"/>
               </a:rPr>
               <a:t>10.1002/ped4.12166</a:t>
             </a:r>
@@ -29028,7 +29043,7 @@
             </a:pPr>
             <a:r>
               <a:rPr/>
-              <a:t>32. Erdemir A, Mulugeta L, Ku JP, et al. Credible practice of modeling and simulation in healthcare: ten rules from a multidisciplinary perspective. </a:t>
+              <a:t>33. Erdemir A, Mulugeta L, Ku JP, et al. Credible practice of modeling and simulation in healthcare: ten rules from a multidisciplinary perspective. </a:t>
             </a:r>
             <a:r>
               <a:rPr i="1"/>
@@ -29040,7 +29055,7 @@
             </a:r>
             <a:r>
               <a:rPr>
-                <a:hlinkClick r:id="rId32"/>
+                <a:hlinkClick r:id="rId33"/>
               </a:rPr>
               <a:t>10.1186/s12967-020-02540-4</a:t>
             </a:r>
@@ -29051,7 +29066,7 @@
             </a:pPr>
             <a:r>
               <a:rPr/>
-              <a:t>33. Yang B, Olsen M, Vali Y, et al. Study designs for comparative diagnostic test accuracy: A methodological review and classification scheme. </a:t>
+              <a:t>34. Yang B, Olsen M, Vali Y, et al. Study designs for comparative diagnostic test accuracy: A methodological review and classification scheme. </a:t>
             </a:r>
             <a:r>
               <a:rPr i="1"/>
@@ -29063,7 +29078,7 @@
             </a:r>
             <a:r>
               <a:rPr>
-                <a:hlinkClick r:id="rId33"/>
+                <a:hlinkClick r:id="rId34"/>
               </a:rPr>
               <a:t>10.1016/j.jclinepi.2021.04.013</a:t>
             </a:r>
@@ -29074,7 +29089,7 @@
             </a:pPr>
             <a:r>
               <a:rPr/>
-              <a:t>34. Chipman H, Bingham D. Let’s practice what we preach: Planning and interpreting simulation studies with design and analysis of experiments. </a:t>
+              <a:t>35. Chipman H, Bingham D. Let’s practice what we preach: Planning and interpreting simulation studies with design and analysis of experiments. </a:t>
             </a:r>
             <a:r>
               <a:rPr i="1"/>
@@ -29086,7 +29101,7 @@
             </a:r>
             <a:r>
               <a:rPr>
-                <a:hlinkClick r:id="rId34"/>
+                <a:hlinkClick r:id="rId35"/>
               </a:rPr>
               <a:t>10.1002/cjs.11719</a:t>
             </a:r>
@@ -29097,7 +29112,7 @@
             </a:pPr>
             <a:r>
               <a:rPr/>
-              <a:t>35. Donthu N, Kumar S, Mukherjee D, Pandey N, Lim WM. How to conduct a bibliometric analysis: An overview and guidelines. </a:t>
+              <a:t>36. Donthu N, Kumar S, Mukherjee D, Pandey N, Lim WM. How to conduct a bibliometric analysis: An overview and guidelines. </a:t>
             </a:r>
             <a:r>
               <a:rPr i="1"/>
@@ -29109,7 +29124,7 @@
             </a:r>
             <a:r>
               <a:rPr>
-                <a:hlinkClick r:id="rId35"/>
+                <a:hlinkClick r:id="rId36"/>
               </a:rPr>
               <a:t>10.1016/j.jbusres.2021.04.070</a:t>
             </a:r>
@@ -29120,7 +29135,7 @@
             </a:pPr>
             <a:r>
               <a:rPr/>
-              <a:t>36. Lim WM, Kumar S. Guidelines for interpreting the results of bibliometric analysis: A sensemaking approach. </a:t>
+              <a:t>37. Lim WM, Kumar S. Guidelines for interpreting the results of bibliometric analysis: A sensemaking approach. </a:t>
             </a:r>
             <a:r>
               <a:rPr i="1"/>
@@ -29132,7 +29147,7 @@
             </a:r>
             <a:r>
               <a:rPr>
-                <a:hlinkClick r:id="rId36"/>
+                <a:hlinkClick r:id="rId37"/>
               </a:rPr>
               <a:t>10.1002/joe.22229</a:t>
             </a:r>
@@ -29143,7 +29158,7 @@
             </a:pPr>
             <a:r>
               <a:rPr/>
-              <a:t>37. Findley MG, Kikuta K, Denly M. External Validity. </a:t>
+              <a:t>38. Findley MG, Kikuta K, Denly M. External Validity. </a:t>
             </a:r>
             <a:r>
               <a:rPr i="1"/>
@@ -29155,7 +29170,7 @@
             </a:r>
             <a:r>
               <a:rPr>
-                <a:hlinkClick r:id="rId37"/>
+                <a:hlinkClick r:id="rId38"/>
               </a:rPr>
               <a:t>10.1146/annurev-polisci-041719-102556</a:t>
             </a:r>
@@ -29166,7 +29181,7 @@
             </a:pPr>
             <a:r>
               <a:rPr/>
-              <a:t>38. Westreich D, Greenland S. The Table 2 Fallacy: Presenting and Interpreting Confounder and Modifier Coefficients. </a:t>
+              <a:t>39. Westreich D, Greenland S. The Table 2 Fallacy: Presenting and Interpreting Confounder and Modifier Coefficients. </a:t>
             </a:r>
             <a:r>
               <a:rPr i="1"/>
@@ -29178,7 +29193,7 @@
             </a:r>
             <a:r>
               <a:rPr>
-                <a:hlinkClick r:id="rId38"/>
+                <a:hlinkClick r:id="rId39"/>
               </a:rPr>
               <a:t>10.1093/aje/kws412</a:t>
             </a:r>
@@ -29189,7 +29204,7 @@
             </a:pPr>
             <a:r>
               <a:rPr/>
-              <a:t>39. Resnik DB, Shamoo AE. Reproducibility and Research Integrity. </a:t>
+              <a:t>40. Resnik DB, Shamoo AE. Reproducibility and Research Integrity. </a:t>
             </a:r>
             <a:r>
               <a:rPr i="1"/>
@@ -29201,7 +29216,7 @@
             </a:r>
             <a:r>
               <a:rPr>
-                <a:hlinkClick r:id="rId39"/>
+                <a:hlinkClick r:id="rId40"/>
               </a:rPr>
               <a:t>10.1080/08989621.2016.1257387</a:t>
             </a:r>
@@ -29212,7 +29227,7 @@
             </a:pPr>
             <a:r>
               <a:rPr/>
-              <a:t>40. Hofner B, Schmid M, Edler L. Reproducible research in statistics: A review and guidelines for the </a:t>
+              <a:t>41. Hofner B, Schmid M, Edler L. Reproducible research in statistics: A review and guidelines for the </a:t>
             </a:r>
             <a:r>
               <a:rPr i="1"/>
@@ -29232,7 +29247,7 @@
             </a:r>
             <a:r>
               <a:rPr>
-                <a:hlinkClick r:id="rId40"/>
+                <a:hlinkClick r:id="rId41"/>
               </a:rPr>
               <a:t>10.1002/bimj.201500156</a:t>
             </a:r>
@@ -29243,7 +29258,7 @@
             </a:pPr>
             <a:r>
               <a:rPr/>
-              <a:t>41. Mair P. Thou shalt be reproducible! A technology perspective. </a:t>
+              <a:t>42. Mair P. Thou shalt be reproducible! A technology perspective. </a:t>
             </a:r>
             <a:r>
               <a:rPr i="1"/>
@@ -29255,7 +29270,7 @@
             </a:r>
             <a:r>
               <a:rPr>
-                <a:hlinkClick r:id="rId41"/>
+                <a:hlinkClick r:id="rId42"/>
               </a:rPr>
               <a:t>10.3389/fpsyg.2016.01079</a:t>
             </a:r>
@@ -29266,7 +29281,7 @@
             </a:pPr>
             <a:r>
               <a:rPr/>
-              <a:t>42. Altman DG, Bland JM. Statistics Notes: Units of analysis. </a:t>
+              <a:t>43. Altman DG, Bland JM. Statistics Notes: Units of analysis. </a:t>
             </a:r>
             <a:r>
               <a:rPr i="1"/>
@@ -29278,7 +29293,7 @@
             </a:r>
             <a:r>
               <a:rPr>
-                <a:hlinkClick r:id="rId42"/>
+                <a:hlinkClick r:id="rId43"/>
               </a:rPr>
               <a:t>10.1136/bmj.314.7098.1874</a:t>
             </a:r>
@@ -29289,7 +29304,7 @@
             </a:pPr>
             <a:r>
               <a:rPr/>
-              <a:t>43. Matthews JN, Altman DG, Campbell MJ, Royston P. Analysis of serial measurements in medical research. </a:t>
+              <a:t>44. Matthews JN, Altman DG, Campbell MJ, Royston P. Analysis of serial measurements in medical research. </a:t>
             </a:r>
             <a:r>
               <a:rPr i="1"/>
@@ -29301,7 +29316,7 @@
             </a:r>
             <a:r>
               <a:rPr>
-                <a:hlinkClick r:id="rId43"/>
+                <a:hlinkClick r:id="rId44"/>
               </a:rPr>
               <a:t>10.1136/bmj.300.6719.230</a:t>
             </a:r>
@@ -29312,11 +29327,11 @@
             </a:pPr>
             <a:r>
               <a:rPr/>
-              <a:t>44. R Core Team. R: A language and environment for statistical computing. 2023. </a:t>
-            </a:r>
-            <a:r>
-              <a:rPr>
-                <a:hlinkClick r:id="rId44"/>
+              <a:t>45. R Core Team. R: A language and environment for statistical computing. 2023. </a:t>
+            </a:r>
+            <a:r>
+              <a:rPr>
+                <a:hlinkClick r:id="rId45"/>
               </a:rPr>
               <a:t>https://www.R-project.org/.</a:t>
             </a:r>
@@ -29327,7 +29342,7 @@
             </a:pPr>
             <a:r>
               <a:rPr/>
-              <a:t>45. Olson K. What Are Data? </a:t>
+              <a:t>46. Olson K. What Are Data? </a:t>
             </a:r>
             <a:r>
               <a:rPr i="1"/>
@@ -29339,7 +29354,7 @@
             </a:r>
             <a:r>
               <a:rPr>
-                <a:hlinkClick r:id="rId45"/>
+                <a:hlinkClick r:id="rId46"/>
               </a:rPr>
               <a:t>10.1177/10497323211015960</a:t>
             </a:r>
@@ -29350,7 +29365,7 @@
             </a:pPr>
             <a:r>
               <a:rPr/>
-              <a:t>46. Vetter TR. Fundamentals of Research Data and Variables. </a:t>
+              <a:t>47. Vetter TR. Fundamentals of Research Data and Variables. </a:t>
             </a:r>
             <a:r>
               <a:rPr i="1"/>
@@ -29362,7 +29377,7 @@
             </a:r>
             <a:r>
               <a:rPr>
-                <a:hlinkClick r:id="rId46"/>
+                <a:hlinkClick r:id="rId47"/>
               </a:rPr>
               <a:t>10.1213/ane.0000000000002370</a:t>
             </a:r>
@@ -29373,7 +29388,7 @@
             </a:pPr>
             <a:r>
               <a:rPr/>
-              <a:t>47. Altman DG, Bland JM. Missing data. </a:t>
+              <a:t>48. Altman DG, Bland JM. Missing data. </a:t>
             </a:r>
             <a:r>
               <a:rPr i="1"/>
@@ -29385,7 +29400,7 @@
             </a:r>
             <a:r>
               <a:rPr>
-                <a:hlinkClick r:id="rId47"/>
+                <a:hlinkClick r:id="rId48"/>
               </a:rPr>
               <a:t>10.1136/bmj.38977.682025.2c</a:t>
             </a:r>
@@ -29396,11 +29411,11 @@
             </a:pPr>
             <a:r>
               <a:rPr/>
-              <a:t>48. R Core Team. R: A language and environment for statistical computing. 2023. </a:t>
-            </a:r>
-            <a:r>
-              <a:rPr>
-                <a:hlinkClick r:id="rId48"/>
+              <a:t>49. R Core Team. R: A language and environment for statistical computing. 2023. </a:t>
+            </a:r>
+            <a:r>
+              <a:rPr>
+                <a:hlinkClick r:id="rId49"/>
               </a:rPr>
               <a:t>https://www.R-project.org/.</a:t>
             </a:r>
@@ -29411,7 +29426,7 @@
             </a:pPr>
             <a:r>
               <a:rPr/>
-              <a:t>49. Heymans MW, Twisk JWR. Handling missing data in clinical research. </a:t>
+              <a:t>50. Heymans MW, Twisk JWR. Handling missing data in clinical research. </a:t>
             </a:r>
             <a:r>
               <a:rPr i="1"/>
@@ -29423,7 +29438,7 @@
             </a:r>
             <a:r>
               <a:rPr>
-                <a:hlinkClick r:id="rId49"/>
+                <a:hlinkClick r:id="rId50"/>
               </a:rPr>
               <a:t>10.1016/j.jclinepi.2022.08.016</a:t>
             </a:r>
@@ -29434,7 +29449,7 @@
             </a:pPr>
             <a:r>
               <a:rPr/>
-              <a:t>50. Carpenter JR, Smuk M. Missing data: A statistical framework for practice. </a:t>
+              <a:t>51. Carpenter JR, Smuk M. Missing data: A statistical framework for practice. </a:t>
             </a:r>
             <a:r>
               <a:rPr i="1"/>
@@ -29446,7 +29461,7 @@
             </a:r>
             <a:r>
               <a:rPr>
-                <a:hlinkClick r:id="rId50"/>
+                <a:hlinkClick r:id="rId51"/>
               </a:rPr>
               <a:t>10.1002/bimj.202000196</a:t>
             </a:r>
@@ -29457,11 +29472,11 @@
             </a:pPr>
             <a:r>
               <a:rPr/>
-              <a:t>51. Yanagida T. Misty: Miscellaneous functions ’t. yanagida’. 2023. </a:t>
-            </a:r>
-            <a:r>
-              <a:rPr>
-                <a:hlinkClick r:id="rId51"/>
+              <a:t>52. Yanagida T. Misty: Miscellaneous functions ’t. yanagida’. 2023. </a:t>
+            </a:r>
+            <a:r>
+              <a:rPr>
+                <a:hlinkClick r:id="rId52"/>
               </a:rPr>
               <a:t>https://CRAN.R-project.org/package=misty.</a:t>
             </a:r>
@@ -29472,7 +29487,7 @@
             </a:pPr>
             <a:r>
               <a:rPr/>
-              <a:t>52. Little RJA. A Test of Missing Completely at Random for Multivariate Data with Missing Values. </a:t>
+              <a:t>53. Little RJA. A Test of Missing Completely at Random for Multivariate Data with Missing Values. </a:t>
             </a:r>
             <a:r>
               <a:rPr i="1"/>
@@ -29484,7 +29499,7 @@
             </a:r>
             <a:r>
               <a:rPr>
-                <a:hlinkClick r:id="rId52"/>
+                <a:hlinkClick r:id="rId53"/>
               </a:rPr>
               <a:t>10.1080/01621459.1988.10478722</a:t>
             </a:r>
@@ -29495,11 +29510,11 @@
             </a:pPr>
             <a:r>
               <a:rPr/>
-              <a:t>53. R Core Team. R: A language and environment for statistical computing. 2022. </a:t>
-            </a:r>
-            <a:r>
-              <a:rPr>
-                <a:hlinkClick r:id="rId53"/>
+              <a:t>54. R Core Team. R: A language and environment for statistical computing. 2022. </a:t>
+            </a:r>
+            <a:r>
+              <a:rPr>
+                <a:hlinkClick r:id="rId54"/>
               </a:rPr>
               <a:t>https://www.R-project.org/.</a:t>
             </a:r>
@@ -29510,7 +29525,7 @@
             </a:pPr>
             <a:r>
               <a:rPr/>
-              <a:t>54. Cao Y, Allore H, Vander Wyk B, Gutman R. Review and evaluation of imputation methods for multivariate longitudinal data with mixed-type incomplete variables. </a:t>
+              <a:t>55. Cao Y, Allore H, Vander Wyk B, Gutman R. Review and evaluation of imputation methods for multivariate longitudinal data with mixed-type incomplete variables. </a:t>
             </a:r>
             <a:r>
               <a:rPr i="1"/>
@@ -29522,7 +29537,7 @@
             </a:r>
             <a:r>
               <a:rPr>
-                <a:hlinkClick r:id="rId54"/>
+                <a:hlinkClick r:id="rId55"/>
               </a:rPr>
               <a:t>10.1002/sim.9592</a:t>
             </a:r>
@@ -29533,11 +29548,11 @@
             </a:pPr>
             <a:r>
               <a:rPr/>
-              <a:t>55. Buuren S van, Groothuis-Oudshoorn K. Mice: Multivariate imputation by chained equations in r. 2011;45:1-67. doi:</a:t>
-            </a:r>
-            <a:r>
-              <a:rPr>
-                <a:hlinkClick r:id="rId55"/>
+              <a:t>56. Buuren S van, Groothuis-Oudshoorn K. Mice: Multivariate imputation by chained equations in r. 2011;45:1-67. doi:</a:t>
+            </a:r>
+            <a:r>
+              <a:rPr>
+                <a:hlinkClick r:id="rId56"/>
               </a:rPr>
               <a:t>10.18637/jss.v045.i03</a:t>
             </a:r>
@@ -29548,11 +29563,11 @@
             </a:pPr>
             <a:r>
               <a:rPr/>
-              <a:t>56. Robitzsch A, Grund S. Miceadds: Some additional multiple imputation functions, especially for ’mice’. 2023. </a:t>
-            </a:r>
-            <a:r>
-              <a:rPr>
-                <a:hlinkClick r:id="rId56"/>
+              <a:t>57. Robitzsch A, Grund S. Miceadds: Some additional multiple imputation functions, especially for ’mice’. 2023. </a:t>
+            </a:r>
+            <a:r>
+              <a:rPr>
+                <a:hlinkClick r:id="rId57"/>
               </a:rPr>
               <a:t>https://CRAN.R-project.org/package=miceadds.</a:t>
             </a:r>
@@ -29563,7 +29578,7 @@
             </a:pPr>
             <a:r>
               <a:rPr/>
-              <a:t>57. Akl EA, Shawwa K, Kahale LA, et al. Reporting missing participant data in randomised trials: systematic survey of the methodological literature and a proposed guide. </a:t>
+              <a:t>58. Akl EA, Shawwa K, Kahale LA, et al. Reporting missing participant data in randomised trials: systematic survey of the methodological literature and a proposed guide. </a:t>
             </a:r>
             <a:r>
               <a:rPr i="1"/>
@@ -29575,7 +29590,7 @@
             </a:r>
             <a:r>
               <a:rPr>
-                <a:hlinkClick r:id="rId57"/>
+                <a:hlinkClick r:id="rId58"/>
               </a:rPr>
               <a:t>10.1136/bmjopen-2015-008431</a:t>
             </a:r>
@@ -29586,7 +29601,7 @@
             </a:pPr>
             <a:r>
               <a:rPr/>
-              <a:t>58. Baillie M, Cessie S le, Schmidt CO, Lusa L, Huebner M. Ten simple rules for initial data analysis. </a:t>
+              <a:t>59. Baillie M, Cessie S le, Schmidt CO, Lusa L, Huebner M. Ten simple rules for initial data analysis. </a:t>
             </a:r>
             <a:r>
               <a:rPr i="1"/>
@@ -29598,7 +29613,7 @@
             </a:r>
             <a:r>
               <a:rPr>
-                <a:hlinkClick r:id="rId58"/>
+                <a:hlinkClick r:id="rId59"/>
               </a:rPr>
               <a:t>10.1371/journal.pcbi.1009819</a:t>
             </a:r>
@@ -29609,7 +29624,7 @@
             </a:pPr>
             <a:r>
               <a:rPr/>
-              <a:t>59. Altman DG, Bland JM. Statistics notes Variables and parameters. </a:t>
+              <a:t>60. Altman DG, Bland JM. Statistics notes Variables and parameters. </a:t>
             </a:r>
             <a:r>
               <a:rPr i="1"/>
@@ -29621,7 +29636,7 @@
             </a:r>
             <a:r>
               <a:rPr>
-                <a:hlinkClick r:id="rId59"/>
+                <a:hlinkClick r:id="rId60"/>
               </a:rPr>
               <a:t>10.1136/bmj.318.7199.1667</a:t>
             </a:r>
@@ -29632,7 +29647,7 @@
             </a:pPr>
             <a:r>
               <a:rPr/>
-              <a:t>60. Ali Z, Bhaskar Sb. Basic statistical tools in research and data analysis. </a:t>
+              <a:t>61. Ali Z, Bhaskar Sb. Basic statistical tools in research and data analysis. </a:t>
             </a:r>
             <a:r>
               <a:rPr i="1"/>
@@ -29644,7 +29659,7 @@
             </a:r>
             <a:r>
               <a:rPr>
-                <a:hlinkClick r:id="rId60"/>
+                <a:hlinkClick r:id="rId61"/>
               </a:rPr>
               <a:t>10.4103/0019-5049.190623</a:t>
             </a:r>
@@ -29655,7 +29670,7 @@
             </a:pPr>
             <a:r>
               <a:rPr/>
-              <a:t>61. Dettori JR, Norvell DC. The Anatomy of Data. </a:t>
+              <a:t>62. Dettori JR, Norvell DC. The Anatomy of Data. </a:t>
             </a:r>
             <a:r>
               <a:rPr i="1"/>
@@ -29667,7 +29682,7 @@
             </a:r>
             <a:r>
               <a:rPr>
-                <a:hlinkClick r:id="rId61"/>
+                <a:hlinkClick r:id="rId62"/>
               </a:rPr>
               <a:t>10.1177/2192568217746998</a:t>
             </a:r>
@@ -29678,7 +29693,7 @@
             </a:pPr>
             <a:r>
               <a:rPr/>
-              <a:t>62. Kaliyadan F, Kulkarni V. Types of variables, descriptive statistics, and sample size. </a:t>
+              <a:t>63. Kaliyadan F, Kulkarni V. Types of variables, descriptive statistics, and sample size. </a:t>
             </a:r>
             <a:r>
               <a:rPr i="1"/>
@@ -29690,7 +29705,7 @@
             </a:r>
             <a:r>
               <a:rPr>
-                <a:hlinkClick r:id="rId62"/>
+                <a:hlinkClick r:id="rId63"/>
               </a:rPr>
               <a:t>10.4103/idoj.idoj_468_18</a:t>
             </a:r>
@@ -29701,7 +29716,7 @@
             </a:pPr>
             <a:r>
               <a:rPr/>
-              <a:t>63. Bland JM, Altman DG. Statistics Notes: Transforming data. </a:t>
+              <a:t>64. Bland JM, Altman DG. Statistics Notes: Transforming data. </a:t>
             </a:r>
             <a:r>
               <a:rPr i="1"/>
@@ -29713,7 +29728,7 @@
             </a:r>
             <a:r>
               <a:rPr>
-                <a:hlinkClick r:id="rId63"/>
+                <a:hlinkClick r:id="rId64"/>
               </a:rPr>
               <a:t>10.1136/bmj.312.7033.770</a:t>
             </a:r>
@@ -29724,7 +29739,7 @@
             </a:pPr>
             <a:r>
               <a:rPr/>
-              <a:t>64. Fedorov V, Mannino F, Zhang R. Consequences of dichotomization. </a:t>
+              <a:t>65. Fedorov V, Mannino F, Zhang R. Consequences of dichotomization. </a:t>
             </a:r>
             <a:r>
               <a:rPr i="1"/>
@@ -29736,7 +29751,7 @@
             </a:r>
             <a:r>
               <a:rPr>
-                <a:hlinkClick r:id="rId64"/>
+                <a:hlinkClick r:id="rId65"/>
               </a:rPr>
               <a:t>10.1002/pst.331</a:t>
             </a:r>
@@ -29747,7 +29762,7 @@
             </a:pPr>
             <a:r>
               <a:rPr/>
-              <a:t>65. Osborne J. Improving your data transformations: Applying the box-cox transformation. </a:t>
+              <a:t>66. Osborne J. Improving your data transformations: Applying the box-cox transformation. </a:t>
             </a:r>
             <a:r>
               <a:rPr i="1"/>
@@ -29759,7 +29774,7 @@
             </a:r>
             <a:r>
               <a:rPr>
-                <a:hlinkClick r:id="rId65"/>
+                <a:hlinkClick r:id="rId66"/>
               </a:rPr>
               <a:t>10.7275/QBPC-GK17</a:t>
             </a:r>
@@ -29770,7 +29785,7 @@
             </a:pPr>
             <a:r>
               <a:rPr/>
-              <a:t>66. Box GEP, Cox DR. An Analysis of Transformations. </a:t>
+              <a:t>67. Box GEP, Cox DR. An Analysis of Transformations. </a:t>
             </a:r>
             <a:r>
               <a:rPr i="1"/>
@@ -29782,7 +29797,7 @@
             </a:r>
             <a:r>
               <a:rPr>
-                <a:hlinkClick r:id="rId66"/>
+                <a:hlinkClick r:id="rId67"/>
               </a:rPr>
               <a:t>10.1111/j.2517-6161.1964.tb00553.x</a:t>
             </a:r>
@@ -29793,11 +29808,11 @@
             </a:pPr>
             <a:r>
               <a:rPr/>
-              <a:t>67. Venables WN, Ripley BD. Modern applied statistics with s. 2002. </a:t>
-            </a:r>
-            <a:r>
-              <a:rPr>
-                <a:hlinkClick r:id="rId67"/>
+              <a:t>68. Venables WN, Ripley BD. Modern applied statistics with s. 2002. </a:t>
+            </a:r>
+            <a:r>
+              <a:rPr>
+                <a:hlinkClick r:id="rId68"/>
               </a:rPr>
               <a:t>https://www.stats.ox.ac.uk/pub/MASS4/.</a:t>
             </a:r>
@@ -29808,7 +29823,7 @@
             </a:pPr>
             <a:r>
               <a:rPr/>
-              <a:t>68. MacCallum RC, Zhang S, Preacher KJ, Rucker DD. On the practice of dichotomization of quantitative variables. </a:t>
+              <a:t>69. MacCallum RC, Zhang S, Preacher KJ, Rucker DD. On the practice of dichotomization of quantitative variables. </a:t>
             </a:r>
             <a:r>
               <a:rPr i="1"/>
@@ -29820,7 +29835,7 @@
             </a:r>
             <a:r>
               <a:rPr>
-                <a:hlinkClick r:id="rId68"/>
+                <a:hlinkClick r:id="rId69"/>
               </a:rPr>
               <a:t>10.1037/1082-989x.7.1.19</a:t>
             </a:r>
@@ -29831,7 +29846,7 @@
             </a:pPr>
             <a:r>
               <a:rPr/>
-              <a:t>69. Altman DG, Royston P. The cost of dichotomising continuous variables. </a:t>
+              <a:t>70. Altman DG, Royston P. The cost of dichotomising continuous variables. </a:t>
             </a:r>
             <a:r>
               <a:rPr i="1"/>
@@ -29843,7 +29858,7 @@
             </a:r>
             <a:r>
               <a:rPr>
-                <a:hlinkClick r:id="rId69"/>
+                <a:hlinkClick r:id="rId70"/>
               </a:rPr>
               <a:t>10.1136/bmj.332.7549.1080</a:t>
             </a:r>
@@ -29854,7 +29869,7 @@
             </a:pPr>
             <a:r>
               <a:rPr/>
-              <a:t>70. Royston P, Altman DG, Sauerbrei W. Dichotomizing continuous predictors in multiple regression: a bad idea. </a:t>
+              <a:t>71. Royston P, Altman DG, Sauerbrei W. Dichotomizing continuous predictors in multiple regression: a bad idea. </a:t>
             </a:r>
             <a:r>
               <a:rPr i="1"/>
@@ -29866,7 +29881,7 @@
             </a:r>
             <a:r>
               <a:rPr>
-                <a:hlinkClick r:id="rId70"/>
+                <a:hlinkClick r:id="rId71"/>
               </a:rPr>
               <a:t>10.1002/sim.2331</a:t>
             </a:r>
@@ -29877,7 +29892,7 @@
             </a:pPr>
             <a:r>
               <a:rPr/>
-              <a:t>71. Collins GS, Ogundimu EO, Cook JA, Manach YL, Altman DG. Quantifying the impact of different approaches for handling continuous predictors on the performance of a prognostic model. </a:t>
+              <a:t>72. Collins GS, Ogundimu EO, Cook JA, Manach YL, Altman DG. Quantifying the impact of different approaches for handling continuous predictors on the performance of a prognostic model. </a:t>
             </a:r>
             <a:r>
               <a:rPr i="1"/>
@@ -29889,7 +29904,7 @@
             </a:r>
             <a:r>
               <a:rPr>
-                <a:hlinkClick r:id="rId71"/>
+                <a:hlinkClick r:id="rId72"/>
               </a:rPr>
               <a:t>10.1002/sim.6986</a:t>
             </a:r>
@@ -29900,7 +29915,7 @@
             </a:pPr>
             <a:r>
               <a:rPr/>
-              <a:t>72. Nelson SLP, Ramakrishnan V, Nietert PJ, Kamen DL, Ramos PS, Wolf BJ. An evaluation of common methods for dichotomization of continuous variables to discriminate disease status. </a:t>
+              <a:t>73. Nelson SLP, Ramakrishnan V, Nietert PJ, Kamen DL, Ramos PS, Wolf BJ. An evaluation of common methods for dichotomization of continuous variables to discriminate disease status. </a:t>
             </a:r>
             <a:r>
               <a:rPr i="1"/>
@@ -29912,7 +29927,7 @@
             </a:r>
             <a:r>
               <a:rPr>
-                <a:hlinkClick r:id="rId72"/>
+                <a:hlinkClick r:id="rId73"/>
               </a:rPr>
               <a:t>10.1080/03610926.2016.1248783</a:t>
             </a:r>
@@ -29923,7 +29938,7 @@
             </a:pPr>
             <a:r>
               <a:rPr/>
-              <a:t>73. Bennette C, Vickers A. Against quantiles: categorization of continuous variables in epidemiologic research, and its discontents. </a:t>
+              <a:t>74. Bennette C, Vickers A. Against quantiles: categorization of continuous variables in epidemiologic research, and its discontents. </a:t>
             </a:r>
             <a:r>
               <a:rPr i="1"/>
@@ -29935,7 +29950,7 @@
             </a:r>
             <a:r>
               <a:rPr>
-                <a:hlinkClick r:id="rId73"/>
+                <a:hlinkClick r:id="rId74"/>
               </a:rPr>
               <a:t>10.1186/1471-2288-12-21</a:t>
             </a:r>
@@ -29946,7 +29961,7 @@
             </a:pPr>
             <a:r>
               <a:rPr/>
-              <a:t>74. Youden WJ. Index for rating diagnostic tests. </a:t>
+              <a:t>75. Youden WJ. Index for rating diagnostic tests. </a:t>
             </a:r>
             <a:r>
               <a:rPr i="1"/>
@@ -29958,7 +29973,7 @@
             </a:r>
             <a:r>
               <a:rPr>
-                <a:hlinkClick r:id="rId74"/>
+                <a:hlinkClick r:id="rId75"/>
               </a:rPr>
               <a:t>10.1002/1097-0142(1950)3:1&lt;32::aid-cncr2820030106&gt;3.0.co;2-3</a:t>
             </a:r>
@@ -29969,7 +29984,7 @@
             </a:pPr>
             <a:r>
               <a:rPr/>
-              <a:t>75. Strobl C, Boulesteix AL, Augustin T. Unbiased split selection for classification trees based on the Gini Index. </a:t>
+              <a:t>76. Strobl C, Boulesteix AL, Augustin T. Unbiased split selection for classification trees based on the Gini Index. </a:t>
             </a:r>
             <a:r>
               <a:rPr i="1"/>
@@ -29981,7 +29996,7 @@
             </a:r>
             <a:r>
               <a:rPr>
-                <a:hlinkClick r:id="rId75"/>
+                <a:hlinkClick r:id="rId76"/>
               </a:rPr>
               <a:t>10.1016/j.csda.2006.12.030</a:t>
             </a:r>
@@ -29992,7 +30007,7 @@
             </a:pPr>
             <a:r>
               <a:rPr/>
-              <a:t>76. Pearson K. X. </a:t>
+              <a:t>77. Pearson K. X. </a:t>
             </a:r>
             <a:r>
               <a:rPr i="1"/>
@@ -30012,7 +30027,7 @@
             </a:r>
             <a:r>
               <a:rPr>
-                <a:hlinkClick r:id="rId76"/>
+                <a:hlinkClick r:id="rId77"/>
               </a:rPr>
               <a:t>10.1080/14786440009463897</a:t>
             </a:r>
@@ -30023,7 +30038,7 @@
             </a:pPr>
             <a:r>
               <a:rPr/>
-              <a:t>77. Greiner M, Pfeiffer D, Smith RD. Principles and practical application of the receiver-operating characteristic analysis for diagnostic tests. </a:t>
+              <a:t>78. Greiner M, Pfeiffer D, Smith RD. Principles and practical application of the receiver-operating characteristic analysis for diagnostic tests. </a:t>
             </a:r>
             <a:r>
               <a:rPr i="1"/>
@@ -30035,7 +30050,7 @@
             </a:r>
             <a:r>
               <a:rPr>
-                <a:hlinkClick r:id="rId77"/>
+                <a:hlinkClick r:id="rId78"/>
               </a:rPr>
               <a:t>10.1016/s0167-5877(00)00115-x</a:t>
             </a:r>
@@ -30046,7 +30061,7 @@
             </a:pPr>
             <a:r>
               <a:rPr/>
-              <a:t>78. Fleiss JL. Measuring nominal scale agreement among many raters. </a:t>
+              <a:t>79. Fleiss JL. Measuring nominal scale agreement among many raters. </a:t>
             </a:r>
             <a:r>
               <a:rPr i="1"/>
@@ -30058,7 +30073,7 @@
             </a:r>
             <a:r>
               <a:rPr>
-                <a:hlinkClick r:id="rId78"/>
+                <a:hlinkClick r:id="rId79"/>
               </a:rPr>
               <a:t>10.1037/h0031619</a:t>
             </a:r>
@@ -30069,11 +30084,11 @@
             </a:pPr>
             <a:r>
               <a:rPr/>
-              <a:t>79. Kanji G. 100 statistical tests. 2006. doi:</a:t>
-            </a:r>
-            <a:r>
-              <a:rPr>
-                <a:hlinkClick r:id="rId79"/>
+              <a:t>80. Kanji G. 100 statistical tests. 2006. doi:</a:t>
+            </a:r>
+            <a:r>
+              <a:rPr>
+                <a:hlinkClick r:id="rId80"/>
               </a:rPr>
               <a:t>10.4135/9781849208499</a:t>
             </a:r>
@@ -30084,7 +30099,7 @@
             </a:pPr>
             <a:r>
               <a:rPr/>
-              <a:t>80. Curran-Everett D. Explorations in statistics: standard deviations and standard errors. </a:t>
+              <a:t>81. Curran-Everett D. Explorations in statistics: standard deviations and standard errors. </a:t>
             </a:r>
             <a:r>
               <a:rPr i="1"/>
@@ -30096,7 +30111,7 @@
             </a:r>
             <a:r>
               <a:rPr>
-                <a:hlinkClick r:id="rId80"/>
+                <a:hlinkClick r:id="rId81"/>
               </a:rPr>
               <a:t>10.1152/advan.90123.2008</a:t>
             </a:r>
@@ -30107,7 +30122,7 @@
             </a:pPr>
             <a:r>
               <a:rPr/>
-              <a:t>81. Altman DG, Bland JM. Statistics Notes: Quartiles, quintiles, centiles, and other quantiles. </a:t>
+              <a:t>82. Altman DG, Bland JM. Statistics Notes: Quartiles, quintiles, centiles, and other quantiles. </a:t>
             </a:r>
             <a:r>
               <a:rPr i="1"/>
@@ -30119,7 +30134,7 @@
             </a:r>
             <a:r>
               <a:rPr>
-                <a:hlinkClick r:id="rId81"/>
+                <a:hlinkClick r:id="rId82"/>
               </a:rPr>
               <a:t>10.1136/bmj.309.6960.996</a:t>
             </a:r>
@@ -30130,11 +30145,11 @@
             </a:pPr>
             <a:r>
               <a:rPr/>
-              <a:t>82. R Core Team. R: A language and environment for statistical computing. 2022. </a:t>
-            </a:r>
-            <a:r>
-              <a:rPr>
-                <a:hlinkClick r:id="rId82"/>
+              <a:t>83. R Core Team. R: A language and environment for statistical computing. 2022. </a:t>
+            </a:r>
+            <a:r>
+              <a:rPr>
+                <a:hlinkClick r:id="rId83"/>
               </a:rPr>
               <a:t>https://www.R-project.org/.</a:t>
             </a:r>
@@ -30145,7 +30160,7 @@
             </a:pPr>
             <a:r>
               <a:rPr/>
-              <a:t>83. Zuur AF, Ieno EN, Elphick CS. A protocol for data exploration to avoid common statistical problems. </a:t>
+              <a:t>84. Zuur AF, Ieno EN, Elphick CS. A protocol for data exploration to avoid common statistical problems. </a:t>
             </a:r>
             <a:r>
               <a:rPr i="1"/>
@@ -30157,7 +30172,7 @@
             </a:r>
             <a:r>
               <a:rPr>
-                <a:hlinkClick r:id="rId83"/>
+                <a:hlinkClick r:id="rId84"/>
               </a:rPr>
               <a:t>10.1111/j.2041-210x.2009.00001.x</a:t>
             </a:r>
@@ -30168,7 +30183,7 @@
             </a:pPr>
             <a:r>
               <a:rPr/>
-              <a:t>84. Tierney N, Cook D. Expanding Tidy Data Principles to Facilitate Missing Data Exploration, Visualization and Assessment of Imputations. </a:t>
+              <a:t>85. Tierney N, Cook D. Expanding Tidy Data Principles to Facilitate Missing Data Exploration, Visualization and Assessment of Imputations. </a:t>
             </a:r>
             <a:r>
               <a:rPr i="1"/>
@@ -30180,7 +30195,7 @@
             </a:r>
             <a:r>
               <a:rPr>
-                <a:hlinkClick r:id="rId84"/>
+                <a:hlinkClick r:id="rId85"/>
               </a:rPr>
               <a:t>10.18637/jss.v105.i07</a:t>
             </a:r>
@@ -30191,11 +30206,11 @@
             </a:pPr>
             <a:r>
               <a:rPr/>
-              <a:t>85. Hammill D. DataEditR: An interactive editor for viewing, entering, filtering &amp; editing data. 2022. </a:t>
-            </a:r>
-            <a:r>
-              <a:rPr>
-                <a:hlinkClick r:id="rId85"/>
+              <a:t>86. Hammill D. DataEditR: An interactive editor for viewing, entering, filtering &amp; editing data. 2022. </a:t>
+            </a:r>
+            <a:r>
+              <a:rPr>
+                <a:hlinkClick r:id="rId86"/>
               </a:rPr>
               <a:t>https://CRAN.R-project.org/package=DataEditR.</a:t>
             </a:r>
@@ -30206,7 +30221,7 @@
             </a:pPr>
             <a:r>
               <a:rPr/>
-              <a:t>86. Broman KW, Woo KH. Data Organization in Spreadsheets. </a:t>
+              <a:t>87. Broman KW, Woo KH. Data Organization in Spreadsheets. </a:t>
             </a:r>
             <a:r>
               <a:rPr i="1"/>
@@ -30218,7 +30233,7 @@
             </a:r>
             <a:r>
               <a:rPr>
-                <a:hlinkClick r:id="rId86"/>
+                <a:hlinkClick r:id="rId87"/>
               </a:rPr>
               <a:t>10.1080/00031305.2017.1375989</a:t>
             </a:r>
@@ -30229,7 +30244,7 @@
             </a:pPr>
             <a:r>
               <a:rPr/>
-              <a:t>87. Juluru K, Eng J. Use of Spreadsheets for Research Data Collection and Preparation: </a:t>
+              <a:t>88. Juluru K, Eng J. Use of Spreadsheets for Research Data Collection and Preparation: </a:t>
             </a:r>
             <a:r>
               <a:rPr i="1"/>
@@ -30241,7 +30256,7 @@
             </a:r>
             <a:r>
               <a:rPr>
-                <a:hlinkClick r:id="rId87"/>
+                <a:hlinkClick r:id="rId88"/>
               </a:rPr>
               <a:t>10.1016/j.acra.2015.08.024</a:t>
             </a:r>
@@ -30252,11 +30267,11 @@
             </a:pPr>
             <a:r>
               <a:rPr/>
-              <a:t>88. Dowle M, Srinivasan A. Data.table: Extension of ‘data.frame‘. 2023. </a:t>
-            </a:r>
-            <a:r>
-              <a:rPr>
-                <a:hlinkClick r:id="rId88"/>
+              <a:t>89. Dowle M, Srinivasan A. Data.table: Extension of ‘data.frame‘. 2023. </a:t>
+            </a:r>
+            <a:r>
+              <a:rPr>
+                <a:hlinkClick r:id="rId89"/>
               </a:rPr>
               <a:t>https://CRAN.R-project.org/package=data.table.</a:t>
             </a:r>
@@ -30267,7 +30282,7 @@
             </a:pPr>
             <a:r>
               <a:rPr/>
-              <a:t>89. Chatfield C. Exploratory data analysis. </a:t>
+              <a:t>90. Chatfield C. Exploratory data analysis. </a:t>
             </a:r>
             <a:r>
               <a:rPr i="1"/>
@@ -30279,7 +30294,7 @@
             </a:r>
             <a:r>
               <a:rPr>
-                <a:hlinkClick r:id="rId89"/>
+                <a:hlinkClick r:id="rId90"/>
               </a:rPr>
               <a:t>10.1016/0377-2217(86)90209-2</a:t>
             </a:r>
@@ -30290,7 +30305,7 @@
             </a:pPr>
             <a:r>
               <a:rPr/>
-              <a:t>90. Ferketich S, Verran J. Technical Notes. </a:t>
+              <a:t>91. Ferketich S, Verran J. Technical Notes. </a:t>
             </a:r>
             <a:r>
               <a:rPr i="1"/>
@@ -30302,7 +30317,7 @@
             </a:r>
             <a:r>
               <a:rPr>
-                <a:hlinkClick r:id="rId90"/>
+                <a:hlinkClick r:id="rId91"/>
               </a:rPr>
               <a:t>10.1177/019394598600800409</a:t>
             </a:r>
@@ -30313,7 +30328,7 @@
             </a:pPr>
             <a:r>
               <a:rPr/>
-              <a:t>91. Kerr NL. HARKing: Hypothesizing After the Results are Known. </a:t>
+              <a:t>92. Kerr NL. HARKing: Hypothesizing After the Results are Known. </a:t>
             </a:r>
             <a:r>
               <a:rPr i="1"/>
@@ -30325,7 +30340,7 @@
             </a:r>
             <a:r>
               <a:rPr>
-                <a:hlinkClick r:id="rId91"/>
+                <a:hlinkClick r:id="rId92"/>
               </a:rPr>
               <a:t>10.1207/s15327957pspr0203_4</a:t>
             </a:r>
@@ -30336,7 +30351,7 @@
             </a:pPr>
             <a:r>
               <a:rPr/>
-              <a:t>92. Landis SC, Amara SG, Asadullah K, et al. A call for transparent reporting to optimize the predictive value of preclinical research. </a:t>
+              <a:t>93. Landis SC, Amara SG, Asadullah K, et al. A call for transparent reporting to optimize the predictive value of preclinical research. </a:t>
             </a:r>
             <a:r>
               <a:rPr i="1"/>
@@ -30348,7 +30363,7 @@
             </a:r>
             <a:r>
               <a:rPr>
-                <a:hlinkClick r:id="rId92"/>
+                <a:hlinkClick r:id="rId93"/>
               </a:rPr>
               <a:t>10.1038/nature11556</a:t>
             </a:r>
@@ -30359,7 +30374,7 @@
             </a:pPr>
             <a:r>
               <a:rPr/>
-              <a:t>93. Huebner M, Vach W, Cessie S le. A systematic approach to initial data analysis is good research practice. </a:t>
+              <a:t>94. Huebner M, Vach W, Cessie S le. A systematic approach to initial data analysis is good research practice. </a:t>
             </a:r>
             <a:r>
               <a:rPr i="1"/>
@@ -30371,7 +30386,7 @@
             </a:r>
             <a:r>
               <a:rPr>
-                <a:hlinkClick r:id="rId93"/>
+                <a:hlinkClick r:id="rId94"/>
               </a:rPr>
               <a:t>10.1016/j.jtcvs.2015.09.085</a:t>
             </a:r>
@@ -30382,11 +30397,11 @@
             </a:pPr>
             <a:r>
               <a:rPr/>
-              <a:t>94. Krasser R. Explore: Simplifies exploratory data analysis. 2023. </a:t>
-            </a:r>
-            <a:r>
-              <a:rPr>
-                <a:hlinkClick r:id="rId94"/>
+              <a:t>95. Krasser R. Explore: Simplifies exploratory data analysis. 2023. </a:t>
+            </a:r>
+            <a:r>
+              <a:rPr>
+                <a:hlinkClick r:id="rId95"/>
               </a:rPr>
               <a:t>https://CRAN.R-project.org/package=explore.</a:t>
             </a:r>
@@ -30397,11 +30412,11 @@
             </a:pPr>
             <a:r>
               <a:rPr/>
-              <a:t>95. R Core Team. R: A language and environment for statistical computing. 2023. </a:t>
-            </a:r>
-            <a:r>
-              <a:rPr>
-                <a:hlinkClick r:id="rId95"/>
+              <a:t>96. R Core Team. R: A language and environment for statistical computing. 2023. </a:t>
+            </a:r>
+            <a:r>
+              <a:rPr>
+                <a:hlinkClick r:id="rId96"/>
               </a:rPr>
               <a:t>https://www.R-project.org/.</a:t>
             </a:r>
@@ -30412,11 +30427,11 @@
             </a:pPr>
             <a:r>
               <a:rPr/>
-              <a:t>96. Cui B. DataExplorer: Automate data exploration and treatment. 2020. </a:t>
-            </a:r>
-            <a:r>
-              <a:rPr>
-                <a:hlinkClick r:id="rId96"/>
+              <a:t>97. Cui B. DataExplorer: Automate data exploration and treatment. 2020. </a:t>
+            </a:r>
+            <a:r>
+              <a:rPr>
+                <a:hlinkClick r:id="rId97"/>
               </a:rPr>
               <a:t>https://CRAN.R-project.org/package=DataExplorer.</a:t>
             </a:r>
@@ -30427,7 +30442,7 @@
             </a:pPr>
             <a:r>
               <a:rPr/>
-              <a:t>97. Cummings P, Rivara FP. Reporting Statistical Information in Medical Journal Articles. </a:t>
+              <a:t>98. Cummings P, Rivara FP. Reporting Statistical Information in Medical Journal Articles. </a:t>
             </a:r>
             <a:r>
               <a:rPr i="1"/>
@@ -30439,7 +30454,7 @@
             </a:r>
             <a:r>
               <a:rPr>
-                <a:hlinkClick r:id="rId97"/>
+                <a:hlinkClick r:id="rId98"/>
               </a:rPr>
               <a:t>10.1001/archpedi.157.4.321</a:t>
             </a:r>
@@ -30450,7 +30465,7 @@
             </a:pPr>
             <a:r>
               <a:rPr/>
-              <a:t>98. Inskip H, Ntani G, Westbury L, et al. Getting started with tables. </a:t>
+              <a:t>99. Inskip H, Ntani G, Westbury L, et al. Getting started with tables. </a:t>
             </a:r>
             <a:r>
               <a:rPr i="1"/>
@@ -30462,7 +30477,7 @@
             </a:r>
             <a:r>
               <a:rPr>
-                <a:hlinkClick r:id="rId98"/>
+                <a:hlinkClick r:id="rId99"/>
               </a:rPr>
               <a:t>10.1186/s13690-017-0180-1</a:t>
             </a:r>
@@ -30473,7 +30488,7 @@
             </a:pPr>
             <a:r>
               <a:rPr/>
-              <a:t>99. Chen H, Lu Y, Slye N. Testing for baseline differences in clinical trials. </a:t>
+              <a:t>100. Chen H, Lu Y, Slye N. Testing for baseline differences in clinical trials. </a:t>
             </a:r>
             <a:r>
               <a:rPr i="1"/>
@@ -30485,7 +30500,7 @@
             </a:r>
             <a:r>
               <a:rPr>
-                <a:hlinkClick r:id="rId99"/>
+                <a:hlinkClick r:id="rId100"/>
               </a:rPr>
               <a:t>10.18203/2349-3259.ijct20201720</a:t>
             </a:r>
@@ -30496,7 +30511,7 @@
             </a:pPr>
             <a:r>
               <a:rPr/>
-              <a:t>100. Hayes-Larson E, Kezios KL, Mooney SJ, Lovasi G. Who is in this study, anyway? Guidelines for a useful Table 1. </a:t>
+              <a:t>101. Hayes-Larson E, Kezios KL, Mooney SJ, Lovasi G. Who is in this study, anyway? Guidelines for a useful Table 1. </a:t>
             </a:r>
             <a:r>
               <a:rPr i="1"/>
@@ -30508,7 +30523,7 @@
             </a:r>
             <a:r>
               <a:rPr>
-                <a:hlinkClick r:id="rId100"/>
+                <a:hlinkClick r:id="rId101"/>
               </a:rPr>
               <a:t>10.1016/j.jclinepi.2019.06.011</a:t>
             </a:r>
@@ -30519,7 +30534,7 @@
             </a:pPr>
             <a:r>
               <a:rPr/>
-              <a:t>101. Kwak SG, Kang H, Kim JH, et al. The principles of presenting statistical results: Table. </a:t>
+              <a:t>102. Kwak SG, Kang H, Kim JH, et al. The principles of presenting statistical results: Table. </a:t>
             </a:r>
             <a:r>
               <a:rPr i="1"/>
@@ -30531,7 +30546,7 @@
             </a:r>
             <a:r>
               <a:rPr>
-                <a:hlinkClick r:id="rId101"/>
+                <a:hlinkClick r:id="rId102"/>
               </a:rPr>
               <a:t>10.4097/kja.20582</a:t>
             </a:r>
@@ -30542,11 +30557,11 @@
             </a:pPr>
             <a:r>
               <a:rPr/>
-              <a:t>102. Rich B. table1: Tables of descriptive statistics in HTML. 2023. </a:t>
-            </a:r>
-            <a:r>
-              <a:rPr>
-                <a:hlinkClick r:id="rId102"/>
+              <a:t>103. Rich B. table1: Tables of descriptive statistics in HTML. 2023. </a:t>
+            </a:r>
+            <a:r>
+              <a:rPr>
+                <a:hlinkClick r:id="rId103"/>
               </a:rPr>
               <a:t>https://CRAN.R-project.org/package=table1.</a:t>
             </a:r>
@@ -30557,7 +30572,7 @@
             </a:pPr>
             <a:r>
               <a:rPr/>
-              <a:t>103. Park JH, Lee DK, Kang H, et al. The principles of presenting statistical results using figures. </a:t>
+              <a:t>104. Park JH, Lee DK, Kang H, et al. The principles of presenting statistical results using figures. </a:t>
             </a:r>
             <a:r>
               <a:rPr i="1"/>
@@ -30569,7 +30584,7 @@
             </a:r>
             <a:r>
               <a:rPr>
-                <a:hlinkClick r:id="rId103"/>
+                <a:hlinkClick r:id="rId104"/>
               </a:rPr>
               <a:t>10.4097/kja.21508</a:t>
             </a:r>
@@ -30580,11 +30595,11 @@
             </a:pPr>
             <a:r>
               <a:rPr/>
-              <a:t>104. Wickham H. ggplot2: Elegant graphics for data analysis. 2016. </a:t>
-            </a:r>
-            <a:r>
-              <a:rPr>
-                <a:hlinkClick r:id="rId104"/>
+              <a:t>105. Wickham H. ggplot2: Elegant graphics for data analysis. 2016. </a:t>
+            </a:r>
+            <a:r>
+              <a:rPr>
+                <a:hlinkClick r:id="rId105"/>
               </a:rPr>
               <a:t>https://ggplot2.tidyverse.org.</a:t>
             </a:r>
@@ -30595,11 +30610,11 @@
             </a:pPr>
             <a:r>
               <a:rPr/>
-              <a:t>105. Sievert C. Interactive web-based data visualization with r, plotly, and shiny. 2020. </a:t>
-            </a:r>
-            <a:r>
-              <a:rPr>
-                <a:hlinkClick r:id="rId105"/>
+              <a:t>106. Sievert C. Interactive web-based data visualization with r, plotly, and shiny. 2020. </a:t>
+            </a:r>
+            <a:r>
+              <a:rPr>
+                <a:hlinkClick r:id="rId106"/>
               </a:rPr>
               <a:t>https://plotly-r.com.</a:t>
             </a:r>
@@ -30610,11 +30625,11 @@
             </a:pPr>
             <a:r>
               <a:rPr/>
-              <a:t>106. Wei T, Simko V. R package ’corrplot’: Visualization of a correlation matrix. 2021. </a:t>
-            </a:r>
-            <a:r>
-              <a:rPr>
-                <a:hlinkClick r:id="rId106"/>
+              <a:t>107. Wei T, Simko V. R package ’corrplot’: Visualization of a correlation matrix. 2021. </a:t>
+            </a:r>
+            <a:r>
+              <a:rPr>
+                <a:hlinkClick r:id="rId107"/>
               </a:rPr>
               <a:t>https://github.com/taiyun/corrplot.</a:t>
             </a:r>
@@ -30625,7 +30640,7 @@
             </a:pPr>
             <a:r>
               <a:rPr/>
-              <a:t>107. Cumming G, Fidler F, Vaux DL. Error bars in experimental biology. </a:t>
+              <a:t>108. Cumming G, Fidler F, Vaux DL. Error bars in experimental biology. </a:t>
             </a:r>
             <a:r>
               <a:rPr i="1"/>
@@ -30637,7 +30652,7 @@
             </a:r>
             <a:r>
               <a:rPr>
-                <a:hlinkClick r:id="rId107"/>
+                <a:hlinkClick r:id="rId108"/>
               </a:rPr>
               <a:t>10.1083/jcb.200611141</a:t>
             </a:r>
@@ -30648,7 +30663,7 @@
             </a:pPr>
             <a:r>
               <a:rPr/>
-              <a:t>108. Weissgerber TL, Winham SJ, Heinzen EP, et al. Reveal, Don’t Conceal. </a:t>
+              <a:t>109. Weissgerber TL, Winham SJ, Heinzen EP, et al. Reveal, Don’t Conceal. </a:t>
             </a:r>
             <a:r>
               <a:rPr i="1"/>
@@ -30660,7 +30675,7 @@
             </a:r>
             <a:r>
               <a:rPr>
-                <a:hlinkClick r:id="rId108"/>
+                <a:hlinkClick r:id="rId109"/>
               </a:rPr>
               <a:t>10.1161/circulationaha.118.037777</a:t>
             </a:r>
@@ -30671,11 +30686,11 @@
             </a:pPr>
             <a:r>
               <a:rPr/>
-              <a:t>109. Xiao N. Ggsci: Scientific journal and sci-fi themed color palettes for ’ggplot2’. 2023. </a:t>
-            </a:r>
-            <a:r>
-              <a:rPr>
-                <a:hlinkClick r:id="rId109"/>
+              <a:t>110. Xiao N. Ggsci: Scientific journal and sci-fi themed color palettes for ’ggplot2’. 2023. </a:t>
+            </a:r>
+            <a:r>
+              <a:rPr>
+                <a:hlinkClick r:id="rId110"/>
               </a:rPr>
               <a:t>https://CRAN.R-project.org/package=ggsci.</a:t>
             </a:r>
@@ -30686,7 +30701,7 @@
             </a:pPr>
             <a:r>
               <a:rPr/>
-              <a:t>110. Curran-Everett D. Explorations in statistics: hypothesis tests and </a:t>
+              <a:t>111. Curran-Everett D. Explorations in statistics: hypothesis tests and </a:t>
             </a:r>
             <a:r>
               <a:rPr i="1"/>
@@ -30706,7 +30721,7 @@
             </a:r>
             <a:r>
               <a:rPr>
-                <a:hlinkClick r:id="rId110"/>
+                <a:hlinkClick r:id="rId111"/>
               </a:rPr>
               <a:t>10.1152/advan.90218.2008</a:t>
             </a:r>
@@ -30717,7 +30732,7 @@
             </a:pPr>
             <a:r>
               <a:rPr/>
-              <a:t>111. Vandenbroucke JP, Pearce N. From ideas to studies: how to get ideas and sharpen them into research questions. </a:t>
+              <a:t>112. Vandenbroucke JP, Pearce N. From ideas to studies: how to get ideas and sharpen them into research questions. </a:t>
             </a:r>
             <a:r>
               <a:rPr i="1"/>
@@ -30729,7 +30744,7 @@
             </a:r>
             <a:r>
               <a:rPr>
-                <a:hlinkClick r:id="rId111"/>
+                <a:hlinkClick r:id="rId112"/>
               </a:rPr>
               <a:t>10.2147/clep.s142940</a:t>
             </a:r>
@@ -30740,7 +30755,7 @@
             </a:pPr>
             <a:r>
               <a:rPr/>
-              <a:t>112. Altman DG, Bland JM. Statistics notes: Absence of evidence is not evidence of absence. </a:t>
+              <a:t>113. Altman DG, Bland JM. Statistics notes: Absence of evidence is not evidence of absence. </a:t>
             </a:r>
             <a:r>
               <a:rPr i="1"/>
@@ -30752,7 +30767,7 @@
             </a:r>
             <a:r>
               <a:rPr>
-                <a:hlinkClick r:id="rId112"/>
+                <a:hlinkClick r:id="rId113"/>
               </a:rPr>
               <a:t>10.1136/bmj.311.7003.485</a:t>
             </a:r>
@@ -30763,7 +30778,7 @@
             </a:pPr>
             <a:r>
               <a:rPr/>
-              <a:t>113. Goodman SN. Aligning statistical and scientific reasoning. </a:t>
+              <a:t>114. Goodman SN. Aligning statistical and scientific reasoning. </a:t>
             </a:r>
             <a:r>
               <a:rPr i="1"/>
@@ -30775,7 +30790,7 @@
             </a:r>
             <a:r>
               <a:rPr>
-                <a:hlinkClick r:id="rId113"/>
+                <a:hlinkClick r:id="rId114"/>
               </a:rPr>
               <a:t>10.1126/science.aaf5406</a:t>
             </a:r>
@@ -30786,7 +30801,7 @@
             </a:pPr>
             <a:r>
               <a:rPr/>
-              <a:t>114. Aylmer Fisher R. The arrangement of field experiments. </a:t>
+              <a:t>115. Aylmer Fisher R. The arrangement of field experiments. </a:t>
             </a:r>
             <a:r>
               <a:rPr i="1"/>
@@ -30798,7 +30813,7 @@
             </a:r>
             <a:r>
               <a:rPr>
-                <a:hlinkClick r:id="rId114"/>
+                <a:hlinkClick r:id="rId115"/>
               </a:rPr>
               <a:t>10.23637/ROTHAMSTED.8V61Q</a:t>
             </a:r>
@@ -30809,7 +30824,7 @@
             </a:pPr>
             <a:r>
               <a:rPr/>
-              <a:t>115. Lakens D, Scheel AM, Isager PM. Equivalence Testing for Psychological Research: A Tutorial. </a:t>
+              <a:t>116. Lakens D, Scheel AM, Isager PM. Equivalence Testing for Psychological Research: A Tutorial. </a:t>
             </a:r>
             <a:r>
               <a:rPr i="1"/>
@@ -30821,7 +30836,7 @@
             </a:r>
             <a:r>
               <a:rPr>
-                <a:hlinkClick r:id="rId115"/>
+                <a:hlinkClick r:id="rId116"/>
               </a:rPr>
               <a:t>10.1177/2515245918770963</a:t>
             </a:r>
@@ -30832,7 +30847,7 @@
             </a:pPr>
             <a:r>
               <a:rPr/>
-              <a:t>116. Weintraub PG. The Importance of Publishing Negative Results. </a:t>
+              <a:t>117. Weintraub PG. The Importance of Publishing Negative Results. </a:t>
             </a:r>
             <a:r>
               <a:rPr i="1"/>
@@ -30844,7 +30859,7 @@
             </a:r>
             <a:r>
               <a:rPr>
-                <a:hlinkClick r:id="rId116"/>
+                <a:hlinkClick r:id="rId117"/>
               </a:rPr>
               <a:t>10.1093/jisesa/iew092</a:t>
             </a:r>
@@ -30855,7 +30870,7 @@
             </a:pPr>
             <a:r>
               <a:rPr/>
-              <a:t>117. Sullivan GM, Feinn R. Using Effect Sizeor Why the </a:t>
+              <a:t>118. Sullivan GM, Feinn R. Using Effect Sizeor Why the </a:t>
             </a:r>
             <a:r>
               <a:rPr i="1"/>
@@ -30875,7 +30890,7 @@
             </a:r>
             <a:r>
               <a:rPr>
-                <a:hlinkClick r:id="rId117"/>
+                <a:hlinkClick r:id="rId118"/>
               </a:rPr>
               <a:t>10.4300/jgme-d-12-00156.1</a:t>
             </a:r>
@@ -30886,7 +30901,7 @@
             </a:pPr>
             <a:r>
               <a:rPr/>
-              <a:t>118. Wasserstein RL, Lazar NA. The ASA Statement on </a:t>
+              <a:t>119. Wasserstein RL, Lazar NA. The ASA Statement on </a:t>
             </a:r>
             <a:r>
               <a:rPr i="1"/>
@@ -30906,7 +30921,7 @@
             </a:r>
             <a:r>
               <a:rPr>
-                <a:hlinkClick r:id="rId118"/>
+                <a:hlinkClick r:id="rId119"/>
               </a:rPr>
               <a:t>10.1080/00031305.2016.1154108</a:t>
             </a:r>
@@ -30917,7 +30932,7 @@
             </a:pPr>
             <a:r>
               <a:rPr/>
-              <a:t>119. Heinze G, Dunkler D. Five myths about variable selection. </a:t>
+              <a:t>120. Heinze G, Dunkler D. Five myths about variable selection. </a:t>
             </a:r>
             <a:r>
               <a:rPr i="1"/>
@@ -30929,7 +30944,7 @@
             </a:r>
             <a:r>
               <a:rPr>
-                <a:hlinkClick r:id="rId119"/>
+                <a:hlinkClick r:id="rId120"/>
               </a:rPr>
               <a:t>10.1111/tri.12895</a:t>
             </a:r>
@@ -30940,7 +30955,7 @@
             </a:pPr>
             <a:r>
               <a:rPr/>
-              <a:t>120. Kim HY. Statistical notes for clinical researchers: effect size. </a:t>
+              <a:t>121. Kim HY. Statistical notes for clinical researchers: effect size. </a:t>
             </a:r>
             <a:r>
               <a:rPr i="1"/>
@@ -30952,7 +30967,7 @@
             </a:r>
             <a:r>
               <a:rPr>
-                <a:hlinkClick r:id="rId120"/>
+                <a:hlinkClick r:id="rId121"/>
               </a:rPr>
               <a:t>10.5395/rde.2015.40.4.328</a:t>
             </a:r>
@@ -30963,7 +30978,7 @@
             </a:pPr>
             <a:r>
               <a:rPr/>
-              <a:t>121. Heckman MG, Davis JM, Crowson CS. Post Hoc Power Calculations: An Inappropriate Method for Interpreting the Findings of a Research Study. </a:t>
+              <a:t>122. Heckman MG, Davis JM, Crowson CS. Post Hoc Power Calculations: An Inappropriate Method for Interpreting the Findings of a Research Study. </a:t>
             </a:r>
             <a:r>
               <a:rPr i="1"/>
@@ -30975,7 +30990,7 @@
             </a:r>
             <a:r>
               <a:rPr>
-                <a:hlinkClick r:id="rId121"/>
+                <a:hlinkClick r:id="rId122"/>
               </a:rPr>
               <a:t>10.3899/jrheum.211115</a:t>
             </a:r>
@@ -30986,16 +31001,16 @@
             </a:pPr>
             <a:r>
               <a:rPr/>
-              <a:t>122. </a:t>
-            </a:r>
-          </a:p>
-          <a:p>
-            <a:pPr lvl="0" indent="0" marL="0">
-              <a:buNone/>
-            </a:pPr>
-            <a:r>
-              <a:rPr/>
-              <a:t>123. Dwivedi AK, Shukla R. Evidence-based statistical analysis and methods in biomedical research (SAMBR) checklists according to design features. </a:t>
+              <a:t>123. </a:t>
+            </a:r>
+          </a:p>
+          <a:p>
+            <a:pPr lvl="0" indent="0" marL="0">
+              <a:buNone/>
+            </a:pPr>
+            <a:r>
+              <a:rPr/>
+              <a:t>124. Dwivedi AK, Shukla R. Evidence-based statistical analysis and methods in biomedical research (SAMBR) checklists according to design features. </a:t>
             </a:r>
             <a:r>
               <a:rPr i="1"/>
@@ -31007,7 +31022,7 @@
             </a:r>
             <a:r>
               <a:rPr>
-                <a:hlinkClick r:id="rId122"/>
+                <a:hlinkClick r:id="rId123"/>
               </a:rPr>
               <a:t>10.1002/cnr2.1211</a:t>
             </a:r>
@@ -31018,7 +31033,7 @@
             </a:pPr>
             <a:r>
               <a:rPr/>
-              <a:t>124. Dwivedi AK. How to Write Statistical Analysis Section in Medical Research. </a:t>
+              <a:t>125. Dwivedi AK. How to Write Statistical Analysis Section in Medical Research. </a:t>
             </a:r>
             <a:r>
               <a:rPr i="1"/>
@@ -31030,7 +31045,7 @@
             </a:r>
             <a:r>
               <a:rPr>
-                <a:hlinkClick r:id="rId123"/>
+                <a:hlinkClick r:id="rId124"/>
               </a:rPr>
               <a:t>10.1136/jim-2022-002479</a:t>
             </a:r>
@@ -31041,7 +31056,7 @@
             </a:pPr>
             <a:r>
               <a:rPr/>
-              <a:t>125. Kim N, Fischer AH, Dyring-Andersen B, Rosner B, Okoye GA. Research Techniques Made Simple: Choosing Appropriate Statistical Methods for Clinical Research. </a:t>
+              <a:t>126. Kim N, Fischer AH, Dyring-Andersen B, Rosner B, Okoye GA. Research Techniques Made Simple: Choosing Appropriate Statistical Methods for Clinical Research. </a:t>
             </a:r>
             <a:r>
               <a:rPr i="1"/>
@@ -31053,7 +31068,7 @@
             </a:r>
             <a:r>
               <a:rPr>
-                <a:hlinkClick r:id="rId124"/>
+                <a:hlinkClick r:id="rId125"/>
               </a:rPr>
               <a:t>10.1016/j.jid.2017.08.007</a:t>
             </a:r>
@@ -31064,7 +31079,7 @@
             </a:pPr>
             <a:r>
               <a:rPr/>
-              <a:t>126. Marusteri M, Bacarea V. Comparing groups for statistical differences: How to choose the right statistical test? </a:t>
+              <a:t>127. Marusteri M, Bacarea V. Comparing groups for statistical differences: How to choose the right statistical test? </a:t>
             </a:r>
             <a:r>
               <a:rPr i="1"/>
@@ -31076,7 +31091,7 @@
             </a:r>
             <a:r>
               <a:rPr>
-                <a:hlinkClick r:id="rId125"/>
+                <a:hlinkClick r:id="rId126"/>
               </a:rPr>
               <a:t>10.11613/bm.2010.004</a:t>
             </a:r>
@@ -31087,7 +31102,7 @@
             </a:pPr>
             <a:r>
               <a:rPr/>
-              <a:t>127. Mishra P, Pandey C, Singh U, Keshri A, Sabaretnam M. Selection of appropriate statistical methods for data analysis. </a:t>
+              <a:t>128. Mishra P, Pandey C, Singh U, Keshri A, Sabaretnam M. Selection of appropriate statistical methods for data analysis. </a:t>
             </a:r>
             <a:r>
               <a:rPr i="1"/>
@@ -31099,7 +31114,7 @@
             </a:r>
             <a:r>
               <a:rPr>
-                <a:hlinkClick r:id="rId126"/>
+                <a:hlinkClick r:id="rId127"/>
               </a:rPr>
               <a:t>10.4103/aca.aca_248_18</a:t>
             </a:r>
@@ -31110,7 +31125,7 @@
             </a:pPr>
             <a:r>
               <a:rPr/>
-              <a:t>128. Ray A, Najmi A, Sadasivam B. How to choose and interpret a statistical test? An update for budding researchers. </a:t>
+              <a:t>129. Ray A, Najmi A, Sadasivam B. How to choose and interpret a statistical test? An update for budding researchers. </a:t>
             </a:r>
             <a:r>
               <a:rPr i="1"/>
@@ -31122,7 +31137,7 @@
             </a:r>
             <a:r>
               <a:rPr>
-                <a:hlinkClick r:id="rId127"/>
+                <a:hlinkClick r:id="rId128"/>
               </a:rPr>
               <a:t>10.4103/jfmpc.jfmpc_433_21</a:t>
             </a:r>
@@ -31133,7 +31148,7 @@
             </a:pPr>
             <a:r>
               <a:rPr/>
-              <a:t>129. Nayak B, Hazra A. How to choose the right statistical test? </a:t>
+              <a:t>130. Nayak B, Hazra A. How to choose the right statistical test? </a:t>
             </a:r>
             <a:r>
               <a:rPr i="1"/>
@@ -31145,7 +31160,7 @@
             </a:r>
             <a:r>
               <a:rPr>
-                <a:hlinkClick r:id="rId128"/>
+                <a:hlinkClick r:id="rId129"/>
               </a:rPr>
               <a:t>10.4103/0301-4738.77005</a:t>
             </a:r>
@@ -31156,7 +31171,7 @@
             </a:pPr>
             <a:r>
               <a:rPr/>
-              <a:t>130. Shankar S, Singh R. Demystifying statistics: How to choose a statistical test? </a:t>
+              <a:t>131. Shankar S, Singh R. Demystifying statistics: How to choose a statistical test? </a:t>
             </a:r>
             <a:r>
               <a:rPr i="1"/>
@@ -31168,7 +31183,7 @@
             </a:r>
             <a:r>
               <a:rPr>
-                <a:hlinkClick r:id="rId129"/>
+                <a:hlinkClick r:id="rId130"/>
               </a:rPr>
               <a:t>10.1016/j.injr.2014.04.002</a:t>
             </a:r>
@@ -31179,7 +31194,7 @@
             </a:pPr>
             <a:r>
               <a:rPr/>
-              <a:t>131. Khamis H. Measures of Association: How to Choose? </a:t>
+              <a:t>132. Khamis H. Measures of Association: How to Choose? </a:t>
             </a:r>
             <a:r>
               <a:rPr i="1"/>
@@ -31191,7 +31206,7 @@
             </a:r>
             <a:r>
               <a:rPr>
-                <a:hlinkClick r:id="rId130"/>
+                <a:hlinkClick r:id="rId131"/>
               </a:rPr>
               <a:t>10.1177/8756479308317006</a:t>
             </a:r>
@@ -31202,7 +31217,7 @@
             </a:pPr>
             <a:r>
               <a:rPr/>
-              <a:t>132. Allison JS, Santana L, (Jaco) Visagie IJH. A primer on simple measures of association taught at undergraduate level. </a:t>
+              <a:t>133. Allison JS, Santana L, (Jaco) Visagie IJH. A primer on simple measures of association taught at undergraduate level. </a:t>
             </a:r>
             <a:r>
               <a:rPr i="1"/>
@@ -31214,7 +31229,7 @@
             </a:r>
             <a:r>
               <a:rPr>
-                <a:hlinkClick r:id="rId131"/>
+                <a:hlinkClick r:id="rId132"/>
               </a:rPr>
               <a:t>10.1111/test.12307</a:t>
             </a:r>
@@ -31225,7 +31240,7 @@
             </a:pPr>
             <a:r>
               <a:rPr/>
-              <a:t>133. McHugh ML. The chi-square test of independence. </a:t>
+              <a:t>134. McHugh ML. The chi-square test of independence. </a:t>
             </a:r>
             <a:r>
               <a:rPr i="1"/>
@@ -31237,7 +31252,7 @@
             </a:r>
             <a:r>
               <a:rPr>
-                <a:hlinkClick r:id="rId132"/>
+                <a:hlinkClick r:id="rId133"/>
               </a:rPr>
               <a:t>10.11613/bm.2013.018</a:t>
             </a:r>
@@ -31248,7 +31263,7 @@
             </a:pPr>
             <a:r>
               <a:rPr/>
-              <a:t>134. Kim HY. Statistical notes for clinical researchers: Chi-squared test and Fisher’s exact test. </a:t>
+              <a:t>135. Kim HY. Statistical notes for clinical researchers: Chi-squared test and Fisher’s exact test. </a:t>
             </a:r>
             <a:r>
               <a:rPr i="1"/>
@@ -31260,7 +31275,7 @@
             </a:r>
             <a:r>
               <a:rPr>
-                <a:hlinkClick r:id="rId133"/>
+                <a:hlinkClick r:id="rId134"/>
               </a:rPr>
               <a:t>10.5395/rde.2017.42.2.152</a:t>
             </a:r>
@@ -31271,11 +31286,11 @@
             </a:pPr>
             <a:r>
               <a:rPr/>
-              <a:t>135. Sjoberg DD, Whiting K, Curry M, Lavery JA, Larmarange J. Reproducible summary tables with the gtsummary package. 2021;13:570-580. doi:</a:t>
-            </a:r>
-            <a:r>
-              <a:rPr>
-                <a:hlinkClick r:id="rId134"/>
+              <a:t>136. Sjoberg DD, Whiting K, Curry M, Lavery JA, Larmarange J. Reproducible summary tables with the gtsummary package. 2021;13:570-580. doi:</a:t>
+            </a:r>
+            <a:r>
+              <a:rPr>
+                <a:hlinkClick r:id="rId135"/>
               </a:rPr>
               <a:t>10.32614/RJ-2021-053</a:t>
             </a:r>
@@ -31286,7 +31301,7 @@
             </a:pPr>
             <a:r>
               <a:rPr/>
-              <a:t>136. Bandoli G, Palmsten K, Chambers CD, Jelliffe-Pawlowski LL, Baer RJ, Thompson CA. Revisiting the Table 2 fallacy: A motivating example examining preeclampsia and preterm birth. </a:t>
+              <a:t>137. Bandoli G, Palmsten K, Chambers CD, Jelliffe-Pawlowski LL, Baer RJ, Thompson CA. Revisiting the Table 2 fallacy: A motivating example examining preeclampsia and preterm birth. </a:t>
             </a:r>
             <a:r>
               <a:rPr i="1"/>
@@ -31298,7 +31313,7 @@
             </a:r>
             <a:r>
               <a:rPr>
-                <a:hlinkClick r:id="rId135"/>
+                <a:hlinkClick r:id="rId136"/>
               </a:rPr>
               <a:t>10.1111/ppe.12474</a:t>
             </a:r>
@@ -31309,7 +31324,7 @@
             </a:pPr>
             <a:r>
               <a:rPr/>
-              <a:t>137. Suits DB. Use of Dummy Variables in Regression Equations. </a:t>
+              <a:t>138. Suits DB. Use of Dummy Variables in Regression Equations. </a:t>
             </a:r>
             <a:r>
               <a:rPr i="1"/>
@@ -31321,7 +31336,7 @@
             </a:r>
             <a:r>
               <a:rPr>
-                <a:hlinkClick r:id="rId136"/>
+                <a:hlinkClick r:id="rId137"/>
               </a:rPr>
               <a:t>10.1080/01621459.1957.10501412</a:t>
             </a:r>
@@ -31332,7 +31347,7 @@
             </a:pPr>
             <a:r>
               <a:rPr/>
-              <a:t>138. Healy MJ. Statistics from the inside. 16. Multiple regression (2). </a:t>
+              <a:t>139. Healy MJ. Statistics from the inside. 16. Multiple regression (2). </a:t>
             </a:r>
             <a:r>
               <a:rPr i="1"/>
@@ -31344,7 +31359,7 @@
             </a:r>
             <a:r>
               <a:rPr>
-                <a:hlinkClick r:id="rId137"/>
+                <a:hlinkClick r:id="rId138"/>
               </a:rPr>
               <a:t>10.1136/adc.73.3.270</a:t>
             </a:r>
@@ -31355,11 +31370,11 @@
             </a:pPr>
             <a:r>
               <a:rPr/>
-              <a:t>139. Kaplan J. fastDummies: Fast creation of dummy (binary) columns and rows from categorical variables. 2023. </a:t>
-            </a:r>
-            <a:r>
-              <a:rPr>
-                <a:hlinkClick r:id="rId138"/>
+              <a:t>140. Kaplan J. fastDummies: Fast creation of dummy (binary) columns and rows from categorical variables. 2023. </a:t>
+            </a:r>
+            <a:r>
+              <a:rPr>
+                <a:hlinkClick r:id="rId139"/>
               </a:rPr>
               <a:t>https://CRAN.R-project.org/package=fastDummies.</a:t>
             </a:r>
@@ -31370,7 +31385,7 @@
             </a:pPr>
             <a:r>
               <a:rPr/>
-              <a:t>140. Hidalgo B, Goodman M. Multivariate or Multivariable Regression? </a:t>
+              <a:t>141. Hidalgo B, Goodman M. Multivariate or Multivariable Regression? </a:t>
             </a:r>
             <a:r>
               <a:rPr i="1"/>
@@ -31382,7 +31397,7 @@
             </a:r>
             <a:r>
               <a:rPr>
-                <a:hlinkClick r:id="rId139"/>
+                <a:hlinkClick r:id="rId140"/>
               </a:rPr>
               <a:t>10.2105/ajph.2012.300897</a:t>
             </a:r>
@@ -31393,11 +31408,11 @@
             </a:pPr>
             <a:r>
               <a:rPr/>
-              <a:t>141. Arel-Bundock V. Modelsummary: Data and model summaries in r. 2022;103. doi:</a:t>
-            </a:r>
-            <a:r>
-              <a:rPr>
-                <a:hlinkClick r:id="rId140"/>
+              <a:t>142. Arel-Bundock V. Modelsummary: Data and model summaries in r. 2022;103. doi:</a:t>
+            </a:r>
+            <a:r>
+              <a:rPr>
+                <a:hlinkClick r:id="rId141"/>
               </a:rPr>
               <a:t>10.18637/jss.v103.i01</a:t>
             </a:r>
@@ -31408,7 +31423,7 @@
             </a:pPr>
             <a:r>
               <a:rPr/>
-              <a:t>142. Bours MJL. Using mediators to understand effect modification and interaction. </a:t>
+              <a:t>143. Bours MJL. Using mediators to understand effect modification and interaction. </a:t>
             </a:r>
             <a:r>
               <a:rPr i="1"/>
@@ -31420,7 +31435,7 @@
             </a:r>
             <a:r>
               <a:rPr>
-                <a:hlinkClick r:id="rId141"/>
+                <a:hlinkClick r:id="rId142"/>
               </a:rPr>
               <a:t>10.1016/j.jclinepi.2023.09.005</a:t>
             </a:r>
@@ -31431,7 +31446,7 @@
             </a:pPr>
             <a:r>
               <a:rPr/>
-              <a:t>143. Altman DG, Matthews JNS. Statistics Notes: Interaction 1: heterogeneity of effects. </a:t>
+              <a:t>144. Altman DG, Matthews JNS. Statistics Notes: Interaction 1: heterogeneity of effects. </a:t>
             </a:r>
             <a:r>
               <a:rPr i="1"/>
@@ -31443,7 +31458,7 @@
             </a:r>
             <a:r>
               <a:rPr>
-                <a:hlinkClick r:id="rId142"/>
+                <a:hlinkClick r:id="rId143"/>
               </a:rPr>
               <a:t>10.1136/bmj.313.7055.486</a:t>
             </a:r>
@@ -31454,7 +31469,7 @@
             </a:pPr>
             <a:r>
               <a:rPr/>
-              <a:t>144. Baron RM, Kenny DA. The moderatormediator variable distinction in social psychological research: Conceptual, strategic, and statistical considerations. </a:t>
+              <a:t>145. Baron RM, Kenny DA. The moderatormediator variable distinction in social psychological research: Conceptual, strategic, and statistical considerations. </a:t>
             </a:r>
             <a:r>
               <a:rPr i="1"/>
@@ -31466,7 +31481,7 @@
             </a:r>
             <a:r>
               <a:rPr>
-                <a:hlinkClick r:id="rId143"/>
+                <a:hlinkClick r:id="rId144"/>
               </a:rPr>
               <a:t>10.1037/0022-3514.51.6.1173</a:t>
             </a:r>
@@ -31477,7 +31492,7 @@
             </a:pPr>
             <a:r>
               <a:rPr/>
-              <a:t>145. DALES LG, URY HK. An Improper Use of Statistical Significance Testing in Studying Covariables. </a:t>
+              <a:t>146. DALES LG, URY HK. An Improper Use of Statistical Significance Testing in Studying Covariables. </a:t>
             </a:r>
             <a:r>
               <a:rPr i="1"/>
@@ -31489,7 +31504,7 @@
             </a:r>
             <a:r>
               <a:rPr>
-                <a:hlinkClick r:id="rId144"/>
+                <a:hlinkClick r:id="rId145"/>
               </a:rPr>
               <a:t>10.1093/ije/7.4.373</a:t>
             </a:r>
@@ -31500,7 +31515,7 @@
             </a:pPr>
             <a:r>
               <a:rPr/>
-              <a:t>146. Sun GW, Shook TL, Kay GL. Inappropriate use of bivariable analysis to screen risk factors for use in multivariable analysis. </a:t>
+              <a:t>147. Sun GW, Shook TL, Kay GL. Inappropriate use of bivariable analysis to screen risk factors for use in multivariable analysis. </a:t>
             </a:r>
             <a:r>
               <a:rPr i="1"/>
@@ -31512,7 +31527,7 @@
             </a:r>
             <a:r>
               <a:rPr>
-                <a:hlinkClick r:id="rId145"/>
+                <a:hlinkClick r:id="rId146"/>
               </a:rPr>
               <a:t>10.1016/0895-4356(96)00025-x</a:t>
             </a:r>
@@ -31523,7 +31538,7 @@
             </a:pPr>
             <a:r>
               <a:rPr/>
-              <a:t>147. Bland JM, Altman DG. Comparisons within randomised groups can be very misleading. </a:t>
+              <a:t>148. Bland JM, Altman DG. Comparisons within randomised groups can be very misleading. </a:t>
             </a:r>
             <a:r>
               <a:rPr i="1"/>
@@ -31535,7 +31550,7 @@
             </a:r>
             <a:r>
               <a:rPr>
-                <a:hlinkClick r:id="rId146"/>
+                <a:hlinkClick r:id="rId147"/>
               </a:rPr>
               <a:t>10.1136/bmj.d561</a:t>
             </a:r>
@@ -31546,7 +31561,7 @@
             </a:pPr>
             <a:r>
               <a:rPr/>
-              <a:t>148. Bruce CL, Juszczak E, Ogollah R, Partlett C, Montgomery A. A systematic review of randomisation method use in RCTs and association of trial design characteristics with method selection. </a:t>
+              <a:t>149. Bruce CL, Juszczak E, Ogollah R, Partlett C, Montgomery A. A systematic review of randomisation method use in RCTs and association of trial design characteristics with method selection. </a:t>
             </a:r>
             <a:r>
               <a:rPr i="1"/>
@@ -31558,7 +31573,7 @@
             </a:r>
             <a:r>
               <a:rPr>
-                <a:hlinkClick r:id="rId147"/>
+                <a:hlinkClick r:id="rId148"/>
               </a:rPr>
               <a:t>10.1186/s12874-022-01786-4</a:t>
             </a:r>
@@ -31569,7 +31584,7 @@
             </a:pPr>
             <a:r>
               <a:rPr/>
-              <a:t>149. Vickers AJ, Altman DG. Statistics Notes: Analysing controlled trials with baseline and follow up measurements. </a:t>
+              <a:t>150. Vickers AJ, Altman DG. Statistics Notes: Analysing controlled trials with baseline and follow up measurements. </a:t>
             </a:r>
             <a:r>
               <a:rPr i="1"/>
@@ -31581,7 +31596,7 @@
             </a:r>
             <a:r>
               <a:rPr>
-                <a:hlinkClick r:id="rId148"/>
+                <a:hlinkClick r:id="rId149"/>
               </a:rPr>
               <a:t>10.1136/bmj.323.7321.1123</a:t>
             </a:r>
@@ -31592,7 +31607,7 @@
             </a:pPr>
             <a:r>
               <a:rPr/>
-              <a:t>150. O Connell NS, Dai L, Jiang Y, et al. Methods for analysis of pre-post data in clinical research: A comparison of five common methods. </a:t>
+              <a:t>151. O Connell NS, Dai L, Jiang Y, et al. Methods for analysis of pre-post data in clinical research: A comparison of five common methods. </a:t>
             </a:r>
             <a:r>
               <a:rPr i="1"/>
@@ -31604,7 +31619,7 @@
             </a:r>
             <a:r>
               <a:rPr>
-                <a:hlinkClick r:id="rId149"/>
+                <a:hlinkClick r:id="rId150"/>
               </a:rPr>
               <a:t>10.4172/2155-6180.1000334</a:t>
             </a:r>
@@ -31615,7 +31630,7 @@
             </a:pPr>
             <a:r>
               <a:rPr/>
-              <a:t>151. Roberts C, Torgerson DJ. Understanding controlled trials: Baseline imbalance in randomised controlled trials. </a:t>
+              <a:t>152. Roberts C, Torgerson DJ. Understanding controlled trials: Baseline imbalance in randomised controlled trials. </a:t>
             </a:r>
             <a:r>
               <a:rPr i="1"/>
@@ -31627,7 +31642,7 @@
             </a:r>
             <a:r>
               <a:rPr>
-                <a:hlinkClick r:id="rId150"/>
+                <a:hlinkClick r:id="rId151"/>
               </a:rPr>
               <a:t>10.1136/bmj.319.7203.185</a:t>
             </a:r>
@@ -31638,7 +31653,7 @@
             </a:pPr>
             <a:r>
               <a:rPr/>
-              <a:t>152. Hauck WW, Anderson S, Marcus SM. Should We Adjust for Covariates in Nonlinear Regression Analyses of Randomized Trials? </a:t>
+              <a:t>153. Hauck WW, Anderson S, Marcus SM. Should We Adjust for Covariates in Nonlinear Regression Analyses of Randomized Trials? </a:t>
             </a:r>
             <a:r>
               <a:rPr i="1"/>
@@ -31650,7 +31665,7 @@
             </a:r>
             <a:r>
               <a:rPr>
-                <a:hlinkClick r:id="rId151"/>
+                <a:hlinkClick r:id="rId152"/>
               </a:rPr>
               <a:t>10.1016/s0197-2456(97)00147-5</a:t>
             </a:r>
@@ -31661,7 +31676,7 @@
             </a:pPr>
             <a:r>
               <a:rPr/>
-              <a:t>153. Kahan BC, Jairath V, Doré CJ, Morris TP. The risks and rewards of covariate adjustment in randomized trials: an assessment of 12 outcomes from 8 studies. </a:t>
+              <a:t>154. Kahan BC, Jairath V, Doré CJ, Morris TP. The risks and rewards of covariate adjustment in randomized trials: an assessment of 12 outcomes from 8 studies. </a:t>
             </a:r>
             <a:r>
               <a:rPr i="1"/>
@@ -31673,7 +31688,7 @@
             </a:r>
             <a:r>
               <a:rPr>
-                <a:hlinkClick r:id="rId152"/>
+                <a:hlinkClick r:id="rId153"/>
               </a:rPr>
               <a:t>10.1186/1745-6215-15-139</a:t>
             </a:r>
@@ -31684,7 +31699,7 @@
             </a:pPr>
             <a:r>
               <a:rPr/>
-              <a:t>154. Stang A, Baethge C. Imbalance &lt;em&gt;p&lt;/em&gt; values for baseline covariates in randomized controlled trials: a last resort for the use of &lt;em&gt;p&lt;/em&gt; values? A pro and contra debate. </a:t>
+              <a:t>155. Stang A, Baethge C. Imbalance &lt;em&gt;p&lt;/em&gt; values for baseline covariates in randomized controlled trials: a last resort for the use of &lt;em&gt;p&lt;/em&gt; values? A pro and contra debate. </a:t>
             </a:r>
             <a:r>
               <a:rPr i="1"/>
@@ -31696,7 +31711,7 @@
             </a:r>
             <a:r>
               <a:rPr>
-                <a:hlinkClick r:id="rId153"/>
+                <a:hlinkClick r:id="rId154"/>
               </a:rPr>
               <a:t>10.2147/clep.s161508</a:t>
             </a:r>
@@ -31707,7 +31722,7 @@
             </a:pPr>
             <a:r>
               <a:rPr/>
-              <a:t>155. Bolzern JE, Mitchell A, Torgerson DJ. Baseline testing in cluster randomised controlled trials: should this be done? </a:t>
+              <a:t>156. Bolzern JE, Mitchell A, Torgerson DJ. Baseline testing in cluster randomised controlled trials: should this be done? </a:t>
             </a:r>
             <a:r>
               <a:rPr i="1"/>
@@ -31719,7 +31734,7 @@
             </a:r>
             <a:r>
               <a:rPr>
-                <a:hlinkClick r:id="rId154"/>
+                <a:hlinkClick r:id="rId155"/>
               </a:rPr>
               <a:t>10.1186/s12874-019-0750-8</a:t>
             </a:r>
@@ -31730,11 +31745,11 @@
             </a:pPr>
             <a:r>
               <a:rPr/>
-              <a:t>156. Gruijters SLK. Baseline comparisons and covariate fishing: Bad statistical habits we should have broken yesterday. July 2020. </a:t>
-            </a:r>
-            <a:r>
-              <a:rPr>
-                <a:hlinkClick r:id="rId155"/>
+              <a:t>157. Gruijters SLK. Baseline comparisons and covariate fishing: Bad statistical habits we should have broken yesterday. July 2020. </a:t>
+            </a:r>
+            <a:r>
+              <a:rPr>
+                <a:hlinkClick r:id="rId156"/>
               </a:rPr>
               <a:t>http://dx.doi.org/10.31234/osf.io/qftwg.</a:t>
             </a:r>
@@ -31745,7 +31760,7 @@
             </a:pPr>
             <a:r>
               <a:rPr/>
-              <a:t>157. Matthews JNS, Altman DG. Statistics Notes: Interaction 2: compare effect sizes not P values. </a:t>
+              <a:t>158. Matthews JNS, Altman DG. Statistics Notes: Interaction 2: compare effect sizes not P values. </a:t>
             </a:r>
             <a:r>
               <a:rPr i="1"/>
@@ -31757,7 +31772,7 @@
             </a:r>
             <a:r>
               <a:rPr>
-                <a:hlinkClick r:id="rId156"/>
+                <a:hlinkClick r:id="rId157"/>
               </a:rPr>
               <a:t>10.1136/bmj.313.7060.808</a:t>
             </a:r>
@@ -31768,7 +31783,7 @@
             </a:pPr>
             <a:r>
               <a:rPr/>
-              <a:t>158. Altman DG. Statistics notes: Interaction revisited: The difference between two estimates. </a:t>
+              <a:t>159. Altman DG. Statistics notes: Interaction revisited: The difference between two estimates. </a:t>
             </a:r>
             <a:r>
               <a:rPr i="1"/>
@@ -31780,7 +31795,7 @@
             </a:r>
             <a:r>
               <a:rPr>
-                <a:hlinkClick r:id="rId157"/>
+                <a:hlinkClick r:id="rId158"/>
               </a:rPr>
               <a:t>10.1136/bmj.326.7382.219</a:t>
             </a:r>
@@ -31791,7 +31806,7 @@
             </a:pPr>
             <a:r>
               <a:rPr/>
-              <a:t>159. Hond AAH de, Steyerberg EW, Calster B van. Interpreting area under the receiver operating characteristic curve. </a:t>
+              <a:t>160. Hond AAH de, Steyerberg EW, Calster B van. Interpreting area under the receiver operating characteristic curve. </a:t>
             </a:r>
             <a:r>
               <a:rPr i="1"/>
@@ -31803,7 +31818,7 @@
             </a:r>
             <a:r>
               <a:rPr>
-                <a:hlinkClick r:id="rId158"/>
+                <a:hlinkClick r:id="rId159"/>
               </a:rPr>
               <a:t>10.1016/s2589-7500(22)00188-1</a:t>
             </a:r>
@@ -31814,16 +31829,16 @@
             </a:pPr>
             <a:r>
               <a:rPr/>
-              <a:t>160. Robin X, Turck N, Hainard A, et al. pROC: An open-source package for r and s+ to analyze and compare ROC curves. 2011;12:77.</a:t>
-            </a:r>
-          </a:p>
-          <a:p>
-            <a:pPr lvl="0" indent="0" marL="0">
-              <a:buNone/>
-            </a:pPr>
-            <a:r>
-              <a:rPr/>
-              <a:t>161. Ferreira ADS, Meziat-Filho N, Ferreira APA. Double threshold receiver operating characteristic plot for three-modal continuous predictors. </a:t>
+              <a:t>161. Robin X, Turck N, Hainard A, et al. pROC: An open-source package for r and s+ to analyze and compare ROC curves. 2011;12:77.</a:t>
+            </a:r>
+          </a:p>
+          <a:p>
+            <a:pPr lvl="0" indent="0" marL="0">
+              <a:buNone/>
+            </a:pPr>
+            <a:r>
+              <a:rPr/>
+              <a:t>162. Ferreira ADS, Meziat-Filho N, Ferreira APA. Double threshold receiver operating characteristic plot for three-modal continuous predictors. </a:t>
             </a:r>
             <a:r>
               <a:rPr i="1"/>
@@ -31835,7 +31850,7 @@
             </a:r>
             <a:r>
               <a:rPr>
-                <a:hlinkClick r:id="rId159"/>
+                <a:hlinkClick r:id="rId160"/>
               </a:rPr>
               <a:t>10.1007/s00180-021-01080-9</a:t>
             </a:r>
@@ -31846,7 +31861,7 @@
             </a:pPr>
             <a:r>
               <a:rPr/>
-              <a:t>162. Altman DG, Bland JM. Measurement in medicine: The analysis of method comparison studies. </a:t>
+              <a:t>163. Altman DG, Bland JM. Measurement in medicine: The analysis of method comparison studies. </a:t>
             </a:r>
             <a:r>
               <a:rPr i="1"/>
@@ -31858,7 +31873,7 @@
             </a:r>
             <a:r>
               <a:rPr>
-                <a:hlinkClick r:id="rId160"/>
+                <a:hlinkClick r:id="rId161"/>
               </a:rPr>
               <a:t>10.2307/2987937</a:t>
             </a:r>
@@ -31869,7 +31884,7 @@
             </a:pPr>
             <a:r>
               <a:rPr/>
-              <a:t>163. Borenstein M. In a meta-analysis, the I-squared statistic does not tell us how much the effect size varies. </a:t>
+              <a:t>164. Borenstein M. In a meta-analysis, the I-squared statistic does not tell us how much the effect size varies. </a:t>
             </a:r>
             <a:r>
               <a:rPr i="1"/>
@@ -31881,7 +31896,7 @@
             </a:r>
             <a:r>
               <a:rPr>
-                <a:hlinkClick r:id="rId161"/>
+                <a:hlinkClick r:id="rId162"/>
               </a:rPr>
               <a:t>10.1016/j.jclinepi.2022.10.003</a:t>
             </a:r>
@@ -31892,7 +31907,7 @@
             </a:pPr>
             <a:r>
               <a:rPr/>
-              <a:t>164. Rücker G, Schwarzer G, Carpenter JR, Schumacher M. Undue reliance on I 2 in assessing heterogeneity may mislead. </a:t>
+              <a:t>165. Rücker G, Schwarzer G, Carpenter JR, Schumacher M. Undue reliance on I 2 in assessing heterogeneity may mislead. </a:t>
             </a:r>
             <a:r>
               <a:rPr i="1"/>
@@ -31904,7 +31919,7 @@
             </a:r>
             <a:r>
               <a:rPr>
-                <a:hlinkClick r:id="rId162"/>
+                <a:hlinkClick r:id="rId163"/>
               </a:rPr>
               <a:t>10.1186/1471-2288-8-79</a:t>
             </a:r>
@@ -31915,7 +31930,7 @@
             </a:pPr>
             <a:r>
               <a:rPr/>
-              <a:t>165. Grooth HJ de, Parienti JJ. Heterogeneity between studies can be explained more reliably with individual patient data. </a:t>
+              <a:t>166. Grooth HJ de, Parienti JJ. Heterogeneity between studies can be explained more reliably with individual patient data. </a:t>
             </a:r>
             <a:r>
               <a:rPr i="1"/>
@@ -31927,7 +31942,7 @@
             </a:r>
             <a:r>
               <a:rPr>
-                <a:hlinkClick r:id="rId163"/>
+                <a:hlinkClick r:id="rId164"/>
               </a:rPr>
               <a:t>10.1007/s00134-023-07163-z</a:t>
             </a:r>
@@ -31938,16 +31953,16 @@
             </a:pPr>
             <a:r>
               <a:rPr/>
-              <a:t>166. Lajeunesse MJ. Facilitating systematic reviews, data extraction, and meta-analysis with the metagear package for r. 2016;7:323-330.</a:t>
-            </a:r>
-          </a:p>
-          <a:p>
-            <a:pPr lvl="0" indent="0" marL="0">
-              <a:buNone/>
-            </a:pPr>
-            <a:r>
-              <a:rPr/>
-              <a:t>167. Moher D, Shamseer L, Clarke M, et al. Preferred reporting items for systematic review and meta-analysis protocols (PRISMA-P) 2015 statement. </a:t>
+              <a:t>167. Lajeunesse MJ. Facilitating systematic reviews, data extraction, and meta-analysis with the metagear package for r. 2016;7:323-330.</a:t>
+            </a:r>
+          </a:p>
+          <a:p>
+            <a:pPr lvl="0" indent="0" marL="0">
+              <a:buNone/>
+            </a:pPr>
+            <a:r>
+              <a:rPr/>
+              <a:t>168. Moher D, Shamseer L, Clarke M, et al. Preferred reporting items for systematic review and meta-analysis protocols (PRISMA-P) 2015 statement. </a:t>
             </a:r>
             <a:r>
               <a:rPr i="1"/>
@@ -31959,7 +31974,7 @@
             </a:r>
             <a:r>
               <a:rPr>
-                <a:hlinkClick r:id="rId164"/>
+                <a:hlinkClick r:id="rId165"/>
               </a:rPr>
               <a:t>10.1186/2046-4053-4-1</a:t>
             </a:r>
@@ -31970,11 +31985,11 @@
             </a:pPr>
             <a:r>
               <a:rPr/>
-              <a:t>168. Haddaway NR, Page MJ, Pritchard CC, McGuinness LA. PRISMA2020: An r package and shiny app for producing PRISMA 2020-compliant flow diagrams, with interactivity for optimised digital transparency and open synthesis. 2022;18:e1230. doi:</a:t>
-            </a:r>
-            <a:r>
-              <a:rPr>
-                <a:hlinkClick r:id="rId165"/>
+              <a:t>169. Haddaway NR, Page MJ, Pritchard CC, McGuinness LA. PRISMA2020: An r package and shiny app for producing PRISMA 2020-compliant flow diagrams, with interactivity for optimised digital transparency and open synthesis. 2022;18:e1230. doi:</a:t>
+            </a:r>
+            <a:r>
+              <a:rPr>
+                <a:hlinkClick r:id="rId166"/>
               </a:rPr>
               <a:t>10.1002/cl2.1230</a:t>
             </a:r>
@@ -31985,11 +32000,11 @@
             </a:pPr>
             <a:r>
               <a:rPr/>
-              <a:t>169. Haddaway NR, Page MJ, Pritchard CC, McGuinness LA. PRISMA2020: An r package and shiny app for producing PRISMA 2020-compliant flow diagrams, with interactivity for optimised digital transparency and open synthesis. 2022;18:e1230. doi:</a:t>
-            </a:r>
-            <a:r>
-              <a:rPr>
-                <a:hlinkClick r:id="rId166"/>
+              <a:t>170. Haddaway NR, Page MJ, Pritchard CC, McGuinness LA. PRISMA2020: An r package and shiny app for producing PRISMA 2020-compliant flow diagrams, with interactivity for optimised digital transparency and open synthesis. 2022;18:e1230. doi:</a:t>
+            </a:r>
+            <a:r>
+              <a:rPr>
+                <a:hlinkClick r:id="rId167"/>
               </a:rPr>
               <a:t>10.1002/cl2.1230</a:t>
             </a:r>
@@ -32000,7 +32015,7 @@
             </a:pPr>
             <a:r>
               <a:rPr/>
-              <a:t>170. Allaire J, Xie Y, Dervieux C, et al. </a:t>
+              <a:t>171. Allaire J, Xie Y, Dervieux C, et al. </a:t>
             </a:r>
             <a:r>
               <a:rPr i="1"/>
@@ -32012,7 +32027,7 @@
             </a:r>
             <a:r>
               <a:rPr>
-                <a:hlinkClick r:id="rId167"/>
+                <a:hlinkClick r:id="rId168"/>
               </a:rPr>
               <a:t>https://CRAN.R-project.org/package=rmarkdown.</a:t>
             </a:r>
@@ -32023,7 +32038,7 @@
             </a:pPr>
             <a:r>
               <a:rPr/>
-              <a:t>171. Holmes DT, Mobini M, McCudden CR. Reproducible manuscript preparation with RMarkdown application to JMSACL and other Elsevier Journals. </a:t>
+              <a:t>172. Holmes DT, Mobini M, McCudden CR. Reproducible manuscript preparation with RMarkdown application to JMSACL and other Elsevier Journals. </a:t>
             </a:r>
             <a:r>
               <a:rPr i="1"/>
@@ -32035,7 +32050,7 @@
             </a:r>
             <a:r>
               <a:rPr>
-                <a:hlinkClick r:id="rId168"/>
+                <a:hlinkClick r:id="rId169"/>
               </a:rPr>
               <a:t>10.1016/j.jmsacl.2021.09.002</a:t>
             </a:r>
@@ -32046,11 +32061,11 @@
             </a:pPr>
             <a:r>
               <a:rPr/>
-              <a:t>172. Gohel D, Ross N. Officedown: Enhanced ’r markdown’ format for ’word’ and ’PowerPoint’. 2023. </a:t>
-            </a:r>
-            <a:r>
-              <a:rPr>
-                <a:hlinkClick r:id="rId169"/>
+              <a:t>173. Gohel D, Ross N. Officedown: Enhanced ’r markdown’ format for ’word’ and ’PowerPoint’. 2023. </a:t>
+            </a:r>
+            <a:r>
+              <a:rPr>
+                <a:hlinkClick r:id="rId170"/>
               </a:rPr>
               <a:t>https://CRAN.R-project.org/package=officedown.</a:t>
             </a:r>
@@ -32061,11 +32076,11 @@
             </a:pPr>
             <a:r>
               <a:rPr/>
-              <a:t>173. Xie Y. Bookdown: Authoring books and technical documents with r markdown. 2023. </a:t>
-            </a:r>
-            <a:r>
-              <a:rPr>
-                <a:hlinkClick r:id="rId170"/>
+              <a:t>174. Xie Y. Bookdown: Authoring books and technical documents with r markdown. 2023. </a:t>
+            </a:r>
+            <a:r>
+              <a:rPr>
+                <a:hlinkClick r:id="rId171"/>
               </a:rPr>
               <a:t>https://github.com/rstudio/bookdown.</a:t>
             </a:r>
@@ -32076,7 +32091,7 @@
             </a:pPr>
             <a:r>
               <a:rPr/>
-              <a:t>174. Ioannidis JPA. How to Make More Published Research True. </a:t>
+              <a:t>175. Ioannidis JPA. How to Make More Published Research True. </a:t>
             </a:r>
             <a:r>
               <a:rPr i="1"/>
@@ -32088,7 +32103,7 @@
             </a:r>
             <a:r>
               <a:rPr>
-                <a:hlinkClick r:id="rId171"/>
+                <a:hlinkClick r:id="rId172"/>
               </a:rPr>
               <a:t>10.1371/journal.pmed.1001747</a:t>
             </a:r>
@@ -32099,11 +32114,11 @@
             </a:pPr>
             <a:r>
               <a:rPr/>
-              <a:t>175. Krieger N, Perzynski A, Dalton J. Projects: A project infrastructure for researchers. 2021. </a:t>
-            </a:r>
-            <a:r>
-              <a:rPr>
-                <a:hlinkClick r:id="rId172"/>
+              <a:t>176. Krieger N, Perzynski A, Dalton J. Projects: A project infrastructure for researchers. 2021. </a:t>
+            </a:r>
+            <a:r>
+              <a:rPr>
+                <a:hlinkClick r:id="rId173"/>
               </a:rPr>
               <a:t>https://CRAN.R-project.org/package=projects.</a:t>
             </a:r>
@@ -32114,7 +32129,7 @@
             </a:pPr>
             <a:r>
               <a:rPr/>
-              <a:t>176. Eglen SJ, Marwick B, Halchenko YO, et al. Toward standard practices for sharing computer code and programs in neuroscience. </a:t>
+              <a:t>177. Eglen SJ, Marwick B, Halchenko YO, et al. Toward standard practices for sharing computer code and programs in neuroscience. </a:t>
             </a:r>
             <a:r>
               <a:rPr i="1"/>
@@ -32126,7 +32141,7 @@
             </a:r>
             <a:r>
               <a:rPr>
-                <a:hlinkClick r:id="rId173"/>
+                <a:hlinkClick r:id="rId174"/>
               </a:rPr>
               <a:t>10.1038/nn.4550</a:t>
             </a:r>
@@ -32137,7 +32152,7 @@
             </a:pPr>
             <a:r>
               <a:rPr/>
-              <a:t>177. Zhao Y, Xiao N, Anderson K, Zhang Y. Electronic common technical document submission with analysis using R. </a:t>
+              <a:t>178. Zhao Y, Xiao N, Anderson K, Zhang Y. Electronic common technical document submission with analysis using R. </a:t>
             </a:r>
             <a:r>
               <a:rPr i="1"/>
@@ -32149,7 +32164,7 @@
             </a:r>
             <a:r>
               <a:rPr>
-                <a:hlinkClick r:id="rId174"/>
+                <a:hlinkClick r:id="rId175"/>
               </a:rPr>
               <a:t>10.1177/17407745221123244</a:t>
             </a:r>
@@ -32160,11 +32175,11 @@
             </a:pPr>
             <a:r>
               <a:rPr/>
-              <a:t>178. R Core Team. R: A language and environment for statistical computing. 2023. </a:t>
-            </a:r>
-            <a:r>
-              <a:rPr>
-                <a:hlinkClick r:id="rId175"/>
+              <a:t>179. R Core Team. R: A language and environment for statistical computing. 2023. </a:t>
+            </a:r>
+            <a:r>
+              <a:rPr>
+                <a:hlinkClick r:id="rId176"/>
               </a:rPr>
               <a:t>https://www.R-project.org/.</a:t>
             </a:r>
@@ -32175,11 +32190,11 @@
             </a:pPr>
             <a:r>
               <a:rPr/>
-              <a:t>179. Gohel D, Skintzos P. Flextable: Functions for tabular reporting. 2023. </a:t>
-            </a:r>
-            <a:r>
-              <a:rPr>
-                <a:hlinkClick r:id="rId176"/>
+              <a:t>180. Gohel D, Skintzos P. Flextable: Functions for tabular reporting. 2023. </a:t>
+            </a:r>
+            <a:r>
+              <a:rPr>
+                <a:hlinkClick r:id="rId177"/>
               </a:rPr>
               <a:t>https://CRAN.R-project.org/package=flextable.</a:t>
             </a:r>
@@ -32190,11 +32205,11 @@
             </a:pPr>
             <a:r>
               <a:rPr/>
-              <a:t>180. Urbanek S, Johnson K. Tiff: Read and write TIFF images. 2022. </a:t>
-            </a:r>
-            <a:r>
-              <a:rPr>
-                <a:hlinkClick r:id="rId177"/>
+              <a:t>181. Urbanek S, Johnson K. Tiff: Read and write TIFF images. 2022. </a:t>
+            </a:r>
+            <a:r>
+              <a:rPr>
+                <a:hlinkClick r:id="rId178"/>
               </a:rPr>
               <a:t>https://CRAN.R-project.org/package=tiff.</a:t>
             </a:r>
@@ -32205,7 +32220,7 @@
             </a:pPr>
             <a:r>
               <a:rPr/>
-              <a:t>181. Ihaka R, Gentleman R. R: A language for data analysis and graphics. </a:t>
+              <a:t>182. Ihaka R, Gentleman R. R: A language for data analysis and graphics. </a:t>
             </a:r>
             <a:r>
               <a:rPr i="1"/>
@@ -32217,7 +32232,7 @@
             </a:r>
             <a:r>
               <a:rPr>
-                <a:hlinkClick r:id="rId178"/>
+                <a:hlinkClick r:id="rId179"/>
               </a:rPr>
               <a:t>10.2307/1390807</a:t>
             </a:r>
@@ -32228,7 +32243,7 @@
             </a:pPr>
             <a:r>
               <a:rPr/>
-              <a:t>182. Racine JS. RStudio: A Platform-Independent IDE for R and Sweave. </a:t>
+              <a:t>183. Racine JS. RStudio: A Platform-Independent IDE for R and Sweave. </a:t>
             </a:r>
             <a:r>
               <a:rPr i="1"/>
@@ -32240,7 +32255,7 @@
             </a:r>
             <a:r>
               <a:rPr>
-                <a:hlinkClick r:id="rId179"/>
+                <a:hlinkClick r:id="rId180"/>
               </a:rPr>
               <a:t>10.1002/jae.1278</a:t>
             </a:r>
@@ -32251,7 +32266,7 @@
             </a:pPr>
             <a:r>
               <a:rPr/>
-              <a:t>183. Love J, Selker R, Marsman M, et al. </a:t>
+              <a:t>184. Love J, Selker R, Marsman M, et al. </a:t>
             </a:r>
             <a:r>
               <a:rPr b="1"/>
@@ -32271,7 +32286,7 @@
             </a:r>
             <a:r>
               <a:rPr>
-                <a:hlinkClick r:id="rId180"/>
+                <a:hlinkClick r:id="rId181"/>
               </a:rPr>
               <a:t>10.18637/jss.v088.i02</a:t>
             </a:r>
@@ -32282,7 +32297,7 @@
             </a:pPr>
             <a:r>
               <a:rPr/>
-              <a:t>184. ŞAHİN M, AYBEK E. Jamovi: An easy to use statistical software for the social scientists. </a:t>
+              <a:t>185. ŞAHİN M, AYBEK E. Jamovi: An easy to use statistical software for the social scientists. </a:t>
             </a:r>
             <a:r>
               <a:rPr i="1"/>
@@ -32294,7 +32309,7 @@
             </a:r>
             <a:r>
               <a:rPr>
-                <a:hlinkClick r:id="rId181"/>
+                <a:hlinkClick r:id="rId182"/>
               </a:rPr>
               <a:t>10.21449/ijate.661803</a:t>
             </a:r>
@@ -32305,11 +32320,11 @@
             </a:pPr>
             <a:r>
               <a:rPr/>
-              <a:t>185. Selker R, Love J, Dropmann D. Jmv: The ’jamovi’ analyses. 2023. </a:t>
-            </a:r>
-            <a:r>
-              <a:rPr>
-                <a:hlinkClick r:id="rId182"/>
+              <a:t>186. Selker R, Love J, Dropmann D. Jmv: The ’jamovi’ analyses. 2023. </a:t>
+            </a:r>
+            <a:r>
+              <a:rPr>
+                <a:hlinkClick r:id="rId183"/>
               </a:rPr>
               <a:t>https://CRAN.R-project.org/package=jmv.</a:t>
             </a:r>
@@ -32320,11 +32335,11 @@
             </a:pPr>
             <a:r>
               <a:rPr/>
-              <a:t>186. Love J. Jmvconnect: Connect to the ’jamovi’ statistical spreadsheet. 2022. </a:t>
-            </a:r>
-            <a:r>
-              <a:rPr>
-                <a:hlinkClick r:id="rId183"/>
+              <a:t>187. Love J. Jmvconnect: Connect to the ’jamovi’ statistical spreadsheet. 2022. </a:t>
+            </a:r>
+            <a:r>
+              <a:rPr>
+                <a:hlinkClick r:id="rId184"/>
               </a:rPr>
               <a:t>https://CRAN.R-project.org/package=jmvconnect.</a:t>
             </a:r>
@@ -32335,7 +32350,7 @@
             </a:pPr>
             <a:r>
               <a:rPr/>
-              <a:t>187. Schwab, Simon, Held, Leonhard. Statistical programming: Small mistakes, big impacts. </a:t>
+              <a:t>188. Schwab, Simon, Held, Leonhard. Statistical programming: Small mistakes, big impacts. </a:t>
             </a:r>
             <a:r>
               <a:rPr i="1"/>
@@ -32347,7 +32362,7 @@
             </a:r>
             <a:r>
               <a:rPr>
-                <a:hlinkClick r:id="rId184"/>
+                <a:hlinkClick r:id="rId185"/>
               </a:rPr>
               <a:t>10.5167/UZH-205154</a:t>
             </a:r>
@@ -32358,11 +32373,11 @@
             </a:pPr>
             <a:r>
               <a:rPr/>
-              <a:t>188. Francisco Rodríguez-Sánchez, Connor P. Jackson, Shaurita D. Hutchins. Grateful: Facilitate citation of r packages. 2023. </a:t>
-            </a:r>
-            <a:r>
-              <a:rPr>
-                <a:hlinkClick r:id="rId185"/>
+              <a:t>189. Francisco Rodríguez-Sánchez, Connor P. Jackson, Shaurita D. Hutchins. Grateful: Facilitate citation of r packages. 2023. </a:t>
+            </a:r>
+            <a:r>
+              <a:rPr>
+                <a:hlinkClick r:id="rId186"/>
               </a:rPr>
               <a:t>https://github.com/Pakillo/grateful.</a:t>
             </a:r>
@@ -32373,11 +32388,11 @@
             </a:pPr>
             <a:r>
               <a:rPr/>
-              <a:t>189. Xie Y. formatR: Format r code automatically. 2022. </a:t>
-            </a:r>
-            <a:r>
-              <a:rPr>
-                <a:hlinkClick r:id="rId186"/>
+              <a:t>190. Xie Y. formatR: Format r code automatically. 2022. </a:t>
+            </a:r>
+            <a:r>
+              <a:rPr>
+                <a:hlinkClick r:id="rId187"/>
               </a:rPr>
               <a:t>https://CRAN.R-project.org/package=formatR.</a:t>
             </a:r>
@@ -32388,7 +32403,7 @@
             </a:pPr>
             <a:r>
               <a:rPr/>
-              <a:t>190. Wallisch C, Bach P, Hafermann L, et al. Review of guidance papers on regression modeling in statistical series of medical journals. Mathes T, ed. </a:t>
+              <a:t>191. Wallisch C, Bach P, Hafermann L, et al. Review of guidance papers on regression modeling in statistical series of medical journals. Mathes T, ed. </a:t>
             </a:r>
             <a:r>
               <a:rPr i="1"/>
@@ -32400,7 +32415,7 @@
             </a:r>
             <a:r>
               <a:rPr>
-                <a:hlinkClick r:id="rId187"/>
+                <a:hlinkClick r:id="rId188"/>
               </a:rPr>
               <a:t>10.1371/journal.pone.0262918</a:t>
             </a:r>
@@ -32411,7 +32426,7 @@
             </a:pPr>
             <a:r>
               <a:rPr/>
-              <a:t>191. Lynggaard H, Bell J, Lösch C, et al. Principles and recommendations for incorporating estimands into clinical study protocol templates. </a:t>
+              <a:t>192. Lynggaard H, Bell J, Lösch C, et al. Principles and recommendations for incorporating estimands into clinical study protocol templates. </a:t>
             </a:r>
             <a:r>
               <a:rPr i="1"/>
@@ -32423,7 +32438,7 @@
             </a:r>
             <a:r>
               <a:rPr>
-                <a:hlinkClick r:id="rId188"/>
+                <a:hlinkClick r:id="rId189"/>
               </a:rPr>
               <a:t>10.1186/s13063-022-06515-2</a:t>
             </a:r>
@@ -32434,7 +32449,7 @@
             </a:pPr>
             <a:r>
               <a:rPr/>
-              <a:t>192. Althouse AD, Below JE, Claggett BL, et al. Recommendations for Statistical Reporting in Cardiovascular Medicine: A Special Report From the American Heart Association. </a:t>
+              <a:t>193. Althouse AD, Below JE, Claggett BL, et al. Recommendations for Statistical Reporting in Cardiovascular Medicine: A Special Report From the American Heart Association. </a:t>
             </a:r>
             <a:r>
               <a:rPr i="1"/>
@@ -32446,7 +32461,7 @@
             </a:r>
             <a:r>
               <a:rPr>
-                <a:hlinkClick r:id="rId189"/>
+                <a:hlinkClick r:id="rId190"/>
               </a:rPr>
               <a:t>10.1161/circulationaha.121.055393</a:t>
             </a:r>
@@ -32457,7 +32472,7 @@
             </a:pPr>
             <a:r>
               <a:rPr/>
-              <a:t>193. Lee KJ, Tilling KM, Cornish RP, et al. Framework for the treatment and reporting of missing data in observational studies: The Treatment And Reporting of Missing data in Observational Studies framework. </a:t>
+              <a:t>194. Lee KJ, Tilling KM, Cornish RP, et al. Framework for the treatment and reporting of missing data in observational studies: The Treatment And Reporting of Missing data in Observational Studies framework. </a:t>
             </a:r>
             <a:r>
               <a:rPr i="1"/>
@@ -32469,7 +32484,7 @@
             </a:r>
             <a:r>
               <a:rPr>
-                <a:hlinkClick r:id="rId190"/>
+                <a:hlinkClick r:id="rId191"/>
               </a:rPr>
               <a:t>10.1016/j.jclinepi.2021.01.008</a:t>
             </a:r>
@@ -32480,7 +32495,7 @@
             </a:pPr>
             <a:r>
               <a:rPr/>
-              <a:t>194. Vickers AJ, Assel MJ, Sjoberg DD, et al. Guidelines for Reporting of Figures and Tables for Clinical Research in Urology. </a:t>
+              <a:t>195. Vickers AJ, Assel MJ, Sjoberg DD, et al. Guidelines for Reporting of Figures and Tables for Clinical Research in Urology. </a:t>
             </a:r>
             <a:r>
               <a:rPr i="1"/>
@@ -32492,7 +32507,7 @@
             </a:r>
             <a:r>
               <a:rPr>
-                <a:hlinkClick r:id="rId191"/>
+                <a:hlinkClick r:id="rId192"/>
               </a:rPr>
               <a:t>10.1016/j.urology.2020.05.002</a:t>
             </a:r>
@@ -32503,7 +32518,7 @@
             </a:pPr>
             <a:r>
               <a:rPr/>
-              <a:t>195. Assel M, Sjoberg D, Elders A, et al. Guidelines for Reporting of Statistics for Clinical Research in Urology. </a:t>
+              <a:t>196. Assel M, Sjoberg D, Elders A, et al. Guidelines for Reporting of Statistics for Clinical Research in Urology. </a:t>
             </a:r>
             <a:r>
               <a:rPr i="1"/>
@@ -32515,7 +32530,7 @@
             </a:r>
             <a:r>
               <a:rPr>
-                <a:hlinkClick r:id="rId192"/>
+                <a:hlinkClick r:id="rId193"/>
               </a:rPr>
               <a:t>10.1097/ju.0000000000000001</a:t>
             </a:r>
@@ -32526,7 +32541,7 @@
             </a:pPr>
             <a:r>
               <a:rPr/>
-              <a:t>196. Gamble C, Krishan A, Stocken D, et al. Guidelines for the Content of Statistical Analysis Plans in Clinical Trials. </a:t>
+              <a:t>197. Gamble C, Krishan A, Stocken D, et al. Guidelines for the Content of Statistical Analysis Plans in Clinical Trials. </a:t>
             </a:r>
             <a:r>
               <a:rPr i="1"/>
@@ -32538,7 +32553,7 @@
             </a:r>
             <a:r>
               <a:rPr>
-                <a:hlinkClick r:id="rId193"/>
+                <a:hlinkClick r:id="rId194"/>
               </a:rPr>
               <a:t>10.1001/jama.2017.18556</a:t>
             </a:r>
@@ -32549,7 +32564,7 @@
             </a:pPr>
             <a:r>
               <a:rPr/>
-              <a:t>197. Lang TA, Altman DG. Basic statistical reporting for articles published in Biomedical Journals: The “Statistical Analyses and Methods in the Published Literature” or the SAMPL Guidelines. </a:t>
+              <a:t>198. Lang TA, Altman DG. Basic statistical reporting for articles published in Biomedical Journals: The “Statistical Analyses and Methods in the Published Literature” or the SAMPL Guidelines. </a:t>
             </a:r>
             <a:r>
               <a:rPr i="1"/>
@@ -32561,7 +32576,7 @@
             </a:r>
             <a:r>
               <a:rPr>
-                <a:hlinkClick r:id="rId194"/>
+                <a:hlinkClick r:id="rId195"/>
               </a:rPr>
               <a:t>10.1016/j.ijnurstu.2014.09.006</a:t>
             </a:r>
@@ -32572,7 +32587,7 @@
             </a:pPr>
             <a:r>
               <a:rPr/>
-              <a:t>198. Weissgerber TL, Milic NM, Winham SJ, Garovic VD. Beyond Bar and Line Graphs: Time for a New Data Presentation Paradigm. </a:t>
+              <a:t>199. Weissgerber TL, Milic NM, Winham SJ, Garovic VD. Beyond Bar and Line Graphs: Time for a New Data Presentation Paradigm. </a:t>
             </a:r>
             <a:r>
               <a:rPr i="1"/>
@@ -32584,7 +32599,7 @@
             </a:r>
             <a:r>
               <a:rPr>
-                <a:hlinkClick r:id="rId195"/>
+                <a:hlinkClick r:id="rId196"/>
               </a:rPr>
               <a:t>10.1371/journal.pbio.1002128</a:t>
             </a:r>
@@ -32595,7 +32610,7 @@
             </a:pPr>
             <a:r>
               <a:rPr/>
-              <a:t>199. Sauerbrei W, Abrahamowicz M, Altman DG, Cessie S, Carpenter J. STRengthening Analytical Thinking for Observational Studies: the STRATOS initiative. </a:t>
+              <a:t>200. Sauerbrei W, Abrahamowicz M, Altman DG, Cessie S, Carpenter J. STRengthening Analytical Thinking for Observational Studies: the STRATOS initiative. </a:t>
             </a:r>
             <a:r>
               <a:rPr i="1"/>
@@ -32607,7 +32622,7 @@
             </a:r>
             <a:r>
               <a:rPr>
-                <a:hlinkClick r:id="rId196"/>
+                <a:hlinkClick r:id="rId197"/>
               </a:rPr>
               <a:t>10.1002/sim.6265</a:t>
             </a:r>
@@ -32618,7 +32633,7 @@
             </a:pPr>
             <a:r>
               <a:rPr/>
-              <a:t>200. Groves T. Research methods and reporting. </a:t>
+              <a:t>201. Groves T. Research methods and reporting. </a:t>
             </a:r>
             <a:r>
               <a:rPr i="1"/>
@@ -32630,7 +32645,7 @@
             </a:r>
             <a:r>
               <a:rPr>
-                <a:hlinkClick r:id="rId197"/>
+                <a:hlinkClick r:id="rId198"/>
               </a:rPr>
               <a:t>10.1136/bmj.a2201</a:t>
             </a:r>
@@ -32641,7 +32656,7 @@
             </a:pPr>
             <a:r>
               <a:rPr/>
-              <a:t>201. Stratton IM, Neil A. How to ensure your paper is rejected by the statistical reviewer. </a:t>
+              <a:t>202. Stratton IM, Neil A. How to ensure your paper is rejected by the statistical reviewer. </a:t>
             </a:r>
             <a:r>
               <a:rPr i="1"/>
@@ -32653,7 +32668,7 @@
             </a:r>
             <a:r>
               <a:rPr>
-                <a:hlinkClick r:id="rId198"/>
+                <a:hlinkClick r:id="rId199"/>
               </a:rPr>
               <a:t>10.1111/j.1464-5491.2004.01443.x</a:t>
             </a:r>
@@ -32664,7 +32679,7 @@
             </a:pPr>
             <a:r>
               <a:rPr/>
-              <a:t>202. Mansournia MA, Collins GS, Nielsen RO, et al. A CHecklist for statistical Assessment of Medical Papers (the CHAMP statement): explanation and elaboration. </a:t>
+              <a:t>203. Mansournia MA, Collins GS, Nielsen RO, et al. A CHecklist for statistical Assessment of Medical Papers (the CHAMP statement): explanation and elaboration. </a:t>
             </a:r>
             <a:r>
               <a:rPr i="1"/>
@@ -32676,7 +32691,7 @@
             </a:r>
             <a:r>
               <a:rPr>
-                <a:hlinkClick r:id="rId199"/>
+                <a:hlinkClick r:id="rId200"/>
               </a:rPr>
               <a:t>10.1136/bjsports-2020-103652</a:t>
             </a:r>
@@ -32687,7 +32702,7 @@
             </a:pPr>
             <a:r>
               <a:rPr/>
-              <a:t>203. Gil-Sierra MD, Fénix-Caballero S, Abdel kader-Martin L, et al. Checklist for clinical applicability of subgroup analysis. </a:t>
+              <a:t>204. Gil-Sierra MD, Fénix-Caballero S, Abdel kader-Martin L, et al. Checklist for clinical applicability of subgroup analysis. </a:t>
             </a:r>
             <a:r>
               <a:rPr i="1"/>
@@ -32699,7 +32714,7 @@
             </a:r>
             <a:r>
               <a:rPr>
-                <a:hlinkClick r:id="rId200"/>
+                <a:hlinkClick r:id="rId201"/>
               </a:rPr>
               <a:t>10.1111/jcpt.13102</a:t>
             </a:r>
@@ -32710,7 +32725,7 @@
             </a:pPr>
             <a:r>
               <a:rPr/>
-              <a:t>204. Altman DG, Simera I, Hoey J, Moher D, Schulz K. EQUATOR: reporting guidelines for health research. </a:t>
+              <a:t>205. Altman DG, Simera I, Hoey J, Moher D, Schulz K. EQUATOR: reporting guidelines for health research. </a:t>
             </a:r>
             <a:r>
               <a:rPr i="1"/>
@@ -32722,7 +32737,7 @@
             </a:r>
             <a:r>
               <a:rPr>
-                <a:hlinkClick r:id="rId201"/>
+                <a:hlinkClick r:id="rId202"/>
               </a:rPr>
               <a:t>10.1016/s0140-6736(08)60505-x</a:t>
             </a:r>
@@ -33814,7 +33829,7 @@
             <a:pPr lvl="0"/>
             <a:r>
               <a:rPr/>
-              <a:t>Geralmente é recomendado ser cético em relação às regras práticas para o tamanho da amostra.</a:t>
+              <a:t>Geralmente é recomendado ser cético em relação às regras práticas para o tamanho da amostra, tais como a proporção entre o número de variáveis (ou eventos) e de participantes.</a:t>
             </a:r>
             <a:r>
               <a:rPr baseline="30000"/>
@@ -33822,10 +33837,39 @@
             </a:r>
           </a:p>
           <a:p>
-            <a:pPr lvl="0"/>
-            <a:r>
-              <a:rPr/>
-              <a:t>.[REF]</a:t>
+            <a:pPr lvl="0" indent="0" marL="0">
+              <a:buNone/>
+            </a:pPr>
+          </a:p>
+          <a:p>
+            <a:pPr lvl="0" indent="0" marL="0">
+              <a:buNone/>
+            </a:pPr>
+            <a:r>
+              <a:rPr/>
+              <a:t>O pacote </a:t>
+            </a:r>
+            <a:r>
+              <a:rPr i="1"/>
+              <a:t>pwr</a:t>
+            </a:r>
+            <a:r>
+              <a:rPr baseline="30000"/>
+              <a:t>8</a:t>
+            </a:r>
+            <a:r>
+              <a:rPr/>
+              <a:t> fornece a função </a:t>
+            </a:r>
+            <a:r>
+              <a:rPr i="1">
+                <a:hlinkClick r:id="rId2"/>
+              </a:rPr>
+              <a:t>cohen.ES</a:t>
+            </a:r>
+            <a:r>
+              <a:rPr/>
+              <a:t> para cálculo do tamanho da amostra baseado em diferentes testes de hipóteses.</a:t>
             </a:r>
           </a:p>
           <a:p>
@@ -33853,7 +33897,7 @@
             </a:r>
             <a:r>
               <a:rPr baseline="30000"/>
-              <a:t>8</a:t>
+              <a:t>9</a:t>
             </a:r>
           </a:p>
           <a:p>
@@ -33864,7 +33908,7 @@
             </a:r>
             <a:r>
               <a:rPr baseline="30000"/>
-              <a:t>8</a:t>
+              <a:t>9</a:t>
             </a:r>
           </a:p>
           <a:p>
@@ -33875,7 +33919,7 @@
             </a:r>
             <a:r>
               <a:rPr baseline="30000"/>
-              <a:t>8</a:t>
+              <a:t>9</a:t>
             </a:r>
           </a:p>
           <a:p>
@@ -34311,7 +34355,7 @@
             </a:r>
             <a:r>
               <a:rPr baseline="30000"/>
-              <a:t>9</a:t>
+              <a:t>10</a:t>
             </a:r>
           </a:p>
           <a:p>
@@ -34322,7 +34366,7 @@
             </a:r>
             <a:r>
               <a:rPr baseline="30000"/>
-              <a:t>9</a:t>
+              <a:t>10</a:t>
             </a:r>
           </a:p>
           <a:p>
@@ -34333,7 +34377,7 @@
             </a:r>
             <a:r>
               <a:rPr baseline="30000"/>
-              <a:t>9</a:t>
+              <a:t>10</a:t>
             </a:r>
           </a:p>
           <a:p>
@@ -34344,7 +34388,7 @@
             </a:r>
             <a:r>
               <a:rPr baseline="30000"/>
-              <a:t>9</a:t>
+              <a:t>10</a:t>
             </a:r>
           </a:p>
           <a:p>
@@ -34992,7 +35036,7 @@
             </a:r>
             <a:r>
               <a:rPr baseline="30000"/>
-              <a:t>10</a:t>
+              <a:t>11</a:t>
             </a:r>
           </a:p>
           <a:p>
@@ -35088,7 +35132,7 @@
             </a:r>
             <a:r>
               <a:rPr baseline="30000"/>
-              <a:t>11</a:t>
+              <a:t>12</a:t>
             </a:r>
           </a:p>
           <a:p>
@@ -35184,7 +35228,7 @@
             </a:r>
             <a:r>
               <a:rPr baseline="30000"/>
-              <a:t>12</a:t>
+              <a:t>13</a:t>
             </a:r>
           </a:p>
           <a:p>
@@ -35280,7 +35324,7 @@
             </a:r>
             <a:r>
               <a:rPr baseline="30000"/>
-              <a:t>13,14</a:t>
+              <a:t>14,15</a:t>
             </a:r>
           </a:p>
           <a:p>
@@ -35376,7 +35420,7 @@
             </a:r>
             <a:r>
               <a:rPr baseline="30000"/>
-              <a:t>15</a:t>
+              <a:t>16</a:t>
             </a:r>
           </a:p>
           <a:p>
@@ -35472,7 +35516,7 @@
             </a:r>
             <a:r>
               <a:rPr baseline="30000"/>
-              <a:t>16</a:t>
+              <a:t>17</a:t>
             </a:r>
           </a:p>
           <a:p>
@@ -35620,7 +35664,7 @@
             </a:r>
             <a:r>
               <a:rPr baseline="30000"/>
-              <a:t>17,18</a:t>
+              <a:t>18,19</a:t>
             </a:r>
           </a:p>
           <a:p>
@@ -35808,7 +35852,7 @@
             </a:r>
             <a:r>
               <a:rPr baseline="30000"/>
-              <a:t>19,20</a:t>
+              <a:t>20,21</a:t>
             </a:r>
           </a:p>
           <a:p>
@@ -35904,7 +35948,7 @@
             </a:r>
             <a:r>
               <a:rPr baseline="30000"/>
-              <a:t>21</a:t>
+              <a:t>22</a:t>
             </a:r>
           </a:p>
           <a:p>
@@ -36184,7 +36228,7 @@
             </a:r>
             <a:r>
               <a:rPr baseline="30000"/>
-              <a:t>22</a:t>
+              <a:t>23</a:t>
             </a:r>
           </a:p>
           <a:p>
@@ -36372,7 +36416,7 @@
             </a:r>
             <a:r>
               <a:rPr baseline="30000"/>
-              <a:t>23</a:t>
+              <a:t>24</a:t>
             </a:r>
           </a:p>
           <a:p>
@@ -36816,7 +36860,7 @@
             </a:r>
             <a:r>
               <a:rPr baseline="30000"/>
-              <a:t>24</a:t>
+              <a:t>25</a:t>
             </a:r>
           </a:p>
           <a:p>
@@ -37072,7 +37116,7 @@
             </a:r>
             <a:r>
               <a:rPr baseline="30000"/>
-              <a:t>25–34</a:t>
+              <a:t>26–35</a:t>
             </a:r>
           </a:p>
           <a:p>
@@ -37083,7 +37127,7 @@
             </a:r>
             <a:r>
               <a:rPr baseline="30000"/>
-              <a:t>26,31</a:t>
+              <a:t>27,32</a:t>
             </a:r>
           </a:p>
           <a:p>
@@ -37122,7 +37166,7 @@
             </a:r>
             <a:r>
               <a:rPr baseline="30000"/>
-              <a:t>32,34</a:t>
+              <a:t>33,35</a:t>
             </a:r>
           </a:p>
           <a:p>
@@ -37133,7 +37177,7 @@
             </a:r>
             <a:r>
               <a:rPr baseline="30000"/>
-              <a:t>26,31</a:t>
+              <a:t>27,32</a:t>
             </a:r>
           </a:p>
           <a:p>
@@ -37214,7 +37258,7 @@
             </a:r>
             <a:r>
               <a:rPr baseline="30000"/>
-              <a:t>30,33</a:t>
+              <a:t>31,34</a:t>
             </a:r>
           </a:p>
           <a:p>
@@ -37281,7 +37325,7 @@
             </a:r>
             <a:r>
               <a:rPr baseline="30000"/>
-              <a:t>27,29</a:t>
+              <a:t>28,30</a:t>
             </a:r>
           </a:p>
           <a:p>
@@ -37313,7 +37357,7 @@
             </a:r>
             <a:r>
               <a:rPr baseline="30000"/>
-              <a:t>28</a:t>
+              <a:t>29</a:t>
             </a:r>
           </a:p>
           <a:p>
@@ -37366,7 +37410,7 @@
             </a:r>
             <a:r>
               <a:rPr baseline="30000"/>
-              <a:t>26,31</a:t>
+              <a:t>27,32</a:t>
             </a:r>
           </a:p>
           <a:p>
@@ -37433,7 +37477,7 @@
             </a:r>
             <a:r>
               <a:rPr baseline="30000"/>
-              <a:t>26</a:t>
+              <a:t>27</a:t>
             </a:r>
           </a:p>
           <a:p>
@@ -37479,7 +37523,7 @@
             </a:r>
             <a:r>
               <a:rPr baseline="30000"/>
-              <a:t>25</a:t>
+              <a:t>26</a:t>
             </a:r>
           </a:p>
           <a:p>
@@ -37553,7 +37597,7 @@
             </a:r>
             <a:r>
               <a:rPr baseline="30000"/>
-              <a:t>35,36</a:t>
+              <a:t>36,37</a:t>
             </a:r>
           </a:p>
           <a:p>
@@ -37701,7 +37745,7 @@
             </a:r>
             <a:r>
               <a:rPr baseline="30000"/>
-              <a:t>37</a:t>
+              <a:t>38</a:t>
             </a:r>
           </a:p>
           <a:p>
@@ -37729,7 +37773,7 @@
             </a:r>
             <a:r>
               <a:rPr baseline="30000"/>
-              <a:t>37</a:t>
+              <a:t>38</a:t>
             </a:r>
           </a:p>
           <a:p>
@@ -37757,7 +37801,7 @@
             </a:r>
             <a:r>
               <a:rPr baseline="30000"/>
-              <a:t>38</a:t>
+              <a:t>39</a:t>
             </a:r>
           </a:p>
           <a:p>
@@ -37870,7 +37914,7 @@
             </a:r>
             <a:r>
               <a:rPr baseline="30000"/>
-              <a:t>39–41</a:t>
+              <a:t>40–42</a:t>
             </a:r>
           </a:p>
           <a:p>
@@ -37898,7 +37942,7 @@
             </a:r>
             <a:r>
               <a:rPr baseline="30000"/>
-              <a:t>40,41</a:t>
+              <a:t>41,42</a:t>
             </a:r>
           </a:p>
           <a:p>
@@ -37926,7 +37970,7 @@
             </a:r>
             <a:r>
               <a:rPr baseline="30000"/>
-              <a:t>39</a:t>
+              <a:t>40</a:t>
             </a:r>
           </a:p>
           <a:p>
@@ -37934,21 +37978,21 @@
             <a:r>
               <a:rPr/>
               <a:t>A reprodutibilidade não é apenas uma questão metodológica, mas também ética, uma vez que pode envolver mal práticas científicas como fabricação e/ou falsificação de dados.</a:t>
-            </a:r>
-            <a:r>
-              <a:rPr baseline="30000"/>
-              <a:t>39</a:t>
-            </a:r>
-          </a:p>
-          <a:p>
-            <a:pPr lvl="0"/>
-            <a:r>
-              <a:rPr/>
-              <a:t>Reprodutibilidade pode ser considerada um padrão mínimo em pesquisa científica.</a:t>
             </a:r>
             <a:r>
               <a:rPr baseline="30000"/>
               <a:t>40</a:t>
+            </a:r>
+          </a:p>
+          <a:p>
+            <a:pPr lvl="0"/>
+            <a:r>
+              <a:rPr/>
+              <a:t>Reprodutibilidade pode ser considerada um padrão mínimo em pesquisa científica.</a:t>
+            </a:r>
+            <a:r>
+              <a:rPr baseline="30000"/>
+              <a:t>41</a:t>
             </a:r>
             <a:r>
               <a:rPr/>
@@ -37980,7 +38024,7 @@
             </a:r>
             <a:r>
               <a:rPr baseline="30000"/>
-              <a:t>41</a:t>
+              <a:t>42</a:t>
             </a:r>
           </a:p>
           <a:p>
@@ -38485,7 +38529,7 @@
             </a:r>
             <a:r>
               <a:rPr baseline="30000"/>
-              <a:t>42</a:t>
+              <a:t>43</a:t>
             </a:r>
           </a:p>
           <a:p>
@@ -38496,7 +38540,7 @@
             </a:r>
             <a:r>
               <a:rPr baseline="30000"/>
-              <a:t>42</a:t>
+              <a:t>43</a:t>
             </a:r>
           </a:p>
           <a:p>
@@ -38507,7 +38551,7 @@
             </a:r>
             <a:r>
               <a:rPr baseline="30000"/>
-              <a:t>42,43</a:t>
+              <a:t>43,44</a:t>
             </a:r>
           </a:p>
           <a:p>
@@ -38830,7 +38874,7 @@
             </a:r>
             <a:r>
               <a:rPr baseline="30000"/>
-              <a:t>44</a:t>
+              <a:t>45</a:t>
             </a:r>
             <a:r>
               <a:rPr/>
@@ -38989,7 +39033,7 @@
             </a:r>
             <a:r>
               <a:rPr baseline="30000"/>
-              <a:t>44</a:t>
+              <a:t>45</a:t>
             </a:r>
             <a:r>
               <a:rPr/>
@@ -39078,7 +39122,7 @@
             </a:r>
             <a:r>
               <a:rPr baseline="30000"/>
-              <a:t>44</a:t>
+              <a:t>45</a:t>
             </a:r>
             <a:r>
               <a:rPr/>
@@ -39263,7 +39307,7 @@
             </a:r>
             <a:r>
               <a:rPr baseline="30000"/>
-              <a:t>45</a:t>
+              <a:t>46</a:t>
             </a:r>
           </a:p>
           <a:p>
@@ -39302,7 +39346,7 @@
             </a:r>
             <a:r>
               <a:rPr baseline="30000"/>
-              <a:t>46</a:t>
+              <a:t>47</a:t>
             </a:r>
           </a:p>
           <a:p>
@@ -39313,7 +39357,7 @@
             </a:r>
             <a:r>
               <a:rPr baseline="30000"/>
-              <a:t>46</a:t>
+              <a:t>47</a:t>
             </a:r>
           </a:p>
           <a:p>
@@ -39426,7 +39470,7 @@
             </a:r>
             <a:r>
               <a:rPr baseline="30000"/>
-              <a:t>47</a:t>
+              <a:t>48</a:t>
             </a:r>
           </a:p>
           <a:p>
@@ -39448,7 +39492,7 @@
             </a:r>
             <a:r>
               <a:rPr baseline="30000"/>
-              <a:t>48</a:t>
+              <a:t>49</a:t>
             </a:r>
             <a:r>
               <a:rPr/>
@@ -39490,7 +39534,7 @@
             </a:r>
             <a:r>
               <a:rPr baseline="30000"/>
-              <a:t>47</a:t>
+              <a:t>48</a:t>
             </a:r>
           </a:p>
           <a:p>
@@ -39501,7 +39545,7 @@
             </a:r>
             <a:r>
               <a:rPr baseline="30000"/>
-              <a:t>47</a:t>
+              <a:t>48</a:t>
             </a:r>
           </a:p>
           <a:p>
@@ -39512,7 +39556,7 @@
             </a:r>
             <a:r>
               <a:rPr baseline="30000"/>
-              <a:t>47</a:t>
+              <a:t>48</a:t>
             </a:r>
           </a:p>
           <a:p>
@@ -39548,7 +39592,7 @@
             </a:r>
             <a:r>
               <a:rPr baseline="30000"/>
-              <a:t>49,50</a:t>
+              <a:t>50,51</a:t>
             </a:r>
           </a:p>
           <a:p>
@@ -39567,7 +39611,7 @@
             </a:r>
             <a:r>
               <a:rPr baseline="30000"/>
-              <a:t>49,50</a:t>
+              <a:t>50,51</a:t>
             </a:r>
           </a:p>
           <a:p>
@@ -39586,7 +39630,7 @@
             </a:r>
             <a:r>
               <a:rPr baseline="30000"/>
-              <a:t>49,50</a:t>
+              <a:t>50,51</a:t>
             </a:r>
           </a:p>
           <a:p>
@@ -39614,7 +39658,7 @@
             </a:r>
             <a:r>
               <a:rPr baseline="30000"/>
-              <a:t>49</a:t>
+              <a:t>50</a:t>
             </a:r>
           </a:p>
           <a:p>
@@ -39625,7 +39669,7 @@
             </a:r>
             <a:r>
               <a:rPr baseline="30000"/>
-              <a:t>49</a:t>
+              <a:t>50</a:t>
             </a:r>
           </a:p>
           <a:p>
@@ -39647,7 +39691,7 @@
             </a:r>
             <a:r>
               <a:rPr baseline="30000"/>
-              <a:t>51</a:t>
+              <a:t>52</a:t>
             </a:r>
             <a:r>
               <a:rPr/>
@@ -39665,7 +39709,7 @@
             </a:r>
             <a:r>
               <a:rPr baseline="30000"/>
-              <a:t>52</a:t>
+              <a:t>53</a:t>
             </a:r>
             <a:r>
               <a:rPr/>
@@ -39697,7 +39741,7 @@
             </a:r>
             <a:r>
               <a:rPr baseline="30000"/>
-              <a:t>47</a:t>
+              <a:t>48</a:t>
             </a:r>
           </a:p>
           <a:p>
@@ -39725,7 +39769,7 @@
             </a:r>
             <a:r>
               <a:rPr baseline="30000"/>
-              <a:t>47</a:t>
+              <a:t>48</a:t>
             </a:r>
           </a:p>
           <a:p>
@@ -39736,7 +39780,7 @@
             </a:r>
             <a:r>
               <a:rPr baseline="30000"/>
-              <a:t>50</a:t>
+              <a:t>51</a:t>
             </a:r>
           </a:p>
           <a:p>
@@ -39747,7 +39791,7 @@
             </a:r>
             <a:r>
               <a:rPr baseline="30000"/>
-              <a:t>50</a:t>
+              <a:t>51</a:t>
             </a:r>
           </a:p>
           <a:p>
@@ -39769,7 +39813,7 @@
             </a:r>
             <a:r>
               <a:rPr baseline="30000"/>
-              <a:t>48</a:t>
+              <a:t>49</a:t>
             </a:r>
             <a:r>
               <a:rPr/>
@@ -39805,7 +39849,7 @@
             </a:r>
             <a:r>
               <a:rPr baseline="30000"/>
-              <a:t>53</a:t>
+              <a:t>54</a:t>
             </a:r>
             <a:r>
               <a:rPr/>
@@ -39835,7 +39879,7 @@
             </a:r>
             <a:r>
               <a:rPr baseline="30000"/>
-              <a:t>47</a:t>
+              <a:t>48</a:t>
             </a:r>
           </a:p>
           <a:p>
@@ -39846,7 +39890,7 @@
             </a:r>
             <a:r>
               <a:rPr baseline="30000"/>
-              <a:t>50</a:t>
+              <a:t>51</a:t>
             </a:r>
           </a:p>
           <a:p>
@@ -39865,7 +39909,7 @@
             </a:r>
             <a:r>
               <a:rPr baseline="30000"/>
-              <a:t>49,54</a:t>
+              <a:t>50,55</a:t>
             </a:r>
           </a:p>
           <a:p>
@@ -39887,7 +39931,7 @@
             </a:r>
             <a:r>
               <a:rPr baseline="30000"/>
-              <a:t>55</a:t>
+              <a:t>56</a:t>
             </a:r>
             <a:r>
               <a:rPr/>
@@ -39899,7 +39943,7 @@
             </a:r>
             <a:r>
               <a:rPr baseline="30000"/>
-              <a:t>56</a:t>
+              <a:t>57</a:t>
             </a:r>
             <a:r>
               <a:rPr/>
@@ -39951,7 +39995,7 @@
             </a:r>
             <a:r>
               <a:rPr baseline="30000"/>
-              <a:t>57</a:t>
+              <a:t>58</a:t>
             </a:r>
           </a:p>
           <a:p>
@@ -40064,7 +40108,7 @@
             </a:r>
             <a:r>
               <a:rPr baseline="30000"/>
-              <a:t>58</a:t>
+              <a:t>59</a:t>
             </a:r>
           </a:p>
           <a:p>
@@ -40075,7 +40119,7 @@
             </a:r>
             <a:r>
               <a:rPr baseline="30000"/>
-              <a:t>58</a:t>
+              <a:t>59</a:t>
             </a:r>
           </a:p>
           <a:p>
@@ -40246,7 +40290,7 @@
             </a:r>
             <a:r>
               <a:rPr baseline="30000"/>
-              <a:t>59</a:t>
+              <a:t>60</a:t>
             </a:r>
           </a:p>
           <a:p>
@@ -40257,7 +40301,7 @@
             </a:r>
             <a:r>
               <a:rPr baseline="30000"/>
-              <a:t>46</a:t>
+              <a:t>47</a:t>
             </a:r>
           </a:p>
           <a:p>
@@ -40285,7 +40329,7 @@
             </a:r>
             <a:r>
               <a:rPr baseline="30000"/>
-              <a:t>46,60–62</a:t>
+              <a:t>47,61–63</a:t>
             </a:r>
           </a:p>
           <a:p>
@@ -40310,7 +40354,7 @@
             </a:r>
             <a:r>
               <a:rPr baseline="30000"/>
-              <a:t>46,60–62</a:t>
+              <a:t>47,61–63</a:t>
             </a:r>
           </a:p>
           <a:p>
@@ -40342,7 +40386,7 @@
             </a:r>
             <a:r>
               <a:rPr baseline="30000"/>
-              <a:t>46,60–62</a:t>
+              <a:t>47,61–63</a:t>
             </a:r>
           </a:p>
           <a:p>
@@ -40413,7 +40457,7 @@
             </a:r>
             <a:r>
               <a:rPr baseline="30000"/>
-              <a:t>48</a:t>
+              <a:t>49</a:t>
             </a:r>
             <a:r>
               <a:rPr/>
@@ -40449,7 +40493,7 @@
             </a:r>
             <a:r>
               <a:rPr baseline="30000"/>
-              <a:t>48</a:t>
+              <a:t>49</a:t>
             </a:r>
             <a:r>
               <a:rPr/>
@@ -40495,7 +40539,7 @@
             </a:r>
             <a:r>
               <a:rPr baseline="30000"/>
-              <a:t>48</a:t>
+              <a:t>49</a:t>
             </a:r>
             <a:r>
               <a:rPr/>
@@ -40542,7 +40586,7 @@
             </a:r>
             <a:r>
               <a:rPr baseline="30000"/>
-              <a:t>61</a:t>
+              <a:t>62</a:t>
             </a:r>
           </a:p>
           <a:p>
@@ -40655,7 +40699,7 @@
             </a:r>
             <a:r>
               <a:rPr baseline="30000"/>
-              <a:t>63</a:t>
+              <a:t>64</a:t>
             </a:r>
           </a:p>
           <a:p>
@@ -40666,7 +40710,7 @@
             </a:r>
             <a:r>
               <a:rPr baseline="30000"/>
-              <a:t>46,63</a:t>
+              <a:t>47,64</a:t>
             </a:r>
           </a:p>
           <a:p>
@@ -40677,7 +40721,7 @@
             </a:r>
             <a:r>
               <a:rPr baseline="30000"/>
-              <a:t>64</a:t>
+              <a:t>65</a:t>
             </a:r>
           </a:p>
           <a:p>
@@ -40705,7 +40749,7 @@
             </a:r>
             <a:r>
               <a:rPr baseline="30000"/>
-              <a:t>65</a:t>
+              <a:t>66</a:t>
             </a:r>
           </a:p>
           <a:p>
@@ -40716,7 +40760,7 @@
             </a:r>
             <a:r>
               <a:rPr baseline="30000"/>
-              <a:t>65</a:t>
+              <a:t>66</a:t>
             </a:r>
           </a:p>
           <a:p>
@@ -40744,7 +40788,7 @@
             </a:r>
             <a:r>
               <a:rPr baseline="30000"/>
-              <a:t>65</a:t>
+              <a:t>66</a:t>
             </a:r>
           </a:p>
           <a:p>
@@ -40780,56 +40824,6 @@
             <a:r>
               <a:rPr/>
               <a:t>Distribuições com assimetria à esquerda:</a:t>
-            </a:r>
-            <a:r>
-              <a:rPr baseline="30000"/>
-              <a:t>65</a:t>
-            </a:r>
-          </a:p>
-          <a:p>
-            <a:pPr lvl="1"/>
-            <a:r>
-              <a:rPr/>
-              <a:t>Reflexão e raiz quadrada</a:t>
-            </a:r>
-          </a:p>
-          <a:p>
-            <a:pPr lvl="1"/>
-            <a:r>
-              <a:rPr/>
-              <a:t>Reflexão e logaritmo natural</a:t>
-            </a:r>
-          </a:p>
-          <a:p>
-            <a:pPr lvl="1"/>
-            <a:r>
-              <a:rPr/>
-              <a:t>Reflexão e logaritmo base 10</a:t>
-            </a:r>
-          </a:p>
-          <a:p>
-            <a:pPr lvl="1"/>
-            <a:r>
-              <a:rPr/>
-              <a:t>Reflexão e transformação inversa</a:t>
-            </a:r>
-          </a:p>
-          <a:p>
-            <a:pPr lvl="0"/>
-            <a:r>
-              <a:rPr/>
-              <a:t>Transformação arco-seno.</a:t>
-            </a:r>
-            <a:r>
-              <a:rPr baseline="30000"/>
-              <a:t>65</a:t>
-            </a:r>
-          </a:p>
-          <a:p>
-            <a:pPr lvl="0"/>
-            <a:r>
-              <a:rPr/>
-              <a:t>Transformação de Box-Cox.</a:t>
             </a:r>
             <a:r>
               <a:rPr baseline="30000"/>
@@ -40837,6 +40831,56 @@
             </a:r>
           </a:p>
           <a:p>
+            <a:pPr lvl="1"/>
+            <a:r>
+              <a:rPr/>
+              <a:t>Reflexão e raiz quadrada</a:t>
+            </a:r>
+          </a:p>
+          <a:p>
+            <a:pPr lvl="1"/>
+            <a:r>
+              <a:rPr/>
+              <a:t>Reflexão e logaritmo natural</a:t>
+            </a:r>
+          </a:p>
+          <a:p>
+            <a:pPr lvl="1"/>
+            <a:r>
+              <a:rPr/>
+              <a:t>Reflexão e logaritmo base 10</a:t>
+            </a:r>
+          </a:p>
+          <a:p>
+            <a:pPr lvl="1"/>
+            <a:r>
+              <a:rPr/>
+              <a:t>Reflexão e transformação inversa</a:t>
+            </a:r>
+          </a:p>
+          <a:p>
+            <a:pPr lvl="0"/>
+            <a:r>
+              <a:rPr/>
+              <a:t>Transformação arco-seno.</a:t>
+            </a:r>
+            <a:r>
+              <a:rPr baseline="30000"/>
+              <a:t>66</a:t>
+            </a:r>
+          </a:p>
+          <a:p>
+            <a:pPr lvl="0"/>
+            <a:r>
+              <a:rPr/>
+              <a:t>Transformação de Box-Cox.</a:t>
+            </a:r>
+            <a:r>
+              <a:rPr baseline="30000"/>
+              <a:t>67</a:t>
+            </a:r>
+          </a:p>
+          <a:p>
             <a:pPr lvl="0"/>
             <a:r>
               <a:rPr/>
@@ -40862,7 +40906,7 @@
             </a:r>
             <a:r>
               <a:rPr baseline="30000"/>
-              <a:t>67</a:t>
+              <a:t>68</a:t>
             </a:r>
             <a:r>
               <a:rPr/>
@@ -40880,7 +40924,7 @@
             </a:r>
             <a:r>
               <a:rPr baseline="30000"/>
-              <a:t>66</a:t>
+              <a:t>67</a:t>
             </a:r>
           </a:p>
           <a:p>
@@ -41017,7 +41061,7 @@
             </a:r>
             <a:r>
               <a:rPr baseline="30000"/>
-              <a:t>68</a:t>
+              <a:t>69</a:t>
             </a:r>
           </a:p>
           <a:p>
@@ -41028,7 +41072,7 @@
             </a:r>
             <a:r>
               <a:rPr baseline="30000"/>
-              <a:t>69–71</a:t>
+              <a:t>70–72</a:t>
             </a:r>
           </a:p>
           <a:p>
@@ -41039,7 +41083,7 @@
             </a:r>
             <a:r>
               <a:rPr baseline="30000"/>
-              <a:t>69–71</a:t>
+              <a:t>70–72</a:t>
             </a:r>
           </a:p>
           <a:p>
@@ -41047,17 +41091,6 @@
             <a:r>
               <a:rPr/>
               <a:t>Caso exista um ponto de corte ou limiar verdadeiro que discrimine três ou mais grupos independentes, identificar tal ponto de corte ainda é um desafio.</a:t>
-            </a:r>
-            <a:r>
-              <a:rPr baseline="30000"/>
-              <a:t>72</a:t>
-            </a:r>
-          </a:p>
-          <a:p>
-            <a:pPr lvl="0"/>
-            <a:r>
-              <a:rPr/>
-              <a:t>Categorização de variáveis contínuas aumenta a quantidade de testes de hipótese para comparações pareadas entre os quantis, inflando, portanto, o erro tipo I.</a:t>
             </a:r>
             <a:r>
               <a:rPr baseline="30000"/>
@@ -41068,11 +41101,22 @@
             <a:pPr lvl="0"/>
             <a:r>
               <a:rPr/>
+              <a:t>Categorização de variáveis contínuas aumenta a quantidade de testes de hipótese para comparações pareadas entre os quantis, inflando, portanto, o erro tipo I.</a:t>
+            </a:r>
+            <a:r>
+              <a:rPr baseline="30000"/>
+              <a:t>74</a:t>
+            </a:r>
+          </a:p>
+          <a:p>
+            <a:pPr lvl="0"/>
+            <a:r>
+              <a:rPr/>
               <a:t>Categorização de variáveis contínuas requer uma função teórica que pressupõe a homogeneidade da variável dentro dos grupos, levando tanto a uma perda de poder como a uma estimativa imprecisa.</a:t>
             </a:r>
             <a:r>
               <a:rPr baseline="30000"/>
-              <a:t>73</a:t>
+              <a:t>74</a:t>
             </a:r>
           </a:p>
           <a:p>
@@ -41083,7 +41127,7 @@
             </a:r>
             <a:r>
               <a:rPr baseline="30000"/>
-              <a:t>73</a:t>
+              <a:t>74</a:t>
             </a:r>
           </a:p>
           <a:p>
@@ -41111,7 +41155,7 @@
             </a:r>
             <a:r>
               <a:rPr baseline="30000"/>
-              <a:t>68</a:t>
+              <a:t>69</a:t>
             </a:r>
           </a:p>
           <a:p>
@@ -41138,7 +41182,7 @@
             </a:r>
             <a:r>
               <a:rPr baseline="30000"/>
-              <a:t>68</a:t>
+              <a:t>69</a:t>
             </a:r>
           </a:p>
           <a:p>
@@ -41299,7 +41343,7 @@
                 </a:r>
                 <a:r>
                   <a:rPr baseline="30000"/>
-                  <a:t>64</a:t>
+                  <a:t>65</a:t>
                 </a:r>
               </a:p>
               <a:p>
@@ -41310,7 +41354,7 @@
                 </a:r>
                 <a:r>
                   <a:rPr baseline="30000"/>
-                  <a:t>68</a:t>
+                  <a:t>69</a:t>
                 </a:r>
               </a:p>
               <a:p>
@@ -41321,7 +41365,7 @@
                 </a:r>
                 <a:r>
                   <a:rPr baseline="30000"/>
-                  <a:t>68</a:t>
+                  <a:t>69</a:t>
                 </a:r>
               </a:p>
               <a:p>
@@ -41332,7 +41376,7 @@
                 </a:r>
                 <a:r>
                   <a:rPr baseline="30000"/>
-                  <a:t>68</a:t>
+                  <a:t>69</a:t>
                 </a:r>
               </a:p>
               <a:p>
@@ -41343,7 +41387,7 @@
                 </a:r>
                 <a:r>
                   <a:rPr baseline="30000"/>
-                  <a:t>68</a:t>
+                  <a:t>69</a:t>
                 </a:r>
               </a:p>
               <a:p>
@@ -41371,7 +41415,7 @@
                 </a:r>
                 <a:r>
                   <a:rPr baseline="30000"/>
-                  <a:t>68</a:t>
+                  <a:t>69</a:t>
                 </a:r>
               </a:p>
               <a:p>
@@ -41382,7 +41426,7 @@
                 </a:r>
                 <a:r>
                   <a:rPr baseline="30000"/>
-                  <a:t>69–71</a:t>
+                  <a:t>70–72</a:t>
                 </a:r>
               </a:p>
               <a:p>
@@ -41393,7 +41437,7 @@
                 </a:r>
                 <a:r>
                   <a:rPr baseline="30000"/>
-                  <a:t>69–71</a:t>
+                  <a:t>70–72</a:t>
                 </a:r>
               </a:p>
               <a:p>
@@ -41404,7 +41448,7 @@
                 </a:r>
                 <a:r>
                   <a:rPr baseline="30000"/>
-                  <a:t>68,69</a:t>
+                  <a:t>69,70</a:t>
                 </a:r>
               </a:p>
               <a:p>
@@ -41415,7 +41459,7 @@
                 </a:r>
                 <a:r>
                   <a:rPr baseline="30000"/>
-                  <a:t>69</a:t>
+                  <a:t>70</a:t>
                 </a:r>
               </a:p>
               <a:p>
@@ -41426,7 +41470,7 @@
                 </a:r>
                 <a:r>
                   <a:rPr baseline="30000"/>
-                  <a:t>69</a:t>
+                  <a:t>70</a:t>
                 </a:r>
               </a:p>
               <a:p>
@@ -41437,7 +41481,7 @@
                 </a:r>
                 <a:r>
                   <a:rPr baseline="30000"/>
-                  <a:t>68,69</a:t>
+                  <a:t>69,70</a:t>
                 </a:r>
               </a:p>
               <a:p>
@@ -41448,7 +41492,7 @@
                 </a:r>
                 <a:r>
                   <a:rPr baseline="30000"/>
-                  <a:t>64,69</a:t>
+                  <a:t>65,70</a:t>
                 </a:r>
               </a:p>
               <a:p>
@@ -41459,7 +41503,7 @@
                 </a:r>
                 <a:r>
                   <a:rPr baseline="30000"/>
-                  <a:t>72</a:t>
+                  <a:t>73</a:t>
                 </a:r>
               </a:p>
               <a:p>
@@ -41487,7 +41531,7 @@
                 </a:r>
                 <a:r>
                   <a:rPr baseline="30000"/>
-                  <a:t>68</a:t>
+                  <a:t>69</a:t>
                 </a:r>
               </a:p>
               <a:p>
@@ -41498,7 +41542,7 @@
                 </a:r>
                 <a:r>
                   <a:rPr baseline="30000"/>
-                  <a:t>68</a:t>
+                  <a:t>69</a:t>
                 </a:r>
               </a:p>
               <a:p>
@@ -41526,7 +41570,7 @@
                 </a:r>
                 <a:r>
                   <a:rPr baseline="30000"/>
-                  <a:t>72</a:t>
+                  <a:t>73</a:t>
                 </a:r>
                 <a:r>
                   <a:rPr/>
@@ -41541,7 +41585,7 @@
                 </a:r>
                 <a:r>
                   <a:rPr baseline="30000"/>
-                  <a:t>74</a:t>
+                  <a:t>75</a:t>
                 </a:r>
               </a:p>
               <a:p>
@@ -41552,7 +41596,7 @@
                 </a:r>
                 <a:r>
                   <a:rPr baseline="30000"/>
-                  <a:t>75</a:t>
+                  <a:t>76</a:t>
                 </a:r>
               </a:p>
               <a:p>
@@ -41583,7 +41627,7 @@
                 </a:r>
                 <a:r>
                   <a:rPr baseline="30000"/>
-                  <a:t>76</a:t>
+                  <a:t>77</a:t>
                 </a:r>
               </a:p>
               <a:p>
@@ -41608,7 +41652,7 @@
                 </a:r>
                 <a:r>
                   <a:rPr baseline="30000"/>
-                  <a:t>77</a:t>
+                  <a:t>78</a:t>
                 </a:r>
               </a:p>
               <a:p>
@@ -41630,7 +41674,7 @@
                 </a:r>
                 <a:r>
                   <a:rPr baseline="30000"/>
-                  <a:t>78</a:t>
+                  <a:t>79</a:t>
                 </a:r>
                 <a:r>
                   <a:rPr/>
@@ -41853,7 +41897,7 @@
             </a:r>
             <a:r>
               <a:rPr baseline="30000"/>
-              <a:t>48</a:t>
+              <a:t>49</a:t>
             </a:r>
             <a:r>
               <a:rPr/>
@@ -41913,7 +41957,7 @@
             </a:r>
             <a:r>
               <a:rPr baseline="30000"/>
-              <a:t>48</a:t>
+              <a:t>49</a:t>
             </a:r>
             <a:r>
               <a:rPr/>
@@ -42108,7 +42152,7 @@
             </a:r>
             <a:r>
               <a:rPr baseline="30000"/>
-              <a:t>46</a:t>
+              <a:t>47</a:t>
             </a:r>
           </a:p>
           <a:p>
@@ -42160,7 +42204,7 @@
             </a:r>
             <a:r>
               <a:rPr baseline="30000"/>
-              <a:t>60</a:t>
+              <a:t>61</a:t>
             </a:r>
           </a:p>
           <a:p>
@@ -42171,7 +42215,7 @@
             </a:r>
             <a:r>
               <a:rPr baseline="30000"/>
-              <a:t>60</a:t>
+              <a:t>61</a:t>
             </a:r>
           </a:p>
           <a:p>
@@ -42223,7 +42267,7 @@
             </a:r>
             <a:r>
               <a:rPr baseline="30000"/>
-              <a:t>46</a:t>
+              <a:t>47</a:t>
             </a:r>
           </a:p>
           <a:p>
@@ -42234,7 +42278,7 @@
             </a:r>
             <a:r>
               <a:rPr baseline="30000"/>
-              <a:t>46</a:t>
+              <a:t>47</a:t>
             </a:r>
           </a:p>
           <a:p>
@@ -42245,7 +42289,7 @@
             </a:r>
             <a:r>
               <a:rPr baseline="30000"/>
-              <a:t>46</a:t>
+              <a:t>47</a:t>
             </a:r>
           </a:p>
           <a:p>
@@ -42379,7 +42423,7 @@
             </a:r>
             <a:r>
               <a:rPr baseline="30000"/>
-              <a:t>59</a:t>
+              <a:t>60</a:t>
             </a:r>
           </a:p>
           <a:p>
@@ -42390,7 +42434,7 @@
             </a:r>
             <a:r>
               <a:rPr baseline="30000"/>
-              <a:t>46</a:t>
+              <a:t>47</a:t>
             </a:r>
           </a:p>
           <a:p>
@@ -42418,7 +42462,7 @@
             </a:r>
             <a:r>
               <a:rPr baseline="30000"/>
-              <a:t>60,79</a:t>
+              <a:t>61,80</a:t>
             </a:r>
           </a:p>
           <a:p>
@@ -42429,7 +42473,7 @@
             </a:r>
             <a:r>
               <a:rPr baseline="30000"/>
-              <a:t>60,79,80</a:t>
+              <a:t>61,80,81</a:t>
             </a:r>
           </a:p>
           <a:p>
@@ -42440,7 +42484,7 @@
             </a:r>
             <a:r>
               <a:rPr baseline="30000"/>
-              <a:t>60,79,81,81</a:t>
+              <a:t>61,80,82,82</a:t>
             </a:r>
           </a:p>
           <a:p>
@@ -42451,7 +42495,7 @@
             </a:r>
             <a:r>
               <a:rPr baseline="30000"/>
-              <a:t>79</a:t>
+              <a:t>80</a:t>
             </a:r>
           </a:p>
           <a:p>
@@ -42462,7 +42506,7 @@
             </a:r>
             <a:r>
               <a:rPr baseline="30000"/>
-              <a:t>60</a:t>
+              <a:t>61</a:t>
             </a:r>
           </a:p>
           <a:p>
@@ -42579,7 +42623,7 @@
             </a:r>
             <a:r>
               <a:rPr baseline="30000"/>
-              <a:t>60,79</a:t>
+              <a:t>61,80</a:t>
             </a:r>
           </a:p>
           <a:p>
@@ -42594,7 +42638,7 @@
             </a:r>
             <a:r>
               <a:rPr baseline="30000"/>
-              <a:t>60,79</a:t>
+              <a:t>61,80</a:t>
             </a:r>
           </a:p>
           <a:p>
@@ -42609,7 +42653,7 @@
             </a:r>
             <a:r>
               <a:rPr baseline="30000"/>
-              <a:t>60,79</a:t>
+              <a:t>61,80</a:t>
             </a:r>
           </a:p>
           <a:p>
@@ -42641,7 +42685,7 @@
             </a:r>
             <a:r>
               <a:rPr baseline="30000"/>
-              <a:t>60,79</a:t>
+              <a:t>61,80</a:t>
             </a:r>
           </a:p>
           <a:p>
@@ -42656,7 +42700,7 @@
             </a:r>
             <a:r>
               <a:rPr baseline="30000"/>
-              <a:t>80</a:t>
+              <a:t>81</a:t>
             </a:r>
           </a:p>
           <a:p>
@@ -42671,7 +42715,7 @@
             </a:r>
             <a:r>
               <a:rPr baseline="30000"/>
-              <a:t>80</a:t>
+              <a:t>81</a:t>
             </a:r>
           </a:p>
           <a:p>
@@ -42686,7 +42730,7 @@
             </a:r>
             <a:r>
               <a:rPr baseline="30000"/>
-              <a:t>60,79</a:t>
+              <a:t>61,80</a:t>
             </a:r>
           </a:p>
           <a:p>
@@ -42701,7 +42745,7 @@
             </a:r>
             <a:r>
               <a:rPr baseline="30000"/>
-              <a:t>60,79</a:t>
+              <a:t>61,80</a:t>
             </a:r>
           </a:p>
           <a:p>
@@ -42716,7 +42760,7 @@
             </a:r>
             <a:r>
               <a:rPr baseline="30000"/>
-              <a:t>60,79</a:t>
+              <a:t>61,80</a:t>
             </a:r>
           </a:p>
           <a:p>
@@ -42748,7 +42792,7 @@
             </a:r>
             <a:r>
               <a:rPr baseline="30000"/>
-              <a:t>60,79,81</a:t>
+              <a:t>61,80,82</a:t>
             </a:r>
           </a:p>
           <a:p>
@@ -42763,7 +42807,7 @@
             </a:r>
             <a:r>
               <a:rPr baseline="30000"/>
-              <a:t>60,79,81</a:t>
+              <a:t>61,80,82</a:t>
             </a:r>
           </a:p>
           <a:p>
@@ -42778,7 +42822,7 @@
             </a:r>
             <a:r>
               <a:rPr baseline="30000"/>
-              <a:t>60,79,81</a:t>
+              <a:t>61,80,82</a:t>
             </a:r>
           </a:p>
           <a:p>
@@ -42793,7 +42837,7 @@
             </a:r>
             <a:r>
               <a:rPr baseline="30000"/>
-              <a:t>81</a:t>
+              <a:t>82</a:t>
             </a:r>
           </a:p>
           <a:p>
@@ -42815,7 +42859,7 @@
             </a:r>
             <a:r>
               <a:rPr baseline="30000"/>
-              <a:t>82</a:t>
+              <a:t>83</a:t>
             </a:r>
             <a:r>
               <a:rPr/>
@@ -42861,7 +42905,7 @@
             </a:r>
             <a:r>
               <a:rPr baseline="30000"/>
-              <a:t>79</a:t>
+              <a:t>80</a:t>
             </a:r>
           </a:p>
           <a:p>
@@ -42876,7 +42920,7 @@
             </a:r>
             <a:r>
               <a:rPr baseline="30000"/>
-              <a:t>79</a:t>
+              <a:t>80</a:t>
             </a:r>
           </a:p>
           <a:p>
@@ -42908,7 +42952,7 @@
             </a:r>
             <a:r>
               <a:rPr baseline="30000"/>
-              <a:t>60</a:t>
+              <a:t>61</a:t>
             </a:r>
           </a:p>
           <a:p>
@@ -42923,7 +42967,7 @@
             </a:r>
             <a:r>
               <a:rPr baseline="30000"/>
-              <a:t>60</a:t>
+              <a:t>61</a:t>
             </a:r>
           </a:p>
           <a:p>
@@ -42945,7 +42989,7 @@
             </a:r>
             <a:r>
               <a:rPr baseline="30000"/>
-              <a:t>82</a:t>
+              <a:t>83</a:t>
             </a:r>
             <a:r>
               <a:rPr/>
@@ -43080,7 +43124,7 @@
             </a:r>
             <a:r>
               <a:rPr baseline="30000"/>
-              <a:t>83</a:t>
+              <a:t>84</a:t>
             </a:r>
           </a:p>
           <a:p>
@@ -43091,7 +43135,7 @@
             </a:r>
             <a:r>
               <a:rPr baseline="30000"/>
-              <a:t>83</a:t>
+              <a:t>84</a:t>
             </a:r>
           </a:p>
           <a:p>
@@ -43119,7 +43163,7 @@
             </a:r>
             <a:r>
               <a:rPr baseline="30000"/>
-              <a:t>83</a:t>
+              <a:t>84</a:t>
             </a:r>
           </a:p>
           <a:p>
@@ -43130,7 +43174,7 @@
             </a:r>
             <a:r>
               <a:rPr baseline="30000"/>
-              <a:t>83</a:t>
+              <a:t>84</a:t>
             </a:r>
           </a:p>
           <a:p>
@@ -43141,7 +43185,7 @@
             </a:r>
             <a:r>
               <a:rPr baseline="30000"/>
-              <a:t>83</a:t>
+              <a:t>84</a:t>
             </a:r>
           </a:p>
           <a:p>
@@ -43152,7 +43196,7 @@
             </a:r>
             <a:r>
               <a:rPr baseline="30000"/>
-              <a:t>83</a:t>
+              <a:t>84</a:t>
             </a:r>
           </a:p>
           <a:p>
@@ -43323,7 +43367,7 @@
             </a:r>
             <a:r>
               <a:rPr baseline="30000"/>
-              <a:t>84</a:t>
+              <a:t>85</a:t>
             </a:r>
           </a:p>
           <a:p>
@@ -43334,7 +43378,7 @@
             </a:r>
             <a:r>
               <a:rPr baseline="30000"/>
-              <a:t>84</a:t>
+              <a:t>85</a:t>
             </a:r>
           </a:p>
           <a:p>
@@ -43345,7 +43389,7 @@
             </a:r>
             <a:r>
               <a:rPr baseline="30000"/>
-              <a:t>84</a:t>
+              <a:t>85</a:t>
             </a:r>
           </a:p>
           <a:p>
@@ -43356,7 +43400,7 @@
             </a:r>
             <a:r>
               <a:rPr baseline="30000"/>
-              <a:t>84</a:t>
+              <a:t>85</a:t>
             </a:r>
           </a:p>
           <a:p>
@@ -43378,7 +43422,7 @@
             </a:r>
             <a:r>
               <a:rPr baseline="30000"/>
-              <a:t>85</a:t>
+              <a:t>86</a:t>
             </a:r>
             <a:r>
               <a:rPr/>
@@ -43420,7 +43464,7 @@
             </a:r>
             <a:r>
               <a:rPr baseline="30000"/>
-              <a:t>86</a:t>
+              <a:t>87</a:t>
             </a:r>
           </a:p>
           <a:p>
@@ -43431,7 +43475,7 @@
             </a:r>
             <a:r>
               <a:rPr baseline="30000"/>
-              <a:t>86</a:t>
+              <a:t>87</a:t>
             </a:r>
           </a:p>
           <a:p>
@@ -43458,7 +43502,7 @@
             </a:r>
             <a:r>
               <a:rPr baseline="30000"/>
-              <a:t>87</a:t>
+              <a:t>88</a:t>
             </a:r>
           </a:p>
           <a:p>
@@ -43491,7 +43535,7 @@
             </a:r>
             <a:r>
               <a:rPr baseline="30000"/>
-              <a:t>86,87</a:t>
+              <a:t>87,88</a:t>
             </a:r>
           </a:p>
           <a:p>
@@ -43502,7 +43546,7 @@
             </a:r>
             <a:r>
               <a:rPr baseline="30000"/>
-              <a:t>86</a:t>
+              <a:t>87</a:t>
             </a:r>
           </a:p>
           <a:p>
@@ -43513,7 +43557,7 @@
             </a:r>
             <a:r>
               <a:rPr baseline="30000"/>
-              <a:t>86,87</a:t>
+              <a:t>87,88</a:t>
             </a:r>
           </a:p>
           <a:p>
@@ -43535,7 +43579,7 @@
             </a:r>
             <a:r>
               <a:rPr baseline="30000"/>
-              <a:t>88</a:t>
+              <a:t>89</a:t>
             </a:r>
             <a:r>
               <a:rPr/>
@@ -43585,7 +43629,7 @@
             </a:r>
             <a:r>
               <a:rPr baseline="30000"/>
-              <a:t>86</a:t>
+              <a:t>87</a:t>
             </a:r>
           </a:p>
           <a:p>
@@ -43596,7 +43640,7 @@
             </a:r>
             <a:r>
               <a:rPr baseline="30000"/>
-              <a:t>86</a:t>
+              <a:t>87</a:t>
             </a:r>
           </a:p>
           <a:p>
@@ -43607,7 +43651,7 @@
             </a:r>
             <a:r>
               <a:rPr baseline="30000"/>
-              <a:t>86</a:t>
+              <a:t>87</a:t>
             </a:r>
           </a:p>
           <a:p>
@@ -43814,7 +43858,7 @@
             </a:r>
             <a:r>
               <a:rPr baseline="30000"/>
-              <a:t>89</a:t>
+              <a:t>90</a:t>
             </a:r>
             <a:r>
               <a:rPr/>
@@ -43822,7 +43866,7 @@
             </a:r>
             <a:r>
               <a:rPr baseline="30000"/>
-              <a:t>58</a:t>
+              <a:t>59</a:t>
             </a:r>
           </a:p>
           <a:p>
@@ -43833,7 +43877,7 @@
             </a:r>
             <a:r>
               <a:rPr baseline="30000"/>
-              <a:t>58</a:t>
+              <a:t>59</a:t>
             </a:r>
           </a:p>
           <a:p>
@@ -43844,7 +43888,7 @@
             </a:r>
             <a:r>
               <a:rPr baseline="30000"/>
-              <a:t>58</a:t>
+              <a:t>59</a:t>
             </a:r>
           </a:p>
           <a:p>
@@ -43897,7 +43941,7 @@
             </a:r>
             <a:r>
               <a:rPr baseline="30000"/>
-              <a:t>90</a:t>
+              <a:t>91</a:t>
             </a:r>
             <a:r>
               <a:rPr/>
@@ -43913,7 +43957,7 @@
             </a:r>
             <a:r>
               <a:rPr baseline="30000"/>
-              <a:t>91</a:t>
+              <a:t>92</a:t>
             </a:r>
             <a:r>
               <a:rPr/>
@@ -43945,7 +43989,7 @@
             </a:r>
             <a:r>
               <a:rPr baseline="30000"/>
-              <a:t>58</a:t>
+              <a:t>59</a:t>
             </a:r>
           </a:p>
           <a:p>
@@ -43956,7 +44000,7 @@
             </a:r>
             <a:r>
               <a:rPr baseline="30000"/>
-              <a:t>58</a:t>
+              <a:t>59</a:t>
             </a:r>
           </a:p>
           <a:p>
@@ -43967,7 +44011,7 @@
             </a:r>
             <a:r>
               <a:rPr baseline="30000"/>
-              <a:t>58</a:t>
+              <a:t>59</a:t>
             </a:r>
           </a:p>
           <a:p>
@@ -43978,7 +44022,7 @@
             </a:r>
             <a:r>
               <a:rPr baseline="30000"/>
-              <a:t>58</a:t>
+              <a:t>59</a:t>
             </a:r>
           </a:p>
           <a:p>
@@ -43989,7 +44033,7 @@
             </a:r>
             <a:r>
               <a:rPr baseline="30000"/>
-              <a:t>58</a:t>
+              <a:t>59</a:t>
             </a:r>
           </a:p>
           <a:p>
@@ -44000,7 +44044,7 @@
             </a:r>
             <a:r>
               <a:rPr baseline="30000"/>
-              <a:t>58</a:t>
+              <a:t>59</a:t>
             </a:r>
           </a:p>
           <a:p>
@@ -44019,7 +44063,7 @@
             </a:r>
             <a:r>
               <a:rPr baseline="30000"/>
-              <a:t>92</a:t>
+              <a:t>93</a:t>
             </a:r>
           </a:p>
           <a:p>
@@ -44047,7 +44091,7 @@
             </a:r>
             <a:r>
               <a:rPr baseline="30000"/>
-              <a:t>93</a:t>
+              <a:t>94</a:t>
             </a:r>
           </a:p>
           <a:p>
@@ -44058,7 +44102,7 @@
             </a:r>
             <a:r>
               <a:rPr baseline="30000"/>
-              <a:t>93</a:t>
+              <a:t>94</a:t>
             </a:r>
           </a:p>
           <a:p>
@@ -44069,7 +44113,7 @@
             </a:r>
             <a:r>
               <a:rPr baseline="30000"/>
-              <a:t>93</a:t>
+              <a:t>94</a:t>
             </a:r>
           </a:p>
           <a:p>
@@ -44080,7 +44124,7 @@
             </a:r>
             <a:r>
               <a:rPr baseline="30000"/>
-              <a:t>93</a:t>
+              <a:t>94</a:t>
             </a:r>
           </a:p>
           <a:p>
@@ -44091,7 +44135,7 @@
             </a:r>
             <a:r>
               <a:rPr baseline="30000"/>
-              <a:t>93</a:t>
+              <a:t>94</a:t>
             </a:r>
           </a:p>
           <a:p>
@@ -44322,7 +44366,7 @@
                 </a:r>
                 <a:r>
                   <a:rPr baseline="30000"/>
-                  <a:t>90</a:t>
+                  <a:t>91</a:t>
                 </a:r>
               </a:p>
               <a:p>
@@ -44341,7 +44385,7 @@
                 </a:r>
                 <a:r>
                   <a:rPr baseline="30000"/>
-                  <a:t>83</a:t>
+                  <a:t>84</a:t>
                 </a:r>
               </a:p>
               <a:p>
@@ -44369,7 +44413,7 @@
                 </a:r>
                 <a:r>
                   <a:rPr baseline="30000"/>
-                  <a:t>83</a:t>
+                  <a:t>84</a:t>
                 </a:r>
               </a:p>
               <a:p>
@@ -44380,7 +44424,7 @@
                 </a:r>
                 <a:r>
                   <a:rPr baseline="30000"/>
-                  <a:t>83</a:t>
+                  <a:t>84</a:t>
                 </a:r>
               </a:p>
               <a:p>
@@ -44402,7 +44446,7 @@
                 </a:r>
                 <a:r>
                   <a:rPr baseline="30000"/>
-                  <a:t>94</a:t>
+                  <a:t>95</a:t>
                 </a:r>
                 <a:r>
                   <a:rPr/>
@@ -44444,7 +44488,7 @@
                 </a:r>
                 <a:r>
                   <a:rPr baseline="30000"/>
-                  <a:t>83</a:t>
+                  <a:t>84</a:t>
                 </a:r>
               </a:p>
               <a:p>
@@ -44463,7 +44507,7 @@
                 </a:r>
                 <a:r>
                   <a:rPr baseline="30000"/>
-                  <a:t>83,89,90</a:t>
+                  <a:t>84,90,91</a:t>
                 </a:r>
               </a:p>
               <a:p>
@@ -44499,7 +44543,7 @@
                 </a:r>
                 <a:r>
                   <a:rPr baseline="30000"/>
-                  <a:t>95</a:t>
+                  <a:t>96</a:t>
                 </a:r>
                 <a:r>
                   <a:rPr/>
@@ -44537,7 +44581,7 @@
                 </a:r>
                 <a:r>
                   <a:rPr baseline="30000"/>
-                  <a:t>83</a:t>
+                  <a:t>84</a:t>
                 </a:r>
               </a:p>
               <a:p>
@@ -44574,7 +44618,7 @@
                 </a:r>
                 <a:r>
                   <a:rPr baseline="30000"/>
-                  <a:t>83,89</a:t>
+                  <a:t>84,90</a:t>
                 </a:r>
               </a:p>
               <a:p>
@@ -44604,7 +44648,7 @@
                 </a:r>
                 <a:r>
                   <a:rPr baseline="30000"/>
-                  <a:t>83</a:t>
+                  <a:t>84</a:t>
                 </a:r>
               </a:p>
               <a:p>
@@ -44627,7 +44671,7 @@
                 </a:r>
                 <a:r>
                   <a:rPr baseline="30000"/>
-                  <a:t>83</a:t>
+                  <a:t>84</a:t>
                 </a:r>
               </a:p>
               <a:p>
@@ -44683,7 +44727,7 @@
                 </a:r>
                 <a:r>
                   <a:rPr baseline="30000"/>
-                  <a:t>83</a:t>
+                  <a:t>84</a:t>
                 </a:r>
               </a:p>
               <a:p>
@@ -44706,7 +44750,7 @@
                 </a:r>
                 <a:r>
                   <a:rPr baseline="30000"/>
-                  <a:t>83</a:t>
+                  <a:t>84</a:t>
                 </a:r>
               </a:p>
               <a:p>
@@ -44743,7 +44787,7 @@
                 </a:r>
                 <a:r>
                   <a:rPr baseline="30000"/>
-                  <a:t>95</a:t>
+                  <a:t>96</a:t>
                 </a:r>
                 <a:r>
                   <a:rPr/>
@@ -44781,7 +44825,7 @@
                 </a:r>
                 <a:r>
                   <a:rPr baseline="30000"/>
-                  <a:t>83</a:t>
+                  <a:t>84</a:t>
                 </a:r>
               </a:p>
               <a:p>
@@ -44968,7 +45012,7 @@
             </a:r>
             <a:r>
               <a:rPr baseline="30000"/>
-              <a:t>46</a:t>
+              <a:t>47</a:t>
             </a:r>
           </a:p>
           <a:p>
@@ -44979,7 +45023,7 @@
             </a:r>
             <a:r>
               <a:rPr baseline="30000"/>
-              <a:t>46</a:t>
+              <a:t>47</a:t>
             </a:r>
           </a:p>
           <a:p>
@@ -45001,7 +45045,7 @@
             </a:r>
             <a:r>
               <a:rPr baseline="30000"/>
-              <a:t>96</a:t>
+              <a:t>97</a:t>
             </a:r>
             <a:r>
               <a:rPr/>
@@ -45043,7 +45087,7 @@
             </a:r>
             <a:r>
               <a:rPr baseline="30000"/>
-              <a:t>97</a:t>
+              <a:t>98</a:t>
             </a:r>
           </a:p>
           <a:p>
@@ -45054,7 +45098,7 @@
             </a:r>
             <a:r>
               <a:rPr baseline="30000"/>
-              <a:t>97</a:t>
+              <a:t>98</a:t>
             </a:r>
           </a:p>
           <a:p>
@@ -45065,7 +45109,7 @@
             </a:r>
             <a:r>
               <a:rPr baseline="30000"/>
-              <a:t>97</a:t>
+              <a:t>98</a:t>
             </a:r>
           </a:p>
           <a:p>
@@ -45076,7 +45120,7 @@
             </a:r>
             <a:r>
               <a:rPr baseline="30000"/>
-              <a:t>97</a:t>
+              <a:t>98</a:t>
             </a:r>
           </a:p>
           <a:p>
@@ -45189,7 +45233,7 @@
             </a:r>
             <a:r>
               <a:rPr baseline="30000"/>
-              <a:t>98</a:t>
+              <a:t>99</a:t>
             </a:r>
           </a:p>
           <a:p>
@@ -45302,7 +45346,7 @@
             </a:r>
             <a:r>
               <a:rPr baseline="30000"/>
-              <a:t>38,99</a:t>
+              <a:t>39,100</a:t>
             </a:r>
           </a:p>
           <a:p>
@@ -45330,7 +45374,7 @@
             </a:r>
             <a:r>
               <a:rPr baseline="30000"/>
-              <a:t>99</a:t>
+              <a:t>100</a:t>
             </a:r>
           </a:p>
           <a:p>
@@ -45341,7 +45385,7 @@
             </a:r>
             <a:r>
               <a:rPr baseline="30000"/>
-              <a:t>99</a:t>
+              <a:t>100</a:t>
             </a:r>
           </a:p>
           <a:p>
@@ -45352,7 +45396,7 @@
             </a:r>
             <a:r>
               <a:rPr baseline="30000"/>
-              <a:t>99</a:t>
+              <a:t>100</a:t>
             </a:r>
           </a:p>
           <a:p>
@@ -45363,7 +45407,7 @@
             </a:r>
             <a:r>
               <a:rPr baseline="30000"/>
-              <a:t>99</a:t>
+              <a:t>100</a:t>
             </a:r>
           </a:p>
           <a:p>
@@ -45374,7 +45418,7 @@
             </a:r>
             <a:r>
               <a:rPr baseline="30000"/>
-              <a:t>99</a:t>
+              <a:t>100</a:t>
             </a:r>
           </a:p>
           <a:p>
@@ -45406,7 +45450,7 @@
             </a:r>
             <a:r>
               <a:rPr baseline="30000"/>
-              <a:t>100</a:t>
+              <a:t>101</a:t>
             </a:r>
           </a:p>
           <a:p>
@@ -45417,7 +45461,7 @@
             </a:r>
             <a:r>
               <a:rPr baseline="30000"/>
-              <a:t>98,101</a:t>
+              <a:t>99,102</a:t>
             </a:r>
           </a:p>
           <a:p>
@@ -45439,7 +45483,7 @@
             </a:r>
             <a:r>
               <a:rPr baseline="30000"/>
-              <a:t>102</a:t>
+              <a:t>103</a:t>
             </a:r>
             <a:r>
               <a:rPr/>
@@ -45590,7 +45634,7 @@
             </a:r>
             <a:r>
               <a:rPr baseline="30000"/>
-              <a:t>38</a:t>
+              <a:t>39</a:t>
             </a:r>
           </a:p>
           <a:p>
@@ -45618,7 +45662,7 @@
             </a:r>
             <a:r>
               <a:rPr baseline="30000"/>
-              <a:t>38</a:t>
+              <a:t>39</a:t>
             </a:r>
           </a:p>
           <a:p>
@@ -45640,7 +45684,7 @@
             </a:r>
             <a:r>
               <a:rPr baseline="30000"/>
-              <a:t>102</a:t>
+              <a:t>103</a:t>
             </a:r>
             <a:r>
               <a:rPr/>
@@ -45767,7 +45811,7 @@
             </a:r>
             <a:r>
               <a:rPr baseline="30000"/>
-              <a:t>103</a:t>
+              <a:t>104</a:t>
             </a:r>
           </a:p>
           <a:p>
@@ -45819,7 +45863,7 @@
             </a:r>
             <a:r>
               <a:rPr baseline="30000"/>
-              <a:t>103</a:t>
+              <a:t>104</a:t>
             </a:r>
           </a:p>
           <a:p>
@@ -45841,7 +45885,7 @@
             </a:r>
             <a:r>
               <a:rPr baseline="30000"/>
-              <a:t>104</a:t>
+              <a:t>105</a:t>
             </a:r>
             <a:r>
               <a:rPr/>
@@ -45853,7 +45897,7 @@
             </a:r>
             <a:r>
               <a:rPr baseline="30000"/>
-              <a:t>105</a:t>
+              <a:t>106</a:t>
             </a:r>
             <a:r>
               <a:rPr/>
@@ -45865,7 +45909,7 @@
             </a:r>
             <a:r>
               <a:rPr baseline="30000"/>
-              <a:t>106</a:t>
+              <a:t>107</a:t>
             </a:r>
             <a:r>
               <a:rPr/>
@@ -45927,7 +45971,7 @@
             </a:r>
             <a:r>
               <a:rPr baseline="30000"/>
-              <a:t>107</a:t>
+              <a:t>108</a:t>
             </a:r>
           </a:p>
           <a:p>
@@ -45938,7 +45982,7 @@
             </a:r>
             <a:r>
               <a:rPr baseline="30000"/>
-              <a:t>107</a:t>
+              <a:t>108</a:t>
             </a:r>
           </a:p>
           <a:p>
@@ -45949,7 +45993,7 @@
             </a:r>
             <a:r>
               <a:rPr baseline="30000"/>
-              <a:t>107</a:t>
+              <a:t>108</a:t>
             </a:r>
           </a:p>
           <a:p>
@@ -45960,7 +46004,7 @@
             </a:r>
             <a:r>
               <a:rPr baseline="30000"/>
-              <a:t>107</a:t>
+              <a:t>108</a:t>
             </a:r>
           </a:p>
           <a:p>
@@ -45971,7 +46015,7 @@
             </a:r>
             <a:r>
               <a:rPr baseline="30000"/>
-              <a:t>107</a:t>
+              <a:t>108</a:t>
             </a:r>
           </a:p>
           <a:p>
@@ -45999,7 +46043,7 @@
             </a:r>
             <a:r>
               <a:rPr baseline="30000"/>
-              <a:t>107</a:t>
+              <a:t>108</a:t>
             </a:r>
           </a:p>
           <a:p>
@@ -46007,17 +46051,6 @@
             <a:r>
               <a:rPr/>
               <a:t>Para análise inferencial de figuras, as barras de erro representadas por erro-padrão ou intervalo de confiança são preferíveis à amplitude ou desvio-padrão.</a:t>
-            </a:r>
-            <a:r>
-              <a:rPr baseline="30000"/>
-              <a:t>107</a:t>
-            </a:r>
-          </a:p>
-          <a:p>
-            <a:pPr lvl="0"/>
-            <a:r>
-              <a:rPr/>
-              <a:t>Evite gráficos de barra e mostre a distribuição dos dados sempre que possível.</a:t>
             </a:r>
             <a:r>
               <a:rPr baseline="30000"/>
@@ -46028,11 +46061,22 @@
             <a:pPr lvl="0"/>
             <a:r>
               <a:rPr/>
+              <a:t>Evite gráficos de barra e mostre a distribuição dos dados sempre que possível.</a:t>
+            </a:r>
+            <a:r>
+              <a:rPr baseline="30000"/>
+              <a:t>109</a:t>
+            </a:r>
+          </a:p>
+          <a:p>
+            <a:pPr lvl="0"/>
+            <a:r>
+              <a:rPr/>
               <a:t>Exiba os pontos de dados em boxplots.</a:t>
             </a:r>
             <a:r>
               <a:rPr baseline="30000"/>
-              <a:t>108</a:t>
+              <a:t>109</a:t>
             </a:r>
           </a:p>
           <a:p>
@@ -46051,7 +46095,7 @@
             </a:r>
             <a:r>
               <a:rPr baseline="30000"/>
-              <a:t>108</a:t>
+              <a:t>109</a:t>
             </a:r>
           </a:p>
           <a:p>
@@ -46062,7 +46106,7 @@
             </a:r>
             <a:r>
               <a:rPr baseline="30000"/>
-              <a:t>108</a:t>
+              <a:t>109</a:t>
             </a:r>
           </a:p>
           <a:p>
@@ -46084,7 +46128,7 @@
             </a:r>
             <a:r>
               <a:rPr baseline="30000"/>
-              <a:t>109</a:t>
+              <a:t>110</a:t>
             </a:r>
             <a:r>
               <a:rPr/>
@@ -46291,7 +46335,7 @@
                 </a:r>
                 <a:r>
                   <a:rPr baseline="30000"/>
-                  <a:t>110</a:t>
+                  <a:t>111</a:t>
                 </a:r>
               </a:p>
               <a:p>
@@ -46330,7 +46374,7 @@
                 </a:r>
                 <a:r>
                   <a:rPr baseline="30000"/>
-                  <a:t>111</a:t>
+                  <a:t>112</a:t>
                 </a:r>
               </a:p>
               <a:p>
@@ -46341,7 +46385,7 @@
                 </a:r>
                 <a:r>
                   <a:rPr baseline="30000"/>
-                  <a:t>111</a:t>
+                  <a:t>112</a:t>
                 </a:r>
               </a:p>
               <a:p>
@@ -46352,7 +46396,7 @@
                 </a:r>
                 <a:r>
                   <a:rPr baseline="30000"/>
-                  <a:t>111</a:t>
+                  <a:t>112</a:t>
                 </a:r>
               </a:p>
               <a:p>
@@ -46363,7 +46407,7 @@
                 </a:r>
                 <a:r>
                   <a:rPr baseline="30000"/>
-                  <a:t>111</a:t>
+                  <a:t>112</a:t>
                 </a:r>
               </a:p>
               <a:p>
@@ -46374,7 +46418,7 @@
                 </a:r>
                 <a:r>
                   <a:rPr baseline="30000"/>
-                  <a:t>111</a:t>
+                  <a:t>112</a:t>
                 </a:r>
               </a:p>
               <a:p>
@@ -46385,7 +46429,7 @@
                 </a:r>
                 <a:r>
                   <a:rPr baseline="30000"/>
-                  <a:t>111</a:t>
+                  <a:t>112</a:t>
                 </a:r>
               </a:p>
               <a:p>
@@ -46433,7 +46477,7 @@
                 </a:r>
                 <a:r>
                   <a:rPr baseline="30000"/>
-                  <a:t>112</a:t>
+                  <a:t>113</a:t>
                 </a:r>
               </a:p>
               <a:p>
@@ -46464,7 +46508,7 @@
                 </a:r>
                 <a:r>
                   <a:rPr baseline="30000"/>
-                  <a:t>112</a:t>
+                  <a:t>113</a:t>
                 </a:r>
               </a:p>
               <a:p>
@@ -46475,7 +46519,7 @@
                 </a:r>
                 <a:r>
                   <a:rPr baseline="30000"/>
-                  <a:t>112</a:t>
+                  <a:t>113</a:t>
                 </a:r>
               </a:p>
               <a:p>
@@ -46706,7 +46750,7 @@
                 </a:r>
                 <a:r>
                   <a:rPr baseline="30000"/>
-                  <a:t>113</a:t>
+                  <a:t>114</a:t>
                 </a:r>
               </a:p>
               <a:p>
@@ -46737,7 +46781,7 @@
                 </a:r>
                 <a:r>
                   <a:rPr baseline="30000"/>
-                  <a:t>113</a:t>
+                  <a:t>114</a:t>
                 </a:r>
               </a:p>
               <a:p>
@@ -46832,7 +46876,7 @@
                 </a:r>
                 <a:r>
                   <a:rPr baseline="30000"/>
-                  <a:t>113</a:t>
+                  <a:t>114</a:t>
                 </a:r>
               </a:p>
               <a:p>
@@ -46843,7 +46887,7 @@
                 </a:r>
                 <a:r>
                   <a:rPr baseline="30000"/>
-                  <a:t>113</a:t>
+                  <a:t>114</a:t>
                 </a:r>
               </a:p>
               <a:p>
@@ -46891,7 +46935,7 @@
                 </a:r>
                 <a:r>
                   <a:rPr baseline="30000"/>
-                  <a:t>114</a:t>
+                  <a:t>115</a:t>
                 </a:r>
               </a:p>
               <a:p>
@@ -47036,7 +47080,7 @@
                 </a:r>
                 <a:r>
                   <a:rPr baseline="30000"/>
-                  <a:t>79</a:t>
+                  <a:t>80</a:t>
                 </a:r>
               </a:p>
               <a:p>
@@ -47084,7 +47128,7 @@
                 </a:r>
                 <a:r>
                   <a:rPr baseline="30000"/>
-                  <a:t>79</a:t>
+                  <a:t>80</a:t>
                 </a:r>
               </a:p>
               <a:p>
@@ -47132,7 +47176,7 @@
                 </a:r>
                 <a:r>
                   <a:rPr baseline="30000"/>
-                  <a:t>60</a:t>
+                  <a:t>61</a:t>
                 </a:r>
               </a:p>
               <a:p>
@@ -47163,7 +47207,7 @@
                 </a:r>
                 <a:r>
                   <a:rPr baseline="30000"/>
-                  <a:t>60</a:t>
+                  <a:t>61</a:t>
                 </a:r>
               </a:p>
               <a:p>
@@ -47194,7 +47238,7 @@
                 </a:r>
                 <a:r>
                   <a:rPr baseline="30000"/>
-                  <a:t>79</a:t>
+                  <a:t>80</a:t>
                 </a:r>
               </a:p>
               <a:p>
@@ -47227,7 +47271,7 @@
                 </a:r>
                 <a:r>
                   <a:rPr baseline="30000"/>
-                  <a:t>110</a:t>
+                  <a:t>111</a:t>
                 </a:r>
               </a:p>
               <a:p>
@@ -47255,7 +47299,7 @@
                 </a:r>
                 <a:r>
                   <a:rPr baseline="30000"/>
-                  <a:t>115</a:t>
+                  <a:t>116</a:t>
                 </a:r>
               </a:p>
               <a:p>
@@ -47266,7 +47310,7 @@
                 </a:r>
                 <a:r>
                   <a:rPr baseline="30000"/>
-                  <a:t>115</a:t>
+                  <a:t>116</a:t>
                 </a:r>
               </a:p>
               <a:p>
@@ -47277,7 +47321,7 @@
                 </a:r>
                 <a:r>
                   <a:rPr baseline="30000"/>
-                  <a:t>115</a:t>
+                  <a:t>116</a:t>
                 </a:r>
               </a:p>
               <a:p>
@@ -47288,7 +47332,7 @@
                 </a:r>
                 <a:r>
                   <a:rPr baseline="30000"/>
-                  <a:t>115</a:t>
+                  <a:t>116</a:t>
                 </a:r>
               </a:p>
               <a:p>
@@ -47396,7 +47440,7 @@
                 </a:r>
                 <a:r>
                   <a:rPr baseline="30000"/>
-                  <a:t>44</a:t>
+                  <a:t>45</a:t>
                 </a:r>
                 <a:r>
                   <a:rPr/>
@@ -47462,7 +47506,7 @@
                 </a:r>
                 <a:r>
                   <a:rPr baseline="30000"/>
-                  <a:t>116</a:t>
+                  <a:t>117</a:t>
                 </a:r>
               </a:p>
               <a:p>
@@ -47473,7 +47517,7 @@
                 </a:r>
                 <a:r>
                   <a:rPr baseline="30000"/>
-                  <a:t>116</a:t>
+                  <a:t>117</a:t>
                 </a:r>
               </a:p>
               <a:p>
@@ -47590,7 +47634,7 @@
                 </a:r>
                 <a:r>
                   <a:rPr baseline="30000"/>
-                  <a:t>46</a:t>
+                  <a:t>47</a:t>
                 </a:r>
               </a:p>
               <a:p>
@@ -47601,7 +47645,7 @@
                 </a:r>
                 <a:r>
                   <a:rPr baseline="30000"/>
-                  <a:t>46,60</a:t>
+                  <a:t>47,61</a:t>
                 </a:r>
               </a:p>
               <a:p>
@@ -47629,7 +47673,7 @@
                 </a:r>
                 <a:r>
                   <a:rPr baseline="30000"/>
-                  <a:t>46,60</a:t>
+                  <a:t>47,61</a:t>
                 </a:r>
               </a:p>
               <a:p>
@@ -47640,7 +47684,7 @@
                 </a:r>
                 <a:r>
                   <a:rPr baseline="30000"/>
-                  <a:t>60</a:t>
+                  <a:t>61</a:t>
                 </a:r>
               </a:p>
               <a:p>
@@ -47668,7 +47712,7 @@
                 </a:r>
                 <a:r>
                   <a:rPr baseline="30000"/>
-                  <a:t>46</a:t>
+                  <a:t>47</a:t>
                 </a:r>
               </a:p>
               <a:p>
@@ -47679,7 +47723,7 @@
                 </a:r>
                 <a:r>
                   <a:rPr baseline="30000"/>
-                  <a:t>60</a:t>
+                  <a:t>61</a:t>
                 </a:r>
               </a:p>
               <a:p>
@@ -47716,7 +47760,7 @@
                 </a:r>
                 <a:r>
                   <a:rPr baseline="30000"/>
-                  <a:t>46</a:t>
+                  <a:t>47</a:t>
                 </a:r>
               </a:p>
               <a:p>
@@ -47767,7 +47811,7 @@
                 </a:r>
                 <a:r>
                   <a:rPr baseline="30000"/>
-                  <a:t>110</a:t>
+                  <a:t>111</a:t>
                 </a:r>
               </a:p>
               <a:p>
@@ -47843,7 +47887,7 @@
                 </a:r>
                 <a:r>
                   <a:rPr baseline="30000"/>
-                  <a:t>117</a:t>
+                  <a:t>118</a:t>
                 </a:r>
               </a:p>
               <a:p>
@@ -47854,7 +47898,7 @@
                 </a:r>
                 <a:r>
                   <a:rPr baseline="30000"/>
-                  <a:t>117</a:t>
+                  <a:t>118</a:t>
                 </a:r>
               </a:p>
               <a:p>
@@ -47971,7 +48015,7 @@
                 </a:r>
                 <a:r>
                   <a:rPr baseline="30000"/>
-                  <a:t>118</a:t>
+                  <a:t>119</a:t>
                 </a:r>
               </a:p>
               <a:p>
@@ -48014,7 +48058,7 @@
                 </a:r>
                 <a:r>
                   <a:rPr baseline="30000"/>
-                  <a:t>118</a:t>
+                  <a:t>119</a:t>
                 </a:r>
               </a:p>
               <a:p>
@@ -48025,7 +48069,7 @@
                 </a:r>
                 <a:r>
                   <a:rPr baseline="30000"/>
-                  <a:t>118</a:t>
+                  <a:t>119</a:t>
                 </a:r>
               </a:p>
               <a:p>
@@ -48036,7 +48080,7 @@
                 </a:r>
                 <a:r>
                   <a:rPr baseline="30000"/>
-                  <a:t>118</a:t>
+                  <a:t>119</a:t>
                 </a:r>
               </a:p>
               <a:p>
@@ -48067,7 +48111,7 @@
                 </a:r>
                 <a:r>
                   <a:rPr baseline="30000"/>
-                  <a:t>119</a:t>
+                  <a:t>120</a:t>
                 </a:r>
               </a:p>
               <a:p>
@@ -48078,7 +48122,7 @@
                 </a:r>
                 <a:r>
                   <a:rPr baseline="30000"/>
-                  <a:t>92</a:t>
+                  <a:t>93</a:t>
                 </a:r>
               </a:p>
               <a:p>
@@ -48126,7 +48170,7 @@
                 </a:r>
                 <a:r>
                   <a:rPr baseline="30000"/>
-                  <a:t>118</a:t>
+                  <a:t>119</a:t>
                 </a:r>
               </a:p>
               <a:p>
@@ -48137,7 +48181,7 @@
                 </a:r>
                 <a:r>
                   <a:rPr baseline="30000"/>
-                  <a:t>118</a:t>
+                  <a:t>119</a:t>
                 </a:r>
               </a:p>
               <a:p>
@@ -48165,7 +48209,7 @@
                 </a:r>
                 <a:r>
                   <a:rPr baseline="30000"/>
-                  <a:t>118</a:t>
+                  <a:t>119</a:t>
                 </a:r>
               </a:p>
               <a:p>
@@ -48176,7 +48220,7 @@
                 </a:r>
                 <a:r>
                   <a:rPr baseline="30000"/>
-                  <a:t>118</a:t>
+                  <a:t>119</a:t>
                 </a:r>
               </a:p>
               <a:p>
@@ -48187,7 +48231,7 @@
                 </a:r>
                 <a:r>
                   <a:rPr baseline="30000"/>
-                  <a:t>118</a:t>
+                  <a:t>119</a:t>
                 </a:r>
               </a:p>
               <a:p>
@@ -48304,7 +48348,7 @@
                 </a:r>
                 <a:r>
                   <a:rPr baseline="30000"/>
-                  <a:t>120</a:t>
+                  <a:t>121</a:t>
                 </a:r>
               </a:p>
               <a:p>
@@ -48332,7 +48376,7 @@
                 </a:r>
                 <a:r>
                   <a:rPr baseline="30000"/>
-                  <a:t>117</a:t>
+                  <a:t>118</a:t>
                 </a:r>
               </a:p>
               <a:p>
@@ -48360,7 +48404,7 @@
                 </a:r>
                 <a:r>
                   <a:rPr baseline="30000"/>
-                  <a:t>117,120</a:t>
+                  <a:t>118,121</a:t>
                 </a:r>
               </a:p>
               <a:p>
@@ -48448,7 +48492,7 @@
                 </a:r>
                 <a:r>
                   <a:rPr baseline="30000"/>
-                  <a:t>117,120</a:t>
+                  <a:t>118,121</a:t>
                 </a:r>
               </a:p>
               <a:p>
@@ -48521,7 +48565,7 @@
                 </a:r>
                 <a:r>
                   <a:rPr baseline="30000"/>
-                  <a:t>120</a:t>
+                  <a:t>121</a:t>
                 </a:r>
               </a:p>
               <a:p>
@@ -48658,7 +48702,7 @@
                 </a:r>
                 <a:r>
                   <a:rPr baseline="30000"/>
-                  <a:t>110</a:t>
+                  <a:t>111</a:t>
                 </a:r>
               </a:p>
               <a:p>
@@ -48689,7 +48733,7 @@
                 </a:r>
                 <a:r>
                   <a:rPr baseline="30000"/>
-                  <a:t>110</a:t>
+                  <a:t>111</a:t>
                 </a:r>
               </a:p>
               <a:p>
@@ -48717,7 +48761,7 @@
                 </a:r>
                 <a:r>
                   <a:rPr baseline="30000"/>
-                  <a:t>121</a:t>
+                  <a:t>122</a:t>
                 </a:r>
               </a:p>
               <a:p>
@@ -48750,7 +48794,7 @@
                 </a:r>
                 <a:r>
                   <a:rPr baseline="30000"/>
-                  <a:t>121</a:t>
+                  <a:t>122</a:t>
                 </a:r>
               </a:p>
               <a:p>
@@ -48781,7 +48825,7 @@
                 </a:r>
                 <a:r>
                   <a:rPr baseline="30000"/>
-                  <a:t>121</a:t>
+                  <a:t>122</a:t>
                 </a:r>
               </a:p>
               <a:p>
@@ -48809,7 +48853,7 @@
                 </a:r>
                 <a:r>
                   <a:rPr baseline="30000"/>
-                  <a:t>121</a:t>
+                  <a:t>122</a:t>
                 </a:r>
               </a:p>
               <a:p>
@@ -48820,7 +48864,7 @@
                 </a:r>
                 <a:r>
                   <a:rPr baseline="30000"/>
-                  <a:t>121</a:t>
+                  <a:t>122</a:t>
                 </a:r>
               </a:p>
               <a:p>
@@ -48876,7 +48920,7 @@
                 </a:r>
                 <a:r>
                   <a:rPr baseline="30000"/>
-                  <a:t>97,121</a:t>
+                  <a:t>98,122</a:t>
                 </a:r>
               </a:p>
               <a:p>
@@ -48915,7 +48959,7 @@
                 </a:r>
                 <a:r>
                   <a:rPr baseline="30000"/>
-                  <a:t>121</a:t>
+                  <a:t>122</a:t>
                 </a:r>
               </a:p>
               <a:p>
@@ -49032,7 +49076,7 @@
                 </a:r>
                 <a:r>
                   <a:rPr baseline="30000"/>
-                  <a:t>110</a:t>
+                  <a:t>111</a:t>
                 </a:r>
               </a:p>
               <a:p>
@@ -49104,7 +49148,7 @@
                 </a:r>
                 <a:r>
                   <a:rPr baseline="30000"/>
-                  <a:t>110</a:t>
+                  <a:t>111</a:t>
                 </a:r>
               </a:p>
               <a:p>
@@ -49152,7 +49196,7 @@
                 </a:r>
                 <a:r>
                   <a:rPr baseline="30000"/>
-                  <a:t>110</a:t>
+                  <a:t>111</a:t>
                 </a:r>
               </a:p>
               <a:p>
@@ -49407,7 +49451,7 @@
             </a:r>
             <a:r>
               <a:rPr baseline="30000"/>
-              <a:t>122</a:t>
+              <a:t>123</a:t>
             </a:r>
           </a:p>
           <a:p>
@@ -49418,7 +49462,7 @@
             </a:r>
             <a:r>
               <a:rPr baseline="30000"/>
-              <a:t>122</a:t>
+              <a:t>123</a:t>
             </a:r>
           </a:p>
           <a:p>

--- a/docs/Ciencia-com-R.pptx
+++ b/docs/Ciencia-com-R.pptx
@@ -3630,7 +3630,7 @@
             </a:pPr>
             <a:r>
               <a:rPr/>
-              <a:t>Atualizado em 16/10/2023  </a:t>
+              <a:t>Atualizado em 17/10/2023  </a:t>
             </a:r>
           </a:p>
         </p:txBody>
@@ -33071,7 +33071,7 @@
             </a:r>
             <a:r>
               <a:rPr/>
-              <a:t>. Rio de Janeiro: 1a edição, 2023. 141p. </a:t>
+              <a:t>. Rio de Janeiro: 1a edição, 2023. 140p. </a:t>
             </a:r>
             <a:r>
               <a:rPr>
@@ -36872,7 +36872,7 @@
       </p:sp>
       <p:pic>
         <p:nvPicPr>
-          <p:cNvPr descr="Ciencia-com-R_files/figure-pptx/unnamed-chunk-1-1.png" id="3" name="Picture 1"/>
+          <p:cNvPr descr="Ciencia-com-R_files/figure-pptx/unnamed-chunk-2-1.png" id="3" name="Picture 1"/>
           <p:cNvPicPr>
             <a:picLocks noGrp="1" noChangeAspect="1"/>
           </p:cNvPicPr>

--- a/docs/Ciencia-com-R.pptx
+++ b/docs/Ciencia-com-R.pptx
@@ -26714,7 +26714,7 @@
             </a:pPr>
             <a:r>
               <a:rPr/>
-              <a:t>Diretrizes {#diretrizes}</a:t>
+              <a:t>Diretrizes</a:t>
             </a:r>
           </a:p>
         </p:txBody>
@@ -33881,7 +33881,7 @@
             </a:r>
             <a:r>
               <a:rPr/>
-              <a:t>. Rio de Janeiro: 1a edição, 2023. 136p. </a:t>
+              <a:t>. Rio de Janeiro: 1a edição, 2023. 133p. </a:t>
             </a:r>
             <a:r>
               <a:rPr>

--- a/docs/Ciencia-com-R.pptx
+++ b/docs/Ciencia-com-R.pptx
@@ -4272,11 +4272,12 @@
               </a:rPr>
               <a:t>&lt;-</a:t>
             </a:r>
+            <a:br/>
             <a:r>
               <a:rPr>
                 <a:latin typeface="Courier"/>
               </a:rPr>
-              <a:t> </a:t>
+              <a:t>  </a:t>
             </a:r>
             <a:r>
               <a:rPr i="1">
@@ -4285,14 +4286,14 @@
                 </a:solidFill>
                 <a:latin typeface="Courier"/>
               </a:rPr>
-              <a:t># banco de dados tbl_cross &lt;- # banco de dados</a:t>
+              <a:t># banco de dados</a:t>
             </a:r>
             <a:br/>
             <a:r>
               <a:rPr>
                 <a:latin typeface="Courier"/>
               </a:rPr>
-              <a:t>trial </a:t>
+              <a:t>  trial </a:t>
             </a:r>
             <a:r>
               <a:rPr>
@@ -4308,7 +4309,7 @@
               <a:rPr>
                 <a:latin typeface="Courier"/>
               </a:rPr>
-              <a:t>    </a:t>
+              <a:t>  </a:t>
             </a:r>
             <a:r>
               <a:rPr i="1">
@@ -4324,7 +4325,7 @@
               <a:rPr>
                 <a:latin typeface="Courier"/>
               </a:rPr>
-              <a:t>gtsummary</a:t>
+              <a:t>  gtsummary</a:t>
             </a:r>
             <a:r>
               <a:rPr>
@@ -4350,6 +4351,13 @@
               </a:rPr>
               <a:t>(</a:t>
             </a:r>
+            <a:br/>
+            <a:r>
+              <a:rPr>
+                <a:latin typeface="Courier"/>
+              </a:rPr>
+              <a:t>    </a:t>
+            </a:r>
             <a:r>
               <a:rPr>
                 <a:solidFill>
@@ -4363,7 +4371,14 @@
               <a:rPr>
                 <a:latin typeface="Courier"/>
               </a:rPr>
-              <a:t> trt, </a:t>
+              <a:t> trt,</a:t>
+            </a:r>
+            <a:br/>
+            <a:r>
+              <a:rPr>
+                <a:latin typeface="Courier"/>
+              </a:rPr>
+              <a:t>    </a:t>
             </a:r>
             <a:r>
               <a:rPr>
@@ -4378,7 +4393,14 @@
               <a:rPr>
                 <a:latin typeface="Courier"/>
               </a:rPr>
-              <a:t> response, </a:t>
+              <a:t> response,</a:t>
+            </a:r>
+            <a:br/>
+            <a:r>
+              <a:rPr>
+                <a:latin typeface="Courier"/>
+              </a:rPr>
+              <a:t>    </a:t>
             </a:r>
             <a:r>
               <a:rPr>
@@ -4408,7 +4430,14 @@
               <a:rPr>
                 <a:latin typeface="Courier"/>
               </a:rPr>
-              <a:t>, </a:t>
+              <a:t>,</a:t>
+            </a:r>
+            <a:br/>
+            <a:r>
+              <a:rPr>
+                <a:latin typeface="Courier"/>
+              </a:rPr>
+              <a:t>    </a:t>
             </a:r>
             <a:r>
               <a:rPr>
@@ -4438,7 +4467,14 @@
               <a:rPr>
                 <a:latin typeface="Courier"/>
               </a:rPr>
-              <a:t>, </a:t>
+              <a:t>,</a:t>
+            </a:r>
+            <a:br/>
+            <a:r>
+              <a:rPr>
+                <a:latin typeface="Courier"/>
+              </a:rPr>
+              <a:t>    </a:t>
             </a:r>
             <a:r>
               <a:rPr>
@@ -4535,7 +4571,14 @@
               <a:rPr>
                 <a:latin typeface="Courier"/>
               </a:rPr>
-              <a:t>), </a:t>
+              <a:t>),</a:t>
+            </a:r>
+            <a:br/>
+            <a:r>
+              <a:rPr>
+                <a:latin typeface="Courier"/>
+              </a:rPr>
+              <a:t>    </a:t>
             </a:r>
             <a:r>
               <a:rPr>
@@ -4565,7 +4608,14 @@
               <a:rPr>
                 <a:latin typeface="Courier"/>
               </a:rPr>
-              <a:t>, </a:t>
+              <a:t>,</a:t>
+            </a:r>
+            <a:br/>
+            <a:r>
+              <a:rPr>
+                <a:latin typeface="Courier"/>
+              </a:rPr>
+              <a:t>    </a:t>
             </a:r>
             <a:r>
               <a:rPr>
@@ -4628,11 +4678,12 @@
               </a:rPr>
               <a:t>"Total"</a:t>
             </a:r>
+            <a:br/>
             <a:r>
               <a:rPr>
                 <a:latin typeface="Courier"/>
               </a:rPr>
-              <a:t>) </a:t>
+              <a:t>  ) </a:t>
             </a:r>
             <a:r>
               <a:rPr>
@@ -4648,7 +4699,7 @@
               <a:rPr>
                 <a:latin typeface="Courier"/>
               </a:rPr>
-              <a:t>    </a:t>
+              <a:t>  </a:t>
             </a:r>
             <a:r>
               <a:rPr i="1">
@@ -4664,7 +4715,7 @@
               <a:rPr>
                 <a:latin typeface="Courier"/>
               </a:rPr>
-              <a:t>gtsummary</a:t>
+              <a:t>  gtsummary</a:t>
             </a:r>
             <a:r>
               <a:rPr>
@@ -4690,6 +4741,13 @@
               </a:rPr>
               <a:t>(</a:t>
             </a:r>
+            <a:br/>
+            <a:r>
+              <a:rPr>
+                <a:latin typeface="Courier"/>
+              </a:rPr>
+              <a:t>    </a:t>
+            </a:r>
             <a:r>
               <a:rPr>
                 <a:solidFill>
@@ -4718,7 +4776,14 @@
               <a:rPr>
                 <a:latin typeface="Courier"/>
               </a:rPr>
-              <a:t>, </a:t>
+              <a:t>,</a:t>
+            </a:r>
+            <a:br/>
+            <a:r>
+              <a:rPr>
+                <a:latin typeface="Courier"/>
+              </a:rPr>
+              <a:t>    </a:t>
             </a:r>
             <a:r>
               <a:rPr>
@@ -4793,7 +4858,14 @@
               <a:rPr>
                 <a:latin typeface="Courier"/>
               </a:rPr>
-              <a:t>)) </a:t>
+              <a:t>)</a:t>
+            </a:r>
+            <a:br/>
+            <a:r>
+              <a:rPr>
+                <a:latin typeface="Courier"/>
+              </a:rPr>
+              <a:t>  ) </a:t>
             </a:r>
             <a:r>
               <a:rPr>
@@ -4809,7 +4881,7 @@
               <a:rPr>
                 <a:latin typeface="Courier"/>
               </a:rPr>
-              <a:t>    gtsummary</a:t>
+              <a:t>  gtsummary</a:t>
             </a:r>
             <a:r>
               <a:rPr>
@@ -4835,6 +4907,13 @@
               </a:rPr>
               <a:t>(</a:t>
             </a:r>
+            <a:br/>
+            <a:r>
+              <a:rPr>
+                <a:latin typeface="Courier"/>
+              </a:rPr>
+              <a:t>    </a:t>
+            </a:r>
             <a:r>
               <a:rPr>
                 <a:solidFill>
@@ -4859,11 +4938,12 @@
               </a:rPr>
               <a:t>"**P-valor**"</a:t>
             </a:r>
+            <a:br/>
             <a:r>
               <a:rPr>
                 <a:latin typeface="Courier"/>
               </a:rPr>
-              <a:t>) </a:t>
+              <a:t>  ) </a:t>
             </a:r>
             <a:r>
               <a:rPr>
@@ -4879,7 +4959,7 @@
               <a:rPr>
                 <a:latin typeface="Courier"/>
               </a:rPr>
-              <a:t>    </a:t>
+              <a:t>  </a:t>
             </a:r>
             <a:r>
               <a:rPr i="1">
@@ -4895,7 +4975,7 @@
               <a:rPr>
                 <a:latin typeface="Courier"/>
               </a:rPr>
-              <a:t>gtsummary</a:t>
+              <a:t>  gtsummary</a:t>
             </a:r>
             <a:r>
               <a:rPr>
@@ -4921,6 +5001,13 @@
               </a:rPr>
               <a:t>(</a:t>
             </a:r>
+            <a:br/>
+            <a:r>
+              <a:rPr>
+                <a:latin typeface="Courier"/>
+              </a:rPr>
+              <a:t>    </a:t>
+            </a:r>
             <a:r>
               <a:rPr>
                 <a:solidFill>
@@ -4949,7 +5036,14 @@
               <a:rPr>
                 <a:latin typeface="Courier"/>
               </a:rPr>
-              <a:t>, </a:t>
+              <a:t>,</a:t>
+            </a:r>
+            <a:br/>
+            <a:r>
+              <a:rPr>
+                <a:latin typeface="Courier"/>
+              </a:rPr>
+              <a:t>    </a:t>
             </a:r>
             <a:r>
               <a:rPr>
@@ -5003,14 +5097,14 @@
               <a:rPr>
                 <a:latin typeface="Courier"/>
               </a:rPr>
-              <a:t>(trt,</a:t>
+              <a:t>(trt, response))</a:t>
             </a:r>
             <a:br/>
             <a:r>
               <a:rPr>
                 <a:latin typeface="Courier"/>
               </a:rPr>
-              <a:t>    response))) </a:t>
+              <a:t>  ) </a:t>
             </a:r>
             <a:r>
               <a:rPr>
@@ -5026,7 +5120,7 @@
               <a:rPr>
                 <a:latin typeface="Courier"/>
               </a:rPr>
-              <a:t>    </a:t>
+              <a:t>  </a:t>
             </a:r>
             <a:r>
               <a:rPr i="1">
@@ -5042,7 +5136,7 @@
               <a:rPr>
                 <a:latin typeface="Courier"/>
               </a:rPr>
-              <a:t>gtsummary</a:t>
+              <a:t>  gtsummary</a:t>
             </a:r>
             <a:r>
               <a:rPr>
@@ -5082,7 +5176,7 @@
               <a:rPr>
                 <a:latin typeface="Courier"/>
               </a:rPr>
-              <a:t>    </a:t>
+              <a:t>  </a:t>
             </a:r>
             <a:r>
               <a:rPr i="1">
@@ -5098,7 +5192,7 @@
               <a:rPr>
                 <a:latin typeface="Courier"/>
               </a:rPr>
-              <a:t>gtsummary</a:t>
+              <a:t>  gtsummary</a:t>
             </a:r>
             <a:r>
               <a:rPr>
@@ -5124,6 +5218,13 @@
               </a:rPr>
               <a:t>(</a:t>
             </a:r>
+            <a:br/>
+            <a:r>
+              <a:rPr>
+                <a:latin typeface="Courier"/>
+              </a:rPr>
+              <a:t>    </a:t>
+            </a:r>
             <a:r>
               <a:rPr>
                 <a:solidFill>
@@ -5133,11 +5234,12 @@
               </a:rPr>
               <a:t>"Teste Qui-quadrado (com correção de Yates)"</a:t>
             </a:r>
+            <a:br/>
             <a:r>
               <a:rPr>
                 <a:latin typeface="Courier"/>
               </a:rPr>
-              <a:t>)</a:t>
+              <a:t>  )</a:t>
             </a:r>
             <a:br/>
             <a:br/>
@@ -5171,7 +5273,7 @@
               <a:rPr>
                 <a:latin typeface="Courier"/>
               </a:rPr>
-              <a:t>    gtsummary</a:t>
+              <a:t>  gtsummary</a:t>
             </a:r>
             <a:r>
               <a:rPr>
@@ -7499,11 +7601,12 @@
               </a:rPr>
               <a:t>&lt;-</a:t>
             </a:r>
+            <a:br/>
             <a:r>
               <a:rPr>
                 <a:latin typeface="Courier"/>
               </a:rPr>
-              <a:t> </a:t>
+              <a:t>  </a:t>
             </a:r>
             <a:r>
               <a:rPr i="1">
@@ -7512,14 +7615,14 @@
                 </a:solidFill>
                 <a:latin typeface="Courier"/>
               </a:rPr>
-              <a:t># banco de dados tbl_cross &lt;- # banco de dados</a:t>
+              <a:t># banco de dados</a:t>
             </a:r>
             <a:br/>
             <a:r>
               <a:rPr>
                 <a:latin typeface="Courier"/>
               </a:rPr>
-              <a:t>trial </a:t>
+              <a:t>  trial </a:t>
             </a:r>
             <a:r>
               <a:rPr>
@@ -7535,7 +7638,7 @@
               <a:rPr>
                 <a:latin typeface="Courier"/>
               </a:rPr>
-              <a:t>    </a:t>
+              <a:t>  </a:t>
             </a:r>
             <a:r>
               <a:rPr i="1">
@@ -7551,7 +7654,7 @@
               <a:rPr>
                 <a:latin typeface="Courier"/>
               </a:rPr>
-              <a:t>gtsummary</a:t>
+              <a:t>  gtsummary</a:t>
             </a:r>
             <a:r>
               <a:rPr>
@@ -7577,6 +7680,13 @@
               </a:rPr>
               <a:t>(</a:t>
             </a:r>
+            <a:br/>
+            <a:r>
+              <a:rPr>
+                <a:latin typeface="Courier"/>
+              </a:rPr>
+              <a:t>    </a:t>
+            </a:r>
             <a:r>
               <a:rPr>
                 <a:solidFill>
@@ -7590,7 +7700,14 @@
               <a:rPr>
                 <a:latin typeface="Courier"/>
               </a:rPr>
-              <a:t> trt, </a:t>
+              <a:t> trt,</a:t>
+            </a:r>
+            <a:br/>
+            <a:r>
+              <a:rPr>
+                <a:latin typeface="Courier"/>
+              </a:rPr>
+              <a:t>    </a:t>
             </a:r>
             <a:r>
               <a:rPr>
@@ -7605,7 +7722,14 @@
               <a:rPr>
                 <a:latin typeface="Courier"/>
               </a:rPr>
-              <a:t> response, </a:t>
+              <a:t> response,</a:t>
+            </a:r>
+            <a:br/>
+            <a:r>
+              <a:rPr>
+                <a:latin typeface="Courier"/>
+              </a:rPr>
+              <a:t>    </a:t>
             </a:r>
             <a:r>
               <a:rPr>
@@ -7635,7 +7759,14 @@
               <a:rPr>
                 <a:latin typeface="Courier"/>
               </a:rPr>
-              <a:t>, </a:t>
+              <a:t>,</a:t>
+            </a:r>
+            <a:br/>
+            <a:r>
+              <a:rPr>
+                <a:latin typeface="Courier"/>
+              </a:rPr>
+              <a:t>    </a:t>
             </a:r>
             <a:r>
               <a:rPr>
@@ -7665,7 +7796,14 @@
               <a:rPr>
                 <a:latin typeface="Courier"/>
               </a:rPr>
-              <a:t>, </a:t>
+              <a:t>,</a:t>
+            </a:r>
+            <a:br/>
+            <a:r>
+              <a:rPr>
+                <a:latin typeface="Courier"/>
+              </a:rPr>
+              <a:t>    </a:t>
             </a:r>
             <a:r>
               <a:rPr>
@@ -7762,7 +7900,14 @@
               <a:rPr>
                 <a:latin typeface="Courier"/>
               </a:rPr>
-              <a:t>), </a:t>
+              <a:t>),</a:t>
+            </a:r>
+            <a:br/>
+            <a:r>
+              <a:rPr>
+                <a:latin typeface="Courier"/>
+              </a:rPr>
+              <a:t>    </a:t>
             </a:r>
             <a:r>
               <a:rPr>
@@ -7792,7 +7937,14 @@
               <a:rPr>
                 <a:latin typeface="Courier"/>
               </a:rPr>
-              <a:t>, </a:t>
+              <a:t>,</a:t>
+            </a:r>
+            <a:br/>
+            <a:r>
+              <a:rPr>
+                <a:latin typeface="Courier"/>
+              </a:rPr>
+              <a:t>    </a:t>
             </a:r>
             <a:r>
               <a:rPr>
@@ -7855,11 +8007,12 @@
               </a:rPr>
               <a:t>"Total"</a:t>
             </a:r>
+            <a:br/>
             <a:r>
               <a:rPr>
                 <a:latin typeface="Courier"/>
               </a:rPr>
-              <a:t>) </a:t>
+              <a:t>  ) </a:t>
             </a:r>
             <a:r>
               <a:rPr>
@@ -7875,7 +8028,7 @@
               <a:rPr>
                 <a:latin typeface="Courier"/>
               </a:rPr>
-              <a:t>    </a:t>
+              <a:t>  </a:t>
             </a:r>
             <a:r>
               <a:rPr i="1">
@@ -7891,7 +8044,7 @@
               <a:rPr>
                 <a:latin typeface="Courier"/>
               </a:rPr>
-              <a:t>gtsummary</a:t>
+              <a:t>  gtsummary</a:t>
             </a:r>
             <a:r>
               <a:rPr>
@@ -7917,6 +8070,13 @@
               </a:rPr>
               <a:t>(</a:t>
             </a:r>
+            <a:br/>
+            <a:r>
+              <a:rPr>
+                <a:latin typeface="Courier"/>
+              </a:rPr>
+              <a:t>    </a:t>
+            </a:r>
             <a:r>
               <a:rPr>
                 <a:solidFill>
@@ -7945,7 +8105,14 @@
               <a:rPr>
                 <a:latin typeface="Courier"/>
               </a:rPr>
-              <a:t>, </a:t>
+              <a:t>,</a:t>
+            </a:r>
+            <a:br/>
+            <a:r>
+              <a:rPr>
+                <a:latin typeface="Courier"/>
+              </a:rPr>
+              <a:t>    </a:t>
             </a:r>
             <a:r>
               <a:rPr>
@@ -7990,14 +8157,7 @@
               <a:rPr>
                 <a:latin typeface="Courier"/>
               </a:rPr>
-              <a:t>(x,</a:t>
-            </a:r>
-            <a:br/>
-            <a:r>
-              <a:rPr>
-                <a:latin typeface="Courier"/>
-              </a:rPr>
-              <a:t>    </a:t>
+              <a:t>(x, </a:t>
             </a:r>
             <a:r>
               <a:rPr>
@@ -8027,7 +8187,14 @@
               <a:rPr>
                 <a:latin typeface="Courier"/>
               </a:rPr>
-              <a:t>)) </a:t>
+              <a:t>)</a:t>
+            </a:r>
+            <a:br/>
+            <a:r>
+              <a:rPr>
+                <a:latin typeface="Courier"/>
+              </a:rPr>
+              <a:t>  ) </a:t>
             </a:r>
             <a:r>
               <a:rPr>
@@ -8043,7 +8210,7 @@
               <a:rPr>
                 <a:latin typeface="Courier"/>
               </a:rPr>
-              <a:t>    gtsummary</a:t>
+              <a:t>  gtsummary</a:t>
             </a:r>
             <a:r>
               <a:rPr>
@@ -8069,6 +8236,13 @@
               </a:rPr>
               <a:t>(</a:t>
             </a:r>
+            <a:br/>
+            <a:r>
+              <a:rPr>
+                <a:latin typeface="Courier"/>
+              </a:rPr>
+              <a:t>    </a:t>
+            </a:r>
             <a:r>
               <a:rPr>
                 <a:solidFill>
@@ -8093,11 +8267,12 @@
               </a:rPr>
               <a:t>"**P-valor**"</a:t>
             </a:r>
+            <a:br/>
             <a:r>
               <a:rPr>
                 <a:latin typeface="Courier"/>
               </a:rPr>
-              <a:t>) </a:t>
+              <a:t>  ) </a:t>
             </a:r>
             <a:r>
               <a:rPr>
@@ -8113,7 +8288,7 @@
               <a:rPr>
                 <a:latin typeface="Courier"/>
               </a:rPr>
-              <a:t>    </a:t>
+              <a:t>  </a:t>
             </a:r>
             <a:r>
               <a:rPr i="1">
@@ -8129,7 +8304,7 @@
               <a:rPr>
                 <a:latin typeface="Courier"/>
               </a:rPr>
-              <a:t>gtsummary</a:t>
+              <a:t>  gtsummary</a:t>
             </a:r>
             <a:r>
               <a:rPr>
@@ -8155,6 +8330,13 @@
               </a:rPr>
               <a:t>(</a:t>
             </a:r>
+            <a:br/>
+            <a:r>
+              <a:rPr>
+                <a:latin typeface="Courier"/>
+              </a:rPr>
+              <a:t>    </a:t>
+            </a:r>
             <a:r>
               <a:rPr>
                 <a:solidFill>
@@ -8183,7 +8365,14 @@
               <a:rPr>
                 <a:latin typeface="Courier"/>
               </a:rPr>
-              <a:t>, </a:t>
+              <a:t>,</a:t>
+            </a:r>
+            <a:br/>
+            <a:r>
+              <a:rPr>
+                <a:latin typeface="Courier"/>
+              </a:rPr>
+              <a:t>    </a:t>
             </a:r>
             <a:r>
               <a:rPr>
@@ -8237,14 +8426,14 @@
               <a:rPr>
                 <a:latin typeface="Courier"/>
               </a:rPr>
-              <a:t>(trt,</a:t>
+              <a:t>(trt, response))</a:t>
             </a:r>
             <a:br/>
             <a:r>
               <a:rPr>
                 <a:latin typeface="Courier"/>
               </a:rPr>
-              <a:t>    response))) </a:t>
+              <a:t>  ) </a:t>
             </a:r>
             <a:r>
               <a:rPr>
@@ -8260,7 +8449,7 @@
               <a:rPr>
                 <a:latin typeface="Courier"/>
               </a:rPr>
-              <a:t>    </a:t>
+              <a:t>  </a:t>
             </a:r>
             <a:r>
               <a:rPr i="1">
@@ -8276,7 +8465,7 @@
               <a:rPr>
                 <a:latin typeface="Courier"/>
               </a:rPr>
-              <a:t>gtsummary</a:t>
+              <a:t>  gtsummary</a:t>
             </a:r>
             <a:r>
               <a:rPr>
@@ -8316,7 +8505,7 @@
               <a:rPr>
                 <a:latin typeface="Courier"/>
               </a:rPr>
-              <a:t>    </a:t>
+              <a:t>  </a:t>
             </a:r>
             <a:r>
               <a:rPr i="1">
@@ -8332,7 +8521,7 @@
               <a:rPr>
                 <a:latin typeface="Courier"/>
               </a:rPr>
-              <a:t>gtsummary</a:t>
+              <a:t>  gtsummary</a:t>
             </a:r>
             <a:r>
               <a:rPr>
@@ -8358,6 +8547,13 @@
               </a:rPr>
               <a:t>(</a:t>
             </a:r>
+            <a:br/>
+            <a:r>
+              <a:rPr>
+                <a:latin typeface="Courier"/>
+              </a:rPr>
+              <a:t>    </a:t>
+            </a:r>
             <a:r>
               <a:rPr>
                 <a:solidFill>
@@ -8367,11 +8563,12 @@
               </a:rPr>
               <a:t>"Teste Qui-quadrado (sem correção de Yates)"</a:t>
             </a:r>
+            <a:br/>
             <a:r>
               <a:rPr>
                 <a:latin typeface="Courier"/>
               </a:rPr>
-              <a:t>)</a:t>
+              <a:t>  )</a:t>
             </a:r>
             <a:br/>
             <a:br/>
@@ -8405,7 +8602,7 @@
               <a:rPr>
                 <a:latin typeface="Courier"/>
               </a:rPr>
-              <a:t>    gtsummary</a:t>
+              <a:t>  gtsummary</a:t>
             </a:r>
             <a:r>
               <a:rPr>
@@ -10819,11 +11016,12 @@
               </a:rPr>
               <a:t>&lt;-</a:t>
             </a:r>
+            <a:br/>
             <a:r>
               <a:rPr>
                 <a:latin typeface="Courier"/>
               </a:rPr>
-              <a:t> </a:t>
+              <a:t>  </a:t>
             </a:r>
             <a:r>
               <a:rPr i="1">
@@ -10832,14 +11030,14 @@
                 </a:solidFill>
                 <a:latin typeface="Courier"/>
               </a:rPr>
-              <a:t># banco de dados tbl_cross &lt;- # banco de dados</a:t>
+              <a:t># banco de dados</a:t>
             </a:r>
             <a:br/>
             <a:r>
               <a:rPr>
                 <a:latin typeface="Courier"/>
               </a:rPr>
-              <a:t>trial </a:t>
+              <a:t>  trial </a:t>
             </a:r>
             <a:r>
               <a:rPr>
@@ -10855,7 +11053,7 @@
               <a:rPr>
                 <a:latin typeface="Courier"/>
               </a:rPr>
-              <a:t>    </a:t>
+              <a:t>  </a:t>
             </a:r>
             <a:r>
               <a:rPr i="1">
@@ -10871,7 +11069,7 @@
               <a:rPr>
                 <a:latin typeface="Courier"/>
               </a:rPr>
-              <a:t>gtsummary</a:t>
+              <a:t>  gtsummary</a:t>
             </a:r>
             <a:r>
               <a:rPr>
@@ -10897,6 +11095,13 @@
               </a:rPr>
               <a:t>(</a:t>
             </a:r>
+            <a:br/>
+            <a:r>
+              <a:rPr>
+                <a:latin typeface="Courier"/>
+              </a:rPr>
+              <a:t>    </a:t>
+            </a:r>
             <a:r>
               <a:rPr>
                 <a:solidFill>
@@ -10910,7 +11115,14 @@
               <a:rPr>
                 <a:latin typeface="Courier"/>
               </a:rPr>
-              <a:t> trt, </a:t>
+              <a:t> trt,</a:t>
+            </a:r>
+            <a:br/>
+            <a:r>
+              <a:rPr>
+                <a:latin typeface="Courier"/>
+              </a:rPr>
+              <a:t>    </a:t>
             </a:r>
             <a:r>
               <a:rPr>
@@ -10925,7 +11137,14 @@
               <a:rPr>
                 <a:latin typeface="Courier"/>
               </a:rPr>
-              <a:t> response, </a:t>
+              <a:t> response,</a:t>
+            </a:r>
+            <a:br/>
+            <a:r>
+              <a:rPr>
+                <a:latin typeface="Courier"/>
+              </a:rPr>
+              <a:t>    </a:t>
             </a:r>
             <a:r>
               <a:rPr>
@@ -10955,7 +11174,14 @@
               <a:rPr>
                 <a:latin typeface="Courier"/>
               </a:rPr>
-              <a:t>, </a:t>
+              <a:t>,</a:t>
+            </a:r>
+            <a:br/>
+            <a:r>
+              <a:rPr>
+                <a:latin typeface="Courier"/>
+              </a:rPr>
+              <a:t>    </a:t>
             </a:r>
             <a:r>
               <a:rPr>
@@ -10985,7 +11211,14 @@
               <a:rPr>
                 <a:latin typeface="Courier"/>
               </a:rPr>
-              <a:t>, </a:t>
+              <a:t>,</a:t>
+            </a:r>
+            <a:br/>
+            <a:r>
+              <a:rPr>
+                <a:latin typeface="Courier"/>
+              </a:rPr>
+              <a:t>    </a:t>
             </a:r>
             <a:r>
               <a:rPr>
@@ -11082,7 +11315,14 @@
               <a:rPr>
                 <a:latin typeface="Courier"/>
               </a:rPr>
-              <a:t>), </a:t>
+              <a:t>),</a:t>
+            </a:r>
+            <a:br/>
+            <a:r>
+              <a:rPr>
+                <a:latin typeface="Courier"/>
+              </a:rPr>
+              <a:t>    </a:t>
             </a:r>
             <a:r>
               <a:rPr>
@@ -11112,7 +11352,14 @@
               <a:rPr>
                 <a:latin typeface="Courier"/>
               </a:rPr>
-              <a:t>, </a:t>
+              <a:t>,</a:t>
+            </a:r>
+            <a:br/>
+            <a:r>
+              <a:rPr>
+                <a:latin typeface="Courier"/>
+              </a:rPr>
+              <a:t>    </a:t>
             </a:r>
             <a:r>
               <a:rPr>
@@ -11175,11 +11422,12 @@
               </a:rPr>
               <a:t>"Total"</a:t>
             </a:r>
+            <a:br/>
             <a:r>
               <a:rPr>
                 <a:latin typeface="Courier"/>
               </a:rPr>
-              <a:t>) </a:t>
+              <a:t>  ) </a:t>
             </a:r>
             <a:r>
               <a:rPr>
@@ -11195,7 +11443,7 @@
               <a:rPr>
                 <a:latin typeface="Courier"/>
               </a:rPr>
-              <a:t>    </a:t>
+              <a:t>  </a:t>
             </a:r>
             <a:r>
               <a:rPr i="1">
@@ -11211,7 +11459,7 @@
               <a:rPr>
                 <a:latin typeface="Courier"/>
               </a:rPr>
-              <a:t>gtsummary</a:t>
+              <a:t>  gtsummary</a:t>
             </a:r>
             <a:r>
               <a:rPr>
@@ -11237,6 +11485,13 @@
               </a:rPr>
               <a:t>(</a:t>
             </a:r>
+            <a:br/>
+            <a:r>
+              <a:rPr>
+                <a:latin typeface="Courier"/>
+              </a:rPr>
+              <a:t>    </a:t>
+            </a:r>
             <a:r>
               <a:rPr>
                 <a:solidFill>
@@ -11265,7 +11520,14 @@
               <a:rPr>
                 <a:latin typeface="Courier"/>
               </a:rPr>
-              <a:t>, </a:t>
+              <a:t>,</a:t>
+            </a:r>
+            <a:br/>
+            <a:r>
+              <a:rPr>
+                <a:latin typeface="Courier"/>
+              </a:rPr>
+              <a:t>    </a:t>
             </a:r>
             <a:r>
               <a:rPr>
@@ -11340,7 +11602,14 @@
               <a:rPr>
                 <a:latin typeface="Courier"/>
               </a:rPr>
-              <a:t>)) </a:t>
+              <a:t>)</a:t>
+            </a:r>
+            <a:br/>
+            <a:r>
+              <a:rPr>
+                <a:latin typeface="Courier"/>
+              </a:rPr>
+              <a:t>  ) </a:t>
             </a:r>
             <a:r>
               <a:rPr>
@@ -11356,7 +11625,7 @@
               <a:rPr>
                 <a:latin typeface="Courier"/>
               </a:rPr>
-              <a:t>    gtsummary</a:t>
+              <a:t>  gtsummary</a:t>
             </a:r>
             <a:r>
               <a:rPr>
@@ -11382,6 +11651,13 @@
               </a:rPr>
               <a:t>(</a:t>
             </a:r>
+            <a:br/>
+            <a:r>
+              <a:rPr>
+                <a:latin typeface="Courier"/>
+              </a:rPr>
+              <a:t>    </a:t>
+            </a:r>
             <a:r>
               <a:rPr>
                 <a:solidFill>
@@ -11406,11 +11682,12 @@
               </a:rPr>
               <a:t>"**P-valor**"</a:t>
             </a:r>
+            <a:br/>
             <a:r>
               <a:rPr>
                 <a:latin typeface="Courier"/>
               </a:rPr>
-              <a:t>) </a:t>
+              <a:t>  ) </a:t>
             </a:r>
             <a:r>
               <a:rPr>
@@ -11426,7 +11703,7 @@
               <a:rPr>
                 <a:latin typeface="Courier"/>
               </a:rPr>
-              <a:t>    </a:t>
+              <a:t>  </a:t>
             </a:r>
             <a:r>
               <a:rPr i="1">
@@ -11442,7 +11719,7 @@
               <a:rPr>
                 <a:latin typeface="Courier"/>
               </a:rPr>
-              <a:t>gtsummary</a:t>
+              <a:t>  gtsummary</a:t>
             </a:r>
             <a:r>
               <a:rPr>
@@ -11468,6 +11745,13 @@
               </a:rPr>
               <a:t>(</a:t>
             </a:r>
+            <a:br/>
+            <a:r>
+              <a:rPr>
+                <a:latin typeface="Courier"/>
+              </a:rPr>
+              <a:t>    </a:t>
+            </a:r>
             <a:r>
               <a:rPr>
                 <a:solidFill>
@@ -11496,7 +11780,14 @@
               <a:rPr>
                 <a:latin typeface="Courier"/>
               </a:rPr>
-              <a:t>, </a:t>
+              <a:t>,</a:t>
+            </a:r>
+            <a:br/>
+            <a:r>
+              <a:rPr>
+                <a:latin typeface="Courier"/>
+              </a:rPr>
+              <a:t>    </a:t>
             </a:r>
             <a:r>
               <a:rPr>
@@ -11550,14 +11841,14 @@
               <a:rPr>
                 <a:latin typeface="Courier"/>
               </a:rPr>
-              <a:t>(trt,</a:t>
+              <a:t>(trt, response))</a:t>
             </a:r>
             <a:br/>
             <a:r>
               <a:rPr>
                 <a:latin typeface="Courier"/>
               </a:rPr>
-              <a:t>    response))) </a:t>
+              <a:t>  ) </a:t>
             </a:r>
             <a:r>
               <a:rPr>
@@ -11573,7 +11864,7 @@
               <a:rPr>
                 <a:latin typeface="Courier"/>
               </a:rPr>
-              <a:t>    </a:t>
+              <a:t>  </a:t>
             </a:r>
             <a:r>
               <a:rPr i="1">
@@ -11589,7 +11880,7 @@
               <a:rPr>
                 <a:latin typeface="Courier"/>
               </a:rPr>
-              <a:t>gtsummary</a:t>
+              <a:t>  gtsummary</a:t>
             </a:r>
             <a:r>
               <a:rPr>
@@ -11629,7 +11920,7 @@
               <a:rPr>
                 <a:latin typeface="Courier"/>
               </a:rPr>
-              <a:t>    </a:t>
+              <a:t>  </a:t>
             </a:r>
             <a:r>
               <a:rPr i="1">
@@ -11645,7 +11936,7 @@
               <a:rPr>
                 <a:latin typeface="Courier"/>
               </a:rPr>
-              <a:t>gtsummary</a:t>
+              <a:t>  gtsummary</a:t>
             </a:r>
             <a:r>
               <a:rPr>
@@ -11671,6 +11962,13 @@
               </a:rPr>
               <a:t>(</a:t>
             </a:r>
+            <a:br/>
+            <a:r>
+              <a:rPr>
+                <a:latin typeface="Courier"/>
+              </a:rPr>
+              <a:t>    </a:t>
+            </a:r>
             <a:r>
               <a:rPr>
                 <a:solidFill>
@@ -11680,11 +11978,12 @@
               </a:rPr>
               <a:t>"Teste exato de Fisher"</a:t>
             </a:r>
+            <a:br/>
             <a:r>
               <a:rPr>
                 <a:latin typeface="Courier"/>
               </a:rPr>
-              <a:t>)</a:t>
+              <a:t>  )</a:t>
             </a:r>
             <a:br/>
             <a:br/>
@@ -11718,7 +12017,7 @@
               <a:rPr>
                 <a:latin typeface="Courier"/>
               </a:rPr>
-              <a:t>    gtsummary</a:t>
+              <a:t>  gtsummary</a:t>
             </a:r>
             <a:r>
               <a:rPr>
@@ -24692,6 +24991,42 @@
               <a:buNone/>
             </a:pPr>
           </a:p>
+          <a:p>
+            <a:pPr lvl="0" indent="0" marL="0">
+              <a:buNone/>
+            </a:pPr>
+            <a:r>
+              <a:rPr/>
+              <a:t>O pacote </a:t>
+            </a:r>
+            <a:r>
+              <a:rPr i="1"/>
+              <a:t>styler</a:t>
+            </a:r>
+            <a:r>
+              <a:rPr baseline="30000"/>
+              <a:t>198</a:t>
+            </a:r>
+            <a:r>
+              <a:rPr/>
+              <a:t> fornece a função </a:t>
+            </a:r>
+            <a:r>
+              <a:rPr i="1">
+                <a:hlinkClick r:id="rId10"/>
+              </a:rPr>
+              <a:t>style_file</a:t>
+            </a:r>
+            <a:r>
+              <a:rPr/>
+              <a:t> para formatar um R script.</a:t>
+            </a:r>
+          </a:p>
+          <a:p>
+            <a:pPr lvl="0" indent="0" marL="0">
+              <a:buNone/>
+            </a:pPr>
+          </a:p>
         </p:txBody>
       </p:sp>
     </p:spTree>
@@ -26751,7 +27086,7 @@
             </a:r>
             <a:r>
               <a:rPr baseline="30000"/>
-              <a:t>198</a:t>
+              <a:t>199</a:t>
             </a:r>
           </a:p>
           <a:p>
@@ -26766,7 +27101,7 @@
             </a:r>
             <a:r>
               <a:rPr baseline="30000"/>
-              <a:t>199</a:t>
+              <a:t>200</a:t>
             </a:r>
           </a:p>
           <a:p>
@@ -26796,7 +27131,7 @@
             </a:r>
             <a:r>
               <a:rPr baseline="30000"/>
-              <a:t>200</a:t>
+              <a:t>201</a:t>
             </a:r>
           </a:p>
           <a:p>
@@ -26811,7 +27146,7 @@
             </a:r>
             <a:r>
               <a:rPr baseline="30000"/>
-              <a:t>201</a:t>
+              <a:t>202</a:t>
             </a:r>
           </a:p>
           <a:p>
@@ -26826,7 +27161,7 @@
             </a:r>
             <a:r>
               <a:rPr baseline="30000"/>
-              <a:t>202</a:t>
+              <a:t>203</a:t>
             </a:r>
           </a:p>
           <a:p>
@@ -26856,7 +27191,7 @@
             </a:r>
             <a:r>
               <a:rPr baseline="30000"/>
-              <a:t>203</a:t>
+              <a:t>204</a:t>
             </a:r>
           </a:p>
           <a:p>
@@ -26886,7 +27221,7 @@
             </a:r>
             <a:r>
               <a:rPr baseline="30000"/>
-              <a:t>204</a:t>
+              <a:t>205</a:t>
             </a:r>
           </a:p>
           <a:p>
@@ -26901,7 +27236,7 @@
             </a:r>
             <a:r>
               <a:rPr baseline="30000"/>
-              <a:t>205</a:t>
+              <a:t>206</a:t>
             </a:r>
           </a:p>
           <a:p>
@@ -26916,7 +27251,7 @@
             </a:r>
             <a:r>
               <a:rPr baseline="30000"/>
-              <a:t>206</a:t>
+              <a:t>207</a:t>
             </a:r>
           </a:p>
           <a:p>
@@ -26931,7 +27266,7 @@
             </a:r>
             <a:r>
               <a:rPr baseline="30000"/>
-              <a:t>207</a:t>
+              <a:t>208</a:t>
             </a:r>
           </a:p>
           <a:p>
@@ -26946,7 +27281,7 @@
             </a:r>
             <a:r>
               <a:rPr baseline="30000"/>
-              <a:t>208</a:t>
+              <a:t>209</a:t>
             </a:r>
           </a:p>
           <a:p>
@@ -26961,7 +27296,7 @@
             </a:r>
             <a:r>
               <a:rPr baseline="30000"/>
-              <a:t>209</a:t>
+              <a:t>210</a:t>
             </a:r>
           </a:p>
           <a:p>
@@ -27061,7 +27396,7 @@
             </a:r>
             <a:r>
               <a:rPr baseline="30000"/>
-              <a:t>210</a:t>
+              <a:t>211</a:t>
             </a:r>
           </a:p>
           <a:p>
@@ -27076,7 +27411,7 @@
             </a:r>
             <a:r>
               <a:rPr baseline="30000"/>
-              <a:t>211</a:t>
+              <a:t>212</a:t>
             </a:r>
           </a:p>
           <a:p>
@@ -28490,7 +28825,7 @@
             </a:r>
             <a:r>
               <a:rPr baseline="30000"/>
-              <a:t>212</a:t>
+              <a:t>213</a:t>
             </a:r>
           </a:p>
           <a:p>
@@ -33213,7 +33548,22 @@
             </a:pPr>
             <a:r>
               <a:rPr/>
-              <a:t>198. Wallisch C, Bach P, Hafermann L, et al. Review of guidance papers on regression modeling in statistical series of medical journals. Mathes T, ed. </a:t>
+              <a:t>198. Müller K, Walthert L. Styler: Non-invasive pretty printing of r code. 2023. </a:t>
+            </a:r>
+            <a:r>
+              <a:rPr>
+                <a:hlinkClick r:id="rId197"/>
+              </a:rPr>
+              <a:t>https://CRAN.R-project.org/package=styler.</a:t>
+            </a:r>
+          </a:p>
+          <a:p>
+            <a:pPr lvl="0" indent="0" marL="0">
+              <a:buNone/>
+            </a:pPr>
+            <a:r>
+              <a:rPr/>
+              <a:t>199. Wallisch C, Bach P, Hafermann L, et al. Review of guidance papers on regression modeling in statistical series of medical journals. Mathes T, ed. </a:t>
             </a:r>
             <a:r>
               <a:rPr i="1"/>
@@ -33225,7 +33575,7 @@
             </a:r>
             <a:r>
               <a:rPr>
-                <a:hlinkClick r:id="rId197"/>
+                <a:hlinkClick r:id="rId198"/>
               </a:rPr>
               <a:t>10.1371/journal.pone.0262918</a:t>
             </a:r>
@@ -33236,7 +33586,7 @@
             </a:pPr>
             <a:r>
               <a:rPr/>
-              <a:t>199. Lynggaard H, Bell J, Lösch C, et al. Principles and recommendations for incorporating estimands into clinical study protocol templates. </a:t>
+              <a:t>200. Lynggaard H, Bell J, Lösch C, et al. Principles and recommendations for incorporating estimands into clinical study protocol templates. </a:t>
             </a:r>
             <a:r>
               <a:rPr i="1"/>
@@ -33248,7 +33598,7 @@
             </a:r>
             <a:r>
               <a:rPr>
-                <a:hlinkClick r:id="rId198"/>
+                <a:hlinkClick r:id="rId199"/>
               </a:rPr>
               <a:t>10.1186/s13063-022-06515-2</a:t>
             </a:r>
@@ -33259,7 +33609,7 @@
             </a:pPr>
             <a:r>
               <a:rPr/>
-              <a:t>200. Althouse AD, Below JE, Claggett BL, et al. Recommendations for Statistical Reporting in Cardiovascular Medicine: A Special Report From the American Heart Association. </a:t>
+              <a:t>201. Althouse AD, Below JE, Claggett BL, et al. Recommendations for Statistical Reporting in Cardiovascular Medicine: A Special Report From the American Heart Association. </a:t>
             </a:r>
             <a:r>
               <a:rPr i="1"/>
@@ -33271,7 +33621,7 @@
             </a:r>
             <a:r>
               <a:rPr>
-                <a:hlinkClick r:id="rId199"/>
+                <a:hlinkClick r:id="rId200"/>
               </a:rPr>
               <a:t>10.1161/circulationaha.121.055393</a:t>
             </a:r>
@@ -33282,7 +33632,7 @@
             </a:pPr>
             <a:r>
               <a:rPr/>
-              <a:t>201. Lee KJ, Tilling KM, Cornish RP, et al. Framework for the treatment and reporting of missing data in observational studies: The Treatment And Reporting of Missing data in Observational Studies framework. </a:t>
+              <a:t>202. Lee KJ, Tilling KM, Cornish RP, et al. Framework for the treatment and reporting of missing data in observational studies: The Treatment And Reporting of Missing data in Observational Studies framework. </a:t>
             </a:r>
             <a:r>
               <a:rPr i="1"/>
@@ -33294,7 +33644,7 @@
             </a:r>
             <a:r>
               <a:rPr>
-                <a:hlinkClick r:id="rId200"/>
+                <a:hlinkClick r:id="rId201"/>
               </a:rPr>
               <a:t>10.1016/j.jclinepi.2021.01.008</a:t>
             </a:r>
@@ -33305,7 +33655,7 @@
             </a:pPr>
             <a:r>
               <a:rPr/>
-              <a:t>202. Vickers AJ, Assel MJ, Sjoberg DD, et al. Guidelines for Reporting of Figures and Tables for Clinical Research in Urology. </a:t>
+              <a:t>203. Vickers AJ, Assel MJ, Sjoberg DD, et al. Guidelines for Reporting of Figures and Tables for Clinical Research in Urology. </a:t>
             </a:r>
             <a:r>
               <a:rPr i="1"/>
@@ -33317,7 +33667,7 @@
             </a:r>
             <a:r>
               <a:rPr>
-                <a:hlinkClick r:id="rId201"/>
+                <a:hlinkClick r:id="rId202"/>
               </a:rPr>
               <a:t>10.1016/j.urology.2020.05.002</a:t>
             </a:r>
@@ -33328,7 +33678,7 @@
             </a:pPr>
             <a:r>
               <a:rPr/>
-              <a:t>203. Assel M, Sjoberg D, Elders A, et al. Guidelines for Reporting of Statistics for Clinical Research in Urology. </a:t>
+              <a:t>204. Assel M, Sjoberg D, Elders A, et al. Guidelines for Reporting of Statistics for Clinical Research in Urology. </a:t>
             </a:r>
             <a:r>
               <a:rPr i="1"/>
@@ -33340,7 +33690,7 @@
             </a:r>
             <a:r>
               <a:rPr>
-                <a:hlinkClick r:id="rId202"/>
+                <a:hlinkClick r:id="rId203"/>
               </a:rPr>
               <a:t>10.1097/ju.0000000000000001</a:t>
             </a:r>
@@ -33351,7 +33701,7 @@
             </a:pPr>
             <a:r>
               <a:rPr/>
-              <a:t>204. Gamble C, Krishan A, Stocken D, et al. Guidelines for the Content of Statistical Analysis Plans in Clinical Trials. </a:t>
+              <a:t>205. Gamble C, Krishan A, Stocken D, et al. Guidelines for the Content of Statistical Analysis Plans in Clinical Trials. </a:t>
             </a:r>
             <a:r>
               <a:rPr i="1"/>
@@ -33363,7 +33713,7 @@
             </a:r>
             <a:r>
               <a:rPr>
-                <a:hlinkClick r:id="rId203"/>
+                <a:hlinkClick r:id="rId204"/>
               </a:rPr>
               <a:t>10.1001/jama.2017.18556</a:t>
             </a:r>
@@ -33374,7 +33724,7 @@
             </a:pPr>
             <a:r>
               <a:rPr/>
-              <a:t>205. Lang TA, Altman DG. Basic statistical reporting for articles published in Biomedical Journals: The “Statistical Analyses and Methods in the Published Literature” or the SAMPL Guidelines. </a:t>
+              <a:t>206. Lang TA, Altman DG. Basic statistical reporting for articles published in Biomedical Journals: The “Statistical Analyses and Methods in the Published Literature” or the SAMPL Guidelines. </a:t>
             </a:r>
             <a:r>
               <a:rPr i="1"/>
@@ -33386,7 +33736,7 @@
             </a:r>
             <a:r>
               <a:rPr>
-                <a:hlinkClick r:id="rId204"/>
+                <a:hlinkClick r:id="rId205"/>
               </a:rPr>
               <a:t>10.1016/j.ijnurstu.2014.09.006</a:t>
             </a:r>
@@ -33397,7 +33747,7 @@
             </a:pPr>
             <a:r>
               <a:rPr/>
-              <a:t>206. Weissgerber TL, Milic NM, Winham SJ, Garovic VD. Beyond Bar and Line Graphs: Time for a New Data Presentation Paradigm. </a:t>
+              <a:t>207. Weissgerber TL, Milic NM, Winham SJ, Garovic VD. Beyond Bar and Line Graphs: Time for a New Data Presentation Paradigm. </a:t>
             </a:r>
             <a:r>
               <a:rPr i="1"/>
@@ -33409,7 +33759,7 @@
             </a:r>
             <a:r>
               <a:rPr>
-                <a:hlinkClick r:id="rId205"/>
+                <a:hlinkClick r:id="rId206"/>
               </a:rPr>
               <a:t>10.1371/journal.pbio.1002128</a:t>
             </a:r>
@@ -33420,7 +33770,7 @@
             </a:pPr>
             <a:r>
               <a:rPr/>
-              <a:t>207. Sauerbrei W, Abrahamowicz M, Altman DG, Cessie S, Carpenter J. STRengthening Analytical Thinking for Observational Studies: the STRATOS initiative. </a:t>
+              <a:t>208. Sauerbrei W, Abrahamowicz M, Altman DG, Cessie S, Carpenter J. STRengthening Analytical Thinking for Observational Studies: the STRATOS initiative. </a:t>
             </a:r>
             <a:r>
               <a:rPr i="1"/>
@@ -33432,7 +33782,7 @@
             </a:r>
             <a:r>
               <a:rPr>
-                <a:hlinkClick r:id="rId206"/>
+                <a:hlinkClick r:id="rId207"/>
               </a:rPr>
               <a:t>10.1002/sim.6265</a:t>
             </a:r>
@@ -33443,7 +33793,7 @@
             </a:pPr>
             <a:r>
               <a:rPr/>
-              <a:t>208. Groves T. Research methods and reporting. </a:t>
+              <a:t>209. Groves T. Research methods and reporting. </a:t>
             </a:r>
             <a:r>
               <a:rPr i="1"/>
@@ -33455,7 +33805,7 @@
             </a:r>
             <a:r>
               <a:rPr>
-                <a:hlinkClick r:id="rId207"/>
+                <a:hlinkClick r:id="rId208"/>
               </a:rPr>
               <a:t>10.1136/bmj.a2201</a:t>
             </a:r>
@@ -33466,7 +33816,7 @@
             </a:pPr>
             <a:r>
               <a:rPr/>
-              <a:t>209. Stratton IM, Neil A. How to ensure your paper is rejected by the statistical reviewer. </a:t>
+              <a:t>210. Stratton IM, Neil A. How to ensure your paper is rejected by the statistical reviewer. </a:t>
             </a:r>
             <a:r>
               <a:rPr i="1"/>
@@ -33478,7 +33828,7 @@
             </a:r>
             <a:r>
               <a:rPr>
-                <a:hlinkClick r:id="rId208"/>
+                <a:hlinkClick r:id="rId209"/>
               </a:rPr>
               <a:t>10.1111/j.1464-5491.2004.01443.x</a:t>
             </a:r>
@@ -33489,7 +33839,7 @@
             </a:pPr>
             <a:r>
               <a:rPr/>
-              <a:t>210. Mansournia MA, Collins GS, Nielsen RO, et al. A CHecklist for statistical Assessment of Medical Papers (the CHAMP statement): explanation and elaboration. </a:t>
+              <a:t>211. Mansournia MA, Collins GS, Nielsen RO, et al. A CHecklist for statistical Assessment of Medical Papers (the CHAMP statement): explanation and elaboration. </a:t>
             </a:r>
             <a:r>
               <a:rPr i="1"/>
@@ -33501,7 +33851,7 @@
             </a:r>
             <a:r>
               <a:rPr>
-                <a:hlinkClick r:id="rId209"/>
+                <a:hlinkClick r:id="rId210"/>
               </a:rPr>
               <a:t>10.1136/bjsports-2020-103652</a:t>
             </a:r>
@@ -33512,7 +33862,7 @@
             </a:pPr>
             <a:r>
               <a:rPr/>
-              <a:t>211. Gil-Sierra MD, Fénix-Caballero S, Abdel kader-Martin L, et al. Checklist for clinical applicability of subgroup analysis. </a:t>
+              <a:t>212. Gil-Sierra MD, Fénix-Caballero S, Abdel kader-Martin L, et al. Checklist for clinical applicability of subgroup analysis. </a:t>
             </a:r>
             <a:r>
               <a:rPr i="1"/>
@@ -33524,7 +33874,7 @@
             </a:r>
             <a:r>
               <a:rPr>
-                <a:hlinkClick r:id="rId210"/>
+                <a:hlinkClick r:id="rId211"/>
               </a:rPr>
               <a:t>10.1111/jcpt.13102</a:t>
             </a:r>
@@ -33535,7 +33885,7 @@
             </a:pPr>
             <a:r>
               <a:rPr/>
-              <a:t>212. Altman DG, Simera I, Hoey J, Moher D, Schulz K. EQUATOR: reporting guidelines for health research. </a:t>
+              <a:t>213. Altman DG, Simera I, Hoey J, Moher D, Schulz K. EQUATOR: reporting guidelines for health research. </a:t>
             </a:r>
             <a:r>
               <a:rPr i="1"/>
@@ -33547,7 +33897,7 @@
             </a:r>
             <a:r>
               <a:rPr>
-                <a:hlinkClick r:id="rId211"/>
+                <a:hlinkClick r:id="rId212"/>
               </a:rPr>
               <a:t>10.1016/s0140-6736(08)60505-x</a:t>
             </a:r>

--- a/docs/Ciencia-com-R.pptx
+++ b/docs/Ciencia-com-R.pptx
@@ -3799,7 +3799,7 @@
             </a:r>
             <a:r>
               <a:rPr baseline="30000"/>
-              <a:t>128</a:t>
+              <a:t>132</a:t>
             </a:r>
           </a:p>
           <a:p>
@@ -3810,7 +3810,7 @@
             </a:r>
             <a:r>
               <a:rPr baseline="30000"/>
-              <a:t>128</a:t>
+              <a:t>132</a:t>
             </a:r>
           </a:p>
           <a:p>
@@ -3923,50 +3923,6 @@
             </a:r>
             <a:r>
               <a:rPr baseline="30000"/>
-              <a:t>129</a:t>
-            </a:r>
-          </a:p>
-          <a:p>
-            <a:pPr lvl="0"/>
-            <a:r>
-              <a:rPr/>
-              <a:t>.</a:t>
-            </a:r>
-            <a:r>
-              <a:rPr baseline="30000"/>
-              <a:t>130</a:t>
-            </a:r>
-          </a:p>
-          <a:p>
-            <a:pPr lvl="0"/>
-            <a:r>
-              <a:rPr/>
-              <a:t>.</a:t>
-            </a:r>
-            <a:r>
-              <a:rPr baseline="30000"/>
-              <a:t>131</a:t>
-            </a:r>
-          </a:p>
-          <a:p>
-            <a:pPr lvl="0"/>
-            <a:r>
-              <a:rPr/>
-              <a:t>.</a:t>
-            </a:r>
-            <a:r>
-              <a:rPr baseline="30000"/>
-              <a:t>132</a:t>
-            </a:r>
-          </a:p>
-          <a:p>
-            <a:pPr lvl="0"/>
-            <a:r>
-              <a:rPr/>
-              <a:t>.</a:t>
-            </a:r>
-            <a:r>
-              <a:rPr baseline="30000"/>
               <a:t>133</a:t>
             </a:r>
           </a:p>
@@ -4001,6 +3957,50 @@
             <a:r>
               <a:rPr baseline="30000"/>
               <a:t>136</a:t>
+            </a:r>
+          </a:p>
+          <a:p>
+            <a:pPr lvl="0"/>
+            <a:r>
+              <a:rPr/>
+              <a:t>.</a:t>
+            </a:r>
+            <a:r>
+              <a:rPr baseline="30000"/>
+              <a:t>137</a:t>
+            </a:r>
+          </a:p>
+          <a:p>
+            <a:pPr lvl="0"/>
+            <a:r>
+              <a:rPr/>
+              <a:t>.</a:t>
+            </a:r>
+            <a:r>
+              <a:rPr baseline="30000"/>
+              <a:t>138</a:t>
+            </a:r>
+          </a:p>
+          <a:p>
+            <a:pPr lvl="0"/>
+            <a:r>
+              <a:rPr/>
+              <a:t>.</a:t>
+            </a:r>
+            <a:r>
+              <a:rPr baseline="30000"/>
+              <a:t>139</a:t>
+            </a:r>
+          </a:p>
+          <a:p>
+            <a:pPr lvl="0"/>
+            <a:r>
+              <a:rPr/>
+              <a:t>.</a:t>
+            </a:r>
+            <a:r>
+              <a:rPr baseline="30000"/>
+              <a:t>140</a:t>
             </a:r>
           </a:p>
           <a:p>
@@ -14425,7 +14425,7 @@
             </a:r>
             <a:r>
               <a:rPr baseline="30000"/>
-              <a:t>137</a:t>
+              <a:t>141</a:t>
             </a:r>
             <a:r>
               <a:rPr/>
@@ -14463,7 +14463,7 @@
             </a:r>
             <a:r>
               <a:rPr baseline="30000"/>
-              <a:t>138</a:t>
+              <a:t>142</a:t>
             </a:r>
           </a:p>
           <a:p>
@@ -14696,7 +14696,7 @@
                 </a:r>
                 <a:r>
                   <a:rPr baseline="30000"/>
-                  <a:t>65,139,140</a:t>
+                  <a:t>68,143,144</a:t>
                 </a:r>
               </a:p>
               <a:p>
@@ -14707,7 +14707,7 @@
                 </a:r>
                 <a:r>
                   <a:rPr baseline="30000"/>
-                  <a:t>139,140</a:t>
+                  <a:t>143,144</a:t>
                 </a:r>
               </a:p>
               <a:p>
@@ -14718,7 +14718,7 @@
                 </a:r>
                 <a:r>
                   <a:rPr baseline="30000"/>
-                  <a:t>139,140</a:t>
+                  <a:t>143,144</a:t>
                 </a:r>
               </a:p>
               <a:p>
@@ -14740,7 +14740,7 @@
                 </a:r>
                 <a:r>
                   <a:rPr baseline="30000"/>
-                  <a:t>139,140</a:t>
+                  <a:t>143,144</a:t>
                 </a:r>
               </a:p>
               <a:p>
@@ -14768,7 +14768,7 @@
                 </a:r>
                 <a:r>
                   <a:rPr baseline="30000"/>
-                  <a:t>139</a:t>
+                  <a:t>143</a:t>
                 </a:r>
               </a:p>
               <a:p>
@@ -14779,7 +14779,7 @@
                 </a:r>
                 <a:r>
                   <a:rPr baseline="30000"/>
-                  <a:t>139</a:t>
+                  <a:t>143</a:t>
                 </a:r>
               </a:p>
               <a:p>
@@ -14818,7 +14818,7 @@
                 </a:r>
                 <a:r>
                   <a:rPr baseline="30000"/>
-                  <a:t>139,140</a:t>
+                  <a:t>143,144</a:t>
                 </a:r>
               </a:p>
               <a:p>
@@ -14840,7 +14840,7 @@
                 </a:r>
                 <a:r>
                   <a:rPr baseline="30000"/>
-                  <a:t>139,140</a:t>
+                  <a:t>143,144</a:t>
                 </a:r>
               </a:p>
               <a:p>
@@ -14851,7 +14851,7 @@
                 </a:r>
                 <a:r>
                   <a:rPr baseline="30000"/>
-                  <a:t>139,140</a:t>
+                  <a:t>143,144</a:t>
                 </a:r>
               </a:p>
               <a:p>
@@ -14862,7 +14862,7 @@
                 </a:r>
                 <a:r>
                   <a:rPr baseline="30000"/>
-                  <a:t>140</a:t>
+                  <a:t>144</a:t>
                 </a:r>
               </a:p>
               <a:p>
@@ -14959,7 +14959,7 @@
                 </a:r>
                 <a:r>
                   <a:rPr baseline="30000"/>
-                  <a:t>139,140</a:t>
+                  <a:t>143,144</a:t>
                 </a:r>
               </a:p>
               <a:p>
@@ -15060,7 +15060,7 @@
                 </a:r>
                 <a:r>
                   <a:rPr baseline="30000"/>
-                  <a:t>139</a:t>
+                  <a:t>143</a:t>
                 </a:r>
               </a:p>
               <a:p>
@@ -15091,7 +15091,7 @@
                 </a:r>
                 <a:r>
                   <a:rPr baseline="30000"/>
-                  <a:t>139</a:t>
+                  <a:t>143</a:t>
                 </a:r>
               </a:p>
               <a:p>
@@ -15102,7 +15102,7 @@
                 </a:r>
                 <a:r>
                   <a:rPr baseline="30000"/>
-                  <a:t>139</a:t>
+                  <a:t>143</a:t>
                 </a:r>
               </a:p>
               <a:p>
@@ -15113,7 +15113,7 @@
                 </a:r>
                 <a:r>
                   <a:rPr baseline="30000"/>
-                  <a:t>139</a:t>
+                  <a:t>143</a:t>
                 </a:r>
               </a:p>
               <a:p>
@@ -15228,7 +15228,7 @@
                 </a:r>
                 <a:r>
                   <a:rPr baseline="30000"/>
-                  <a:t>139</a:t>
+                  <a:t>143</a:t>
                 </a:r>
               </a:p>
               <a:p>
@@ -15338,7 +15338,7 @@
                 </a:r>
                 <a:r>
                   <a:rPr baseline="30000"/>
-                  <a:t>139,140</a:t>
+                  <a:t>143,144</a:t>
                 </a:r>
               </a:p>
               <a:p>
@@ -15360,7 +15360,7 @@
                 </a:r>
                 <a:r>
                   <a:rPr baseline="30000"/>
-                  <a:t>139,140</a:t>
+                  <a:t>143,144</a:t>
                 </a:r>
               </a:p>
               <a:p>
@@ -15401,7 +15401,7 @@
                 </a:r>
                 <a:r>
                   <a:rPr baseline="30000"/>
-                  <a:t>139,140</a:t>
+                  <a:t>143,144</a:t>
                 </a:r>
               </a:p>
               <a:p>
@@ -15412,7 +15412,7 @@
                 </a:r>
                 <a:r>
                   <a:rPr baseline="30000"/>
-                  <a:t>139,140</a:t>
+                  <a:t>143,144</a:t>
                 </a:r>
               </a:p>
               <a:p>
@@ -15423,7 +15423,7 @@
                 </a:r>
                 <a:r>
                   <a:rPr baseline="30000"/>
-                  <a:t>139,140</a:t>
+                  <a:t>143,144</a:t>
                 </a:r>
               </a:p>
               <a:p>
@@ -15520,7 +15520,7 @@
                 </a:r>
                 <a:r>
                   <a:rPr baseline="30000"/>
-                  <a:t>139,140</a:t>
+                  <a:t>143,144</a:t>
                 </a:r>
               </a:p>
               <a:p>
@@ -16084,7 +16084,7 @@
                 </a:r>
                 <a:r>
                   <a:rPr baseline="30000"/>
-                  <a:t>141,142</a:t>
+                  <a:t>145,146</a:t>
                 </a:r>
               </a:p>
               <a:p>
@@ -16115,7 +16115,7 @@
                 </a:r>
                 <a:r>
                   <a:rPr baseline="30000"/>
-                  <a:t>142</a:t>
+                  <a:t>146</a:t>
                 </a:r>
               </a:p>
               <a:p>
@@ -16126,7 +16126,7 @@
                 </a:r>
                 <a:r>
                   <a:rPr baseline="30000"/>
-                  <a:t>142</a:t>
+                  <a:t>146</a:t>
                 </a:r>
               </a:p>
               <a:p>
@@ -16137,7 +16137,7 @@
                 </a:r>
                 <a:r>
                   <a:rPr baseline="30000"/>
-                  <a:t>141,142</a:t>
+                  <a:t>145,146</a:t>
                 </a:r>
               </a:p>
               <a:p>
@@ -16148,7 +16148,7 @@
                 </a:r>
                 <a:r>
                   <a:rPr baseline="30000"/>
-                  <a:t>141,142</a:t>
+                  <a:t>145,146</a:t>
                 </a:r>
               </a:p>
               <a:p>
@@ -16194,7 +16194,7 @@
                 </a:r>
                 <a:r>
                   <a:rPr baseline="30000"/>
-                  <a:t>142</a:t>
+                  <a:t>146</a:t>
                 </a:r>
               </a:p>
               <a:p>
@@ -16259,7 +16259,7 @@
                 </a:r>
                 <a:r>
                   <a:rPr baseline="30000"/>
-                  <a:t>142</a:t>
+                  <a:t>146</a:t>
                 </a:r>
               </a:p>
               <a:p>
@@ -16352,7 +16352,7 @@
                 </a:r>
                 <a:r>
                   <a:rPr baseline="30000"/>
-                  <a:t>143</a:t>
+                  <a:t>147</a:t>
                 </a:r>
                 <a:r>
                   <a:rPr/>
@@ -16402,7 +16402,7 @@
                 </a:r>
                 <a:r>
                   <a:rPr baseline="30000"/>
-                  <a:t>141,142</a:t>
+                  <a:t>145,146</a:t>
                 </a:r>
               </a:p>
               <a:p>
@@ -16413,7 +16413,7 @@
                 </a:r>
                 <a:r>
                   <a:rPr baseline="30000"/>
-                  <a:t>142</a:t>
+                  <a:t>146</a:t>
                 </a:r>
               </a:p>
               <a:p>
@@ -16424,7 +16424,7 @@
                 </a:r>
                 <a:r>
                   <a:rPr baseline="30000"/>
-                  <a:t>141,142</a:t>
+                  <a:t>145,146</a:t>
                 </a:r>
               </a:p>
               <a:p>
@@ -16489,7 +16489,7 @@
                 </a:r>
                 <a:r>
                   <a:rPr baseline="30000"/>
-                  <a:t>141,142</a:t>
+                  <a:t>145,146</a:t>
                 </a:r>
               </a:p>
               <a:p>
@@ -16582,7 +16582,7 @@
                 </a:r>
                 <a:r>
                   <a:rPr baseline="30000"/>
-                  <a:t>143</a:t>
+                  <a:t>147</a:t>
                 </a:r>
                 <a:r>
                   <a:rPr/>
@@ -16623,7 +16623,7 @@
                 </a:r>
                 <a:r>
                   <a:rPr baseline="30000"/>
-                  <a:t>139,140</a:t>
+                  <a:t>143,144</a:t>
                 </a:r>
               </a:p>
               <a:p>
@@ -16645,7 +16645,7 @@
                 </a:r>
                 <a:r>
                   <a:rPr baseline="30000"/>
-                  <a:t>139,140</a:t>
+                  <a:t>143,144</a:t>
                 </a:r>
               </a:p>
               <a:p>
@@ -16667,7 +16667,7 @@
                 </a:r>
                 <a:r>
                   <a:rPr baseline="30000"/>
-                  <a:t>139,140</a:t>
+                  <a:t>143,144</a:t>
                 </a:r>
               </a:p>
               <a:p>
@@ -16678,7 +16678,7 @@
                 </a:r>
                 <a:r>
                   <a:rPr baseline="30000"/>
-                  <a:t>139,140</a:t>
+                  <a:t>143,144</a:t>
                 </a:r>
               </a:p>
               <a:p>
@@ -16689,7 +16689,7 @@
                 </a:r>
                 <a:r>
                   <a:rPr baseline="30000"/>
-                  <a:t>139,140</a:t>
+                  <a:t>143,144</a:t>
                 </a:r>
               </a:p>
               <a:p>
@@ -16786,7 +16786,7 @@
                 </a:r>
                 <a:r>
                   <a:rPr baseline="30000"/>
-                  <a:t>139,140</a:t>
+                  <a:t>143,144</a:t>
                 </a:r>
               </a:p>
               <a:p>
@@ -17020,7 +17020,7 @@
             </a:r>
             <a:r>
               <a:rPr baseline="30000"/>
-              <a:t>121</a:t>
+              <a:t>125</a:t>
             </a:r>
           </a:p>
           <a:p>
@@ -17031,7 +17031,7 @@
             </a:r>
             <a:r>
               <a:rPr baseline="30000"/>
-              <a:t>144</a:t>
+              <a:t>148</a:t>
             </a:r>
           </a:p>
           <a:p>
@@ -17067,7 +17067,7 @@
             </a:r>
             <a:r>
               <a:rPr baseline="30000"/>
-              <a:t>145</a:t>
+              <a:t>149</a:t>
             </a:r>
           </a:p>
           <a:p>
@@ -17078,7 +17078,7 @@
             </a:r>
             <a:r>
               <a:rPr baseline="30000"/>
-              <a:t>146</a:t>
+              <a:t>150</a:t>
             </a:r>
           </a:p>
           <a:p>
@@ -17089,7 +17089,7 @@
             </a:r>
             <a:r>
               <a:rPr baseline="30000"/>
-              <a:t>146</a:t>
+              <a:t>150</a:t>
             </a:r>
           </a:p>
           <a:p>
@@ -17111,7 +17111,7 @@
             </a:r>
             <a:r>
               <a:rPr baseline="30000"/>
-              <a:t>147</a:t>
+              <a:t>151</a:t>
             </a:r>
             <a:r>
               <a:rPr/>
@@ -17238,7 +17238,7 @@
             </a:r>
             <a:r>
               <a:rPr baseline="30000"/>
-              <a:t>148</a:t>
+              <a:t>152</a:t>
             </a:r>
           </a:p>
           <a:p>
@@ -17249,7 +17249,7 @@
             </a:r>
             <a:r>
               <a:rPr baseline="30000"/>
-              <a:t>148</a:t>
+              <a:t>152</a:t>
             </a:r>
           </a:p>
           <a:p>
@@ -17260,7 +17260,7 @@
             </a:r>
             <a:r>
               <a:rPr baseline="30000"/>
-              <a:t>148</a:t>
+              <a:t>152</a:t>
             </a:r>
           </a:p>
           <a:p>
@@ -17282,7 +17282,7 @@
             </a:r>
             <a:r>
               <a:rPr baseline="30000"/>
-              <a:t>149</a:t>
+              <a:t>153</a:t>
             </a:r>
             <a:r>
               <a:rPr/>
@@ -17443,7 +17443,7 @@
             </a:r>
             <a:r>
               <a:rPr baseline="30000"/>
-              <a:t>150</a:t>
+              <a:t>154</a:t>
             </a:r>
           </a:p>
           <a:p>
@@ -17556,7 +17556,7 @@
             </a:r>
             <a:r>
               <a:rPr baseline="30000"/>
-              <a:t>150</a:t>
+              <a:t>154</a:t>
             </a:r>
           </a:p>
           <a:p>
@@ -17584,7 +17584,7 @@
             </a:r>
             <a:r>
               <a:rPr baseline="30000"/>
-              <a:t>150</a:t>
+              <a:t>154</a:t>
             </a:r>
           </a:p>
           <a:p>
@@ -17697,7 +17697,7 @@
             </a:r>
             <a:r>
               <a:rPr baseline="30000"/>
-              <a:t>151</a:t>
+              <a:t>155</a:t>
             </a:r>
           </a:p>
           <a:p>
@@ -17708,7 +17708,7 @@
             </a:r>
             <a:r>
               <a:rPr baseline="30000"/>
-              <a:t>150</a:t>
+              <a:t>154</a:t>
             </a:r>
           </a:p>
           <a:p>
@@ -17821,7 +17821,7 @@
             </a:r>
             <a:r>
               <a:rPr baseline="30000"/>
-              <a:t>152</a:t>
+              <a:t>156</a:t>
             </a:r>
           </a:p>
           <a:p>
@@ -17832,7 +17832,7 @@
             </a:r>
             <a:r>
               <a:rPr baseline="30000"/>
-              <a:t>150</a:t>
+              <a:t>154</a:t>
             </a:r>
           </a:p>
           <a:p>
@@ -17860,7 +17860,7 @@
             </a:r>
             <a:r>
               <a:rPr baseline="30000"/>
-              <a:t>152</a:t>
+              <a:t>156</a:t>
             </a:r>
           </a:p>
           <a:p>
@@ -17871,7 +17871,7 @@
             </a:r>
             <a:r>
               <a:rPr baseline="30000"/>
-              <a:t>150</a:t>
+              <a:t>154</a:t>
             </a:r>
           </a:p>
           <a:p>
@@ -17899,7 +17899,7 @@
             </a:r>
             <a:r>
               <a:rPr baseline="30000"/>
-              <a:t>152</a:t>
+              <a:t>156</a:t>
             </a:r>
           </a:p>
           <a:p>
@@ -17910,7 +17910,7 @@
             </a:r>
             <a:r>
               <a:rPr baseline="30000"/>
-              <a:t>150</a:t>
+              <a:t>154</a:t>
             </a:r>
           </a:p>
           <a:p>
@@ -17938,7 +17938,7 @@
             </a:r>
             <a:r>
               <a:rPr baseline="30000"/>
-              <a:t>152</a:t>
+              <a:t>156</a:t>
             </a:r>
           </a:p>
           <a:p>
@@ -17949,7 +17949,7 @@
             </a:r>
             <a:r>
               <a:rPr baseline="30000"/>
-              <a:t>150</a:t>
+              <a:t>154</a:t>
             </a:r>
           </a:p>
           <a:p>
@@ -17977,7 +17977,7 @@
             </a:r>
             <a:r>
               <a:rPr baseline="30000"/>
-              <a:t>152</a:t>
+              <a:t>156</a:t>
             </a:r>
           </a:p>
           <a:p>
@@ -17988,7 +17988,7 @@
             </a:r>
             <a:r>
               <a:rPr baseline="30000"/>
-              <a:t>150</a:t>
+              <a:t>154</a:t>
             </a:r>
           </a:p>
           <a:p>
@@ -18103,7 +18103,7 @@
                 </a:r>
                 <a:r>
                   <a:rPr baseline="30000"/>
-                  <a:t>125,153,154</a:t>
+                  <a:t>129,157,158</a:t>
                 </a:r>
               </a:p>
               <a:p>
@@ -18114,7 +18114,7 @@
                 </a:r>
                 <a:r>
                   <a:rPr baseline="30000"/>
-                  <a:t>153,154</a:t>
+                  <a:t>157,158</a:t>
                 </a:r>
               </a:p>
               <a:p>
@@ -18162,7 +18162,7 @@
                 </a:r>
                 <a:r>
                   <a:rPr baseline="30000"/>
-                  <a:t>125</a:t>
+                  <a:t>129</a:t>
                 </a:r>
               </a:p>
               <a:p>
@@ -18173,7 +18173,7 @@
                 </a:r>
                 <a:r>
                   <a:rPr baseline="30000"/>
-                  <a:t>125</a:t>
+                  <a:t>129</a:t>
                 </a:r>
               </a:p>
               <a:p>
@@ -18201,7 +18201,7 @@
                 </a:r>
                 <a:r>
                   <a:rPr baseline="30000"/>
-                  <a:t>146</a:t>
+                  <a:t>150</a:t>
                 </a:r>
               </a:p>
               <a:p>
@@ -18212,7 +18212,7 @@
                 </a:r>
                 <a:r>
                   <a:rPr baseline="30000"/>
-                  <a:t>146</a:t>
+                  <a:t>150</a:t>
                 </a:r>
               </a:p>
               <a:p>
@@ -18223,7 +18223,7 @@
                 </a:r>
                 <a:r>
                   <a:rPr baseline="30000"/>
-                  <a:t>146</a:t>
+                  <a:t>150</a:t>
                 </a:r>
               </a:p>
               <a:p>
@@ -18251,7 +18251,7 @@
                 </a:r>
                 <a:r>
                   <a:rPr baseline="30000"/>
-                  <a:t>154</a:t>
+                  <a:t>158</a:t>
                 </a:r>
               </a:p>
               <a:p>
@@ -18262,7 +18262,7 @@
                 </a:r>
                 <a:r>
                   <a:rPr baseline="30000"/>
-                  <a:t>154</a:t>
+                  <a:t>158</a:t>
                 </a:r>
               </a:p>
               <a:p>
@@ -18273,7 +18273,7 @@
                 </a:r>
                 <a:r>
                   <a:rPr baseline="30000"/>
-                  <a:t>154</a:t>
+                  <a:t>158</a:t>
                 </a:r>
               </a:p>
               <a:p>
@@ -18284,7 +18284,7 @@
                 </a:r>
                 <a:r>
                   <a:rPr baseline="30000"/>
-                  <a:t>154</a:t>
+                  <a:t>158</a:t>
                 </a:r>
               </a:p>
               <a:p>
@@ -18295,7 +18295,7 @@
                 </a:r>
                 <a:r>
                   <a:rPr baseline="30000"/>
-                  <a:t>125</a:t>
+                  <a:t>129</a:t>
                 </a:r>
               </a:p>
               <a:p>
@@ -19027,7 +19027,7 @@
             </a:r>
             <a:r>
               <a:rPr baseline="30000"/>
-              <a:t>39,144</a:t>
+              <a:t>39,148</a:t>
             </a:r>
           </a:p>
           <a:p>
@@ -19038,7 +19038,7 @@
             </a:r>
             <a:r>
               <a:rPr baseline="30000"/>
-              <a:t>39,144</a:t>
+              <a:t>39,148</a:t>
             </a:r>
           </a:p>
           <a:p>
@@ -19220,7 +19220,7 @@
             </a:r>
             <a:r>
               <a:rPr baseline="30000"/>
-              <a:t>155</a:t>
+              <a:t>159</a:t>
             </a:r>
           </a:p>
           <a:p>
@@ -19231,7 +19231,7 @@
             </a:r>
             <a:r>
               <a:rPr baseline="30000"/>
-              <a:t>156</a:t>
+              <a:t>160</a:t>
             </a:r>
           </a:p>
           <a:p>
@@ -19256,7 +19256,7 @@
             </a:r>
             <a:r>
               <a:rPr baseline="30000"/>
-              <a:t>156</a:t>
+              <a:t>160</a:t>
             </a:r>
           </a:p>
           <a:p>
@@ -19281,7 +19281,7 @@
             </a:r>
             <a:r>
               <a:rPr baseline="30000"/>
-              <a:t>156</a:t>
+              <a:t>160</a:t>
             </a:r>
           </a:p>
           <a:p>
@@ -19306,7 +19306,7 @@
             </a:r>
             <a:r>
               <a:rPr baseline="30000"/>
-              <a:t>156</a:t>
+              <a:t>160</a:t>
             </a:r>
           </a:p>
           <a:p>
@@ -19352,7 +19352,7 @@
             </a:r>
             <a:r>
               <a:rPr baseline="30000"/>
-              <a:t>156</a:t>
+              <a:t>160</a:t>
             </a:r>
           </a:p>
           <a:p>
@@ -19558,7 +19558,7 @@
             </a:r>
             <a:r>
               <a:rPr baseline="30000"/>
-              <a:t>157</a:t>
+              <a:t>161</a:t>
             </a:r>
           </a:p>
           <a:p>
@@ -19569,7 +19569,7 @@
             </a:r>
             <a:r>
               <a:rPr baseline="30000"/>
-              <a:t>157</a:t>
+              <a:t>161</a:t>
             </a:r>
           </a:p>
           <a:p>
@@ -19580,7 +19580,7 @@
             </a:r>
             <a:r>
               <a:rPr baseline="30000"/>
-              <a:t>157</a:t>
+              <a:t>161</a:t>
             </a:r>
           </a:p>
           <a:p>
@@ -19591,7 +19591,7 @@
             </a:r>
             <a:r>
               <a:rPr baseline="30000"/>
-              <a:t>158</a:t>
+              <a:t>162</a:t>
             </a:r>
           </a:p>
           <a:p>
@@ -19602,7 +19602,7 @@
             </a:r>
             <a:r>
               <a:rPr baseline="30000"/>
-              <a:t>158</a:t>
+              <a:t>162</a:t>
             </a:r>
           </a:p>
           <a:p>
@@ -19715,7 +19715,7 @@
             </a:r>
             <a:r>
               <a:rPr baseline="30000"/>
-              <a:t>159</a:t>
+              <a:t>163</a:t>
             </a:r>
           </a:p>
           <a:p>
@@ -19743,7 +19743,7 @@
             </a:r>
             <a:r>
               <a:rPr baseline="30000"/>
-              <a:t>160</a:t>
+              <a:t>164</a:t>
             </a:r>
           </a:p>
           <a:p>
@@ -19754,7 +19754,7 @@
             </a:r>
             <a:r>
               <a:rPr baseline="30000"/>
-              <a:t>161</a:t>
+              <a:t>165</a:t>
             </a:r>
           </a:p>
           <a:p>
@@ -19765,7 +19765,7 @@
             </a:r>
             <a:r>
               <a:rPr baseline="30000"/>
-              <a:t>161</a:t>
+              <a:t>165</a:t>
             </a:r>
           </a:p>
           <a:p>
@@ -19793,7 +19793,7 @@
             </a:r>
             <a:r>
               <a:rPr baseline="30000"/>
-              <a:t>161</a:t>
+              <a:t>165</a:t>
             </a:r>
           </a:p>
           <a:p>
@@ -19804,7 +19804,7 @@
             </a:r>
             <a:r>
               <a:rPr baseline="30000"/>
-              <a:t>161</a:t>
+              <a:t>165</a:t>
             </a:r>
           </a:p>
           <a:p>
@@ -19832,7 +19832,7 @@
             </a:r>
             <a:r>
               <a:rPr baseline="30000"/>
-              <a:t>161</a:t>
+              <a:t>165</a:t>
             </a:r>
           </a:p>
           <a:p>
@@ -19969,7 +19969,7 @@
             </a:r>
             <a:r>
               <a:rPr baseline="30000"/>
-              <a:t>162</a:t>
+              <a:t>166</a:t>
             </a:r>
           </a:p>
           <a:p>
@@ -19980,7 +19980,7 @@
             </a:r>
             <a:r>
               <a:rPr baseline="30000"/>
-              <a:t>162</a:t>
+              <a:t>166</a:t>
             </a:r>
           </a:p>
           <a:p>
@@ -20008,7 +20008,7 @@
             </a:r>
             <a:r>
               <a:rPr baseline="30000"/>
-              <a:t>163</a:t>
+              <a:t>167</a:t>
             </a:r>
           </a:p>
           <a:p>
@@ -20019,7 +20019,7 @@
             </a:r>
             <a:r>
               <a:rPr baseline="30000"/>
-              <a:t>163</a:t>
+              <a:t>167</a:t>
             </a:r>
           </a:p>
           <a:p>
@@ -20047,7 +20047,7 @@
             </a:r>
             <a:r>
               <a:rPr baseline="30000"/>
-              <a:t>102,162</a:t>
+              <a:t>106,166</a:t>
             </a:r>
           </a:p>
           <a:p>
@@ -20058,7 +20058,7 @@
             </a:r>
             <a:r>
               <a:rPr baseline="30000"/>
-              <a:t>102,162</a:t>
+              <a:t>106,166</a:t>
             </a:r>
           </a:p>
           <a:p>
@@ -20069,7 +20069,7 @@
             </a:r>
             <a:r>
               <a:rPr baseline="30000"/>
-              <a:t>102,162</a:t>
+              <a:t>106,166</a:t>
             </a:r>
           </a:p>
           <a:p>
@@ -20080,7 +20080,7 @@
             </a:r>
             <a:r>
               <a:rPr baseline="30000"/>
-              <a:t>102</a:t>
+              <a:t>106</a:t>
             </a:r>
           </a:p>
           <a:p>
@@ -20108,7 +20108,7 @@
             </a:r>
             <a:r>
               <a:rPr baseline="30000"/>
-              <a:t>163</a:t>
+              <a:t>167</a:t>
             </a:r>
           </a:p>
           <a:p>
@@ -20119,7 +20119,7 @@
             </a:r>
             <a:r>
               <a:rPr baseline="30000"/>
-              <a:t>163</a:t>
+              <a:t>167</a:t>
             </a:r>
           </a:p>
           <a:p>
@@ -20147,7 +20147,7 @@
             </a:r>
             <a:r>
               <a:rPr baseline="30000"/>
-              <a:t>159</a:t>
+              <a:t>163</a:t>
             </a:r>
           </a:p>
           <a:p>
@@ -20158,7 +20158,7 @@
             </a:r>
             <a:r>
               <a:rPr baseline="30000"/>
-              <a:t>164</a:t>
+              <a:t>168</a:t>
             </a:r>
           </a:p>
           <a:p>
@@ -20186,7 +20186,7 @@
             </a:r>
             <a:r>
               <a:rPr baseline="30000"/>
-              <a:t>159</a:t>
+              <a:t>163</a:t>
             </a:r>
           </a:p>
           <a:p>
@@ -20197,7 +20197,7 @@
             </a:r>
             <a:r>
               <a:rPr baseline="30000"/>
-              <a:t>159</a:t>
+              <a:t>163</a:t>
             </a:r>
           </a:p>
           <a:p>
@@ -20310,7 +20310,7 @@
             </a:r>
             <a:r>
               <a:rPr baseline="30000"/>
-              <a:t>155</a:t>
+              <a:t>159</a:t>
             </a:r>
           </a:p>
           <a:p>
@@ -20423,7 +20423,7 @@
             </a:r>
             <a:r>
               <a:rPr baseline="30000"/>
-              <a:t>155</a:t>
+              <a:t>159</a:t>
             </a:r>
           </a:p>
           <a:p>
@@ -20536,7 +20536,7 @@
             </a:r>
             <a:r>
               <a:rPr baseline="30000"/>
-              <a:t>155</a:t>
+              <a:t>159</a:t>
             </a:r>
           </a:p>
           <a:p>
@@ -20547,7 +20547,7 @@
             </a:r>
             <a:r>
               <a:rPr baseline="30000"/>
-              <a:t>165</a:t>
+              <a:t>169</a:t>
             </a:r>
           </a:p>
           <a:p>
@@ -20558,7 +20558,7 @@
             </a:r>
             <a:r>
               <a:rPr baseline="30000"/>
-              <a:t>150</a:t>
+              <a:t>154</a:t>
             </a:r>
           </a:p>
           <a:p>
@@ -20586,7 +20586,7 @@
             </a:r>
             <a:r>
               <a:rPr baseline="30000"/>
-              <a:t>151</a:t>
+              <a:t>155</a:t>
             </a:r>
           </a:p>
           <a:p>
@@ -20597,7 +20597,7 @@
             </a:r>
             <a:r>
               <a:rPr baseline="30000"/>
-              <a:t>166</a:t>
+              <a:t>170</a:t>
             </a:r>
           </a:p>
           <a:p>
@@ -20608,7 +20608,7 @@
             </a:r>
             <a:r>
               <a:rPr baseline="30000"/>
-              <a:t>166</a:t>
+              <a:t>170</a:t>
             </a:r>
           </a:p>
           <a:p>
@@ -20770,6 +20770,34 @@
                 </a:pPr>
                 <a:r>
                   <a:rPr b="1"/>
+                  <a:t>O que é uma tabela de confusão 2x2?</a:t>
+                </a:r>
+              </a:p>
+              <a:p>
+                <a:pPr lvl="0"/>
+                <a:r>
+                  <a:rPr/>
+                  <a:t>Tabela de confusão é uma matriz de 2 linhas por 2 colunas que permite analisar o desempenho de classificação de uma variável dicotômica (padrão-ouro ou referência) versus outra variável dicotômica (novo teste).</a:t>
+                </a:r>
+                <a:r>
+                  <a:rPr baseline="30000"/>
+                  <a:t>171</a:t>
+                </a:r>
+              </a:p>
+              <a:p>
+                <a:pPr lvl="0" indent="0" marL="0">
+                  <a:buNone/>
+                </a:pPr>
+              </a:p>
+              <a:p>
+                <a:pPr lvl="0" indent="0" marL="0">
+                  <a:spcBef>
+                    <a:spcPts val="3000"/>
+                  </a:spcBef>
+                  <a:buNone/>
+                </a:pPr>
+                <a:r>
+                  <a:rPr b="1"/>
                   <a:t>Como analisar o desempenho diagnóstico em tabelas 2x2?</a:t>
                 </a:r>
               </a:p>
@@ -20795,7 +20823,7 @@
                 </a:r>
                 <a:r>
                   <a:rPr baseline="30000"/>
-                  <a:t>167</a:t>
+                  <a:t>172</a:t>
                 </a:r>
               </a:p>
               <a:p>
@@ -20820,7 +20848,7 @@
                 </a:r>
                 <a:r>
                   <a:rPr baseline="30000"/>
-                  <a:t>167</a:t>
+                  <a:t>172</a:t>
                 </a:r>
               </a:p>
               <a:p>
@@ -20845,7 +20873,7 @@
                 </a:r>
                 <a:r>
                   <a:rPr baseline="30000"/>
-                  <a:t>167</a:t>
+                  <a:t>172</a:t>
                 </a:r>
               </a:p>
               <a:p>
@@ -20870,7 +20898,327 @@
                 </a:r>
                 <a:r>
                   <a:rPr baseline="30000"/>
-                  <a:t>167</a:t>
+                  <a:t>172</a:t>
+                </a:r>
+              </a:p>
+              <a:p>
+                <a:pPr lvl="0" indent="0" marL="0">
+                  <a:buNone/>
+                </a:pPr>
+              </a:p>
+              <a:p>
+                <a:pPr lvl="0"/>
+                <a:r>
+                  <a:rPr/>
+                  <a:t>Tabelas de confusão também podem ser visualizadas em formato de árvores de frequência.</a:t>
+                </a:r>
+                <a:r>
+                  <a:rPr baseline="30000"/>
+                  <a:t>171</a:t>
+                </a:r>
+              </a:p>
+            </p:txBody>
+          </p:sp>
+        </mc:Choice>
+      </mc:AlternateContent>
+      <p:pic>
+        <p:nvPicPr>
+          <p:cNvPr descr="Ciencia-com-R_files/figure-pptx/frequency-tree-1.png" id="4" name="Picture 1"/>
+          <p:cNvPicPr>
+            <a:picLocks noGrp="1" noChangeAspect="1"/>
+          </p:cNvPicPr>
+          <p:nvPr/>
+        </p:nvPicPr>
+        <p:blipFill>
+          <a:blip r:embed="rId2"/>
+          <a:stretch>
+            <a:fillRect/>
+          </a:stretch>
+        </p:blipFill>
+        <p:spPr bwMode="auto">
+          <a:xfrm>
+            <a:off x="3187700" y="876300"/>
+            <a:ext cx="5829300" cy="4660900"/>
+          </a:xfrm>
+          <a:prstGeom prst="rect">
+            <a:avLst/>
+          </a:prstGeom>
+          <a:noFill/>
+          <a:ln w="9525">
+            <a:noFill/>
+            <a:headEnd/>
+            <a:tailEnd/>
+          </a:ln>
+        </p:spPr>
+      </p:pic>
+      <p:sp>
+        <p:nvSpPr>
+          <p:cNvPr id="5" name="TextBox 3"/>
+          <p:cNvSpPr txBox="1"/>
+          <p:nvPr/>
+        </p:nvSpPr>
+        <p:spPr>
+          <a:xfrm>
+            <a:off x="0" y="5537200"/>
+            <a:ext cx="12192000" cy="508000"/>
+          </a:xfrm>
+          <a:prstGeom prst="rect">
+            <a:avLst/>
+          </a:prstGeom>
+          <a:noFill/>
+        </p:spPr>
+        <p:txBody>
+          <a:bodyPr/>
+          <a:lstStyle/>
+          <a:p>
+            <a:pPr lvl="0" indent="0" marL="0" algn="ctr">
+              <a:buNone/>
+            </a:pPr>
+            <a:r>
+              <a:rPr/>
+              <a:t>Árvore de frequência do desempenho diagnóstico de uma tabela de confusão 2x2 representando um método novo (dicotômico) comparado ao método padrão-ouro ou referência (dictômico).</a:t>
+            </a:r>
+          </a:p>
+        </p:txBody>
+      </p:sp>
+      <mc:AlternateContent xmlns:mc="http://schemas.openxmlformats.org/markup-compatibility/2006">
+        <mc:Choice xmlns:a14="http://schemas.microsoft.com/office/drawing/2010/main" Requires="a14">
+          <p:sp>
+            <p:nvSpPr>
+              <p:cNvPr id="6" name="Content Placeholder 2">
+                <a:extLst>
+                  <a:ext uri="{FF2B5EF4-FFF2-40B4-BE49-F238E27FC236}">
+                    <a16:creationId xmlns:a16="http://schemas.microsoft.com/office/drawing/2014/main" id="{1574FA24-F1CC-B240-AAF9-A2DF684B1C54}"/>
+                  </a:ext>
+                </a:extLst>
+              </p:cNvPr>
+              <p:cNvSpPr>
+                <a:spLocks noGrp="1"/>
+              </p:cNvSpPr>
+              <p:nvPr>
+                <p:ph idx="1"/>
+              </p:nvPr>
+            </p:nvSpPr>
+            <p:spPr/>
+            <p:txBody>
+              <a:bodyPr/>
+              <a:lstStyle/>
+              <a:p>
+                <a:pPr lvl="0" indent="0" marL="0">
+                  <a:buNone/>
+                </a:pPr>
+              </a:p>
+              <a:p>
+                <a:pPr lvl="0" indent="0" marL="0">
+                  <a:buNone/>
+                </a:pPr>
+                <a:r>
+                  <a:rPr/>
+                  <a:t>O pacote </a:t>
+                </a:r>
+                <a:r>
+                  <a:rPr i="1"/>
+                  <a:t>riskyr</a:t>
+                </a:r>
+                <a:r>
+                  <a:rPr baseline="30000"/>
+                  <a:t>173</a:t>
+                </a:r>
+                <a:r>
+                  <a:rPr/>
+                  <a:t> fornece a função </a:t>
+                </a:r>
+                <a:r>
+                  <a:rPr>
+                    <a:hlinkClick r:id="rId3"/>
+                  </a:rPr>
+                  <a:t>plot_prism</a:t>
+                </a:r>
+                <a:r>
+                  <a:rPr/>
+                  <a:t> para construir árvores de frequência a partir de diferentes cenários.</a:t>
+                </a:r>
+              </a:p>
+              <a:p>
+                <a:pPr lvl="0" indent="0" marL="0">
+                  <a:buNone/>
+                </a:pPr>
+              </a:p>
+              <a:p>
+                <a:pPr lvl="0" indent="0" marL="0">
+                  <a:spcBef>
+                    <a:spcPts val="3000"/>
+                  </a:spcBef>
+                  <a:buNone/>
+                </a:pPr>
+                <a:r>
+                  <a:rPr b="1"/>
+                  <a:t>Quais probabilidades caracterizam o desempenho diagnóstico de um teste em tabelas 2x2?</a:t>
+                </a:r>
+              </a:p>
+              <a:p>
+                <a:pPr lvl="0"/>
+                <a:r>
+                  <a:rPr/>
+                  <a:t>Sensibilidade (</a:t>
+                </a:r>
+                <a14:m>
+                  <m:oMath xmlns:m="http://schemas.openxmlformats.org/officeDocument/2006/math">
+                    <m:r>
+                      <m:t>S</m:t>
+                    </m:r>
+                    <m:r>
+                      <m:t>E</m:t>
+                    </m:r>
+                    <m:r>
+                      <m:t>N</m:t>
+                    </m:r>
+                  </m:oMath>
+                </a14:m>
+                <a:r>
+                  <a:rPr/>
+                  <a:t>): Proporção de verdadeiro-positivos dentre aqueles com a condição.</a:t>
+                </a:r>
+                <a:r>
+                  <a:rPr baseline="30000"/>
+                  <a:t>172</a:t>
+                </a:r>
+              </a:p>
+              <a:p>
+                <a:pPr lvl="0"/>
+                <a:r>
+                  <a:rPr/>
+                  <a:t>Especificidade (</a:t>
+                </a:r>
+                <a14:m>
+                  <m:oMath xmlns:m="http://schemas.openxmlformats.org/officeDocument/2006/math">
+                    <m:r>
+                      <m:t>E</m:t>
+                    </m:r>
+                    <m:r>
+                      <m:t>S</m:t>
+                    </m:r>
+                    <m:r>
+                      <m:t>P</m:t>
+                    </m:r>
+                  </m:oMath>
+                </a14:m>
+                <a:r>
+                  <a:rPr/>
+                  <a:t>): Proporção de verdadeiro-negativos dentre aqueles sem a condição.</a:t>
+                </a:r>
+                <a:r>
+                  <a:rPr baseline="30000"/>
+                  <a:t>172</a:t>
+                </a:r>
+              </a:p>
+              <a:p>
+                <a:pPr lvl="0"/>
+                <a:r>
+                  <a:rPr/>
+                  <a:t>Acurácia (</a:t>
+                </a:r>
+                <a14:m>
+                  <m:oMath xmlns:m="http://schemas.openxmlformats.org/officeDocument/2006/math">
+                    <m:r>
+                      <m:t>A</m:t>
+                    </m:r>
+                    <m:r>
+                      <m:t>C</m:t>
+                    </m:r>
+                    <m:r>
+                      <m:t>U</m:t>
+                    </m:r>
+                  </m:oMath>
+                </a14:m>
+                <a:r>
+                  <a:rPr/>
+                  <a:t>): Proporção de casos e controle corretamente identificados.</a:t>
+                </a:r>
+                <a:r>
+                  <a:rPr baseline="30000"/>
+                  <a:t>172</a:t>
+                </a:r>
+              </a:p>
+              <a:p>
+                <a:pPr lvl="0"/>
+                <a:r>
+                  <a:rPr/>
+                  <a:t>Valor preditivo positivo (</a:t>
+                </a:r>
+                <a14:m>
+                  <m:oMath xmlns:m="http://schemas.openxmlformats.org/officeDocument/2006/math">
+                    <m:r>
+                      <m:t>V</m:t>
+                    </m:r>
+                    <m:r>
+                      <m:t>P</m:t>
+                    </m:r>
+                    <m:r>
+                      <m:t>P</m:t>
+                    </m:r>
+                  </m:oMath>
+                </a14:m>
+                <a:r>
+                  <a:rPr/>
+                  <a:t>): Proporção de casos corretamente identificados como verdadeiro-positivos.</a:t>
+                </a:r>
+                <a:r>
+                  <a:rPr baseline="30000"/>
+                  <a:t>172</a:t>
+                </a:r>
+              </a:p>
+              <a:p>
+                <a:pPr lvl="0"/>
+                <a:r>
+                  <a:rPr/>
+                  <a:t>Valor preditivo negativo (</a:t>
+                </a:r>
+                <a14:m>
+                  <m:oMath xmlns:m="http://schemas.openxmlformats.org/officeDocument/2006/math">
+                    <m:r>
+                      <m:t>V</m:t>
+                    </m:r>
+                    <m:r>
+                      <m:t>P</m:t>
+                    </m:r>
+                    <m:r>
+                      <m:t>N</m:t>
+                    </m:r>
+                  </m:oMath>
+                </a14:m>
+                <a:r>
+                  <a:rPr/>
+                  <a:t>): Proporção de controles corretamente identificados como verdadeiro-negativos.</a:t>
+                </a:r>
+                <a:r>
+                  <a:rPr baseline="30000"/>
+                  <a:t>172</a:t>
+                </a:r>
+              </a:p>
+              <a:p>
+                <a:pPr lvl="0"/>
+                <a:r>
+                  <a:rPr/>
+                  <a:t>Razão de verosimilhança (</a:t>
+                </a:r>
+                <a14:m>
+                  <m:oMath xmlns:m="http://schemas.openxmlformats.org/officeDocument/2006/math">
+                    <m:r>
+                      <m:t>R</m:t>
+                    </m:r>
+                    <m:r>
+                      <m:t>V</m:t>
+                    </m:r>
+                  </m:oMath>
+                </a14:m>
+                <a:r>
+                  <a:rPr/>
+                  <a:t>).</a:t>
+                </a:r>
+                <a:r>
+                  <a:rPr baseline="30000"/>
+                  <a:t>172</a:t>
                 </a:r>
               </a:p>
               <a:p>
@@ -20885,185 +21233,34 @@
               </a:p>
               <a:p>
                 <a:pPr lvl="0" indent="0" marL="0">
-                  <a:spcBef>
-                    <a:spcPts val="3000"/>
-                  </a:spcBef>
                   <a:buNone/>
                 </a:pPr>
                 <a:r>
-                  <a:rPr b="1"/>
-                  <a:t>Quais probabilidades caracterizam o desempenho diagnóstico de um teste em tabelas 2x2?</a:t>
-                </a:r>
-              </a:p>
-              <a:p>
-                <a:pPr lvl="0"/>
-                <a:r>
                   <a:rPr/>
-                  <a:t>Sensibilidade (</a:t>
-                </a:r>
-                <a14:m>
-                  <m:oMath xmlns:m="http://schemas.openxmlformats.org/officeDocument/2006/math">
-                    <m:r>
-                      <m:t>S</m:t>
-                    </m:r>
-                    <m:r>
-                      <m:t>E</m:t>
-                    </m:r>
-                    <m:r>
-                      <m:t>N</m:t>
-                    </m:r>
-                  </m:oMath>
-                </a14:m>
+                  <a:t>O pacote </a:t>
+                </a:r>
+                <a:r>
+                  <a:rPr i="1"/>
+                  <a:t>riskyr</a:t>
+                </a:r>
+                <a:r>
+                  <a:rPr baseline="30000"/>
+                  <a:t>173</a:t>
+                </a:r>
                 <a:r>
                   <a:rPr/>
-                  <a:t>): Proporção de verdadeiro-positivos dentre aqueles com a condição.</a:t>
-                </a:r>
-                <a:r>
-                  <a:rPr baseline="30000"/>
-                  <a:t>167</a:t>
-                </a:r>
-              </a:p>
-              <a:p>
-                <a:pPr lvl="0"/>
+                  <a:t> fornece a função </a:t>
+                </a:r>
+                <a:r>
+                  <a:rPr>
+                    <a:hlinkClick r:id="rId4"/>
+                  </a:rPr>
+                  <a:t>comp_prob</a:t>
+                </a:r>
                 <a:r>
                   <a:rPr/>
-                  <a:t>Especificidade (</a:t>
-                </a:r>
-                <a14:m>
-                  <m:oMath xmlns:m="http://schemas.openxmlformats.org/officeDocument/2006/math">
-                    <m:r>
-                      <m:t>E</m:t>
-                    </m:r>
-                    <m:r>
-                      <m:t>S</m:t>
-                    </m:r>
-                    <m:r>
-                      <m:t>P</m:t>
-                    </m:r>
-                  </m:oMath>
-                </a14:m>
-                <a:r>
-                  <a:rPr/>
-                  <a:t>): Proporção de verdadeiro-negativos dentre aqueles sem a condição.</a:t>
-                </a:r>
-                <a:r>
-                  <a:rPr baseline="30000"/>
-                  <a:t>167</a:t>
-                </a:r>
-              </a:p>
-              <a:p>
-                <a:pPr lvl="0"/>
-                <a:r>
-                  <a:rPr/>
-                  <a:t>Acurácia (</a:t>
-                </a:r>
-                <a14:m>
-                  <m:oMath xmlns:m="http://schemas.openxmlformats.org/officeDocument/2006/math">
-                    <m:r>
-                      <m:t>A</m:t>
-                    </m:r>
-                    <m:r>
-                      <m:t>C</m:t>
-                    </m:r>
-                    <m:r>
-                      <m:t>U</m:t>
-                    </m:r>
-                  </m:oMath>
-                </a14:m>
-                <a:r>
-                  <a:rPr/>
-                  <a:t>): Proporção de casos e controle corretamente identificados.</a:t>
-                </a:r>
-                <a:r>
-                  <a:rPr baseline="30000"/>
-                  <a:t>167</a:t>
-                </a:r>
-              </a:p>
-              <a:p>
-                <a:pPr lvl="0"/>
-                <a:r>
-                  <a:rPr/>
-                  <a:t>Valor preditivo positivo (</a:t>
-                </a:r>
-                <a14:m>
-                  <m:oMath xmlns:m="http://schemas.openxmlformats.org/officeDocument/2006/math">
-                    <m:r>
-                      <m:t>V</m:t>
-                    </m:r>
-                    <m:r>
-                      <m:t>P</m:t>
-                    </m:r>
-                    <m:r>
-                      <m:t>P</m:t>
-                    </m:r>
-                  </m:oMath>
-                </a14:m>
-                <a:r>
-                  <a:rPr/>
-                  <a:t>): Proporção de casos corretamente identificados como verdadeiro-positivos.</a:t>
-                </a:r>
-                <a:r>
-                  <a:rPr baseline="30000"/>
-                  <a:t>167</a:t>
-                </a:r>
-              </a:p>
-              <a:p>
-                <a:pPr lvl="0"/>
-                <a:r>
-                  <a:rPr/>
-                  <a:t>Valor preditivo negativo (</a:t>
-                </a:r>
-                <a14:m>
-                  <m:oMath xmlns:m="http://schemas.openxmlformats.org/officeDocument/2006/math">
-                    <m:r>
-                      <m:t>V</m:t>
-                    </m:r>
-                    <m:r>
-                      <m:t>P</m:t>
-                    </m:r>
-                    <m:r>
-                      <m:t>N</m:t>
-                    </m:r>
-                  </m:oMath>
-                </a14:m>
-                <a:r>
-                  <a:rPr/>
-                  <a:t>): Proporção de controles corretamente identificados como verdadeiro-negativos.</a:t>
-                </a:r>
-                <a:r>
-                  <a:rPr baseline="30000"/>
-                  <a:t>167</a:t>
-                </a:r>
-              </a:p>
-              <a:p>
-                <a:pPr lvl="0"/>
-                <a:r>
-                  <a:rPr/>
-                  <a:t>Razão de verosimilhança (</a:t>
-                </a:r>
-                <a14:m>
-                  <m:oMath xmlns:m="http://schemas.openxmlformats.org/officeDocument/2006/math">
-                    <m:r>
-                      <m:t>R</m:t>
-                    </m:r>
-                    <m:r>
-                      <m:t>V</m:t>
-                    </m:r>
-                  </m:oMath>
-                </a14:m>
-                <a:r>
-                  <a:rPr/>
-                  <a:t>).</a:t>
-                </a:r>
-                <a:r>
-                  <a:rPr baseline="30000"/>
-                  <a:t>167</a:t>
-                </a:r>
-              </a:p>
-              <a:p>
-                <a:pPr lvl="0" indent="0" marL="0">
-                  <a:buNone/>
-                </a:pPr>
+                  <a:t> para calcular 13 probabilidades relacionadas ao desempenho diagnóstico.</a:t>
+                </a:r>
               </a:p>
               <a:p>
                 <a:pPr lvl="0" indent="0" marL="0">
@@ -21179,7 +21376,7 @@
                 </a:r>
                 <a:r>
                   <a:rPr baseline="30000"/>
-                  <a:t>168</a:t>
+                  <a:t>174</a:t>
                 </a:r>
               </a:p>
               <a:p>
@@ -21201,7 +21398,7 @@
                 </a:r>
                 <a:r>
                   <a:rPr baseline="30000"/>
-                  <a:t>169</a:t>
+                  <a:t>175</a:t>
                 </a:r>
                 <a:r>
                   <a:rPr/>
@@ -21273,7 +21470,7 @@
                 </a:r>
                 <a:r>
                   <a:rPr baseline="30000"/>
-                  <a:t>168</a:t>
+                  <a:t>174</a:t>
                 </a:r>
               </a:p>
               <a:p>
@@ -21284,7 +21481,7 @@
                 </a:r>
                 <a:r>
                   <a:rPr baseline="30000"/>
-                  <a:t>168</a:t>
+                  <a:t>174</a:t>
                 </a:r>
               </a:p>
               <a:p>
@@ -21295,7 +21492,7 @@
                 </a:r>
                 <a:r>
                   <a:rPr baseline="30000"/>
-                  <a:t>168</a:t>
+                  <a:t>174</a:t>
                 </a:r>
               </a:p>
               <a:p>
@@ -21323,7 +21520,7 @@
                 </a:r>
                 <a:r>
                   <a:rPr baseline="30000"/>
-                  <a:t>170</a:t>
+                  <a:t>176</a:t>
                 </a:r>
               </a:p>
               <a:p>
@@ -21438,7 +21635,7 @@
             </a:r>
             <a:r>
               <a:rPr baseline="30000"/>
-              <a:t>167</a:t>
+              <a:t>172</a:t>
             </a:r>
           </a:p>
           <a:p>
@@ -21449,7 +21646,7 @@
             </a:r>
             <a:r>
               <a:rPr baseline="30000"/>
-              <a:t>167</a:t>
+              <a:t>172</a:t>
             </a:r>
           </a:p>
           <a:p>
@@ -21460,7 +21657,7 @@
             </a:r>
             <a:r>
               <a:rPr baseline="30000"/>
-              <a:t>167</a:t>
+              <a:t>172</a:t>
             </a:r>
           </a:p>
           <a:p>
@@ -21471,7 +21668,7 @@
             </a:r>
             <a:r>
               <a:rPr baseline="30000"/>
-              <a:t>167</a:t>
+              <a:t>172</a:t>
             </a:r>
           </a:p>
           <a:p>
@@ -21482,7 +21679,7 @@
             </a:r>
             <a:r>
               <a:rPr baseline="30000"/>
-              <a:t>167</a:t>
+              <a:t>172</a:t>
             </a:r>
           </a:p>
           <a:p>
@@ -21493,7 +21690,7 @@
             </a:r>
             <a:r>
               <a:rPr baseline="30000"/>
-              <a:t>167</a:t>
+              <a:t>172</a:t>
             </a:r>
           </a:p>
           <a:p>
@@ -21504,7 +21701,7 @@
             </a:r>
             <a:r>
               <a:rPr baseline="30000"/>
-              <a:t>167</a:t>
+              <a:t>172</a:t>
             </a:r>
           </a:p>
           <a:p>
@@ -21810,7 +22007,7 @@
             </a:r>
             <a:r>
               <a:rPr baseline="30000"/>
-              <a:t>171</a:t>
+              <a:t>177</a:t>
             </a:r>
           </a:p>
           <a:p>
@@ -21821,7 +22018,7 @@
             </a:r>
             <a:r>
               <a:rPr baseline="30000"/>
-              <a:t>171</a:t>
+              <a:t>177</a:t>
             </a:r>
           </a:p>
           <a:p>
@@ -21832,7 +22029,7 @@
             </a:r>
             <a:r>
               <a:rPr baseline="30000"/>
-              <a:t>171</a:t>
+              <a:t>177</a:t>
             </a:r>
           </a:p>
           <a:p>
@@ -21843,7 +22040,7 @@
             </a:r>
             <a:r>
               <a:rPr baseline="30000"/>
-              <a:t>171</a:t>
+              <a:t>177</a:t>
             </a:r>
           </a:p>
           <a:p>
@@ -21871,7 +22068,7 @@
             </a:r>
             <a:r>
               <a:rPr baseline="30000"/>
-              <a:t>171</a:t>
+              <a:t>177</a:t>
             </a:r>
           </a:p>
           <a:p>
@@ -21882,7 +22079,7 @@
             </a:r>
             <a:r>
               <a:rPr baseline="30000"/>
-              <a:t>171</a:t>
+              <a:t>177</a:t>
             </a:r>
           </a:p>
           <a:p>
@@ -21893,7 +22090,7 @@
             </a:r>
             <a:r>
               <a:rPr baseline="30000"/>
-              <a:t>171</a:t>
+              <a:t>177</a:t>
             </a:r>
           </a:p>
           <a:p>
@@ -22032,7 +22229,7 @@
                 </a:r>
                 <a:r>
                   <a:rPr baseline="30000"/>
-                  <a:t>171</a:t>
+                  <a:t>177</a:t>
                 </a:r>
               </a:p>
               <a:p>
@@ -22043,7 +22240,7 @@
                 </a:r>
                 <a:r>
                   <a:rPr baseline="30000"/>
-                  <a:t>171</a:t>
+                  <a:t>177</a:t>
                 </a:r>
               </a:p>
               <a:p>
@@ -22127,7 +22324,7 @@
                 </a:r>
                 <a:r>
                   <a:rPr baseline="30000"/>
-                  <a:t>171</a:t>
+                  <a:t>177</a:t>
                 </a:r>
               </a:p>
               <a:p>
@@ -22138,7 +22335,7 @@
                 </a:r>
                 <a:r>
                   <a:rPr baseline="30000"/>
-                  <a:t>171</a:t>
+                  <a:t>177</a:t>
                 </a:r>
               </a:p>
               <a:p>
@@ -22225,7 +22422,7 @@
                 </a:r>
                 <a:r>
                   <a:rPr baseline="30000"/>
-                  <a:t>171</a:t>
+                  <a:t>177</a:t>
                 </a:r>
               </a:p>
               <a:p>
@@ -22642,7 +22839,7 @@
                 </a:r>
                 <a:r>
                   <a:rPr baseline="30000"/>
-                  <a:t>172</a:t>
+                  <a:t>178</a:t>
                 </a:r>
               </a:p>
               <a:p>
@@ -22673,7 +22870,7 @@
                 </a:r>
                 <a:r>
                   <a:rPr baseline="30000"/>
-                  <a:t>172</a:t>
+                  <a:t>178</a:t>
                 </a:r>
               </a:p>
               <a:p>
@@ -22704,7 +22901,7 @@
                 </a:r>
                 <a:r>
                   <a:rPr baseline="30000"/>
-                  <a:t>172</a:t>
+                  <a:t>178</a:t>
                 </a:r>
               </a:p>
               <a:p>
@@ -22752,7 +22949,7 @@
                 </a:r>
                 <a:r>
                   <a:rPr baseline="30000"/>
-                  <a:t>172,173</a:t>
+                  <a:t>178,179</a:t>
                 </a:r>
               </a:p>
               <a:p>
@@ -22779,7 +22976,7 @@
                 </a:r>
                 <a:r>
                   <a:rPr baseline="30000"/>
-                  <a:t>172</a:t>
+                  <a:t>178</a:t>
                 </a:r>
               </a:p>
               <a:p>
@@ -22826,7 +23023,7 @@
                 </a:r>
                 <a:r>
                   <a:rPr baseline="30000"/>
-                  <a:t>173</a:t>
+                  <a:t>179</a:t>
                 </a:r>
               </a:p>
               <a:p>
@@ -22837,7 +23034,7 @@
                 </a:r>
                 <a:r>
                   <a:rPr baseline="30000"/>
-                  <a:t>174</a:t>
+                  <a:t>180</a:t>
                 </a:r>
               </a:p>
               <a:p>
@@ -22859,7 +23056,7 @@
                 </a:r>
                 <a:r>
                   <a:rPr baseline="30000"/>
-                  <a:t>175</a:t>
+                  <a:t>181</a:t>
                 </a:r>
                 <a:r>
                   <a:rPr/>
@@ -22885,7 +23082,7 @@
                 </a:r>
                 <a:r>
                   <a:rPr baseline="30000"/>
-                  <a:t>175</a:t>
+                  <a:t>181</a:t>
                 </a:r>
                 <a:r>
                   <a:rPr/>
@@ -22907,7 +23104,7 @@
                 </a:r>
                 <a:r>
                   <a:rPr baseline="30000"/>
-                  <a:t>176</a:t>
+                  <a:t>182</a:t>
                 </a:r>
                 <a:r>
                   <a:rPr/>
@@ -22933,7 +23130,7 @@
                 </a:r>
                 <a:r>
                   <a:rPr baseline="30000"/>
-                  <a:t>177,178</a:t>
+                  <a:t>183,184</a:t>
                 </a:r>
                 <a:r>
                   <a:rPr/>
@@ -23178,7 +23375,7 @@
             </a:r>
             <a:r>
               <a:rPr baseline="30000"/>
-              <a:t>179</a:t>
+              <a:t>185</a:t>
             </a:r>
           </a:p>
           <a:p>
@@ -23238,7 +23435,7 @@
             </a:r>
             <a:r>
               <a:rPr baseline="30000"/>
-              <a:t>180</a:t>
+              <a:t>186</a:t>
             </a:r>
           </a:p>
           <a:p>
@@ -23249,7 +23446,7 @@
             </a:r>
             <a:r>
               <a:rPr baseline="30000"/>
-              <a:t>180</a:t>
+              <a:t>186</a:t>
             </a:r>
           </a:p>
           <a:p>
@@ -23338,7 +23535,7 @@
             </a:r>
             <a:r>
               <a:rPr baseline="30000"/>
-              <a:t>181</a:t>
+              <a:t>187</a:t>
             </a:r>
           </a:p>
           <a:p>
@@ -23355,7 +23552,7 @@
             </a:r>
             <a:r>
               <a:rPr baseline="30000"/>
-              <a:t>182</a:t>
+              <a:t>188</a:t>
             </a:r>
           </a:p>
           <a:p>
@@ -23377,7 +23574,7 @@
             </a:r>
             <a:r>
               <a:rPr baseline="30000"/>
-              <a:t>183</a:t>
+              <a:t>189</a:t>
             </a:r>
             <a:r>
               <a:rPr/>
@@ -23389,7 +23586,7 @@
             </a:r>
             <a:r>
               <a:rPr baseline="30000"/>
-              <a:t>184</a:t>
+              <a:t>190</a:t>
             </a:r>
             <a:r>
               <a:rPr/>
@@ -23885,7 +24082,7 @@
             </a:r>
             <a:r>
               <a:rPr baseline="30000"/>
-              <a:t>185</a:t>
+              <a:t>191</a:t>
             </a:r>
           </a:p>
           <a:p>
@@ -23896,7 +24093,7 @@
             </a:r>
             <a:r>
               <a:rPr baseline="30000"/>
-              <a:t>185</a:t>
+              <a:t>191</a:t>
             </a:r>
           </a:p>
           <a:p>
@@ -23957,7 +24154,7 @@
             </a:r>
             <a:r>
               <a:rPr baseline="30000"/>
-              <a:t>186</a:t>
+              <a:t>192</a:t>
             </a:r>
           </a:p>
           <a:p>
@@ -23968,7 +24165,7 @@
             </a:r>
             <a:r>
               <a:rPr baseline="30000"/>
-              <a:t>186</a:t>
+              <a:t>192</a:t>
             </a:r>
           </a:p>
           <a:p>
@@ -23979,7 +24176,7 @@
             </a:r>
             <a:r>
               <a:rPr baseline="30000"/>
-              <a:t>186</a:t>
+              <a:t>192</a:t>
             </a:r>
           </a:p>
           <a:p>
@@ -23990,7 +24187,7 @@
             </a:r>
             <a:r>
               <a:rPr baseline="30000"/>
-              <a:t>186</a:t>
+              <a:t>192</a:t>
             </a:r>
           </a:p>
           <a:p>
@@ -24001,7 +24198,7 @@
             </a:r>
             <a:r>
               <a:rPr baseline="30000"/>
-              <a:t>186,187</a:t>
+              <a:t>192,193</a:t>
             </a:r>
           </a:p>
           <a:p>
@@ -24012,7 +24209,7 @@
             </a:r>
             <a:r>
               <a:rPr baseline="30000"/>
-              <a:t>186</a:t>
+              <a:t>192</a:t>
             </a:r>
           </a:p>
           <a:p>
@@ -24023,7 +24220,7 @@
             </a:r>
             <a:r>
               <a:rPr baseline="30000"/>
-              <a:t>186</a:t>
+              <a:t>192</a:t>
             </a:r>
           </a:p>
           <a:p>
@@ -24045,7 +24242,7 @@
             </a:r>
             <a:r>
               <a:rPr baseline="30000"/>
-              <a:t>188</a:t>
+              <a:t>194</a:t>
             </a:r>
             <a:r>
               <a:rPr/>
@@ -24081,7 +24278,7 @@
             </a:r>
             <a:r>
               <a:rPr baseline="30000"/>
-              <a:t>189</a:t>
+              <a:t>195</a:t>
             </a:r>
             <a:r>
               <a:rPr/>
@@ -24117,7 +24314,7 @@
             </a:r>
             <a:r>
               <a:rPr baseline="30000"/>
-              <a:t>190</a:t>
+              <a:t>196</a:t>
             </a:r>
             <a:r>
               <a:rPr/>
@@ -25128,7 +25325,7 @@
             </a:r>
             <a:r>
               <a:rPr baseline="30000"/>
-              <a:t>185</a:t>
+              <a:t>191</a:t>
             </a:r>
           </a:p>
           <a:p>
@@ -25139,7 +25336,7 @@
             </a:r>
             <a:r>
               <a:rPr baseline="30000"/>
-              <a:t>191</a:t>
+              <a:t>197</a:t>
             </a:r>
             <a:r>
               <a:rPr/>
@@ -25155,7 +25352,7 @@
             </a:r>
             <a:r>
               <a:rPr baseline="30000"/>
-              <a:t>192</a:t>
+              <a:t>198</a:t>
             </a:r>
           </a:p>
           <a:p>
@@ -25166,7 +25363,7 @@
             </a:r>
             <a:r>
               <a:rPr baseline="30000"/>
-              <a:t>191</a:t>
+              <a:t>197</a:t>
             </a:r>
             <a:r>
               <a:rPr/>
@@ -25235,7 +25432,7 @@
             </a:r>
             <a:r>
               <a:rPr baseline="30000"/>
-              <a:t>193</a:t>
+              <a:t>199</a:t>
             </a:r>
             <a:r>
               <a:rPr/>
@@ -25281,7 +25478,7 @@
             </a:r>
             <a:r>
               <a:rPr baseline="30000"/>
-              <a:t>194</a:t>
+              <a:t>200</a:t>
             </a:r>
             <a:r>
               <a:rPr/>
@@ -25343,7 +25540,7 @@
             </a:r>
             <a:r>
               <a:rPr baseline="30000"/>
-              <a:t>195</a:t>
+              <a:t>201</a:t>
             </a:r>
           </a:p>
           <a:p>
@@ -25365,7 +25562,7 @@
             </a:r>
             <a:r>
               <a:rPr baseline="30000"/>
-              <a:t>196</a:t>
+              <a:t>202</a:t>
             </a:r>
             <a:r>
               <a:rPr/>
@@ -26241,7 +26438,7 @@
             </a:r>
             <a:r>
               <a:rPr baseline="30000"/>
-              <a:t>187</a:t>
+              <a:t>193</a:t>
             </a:r>
           </a:p>
           <a:p>
@@ -26252,7 +26449,7 @@
             </a:r>
             <a:r>
               <a:rPr baseline="30000"/>
-              <a:t>187</a:t>
+              <a:t>193</a:t>
             </a:r>
           </a:p>
           <a:p>
@@ -26291,7 +26488,7 @@
             </a:r>
             <a:r>
               <a:rPr baseline="30000"/>
-              <a:t>187</a:t>
+              <a:t>193</a:t>
             </a:r>
           </a:p>
           <a:p>
@@ -26313,7 +26510,7 @@
             </a:r>
             <a:r>
               <a:rPr baseline="30000"/>
-              <a:t>187</a:t>
+              <a:t>193</a:t>
             </a:r>
           </a:p>
           <a:p>
@@ -26324,7 +26521,7 @@
             </a:r>
             <a:r>
               <a:rPr baseline="30000"/>
-              <a:t>197</a:t>
+              <a:t>203</a:t>
             </a:r>
           </a:p>
           <a:p>
@@ -26335,7 +26532,7 @@
             </a:r>
             <a:r>
               <a:rPr baseline="30000"/>
-              <a:t>187</a:t>
+              <a:t>193</a:t>
             </a:r>
           </a:p>
           <a:p>
@@ -26357,7 +26554,7 @@
             </a:r>
             <a:r>
               <a:rPr baseline="30000"/>
-              <a:t>198</a:t>
+              <a:t>204</a:t>
             </a:r>
             <a:r>
               <a:rPr/>
@@ -26465,7 +26662,7 @@
             </a:r>
             <a:r>
               <a:rPr baseline="30000"/>
-              <a:t>198</a:t>
+              <a:t>204</a:t>
             </a:r>
             <a:r>
               <a:rPr/>
@@ -26603,7 +26800,7 @@
             </a:r>
             <a:r>
               <a:rPr baseline="30000"/>
-              <a:t>199</a:t>
+              <a:t>205</a:t>
             </a:r>
             <a:r>
               <a:rPr/>
@@ -26666,7 +26863,7 @@
             </a:r>
             <a:r>
               <a:rPr baseline="30000"/>
-              <a:t>200</a:t>
+              <a:t>206</a:t>
             </a:r>
             <a:r>
               <a:rPr/>
@@ -27172,7 +27369,7 @@
             </a:r>
             <a:r>
               <a:rPr baseline="30000"/>
-              <a:t>201</a:t>
+              <a:t>207</a:t>
             </a:r>
           </a:p>
           <a:p>
@@ -27187,7 +27384,7 @@
             </a:r>
             <a:r>
               <a:rPr baseline="30000"/>
-              <a:t>202</a:t>
+              <a:t>208</a:t>
             </a:r>
           </a:p>
           <a:p>
@@ -27202,7 +27399,7 @@
             </a:r>
             <a:r>
               <a:rPr baseline="30000"/>
-              <a:t>130</a:t>
+              <a:t>134</a:t>
             </a:r>
           </a:p>
           <a:p>
@@ -27217,7 +27414,7 @@
             </a:r>
             <a:r>
               <a:rPr baseline="30000"/>
-              <a:t>203</a:t>
+              <a:t>209</a:t>
             </a:r>
           </a:p>
           <a:p>
@@ -27232,7 +27429,7 @@
             </a:r>
             <a:r>
               <a:rPr baseline="30000"/>
-              <a:t>204</a:t>
+              <a:t>210</a:t>
             </a:r>
           </a:p>
           <a:p>
@@ -27247,7 +27444,7 @@
             </a:r>
             <a:r>
               <a:rPr baseline="30000"/>
-              <a:t>205</a:t>
+              <a:t>211</a:t>
             </a:r>
           </a:p>
           <a:p>
@@ -27262,7 +27459,7 @@
             </a:r>
             <a:r>
               <a:rPr baseline="30000"/>
-              <a:t>104</a:t>
+              <a:t>108</a:t>
             </a:r>
           </a:p>
           <a:p>
@@ -27277,7 +27474,7 @@
             </a:r>
             <a:r>
               <a:rPr baseline="30000"/>
-              <a:t>206</a:t>
+              <a:t>212</a:t>
             </a:r>
           </a:p>
           <a:p>
@@ -27292,7 +27489,7 @@
             </a:r>
             <a:r>
               <a:rPr baseline="30000"/>
-              <a:t>112</a:t>
+              <a:t>116</a:t>
             </a:r>
           </a:p>
           <a:p>
@@ -27307,7 +27504,7 @@
             </a:r>
             <a:r>
               <a:rPr baseline="30000"/>
-              <a:t>207</a:t>
+              <a:t>213</a:t>
             </a:r>
           </a:p>
           <a:p>
@@ -27322,7 +27519,7 @@
             </a:r>
             <a:r>
               <a:rPr baseline="30000"/>
-              <a:t>208</a:t>
+              <a:t>214</a:t>
             </a:r>
           </a:p>
           <a:p>
@@ -27337,7 +27534,7 @@
             </a:r>
             <a:r>
               <a:rPr baseline="30000"/>
-              <a:t>209</a:t>
+              <a:t>215</a:t>
             </a:r>
           </a:p>
           <a:p>
@@ -27352,7 +27549,7 @@
             </a:r>
             <a:r>
               <a:rPr baseline="30000"/>
-              <a:t>210</a:t>
+              <a:t>216</a:t>
             </a:r>
           </a:p>
           <a:p>
@@ -27367,7 +27564,7 @@
             </a:r>
             <a:r>
               <a:rPr baseline="30000"/>
-              <a:t>211</a:t>
+              <a:t>217</a:t>
             </a:r>
           </a:p>
           <a:p>
@@ -27382,7 +27579,7 @@
             </a:r>
             <a:r>
               <a:rPr baseline="30000"/>
-              <a:t>212</a:t>
+              <a:t>218</a:t>
             </a:r>
           </a:p>
           <a:p>
@@ -27482,7 +27679,7 @@
             </a:r>
             <a:r>
               <a:rPr baseline="30000"/>
-              <a:t>213</a:t>
+              <a:t>219</a:t>
             </a:r>
           </a:p>
           <a:p>
@@ -27497,7 +27694,7 @@
             </a:r>
             <a:r>
               <a:rPr baseline="30000"/>
-              <a:t>214</a:t>
+              <a:t>220</a:t>
             </a:r>
           </a:p>
           <a:p>
@@ -27512,7 +27709,7 @@
             </a:r>
             <a:r>
               <a:rPr baseline="30000"/>
-              <a:t>129</a:t>
+              <a:t>133</a:t>
             </a:r>
           </a:p>
           <a:p>
@@ -28911,7 +29108,7 @@
             </a:r>
             <a:r>
               <a:rPr baseline="30000"/>
-              <a:t>215</a:t>
+              <a:t>221</a:t>
             </a:r>
           </a:p>
           <a:p>
@@ -30719,7 +30916,52 @@
             </a:pPr>
             <a:r>
               <a:rPr/>
-              <a:t>61. Altman DG, Bland JM. Statistics notes Variables and parameters. </a:t>
+              <a:t>61. R Core Team. R: A language and environment for statistical computing. 2023. </a:t>
+            </a:r>
+            <a:r>
+              <a:rPr>
+                <a:hlinkClick r:id="rId62"/>
+              </a:rPr>
+              <a:t>https://www.R-project.org/.</a:t>
+            </a:r>
+          </a:p>
+          <a:p>
+            <a:pPr lvl="0" indent="0" marL="0">
+              <a:buNone/>
+            </a:pPr>
+            <a:r>
+              <a:rPr/>
+              <a:t>62. Pebesma E, Mailund T, Hiebert J. Measurement units in r. 2016;8. doi:</a:t>
+            </a:r>
+            <a:r>
+              <a:rPr>
+                <a:hlinkClick r:id="rId63"/>
+              </a:rPr>
+              <a:t>10.32614/RJ-2016-061</a:t>
+            </a:r>
+          </a:p>
+          <a:p>
+            <a:pPr lvl="0" indent="0" marL="0">
+              <a:buNone/>
+            </a:pPr>
+            <a:r>
+              <a:rPr/>
+              <a:t>63. Harrell Jr FE. Hmisc: Harrell miscellaneous. 2023. </a:t>
+            </a:r>
+            <a:r>
+              <a:rPr>
+                <a:hlinkClick r:id="rId64"/>
+              </a:rPr>
+              <a:t>https://CRAN.R-project.org/package=Hmisc.</a:t>
+            </a:r>
+          </a:p>
+          <a:p>
+            <a:pPr lvl="0" indent="0" marL="0">
+              <a:buNone/>
+            </a:pPr>
+            <a:r>
+              <a:rPr/>
+              <a:t>64. Altman DG, Bland JM. Statistics notes Variables and parameters. </a:t>
             </a:r>
             <a:r>
               <a:rPr i="1"/>
@@ -30731,7 +30973,7 @@
             </a:r>
             <a:r>
               <a:rPr>
-                <a:hlinkClick r:id="rId62"/>
+                <a:hlinkClick r:id="rId65"/>
               </a:rPr>
               <a:t>10.1136/bmj.318.7199.1667</a:t>
             </a:r>
@@ -30742,7 +30984,7 @@
             </a:pPr>
             <a:r>
               <a:rPr/>
-              <a:t>62. Ali Z, Bhaskar Sb. Basic statistical tools in research and data analysis. </a:t>
+              <a:t>65. Ali Z, Bhaskar Sb. Basic statistical tools in research and data analysis. </a:t>
             </a:r>
             <a:r>
               <a:rPr i="1"/>
@@ -30754,7 +30996,7 @@
             </a:r>
             <a:r>
               <a:rPr>
-                <a:hlinkClick r:id="rId63"/>
+                <a:hlinkClick r:id="rId66"/>
               </a:rPr>
               <a:t>10.4103/0019-5049.190623</a:t>
             </a:r>
@@ -30765,7 +31007,7 @@
             </a:pPr>
             <a:r>
               <a:rPr/>
-              <a:t>63. Dettori JR, Norvell DC. The Anatomy of Data. </a:t>
+              <a:t>66. Dettori JR, Norvell DC. The Anatomy of Data. </a:t>
             </a:r>
             <a:r>
               <a:rPr i="1"/>
@@ -30777,7 +31019,7 @@
             </a:r>
             <a:r>
               <a:rPr>
-                <a:hlinkClick r:id="rId64"/>
+                <a:hlinkClick r:id="rId67"/>
               </a:rPr>
               <a:t>10.1177/2192568217746998</a:t>
             </a:r>
@@ -30788,7 +31030,7 @@
             </a:pPr>
             <a:r>
               <a:rPr/>
-              <a:t>64. Kaliyadan F, Kulkarni V. Types of variables, descriptive statistics, and sample size. </a:t>
+              <a:t>67. Kaliyadan F, Kulkarni V. Types of variables, descriptive statistics, and sample size. </a:t>
             </a:r>
             <a:r>
               <a:rPr i="1"/>
@@ -30800,7 +31042,7 @@
             </a:r>
             <a:r>
               <a:rPr>
-                <a:hlinkClick r:id="rId65"/>
+                <a:hlinkClick r:id="rId68"/>
               </a:rPr>
               <a:t>10.4103/idoj.idoj_468_18</a:t>
             </a:r>
@@ -30811,7 +31053,7 @@
             </a:pPr>
             <a:r>
               <a:rPr/>
-              <a:t>65. Barkan H. Statistics in clinical research: Important considerations. </a:t>
+              <a:t>68. Barkan H. Statistics in clinical research: Important considerations. </a:t>
             </a:r>
             <a:r>
               <a:rPr i="1"/>
@@ -30823,7 +31065,7 @@
             </a:r>
             <a:r>
               <a:rPr>
-                <a:hlinkClick r:id="rId66"/>
+                <a:hlinkClick r:id="rId69"/>
               </a:rPr>
               <a:t>10.4103/0971-9784.148325</a:t>
             </a:r>
@@ -30834,7 +31076,7 @@
             </a:pPr>
             <a:r>
               <a:rPr/>
-              <a:t>66. Bland JM, Altman DG. Statistics Notes: Transforming data. </a:t>
+              <a:t>69. Bland JM, Altman DG. Statistics Notes: Transforming data. </a:t>
             </a:r>
             <a:r>
               <a:rPr i="1"/>
@@ -30846,7 +31088,7 @@
             </a:r>
             <a:r>
               <a:rPr>
-                <a:hlinkClick r:id="rId67"/>
+                <a:hlinkClick r:id="rId70"/>
               </a:rPr>
               <a:t>10.1136/bmj.312.7033.770</a:t>
             </a:r>
@@ -30857,7 +31099,7 @@
             </a:pPr>
             <a:r>
               <a:rPr/>
-              <a:t>67. Fedorov V, Mannino F, Zhang R. Consequences of dichotomization. </a:t>
+              <a:t>70. Fedorov V, Mannino F, Zhang R. Consequences of dichotomization. </a:t>
             </a:r>
             <a:r>
               <a:rPr i="1"/>
@@ -30869,7 +31111,7 @@
             </a:r>
             <a:r>
               <a:rPr>
-                <a:hlinkClick r:id="rId68"/>
+                <a:hlinkClick r:id="rId71"/>
               </a:rPr>
               <a:t>10.1002/pst.331</a:t>
             </a:r>
@@ -30880,7 +31122,7 @@
             </a:pPr>
             <a:r>
               <a:rPr/>
-              <a:t>68. Osborne J. Improving your data transformations: Applying the box-cox transformation. </a:t>
+              <a:t>71. Osborne J. Improving your data transformations: Applying the box-cox transformation. </a:t>
             </a:r>
             <a:r>
               <a:rPr i="1"/>
@@ -30892,7 +31134,7 @@
             </a:r>
             <a:r>
               <a:rPr>
-                <a:hlinkClick r:id="rId69"/>
+                <a:hlinkClick r:id="rId72"/>
               </a:rPr>
               <a:t>10.7275/QBPC-GK17</a:t>
             </a:r>
@@ -30903,7 +31145,7 @@
             </a:pPr>
             <a:r>
               <a:rPr/>
-              <a:t>69. Box GEP, Cox DR. An Analysis of Transformations. </a:t>
+              <a:t>72. Box GEP, Cox DR. An Analysis of Transformations. </a:t>
             </a:r>
             <a:r>
               <a:rPr i="1"/>
@@ -30915,7 +31157,7 @@
             </a:r>
             <a:r>
               <a:rPr>
-                <a:hlinkClick r:id="rId70"/>
+                <a:hlinkClick r:id="rId73"/>
               </a:rPr>
               <a:t>10.1111/j.2517-6161.1964.tb00553.x</a:t>
             </a:r>
@@ -30926,11 +31168,11 @@
             </a:pPr>
             <a:r>
               <a:rPr/>
-              <a:t>70. Venables WN, Ripley BD. Modern applied statistics with s. 2002. </a:t>
-            </a:r>
-            <a:r>
-              <a:rPr>
-                <a:hlinkClick r:id="rId71"/>
+              <a:t>73. Venables WN, Ripley BD. Modern applied statistics with s. 2002. </a:t>
+            </a:r>
+            <a:r>
+              <a:rPr>
+                <a:hlinkClick r:id="rId74"/>
               </a:rPr>
               <a:t>https://www.stats.ox.ac.uk/pub/MASS4/.</a:t>
             </a:r>
@@ -30941,7 +31183,7 @@
             </a:pPr>
             <a:r>
               <a:rPr/>
-              <a:t>71. MacCallum RC, Zhang S, Preacher KJ, Rucker DD. On the practice of dichotomization of quantitative variables. </a:t>
+              <a:t>74. MacCallum RC, Zhang S, Preacher KJ, Rucker DD. On the practice of dichotomization of quantitative variables. </a:t>
             </a:r>
             <a:r>
               <a:rPr i="1"/>
@@ -30953,7 +31195,7 @@
             </a:r>
             <a:r>
               <a:rPr>
-                <a:hlinkClick r:id="rId72"/>
+                <a:hlinkClick r:id="rId75"/>
               </a:rPr>
               <a:t>10.1037/1082-989x.7.1.19</a:t>
             </a:r>
@@ -30964,7 +31206,7 @@
             </a:pPr>
             <a:r>
               <a:rPr/>
-              <a:t>72. Altman DG, Royston P. The cost of dichotomising continuous variables. </a:t>
+              <a:t>75. Altman DG, Royston P. The cost of dichotomising continuous variables. </a:t>
             </a:r>
             <a:r>
               <a:rPr i="1"/>
@@ -30976,7 +31218,7 @@
             </a:r>
             <a:r>
               <a:rPr>
-                <a:hlinkClick r:id="rId73"/>
+                <a:hlinkClick r:id="rId76"/>
               </a:rPr>
               <a:t>10.1136/bmj.332.7549.1080</a:t>
             </a:r>
@@ -30987,7 +31229,7 @@
             </a:pPr>
             <a:r>
               <a:rPr/>
-              <a:t>73. Royston P, Altman DG, Sauerbrei W. Dichotomizing continuous predictors in multiple regression: a bad idea. </a:t>
+              <a:t>76. Royston P, Altman DG, Sauerbrei W. Dichotomizing continuous predictors in multiple regression: a bad idea. </a:t>
             </a:r>
             <a:r>
               <a:rPr i="1"/>
@@ -30999,7 +31241,7 @@
             </a:r>
             <a:r>
               <a:rPr>
-                <a:hlinkClick r:id="rId74"/>
+                <a:hlinkClick r:id="rId77"/>
               </a:rPr>
               <a:t>10.1002/sim.2331</a:t>
             </a:r>
@@ -31010,7 +31252,7 @@
             </a:pPr>
             <a:r>
               <a:rPr/>
-              <a:t>74. Collins GS, Ogundimu EO, Cook JA, Manach YL, Altman DG. Quantifying the impact of different approaches for handling continuous predictors on the performance of a prognostic model. </a:t>
+              <a:t>77. Collins GS, Ogundimu EO, Cook JA, Manach YL, Altman DG. Quantifying the impact of different approaches for handling continuous predictors on the performance of a prognostic model. </a:t>
             </a:r>
             <a:r>
               <a:rPr i="1"/>
@@ -31022,7 +31264,7 @@
             </a:r>
             <a:r>
               <a:rPr>
-                <a:hlinkClick r:id="rId75"/>
+                <a:hlinkClick r:id="rId78"/>
               </a:rPr>
               <a:t>10.1002/sim.6986</a:t>
             </a:r>
@@ -31033,7 +31275,7 @@
             </a:pPr>
             <a:r>
               <a:rPr/>
-              <a:t>75. Nelson SLP, Ramakrishnan V, Nietert PJ, Kamen DL, Ramos PS, Wolf BJ. An evaluation of common methods for dichotomization of continuous variables to discriminate disease status. </a:t>
+              <a:t>78. Nelson SLP, Ramakrishnan V, Nietert PJ, Kamen DL, Ramos PS, Wolf BJ. An evaluation of common methods for dichotomization of continuous variables to discriminate disease status. </a:t>
             </a:r>
             <a:r>
               <a:rPr i="1"/>
@@ -31045,7 +31287,7 @@
             </a:r>
             <a:r>
               <a:rPr>
-                <a:hlinkClick r:id="rId76"/>
+                <a:hlinkClick r:id="rId79"/>
               </a:rPr>
               <a:t>10.1080/03610926.2016.1248783</a:t>
             </a:r>
@@ -31056,7 +31298,7 @@
             </a:pPr>
             <a:r>
               <a:rPr/>
-              <a:t>76. Bennette C, Vickers A. Against quantiles: categorization of continuous variables in epidemiologic research, and its discontents. </a:t>
+              <a:t>79. Bennette C, Vickers A. Against quantiles: categorization of continuous variables in epidemiologic research, and its discontents. </a:t>
             </a:r>
             <a:r>
               <a:rPr i="1"/>
@@ -31068,7 +31310,7 @@
             </a:r>
             <a:r>
               <a:rPr>
-                <a:hlinkClick r:id="rId77"/>
+                <a:hlinkClick r:id="rId80"/>
               </a:rPr>
               <a:t>10.1186/1471-2288-12-21</a:t>
             </a:r>
@@ -31079,7 +31321,7 @@
             </a:pPr>
             <a:r>
               <a:rPr/>
-              <a:t>77. Youden WJ. Index for rating diagnostic tests. </a:t>
+              <a:t>80. Youden WJ. Index for rating diagnostic tests. </a:t>
             </a:r>
             <a:r>
               <a:rPr i="1"/>
@@ -31091,7 +31333,7 @@
             </a:r>
             <a:r>
               <a:rPr>
-                <a:hlinkClick r:id="rId78"/>
+                <a:hlinkClick r:id="rId81"/>
               </a:rPr>
               <a:t>10.1002/1097-0142(1950)3:1&lt;32::aid-cncr2820030106&gt;3.0.co;2-3</a:t>
             </a:r>
@@ -31102,7 +31344,7 @@
             </a:pPr>
             <a:r>
               <a:rPr/>
-              <a:t>78. Strobl C, Boulesteix AL, Augustin T. Unbiased split selection for classification trees based on the Gini Index. </a:t>
+              <a:t>81. Strobl C, Boulesteix AL, Augustin T. Unbiased split selection for classification trees based on the Gini Index. </a:t>
             </a:r>
             <a:r>
               <a:rPr i="1"/>
@@ -31114,7 +31356,7 @@
             </a:r>
             <a:r>
               <a:rPr>
-                <a:hlinkClick r:id="rId79"/>
+                <a:hlinkClick r:id="rId82"/>
               </a:rPr>
               <a:t>10.1016/j.csda.2006.12.030</a:t>
             </a:r>
@@ -31125,7 +31367,7 @@
             </a:pPr>
             <a:r>
               <a:rPr/>
-              <a:t>79. Pearson K. X. </a:t>
+              <a:t>82. Pearson K. X. </a:t>
             </a:r>
             <a:r>
               <a:rPr i="1"/>
@@ -31145,7 +31387,7 @@
             </a:r>
             <a:r>
               <a:rPr>
-                <a:hlinkClick r:id="rId80"/>
+                <a:hlinkClick r:id="rId83"/>
               </a:rPr>
               <a:t>10.1080/14786440009463897</a:t>
             </a:r>
@@ -31156,7 +31398,7 @@
             </a:pPr>
             <a:r>
               <a:rPr/>
-              <a:t>80. Greiner M, Pfeiffer D, Smith RD. Principles and practical application of the receiver-operating characteristic analysis for diagnostic tests. </a:t>
+              <a:t>83. Greiner M, Pfeiffer D, Smith RD. Principles and practical application of the receiver-operating characteristic analysis for diagnostic tests. </a:t>
             </a:r>
             <a:r>
               <a:rPr i="1"/>
@@ -31168,7 +31410,7 @@
             </a:r>
             <a:r>
               <a:rPr>
-                <a:hlinkClick r:id="rId81"/>
+                <a:hlinkClick r:id="rId84"/>
               </a:rPr>
               <a:t>10.1016/s0167-5877(00)00115-x</a:t>
             </a:r>
@@ -31179,7 +31421,7 @@
             </a:pPr>
             <a:r>
               <a:rPr/>
-              <a:t>81. Fleiss JL. Measuring nominal scale agreement among many raters. </a:t>
+              <a:t>84. Fleiss JL. Measuring nominal scale agreement among many raters. </a:t>
             </a:r>
             <a:r>
               <a:rPr i="1"/>
@@ -31191,7 +31433,7 @@
             </a:r>
             <a:r>
               <a:rPr>
-                <a:hlinkClick r:id="rId82"/>
+                <a:hlinkClick r:id="rId85"/>
               </a:rPr>
               <a:t>10.1037/h0031619</a:t>
             </a:r>
@@ -31202,11 +31444,26 @@
             </a:pPr>
             <a:r>
               <a:rPr/>
-              <a:t>82. Kanji G. 100 statistical tests. 2006. doi:</a:t>
-            </a:r>
-            <a:r>
-              <a:rPr>
-                <a:hlinkClick r:id="rId83"/>
+              <a:t>85. R Core Team. R: A language and environment for statistical computing. 2023. </a:t>
+            </a:r>
+            <a:r>
+              <a:rPr>
+                <a:hlinkClick r:id="rId86"/>
+              </a:rPr>
+              <a:t>https://www.R-project.org/.</a:t>
+            </a:r>
+          </a:p>
+          <a:p>
+            <a:pPr lvl="0" indent="0" marL="0">
+              <a:buNone/>
+            </a:pPr>
+            <a:r>
+              <a:rPr/>
+              <a:t>86. Kanji G. 100 statistical tests. 2006. doi:</a:t>
+            </a:r>
+            <a:r>
+              <a:rPr>
+                <a:hlinkClick r:id="rId87"/>
               </a:rPr>
               <a:t>10.4135/9781849208499</a:t>
             </a:r>
@@ -31217,7 +31474,7 @@
             </a:pPr>
             <a:r>
               <a:rPr/>
-              <a:t>83. Curran-Everett D. Explorations in statistics: standard deviations and standard errors. </a:t>
+              <a:t>87. Curran-Everett D. Explorations in statistics: standard deviations and standard errors. </a:t>
             </a:r>
             <a:r>
               <a:rPr i="1"/>
@@ -31229,7 +31486,7 @@
             </a:r>
             <a:r>
               <a:rPr>
-                <a:hlinkClick r:id="rId84"/>
+                <a:hlinkClick r:id="rId88"/>
               </a:rPr>
               <a:t>10.1152/advan.90123.2008</a:t>
             </a:r>
@@ -31240,7 +31497,7 @@
             </a:pPr>
             <a:r>
               <a:rPr/>
-              <a:t>84. Altman DG, Bland JM. Statistics Notes: Quartiles, quintiles, centiles, and other quantiles. </a:t>
+              <a:t>88. Altman DG, Bland JM. Statistics Notes: Quartiles, quintiles, centiles, and other quantiles. </a:t>
             </a:r>
             <a:r>
               <a:rPr i="1"/>
@@ -31252,7 +31509,7 @@
             </a:r>
             <a:r>
               <a:rPr>
-                <a:hlinkClick r:id="rId85"/>
+                <a:hlinkClick r:id="rId89"/>
               </a:rPr>
               <a:t>10.1136/bmj.309.6960.996</a:t>
             </a:r>
@@ -31263,11 +31520,11 @@
             </a:pPr>
             <a:r>
               <a:rPr/>
-              <a:t>85. R Core Team. R: A language and environment for statistical computing. 2022. </a:t>
-            </a:r>
-            <a:r>
-              <a:rPr>
-                <a:hlinkClick r:id="rId86"/>
+              <a:t>89. R Core Team. R: A language and environment for statistical computing. 2022. </a:t>
+            </a:r>
+            <a:r>
+              <a:rPr>
+                <a:hlinkClick r:id="rId90"/>
               </a:rPr>
               <a:t>https://www.R-project.org/.</a:t>
             </a:r>
@@ -31278,7 +31535,7 @@
             </a:pPr>
             <a:r>
               <a:rPr/>
-              <a:t>86. Zuur AF, Ieno EN, Elphick CS. A protocol for data exploration to avoid common statistical problems. </a:t>
+              <a:t>90. Zuur AF, Ieno EN, Elphick CS. A protocol for data exploration to avoid common statistical problems. </a:t>
             </a:r>
             <a:r>
               <a:rPr i="1"/>
@@ -31290,7 +31547,7 @@
             </a:r>
             <a:r>
               <a:rPr>
-                <a:hlinkClick r:id="rId87"/>
+                <a:hlinkClick r:id="rId91"/>
               </a:rPr>
               <a:t>10.1111/j.2041-210x.2009.00001.x</a:t>
             </a:r>
@@ -31301,7 +31558,7 @@
             </a:pPr>
             <a:r>
               <a:rPr/>
-              <a:t>87. Tierney N, Cook D. Expanding Tidy Data Principles to Facilitate Missing Data Exploration, Visualization and Assessment of Imputations. </a:t>
+              <a:t>91. Tierney N, Cook D. Expanding Tidy Data Principles to Facilitate Missing Data Exploration, Visualization and Assessment of Imputations. </a:t>
             </a:r>
             <a:r>
               <a:rPr i="1"/>
@@ -31313,7 +31570,7 @@
             </a:r>
             <a:r>
               <a:rPr>
-                <a:hlinkClick r:id="rId88"/>
+                <a:hlinkClick r:id="rId92"/>
               </a:rPr>
               <a:t>10.18637/jss.v105.i07</a:t>
             </a:r>
@@ -31324,11 +31581,11 @@
             </a:pPr>
             <a:r>
               <a:rPr/>
-              <a:t>88. Hammill D. DataEditR: An interactive editor for viewing, entering, filtering &amp; editing data. 2022. </a:t>
-            </a:r>
-            <a:r>
-              <a:rPr>
-                <a:hlinkClick r:id="rId89"/>
+              <a:t>92. Hammill D. DataEditR: An interactive editor for viewing, entering, filtering &amp; editing data. 2022. </a:t>
+            </a:r>
+            <a:r>
+              <a:rPr>
+                <a:hlinkClick r:id="rId93"/>
               </a:rPr>
               <a:t>https://CRAN.R-project.org/package=DataEditR.</a:t>
             </a:r>
@@ -31339,7 +31596,7 @@
             </a:pPr>
             <a:r>
               <a:rPr/>
-              <a:t>89. Broman KW, Woo KH. Data Organization in Spreadsheets. </a:t>
+              <a:t>93. Broman KW, Woo KH. Data Organization in Spreadsheets. </a:t>
             </a:r>
             <a:r>
               <a:rPr i="1"/>
@@ -31351,7 +31608,7 @@
             </a:r>
             <a:r>
               <a:rPr>
-                <a:hlinkClick r:id="rId90"/>
+                <a:hlinkClick r:id="rId94"/>
               </a:rPr>
               <a:t>10.1080/00031305.2017.1375989</a:t>
             </a:r>
@@ -31362,7 +31619,7 @@
             </a:pPr>
             <a:r>
               <a:rPr/>
-              <a:t>90. Juluru K, Eng J. Use of Spreadsheets for Research Data Collection and Preparation: </a:t>
+              <a:t>94. Juluru K, Eng J. Use of Spreadsheets for Research Data Collection and Preparation: </a:t>
             </a:r>
             <a:r>
               <a:rPr i="1"/>
@@ -31374,7 +31631,7 @@
             </a:r>
             <a:r>
               <a:rPr>
-                <a:hlinkClick r:id="rId91"/>
+                <a:hlinkClick r:id="rId95"/>
               </a:rPr>
               <a:t>10.1016/j.acra.2015.08.024</a:t>
             </a:r>
@@ -31385,11 +31642,11 @@
             </a:pPr>
             <a:r>
               <a:rPr/>
-              <a:t>91. Dowle M, Srinivasan A. Data.table: Extension of ‘data.frame‘. 2023. </a:t>
-            </a:r>
-            <a:r>
-              <a:rPr>
-                <a:hlinkClick r:id="rId92"/>
+              <a:t>95. Dowle M, Srinivasan A. Data.table: Extension of ‘data.frame‘. 2023. </a:t>
+            </a:r>
+            <a:r>
+              <a:rPr>
+                <a:hlinkClick r:id="rId96"/>
               </a:rPr>
               <a:t>https://CRAN.R-project.org/package=data.table.</a:t>
             </a:r>
@@ -31400,7 +31657,7 @@
             </a:pPr>
             <a:r>
               <a:rPr/>
-              <a:t>92. Chatfield C. Exploratory data analysis. </a:t>
+              <a:t>96. Chatfield C. Exploratory data analysis. </a:t>
             </a:r>
             <a:r>
               <a:rPr i="1"/>
@@ -31412,7 +31669,7 @@
             </a:r>
             <a:r>
               <a:rPr>
-                <a:hlinkClick r:id="rId93"/>
+                <a:hlinkClick r:id="rId97"/>
               </a:rPr>
               <a:t>10.1016/0377-2217(86)90209-2</a:t>
             </a:r>
@@ -31423,7 +31680,7 @@
             </a:pPr>
             <a:r>
               <a:rPr/>
-              <a:t>93. Ferketich S, Verran J. Technical Notes. </a:t>
+              <a:t>97. Ferketich S, Verran J. Technical Notes. </a:t>
             </a:r>
             <a:r>
               <a:rPr i="1"/>
@@ -31435,7 +31692,7 @@
             </a:r>
             <a:r>
               <a:rPr>
-                <a:hlinkClick r:id="rId94"/>
+                <a:hlinkClick r:id="rId98"/>
               </a:rPr>
               <a:t>10.1177/019394598600800409</a:t>
             </a:r>
@@ -31446,7 +31703,7 @@
             </a:pPr>
             <a:r>
               <a:rPr/>
-              <a:t>94. Kerr NL. HARKing: Hypothesizing After the Results are Known. </a:t>
+              <a:t>98. Kerr NL. HARKing: Hypothesizing After the Results are Known. </a:t>
             </a:r>
             <a:r>
               <a:rPr i="1"/>
@@ -31458,7 +31715,7 @@
             </a:r>
             <a:r>
               <a:rPr>
-                <a:hlinkClick r:id="rId95"/>
+                <a:hlinkClick r:id="rId99"/>
               </a:rPr>
               <a:t>10.1207/s15327957pspr0203_4</a:t>
             </a:r>
@@ -31469,7 +31726,7 @@
             </a:pPr>
             <a:r>
               <a:rPr/>
-              <a:t>95. Landis SC, Amara SG, Asadullah K, et al. A call for transparent reporting to optimize the predictive value of preclinical research. </a:t>
+              <a:t>99. Landis SC, Amara SG, Asadullah K, et al. A call for transparent reporting to optimize the predictive value of preclinical research. </a:t>
             </a:r>
             <a:r>
               <a:rPr i="1"/>
@@ -31481,7 +31738,7 @@
             </a:r>
             <a:r>
               <a:rPr>
-                <a:hlinkClick r:id="rId96"/>
+                <a:hlinkClick r:id="rId100"/>
               </a:rPr>
               <a:t>10.1038/nature11556</a:t>
             </a:r>
@@ -31492,7 +31749,7 @@
             </a:pPr>
             <a:r>
               <a:rPr/>
-              <a:t>96. Huebner M, Vach W, Cessie S le. A systematic approach to initial data analysis is good research practice. </a:t>
+              <a:t>100. Huebner M, Vach W, Cessie S le. A systematic approach to initial data analysis is good research practice. </a:t>
             </a:r>
             <a:r>
               <a:rPr i="1"/>
@@ -31504,7 +31761,7 @@
             </a:r>
             <a:r>
               <a:rPr>
-                <a:hlinkClick r:id="rId97"/>
+                <a:hlinkClick r:id="rId101"/>
               </a:rPr>
               <a:t>10.1016/j.jtcvs.2015.09.085</a:t>
             </a:r>
@@ -31515,11 +31772,11 @@
             </a:pPr>
             <a:r>
               <a:rPr/>
-              <a:t>97. Krasser R. Explore: Simplifies exploratory data analysis. 2023. </a:t>
-            </a:r>
-            <a:r>
-              <a:rPr>
-                <a:hlinkClick r:id="rId98"/>
+              <a:t>101. Krasser R. Explore: Simplifies exploratory data analysis. 2023. </a:t>
+            </a:r>
+            <a:r>
+              <a:rPr>
+                <a:hlinkClick r:id="rId102"/>
               </a:rPr>
               <a:t>https://CRAN.R-project.org/package=explore.</a:t>
             </a:r>
@@ -31530,11 +31787,11 @@
             </a:pPr>
             <a:r>
               <a:rPr/>
-              <a:t>98. R Core Team. R: A language and environment for statistical computing. 2023. </a:t>
-            </a:r>
-            <a:r>
-              <a:rPr>
-                <a:hlinkClick r:id="rId99"/>
+              <a:t>102. R Core Team. R: A language and environment for statistical computing. 2023. </a:t>
+            </a:r>
+            <a:r>
+              <a:rPr>
+                <a:hlinkClick r:id="rId103"/>
               </a:rPr>
               <a:t>https://www.R-project.org/.</a:t>
             </a:r>
@@ -31545,11 +31802,11 @@
             </a:pPr>
             <a:r>
               <a:rPr/>
-              <a:t>99. Cui B. DataExplorer: Automate data exploration and treatment. 2020. </a:t>
-            </a:r>
-            <a:r>
-              <a:rPr>
-                <a:hlinkClick r:id="rId100"/>
+              <a:t>103. Cui B. DataExplorer: Automate data exploration and treatment. 2020. </a:t>
+            </a:r>
+            <a:r>
+              <a:rPr>
+                <a:hlinkClick r:id="rId104"/>
               </a:rPr>
               <a:t>https://CRAN.R-project.org/package=DataExplorer.</a:t>
             </a:r>
@@ -31560,7 +31817,7 @@
             </a:pPr>
             <a:r>
               <a:rPr/>
-              <a:t>100. Cummings P, Rivara FP. Reporting Statistical Information in Medical Journal Articles. </a:t>
+              <a:t>104. Cummings P, Rivara FP. Reporting Statistical Information in Medical Journal Articles. </a:t>
             </a:r>
             <a:r>
               <a:rPr i="1"/>
@@ -31572,7 +31829,7 @@
             </a:r>
             <a:r>
               <a:rPr>
-                <a:hlinkClick r:id="rId101"/>
+                <a:hlinkClick r:id="rId105"/>
               </a:rPr>
               <a:t>10.1001/archpedi.157.4.321</a:t>
             </a:r>
@@ -31583,7 +31840,7 @@
             </a:pPr>
             <a:r>
               <a:rPr/>
-              <a:t>101. Inskip H, Ntani G, Westbury L, et al. Getting started with tables. </a:t>
+              <a:t>105. Inskip H, Ntani G, Westbury L, et al. Getting started with tables. </a:t>
             </a:r>
             <a:r>
               <a:rPr i="1"/>
@@ -31595,7 +31852,7 @@
             </a:r>
             <a:r>
               <a:rPr>
-                <a:hlinkClick r:id="rId102"/>
+                <a:hlinkClick r:id="rId106"/>
               </a:rPr>
               <a:t>10.1186/s13690-017-0180-1</a:t>
             </a:r>
@@ -31606,7 +31863,7 @@
             </a:pPr>
             <a:r>
               <a:rPr/>
-              <a:t>102. Chen H, Lu Y, Slye N. Testing for baseline differences in clinical trials. </a:t>
+              <a:t>106. Chen H, Lu Y, Slye N. Testing for baseline differences in clinical trials. </a:t>
             </a:r>
             <a:r>
               <a:rPr i="1"/>
@@ -31618,7 +31875,7 @@
             </a:r>
             <a:r>
               <a:rPr>
-                <a:hlinkClick r:id="rId103"/>
+                <a:hlinkClick r:id="rId107"/>
               </a:rPr>
               <a:t>10.18203/2349-3259.ijct20201720</a:t>
             </a:r>
@@ -31629,7 +31886,7 @@
             </a:pPr>
             <a:r>
               <a:rPr/>
-              <a:t>103. Greenhalgh T. How to read a paper: Statistics for the non-statistician. I: Different types of data need different statistical tests. </a:t>
+              <a:t>107. Greenhalgh T. How to read a paper: Statistics for the non-statistician. I: Different types of data need different statistical tests. </a:t>
             </a:r>
             <a:r>
               <a:rPr i="1"/>
@@ -31641,7 +31898,7 @@
             </a:r>
             <a:r>
               <a:rPr>
-                <a:hlinkClick r:id="rId104"/>
+                <a:hlinkClick r:id="rId108"/>
               </a:rPr>
               <a:t>10.1136/bmj.315.7104.364</a:t>
             </a:r>
@@ -31652,7 +31909,7 @@
             </a:pPr>
             <a:r>
               <a:rPr/>
-              <a:t>104. Hayes-Larson E, Kezios KL, Mooney SJ, Lovasi G. Who is in this study, anyway? Guidelines for a useful Table 1. </a:t>
+              <a:t>108. Hayes-Larson E, Kezios KL, Mooney SJ, Lovasi G. Who is in this study, anyway? Guidelines for a useful Table 1. </a:t>
             </a:r>
             <a:r>
               <a:rPr i="1"/>
@@ -31664,7 +31921,7 @@
             </a:r>
             <a:r>
               <a:rPr>
-                <a:hlinkClick r:id="rId105"/>
+                <a:hlinkClick r:id="rId109"/>
               </a:rPr>
               <a:t>10.1016/j.jclinepi.2019.06.011</a:t>
             </a:r>
@@ -31675,7 +31932,7 @@
             </a:pPr>
             <a:r>
               <a:rPr/>
-              <a:t>105. Kwak SG, Kang H, Kim JH, et al. The principles of presenting statistical results: Table. </a:t>
+              <a:t>109. Kwak SG, Kang H, Kim JH, et al. The principles of presenting statistical results: Table. </a:t>
             </a:r>
             <a:r>
               <a:rPr i="1"/>
@@ -31687,7 +31944,7 @@
             </a:r>
             <a:r>
               <a:rPr>
-                <a:hlinkClick r:id="rId106"/>
+                <a:hlinkClick r:id="rId110"/>
               </a:rPr>
               <a:t>10.4097/kja.20582</a:t>
             </a:r>
@@ -31698,11 +31955,11 @@
             </a:pPr>
             <a:r>
               <a:rPr/>
-              <a:t>106. Rich B. table1: Tables of descriptive statistics in HTML. 2023. </a:t>
-            </a:r>
-            <a:r>
-              <a:rPr>
-                <a:hlinkClick r:id="rId107"/>
+              <a:t>110. Rich B. table1: Tables of descriptive statistics in HTML. 2023. </a:t>
+            </a:r>
+            <a:r>
+              <a:rPr>
+                <a:hlinkClick r:id="rId111"/>
               </a:rPr>
               <a:t>https://CRAN.R-project.org/package=table1.</a:t>
             </a:r>
@@ -31713,7 +31970,7 @@
             </a:pPr>
             <a:r>
               <a:rPr/>
-              <a:t>107. Park JH, Lee DK, Kang H, et al. The principles of presenting statistical results using figures. </a:t>
+              <a:t>111. Park JH, Lee DK, Kang H, et al. The principles of presenting statistical results using figures. </a:t>
             </a:r>
             <a:r>
               <a:rPr i="1"/>
@@ -31725,7 +31982,7 @@
             </a:r>
             <a:r>
               <a:rPr>
-                <a:hlinkClick r:id="rId108"/>
+                <a:hlinkClick r:id="rId112"/>
               </a:rPr>
               <a:t>10.4097/kja.21508</a:t>
             </a:r>
@@ -31736,11 +31993,11 @@
             </a:pPr>
             <a:r>
               <a:rPr/>
-              <a:t>108. Wickham H. ggplot2: Elegant graphics for data analysis. 2016. </a:t>
-            </a:r>
-            <a:r>
-              <a:rPr>
-                <a:hlinkClick r:id="rId109"/>
+              <a:t>112. Wickham H. ggplot2: Elegant graphics for data analysis. 2016. </a:t>
+            </a:r>
+            <a:r>
+              <a:rPr>
+                <a:hlinkClick r:id="rId113"/>
               </a:rPr>
               <a:t>https://ggplot2.tidyverse.org.</a:t>
             </a:r>
@@ -31751,11 +32008,11 @@
             </a:pPr>
             <a:r>
               <a:rPr/>
-              <a:t>109. Sievert C. Interactive web-based data visualization with r, plotly, and shiny. 2020. </a:t>
-            </a:r>
-            <a:r>
-              <a:rPr>
-                <a:hlinkClick r:id="rId110"/>
+              <a:t>113. Sievert C. Interactive web-based data visualization with r, plotly, and shiny. 2020. </a:t>
+            </a:r>
+            <a:r>
+              <a:rPr>
+                <a:hlinkClick r:id="rId114"/>
               </a:rPr>
               <a:t>https://plotly-r.com.</a:t>
             </a:r>
@@ -31766,11 +32023,11 @@
             </a:pPr>
             <a:r>
               <a:rPr/>
-              <a:t>110. Wei T, Simko V. R package ’corrplot’: Visualization of a correlation matrix. 2021. </a:t>
-            </a:r>
-            <a:r>
-              <a:rPr>
-                <a:hlinkClick r:id="rId111"/>
+              <a:t>114. Wei T, Simko V. R package ’corrplot’: Visualization of a correlation matrix. 2021. </a:t>
+            </a:r>
+            <a:r>
+              <a:rPr>
+                <a:hlinkClick r:id="rId115"/>
               </a:rPr>
               <a:t>https://github.com/taiyun/corrplot.</a:t>
             </a:r>
@@ -31781,7 +32038,7 @@
             </a:pPr>
             <a:r>
               <a:rPr/>
-              <a:t>111. Cumming G, Fidler F, Vaux DL. Error bars in experimental biology. </a:t>
+              <a:t>115. Cumming G, Fidler F, Vaux DL. Error bars in experimental biology. </a:t>
             </a:r>
             <a:r>
               <a:rPr i="1"/>
@@ -31793,7 +32050,7 @@
             </a:r>
             <a:r>
               <a:rPr>
-                <a:hlinkClick r:id="rId112"/>
+                <a:hlinkClick r:id="rId116"/>
               </a:rPr>
               <a:t>10.1083/jcb.200611141</a:t>
             </a:r>
@@ -31804,7 +32061,7 @@
             </a:pPr>
             <a:r>
               <a:rPr/>
-              <a:t>112. Weissgerber TL, Winham SJ, Heinzen EP, et al. Reveal, Don’t Conceal. </a:t>
+              <a:t>116. Weissgerber TL, Winham SJ, Heinzen EP, et al. Reveal, Don’t Conceal. </a:t>
             </a:r>
             <a:r>
               <a:rPr i="1"/>
@@ -31816,7 +32073,7 @@
             </a:r>
             <a:r>
               <a:rPr>
-                <a:hlinkClick r:id="rId113"/>
+                <a:hlinkClick r:id="rId117"/>
               </a:rPr>
               <a:t>10.1161/circulationaha.118.037777</a:t>
             </a:r>
@@ -31827,11 +32084,11 @@
             </a:pPr>
             <a:r>
               <a:rPr/>
-              <a:t>113. Xiao N. Ggsci: Scientific journal and sci-fi themed color palettes for ’ggplot2’. 2023. </a:t>
-            </a:r>
-            <a:r>
-              <a:rPr>
-                <a:hlinkClick r:id="rId114"/>
+              <a:t>117. Xiao N. Ggsci: Scientific journal and sci-fi themed color palettes for ’ggplot2’. 2023. </a:t>
+            </a:r>
+            <a:r>
+              <a:rPr>
+                <a:hlinkClick r:id="rId118"/>
               </a:rPr>
               <a:t>https://CRAN.R-project.org/package=ggsci.</a:t>
             </a:r>
@@ -31842,7 +32099,7 @@
             </a:pPr>
             <a:r>
               <a:rPr/>
-              <a:t>114. Goodman SN. Toward Evidence-Based Medical Statistics. 1: The P Value Fallacy. </a:t>
+              <a:t>118. Goodman SN. Toward Evidence-Based Medical Statistics. 1: The P Value Fallacy. </a:t>
             </a:r>
             <a:r>
               <a:rPr i="1"/>
@@ -31854,7 +32111,7 @@
             </a:r>
             <a:r>
               <a:rPr>
-                <a:hlinkClick r:id="rId115"/>
+                <a:hlinkClick r:id="rId119"/>
               </a:rPr>
               <a:t>10.7326/0003-4819-130-12-199906150-00008</a:t>
             </a:r>
@@ -31865,7 +32122,7 @@
             </a:pPr>
             <a:r>
               <a:rPr/>
-              <a:t>115. Curran-Everett D. Explorations in statistics: hypothesis tests and </a:t>
+              <a:t>119. Curran-Everett D. Explorations in statistics: hypothesis tests and </a:t>
             </a:r>
             <a:r>
               <a:rPr i="1"/>
@@ -31885,7 +32142,7 @@
             </a:r>
             <a:r>
               <a:rPr>
-                <a:hlinkClick r:id="rId116"/>
+                <a:hlinkClick r:id="rId120"/>
               </a:rPr>
               <a:t>10.1152/advan.90218.2008</a:t>
             </a:r>
@@ -31896,7 +32153,7 @@
             </a:pPr>
             <a:r>
               <a:rPr/>
-              <a:t>116. Vandenbroucke JP, Pearce N. From ideas to studies: how to get ideas and sharpen them into research questions. </a:t>
+              <a:t>120. Vandenbroucke JP, Pearce N. From ideas to studies: how to get ideas and sharpen them into research questions. </a:t>
             </a:r>
             <a:r>
               <a:rPr i="1"/>
@@ -31908,7 +32165,7 @@
             </a:r>
             <a:r>
               <a:rPr>
-                <a:hlinkClick r:id="rId117"/>
+                <a:hlinkClick r:id="rId121"/>
               </a:rPr>
               <a:t>10.2147/clep.s142940</a:t>
             </a:r>
@@ -31919,7 +32176,7 @@
             </a:pPr>
             <a:r>
               <a:rPr/>
-              <a:t>117. Altman DG, Bland JM. Statistics notes: Absence of evidence is not evidence of absence. </a:t>
+              <a:t>121. Altman DG, Bland JM. Statistics notes: Absence of evidence is not evidence of absence. </a:t>
             </a:r>
             <a:r>
               <a:rPr i="1"/>
@@ -31931,7 +32188,7 @@
             </a:r>
             <a:r>
               <a:rPr>
-                <a:hlinkClick r:id="rId118"/>
+                <a:hlinkClick r:id="rId122"/>
               </a:rPr>
               <a:t>10.1136/bmj.311.7003.485</a:t>
             </a:r>
@@ -31942,7 +32199,7 @@
             </a:pPr>
             <a:r>
               <a:rPr/>
-              <a:t>118. Goodman SN. Aligning statistical and scientific reasoning. </a:t>
+              <a:t>122. Goodman SN. Aligning statistical and scientific reasoning. </a:t>
             </a:r>
             <a:r>
               <a:rPr i="1"/>
@@ -31954,7 +32211,7 @@
             </a:r>
             <a:r>
               <a:rPr>
-                <a:hlinkClick r:id="rId119"/>
+                <a:hlinkClick r:id="rId123"/>
               </a:rPr>
               <a:t>10.1126/science.aaf5406</a:t>
             </a:r>
@@ -31965,7 +32222,7 @@
             </a:pPr>
             <a:r>
               <a:rPr/>
-              <a:t>119. Aylmer Fisher R. The arrangement of field experiments. </a:t>
+              <a:t>123. Aylmer Fisher R. The arrangement of field experiments. </a:t>
             </a:r>
             <a:r>
               <a:rPr i="1"/>
@@ -31977,7 +32234,7 @@
             </a:r>
             <a:r>
               <a:rPr>
-                <a:hlinkClick r:id="rId120"/>
+                <a:hlinkClick r:id="rId124"/>
               </a:rPr>
               <a:t>10.23637/ROTHAMSTED.8V61Q</a:t>
             </a:r>
@@ -31988,7 +32245,7 @@
             </a:pPr>
             <a:r>
               <a:rPr/>
-              <a:t>120. Lakens D, Scheel AM, Isager PM. Equivalence Testing for Psychological Research: A Tutorial. </a:t>
+              <a:t>124. Lakens D, Scheel AM, Isager PM. Equivalence Testing for Psychological Research: A Tutorial. </a:t>
             </a:r>
             <a:r>
               <a:rPr i="1"/>
@@ -32000,7 +32257,7 @@
             </a:r>
             <a:r>
               <a:rPr>
-                <a:hlinkClick r:id="rId121"/>
+                <a:hlinkClick r:id="rId125"/>
               </a:rPr>
               <a:t>10.1177/2515245918770963</a:t>
             </a:r>
@@ -32011,7 +32268,7 @@
             </a:pPr>
             <a:r>
               <a:rPr/>
-              <a:t>121. Greenhalgh T. How to read a paper: Statistics for the non-statistician. II: ̈Significanẗ relations and their pitfalls. </a:t>
+              <a:t>125. Greenhalgh T. How to read a paper: Statistics for the non-statistician. II: ̈Significanẗ relations and their pitfalls. </a:t>
             </a:r>
             <a:r>
               <a:rPr i="1"/>
@@ -32023,7 +32280,7 @@
             </a:r>
             <a:r>
               <a:rPr>
-                <a:hlinkClick r:id="rId122"/>
+                <a:hlinkClick r:id="rId126"/>
               </a:rPr>
               <a:t>10.1136/bmj.315.7105.422</a:t>
             </a:r>
@@ -32034,7 +32291,7 @@
             </a:pPr>
             <a:r>
               <a:rPr/>
-              <a:t>122. Weintraub PG. The Importance of Publishing Negative Results. </a:t>
+              <a:t>126. Weintraub PG. The Importance of Publishing Negative Results. </a:t>
             </a:r>
             <a:r>
               <a:rPr i="1"/>
@@ -32046,7 +32303,7 @@
             </a:r>
             <a:r>
               <a:rPr>
-                <a:hlinkClick r:id="rId123"/>
+                <a:hlinkClick r:id="rId127"/>
               </a:rPr>
               <a:t>10.1093/jisesa/iew092</a:t>
             </a:r>
@@ -32057,7 +32314,7 @@
             </a:pPr>
             <a:r>
               <a:rPr/>
-              <a:t>123. Sullivan GM, Feinn R. Using Effect Sizeor Why the </a:t>
+              <a:t>127. Sullivan GM, Feinn R. Using Effect Sizeor Why the </a:t>
             </a:r>
             <a:r>
               <a:rPr i="1"/>
@@ -32077,7 +32334,7 @@
             </a:r>
             <a:r>
               <a:rPr>
-                <a:hlinkClick r:id="rId124"/>
+                <a:hlinkClick r:id="rId128"/>
               </a:rPr>
               <a:t>10.4300/jgme-d-12-00156.1</a:t>
             </a:r>
@@ -32088,7 +32345,7 @@
             </a:pPr>
             <a:r>
               <a:rPr/>
-              <a:t>124. Wasserstein RL, Lazar NA. The ASA Statement on </a:t>
+              <a:t>128. Wasserstein RL, Lazar NA. The ASA Statement on </a:t>
             </a:r>
             <a:r>
               <a:rPr i="1"/>
@@ -32108,7 +32365,7 @@
             </a:r>
             <a:r>
               <a:rPr>
-                <a:hlinkClick r:id="rId125"/>
+                <a:hlinkClick r:id="rId129"/>
               </a:rPr>
               <a:t>10.1080/00031305.2016.1154108</a:t>
             </a:r>
@@ -32119,7 +32376,7 @@
             </a:pPr>
             <a:r>
               <a:rPr/>
-              <a:t>125. Heinze G, Dunkler D. Five myths about variable selection. </a:t>
+              <a:t>129. Heinze G, Dunkler D. Five myths about variable selection. </a:t>
             </a:r>
             <a:r>
               <a:rPr i="1"/>
@@ -32131,7 +32388,7 @@
             </a:r>
             <a:r>
               <a:rPr>
-                <a:hlinkClick r:id="rId126"/>
+                <a:hlinkClick r:id="rId130"/>
               </a:rPr>
               <a:t>10.1111/tri.12895</a:t>
             </a:r>
@@ -32142,7 +32399,7 @@
             </a:pPr>
             <a:r>
               <a:rPr/>
-              <a:t>126. Kim HY. Statistical notes for clinical researchers: effect size. </a:t>
+              <a:t>130. Kim HY. Statistical notes for clinical researchers: effect size. </a:t>
             </a:r>
             <a:r>
               <a:rPr i="1"/>
@@ -32154,7 +32411,7 @@
             </a:r>
             <a:r>
               <a:rPr>
-                <a:hlinkClick r:id="rId127"/>
+                <a:hlinkClick r:id="rId131"/>
               </a:rPr>
               <a:t>10.5395/rde.2015.40.4.328</a:t>
             </a:r>
@@ -32165,7 +32422,7 @@
             </a:pPr>
             <a:r>
               <a:rPr/>
-              <a:t>127. Heckman MG, Davis JM, Crowson CS. Post Hoc Power Calculations: An Inappropriate Method for Interpreting the Findings of a Research Study. </a:t>
+              <a:t>131. Heckman MG, Davis JM, Crowson CS. Post Hoc Power Calculations: An Inappropriate Method for Interpreting the Findings of a Research Study. </a:t>
             </a:r>
             <a:r>
               <a:rPr i="1"/>
@@ -32177,7 +32434,7 @@
             </a:r>
             <a:r>
               <a:rPr>
-                <a:hlinkClick r:id="rId128"/>
+                <a:hlinkClick r:id="rId132"/>
               </a:rPr>
               <a:t>10.3899/jrheum.211115</a:t>
             </a:r>
@@ -32188,7 +32445,7 @@
             </a:pPr>
             <a:r>
               <a:rPr/>
-              <a:t>128. Breznau N, Rinke EM, Wuttke A, et al. Observing many researchers using the same data and hypothesis reveals a hidden universe of uncertainty. </a:t>
+              <a:t>132. Breznau N, Rinke EM, Wuttke A, et al. Observing many researchers using the same data and hypothesis reveals a hidden universe of uncertainty. </a:t>
             </a:r>
             <a:r>
               <a:rPr i="1"/>
@@ -32200,7 +32457,7 @@
             </a:r>
             <a:r>
               <a:rPr>
-                <a:hlinkClick r:id="rId129"/>
+                <a:hlinkClick r:id="rId133"/>
               </a:rPr>
               <a:t>10.1073/pnas.2203150119</a:t>
             </a:r>
@@ -32211,7 +32468,7 @@
             </a:pPr>
             <a:r>
               <a:rPr/>
-              <a:t>129. Dwivedi AK, Shukla R. Evidence-based statistical analysis and methods in biomedical research (SAMBR) checklists according to design features. </a:t>
+              <a:t>133. Dwivedi AK, Shukla R. Evidence-based statistical analysis and methods in biomedical research (SAMBR) checklists according to design features. </a:t>
             </a:r>
             <a:r>
               <a:rPr i="1"/>
@@ -32223,7 +32480,7 @@
             </a:r>
             <a:r>
               <a:rPr>
-                <a:hlinkClick r:id="rId130"/>
+                <a:hlinkClick r:id="rId134"/>
               </a:rPr>
               <a:t>10.1002/cnr2.1211</a:t>
             </a:r>
@@ -32234,7 +32491,7 @@
             </a:pPr>
             <a:r>
               <a:rPr/>
-              <a:t>130. Dwivedi AK. How to Write Statistical Analysis Section in Medical Research. </a:t>
+              <a:t>134. Dwivedi AK. How to Write Statistical Analysis Section in Medical Research. </a:t>
             </a:r>
             <a:r>
               <a:rPr i="1"/>
@@ -32246,7 +32503,7 @@
             </a:r>
             <a:r>
               <a:rPr>
-                <a:hlinkClick r:id="rId131"/>
+                <a:hlinkClick r:id="rId135"/>
               </a:rPr>
               <a:t>10.1136/jim-2022-002479</a:t>
             </a:r>
@@ -32257,7 +32514,7 @@
             </a:pPr>
             <a:r>
               <a:rPr/>
-              <a:t>131. Kim N, Fischer AH, Dyring-Andersen B, Rosner B, Okoye GA. Research Techniques Made Simple: Choosing Appropriate Statistical Methods for Clinical Research. </a:t>
+              <a:t>135. Kim N, Fischer AH, Dyring-Andersen B, Rosner B, Okoye GA. Research Techniques Made Simple: Choosing Appropriate Statistical Methods for Clinical Research. </a:t>
             </a:r>
             <a:r>
               <a:rPr i="1"/>
@@ -32269,7 +32526,7 @@
             </a:r>
             <a:r>
               <a:rPr>
-                <a:hlinkClick r:id="rId132"/>
+                <a:hlinkClick r:id="rId136"/>
               </a:rPr>
               <a:t>10.1016/j.jid.2017.08.007</a:t>
             </a:r>
@@ -32280,7 +32537,7 @@
             </a:pPr>
             <a:r>
               <a:rPr/>
-              <a:t>132. Marusteri M, Bacarea V. Comparing groups for statistical differences: How to choose the right statistical test? </a:t>
+              <a:t>136. Marusteri M, Bacarea V. Comparing groups for statistical differences: How to choose the right statistical test? </a:t>
             </a:r>
             <a:r>
               <a:rPr i="1"/>
@@ -32292,7 +32549,7 @@
             </a:r>
             <a:r>
               <a:rPr>
-                <a:hlinkClick r:id="rId133"/>
+                <a:hlinkClick r:id="rId137"/>
               </a:rPr>
               <a:t>10.11613/bm.2010.004</a:t>
             </a:r>
@@ -32303,7 +32560,7 @@
             </a:pPr>
             <a:r>
               <a:rPr/>
-              <a:t>133. Mishra P, Pandey C, Singh U, Keshri A, Sabaretnam M. Selection of appropriate statistical methods for data analysis. </a:t>
+              <a:t>137. Mishra P, Pandey C, Singh U, Keshri A, Sabaretnam M. Selection of appropriate statistical methods for data analysis. </a:t>
             </a:r>
             <a:r>
               <a:rPr i="1"/>
@@ -32315,7 +32572,7 @@
             </a:r>
             <a:r>
               <a:rPr>
-                <a:hlinkClick r:id="rId134"/>
+                <a:hlinkClick r:id="rId138"/>
               </a:rPr>
               <a:t>10.4103/aca.aca_248_18</a:t>
             </a:r>
@@ -32326,7 +32583,7 @@
             </a:pPr>
             <a:r>
               <a:rPr/>
-              <a:t>134. Ray A, Najmi A, Sadasivam B. How to choose and interpret a statistical test? An update for budding researchers. </a:t>
+              <a:t>138. Ray A, Najmi A, Sadasivam B. How to choose and interpret a statistical test? An update for budding researchers. </a:t>
             </a:r>
             <a:r>
               <a:rPr i="1"/>
@@ -32338,7 +32595,7 @@
             </a:r>
             <a:r>
               <a:rPr>
-                <a:hlinkClick r:id="rId135"/>
+                <a:hlinkClick r:id="rId139"/>
               </a:rPr>
               <a:t>10.4103/jfmpc.jfmpc_433_21</a:t>
             </a:r>
@@ -32349,7 +32606,7 @@
             </a:pPr>
             <a:r>
               <a:rPr/>
-              <a:t>135. Nayak B, Hazra A. How to choose the right statistical test? </a:t>
+              <a:t>139. Nayak B, Hazra A. How to choose the right statistical test? </a:t>
             </a:r>
             <a:r>
               <a:rPr i="1"/>
@@ -32361,7 +32618,7 @@
             </a:r>
             <a:r>
               <a:rPr>
-                <a:hlinkClick r:id="rId136"/>
+                <a:hlinkClick r:id="rId140"/>
               </a:rPr>
               <a:t>10.4103/0301-4738.77005</a:t>
             </a:r>
@@ -32372,7 +32629,7 @@
             </a:pPr>
             <a:r>
               <a:rPr/>
-              <a:t>136. Shankar S, Singh R. Demystifying statistics: How to choose a statistical test? </a:t>
+              <a:t>140. Shankar S, Singh R. Demystifying statistics: How to choose a statistical test? </a:t>
             </a:r>
             <a:r>
               <a:rPr i="1"/>
@@ -32384,7 +32641,7 @@
             </a:r>
             <a:r>
               <a:rPr>
-                <a:hlinkClick r:id="rId137"/>
+                <a:hlinkClick r:id="rId141"/>
               </a:rPr>
               <a:t>10.1016/j.injr.2014.04.002</a:t>
             </a:r>
@@ -32395,11 +32652,11 @@
             </a:pPr>
             <a:r>
               <a:rPr/>
-              <a:t>137. Diedenhofen B, Musch J. Cocor: A comprehensive solution for the statistical comparison of correlations. 2015;10:e0121945. doi:</a:t>
-            </a:r>
-            <a:r>
-              <a:rPr>
-                <a:hlinkClick r:id="rId138"/>
+              <a:t>141. Diedenhofen B, Musch J. Cocor: A comprehensive solution for the statistical comparison of correlations. 2015;10:e0121945. doi:</a:t>
+            </a:r>
+            <a:r>
+              <a:rPr>
+                <a:hlinkClick r:id="rId142"/>
               </a:rPr>
               <a:t>10.1371/journal.pone.0121945</a:t>
             </a:r>
@@ -32410,11 +32667,11 @@
             </a:pPr>
             <a:r>
               <a:rPr/>
-              <a:t>138. Diedenhofen B, Musch J. Cocor: A comprehensive solution for the statistical comparison of correlations. 2015;10:e0121945. doi:</a:t>
-            </a:r>
-            <a:r>
-              <a:rPr>
-                <a:hlinkClick r:id="rId139"/>
+              <a:t>142. Diedenhofen B, Musch J. Cocor: A comprehensive solution for the statistical comparison of correlations. 2015;10:e0121945. doi:</a:t>
+            </a:r>
+            <a:r>
+              <a:rPr>
+                <a:hlinkClick r:id="rId143"/>
               </a:rPr>
               <a:t>10.1371/journal.pone.0121945</a:t>
             </a:r>
@@ -32425,7 +32682,7 @@
             </a:pPr>
             <a:r>
               <a:rPr/>
-              <a:t>139. Khamis H. Measures of Association: How to Choose? </a:t>
+              <a:t>143. Khamis H. Measures of Association: How to Choose? </a:t>
             </a:r>
             <a:r>
               <a:rPr i="1"/>
@@ -32437,7 +32694,7 @@
             </a:r>
             <a:r>
               <a:rPr>
-                <a:hlinkClick r:id="rId140"/>
+                <a:hlinkClick r:id="rId144"/>
               </a:rPr>
               <a:t>10.1177/8756479308317006</a:t>
             </a:r>
@@ -32448,7 +32705,7 @@
             </a:pPr>
             <a:r>
               <a:rPr/>
-              <a:t>140. Allison JS, Santana L, (Jaco) Visagie IJH. A primer on simple measures of association taught at undergraduate level. </a:t>
+              <a:t>144. Allison JS, Santana L, (Jaco) Visagie IJH. A primer on simple measures of association taught at undergraduate level. </a:t>
             </a:r>
             <a:r>
               <a:rPr i="1"/>
@@ -32460,7 +32717,7 @@
             </a:r>
             <a:r>
               <a:rPr>
-                <a:hlinkClick r:id="rId141"/>
+                <a:hlinkClick r:id="rId145"/>
               </a:rPr>
               <a:t>10.1111/test.12307</a:t>
             </a:r>
@@ -32471,7 +32728,7 @@
             </a:pPr>
             <a:r>
               <a:rPr/>
-              <a:t>141. McHugh ML. The chi-square test of independence. </a:t>
+              <a:t>145. McHugh ML. The chi-square test of independence. </a:t>
             </a:r>
             <a:r>
               <a:rPr i="1"/>
@@ -32483,7 +32740,7 @@
             </a:r>
             <a:r>
               <a:rPr>
-                <a:hlinkClick r:id="rId142"/>
+                <a:hlinkClick r:id="rId146"/>
               </a:rPr>
               <a:t>10.11613/bm.2013.018</a:t>
             </a:r>
@@ -32494,7 +32751,7 @@
             </a:pPr>
             <a:r>
               <a:rPr/>
-              <a:t>142. Kim HY. Statistical notes for clinical researchers: Chi-squared test and Fisher’s exact test. </a:t>
+              <a:t>146. Kim HY. Statistical notes for clinical researchers: Chi-squared test and Fisher’s exact test. </a:t>
             </a:r>
             <a:r>
               <a:rPr i="1"/>
@@ -32506,7 +32763,7 @@
             </a:r>
             <a:r>
               <a:rPr>
-                <a:hlinkClick r:id="rId143"/>
+                <a:hlinkClick r:id="rId147"/>
               </a:rPr>
               <a:t>10.5395/rde.2017.42.2.152</a:t>
             </a:r>
@@ -32517,11 +32774,11 @@
             </a:pPr>
             <a:r>
               <a:rPr/>
-              <a:t>143. Sjoberg DD, Whiting K, Curry M, Lavery JA, Larmarange J. Reproducible summary tables with the gtsummary package. 2021;13:570-580. doi:</a:t>
-            </a:r>
-            <a:r>
-              <a:rPr>
-                <a:hlinkClick r:id="rId144"/>
+              <a:t>147. Sjoberg DD, Whiting K, Curry M, Lavery JA, Larmarange J. Reproducible summary tables with the gtsummary package. 2021;13:570-580. doi:</a:t>
+            </a:r>
+            <a:r>
+              <a:rPr>
+                <a:hlinkClick r:id="rId148"/>
               </a:rPr>
               <a:t>10.32614/RJ-2021-053</a:t>
             </a:r>
@@ -32532,7 +32789,7 @@
             </a:pPr>
             <a:r>
               <a:rPr/>
-              <a:t>144. Bandoli G, Palmsten K, Chambers CD, Jelliffe-Pawlowski LL, Baer RJ, Thompson CA. Revisiting the Table 2 fallacy: A motivating example examining preeclampsia and preterm birth. </a:t>
+              <a:t>148. Bandoli G, Palmsten K, Chambers CD, Jelliffe-Pawlowski LL, Baer RJ, Thompson CA. Revisiting the Table 2 fallacy: A motivating example examining preeclampsia and preterm birth. </a:t>
             </a:r>
             <a:r>
               <a:rPr i="1"/>
@@ -32544,7 +32801,7 @@
             </a:r>
             <a:r>
               <a:rPr>
-                <a:hlinkClick r:id="rId145"/>
+                <a:hlinkClick r:id="rId149"/>
               </a:rPr>
               <a:t>10.1111/ppe.12474</a:t>
             </a:r>
@@ -32555,7 +32812,7 @@
             </a:pPr>
             <a:r>
               <a:rPr/>
-              <a:t>145. Suits DB. Use of Dummy Variables in Regression Equations. </a:t>
+              <a:t>149. Suits DB. Use of Dummy Variables in Regression Equations. </a:t>
             </a:r>
             <a:r>
               <a:rPr i="1"/>
@@ -32567,7 +32824,7 @@
             </a:r>
             <a:r>
               <a:rPr>
-                <a:hlinkClick r:id="rId146"/>
+                <a:hlinkClick r:id="rId150"/>
               </a:rPr>
               <a:t>10.1080/01621459.1957.10501412</a:t>
             </a:r>
@@ -32578,7 +32835,7 @@
             </a:pPr>
             <a:r>
               <a:rPr/>
-              <a:t>146. Healy MJ. Statistics from the inside. 16. Multiple regression (2). </a:t>
+              <a:t>150. Healy MJ. Statistics from the inside. 16. Multiple regression (2). </a:t>
             </a:r>
             <a:r>
               <a:rPr i="1"/>
@@ -32590,7 +32847,7 @@
             </a:r>
             <a:r>
               <a:rPr>
-                <a:hlinkClick r:id="rId147"/>
+                <a:hlinkClick r:id="rId151"/>
               </a:rPr>
               <a:t>10.1136/adc.73.3.270</a:t>
             </a:r>
@@ -32601,11 +32858,11 @@
             </a:pPr>
             <a:r>
               <a:rPr/>
-              <a:t>147. Kaplan J. fastDummies: Fast creation of dummy (binary) columns and rows from categorical variables. 2023. </a:t>
-            </a:r>
-            <a:r>
-              <a:rPr>
-                <a:hlinkClick r:id="rId148"/>
+              <a:t>151. Kaplan J. fastDummies: Fast creation of dummy (binary) columns and rows from categorical variables. 2023. </a:t>
+            </a:r>
+            <a:r>
+              <a:rPr>
+                <a:hlinkClick r:id="rId152"/>
               </a:rPr>
               <a:t>https://CRAN.R-project.org/package=fastDummies.</a:t>
             </a:r>
@@ -32616,7 +32873,7 @@
             </a:pPr>
             <a:r>
               <a:rPr/>
-              <a:t>148. Hidalgo B, Goodman M. Multivariate or Multivariable Regression? </a:t>
+              <a:t>152. Hidalgo B, Goodman M. Multivariate or Multivariable Regression? </a:t>
             </a:r>
             <a:r>
               <a:rPr i="1"/>
@@ -32628,7 +32885,7 @@
             </a:r>
             <a:r>
               <a:rPr>
-                <a:hlinkClick r:id="rId149"/>
+                <a:hlinkClick r:id="rId153"/>
               </a:rPr>
               <a:t>10.2105/ajph.2012.300897</a:t>
             </a:r>
@@ -32639,11 +32896,11 @@
             </a:pPr>
             <a:r>
               <a:rPr/>
-              <a:t>149. Arel-Bundock V. Modelsummary: Data and model summaries in r. 2022;103. doi:</a:t>
-            </a:r>
-            <a:r>
-              <a:rPr>
-                <a:hlinkClick r:id="rId150"/>
+              <a:t>153. Arel-Bundock V. Modelsummary: Data and model summaries in r. 2022;103. doi:</a:t>
+            </a:r>
+            <a:r>
+              <a:rPr>
+                <a:hlinkClick r:id="rId154"/>
               </a:rPr>
               <a:t>10.18637/jss.v103.i01</a:t>
             </a:r>
@@ -32654,7 +32911,7 @@
             </a:pPr>
             <a:r>
               <a:rPr/>
-              <a:t>150. Bours MJL. Using mediators to understand effect modification and interaction. </a:t>
+              <a:t>154. Bours MJL. Using mediators to understand effect modification and interaction. </a:t>
             </a:r>
             <a:r>
               <a:rPr i="1"/>
@@ -32666,7 +32923,7 @@
             </a:r>
             <a:r>
               <a:rPr>
-                <a:hlinkClick r:id="rId151"/>
+                <a:hlinkClick r:id="rId155"/>
               </a:rPr>
               <a:t>10.1016/j.jclinepi.2023.09.005</a:t>
             </a:r>
@@ -32677,7 +32934,7 @@
             </a:pPr>
             <a:r>
               <a:rPr/>
-              <a:t>151. Altman DG, Matthews JNS. Statistics Notes: Interaction 1: heterogeneity of effects. </a:t>
+              <a:t>155. Altman DG, Matthews JNS. Statistics Notes: Interaction 1: heterogeneity of effects. </a:t>
             </a:r>
             <a:r>
               <a:rPr i="1"/>
@@ -32689,7 +32946,7 @@
             </a:r>
             <a:r>
               <a:rPr>
-                <a:hlinkClick r:id="rId152"/>
+                <a:hlinkClick r:id="rId156"/>
               </a:rPr>
               <a:t>10.1136/bmj.313.7055.486</a:t>
             </a:r>
@@ -32700,7 +32957,7 @@
             </a:pPr>
             <a:r>
               <a:rPr/>
-              <a:t>152. Baron RM, Kenny DA. The moderatormediator variable distinction in social psychological research: Conceptual, strategic, and statistical considerations. </a:t>
+              <a:t>156. Baron RM, Kenny DA. The moderatormediator variable distinction in social psychological research: Conceptual, strategic, and statistical considerations. </a:t>
             </a:r>
             <a:r>
               <a:rPr i="1"/>
@@ -32712,7 +32969,7 @@
             </a:r>
             <a:r>
               <a:rPr>
-                <a:hlinkClick r:id="rId153"/>
+                <a:hlinkClick r:id="rId157"/>
               </a:rPr>
               <a:t>10.1037/0022-3514.51.6.1173</a:t>
             </a:r>
@@ -32723,7 +32980,7 @@
             </a:pPr>
             <a:r>
               <a:rPr/>
-              <a:t>153. DALES LG, URY HK. An Improper Use of Statistical Significance Testing in Studying Covariables. </a:t>
+              <a:t>157. DALES LG, URY HK. An Improper Use of Statistical Significance Testing in Studying Covariables. </a:t>
             </a:r>
             <a:r>
               <a:rPr i="1"/>
@@ -32735,7 +32992,7 @@
             </a:r>
             <a:r>
               <a:rPr>
-                <a:hlinkClick r:id="rId154"/>
+                <a:hlinkClick r:id="rId158"/>
               </a:rPr>
               <a:t>10.1093/ije/7.4.373</a:t>
             </a:r>
@@ -32746,7 +33003,7 @@
             </a:pPr>
             <a:r>
               <a:rPr/>
-              <a:t>154. Sun GW, Shook TL, Kay GL. Inappropriate use of bivariable analysis to screen risk factors for use in multivariable analysis. </a:t>
+              <a:t>158. Sun GW, Shook TL, Kay GL. Inappropriate use of bivariable analysis to screen risk factors for use in multivariable analysis. </a:t>
             </a:r>
             <a:r>
               <a:rPr i="1"/>
@@ -32758,7 +33015,7 @@
             </a:r>
             <a:r>
               <a:rPr>
-                <a:hlinkClick r:id="rId155"/>
+                <a:hlinkClick r:id="rId159"/>
               </a:rPr>
               <a:t>10.1016/0895-4356(96)00025-x</a:t>
             </a:r>
@@ -32769,7 +33026,7 @@
             </a:pPr>
             <a:r>
               <a:rPr/>
-              <a:t>155. Bland JM, Altman DG. Comparisons within randomised groups can be very misleading. </a:t>
+              <a:t>159. Bland JM, Altman DG. Comparisons within randomised groups can be very misleading. </a:t>
             </a:r>
             <a:r>
               <a:rPr i="1"/>
@@ -32781,7 +33038,7 @@
             </a:r>
             <a:r>
               <a:rPr>
-                <a:hlinkClick r:id="rId156"/>
+                <a:hlinkClick r:id="rId160"/>
               </a:rPr>
               <a:t>10.1136/bmj.d561</a:t>
             </a:r>
@@ -32792,7 +33049,7 @@
             </a:pPr>
             <a:r>
               <a:rPr/>
-              <a:t>156. Bruce CL, Juszczak E, Ogollah R, Partlett C, Montgomery A. A systematic review of randomisation method use in RCTs and association of trial design characteristics with method selection. </a:t>
+              <a:t>160. Bruce CL, Juszczak E, Ogollah R, Partlett C, Montgomery A. A systematic review of randomisation method use in RCTs and association of trial design characteristics with method selection. </a:t>
             </a:r>
             <a:r>
               <a:rPr i="1"/>
@@ -32804,7 +33061,7 @@
             </a:r>
             <a:r>
               <a:rPr>
-                <a:hlinkClick r:id="rId157"/>
+                <a:hlinkClick r:id="rId161"/>
               </a:rPr>
               <a:t>10.1186/s12874-022-01786-4</a:t>
             </a:r>
@@ -32815,7 +33072,7 @@
             </a:pPr>
             <a:r>
               <a:rPr/>
-              <a:t>157. Vickers AJ, Altman DG. Statistics Notes: Analysing controlled trials with baseline and follow up measurements. </a:t>
+              <a:t>161. Vickers AJ, Altman DG. Statistics Notes: Analysing controlled trials with baseline and follow up measurements. </a:t>
             </a:r>
             <a:r>
               <a:rPr i="1"/>
@@ -32827,7 +33084,7 @@
             </a:r>
             <a:r>
               <a:rPr>
-                <a:hlinkClick r:id="rId158"/>
+                <a:hlinkClick r:id="rId162"/>
               </a:rPr>
               <a:t>10.1136/bmj.323.7321.1123</a:t>
             </a:r>
@@ -32838,7 +33095,7 @@
             </a:pPr>
             <a:r>
               <a:rPr/>
-              <a:t>158. O Connell NS, Dai L, Jiang Y, et al. Methods for analysis of pre-post data in clinical research: A comparison of five common methods. </a:t>
+              <a:t>162. O Connell NS, Dai L, Jiang Y, et al. Methods for analysis of pre-post data in clinical research: A comparison of five common methods. </a:t>
             </a:r>
             <a:r>
               <a:rPr i="1"/>
@@ -32850,7 +33107,7 @@
             </a:r>
             <a:r>
               <a:rPr>
-                <a:hlinkClick r:id="rId159"/>
+                <a:hlinkClick r:id="rId163"/>
               </a:rPr>
               <a:t>10.4172/2155-6180.1000334</a:t>
             </a:r>
@@ -32861,7 +33118,7 @@
             </a:pPr>
             <a:r>
               <a:rPr/>
-              <a:t>159. Roberts C, Torgerson DJ. Understanding controlled trials: Baseline imbalance in randomised controlled trials. </a:t>
+              <a:t>163. Roberts C, Torgerson DJ. Understanding controlled trials: Baseline imbalance in randomised controlled trials. </a:t>
             </a:r>
             <a:r>
               <a:rPr i="1"/>
@@ -32873,7 +33130,7 @@
             </a:r>
             <a:r>
               <a:rPr>
-                <a:hlinkClick r:id="rId160"/>
+                <a:hlinkClick r:id="rId164"/>
               </a:rPr>
               <a:t>10.1136/bmj.319.7203.185</a:t>
             </a:r>
@@ -32884,7 +33141,7 @@
             </a:pPr>
             <a:r>
               <a:rPr/>
-              <a:t>160. Hauck WW, Anderson S, Marcus SM. Should We Adjust for Covariates in Nonlinear Regression Analyses of Randomized Trials? </a:t>
+              <a:t>164. Hauck WW, Anderson S, Marcus SM. Should We Adjust for Covariates in Nonlinear Regression Analyses of Randomized Trials? </a:t>
             </a:r>
             <a:r>
               <a:rPr i="1"/>
@@ -32896,7 +33153,7 @@
             </a:r>
             <a:r>
               <a:rPr>
-                <a:hlinkClick r:id="rId161"/>
+                <a:hlinkClick r:id="rId165"/>
               </a:rPr>
               <a:t>10.1016/s0197-2456(97)00147-5</a:t>
             </a:r>
@@ -32907,7 +33164,7 @@
             </a:pPr>
             <a:r>
               <a:rPr/>
-              <a:t>161. Kahan BC, Jairath V, Doré CJ, Morris TP. The risks and rewards of covariate adjustment in randomized trials: an assessment of 12 outcomes from 8 studies. </a:t>
+              <a:t>165. Kahan BC, Jairath V, Doré CJ, Morris TP. The risks and rewards of covariate adjustment in randomized trials: an assessment of 12 outcomes from 8 studies. </a:t>
             </a:r>
             <a:r>
               <a:rPr i="1"/>
@@ -32919,7 +33176,7 @@
             </a:r>
             <a:r>
               <a:rPr>
-                <a:hlinkClick r:id="rId162"/>
+                <a:hlinkClick r:id="rId166"/>
               </a:rPr>
               <a:t>10.1186/1745-6215-15-139</a:t>
             </a:r>
@@ -32930,7 +33187,7 @@
             </a:pPr>
             <a:r>
               <a:rPr/>
-              <a:t>162. Stang A, Baethge C. Imbalance &lt;em&gt;p&lt;/em&gt; values for baseline covariates in randomized controlled trials: a last resort for the use of &lt;em&gt;p&lt;/em&gt; values? A pro and contra debate. </a:t>
+              <a:t>166. Stang A, Baethge C. Imbalance &lt;em&gt;p&lt;/em&gt; values for baseline covariates in randomized controlled trials: a last resort for the use of &lt;em&gt;p&lt;/em&gt; values? A pro and contra debate. </a:t>
             </a:r>
             <a:r>
               <a:rPr i="1"/>
@@ -32942,7 +33199,7 @@
             </a:r>
             <a:r>
               <a:rPr>
-                <a:hlinkClick r:id="rId163"/>
+                <a:hlinkClick r:id="rId167"/>
               </a:rPr>
               <a:t>10.2147/clep.s161508</a:t>
             </a:r>
@@ -32953,7 +33210,7 @@
             </a:pPr>
             <a:r>
               <a:rPr/>
-              <a:t>163. Bolzern JE, Mitchell A, Torgerson DJ. Baseline testing in cluster randomised controlled trials: should this be done? </a:t>
+              <a:t>167. Bolzern JE, Mitchell A, Torgerson DJ. Baseline testing in cluster randomised controlled trials: should this be done? </a:t>
             </a:r>
             <a:r>
               <a:rPr i="1"/>
@@ -32965,7 +33222,7 @@
             </a:r>
             <a:r>
               <a:rPr>
-                <a:hlinkClick r:id="rId164"/>
+                <a:hlinkClick r:id="rId168"/>
               </a:rPr>
               <a:t>10.1186/s12874-019-0750-8</a:t>
             </a:r>
@@ -32976,11 +33233,11 @@
             </a:pPr>
             <a:r>
               <a:rPr/>
-              <a:t>164. Gruijters SLK. Baseline comparisons and covariate fishing: Bad statistical habits we should have broken yesterday. July 2020. </a:t>
-            </a:r>
-            <a:r>
-              <a:rPr>
-                <a:hlinkClick r:id="rId165"/>
+              <a:t>168. Gruijters SLK. Baseline comparisons and covariate fishing: Bad statistical habits we should have broken yesterday. July 2020. </a:t>
+            </a:r>
+            <a:r>
+              <a:rPr>
+                <a:hlinkClick r:id="rId169"/>
               </a:rPr>
               <a:t>http://dx.doi.org/10.31234/osf.io/qftwg.</a:t>
             </a:r>
@@ -32991,7 +33248,7 @@
             </a:pPr>
             <a:r>
               <a:rPr/>
-              <a:t>165. Matthews JNS, Altman DG. Statistics Notes: Interaction 2: compare effect sizes not P values. </a:t>
+              <a:t>169. Matthews JNS, Altman DG. Statistics Notes: Interaction 2: compare effect sizes not P values. </a:t>
             </a:r>
             <a:r>
               <a:rPr i="1"/>
@@ -33003,7 +33260,7 @@
             </a:r>
             <a:r>
               <a:rPr>
-                <a:hlinkClick r:id="rId166"/>
+                <a:hlinkClick r:id="rId170"/>
               </a:rPr>
               <a:t>10.1136/bmj.313.7060.808</a:t>
             </a:r>
@@ -33014,7 +33271,7 @@
             </a:pPr>
             <a:r>
               <a:rPr/>
-              <a:t>166. Altman DG. Statistics notes: Interaction revisited: The difference between two estimates. </a:t>
+              <a:t>170. Altman DG. Statistics notes: Interaction revisited: The difference between two estimates. </a:t>
             </a:r>
             <a:r>
               <a:rPr i="1"/>
@@ -33026,7 +33283,7 @@
             </a:r>
             <a:r>
               <a:rPr>
-                <a:hlinkClick r:id="rId167"/>
+                <a:hlinkClick r:id="rId171"/>
               </a:rPr>
               <a:t>10.1136/bmj.326.7382.219</a:t>
             </a:r>
@@ -33037,7 +33294,30 @@
             </a:pPr>
             <a:r>
               <a:rPr/>
-              <a:t>167. Greenhalgh T. How to read a paper: Papers that report diagnostic or screening tests. </a:t>
+              <a:t>171. Steckelberg A, Balgenorth A, Berger J, Mühlhauser I. Explaining computation of predictive values: 2 × 2 table versus frequency tree. A randomized controlled trial [ISRCTN74278823]. </a:t>
+            </a:r>
+            <a:r>
+              <a:rPr i="1"/>
+              <a:t>BMC Medical Education</a:t>
+            </a:r>
+            <a:r>
+              <a:rPr/>
+              <a:t>. 2004;4(1). doi:</a:t>
+            </a:r>
+            <a:r>
+              <a:rPr>
+                <a:hlinkClick r:id="rId172"/>
+              </a:rPr>
+              <a:t>10.1186/1472-6920-4-13</a:t>
+            </a:r>
+          </a:p>
+          <a:p>
+            <a:pPr lvl="0" indent="0" marL="0">
+              <a:buNone/>
+            </a:pPr>
+            <a:r>
+              <a:rPr/>
+              <a:t>172. Greenhalgh T. How to read a paper: Papers that report diagnostic or screening tests. </a:t>
             </a:r>
             <a:r>
               <a:rPr i="1"/>
@@ -33049,7 +33329,7 @@
             </a:r>
             <a:r>
               <a:rPr>
-                <a:hlinkClick r:id="rId168"/>
+                <a:hlinkClick r:id="rId173"/>
               </a:rPr>
               <a:t>10.1136/bmj.315.7107.540</a:t>
             </a:r>
@@ -33060,7 +33340,22 @@
             </a:pPr>
             <a:r>
               <a:rPr/>
-              <a:t>168. Hond AAH de, Steyerberg EW, Calster B van. Interpreting area under the receiver operating characteristic curve. </a:t>
+              <a:t>173. Neth H, Gaisbauer F, Gradwohl N, Gaissmaier W. Riskyr: Rendering risk literacy more transparent. 2022. </a:t>
+            </a:r>
+            <a:r>
+              <a:rPr>
+                <a:hlinkClick r:id="rId174"/>
+              </a:rPr>
+              <a:t>https://CRAN.R-project.org/package=riskyr.</a:t>
+            </a:r>
+          </a:p>
+          <a:p>
+            <a:pPr lvl="0" indent="0" marL="0">
+              <a:buNone/>
+            </a:pPr>
+            <a:r>
+              <a:rPr/>
+              <a:t>174. Hond AAH de, Steyerberg EW, Calster B van. Interpreting area under the receiver operating characteristic curve. </a:t>
             </a:r>
             <a:r>
               <a:rPr i="1"/>
@@ -33072,7 +33367,7 @@
             </a:r>
             <a:r>
               <a:rPr>
-                <a:hlinkClick r:id="rId169"/>
+                <a:hlinkClick r:id="rId175"/>
               </a:rPr>
               <a:t>10.1016/s2589-7500(22)00188-1</a:t>
             </a:r>
@@ -33083,16 +33378,16 @@
             </a:pPr>
             <a:r>
               <a:rPr/>
-              <a:t>169. Robin X, Turck N, Hainard A, et al. pROC: An open-source package for r and s+ to analyze and compare ROC curves. 2011;12:77.</a:t>
-            </a:r>
-          </a:p>
-          <a:p>
-            <a:pPr lvl="0" indent="0" marL="0">
-              <a:buNone/>
-            </a:pPr>
-            <a:r>
-              <a:rPr/>
-              <a:t>170. Ferreira ADS, Meziat-Filho N, Ferreira APA. Double threshold receiver operating characteristic plot for three-modal continuous predictors. </a:t>
+              <a:t>175. Robin X, Turck N, Hainard A, et al. pROC: An open-source package for r and s+ to analyze and compare ROC curves. 2011;12:77.</a:t>
+            </a:r>
+          </a:p>
+          <a:p>
+            <a:pPr lvl="0" indent="0" marL="0">
+              <a:buNone/>
+            </a:pPr>
+            <a:r>
+              <a:rPr/>
+              <a:t>176. Ferreira ADS, Meziat-Filho N, Ferreira APA. Double threshold receiver operating characteristic plot for three-modal continuous predictors. </a:t>
             </a:r>
             <a:r>
               <a:rPr i="1"/>
@@ -33104,7 +33399,7 @@
             </a:r>
             <a:r>
               <a:rPr>
-                <a:hlinkClick r:id="rId170"/>
+                <a:hlinkClick r:id="rId176"/>
               </a:rPr>
               <a:t>10.1007/s00180-021-01080-9</a:t>
             </a:r>
@@ -33115,7 +33410,7 @@
             </a:pPr>
             <a:r>
               <a:rPr/>
-              <a:t>171. Altman DG, Bland JM. Measurement in medicine: The analysis of method comparison studies. </a:t>
+              <a:t>177. Altman DG, Bland JM. Measurement in medicine: The analysis of method comparison studies. </a:t>
             </a:r>
             <a:r>
               <a:rPr i="1"/>
@@ -33127,7 +33422,7 @@
             </a:r>
             <a:r>
               <a:rPr>
-                <a:hlinkClick r:id="rId171"/>
+                <a:hlinkClick r:id="rId177"/>
               </a:rPr>
               <a:t>10.2307/2987937</a:t>
             </a:r>
@@ -33138,7 +33433,7 @@
             </a:pPr>
             <a:r>
               <a:rPr/>
-              <a:t>172. Borenstein M. In a meta-analysis, the I-squared statistic does not tell us how much the effect size varies. </a:t>
+              <a:t>178. Borenstein M. In a meta-analysis, the I-squared statistic does not tell us how much the effect size varies. </a:t>
             </a:r>
             <a:r>
               <a:rPr i="1"/>
@@ -33150,7 +33445,7 @@
             </a:r>
             <a:r>
               <a:rPr>
-                <a:hlinkClick r:id="rId172"/>
+                <a:hlinkClick r:id="rId178"/>
               </a:rPr>
               <a:t>10.1016/j.jclinepi.2022.10.003</a:t>
             </a:r>
@@ -33161,7 +33456,7 @@
             </a:pPr>
             <a:r>
               <a:rPr/>
-              <a:t>173. Rücker G, Schwarzer G, Carpenter JR, Schumacher M. Undue reliance on I 2 in assessing heterogeneity may mislead. </a:t>
+              <a:t>179. Rücker G, Schwarzer G, Carpenter JR, Schumacher M. Undue reliance on I 2 in assessing heterogeneity may mislead. </a:t>
             </a:r>
             <a:r>
               <a:rPr i="1"/>
@@ -33173,7 +33468,7 @@
             </a:r>
             <a:r>
               <a:rPr>
-                <a:hlinkClick r:id="rId173"/>
+                <a:hlinkClick r:id="rId179"/>
               </a:rPr>
               <a:t>10.1186/1471-2288-8-79</a:t>
             </a:r>
@@ -33184,7 +33479,7 @@
             </a:pPr>
             <a:r>
               <a:rPr/>
-              <a:t>174. Grooth HJ de, Parienti JJ. Heterogeneity between studies can be explained more reliably with individual patient data. </a:t>
+              <a:t>180. Grooth HJ de, Parienti JJ. Heterogeneity between studies can be explained more reliably with individual patient data. </a:t>
             </a:r>
             <a:r>
               <a:rPr i="1"/>
@@ -33196,7 +33491,7 @@
             </a:r>
             <a:r>
               <a:rPr>
-                <a:hlinkClick r:id="rId174"/>
+                <a:hlinkClick r:id="rId180"/>
               </a:rPr>
               <a:t>10.1007/s00134-023-07163-z</a:t>
             </a:r>
@@ -33207,16 +33502,16 @@
             </a:pPr>
             <a:r>
               <a:rPr/>
-              <a:t>175. Lajeunesse MJ. Facilitating systematic reviews, data extraction, and meta-analysis with the metagear package for r. 2016;7:323-330.</a:t>
-            </a:r>
-          </a:p>
-          <a:p>
-            <a:pPr lvl="0" indent="0" marL="0">
-              <a:buNone/>
-            </a:pPr>
-            <a:r>
-              <a:rPr/>
-              <a:t>176. Moher D, Shamseer L, Clarke M, et al. Preferred reporting items for systematic review and meta-analysis protocols (PRISMA-P) 2015 statement. </a:t>
+              <a:t>181. Lajeunesse MJ. Facilitating systematic reviews, data extraction, and meta-analysis with the metagear package for r. 2016;7:323-330.</a:t>
+            </a:r>
+          </a:p>
+          <a:p>
+            <a:pPr lvl="0" indent="0" marL="0">
+              <a:buNone/>
+            </a:pPr>
+            <a:r>
+              <a:rPr/>
+              <a:t>182. Moher D, Shamseer L, Clarke M, et al. Preferred reporting items for systematic review and meta-analysis protocols (PRISMA-P) 2015 statement. </a:t>
             </a:r>
             <a:r>
               <a:rPr i="1"/>
@@ -33228,7 +33523,7 @@
             </a:r>
             <a:r>
               <a:rPr>
-                <a:hlinkClick r:id="rId175"/>
+                <a:hlinkClick r:id="rId181"/>
               </a:rPr>
               <a:t>10.1186/2046-4053-4-1</a:t>
             </a:r>
@@ -33239,11 +33534,11 @@
             </a:pPr>
             <a:r>
               <a:rPr/>
-              <a:t>177. Haddaway NR, Page MJ, Pritchard CC, McGuinness LA. PRISMA2020: An r package and shiny app for producing PRISMA 2020-compliant flow diagrams, with interactivity for optimised digital transparency and open synthesis. 2022;18:e1230. doi:</a:t>
-            </a:r>
-            <a:r>
-              <a:rPr>
-                <a:hlinkClick r:id="rId176"/>
+              <a:t>183. Haddaway NR, Page MJ, Pritchard CC, McGuinness LA. PRISMA2020: An r package and shiny app for producing PRISMA 2020-compliant flow diagrams, with interactivity for optimised digital transparency and open synthesis. 2022;18:e1230. doi:</a:t>
+            </a:r>
+            <a:r>
+              <a:rPr>
+                <a:hlinkClick r:id="rId182"/>
               </a:rPr>
               <a:t>10.1002/cl2.1230</a:t>
             </a:r>
@@ -33254,11 +33549,11 @@
             </a:pPr>
             <a:r>
               <a:rPr/>
-              <a:t>178. Haddaway NR, Page MJ, Pritchard CC, McGuinness LA. PRISMA2020: An r package and shiny app for producing PRISMA 2020-compliant flow diagrams, with interactivity for optimised digital transparency and open synthesis. 2022;18:e1230. doi:</a:t>
-            </a:r>
-            <a:r>
-              <a:rPr>
-                <a:hlinkClick r:id="rId177"/>
+              <a:t>184. Haddaway NR, Page MJ, Pritchard CC, McGuinness LA. PRISMA2020: An r package and shiny app for producing PRISMA 2020-compliant flow diagrams, with interactivity for optimised digital transparency and open synthesis. 2022;18:e1230. doi:</a:t>
+            </a:r>
+            <a:r>
+              <a:rPr>
+                <a:hlinkClick r:id="rId183"/>
               </a:rPr>
               <a:t>10.1002/cl2.1230</a:t>
             </a:r>
@@ -33269,7 +33564,7 @@
             </a:pPr>
             <a:r>
               <a:rPr/>
-              <a:t>179. Ihaka R, Gentleman R. R: A language for data analysis and graphics. </a:t>
+              <a:t>185. Ihaka R, Gentleman R. R: A language for data analysis and graphics. </a:t>
             </a:r>
             <a:r>
               <a:rPr i="1"/>
@@ -33281,7 +33576,7 @@
             </a:r>
             <a:r>
               <a:rPr>
-                <a:hlinkClick r:id="rId178"/>
+                <a:hlinkClick r:id="rId184"/>
               </a:rPr>
               <a:t>10.2307/1390807</a:t>
             </a:r>
@@ -33292,7 +33587,7 @@
             </a:pPr>
             <a:r>
               <a:rPr/>
-              <a:t>180. Racine JS. RStudio: A Platform-Independent IDE for R and Sweave. </a:t>
+              <a:t>186. Racine JS. RStudio: A Platform-Independent IDE for R and Sweave. </a:t>
             </a:r>
             <a:r>
               <a:rPr i="1"/>
@@ -33304,7 +33599,7 @@
             </a:r>
             <a:r>
               <a:rPr>
-                <a:hlinkClick r:id="rId179"/>
+                <a:hlinkClick r:id="rId185"/>
               </a:rPr>
               <a:t>10.1002/jae.1278</a:t>
             </a:r>
@@ -33315,7 +33610,7 @@
             </a:pPr>
             <a:r>
               <a:rPr/>
-              <a:t>181. Love J, Selker R, Marsman M, et al. </a:t>
+              <a:t>187. Love J, Selker R, Marsman M, et al. </a:t>
             </a:r>
             <a:r>
               <a:rPr b="1"/>
@@ -33335,7 +33630,7 @@
             </a:r>
             <a:r>
               <a:rPr>
-                <a:hlinkClick r:id="rId180"/>
+                <a:hlinkClick r:id="rId186"/>
               </a:rPr>
               <a:t>10.18637/jss.v088.i02</a:t>
             </a:r>
@@ -33346,7 +33641,7 @@
             </a:pPr>
             <a:r>
               <a:rPr/>
-              <a:t>182. ŞAHİN M, AYBEK E. Jamovi: An easy to use statistical software for the social scientists. </a:t>
+              <a:t>188. ŞAHİN M, AYBEK E. Jamovi: An easy to use statistical software for the social scientists. </a:t>
             </a:r>
             <a:r>
               <a:rPr i="1"/>
@@ -33358,7 +33653,7 @@
             </a:r>
             <a:r>
               <a:rPr>
-                <a:hlinkClick r:id="rId181"/>
+                <a:hlinkClick r:id="rId187"/>
               </a:rPr>
               <a:t>10.21449/ijate.661803</a:t>
             </a:r>
@@ -33369,11 +33664,11 @@
             </a:pPr>
             <a:r>
               <a:rPr/>
-              <a:t>183. Selker R, Love J, Dropmann D. Jmv: The ’jamovi’ analyses. 2023. </a:t>
-            </a:r>
-            <a:r>
-              <a:rPr>
-                <a:hlinkClick r:id="rId182"/>
+              <a:t>189. Selker R, Love J, Dropmann D. Jmv: The ’jamovi’ analyses. 2023. </a:t>
+            </a:r>
+            <a:r>
+              <a:rPr>
+                <a:hlinkClick r:id="rId188"/>
               </a:rPr>
               <a:t>https://CRAN.R-project.org/package=jmv.</a:t>
             </a:r>
@@ -33384,11 +33679,11 @@
             </a:pPr>
             <a:r>
               <a:rPr/>
-              <a:t>184. Love J. Jmvconnect: Connect to the ’jamovi’ statistical spreadsheet. 2022. </a:t>
-            </a:r>
-            <a:r>
-              <a:rPr>
-                <a:hlinkClick r:id="rId183"/>
+              <a:t>190. Love J. Jmvconnect: Connect to the ’jamovi’ statistical spreadsheet. 2022. </a:t>
+            </a:r>
+            <a:r>
+              <a:rPr>
+                <a:hlinkClick r:id="rId189"/>
               </a:rPr>
               <a:t>https://CRAN.R-project.org/package=jmvconnect.</a:t>
             </a:r>
@@ -33399,7 +33694,7 @@
             </a:pPr>
             <a:r>
               <a:rPr/>
-              <a:t>185. Hinsen K. A data and code model for reproducible research and executable papers. </a:t>
+              <a:t>191. Hinsen K. A data and code model for reproducible research and executable papers. </a:t>
             </a:r>
             <a:r>
               <a:rPr i="1"/>
@@ -33411,7 +33706,7 @@
             </a:r>
             <a:r>
               <a:rPr>
-                <a:hlinkClick r:id="rId184"/>
+                <a:hlinkClick r:id="rId190"/>
               </a:rPr>
               <a:t>10.1016/j.procs.2011.04.061</a:t>
             </a:r>
@@ -33422,7 +33717,7 @@
             </a:pPr>
             <a:r>
               <a:rPr/>
-              <a:t>186. Schwab, Simon, Held, Leonhard. Statistical programming: Small mistakes, big impacts. </a:t>
+              <a:t>192. Schwab, Simon, Held, Leonhard. Statistical programming: Small mistakes, big impacts. </a:t>
             </a:r>
             <a:r>
               <a:rPr i="1"/>
@@ -33434,7 +33729,7 @@
             </a:r>
             <a:r>
               <a:rPr>
-                <a:hlinkClick r:id="rId185"/>
+                <a:hlinkClick r:id="rId191"/>
               </a:rPr>
               <a:t>10.5167/UZH-205154</a:t>
             </a:r>
@@ -33445,7 +33740,7 @@
             </a:pPr>
             <a:r>
               <a:rPr/>
-              <a:t>187. Eglen SJ, Marwick B, Halchenko YO, et al. Toward standard practices for sharing computer code and programs in neuroscience. </a:t>
+              <a:t>193. Eglen SJ, Marwick B, Halchenko YO, et al. Toward standard practices for sharing computer code and programs in neuroscience. </a:t>
             </a:r>
             <a:r>
               <a:rPr i="1"/>
@@ -33457,7 +33752,7 @@
             </a:r>
             <a:r>
               <a:rPr>
-                <a:hlinkClick r:id="rId186"/>
+                <a:hlinkClick r:id="rId192"/>
               </a:rPr>
               <a:t>10.1038/nn.4550</a:t>
             </a:r>
@@ -33468,11 +33763,11 @@
             </a:pPr>
             <a:r>
               <a:rPr/>
-              <a:t>188. Francisco Rodríguez-Sánchez, Connor P. Jackson, Shaurita D. Hutchins. Grateful: Facilitate citation of r packages. 2023. </a:t>
-            </a:r>
-            <a:r>
-              <a:rPr>
-                <a:hlinkClick r:id="rId187"/>
+              <a:t>194. Francisco Rodríguez-Sánchez, Connor P. Jackson, Shaurita D. Hutchins. Grateful: Facilitate citation of r packages. 2023. </a:t>
+            </a:r>
+            <a:r>
+              <a:rPr>
+                <a:hlinkClick r:id="rId193"/>
               </a:rPr>
               <a:t>https://github.com/Pakillo/grateful.</a:t>
             </a:r>
@@ -33483,11 +33778,11 @@
             </a:pPr>
             <a:r>
               <a:rPr/>
-              <a:t>189. Xie Y. formatR: Format r code automatically. 2022. </a:t>
-            </a:r>
-            <a:r>
-              <a:rPr>
-                <a:hlinkClick r:id="rId188"/>
+              <a:t>195. Xie Y. formatR: Format r code automatically. 2022. </a:t>
+            </a:r>
+            <a:r>
+              <a:rPr>
+                <a:hlinkClick r:id="rId194"/>
               </a:rPr>
               <a:t>https://CRAN.R-project.org/package=formatR.</a:t>
             </a:r>
@@ -33498,11 +33793,11 @@
             </a:pPr>
             <a:r>
               <a:rPr/>
-              <a:t>190. Müller K, Walthert L. Styler: Non-invasive pretty printing of r code. 2023. </a:t>
-            </a:r>
-            <a:r>
-              <a:rPr>
-                <a:hlinkClick r:id="rId189"/>
+              <a:t>196. Müller K, Walthert L. Styler: Non-invasive pretty printing of r code. 2023. </a:t>
+            </a:r>
+            <a:r>
+              <a:rPr>
+                <a:hlinkClick r:id="rId195"/>
               </a:rPr>
               <a:t>https://CRAN.R-project.org/package=styler.</a:t>
             </a:r>
@@ -33513,7 +33808,7 @@
             </a:pPr>
             <a:r>
               <a:rPr/>
-              <a:t>191. Allaire J, Xie Y, Dervieux C, et al. </a:t>
+              <a:t>197. Allaire J, Xie Y, Dervieux C, et al. </a:t>
             </a:r>
             <a:r>
               <a:rPr i="1"/>
@@ -33525,7 +33820,7 @@
             </a:r>
             <a:r>
               <a:rPr>
-                <a:hlinkClick r:id="rId190"/>
+                <a:hlinkClick r:id="rId196"/>
               </a:rPr>
               <a:t>https://CRAN.R-project.org/package=rmarkdown.</a:t>
             </a:r>
@@ -33536,7 +33831,7 @@
             </a:pPr>
             <a:r>
               <a:rPr/>
-              <a:t>192. Holmes DT, Mobini M, McCudden CR. Reproducible manuscript preparation with RMarkdown application to JMSACL and other Elsevier Journals. </a:t>
+              <a:t>198. Holmes DT, Mobini M, McCudden CR. Reproducible manuscript preparation with RMarkdown application to JMSACL and other Elsevier Journals. </a:t>
             </a:r>
             <a:r>
               <a:rPr i="1"/>
@@ -33548,7 +33843,7 @@
             </a:r>
             <a:r>
               <a:rPr>
-                <a:hlinkClick r:id="rId191"/>
+                <a:hlinkClick r:id="rId197"/>
               </a:rPr>
               <a:t>10.1016/j.jmsacl.2021.09.002</a:t>
             </a:r>
@@ -33559,11 +33854,11 @@
             </a:pPr>
             <a:r>
               <a:rPr/>
-              <a:t>193. Gohel D, Ross N. Officedown: Enhanced ’r markdown’ format for ’word’ and ’PowerPoint’. 2023. </a:t>
-            </a:r>
-            <a:r>
-              <a:rPr>
-                <a:hlinkClick r:id="rId192"/>
+              <a:t>199. Gohel D, Ross N. Officedown: Enhanced ’r markdown’ format for ’word’ and ’PowerPoint’. 2023. </a:t>
+            </a:r>
+            <a:r>
+              <a:rPr>
+                <a:hlinkClick r:id="rId198"/>
               </a:rPr>
               <a:t>https://CRAN.R-project.org/package=officedown.</a:t>
             </a:r>
@@ -33574,11 +33869,11 @@
             </a:pPr>
             <a:r>
               <a:rPr/>
-              <a:t>194. Xie Y. Bookdown: Authoring books and technical documents with r markdown. 2023. </a:t>
-            </a:r>
-            <a:r>
-              <a:rPr>
-                <a:hlinkClick r:id="rId193"/>
+              <a:t>200. Xie Y. Bookdown: Authoring books and technical documents with r markdown. 2023. </a:t>
+            </a:r>
+            <a:r>
+              <a:rPr>
+                <a:hlinkClick r:id="rId199"/>
               </a:rPr>
               <a:t>https://github.com/rstudio/bookdown.</a:t>
             </a:r>
@@ -33589,7 +33884,7 @@
             </a:pPr>
             <a:r>
               <a:rPr/>
-              <a:t>195. Ioannidis JPA. How to Make More Published Research True. </a:t>
+              <a:t>201. Ioannidis JPA. How to Make More Published Research True. </a:t>
             </a:r>
             <a:r>
               <a:rPr i="1"/>
@@ -33601,7 +33896,7 @@
             </a:r>
             <a:r>
               <a:rPr>
-                <a:hlinkClick r:id="rId194"/>
+                <a:hlinkClick r:id="rId200"/>
               </a:rPr>
               <a:t>10.1371/journal.pmed.1001747</a:t>
             </a:r>
@@ -33612,11 +33907,11 @@
             </a:pPr>
             <a:r>
               <a:rPr/>
-              <a:t>196. Krieger N, Perzynski A, Dalton J. Projects: A project infrastructure for researchers. 2021. </a:t>
-            </a:r>
-            <a:r>
-              <a:rPr>
-                <a:hlinkClick r:id="rId195"/>
+              <a:t>202. Krieger N, Perzynski A, Dalton J. Projects: A project infrastructure for researchers. 2021. </a:t>
+            </a:r>
+            <a:r>
+              <a:rPr>
+                <a:hlinkClick r:id="rId201"/>
               </a:rPr>
               <a:t>https://CRAN.R-project.org/package=projects.</a:t>
             </a:r>
@@ -33627,7 +33922,7 @@
             </a:pPr>
             <a:r>
               <a:rPr/>
-              <a:t>197. Zhao Y, Xiao N, Anderson K, Zhang Y. Electronic common technical document submission with analysis using R. </a:t>
+              <a:t>203. Zhao Y, Xiao N, Anderson K, Zhang Y. Electronic common technical document submission with analysis using R. </a:t>
             </a:r>
             <a:r>
               <a:rPr i="1"/>
@@ -33639,7 +33934,7 @@
             </a:r>
             <a:r>
               <a:rPr>
-                <a:hlinkClick r:id="rId196"/>
+                <a:hlinkClick r:id="rId202"/>
               </a:rPr>
               <a:t>10.1177/17407745221123244</a:t>
             </a:r>
@@ -33650,11 +33945,11 @@
             </a:pPr>
             <a:r>
               <a:rPr/>
-              <a:t>198. R Core Team. R: A language and environment for statistical computing. 2023. </a:t>
-            </a:r>
-            <a:r>
-              <a:rPr>
-                <a:hlinkClick r:id="rId197"/>
+              <a:t>204. R Core Team. R: A language and environment for statistical computing. 2023. </a:t>
+            </a:r>
+            <a:r>
+              <a:rPr>
+                <a:hlinkClick r:id="rId203"/>
               </a:rPr>
               <a:t>https://www.R-project.org/.</a:t>
             </a:r>
@@ -33665,11 +33960,11 @@
             </a:pPr>
             <a:r>
               <a:rPr/>
-              <a:t>199. Gohel D, Skintzos P. Flextable: Functions for tabular reporting. 2023. </a:t>
-            </a:r>
-            <a:r>
-              <a:rPr>
-                <a:hlinkClick r:id="rId198"/>
+              <a:t>205. Gohel D, Skintzos P. Flextable: Functions for tabular reporting. 2023. </a:t>
+            </a:r>
+            <a:r>
+              <a:rPr>
+                <a:hlinkClick r:id="rId204"/>
               </a:rPr>
               <a:t>https://CRAN.R-project.org/package=flextable.</a:t>
             </a:r>
@@ -33680,11 +33975,11 @@
             </a:pPr>
             <a:r>
               <a:rPr/>
-              <a:t>200. Urbanek S, Johnson K. Tiff: Read and write TIFF images. 2022. </a:t>
-            </a:r>
-            <a:r>
-              <a:rPr>
-                <a:hlinkClick r:id="rId199"/>
+              <a:t>206. Urbanek S, Johnson K. Tiff: Read and write TIFF images. 2022. </a:t>
+            </a:r>
+            <a:r>
+              <a:rPr>
+                <a:hlinkClick r:id="rId205"/>
               </a:rPr>
               <a:t>https://CRAN.R-project.org/package=tiff.</a:t>
             </a:r>
@@ -33695,7 +33990,7 @@
             </a:pPr>
             <a:r>
               <a:rPr/>
-              <a:t>201. Wallisch C, Bach P, Hafermann L, et al. Review of guidance papers on regression modeling in statistical series of medical journals. Mathes T, ed. </a:t>
+              <a:t>207. Wallisch C, Bach P, Hafermann L, et al. Review of guidance papers on regression modeling in statistical series of medical journals. Mathes T, ed. </a:t>
             </a:r>
             <a:r>
               <a:rPr i="1"/>
@@ -33707,7 +34002,7 @@
             </a:r>
             <a:r>
               <a:rPr>
-                <a:hlinkClick r:id="rId200"/>
+                <a:hlinkClick r:id="rId206"/>
               </a:rPr>
               <a:t>10.1371/journal.pone.0262918</a:t>
             </a:r>
@@ -33718,7 +34013,7 @@
             </a:pPr>
             <a:r>
               <a:rPr/>
-              <a:t>202. Lynggaard H, Bell J, Lösch C, et al. Principles and recommendations for incorporating estimands into clinical study protocol templates. </a:t>
+              <a:t>208. Lynggaard H, Bell J, Lösch C, et al. Principles and recommendations for incorporating estimands into clinical study protocol templates. </a:t>
             </a:r>
             <a:r>
               <a:rPr i="1"/>
@@ -33730,7 +34025,7 @@
             </a:r>
             <a:r>
               <a:rPr>
-                <a:hlinkClick r:id="rId201"/>
+                <a:hlinkClick r:id="rId207"/>
               </a:rPr>
               <a:t>10.1186/s13063-022-06515-2</a:t>
             </a:r>
@@ -33741,7 +34036,7 @@
             </a:pPr>
             <a:r>
               <a:rPr/>
-              <a:t>203. Althouse AD, Below JE, Claggett BL, et al. Recommendations for Statistical Reporting in Cardiovascular Medicine: A Special Report From the American Heart Association. </a:t>
+              <a:t>209. Althouse AD, Below JE, Claggett BL, et al. Recommendations for Statistical Reporting in Cardiovascular Medicine: A Special Report From the American Heart Association. </a:t>
             </a:r>
             <a:r>
               <a:rPr i="1"/>
@@ -33753,7 +34048,7 @@
             </a:r>
             <a:r>
               <a:rPr>
-                <a:hlinkClick r:id="rId202"/>
+                <a:hlinkClick r:id="rId208"/>
               </a:rPr>
               <a:t>10.1161/circulationaha.121.055393</a:t>
             </a:r>
@@ -33764,7 +34059,7 @@
             </a:pPr>
             <a:r>
               <a:rPr/>
-              <a:t>204. Lee KJ, Tilling KM, Cornish RP, et al. Framework for the treatment and reporting of missing data in observational studies: The Treatment And Reporting of Missing data in Observational Studies framework. </a:t>
+              <a:t>210. Lee KJ, Tilling KM, Cornish RP, et al. Framework for the treatment and reporting of missing data in observational studies: The Treatment And Reporting of Missing data in Observational Studies framework. </a:t>
             </a:r>
             <a:r>
               <a:rPr i="1"/>
@@ -33776,7 +34071,7 @@
             </a:r>
             <a:r>
               <a:rPr>
-                <a:hlinkClick r:id="rId203"/>
+                <a:hlinkClick r:id="rId209"/>
               </a:rPr>
               <a:t>10.1016/j.jclinepi.2021.01.008</a:t>
             </a:r>
@@ -33787,7 +34082,7 @@
             </a:pPr>
             <a:r>
               <a:rPr/>
-              <a:t>205. Vickers AJ, Assel MJ, Sjoberg DD, et al. Guidelines for Reporting of Figures and Tables for Clinical Research in Urology. </a:t>
+              <a:t>211. Vickers AJ, Assel MJ, Sjoberg DD, et al. Guidelines for Reporting of Figures and Tables for Clinical Research in Urology. </a:t>
             </a:r>
             <a:r>
               <a:rPr i="1"/>
@@ -33799,7 +34094,7 @@
             </a:r>
             <a:r>
               <a:rPr>
-                <a:hlinkClick r:id="rId204"/>
+                <a:hlinkClick r:id="rId210"/>
               </a:rPr>
               <a:t>10.1016/j.urology.2020.05.002</a:t>
             </a:r>
@@ -33810,7 +34105,7 @@
             </a:pPr>
             <a:r>
               <a:rPr/>
-              <a:t>206. Assel M, Sjoberg D, Elders A, et al. Guidelines for Reporting of Statistics for Clinical Research in Urology. </a:t>
+              <a:t>212. Assel M, Sjoberg D, Elders A, et al. Guidelines for Reporting of Statistics for Clinical Research in Urology. </a:t>
             </a:r>
             <a:r>
               <a:rPr i="1"/>
@@ -33822,7 +34117,7 @@
             </a:r>
             <a:r>
               <a:rPr>
-                <a:hlinkClick r:id="rId205"/>
+                <a:hlinkClick r:id="rId211"/>
               </a:rPr>
               <a:t>10.1097/ju.0000000000000001</a:t>
             </a:r>
@@ -33833,7 +34128,7 @@
             </a:pPr>
             <a:r>
               <a:rPr/>
-              <a:t>207. Gamble C, Krishan A, Stocken D, et al. Guidelines for the Content of Statistical Analysis Plans in Clinical Trials. </a:t>
+              <a:t>213. Gamble C, Krishan A, Stocken D, et al. Guidelines for the Content of Statistical Analysis Plans in Clinical Trials. </a:t>
             </a:r>
             <a:r>
               <a:rPr i="1"/>
@@ -33845,7 +34140,7 @@
             </a:r>
             <a:r>
               <a:rPr>
-                <a:hlinkClick r:id="rId206"/>
+                <a:hlinkClick r:id="rId212"/>
               </a:rPr>
               <a:t>10.1001/jama.2017.18556</a:t>
             </a:r>
@@ -33856,7 +34151,7 @@
             </a:pPr>
             <a:r>
               <a:rPr/>
-              <a:t>208. Lang TA, Altman DG. Basic statistical reporting for articles published in Biomedical Journals: The “Statistical Analyses and Methods in the Published Literature” or the SAMPL Guidelines. </a:t>
+              <a:t>214. Lang TA, Altman DG. Basic statistical reporting for articles published in Biomedical Journals: The “Statistical Analyses and Methods in the Published Literature” or the SAMPL Guidelines. </a:t>
             </a:r>
             <a:r>
               <a:rPr i="1"/>
@@ -33868,7 +34163,7 @@
             </a:r>
             <a:r>
               <a:rPr>
-                <a:hlinkClick r:id="rId207"/>
+                <a:hlinkClick r:id="rId213"/>
               </a:rPr>
               <a:t>10.1016/j.ijnurstu.2014.09.006</a:t>
             </a:r>
@@ -33879,7 +34174,7 @@
             </a:pPr>
             <a:r>
               <a:rPr/>
-              <a:t>209. Weissgerber TL, Milic NM, Winham SJ, Garovic VD. Beyond Bar and Line Graphs: Time for a New Data Presentation Paradigm. </a:t>
+              <a:t>215. Weissgerber TL, Milic NM, Winham SJ, Garovic VD. Beyond Bar and Line Graphs: Time for a New Data Presentation Paradigm. </a:t>
             </a:r>
             <a:r>
               <a:rPr i="1"/>
@@ -33891,7 +34186,7 @@
             </a:r>
             <a:r>
               <a:rPr>
-                <a:hlinkClick r:id="rId208"/>
+                <a:hlinkClick r:id="rId214"/>
               </a:rPr>
               <a:t>10.1371/journal.pbio.1002128</a:t>
             </a:r>
@@ -33902,7 +34197,7 @@
             </a:pPr>
             <a:r>
               <a:rPr/>
-              <a:t>210. Sauerbrei W, Abrahamowicz M, Altman DG, Cessie S, Carpenter J. STRengthening Analytical Thinking for Observational Studies: the STRATOS initiative. </a:t>
+              <a:t>216. Sauerbrei W, Abrahamowicz M, Altman DG, Cessie S, Carpenter J. STRengthening Analytical Thinking for Observational Studies: the STRATOS initiative. </a:t>
             </a:r>
             <a:r>
               <a:rPr i="1"/>
@@ -33914,7 +34209,7 @@
             </a:r>
             <a:r>
               <a:rPr>
-                <a:hlinkClick r:id="rId209"/>
+                <a:hlinkClick r:id="rId215"/>
               </a:rPr>
               <a:t>10.1002/sim.6265</a:t>
             </a:r>
@@ -33925,7 +34220,7 @@
             </a:pPr>
             <a:r>
               <a:rPr/>
-              <a:t>211. Groves T. Research methods and reporting. </a:t>
+              <a:t>217. Groves T. Research methods and reporting. </a:t>
             </a:r>
             <a:r>
               <a:rPr i="1"/>
@@ -33937,7 +34232,7 @@
             </a:r>
             <a:r>
               <a:rPr>
-                <a:hlinkClick r:id="rId210"/>
+                <a:hlinkClick r:id="rId216"/>
               </a:rPr>
               <a:t>10.1136/bmj.a2201</a:t>
             </a:r>
@@ -33948,7 +34243,7 @@
             </a:pPr>
             <a:r>
               <a:rPr/>
-              <a:t>212. Stratton IM, Neil A. How to ensure your paper is rejected by the statistical reviewer. </a:t>
+              <a:t>218. Stratton IM, Neil A. How to ensure your paper is rejected by the statistical reviewer. </a:t>
             </a:r>
             <a:r>
               <a:rPr i="1"/>
@@ -33960,7 +34255,7 @@
             </a:r>
             <a:r>
               <a:rPr>
-                <a:hlinkClick r:id="rId211"/>
+                <a:hlinkClick r:id="rId217"/>
               </a:rPr>
               <a:t>10.1111/j.1464-5491.2004.01443.x</a:t>
             </a:r>
@@ -33971,7 +34266,7 @@
             </a:pPr>
             <a:r>
               <a:rPr/>
-              <a:t>213. Mansournia MA, Collins GS, Nielsen RO, et al. A CHecklist for statistical Assessment of Medical Papers (the CHAMP statement): explanation and elaboration. </a:t>
+              <a:t>219. Mansournia MA, Collins GS, Nielsen RO, et al. A CHecklist for statistical Assessment of Medical Papers (the CHAMP statement): explanation and elaboration. </a:t>
             </a:r>
             <a:r>
               <a:rPr i="1"/>
@@ -33983,7 +34278,7 @@
             </a:r>
             <a:r>
               <a:rPr>
-                <a:hlinkClick r:id="rId212"/>
+                <a:hlinkClick r:id="rId218"/>
               </a:rPr>
               <a:t>10.1136/bjsports-2020-103652</a:t>
             </a:r>
@@ -33994,7 +34289,7 @@
             </a:pPr>
             <a:r>
               <a:rPr/>
-              <a:t>214. Gil-Sierra MD, Fénix-Caballero S, Abdel kader-Martin L, et al. Checklist for clinical applicability of subgroup analysis. </a:t>
+              <a:t>220. Gil-Sierra MD, Fénix-Caballero S, Abdel kader-Martin L, et al. Checklist for clinical applicability of subgroup analysis. </a:t>
             </a:r>
             <a:r>
               <a:rPr i="1"/>
@@ -34006,7 +34301,7 @@
             </a:r>
             <a:r>
               <a:rPr>
-                <a:hlinkClick r:id="rId213"/>
+                <a:hlinkClick r:id="rId219"/>
               </a:rPr>
               <a:t>10.1111/jcpt.13102</a:t>
             </a:r>
@@ -34017,7 +34312,7 @@
             </a:pPr>
             <a:r>
               <a:rPr/>
-              <a:t>215. Altman DG, Simera I, Hoey J, Moher D, Schulz K. EQUATOR: reporting guidelines for health research. </a:t>
+              <a:t>221. Altman DG, Simera I, Hoey J, Moher D, Schulz K. EQUATOR: reporting guidelines for health research. </a:t>
             </a:r>
             <a:r>
               <a:rPr i="1"/>
@@ -34029,7 +34324,7 @@
             </a:r>
             <a:r>
               <a:rPr>
-                <a:hlinkClick r:id="rId214"/>
+                <a:hlinkClick r:id="rId220"/>
               </a:rPr>
               <a:t>10.1016/s0140-6736(08)60505-x</a:t>
             </a:r>
@@ -34363,7 +34658,7 @@
             </a:r>
             <a:r>
               <a:rPr/>
-              <a:t>. Rio de Janeiro: 1a edição, 2023. 137p. </a:t>
+              <a:t>. Rio de Janeiro: 1a edição, 2023. 139p. </a:t>
             </a:r>
             <a:r>
               <a:rPr>
@@ -41704,6 +41999,150 @@
               <a:buNone/>
             </a:pPr>
           </a:p>
+          <a:p>
+            <a:pPr lvl="0" indent="0" marL="0">
+              <a:buNone/>
+            </a:pPr>
+            <a:r>
+              <a:rPr/>
+              <a:t>O pacote </a:t>
+            </a:r>
+            <a:r>
+              <a:rPr i="1"/>
+              <a:t>base</a:t>
+            </a:r>
+            <a:r>
+              <a:rPr baseline="30000"/>
+              <a:t>61</a:t>
+            </a:r>
+            <a:r>
+              <a:rPr/>
+              <a:t> fornece a função </a:t>
+            </a:r>
+            <a:r>
+              <a:rPr i="1">
+                <a:hlinkClick r:id="rId2"/>
+              </a:rPr>
+              <a:t>names</a:t>
+            </a:r>
+            <a:r>
+              <a:rPr/>
+              <a:t> para declarar o nome de uma variável.</a:t>
+            </a:r>
+          </a:p>
+          <a:p>
+            <a:pPr lvl="0" indent="0" marL="0">
+              <a:buNone/>
+            </a:pPr>
+          </a:p>
+          <a:p>
+            <a:pPr lvl="0" indent="0" marL="0">
+              <a:buNone/>
+            </a:pPr>
+            <a:r>
+              <a:rPr/>
+              <a:t>O pacote </a:t>
+            </a:r>
+            <a:r>
+              <a:rPr i="1"/>
+              <a:t>units</a:t>
+            </a:r>
+            <a:r>
+              <a:rPr baseline="30000"/>
+              <a:t>62</a:t>
+            </a:r>
+            <a:r>
+              <a:rPr/>
+              <a:t> fornece a função </a:t>
+            </a:r>
+            <a:r>
+              <a:rPr i="1">
+                <a:hlinkClick r:id="rId3"/>
+              </a:rPr>
+              <a:t>units</a:t>
+            </a:r>
+            <a:r>
+              <a:rPr/>
+              <a:t> para declarar as unidades de medida de uma variável.</a:t>
+            </a:r>
+          </a:p>
+          <a:p>
+            <a:pPr lvl="0" indent="0" marL="0">
+              <a:buNone/>
+            </a:pPr>
+          </a:p>
+          <a:p>
+            <a:pPr lvl="0" indent="0" marL="0">
+              <a:buNone/>
+            </a:pPr>
+            <a:r>
+              <a:rPr/>
+              <a:t>O pacote </a:t>
+            </a:r>
+            <a:r>
+              <a:rPr i="1"/>
+              <a:t>base</a:t>
+            </a:r>
+            <a:r>
+              <a:rPr baseline="30000"/>
+              <a:t>61</a:t>
+            </a:r>
+            <a:r>
+              <a:rPr/>
+              <a:t> fornece a função </a:t>
+            </a:r>
+            <a:r>
+              <a:rPr i="1">
+                <a:hlinkClick r:id="rId4"/>
+              </a:rPr>
+              <a:t>labels</a:t>
+            </a:r>
+            <a:r>
+              <a:rPr/>
+              <a:t> para declarar o rótulo de uma variável.</a:t>
+            </a:r>
+          </a:p>
+          <a:p>
+            <a:pPr lvl="0" indent="0" marL="0">
+              <a:buNone/>
+            </a:pPr>
+          </a:p>
+          <a:p>
+            <a:pPr lvl="0" indent="0" marL="0">
+              <a:buNone/>
+            </a:pPr>
+            <a:r>
+              <a:rPr/>
+              <a:t>O pacote </a:t>
+            </a:r>
+            <a:r>
+              <a:rPr i="1"/>
+              <a:t>Hmisc</a:t>
+            </a:r>
+            <a:r>
+              <a:rPr baseline="30000"/>
+              <a:t>63</a:t>
+            </a:r>
+            <a:r>
+              <a:rPr/>
+              <a:t> fornece a função </a:t>
+            </a:r>
+            <a:r>
+              <a:rPr i="1">
+                <a:hlinkClick r:id="rId5"/>
+              </a:rPr>
+              <a:t>contents</a:t>
+            </a:r>
+            <a:r>
+              <a:rPr/>
+              <a:t> para criar um objeto com os metadados (nomes, rótulos, unidades, quantidade e níveis das variáveis categóricas, e quantidade de dados perdidos) de um dataframe.</a:t>
+            </a:r>
+          </a:p>
+          <a:p>
+            <a:pPr lvl="0" indent="0" marL="0">
+              <a:buNone/>
+            </a:pPr>
+          </a:p>
         </p:txBody>
       </p:sp>
     </p:spTree>
@@ -41867,7 +42306,7 @@
             </a:r>
             <a:r>
               <a:rPr baseline="30000"/>
-              <a:t>61</a:t>
+              <a:t>64</a:t>
             </a:r>
           </a:p>
           <a:p>
@@ -41906,7 +42345,7 @@
             </a:r>
             <a:r>
               <a:rPr baseline="30000"/>
-              <a:t>48,62–64</a:t>
+              <a:t>48,65–67</a:t>
             </a:r>
           </a:p>
           <a:p>
@@ -41931,7 +42370,7 @@
             </a:r>
             <a:r>
               <a:rPr baseline="30000"/>
-              <a:t>48,62–65</a:t>
+              <a:t>48,65–68</a:t>
             </a:r>
           </a:p>
           <a:p>
@@ -41977,7 +42416,7 @@
             </a:r>
             <a:r>
               <a:rPr baseline="30000"/>
-              <a:t>48,62–64</a:t>
+              <a:t>48,65–67</a:t>
             </a:r>
           </a:p>
           <a:p>
@@ -42177,7 +42616,7 @@
             </a:r>
             <a:r>
               <a:rPr baseline="30000"/>
-              <a:t>63</a:t>
+              <a:t>66</a:t>
             </a:r>
           </a:p>
           <a:p>
@@ -42290,7 +42729,7 @@
             </a:r>
             <a:r>
               <a:rPr baseline="30000"/>
-              <a:t>66</a:t>
+              <a:t>69</a:t>
             </a:r>
           </a:p>
           <a:p>
@@ -42301,7 +42740,7 @@
             </a:r>
             <a:r>
               <a:rPr baseline="30000"/>
-              <a:t>48,66</a:t>
+              <a:t>48,69</a:t>
             </a:r>
           </a:p>
           <a:p>
@@ -42312,7 +42751,7 @@
             </a:r>
             <a:r>
               <a:rPr baseline="30000"/>
-              <a:t>67</a:t>
+              <a:t>70</a:t>
             </a:r>
           </a:p>
           <a:p>
@@ -42340,7 +42779,7 @@
             </a:r>
             <a:r>
               <a:rPr baseline="30000"/>
-              <a:t>68</a:t>
+              <a:t>71</a:t>
             </a:r>
           </a:p>
           <a:p>
@@ -42351,7 +42790,7 @@
             </a:r>
             <a:r>
               <a:rPr baseline="30000"/>
-              <a:t>68</a:t>
+              <a:t>71</a:t>
             </a:r>
           </a:p>
           <a:p>
@@ -42379,7 +42818,7 @@
             </a:r>
             <a:r>
               <a:rPr baseline="30000"/>
-              <a:t>68</a:t>
+              <a:t>71</a:t>
             </a:r>
           </a:p>
           <a:p>
@@ -42418,7 +42857,7 @@
             </a:r>
             <a:r>
               <a:rPr baseline="30000"/>
-              <a:t>68</a:t>
+              <a:t>71</a:t>
             </a:r>
           </a:p>
           <a:p>
@@ -42457,7 +42896,7 @@
             </a:r>
             <a:r>
               <a:rPr baseline="30000"/>
-              <a:t>68</a:t>
+              <a:t>71</a:t>
             </a:r>
           </a:p>
           <a:p>
@@ -42468,7 +42907,7 @@
             </a:r>
             <a:r>
               <a:rPr baseline="30000"/>
-              <a:t>69</a:t>
+              <a:t>72</a:t>
             </a:r>
           </a:p>
           <a:p>
@@ -42497,7 +42936,7 @@
             </a:r>
             <a:r>
               <a:rPr baseline="30000"/>
-              <a:t>70</a:t>
+              <a:t>73</a:t>
             </a:r>
             <a:r>
               <a:rPr/>
@@ -42515,7 +42954,7 @@
             </a:r>
             <a:r>
               <a:rPr baseline="30000"/>
-              <a:t>69</a:t>
+              <a:t>72</a:t>
             </a:r>
           </a:p>
           <a:p>
@@ -42652,7 +43091,7 @@
             </a:r>
             <a:r>
               <a:rPr baseline="30000"/>
-              <a:t>71</a:t>
+              <a:t>74</a:t>
             </a:r>
           </a:p>
           <a:p>
@@ -42663,7 +43102,7 @@
             </a:r>
             <a:r>
               <a:rPr baseline="30000"/>
-              <a:t>72–74</a:t>
+              <a:t>75–77</a:t>
             </a:r>
           </a:p>
           <a:p>
@@ -42674,7 +43113,7 @@
             </a:r>
             <a:r>
               <a:rPr baseline="30000"/>
-              <a:t>72–74</a:t>
+              <a:t>75–77</a:t>
             </a:r>
           </a:p>
           <a:p>
@@ -42685,7 +43124,7 @@
             </a:r>
             <a:r>
               <a:rPr baseline="30000"/>
-              <a:t>75</a:t>
+              <a:t>78</a:t>
             </a:r>
           </a:p>
           <a:p>
@@ -42696,7 +43135,7 @@
             </a:r>
             <a:r>
               <a:rPr baseline="30000"/>
-              <a:t>76</a:t>
+              <a:t>79</a:t>
             </a:r>
           </a:p>
           <a:p>
@@ -42707,7 +43146,7 @@
             </a:r>
             <a:r>
               <a:rPr baseline="30000"/>
-              <a:t>76</a:t>
+              <a:t>79</a:t>
             </a:r>
           </a:p>
           <a:p>
@@ -42718,7 +43157,7 @@
             </a:r>
             <a:r>
               <a:rPr baseline="30000"/>
-              <a:t>76</a:t>
+              <a:t>79</a:t>
             </a:r>
           </a:p>
           <a:p>
@@ -42746,7 +43185,7 @@
             </a:r>
             <a:r>
               <a:rPr baseline="30000"/>
-              <a:t>71</a:t>
+              <a:t>74</a:t>
             </a:r>
           </a:p>
           <a:p>
@@ -42773,7 +43212,7 @@
             </a:r>
             <a:r>
               <a:rPr baseline="30000"/>
-              <a:t>71</a:t>
+              <a:t>74</a:t>
             </a:r>
           </a:p>
           <a:p>
@@ -42934,7 +43373,7 @@
                 </a:r>
                 <a:r>
                   <a:rPr baseline="30000"/>
-                  <a:t>67</a:t>
+                  <a:t>70</a:t>
                 </a:r>
               </a:p>
               <a:p>
@@ -42945,7 +43384,7 @@
                 </a:r>
                 <a:r>
                   <a:rPr baseline="30000"/>
-                  <a:t>71</a:t>
+                  <a:t>74</a:t>
                 </a:r>
               </a:p>
               <a:p>
@@ -42956,7 +43395,7 @@
                 </a:r>
                 <a:r>
                   <a:rPr baseline="30000"/>
-                  <a:t>71</a:t>
+                  <a:t>74</a:t>
                 </a:r>
               </a:p>
               <a:p>
@@ -42967,7 +43406,7 @@
                 </a:r>
                 <a:r>
                   <a:rPr baseline="30000"/>
-                  <a:t>71</a:t>
+                  <a:t>74</a:t>
                 </a:r>
               </a:p>
               <a:p>
@@ -42978,7 +43417,7 @@
                 </a:r>
                 <a:r>
                   <a:rPr baseline="30000"/>
-                  <a:t>71</a:t>
+                  <a:t>74</a:t>
                 </a:r>
               </a:p>
               <a:p>
@@ -43006,7 +43445,7 @@
                 </a:r>
                 <a:r>
                   <a:rPr baseline="30000"/>
-                  <a:t>71</a:t>
+                  <a:t>74</a:t>
                 </a:r>
               </a:p>
               <a:p>
@@ -43017,7 +43456,7 @@
                 </a:r>
                 <a:r>
                   <a:rPr baseline="30000"/>
-                  <a:t>72–74</a:t>
+                  <a:t>75–77</a:t>
                 </a:r>
               </a:p>
               <a:p>
@@ -43028,7 +43467,7 @@
                 </a:r>
                 <a:r>
                   <a:rPr baseline="30000"/>
-                  <a:t>72–74</a:t>
+                  <a:t>75–77</a:t>
                 </a:r>
               </a:p>
               <a:p>
@@ -43039,7 +43478,7 @@
                 </a:r>
                 <a:r>
                   <a:rPr baseline="30000"/>
-                  <a:t>71,72</a:t>
+                  <a:t>74,75</a:t>
                 </a:r>
               </a:p>
               <a:p>
@@ -43050,7 +43489,7 @@
                 </a:r>
                 <a:r>
                   <a:rPr baseline="30000"/>
-                  <a:t>72</a:t>
+                  <a:t>75</a:t>
                 </a:r>
               </a:p>
               <a:p>
@@ -43061,7 +43500,7 @@
                 </a:r>
                 <a:r>
                   <a:rPr baseline="30000"/>
-                  <a:t>72</a:t>
+                  <a:t>75</a:t>
                 </a:r>
               </a:p>
               <a:p>
@@ -43072,7 +43511,7 @@
                 </a:r>
                 <a:r>
                   <a:rPr baseline="30000"/>
-                  <a:t>71,72</a:t>
+                  <a:t>74,75</a:t>
                 </a:r>
               </a:p>
               <a:p>
@@ -43083,7 +43522,7 @@
                 </a:r>
                 <a:r>
                   <a:rPr baseline="30000"/>
-                  <a:t>67,72</a:t>
+                  <a:t>70,75</a:t>
                 </a:r>
               </a:p>
               <a:p>
@@ -43094,7 +43533,7 @@
                 </a:r>
                 <a:r>
                   <a:rPr baseline="30000"/>
-                  <a:t>75</a:t>
+                  <a:t>78</a:t>
                 </a:r>
               </a:p>
               <a:p>
@@ -43122,7 +43561,7 @@
                 </a:r>
                 <a:r>
                   <a:rPr baseline="30000"/>
-                  <a:t>71</a:t>
+                  <a:t>74</a:t>
                 </a:r>
               </a:p>
               <a:p>
@@ -43133,7 +43572,7 @@
                 </a:r>
                 <a:r>
                   <a:rPr baseline="30000"/>
-                  <a:t>71</a:t>
+                  <a:t>74</a:t>
                 </a:r>
               </a:p>
               <a:p>
@@ -43161,7 +43600,7 @@
                 </a:r>
                 <a:r>
                   <a:rPr baseline="30000"/>
-                  <a:t>75</a:t>
+                  <a:t>78</a:t>
                 </a:r>
                 <a:r>
                   <a:rPr/>
@@ -43176,7 +43615,7 @@
                 </a:r>
                 <a:r>
                   <a:rPr baseline="30000"/>
-                  <a:t>77</a:t>
+                  <a:t>80</a:t>
                 </a:r>
               </a:p>
               <a:p>
@@ -43187,7 +43626,7 @@
                 </a:r>
                 <a:r>
                   <a:rPr baseline="30000"/>
-                  <a:t>78</a:t>
+                  <a:t>81</a:t>
                 </a:r>
               </a:p>
               <a:p>
@@ -43218,7 +43657,7 @@
                 </a:r>
                 <a:r>
                   <a:rPr baseline="30000"/>
-                  <a:t>79</a:t>
+                  <a:t>82</a:t>
                 </a:r>
               </a:p>
               <a:p>
@@ -43243,7 +43682,7 @@
                 </a:r>
                 <a:r>
                   <a:rPr baseline="30000"/>
-                  <a:t>80</a:t>
+                  <a:t>83</a:t>
                 </a:r>
               </a:p>
               <a:p>
@@ -43265,7 +43704,7 @@
                 </a:r>
                 <a:r>
                   <a:rPr baseline="30000"/>
-                  <a:t>81</a:t>
+                  <a:t>84</a:t>
                 </a:r>
                 <a:r>
                   <a:rPr/>
@@ -43739,7 +44178,7 @@
             <a:pPr lvl="0"/>
             <a:r>
               <a:rPr/>
-              <a:t>Uma distribuição estatística é uma função que descreve os valores possíveis ou o intervalo de valores de uma variável (eixo horizontal) e a frequência com que cada valor é observado (eixo vertical).</a:t>
+              <a:t>Uma distribuição de probabilidade é uma função que descreve os valores possíveis ou o intervalo de valores de uma variável (eixo horizontal) e a frequência com que cada valor é observado (eixo vertical).</a:t>
             </a:r>
             <a:r>
               <a:rPr baseline="30000"/>
@@ -43767,7 +44206,7 @@
             <a:pPr lvl="0"/>
             <a:r>
               <a:rPr/>
-              <a:t>Uma distribuição pode ser definida por modelos matemáticos e caracterizada por sua tendência central, dispersão, simetria, curtose.</a:t>
+              <a:t>Uma distribuição pode ser definida por modelos matemáticos e caracterizada por sua tendência central, dispersão, simetria e curtose.</a:t>
             </a:r>
           </a:p>
           <a:p>
@@ -43784,6 +44223,159 @@
             </a:pPr>
             <a:r>
               <a:rPr b="1"/>
+              <a:t>Quais são as funções de uma distribuição?</a:t>
+            </a:r>
+          </a:p>
+          <a:p>
+            <a:pPr lvl="0"/>
+            <a:r>
+              <a:rPr/>
+              <a:t>Função de massa de probabilidade (</a:t>
+            </a:r>
+            <a:r>
+              <a:rPr i="1"/>
+              <a:t>probability mass function</a:t>
+            </a:r>
+            <a:r>
+              <a:rPr/>
+              <a:t>, pmf).[REF]</a:t>
+            </a:r>
+          </a:p>
+          <a:p>
+            <a:pPr lvl="0"/>
+            <a:r>
+              <a:rPr/>
+              <a:t>Função de distribuição cumulativa (</a:t>
+            </a:r>
+            <a:r>
+              <a:rPr i="1"/>
+              <a:t>cumulative distribution function</a:t>
+            </a:r>
+            <a:r>
+              <a:rPr/>
+              <a:t>, cdf).[REF]</a:t>
+            </a:r>
+          </a:p>
+          <a:p>
+            <a:pPr lvl="0"/>
+            <a:r>
+              <a:rPr/>
+              <a:t>Função quantílicas (</a:t>
+            </a:r>
+            <a:r>
+              <a:rPr i="1"/>
+              <a:t>quantile function</a:t>
+            </a:r>
+            <a:r>
+              <a:rPr/>
+              <a:t>, qf).[REF]</a:t>
+            </a:r>
+          </a:p>
+          <a:p>
+            <a:pPr lvl="0"/>
+            <a:r>
+              <a:rPr/>
+              <a:t>Função geradora de números aleatórios (</a:t>
+            </a:r>
+            <a:r>
+              <a:rPr i="1"/>
+              <a:t>random function</a:t>
+            </a:r>
+            <a:r>
+              <a:rPr/>
+              <a:t>, rf).[REF]</a:t>
+            </a:r>
+          </a:p>
+          <a:p>
+            <a:pPr lvl="0" indent="0" marL="0">
+              <a:buNone/>
+            </a:pPr>
+          </a:p>
+          <a:p>
+            <a:pPr lvl="0" indent="0" marL="0">
+              <a:buNone/>
+            </a:pPr>
+            <a:r>
+              <a:rPr/>
+              <a:t>O pacote </a:t>
+            </a:r>
+            <a:r>
+              <a:rPr i="1"/>
+              <a:t>stats</a:t>
+            </a:r>
+            <a:r>
+              <a:rPr baseline="30000"/>
+              <a:t>85</a:t>
+            </a:r>
+            <a:r>
+              <a:rPr/>
+              <a:t> fornece funções de distribuição de probabilidade (p), funções de densidade (d), funções quantílicas (q) e funções geradores de números aleatórios (r) para as distribuições </a:t>
+            </a:r>
+            <a:r>
+              <a:rPr>
+                <a:hlinkClick r:id="rId2"/>
+              </a:rPr>
+              <a:t>normal</a:t>
+            </a:r>
+            <a:r>
+              <a:rPr/>
+              <a:t>, </a:t>
+            </a:r>
+            <a:r>
+              <a:rPr>
+                <a:hlinkClick r:id="rId3"/>
+              </a:rPr>
+              <a:t>Student t</a:t>
+            </a:r>
+            <a:r>
+              <a:rPr/>
+              <a:t>, </a:t>
+            </a:r>
+            <a:r>
+              <a:rPr>
+                <a:hlinkClick r:id="rId4"/>
+              </a:rPr>
+              <a:t>binomial</a:t>
+            </a:r>
+            <a:r>
+              <a:rPr/>
+              <a:t>, </a:t>
+            </a:r>
+            <a:r>
+              <a:rPr>
+                <a:hlinkClick r:id="rId5"/>
+              </a:rPr>
+              <a:t>qui-quadrado</a:t>
+            </a:r>
+            <a:r>
+              <a:rPr/>
+              <a:t>, </a:t>
+            </a:r>
+            <a:r>
+              <a:rPr>
+                <a:hlinkClick r:id="rId6"/>
+              </a:rPr>
+              <a:t>uniforme</a:t>
+            </a:r>
+            <a:r>
+              <a:rPr/>
+              <a:t>, dentre outras.</a:t>
+            </a:r>
+          </a:p>
+          <a:p>
+            <a:pPr lvl="0" indent="0" marL="0">
+              <a:buNone/>
+            </a:pPr>
+          </a:p>
+          <a:p>
+            <a:pPr lvl="0" indent="0" marL="0">
+              <a:spcBef>
+                <a:spcPts val="3000"/>
+              </a:spcBef>
+              <a:buNone/>
+            </a:pPr>
+            <a:r>
+              <a:rPr b="1"/>
               <a:t>O que é a distribuição normal?</a:t>
             </a:r>
           </a:p>
@@ -43795,7 +44387,7 @@
             </a:r>
             <a:r>
               <a:rPr baseline="30000"/>
-              <a:t>62</a:t>
+              <a:t>65</a:t>
             </a:r>
           </a:p>
           <a:p>
@@ -43806,7 +44398,7 @@
             </a:r>
             <a:r>
               <a:rPr baseline="30000"/>
-              <a:t>62</a:t>
+              <a:t>65</a:t>
             </a:r>
           </a:p>
           <a:p>
@@ -44014,7 +44606,7 @@
             </a:r>
             <a:r>
               <a:rPr baseline="30000"/>
-              <a:t>61</a:t>
+              <a:t>64</a:t>
             </a:r>
           </a:p>
           <a:p>
@@ -44053,7 +44645,7 @@
             </a:r>
             <a:r>
               <a:rPr baseline="30000"/>
-              <a:t>62,82</a:t>
+              <a:t>65,86</a:t>
             </a:r>
           </a:p>
           <a:p>
@@ -44064,7 +44656,7 @@
             </a:r>
             <a:r>
               <a:rPr baseline="30000"/>
-              <a:t>62,82,83</a:t>
+              <a:t>65,86,87</a:t>
             </a:r>
           </a:p>
           <a:p>
@@ -44075,7 +44667,7 @@
             </a:r>
             <a:r>
               <a:rPr baseline="30000"/>
-              <a:t>62,82,84,84</a:t>
+              <a:t>65,86,88,88</a:t>
             </a:r>
           </a:p>
           <a:p>
@@ -44086,7 +44678,7 @@
             </a:r>
             <a:r>
               <a:rPr baseline="30000"/>
-              <a:t>82</a:t>
+              <a:t>86</a:t>
             </a:r>
           </a:p>
           <a:p>
@@ -44097,7 +44689,7 @@
             </a:r>
             <a:r>
               <a:rPr baseline="30000"/>
-              <a:t>62</a:t>
+              <a:t>65</a:t>
             </a:r>
           </a:p>
           <a:p>
@@ -44214,7 +44806,7 @@
             </a:r>
             <a:r>
               <a:rPr baseline="30000"/>
-              <a:t>62,82</a:t>
+              <a:t>65,86</a:t>
             </a:r>
           </a:p>
           <a:p>
@@ -44229,7 +44821,7 @@
             </a:r>
             <a:r>
               <a:rPr baseline="30000"/>
-              <a:t>62,82</a:t>
+              <a:t>65,86</a:t>
             </a:r>
           </a:p>
           <a:p>
@@ -44244,7 +44836,7 @@
             </a:r>
             <a:r>
               <a:rPr baseline="30000"/>
-              <a:t>62,82</a:t>
+              <a:t>65,86</a:t>
             </a:r>
           </a:p>
           <a:p>
@@ -44276,7 +44868,7 @@
             </a:r>
             <a:r>
               <a:rPr baseline="30000"/>
-              <a:t>62,82</a:t>
+              <a:t>65,86</a:t>
             </a:r>
           </a:p>
           <a:p>
@@ -44291,7 +44883,7 @@
             </a:r>
             <a:r>
               <a:rPr baseline="30000"/>
-              <a:t>83</a:t>
+              <a:t>87</a:t>
             </a:r>
           </a:p>
           <a:p>
@@ -44306,7 +44898,7 @@
             </a:r>
             <a:r>
               <a:rPr baseline="30000"/>
-              <a:t>83</a:t>
+              <a:t>87</a:t>
             </a:r>
           </a:p>
           <a:p>
@@ -44321,7 +44913,7 @@
             </a:r>
             <a:r>
               <a:rPr baseline="30000"/>
-              <a:t>62,82</a:t>
+              <a:t>65,86</a:t>
             </a:r>
           </a:p>
           <a:p>
@@ -44336,7 +44928,7 @@
             </a:r>
             <a:r>
               <a:rPr baseline="30000"/>
-              <a:t>62,82</a:t>
+              <a:t>65,86</a:t>
             </a:r>
           </a:p>
           <a:p>
@@ -44351,7 +44943,7 @@
             </a:r>
             <a:r>
               <a:rPr baseline="30000"/>
-              <a:t>62,82</a:t>
+              <a:t>65,86</a:t>
             </a:r>
           </a:p>
           <a:p>
@@ -44383,7 +44975,7 @@
             </a:r>
             <a:r>
               <a:rPr baseline="30000"/>
-              <a:t>62,82,84</a:t>
+              <a:t>65,86,88</a:t>
             </a:r>
           </a:p>
           <a:p>
@@ -44398,7 +44990,7 @@
             </a:r>
             <a:r>
               <a:rPr baseline="30000"/>
-              <a:t>62,82,84</a:t>
+              <a:t>65,86,88</a:t>
             </a:r>
           </a:p>
           <a:p>
@@ -44413,7 +45005,7 @@
             </a:r>
             <a:r>
               <a:rPr baseline="30000"/>
-              <a:t>62,82,84</a:t>
+              <a:t>65,86,88</a:t>
             </a:r>
           </a:p>
           <a:p>
@@ -44428,7 +45020,7 @@
             </a:r>
             <a:r>
               <a:rPr baseline="30000"/>
-              <a:t>84</a:t>
+              <a:t>88</a:t>
             </a:r>
           </a:p>
           <a:p>
@@ -44450,7 +45042,7 @@
             </a:r>
             <a:r>
               <a:rPr baseline="30000"/>
-              <a:t>85</a:t>
+              <a:t>89</a:t>
             </a:r>
             <a:r>
               <a:rPr/>
@@ -44496,7 +45088,7 @@
             </a:r>
             <a:r>
               <a:rPr baseline="30000"/>
-              <a:t>82</a:t>
+              <a:t>86</a:t>
             </a:r>
           </a:p>
           <a:p>
@@ -44511,7 +45103,7 @@
             </a:r>
             <a:r>
               <a:rPr baseline="30000"/>
-              <a:t>82</a:t>
+              <a:t>86</a:t>
             </a:r>
           </a:p>
           <a:p>
@@ -44543,7 +45135,7 @@
             </a:r>
             <a:r>
               <a:rPr baseline="30000"/>
-              <a:t>62</a:t>
+              <a:t>65</a:t>
             </a:r>
           </a:p>
           <a:p>
@@ -44558,7 +45150,7 @@
             </a:r>
             <a:r>
               <a:rPr baseline="30000"/>
-              <a:t>62</a:t>
+              <a:t>65</a:t>
             </a:r>
           </a:p>
           <a:p>
@@ -44580,7 +45172,7 @@
             </a:r>
             <a:r>
               <a:rPr baseline="30000"/>
-              <a:t>85</a:t>
+              <a:t>89</a:t>
             </a:r>
             <a:r>
               <a:rPr/>
@@ -44715,7 +45307,7 @@
             </a:r>
             <a:r>
               <a:rPr baseline="30000"/>
-              <a:t>86</a:t>
+              <a:t>90</a:t>
             </a:r>
           </a:p>
           <a:p>
@@ -44726,7 +45318,7 @@
             </a:r>
             <a:r>
               <a:rPr baseline="30000"/>
-              <a:t>86</a:t>
+              <a:t>90</a:t>
             </a:r>
           </a:p>
           <a:p>
@@ -44754,7 +45346,7 @@
             </a:r>
             <a:r>
               <a:rPr baseline="30000"/>
-              <a:t>86</a:t>
+              <a:t>90</a:t>
             </a:r>
           </a:p>
           <a:p>
@@ -44765,7 +45357,7 @@
             </a:r>
             <a:r>
               <a:rPr baseline="30000"/>
-              <a:t>86</a:t>
+              <a:t>90</a:t>
             </a:r>
           </a:p>
           <a:p>
@@ -44776,7 +45368,7 @@
             </a:r>
             <a:r>
               <a:rPr baseline="30000"/>
-              <a:t>86</a:t>
+              <a:t>90</a:t>
             </a:r>
           </a:p>
           <a:p>
@@ -44787,7 +45379,7 @@
             </a:r>
             <a:r>
               <a:rPr baseline="30000"/>
-              <a:t>86</a:t>
+              <a:t>90</a:t>
             </a:r>
           </a:p>
           <a:p>
@@ -44954,11 +45546,18 @@
             <a:pPr lvl="0"/>
             <a:r>
               <a:rPr/>
+              <a:t>As informações podem ser organizadas em formato de dados retangulares (ex.: matrizes, tabelas, quadro de dados) ou não retangulares (ex.: listas).[REF]</a:t>
+            </a:r>
+          </a:p>
+          <a:p>
+            <a:pPr lvl="0"/>
+            <a:r>
+              <a:rPr/>
               <a:t>Cada variável possui sua própria coluna (vertical).</a:t>
             </a:r>
             <a:r>
               <a:rPr baseline="30000"/>
-              <a:t>87</a:t>
+              <a:t>91</a:t>
             </a:r>
           </a:p>
           <a:p>
@@ -44969,7 +45568,7 @@
             </a:r>
             <a:r>
               <a:rPr baseline="30000"/>
-              <a:t>87</a:t>
+              <a:t>91</a:t>
             </a:r>
           </a:p>
           <a:p>
@@ -44980,7 +45579,7 @@
             </a:r>
             <a:r>
               <a:rPr baseline="30000"/>
-              <a:t>87</a:t>
+              <a:t>91</a:t>
             </a:r>
           </a:p>
           <a:p>
@@ -44991,7 +45590,7 @@
             </a:r>
             <a:r>
               <a:rPr baseline="30000"/>
-              <a:t>87</a:t>
+              <a:t>91</a:t>
             </a:r>
           </a:p>
           <a:p>
@@ -45013,7 +45612,7 @@
             </a:r>
             <a:r>
               <a:rPr baseline="30000"/>
-              <a:t>88</a:t>
+              <a:t>92</a:t>
             </a:r>
             <a:r>
               <a:rPr/>
@@ -45055,7 +45654,7 @@
             </a:r>
             <a:r>
               <a:rPr baseline="30000"/>
-              <a:t>89</a:t>
+              <a:t>93</a:t>
             </a:r>
           </a:p>
           <a:p>
@@ -45066,7 +45665,7 @@
             </a:r>
             <a:r>
               <a:rPr baseline="30000"/>
-              <a:t>89</a:t>
+              <a:t>93</a:t>
             </a:r>
           </a:p>
           <a:p>
@@ -45093,7 +45692,7 @@
             </a:r>
             <a:r>
               <a:rPr baseline="30000"/>
-              <a:t>90</a:t>
+              <a:t>94</a:t>
             </a:r>
           </a:p>
           <a:p>
@@ -45126,7 +45725,7 @@
             </a:r>
             <a:r>
               <a:rPr baseline="30000"/>
-              <a:t>89,90</a:t>
+              <a:t>93,94</a:t>
             </a:r>
           </a:p>
           <a:p>
@@ -45137,7 +45736,7 @@
             </a:r>
             <a:r>
               <a:rPr baseline="30000"/>
-              <a:t>89</a:t>
+              <a:t>93</a:t>
             </a:r>
           </a:p>
           <a:p>
@@ -45148,7 +45747,7 @@
             </a:r>
             <a:r>
               <a:rPr baseline="30000"/>
-              <a:t>89,90</a:t>
+              <a:t>93,94</a:t>
             </a:r>
           </a:p>
           <a:p>
@@ -45170,7 +45769,7 @@
             </a:r>
             <a:r>
               <a:rPr baseline="30000"/>
-              <a:t>91</a:t>
+              <a:t>95</a:t>
             </a:r>
             <a:r>
               <a:rPr/>
@@ -45220,7 +45819,7 @@
             </a:r>
             <a:r>
               <a:rPr baseline="30000"/>
-              <a:t>89</a:t>
+              <a:t>93</a:t>
             </a:r>
           </a:p>
           <a:p>
@@ -45231,7 +45830,7 @@
             </a:r>
             <a:r>
               <a:rPr baseline="30000"/>
-              <a:t>89</a:t>
+              <a:t>93</a:t>
             </a:r>
           </a:p>
           <a:p>
@@ -45242,7 +45841,7 @@
             </a:r>
             <a:r>
               <a:rPr baseline="30000"/>
-              <a:t>89</a:t>
+              <a:t>93</a:t>
             </a:r>
           </a:p>
           <a:p>
@@ -45449,7 +46048,7 @@
             </a:r>
             <a:r>
               <a:rPr baseline="30000"/>
-              <a:t>92</a:t>
+              <a:t>96</a:t>
             </a:r>
             <a:r>
               <a:rPr/>
@@ -45532,7 +46131,7 @@
             </a:r>
             <a:r>
               <a:rPr baseline="30000"/>
-              <a:t>93</a:t>
+              <a:t>97</a:t>
             </a:r>
             <a:r>
               <a:rPr/>
@@ -45548,7 +46147,7 @@
             </a:r>
             <a:r>
               <a:rPr baseline="30000"/>
-              <a:t>94</a:t>
+              <a:t>98</a:t>
             </a:r>
             <a:r>
               <a:rPr/>
@@ -45654,7 +46253,7 @@
             </a:r>
             <a:r>
               <a:rPr baseline="30000"/>
-              <a:t>95</a:t>
+              <a:t>99</a:t>
             </a:r>
           </a:p>
           <a:p>
@@ -45682,7 +46281,7 @@
             </a:r>
             <a:r>
               <a:rPr baseline="30000"/>
-              <a:t>96</a:t>
+              <a:t>100</a:t>
             </a:r>
           </a:p>
           <a:p>
@@ -45693,7 +46292,7 @@
             </a:r>
             <a:r>
               <a:rPr baseline="30000"/>
-              <a:t>96</a:t>
+              <a:t>100</a:t>
             </a:r>
           </a:p>
           <a:p>
@@ -45704,7 +46303,7 @@
             </a:r>
             <a:r>
               <a:rPr baseline="30000"/>
-              <a:t>96</a:t>
+              <a:t>100</a:t>
             </a:r>
           </a:p>
           <a:p>
@@ -45715,7 +46314,7 @@
             </a:r>
             <a:r>
               <a:rPr baseline="30000"/>
-              <a:t>96</a:t>
+              <a:t>100</a:t>
             </a:r>
           </a:p>
           <a:p>
@@ -45726,7 +46325,7 @@
             </a:r>
             <a:r>
               <a:rPr baseline="30000"/>
-              <a:t>96</a:t>
+              <a:t>100</a:t>
             </a:r>
           </a:p>
           <a:p>
@@ -45957,7 +46556,7 @@
                 </a:r>
                 <a:r>
                   <a:rPr baseline="30000"/>
-                  <a:t>93</a:t>
+                  <a:t>97</a:t>
                 </a:r>
               </a:p>
               <a:p>
@@ -45976,7 +46575,7 @@
                 </a:r>
                 <a:r>
                   <a:rPr baseline="30000"/>
-                  <a:t>86</a:t>
+                  <a:t>90</a:t>
                 </a:r>
               </a:p>
               <a:p>
@@ -46004,7 +46603,7 @@
                 </a:r>
                 <a:r>
                   <a:rPr baseline="30000"/>
-                  <a:t>86</a:t>
+                  <a:t>90</a:t>
                 </a:r>
               </a:p>
               <a:p>
@@ -46015,7 +46614,7 @@
                 </a:r>
                 <a:r>
                   <a:rPr baseline="30000"/>
-                  <a:t>86</a:t>
+                  <a:t>90</a:t>
                 </a:r>
               </a:p>
               <a:p>
@@ -46037,7 +46636,7 @@
                 </a:r>
                 <a:r>
                   <a:rPr baseline="30000"/>
-                  <a:t>97</a:t>
+                  <a:t>101</a:t>
                 </a:r>
                 <a:r>
                   <a:rPr/>
@@ -46079,7 +46678,7 @@
                 </a:r>
                 <a:r>
                   <a:rPr baseline="30000"/>
-                  <a:t>86</a:t>
+                  <a:t>90</a:t>
                 </a:r>
               </a:p>
               <a:p>
@@ -46098,7 +46697,7 @@
                 </a:r>
                 <a:r>
                   <a:rPr baseline="30000"/>
-                  <a:t>86,92,93</a:t>
+                  <a:t>90,96,97</a:t>
                 </a:r>
               </a:p>
               <a:p>
@@ -46134,7 +46733,7 @@
                 </a:r>
                 <a:r>
                   <a:rPr baseline="30000"/>
-                  <a:t>98</a:t>
+                  <a:t>102</a:t>
                 </a:r>
                 <a:r>
                   <a:rPr/>
@@ -46172,7 +46771,7 @@
                 </a:r>
                 <a:r>
                   <a:rPr baseline="30000"/>
-                  <a:t>86</a:t>
+                  <a:t>90</a:t>
                 </a:r>
               </a:p>
               <a:p>
@@ -46209,7 +46808,7 @@
                 </a:r>
                 <a:r>
                   <a:rPr baseline="30000"/>
-                  <a:t>86,92</a:t>
+                  <a:t>90,96</a:t>
                 </a:r>
               </a:p>
               <a:p>
@@ -46239,7 +46838,7 @@
                 </a:r>
                 <a:r>
                   <a:rPr baseline="30000"/>
-                  <a:t>86</a:t>
+                  <a:t>90</a:t>
                 </a:r>
               </a:p>
               <a:p>
@@ -46262,7 +46861,7 @@
                 </a:r>
                 <a:r>
                   <a:rPr baseline="30000"/>
-                  <a:t>86</a:t>
+                  <a:t>90</a:t>
                 </a:r>
               </a:p>
               <a:p>
@@ -46318,7 +46917,7 @@
                 </a:r>
                 <a:r>
                   <a:rPr baseline="30000"/>
-                  <a:t>86</a:t>
+                  <a:t>90</a:t>
                 </a:r>
               </a:p>
               <a:p>
@@ -46341,7 +46940,7 @@
                 </a:r>
                 <a:r>
                   <a:rPr baseline="30000"/>
-                  <a:t>86</a:t>
+                  <a:t>90</a:t>
                 </a:r>
               </a:p>
               <a:p>
@@ -46378,7 +46977,7 @@
                 </a:r>
                 <a:r>
                   <a:rPr baseline="30000"/>
-                  <a:t>98</a:t>
+                  <a:t>102</a:t>
                 </a:r>
                 <a:r>
                   <a:rPr/>
@@ -46416,7 +47015,7 @@
                 </a:r>
                 <a:r>
                   <a:rPr baseline="30000"/>
-                  <a:t>86</a:t>
+                  <a:t>90</a:t>
                 </a:r>
               </a:p>
               <a:p>
@@ -46636,7 +47235,7 @@
             </a:r>
             <a:r>
               <a:rPr baseline="30000"/>
-              <a:t>99</a:t>
+              <a:t>103</a:t>
             </a:r>
             <a:r>
               <a:rPr/>
@@ -46678,7 +47277,7 @@
             </a:r>
             <a:r>
               <a:rPr baseline="30000"/>
-              <a:t>100</a:t>
+              <a:t>104</a:t>
             </a:r>
           </a:p>
           <a:p>
@@ -46689,7 +47288,7 @@
             </a:r>
             <a:r>
               <a:rPr baseline="30000"/>
-              <a:t>100</a:t>
+              <a:t>104</a:t>
             </a:r>
           </a:p>
           <a:p>
@@ -46700,7 +47299,7 @@
             </a:r>
             <a:r>
               <a:rPr baseline="30000"/>
-              <a:t>100</a:t>
+              <a:t>104</a:t>
             </a:r>
           </a:p>
           <a:p>
@@ -46711,7 +47310,7 @@
             </a:r>
             <a:r>
               <a:rPr baseline="30000"/>
-              <a:t>100</a:t>
+              <a:t>104</a:t>
             </a:r>
           </a:p>
           <a:p>
@@ -46824,7 +47423,7 @@
             </a:r>
             <a:r>
               <a:rPr baseline="30000"/>
-              <a:t>101</a:t>
+              <a:t>105</a:t>
             </a:r>
           </a:p>
           <a:p>
@@ -46937,7 +47536,7 @@
             </a:r>
             <a:r>
               <a:rPr baseline="30000"/>
-              <a:t>39,102</a:t>
+              <a:t>39,106</a:t>
             </a:r>
           </a:p>
           <a:p>
@@ -46965,7 +47564,7 @@
             </a:r>
             <a:r>
               <a:rPr baseline="30000"/>
-              <a:t>102</a:t>
+              <a:t>106</a:t>
             </a:r>
           </a:p>
           <a:p>
@@ -46976,7 +47575,7 @@
             </a:r>
             <a:r>
               <a:rPr baseline="30000"/>
-              <a:t>102</a:t>
+              <a:t>106</a:t>
             </a:r>
           </a:p>
           <a:p>
@@ -46987,7 +47586,7 @@
             </a:r>
             <a:r>
               <a:rPr baseline="30000"/>
-              <a:t>102</a:t>
+              <a:t>106</a:t>
             </a:r>
           </a:p>
           <a:p>
@@ -46998,7 +47597,7 @@
             </a:r>
             <a:r>
               <a:rPr baseline="30000"/>
-              <a:t>102</a:t>
+              <a:t>106</a:t>
             </a:r>
           </a:p>
           <a:p>
@@ -47009,7 +47608,7 @@
             </a:r>
             <a:r>
               <a:rPr baseline="30000"/>
-              <a:t>102</a:t>
+              <a:t>106</a:t>
             </a:r>
           </a:p>
           <a:p>
@@ -47041,7 +47640,7 @@
             </a:r>
             <a:r>
               <a:rPr baseline="30000"/>
-              <a:t>103,104</a:t>
+              <a:t>107,108</a:t>
             </a:r>
           </a:p>
           <a:p>
@@ -47052,7 +47651,7 @@
             </a:r>
             <a:r>
               <a:rPr baseline="30000"/>
-              <a:t>101,105</a:t>
+              <a:t>105,109</a:t>
             </a:r>
           </a:p>
           <a:p>
@@ -47074,7 +47673,7 @@
             </a:r>
             <a:r>
               <a:rPr baseline="30000"/>
-              <a:t>106</a:t>
+              <a:t>110</a:t>
             </a:r>
             <a:r>
               <a:rPr/>
@@ -47275,7 +47874,7 @@
             </a:r>
             <a:r>
               <a:rPr baseline="30000"/>
-              <a:t>106</a:t>
+              <a:t>110</a:t>
             </a:r>
             <a:r>
               <a:rPr/>
@@ -47402,7 +48001,7 @@
             </a:r>
             <a:r>
               <a:rPr baseline="30000"/>
-              <a:t>107</a:t>
+              <a:t>111</a:t>
             </a:r>
           </a:p>
           <a:p>
@@ -47454,7 +48053,7 @@
             </a:r>
             <a:r>
               <a:rPr baseline="30000"/>
-              <a:t>107</a:t>
+              <a:t>111</a:t>
             </a:r>
           </a:p>
           <a:p>
@@ -47476,7 +48075,7 @@
             </a:r>
             <a:r>
               <a:rPr baseline="30000"/>
-              <a:t>108</a:t>
+              <a:t>112</a:t>
             </a:r>
             <a:r>
               <a:rPr/>
@@ -47488,7 +48087,7 @@
             </a:r>
             <a:r>
               <a:rPr baseline="30000"/>
-              <a:t>109</a:t>
+              <a:t>113</a:t>
             </a:r>
             <a:r>
               <a:rPr/>
@@ -47500,7 +48099,7 @@
             </a:r>
             <a:r>
               <a:rPr baseline="30000"/>
-              <a:t>110</a:t>
+              <a:t>114</a:t>
             </a:r>
             <a:r>
               <a:rPr/>
@@ -47562,7 +48161,7 @@
             </a:r>
             <a:r>
               <a:rPr baseline="30000"/>
-              <a:t>111</a:t>
+              <a:t>115</a:t>
             </a:r>
           </a:p>
           <a:p>
@@ -47573,7 +48172,7 @@
             </a:r>
             <a:r>
               <a:rPr baseline="30000"/>
-              <a:t>111</a:t>
+              <a:t>115</a:t>
             </a:r>
           </a:p>
           <a:p>
@@ -47584,7 +48183,7 @@
             </a:r>
             <a:r>
               <a:rPr baseline="30000"/>
-              <a:t>111</a:t>
+              <a:t>115</a:t>
             </a:r>
           </a:p>
           <a:p>
@@ -47595,7 +48194,7 @@
             </a:r>
             <a:r>
               <a:rPr baseline="30000"/>
-              <a:t>111</a:t>
+              <a:t>115</a:t>
             </a:r>
           </a:p>
           <a:p>
@@ -47606,7 +48205,7 @@
             </a:r>
             <a:r>
               <a:rPr baseline="30000"/>
-              <a:t>111</a:t>
+              <a:t>115</a:t>
             </a:r>
           </a:p>
           <a:p>
@@ -47634,7 +48233,7 @@
             </a:r>
             <a:r>
               <a:rPr baseline="30000"/>
-              <a:t>111</a:t>
+              <a:t>115</a:t>
             </a:r>
           </a:p>
           <a:p>
@@ -47645,7 +48244,7 @@
             </a:r>
             <a:r>
               <a:rPr baseline="30000"/>
-              <a:t>111</a:t>
+              <a:t>115</a:t>
             </a:r>
           </a:p>
           <a:p>
@@ -47656,7 +48255,7 @@
             </a:r>
             <a:r>
               <a:rPr baseline="30000"/>
-              <a:t>112</a:t>
+              <a:t>116</a:t>
             </a:r>
           </a:p>
           <a:p>
@@ -47667,7 +48266,7 @@
             </a:r>
             <a:r>
               <a:rPr baseline="30000"/>
-              <a:t>112</a:t>
+              <a:t>116</a:t>
             </a:r>
           </a:p>
           <a:p>
@@ -47686,7 +48285,7 @@
             </a:r>
             <a:r>
               <a:rPr baseline="30000"/>
-              <a:t>112</a:t>
+              <a:t>116</a:t>
             </a:r>
           </a:p>
           <a:p>
@@ -47697,7 +48296,7 @@
             </a:r>
             <a:r>
               <a:rPr baseline="30000"/>
-              <a:t>112</a:t>
+              <a:t>116</a:t>
             </a:r>
           </a:p>
           <a:p>
@@ -47719,7 +48318,7 @@
             </a:r>
             <a:r>
               <a:rPr baseline="30000"/>
-              <a:t>113</a:t>
+              <a:t>117</a:t>
             </a:r>
             <a:r>
               <a:rPr/>
@@ -47924,7 +48523,7 @@
             </a:r>
             <a:r>
               <a:rPr baseline="30000"/>
-              <a:t>114</a:t>
+              <a:t>118</a:t>
             </a:r>
           </a:p>
           <a:p>
@@ -47935,7 +48534,7 @@
             </a:r>
             <a:r>
               <a:rPr baseline="30000"/>
-              <a:t>114</a:t>
+              <a:t>118</a:t>
             </a:r>
           </a:p>
           <a:p>
@@ -48113,7 +48712,7 @@
                 </a:r>
                 <a:r>
                   <a:rPr baseline="30000"/>
-                  <a:t>115</a:t>
+                  <a:t>119</a:t>
                 </a:r>
               </a:p>
               <a:p>
@@ -48152,7 +48751,7 @@
                 </a:r>
                 <a:r>
                   <a:rPr baseline="30000"/>
-                  <a:t>116</a:t>
+                  <a:t>120</a:t>
                 </a:r>
               </a:p>
               <a:p>
@@ -48163,7 +48762,7 @@
                 </a:r>
                 <a:r>
                   <a:rPr baseline="30000"/>
-                  <a:t>116</a:t>
+                  <a:t>120</a:t>
                 </a:r>
               </a:p>
               <a:p>
@@ -48174,7 +48773,7 @@
                 </a:r>
                 <a:r>
                   <a:rPr baseline="30000"/>
-                  <a:t>116</a:t>
+                  <a:t>120</a:t>
                 </a:r>
               </a:p>
               <a:p>
@@ -48185,7 +48784,7 @@
                 </a:r>
                 <a:r>
                   <a:rPr baseline="30000"/>
-                  <a:t>116</a:t>
+                  <a:t>120</a:t>
                 </a:r>
               </a:p>
               <a:p>
@@ -48196,7 +48795,7 @@
                 </a:r>
                 <a:r>
                   <a:rPr baseline="30000"/>
-                  <a:t>116</a:t>
+                  <a:t>120</a:t>
                 </a:r>
               </a:p>
               <a:p>
@@ -48207,7 +48806,7 @@
                 </a:r>
                 <a:r>
                   <a:rPr baseline="30000"/>
-                  <a:t>116</a:t>
+                  <a:t>120</a:t>
                 </a:r>
               </a:p>
               <a:p>
@@ -48255,7 +48854,7 @@
                 </a:r>
                 <a:r>
                   <a:rPr baseline="30000"/>
-                  <a:t>117</a:t>
+                  <a:t>121</a:t>
                 </a:r>
               </a:p>
               <a:p>
@@ -48286,7 +48885,7 @@
                 </a:r>
                 <a:r>
                   <a:rPr baseline="30000"/>
-                  <a:t>117</a:t>
+                  <a:t>121</a:t>
                 </a:r>
               </a:p>
               <a:p>
@@ -48297,7 +48896,7 @@
                 </a:r>
                 <a:r>
                   <a:rPr baseline="30000"/>
-                  <a:t>117</a:t>
+                  <a:t>121</a:t>
                 </a:r>
               </a:p>
               <a:p>
@@ -48465,7 +49064,7 @@
                 </a:r>
                 <a:r>
                   <a:rPr baseline="30000"/>
-                  <a:t>118</a:t>
+                  <a:t>122</a:t>
                 </a:r>
               </a:p>
               <a:p>
@@ -48496,7 +49095,7 @@
                 </a:r>
                 <a:r>
                   <a:rPr baseline="30000"/>
-                  <a:t>118</a:t>
+                  <a:t>122</a:t>
                 </a:r>
               </a:p>
               <a:p>
@@ -48591,7 +49190,7 @@
                 </a:r>
                 <a:r>
                   <a:rPr baseline="30000"/>
-                  <a:t>118</a:t>
+                  <a:t>122</a:t>
                 </a:r>
               </a:p>
               <a:p>
@@ -48602,7 +49201,7 @@
                 </a:r>
                 <a:r>
                   <a:rPr baseline="30000"/>
-                  <a:t>118</a:t>
+                  <a:t>122</a:t>
                 </a:r>
               </a:p>
               <a:p>
@@ -48650,7 +49249,7 @@
                 </a:r>
                 <a:r>
                   <a:rPr baseline="30000"/>
-                  <a:t>119</a:t>
+                  <a:t>123</a:t>
                 </a:r>
               </a:p>
               <a:p>
@@ -48795,7 +49394,7 @@
                 </a:r>
                 <a:r>
                   <a:rPr baseline="30000"/>
-                  <a:t>82</a:t>
+                  <a:t>86</a:t>
                 </a:r>
               </a:p>
               <a:p>
@@ -48843,7 +49442,7 @@
                 </a:r>
                 <a:r>
                   <a:rPr baseline="30000"/>
-                  <a:t>82</a:t>
+                  <a:t>86</a:t>
                 </a:r>
               </a:p>
               <a:p>
@@ -48891,7 +49490,7 @@
                 </a:r>
                 <a:r>
                   <a:rPr baseline="30000"/>
-                  <a:t>62</a:t>
+                  <a:t>65</a:t>
                 </a:r>
               </a:p>
               <a:p>
@@ -48922,7 +49521,7 @@
                 </a:r>
                 <a:r>
                   <a:rPr baseline="30000"/>
-                  <a:t>62</a:t>
+                  <a:t>65</a:t>
                 </a:r>
               </a:p>
               <a:p>
@@ -48953,7 +49552,7 @@
                 </a:r>
                 <a:r>
                   <a:rPr baseline="30000"/>
-                  <a:t>82</a:t>
+                  <a:t>86</a:t>
                 </a:r>
               </a:p>
               <a:p>
@@ -48986,7 +49585,7 @@
                 </a:r>
                 <a:r>
                   <a:rPr baseline="30000"/>
-                  <a:t>115</a:t>
+                  <a:t>119</a:t>
                 </a:r>
               </a:p>
               <a:p>
@@ -49014,7 +49613,7 @@
                 </a:r>
                 <a:r>
                   <a:rPr baseline="30000"/>
-                  <a:t>120</a:t>
+                  <a:t>124</a:t>
                 </a:r>
               </a:p>
               <a:p>
@@ -49025,7 +49624,7 @@
                 </a:r>
                 <a:r>
                   <a:rPr baseline="30000"/>
-                  <a:t>120</a:t>
+                  <a:t>124</a:t>
                 </a:r>
               </a:p>
               <a:p>
@@ -49036,7 +49635,7 @@
                 </a:r>
                 <a:r>
                   <a:rPr baseline="30000"/>
-                  <a:t>120</a:t>
+                  <a:t>124</a:t>
                 </a:r>
               </a:p>
               <a:p>
@@ -49047,7 +49646,7 @@
                 </a:r>
                 <a:r>
                   <a:rPr baseline="30000"/>
-                  <a:t>120</a:t>
+                  <a:t>124</a:t>
                 </a:r>
               </a:p>
               <a:p>
@@ -49217,7 +49816,7 @@
                 </a:r>
                 <a:r>
                   <a:rPr baseline="30000"/>
-                  <a:t>121</a:t>
+                  <a:t>125</a:t>
                 </a:r>
               </a:p>
               <a:p>
@@ -49248,7 +49847,7 @@
                 </a:r>
                 <a:r>
                   <a:rPr baseline="30000"/>
-                  <a:t>121</a:t>
+                  <a:t>125</a:t>
                 </a:r>
               </a:p>
               <a:p>
@@ -49276,7 +49875,7 @@
                 </a:r>
                 <a:r>
                   <a:rPr baseline="30000"/>
-                  <a:t>122</a:t>
+                  <a:t>126</a:t>
                 </a:r>
               </a:p>
               <a:p>
@@ -49287,7 +49886,7 @@
                 </a:r>
                 <a:r>
                   <a:rPr baseline="30000"/>
-                  <a:t>122</a:t>
+                  <a:t>126</a:t>
                 </a:r>
               </a:p>
               <a:p>
@@ -49415,7 +50014,7 @@
                 </a:r>
                 <a:r>
                   <a:rPr baseline="30000"/>
-                  <a:t>48,62</a:t>
+                  <a:t>48,65</a:t>
                 </a:r>
               </a:p>
               <a:p>
@@ -49443,7 +50042,7 @@
                 </a:r>
                 <a:r>
                   <a:rPr baseline="30000"/>
-                  <a:t>48,62</a:t>
+                  <a:t>48,65</a:t>
                 </a:r>
               </a:p>
               <a:p>
@@ -49454,7 +50053,7 @@
                 </a:r>
                 <a:r>
                   <a:rPr baseline="30000"/>
-                  <a:t>62</a:t>
+                  <a:t>65</a:t>
                 </a:r>
               </a:p>
               <a:p>
@@ -49482,7 +50081,7 @@
                 </a:r>
                 <a:r>
                   <a:rPr baseline="30000"/>
-                  <a:t>48,103</a:t>
+                  <a:t>48,107</a:t>
                 </a:r>
               </a:p>
               <a:p>
@@ -49493,7 +50092,7 @@
                 </a:r>
                 <a:r>
                   <a:rPr baseline="30000"/>
-                  <a:t>62</a:t>
+                  <a:t>65</a:t>
                 </a:r>
               </a:p>
               <a:p>
@@ -49581,7 +50180,7 @@
                 </a:r>
                 <a:r>
                   <a:rPr baseline="30000"/>
-                  <a:t>115</a:t>
+                  <a:t>119</a:t>
                 </a:r>
               </a:p>
               <a:p>
@@ -49657,7 +50256,7 @@
                 </a:r>
                 <a:r>
                   <a:rPr baseline="30000"/>
-                  <a:t>123</a:t>
+                  <a:t>127</a:t>
                 </a:r>
               </a:p>
               <a:p>
@@ -49668,7 +50267,7 @@
                 </a:r>
                 <a:r>
                   <a:rPr baseline="30000"/>
-                  <a:t>123</a:t>
+                  <a:t>127</a:t>
                 </a:r>
               </a:p>
               <a:p>
@@ -49785,7 +50384,7 @@
                 </a:r>
                 <a:r>
                   <a:rPr baseline="30000"/>
-                  <a:t>124</a:t>
+                  <a:t>128</a:t>
                 </a:r>
               </a:p>
               <a:p>
@@ -49828,7 +50427,7 @@
                 </a:r>
                 <a:r>
                   <a:rPr baseline="30000"/>
-                  <a:t>124</a:t>
+                  <a:t>128</a:t>
                 </a:r>
               </a:p>
               <a:p>
@@ -49839,7 +50438,7 @@
                 </a:r>
                 <a:r>
                   <a:rPr baseline="30000"/>
-                  <a:t>124</a:t>
+                  <a:t>128</a:t>
                 </a:r>
               </a:p>
               <a:p>
@@ -49850,7 +50449,7 @@
                 </a:r>
                 <a:r>
                   <a:rPr baseline="30000"/>
-                  <a:t>124</a:t>
+                  <a:t>128</a:t>
                 </a:r>
               </a:p>
               <a:p>
@@ -49881,7 +50480,7 @@
                 </a:r>
                 <a:r>
                   <a:rPr baseline="30000"/>
-                  <a:t>125</a:t>
+                  <a:t>129</a:t>
                 </a:r>
               </a:p>
               <a:p>
@@ -49892,7 +50491,7 @@
                 </a:r>
                 <a:r>
                   <a:rPr baseline="30000"/>
-                  <a:t>95</a:t>
+                  <a:t>99</a:t>
                 </a:r>
               </a:p>
               <a:p>
@@ -49940,7 +50539,7 @@
                 </a:r>
                 <a:r>
                   <a:rPr baseline="30000"/>
-                  <a:t>124</a:t>
+                  <a:t>128</a:t>
                 </a:r>
               </a:p>
               <a:p>
@@ -49951,7 +50550,7 @@
                 </a:r>
                 <a:r>
                   <a:rPr baseline="30000"/>
-                  <a:t>124</a:t>
+                  <a:t>128</a:t>
                 </a:r>
               </a:p>
               <a:p>
@@ -49979,7 +50578,7 @@
                 </a:r>
                 <a:r>
                   <a:rPr baseline="30000"/>
-                  <a:t>124</a:t>
+                  <a:t>128</a:t>
                 </a:r>
               </a:p>
               <a:p>
@@ -49990,7 +50589,7 @@
                 </a:r>
                 <a:r>
                   <a:rPr baseline="30000"/>
-                  <a:t>124</a:t>
+                  <a:t>128</a:t>
                 </a:r>
               </a:p>
               <a:p>
@@ -50001,7 +50600,7 @@
                 </a:r>
                 <a:r>
                   <a:rPr baseline="30000"/>
-                  <a:t>124</a:t>
+                  <a:t>128</a:t>
                 </a:r>
               </a:p>
               <a:p>
@@ -50118,7 +50717,7 @@
                 </a:r>
                 <a:r>
                   <a:rPr baseline="30000"/>
-                  <a:t>126</a:t>
+                  <a:t>130</a:t>
                 </a:r>
               </a:p>
               <a:p>
@@ -50146,7 +50745,7 @@
                 </a:r>
                 <a:r>
                   <a:rPr baseline="30000"/>
-                  <a:t>123</a:t>
+                  <a:t>127</a:t>
                 </a:r>
               </a:p>
               <a:p>
@@ -50174,7 +50773,7 @@
                 </a:r>
                 <a:r>
                   <a:rPr baseline="30000"/>
-                  <a:t>123,126</a:t>
+                  <a:t>127,130</a:t>
                 </a:r>
               </a:p>
               <a:p>
@@ -50262,7 +50861,7 @@
                 </a:r>
                 <a:r>
                   <a:rPr baseline="30000"/>
-                  <a:t>123,126</a:t>
+                  <a:t>127,130</a:t>
                 </a:r>
               </a:p>
               <a:p>
@@ -50335,7 +50934,7 @@
                 </a:r>
                 <a:r>
                   <a:rPr baseline="30000"/>
-                  <a:t>126</a:t>
+                  <a:t>130</a:t>
                 </a:r>
               </a:p>
               <a:p>
@@ -50472,7 +51071,7 @@
                 </a:r>
                 <a:r>
                   <a:rPr baseline="30000"/>
-                  <a:t>115</a:t>
+                  <a:t>119</a:t>
                 </a:r>
               </a:p>
               <a:p>
@@ -50503,7 +51102,7 @@
                 </a:r>
                 <a:r>
                   <a:rPr baseline="30000"/>
-                  <a:t>115</a:t>
+                  <a:t>119</a:t>
                 </a:r>
               </a:p>
               <a:p>
@@ -50531,7 +51130,7 @@
                 </a:r>
                 <a:r>
                   <a:rPr baseline="30000"/>
-                  <a:t>127</a:t>
+                  <a:t>131</a:t>
                 </a:r>
               </a:p>
               <a:p>
@@ -50564,7 +51163,7 @@
                 </a:r>
                 <a:r>
                   <a:rPr baseline="30000"/>
-                  <a:t>127</a:t>
+                  <a:t>131</a:t>
                 </a:r>
               </a:p>
               <a:p>
@@ -50595,7 +51194,7 @@
                 </a:r>
                 <a:r>
                   <a:rPr baseline="30000"/>
-                  <a:t>127</a:t>
+                  <a:t>131</a:t>
                 </a:r>
               </a:p>
               <a:p>
@@ -50623,7 +51222,7 @@
                 </a:r>
                 <a:r>
                   <a:rPr baseline="30000"/>
-                  <a:t>127</a:t>
+                  <a:t>131</a:t>
                 </a:r>
               </a:p>
               <a:p>
@@ -50634,7 +51233,7 @@
                 </a:r>
                 <a:r>
                   <a:rPr baseline="30000"/>
-                  <a:t>127</a:t>
+                  <a:t>131</a:t>
                 </a:r>
               </a:p>
               <a:p>
@@ -50690,7 +51289,7 @@
                 </a:r>
                 <a:r>
                   <a:rPr baseline="30000"/>
-                  <a:t>100,127</a:t>
+                  <a:t>104,131</a:t>
                 </a:r>
               </a:p>
               <a:p>
@@ -50729,7 +51328,7 @@
                 </a:r>
                 <a:r>
                   <a:rPr baseline="30000"/>
-                  <a:t>127</a:t>
+                  <a:t>131</a:t>
                 </a:r>
               </a:p>
               <a:p>
@@ -50846,7 +51445,7 @@
                 </a:r>
                 <a:r>
                   <a:rPr baseline="30000"/>
-                  <a:t>115</a:t>
+                  <a:t>119</a:t>
                 </a:r>
               </a:p>
               <a:p>
@@ -50918,7 +51517,7 @@
                 </a:r>
                 <a:r>
                   <a:rPr baseline="30000"/>
-                  <a:t>115</a:t>
+                  <a:t>119</a:t>
                 </a:r>
               </a:p>
               <a:p>
@@ -50966,7 +51565,7 @@
                 </a:r>
                 <a:r>
                   <a:rPr baseline="30000"/>
-                  <a:t>115</a:t>
+                  <a:t>119</a:t>
                 </a:r>
               </a:p>
               <a:p>

--- a/docs/Ciencia-com-R.pptx
+++ b/docs/Ciencia-com-R.pptx
@@ -18359,8 +18359,8 @@
               <a:buNone/>
             </a:pPr>
             <a:r>
-              <a:rPr b="1"/>
-              <a:t>PARTE 1 - Pensamento Científico</a:t>
+              <a:rPr i="1"/>
+              <a:t>Parte 1 - Pensamento Científico</a:t>
             </a:r>
           </a:p>
         </p:txBody>
@@ -18584,8 +18584,8 @@
               <a:buNone/>
             </a:pPr>
             <a:r>
-              <a:rPr b="1"/>
-              <a:t>PARTE 3 - Metodologia Aplicada</a:t>
+              <a:rPr i="1"/>
+              <a:t>Parte 4 - Metodologia Aplicada</a:t>
             </a:r>
           </a:p>
         </p:txBody>
@@ -20900,6 +20900,11 @@
                   <a:rPr baseline="30000"/>
                   <a:t>172</a:t>
                 </a:r>
+              </a:p>
+              <a:p>
+                <a:pPr lvl="0" indent="0" marL="0">
+                  <a:buNone/>
+                </a:pPr>
               </a:p>
               <a:p>
                 <a:pPr lvl="0" indent="0" marL="0">
@@ -23208,8 +23213,8 @@
               <a:buNone/>
             </a:pPr>
             <a:r>
-              <a:rPr b="1"/>
-              <a:t>PARTE 4 - Produção Científica</a:t>
+              <a:rPr i="1"/>
+              <a:t>Parte 5 - Produção Científica</a:t>
             </a:r>
           </a:p>
         </p:txBody>
@@ -26998,7 +27003,7 @@
             </a:pPr>
             <a:r>
               <a:rPr/>
-              <a:t>Plano de análise estatística</a:t>
+              <a:t>Diretrizes</a:t>
             </a:r>
           </a:p>
         </p:txBody>
@@ -27024,27 +27029,228 @@
           <a:bodyPr/>
           <a:lstStyle/>
           <a:p>
-            <a:pPr lvl="0" indent="0" marL="0">
-              <a:buNone/>
-            </a:pPr>
-          </a:p>
-          <a:p>
-            <a:pPr lvl="0" indent="0" marL="0">
-              <a:spcBef>
-                <a:spcPts val="3000"/>
-              </a:spcBef>
-              <a:buNone/>
-            </a:pPr>
-            <a:r>
-              <a:rPr b="1"/>
-              <a:t>O que é plano de análise estatística?</a:t>
-            </a:r>
-          </a:p>
-          <a:p>
             <a:pPr lvl="0"/>
             <a:r>
-              <a:rPr/>
-              <a:t>.[REF]</a:t>
+              <a:rPr i="1"/>
+              <a:t>Review of guidance papers on regression modeling in statistical series of medical journals</a:t>
+            </a:r>
+            <a:r>
+              <a:rPr/>
+              <a:t>.</a:t>
+            </a:r>
+            <a:r>
+              <a:rPr baseline="30000"/>
+              <a:t>207</a:t>
+            </a:r>
+          </a:p>
+          <a:p>
+            <a:pPr lvl="0"/>
+            <a:r>
+              <a:rPr i="1"/>
+              <a:t>Principles and recommendations for incorporating estimands into clinical study protocol templates</a:t>
+            </a:r>
+            <a:r>
+              <a:rPr/>
+              <a:t>.</a:t>
+            </a:r>
+            <a:r>
+              <a:rPr baseline="30000"/>
+              <a:t>208</a:t>
+            </a:r>
+          </a:p>
+          <a:p>
+            <a:pPr lvl="0"/>
+            <a:r>
+              <a:rPr i="1"/>
+              <a:t>How to write statistical analysis section in medical research</a:t>
+            </a:r>
+            <a:r>
+              <a:rPr/>
+              <a:t>.</a:t>
+            </a:r>
+            <a:r>
+              <a:rPr baseline="30000"/>
+              <a:t>134</a:t>
+            </a:r>
+          </a:p>
+          <a:p>
+            <a:pPr lvl="0"/>
+            <a:r>
+              <a:rPr i="1"/>
+              <a:t>Recommendations for Statistical Reporting in Cardiovascular Medicine: A Special Report From the American Heart Association</a:t>
+            </a:r>
+            <a:r>
+              <a:rPr/>
+              <a:t>.</a:t>
+            </a:r>
+            <a:r>
+              <a:rPr baseline="30000"/>
+              <a:t>209</a:t>
+            </a:r>
+          </a:p>
+          <a:p>
+            <a:pPr lvl="0"/>
+            <a:r>
+              <a:rPr i="1"/>
+              <a:t>Framework for the treatment and reporting of missing data in observational studies: The Treatment And Reporting of Missing data in Observational Studies framework</a:t>
+            </a:r>
+            <a:r>
+              <a:rPr/>
+              <a:t>.</a:t>
+            </a:r>
+            <a:r>
+              <a:rPr baseline="30000"/>
+              <a:t>210</a:t>
+            </a:r>
+          </a:p>
+          <a:p>
+            <a:pPr lvl="0"/>
+            <a:r>
+              <a:rPr i="1"/>
+              <a:t>Guidelines for reporting of figures and tables for clinical research in urology</a:t>
+            </a:r>
+            <a:r>
+              <a:rPr/>
+              <a:t>.</a:t>
+            </a:r>
+            <a:r>
+              <a:rPr baseline="30000"/>
+              <a:t>211</a:t>
+            </a:r>
+          </a:p>
+          <a:p>
+            <a:pPr lvl="0"/>
+            <a:r>
+              <a:rPr i="1"/>
+              <a:t>Who is in this study, anyway? Guidelines for a useful Table 1</a:t>
+            </a:r>
+            <a:r>
+              <a:rPr/>
+              <a:t>.</a:t>
+            </a:r>
+            <a:r>
+              <a:rPr baseline="30000"/>
+              <a:t>108</a:t>
+            </a:r>
+          </a:p>
+          <a:p>
+            <a:pPr lvl="0"/>
+            <a:r>
+              <a:rPr i="1"/>
+              <a:t>Guidelines for Reporting of Statistics for Clinical Research in Urology</a:t>
+            </a:r>
+            <a:r>
+              <a:rPr/>
+              <a:t>.</a:t>
+            </a:r>
+            <a:r>
+              <a:rPr baseline="30000"/>
+              <a:t>212</a:t>
+            </a:r>
+          </a:p>
+          <a:p>
+            <a:pPr lvl="0"/>
+            <a:r>
+              <a:rPr i="1"/>
+              <a:t>Reveal, Don’t Conceal: Transforming Data Visualization to Improve Transparency</a:t>
+            </a:r>
+            <a:r>
+              <a:rPr/>
+              <a:t>.</a:t>
+            </a:r>
+            <a:r>
+              <a:rPr baseline="30000"/>
+              <a:t>116</a:t>
+            </a:r>
+          </a:p>
+          <a:p>
+            <a:pPr lvl="0"/>
+            <a:r>
+              <a:rPr i="1"/>
+              <a:t>Guidelines for the Content of Statistical Analysis Plans in Clinical Trials</a:t>
+            </a:r>
+            <a:r>
+              <a:rPr/>
+              <a:t>.</a:t>
+            </a:r>
+            <a:r>
+              <a:rPr baseline="30000"/>
+              <a:t>213</a:t>
+            </a:r>
+          </a:p>
+          <a:p>
+            <a:pPr lvl="0"/>
+            <a:r>
+              <a:rPr i="1"/>
+              <a:t>Basic statistical reporting for articles published in Biomedical Journals: The ‘’Statistical Analyses and Methods in the Published Literature’’ or the SAMPL Guidelines</a:t>
+            </a:r>
+            <a:r>
+              <a:rPr/>
+              <a:t>.</a:t>
+            </a:r>
+            <a:r>
+              <a:rPr baseline="30000"/>
+              <a:t>214</a:t>
+            </a:r>
+          </a:p>
+          <a:p>
+            <a:pPr lvl="0"/>
+            <a:r>
+              <a:rPr i="1"/>
+              <a:t>Beyond Bar and Line Graphs: Time for a New Data Presentation Paradigm</a:t>
+            </a:r>
+            <a:r>
+              <a:rPr/>
+              <a:t>.</a:t>
+            </a:r>
+            <a:r>
+              <a:rPr baseline="30000"/>
+              <a:t>215</a:t>
+            </a:r>
+          </a:p>
+          <a:p>
+            <a:pPr lvl="0"/>
+            <a:r>
+              <a:rPr i="1"/>
+              <a:t>STRengthening analytical thinking for observational studies: the STRATOS initiative</a:t>
+            </a:r>
+            <a:r>
+              <a:rPr/>
+              <a:t>.</a:t>
+            </a:r>
+            <a:r>
+              <a:rPr baseline="30000"/>
+              <a:t>216</a:t>
+            </a:r>
+          </a:p>
+          <a:p>
+            <a:pPr lvl="0"/>
+            <a:r>
+              <a:rPr i="1"/>
+              <a:t>Research methods and reporting</a:t>
+            </a:r>
+            <a:r>
+              <a:rPr/>
+              <a:t>.</a:t>
+            </a:r>
+            <a:r>
+              <a:rPr baseline="30000"/>
+              <a:t>217</a:t>
+            </a:r>
+          </a:p>
+          <a:p>
+            <a:pPr lvl="0"/>
+            <a:r>
+              <a:rPr i="1"/>
+              <a:t>How to ensure your paper is rejected by the statistical reviewer</a:t>
+            </a:r>
+            <a:r>
+              <a:rPr/>
+              <a:t>.</a:t>
+            </a:r>
+            <a:r>
+              <a:rPr baseline="30000"/>
+              <a:t>218</a:t>
             </a:r>
           </a:p>
           <a:p>
@@ -27107,7 +27313,7 @@
             </a:pPr>
             <a:r>
               <a:rPr/>
-              <a:t>Resultados da análise estatística</a:t>
+              <a:t>Listas de verificação</a:t>
             </a:r>
           </a:p>
         </p:txBody>
@@ -27133,27 +27339,48 @@
           <a:bodyPr/>
           <a:lstStyle/>
           <a:p>
-            <a:pPr lvl="0" indent="0" marL="0">
-              <a:buNone/>
-            </a:pPr>
-          </a:p>
-          <a:p>
-            <a:pPr lvl="0" indent="0" marL="0">
-              <a:spcBef>
-                <a:spcPts val="3000"/>
-              </a:spcBef>
-              <a:buNone/>
-            </a:pPr>
-            <a:r>
-              <a:rPr b="1"/>
-              <a:t>Como redigir os resultados da análise estatística?</a:t>
-            </a:r>
-          </a:p>
-          <a:p>
             <a:pPr lvl="0"/>
             <a:r>
-              <a:rPr/>
-              <a:t>.[REF]</a:t>
+              <a:rPr i="1"/>
+              <a:t>A CHecklist for statistical Assessment of Medical Papers (the CHAMP statement): explanation and elaboration</a:t>
+            </a:r>
+            <a:r>
+              <a:rPr/>
+              <a:t>.</a:t>
+            </a:r>
+            <a:r>
+              <a:rPr baseline="30000"/>
+              <a:t>219</a:t>
+            </a:r>
+          </a:p>
+          <a:p>
+            <a:pPr lvl="0"/>
+            <a:r>
+              <a:rPr i="1"/>
+              <a:t>Checklist for clinical applicability of subgroup analysis</a:t>
+            </a:r>
+            <a:r>
+              <a:rPr/>
+              <a:t>.</a:t>
+            </a:r>
+            <a:r>
+              <a:rPr baseline="30000"/>
+              <a:t>220</a:t>
+            </a:r>
+          </a:p>
+          <a:p>
+            <a:pPr lvl="0"/>
+            <a:r>
+              <a:rPr i="1"/>
+              <a:t>Evidence-based statistical analysis and methods in biomedical research (SAMBR) checklists according to design features</a:t>
+            </a:r>
+            <a:r>
+              <a:rPr/>
+              <a:t>.</a:t>
+            </a:r>
+            <a:r>
+              <a:rPr baseline="30000"/>
+              <a:t>133</a:t>
             </a:r>
           </a:p>
           <a:p>
@@ -27169,6 +27396,224 @@
 </file>
 
 <file path=ppt/slides/slide165.xml><?xml version="1.0" encoding="utf-8"?>
+<p:sld xmlns:a="http://schemas.openxmlformats.org/drawingml/2006/main" xmlns:r="http://schemas.openxmlformats.org/officeDocument/2006/relationships" xmlns:p="http://schemas.openxmlformats.org/presentationml/2006/main">
+  <p:cSld>
+    <p:spTree>
+      <p:nvGrpSpPr>
+        <p:cNvPr id="1" name=""/>
+        <p:cNvGrpSpPr/>
+        <p:nvPr/>
+      </p:nvGrpSpPr>
+      <p:grpSpPr>
+        <a:xfrm>
+          <a:off x="0" y="0"/>
+          <a:ext cx="0" cy="0"/>
+          <a:chOff x="0" y="0"/>
+          <a:chExt cx="0" cy="0"/>
+        </a:xfrm>
+      </p:grpSpPr>
+      <p:sp>
+        <p:nvSpPr>
+          <p:cNvPr id="2" name="Title 1">
+            <a:extLst>
+              <a:ext uri="{FF2B5EF4-FFF2-40B4-BE49-F238E27FC236}">
+                <a16:creationId xmlns:a16="http://schemas.microsoft.com/office/drawing/2014/main" id="{0277F749-6ED4-3E49-963A-830033252F78}"/>
+              </a:ext>
+            </a:extLst>
+          </p:cNvPr>
+          <p:cNvSpPr>
+            <a:spLocks noGrp="1"/>
+          </p:cNvSpPr>
+          <p:nvPr>
+            <p:ph type="title"/>
+          </p:nvPr>
+        </p:nvSpPr>
+        <p:spPr>
+          <a:xfrm>
+            <a:off x="0" y="17256"/>
+            <a:ext cx="10515600" cy="663782"/>
+          </a:xfrm>
+        </p:spPr>
+        <p:txBody>
+          <a:bodyPr/>
+          <a:lstStyle/>
+          <a:p>
+            <a:pPr lvl="0" indent="0" marL="0">
+              <a:buNone/>
+            </a:pPr>
+            <a:r>
+              <a:rPr/>
+              <a:t>Plano de análise estatística</a:t>
+            </a:r>
+          </a:p>
+        </p:txBody>
+      </p:sp>
+      <p:sp>
+        <p:nvSpPr>
+          <p:cNvPr id="3" name="Content Placeholder 2">
+            <a:extLst>
+              <a:ext uri="{FF2B5EF4-FFF2-40B4-BE49-F238E27FC236}">
+                <a16:creationId xmlns:a16="http://schemas.microsoft.com/office/drawing/2014/main" id="{1574FA24-F1CC-B240-AAF9-A2DF684B1C54}"/>
+              </a:ext>
+            </a:extLst>
+          </p:cNvPr>
+          <p:cNvSpPr>
+            <a:spLocks noGrp="1"/>
+          </p:cNvSpPr>
+          <p:nvPr>
+            <p:ph idx="1"/>
+          </p:nvPr>
+        </p:nvSpPr>
+        <p:spPr/>
+        <p:txBody>
+          <a:bodyPr/>
+          <a:lstStyle/>
+          <a:p>
+            <a:pPr lvl="0" indent="0" marL="0">
+              <a:buNone/>
+            </a:pPr>
+          </a:p>
+          <a:p>
+            <a:pPr lvl="0" indent="0" marL="0">
+              <a:spcBef>
+                <a:spcPts val="3000"/>
+              </a:spcBef>
+              <a:buNone/>
+            </a:pPr>
+            <a:r>
+              <a:rPr b="1"/>
+              <a:t>O que é plano de análise estatística?</a:t>
+            </a:r>
+          </a:p>
+          <a:p>
+            <a:pPr lvl="0"/>
+            <a:r>
+              <a:rPr/>
+              <a:t>.[REF]</a:t>
+            </a:r>
+          </a:p>
+          <a:p>
+            <a:pPr lvl="0" indent="0" marL="0">
+              <a:buNone/>
+            </a:pPr>
+          </a:p>
+        </p:txBody>
+      </p:sp>
+    </p:spTree>
+  </p:cSld>
+</p:sld>
+</file>
+
+<file path=ppt/slides/slide166.xml><?xml version="1.0" encoding="utf-8"?>
+<p:sld xmlns:a="http://schemas.openxmlformats.org/drawingml/2006/main" xmlns:r="http://schemas.openxmlformats.org/officeDocument/2006/relationships" xmlns:p="http://schemas.openxmlformats.org/presentationml/2006/main">
+  <p:cSld>
+    <p:spTree>
+      <p:nvGrpSpPr>
+        <p:cNvPr id="1" name=""/>
+        <p:cNvGrpSpPr/>
+        <p:nvPr/>
+      </p:nvGrpSpPr>
+      <p:grpSpPr>
+        <a:xfrm>
+          <a:off x="0" y="0"/>
+          <a:ext cx="0" cy="0"/>
+          <a:chOff x="0" y="0"/>
+          <a:chExt cx="0" cy="0"/>
+        </a:xfrm>
+      </p:grpSpPr>
+      <p:sp>
+        <p:nvSpPr>
+          <p:cNvPr id="2" name="Title 1">
+            <a:extLst>
+              <a:ext uri="{FF2B5EF4-FFF2-40B4-BE49-F238E27FC236}">
+                <a16:creationId xmlns:a16="http://schemas.microsoft.com/office/drawing/2014/main" id="{0277F749-6ED4-3E49-963A-830033252F78}"/>
+              </a:ext>
+            </a:extLst>
+          </p:cNvPr>
+          <p:cNvSpPr>
+            <a:spLocks noGrp="1"/>
+          </p:cNvSpPr>
+          <p:nvPr>
+            <p:ph type="title"/>
+          </p:nvPr>
+        </p:nvSpPr>
+        <p:spPr>
+          <a:xfrm>
+            <a:off x="0" y="17256"/>
+            <a:ext cx="10515600" cy="663782"/>
+          </a:xfrm>
+        </p:spPr>
+        <p:txBody>
+          <a:bodyPr/>
+          <a:lstStyle/>
+          <a:p>
+            <a:pPr lvl="0" indent="0" marL="0">
+              <a:buNone/>
+            </a:pPr>
+            <a:r>
+              <a:rPr/>
+              <a:t>Resultados da análise estatística</a:t>
+            </a:r>
+          </a:p>
+        </p:txBody>
+      </p:sp>
+      <p:sp>
+        <p:nvSpPr>
+          <p:cNvPr id="3" name="Content Placeholder 2">
+            <a:extLst>
+              <a:ext uri="{FF2B5EF4-FFF2-40B4-BE49-F238E27FC236}">
+                <a16:creationId xmlns:a16="http://schemas.microsoft.com/office/drawing/2014/main" id="{1574FA24-F1CC-B240-AAF9-A2DF684B1C54}"/>
+              </a:ext>
+            </a:extLst>
+          </p:cNvPr>
+          <p:cNvSpPr>
+            <a:spLocks noGrp="1"/>
+          </p:cNvSpPr>
+          <p:nvPr>
+            <p:ph idx="1"/>
+          </p:nvPr>
+        </p:nvSpPr>
+        <p:spPr/>
+        <p:txBody>
+          <a:bodyPr/>
+          <a:lstStyle/>
+          <a:p>
+            <a:pPr lvl="0" indent="0" marL="0">
+              <a:buNone/>
+            </a:pPr>
+          </a:p>
+          <a:p>
+            <a:pPr lvl="0" indent="0" marL="0">
+              <a:spcBef>
+                <a:spcPts val="3000"/>
+              </a:spcBef>
+              <a:buNone/>
+            </a:pPr>
+            <a:r>
+              <a:rPr b="1"/>
+              <a:t>Como redigir os resultados da análise estatística?</a:t>
+            </a:r>
+          </a:p>
+          <a:p>
+            <a:pPr lvl="0"/>
+            <a:r>
+              <a:rPr/>
+              <a:t>.[REF]</a:t>
+            </a:r>
+          </a:p>
+          <a:p>
+            <a:pPr lvl="0" indent="0" marL="0">
+              <a:buNone/>
+            </a:pPr>
+          </a:p>
+        </p:txBody>
+      </p:sp>
+    </p:spTree>
+  </p:cSld>
+</p:sld>
+</file>
+
+<file path=ppt/slides/slide167.xml><?xml version="1.0" encoding="utf-8"?>
 <p:sld xmlns:a="http://schemas.openxmlformats.org/drawingml/2006/main" xmlns:r="http://schemas.openxmlformats.org/officeDocument/2006/relationships" xmlns:p="http://schemas.openxmlformats.org/presentationml/2006/main">
   <p:cSld>
     <p:spTree>
@@ -27215,8 +27660,8 @@
               <a:buNone/>
             </a:pPr>
             <a:r>
-              <a:rPr b="1"/>
-              <a:t>BIBLIOGRAFIA</a:t>
+              <a:rPr i="1"/>
+              <a:t>Bibliografia</a:t>
             </a:r>
           </a:p>
         </p:txBody>
@@ -27226,7 +27671,7 @@
 </p:sld>
 </file>
 
-<file path=ppt/slides/slide166.xml><?xml version="1.0" encoding="utf-8"?>
+<file path=ppt/slides/slide168.xml><?xml version="1.0" encoding="utf-8"?>
 <p:sld xmlns:a="http://schemas.openxmlformats.org/drawingml/2006/main" xmlns:r="http://schemas.openxmlformats.org/officeDocument/2006/relationships" xmlns:p="http://schemas.openxmlformats.org/presentationml/2006/main">
   <p:cSld>
     <p:spTree>
@@ -27276,446 +27721,6 @@
               <a:rPr b="1"/>
               <a:t>Fontes externas</a:t>
             </a:r>
-          </a:p>
-        </p:txBody>
-      </p:sp>
-    </p:spTree>
-  </p:cSld>
-</p:sld>
-</file>
-
-<file path=ppt/slides/slide167.xml><?xml version="1.0" encoding="utf-8"?>
-<p:sld xmlns:a="http://schemas.openxmlformats.org/drawingml/2006/main" xmlns:r="http://schemas.openxmlformats.org/officeDocument/2006/relationships" xmlns:p="http://schemas.openxmlformats.org/presentationml/2006/main">
-  <p:cSld>
-    <p:spTree>
-      <p:nvGrpSpPr>
-        <p:cNvPr id="1" name=""/>
-        <p:cNvGrpSpPr/>
-        <p:nvPr/>
-      </p:nvGrpSpPr>
-      <p:grpSpPr>
-        <a:xfrm>
-          <a:off x="0" y="0"/>
-          <a:ext cx="0" cy="0"/>
-          <a:chOff x="0" y="0"/>
-          <a:chExt cx="0" cy="0"/>
-        </a:xfrm>
-      </p:grpSpPr>
-      <p:sp>
-        <p:nvSpPr>
-          <p:cNvPr id="2" name="Title 1">
-            <a:extLst>
-              <a:ext uri="{FF2B5EF4-FFF2-40B4-BE49-F238E27FC236}">
-                <a16:creationId xmlns:a16="http://schemas.microsoft.com/office/drawing/2014/main" id="{0277F749-6ED4-3E49-963A-830033252F78}"/>
-              </a:ext>
-            </a:extLst>
-          </p:cNvPr>
-          <p:cNvSpPr>
-            <a:spLocks noGrp="1"/>
-          </p:cNvSpPr>
-          <p:nvPr>
-            <p:ph type="title"/>
-          </p:nvPr>
-        </p:nvSpPr>
-        <p:spPr>
-          <a:xfrm>
-            <a:off x="0" y="17256"/>
-            <a:ext cx="10515600" cy="663782"/>
-          </a:xfrm>
-        </p:spPr>
-        <p:txBody>
-          <a:bodyPr/>
-          <a:lstStyle/>
-          <a:p>
-            <a:pPr lvl="0" indent="0" marL="0">
-              <a:buNone/>
-            </a:pPr>
-            <a:r>
-              <a:rPr/>
-              <a:t>Diretrizes</a:t>
-            </a:r>
-          </a:p>
-        </p:txBody>
-      </p:sp>
-      <p:sp>
-        <p:nvSpPr>
-          <p:cNvPr id="3" name="Content Placeholder 2">
-            <a:extLst>
-              <a:ext uri="{FF2B5EF4-FFF2-40B4-BE49-F238E27FC236}">
-                <a16:creationId xmlns:a16="http://schemas.microsoft.com/office/drawing/2014/main" id="{1574FA24-F1CC-B240-AAF9-A2DF684B1C54}"/>
-              </a:ext>
-            </a:extLst>
-          </p:cNvPr>
-          <p:cNvSpPr>
-            <a:spLocks noGrp="1"/>
-          </p:cNvSpPr>
-          <p:nvPr>
-            <p:ph idx="1"/>
-          </p:nvPr>
-        </p:nvSpPr>
-        <p:spPr/>
-        <p:txBody>
-          <a:bodyPr/>
-          <a:lstStyle/>
-          <a:p>
-            <a:pPr lvl="0"/>
-            <a:r>
-              <a:rPr i="1"/>
-              <a:t>Review of guidance papers on regression modeling in statistical series of medical journals</a:t>
-            </a:r>
-            <a:r>
-              <a:rPr/>
-              <a:t>.</a:t>
-            </a:r>
-            <a:r>
-              <a:rPr baseline="30000"/>
-              <a:t>207</a:t>
-            </a:r>
-          </a:p>
-          <a:p>
-            <a:pPr lvl="0"/>
-            <a:r>
-              <a:rPr i="1"/>
-              <a:t>Principles and recommendations for incorporating estimands into clinical study protocol templates</a:t>
-            </a:r>
-            <a:r>
-              <a:rPr/>
-              <a:t>.</a:t>
-            </a:r>
-            <a:r>
-              <a:rPr baseline="30000"/>
-              <a:t>208</a:t>
-            </a:r>
-          </a:p>
-          <a:p>
-            <a:pPr lvl="0"/>
-            <a:r>
-              <a:rPr i="1"/>
-              <a:t>How to write statistical analysis section in medical research</a:t>
-            </a:r>
-            <a:r>
-              <a:rPr/>
-              <a:t>.</a:t>
-            </a:r>
-            <a:r>
-              <a:rPr baseline="30000"/>
-              <a:t>134</a:t>
-            </a:r>
-          </a:p>
-          <a:p>
-            <a:pPr lvl="0"/>
-            <a:r>
-              <a:rPr i="1"/>
-              <a:t>Recommendations for Statistical Reporting in Cardiovascular Medicine: A Special Report From the American Heart Association</a:t>
-            </a:r>
-            <a:r>
-              <a:rPr/>
-              <a:t>.</a:t>
-            </a:r>
-            <a:r>
-              <a:rPr baseline="30000"/>
-              <a:t>209</a:t>
-            </a:r>
-          </a:p>
-          <a:p>
-            <a:pPr lvl="0"/>
-            <a:r>
-              <a:rPr i="1"/>
-              <a:t>Framework for the treatment and reporting of missing data in observational studies: The Treatment And Reporting of Missing data in Observational Studies framework</a:t>
-            </a:r>
-            <a:r>
-              <a:rPr/>
-              <a:t>.</a:t>
-            </a:r>
-            <a:r>
-              <a:rPr baseline="30000"/>
-              <a:t>210</a:t>
-            </a:r>
-          </a:p>
-          <a:p>
-            <a:pPr lvl="0"/>
-            <a:r>
-              <a:rPr i="1"/>
-              <a:t>Guidelines for reporting of figures and tables for clinical research in urology</a:t>
-            </a:r>
-            <a:r>
-              <a:rPr/>
-              <a:t>.</a:t>
-            </a:r>
-            <a:r>
-              <a:rPr baseline="30000"/>
-              <a:t>211</a:t>
-            </a:r>
-          </a:p>
-          <a:p>
-            <a:pPr lvl="0"/>
-            <a:r>
-              <a:rPr i="1"/>
-              <a:t>Who is in this study, anyway? Guidelines for a useful Table 1</a:t>
-            </a:r>
-            <a:r>
-              <a:rPr/>
-              <a:t>.</a:t>
-            </a:r>
-            <a:r>
-              <a:rPr baseline="30000"/>
-              <a:t>108</a:t>
-            </a:r>
-          </a:p>
-          <a:p>
-            <a:pPr lvl="0"/>
-            <a:r>
-              <a:rPr i="1"/>
-              <a:t>Guidelines for Reporting of Statistics for Clinical Research in Urology</a:t>
-            </a:r>
-            <a:r>
-              <a:rPr/>
-              <a:t>.</a:t>
-            </a:r>
-            <a:r>
-              <a:rPr baseline="30000"/>
-              <a:t>212</a:t>
-            </a:r>
-          </a:p>
-          <a:p>
-            <a:pPr lvl="0"/>
-            <a:r>
-              <a:rPr i="1"/>
-              <a:t>Reveal, Don’t Conceal: Transforming Data Visualization to Improve Transparency</a:t>
-            </a:r>
-            <a:r>
-              <a:rPr/>
-              <a:t>.</a:t>
-            </a:r>
-            <a:r>
-              <a:rPr baseline="30000"/>
-              <a:t>116</a:t>
-            </a:r>
-          </a:p>
-          <a:p>
-            <a:pPr lvl="0"/>
-            <a:r>
-              <a:rPr i="1"/>
-              <a:t>Guidelines for the Content of Statistical Analysis Plans in Clinical Trials</a:t>
-            </a:r>
-            <a:r>
-              <a:rPr/>
-              <a:t>.</a:t>
-            </a:r>
-            <a:r>
-              <a:rPr baseline="30000"/>
-              <a:t>213</a:t>
-            </a:r>
-          </a:p>
-          <a:p>
-            <a:pPr lvl="0"/>
-            <a:r>
-              <a:rPr i="1"/>
-              <a:t>Basic statistical reporting for articles published in Biomedical Journals: The ‘’Statistical Analyses and Methods in the Published Literature’’ or the SAMPL Guidelines</a:t>
-            </a:r>
-            <a:r>
-              <a:rPr/>
-              <a:t>.</a:t>
-            </a:r>
-            <a:r>
-              <a:rPr baseline="30000"/>
-              <a:t>214</a:t>
-            </a:r>
-          </a:p>
-          <a:p>
-            <a:pPr lvl="0"/>
-            <a:r>
-              <a:rPr i="1"/>
-              <a:t>Beyond Bar and Line Graphs: Time for a New Data Presentation Paradigm</a:t>
-            </a:r>
-            <a:r>
-              <a:rPr/>
-              <a:t>.</a:t>
-            </a:r>
-            <a:r>
-              <a:rPr baseline="30000"/>
-              <a:t>215</a:t>
-            </a:r>
-          </a:p>
-          <a:p>
-            <a:pPr lvl="0"/>
-            <a:r>
-              <a:rPr i="1"/>
-              <a:t>STRengthening analytical thinking for observational studies: the STRATOS initiative</a:t>
-            </a:r>
-            <a:r>
-              <a:rPr/>
-              <a:t>.</a:t>
-            </a:r>
-            <a:r>
-              <a:rPr baseline="30000"/>
-              <a:t>216</a:t>
-            </a:r>
-          </a:p>
-          <a:p>
-            <a:pPr lvl="0"/>
-            <a:r>
-              <a:rPr i="1"/>
-              <a:t>Research methods and reporting</a:t>
-            </a:r>
-            <a:r>
-              <a:rPr/>
-              <a:t>.</a:t>
-            </a:r>
-            <a:r>
-              <a:rPr baseline="30000"/>
-              <a:t>217</a:t>
-            </a:r>
-          </a:p>
-          <a:p>
-            <a:pPr lvl="0"/>
-            <a:r>
-              <a:rPr i="1"/>
-              <a:t>How to ensure your paper is rejected by the statistical reviewer</a:t>
-            </a:r>
-            <a:r>
-              <a:rPr/>
-              <a:t>.</a:t>
-            </a:r>
-            <a:r>
-              <a:rPr baseline="30000"/>
-              <a:t>218</a:t>
-            </a:r>
-          </a:p>
-          <a:p>
-            <a:pPr lvl="0" indent="0" marL="0">
-              <a:buNone/>
-            </a:pPr>
-          </a:p>
-        </p:txBody>
-      </p:sp>
-    </p:spTree>
-  </p:cSld>
-</p:sld>
-</file>
-
-<file path=ppt/slides/slide168.xml><?xml version="1.0" encoding="utf-8"?>
-<p:sld xmlns:a="http://schemas.openxmlformats.org/drawingml/2006/main" xmlns:r="http://schemas.openxmlformats.org/officeDocument/2006/relationships" xmlns:p="http://schemas.openxmlformats.org/presentationml/2006/main">
-  <p:cSld>
-    <p:spTree>
-      <p:nvGrpSpPr>
-        <p:cNvPr id="1" name=""/>
-        <p:cNvGrpSpPr/>
-        <p:nvPr/>
-      </p:nvGrpSpPr>
-      <p:grpSpPr>
-        <a:xfrm>
-          <a:off x="0" y="0"/>
-          <a:ext cx="0" cy="0"/>
-          <a:chOff x="0" y="0"/>
-          <a:chExt cx="0" cy="0"/>
-        </a:xfrm>
-      </p:grpSpPr>
-      <p:sp>
-        <p:nvSpPr>
-          <p:cNvPr id="2" name="Title 1">
-            <a:extLst>
-              <a:ext uri="{FF2B5EF4-FFF2-40B4-BE49-F238E27FC236}">
-                <a16:creationId xmlns:a16="http://schemas.microsoft.com/office/drawing/2014/main" id="{0277F749-6ED4-3E49-963A-830033252F78}"/>
-              </a:ext>
-            </a:extLst>
-          </p:cNvPr>
-          <p:cNvSpPr>
-            <a:spLocks noGrp="1"/>
-          </p:cNvSpPr>
-          <p:nvPr>
-            <p:ph type="title"/>
-          </p:nvPr>
-        </p:nvSpPr>
-        <p:spPr>
-          <a:xfrm>
-            <a:off x="0" y="17256"/>
-            <a:ext cx="10515600" cy="663782"/>
-          </a:xfrm>
-        </p:spPr>
-        <p:txBody>
-          <a:bodyPr/>
-          <a:lstStyle/>
-          <a:p>
-            <a:pPr lvl="0" indent="0" marL="0">
-              <a:buNone/>
-            </a:pPr>
-            <a:r>
-              <a:rPr/>
-              <a:t>Listas de verificação</a:t>
-            </a:r>
-          </a:p>
-        </p:txBody>
-      </p:sp>
-      <p:sp>
-        <p:nvSpPr>
-          <p:cNvPr id="3" name="Content Placeholder 2">
-            <a:extLst>
-              <a:ext uri="{FF2B5EF4-FFF2-40B4-BE49-F238E27FC236}">
-                <a16:creationId xmlns:a16="http://schemas.microsoft.com/office/drawing/2014/main" id="{1574FA24-F1CC-B240-AAF9-A2DF684B1C54}"/>
-              </a:ext>
-            </a:extLst>
-          </p:cNvPr>
-          <p:cNvSpPr>
-            <a:spLocks noGrp="1"/>
-          </p:cNvSpPr>
-          <p:nvPr>
-            <p:ph idx="1"/>
-          </p:nvPr>
-        </p:nvSpPr>
-        <p:spPr/>
-        <p:txBody>
-          <a:bodyPr/>
-          <a:lstStyle/>
-          <a:p>
-            <a:pPr lvl="0"/>
-            <a:r>
-              <a:rPr i="1"/>
-              <a:t>A CHecklist for statistical Assessment of Medical Papers (the CHAMP statement): explanation and elaboration</a:t>
-            </a:r>
-            <a:r>
-              <a:rPr/>
-              <a:t>.</a:t>
-            </a:r>
-            <a:r>
-              <a:rPr baseline="30000"/>
-              <a:t>219</a:t>
-            </a:r>
-          </a:p>
-          <a:p>
-            <a:pPr lvl="0"/>
-            <a:r>
-              <a:rPr i="1"/>
-              <a:t>Checklist for clinical applicability of subgroup analysis</a:t>
-            </a:r>
-            <a:r>
-              <a:rPr/>
-              <a:t>.</a:t>
-            </a:r>
-            <a:r>
-              <a:rPr baseline="30000"/>
-              <a:t>220</a:t>
-            </a:r>
-          </a:p>
-          <a:p>
-            <a:pPr lvl="0"/>
-            <a:r>
-              <a:rPr i="1"/>
-              <a:t>Evidence-based statistical analysis and methods in biomedical research (SAMBR) checklists according to design features</a:t>
-            </a:r>
-            <a:r>
-              <a:rPr/>
-              <a:t>.</a:t>
-            </a:r>
-            <a:r>
-              <a:rPr baseline="30000"/>
-              <a:t>133</a:t>
-            </a:r>
-          </a:p>
-          <a:p>
-            <a:pPr lvl="0" indent="0" marL="0">
-              <a:buNone/>
-            </a:pPr>
           </a:p>
         </p:txBody>
       </p:sp>
@@ -40088,8 +40093,8 @@
               <a:buNone/>
             </a:pPr>
             <a:r>
-              <a:rPr b="1"/>
-              <a:t>PARTE 2 - Estatística Básica</a:t>
+              <a:rPr i="1"/>
+              <a:t>Parte 2 - Estatística Básica</a:t>
             </a:r>
           </a:p>
         </p:txBody>
@@ -51653,8 +51658,8 @@
               <a:buNone/>
             </a:pPr>
             <a:r>
-              <a:rPr b="1"/>
-              <a:t>PARTE 2 - Estatística Aplicada</a:t>
+              <a:rPr i="1"/>
+              <a:t>Parte 3 - Estatística Aplicada</a:t>
             </a:r>
           </a:p>
         </p:txBody>

--- a/docs/Ciencia-com-R.pptx
+++ b/docs/Ciencia-com-R.pptx
@@ -5657,7 +5657,7 @@
                 </a14:m>
                 <a:r>
                   <a:rPr/>
-                  <a:t> é definido como a porporção de todos os pares concordantes menos a proporção de todos os pares discordantes.</a:t>
+                  <a:t> é definido como a proporção de todos os pares concordantes menos a proporção de todos os pares discordantes.</a:t>
                 </a:r>
                 <a:r>
                   <a:rPr baseline="30000"/>
@@ -6010,7 +6010,7 @@
             <a:pPr lvl="0"/>
             <a:r>
               <a:rPr/>
-              <a:t>Regressão refere-se a uma equação matemática que permite que uma ou mais variável(is) de desfecho (dependentes) seja(m) prevista(s) a partir de uma ou mais variável(is) independente(s). A regressão implica em uma direção de efeito mas não garante causalidade.</a:t>
+              <a:t>Regressão refere-se a uma equação matemática que permite que uma ou mais variável(is) de desfecho (dependentes) seja(m) prevista(s) a partir de uma ou mais variável(is) independente(s). A regressão implica em uma direção de efeito, mas não garante causalidade.</a:t>
             </a:r>
             <a:r>
               <a:rPr baseline="30000"/>
@@ -21598,7 +21598,7 @@
             </a:pPr>
             <a:r>
               <a:rPr/>
-              <a:t>Árvore de frequência do desempenho diagnóstico de uma tabela de confusão 2x2 representando um método novo (dicotômico) comparado ao método padrão-ouro ou referência (dictômico).</a:t>
+              <a:t>Árvore de frequência do desempenho diagnóstico de uma tabela de confusão 2x2 representando um método novo (dicotômico) comparado ao método padrão-ouro ou referência (dicotômico).</a:t>
             </a:r>
           </a:p>
         </p:txBody>
@@ -21822,7 +21822,7 @@
                 <a:pPr lvl="0"/>
                 <a:r>
                   <a:rPr/>
-                  <a:t>Razão de verosimilhança (</a:t>
+                  <a:t>Razão de verossimilhança (</a:t>
                 </a:r>
                 <a14:m>
                   <m:oMath xmlns:m="http://schemas.openxmlformats.org/officeDocument/2006/math">
@@ -22099,7 +22099,7 @@
                 <a:pPr lvl="0"/>
                 <a:r>
                   <a:rPr/>
-                  <a:t>As interpretações qualitativas (isto é, pobre/fraca/baixa, moderada/razoável/aceitável, boa ou muito boa/alta/excelebt) dos valores de área sob a curva são arbitrários e não devem ser considerados isoladamente.</a:t>
+                  <a:t>As interpretações qualitativas (isto é: pobre/fraca/baixa, moderada/razoável/aceitável, boa ou muito boa/alta/excelente) dos valores de área sob a curva são arbitrários e não devem ser considerados isoladamente.</a:t>
                 </a:r>
                 <a:r>
                   <a:rPr baseline="30000"/>
@@ -22381,7 +22381,7 @@
             </a:pPr>
             <a:r>
               <a:rPr b="1"/>
-              <a:t>Que itens devem ser verificados na interpretação de um etudo de validade?</a:t>
+              <a:t>Que itens devem ser verificados na interpretação de um estudo de validade?</a:t>
             </a:r>
           </a:p>
           <a:p>
@@ -22399,7 +22399,7 @@
             <a:pPr lvl="0"/>
             <a:r>
               <a:rPr/>
-              <a:t>As probabildidades pontuais estimadas que caracterizam o desempenho diagnóstico do novo teste são altas e adequadas para sua aplicação clínica.</a:t>
+              <a:t>As probabilidades pontuais estimadas que caracterizam o desempenho diagnóstico do novo teste são altas e adequadas para sua aplicação clínica.</a:t>
             </a:r>
             <a:r>
               <a:rPr baseline="30000"/>
@@ -24400,7 +24400,7 @@
             <a:pPr lvl="0"/>
             <a:r>
               <a:rPr/>
-              <a:t>R R version 4.3.1 (2023-06-16).</a:t>
+              <a:t>R version 4.3.1 (2023-06-16).</a:t>
             </a:r>
           </a:p>
           <a:p>
@@ -25075,7 +25075,7 @@
             <a:pPr lvl="0"/>
             <a:r>
               <a:rPr/>
-              <a:t>Scripts permitem ao usuário se concentrar nas tarefas mais importantes da computação e utilizar pacotes ou bibliotecas para exeutar as funções mais básicas com maior eficiência.</a:t>
+              <a:t>Scripts permitem ao usuário se concentrar nas tarefas mais importantes da computação e utilizar pacotes ou bibliotecas para executar as funções mais básicas com maior eficiência.</a:t>
             </a:r>
             <a:r>
               <a:rPr baseline="30000"/>
@@ -27177,7 +27177,7 @@
                 <a:pPr lvl="1"/>
                 <a:r>
                   <a:rPr/>
-                  <a:t>A probabilidade é uma função não descrescente do número de desfeschos de um evento.</a:t>
+                  <a:t>A probabilidade é uma função não decrescente do número de desfechos de um evento.</a:t>
                 </a:r>
               </a:p>
               <a:p>
@@ -35125,7 +35125,7 @@
             <a:pPr lvl="0"/>
             <a:r>
               <a:rPr/>
-              <a:t>Quando se percebe uma padrão, pode não ser possível identificar se tal padrão é real.</a:t>
+              <a:t>Quando se percebe um padrão, pode não ser possível identificar se tal padrão é real.</a:t>
             </a:r>
             <a:r>
               <a:rPr baseline="30000"/>
@@ -36024,7 +36024,7 @@
             <a:pPr lvl="0"/>
             <a:r>
               <a:rPr/>
-              <a:t>Em estudos analíticos, a população é inicialmente definida pelos objtivos da pesquisa e posteriormente as observações são realizadas na amostra.</a:t>
+              <a:t>Em estudos analíticos, a população é inicialmente definida pelos objetivos da pesquisa e posteriormente as observações são realizadas na amostra.</a:t>
             </a:r>
             <a:r>
               <a:rPr baseline="30000"/>
@@ -36483,7 +36483,7 @@
             <a:pPr lvl="0"/>
             <a:r>
               <a:rPr/>
-              <a:t>O método de amostragem é geralmente defindo pelas condições de viabilidade do estudo, no que diz respeito a acesso aos participantes, ao tempo de execução e aos custos envolvidos, entre outras.</a:t>
+              <a:t>O método de amostragem é geralmente definido pelas condições de viabilidade do estudo, no que diz respeito a acesso aos participantes, ao tempo de execução e aos custos envolvidos, entre outras.</a:t>
             </a:r>
             <a:r>
               <a:rPr baseline="30000"/>
@@ -47918,7 +47918,7 @@
             </a:pPr>
             <a:r>
               <a:rPr b="1"/>
-              <a:t>Quais são os tipos de raciocínio inferencal?</a:t>
+              <a:t>Quais são os tipos de raciocínio inferencial?</a:t>
             </a:r>
           </a:p>
           <a:p>
@@ -47936,7 +47936,7 @@
             <a:pPr lvl="0"/>
             <a:r>
               <a:rPr/>
-              <a:t>Inferência indutiva: Com base nos dado obsrevados, avalia-se qual hipótese é mais defensável (isto é, mais provável).</a:t>
+              <a:t>Inferência indutiva: Com base nos dados observados, avalia-se qual hipótese é mais defensável (isto é, mais provável).</a:t>
             </a:r>
             <a:r>
               <a:rPr baseline="30000"/>
@@ -51650,7 +51650,7 @@
             </a:r>
             <a:r>
               <a:rPr/>
-              <a:t> para comparar 2 coeficients de correlação entre grupos independentes, grupos sobrepostos ou independentes, respectivamente.</a:t>
+              <a:t> para comparar 2 coeficientes de correlação entre grupos independentes, grupos sobrepostos ou independentes, respectivamente.</a:t>
             </a:r>
             <a:r>
               <a:rPr baseline="30000"/>

--- a/docs/Ciencia-com-R.pptx
+++ b/docs/Ciencia-com-R.pptx
@@ -25987,7 +25987,7 @@
             </a:pPr>
             <a:r>
               <a:rPr/>
-              <a:t>Concordância e Confiabilidade</a:t>
+              <a:t>Concordancia e Confiabilidade</a:t>
             </a:r>
           </a:p>
         </p:txBody>
@@ -26091,7 +26091,7 @@
             </a:pPr>
             <a:r>
               <a:rPr/>
-              <a:t>Descrição</a:t>
+              <a:t>Descricao</a:t>
             </a:r>
           </a:p>
         </p:txBody>
@@ -26222,7 +26222,7 @@
             </a:pPr>
             <a:r>
               <a:rPr/>
-              <a:t>Desempenho diagnóstico</a:t>
+              <a:t>Desempenho diagnostico</a:t>
             </a:r>
           </a:p>
         </p:txBody>
@@ -26344,7 +26344,7 @@
             </a:pPr>
             <a:r>
               <a:rPr/>
-              <a:t>Ensaio clínico aleatorizado</a:t>
+              <a:t>Ensaio clinico aleatorizado</a:t>
             </a:r>
           </a:p>
         </p:txBody>
@@ -27355,7 +27355,7 @@
             </a:pPr>
             <a:r>
               <a:rPr/>
-              <a:t>Regressão</a:t>
+              <a:t>Regressao</a:t>
             </a:r>
           </a:p>
         </p:txBody>

--- a/docs/Ciencia-com-R.pptx
+++ b/docs/Ciencia-com-R.pptx
@@ -3598,42 +3598,6 @@
             <a:r>
               <a:rPr/>
               <a:t>© 2023 by Arthur de Sá Ferreira  https://orcid.org/0000-0001-7014-2002 </a:t>
-            </a:r>
-          </a:p>
-        </p:txBody>
-      </p:sp>
-      <p:sp>
-        <p:nvSpPr>
-          <p:cNvPr id="4" name="Date Placeholder 3">
-            <a:extLst>
-              <a:ext uri="{FF2B5EF4-FFF2-40B4-BE49-F238E27FC236}">
-                <a16:creationId xmlns:a16="http://schemas.microsoft.com/office/drawing/2014/main" id="{18433EC5-CE8A-BF45-AC17-342F42EDE115}"/>
-              </a:ext>
-            </a:extLst>
-          </p:cNvPr>
-          <p:cNvSpPr>
-            <a:spLocks noGrp="1"/>
-          </p:cNvSpPr>
-          <p:nvPr>
-            <p:ph idx="10" sz="half" type="dt"/>
-          </p:nvPr>
-        </p:nvSpPr>
-        <p:spPr>
-          <a:xfrm>
-            <a:off x="4487517" y="5257800"/>
-            <a:ext cx="3216965" cy="793543"/>
-          </a:xfrm>
-        </p:spPr>
-        <p:txBody>
-          <a:bodyPr/>
-          <a:lstStyle/>
-          <a:p>
-            <a:pPr lvl="0" indent="0" marL="0">
-              <a:buNone/>
-            </a:pPr>
-            <a:r>
-              <a:rPr/>
-              <a:t>Atualizado em 22/10/2023  </a:t>
             </a:r>
           </a:p>
         </p:txBody>
@@ -36169,6 +36133,10 @@
               </a:rPr>
               <a:t>doi: 10.5281/zenodo.8320233</a:t>
             </a:r>
+            <a:r>
+              <a:rPr/>
+              <a:t>.</a:t>
+            </a:r>
           </a:p>
           <a:p>
             <a:pPr lvl="0" indent="0" marL="0">
@@ -36233,15 +36201,6 @@
             <a:r>
               <a:rPr/>
               <a:t>E-book: ISBN</a:t>
-            </a:r>
-          </a:p>
-          <a:p>
-            <a:pPr lvl="0" indent="0" marL="0">
-              <a:buNone/>
-            </a:pPr>
-            <a:r>
-              <a:rPr/>
-              <a:t>A versão online desta obra está licenciada com uma Licença Creative Commons Atribuição-NãoComercial 4.0 Internacional.</a:t>
             </a:r>
           </a:p>
         </p:txBody>

--- a/docs/Ciencia-com-R.pptx
+++ b/docs/Ciencia-com-R.pptx
@@ -3825,7 +3825,7 @@
                 </a:r>
                 <a:r>
                   <a:rPr baseline="30000"/>
-                  <a:t>57,133,134</a:t>
+                  <a:t>57,136,137</a:t>
                 </a:r>
               </a:p>
               <a:p>
@@ -3836,7 +3836,7 @@
                 </a:r>
                 <a:r>
                   <a:rPr baseline="30000"/>
-                  <a:t>133,134</a:t>
+                  <a:t>136,137</a:t>
                 </a:r>
               </a:p>
               <a:p>
@@ -3847,7 +3847,7 @@
                 </a:r>
                 <a:r>
                   <a:rPr baseline="30000"/>
-                  <a:t>133,134</a:t>
+                  <a:t>136,137</a:t>
                 </a:r>
               </a:p>
               <a:p>
@@ -3869,7 +3869,7 @@
                 </a:r>
                 <a:r>
                   <a:rPr baseline="30000"/>
-                  <a:t>133,134</a:t>
+                  <a:t>136,137</a:t>
                 </a:r>
               </a:p>
               <a:p>
@@ -3897,7 +3897,7 @@
                 </a:r>
                 <a:r>
                   <a:rPr baseline="30000"/>
-                  <a:t>133</a:t>
+                  <a:t>136</a:t>
                 </a:r>
               </a:p>
               <a:p>
@@ -3908,7 +3908,7 @@
                 </a:r>
                 <a:r>
                   <a:rPr baseline="30000"/>
-                  <a:t>133</a:t>
+                  <a:t>136</a:t>
                 </a:r>
               </a:p>
               <a:p>
@@ -3947,7 +3947,7 @@
                 </a:r>
                 <a:r>
                   <a:rPr baseline="30000"/>
-                  <a:t>133,134</a:t>
+                  <a:t>136,137</a:t>
                 </a:r>
               </a:p>
               <a:p>
@@ -3969,7 +3969,7 @@
                 </a:r>
                 <a:r>
                   <a:rPr baseline="30000"/>
-                  <a:t>133,134</a:t>
+                  <a:t>136,137</a:t>
                 </a:r>
               </a:p>
               <a:p>
@@ -3980,7 +3980,7 @@
                 </a:r>
                 <a:r>
                   <a:rPr baseline="30000"/>
-                  <a:t>133,134</a:t>
+                  <a:t>136,137</a:t>
                 </a:r>
               </a:p>
               <a:p>
@@ -3991,7 +3991,7 @@
                 </a:r>
                 <a:r>
                   <a:rPr baseline="30000"/>
-                  <a:t>134</a:t>
+                  <a:t>137</a:t>
                 </a:r>
               </a:p>
               <a:p>
@@ -4088,7 +4088,7 @@
                 </a:r>
                 <a:r>
                   <a:rPr baseline="30000"/>
-                  <a:t>133,134</a:t>
+                  <a:t>136,137</a:t>
                 </a:r>
               </a:p>
               <a:p>
@@ -4165,7 +4165,7 @@
                 <a:pPr lvl="0"/>
                 <a:r>
                   <a:rPr/>
-                  <a:t>Coeficiente de correlação ponto-bisserial (</a:t>
+                  <a:t>Coeficiente de correlação ponto-biserial (</a:t>
                 </a:r>
                 <a14:m>
                   <m:oMath xmlns:m="http://schemas.openxmlformats.org/officeDocument/2006/math">
@@ -4189,7 +4189,7 @@
                 </a:r>
                 <a:r>
                   <a:rPr baseline="30000"/>
-                  <a:t>133</a:t>
+                  <a:t>136</a:t>
                 </a:r>
               </a:p>
               <a:p>
@@ -4220,7 +4220,7 @@
                 </a:r>
                 <a:r>
                   <a:rPr baseline="30000"/>
-                  <a:t>133</a:t>
+                  <a:t>136</a:t>
                 </a:r>
               </a:p>
               <a:p>
@@ -4231,7 +4231,7 @@
                 </a:r>
                 <a:r>
                   <a:rPr baseline="30000"/>
-                  <a:t>133</a:t>
+                  <a:t>136</a:t>
                 </a:r>
               </a:p>
               <a:p>
@@ -4242,7 +4242,7 @@
                 </a:r>
                 <a:r>
                   <a:rPr baseline="30000"/>
-                  <a:t>133</a:t>
+                  <a:t>136</a:t>
                 </a:r>
               </a:p>
               <a:p>
@@ -4357,7 +4357,7 @@
                 </a:r>
                 <a:r>
                   <a:rPr baseline="30000"/>
-                  <a:t>133</a:t>
+                  <a:t>136</a:t>
                 </a:r>
               </a:p>
               <a:p>
@@ -4467,7 +4467,7 @@
                 </a:r>
                 <a:r>
                   <a:rPr baseline="30000"/>
-                  <a:t>133,134</a:t>
+                  <a:t>136,137</a:t>
                 </a:r>
               </a:p>
               <a:p>
@@ -4489,7 +4489,7 @@
                 </a:r>
                 <a:r>
                   <a:rPr baseline="30000"/>
-                  <a:t>133,134</a:t>
+                  <a:t>136,137</a:t>
                 </a:r>
               </a:p>
               <a:p>
@@ -4530,7 +4530,7 @@
                 </a:r>
                 <a:r>
                   <a:rPr baseline="30000"/>
-                  <a:t>133,134</a:t>
+                  <a:t>136,137</a:t>
                 </a:r>
               </a:p>
               <a:p>
@@ -4541,7 +4541,7 @@
                 </a:r>
                 <a:r>
                   <a:rPr baseline="30000"/>
-                  <a:t>133,134</a:t>
+                  <a:t>136,137</a:t>
                 </a:r>
               </a:p>
               <a:p>
@@ -4552,7 +4552,7 @@
                 </a:r>
                 <a:r>
                   <a:rPr baseline="30000"/>
-                  <a:t>133,134</a:t>
+                  <a:t>136,137</a:t>
                 </a:r>
               </a:p>
               <a:p>
@@ -4649,7 +4649,7 @@
                 </a:r>
                 <a:r>
                   <a:rPr baseline="30000"/>
-                  <a:t>133,134</a:t>
+                  <a:t>136,137</a:t>
                 </a:r>
               </a:p>
               <a:p>
@@ -4715,6 +4715,78 @@
                 <a:r>
                   <a:rPr/>
                   <a:t>).</a:t>
+                </a:r>
+              </a:p>
+              <a:p>
+                <a:pPr lvl="0" indent="0" marL="0">
+                  <a:buNone/>
+                </a:pPr>
+              </a:p>
+              <a:p>
+                <a:pPr lvl="0" indent="0" marL="0">
+                  <a:buNone/>
+                </a:pPr>
+                <a:r>
+                  <a:rPr/>
+                  <a:t>O pacote </a:t>
+                </a:r>
+                <a:r>
+                  <a:rPr i="1"/>
+                  <a:t>corrplot</a:t>
+                </a:r>
+                <a:r>
+                  <a:rPr baseline="30000"/>
+                  <a:t>138</a:t>
+                </a:r>
+                <a:r>
+                  <a:rPr/>
+                  <a:t> fornece a função </a:t>
+                </a:r>
+                <a:r>
+                  <a:rPr i="1">
+                    <a:hlinkClick r:id="rId5"/>
+                  </a:rPr>
+                  <a:t>cor.mtest</a:t>
+                </a:r>
+                <a:r>
+                  <a:rPr/>
+                  <a:t> para calcular os P-valores e intervalos de confiança da matriz de correlação.</a:t>
+                </a:r>
+              </a:p>
+              <a:p>
+                <a:pPr lvl="0" indent="0" marL="0">
+                  <a:buNone/>
+                </a:pPr>
+              </a:p>
+              <a:p>
+                <a:pPr lvl="0" indent="0" marL="0">
+                  <a:buNone/>
+                </a:pPr>
+                <a:r>
+                  <a:rPr/>
+                  <a:t>O pacote </a:t>
+                </a:r>
+                <a:r>
+                  <a:rPr i="1"/>
+                  <a:t>corrplot</a:t>
+                </a:r>
+                <a:r>
+                  <a:rPr baseline="30000"/>
+                  <a:t>138</a:t>
+                </a:r>
+                <a:r>
+                  <a:rPr/>
+                  <a:t> fornece a função </a:t>
+                </a:r>
+                <a:r>
+                  <a:rPr i="1">
+                    <a:hlinkClick r:id="rId6"/>
+                  </a:rPr>
+                  <a:t>corrplot</a:t>
+                </a:r>
+                <a:r>
+                  <a:rPr/>
+                  <a:t> para visualização da matriz de correlação.</a:t>
                 </a:r>
               </a:p>
               <a:p>
@@ -5042,7 +5114,7 @@
                 </a:r>
                 <a:r>
                   <a:rPr baseline="30000"/>
-                  <a:t>135,136</a:t>
+                  <a:t>139,140</a:t>
                 </a:r>
               </a:p>
               <a:p>
@@ -5073,7 +5145,7 @@
                 </a:r>
                 <a:r>
                   <a:rPr baseline="30000"/>
-                  <a:t>136</a:t>
+                  <a:t>140</a:t>
                 </a:r>
               </a:p>
               <a:p>
@@ -5084,7 +5156,7 @@
                 </a:r>
                 <a:r>
                   <a:rPr baseline="30000"/>
-                  <a:t>136</a:t>
+                  <a:t>140</a:t>
                 </a:r>
               </a:p>
               <a:p>
@@ -5095,7 +5167,7 @@
                 </a:r>
                 <a:r>
                   <a:rPr baseline="30000"/>
-                  <a:t>135,136</a:t>
+                  <a:t>139,140</a:t>
                 </a:r>
               </a:p>
               <a:p>
@@ -5106,7 +5178,7 @@
                 </a:r>
                 <a:r>
                   <a:rPr baseline="30000"/>
-                  <a:t>135,136</a:t>
+                  <a:t>139,140</a:t>
                 </a:r>
               </a:p>
               <a:p>
@@ -5152,7 +5224,7 @@
                 </a:r>
                 <a:r>
                   <a:rPr baseline="30000"/>
-                  <a:t>136</a:t>
+                  <a:t>140</a:t>
                 </a:r>
               </a:p>
               <a:p>
@@ -5217,7 +5289,7 @@
                 </a:r>
                 <a:r>
                   <a:rPr baseline="30000"/>
-                  <a:t>136</a:t>
+                  <a:t>140</a:t>
                 </a:r>
               </a:p>
               <a:p>
@@ -5310,7 +5382,7 @@
                 </a:r>
                 <a:r>
                   <a:rPr baseline="30000"/>
-                  <a:t>137</a:t>
+                  <a:t>141</a:t>
                 </a:r>
                 <a:r>
                   <a:rPr/>
@@ -5360,7 +5432,7 @@
                 </a:r>
                 <a:r>
                   <a:rPr baseline="30000"/>
-                  <a:t>135,136</a:t>
+                  <a:t>139,140</a:t>
                 </a:r>
               </a:p>
               <a:p>
@@ -5371,7 +5443,7 @@
                 </a:r>
                 <a:r>
                   <a:rPr baseline="30000"/>
-                  <a:t>136</a:t>
+                  <a:t>140</a:t>
                 </a:r>
               </a:p>
               <a:p>
@@ -5382,7 +5454,7 @@
                 </a:r>
                 <a:r>
                   <a:rPr baseline="30000"/>
-                  <a:t>135,136</a:t>
+                  <a:t>139,140</a:t>
                 </a:r>
               </a:p>
               <a:p>
@@ -5447,7 +5519,7 @@
                 </a:r>
                 <a:r>
                   <a:rPr baseline="30000"/>
-                  <a:t>135,136</a:t>
+                  <a:t>139,140</a:t>
                 </a:r>
               </a:p>
               <a:p>
@@ -5540,7 +5612,7 @@
                 </a:r>
                 <a:r>
                   <a:rPr baseline="30000"/>
-                  <a:t>137</a:t>
+                  <a:t>141</a:t>
                 </a:r>
                 <a:r>
                   <a:rPr/>
@@ -5581,7 +5653,7 @@
                 </a:r>
                 <a:r>
                   <a:rPr baseline="30000"/>
-                  <a:t>133,134</a:t>
+                  <a:t>136,137</a:t>
                 </a:r>
               </a:p>
               <a:p>
@@ -5603,7 +5675,7 @@
                 </a:r>
                 <a:r>
                   <a:rPr baseline="30000"/>
-                  <a:t>133,134</a:t>
+                  <a:t>136,137</a:t>
                 </a:r>
               </a:p>
               <a:p>
@@ -5625,7 +5697,7 @@
                 </a:r>
                 <a:r>
                   <a:rPr baseline="30000"/>
-                  <a:t>133,134</a:t>
+                  <a:t>136,137</a:t>
                 </a:r>
               </a:p>
               <a:p>
@@ -5636,7 +5708,7 @@
                 </a:r>
                 <a:r>
                   <a:rPr baseline="30000"/>
-                  <a:t>133,134</a:t>
+                  <a:t>136,137</a:t>
                 </a:r>
               </a:p>
               <a:p>
@@ -5647,7 +5719,7 @@
                 </a:r>
                 <a:r>
                   <a:rPr baseline="30000"/>
-                  <a:t>133,134</a:t>
+                  <a:t>136,137</a:t>
                 </a:r>
               </a:p>
               <a:p>
@@ -5744,7 +5816,7 @@
                 </a:r>
                 <a:r>
                   <a:rPr baseline="30000"/>
-                  <a:t>133,134</a:t>
+                  <a:t>136,137</a:t>
                 </a:r>
               </a:p>
               <a:p>
@@ -5978,7 +6050,7 @@
             </a:r>
             <a:r>
               <a:rPr baseline="30000"/>
-              <a:t>114</a:t>
+              <a:t>117</a:t>
             </a:r>
           </a:p>
           <a:p>
@@ -5989,7 +6061,7 @@
             </a:r>
             <a:r>
               <a:rPr baseline="30000"/>
-              <a:t>138</a:t>
+              <a:t>142</a:t>
             </a:r>
           </a:p>
           <a:p>
@@ -6025,7 +6097,7 @@
             </a:r>
             <a:r>
               <a:rPr baseline="30000"/>
-              <a:t>139</a:t>
+              <a:t>143</a:t>
             </a:r>
           </a:p>
           <a:p>
@@ -6036,7 +6108,7 @@
             </a:r>
             <a:r>
               <a:rPr baseline="30000"/>
-              <a:t>140</a:t>
+              <a:t>144</a:t>
             </a:r>
           </a:p>
           <a:p>
@@ -6047,7 +6119,7 @@
             </a:r>
             <a:r>
               <a:rPr baseline="30000"/>
-              <a:t>140</a:t>
+              <a:t>144</a:t>
             </a:r>
           </a:p>
           <a:p>
@@ -6069,7 +6141,7 @@
             </a:r>
             <a:r>
               <a:rPr baseline="30000"/>
-              <a:t>141</a:t>
+              <a:t>145</a:t>
             </a:r>
             <a:r>
               <a:rPr/>
@@ -6111,7 +6183,7 @@
             </a:r>
             <a:r>
               <a:rPr baseline="30000"/>
-              <a:t>142</a:t>
+              <a:t>146</a:t>
             </a:r>
           </a:p>
           <a:p>
@@ -6122,7 +6194,7 @@
             </a:r>
             <a:r>
               <a:rPr baseline="30000"/>
-              <a:t>142</a:t>
+              <a:t>146</a:t>
             </a:r>
           </a:p>
           <a:p>
@@ -6133,7 +6205,7 @@
             </a:r>
             <a:r>
               <a:rPr baseline="30000"/>
-              <a:t>142</a:t>
+              <a:t>146</a:t>
             </a:r>
           </a:p>
           <a:p>
@@ -6155,7 +6227,7 @@
             </a:r>
             <a:r>
               <a:rPr baseline="30000"/>
-              <a:t>143</a:t>
+              <a:t>147</a:t>
             </a:r>
             <a:r>
               <a:rPr/>
@@ -6292,7 +6364,7 @@
             </a:r>
             <a:r>
               <a:rPr baseline="30000"/>
-              <a:t>144</a:t>
+              <a:t>148</a:t>
             </a:r>
           </a:p>
           <a:p>
@@ -6405,7 +6477,7 @@
             </a:r>
             <a:r>
               <a:rPr baseline="30000"/>
-              <a:t>144</a:t>
+              <a:t>148</a:t>
             </a:r>
           </a:p>
           <a:p>
@@ -6433,7 +6505,7 @@
             </a:r>
             <a:r>
               <a:rPr baseline="30000"/>
-              <a:t>144</a:t>
+              <a:t>148</a:t>
             </a:r>
           </a:p>
           <a:p>
@@ -6546,7 +6618,7 @@
             </a:r>
             <a:r>
               <a:rPr baseline="30000"/>
-              <a:t>145</a:t>
+              <a:t>149</a:t>
             </a:r>
           </a:p>
           <a:p>
@@ -6557,7 +6629,7 @@
             </a:r>
             <a:r>
               <a:rPr baseline="30000"/>
-              <a:t>144</a:t>
+              <a:t>148</a:t>
             </a:r>
           </a:p>
           <a:p>
@@ -6670,7 +6742,7 @@
             </a:r>
             <a:r>
               <a:rPr baseline="30000"/>
-              <a:t>146</a:t>
+              <a:t>150</a:t>
             </a:r>
           </a:p>
           <a:p>
@@ -6681,7 +6753,7 @@
             </a:r>
             <a:r>
               <a:rPr baseline="30000"/>
-              <a:t>144</a:t>
+              <a:t>148</a:t>
             </a:r>
           </a:p>
           <a:p>
@@ -6709,7 +6781,7 @@
             </a:r>
             <a:r>
               <a:rPr baseline="30000"/>
-              <a:t>146</a:t>
+              <a:t>150</a:t>
             </a:r>
           </a:p>
           <a:p>
@@ -6720,7 +6792,7 @@
             </a:r>
             <a:r>
               <a:rPr baseline="30000"/>
-              <a:t>144</a:t>
+              <a:t>148</a:t>
             </a:r>
           </a:p>
           <a:p>
@@ -6748,7 +6820,7 @@
             </a:r>
             <a:r>
               <a:rPr baseline="30000"/>
-              <a:t>146</a:t>
+              <a:t>150</a:t>
             </a:r>
           </a:p>
           <a:p>
@@ -6759,7 +6831,7 @@
             </a:r>
             <a:r>
               <a:rPr baseline="30000"/>
-              <a:t>144</a:t>
+              <a:t>148</a:t>
             </a:r>
           </a:p>
           <a:p>
@@ -6787,7 +6859,7 @@
             </a:r>
             <a:r>
               <a:rPr baseline="30000"/>
-              <a:t>146</a:t>
+              <a:t>150</a:t>
             </a:r>
           </a:p>
           <a:p>
@@ -6798,7 +6870,7 @@
             </a:r>
             <a:r>
               <a:rPr baseline="30000"/>
-              <a:t>144</a:t>
+              <a:t>148</a:t>
             </a:r>
           </a:p>
           <a:p>
@@ -6826,7 +6898,7 @@
             </a:r>
             <a:r>
               <a:rPr baseline="30000"/>
-              <a:t>146</a:t>
+              <a:t>150</a:t>
             </a:r>
           </a:p>
           <a:p>
@@ -6837,7 +6909,7 @@
             </a:r>
             <a:r>
               <a:rPr baseline="30000"/>
-              <a:t>144</a:t>
+              <a:t>148</a:t>
             </a:r>
           </a:p>
           <a:p>
@@ -7123,7 +7195,7 @@
                 </a:r>
                 <a:r>
                   <a:rPr baseline="30000"/>
-                  <a:t>119,147,148</a:t>
+                  <a:t>122,151,152</a:t>
                 </a:r>
               </a:p>
               <a:p>
@@ -7134,7 +7206,7 @@
                 </a:r>
                 <a:r>
                   <a:rPr baseline="30000"/>
-                  <a:t>147,148</a:t>
+                  <a:t>151,152</a:t>
                 </a:r>
               </a:p>
               <a:p>
@@ -7182,7 +7254,7 @@
                 </a:r>
                 <a:r>
                   <a:rPr baseline="30000"/>
-                  <a:t>119</a:t>
+                  <a:t>122</a:t>
                 </a:r>
               </a:p>
               <a:p>
@@ -7193,7 +7265,7 @@
                 </a:r>
                 <a:r>
                   <a:rPr baseline="30000"/>
-                  <a:t>119</a:t>
+                  <a:t>122</a:t>
                 </a:r>
               </a:p>
               <a:p>
@@ -7221,7 +7293,7 @@
                 </a:r>
                 <a:r>
                   <a:rPr baseline="30000"/>
-                  <a:t>140</a:t>
+                  <a:t>144</a:t>
                 </a:r>
               </a:p>
               <a:p>
@@ -7232,7 +7304,7 @@
                 </a:r>
                 <a:r>
                   <a:rPr baseline="30000"/>
-                  <a:t>140</a:t>
+                  <a:t>144</a:t>
                 </a:r>
               </a:p>
               <a:p>
@@ -7243,7 +7315,7 @@
                 </a:r>
                 <a:r>
                   <a:rPr baseline="30000"/>
-                  <a:t>140</a:t>
+                  <a:t>144</a:t>
                 </a:r>
               </a:p>
               <a:p>
@@ -7271,7 +7343,7 @@
                 </a:r>
                 <a:r>
                   <a:rPr baseline="30000"/>
-                  <a:t>148</a:t>
+                  <a:t>152</a:t>
                 </a:r>
               </a:p>
               <a:p>
@@ -7282,7 +7354,7 @@
                 </a:r>
                 <a:r>
                   <a:rPr baseline="30000"/>
-                  <a:t>148</a:t>
+                  <a:t>152</a:t>
                 </a:r>
               </a:p>
               <a:p>
@@ -7293,7 +7365,7 @@
                 </a:r>
                 <a:r>
                   <a:rPr baseline="30000"/>
-                  <a:t>148</a:t>
+                  <a:t>152</a:t>
                 </a:r>
               </a:p>
               <a:p>
@@ -7304,7 +7376,7 @@
                 </a:r>
                 <a:r>
                   <a:rPr baseline="30000"/>
-                  <a:t>148</a:t>
+                  <a:t>152</a:t>
                 </a:r>
               </a:p>
               <a:p>
@@ -7315,7 +7387,7 @@
                 </a:r>
                 <a:r>
                   <a:rPr baseline="30000"/>
-                  <a:t>119</a:t>
+                  <a:t>122</a:t>
                 </a:r>
               </a:p>
               <a:p>
@@ -18005,7 +18077,7 @@
             </a:r>
             <a:r>
               <a:rPr baseline="30000"/>
-              <a:t>149–158</a:t>
+              <a:t>153–162</a:t>
             </a:r>
           </a:p>
           <a:p>
@@ -18016,7 +18088,7 @@
             </a:r>
             <a:r>
               <a:rPr baseline="30000"/>
-              <a:t>150,155</a:t>
+              <a:t>154,159</a:t>
             </a:r>
           </a:p>
           <a:p>
@@ -18055,7 +18127,7 @@
             </a:r>
             <a:r>
               <a:rPr baseline="30000"/>
-              <a:t>156,158</a:t>
+              <a:t>160,162</a:t>
             </a:r>
           </a:p>
           <a:p>
@@ -18066,7 +18138,7 @@
             </a:r>
             <a:r>
               <a:rPr baseline="30000"/>
-              <a:t>150,155</a:t>
+              <a:t>154,159</a:t>
             </a:r>
           </a:p>
           <a:p>
@@ -18147,7 +18219,7 @@
             </a:r>
             <a:r>
               <a:rPr baseline="30000"/>
-              <a:t>154,157</a:t>
+              <a:t>158,161</a:t>
             </a:r>
           </a:p>
           <a:p>
@@ -18214,7 +18286,7 @@
             </a:r>
             <a:r>
               <a:rPr baseline="30000"/>
-              <a:t>151,153</a:t>
+              <a:t>155,157</a:t>
             </a:r>
           </a:p>
           <a:p>
@@ -18246,7 +18318,7 @@
             </a:r>
             <a:r>
               <a:rPr baseline="30000"/>
-              <a:t>152</a:t>
+              <a:t>156</a:t>
             </a:r>
           </a:p>
           <a:p>
@@ -18299,7 +18371,7 @@
             </a:r>
             <a:r>
               <a:rPr baseline="30000"/>
-              <a:t>150,155</a:t>
+              <a:t>154,159</a:t>
             </a:r>
           </a:p>
           <a:p>
@@ -18366,7 +18438,7 @@
             </a:r>
             <a:r>
               <a:rPr baseline="30000"/>
-              <a:t>150</a:t>
+              <a:t>154</a:t>
             </a:r>
           </a:p>
           <a:p>
@@ -18412,7 +18484,7 @@
             </a:r>
             <a:r>
               <a:rPr baseline="30000"/>
-              <a:t>149</a:t>
+              <a:t>153</a:t>
             </a:r>
           </a:p>
           <a:p>
@@ -18486,7 +18558,7 @@
             </a:r>
             <a:r>
               <a:rPr baseline="30000"/>
-              <a:t>159,160</a:t>
+              <a:t>163,164</a:t>
             </a:r>
           </a:p>
           <a:p>
@@ -18634,7 +18706,7 @@
             </a:r>
             <a:r>
               <a:rPr baseline="30000"/>
-              <a:t>161</a:t>
+              <a:t>165</a:t>
             </a:r>
           </a:p>
           <a:p>
@@ -18645,7 +18717,7 @@
             </a:r>
             <a:r>
               <a:rPr baseline="30000"/>
-              <a:t>161</a:t>
+              <a:t>165</a:t>
             </a:r>
           </a:p>
           <a:p>
@@ -18656,7 +18728,7 @@
             </a:r>
             <a:r>
               <a:rPr baseline="30000"/>
-              <a:t>161</a:t>
+              <a:t>165</a:t>
             </a:r>
           </a:p>
           <a:p>
@@ -18667,7 +18739,7 @@
             </a:r>
             <a:r>
               <a:rPr baseline="30000"/>
-              <a:t>161</a:t>
+              <a:t>165</a:t>
             </a:r>
           </a:p>
           <a:p>
@@ -19499,7 +19571,7 @@
             </a:r>
             <a:r>
               <a:rPr baseline="30000"/>
-              <a:t>27,138</a:t>
+              <a:t>27,142</a:t>
             </a:r>
           </a:p>
           <a:p>
@@ -19510,7 +19582,7 @@
             </a:r>
             <a:r>
               <a:rPr baseline="30000"/>
-              <a:t>27,138</a:t>
+              <a:t>27,142</a:t>
             </a:r>
           </a:p>
           <a:p>
@@ -19692,7 +19764,7 @@
             </a:r>
             <a:r>
               <a:rPr baseline="30000"/>
-              <a:t>162</a:t>
+              <a:t>166</a:t>
             </a:r>
           </a:p>
           <a:p>
@@ -19703,7 +19775,7 @@
             </a:r>
             <a:r>
               <a:rPr baseline="30000"/>
-              <a:t>163</a:t>
+              <a:t>167</a:t>
             </a:r>
           </a:p>
           <a:p>
@@ -19728,7 +19800,7 @@
             </a:r>
             <a:r>
               <a:rPr baseline="30000"/>
-              <a:t>163</a:t>
+              <a:t>167</a:t>
             </a:r>
           </a:p>
           <a:p>
@@ -19753,7 +19825,7 @@
             </a:r>
             <a:r>
               <a:rPr baseline="30000"/>
-              <a:t>163</a:t>
+              <a:t>167</a:t>
             </a:r>
           </a:p>
           <a:p>
@@ -19778,7 +19850,7 @@
             </a:r>
             <a:r>
               <a:rPr baseline="30000"/>
-              <a:t>163</a:t>
+              <a:t>167</a:t>
             </a:r>
           </a:p>
           <a:p>
@@ -19824,7 +19896,7 @@
             </a:r>
             <a:r>
               <a:rPr baseline="30000"/>
-              <a:t>163</a:t>
+              <a:t>167</a:t>
             </a:r>
           </a:p>
           <a:p>
@@ -20030,7 +20102,7 @@
             </a:r>
             <a:r>
               <a:rPr baseline="30000"/>
-              <a:t>164</a:t>
+              <a:t>168</a:t>
             </a:r>
           </a:p>
           <a:p>
@@ -20041,7 +20113,7 @@
             </a:r>
             <a:r>
               <a:rPr baseline="30000"/>
-              <a:t>164</a:t>
+              <a:t>168</a:t>
             </a:r>
           </a:p>
           <a:p>
@@ -20052,7 +20124,7 @@
             </a:r>
             <a:r>
               <a:rPr baseline="30000"/>
-              <a:t>164</a:t>
+              <a:t>168</a:t>
             </a:r>
           </a:p>
           <a:p>
@@ -20063,7 +20135,7 @@
             </a:r>
             <a:r>
               <a:rPr baseline="30000"/>
-              <a:t>165</a:t>
+              <a:t>169</a:t>
             </a:r>
           </a:p>
           <a:p>
@@ -20074,7 +20146,7 @@
             </a:r>
             <a:r>
               <a:rPr baseline="30000"/>
-              <a:t>165</a:t>
+              <a:t>169</a:t>
             </a:r>
           </a:p>
           <a:p>
@@ -20195,7 +20267,7 @@
             </a:r>
             <a:r>
               <a:rPr baseline="30000"/>
-              <a:t>38,166</a:t>
+              <a:t>38,170</a:t>
             </a:r>
           </a:p>
           <a:p>
@@ -20266,7 +20338,7 @@
             </a:r>
             <a:r>
               <a:rPr baseline="30000"/>
-              <a:t>167</a:t>
+              <a:t>171</a:t>
             </a:r>
           </a:p>
           <a:p>
@@ -20437,7 +20509,7 @@
             </a:r>
             <a:r>
               <a:rPr baseline="30000"/>
-              <a:t>168</a:t>
+              <a:t>172</a:t>
             </a:r>
           </a:p>
           <a:p>
@@ -20465,7 +20537,7 @@
             </a:r>
             <a:r>
               <a:rPr baseline="30000"/>
-              <a:t>169</a:t>
+              <a:t>173</a:t>
             </a:r>
           </a:p>
           <a:p>
@@ -20476,7 +20548,7 @@
             </a:r>
             <a:r>
               <a:rPr baseline="30000"/>
-              <a:t>167</a:t>
+              <a:t>171</a:t>
             </a:r>
           </a:p>
           <a:p>
@@ -20487,7 +20559,7 @@
             </a:r>
             <a:r>
               <a:rPr baseline="30000"/>
-              <a:t>167</a:t>
+              <a:t>171</a:t>
             </a:r>
           </a:p>
           <a:p>
@@ -20515,7 +20587,7 @@
             </a:r>
             <a:r>
               <a:rPr baseline="30000"/>
-              <a:t>167</a:t>
+              <a:t>171</a:t>
             </a:r>
           </a:p>
           <a:p>
@@ -20526,7 +20598,7 @@
             </a:r>
             <a:r>
               <a:rPr baseline="30000"/>
-              <a:t>167</a:t>
+              <a:t>171</a:t>
             </a:r>
           </a:p>
           <a:p>
@@ -20663,7 +20735,7 @@
             </a:r>
             <a:r>
               <a:rPr baseline="30000"/>
-              <a:t>170</a:t>
+              <a:t>174</a:t>
             </a:r>
           </a:p>
           <a:p>
@@ -20674,7 +20746,7 @@
             </a:r>
             <a:r>
               <a:rPr baseline="30000"/>
-              <a:t>170</a:t>
+              <a:t>174</a:t>
             </a:r>
           </a:p>
           <a:p>
@@ -20702,7 +20774,7 @@
             </a:r>
             <a:r>
               <a:rPr baseline="30000"/>
-              <a:t>171</a:t>
+              <a:t>175</a:t>
             </a:r>
           </a:p>
           <a:p>
@@ -20713,7 +20785,7 @@
             </a:r>
             <a:r>
               <a:rPr baseline="30000"/>
-              <a:t>171</a:t>
+              <a:t>175</a:t>
             </a:r>
           </a:p>
           <a:p>
@@ -20741,7 +20813,7 @@
             </a:r>
             <a:r>
               <a:rPr baseline="30000"/>
-              <a:t>95,170</a:t>
+              <a:t>98,174</a:t>
             </a:r>
           </a:p>
           <a:p>
@@ -20752,7 +20824,7 @@
             </a:r>
             <a:r>
               <a:rPr baseline="30000"/>
-              <a:t>95,170</a:t>
+              <a:t>98,174</a:t>
             </a:r>
           </a:p>
           <a:p>
@@ -20763,7 +20835,7 @@
             </a:r>
             <a:r>
               <a:rPr baseline="30000"/>
-              <a:t>95,170</a:t>
+              <a:t>98,174</a:t>
             </a:r>
           </a:p>
           <a:p>
@@ -20774,7 +20846,7 @@
             </a:r>
             <a:r>
               <a:rPr baseline="30000"/>
-              <a:t>95</a:t>
+              <a:t>98</a:t>
             </a:r>
           </a:p>
           <a:p>
@@ -20802,7 +20874,7 @@
             </a:r>
             <a:r>
               <a:rPr baseline="30000"/>
-              <a:t>171</a:t>
+              <a:t>175</a:t>
             </a:r>
           </a:p>
           <a:p>
@@ -20813,7 +20885,7 @@
             </a:r>
             <a:r>
               <a:rPr baseline="30000"/>
-              <a:t>171</a:t>
+              <a:t>175</a:t>
             </a:r>
           </a:p>
           <a:p>
@@ -20841,7 +20913,7 @@
             </a:r>
             <a:r>
               <a:rPr baseline="30000"/>
-              <a:t>168</a:t>
+              <a:t>172</a:t>
             </a:r>
           </a:p>
           <a:p>
@@ -20852,7 +20924,7 @@
             </a:r>
             <a:r>
               <a:rPr baseline="30000"/>
-              <a:t>172</a:t>
+              <a:t>176</a:t>
             </a:r>
           </a:p>
           <a:p>
@@ -20880,7 +20952,7 @@
             </a:r>
             <a:r>
               <a:rPr baseline="30000"/>
-              <a:t>168</a:t>
+              <a:t>172</a:t>
             </a:r>
           </a:p>
           <a:p>
@@ -20891,7 +20963,7 @@
             </a:r>
             <a:r>
               <a:rPr baseline="30000"/>
-              <a:t>168</a:t>
+              <a:t>172</a:t>
             </a:r>
           </a:p>
           <a:p>
@@ -21004,7 +21076,7 @@
             </a:r>
             <a:r>
               <a:rPr baseline="30000"/>
-              <a:t>162</a:t>
+              <a:t>166</a:t>
             </a:r>
           </a:p>
           <a:p>
@@ -21117,7 +21189,7 @@
             </a:r>
             <a:r>
               <a:rPr baseline="30000"/>
-              <a:t>162</a:t>
+              <a:t>166</a:t>
             </a:r>
           </a:p>
           <a:p>
@@ -21230,7 +21302,7 @@
             </a:r>
             <a:r>
               <a:rPr baseline="30000"/>
-              <a:t>162</a:t>
+              <a:t>166</a:t>
             </a:r>
           </a:p>
           <a:p>
@@ -21241,7 +21313,7 @@
             </a:r>
             <a:r>
               <a:rPr baseline="30000"/>
-              <a:t>173</a:t>
+              <a:t>177</a:t>
             </a:r>
           </a:p>
           <a:p>
@@ -21252,7 +21324,7 @@
             </a:r>
             <a:r>
               <a:rPr baseline="30000"/>
-              <a:t>144</a:t>
+              <a:t>148</a:t>
             </a:r>
           </a:p>
           <a:p>
@@ -21280,7 +21352,7 @@
             </a:r>
             <a:r>
               <a:rPr baseline="30000"/>
-              <a:t>145</a:t>
+              <a:t>149</a:t>
             </a:r>
           </a:p>
           <a:p>
@@ -21291,7 +21363,7 @@
             </a:r>
             <a:r>
               <a:rPr baseline="30000"/>
-              <a:t>174</a:t>
+              <a:t>178</a:t>
             </a:r>
           </a:p>
           <a:p>
@@ -21302,7 +21374,7 @@
             </a:r>
             <a:r>
               <a:rPr baseline="30000"/>
-              <a:t>174</a:t>
+              <a:t>178</a:t>
             </a:r>
           </a:p>
           <a:p>
@@ -21475,7 +21547,7 @@
                 </a:r>
                 <a:r>
                   <a:rPr baseline="30000"/>
-                  <a:t>175</a:t>
+                  <a:t>179</a:t>
                 </a:r>
               </a:p>
               <a:p>
@@ -21517,7 +21589,7 @@
                 </a:r>
                 <a:r>
                   <a:rPr baseline="30000"/>
-                  <a:t>176</a:t>
+                  <a:t>180</a:t>
                 </a:r>
               </a:p>
               <a:p>
@@ -21542,7 +21614,7 @@
                 </a:r>
                 <a:r>
                   <a:rPr baseline="30000"/>
-                  <a:t>176</a:t>
+                  <a:t>180</a:t>
                 </a:r>
               </a:p>
               <a:p>
@@ -21567,7 +21639,7 @@
                 </a:r>
                 <a:r>
                   <a:rPr baseline="30000"/>
-                  <a:t>176</a:t>
+                  <a:t>180</a:t>
                 </a:r>
               </a:p>
               <a:p>
@@ -21592,7 +21664,7 @@
                 </a:r>
                 <a:r>
                   <a:rPr baseline="30000"/>
-                  <a:t>176</a:t>
+                  <a:t>180</a:t>
                 </a:r>
               </a:p>
               <a:p>
@@ -21613,7 +21685,7 @@
                 </a:r>
                 <a:r>
                   <a:rPr baseline="30000"/>
-                  <a:t>175</a:t>
+                  <a:t>179</a:t>
                 </a:r>
               </a:p>
             </p:txBody>
@@ -21721,14 +21793,14 @@
                 </a:r>
                 <a:r>
                   <a:rPr baseline="30000"/>
-                  <a:t>177</a:t>
+                  <a:t>181</a:t>
                 </a:r>
                 <a:r>
                   <a:rPr/>
                   <a:t> fornece a função </a:t>
                 </a:r>
                 <a:r>
-                  <a:rPr>
+                  <a:rPr i="1">
                     <a:hlinkClick r:id="rId3"/>
                   </a:rPr>
                   <a:t>plot_prism</a:t>
@@ -21780,7 +21852,7 @@
                 </a:r>
                 <a:r>
                   <a:rPr baseline="30000"/>
-                  <a:t>176</a:t>
+                  <a:t>180</a:t>
                 </a:r>
               </a:p>
               <a:p>
@@ -21808,7 +21880,7 @@
                 </a:r>
                 <a:r>
                   <a:rPr baseline="30000"/>
-                  <a:t>176</a:t>
+                  <a:t>180</a:t>
                 </a:r>
               </a:p>
               <a:p>
@@ -21836,7 +21908,7 @@
                 </a:r>
                 <a:r>
                   <a:rPr baseline="30000"/>
-                  <a:t>176</a:t>
+                  <a:t>180</a:t>
                 </a:r>
               </a:p>
               <a:p>
@@ -21864,7 +21936,7 @@
                 </a:r>
                 <a:r>
                   <a:rPr baseline="30000"/>
-                  <a:t>176</a:t>
+                  <a:t>180</a:t>
                 </a:r>
               </a:p>
               <a:p>
@@ -21892,7 +21964,7 @@
                 </a:r>
                 <a:r>
                   <a:rPr baseline="30000"/>
-                  <a:t>176</a:t>
+                  <a:t>180</a:t>
                 </a:r>
               </a:p>
               <a:p>
@@ -21917,7 +21989,7 @@
                 </a:r>
                 <a:r>
                   <a:rPr baseline="30000"/>
-                  <a:t>176</a:t>
+                  <a:t>180</a:t>
                 </a:r>
               </a:p>
               <a:p>
@@ -21944,21 +22016,57 @@
                 </a:r>
                 <a:r>
                   <a:rPr baseline="30000"/>
-                  <a:t>177</a:t>
+                  <a:t>181</a:t>
                 </a:r>
                 <a:r>
                   <a:rPr/>
                   <a:t> fornece a função </a:t>
                 </a:r>
                 <a:r>
-                  <a:rPr>
+                  <a:rPr i="1">
                     <a:hlinkClick r:id="rId4"/>
                   </a:rPr>
                   <a:t>comp_prob</a:t>
                 </a:r>
                 <a:r>
                   <a:rPr/>
-                  <a:t> para calcular 13 probabilidades relacionadas ao desempenho diagnóstico.</a:t>
+                  <a:t> para estimar 13 probabilidades relacionadas ao desempenho diagnóstico em tabelas 2x2.</a:t>
+                </a:r>
+              </a:p>
+              <a:p>
+                <a:pPr lvl="0" indent="0" marL="0">
+                  <a:buNone/>
+                </a:pPr>
+              </a:p>
+              <a:p>
+                <a:pPr lvl="0" indent="0" marL="0">
+                  <a:buNone/>
+                </a:pPr>
+                <a:r>
+                  <a:rPr/>
+                  <a:t>O pacote </a:t>
+                </a:r>
+                <a:r>
+                  <a:rPr i="1"/>
+                  <a:t>caret</a:t>
+                </a:r>
+                <a:r>
+                  <a:rPr baseline="30000"/>
+                  <a:t>182</a:t>
+                </a:r>
+                <a:r>
+                  <a:rPr/>
+                  <a:t> fornece a função </a:t>
+                </a:r>
+                <a:r>
+                  <a:rPr i="1">
+                    <a:hlinkClick r:id="rId5"/>
+                  </a:rPr>
+                  <a:t>confusionMatrix</a:t>
+                </a:r>
+                <a:r>
+                  <a:rPr/>
+                  <a:t> para estimar 11 probabilidades relacionadas ao desempenho diagnóstico em tabelas 2x2.</a:t>
                 </a:r>
               </a:p>
               <a:p>
@@ -22075,7 +22183,7 @@
                 </a:r>
                 <a:r>
                   <a:rPr baseline="30000"/>
-                  <a:t>178</a:t>
+                  <a:t>183</a:t>
                 </a:r>
               </a:p>
               <a:p>
@@ -22097,7 +22205,7 @@
                 </a:r>
                 <a:r>
                   <a:rPr baseline="30000"/>
-                  <a:t>179</a:t>
+                  <a:t>184</a:t>
                 </a:r>
                 <a:r>
                   <a:rPr/>
@@ -22169,7 +22277,7 @@
                 </a:r>
                 <a:r>
                   <a:rPr baseline="30000"/>
-                  <a:t>178</a:t>
+                  <a:t>183</a:t>
                 </a:r>
               </a:p>
               <a:p>
@@ -22180,7 +22288,7 @@
                 </a:r>
                 <a:r>
                   <a:rPr baseline="30000"/>
-                  <a:t>178</a:t>
+                  <a:t>183</a:t>
                 </a:r>
               </a:p>
               <a:p>
@@ -22191,7 +22299,7 @@
                 </a:r>
                 <a:r>
                   <a:rPr baseline="30000"/>
-                  <a:t>178</a:t>
+                  <a:t>183</a:t>
                 </a:r>
               </a:p>
               <a:p>
@@ -22219,7 +22327,7 @@
                 </a:r>
                 <a:r>
                   <a:rPr baseline="30000"/>
-                  <a:t>180</a:t>
+                  <a:t>185</a:t>
                 </a:r>
               </a:p>
               <a:p>
@@ -22469,7 +22577,7 @@
             </a:r>
             <a:r>
               <a:rPr baseline="30000"/>
-              <a:t>176</a:t>
+              <a:t>180</a:t>
             </a:r>
           </a:p>
           <a:p>
@@ -22480,7 +22588,7 @@
             </a:r>
             <a:r>
               <a:rPr baseline="30000"/>
-              <a:t>176</a:t>
+              <a:t>180</a:t>
             </a:r>
           </a:p>
           <a:p>
@@ -22491,7 +22599,7 @@
             </a:r>
             <a:r>
               <a:rPr baseline="30000"/>
-              <a:t>176</a:t>
+              <a:t>180</a:t>
             </a:r>
           </a:p>
           <a:p>
@@ -22502,7 +22610,7 @@
             </a:r>
             <a:r>
               <a:rPr baseline="30000"/>
-              <a:t>176</a:t>
+              <a:t>180</a:t>
             </a:r>
           </a:p>
           <a:p>
@@ -22513,7 +22621,7 @@
             </a:r>
             <a:r>
               <a:rPr baseline="30000"/>
-              <a:t>176</a:t>
+              <a:t>180</a:t>
             </a:r>
           </a:p>
           <a:p>
@@ -22524,7 +22632,7 @@
             </a:r>
             <a:r>
               <a:rPr baseline="30000"/>
-              <a:t>176</a:t>
+              <a:t>180</a:t>
             </a:r>
           </a:p>
           <a:p>
@@ -22535,7 +22643,7 @@
             </a:r>
             <a:r>
               <a:rPr baseline="30000"/>
-              <a:t>176</a:t>
+              <a:t>180</a:t>
             </a:r>
           </a:p>
           <a:p>
@@ -22706,7 +22814,7 @@
             </a:r>
             <a:r>
               <a:rPr baseline="30000"/>
-              <a:t>181</a:t>
+              <a:t>186</a:t>
             </a:r>
           </a:p>
           <a:p>
@@ -22717,7 +22825,7 @@
             </a:r>
             <a:r>
               <a:rPr baseline="30000"/>
-              <a:t>181</a:t>
+              <a:t>186</a:t>
             </a:r>
           </a:p>
           <a:p>
@@ -22728,7 +22836,7 @@
             </a:r>
             <a:r>
               <a:rPr baseline="30000"/>
-              <a:t>181</a:t>
+              <a:t>186</a:t>
             </a:r>
           </a:p>
           <a:p>
@@ -22739,7 +22847,7 @@
             </a:r>
             <a:r>
               <a:rPr baseline="30000"/>
-              <a:t>181</a:t>
+              <a:t>186</a:t>
             </a:r>
           </a:p>
           <a:p>
@@ -22767,7 +22875,7 @@
             </a:r>
             <a:r>
               <a:rPr baseline="30000"/>
-              <a:t>181</a:t>
+              <a:t>186</a:t>
             </a:r>
           </a:p>
           <a:p>
@@ -22778,7 +22886,7 @@
             </a:r>
             <a:r>
               <a:rPr baseline="30000"/>
-              <a:t>181</a:t>
+              <a:t>186</a:t>
             </a:r>
           </a:p>
           <a:p>
@@ -22789,7 +22897,7 @@
             </a:r>
             <a:r>
               <a:rPr baseline="30000"/>
-              <a:t>181</a:t>
+              <a:t>186</a:t>
             </a:r>
           </a:p>
           <a:p>
@@ -22939,7 +23047,7 @@
                 </a:r>
                 <a:r>
                   <a:rPr baseline="30000"/>
-                  <a:t>182,183</a:t>
+                  <a:t>187,188</a:t>
                 </a:r>
               </a:p>
               <a:p>
@@ -22981,7 +23089,7 @@
                 </a:r>
                 <a:r>
                   <a:rPr baseline="30000"/>
-                  <a:t>184,185</a:t>
+                  <a:t>189,190</a:t>
                 </a:r>
               </a:p>
               <a:p>
@@ -23003,7 +23111,7 @@
                 </a:r>
                 <a:r>
                   <a:rPr baseline="30000"/>
-                  <a:t>186</a:t>
+                  <a:t>191</a:t>
                 </a:r>
                 <a:r>
                   <a:rPr/>
@@ -23091,7 +23199,7 @@
                 </a:r>
                 <a:r>
                   <a:rPr baseline="30000"/>
-                  <a:t>185</a:t>
+                  <a:t>190</a:t>
                 </a:r>
               </a:p>
               <a:p>
@@ -23125,7 +23233,7 @@
                 </a:r>
                 <a:r>
                   <a:rPr baseline="30000"/>
-                  <a:t>185</a:t>
+                  <a:t>190</a:t>
                 </a:r>
               </a:p>
               <a:p>
@@ -23156,7 +23264,7 @@
                 </a:r>
                 <a:r>
                   <a:rPr baseline="30000"/>
-                  <a:t>185</a:t>
+                  <a:t>190</a:t>
                 </a:r>
               </a:p>
               <a:p>
@@ -23178,7 +23286,7 @@
                 </a:r>
                 <a:r>
                   <a:rPr baseline="30000"/>
-                  <a:t>185</a:t>
+                  <a:t>190</a:t>
                 </a:r>
               </a:p>
               <a:p>
@@ -23217,7 +23325,7 @@
                 </a:r>
                 <a:r>
                   <a:rPr baseline="30000"/>
-                  <a:t>182,183</a:t>
+                  <a:t>187,188</a:t>
                 </a:r>
               </a:p>
               <a:p>
@@ -23248,7 +23356,7 @@
                 </a:r>
                 <a:r>
                   <a:rPr baseline="30000"/>
-                  <a:t>182,183</a:t>
+                  <a:t>187,188</a:t>
                 </a:r>
               </a:p>
               <a:p>
@@ -23290,7 +23398,7 @@
                 </a:r>
                 <a:r>
                   <a:rPr baseline="30000"/>
-                  <a:t>185</a:t>
+                  <a:t>190</a:t>
                 </a:r>
               </a:p>
               <a:p>
@@ -23312,7 +23420,7 @@
                 </a:r>
                 <a:r>
                   <a:rPr baseline="30000"/>
-                  <a:t>186</a:t>
+                  <a:t>191</a:t>
                 </a:r>
                 <a:r>
                   <a:rPr/>
@@ -23400,7 +23508,7 @@
                 </a:r>
                 <a:r>
                   <a:rPr baseline="30000"/>
-                  <a:t>185</a:t>
+                  <a:t>190</a:t>
                 </a:r>
               </a:p>
               <a:p>
@@ -23422,7 +23530,7 @@
                 </a:r>
                 <a:r>
                   <a:rPr baseline="30000"/>
-                  <a:t>186</a:t>
+                  <a:t>191</a:t>
                 </a:r>
                 <a:r>
                   <a:rPr/>
@@ -23504,7 +23612,7 @@
                 </a:r>
                 <a:r>
                   <a:rPr baseline="30000"/>
-                  <a:t>182,183</a:t>
+                  <a:t>187,188</a:t>
                 </a:r>
               </a:p>
               <a:p>
@@ -23532,7 +23640,7 @@
                 </a:r>
                 <a:r>
                   <a:rPr baseline="30000"/>
-                  <a:t>181</a:t>
+                  <a:t>186</a:t>
                 </a:r>
               </a:p>
               <a:p>
@@ -23543,7 +23651,7 @@
                 </a:r>
                 <a:r>
                   <a:rPr baseline="30000"/>
-                  <a:t>181</a:t>
+                  <a:t>186</a:t>
                 </a:r>
               </a:p>
               <a:p>
@@ -23627,7 +23735,7 @@
                 </a:r>
                 <a:r>
                   <a:rPr baseline="30000"/>
-                  <a:t>181</a:t>
+                  <a:t>186</a:t>
                 </a:r>
               </a:p>
               <a:p>
@@ -23638,7 +23746,7 @@
                 </a:r>
                 <a:r>
                   <a:rPr baseline="30000"/>
-                  <a:t>181</a:t>
+                  <a:t>186</a:t>
                 </a:r>
               </a:p>
               <a:p>
@@ -23725,7 +23833,7 @@
                 </a:r>
                 <a:r>
                   <a:rPr baseline="30000"/>
-                  <a:t>181</a:t>
+                  <a:t>186</a:t>
                 </a:r>
               </a:p>
               <a:p>
@@ -23753,7 +23861,7 @@
                 </a:r>
                 <a:r>
                   <a:rPr baseline="30000"/>
-                  <a:t>185</a:t>
+                  <a:t>190</a:t>
                 </a:r>
               </a:p>
               <a:p>
@@ -24170,7 +24278,7 @@
                 </a:r>
                 <a:r>
                   <a:rPr baseline="30000"/>
-                  <a:t>187</a:t>
+                  <a:t>192</a:t>
                 </a:r>
               </a:p>
               <a:p>
@@ -24201,7 +24309,7 @@
                 </a:r>
                 <a:r>
                   <a:rPr baseline="30000"/>
-                  <a:t>187</a:t>
+                  <a:t>192</a:t>
                 </a:r>
               </a:p>
               <a:p>
@@ -24232,7 +24340,7 @@
                 </a:r>
                 <a:r>
                   <a:rPr baseline="30000"/>
-                  <a:t>187</a:t>
+                  <a:t>192</a:t>
                 </a:r>
               </a:p>
               <a:p>
@@ -24280,7 +24388,7 @@
                 </a:r>
                 <a:r>
                   <a:rPr baseline="30000"/>
-                  <a:t>187,188</a:t>
+                  <a:t>192,193</a:t>
                 </a:r>
               </a:p>
               <a:p>
@@ -24307,7 +24415,7 @@
                 </a:r>
                 <a:r>
                   <a:rPr baseline="30000"/>
-                  <a:t>187</a:t>
+                  <a:t>192</a:t>
                 </a:r>
               </a:p>
               <a:p>
@@ -24354,7 +24462,7 @@
                 </a:r>
                 <a:r>
                   <a:rPr baseline="30000"/>
-                  <a:t>188</a:t>
+                  <a:t>193</a:t>
                 </a:r>
               </a:p>
               <a:p>
@@ -24365,7 +24473,7 @@
                 </a:r>
                 <a:r>
                   <a:rPr baseline="30000"/>
-                  <a:t>189</a:t>
+                  <a:t>194</a:t>
                 </a:r>
               </a:p>
               <a:p>
@@ -24387,7 +24495,7 @@
                 </a:r>
                 <a:r>
                   <a:rPr baseline="30000"/>
-                  <a:t>190</a:t>
+                  <a:t>195</a:t>
                 </a:r>
                 <a:r>
                   <a:rPr/>
@@ -24413,7 +24521,7 @@
                 </a:r>
                 <a:r>
                   <a:rPr baseline="30000"/>
-                  <a:t>190</a:t>
+                  <a:t>195</a:t>
                 </a:r>
                 <a:r>
                   <a:rPr/>
@@ -24435,7 +24543,7 @@
                 </a:r>
                 <a:r>
                   <a:rPr baseline="30000"/>
-                  <a:t>191</a:t>
+                  <a:t>196</a:t>
                 </a:r>
                 <a:r>
                   <a:rPr/>
@@ -24461,7 +24569,7 @@
                 </a:r>
                 <a:r>
                   <a:rPr baseline="30000"/>
-                  <a:t>192,193</a:t>
+                  <a:t>197,198</a:t>
                 </a:r>
                 <a:r>
                   <a:rPr/>
@@ -25085,7 +25193,7 @@
             </a:r>
             <a:r>
               <a:rPr baseline="30000"/>
-              <a:t>194</a:t>
+              <a:t>199</a:t>
             </a:r>
           </a:p>
           <a:p>
@@ -25145,7 +25253,7 @@
             </a:r>
             <a:r>
               <a:rPr baseline="30000"/>
-              <a:t>195</a:t>
+              <a:t>200</a:t>
             </a:r>
           </a:p>
           <a:p>
@@ -25156,7 +25264,7 @@
             </a:r>
             <a:r>
               <a:rPr baseline="30000"/>
-              <a:t>195</a:t>
+              <a:t>200</a:t>
             </a:r>
           </a:p>
           <a:p>
@@ -25245,7 +25353,7 @@
             </a:r>
             <a:r>
               <a:rPr baseline="30000"/>
-              <a:t>196</a:t>
+              <a:t>201</a:t>
             </a:r>
           </a:p>
           <a:p>
@@ -25262,7 +25370,7 @@
             </a:r>
             <a:r>
               <a:rPr baseline="30000"/>
-              <a:t>197</a:t>
+              <a:t>202</a:t>
             </a:r>
           </a:p>
           <a:p>
@@ -25284,7 +25392,7 @@
             </a:r>
             <a:r>
               <a:rPr baseline="30000"/>
-              <a:t>198</a:t>
+              <a:t>203</a:t>
             </a:r>
             <a:r>
               <a:rPr/>
@@ -25296,7 +25404,7 @@
             </a:r>
             <a:r>
               <a:rPr baseline="30000"/>
-              <a:t>199</a:t>
+              <a:t>204</a:t>
             </a:r>
             <a:r>
               <a:rPr/>
@@ -25413,7 +25521,7 @@
             </a:r>
             <a:r>
               <a:rPr baseline="30000"/>
-              <a:t>200</a:t>
+              <a:t>205</a:t>
             </a:r>
           </a:p>
           <a:p>
@@ -25424,7 +25532,7 @@
             </a:r>
             <a:r>
               <a:rPr baseline="30000"/>
-              <a:t>201</a:t>
+              <a:t>206</a:t>
             </a:r>
             <a:r>
               <a:rPr/>
@@ -25440,7 +25548,7 @@
             </a:r>
             <a:r>
               <a:rPr baseline="30000"/>
-              <a:t>202</a:t>
+              <a:t>207</a:t>
             </a:r>
           </a:p>
           <a:p>
@@ -25451,7 +25559,7 @@
             </a:r>
             <a:r>
               <a:rPr baseline="30000"/>
-              <a:t>201</a:t>
+              <a:t>206</a:t>
             </a:r>
             <a:r>
               <a:rPr/>
@@ -25520,7 +25628,7 @@
             </a:r>
             <a:r>
               <a:rPr baseline="30000"/>
-              <a:t>203</a:t>
+              <a:t>208</a:t>
             </a:r>
             <a:r>
               <a:rPr/>
@@ -25566,7 +25674,7 @@
             </a:r>
             <a:r>
               <a:rPr baseline="30000"/>
-              <a:t>204</a:t>
+              <a:t>209</a:t>
             </a:r>
             <a:r>
               <a:rPr/>
@@ -25628,7 +25736,7 @@
             </a:r>
             <a:r>
               <a:rPr baseline="30000"/>
-              <a:t>205</a:t>
+              <a:t>210</a:t>
             </a:r>
           </a:p>
           <a:p>
@@ -25650,7 +25758,7 @@
             </a:r>
             <a:r>
               <a:rPr baseline="30000"/>
-              <a:t>206</a:t>
+              <a:t>211</a:t>
             </a:r>
             <a:r>
               <a:rPr/>
@@ -25777,7 +25885,7 @@
             </a:r>
             <a:r>
               <a:rPr baseline="30000"/>
-              <a:t>200</a:t>
+              <a:t>205</a:t>
             </a:r>
           </a:p>
           <a:p>
@@ -25788,7 +25896,7 @@
             </a:r>
             <a:r>
               <a:rPr baseline="30000"/>
-              <a:t>200</a:t>
+              <a:t>205</a:t>
             </a:r>
           </a:p>
           <a:p>
@@ -25849,7 +25957,7 @@
             </a:r>
             <a:r>
               <a:rPr baseline="30000"/>
-              <a:t>207</a:t>
+              <a:t>212</a:t>
             </a:r>
           </a:p>
           <a:p>
@@ -25860,7 +25968,7 @@
             </a:r>
             <a:r>
               <a:rPr baseline="30000"/>
-              <a:t>207</a:t>
+              <a:t>212</a:t>
             </a:r>
           </a:p>
           <a:p>
@@ -25871,7 +25979,7 @@
             </a:r>
             <a:r>
               <a:rPr baseline="30000"/>
-              <a:t>207</a:t>
+              <a:t>212</a:t>
             </a:r>
           </a:p>
           <a:p>
@@ -25882,7 +25990,7 @@
             </a:r>
             <a:r>
               <a:rPr baseline="30000"/>
-              <a:t>207</a:t>
+              <a:t>212</a:t>
             </a:r>
           </a:p>
           <a:p>
@@ -25893,7 +26001,7 @@
             </a:r>
             <a:r>
               <a:rPr baseline="30000"/>
-              <a:t>207,208</a:t>
+              <a:t>212,213</a:t>
             </a:r>
           </a:p>
           <a:p>
@@ -25904,7 +26012,7 @@
             </a:r>
             <a:r>
               <a:rPr baseline="30000"/>
-              <a:t>207</a:t>
+              <a:t>212</a:t>
             </a:r>
           </a:p>
           <a:p>
@@ -25915,7 +26023,7 @@
             </a:r>
             <a:r>
               <a:rPr baseline="30000"/>
-              <a:t>207</a:t>
+              <a:t>212</a:t>
             </a:r>
           </a:p>
           <a:p>
@@ -25937,7 +26045,7 @@
             </a:r>
             <a:r>
               <a:rPr baseline="30000"/>
-              <a:t>209</a:t>
+              <a:t>214</a:t>
             </a:r>
             <a:r>
               <a:rPr/>
@@ -25973,7 +26081,7 @@
             </a:r>
             <a:r>
               <a:rPr baseline="30000"/>
-              <a:t>210</a:t>
+              <a:t>215</a:t>
             </a:r>
             <a:r>
               <a:rPr/>
@@ -26009,7 +26117,7 @@
             </a:r>
             <a:r>
               <a:rPr baseline="30000"/>
-              <a:t>211</a:t>
+              <a:t>216</a:t>
             </a:r>
             <a:r>
               <a:rPr/>
@@ -26136,7 +26244,7 @@
             </a:r>
             <a:r>
               <a:rPr baseline="30000"/>
-              <a:t>208</a:t>
+              <a:t>213</a:t>
             </a:r>
           </a:p>
           <a:p>
@@ -26147,7 +26255,7 @@
             </a:r>
             <a:r>
               <a:rPr baseline="30000"/>
-              <a:t>208</a:t>
+              <a:t>213</a:t>
             </a:r>
           </a:p>
           <a:p>
@@ -26186,7 +26294,7 @@
             </a:r>
             <a:r>
               <a:rPr baseline="30000"/>
-              <a:t>208</a:t>
+              <a:t>213</a:t>
             </a:r>
           </a:p>
           <a:p>
@@ -26208,7 +26316,7 @@
             </a:r>
             <a:r>
               <a:rPr baseline="30000"/>
-              <a:t>208</a:t>
+              <a:t>213</a:t>
             </a:r>
           </a:p>
           <a:p>
@@ -26219,7 +26327,7 @@
             </a:r>
             <a:r>
               <a:rPr baseline="30000"/>
-              <a:t>212</a:t>
+              <a:t>217</a:t>
             </a:r>
           </a:p>
           <a:p>
@@ -26230,7 +26338,7 @@
             </a:r>
             <a:r>
               <a:rPr baseline="30000"/>
-              <a:t>208</a:t>
+              <a:t>213</a:t>
             </a:r>
           </a:p>
           <a:p>
@@ -26252,7 +26360,7 @@
             </a:r>
             <a:r>
               <a:rPr baseline="30000"/>
-              <a:t>213</a:t>
+              <a:t>218</a:t>
             </a:r>
             <a:r>
               <a:rPr/>
@@ -26360,7 +26468,7 @@
             </a:r>
             <a:r>
               <a:rPr baseline="30000"/>
-              <a:t>213</a:t>
+              <a:t>218</a:t>
             </a:r>
             <a:r>
               <a:rPr/>
@@ -26498,7 +26606,7 @@
             </a:r>
             <a:r>
               <a:rPr baseline="30000"/>
-              <a:t>214</a:t>
+              <a:t>219</a:t>
             </a:r>
             <a:r>
               <a:rPr/>
@@ -26561,7 +26669,7 @@
             </a:r>
             <a:r>
               <a:rPr baseline="30000"/>
-              <a:t>215</a:t>
+              <a:t>220</a:t>
             </a:r>
             <a:r>
               <a:rPr/>
@@ -28308,7 +28416,7 @@
             </a:r>
             <a:r>
               <a:rPr baseline="30000"/>
-              <a:t>216</a:t>
+              <a:t>221</a:t>
             </a:r>
           </a:p>
           <a:p>
@@ -28323,7 +28431,7 @@
             </a:r>
             <a:r>
               <a:rPr baseline="30000"/>
-              <a:t>217</a:t>
+              <a:t>222</a:t>
             </a:r>
           </a:p>
           <a:p>
@@ -28338,7 +28446,7 @@
             </a:r>
             <a:r>
               <a:rPr baseline="30000"/>
-              <a:t>124</a:t>
+              <a:t>127</a:t>
             </a:r>
           </a:p>
           <a:p>
@@ -28353,7 +28461,7 @@
             </a:r>
             <a:r>
               <a:rPr baseline="30000"/>
-              <a:t>218</a:t>
+              <a:t>223</a:t>
             </a:r>
           </a:p>
           <a:p>
@@ -28368,7 +28476,7 @@
             </a:r>
             <a:r>
               <a:rPr baseline="30000"/>
-              <a:t>219</a:t>
+              <a:t>224</a:t>
             </a:r>
           </a:p>
           <a:p>
@@ -28383,7 +28491,7 @@
             </a:r>
             <a:r>
               <a:rPr baseline="30000"/>
-              <a:t>220</a:t>
+              <a:t>225</a:t>
             </a:r>
           </a:p>
           <a:p>
@@ -28398,7 +28506,7 @@
             </a:r>
             <a:r>
               <a:rPr baseline="30000"/>
-              <a:t>97</a:t>
+              <a:t>100</a:t>
             </a:r>
           </a:p>
           <a:p>
@@ -28413,7 +28521,7 @@
             </a:r>
             <a:r>
               <a:rPr baseline="30000"/>
-              <a:t>221</a:t>
+              <a:t>226</a:t>
             </a:r>
           </a:p>
           <a:p>
@@ -28428,7 +28536,7 @@
             </a:r>
             <a:r>
               <a:rPr baseline="30000"/>
-              <a:t>105</a:t>
+              <a:t>108</a:t>
             </a:r>
           </a:p>
           <a:p>
@@ -28443,7 +28551,7 @@
             </a:r>
             <a:r>
               <a:rPr baseline="30000"/>
-              <a:t>222</a:t>
+              <a:t>227</a:t>
             </a:r>
           </a:p>
           <a:p>
@@ -28458,7 +28566,7 @@
             </a:r>
             <a:r>
               <a:rPr baseline="30000"/>
-              <a:t>223</a:t>
+              <a:t>228</a:t>
             </a:r>
           </a:p>
           <a:p>
@@ -28473,7 +28581,7 @@
             </a:r>
             <a:r>
               <a:rPr baseline="30000"/>
-              <a:t>224</a:t>
+              <a:t>229</a:t>
             </a:r>
           </a:p>
           <a:p>
@@ -28488,7 +28596,7 @@
             </a:r>
             <a:r>
               <a:rPr baseline="30000"/>
-              <a:t>225</a:t>
+              <a:t>230</a:t>
             </a:r>
           </a:p>
           <a:p>
@@ -28503,7 +28611,7 @@
             </a:r>
             <a:r>
               <a:rPr baseline="30000"/>
-              <a:t>226</a:t>
+              <a:t>231</a:t>
             </a:r>
           </a:p>
           <a:p>
@@ -28518,7 +28626,7 @@
             </a:r>
             <a:r>
               <a:rPr baseline="30000"/>
-              <a:t>227</a:t>
+              <a:t>232</a:t>
             </a:r>
           </a:p>
           <a:p>
@@ -28618,7 +28726,7 @@
             </a:r>
             <a:r>
               <a:rPr baseline="30000"/>
-              <a:t>228</a:t>
+              <a:t>233</a:t>
             </a:r>
           </a:p>
           <a:p>
@@ -28633,7 +28741,7 @@
             </a:r>
             <a:r>
               <a:rPr baseline="30000"/>
-              <a:t>229</a:t>
+              <a:t>234</a:t>
             </a:r>
           </a:p>
           <a:p>
@@ -28648,7 +28756,7 @@
             </a:r>
             <a:r>
               <a:rPr baseline="30000"/>
-              <a:t>123</a:t>
+              <a:t>126</a:t>
             </a:r>
           </a:p>
           <a:p>
@@ -30381,7 +30489,7 @@
             </a:r>
             <a:r>
               <a:rPr baseline="30000"/>
-              <a:t>230</a:t>
+              <a:t>235</a:t>
             </a:r>
           </a:p>
           <a:p>
@@ -32540,7 +32648,15 @@
             </a:pPr>
             <a:r>
               <a:rPr/>
-              <a:t>78. R Core Team. R: A language and environment for statistical computing. 2022. </a:t>
+              <a:t>78. R Core Team. </a:t>
+            </a:r>
+            <a:r>
+              <a:rPr i="1"/>
+              <a:t>R: A Language and Environment for Statistical Computing</a:t>
+            </a:r>
+            <a:r>
+              <a:rPr/>
+              <a:t>. Vienna, Austria: R Foundation for Statistical Computing; 2023. </a:t>
             </a:r>
             <a:r>
               <a:rPr>
@@ -32807,12 +32923,57 @@
             </a:pPr>
             <a:r>
               <a:rPr/>
-              <a:t>91. R Core Team. R: A language and environment for statistical computing. 2023. </a:t>
+              <a:t>91. Petersen AH, Ekstrøm CT. dataMaid: Your assistant for documenting supervised data quality screening in r. 2019;90. doi:</a:t>
             </a:r>
             <a:r>
               <a:rPr>
                 <a:hlinkClick r:id="rId92"/>
               </a:rPr>
+              <a:t>10.18637/jss.v090.i06</a:t>
+            </a:r>
+          </a:p>
+          <a:p>
+            <a:pPr lvl="0" indent="0" marL="0">
+              <a:buNone/>
+            </a:pPr>
+            <a:r>
+              <a:rPr/>
+              <a:t>92. Cui B. DataExplorer: Automate data exploration and treatment. 2020. </a:t>
+            </a:r>
+            <a:r>
+              <a:rPr>
+                <a:hlinkClick r:id="rId93"/>
+              </a:rPr>
+              <a:t>https://CRAN.R-project.org/package=DataExplorer.</a:t>
+            </a:r>
+          </a:p>
+          <a:p>
+            <a:pPr lvl="0" indent="0" marL="0">
+              <a:buNone/>
+            </a:pPr>
+            <a:r>
+              <a:rPr/>
+              <a:t>93. Dayanand Ubrangala, R K, Prasad Kondapalli R, Putatunda S. SmartEDA: Summarize and explore the data. 2022. </a:t>
+            </a:r>
+            <a:r>
+              <a:rPr>
+                <a:hlinkClick r:id="rId94"/>
+              </a:rPr>
+              <a:t>https://CRAN.R-project.org/package=SmartEDA.</a:t>
+            </a:r>
+          </a:p>
+          <a:p>
+            <a:pPr lvl="0" indent="0" marL="0">
+              <a:buNone/>
+            </a:pPr>
+            <a:r>
+              <a:rPr/>
+              <a:t>94. R Core Team. R: A language and environment for statistical computing. 2023. </a:t>
+            </a:r>
+            <a:r>
+              <a:rPr>
+                <a:hlinkClick r:id="rId95"/>
+              </a:rPr>
               <a:t>https://www.R-project.org/.</a:t>
             </a:r>
           </a:p>
@@ -32822,11 +32983,11 @@
             </a:pPr>
             <a:r>
               <a:rPr/>
-              <a:t>92. Cui B. DataExplorer: Automate data exploration and treatment. 2020. </a:t>
-            </a:r>
-            <a:r>
-              <a:rPr>
-                <a:hlinkClick r:id="rId93"/>
+              <a:t>95. Cui B. DataExplorer: Automate data exploration and treatment. 2020. </a:t>
+            </a:r>
+            <a:r>
+              <a:rPr>
+                <a:hlinkClick r:id="rId96"/>
               </a:rPr>
               <a:t>https://CRAN.R-project.org/package=DataExplorer.</a:t>
             </a:r>
@@ -32837,7 +32998,7 @@
             </a:pPr>
             <a:r>
               <a:rPr/>
-              <a:t>93. Cummings P, Rivara FP. Reporting Statistical Information in Medical Journal Articles. </a:t>
+              <a:t>96. Cummings P, Rivara FP. Reporting Statistical Information in Medical Journal Articles. </a:t>
             </a:r>
             <a:r>
               <a:rPr i="1"/>
@@ -32849,7 +33010,7 @@
             </a:r>
             <a:r>
               <a:rPr>
-                <a:hlinkClick r:id="rId94"/>
+                <a:hlinkClick r:id="rId97"/>
               </a:rPr>
               <a:t>10.1001/archpedi.157.4.321</a:t>
             </a:r>
@@ -32860,7 +33021,7 @@
             </a:pPr>
             <a:r>
               <a:rPr/>
-              <a:t>94. Inskip H, Ntani G, Westbury L, et al. Getting started with tables. </a:t>
+              <a:t>97. Inskip H, Ntani G, Westbury L, et al. Getting started with tables. </a:t>
             </a:r>
             <a:r>
               <a:rPr i="1"/>
@@ -32872,7 +33033,7 @@
             </a:r>
             <a:r>
               <a:rPr>
-                <a:hlinkClick r:id="rId95"/>
+                <a:hlinkClick r:id="rId98"/>
               </a:rPr>
               <a:t>10.1186/s13690-017-0180-1</a:t>
             </a:r>
@@ -32883,7 +33044,7 @@
             </a:pPr>
             <a:r>
               <a:rPr/>
-              <a:t>95. Chen H, Lu Y, Slye N. Testing for baseline differences in clinical trials. </a:t>
+              <a:t>98. Chen H, Lu Y, Slye N. Testing for baseline differences in clinical trials. </a:t>
             </a:r>
             <a:r>
               <a:rPr i="1"/>
@@ -32895,7 +33056,7 @@
             </a:r>
             <a:r>
               <a:rPr>
-                <a:hlinkClick r:id="rId96"/>
+                <a:hlinkClick r:id="rId99"/>
               </a:rPr>
               <a:t>10.18203/2349-3259.ijct20201720</a:t>
             </a:r>
@@ -32906,7 +33067,7 @@
             </a:pPr>
             <a:r>
               <a:rPr/>
-              <a:t>96. Greenhalgh T. How to read a paper: Statistics for the non-statistician. I: Different types of data need different statistical tests. </a:t>
+              <a:t>99. Greenhalgh T. How to read a paper: Statistics for the non-statistician. I: Different types of data need different statistical tests. </a:t>
             </a:r>
             <a:r>
               <a:rPr i="1"/>
@@ -32918,7 +33079,7 @@
             </a:r>
             <a:r>
               <a:rPr>
-                <a:hlinkClick r:id="rId97"/>
+                <a:hlinkClick r:id="rId100"/>
               </a:rPr>
               <a:t>10.1136/bmj.315.7104.364</a:t>
             </a:r>
@@ -32929,7 +33090,7 @@
             </a:pPr>
             <a:r>
               <a:rPr/>
-              <a:t>97. Hayes-Larson E, Kezios KL, Mooney SJ, Lovasi G. Who is in this study, anyway? Guidelines for a useful Table 1. </a:t>
+              <a:t>100. Hayes-Larson E, Kezios KL, Mooney SJ, Lovasi G. Who is in this study, anyway? Guidelines for a useful Table 1. </a:t>
             </a:r>
             <a:r>
               <a:rPr i="1"/>
@@ -32941,7 +33102,7 @@
             </a:r>
             <a:r>
               <a:rPr>
-                <a:hlinkClick r:id="rId98"/>
+                <a:hlinkClick r:id="rId101"/>
               </a:rPr>
               <a:t>10.1016/j.jclinepi.2019.06.011</a:t>
             </a:r>
@@ -32952,7 +33113,7 @@
             </a:pPr>
             <a:r>
               <a:rPr/>
-              <a:t>98. Kwak SG, Kang H, Kim JH, et al. The principles of presenting statistical results: Table. </a:t>
+              <a:t>101. Kwak SG, Kang H, Kim JH, et al. The principles of presenting statistical results: Table. </a:t>
             </a:r>
             <a:r>
               <a:rPr i="1"/>
@@ -32964,7 +33125,7 @@
             </a:r>
             <a:r>
               <a:rPr>
-                <a:hlinkClick r:id="rId99"/>
+                <a:hlinkClick r:id="rId102"/>
               </a:rPr>
               <a:t>10.4097/kja.20582</a:t>
             </a:r>
@@ -32975,11 +33136,11 @@
             </a:pPr>
             <a:r>
               <a:rPr/>
-              <a:t>99. Rich B. table1: Tables of descriptive statistics in HTML. 2023. </a:t>
-            </a:r>
-            <a:r>
-              <a:rPr>
-                <a:hlinkClick r:id="rId100"/>
+              <a:t>102. Rich B. table1: Tables of descriptive statistics in HTML. 2023. </a:t>
+            </a:r>
+            <a:r>
+              <a:rPr>
+                <a:hlinkClick r:id="rId103"/>
               </a:rPr>
               <a:t>https://CRAN.R-project.org/package=table1.</a:t>
             </a:r>
@@ -32990,7 +33151,7 @@
             </a:pPr>
             <a:r>
               <a:rPr/>
-              <a:t>100. Park JH, Lee DK, Kang H, et al. The principles of presenting statistical results using figures. </a:t>
+              <a:t>103. Park JH, Lee DK, Kang H, et al. The principles of presenting statistical results using figures. </a:t>
             </a:r>
             <a:r>
               <a:rPr i="1"/>
@@ -33002,7 +33163,7 @@
             </a:r>
             <a:r>
               <a:rPr>
-                <a:hlinkClick r:id="rId101"/>
+                <a:hlinkClick r:id="rId104"/>
               </a:rPr>
               <a:t>10.4097/kja.21508</a:t>
             </a:r>
@@ -33013,11 +33174,11 @@
             </a:pPr>
             <a:r>
               <a:rPr/>
-              <a:t>101. Wickham H. ggplot2: Elegant graphics for data analysis. 2016. </a:t>
-            </a:r>
-            <a:r>
-              <a:rPr>
-                <a:hlinkClick r:id="rId102"/>
+              <a:t>104. Wickham H. ggplot2: Elegant graphics for data analysis. 2016. </a:t>
+            </a:r>
+            <a:r>
+              <a:rPr>
+                <a:hlinkClick r:id="rId105"/>
               </a:rPr>
               <a:t>https://ggplot2.tidyverse.org.</a:t>
             </a:r>
@@ -33028,11 +33189,11 @@
             </a:pPr>
             <a:r>
               <a:rPr/>
-              <a:t>102. Sievert C. Interactive web-based data visualization with r, plotly, and shiny. 2020. </a:t>
-            </a:r>
-            <a:r>
-              <a:rPr>
-                <a:hlinkClick r:id="rId103"/>
+              <a:t>105. Sievert C. Interactive web-based data visualization with r, plotly, and shiny. 2020. </a:t>
+            </a:r>
+            <a:r>
+              <a:rPr>
+                <a:hlinkClick r:id="rId106"/>
               </a:rPr>
               <a:t>https://plotly-r.com.</a:t>
             </a:r>
@@ -33043,11 +33204,11 @@
             </a:pPr>
             <a:r>
               <a:rPr/>
-              <a:t>103. Wei T, Simko V. R package ’corrplot’: Visualization of a correlation matrix. 2021. </a:t>
-            </a:r>
-            <a:r>
-              <a:rPr>
-                <a:hlinkClick r:id="rId104"/>
+              <a:t>106. Wei T, Simko V. R package ’corrplot’: Visualization of a correlation matrix. 2021. </a:t>
+            </a:r>
+            <a:r>
+              <a:rPr>
+                <a:hlinkClick r:id="rId107"/>
               </a:rPr>
               <a:t>https://github.com/taiyun/corrplot.</a:t>
             </a:r>
@@ -33058,7 +33219,7 @@
             </a:pPr>
             <a:r>
               <a:rPr/>
-              <a:t>104. Cumming G, Fidler F, Vaux DL. Error bars in experimental biology. </a:t>
+              <a:t>107. Cumming G, Fidler F, Vaux DL. Error bars in experimental biology. </a:t>
             </a:r>
             <a:r>
               <a:rPr i="1"/>
@@ -33070,7 +33231,7 @@
             </a:r>
             <a:r>
               <a:rPr>
-                <a:hlinkClick r:id="rId105"/>
+                <a:hlinkClick r:id="rId108"/>
               </a:rPr>
               <a:t>10.1083/jcb.200611141</a:t>
             </a:r>
@@ -33081,7 +33242,7 @@
             </a:pPr>
             <a:r>
               <a:rPr/>
-              <a:t>105. Weissgerber TL, Winham SJ, Heinzen EP, et al. Reveal, Don’t Conceal. </a:t>
+              <a:t>108. Weissgerber TL, Winham SJ, Heinzen EP, et al. Reveal, Don’t Conceal. </a:t>
             </a:r>
             <a:r>
               <a:rPr i="1"/>
@@ -33093,7 +33254,7 @@
             </a:r>
             <a:r>
               <a:rPr>
-                <a:hlinkClick r:id="rId106"/>
+                <a:hlinkClick r:id="rId109"/>
               </a:rPr>
               <a:t>10.1161/circulationaha.118.037777</a:t>
             </a:r>
@@ -33104,11 +33265,11 @@
             </a:pPr>
             <a:r>
               <a:rPr/>
-              <a:t>106. Xiao N. Ggsci: Scientific journal and sci-fi themed color palettes for ’ggplot2’. 2023. </a:t>
-            </a:r>
-            <a:r>
-              <a:rPr>
-                <a:hlinkClick r:id="rId107"/>
+              <a:t>109. Xiao N. Ggsci: Scientific journal and sci-fi themed color palettes for ’ggplot2’. 2023. </a:t>
+            </a:r>
+            <a:r>
+              <a:rPr>
+                <a:hlinkClick r:id="rId110"/>
               </a:rPr>
               <a:t>https://CRAN.R-project.org/package=ggsci.</a:t>
             </a:r>
@@ -33119,7 +33280,7 @@
             </a:pPr>
             <a:r>
               <a:rPr/>
-              <a:t>107. Goodman SN. Toward Evidence-Based Medical Statistics. 1: The P Value Fallacy. </a:t>
+              <a:t>110. Goodman SN. Toward Evidence-Based Medical Statistics. 1: The P Value Fallacy. </a:t>
             </a:r>
             <a:r>
               <a:rPr i="1"/>
@@ -33131,7 +33292,7 @@
             </a:r>
             <a:r>
               <a:rPr>
-                <a:hlinkClick r:id="rId108"/>
+                <a:hlinkClick r:id="rId111"/>
               </a:rPr>
               <a:t>10.7326/0003-4819-130-12-199906150-00008</a:t>
             </a:r>
@@ -33142,7 +33303,7 @@
             </a:pPr>
             <a:r>
               <a:rPr/>
-              <a:t>108. Curran-Everett D. Explorations in statistics: hypothesis tests and </a:t>
+              <a:t>111. Curran-Everett D. Explorations in statistics: hypothesis tests and </a:t>
             </a:r>
             <a:r>
               <a:rPr i="1"/>
@@ -33162,7 +33323,7 @@
             </a:r>
             <a:r>
               <a:rPr>
-                <a:hlinkClick r:id="rId109"/>
+                <a:hlinkClick r:id="rId112"/>
               </a:rPr>
               <a:t>10.1152/advan.90218.2008</a:t>
             </a:r>
@@ -33173,7 +33334,7 @@
             </a:pPr>
             <a:r>
               <a:rPr/>
-              <a:t>109. Vandenbroucke JP, Pearce N. From ideas to studies: how to get ideas and sharpen them into research questions. </a:t>
+              <a:t>112. Vandenbroucke JP, Pearce N. From ideas to studies: how to get ideas and sharpen them into research questions. </a:t>
             </a:r>
             <a:r>
               <a:rPr i="1"/>
@@ -33185,7 +33346,7 @@
             </a:r>
             <a:r>
               <a:rPr>
-                <a:hlinkClick r:id="rId110"/>
+                <a:hlinkClick r:id="rId113"/>
               </a:rPr>
               <a:t>10.2147/clep.s142940</a:t>
             </a:r>
@@ -33196,7 +33357,7 @@
             </a:pPr>
             <a:r>
               <a:rPr/>
-              <a:t>110. Altman DG, Bland JM. Statistics notes: Absence of evidence is not evidence of absence. </a:t>
+              <a:t>113. Altman DG, Bland JM. Statistics notes: Absence of evidence is not evidence of absence. </a:t>
             </a:r>
             <a:r>
               <a:rPr i="1"/>
@@ -33208,7 +33369,7 @@
             </a:r>
             <a:r>
               <a:rPr>
-                <a:hlinkClick r:id="rId111"/>
+                <a:hlinkClick r:id="rId114"/>
               </a:rPr>
               <a:t>10.1136/bmj.311.7003.485</a:t>
             </a:r>
@@ -33219,7 +33380,7 @@
             </a:pPr>
             <a:r>
               <a:rPr/>
-              <a:t>111. Goodman SN. Aligning statistical and scientific reasoning. </a:t>
+              <a:t>114. Goodman SN. Aligning statistical and scientific reasoning. </a:t>
             </a:r>
             <a:r>
               <a:rPr i="1"/>
@@ -33231,7 +33392,7 @@
             </a:r>
             <a:r>
               <a:rPr>
-                <a:hlinkClick r:id="rId112"/>
+                <a:hlinkClick r:id="rId115"/>
               </a:rPr>
               <a:t>10.1126/science.aaf5406</a:t>
             </a:r>
@@ -33242,7 +33403,7 @@
             </a:pPr>
             <a:r>
               <a:rPr/>
-              <a:t>112. Aylmer Fisher R. The arrangement of field experiments. </a:t>
+              <a:t>115. Aylmer Fisher R. The arrangement of field experiments. </a:t>
             </a:r>
             <a:r>
               <a:rPr i="1"/>
@@ -33254,7 +33415,7 @@
             </a:r>
             <a:r>
               <a:rPr>
-                <a:hlinkClick r:id="rId113"/>
+                <a:hlinkClick r:id="rId116"/>
               </a:rPr>
               <a:t>10.23637/ROTHAMSTED.8V61Q</a:t>
             </a:r>
@@ -33265,7 +33426,7 @@
             </a:pPr>
             <a:r>
               <a:rPr/>
-              <a:t>113. Lakens D, Scheel AM, Isager PM. Equivalence Testing for Psychological Research: A Tutorial. </a:t>
+              <a:t>116. Lakens D, Scheel AM, Isager PM. Equivalence Testing for Psychological Research: A Tutorial. </a:t>
             </a:r>
             <a:r>
               <a:rPr i="1"/>
@@ -33277,7 +33438,7 @@
             </a:r>
             <a:r>
               <a:rPr>
-                <a:hlinkClick r:id="rId114"/>
+                <a:hlinkClick r:id="rId117"/>
               </a:rPr>
               <a:t>10.1177/2515245918770963</a:t>
             </a:r>
@@ -33288,7 +33449,7 @@
             </a:pPr>
             <a:r>
               <a:rPr/>
-              <a:t>114. Greenhalgh T. How to read a paper: Statistics for the non-statistician. II: ̈Significanẗ relations and their pitfalls. </a:t>
+              <a:t>117. Greenhalgh T. How to read a paper: Statistics for the non-statistician. II: ̈Significanẗ relations and their pitfalls. </a:t>
             </a:r>
             <a:r>
               <a:rPr i="1"/>
@@ -33300,7 +33461,7 @@
             </a:r>
             <a:r>
               <a:rPr>
-                <a:hlinkClick r:id="rId115"/>
+                <a:hlinkClick r:id="rId118"/>
               </a:rPr>
               <a:t>10.1136/bmj.315.7105.422</a:t>
             </a:r>
@@ -33311,7 +33472,7 @@
             </a:pPr>
             <a:r>
               <a:rPr/>
-              <a:t>115. Weintraub PG. The Importance of Publishing Negative Results. </a:t>
+              <a:t>118. Weintraub PG. The Importance of Publishing Negative Results. </a:t>
             </a:r>
             <a:r>
               <a:rPr i="1"/>
@@ -33323,7 +33484,7 @@
             </a:r>
             <a:r>
               <a:rPr>
-                <a:hlinkClick r:id="rId116"/>
+                <a:hlinkClick r:id="rId119"/>
               </a:rPr>
               <a:t>10.1093/jisesa/iew092</a:t>
             </a:r>
@@ -33334,7 +33495,7 @@
             </a:pPr>
             <a:r>
               <a:rPr/>
-              <a:t>116. Sullivan GM, Feinn R. Using Effect Sizeor Why the </a:t>
+              <a:t>119. Sullivan GM, Feinn R. Using Effect Sizeor Why the </a:t>
             </a:r>
             <a:r>
               <a:rPr i="1"/>
@@ -33354,7 +33515,7 @@
             </a:r>
             <a:r>
               <a:rPr>
-                <a:hlinkClick r:id="rId117"/>
+                <a:hlinkClick r:id="rId120"/>
               </a:rPr>
               <a:t>10.4300/jgme-d-12-00156.1</a:t>
             </a:r>
@@ -33365,7 +33526,7 @@
             </a:pPr>
             <a:r>
               <a:rPr/>
-              <a:t>117. Wasserstein RL, Lazar NA. The ASA Statement on </a:t>
+              <a:t>120. Wasserstein RL, Lazar NA. The ASA Statement on </a:t>
             </a:r>
             <a:r>
               <a:rPr i="1"/>
@@ -33385,7 +33546,7 @@
             </a:r>
             <a:r>
               <a:rPr>
-                <a:hlinkClick r:id="rId118"/>
+                <a:hlinkClick r:id="rId121"/>
               </a:rPr>
               <a:t>10.1080/00031305.2016.1154108</a:t>
             </a:r>
@@ -33396,7 +33557,7 @@
             </a:pPr>
             <a:r>
               <a:rPr/>
-              <a:t>118. Altman N, Krzywinski M. P values and the search for significance. </a:t>
+              <a:t>121. Altman N, Krzywinski M. P values and the search for significance. </a:t>
             </a:r>
             <a:r>
               <a:rPr i="1"/>
@@ -33408,7 +33569,7 @@
             </a:r>
             <a:r>
               <a:rPr>
-                <a:hlinkClick r:id="rId119"/>
+                <a:hlinkClick r:id="rId122"/>
               </a:rPr>
               <a:t>10.1038/nmeth.4120</a:t>
             </a:r>
@@ -33419,7 +33580,7 @@
             </a:pPr>
             <a:r>
               <a:rPr/>
-              <a:t>119. Heinze G, Dunkler D. Five myths about variable selection. </a:t>
+              <a:t>122. Heinze G, Dunkler D. Five myths about variable selection. </a:t>
             </a:r>
             <a:r>
               <a:rPr i="1"/>
@@ -33431,7 +33592,7 @@
             </a:r>
             <a:r>
               <a:rPr>
-                <a:hlinkClick r:id="rId120"/>
+                <a:hlinkClick r:id="rId123"/>
               </a:rPr>
               <a:t>10.1111/tri.12895</a:t>
             </a:r>
@@ -33442,7 +33603,7 @@
             </a:pPr>
             <a:r>
               <a:rPr/>
-              <a:t>120. Kim HY. Statistical notes for clinical researchers: effect size. </a:t>
+              <a:t>123. Kim HY. Statistical notes for clinical researchers: effect size. </a:t>
             </a:r>
             <a:r>
               <a:rPr i="1"/>
@@ -33454,7 +33615,7 @@
             </a:r>
             <a:r>
               <a:rPr>
-                <a:hlinkClick r:id="rId121"/>
+                <a:hlinkClick r:id="rId124"/>
               </a:rPr>
               <a:t>10.5395/rde.2015.40.4.328</a:t>
             </a:r>
@@ -33465,7 +33626,7 @@
             </a:pPr>
             <a:r>
               <a:rPr/>
-              <a:t>121. Heckman MG, Davis JM, Crowson CS. Post Hoc Power Calculations: An Inappropriate Method for Interpreting the Findings of a Research Study. </a:t>
+              <a:t>124. Heckman MG, Davis JM, Crowson CS. Post Hoc Power Calculations: An Inappropriate Method for Interpreting the Findings of a Research Study. </a:t>
             </a:r>
             <a:r>
               <a:rPr i="1"/>
@@ -33477,7 +33638,7 @@
             </a:r>
             <a:r>
               <a:rPr>
-                <a:hlinkClick r:id="rId122"/>
+                <a:hlinkClick r:id="rId125"/>
               </a:rPr>
               <a:t>10.3899/jrheum.211115</a:t>
             </a:r>
@@ -33488,7 +33649,7 @@
             </a:pPr>
             <a:r>
               <a:rPr/>
-              <a:t>122. Breznau N, Rinke EM, Wuttke A, et al. Observing many researchers using the same data and hypothesis reveals a hidden universe of uncertainty. </a:t>
+              <a:t>125. Breznau N, Rinke EM, Wuttke A, et al. Observing many researchers using the same data and hypothesis reveals a hidden universe of uncertainty. </a:t>
             </a:r>
             <a:r>
               <a:rPr i="1"/>
@@ -33500,7 +33661,7 @@
             </a:r>
             <a:r>
               <a:rPr>
-                <a:hlinkClick r:id="rId123"/>
+                <a:hlinkClick r:id="rId126"/>
               </a:rPr>
               <a:t>10.1073/pnas.2203150119</a:t>
             </a:r>
@@ -33511,7 +33672,7 @@
             </a:pPr>
             <a:r>
               <a:rPr/>
-              <a:t>123. Dwivedi AK, Shukla R. Evidence-based statistical analysis and methods in biomedical research (SAMBR) checklists according to design features. </a:t>
+              <a:t>126. Dwivedi AK, Shukla R. Evidence-based statistical analysis and methods in biomedical research (SAMBR) checklists according to design features. </a:t>
             </a:r>
             <a:r>
               <a:rPr i="1"/>
@@ -33523,7 +33684,7 @@
             </a:r>
             <a:r>
               <a:rPr>
-                <a:hlinkClick r:id="rId124"/>
+                <a:hlinkClick r:id="rId127"/>
               </a:rPr>
               <a:t>10.1002/cnr2.1211</a:t>
             </a:r>
@@ -33534,7 +33695,7 @@
             </a:pPr>
             <a:r>
               <a:rPr/>
-              <a:t>124. Dwivedi AK. How to Write Statistical Analysis Section in Medical Research. </a:t>
+              <a:t>127. Dwivedi AK. How to Write Statistical Analysis Section in Medical Research. </a:t>
             </a:r>
             <a:r>
               <a:rPr i="1"/>
@@ -33546,7 +33707,7 @@
             </a:r>
             <a:r>
               <a:rPr>
-                <a:hlinkClick r:id="rId125"/>
+                <a:hlinkClick r:id="rId128"/>
               </a:rPr>
               <a:t>10.1136/jim-2022-002479</a:t>
             </a:r>
@@ -33557,7 +33718,7 @@
             </a:pPr>
             <a:r>
               <a:rPr/>
-              <a:t>125. Kim N, Fischer AH, Dyring-Andersen B, Rosner B, Okoye GA. Research Techniques Made Simple: Choosing Appropriate Statistical Methods for Clinical Research. </a:t>
+              <a:t>128. Kim N, Fischer AH, Dyring-Andersen B, Rosner B, Okoye GA. Research Techniques Made Simple: Choosing Appropriate Statistical Methods for Clinical Research. </a:t>
             </a:r>
             <a:r>
               <a:rPr i="1"/>
@@ -33569,7 +33730,7 @@
             </a:r>
             <a:r>
               <a:rPr>
-                <a:hlinkClick r:id="rId126"/>
+                <a:hlinkClick r:id="rId129"/>
               </a:rPr>
               <a:t>10.1016/j.jid.2017.08.007</a:t>
             </a:r>
@@ -33580,7 +33741,7 @@
             </a:pPr>
             <a:r>
               <a:rPr/>
-              <a:t>126. Marusteri M, Bacarea V. Comparing groups for statistical differences: How to choose the right statistical test? </a:t>
+              <a:t>129. Marusteri M, Bacarea V. Comparing groups for statistical differences: How to choose the right statistical test? </a:t>
             </a:r>
             <a:r>
               <a:rPr i="1"/>
@@ -33592,7 +33753,7 @@
             </a:r>
             <a:r>
               <a:rPr>
-                <a:hlinkClick r:id="rId127"/>
+                <a:hlinkClick r:id="rId130"/>
               </a:rPr>
               <a:t>10.11613/bm.2010.004</a:t>
             </a:r>
@@ -33603,7 +33764,7 @@
             </a:pPr>
             <a:r>
               <a:rPr/>
-              <a:t>127. Mishra P, Pandey C, Singh U, Keshri A, Sabaretnam M. Selection of appropriate statistical methods for data analysis. </a:t>
+              <a:t>130. Mishra P, Pandey C, Singh U, Keshri A, Sabaretnam M. Selection of appropriate statistical methods for data analysis. </a:t>
             </a:r>
             <a:r>
               <a:rPr i="1"/>
@@ -33615,7 +33776,7 @@
             </a:r>
             <a:r>
               <a:rPr>
-                <a:hlinkClick r:id="rId128"/>
+                <a:hlinkClick r:id="rId131"/>
               </a:rPr>
               <a:t>10.4103/aca.aca_248_18</a:t>
             </a:r>
@@ -33626,7 +33787,7 @@
             </a:pPr>
             <a:r>
               <a:rPr/>
-              <a:t>128. Ray A, Najmi A, Sadasivam B. How to choose and interpret a statistical test? An update for budding researchers. </a:t>
+              <a:t>131. Ray A, Najmi A, Sadasivam B. How to choose and interpret a statistical test? An update for budding researchers. </a:t>
             </a:r>
             <a:r>
               <a:rPr i="1"/>
@@ -33638,7 +33799,7 @@
             </a:r>
             <a:r>
               <a:rPr>
-                <a:hlinkClick r:id="rId129"/>
+                <a:hlinkClick r:id="rId132"/>
               </a:rPr>
               <a:t>10.4103/jfmpc.jfmpc_433_21</a:t>
             </a:r>
@@ -33649,7 +33810,7 @@
             </a:pPr>
             <a:r>
               <a:rPr/>
-              <a:t>129. Nayak B, Hazra A. How to choose the right statistical test? </a:t>
+              <a:t>132. Nayak B, Hazra A. How to choose the right statistical test? </a:t>
             </a:r>
             <a:r>
               <a:rPr i="1"/>
@@ -33661,7 +33822,7 @@
             </a:r>
             <a:r>
               <a:rPr>
-                <a:hlinkClick r:id="rId130"/>
+                <a:hlinkClick r:id="rId133"/>
               </a:rPr>
               <a:t>10.4103/0301-4738.77005</a:t>
             </a:r>
@@ -33672,7 +33833,7 @@
             </a:pPr>
             <a:r>
               <a:rPr/>
-              <a:t>130. Shankar S, Singh R. Demystifying statistics: How to choose a statistical test? </a:t>
+              <a:t>133. Shankar S, Singh R. Demystifying statistics: How to choose a statistical test? </a:t>
             </a:r>
             <a:r>
               <a:rPr i="1"/>
@@ -33684,7 +33845,7 @@
             </a:r>
             <a:r>
               <a:rPr>
-                <a:hlinkClick r:id="rId131"/>
+                <a:hlinkClick r:id="rId134"/>
               </a:rPr>
               <a:t>10.1016/j.injr.2014.04.002</a:t>
             </a:r>
@@ -33695,11 +33856,11 @@
             </a:pPr>
             <a:r>
               <a:rPr/>
-              <a:t>131. Diedenhofen B, Musch J. Cocor: A comprehensive solution for the statistical comparison of correlations. 2015;10:e0121945. doi:</a:t>
-            </a:r>
-            <a:r>
-              <a:rPr>
-                <a:hlinkClick r:id="rId132"/>
+              <a:t>134. Diedenhofen B, Musch J. Cocor: A comprehensive solution for the statistical comparison of correlations. 2015;10:e0121945. doi:</a:t>
+            </a:r>
+            <a:r>
+              <a:rPr>
+                <a:hlinkClick r:id="rId135"/>
               </a:rPr>
               <a:t>10.1371/journal.pone.0121945</a:t>
             </a:r>
@@ -33710,11 +33871,11 @@
             </a:pPr>
             <a:r>
               <a:rPr/>
-              <a:t>132. Diedenhofen B, Musch J. Cocor: A comprehensive solution for the statistical comparison of correlations. 2015;10:e0121945. doi:</a:t>
-            </a:r>
-            <a:r>
-              <a:rPr>
-                <a:hlinkClick r:id="rId133"/>
+              <a:t>135. Diedenhofen B, Musch J. Cocor: A comprehensive solution for the statistical comparison of correlations. 2015;10:e0121945. doi:</a:t>
+            </a:r>
+            <a:r>
+              <a:rPr>
+                <a:hlinkClick r:id="rId136"/>
               </a:rPr>
               <a:t>10.1371/journal.pone.0121945</a:t>
             </a:r>
@@ -33725,7 +33886,7 @@
             </a:pPr>
             <a:r>
               <a:rPr/>
-              <a:t>133. Khamis H. Measures of Association: How to Choose? </a:t>
+              <a:t>136. Khamis H. Measures of Association: How to Choose? </a:t>
             </a:r>
             <a:r>
               <a:rPr i="1"/>
@@ -33737,7 +33898,7 @@
             </a:r>
             <a:r>
               <a:rPr>
-                <a:hlinkClick r:id="rId134"/>
+                <a:hlinkClick r:id="rId137"/>
               </a:rPr>
               <a:t>10.1177/8756479308317006</a:t>
             </a:r>
@@ -33748,7 +33909,7 @@
             </a:pPr>
             <a:r>
               <a:rPr/>
-              <a:t>134. Allison JS, Santana L, (Jaco) Visagie IJH. A primer on simple measures of association taught at undergraduate level. </a:t>
+              <a:t>137. Allison JS, Santana L, (Jaco) Visagie IJH. A primer on simple measures of association taught at undergraduate level. </a:t>
             </a:r>
             <a:r>
               <a:rPr i="1"/>
@@ -33760,7 +33921,7 @@
             </a:r>
             <a:r>
               <a:rPr>
-                <a:hlinkClick r:id="rId135"/>
+                <a:hlinkClick r:id="rId138"/>
               </a:rPr>
               <a:t>10.1111/test.12307</a:t>
             </a:r>
@@ -33771,7 +33932,22 @@
             </a:pPr>
             <a:r>
               <a:rPr/>
-              <a:t>135. McHugh ML. The chi-square test of independence. </a:t>
+              <a:t>138. Wei T, Simko V. R package ’corrplot’: Visualization of a correlation matrix. 2021. </a:t>
+            </a:r>
+            <a:r>
+              <a:rPr>
+                <a:hlinkClick r:id="rId139"/>
+              </a:rPr>
+              <a:t>https://github.com/taiyun/corrplot.</a:t>
+            </a:r>
+          </a:p>
+          <a:p>
+            <a:pPr lvl="0" indent="0" marL="0">
+              <a:buNone/>
+            </a:pPr>
+            <a:r>
+              <a:rPr/>
+              <a:t>139. McHugh ML. The chi-square test of independence. </a:t>
             </a:r>
             <a:r>
               <a:rPr i="1"/>
@@ -33783,7 +33959,7 @@
             </a:r>
             <a:r>
               <a:rPr>
-                <a:hlinkClick r:id="rId136"/>
+                <a:hlinkClick r:id="rId140"/>
               </a:rPr>
               <a:t>10.11613/bm.2013.018</a:t>
             </a:r>
@@ -33794,7 +33970,7 @@
             </a:pPr>
             <a:r>
               <a:rPr/>
-              <a:t>136. Kim HY. Statistical notes for clinical researchers: Chi-squared test and Fisher’s exact test. </a:t>
+              <a:t>140. Kim HY. Statistical notes for clinical researchers: Chi-squared test and Fisher’s exact test. </a:t>
             </a:r>
             <a:r>
               <a:rPr i="1"/>
@@ -33806,7 +33982,7 @@
             </a:r>
             <a:r>
               <a:rPr>
-                <a:hlinkClick r:id="rId137"/>
+                <a:hlinkClick r:id="rId141"/>
               </a:rPr>
               <a:t>10.5395/rde.2017.42.2.152</a:t>
             </a:r>
@@ -33817,11 +33993,11 @@
             </a:pPr>
             <a:r>
               <a:rPr/>
-              <a:t>137. Sjoberg DD, Whiting K, Curry M, Lavery JA, Larmarange J. Reproducible summary tables with the gtsummary package. 2021;13:570-580. doi:</a:t>
-            </a:r>
-            <a:r>
-              <a:rPr>
-                <a:hlinkClick r:id="rId138"/>
+              <a:t>141. Sjoberg DD, Whiting K, Curry M, Lavery JA, Larmarange J. Reproducible summary tables with the gtsummary package. 2021;13:570-580. doi:</a:t>
+            </a:r>
+            <a:r>
+              <a:rPr>
+                <a:hlinkClick r:id="rId142"/>
               </a:rPr>
               <a:t>10.32614/RJ-2021-053</a:t>
             </a:r>
@@ -33832,7 +34008,7 @@
             </a:pPr>
             <a:r>
               <a:rPr/>
-              <a:t>138. Bandoli G, Palmsten K, Chambers CD, Jelliffe-Pawlowski LL, Baer RJ, Thompson CA. Revisiting the Table 2 fallacy: A motivating example examining preeclampsia and preterm birth. </a:t>
+              <a:t>142. Bandoli G, Palmsten K, Chambers CD, Jelliffe-Pawlowski LL, Baer RJ, Thompson CA. Revisiting the Table 2 fallacy: A motivating example examining preeclampsia and preterm birth. </a:t>
             </a:r>
             <a:r>
               <a:rPr i="1"/>
@@ -33844,7 +34020,7 @@
             </a:r>
             <a:r>
               <a:rPr>
-                <a:hlinkClick r:id="rId139"/>
+                <a:hlinkClick r:id="rId143"/>
               </a:rPr>
               <a:t>10.1111/ppe.12474</a:t>
             </a:r>
@@ -33855,7 +34031,7 @@
             </a:pPr>
             <a:r>
               <a:rPr/>
-              <a:t>139. Suits DB. Use of Dummy Variables in Regression Equations. </a:t>
+              <a:t>143. Suits DB. Use of Dummy Variables in Regression Equations. </a:t>
             </a:r>
             <a:r>
               <a:rPr i="1"/>
@@ -33867,7 +34043,7 @@
             </a:r>
             <a:r>
               <a:rPr>
-                <a:hlinkClick r:id="rId140"/>
+                <a:hlinkClick r:id="rId144"/>
               </a:rPr>
               <a:t>10.1080/01621459.1957.10501412</a:t>
             </a:r>
@@ -33878,7 +34054,7 @@
             </a:pPr>
             <a:r>
               <a:rPr/>
-              <a:t>140. Healy MJ. Statistics from the inside. 16. Multiple regression (2). </a:t>
+              <a:t>144. Healy MJ. Statistics from the inside. 16. Multiple regression (2). </a:t>
             </a:r>
             <a:r>
               <a:rPr i="1"/>
@@ -33890,7 +34066,7 @@
             </a:r>
             <a:r>
               <a:rPr>
-                <a:hlinkClick r:id="rId141"/>
+                <a:hlinkClick r:id="rId145"/>
               </a:rPr>
               <a:t>10.1136/adc.73.3.270</a:t>
             </a:r>
@@ -33901,11 +34077,11 @@
             </a:pPr>
             <a:r>
               <a:rPr/>
-              <a:t>141. Kaplan J. fastDummies: Fast creation of dummy (binary) columns and rows from categorical variables. 2023. </a:t>
-            </a:r>
-            <a:r>
-              <a:rPr>
-                <a:hlinkClick r:id="rId142"/>
+              <a:t>145. Kaplan J. fastDummies: Fast creation of dummy (binary) columns and rows from categorical variables. 2023. </a:t>
+            </a:r>
+            <a:r>
+              <a:rPr>
+                <a:hlinkClick r:id="rId146"/>
               </a:rPr>
               <a:t>https://CRAN.R-project.org/package=fastDummies.</a:t>
             </a:r>
@@ -33916,7 +34092,7 @@
             </a:pPr>
             <a:r>
               <a:rPr/>
-              <a:t>142. Hidalgo B, Goodman M. Multivariate or Multivariable Regression? </a:t>
+              <a:t>146. Hidalgo B, Goodman M. Multivariate or Multivariable Regression? </a:t>
             </a:r>
             <a:r>
               <a:rPr i="1"/>
@@ -33928,7 +34104,7 @@
             </a:r>
             <a:r>
               <a:rPr>
-                <a:hlinkClick r:id="rId143"/>
+                <a:hlinkClick r:id="rId147"/>
               </a:rPr>
               <a:t>10.2105/ajph.2012.300897</a:t>
             </a:r>
@@ -33939,11 +34115,11 @@
             </a:pPr>
             <a:r>
               <a:rPr/>
-              <a:t>143. Arel-Bundock V. Modelsummary: Data and model summaries in r. 2022;103. doi:</a:t>
-            </a:r>
-            <a:r>
-              <a:rPr>
-                <a:hlinkClick r:id="rId144"/>
+              <a:t>147. Arel-Bundock V. Modelsummary: Data and model summaries in r. 2022;103. doi:</a:t>
+            </a:r>
+            <a:r>
+              <a:rPr>
+                <a:hlinkClick r:id="rId148"/>
               </a:rPr>
               <a:t>10.18637/jss.v103.i01</a:t>
             </a:r>
@@ -33954,7 +34130,7 @@
             </a:pPr>
             <a:r>
               <a:rPr/>
-              <a:t>144. Bours MJL. Using mediators to understand effect modification and interaction. </a:t>
+              <a:t>148. Bours MJL. Using mediators to understand effect modification and interaction. </a:t>
             </a:r>
             <a:r>
               <a:rPr i="1"/>
@@ -33966,7 +34142,7 @@
             </a:r>
             <a:r>
               <a:rPr>
-                <a:hlinkClick r:id="rId145"/>
+                <a:hlinkClick r:id="rId149"/>
               </a:rPr>
               <a:t>10.1016/j.jclinepi.2023.09.005</a:t>
             </a:r>
@@ -33977,7 +34153,7 @@
             </a:pPr>
             <a:r>
               <a:rPr/>
-              <a:t>145. Altman DG, Matthews JNS. Statistics Notes: Interaction 1: heterogeneity of effects. </a:t>
+              <a:t>149. Altman DG, Matthews JNS. Statistics Notes: Interaction 1: heterogeneity of effects. </a:t>
             </a:r>
             <a:r>
               <a:rPr i="1"/>
@@ -33989,7 +34165,7 @@
             </a:r>
             <a:r>
               <a:rPr>
-                <a:hlinkClick r:id="rId146"/>
+                <a:hlinkClick r:id="rId150"/>
               </a:rPr>
               <a:t>10.1136/bmj.313.7055.486</a:t>
             </a:r>
@@ -34000,7 +34176,7 @@
             </a:pPr>
             <a:r>
               <a:rPr/>
-              <a:t>146. Baron RM, Kenny DA. The moderatormediator variable distinction in social psychological research: Conceptual, strategic, and statistical considerations. </a:t>
+              <a:t>150. Baron RM, Kenny DA. The moderatormediator variable distinction in social psychological research: Conceptual, strategic, and statistical considerations. </a:t>
             </a:r>
             <a:r>
               <a:rPr i="1"/>
@@ -34012,7 +34188,7 @@
             </a:r>
             <a:r>
               <a:rPr>
-                <a:hlinkClick r:id="rId147"/>
+                <a:hlinkClick r:id="rId151"/>
               </a:rPr>
               <a:t>10.1037/0022-3514.51.6.1173</a:t>
             </a:r>
@@ -34023,7 +34199,7 @@
             </a:pPr>
             <a:r>
               <a:rPr/>
-              <a:t>147. DALES LG, URY HK. An Improper Use of Statistical Significance Testing in Studying Covariables. </a:t>
+              <a:t>151. DALES LG, URY HK. An Improper Use of Statistical Significance Testing in Studying Covariables. </a:t>
             </a:r>
             <a:r>
               <a:rPr i="1"/>
@@ -34035,7 +34211,7 @@
             </a:r>
             <a:r>
               <a:rPr>
-                <a:hlinkClick r:id="rId148"/>
+                <a:hlinkClick r:id="rId152"/>
               </a:rPr>
               <a:t>10.1093/ije/7.4.373</a:t>
             </a:r>
@@ -34046,7 +34222,7 @@
             </a:pPr>
             <a:r>
               <a:rPr/>
-              <a:t>148. Sun GW, Shook TL, Kay GL. Inappropriate use of bivariable analysis to screen risk factors for use in multivariable analysis. </a:t>
+              <a:t>152. Sun GW, Shook TL, Kay GL. Inappropriate use of bivariable analysis to screen risk factors for use in multivariable analysis. </a:t>
             </a:r>
             <a:r>
               <a:rPr i="1"/>
@@ -34058,7 +34234,7 @@
             </a:r>
             <a:r>
               <a:rPr>
-                <a:hlinkClick r:id="rId149"/>
+                <a:hlinkClick r:id="rId153"/>
               </a:rPr>
               <a:t>10.1016/0895-4356(96)00025-x</a:t>
             </a:r>
@@ -34069,7 +34245,7 @@
             </a:pPr>
             <a:r>
               <a:rPr/>
-              <a:t>149. Grant MJ, Booth A. A typology of reviews: an analysis of 14 review types and associated methodologies. </a:t>
+              <a:t>153. Grant MJ, Booth A. A typology of reviews: an analysis of 14 review types and associated methodologies. </a:t>
             </a:r>
             <a:r>
               <a:rPr i="1"/>
@@ -34081,7 +34257,7 @@
             </a:r>
             <a:r>
               <a:rPr>
-                <a:hlinkClick r:id="rId150"/>
+                <a:hlinkClick r:id="rId154"/>
               </a:rPr>
               <a:t>10.1111/j.1471-1842.2009.00848.x</a:t>
             </a:r>
@@ -34092,7 +34268,7 @@
             </a:pPr>
             <a:r>
               <a:rPr/>
-              <a:t>150. Sut N. Study designs in medicine. </a:t>
+              <a:t>154. Sut N. Study designs in medicine. </a:t>
             </a:r>
             <a:r>
               <a:rPr i="1"/>
@@ -34104,7 +34280,7 @@
             </a:r>
             <a:r>
               <a:rPr>
-                <a:hlinkClick r:id="rId151"/>
+                <a:hlinkClick r:id="rId155"/>
               </a:rPr>
               <a:t>10.5152/balkanmedj.2014.1408</a:t>
             </a:r>
@@ -34115,7 +34291,7 @@
             </a:pPr>
             <a:r>
               <a:rPr/>
-              <a:t>151. Souza AC de, Alexandre NMC, Guirardello E de B, Souza AC de, Alexandre NMC, Guirardello E de B. Propriedades psicométricas na avaliação de instrumentos: avaliação da confiabilidade e da validade. </a:t>
+              <a:t>155. Souza AC de, Alexandre NMC, Guirardello E de B, Souza AC de, Alexandre NMC, Guirardello E de B. Propriedades psicométricas na avaliação de instrumentos: avaliação da confiabilidade e da validade. </a:t>
             </a:r>
             <a:r>
               <a:rPr i="1"/>
@@ -34127,7 +34303,7 @@
             </a:r>
             <a:r>
               <a:rPr>
-                <a:hlinkClick r:id="rId152"/>
+                <a:hlinkClick r:id="rId156"/>
               </a:rPr>
               <a:t>10.5123/s1679-49742017000300022</a:t>
             </a:r>
@@ -34138,7 +34314,7 @@
             </a:pPr>
             <a:r>
               <a:rPr/>
-              <a:t>152. Reeves BC, Wells GA, Waddington H. Quasi-experimental study designs seriespaper 5: a checklist for classifying studies evaluating the effects on health interventionsa taxonomy without labels. </a:t>
+              <a:t>156. Reeves BC, Wells GA, Waddington H. Quasi-experimental study designs seriespaper 5: a checklist for classifying studies evaluating the effects on health interventionsa taxonomy without labels. </a:t>
             </a:r>
             <a:r>
               <a:rPr i="1"/>
@@ -34150,7 +34326,7 @@
             </a:r>
             <a:r>
               <a:rPr>
-                <a:hlinkClick r:id="rId153"/>
+                <a:hlinkClick r:id="rId157"/>
               </a:rPr>
               <a:t>10.1016/j.jclinepi.2017.02.016</a:t>
             </a:r>
@@ -34161,7 +34337,7 @@
             </a:pPr>
             <a:r>
               <a:rPr/>
-              <a:t>153. Echevarría-Guanilo ME, Gonçalves N, Romanoski PJ. PSYCHOMETRIC PROPERTIES OF MEASUREMENT INSTRUMENTS: CONCEPTUAL BASIS AND EVALUATION METHODS - PART II. </a:t>
+              <a:t>157. Echevarría-Guanilo ME, Gonçalves N, Romanoski PJ. PSYCHOMETRIC PROPERTIES OF MEASUREMENT INSTRUMENTS: CONCEPTUAL BASIS AND EVALUATION METHODS - PART II. </a:t>
             </a:r>
             <a:r>
               <a:rPr i="1"/>
@@ -34173,7 +34349,7 @@
             </a:r>
             <a:r>
               <a:rPr>
-                <a:hlinkClick r:id="rId154"/>
+                <a:hlinkClick r:id="rId158"/>
               </a:rPr>
               <a:t>10.1590/1980-265x-tce-2017-0311</a:t>
             </a:r>
@@ -34184,7 +34360,7 @@
             </a:pPr>
             <a:r>
               <a:rPr/>
-              <a:t>154. Chassé M, Fergusson DA. Diagnostic Accuracy Studies. </a:t>
+              <a:t>158. Chassé M, Fergusson DA. Diagnostic Accuracy Studies. </a:t>
             </a:r>
             <a:r>
               <a:rPr i="1"/>
@@ -34196,7 +34372,7 @@
             </a:r>
             <a:r>
               <a:rPr>
-                <a:hlinkClick r:id="rId155"/>
+                <a:hlinkClick r:id="rId159"/>
               </a:rPr>
               <a:t>10.1053/j.semnuclmed.2018.11.005</a:t>
             </a:r>
@@ -34207,7 +34383,7 @@
             </a:pPr>
             <a:r>
               <a:rPr/>
-              <a:t>155. Chidambaram AG, Josephson M. Clinical research study designs: The essentials. </a:t>
+              <a:t>159. Chidambaram AG, Josephson M. Clinical research study designs: The essentials. </a:t>
             </a:r>
             <a:r>
               <a:rPr i="1"/>
@@ -34219,7 +34395,7 @@
             </a:r>
             <a:r>
               <a:rPr>
-                <a:hlinkClick r:id="rId156"/>
+                <a:hlinkClick r:id="rId160"/>
               </a:rPr>
               <a:t>10.1002/ped4.12166</a:t>
             </a:r>
@@ -34230,7 +34406,7 @@
             </a:pPr>
             <a:r>
               <a:rPr/>
-              <a:t>156. Erdemir A, Mulugeta L, Ku JP, et al. Credible practice of modeling and simulation in healthcare: ten rules from a multidisciplinary perspective. </a:t>
+              <a:t>160. Erdemir A, Mulugeta L, Ku JP, et al. Credible practice of modeling and simulation in healthcare: ten rules from a multidisciplinary perspective. </a:t>
             </a:r>
             <a:r>
               <a:rPr i="1"/>
@@ -34242,7 +34418,7 @@
             </a:r>
             <a:r>
               <a:rPr>
-                <a:hlinkClick r:id="rId157"/>
+                <a:hlinkClick r:id="rId161"/>
               </a:rPr>
               <a:t>10.1186/s12967-020-02540-4</a:t>
             </a:r>
@@ -34253,7 +34429,7 @@
             </a:pPr>
             <a:r>
               <a:rPr/>
-              <a:t>157. Yang B, Olsen M, Vali Y, et al. Study designs for comparative diagnostic test accuracy: A methodological review and classification scheme. </a:t>
+              <a:t>161. Yang B, Olsen M, Vali Y, et al. Study designs for comparative diagnostic test accuracy: A methodological review and classification scheme. </a:t>
             </a:r>
             <a:r>
               <a:rPr i="1"/>
@@ -34265,7 +34441,7 @@
             </a:r>
             <a:r>
               <a:rPr>
-                <a:hlinkClick r:id="rId158"/>
+                <a:hlinkClick r:id="rId162"/>
               </a:rPr>
               <a:t>10.1016/j.jclinepi.2021.04.013</a:t>
             </a:r>
@@ -34276,7 +34452,7 @@
             </a:pPr>
             <a:r>
               <a:rPr/>
-              <a:t>158. Chipman H, Bingham D. Let’s practice what we preach: Planning and interpreting simulation studies with design and analysis of experiments. </a:t>
+              <a:t>162. Chipman H, Bingham D. Let’s practice what we preach: Planning and interpreting simulation studies with design and analysis of experiments. </a:t>
             </a:r>
             <a:r>
               <a:rPr i="1"/>
@@ -34288,7 +34464,7 @@
             </a:r>
             <a:r>
               <a:rPr>
-                <a:hlinkClick r:id="rId159"/>
+                <a:hlinkClick r:id="rId163"/>
               </a:rPr>
               <a:t>10.1002/cjs.11719</a:t>
             </a:r>
@@ -34299,7 +34475,7 @@
             </a:pPr>
             <a:r>
               <a:rPr/>
-              <a:t>159. Donthu N, Kumar S, Mukherjee D, Pandey N, Lim WM. How to conduct a bibliometric analysis: An overview and guidelines. </a:t>
+              <a:t>163. Donthu N, Kumar S, Mukherjee D, Pandey N, Lim WM. How to conduct a bibliometric analysis: An overview and guidelines. </a:t>
             </a:r>
             <a:r>
               <a:rPr i="1"/>
@@ -34311,7 +34487,7 @@
             </a:r>
             <a:r>
               <a:rPr>
-                <a:hlinkClick r:id="rId160"/>
+                <a:hlinkClick r:id="rId164"/>
               </a:rPr>
               <a:t>10.1016/j.jbusres.2021.04.070</a:t>
             </a:r>
@@ -34322,7 +34498,7 @@
             </a:pPr>
             <a:r>
               <a:rPr/>
-              <a:t>160. Lim WM, Kumar S. Guidelines for interpreting the results of bibliometric analysis: A sensemaking approach. </a:t>
+              <a:t>164. Lim WM, Kumar S. Guidelines for interpreting the results of bibliometric analysis: A sensemaking approach. </a:t>
             </a:r>
             <a:r>
               <a:rPr i="1"/>
@@ -34334,7 +34510,7 @@
             </a:r>
             <a:r>
               <a:rPr>
-                <a:hlinkClick r:id="rId161"/>
+                <a:hlinkClick r:id="rId165"/>
               </a:rPr>
               <a:t>10.1002/joe.22229</a:t>
             </a:r>
@@ -34345,7 +34521,7 @@
             </a:pPr>
             <a:r>
               <a:rPr/>
-              <a:t>161. Bland JM, Altman DG. Statistics notes: Matching. </a:t>
+              <a:t>165. Bland JM, Altman DG. Statistics notes: Matching. </a:t>
             </a:r>
             <a:r>
               <a:rPr i="1"/>
@@ -34357,7 +34533,7 @@
             </a:r>
             <a:r>
               <a:rPr>
-                <a:hlinkClick r:id="rId162"/>
+                <a:hlinkClick r:id="rId166"/>
               </a:rPr>
               <a:t>10.1136/bmj.309.6962.1128</a:t>
             </a:r>
@@ -34368,7 +34544,7 @@
             </a:pPr>
             <a:r>
               <a:rPr/>
-              <a:t>162. Bland JM, Altman DG. Comparisons within randomised groups can be very misleading. </a:t>
+              <a:t>166. Bland JM, Altman DG. Comparisons within randomised groups can be very misleading. </a:t>
             </a:r>
             <a:r>
               <a:rPr i="1"/>
@@ -34380,7 +34556,7 @@
             </a:r>
             <a:r>
               <a:rPr>
-                <a:hlinkClick r:id="rId163"/>
+                <a:hlinkClick r:id="rId167"/>
               </a:rPr>
               <a:t>10.1136/bmj.d561</a:t>
             </a:r>
@@ -34391,7 +34567,7 @@
             </a:pPr>
             <a:r>
               <a:rPr/>
-              <a:t>163. Bruce CL, Juszczak E, Ogollah R, Partlett C, Montgomery A. A systematic review of randomisation method use in RCTs and association of trial design characteristics with method selection. </a:t>
+              <a:t>167. Bruce CL, Juszczak E, Ogollah R, Partlett C, Montgomery A. A systematic review of randomisation method use in RCTs and association of trial design characteristics with method selection. </a:t>
             </a:r>
             <a:r>
               <a:rPr i="1"/>
@@ -34403,7 +34579,7 @@
             </a:r>
             <a:r>
               <a:rPr>
-                <a:hlinkClick r:id="rId164"/>
+                <a:hlinkClick r:id="rId168"/>
               </a:rPr>
               <a:t>10.1186/s12874-022-01786-4</a:t>
             </a:r>
@@ -34414,7 +34590,7 @@
             </a:pPr>
             <a:r>
               <a:rPr/>
-              <a:t>164. Vickers AJ, Altman DG. Statistics Notes: Analysing controlled trials with baseline and follow up measurements. </a:t>
+              <a:t>168. Vickers AJ, Altman DG. Statistics Notes: Analysing controlled trials with baseline and follow up measurements. </a:t>
             </a:r>
             <a:r>
               <a:rPr i="1"/>
@@ -34426,7 +34602,7 @@
             </a:r>
             <a:r>
               <a:rPr>
-                <a:hlinkClick r:id="rId165"/>
+                <a:hlinkClick r:id="rId169"/>
               </a:rPr>
               <a:t>10.1136/bmj.323.7321.1123</a:t>
             </a:r>
@@ -34437,7 +34613,7 @@
             </a:pPr>
             <a:r>
               <a:rPr/>
-              <a:t>165. O Connell NS, Dai L, Jiang Y, et al. Methods for analysis of pre-post data in clinical research: A comparison of five common methods. </a:t>
+              <a:t>169. O Connell NS, Dai L, Jiang Y, et al. Methods for analysis of pre-post data in clinical research: A comparison of five common methods. </a:t>
             </a:r>
             <a:r>
               <a:rPr i="1"/>
@@ -34449,7 +34625,7 @@
             </a:r>
             <a:r>
               <a:rPr>
-                <a:hlinkClick r:id="rId166"/>
+                <a:hlinkClick r:id="rId170"/>
               </a:rPr>
               <a:t>10.4172/2155-6180.1000334</a:t>
             </a:r>
@@ -34460,7 +34636,7 @@
             </a:pPr>
             <a:r>
               <a:rPr/>
-              <a:t>166. Cao Y, Allore H, Vander Wyk B, Gutman R. Review and evaluation of imputation methods for multivariate longitudinal data with mixed-type incomplete variables. </a:t>
+              <a:t>170. Cao Y, Allore H, Vander Wyk B, Gutman R. Review and evaluation of imputation methods for multivariate longitudinal data with mixed-type incomplete variables. </a:t>
             </a:r>
             <a:r>
               <a:rPr i="1"/>
@@ -34472,7 +34648,7 @@
             </a:r>
             <a:r>
               <a:rPr>
-                <a:hlinkClick r:id="rId167"/>
+                <a:hlinkClick r:id="rId171"/>
               </a:rPr>
               <a:t>10.1002/sim.9592</a:t>
             </a:r>
@@ -34483,7 +34659,7 @@
             </a:pPr>
             <a:r>
               <a:rPr/>
-              <a:t>167. Kahan BC, Jairath V, Doré CJ, Morris TP. The risks and rewards of covariate adjustment in randomized trials: an assessment of 12 outcomes from 8 studies. </a:t>
+              <a:t>171. Kahan BC, Jairath V, Doré CJ, Morris TP. The risks and rewards of covariate adjustment in randomized trials: an assessment of 12 outcomes from 8 studies. </a:t>
             </a:r>
             <a:r>
               <a:rPr i="1"/>
@@ -34495,7 +34671,7 @@
             </a:r>
             <a:r>
               <a:rPr>
-                <a:hlinkClick r:id="rId168"/>
+                <a:hlinkClick r:id="rId172"/>
               </a:rPr>
               <a:t>10.1186/1745-6215-15-139</a:t>
             </a:r>
@@ -34506,7 +34682,7 @@
             </a:pPr>
             <a:r>
               <a:rPr/>
-              <a:t>168. Roberts C, Torgerson DJ. Understanding controlled trials: Baseline imbalance in randomised controlled trials. </a:t>
+              <a:t>172. Roberts C, Torgerson DJ. Understanding controlled trials: Baseline imbalance in randomised controlled trials. </a:t>
             </a:r>
             <a:r>
               <a:rPr i="1"/>
@@ -34518,7 +34694,7 @@
             </a:r>
             <a:r>
               <a:rPr>
-                <a:hlinkClick r:id="rId169"/>
+                <a:hlinkClick r:id="rId173"/>
               </a:rPr>
               <a:t>10.1136/bmj.319.7203.185</a:t>
             </a:r>
@@ -34529,7 +34705,7 @@
             </a:pPr>
             <a:r>
               <a:rPr/>
-              <a:t>169. Hauck WW, Anderson S, Marcus SM. Should We Adjust for Covariates in Nonlinear Regression Analyses of Randomized Trials? </a:t>
+              <a:t>173. Hauck WW, Anderson S, Marcus SM. Should We Adjust for Covariates in Nonlinear Regression Analyses of Randomized Trials? </a:t>
             </a:r>
             <a:r>
               <a:rPr i="1"/>
@@ -34541,7 +34717,7 @@
             </a:r>
             <a:r>
               <a:rPr>
-                <a:hlinkClick r:id="rId170"/>
+                <a:hlinkClick r:id="rId174"/>
               </a:rPr>
               <a:t>10.1016/s0197-2456(97)00147-5</a:t>
             </a:r>
@@ -34552,7 +34728,7 @@
             </a:pPr>
             <a:r>
               <a:rPr/>
-              <a:t>170. Stang A, Baethge C. Imbalance &lt;em&gt;p&lt;/em&gt; values for baseline covariates in randomized controlled trials: a last resort for the use of &lt;em&gt;p&lt;/em&gt; values? A pro and contra debate. </a:t>
+              <a:t>174. Stang A, Baethge C. Imbalance &lt;em&gt;p&lt;/em&gt; values for baseline covariates in randomized controlled trials: a last resort for the use of &lt;em&gt;p&lt;/em&gt; values? A pro and contra debate. </a:t>
             </a:r>
             <a:r>
               <a:rPr i="1"/>
@@ -34564,7 +34740,7 @@
             </a:r>
             <a:r>
               <a:rPr>
-                <a:hlinkClick r:id="rId171"/>
+                <a:hlinkClick r:id="rId175"/>
               </a:rPr>
               <a:t>10.2147/clep.s161508</a:t>
             </a:r>
@@ -34575,7 +34751,7 @@
             </a:pPr>
             <a:r>
               <a:rPr/>
-              <a:t>171. Bolzern JE, Mitchell A, Torgerson DJ. Baseline testing in cluster randomised controlled trials: should this be done? </a:t>
+              <a:t>175. Bolzern JE, Mitchell A, Torgerson DJ. Baseline testing in cluster randomised controlled trials: should this be done? </a:t>
             </a:r>
             <a:r>
               <a:rPr i="1"/>
@@ -34587,7 +34763,7 @@
             </a:r>
             <a:r>
               <a:rPr>
-                <a:hlinkClick r:id="rId172"/>
+                <a:hlinkClick r:id="rId176"/>
               </a:rPr>
               <a:t>10.1186/s12874-019-0750-8</a:t>
             </a:r>
@@ -34598,11 +34774,11 @@
             </a:pPr>
             <a:r>
               <a:rPr/>
-              <a:t>172. Gruijters SLK. Baseline comparisons and covariate fishing: Bad statistical habits we should have broken yesterday. July 2020. </a:t>
-            </a:r>
-            <a:r>
-              <a:rPr>
-                <a:hlinkClick r:id="rId173"/>
+              <a:t>176. Gruijters SLK. Baseline comparisons and covariate fishing: Bad statistical habits we should have broken yesterday. July 2020. </a:t>
+            </a:r>
+            <a:r>
+              <a:rPr>
+                <a:hlinkClick r:id="rId177"/>
               </a:rPr>
               <a:t>http://dx.doi.org/10.31234/osf.io/qftwg.</a:t>
             </a:r>
@@ -34613,7 +34789,7 @@
             </a:pPr>
             <a:r>
               <a:rPr/>
-              <a:t>173. Matthews JNS, Altman DG. Statistics Notes: Interaction 2: compare effect sizes not P values. </a:t>
+              <a:t>177. Matthews JNS, Altman DG. Statistics Notes: Interaction 2: compare effect sizes not P values. </a:t>
             </a:r>
             <a:r>
               <a:rPr i="1"/>
@@ -34625,7 +34801,7 @@
             </a:r>
             <a:r>
               <a:rPr>
-                <a:hlinkClick r:id="rId174"/>
+                <a:hlinkClick r:id="rId178"/>
               </a:rPr>
               <a:t>10.1136/bmj.313.7060.808</a:t>
             </a:r>
@@ -34636,7 +34812,7 @@
             </a:pPr>
             <a:r>
               <a:rPr/>
-              <a:t>174. Altman DG. Statistics notes: Interaction revisited: The difference between two estimates. </a:t>
+              <a:t>178. Altman DG. Statistics notes: Interaction revisited: The difference between two estimates. </a:t>
             </a:r>
             <a:r>
               <a:rPr i="1"/>
@@ -34648,7 +34824,7 @@
             </a:r>
             <a:r>
               <a:rPr>
-                <a:hlinkClick r:id="rId175"/>
+                <a:hlinkClick r:id="rId179"/>
               </a:rPr>
               <a:t>10.1136/bmj.326.7382.219</a:t>
             </a:r>
@@ -34659,7 +34835,7 @@
             </a:pPr>
             <a:r>
               <a:rPr/>
-              <a:t>175. Steckelberg A, Balgenorth A, Berger J, Mühlhauser I. Explaining computation of predictive values: 2 × 2 table versus frequency tree. A randomized controlled trial [ISRCTN74278823]. </a:t>
+              <a:t>179. Steckelberg A, Balgenorth A, Berger J, Mühlhauser I. Explaining computation of predictive values: 2 × 2 table versus frequency tree. A randomized controlled trial [ISRCTN74278823]. </a:t>
             </a:r>
             <a:r>
               <a:rPr i="1"/>
@@ -34671,7 +34847,7 @@
             </a:r>
             <a:r>
               <a:rPr>
-                <a:hlinkClick r:id="rId176"/>
+                <a:hlinkClick r:id="rId180"/>
               </a:rPr>
               <a:t>10.1186/1472-6920-4-13</a:t>
             </a:r>
@@ -34682,7 +34858,7 @@
             </a:pPr>
             <a:r>
               <a:rPr/>
-              <a:t>176. Greenhalgh T. How to read a paper: Papers that report diagnostic or screening tests. </a:t>
+              <a:t>180. Greenhalgh T. How to read a paper: Papers that report diagnostic or screening tests. </a:t>
             </a:r>
             <a:r>
               <a:rPr i="1"/>
@@ -34694,7 +34870,7 @@
             </a:r>
             <a:r>
               <a:rPr>
-                <a:hlinkClick r:id="rId177"/>
+                <a:hlinkClick r:id="rId181"/>
               </a:rPr>
               <a:t>10.1136/bmj.315.7107.540</a:t>
             </a:r>
@@ -34705,11 +34881,11 @@
             </a:pPr>
             <a:r>
               <a:rPr/>
-              <a:t>177. Neth H, Gaisbauer F, Gradwohl N, Gaissmaier W. Riskyr: Rendering risk literacy more transparent. 2022. </a:t>
-            </a:r>
-            <a:r>
-              <a:rPr>
-                <a:hlinkClick r:id="rId178"/>
+              <a:t>181. Neth H, Gaisbauer F, Gradwohl N, Gaissmaier W. Riskyr: Rendering risk literacy more transparent. 2022. </a:t>
+            </a:r>
+            <a:r>
+              <a:rPr>
+                <a:hlinkClick r:id="rId182"/>
               </a:rPr>
               <a:t>https://CRAN.R-project.org/package=riskyr.</a:t>
             </a:r>
@@ -34720,7 +34896,30 @@
             </a:pPr>
             <a:r>
               <a:rPr/>
-              <a:t>178. Hond AAH de, Steyerberg EW, Calster B van. Interpreting area under the receiver operating characteristic curve. </a:t>
+              <a:t>182. Kuhn, Max. Building predictive models in r using the caret package. </a:t>
+            </a:r>
+            <a:r>
+              <a:rPr i="1"/>
+              <a:t>Journal of Statistical Software</a:t>
+            </a:r>
+            <a:r>
+              <a:rPr/>
+              <a:t>. 2008;28(5):1-26. doi:</a:t>
+            </a:r>
+            <a:r>
+              <a:rPr>
+                <a:hlinkClick r:id="rId183"/>
+              </a:rPr>
+              <a:t>10.18637/jss.v028.i05</a:t>
+            </a:r>
+          </a:p>
+          <a:p>
+            <a:pPr lvl="0" indent="0" marL="0">
+              <a:buNone/>
+            </a:pPr>
+            <a:r>
+              <a:rPr/>
+              <a:t>183. Hond AAH de, Steyerberg EW, Calster B van. Interpreting area under the receiver operating characteristic curve. </a:t>
             </a:r>
             <a:r>
               <a:rPr i="1"/>
@@ -34732,7 +34931,7 @@
             </a:r>
             <a:r>
               <a:rPr>
-                <a:hlinkClick r:id="rId179"/>
+                <a:hlinkClick r:id="rId184"/>
               </a:rPr>
               <a:t>10.1016/s2589-7500(22)00188-1</a:t>
             </a:r>
@@ -34743,16 +34942,16 @@
             </a:pPr>
             <a:r>
               <a:rPr/>
-              <a:t>179. Robin X, Turck N, Hainard A, et al. pROC: An open-source package for r and s+ to analyze and compare ROC curves. 2011;12:77.</a:t>
-            </a:r>
-          </a:p>
-          <a:p>
-            <a:pPr lvl="0" indent="0" marL="0">
-              <a:buNone/>
-            </a:pPr>
-            <a:r>
-              <a:rPr/>
-              <a:t>180. Ferreira ADS, Meziat-Filho N, Ferreira APA. Double threshold receiver operating characteristic plot for three-modal continuous predictors. </a:t>
+              <a:t>184. Robin X, Turck N, Hainard A, et al. pROC: An open-source package for r and s+ to analyze and compare ROC curves. 2011;12:77.</a:t>
+            </a:r>
+          </a:p>
+          <a:p>
+            <a:pPr lvl="0" indent="0" marL="0">
+              <a:buNone/>
+            </a:pPr>
+            <a:r>
+              <a:rPr/>
+              <a:t>185. Ferreira ADS, Meziat-Filho N, Ferreira APA. Double threshold receiver operating characteristic plot for three-modal continuous predictors. </a:t>
             </a:r>
             <a:r>
               <a:rPr i="1"/>
@@ -34764,7 +34963,7 @@
             </a:r>
             <a:r>
               <a:rPr>
-                <a:hlinkClick r:id="rId180"/>
+                <a:hlinkClick r:id="rId185"/>
               </a:rPr>
               <a:t>10.1007/s00180-021-01080-9</a:t>
             </a:r>
@@ -34775,7 +34974,7 @@
             </a:pPr>
             <a:r>
               <a:rPr/>
-              <a:t>181. Altman DG, Bland JM. Measurement in medicine: The analysis of method comparison studies. </a:t>
+              <a:t>186. Altman DG, Bland JM. Measurement in medicine: The analysis of method comparison studies. </a:t>
             </a:r>
             <a:r>
               <a:rPr i="1"/>
@@ -34787,7 +34986,7 @@
             </a:r>
             <a:r>
               <a:rPr>
-                <a:hlinkClick r:id="rId181"/>
+                <a:hlinkClick r:id="rId186"/>
               </a:rPr>
               <a:t>10.2307/2987937</a:t>
             </a:r>
@@ -34798,7 +34997,7 @@
             </a:pPr>
             <a:r>
               <a:rPr/>
-              <a:t>182. Scott WA. Reliability of content analysis: The case of nominal scale coding. </a:t>
+              <a:t>187. Scott WA. Reliability of content analysis: The case of nominal scale coding. </a:t>
             </a:r>
             <a:r>
               <a:rPr i="1"/>
@@ -34810,7 +35009,7 @@
             </a:r>
             <a:r>
               <a:rPr>
-                <a:hlinkClick r:id="rId182"/>
+                <a:hlinkClick r:id="rId187"/>
               </a:rPr>
               <a:t>10.1086/266577</a:t>
             </a:r>
@@ -34821,7 +35020,7 @@
             </a:pPr>
             <a:r>
               <a:rPr/>
-              <a:t>183. Cohen J. A Coefficient of Agreement for Nominal Scales. </a:t>
+              <a:t>188. Cohen J. A Coefficient of Agreement for Nominal Scales. </a:t>
             </a:r>
             <a:r>
               <a:rPr i="1"/>
@@ -34833,7 +35032,7 @@
             </a:r>
             <a:r>
               <a:rPr>
-                <a:hlinkClick r:id="rId183"/>
+                <a:hlinkClick r:id="rId188"/>
               </a:rPr>
               <a:t>10.1177/001316446002000104</a:t>
             </a:r>
@@ -34844,7 +35043,7 @@
             </a:pPr>
             <a:r>
               <a:rPr/>
-              <a:t>184. I. Mathematical contributions to the theory of evolution. VII. On the correlation of characters not quantitatively measurable. </a:t>
+              <a:t>189. I. Mathematical contributions to the theory of evolution. VII. On the correlation of characters not quantitatively measurable. </a:t>
             </a:r>
             <a:r>
               <a:rPr i="1"/>
@@ -34856,7 +35055,7 @@
             </a:r>
             <a:r>
               <a:rPr>
-                <a:hlinkClick r:id="rId184"/>
+                <a:hlinkClick r:id="rId189"/>
               </a:rPr>
               <a:t>10.1098/rsta.1900.0022</a:t>
             </a:r>
@@ -34867,7 +35066,7 @@
             </a:pPr>
             <a:r>
               <a:rPr/>
-              <a:t>185. Banerjee M, Capozzoli M, McSweeney L, Sinha D. Beyond kappa: A review of interrater agreement measures. </a:t>
+              <a:t>190. Banerjee M, Capozzoli M, McSweeney L, Sinha D. Beyond kappa: A review of interrater agreement measures. </a:t>
             </a:r>
             <a:r>
               <a:rPr i="1"/>
@@ -34879,7 +35078,7 @@
             </a:r>
             <a:r>
               <a:rPr>
-                <a:hlinkClick r:id="rId185"/>
+                <a:hlinkClick r:id="rId190"/>
               </a:rPr>
               <a:t>10.2307/3315487</a:t>
             </a:r>
@@ -34890,11 +35089,11 @@
             </a:pPr>
             <a:r>
               <a:rPr/>
-              <a:t>186. William Revelle. Psych: Procedures for psychological, psychometric, and personality research. 2023. </a:t>
-            </a:r>
-            <a:r>
-              <a:rPr>
-                <a:hlinkClick r:id="rId186"/>
+              <a:t>191. William Revelle. Psych: Procedures for psychological, psychometric, and personality research. 2023. </a:t>
+            </a:r>
+            <a:r>
+              <a:rPr>
+                <a:hlinkClick r:id="rId191"/>
               </a:rPr>
               <a:t>https://CRAN.R-project.org/package=psych.</a:t>
             </a:r>
@@ -34905,7 +35104,7 @@
             </a:pPr>
             <a:r>
               <a:rPr/>
-              <a:t>187. Borenstein M. In a meta-analysis, the I-squared statistic does not tell us how much the effect size varies. </a:t>
+              <a:t>192. Borenstein M. In a meta-analysis, the I-squared statistic does not tell us how much the effect size varies. </a:t>
             </a:r>
             <a:r>
               <a:rPr i="1"/>
@@ -34917,7 +35116,7 @@
             </a:r>
             <a:r>
               <a:rPr>
-                <a:hlinkClick r:id="rId187"/>
+                <a:hlinkClick r:id="rId192"/>
               </a:rPr>
               <a:t>10.1016/j.jclinepi.2022.10.003</a:t>
             </a:r>
@@ -34928,7 +35127,7 @@
             </a:pPr>
             <a:r>
               <a:rPr/>
-              <a:t>188. Rücker G, Schwarzer G, Carpenter JR, Schumacher M. Undue reliance on I 2 in assessing heterogeneity may mislead. </a:t>
+              <a:t>193. Rücker G, Schwarzer G, Carpenter JR, Schumacher M. Undue reliance on I 2 in assessing heterogeneity may mislead. </a:t>
             </a:r>
             <a:r>
               <a:rPr i="1"/>
@@ -34940,7 +35139,7 @@
             </a:r>
             <a:r>
               <a:rPr>
-                <a:hlinkClick r:id="rId188"/>
+                <a:hlinkClick r:id="rId193"/>
               </a:rPr>
               <a:t>10.1186/1471-2288-8-79</a:t>
             </a:r>
@@ -34951,7 +35150,7 @@
             </a:pPr>
             <a:r>
               <a:rPr/>
-              <a:t>189. Grooth HJ de, Parienti JJ. Heterogeneity between studies can be explained more reliably with individual patient data. </a:t>
+              <a:t>194. Grooth HJ de, Parienti JJ. Heterogeneity between studies can be explained more reliably with individual patient data. </a:t>
             </a:r>
             <a:r>
               <a:rPr i="1"/>
@@ -34963,7 +35162,7 @@
             </a:r>
             <a:r>
               <a:rPr>
-                <a:hlinkClick r:id="rId189"/>
+                <a:hlinkClick r:id="rId194"/>
               </a:rPr>
               <a:t>10.1007/s00134-023-07163-z</a:t>
             </a:r>
@@ -34974,16 +35173,16 @@
             </a:pPr>
             <a:r>
               <a:rPr/>
-              <a:t>190. Lajeunesse MJ. Facilitating systematic reviews, data extraction, and meta-analysis with the metagear package for r. 2016;7:323-330.</a:t>
-            </a:r>
-          </a:p>
-          <a:p>
-            <a:pPr lvl="0" indent="0" marL="0">
-              <a:buNone/>
-            </a:pPr>
-            <a:r>
-              <a:rPr/>
-              <a:t>191. Moher D, Shamseer L, Clarke M, et al. Preferred reporting items for systematic review and meta-analysis protocols (PRISMA-P) 2015 statement. </a:t>
+              <a:t>195. Lajeunesse MJ. Facilitating systematic reviews, data extraction, and meta-analysis with the metagear package for r. 2016;7:323-330.</a:t>
+            </a:r>
+          </a:p>
+          <a:p>
+            <a:pPr lvl="0" indent="0" marL="0">
+              <a:buNone/>
+            </a:pPr>
+            <a:r>
+              <a:rPr/>
+              <a:t>196. Moher D, Shamseer L, Clarke M, et al. Preferred reporting items for systematic review and meta-analysis protocols (PRISMA-P) 2015 statement. </a:t>
             </a:r>
             <a:r>
               <a:rPr i="1"/>
@@ -34995,7 +35194,7 @@
             </a:r>
             <a:r>
               <a:rPr>
-                <a:hlinkClick r:id="rId190"/>
+                <a:hlinkClick r:id="rId195"/>
               </a:rPr>
               <a:t>10.1186/2046-4053-4-1</a:t>
             </a:r>
@@ -35006,11 +35205,11 @@
             </a:pPr>
             <a:r>
               <a:rPr/>
-              <a:t>192. Haddaway NR, Page MJ, Pritchard CC, McGuinness LA. PRISMA2020: An r package and shiny app for producing PRISMA 2020-compliant flow diagrams, with interactivity for optimised digital transparency and open synthesis. 2022;18:e1230. doi:</a:t>
-            </a:r>
-            <a:r>
-              <a:rPr>
-                <a:hlinkClick r:id="rId191"/>
+              <a:t>197. Haddaway NR, Page MJ, Pritchard CC, McGuinness LA. PRISMA2020: An r package and shiny app for producing PRISMA 2020-compliant flow diagrams, with interactivity for optimised digital transparency and open synthesis. 2022;18:e1230. doi:</a:t>
+            </a:r>
+            <a:r>
+              <a:rPr>
+                <a:hlinkClick r:id="rId196"/>
               </a:rPr>
               <a:t>10.1002/cl2.1230</a:t>
             </a:r>
@@ -35021,11 +35220,11 @@
             </a:pPr>
             <a:r>
               <a:rPr/>
-              <a:t>193. Haddaway NR, Page MJ, Pritchard CC, McGuinness LA. PRISMA2020: An r package and shiny app for producing PRISMA 2020-compliant flow diagrams, with interactivity for optimised digital transparency and open synthesis. 2022;18:e1230. doi:</a:t>
-            </a:r>
-            <a:r>
-              <a:rPr>
-                <a:hlinkClick r:id="rId192"/>
+              <a:t>198. Haddaway NR, Page MJ, Pritchard CC, McGuinness LA. PRISMA2020: An r package and shiny app for producing PRISMA 2020-compliant flow diagrams, with interactivity for optimised digital transparency and open synthesis. 2022;18:e1230. doi:</a:t>
+            </a:r>
+            <a:r>
+              <a:rPr>
+                <a:hlinkClick r:id="rId197"/>
               </a:rPr>
               <a:t>10.1002/cl2.1230</a:t>
             </a:r>
@@ -35036,7 +35235,7 @@
             </a:pPr>
             <a:r>
               <a:rPr/>
-              <a:t>194. Ihaka R, Gentleman R. R: A language for data analysis and graphics. </a:t>
+              <a:t>199. Ihaka R, Gentleman R. R: A language for data analysis and graphics. </a:t>
             </a:r>
             <a:r>
               <a:rPr i="1"/>
@@ -35048,7 +35247,7 @@
             </a:r>
             <a:r>
               <a:rPr>
-                <a:hlinkClick r:id="rId193"/>
+                <a:hlinkClick r:id="rId198"/>
               </a:rPr>
               <a:t>10.2307/1390807</a:t>
             </a:r>
@@ -35059,7 +35258,7 @@
             </a:pPr>
             <a:r>
               <a:rPr/>
-              <a:t>195. Racine JS. RStudio: A Platform-Independent IDE for R and Sweave. </a:t>
+              <a:t>200. Racine JS. RStudio: A Platform-Independent IDE for R and Sweave. </a:t>
             </a:r>
             <a:r>
               <a:rPr i="1"/>
@@ -35071,7 +35270,7 @@
             </a:r>
             <a:r>
               <a:rPr>
-                <a:hlinkClick r:id="rId194"/>
+                <a:hlinkClick r:id="rId199"/>
               </a:rPr>
               <a:t>10.1002/jae.1278</a:t>
             </a:r>
@@ -35082,7 +35281,7 @@
             </a:pPr>
             <a:r>
               <a:rPr/>
-              <a:t>196. Love J, Selker R, Marsman M, et al. </a:t>
+              <a:t>201. Love J, Selker R, Marsman M, et al. </a:t>
             </a:r>
             <a:r>
               <a:rPr b="1"/>
@@ -35102,7 +35301,7 @@
             </a:r>
             <a:r>
               <a:rPr>
-                <a:hlinkClick r:id="rId195"/>
+                <a:hlinkClick r:id="rId200"/>
               </a:rPr>
               <a:t>10.18637/jss.v088.i02</a:t>
             </a:r>
@@ -35113,7 +35312,7 @@
             </a:pPr>
             <a:r>
               <a:rPr/>
-              <a:t>197. ŞAHİN M, AYBEK E. Jamovi: An easy to use statistical software for the social scientists. </a:t>
+              <a:t>202. ŞAHİN M, AYBEK E. Jamovi: An easy to use statistical software for the social scientists. </a:t>
             </a:r>
             <a:r>
               <a:rPr i="1"/>
@@ -35125,7 +35324,7 @@
             </a:r>
             <a:r>
               <a:rPr>
-                <a:hlinkClick r:id="rId196"/>
+                <a:hlinkClick r:id="rId201"/>
               </a:rPr>
               <a:t>10.21449/ijate.661803</a:t>
             </a:r>
@@ -35136,11 +35335,11 @@
             </a:pPr>
             <a:r>
               <a:rPr/>
-              <a:t>198. Selker R, Love J, Dropmann D. Jmv: The ’jamovi’ analyses. 2023. </a:t>
-            </a:r>
-            <a:r>
-              <a:rPr>
-                <a:hlinkClick r:id="rId197"/>
+              <a:t>203. Selker R, Love J, Dropmann D. Jmv: The ’jamovi’ analyses. 2023. </a:t>
+            </a:r>
+            <a:r>
+              <a:rPr>
+                <a:hlinkClick r:id="rId202"/>
               </a:rPr>
               <a:t>https://CRAN.R-project.org/package=jmv.</a:t>
             </a:r>
@@ -35151,11 +35350,11 @@
             </a:pPr>
             <a:r>
               <a:rPr/>
-              <a:t>199. Love J. Jmvconnect: Connect to the ’jamovi’ statistical spreadsheet. 2022. </a:t>
-            </a:r>
-            <a:r>
-              <a:rPr>
-                <a:hlinkClick r:id="rId198"/>
+              <a:t>204. Love J. Jmvconnect: Connect to the ’jamovi’ statistical spreadsheet. 2022. </a:t>
+            </a:r>
+            <a:r>
+              <a:rPr>
+                <a:hlinkClick r:id="rId203"/>
               </a:rPr>
               <a:t>https://CRAN.R-project.org/package=jmvconnect.</a:t>
             </a:r>
@@ -35166,7 +35365,7 @@
             </a:pPr>
             <a:r>
               <a:rPr/>
-              <a:t>200. Hinsen K. A data and code model for reproducible research and executable papers. </a:t>
+              <a:t>205. Hinsen K. A data and code model for reproducible research and executable papers. </a:t>
             </a:r>
             <a:r>
               <a:rPr i="1"/>
@@ -35178,7 +35377,7 @@
             </a:r>
             <a:r>
               <a:rPr>
-                <a:hlinkClick r:id="rId199"/>
+                <a:hlinkClick r:id="rId204"/>
               </a:rPr>
               <a:t>10.1016/j.procs.2011.04.061</a:t>
             </a:r>
@@ -35189,7 +35388,7 @@
             </a:pPr>
             <a:r>
               <a:rPr/>
-              <a:t>201. Allaire J, Xie Y, Dervieux C, et al. </a:t>
+              <a:t>206. Allaire J, Xie Y, Dervieux C, et al. </a:t>
             </a:r>
             <a:r>
               <a:rPr i="1"/>
@@ -35201,7 +35400,7 @@
             </a:r>
             <a:r>
               <a:rPr>
-                <a:hlinkClick r:id="rId200"/>
+                <a:hlinkClick r:id="rId205"/>
               </a:rPr>
               <a:t>https://CRAN.R-project.org/package=rmarkdown.</a:t>
             </a:r>
@@ -35212,7 +35411,7 @@
             </a:pPr>
             <a:r>
               <a:rPr/>
-              <a:t>202. Holmes DT, Mobini M, McCudden CR. Reproducible manuscript preparation with RMarkdown application to JMSACL and other Elsevier Journals. </a:t>
+              <a:t>207. Holmes DT, Mobini M, McCudden CR. Reproducible manuscript preparation with RMarkdown application to JMSACL and other Elsevier Journals. </a:t>
             </a:r>
             <a:r>
               <a:rPr i="1"/>
@@ -35224,7 +35423,7 @@
             </a:r>
             <a:r>
               <a:rPr>
-                <a:hlinkClick r:id="rId201"/>
+                <a:hlinkClick r:id="rId206"/>
               </a:rPr>
               <a:t>10.1016/j.jmsacl.2021.09.002</a:t>
             </a:r>
@@ -35235,11 +35434,11 @@
             </a:pPr>
             <a:r>
               <a:rPr/>
-              <a:t>203. Gohel D, Ross N. Officedown: Enhanced ’r markdown’ format for ’word’ and ’PowerPoint’. 2023. </a:t>
-            </a:r>
-            <a:r>
-              <a:rPr>
-                <a:hlinkClick r:id="rId202"/>
+              <a:t>208. Gohel D, Ross N. Officedown: Enhanced ’r markdown’ format for ’word’ and ’PowerPoint’. 2023. </a:t>
+            </a:r>
+            <a:r>
+              <a:rPr>
+                <a:hlinkClick r:id="rId207"/>
               </a:rPr>
               <a:t>https://CRAN.R-project.org/package=officedown.</a:t>
             </a:r>
@@ -35250,11 +35449,11 @@
             </a:pPr>
             <a:r>
               <a:rPr/>
-              <a:t>204. Xie Y. Bookdown: Authoring books and technical documents with r markdown. 2023. </a:t>
-            </a:r>
-            <a:r>
-              <a:rPr>
-                <a:hlinkClick r:id="rId203"/>
+              <a:t>209. Xie Y. Bookdown: Authoring books and technical documents with r markdown. 2023. </a:t>
+            </a:r>
+            <a:r>
+              <a:rPr>
+                <a:hlinkClick r:id="rId208"/>
               </a:rPr>
               <a:t>https://github.com/rstudio/bookdown.</a:t>
             </a:r>
@@ -35265,7 +35464,7 @@
             </a:pPr>
             <a:r>
               <a:rPr/>
-              <a:t>205. Ioannidis JPA. How to Make More Published Research True. </a:t>
+              <a:t>210. Ioannidis JPA. How to Make More Published Research True. </a:t>
             </a:r>
             <a:r>
               <a:rPr i="1"/>
@@ -35277,7 +35476,7 @@
             </a:r>
             <a:r>
               <a:rPr>
-                <a:hlinkClick r:id="rId204"/>
+                <a:hlinkClick r:id="rId209"/>
               </a:rPr>
               <a:t>10.1371/journal.pmed.1001747</a:t>
             </a:r>
@@ -35288,11 +35487,11 @@
             </a:pPr>
             <a:r>
               <a:rPr/>
-              <a:t>206. Krieger N, Perzynski A, Dalton J. Projects: A project infrastructure for researchers. 2021. </a:t>
-            </a:r>
-            <a:r>
-              <a:rPr>
-                <a:hlinkClick r:id="rId205"/>
+              <a:t>211. Krieger N, Perzynski A, Dalton J. Projects: A project infrastructure for researchers. 2021. </a:t>
+            </a:r>
+            <a:r>
+              <a:rPr>
+                <a:hlinkClick r:id="rId210"/>
               </a:rPr>
               <a:t>https://CRAN.R-project.org/package=projects.</a:t>
             </a:r>
@@ -35303,7 +35502,7 @@
             </a:pPr>
             <a:r>
               <a:rPr/>
-              <a:t>207. Schwab, Simon, Held, Leonhard. Statistical programming: Small mistakes, big impacts. </a:t>
+              <a:t>212. Schwab, Simon, Held, Leonhard. Statistical programming: Small mistakes, big impacts. </a:t>
             </a:r>
             <a:r>
               <a:rPr i="1"/>
@@ -35315,7 +35514,7 @@
             </a:r>
             <a:r>
               <a:rPr>
-                <a:hlinkClick r:id="rId206"/>
+                <a:hlinkClick r:id="rId211"/>
               </a:rPr>
               <a:t>10.5167/UZH-205154</a:t>
             </a:r>
@@ -35326,7 +35525,7 @@
             </a:pPr>
             <a:r>
               <a:rPr/>
-              <a:t>208. Eglen SJ, Marwick B, Halchenko YO, et al. Toward standard practices for sharing computer code and programs in neuroscience. </a:t>
+              <a:t>213. Eglen SJ, Marwick B, Halchenko YO, et al. Toward standard practices for sharing computer code and programs in neuroscience. </a:t>
             </a:r>
             <a:r>
               <a:rPr i="1"/>
@@ -35338,7 +35537,7 @@
             </a:r>
             <a:r>
               <a:rPr>
-                <a:hlinkClick r:id="rId207"/>
+                <a:hlinkClick r:id="rId212"/>
               </a:rPr>
               <a:t>10.1038/nn.4550</a:t>
             </a:r>
@@ -35349,11 +35548,11 @@
             </a:pPr>
             <a:r>
               <a:rPr/>
-              <a:t>209. Francisco Rodríguez-Sánchez, Connor P. Jackson, Shaurita D. Hutchins. Grateful: Facilitate citation of r packages. 2023. </a:t>
-            </a:r>
-            <a:r>
-              <a:rPr>
-                <a:hlinkClick r:id="rId208"/>
+              <a:t>214. Francisco Rodríguez-Sánchez, Connor P. Jackson, Shaurita D. Hutchins. Grateful: Facilitate citation of r packages. 2023. </a:t>
+            </a:r>
+            <a:r>
+              <a:rPr>
+                <a:hlinkClick r:id="rId213"/>
               </a:rPr>
               <a:t>https://github.com/Pakillo/grateful.</a:t>
             </a:r>
@@ -35364,11 +35563,11 @@
             </a:pPr>
             <a:r>
               <a:rPr/>
-              <a:t>210. Xie Y. formatR: Format r code automatically. 2022. </a:t>
-            </a:r>
-            <a:r>
-              <a:rPr>
-                <a:hlinkClick r:id="rId209"/>
+              <a:t>215. Xie Y. formatR: Format r code automatically. 2022. </a:t>
+            </a:r>
+            <a:r>
+              <a:rPr>
+                <a:hlinkClick r:id="rId214"/>
               </a:rPr>
               <a:t>https://CRAN.R-project.org/package=formatR.</a:t>
             </a:r>
@@ -35379,11 +35578,11 @@
             </a:pPr>
             <a:r>
               <a:rPr/>
-              <a:t>211. Müller K, Walthert L. Styler: Non-invasive pretty printing of r code. 2023. </a:t>
-            </a:r>
-            <a:r>
-              <a:rPr>
-                <a:hlinkClick r:id="rId210"/>
+              <a:t>216. Müller K, Walthert L. Styler: Non-invasive pretty printing of r code. 2023. </a:t>
+            </a:r>
+            <a:r>
+              <a:rPr>
+                <a:hlinkClick r:id="rId215"/>
               </a:rPr>
               <a:t>https://CRAN.R-project.org/package=styler.</a:t>
             </a:r>
@@ -35394,7 +35593,7 @@
             </a:pPr>
             <a:r>
               <a:rPr/>
-              <a:t>212. Zhao Y, Xiao N, Anderson K, Zhang Y. Electronic common technical document submission with analysis using R. </a:t>
+              <a:t>217. Zhao Y, Xiao N, Anderson K, Zhang Y. Electronic common technical document submission with analysis using R. </a:t>
             </a:r>
             <a:r>
               <a:rPr i="1"/>
@@ -35406,7 +35605,7 @@
             </a:r>
             <a:r>
               <a:rPr>
-                <a:hlinkClick r:id="rId211"/>
+                <a:hlinkClick r:id="rId216"/>
               </a:rPr>
               <a:t>10.1177/17407745221123244</a:t>
             </a:r>
@@ -35417,11 +35616,11 @@
             </a:pPr>
             <a:r>
               <a:rPr/>
-              <a:t>213. R Core Team. R: A language and environment for statistical computing. 2023. </a:t>
-            </a:r>
-            <a:r>
-              <a:rPr>
-                <a:hlinkClick r:id="rId212"/>
+              <a:t>218. R Core Team. R: A language and environment for statistical computing. 2023. </a:t>
+            </a:r>
+            <a:r>
+              <a:rPr>
+                <a:hlinkClick r:id="rId217"/>
               </a:rPr>
               <a:t>https://www.R-project.org/.</a:t>
             </a:r>
@@ -35432,11 +35631,11 @@
             </a:pPr>
             <a:r>
               <a:rPr/>
-              <a:t>214. Gohel D, Skintzos P. Flextable: Functions for tabular reporting. 2023. </a:t>
-            </a:r>
-            <a:r>
-              <a:rPr>
-                <a:hlinkClick r:id="rId213"/>
+              <a:t>219. Gohel D, Skintzos P. Flextable: Functions for tabular reporting. 2023. </a:t>
+            </a:r>
+            <a:r>
+              <a:rPr>
+                <a:hlinkClick r:id="rId218"/>
               </a:rPr>
               <a:t>https://CRAN.R-project.org/package=flextable.</a:t>
             </a:r>
@@ -35447,11 +35646,11 @@
             </a:pPr>
             <a:r>
               <a:rPr/>
-              <a:t>215. Urbanek S, Johnson K. Tiff: Read and write TIFF images. 2022. </a:t>
-            </a:r>
-            <a:r>
-              <a:rPr>
-                <a:hlinkClick r:id="rId214"/>
+              <a:t>220. Urbanek S, Johnson K. Tiff: Read and write TIFF images. 2022. </a:t>
+            </a:r>
+            <a:r>
+              <a:rPr>
+                <a:hlinkClick r:id="rId219"/>
               </a:rPr>
               <a:t>https://CRAN.R-project.org/package=tiff.</a:t>
             </a:r>
@@ -35462,7 +35661,7 @@
             </a:pPr>
             <a:r>
               <a:rPr/>
-              <a:t>216. Wallisch C, Bach P, Hafermann L, et al. Review of guidance papers on regression modeling in statistical series of medical journals. Mathes T, ed. </a:t>
+              <a:t>221. Wallisch C, Bach P, Hafermann L, et al. Review of guidance papers on regression modeling in statistical series of medical journals. Mathes T, ed. </a:t>
             </a:r>
             <a:r>
               <a:rPr i="1"/>
@@ -35474,7 +35673,7 @@
             </a:r>
             <a:r>
               <a:rPr>
-                <a:hlinkClick r:id="rId215"/>
+                <a:hlinkClick r:id="rId220"/>
               </a:rPr>
               <a:t>10.1371/journal.pone.0262918</a:t>
             </a:r>
@@ -35485,7 +35684,7 @@
             </a:pPr>
             <a:r>
               <a:rPr/>
-              <a:t>217. Lynggaard H, Bell J, Lösch C, et al. Principles and recommendations for incorporating estimands into clinical study protocol templates. </a:t>
+              <a:t>222. Lynggaard H, Bell J, Lösch C, et al. Principles and recommendations for incorporating estimands into clinical study protocol templates. </a:t>
             </a:r>
             <a:r>
               <a:rPr i="1"/>
@@ -35497,7 +35696,7 @@
             </a:r>
             <a:r>
               <a:rPr>
-                <a:hlinkClick r:id="rId216"/>
+                <a:hlinkClick r:id="rId221"/>
               </a:rPr>
               <a:t>10.1186/s13063-022-06515-2</a:t>
             </a:r>
@@ -35508,7 +35707,7 @@
             </a:pPr>
             <a:r>
               <a:rPr/>
-              <a:t>218. Althouse AD, Below JE, Claggett BL, et al. Recommendations for Statistical Reporting in Cardiovascular Medicine: A Special Report From the American Heart Association. </a:t>
+              <a:t>223. Althouse AD, Below JE, Claggett BL, et al. Recommendations for Statistical Reporting in Cardiovascular Medicine: A Special Report From the American Heart Association. </a:t>
             </a:r>
             <a:r>
               <a:rPr i="1"/>
@@ -35520,7 +35719,7 @@
             </a:r>
             <a:r>
               <a:rPr>
-                <a:hlinkClick r:id="rId217"/>
+                <a:hlinkClick r:id="rId222"/>
               </a:rPr>
               <a:t>10.1161/circulationaha.121.055393</a:t>
             </a:r>
@@ -35531,7 +35730,7 @@
             </a:pPr>
             <a:r>
               <a:rPr/>
-              <a:t>219. Lee KJ, Tilling KM, Cornish RP, et al. Framework for the treatment and reporting of missing data in observational studies: The Treatment And Reporting of Missing data in Observational Studies framework. </a:t>
+              <a:t>224. Lee KJ, Tilling KM, Cornish RP, et al. Framework for the treatment and reporting of missing data in observational studies: The Treatment And Reporting of Missing data in Observational Studies framework. </a:t>
             </a:r>
             <a:r>
               <a:rPr i="1"/>
@@ -35543,7 +35742,7 @@
             </a:r>
             <a:r>
               <a:rPr>
-                <a:hlinkClick r:id="rId218"/>
+                <a:hlinkClick r:id="rId223"/>
               </a:rPr>
               <a:t>10.1016/j.jclinepi.2021.01.008</a:t>
             </a:r>
@@ -35554,7 +35753,7 @@
             </a:pPr>
             <a:r>
               <a:rPr/>
-              <a:t>220. Vickers AJ, Assel MJ, Sjoberg DD, et al. Guidelines for Reporting of Figures and Tables for Clinical Research in Urology. </a:t>
+              <a:t>225. Vickers AJ, Assel MJ, Sjoberg DD, et al. Guidelines for Reporting of Figures and Tables for Clinical Research in Urology. </a:t>
             </a:r>
             <a:r>
               <a:rPr i="1"/>
@@ -35566,7 +35765,7 @@
             </a:r>
             <a:r>
               <a:rPr>
-                <a:hlinkClick r:id="rId219"/>
+                <a:hlinkClick r:id="rId224"/>
               </a:rPr>
               <a:t>10.1016/j.urology.2020.05.002</a:t>
             </a:r>
@@ -35577,7 +35776,7 @@
             </a:pPr>
             <a:r>
               <a:rPr/>
-              <a:t>221. Assel M, Sjoberg D, Elders A, et al. Guidelines for Reporting of Statistics for Clinical Research in Urology. </a:t>
+              <a:t>226. Assel M, Sjoberg D, Elders A, et al. Guidelines for Reporting of Statistics for Clinical Research in Urology. </a:t>
             </a:r>
             <a:r>
               <a:rPr i="1"/>
@@ -35589,7 +35788,7 @@
             </a:r>
             <a:r>
               <a:rPr>
-                <a:hlinkClick r:id="rId220"/>
+                <a:hlinkClick r:id="rId225"/>
               </a:rPr>
               <a:t>10.1097/ju.0000000000000001</a:t>
             </a:r>
@@ -35600,7 +35799,7 @@
             </a:pPr>
             <a:r>
               <a:rPr/>
-              <a:t>222. Gamble C, Krishan A, Stocken D, et al. Guidelines for the Content of Statistical Analysis Plans in Clinical Trials. </a:t>
+              <a:t>227. Gamble C, Krishan A, Stocken D, et al. Guidelines for the Content of Statistical Analysis Plans in Clinical Trials. </a:t>
             </a:r>
             <a:r>
               <a:rPr i="1"/>
@@ -35612,7 +35811,7 @@
             </a:r>
             <a:r>
               <a:rPr>
-                <a:hlinkClick r:id="rId221"/>
+                <a:hlinkClick r:id="rId226"/>
               </a:rPr>
               <a:t>10.1001/jama.2017.18556</a:t>
             </a:r>
@@ -35623,7 +35822,7 @@
             </a:pPr>
             <a:r>
               <a:rPr/>
-              <a:t>223. Lang TA, Altman DG. Basic statistical reporting for articles published in Biomedical Journals: The “Statistical Analyses and Methods in the Published Literature” or the SAMPL Guidelines. </a:t>
+              <a:t>228. Lang TA, Altman DG. Basic statistical reporting for articles published in Biomedical Journals: The “Statistical Analyses and Methods in the Published Literature” or the SAMPL Guidelines. </a:t>
             </a:r>
             <a:r>
               <a:rPr i="1"/>
@@ -35635,7 +35834,7 @@
             </a:r>
             <a:r>
               <a:rPr>
-                <a:hlinkClick r:id="rId222"/>
+                <a:hlinkClick r:id="rId227"/>
               </a:rPr>
               <a:t>10.1016/j.ijnurstu.2014.09.006</a:t>
             </a:r>
@@ -35646,7 +35845,7 @@
             </a:pPr>
             <a:r>
               <a:rPr/>
-              <a:t>224. Weissgerber TL, Milic NM, Winham SJ, Garovic VD. Beyond Bar and Line Graphs: Time for a New Data Presentation Paradigm. </a:t>
+              <a:t>229. Weissgerber TL, Milic NM, Winham SJ, Garovic VD. Beyond Bar and Line Graphs: Time for a New Data Presentation Paradigm. </a:t>
             </a:r>
             <a:r>
               <a:rPr i="1"/>
@@ -35658,7 +35857,7 @@
             </a:r>
             <a:r>
               <a:rPr>
-                <a:hlinkClick r:id="rId223"/>
+                <a:hlinkClick r:id="rId228"/>
               </a:rPr>
               <a:t>10.1371/journal.pbio.1002128</a:t>
             </a:r>
@@ -35669,7 +35868,7 @@
             </a:pPr>
             <a:r>
               <a:rPr/>
-              <a:t>225. Sauerbrei W, Abrahamowicz M, Altman DG, Cessie S, Carpenter J. STRengthening Analytical Thinking for Observational Studies: the STRATOS initiative. </a:t>
+              <a:t>230. Sauerbrei W, Abrahamowicz M, Altman DG, Cessie S, Carpenter J. STRengthening Analytical Thinking for Observational Studies: the STRATOS initiative. </a:t>
             </a:r>
             <a:r>
               <a:rPr i="1"/>
@@ -35681,7 +35880,7 @@
             </a:r>
             <a:r>
               <a:rPr>
-                <a:hlinkClick r:id="rId224"/>
+                <a:hlinkClick r:id="rId229"/>
               </a:rPr>
               <a:t>10.1002/sim.6265</a:t>
             </a:r>
@@ -35692,7 +35891,7 @@
             </a:pPr>
             <a:r>
               <a:rPr/>
-              <a:t>226. Groves T. Research methods and reporting. </a:t>
+              <a:t>231. Groves T. Research methods and reporting. </a:t>
             </a:r>
             <a:r>
               <a:rPr i="1"/>
@@ -35704,7 +35903,7 @@
             </a:r>
             <a:r>
               <a:rPr>
-                <a:hlinkClick r:id="rId225"/>
+                <a:hlinkClick r:id="rId230"/>
               </a:rPr>
               <a:t>10.1136/bmj.a2201</a:t>
             </a:r>
@@ -35715,7 +35914,7 @@
             </a:pPr>
             <a:r>
               <a:rPr/>
-              <a:t>227. Stratton IM, Neil A. How to ensure your paper is rejected by the statistical reviewer. </a:t>
+              <a:t>232. Stratton IM, Neil A. How to ensure your paper is rejected by the statistical reviewer. </a:t>
             </a:r>
             <a:r>
               <a:rPr i="1"/>
@@ -35727,7 +35926,7 @@
             </a:r>
             <a:r>
               <a:rPr>
-                <a:hlinkClick r:id="rId226"/>
+                <a:hlinkClick r:id="rId231"/>
               </a:rPr>
               <a:t>10.1111/j.1464-5491.2004.01443.x</a:t>
             </a:r>
@@ -35738,7 +35937,7 @@
             </a:pPr>
             <a:r>
               <a:rPr/>
-              <a:t>228. Mansournia MA, Collins GS, Nielsen RO, et al. A CHecklist for statistical Assessment of Medical Papers (the CHAMP statement): explanation and elaboration. </a:t>
+              <a:t>233. Mansournia MA, Collins GS, Nielsen RO, et al. A CHecklist for statistical Assessment of Medical Papers (the CHAMP statement): explanation and elaboration. </a:t>
             </a:r>
             <a:r>
               <a:rPr i="1"/>
@@ -35750,7 +35949,7 @@
             </a:r>
             <a:r>
               <a:rPr>
-                <a:hlinkClick r:id="rId227"/>
+                <a:hlinkClick r:id="rId232"/>
               </a:rPr>
               <a:t>10.1136/bjsports-2020-103652</a:t>
             </a:r>
@@ -35761,7 +35960,7 @@
             </a:pPr>
             <a:r>
               <a:rPr/>
-              <a:t>229. Gil-Sierra MD, Fénix-Caballero S, Abdel kader-Martin L, et al. Checklist for clinical applicability of subgroup analysis. </a:t>
+              <a:t>234. Gil-Sierra MD, Fénix-Caballero S, Abdel kader-Martin L, et al. Checklist for clinical applicability of subgroup analysis. </a:t>
             </a:r>
             <a:r>
               <a:rPr i="1"/>
@@ -35773,7 +35972,7 @@
             </a:r>
             <a:r>
               <a:rPr>
-                <a:hlinkClick r:id="rId228"/>
+                <a:hlinkClick r:id="rId233"/>
               </a:rPr>
               <a:t>10.1111/jcpt.13102</a:t>
             </a:r>
@@ -35784,7 +35983,7 @@
             </a:pPr>
             <a:r>
               <a:rPr/>
-              <a:t>230. Altman DG, Simera I, Hoey J, Moher D, Schulz K. EQUATOR: reporting guidelines for health research. </a:t>
+              <a:t>235. Altman DG, Simera I, Hoey J, Moher D, Schulz K. EQUATOR: reporting guidelines for health research. </a:t>
             </a:r>
             <a:r>
               <a:rPr i="1"/>
@@ -35796,7 +35995,7 @@
             </a:r>
             <a:r>
               <a:rPr>
-                <a:hlinkClick r:id="rId229"/>
+                <a:hlinkClick r:id="rId234"/>
               </a:rPr>
               <a:t>10.1016/s0140-6736(08)60505-x</a:t>
             </a:r>
@@ -46961,6 +47160,114 @@
               </a:p>
               <a:p>
                 <a:pPr lvl="0" indent="0" marL="0">
+                  <a:buNone/>
+                </a:pPr>
+                <a:r>
+                  <a:rPr/>
+                  <a:t>O pacote </a:t>
+                </a:r>
+                <a:r>
+                  <a:rPr i="1"/>
+                  <a:t>dataMaid</a:t>
+                </a:r>
+                <a:r>
+                  <a:rPr baseline="30000"/>
+                  <a:t>91</a:t>
+                </a:r>
+                <a:r>
+                  <a:rPr/>
+                  <a:t> fornece a função </a:t>
+                </a:r>
+                <a:r>
+                  <a:rPr i="1">
+                    <a:hlinkClick r:id="rId3"/>
+                  </a:rPr>
+                  <a:t>makeDataReport</a:t>
+                </a:r>
+                <a:r>
+                  <a:rPr/>
+                  <a:t> para criar um relatório de análise exploratória de um banco de dados.</a:t>
+                </a:r>
+              </a:p>
+              <a:p>
+                <a:pPr lvl="0" indent="0" marL="0">
+                  <a:buNone/>
+                </a:pPr>
+              </a:p>
+              <a:p>
+                <a:pPr lvl="0" indent="0" marL="0">
+                  <a:buNone/>
+                </a:pPr>
+                <a:r>
+                  <a:rPr/>
+                  <a:t>O pacote </a:t>
+                </a:r>
+                <a:r>
+                  <a:rPr i="1"/>
+                  <a:t>DataExplorer</a:t>
+                </a:r>
+                <a:r>
+                  <a:rPr baseline="30000"/>
+                  <a:t>92</a:t>
+                </a:r>
+                <a:r>
+                  <a:rPr/>
+                  <a:t> fornece a função </a:t>
+                </a:r>
+                <a:r>
+                  <a:rPr i="1">
+                    <a:hlinkClick r:id="rId4"/>
+                  </a:rPr>
+                  <a:t>create_report</a:t>
+                </a:r>
+                <a:r>
+                  <a:rPr/>
+                  <a:t> para criar um relatório de análise exploratória de um banco de dados.</a:t>
+                </a:r>
+              </a:p>
+              <a:p>
+                <a:pPr lvl="0" indent="0" marL="0">
+                  <a:buNone/>
+                </a:pPr>
+              </a:p>
+              <a:p>
+                <a:pPr lvl="0" indent="0" marL="0">
+                  <a:buNone/>
+                </a:pPr>
+                <a:r>
+                  <a:rPr/>
+                  <a:t>O pacote </a:t>
+                </a:r>
+                <a:r>
+                  <a:rPr i="1"/>
+                  <a:t>SmartEDA</a:t>
+                </a:r>
+                <a:r>
+                  <a:rPr baseline="30000"/>
+                  <a:t>93</a:t>
+                </a:r>
+                <a:r>
+                  <a:rPr/>
+                  <a:t> fornece a função </a:t>
+                </a:r>
+                <a:r>
+                  <a:rPr i="1">
+                    <a:hlinkClick r:id="rId5"/>
+                  </a:rPr>
+                  <a:t>ExpReport</a:t>
+                </a:r>
+                <a:r>
+                  <a:rPr/>
+                  <a:t> para criar um relatório de análise exploratória de um banco de dados.</a:t>
+                </a:r>
+              </a:p>
+              <a:p>
+                <a:pPr lvl="0" indent="0" marL="0">
+                  <a:buNone/>
+                </a:pPr>
+              </a:p>
+              <a:p>
+                <a:pPr lvl="0" indent="0" marL="0">
                   <a:spcBef>
                     <a:spcPts val="3000"/>
                   </a:spcBef>
@@ -47034,7 +47341,7 @@
                 </a:r>
                 <a:r>
                   <a:rPr baseline="30000"/>
-                  <a:t>91</a:t>
+                  <a:t>94</a:t>
                 </a:r>
                 <a:r>
                   <a:rPr/>
@@ -47042,7 +47349,7 @@
                 </a:r>
                 <a:r>
                   <a:rPr i="1">
-                    <a:hlinkClick r:id="rId3"/>
+                    <a:hlinkClick r:id="rId6"/>
                   </a:rPr>
                   <a:t>boxplot</a:t>
                 </a:r>
@@ -47278,7 +47585,7 @@
                 </a:r>
                 <a:r>
                   <a:rPr baseline="30000"/>
-                  <a:t>91</a:t>
+                  <a:t>94</a:t>
                 </a:r>
                 <a:r>
                   <a:rPr/>
@@ -47286,7 +47593,7 @@
                 </a:r>
                 <a:r>
                   <a:rPr i="1">
-                    <a:hlinkClick r:id="rId4"/>
+                    <a:hlinkClick r:id="rId7"/>
                   </a:rPr>
                   <a:t>coplot</a:t>
                 </a:r>
@@ -47536,7 +47843,7 @@
             </a:r>
             <a:r>
               <a:rPr baseline="30000"/>
-              <a:t>92</a:t>
+              <a:t>95</a:t>
             </a:r>
             <a:r>
               <a:rPr/>
@@ -47578,7 +47885,7 @@
             </a:r>
             <a:r>
               <a:rPr baseline="30000"/>
-              <a:t>93</a:t>
+              <a:t>96</a:t>
             </a:r>
           </a:p>
           <a:p>
@@ -47589,7 +47896,7 @@
             </a:r>
             <a:r>
               <a:rPr baseline="30000"/>
-              <a:t>93</a:t>
+              <a:t>96</a:t>
             </a:r>
           </a:p>
           <a:p>
@@ -47600,7 +47907,7 @@
             </a:r>
             <a:r>
               <a:rPr baseline="30000"/>
-              <a:t>93</a:t>
+              <a:t>96</a:t>
             </a:r>
           </a:p>
           <a:p>
@@ -47611,7 +47918,7 @@
             </a:r>
             <a:r>
               <a:rPr baseline="30000"/>
-              <a:t>93</a:t>
+              <a:t>96</a:t>
             </a:r>
           </a:p>
           <a:p>
@@ -47724,7 +48031,7 @@
             </a:r>
             <a:r>
               <a:rPr baseline="30000"/>
-              <a:t>94</a:t>
+              <a:t>97</a:t>
             </a:r>
           </a:p>
           <a:p>
@@ -47895,7 +48202,7 @@
             </a:r>
             <a:r>
               <a:rPr baseline="30000"/>
-              <a:t>27,95</a:t>
+              <a:t>27,98</a:t>
             </a:r>
           </a:p>
           <a:p>
@@ -47923,7 +48230,7 @@
             </a:r>
             <a:r>
               <a:rPr baseline="30000"/>
-              <a:t>95</a:t>
+              <a:t>98</a:t>
             </a:r>
           </a:p>
           <a:p>
@@ -47934,7 +48241,7 @@
             </a:r>
             <a:r>
               <a:rPr baseline="30000"/>
-              <a:t>95</a:t>
+              <a:t>98</a:t>
             </a:r>
           </a:p>
           <a:p>
@@ -47945,7 +48252,7 @@
             </a:r>
             <a:r>
               <a:rPr baseline="30000"/>
-              <a:t>95</a:t>
+              <a:t>98</a:t>
             </a:r>
           </a:p>
           <a:p>
@@ -47956,7 +48263,7 @@
             </a:r>
             <a:r>
               <a:rPr baseline="30000"/>
-              <a:t>95</a:t>
+              <a:t>98</a:t>
             </a:r>
           </a:p>
           <a:p>
@@ -47967,7 +48274,7 @@
             </a:r>
             <a:r>
               <a:rPr baseline="30000"/>
-              <a:t>95</a:t>
+              <a:t>98</a:t>
             </a:r>
           </a:p>
           <a:p>
@@ -47999,7 +48306,7 @@
             </a:r>
             <a:r>
               <a:rPr baseline="30000"/>
-              <a:t>96,97</a:t>
+              <a:t>99,100</a:t>
             </a:r>
           </a:p>
           <a:p>
@@ -48010,7 +48317,7 @@
             </a:r>
             <a:r>
               <a:rPr baseline="30000"/>
-              <a:t>94,98</a:t>
+              <a:t>97,101</a:t>
             </a:r>
           </a:p>
           <a:p>
@@ -48032,7 +48339,7 @@
             </a:r>
             <a:r>
               <a:rPr baseline="30000"/>
-              <a:t>99</a:t>
+              <a:t>102</a:t>
             </a:r>
             <a:r>
               <a:rPr/>
@@ -48233,7 +48540,7 @@
             </a:r>
             <a:r>
               <a:rPr baseline="30000"/>
-              <a:t>99</a:t>
+              <a:t>102</a:t>
             </a:r>
             <a:r>
               <a:rPr/>
@@ -48360,7 +48667,7 @@
             </a:r>
             <a:r>
               <a:rPr baseline="30000"/>
-              <a:t>100</a:t>
+              <a:t>103</a:t>
             </a:r>
           </a:p>
           <a:p>
@@ -48412,7 +48719,7 @@
             </a:r>
             <a:r>
               <a:rPr baseline="30000"/>
-              <a:t>100</a:t>
+              <a:t>103</a:t>
             </a:r>
           </a:p>
           <a:p>
@@ -48434,7 +48741,7 @@
             </a:r>
             <a:r>
               <a:rPr baseline="30000"/>
-              <a:t>101</a:t>
+              <a:t>104</a:t>
             </a:r>
             <a:r>
               <a:rPr/>
@@ -48446,7 +48753,7 @@
             </a:r>
             <a:r>
               <a:rPr baseline="30000"/>
-              <a:t>102</a:t>
+              <a:t>105</a:t>
             </a:r>
             <a:r>
               <a:rPr/>
@@ -48458,7 +48765,7 @@
             </a:r>
             <a:r>
               <a:rPr baseline="30000"/>
-              <a:t>103</a:t>
+              <a:t>106</a:t>
             </a:r>
             <a:r>
               <a:rPr/>
@@ -48520,7 +48827,7 @@
             </a:r>
             <a:r>
               <a:rPr baseline="30000"/>
-              <a:t>104</a:t>
+              <a:t>107</a:t>
             </a:r>
           </a:p>
           <a:p>
@@ -48531,7 +48838,7 @@
             </a:r>
             <a:r>
               <a:rPr baseline="30000"/>
-              <a:t>104</a:t>
+              <a:t>107</a:t>
             </a:r>
           </a:p>
           <a:p>
@@ -48542,7 +48849,7 @@
             </a:r>
             <a:r>
               <a:rPr baseline="30000"/>
-              <a:t>104</a:t>
+              <a:t>107</a:t>
             </a:r>
           </a:p>
           <a:p>
@@ -48553,7 +48860,7 @@
             </a:r>
             <a:r>
               <a:rPr baseline="30000"/>
-              <a:t>104</a:t>
+              <a:t>107</a:t>
             </a:r>
           </a:p>
           <a:p>
@@ -48564,7 +48871,7 @@
             </a:r>
             <a:r>
               <a:rPr baseline="30000"/>
-              <a:t>104</a:t>
+              <a:t>107</a:t>
             </a:r>
           </a:p>
           <a:p>
@@ -48592,7 +48899,7 @@
             </a:r>
             <a:r>
               <a:rPr baseline="30000"/>
-              <a:t>104</a:t>
+              <a:t>107</a:t>
             </a:r>
           </a:p>
           <a:p>
@@ -48603,7 +48910,7 @@
             </a:r>
             <a:r>
               <a:rPr baseline="30000"/>
-              <a:t>104</a:t>
+              <a:t>107</a:t>
             </a:r>
           </a:p>
           <a:p>
@@ -48614,7 +48921,7 @@
             </a:r>
             <a:r>
               <a:rPr baseline="30000"/>
-              <a:t>105</a:t>
+              <a:t>108</a:t>
             </a:r>
           </a:p>
           <a:p>
@@ -48625,7 +48932,7 @@
             </a:r>
             <a:r>
               <a:rPr baseline="30000"/>
-              <a:t>105</a:t>
+              <a:t>108</a:t>
             </a:r>
           </a:p>
           <a:p>
@@ -48644,7 +48951,7 @@
             </a:r>
             <a:r>
               <a:rPr baseline="30000"/>
-              <a:t>105</a:t>
+              <a:t>108</a:t>
             </a:r>
           </a:p>
           <a:p>
@@ -48655,7 +48962,7 @@
             </a:r>
             <a:r>
               <a:rPr baseline="30000"/>
-              <a:t>105</a:t>
+              <a:t>108</a:t>
             </a:r>
           </a:p>
           <a:p>
@@ -48677,7 +48984,7 @@
             </a:r>
             <a:r>
               <a:rPr baseline="30000"/>
-              <a:t>106</a:t>
+              <a:t>109</a:t>
             </a:r>
             <a:r>
               <a:rPr/>
@@ -48882,7 +49189,7 @@
             </a:r>
             <a:r>
               <a:rPr baseline="30000"/>
-              <a:t>107</a:t>
+              <a:t>110</a:t>
             </a:r>
           </a:p>
           <a:p>
@@ -48893,7 +49200,7 @@
             </a:r>
             <a:r>
               <a:rPr baseline="30000"/>
-              <a:t>107</a:t>
+              <a:t>110</a:t>
             </a:r>
           </a:p>
           <a:p>
@@ -49008,7 +49315,7 @@
                 </a:r>
                 <a:r>
                   <a:rPr baseline="30000"/>
-                  <a:t>108</a:t>
+                  <a:t>111</a:t>
                 </a:r>
               </a:p>
               <a:p>
@@ -49047,7 +49354,7 @@
                 </a:r>
                 <a:r>
                   <a:rPr baseline="30000"/>
-                  <a:t>109</a:t>
+                  <a:t>112</a:t>
                 </a:r>
               </a:p>
               <a:p>
@@ -49058,7 +49365,7 @@
                 </a:r>
                 <a:r>
                   <a:rPr baseline="30000"/>
-                  <a:t>109</a:t>
+                  <a:t>112</a:t>
                 </a:r>
               </a:p>
               <a:p>
@@ -49069,7 +49376,7 @@
                 </a:r>
                 <a:r>
                   <a:rPr baseline="30000"/>
-                  <a:t>109</a:t>
+                  <a:t>112</a:t>
                 </a:r>
               </a:p>
               <a:p>
@@ -49080,7 +49387,7 @@
                 </a:r>
                 <a:r>
                   <a:rPr baseline="30000"/>
-                  <a:t>109</a:t>
+                  <a:t>112</a:t>
                 </a:r>
               </a:p>
               <a:p>
@@ -49091,7 +49398,7 @@
                 </a:r>
                 <a:r>
                   <a:rPr baseline="30000"/>
-                  <a:t>109</a:t>
+                  <a:t>112</a:t>
                 </a:r>
               </a:p>
               <a:p>
@@ -49102,7 +49409,7 @@
                 </a:r>
                 <a:r>
                   <a:rPr baseline="30000"/>
-                  <a:t>109</a:t>
+                  <a:t>112</a:t>
                 </a:r>
               </a:p>
               <a:p>
@@ -49150,7 +49457,7 @@
                 </a:r>
                 <a:r>
                   <a:rPr baseline="30000"/>
-                  <a:t>110</a:t>
+                  <a:t>113</a:t>
                 </a:r>
               </a:p>
               <a:p>
@@ -49181,7 +49488,7 @@
                 </a:r>
                 <a:r>
                   <a:rPr baseline="30000"/>
-                  <a:t>110</a:t>
+                  <a:t>113</a:t>
                 </a:r>
               </a:p>
               <a:p>
@@ -49192,7 +49499,7 @@
                 </a:r>
                 <a:r>
                   <a:rPr baseline="30000"/>
-                  <a:t>110</a:t>
+                  <a:t>113</a:t>
                 </a:r>
               </a:p>
               <a:p>
@@ -49360,7 +49667,7 @@
                 </a:r>
                 <a:r>
                   <a:rPr baseline="30000"/>
-                  <a:t>111</a:t>
+                  <a:t>114</a:t>
                 </a:r>
               </a:p>
               <a:p>
@@ -49391,7 +49698,7 @@
                 </a:r>
                 <a:r>
                   <a:rPr baseline="30000"/>
-                  <a:t>111</a:t>
+                  <a:t>114</a:t>
                 </a:r>
               </a:p>
               <a:p>
@@ -49486,7 +49793,7 @@
                 </a:r>
                 <a:r>
                   <a:rPr baseline="30000"/>
-                  <a:t>111</a:t>
+                  <a:t>114</a:t>
                 </a:r>
               </a:p>
               <a:p>
@@ -49497,7 +49804,7 @@
                 </a:r>
                 <a:r>
                   <a:rPr baseline="30000"/>
-                  <a:t>111</a:t>
+                  <a:t>114</a:t>
                 </a:r>
               </a:p>
               <a:p>
@@ -49545,7 +49852,7 @@
                 </a:r>
                 <a:r>
                   <a:rPr baseline="30000"/>
-                  <a:t>112</a:t>
+                  <a:t>115</a:t>
                 </a:r>
               </a:p>
               <a:p>
@@ -49881,7 +50188,7 @@
                 </a:r>
                 <a:r>
                   <a:rPr baseline="30000"/>
-                  <a:t>108</a:t>
+                  <a:t>111</a:t>
                 </a:r>
               </a:p>
               <a:p>
@@ -49909,7 +50216,7 @@
                 </a:r>
                 <a:r>
                   <a:rPr baseline="30000"/>
-                  <a:t>113</a:t>
+                  <a:t>116</a:t>
                 </a:r>
               </a:p>
               <a:p>
@@ -49920,7 +50227,7 @@
                 </a:r>
                 <a:r>
                   <a:rPr baseline="30000"/>
-                  <a:t>113</a:t>
+                  <a:t>116</a:t>
                 </a:r>
               </a:p>
               <a:p>
@@ -49931,7 +50238,7 @@
                 </a:r>
                 <a:r>
                   <a:rPr baseline="30000"/>
-                  <a:t>113</a:t>
+                  <a:t>116</a:t>
                 </a:r>
               </a:p>
               <a:p>
@@ -49942,7 +50249,7 @@
                 </a:r>
                 <a:r>
                   <a:rPr baseline="30000"/>
-                  <a:t>113</a:t>
+                  <a:t>116</a:t>
                 </a:r>
               </a:p>
               <a:p>
@@ -50112,7 +50419,7 @@
                 </a:r>
                 <a:r>
                   <a:rPr baseline="30000"/>
-                  <a:t>114</a:t>
+                  <a:t>117</a:t>
                 </a:r>
               </a:p>
               <a:p>
@@ -50143,7 +50450,7 @@
                 </a:r>
                 <a:r>
                   <a:rPr baseline="30000"/>
-                  <a:t>114</a:t>
+                  <a:t>117</a:t>
                 </a:r>
               </a:p>
               <a:p>
@@ -50171,7 +50478,7 @@
                 </a:r>
                 <a:r>
                   <a:rPr baseline="30000"/>
-                  <a:t>115</a:t>
+                  <a:t>118</a:t>
                 </a:r>
               </a:p>
               <a:p>
@@ -50182,7 +50489,7 @@
                 </a:r>
                 <a:r>
                   <a:rPr baseline="30000"/>
-                  <a:t>115</a:t>
+                  <a:t>118</a:t>
                 </a:r>
               </a:p>
               <a:p>
@@ -50377,7 +50684,7 @@
                 </a:r>
                 <a:r>
                   <a:rPr baseline="30000"/>
-                  <a:t>35,96</a:t>
+                  <a:t>35,99</a:t>
                 </a:r>
               </a:p>
               <a:p>
@@ -50476,7 +50783,7 @@
                 </a:r>
                 <a:r>
                   <a:rPr baseline="30000"/>
-                  <a:t>108</a:t>
+                  <a:t>111</a:t>
                 </a:r>
               </a:p>
               <a:p>
@@ -50552,7 +50859,7 @@
                 </a:r>
                 <a:r>
                   <a:rPr baseline="30000"/>
-                  <a:t>116</a:t>
+                  <a:t>119</a:t>
                 </a:r>
               </a:p>
               <a:p>
@@ -50563,7 +50870,7 @@
                 </a:r>
                 <a:r>
                   <a:rPr baseline="30000"/>
-                  <a:t>116</a:t>
+                  <a:t>119</a:t>
                 </a:r>
               </a:p>
               <a:p>
@@ -50680,7 +50987,7 @@
                 </a:r>
                 <a:r>
                   <a:rPr baseline="30000"/>
-                  <a:t>117</a:t>
+                  <a:t>120</a:t>
                 </a:r>
               </a:p>
               <a:p>
@@ -50711,7 +51018,7 @@
                 </a:r>
                 <a:r>
                   <a:rPr baseline="30000"/>
-                  <a:t>118</a:t>
+                  <a:t>121</a:t>
                 </a:r>
               </a:p>
               <a:p>
@@ -50759,7 +51066,7 @@
                 </a:r>
                 <a:r>
                   <a:rPr baseline="30000"/>
-                  <a:t>117</a:t>
+                  <a:t>120</a:t>
                 </a:r>
               </a:p>
               <a:p>
@@ -50770,7 +51077,7 @@
                 </a:r>
                 <a:r>
                   <a:rPr baseline="30000"/>
-                  <a:t>117</a:t>
+                  <a:t>120</a:t>
                 </a:r>
               </a:p>
               <a:p>
@@ -50781,7 +51088,7 @@
                 </a:r>
                 <a:r>
                   <a:rPr baseline="30000"/>
-                  <a:t>117</a:t>
+                  <a:t>120</a:t>
                 </a:r>
               </a:p>
               <a:p>
@@ -50812,7 +51119,7 @@
                 </a:r>
                 <a:r>
                   <a:rPr baseline="30000"/>
-                  <a:t>119</a:t>
+                  <a:t>122</a:t>
                 </a:r>
               </a:p>
               <a:p>
@@ -50823,7 +51130,7 @@
                 </a:r>
                 <a:r>
                   <a:rPr baseline="30000"/>
-                  <a:t>88,118</a:t>
+                  <a:t>88,121</a:t>
                 </a:r>
               </a:p>
               <a:p>
@@ -50871,7 +51178,7 @@
                 </a:r>
                 <a:r>
                   <a:rPr baseline="30000"/>
-                  <a:t>117</a:t>
+                  <a:t>120</a:t>
                 </a:r>
               </a:p>
               <a:p>
@@ -50882,7 +51189,7 @@
                 </a:r>
                 <a:r>
                   <a:rPr baseline="30000"/>
-                  <a:t>117</a:t>
+                  <a:t>120</a:t>
                 </a:r>
               </a:p>
               <a:p>
@@ -50910,7 +51217,7 @@
                 </a:r>
                 <a:r>
                   <a:rPr baseline="30000"/>
-                  <a:t>117</a:t>
+                  <a:t>120</a:t>
                 </a:r>
               </a:p>
               <a:p>
@@ -50921,7 +51228,7 @@
                 </a:r>
                 <a:r>
                   <a:rPr baseline="30000"/>
-                  <a:t>117</a:t>
+                  <a:t>120</a:t>
                 </a:r>
               </a:p>
               <a:p>
@@ -50932,7 +51239,7 @@
                 </a:r>
                 <a:r>
                   <a:rPr baseline="30000"/>
-                  <a:t>117</a:t>
+                  <a:t>120</a:t>
                 </a:r>
               </a:p>
               <a:p>
@@ -51112,7 +51419,7 @@
                 </a:r>
                 <a:r>
                   <a:rPr baseline="30000"/>
-                  <a:t>120</a:t>
+                  <a:t>123</a:t>
                 </a:r>
               </a:p>
               <a:p>
@@ -51140,7 +51447,7 @@
                 </a:r>
                 <a:r>
                   <a:rPr baseline="30000"/>
-                  <a:t>116</a:t>
+                  <a:t>119</a:t>
                 </a:r>
               </a:p>
               <a:p>
@@ -51168,7 +51475,7 @@
                 </a:r>
                 <a:r>
                   <a:rPr baseline="30000"/>
-                  <a:t>116,120</a:t>
+                  <a:t>119,123</a:t>
                 </a:r>
               </a:p>
               <a:p>
@@ -51256,7 +51563,7 @@
                 </a:r>
                 <a:r>
                   <a:rPr baseline="30000"/>
-                  <a:t>116,120</a:t>
+                  <a:t>119,123</a:t>
                 </a:r>
               </a:p>
               <a:p>
@@ -51329,7 +51636,7 @@
                 </a:r>
                 <a:r>
                   <a:rPr baseline="30000"/>
-                  <a:t>120</a:t>
+                  <a:t>123</a:t>
                 </a:r>
               </a:p>
               <a:p>
@@ -51466,7 +51773,7 @@
                 </a:r>
                 <a:r>
                   <a:rPr baseline="30000"/>
-                  <a:t>108</a:t>
+                  <a:t>111</a:t>
                 </a:r>
               </a:p>
               <a:p>
@@ -51497,7 +51804,7 @@
                 </a:r>
                 <a:r>
                   <a:rPr baseline="30000"/>
-                  <a:t>108</a:t>
+                  <a:t>111</a:t>
                 </a:r>
               </a:p>
               <a:p>
@@ -51525,7 +51832,7 @@
                 </a:r>
                 <a:r>
                   <a:rPr baseline="30000"/>
-                  <a:t>121</a:t>
+                  <a:t>124</a:t>
                 </a:r>
               </a:p>
               <a:p>
@@ -51558,7 +51865,7 @@
                 </a:r>
                 <a:r>
                   <a:rPr baseline="30000"/>
-                  <a:t>121</a:t>
+                  <a:t>124</a:t>
                 </a:r>
               </a:p>
               <a:p>
@@ -51589,7 +51896,7 @@
                 </a:r>
                 <a:r>
                   <a:rPr baseline="30000"/>
-                  <a:t>121</a:t>
+                  <a:t>124</a:t>
                 </a:r>
               </a:p>
               <a:p>
@@ -51617,7 +51924,7 @@
                 </a:r>
                 <a:r>
                   <a:rPr baseline="30000"/>
-                  <a:t>121</a:t>
+                  <a:t>124</a:t>
                 </a:r>
               </a:p>
               <a:p>
@@ -51628,7 +51935,7 @@
                 </a:r>
                 <a:r>
                   <a:rPr baseline="30000"/>
-                  <a:t>121</a:t>
+                  <a:t>124</a:t>
                 </a:r>
               </a:p>
               <a:p>
@@ -51684,7 +51991,7 @@
                 </a:r>
                 <a:r>
                   <a:rPr baseline="30000"/>
-                  <a:t>93,121</a:t>
+                  <a:t>96,124</a:t>
                 </a:r>
               </a:p>
               <a:p>
@@ -51723,7 +52030,7 @@
                 </a:r>
                 <a:r>
                   <a:rPr baseline="30000"/>
-                  <a:t>121</a:t>
+                  <a:t>124</a:t>
                 </a:r>
               </a:p>
               <a:p>
@@ -51840,7 +52147,7 @@
                 </a:r>
                 <a:r>
                   <a:rPr baseline="30000"/>
-                  <a:t>108</a:t>
+                  <a:t>111</a:t>
                 </a:r>
               </a:p>
               <a:p>
@@ -51888,7 +52195,7 @@
                 </a:r>
                 <a:r>
                   <a:rPr baseline="30000"/>
-                  <a:t>108</a:t>
+                  <a:t>111</a:t>
                 </a:r>
               </a:p>
               <a:p>
@@ -51936,7 +52243,7 @@
                 </a:r>
                 <a:r>
                   <a:rPr baseline="30000"/>
-                  <a:t>108</a:t>
+                  <a:t>111</a:t>
                 </a:r>
               </a:p>
               <a:p>
@@ -52191,7 +52498,7 @@
             </a:r>
             <a:r>
               <a:rPr baseline="30000"/>
-              <a:t>122</a:t>
+              <a:t>125</a:t>
             </a:r>
           </a:p>
           <a:p>
@@ -52202,7 +52509,7 @@
             </a:r>
             <a:r>
               <a:rPr baseline="30000"/>
-              <a:t>122</a:t>
+              <a:t>125</a:t>
             </a:r>
           </a:p>
           <a:p>
@@ -52315,39 +52622,6 @@
             </a:r>
             <a:r>
               <a:rPr baseline="30000"/>
-              <a:t>123</a:t>
-            </a:r>
-          </a:p>
-          <a:p>
-            <a:pPr lvl="0"/>
-            <a:r>
-              <a:rPr/>
-              <a:t>.</a:t>
-            </a:r>
-            <a:r>
-              <a:rPr baseline="30000"/>
-              <a:t>124</a:t>
-            </a:r>
-          </a:p>
-          <a:p>
-            <a:pPr lvl="0"/>
-            <a:r>
-              <a:rPr/>
-              <a:t>.</a:t>
-            </a:r>
-            <a:r>
-              <a:rPr baseline="30000"/>
-              <a:t>125</a:t>
-            </a:r>
-          </a:p>
-          <a:p>
-            <a:pPr lvl="0"/>
-            <a:r>
-              <a:rPr/>
-              <a:t>.</a:t>
-            </a:r>
-            <a:r>
-              <a:rPr baseline="30000"/>
               <a:t>126</a:t>
             </a:r>
           </a:p>
@@ -52393,6 +52667,39 @@
             <a:r>
               <a:rPr baseline="30000"/>
               <a:t>130</a:t>
+            </a:r>
+          </a:p>
+          <a:p>
+            <a:pPr lvl="0"/>
+            <a:r>
+              <a:rPr/>
+              <a:t>.</a:t>
+            </a:r>
+            <a:r>
+              <a:rPr baseline="30000"/>
+              <a:t>131</a:t>
+            </a:r>
+          </a:p>
+          <a:p>
+            <a:pPr lvl="0"/>
+            <a:r>
+              <a:rPr/>
+              <a:t>.</a:t>
+            </a:r>
+            <a:r>
+              <a:rPr baseline="30000"/>
+              <a:t>132</a:t>
+            </a:r>
+          </a:p>
+          <a:p>
+            <a:pPr lvl="0"/>
+            <a:r>
+              <a:rPr/>
+              <a:t>.</a:t>
+            </a:r>
+            <a:r>
+              <a:rPr baseline="30000"/>
+              <a:t>133</a:t>
             </a:r>
           </a:p>
           <a:p>
@@ -52581,7 +52888,7 @@
             </a:r>
             <a:r>
               <a:rPr baseline="30000"/>
-              <a:t>131</a:t>
+              <a:t>134</a:t>
             </a:r>
             <a:r>
               <a:rPr/>
@@ -52619,7 +52926,7 @@
             </a:r>
             <a:r>
               <a:rPr baseline="30000"/>
-              <a:t>132</a:t>
+              <a:t>135</a:t>
             </a:r>
           </a:p>
           <a:p>

--- a/docs/Ciencia-com-R.pptx
+++ b/docs/Ciencia-com-R.pptx
@@ -3755,18 +3755,18 @@
             </a:r>
             <a:r>
               <a:rPr baseline="30000"/>
+              <a:t>159</a:t>
+            </a:r>
+          </a:p>
+          <a:p>
+            <a:pPr lvl="0"/>
+            <a:r>
+              <a:rPr/>
+              <a:t>.</a:t>
+            </a:r>
+            <a:r>
+              <a:rPr baseline="30000"/>
               <a:t>158</a:t>
-            </a:r>
-          </a:p>
-          <a:p>
-            <a:pPr lvl="0"/>
-            <a:r>
-              <a:rPr/>
-              <a:t>.</a:t>
-            </a:r>
-            <a:r>
-              <a:rPr baseline="30000"/>
-              <a:t>157</a:t>
             </a:r>
           </a:p>
           <a:p>
@@ -3879,7 +3879,7 @@
             </a:r>
             <a:r>
               <a:rPr baseline="30000"/>
-              <a:t>159</a:t>
+              <a:t>160</a:t>
             </a:r>
           </a:p>
           <a:p>
@@ -3890,7 +3890,7 @@
             </a:r>
             <a:r>
               <a:rPr baseline="30000"/>
-              <a:t>157</a:t>
+              <a:t>158</a:t>
             </a:r>
           </a:p>
           <a:p>
@@ -3918,7 +3918,7 @@
             </a:r>
             <a:r>
               <a:rPr baseline="30000"/>
-              <a:t>159</a:t>
+              <a:t>160</a:t>
             </a:r>
           </a:p>
           <a:p>
@@ -3929,7 +3929,7 @@
             </a:r>
             <a:r>
               <a:rPr baseline="30000"/>
-              <a:t>157</a:t>
+              <a:t>158</a:t>
             </a:r>
           </a:p>
           <a:p>
@@ -3957,7 +3957,7 @@
             </a:r>
             <a:r>
               <a:rPr baseline="30000"/>
-              <a:t>159</a:t>
+              <a:t>160</a:t>
             </a:r>
           </a:p>
           <a:p>
@@ -3968,7 +3968,7 @@
             </a:r>
             <a:r>
               <a:rPr baseline="30000"/>
-              <a:t>157</a:t>
+              <a:t>158</a:t>
             </a:r>
           </a:p>
           <a:p>
@@ -3996,7 +3996,7 @@
             </a:r>
             <a:r>
               <a:rPr baseline="30000"/>
-              <a:t>159</a:t>
+              <a:t>160</a:t>
             </a:r>
           </a:p>
           <a:p>
@@ -4007,7 +4007,7 @@
             </a:r>
             <a:r>
               <a:rPr baseline="30000"/>
-              <a:t>157</a:t>
+              <a:t>158</a:t>
             </a:r>
           </a:p>
           <a:p>
@@ -4035,7 +4035,7 @@
             </a:r>
             <a:r>
               <a:rPr baseline="30000"/>
-              <a:t>159</a:t>
+              <a:t>160</a:t>
             </a:r>
           </a:p>
           <a:p>
@@ -4046,7 +4046,7 @@
             </a:r>
             <a:r>
               <a:rPr baseline="30000"/>
-              <a:t>157</a:t>
+              <a:t>158</a:t>
             </a:r>
           </a:p>
           <a:p>
@@ -4331,7 +4331,7 @@
             </a:r>
             <a:r>
               <a:rPr baseline="30000"/>
-              <a:t>160–169</a:t>
+              <a:t>161–170</a:t>
             </a:r>
           </a:p>
           <a:p>
@@ -4342,7 +4342,7 @@
             </a:r>
             <a:r>
               <a:rPr baseline="30000"/>
-              <a:t>161,166</a:t>
+              <a:t>162,167</a:t>
             </a:r>
           </a:p>
           <a:p>
@@ -4381,7 +4381,7 @@
             </a:r>
             <a:r>
               <a:rPr baseline="30000"/>
-              <a:t>167,169</a:t>
+              <a:t>168,170</a:t>
             </a:r>
           </a:p>
           <a:p>
@@ -4392,7 +4392,7 @@
             </a:r>
             <a:r>
               <a:rPr baseline="30000"/>
-              <a:t>161,166</a:t>
+              <a:t>162,167</a:t>
             </a:r>
           </a:p>
           <a:p>
@@ -4473,7 +4473,7 @@
             </a:r>
             <a:r>
               <a:rPr baseline="30000"/>
-              <a:t>165,168</a:t>
+              <a:t>166,169</a:t>
             </a:r>
           </a:p>
           <a:p>
@@ -4540,7 +4540,7 @@
             </a:r>
             <a:r>
               <a:rPr baseline="30000"/>
-              <a:t>162,164</a:t>
+              <a:t>163,165</a:t>
             </a:r>
           </a:p>
           <a:p>
@@ -4572,7 +4572,7 @@
             </a:r>
             <a:r>
               <a:rPr baseline="30000"/>
-              <a:t>163</a:t>
+              <a:t>164</a:t>
             </a:r>
           </a:p>
           <a:p>
@@ -4625,7 +4625,7 @@
             </a:r>
             <a:r>
               <a:rPr baseline="30000"/>
-              <a:t>161,166</a:t>
+              <a:t>162,167</a:t>
             </a:r>
           </a:p>
           <a:p>
@@ -4692,7 +4692,7 @@
             </a:r>
             <a:r>
               <a:rPr baseline="30000"/>
-              <a:t>161</a:t>
+              <a:t>162</a:t>
             </a:r>
           </a:p>
           <a:p>
@@ -4738,7 +4738,7 @@
             </a:r>
             <a:r>
               <a:rPr baseline="30000"/>
-              <a:t>160</a:t>
+              <a:t>161</a:t>
             </a:r>
           </a:p>
           <a:p>
@@ -4812,7 +4812,7 @@
             </a:r>
             <a:r>
               <a:rPr baseline="30000"/>
-              <a:t>170,171</a:t>
+              <a:t>171,172</a:t>
             </a:r>
           </a:p>
           <a:p>
@@ -4960,7 +4960,7 @@
             </a:r>
             <a:r>
               <a:rPr baseline="30000"/>
-              <a:t>172</a:t>
+              <a:t>173</a:t>
             </a:r>
           </a:p>
           <a:p>
@@ -4971,7 +4971,7 @@
             </a:r>
             <a:r>
               <a:rPr baseline="30000"/>
-              <a:t>172</a:t>
+              <a:t>173</a:t>
             </a:r>
           </a:p>
           <a:p>
@@ -4982,7 +4982,7 @@
             </a:r>
             <a:r>
               <a:rPr baseline="30000"/>
-              <a:t>172</a:t>
+              <a:t>173</a:t>
             </a:r>
           </a:p>
           <a:p>
@@ -4993,7 +4993,7 @@
             </a:r>
             <a:r>
               <a:rPr baseline="30000"/>
-              <a:t>172</a:t>
+              <a:t>173</a:t>
             </a:r>
           </a:p>
           <a:p>
@@ -6117,7 +6117,7 @@
             </a:r>
             <a:r>
               <a:rPr baseline="30000"/>
-              <a:t>173</a:t>
+              <a:t>174</a:t>
             </a:r>
           </a:p>
           <a:p>
@@ -6128,7 +6128,7 @@
             </a:r>
             <a:r>
               <a:rPr baseline="30000"/>
-              <a:t>174</a:t>
+              <a:t>175</a:t>
             </a:r>
           </a:p>
           <a:p>
@@ -6153,7 +6153,7 @@
             </a:r>
             <a:r>
               <a:rPr baseline="30000"/>
-              <a:t>174</a:t>
+              <a:t>175</a:t>
             </a:r>
           </a:p>
           <a:p>
@@ -6178,7 +6178,7 @@
             </a:r>
             <a:r>
               <a:rPr baseline="30000"/>
-              <a:t>174</a:t>
+              <a:t>175</a:t>
             </a:r>
           </a:p>
           <a:p>
@@ -6203,7 +6203,7 @@
             </a:r>
             <a:r>
               <a:rPr baseline="30000"/>
-              <a:t>174</a:t>
+              <a:t>175</a:t>
             </a:r>
           </a:p>
           <a:p>
@@ -6249,7 +6249,7 @@
             </a:r>
             <a:r>
               <a:rPr baseline="30000"/>
-              <a:t>174</a:t>
+              <a:t>175</a:t>
             </a:r>
           </a:p>
           <a:p>
@@ -6397,7 +6397,7 @@
             </a:r>
             <a:r>
               <a:rPr baseline="30000"/>
-              <a:t>175</a:t>
+              <a:t>176</a:t>
             </a:r>
           </a:p>
           <a:p>
@@ -6405,28 +6405,6 @@
             <a:r>
               <a:rPr/>
               <a:t>Se a média da variável é igual entre grupos no início do acompanhamento, ambas abordagens estimam o mesmo efeito. Caso contrário, o efeito será influenciado pela correlação entre as medidas antes e depois. A análise da mudança não controla para desbalanços no início do estudo.</a:t>
-            </a:r>
-            <a:r>
-              <a:rPr baseline="30000"/>
-              <a:t>175</a:t>
-            </a:r>
-          </a:p>
-          <a:p>
-            <a:pPr lvl="0"/>
-            <a:r>
-              <a:rPr/>
-              <a:t>Uma abordagem recomendada é a análise de covariância (ANCOVA), pois ajusta os valores pós-intervenção aos valores pré-intervenção para cada participante, e não é afetada pelas diferenças entre grupos no início do estudo.</a:t>
-            </a:r>
-            <a:r>
-              <a:rPr baseline="30000"/>
-              <a:t>175</a:t>
-            </a:r>
-          </a:p>
-          <a:p>
-            <a:pPr lvl="0"/>
-            <a:r>
-              <a:rPr/>
-              <a:t>A análise de covariância (ANCOVA) modelando seja a mudança (pré - pós) quando o desfecho no pós-tratamento parece ser o método mais efetivo considerando-se o viés de estimação dos parâmetros, a precisão das estimativas, a cobertura nominal (isto é, intervalo de confiança) e o poder do teste.</a:t>
             </a:r>
             <a:r>
               <a:rPr baseline="30000"/>
@@ -6437,11 +6415,33 @@
             <a:pPr lvl="0"/>
             <a:r>
               <a:rPr/>
-              <a:t>Análise de variância (ANOVA) e modelos lineares mistos (MLM) são outras opções de métodos, embora apresentem maior variância, menor poder, e cobertura nominal comparados à ANCOVA.</a:t>
+              <a:t>Uma abordagem recomendada é a análise de covariância (ANCOVA), pois ajusta os valores pós-intervenção aos valores pré-intervenção para cada participante, e não é afetada pelas diferenças entre grupos no início do estudo.</a:t>
             </a:r>
             <a:r>
               <a:rPr baseline="30000"/>
               <a:t>176</a:t>
+            </a:r>
+          </a:p>
+          <a:p>
+            <a:pPr lvl="0"/>
+            <a:r>
+              <a:rPr/>
+              <a:t>A análise de covariância (ANCOVA) modelando seja a mudança (pré - pós) quando o desfecho no pós-tratamento parece ser o método mais efetivo considerando-se o viés de estimação dos parâmetros, a precisão das estimativas, a cobertura nominal (isto é, intervalo de confiança) e o poder do teste.</a:t>
+            </a:r>
+            <a:r>
+              <a:rPr baseline="30000"/>
+              <a:t>177</a:t>
+            </a:r>
+          </a:p>
+          <a:p>
+            <a:pPr lvl="0"/>
+            <a:r>
+              <a:rPr/>
+              <a:t>Análise de variância (ANOVA) e modelos lineares mistos (MLM) são outras opções de métodos, embora apresentem maior variância, menor poder, e cobertura nominal comparados à ANCOVA.</a:t>
+            </a:r>
+            <a:r>
+              <a:rPr baseline="30000"/>
+              <a:t>177</a:t>
             </a:r>
           </a:p>
           <a:p>
@@ -6562,7 +6562,7 @@
             </a:r>
             <a:r>
               <a:rPr baseline="30000"/>
-              <a:t>37,177</a:t>
+              <a:t>37,178</a:t>
             </a:r>
           </a:p>
           <a:p>
@@ -6633,7 +6633,7 @@
             </a:r>
             <a:r>
               <a:rPr baseline="30000"/>
-              <a:t>178</a:t>
+              <a:t>179</a:t>
             </a:r>
           </a:p>
           <a:p>
@@ -6804,7 +6804,7 @@
             </a:r>
             <a:r>
               <a:rPr baseline="30000"/>
-              <a:t>179</a:t>
+              <a:t>180</a:t>
             </a:r>
           </a:p>
           <a:p>
@@ -6832,7 +6832,7 @@
             </a:r>
             <a:r>
               <a:rPr baseline="30000"/>
-              <a:t>180</a:t>
+              <a:t>181</a:t>
             </a:r>
           </a:p>
           <a:p>
@@ -6843,7 +6843,7 @@
             </a:r>
             <a:r>
               <a:rPr baseline="30000"/>
-              <a:t>178</a:t>
+              <a:t>179</a:t>
             </a:r>
           </a:p>
           <a:p>
@@ -6854,7 +6854,7 @@
             </a:r>
             <a:r>
               <a:rPr baseline="30000"/>
-              <a:t>178</a:t>
+              <a:t>179</a:t>
             </a:r>
           </a:p>
           <a:p>
@@ -6882,7 +6882,7 @@
             </a:r>
             <a:r>
               <a:rPr baseline="30000"/>
-              <a:t>178</a:t>
+              <a:t>179</a:t>
             </a:r>
           </a:p>
           <a:p>
@@ -6893,7 +6893,7 @@
             </a:r>
             <a:r>
               <a:rPr baseline="30000"/>
-              <a:t>178</a:t>
+              <a:t>179</a:t>
             </a:r>
           </a:p>
           <a:p>
@@ -7006,7 +7006,7 @@
             </a:r>
             <a:r>
               <a:rPr baseline="30000"/>
-              <a:t>181</a:t>
+              <a:t>182</a:t>
             </a:r>
           </a:p>
           <a:p>
@@ -7017,7 +7017,7 @@
             </a:r>
             <a:r>
               <a:rPr baseline="30000"/>
-              <a:t>181</a:t>
+              <a:t>182</a:t>
             </a:r>
           </a:p>
           <a:p>
@@ -7045,7 +7045,7 @@
             </a:r>
             <a:r>
               <a:rPr baseline="30000"/>
-              <a:t>182</a:t>
+              <a:t>183</a:t>
             </a:r>
           </a:p>
           <a:p>
@@ -7056,7 +7056,7 @@
             </a:r>
             <a:r>
               <a:rPr baseline="30000"/>
-              <a:t>182</a:t>
+              <a:t>183</a:t>
             </a:r>
           </a:p>
           <a:p>
@@ -7084,7 +7084,7 @@
             </a:r>
             <a:r>
               <a:rPr baseline="30000"/>
-              <a:t>105,181</a:t>
+              <a:t>106,182</a:t>
             </a:r>
           </a:p>
           <a:p>
@@ -7095,7 +7095,7 @@
             </a:r>
             <a:r>
               <a:rPr baseline="30000"/>
-              <a:t>105,181</a:t>
+              <a:t>106,182</a:t>
             </a:r>
           </a:p>
           <a:p>
@@ -7106,7 +7106,7 @@
             </a:r>
             <a:r>
               <a:rPr baseline="30000"/>
-              <a:t>105,181</a:t>
+              <a:t>106,182</a:t>
             </a:r>
           </a:p>
           <a:p>
@@ -7117,7 +7117,7 @@
             </a:r>
             <a:r>
               <a:rPr baseline="30000"/>
-              <a:t>105</a:t>
+              <a:t>106</a:t>
             </a:r>
           </a:p>
           <a:p>
@@ -7145,7 +7145,7 @@
             </a:r>
             <a:r>
               <a:rPr baseline="30000"/>
-              <a:t>182</a:t>
+              <a:t>183</a:t>
             </a:r>
           </a:p>
           <a:p>
@@ -7156,7 +7156,7 @@
             </a:r>
             <a:r>
               <a:rPr baseline="30000"/>
-              <a:t>182</a:t>
+              <a:t>183</a:t>
             </a:r>
           </a:p>
           <a:p>
@@ -7184,7 +7184,7 @@
             </a:r>
             <a:r>
               <a:rPr baseline="30000"/>
-              <a:t>179</a:t>
+              <a:t>180</a:t>
             </a:r>
           </a:p>
           <a:p>
@@ -7195,7 +7195,7 @@
             </a:r>
             <a:r>
               <a:rPr baseline="30000"/>
-              <a:t>183</a:t>
+              <a:t>184</a:t>
             </a:r>
           </a:p>
           <a:p>
@@ -7223,7 +7223,7 @@
             </a:r>
             <a:r>
               <a:rPr baseline="30000"/>
-              <a:t>179</a:t>
+              <a:t>180</a:t>
             </a:r>
           </a:p>
           <a:p>
@@ -7234,7 +7234,7 @@
             </a:r>
             <a:r>
               <a:rPr baseline="30000"/>
-              <a:t>179</a:t>
+              <a:t>180</a:t>
             </a:r>
           </a:p>
           <a:p>
@@ -7405,7 +7405,7 @@
             </a:r>
             <a:r>
               <a:rPr baseline="30000"/>
-              <a:t>173</a:t>
+              <a:t>174</a:t>
             </a:r>
           </a:p>
           <a:p>
@@ -7518,7 +7518,7 @@
             </a:r>
             <a:r>
               <a:rPr baseline="30000"/>
-              <a:t>173</a:t>
+              <a:t>174</a:t>
             </a:r>
           </a:p>
           <a:p>
@@ -7631,7 +7631,7 @@
             </a:r>
             <a:r>
               <a:rPr baseline="30000"/>
-              <a:t>173</a:t>
+              <a:t>174</a:t>
             </a:r>
           </a:p>
           <a:p>
@@ -7642,7 +7642,7 @@
             </a:r>
             <a:r>
               <a:rPr baseline="30000"/>
-              <a:t>184</a:t>
+              <a:t>185</a:t>
             </a:r>
           </a:p>
           <a:p>
@@ -7653,7 +7653,7 @@
             </a:r>
             <a:r>
               <a:rPr baseline="30000"/>
-              <a:t>157</a:t>
+              <a:t>158</a:t>
             </a:r>
           </a:p>
           <a:p>
@@ -7681,7 +7681,7 @@
             </a:r>
             <a:r>
               <a:rPr baseline="30000"/>
-              <a:t>158</a:t>
+              <a:t>159</a:t>
             </a:r>
           </a:p>
           <a:p>
@@ -7692,7 +7692,7 @@
             </a:r>
             <a:r>
               <a:rPr baseline="30000"/>
-              <a:t>185</a:t>
+              <a:t>186</a:t>
             </a:r>
           </a:p>
           <a:p>
@@ -7703,7 +7703,7 @@
             </a:r>
             <a:r>
               <a:rPr baseline="30000"/>
-              <a:t>185</a:t>
+              <a:t>186</a:t>
             </a:r>
           </a:p>
           <a:p>
@@ -7876,7 +7876,7 @@
                 </a:r>
                 <a:r>
                   <a:rPr baseline="30000"/>
-                  <a:t>186</a:t>
+                  <a:t>187</a:t>
                 </a:r>
               </a:p>
               <a:p>
@@ -7918,7 +7918,7 @@
                 </a:r>
                 <a:r>
                   <a:rPr baseline="30000"/>
-                  <a:t>187</a:t>
+                  <a:t>188</a:t>
                 </a:r>
               </a:p>
               <a:p>
@@ -7943,7 +7943,7 @@
                 </a:r>
                 <a:r>
                   <a:rPr baseline="30000"/>
-                  <a:t>187</a:t>
+                  <a:t>188</a:t>
                 </a:r>
               </a:p>
               <a:p>
@@ -7968,7 +7968,7 @@
                 </a:r>
                 <a:r>
                   <a:rPr baseline="30000"/>
-                  <a:t>187</a:t>
+                  <a:t>188</a:t>
                 </a:r>
               </a:p>
               <a:p>
@@ -7993,7 +7993,7 @@
                 </a:r>
                 <a:r>
                   <a:rPr baseline="30000"/>
-                  <a:t>187</a:t>
+                  <a:t>188</a:t>
                 </a:r>
               </a:p>
               <a:p>
@@ -8014,7 +8014,7 @@
                 </a:r>
                 <a:r>
                   <a:rPr baseline="30000"/>
-                  <a:t>186</a:t>
+                  <a:t>187</a:t>
                 </a:r>
               </a:p>
             </p:txBody>
@@ -8122,7 +8122,7 @@
                 </a:r>
                 <a:r>
                   <a:rPr baseline="30000"/>
-                  <a:t>188</a:t>
+                  <a:t>189</a:t>
                 </a:r>
                 <a:r>
                   <a:rPr/>
@@ -8181,7 +8181,7 @@
                 </a:r>
                 <a:r>
                   <a:rPr baseline="30000"/>
-                  <a:t>187</a:t>
+                  <a:t>188</a:t>
                 </a:r>
               </a:p>
               <a:p>
@@ -8209,7 +8209,7 @@
                 </a:r>
                 <a:r>
                   <a:rPr baseline="30000"/>
-                  <a:t>187</a:t>
+                  <a:t>188</a:t>
                 </a:r>
               </a:p>
               <a:p>
@@ -8237,7 +8237,7 @@
                 </a:r>
                 <a:r>
                   <a:rPr baseline="30000"/>
-                  <a:t>187</a:t>
+                  <a:t>188</a:t>
                 </a:r>
               </a:p>
               <a:p>
@@ -8265,7 +8265,7 @@
                 </a:r>
                 <a:r>
                   <a:rPr baseline="30000"/>
-                  <a:t>187</a:t>
+                  <a:t>188</a:t>
                 </a:r>
               </a:p>
               <a:p>
@@ -8293,7 +8293,7 @@
                 </a:r>
                 <a:r>
                   <a:rPr baseline="30000"/>
-                  <a:t>187</a:t>
+                  <a:t>188</a:t>
                 </a:r>
               </a:p>
               <a:p>
@@ -8318,7 +8318,7 @@
                 </a:r>
                 <a:r>
                   <a:rPr baseline="30000"/>
-                  <a:t>187</a:t>
+                  <a:t>188</a:t>
                 </a:r>
               </a:p>
               <a:p>
@@ -8345,7 +8345,7 @@
                 </a:r>
                 <a:r>
                   <a:rPr baseline="30000"/>
-                  <a:t>188</a:t>
+                  <a:t>189</a:t>
                 </a:r>
                 <a:r>
                   <a:rPr/>
@@ -8381,7 +8381,7 @@
                 </a:r>
                 <a:r>
                   <a:rPr baseline="30000"/>
-                  <a:t>189</a:t>
+                  <a:t>190</a:t>
                 </a:r>
                 <a:r>
                   <a:rPr/>
@@ -8512,7 +8512,7 @@
                 </a:r>
                 <a:r>
                   <a:rPr baseline="30000"/>
-                  <a:t>190</a:t>
+                  <a:t>191</a:t>
                 </a:r>
               </a:p>
               <a:p>
@@ -8534,7 +8534,7 @@
                 </a:r>
                 <a:r>
                   <a:rPr baseline="30000"/>
-                  <a:t>191</a:t>
+                  <a:t>192</a:t>
                 </a:r>
                 <a:r>
                   <a:rPr/>
@@ -8606,7 +8606,7 @@
                 </a:r>
                 <a:r>
                   <a:rPr baseline="30000"/>
-                  <a:t>190</a:t>
+                  <a:t>191</a:t>
                 </a:r>
               </a:p>
               <a:p>
@@ -8617,7 +8617,7 @@
                 </a:r>
                 <a:r>
                   <a:rPr baseline="30000"/>
-                  <a:t>190</a:t>
+                  <a:t>191</a:t>
                 </a:r>
               </a:p>
               <a:p>
@@ -8628,7 +8628,7 @@
                 </a:r>
                 <a:r>
                   <a:rPr baseline="30000"/>
-                  <a:t>190</a:t>
+                  <a:t>191</a:t>
                 </a:r>
               </a:p>
               <a:p>
@@ -8656,7 +8656,7 @@
                 </a:r>
                 <a:r>
                   <a:rPr baseline="30000"/>
-                  <a:t>192</a:t>
+                  <a:t>193</a:t>
                 </a:r>
               </a:p>
               <a:p>
@@ -8771,7 +8771,7 @@
             </a:r>
             <a:r>
               <a:rPr baseline="30000"/>
-              <a:t>187</a:t>
+              <a:t>188</a:t>
             </a:r>
           </a:p>
           <a:p>
@@ -8782,7 +8782,7 @@
             </a:r>
             <a:r>
               <a:rPr baseline="30000"/>
-              <a:t>187</a:t>
+              <a:t>188</a:t>
             </a:r>
           </a:p>
           <a:p>
@@ -8793,7 +8793,7 @@
             </a:r>
             <a:r>
               <a:rPr baseline="30000"/>
-              <a:t>187</a:t>
+              <a:t>188</a:t>
             </a:r>
           </a:p>
           <a:p>
@@ -8804,7 +8804,7 @@
             </a:r>
             <a:r>
               <a:rPr baseline="30000"/>
-              <a:t>187</a:t>
+              <a:t>188</a:t>
             </a:r>
           </a:p>
           <a:p>
@@ -8815,7 +8815,7 @@
             </a:r>
             <a:r>
               <a:rPr baseline="30000"/>
-              <a:t>187</a:t>
+              <a:t>188</a:t>
             </a:r>
           </a:p>
           <a:p>
@@ -8826,7 +8826,7 @@
             </a:r>
             <a:r>
               <a:rPr baseline="30000"/>
-              <a:t>187</a:t>
+              <a:t>188</a:t>
             </a:r>
           </a:p>
           <a:p>
@@ -8837,7 +8837,7 @@
             </a:r>
             <a:r>
               <a:rPr baseline="30000"/>
-              <a:t>187</a:t>
+              <a:t>188</a:t>
             </a:r>
           </a:p>
           <a:p>
@@ -9417,7 +9417,7 @@
             </a:r>
             <a:r>
               <a:rPr baseline="30000"/>
-              <a:t>193</a:t>
+              <a:t>194</a:t>
             </a:r>
           </a:p>
           <a:p>
@@ -9445,7 +9445,7 @@
             </a:r>
             <a:r>
               <a:rPr baseline="30000"/>
-              <a:t>193</a:t>
+              <a:t>194</a:t>
             </a:r>
           </a:p>
           <a:p>
@@ -9512,7 +9512,7 @@
             </a:r>
             <a:r>
               <a:rPr baseline="30000"/>
-              <a:t>104</a:t>
+              <a:t>105</a:t>
             </a:r>
           </a:p>
           <a:p>
@@ -10239,7 +10239,7 @@
             </a:r>
             <a:r>
               <a:rPr baseline="30000"/>
-              <a:t>194</a:t>
+              <a:t>195</a:t>
             </a:r>
           </a:p>
           <a:p>
@@ -10250,7 +10250,7 @@
             </a:r>
             <a:r>
               <a:rPr baseline="30000"/>
-              <a:t>194</a:t>
+              <a:t>195</a:t>
             </a:r>
           </a:p>
           <a:p>
@@ -10261,7 +10261,7 @@
             </a:r>
             <a:r>
               <a:rPr baseline="30000"/>
-              <a:t>194</a:t>
+              <a:t>195</a:t>
             </a:r>
           </a:p>
           <a:p>
@@ -10272,7 +10272,7 @@
             </a:r>
             <a:r>
               <a:rPr baseline="30000"/>
-              <a:t>194</a:t>
+              <a:t>195</a:t>
             </a:r>
           </a:p>
           <a:p>
@@ -10300,7 +10300,7 @@
             </a:r>
             <a:r>
               <a:rPr baseline="30000"/>
-              <a:t>194</a:t>
+              <a:t>195</a:t>
             </a:r>
           </a:p>
           <a:p>
@@ -10311,7 +10311,7 @@
             </a:r>
             <a:r>
               <a:rPr baseline="30000"/>
-              <a:t>194</a:t>
+              <a:t>195</a:t>
             </a:r>
           </a:p>
           <a:p>
@@ -10322,7 +10322,7 @@
             </a:r>
             <a:r>
               <a:rPr baseline="30000"/>
-              <a:t>194</a:t>
+              <a:t>195</a:t>
             </a:r>
           </a:p>
           <a:p>
@@ -10472,7 +10472,7 @@
                 </a:r>
                 <a:r>
                   <a:rPr baseline="30000"/>
-                  <a:t>195,196</a:t>
+                  <a:t>196,197</a:t>
                 </a:r>
               </a:p>
               <a:p>
@@ -10514,7 +10514,7 @@
                 </a:r>
                 <a:r>
                   <a:rPr baseline="30000"/>
-                  <a:t>197,198</a:t>
+                  <a:t>198,199</a:t>
                 </a:r>
               </a:p>
               <a:p>
@@ -10536,7 +10536,7 @@
                 </a:r>
                 <a:r>
                   <a:rPr baseline="30000"/>
-                  <a:t>199</a:t>
+                  <a:t>200</a:t>
                 </a:r>
                 <a:r>
                   <a:rPr/>
@@ -10624,7 +10624,7 @@
                 </a:r>
                 <a:r>
                   <a:rPr baseline="30000"/>
-                  <a:t>198</a:t>
+                  <a:t>199</a:t>
                 </a:r>
               </a:p>
               <a:p>
@@ -10658,7 +10658,7 @@
                 </a:r>
                 <a:r>
                   <a:rPr baseline="30000"/>
-                  <a:t>198</a:t>
+                  <a:t>199</a:t>
                 </a:r>
               </a:p>
               <a:p>
@@ -10689,7 +10689,7 @@
                 </a:r>
                 <a:r>
                   <a:rPr baseline="30000"/>
-                  <a:t>198</a:t>
+                  <a:t>199</a:t>
                 </a:r>
               </a:p>
               <a:p>
@@ -10711,7 +10711,7 @@
                 </a:r>
                 <a:r>
                   <a:rPr baseline="30000"/>
-                  <a:t>198</a:t>
+                  <a:t>199</a:t>
                 </a:r>
               </a:p>
               <a:p>
@@ -10750,7 +10750,7 @@
                 </a:r>
                 <a:r>
                   <a:rPr baseline="30000"/>
-                  <a:t>195,196</a:t>
+                  <a:t>196,197</a:t>
                 </a:r>
               </a:p>
               <a:p>
@@ -10781,7 +10781,7 @@
                 </a:r>
                 <a:r>
                   <a:rPr baseline="30000"/>
-                  <a:t>195,196</a:t>
+                  <a:t>196,197</a:t>
                 </a:r>
               </a:p>
               <a:p>
@@ -10823,7 +10823,7 @@
                 </a:r>
                 <a:r>
                   <a:rPr baseline="30000"/>
-                  <a:t>198</a:t>
+                  <a:t>199</a:t>
                 </a:r>
               </a:p>
               <a:p>
@@ -10845,7 +10845,7 @@
                 </a:r>
                 <a:r>
                   <a:rPr baseline="30000"/>
-                  <a:t>199</a:t>
+                  <a:t>200</a:t>
                 </a:r>
                 <a:r>
                   <a:rPr/>
@@ -10933,7 +10933,7 @@
                 </a:r>
                 <a:r>
                   <a:rPr baseline="30000"/>
-                  <a:t>198</a:t>
+                  <a:t>199</a:t>
                 </a:r>
               </a:p>
               <a:p>
@@ -10955,7 +10955,7 @@
                 </a:r>
                 <a:r>
                   <a:rPr baseline="30000"/>
-                  <a:t>199</a:t>
+                  <a:t>200</a:t>
                 </a:r>
                 <a:r>
                   <a:rPr/>
@@ -11037,7 +11037,7 @@
                 </a:r>
                 <a:r>
                   <a:rPr baseline="30000"/>
-                  <a:t>195,196</a:t>
+                  <a:t>196,197</a:t>
                 </a:r>
               </a:p>
               <a:p>
@@ -11065,7 +11065,7 @@
                 </a:r>
                 <a:r>
                   <a:rPr baseline="30000"/>
-                  <a:t>194</a:t>
+                  <a:t>195</a:t>
                 </a:r>
               </a:p>
               <a:p>
@@ -11076,7 +11076,7 @@
                 </a:r>
                 <a:r>
                   <a:rPr baseline="30000"/>
-                  <a:t>194</a:t>
+                  <a:t>195</a:t>
                 </a:r>
               </a:p>
               <a:p>
@@ -11160,7 +11160,7 @@
                 </a:r>
                 <a:r>
                   <a:rPr baseline="30000"/>
-                  <a:t>194</a:t>
+                  <a:t>195</a:t>
                 </a:r>
               </a:p>
               <a:p>
@@ -11171,7 +11171,7 @@
                 </a:r>
                 <a:r>
                   <a:rPr baseline="30000"/>
-                  <a:t>194</a:t>
+                  <a:t>195</a:t>
                 </a:r>
               </a:p>
               <a:p>
@@ -11258,7 +11258,7 @@
                 </a:r>
                 <a:r>
                   <a:rPr baseline="30000"/>
-                  <a:t>194</a:t>
+                  <a:t>195</a:t>
                 </a:r>
               </a:p>
               <a:p>
@@ -11286,7 +11286,7 @@
                 </a:r>
                 <a:r>
                   <a:rPr baseline="30000"/>
-                  <a:t>198</a:t>
+                  <a:t>199</a:t>
                 </a:r>
               </a:p>
               <a:p>
@@ -11838,7 +11838,7 @@
                 </a:r>
                 <a:r>
                   <a:rPr baseline="30000"/>
-                  <a:t>200</a:t>
+                  <a:t>201</a:t>
                 </a:r>
               </a:p>
               <a:p>
@@ -11869,7 +11869,7 @@
                 </a:r>
                 <a:r>
                   <a:rPr baseline="30000"/>
-                  <a:t>200</a:t>
+                  <a:t>201</a:t>
                 </a:r>
               </a:p>
               <a:p>
@@ -11900,7 +11900,7 @@
                 </a:r>
                 <a:r>
                   <a:rPr baseline="30000"/>
-                  <a:t>200</a:t>
+                  <a:t>201</a:t>
                 </a:r>
               </a:p>
               <a:p>
@@ -11948,7 +11948,7 @@
                 </a:r>
                 <a:r>
                   <a:rPr baseline="30000"/>
-                  <a:t>200,201</a:t>
+                  <a:t>201,202</a:t>
                 </a:r>
               </a:p>
               <a:p>
@@ -11975,7 +11975,7 @@
                 </a:r>
                 <a:r>
                   <a:rPr baseline="30000"/>
-                  <a:t>200</a:t>
+                  <a:t>201</a:t>
                 </a:r>
               </a:p>
               <a:p>
@@ -12022,7 +12022,7 @@
                 </a:r>
                 <a:r>
                   <a:rPr baseline="30000"/>
-                  <a:t>201</a:t>
+                  <a:t>202</a:t>
                 </a:r>
               </a:p>
               <a:p>
@@ -12033,7 +12033,7 @@
                 </a:r>
                 <a:r>
                   <a:rPr baseline="30000"/>
-                  <a:t>202</a:t>
+                  <a:t>203</a:t>
                 </a:r>
               </a:p>
               <a:p>
@@ -12055,7 +12055,7 @@
                 </a:r>
                 <a:r>
                   <a:rPr baseline="30000"/>
-                  <a:t>203</a:t>
+                  <a:t>204</a:t>
                 </a:r>
                 <a:r>
                   <a:rPr/>
@@ -12081,7 +12081,7 @@
                 </a:r>
                 <a:r>
                   <a:rPr baseline="30000"/>
-                  <a:t>203</a:t>
+                  <a:t>204</a:t>
                 </a:r>
                 <a:r>
                   <a:rPr/>
@@ -12103,7 +12103,7 @@
                 </a:r>
                 <a:r>
                   <a:rPr baseline="30000"/>
-                  <a:t>204</a:t>
+                  <a:t>205</a:t>
                 </a:r>
                 <a:r>
                   <a:rPr/>
@@ -12129,7 +12129,7 @@
                 </a:r>
                 <a:r>
                   <a:rPr baseline="30000"/>
-                  <a:t>205,206</a:t>
+                  <a:t>206,207</a:t>
                 </a:r>
                 <a:r>
                   <a:rPr/>
@@ -12374,7 +12374,7 @@
             </a:r>
             <a:r>
               <a:rPr baseline="30000"/>
-              <a:t>207</a:t>
+              <a:t>208</a:t>
             </a:r>
           </a:p>
           <a:p>
@@ -12434,7 +12434,7 @@
             </a:r>
             <a:r>
               <a:rPr baseline="30000"/>
-              <a:t>208</a:t>
+              <a:t>209</a:t>
             </a:r>
           </a:p>
           <a:p>
@@ -12445,7 +12445,7 @@
             </a:r>
             <a:r>
               <a:rPr baseline="30000"/>
-              <a:t>208</a:t>
+              <a:t>209</a:t>
             </a:r>
           </a:p>
           <a:p>
@@ -12534,7 +12534,7 @@
             </a:r>
             <a:r>
               <a:rPr baseline="30000"/>
-              <a:t>209</a:t>
+              <a:t>210</a:t>
             </a:r>
           </a:p>
           <a:p>
@@ -12551,7 +12551,7 @@
             </a:r>
             <a:r>
               <a:rPr baseline="30000"/>
-              <a:t>210</a:t>
+              <a:t>211</a:t>
             </a:r>
           </a:p>
           <a:p>
@@ -12573,7 +12573,7 @@
             </a:r>
             <a:r>
               <a:rPr baseline="30000"/>
-              <a:t>211</a:t>
+              <a:t>212</a:t>
             </a:r>
             <a:r>
               <a:rPr/>
@@ -12585,7 +12585,7 @@
             </a:r>
             <a:r>
               <a:rPr baseline="30000"/>
-              <a:t>212</a:t>
+              <a:t>213</a:t>
             </a:r>
             <a:r>
               <a:rPr/>
@@ -12702,7 +12702,7 @@
             </a:r>
             <a:r>
               <a:rPr baseline="30000"/>
-              <a:t>213</a:t>
+              <a:t>214</a:t>
             </a:r>
           </a:p>
           <a:p>
@@ -12713,7 +12713,7 @@
             </a:r>
             <a:r>
               <a:rPr baseline="30000"/>
-              <a:t>214</a:t>
+              <a:t>215</a:t>
             </a:r>
             <a:r>
               <a:rPr/>
@@ -12729,18 +12729,18 @@
             </a:r>
             <a:r>
               <a:rPr baseline="30000"/>
+              <a:t>216</a:t>
+            </a:r>
+          </a:p>
+          <a:p>
+            <a:pPr lvl="0"/>
+            <a:r>
+              <a:rPr/>
+              <a:t>O RMarkdown</a:t>
+            </a:r>
+            <a:r>
+              <a:rPr baseline="30000"/>
               <a:t>215</a:t>
-            </a:r>
-          </a:p>
-          <a:p>
-            <a:pPr lvl="0"/>
-            <a:r>
-              <a:rPr/>
-              <a:t>O RMarkdown</a:t>
-            </a:r>
-            <a:r>
-              <a:rPr baseline="30000"/>
-              <a:t>214</a:t>
             </a:r>
             <a:r>
               <a:rPr/>
@@ -12809,7 +12809,7 @@
             </a:r>
             <a:r>
               <a:rPr baseline="30000"/>
-              <a:t>216</a:t>
+              <a:t>217</a:t>
             </a:r>
             <a:r>
               <a:rPr/>
@@ -12855,7 +12855,7 @@
             </a:r>
             <a:r>
               <a:rPr baseline="30000"/>
-              <a:t>217</a:t>
+              <a:t>218</a:t>
             </a:r>
             <a:r>
               <a:rPr/>
@@ -12917,7 +12917,7 @@
             </a:r>
             <a:r>
               <a:rPr baseline="30000"/>
-              <a:t>218</a:t>
+              <a:t>219</a:t>
             </a:r>
           </a:p>
           <a:p>
@@ -12939,7 +12939,7 @@
             </a:r>
             <a:r>
               <a:rPr baseline="30000"/>
-              <a:t>219</a:t>
+              <a:t>220</a:t>
             </a:r>
             <a:r>
               <a:rPr/>
@@ -13066,7 +13066,7 @@
             </a:r>
             <a:r>
               <a:rPr baseline="30000"/>
-              <a:t>213</a:t>
+              <a:t>214</a:t>
             </a:r>
           </a:p>
           <a:p>
@@ -13077,7 +13077,7 @@
             </a:r>
             <a:r>
               <a:rPr baseline="30000"/>
-              <a:t>213</a:t>
+              <a:t>214</a:t>
             </a:r>
           </a:p>
           <a:p>
@@ -13138,7 +13138,7 @@
             </a:r>
             <a:r>
               <a:rPr baseline="30000"/>
-              <a:t>220</a:t>
+              <a:t>221</a:t>
             </a:r>
           </a:p>
           <a:p>
@@ -13149,7 +13149,7 @@
             </a:r>
             <a:r>
               <a:rPr baseline="30000"/>
-              <a:t>220</a:t>
+              <a:t>221</a:t>
             </a:r>
           </a:p>
           <a:p>
@@ -13160,7 +13160,7 @@
             </a:r>
             <a:r>
               <a:rPr baseline="30000"/>
-              <a:t>220</a:t>
+              <a:t>221</a:t>
             </a:r>
           </a:p>
           <a:p>
@@ -13171,7 +13171,7 @@
             </a:r>
             <a:r>
               <a:rPr baseline="30000"/>
-              <a:t>220</a:t>
+              <a:t>221</a:t>
             </a:r>
           </a:p>
           <a:p>
@@ -13182,7 +13182,7 @@
             </a:r>
             <a:r>
               <a:rPr baseline="30000"/>
-              <a:t>220,221</a:t>
+              <a:t>221,222</a:t>
             </a:r>
           </a:p>
           <a:p>
@@ -13193,7 +13193,7 @@
             </a:r>
             <a:r>
               <a:rPr baseline="30000"/>
-              <a:t>220</a:t>
+              <a:t>221</a:t>
             </a:r>
           </a:p>
           <a:p>
@@ -13204,7 +13204,7 @@
             </a:r>
             <a:r>
               <a:rPr baseline="30000"/>
-              <a:t>220</a:t>
+              <a:t>221</a:t>
             </a:r>
           </a:p>
           <a:p>
@@ -13226,7 +13226,7 @@
             </a:r>
             <a:r>
               <a:rPr baseline="30000"/>
-              <a:t>222</a:t>
+              <a:t>223</a:t>
             </a:r>
             <a:r>
               <a:rPr/>
@@ -13262,7 +13262,7 @@
             </a:r>
             <a:r>
               <a:rPr baseline="30000"/>
-              <a:t>223</a:t>
+              <a:t>224</a:t>
             </a:r>
             <a:r>
               <a:rPr/>
@@ -13298,7 +13298,7 @@
             </a:r>
             <a:r>
               <a:rPr baseline="30000"/>
-              <a:t>224</a:t>
+              <a:t>225</a:t>
             </a:r>
             <a:r>
               <a:rPr/>
@@ -13425,7 +13425,7 @@
             </a:r>
             <a:r>
               <a:rPr baseline="30000"/>
-              <a:t>221</a:t>
+              <a:t>222</a:t>
             </a:r>
           </a:p>
           <a:p>
@@ -13436,7 +13436,7 @@
             </a:r>
             <a:r>
               <a:rPr baseline="30000"/>
-              <a:t>221</a:t>
+              <a:t>222</a:t>
             </a:r>
           </a:p>
           <a:p>
@@ -13482,7 +13482,7 @@
             </a:r>
             <a:r>
               <a:rPr baseline="30000"/>
-              <a:t>225</a:t>
+              <a:t>226</a:t>
             </a:r>
             <a:r>
               <a:rPr/>
@@ -13535,7 +13535,7 @@
             </a:r>
             <a:r>
               <a:rPr baseline="30000"/>
-              <a:t>221</a:t>
+              <a:t>222</a:t>
             </a:r>
           </a:p>
           <a:p>
@@ -13557,7 +13557,7 @@
             </a:r>
             <a:r>
               <a:rPr baseline="30000"/>
-              <a:t>221</a:t>
+              <a:t>222</a:t>
             </a:r>
           </a:p>
           <a:p>
@@ -13568,7 +13568,7 @@
             </a:r>
             <a:r>
               <a:rPr baseline="30000"/>
-              <a:t>226</a:t>
+              <a:t>227</a:t>
             </a:r>
           </a:p>
           <a:p>
@@ -13579,7 +13579,7 @@
             </a:r>
             <a:r>
               <a:rPr baseline="30000"/>
-              <a:t>221</a:t>
+              <a:t>222</a:t>
             </a:r>
           </a:p>
           <a:p>
@@ -13709,7 +13709,7 @@
             </a:r>
             <a:r>
               <a:rPr baseline="30000"/>
-              <a:t>227</a:t>
+              <a:t>228</a:t>
             </a:r>
             <a:r>
               <a:rPr/>
@@ -13847,7 +13847,7 @@
             </a:r>
             <a:r>
               <a:rPr baseline="30000"/>
-              <a:t>228</a:t>
+              <a:t>229</a:t>
             </a:r>
             <a:r>
               <a:rPr/>
@@ -13910,7 +13910,7 @@
             </a:r>
             <a:r>
               <a:rPr baseline="30000"/>
-              <a:t>229</a:t>
+              <a:t>230</a:t>
             </a:r>
             <a:r>
               <a:rPr/>
@@ -25458,7 +25458,7 @@
             </a:r>
             <a:r>
               <a:rPr baseline="30000"/>
-              <a:t>230</a:t>
+              <a:t>231</a:t>
             </a:r>
           </a:p>
           <a:p>
@@ -25473,7 +25473,7 @@
             </a:r>
             <a:r>
               <a:rPr baseline="30000"/>
-              <a:t>231</a:t>
+              <a:t>232</a:t>
             </a:r>
           </a:p>
           <a:p>
@@ -25488,7 +25488,7 @@
             </a:r>
             <a:r>
               <a:rPr baseline="30000"/>
-              <a:t>135</a:t>
+              <a:t>136</a:t>
             </a:r>
           </a:p>
           <a:p>
@@ -25503,7 +25503,7 @@
             </a:r>
             <a:r>
               <a:rPr baseline="30000"/>
-              <a:t>232</a:t>
+              <a:t>233</a:t>
             </a:r>
           </a:p>
           <a:p>
@@ -25518,7 +25518,7 @@
             </a:r>
             <a:r>
               <a:rPr baseline="30000"/>
-              <a:t>233</a:t>
+              <a:t>234</a:t>
             </a:r>
           </a:p>
           <a:p>
@@ -25533,7 +25533,7 @@
             </a:r>
             <a:r>
               <a:rPr baseline="30000"/>
-              <a:t>234</a:t>
+              <a:t>235</a:t>
             </a:r>
           </a:p>
           <a:p>
@@ -25548,7 +25548,7 @@
             </a:r>
             <a:r>
               <a:rPr baseline="30000"/>
-              <a:t>107</a:t>
+              <a:t>108</a:t>
             </a:r>
           </a:p>
           <a:p>
@@ -25563,7 +25563,7 @@
             </a:r>
             <a:r>
               <a:rPr baseline="30000"/>
-              <a:t>235</a:t>
+              <a:t>236</a:t>
             </a:r>
           </a:p>
           <a:p>
@@ -25578,7 +25578,7 @@
             </a:r>
             <a:r>
               <a:rPr baseline="30000"/>
-              <a:t>116</a:t>
+              <a:t>117</a:t>
             </a:r>
           </a:p>
           <a:p>
@@ -25593,7 +25593,7 @@
             </a:r>
             <a:r>
               <a:rPr baseline="30000"/>
-              <a:t>236</a:t>
+              <a:t>237</a:t>
             </a:r>
           </a:p>
           <a:p>
@@ -25608,7 +25608,7 @@
             </a:r>
             <a:r>
               <a:rPr baseline="30000"/>
-              <a:t>237</a:t>
+              <a:t>238</a:t>
             </a:r>
           </a:p>
           <a:p>
@@ -25623,7 +25623,7 @@
             </a:r>
             <a:r>
               <a:rPr baseline="30000"/>
-              <a:t>238</a:t>
+              <a:t>239</a:t>
             </a:r>
           </a:p>
           <a:p>
@@ -25638,7 +25638,7 @@
             </a:r>
             <a:r>
               <a:rPr baseline="30000"/>
-              <a:t>239</a:t>
+              <a:t>240</a:t>
             </a:r>
           </a:p>
           <a:p>
@@ -25653,7 +25653,7 @@
             </a:r>
             <a:r>
               <a:rPr baseline="30000"/>
-              <a:t>240</a:t>
+              <a:t>241</a:t>
             </a:r>
           </a:p>
           <a:p>
@@ -25668,7 +25668,7 @@
             </a:r>
             <a:r>
               <a:rPr baseline="30000"/>
-              <a:t>241</a:t>
+              <a:t>242</a:t>
             </a:r>
           </a:p>
           <a:p>
@@ -25768,7 +25768,7 @@
             </a:r>
             <a:r>
               <a:rPr baseline="30000"/>
-              <a:t>242</a:t>
+              <a:t>243</a:t>
             </a:r>
           </a:p>
           <a:p>
@@ -25783,7 +25783,7 @@
             </a:r>
             <a:r>
               <a:rPr baseline="30000"/>
-              <a:t>243</a:t>
+              <a:t>244</a:t>
             </a:r>
           </a:p>
           <a:p>
@@ -25798,7 +25798,7 @@
             </a:r>
             <a:r>
               <a:rPr baseline="30000"/>
-              <a:t>134</a:t>
+              <a:t>135</a:t>
             </a:r>
           </a:p>
           <a:p>
@@ -26838,7 +26838,7 @@
             </a:r>
             <a:r>
               <a:rPr baseline="30000"/>
-              <a:t>244</a:t>
+              <a:t>245</a:t>
             </a:r>
           </a:p>
           <a:p>
@@ -29224,12 +29224,27 @@
             </a:pPr>
             <a:r>
               <a:rPr/>
-              <a:t>56. Harrell Jr FE. Hmisc: Harrell miscellaneous. 2023. </a:t>
+              <a:t>56. Firke S. Janitor: Simple tools for examining and cleaning dirty data. 2023. </a:t>
             </a:r>
             <a:r>
               <a:rPr>
                 <a:hlinkClick r:id="rId57"/>
               </a:rPr>
+              <a:t>https://CRAN.R-project.org/package=janitor.</a:t>
+            </a:r>
+          </a:p>
+          <a:p>
+            <a:pPr lvl="0" indent="0" marL="0">
+              <a:buNone/>
+            </a:pPr>
+            <a:r>
+              <a:rPr/>
+              <a:t>57. Harrell Jr FE. Hmisc: Harrell miscellaneous. 2023. </a:t>
+            </a:r>
+            <a:r>
+              <a:rPr>
+                <a:hlinkClick r:id="rId58"/>
+              </a:rPr>
               <a:t>https://CRAN.R-project.org/package=Hmisc.</a:t>
             </a:r>
           </a:p>
@@ -29239,7 +29254,7 @@
             </a:pPr>
             <a:r>
               <a:rPr/>
-              <a:t>57. Altman DG, Bland JM. Statistics notes Variables and parameters. </a:t>
+              <a:t>58. Altman DG, Bland JM. Statistics notes Variables and parameters. </a:t>
             </a:r>
             <a:r>
               <a:rPr i="1"/>
@@ -29251,7 +29266,7 @@
             </a:r>
             <a:r>
               <a:rPr>
-                <a:hlinkClick r:id="rId58"/>
+                <a:hlinkClick r:id="rId59"/>
               </a:rPr>
               <a:t>10.1136/bmj.318.7199.1667</a:t>
             </a:r>
@@ -29262,7 +29277,7 @@
             </a:pPr>
             <a:r>
               <a:rPr/>
-              <a:t>58. Ali Z, Bhaskar Sb. Basic statistical tools in research and data analysis. </a:t>
+              <a:t>59. Ali Z, Bhaskar Sb. Basic statistical tools in research and data analysis. </a:t>
             </a:r>
             <a:r>
               <a:rPr i="1"/>
@@ -29274,7 +29289,7 @@
             </a:r>
             <a:r>
               <a:rPr>
-                <a:hlinkClick r:id="rId59"/>
+                <a:hlinkClick r:id="rId60"/>
               </a:rPr>
               <a:t>10.4103/0019-5049.190623</a:t>
             </a:r>
@@ -29285,7 +29300,7 @@
             </a:pPr>
             <a:r>
               <a:rPr/>
-              <a:t>59. Dettori JR, Norvell DC. The Anatomy of Data. </a:t>
+              <a:t>60. Dettori JR, Norvell DC. The Anatomy of Data. </a:t>
             </a:r>
             <a:r>
               <a:rPr i="1"/>
@@ -29297,7 +29312,7 @@
             </a:r>
             <a:r>
               <a:rPr>
-                <a:hlinkClick r:id="rId60"/>
+                <a:hlinkClick r:id="rId61"/>
               </a:rPr>
               <a:t>10.1177/2192568217746998</a:t>
             </a:r>
@@ -29308,7 +29323,7 @@
             </a:pPr>
             <a:r>
               <a:rPr/>
-              <a:t>60. Kaliyadan F, Kulkarni V. Types of variables, descriptive statistics, and sample size. </a:t>
+              <a:t>61. Kaliyadan F, Kulkarni V. Types of variables, descriptive statistics, and sample size. </a:t>
             </a:r>
             <a:r>
               <a:rPr i="1"/>
@@ -29320,7 +29335,7 @@
             </a:r>
             <a:r>
               <a:rPr>
-                <a:hlinkClick r:id="rId61"/>
+                <a:hlinkClick r:id="rId62"/>
               </a:rPr>
               <a:t>10.4103/idoj.idoj_468_18</a:t>
             </a:r>
@@ -29331,7 +29346,7 @@
             </a:pPr>
             <a:r>
               <a:rPr/>
-              <a:t>61. Barkan H. Statistics in clinical research: Important considerations. </a:t>
+              <a:t>62. Barkan H. Statistics in clinical research: Important considerations. </a:t>
             </a:r>
             <a:r>
               <a:rPr i="1"/>
@@ -29343,7 +29358,7 @@
             </a:r>
             <a:r>
               <a:rPr>
-                <a:hlinkClick r:id="rId62"/>
+                <a:hlinkClick r:id="rId63"/>
               </a:rPr>
               <a:t>10.4103/0971-9784.148325</a:t>
             </a:r>
@@ -29354,7 +29369,7 @@
             </a:pPr>
             <a:r>
               <a:rPr/>
-              <a:t>62. Bland JM, Altman DG. Statistics Notes: Transforming data. </a:t>
+              <a:t>63. Bland JM, Altman DG. Statistics Notes: Transforming data. </a:t>
             </a:r>
             <a:r>
               <a:rPr i="1"/>
@@ -29366,7 +29381,7 @@
             </a:r>
             <a:r>
               <a:rPr>
-                <a:hlinkClick r:id="rId63"/>
+                <a:hlinkClick r:id="rId64"/>
               </a:rPr>
               <a:t>10.1136/bmj.312.7033.770</a:t>
             </a:r>
@@ -29377,7 +29392,7 @@
             </a:pPr>
             <a:r>
               <a:rPr/>
-              <a:t>63. Fedorov V, Mannino F, Zhang R. Consequences of dichotomization. </a:t>
+              <a:t>64. Fedorov V, Mannino F, Zhang R. Consequences of dichotomization. </a:t>
             </a:r>
             <a:r>
               <a:rPr i="1"/>
@@ -29389,7 +29404,7 @@
             </a:r>
             <a:r>
               <a:rPr>
-                <a:hlinkClick r:id="rId64"/>
+                <a:hlinkClick r:id="rId65"/>
               </a:rPr>
               <a:t>10.1002/pst.331</a:t>
             </a:r>
@@ -29400,7 +29415,7 @@
             </a:pPr>
             <a:r>
               <a:rPr/>
-              <a:t>64. Osborne J. Improving your data transformations: Applying the box-cox transformation. </a:t>
+              <a:t>65. Osborne J. Improving your data transformations: Applying the box-cox transformation. </a:t>
             </a:r>
             <a:r>
               <a:rPr i="1"/>
@@ -29412,7 +29427,7 @@
             </a:r>
             <a:r>
               <a:rPr>
-                <a:hlinkClick r:id="rId65"/>
+                <a:hlinkClick r:id="rId66"/>
               </a:rPr>
               <a:t>10.7275/QBPC-GK17</a:t>
             </a:r>
@@ -29423,7 +29438,7 @@
             </a:pPr>
             <a:r>
               <a:rPr/>
-              <a:t>65. Box GEP, Cox DR. An Analysis of Transformations. </a:t>
+              <a:t>66. Box GEP, Cox DR. An Analysis of Transformations. </a:t>
             </a:r>
             <a:r>
               <a:rPr i="1"/>
@@ -29435,7 +29450,7 @@
             </a:r>
             <a:r>
               <a:rPr>
-                <a:hlinkClick r:id="rId66"/>
+                <a:hlinkClick r:id="rId67"/>
               </a:rPr>
               <a:t>10.1111/j.2517-6161.1964.tb00553.x</a:t>
             </a:r>
@@ -29446,11 +29461,11 @@
             </a:pPr>
             <a:r>
               <a:rPr/>
-              <a:t>66. Venables WN, Ripley BD. Modern applied statistics with s. 2002. </a:t>
-            </a:r>
-            <a:r>
-              <a:rPr>
-                <a:hlinkClick r:id="rId67"/>
+              <a:t>67. Venables WN, Ripley BD. Modern applied statistics with s. 2002. </a:t>
+            </a:r>
+            <a:r>
+              <a:rPr>
+                <a:hlinkClick r:id="rId68"/>
               </a:rPr>
               <a:t>https://www.stats.ox.ac.uk/pub/MASS4/.</a:t>
             </a:r>
@@ -29461,7 +29476,7 @@
             </a:pPr>
             <a:r>
               <a:rPr/>
-              <a:t>67. MacCallum RC, Zhang S, Preacher KJ, Rucker DD. On the practice of dichotomization of quantitative variables. </a:t>
+              <a:t>68. MacCallum RC, Zhang S, Preacher KJ, Rucker DD. On the practice of dichotomization of quantitative variables. </a:t>
             </a:r>
             <a:r>
               <a:rPr i="1"/>
@@ -29473,7 +29488,7 @@
             </a:r>
             <a:r>
               <a:rPr>
-                <a:hlinkClick r:id="rId68"/>
+                <a:hlinkClick r:id="rId69"/>
               </a:rPr>
               <a:t>10.1037/1082-989x.7.1.19</a:t>
             </a:r>
@@ -29484,7 +29499,7 @@
             </a:pPr>
             <a:r>
               <a:rPr/>
-              <a:t>68. Altman DG, Royston P. The cost of dichotomising continuous variables. </a:t>
+              <a:t>69. Altman DG, Royston P. The cost of dichotomising continuous variables. </a:t>
             </a:r>
             <a:r>
               <a:rPr i="1"/>
@@ -29496,7 +29511,7 @@
             </a:r>
             <a:r>
               <a:rPr>
-                <a:hlinkClick r:id="rId69"/>
+                <a:hlinkClick r:id="rId70"/>
               </a:rPr>
               <a:t>10.1136/bmj.332.7549.1080</a:t>
             </a:r>
@@ -29507,7 +29522,7 @@
             </a:pPr>
             <a:r>
               <a:rPr/>
-              <a:t>69. Royston P, Altman DG, Sauerbrei W. Dichotomizing continuous predictors in multiple regression: a bad idea. </a:t>
+              <a:t>70. Royston P, Altman DG, Sauerbrei W. Dichotomizing continuous predictors in multiple regression: a bad idea. </a:t>
             </a:r>
             <a:r>
               <a:rPr i="1"/>
@@ -29519,7 +29534,7 @@
             </a:r>
             <a:r>
               <a:rPr>
-                <a:hlinkClick r:id="rId70"/>
+                <a:hlinkClick r:id="rId71"/>
               </a:rPr>
               <a:t>10.1002/sim.2331</a:t>
             </a:r>
@@ -29530,7 +29545,7 @@
             </a:pPr>
             <a:r>
               <a:rPr/>
-              <a:t>70. Collins GS, Ogundimu EO, Cook JA, Manach YL, Altman DG. Quantifying the impact of different approaches for handling continuous predictors on the performance of a prognostic model. </a:t>
+              <a:t>71. Collins GS, Ogundimu EO, Cook JA, Manach YL, Altman DG. Quantifying the impact of different approaches for handling continuous predictors on the performance of a prognostic model. </a:t>
             </a:r>
             <a:r>
               <a:rPr i="1"/>
@@ -29542,7 +29557,7 @@
             </a:r>
             <a:r>
               <a:rPr>
-                <a:hlinkClick r:id="rId71"/>
+                <a:hlinkClick r:id="rId72"/>
               </a:rPr>
               <a:t>10.1002/sim.6986</a:t>
             </a:r>
@@ -29553,7 +29568,7 @@
             </a:pPr>
             <a:r>
               <a:rPr/>
-              <a:t>71. Nelson SLP, Ramakrishnan V, Nietert PJ, Kamen DL, Ramos PS, Wolf BJ. An evaluation of common methods for dichotomization of continuous variables to discriminate disease status. </a:t>
+              <a:t>72. Nelson SLP, Ramakrishnan V, Nietert PJ, Kamen DL, Ramos PS, Wolf BJ. An evaluation of common methods for dichotomization of continuous variables to discriminate disease status. </a:t>
             </a:r>
             <a:r>
               <a:rPr i="1"/>
@@ -29565,7 +29580,7 @@
             </a:r>
             <a:r>
               <a:rPr>
-                <a:hlinkClick r:id="rId72"/>
+                <a:hlinkClick r:id="rId73"/>
               </a:rPr>
               <a:t>10.1080/03610926.2016.1248783</a:t>
             </a:r>
@@ -29576,7 +29591,7 @@
             </a:pPr>
             <a:r>
               <a:rPr/>
-              <a:t>72. Bennette C, Vickers A. Against quantiles: categorization of continuous variables in epidemiologic research, and its discontents. </a:t>
+              <a:t>73. Bennette C, Vickers A. Against quantiles: categorization of continuous variables in epidemiologic research, and its discontents. </a:t>
             </a:r>
             <a:r>
               <a:rPr i="1"/>
@@ -29588,7 +29603,7 @@
             </a:r>
             <a:r>
               <a:rPr>
-                <a:hlinkClick r:id="rId73"/>
+                <a:hlinkClick r:id="rId74"/>
               </a:rPr>
               <a:t>10.1186/1471-2288-12-21</a:t>
             </a:r>
@@ -29599,7 +29614,7 @@
             </a:pPr>
             <a:r>
               <a:rPr/>
-              <a:t>73. Youden WJ. Index for rating diagnostic tests. </a:t>
+              <a:t>74. Youden WJ. Index for rating diagnostic tests. </a:t>
             </a:r>
             <a:r>
               <a:rPr i="1"/>
@@ -29611,7 +29626,7 @@
             </a:r>
             <a:r>
               <a:rPr>
-                <a:hlinkClick r:id="rId74"/>
+                <a:hlinkClick r:id="rId75"/>
               </a:rPr>
               <a:t>10.1002/1097-0142(1950)3:1&lt;32::aid-cncr2820030106&gt;3.0.co;2-3</a:t>
             </a:r>
@@ -29622,7 +29637,7 @@
             </a:pPr>
             <a:r>
               <a:rPr/>
-              <a:t>74. Strobl C, Boulesteix AL, Augustin T. Unbiased split selection for classification trees based on the Gini Index. </a:t>
+              <a:t>75. Strobl C, Boulesteix AL, Augustin T. Unbiased split selection for classification trees based on the Gini Index. </a:t>
             </a:r>
             <a:r>
               <a:rPr i="1"/>
@@ -29634,7 +29649,7 @@
             </a:r>
             <a:r>
               <a:rPr>
-                <a:hlinkClick r:id="rId75"/>
+                <a:hlinkClick r:id="rId76"/>
               </a:rPr>
               <a:t>10.1016/j.csda.2006.12.030</a:t>
             </a:r>
@@ -29645,7 +29660,7 @@
             </a:pPr>
             <a:r>
               <a:rPr/>
-              <a:t>75. Pearson K. X. </a:t>
+              <a:t>76. Pearson K. X. </a:t>
             </a:r>
             <a:r>
               <a:rPr i="1"/>
@@ -29665,7 +29680,7 @@
             </a:r>
             <a:r>
               <a:rPr>
-                <a:hlinkClick r:id="rId76"/>
+                <a:hlinkClick r:id="rId77"/>
               </a:rPr>
               <a:t>10.1080/14786440009463897</a:t>
             </a:r>
@@ -29676,7 +29691,7 @@
             </a:pPr>
             <a:r>
               <a:rPr/>
-              <a:t>76. Greiner M, Pfeiffer D, Smith RD. Principles and practical application of the receiver-operating characteristic analysis for diagnostic tests. </a:t>
+              <a:t>77. Greiner M, Pfeiffer D, Smith RD. Principles and practical application of the receiver-operating characteristic analysis for diagnostic tests. </a:t>
             </a:r>
             <a:r>
               <a:rPr i="1"/>
@@ -29688,7 +29703,7 @@
             </a:r>
             <a:r>
               <a:rPr>
-                <a:hlinkClick r:id="rId77"/>
+                <a:hlinkClick r:id="rId78"/>
               </a:rPr>
               <a:t>10.1016/s0167-5877(00)00115-x</a:t>
             </a:r>
@@ -29699,7 +29714,7 @@
             </a:pPr>
             <a:r>
               <a:rPr/>
-              <a:t>77. Fleiss JL. Measuring nominal scale agreement among many raters. </a:t>
+              <a:t>78. Fleiss JL. Measuring nominal scale agreement among many raters. </a:t>
             </a:r>
             <a:r>
               <a:rPr i="1"/>
@@ -29711,7 +29726,7 @@
             </a:r>
             <a:r>
               <a:rPr>
-                <a:hlinkClick r:id="rId78"/>
+                <a:hlinkClick r:id="rId79"/>
               </a:rPr>
               <a:t>10.1037/h0031619</a:t>
             </a:r>
@@ -29722,11 +29737,11 @@
             </a:pPr>
             <a:r>
               <a:rPr/>
-              <a:t>78. R Core Team. R: A language and environment for statistical computing. 2023. </a:t>
-            </a:r>
-            <a:r>
-              <a:rPr>
-                <a:hlinkClick r:id="rId79"/>
+              <a:t>79. R Core Team. R: A language and environment for statistical computing. 2023. </a:t>
+            </a:r>
+            <a:r>
+              <a:rPr>
+                <a:hlinkClick r:id="rId80"/>
               </a:rPr>
               <a:t>https://www.R-project.org/.</a:t>
             </a:r>
@@ -29737,11 +29752,11 @@
             </a:pPr>
             <a:r>
               <a:rPr/>
-              <a:t>79. Kanji G. 100 statistical tests. 2006. doi:</a:t>
-            </a:r>
-            <a:r>
-              <a:rPr>
-                <a:hlinkClick r:id="rId80"/>
+              <a:t>80. Kanji G. 100 statistical tests. 2006. doi:</a:t>
+            </a:r>
+            <a:r>
+              <a:rPr>
+                <a:hlinkClick r:id="rId81"/>
               </a:rPr>
               <a:t>10.4135/9781849208499</a:t>
             </a:r>
@@ -29752,7 +29767,7 @@
             </a:pPr>
             <a:r>
               <a:rPr/>
-              <a:t>80. Curran-Everett D. Explorations in statistics: standard deviations and standard errors. </a:t>
+              <a:t>81. Curran-Everett D. Explorations in statistics: standard deviations and standard errors. </a:t>
             </a:r>
             <a:r>
               <a:rPr i="1"/>
@@ -29764,7 +29779,7 @@
             </a:r>
             <a:r>
               <a:rPr>
-                <a:hlinkClick r:id="rId81"/>
+                <a:hlinkClick r:id="rId82"/>
               </a:rPr>
               <a:t>10.1152/advan.90123.2008</a:t>
             </a:r>
@@ -29775,7 +29790,7 @@
             </a:pPr>
             <a:r>
               <a:rPr/>
-              <a:t>81. Altman DG, Bland JM. Statistics Notes: Quartiles, quintiles, centiles, and other quantiles. </a:t>
+              <a:t>82. Altman DG, Bland JM. Statistics Notes: Quartiles, quintiles, centiles, and other quantiles. </a:t>
             </a:r>
             <a:r>
               <a:rPr i="1"/>
@@ -29787,7 +29802,7 @@
             </a:r>
             <a:r>
               <a:rPr>
-                <a:hlinkClick r:id="rId82"/>
+                <a:hlinkClick r:id="rId83"/>
               </a:rPr>
               <a:t>10.1136/bmj.309.6960.996</a:t>
             </a:r>
@@ -29798,7 +29813,7 @@
             </a:pPr>
             <a:r>
               <a:rPr/>
-              <a:t>82. Greenhalgh T. How to read a paper: Statistics for the non-statistician. I: Different types of data need different statistical tests. </a:t>
+              <a:t>83. Greenhalgh T. How to read a paper: Statistics for the non-statistician. I: Different types of data need different statistical tests. </a:t>
             </a:r>
             <a:r>
               <a:rPr i="1"/>
@@ -29810,7 +29825,7 @@
             </a:r>
             <a:r>
               <a:rPr>
-                <a:hlinkClick r:id="rId83"/>
+                <a:hlinkClick r:id="rId84"/>
               </a:rPr>
               <a:t>10.1136/bmj.315.7104.364</a:t>
             </a:r>
@@ -29821,7 +29836,7 @@
             </a:pPr>
             <a:r>
               <a:rPr/>
-              <a:t>83. R Core Team. </a:t>
+              <a:t>84. R Core Team. </a:t>
             </a:r>
             <a:r>
               <a:rPr i="1"/>
@@ -29833,7 +29848,7 @@
             </a:r>
             <a:r>
               <a:rPr>
-                <a:hlinkClick r:id="rId84"/>
+                <a:hlinkClick r:id="rId85"/>
               </a:rPr>
               <a:t>https://www.R-project.org/.</a:t>
             </a:r>
@@ -29844,7 +29859,7 @@
             </a:pPr>
             <a:r>
               <a:rPr/>
-              <a:t>84. Zuur AF, Ieno EN, Elphick CS. A protocol for data exploration to avoid common statistical problems. </a:t>
+              <a:t>85. Zuur AF, Ieno EN, Elphick CS. A protocol for data exploration to avoid common statistical problems. </a:t>
             </a:r>
             <a:r>
               <a:rPr i="1"/>
@@ -29856,7 +29871,7 @@
             </a:r>
             <a:r>
               <a:rPr>
-                <a:hlinkClick r:id="rId85"/>
+                <a:hlinkClick r:id="rId86"/>
               </a:rPr>
               <a:t>10.1111/j.2041-210x.2009.00001.x</a:t>
             </a:r>
@@ -29867,7 +29882,7 @@
             </a:pPr>
             <a:r>
               <a:rPr/>
-              <a:t>85. Tierney N, Cook D. Expanding Tidy Data Principles to Facilitate Missing Data Exploration, Visualization and Assessment of Imputations. </a:t>
+              <a:t>86. Tierney N, Cook D. Expanding Tidy Data Principles to Facilitate Missing Data Exploration, Visualization and Assessment of Imputations. </a:t>
             </a:r>
             <a:r>
               <a:rPr i="1"/>
@@ -29879,7 +29894,7 @@
             </a:r>
             <a:r>
               <a:rPr>
-                <a:hlinkClick r:id="rId86"/>
+                <a:hlinkClick r:id="rId87"/>
               </a:rPr>
               <a:t>10.18637/jss.v105.i07</a:t>
             </a:r>
@@ -29890,11 +29905,11 @@
             </a:pPr>
             <a:r>
               <a:rPr/>
-              <a:t>86. Hammill D. DataEditR: An interactive editor for viewing, entering, filtering &amp; editing data. 2022. </a:t>
-            </a:r>
-            <a:r>
-              <a:rPr>
-                <a:hlinkClick r:id="rId87"/>
+              <a:t>87. Hammill D. DataEditR: An interactive editor for viewing, entering, filtering &amp; editing data. 2022. </a:t>
+            </a:r>
+            <a:r>
+              <a:rPr>
+                <a:hlinkClick r:id="rId88"/>
               </a:rPr>
               <a:t>https://CRAN.R-project.org/package=DataEditR.</a:t>
             </a:r>
@@ -29905,7 +29920,7 @@
             </a:pPr>
             <a:r>
               <a:rPr/>
-              <a:t>87. Broman KW, Woo KH. Data Organization in Spreadsheets. </a:t>
+              <a:t>88. Broman KW, Woo KH. Data Organization in Spreadsheets. </a:t>
             </a:r>
             <a:r>
               <a:rPr i="1"/>
@@ -29917,7 +29932,7 @@
             </a:r>
             <a:r>
               <a:rPr>
-                <a:hlinkClick r:id="rId88"/>
+                <a:hlinkClick r:id="rId89"/>
               </a:rPr>
               <a:t>10.1080/00031305.2017.1375989</a:t>
             </a:r>
@@ -29928,7 +29943,7 @@
             </a:pPr>
             <a:r>
               <a:rPr/>
-              <a:t>88. Juluru K, Eng J. Use of Spreadsheets for Research Data Collection and Preparation: </a:t>
+              <a:t>89. Juluru K, Eng J. Use of Spreadsheets for Research Data Collection and Preparation: </a:t>
             </a:r>
             <a:r>
               <a:rPr i="1"/>
@@ -29940,7 +29955,7 @@
             </a:r>
             <a:r>
               <a:rPr>
-                <a:hlinkClick r:id="rId89"/>
+                <a:hlinkClick r:id="rId90"/>
               </a:rPr>
               <a:t>10.1016/j.acra.2015.08.024</a:t>
             </a:r>
@@ -29951,11 +29966,11 @@
             </a:pPr>
             <a:r>
               <a:rPr/>
-              <a:t>89. Dowle M, Srinivasan A. Data.table: Extension of ‘data.frame‘. 2023. </a:t>
-            </a:r>
-            <a:r>
-              <a:rPr>
-                <a:hlinkClick r:id="rId90"/>
+              <a:t>90. Dowle M, Srinivasan A. Data.table: Extension of ‘data.frame‘. 2023. </a:t>
+            </a:r>
+            <a:r>
+              <a:rPr>
+                <a:hlinkClick r:id="rId91"/>
               </a:rPr>
               <a:t>https://CRAN.R-project.org/package=data.table.</a:t>
             </a:r>
@@ -29966,7 +29981,7 @@
             </a:pPr>
             <a:r>
               <a:rPr/>
-              <a:t>90. Chatfield C. Exploratory data analysis. </a:t>
+              <a:t>91. Chatfield C. Exploratory data analysis. </a:t>
             </a:r>
             <a:r>
               <a:rPr i="1"/>
@@ -29978,7 +29993,7 @@
             </a:r>
             <a:r>
               <a:rPr>
-                <a:hlinkClick r:id="rId91"/>
+                <a:hlinkClick r:id="rId92"/>
               </a:rPr>
               <a:t>10.1016/0377-2217(86)90209-2</a:t>
             </a:r>
@@ -29989,7 +30004,7 @@
             </a:pPr>
             <a:r>
               <a:rPr/>
-              <a:t>91. Ferketich S, Verran J. Technical Notes. </a:t>
+              <a:t>92. Ferketich S, Verran J. Technical Notes. </a:t>
             </a:r>
             <a:r>
               <a:rPr i="1"/>
@@ -30001,7 +30016,7 @@
             </a:r>
             <a:r>
               <a:rPr>
-                <a:hlinkClick r:id="rId92"/>
+                <a:hlinkClick r:id="rId93"/>
               </a:rPr>
               <a:t>10.1177/019394598600800409</a:t>
             </a:r>
@@ -30012,7 +30027,7 @@
             </a:pPr>
             <a:r>
               <a:rPr/>
-              <a:t>92. Kerr NL. HARKing: Hypothesizing After the Results are Known. </a:t>
+              <a:t>93. Kerr NL. HARKing: Hypothesizing After the Results are Known. </a:t>
             </a:r>
             <a:r>
               <a:rPr i="1"/>
@@ -30024,7 +30039,7 @@
             </a:r>
             <a:r>
               <a:rPr>
-                <a:hlinkClick r:id="rId93"/>
+                <a:hlinkClick r:id="rId94"/>
               </a:rPr>
               <a:t>10.1207/s15327957pspr0203_4</a:t>
             </a:r>
@@ -30035,7 +30050,7 @@
             </a:pPr>
             <a:r>
               <a:rPr/>
-              <a:t>93. Landis SC, Amara SG, Asadullah K, et al. A call for transparent reporting to optimize the predictive value of preclinical research. </a:t>
+              <a:t>94. Landis SC, Amara SG, Asadullah K, et al. A call for transparent reporting to optimize the predictive value of preclinical research. </a:t>
             </a:r>
             <a:r>
               <a:rPr i="1"/>
@@ -30047,7 +30062,7 @@
             </a:r>
             <a:r>
               <a:rPr>
-                <a:hlinkClick r:id="rId94"/>
+                <a:hlinkClick r:id="rId95"/>
               </a:rPr>
               <a:t>10.1038/nature11556</a:t>
             </a:r>
@@ -30058,7 +30073,7 @@
             </a:pPr>
             <a:r>
               <a:rPr/>
-              <a:t>94. Huebner M, Vach W, Cessie S le. A systematic approach to initial data analysis is good research practice. </a:t>
+              <a:t>95. Huebner M, Vach W, Cessie S le. A systematic approach to initial data analysis is good research practice. </a:t>
             </a:r>
             <a:r>
               <a:rPr i="1"/>
@@ -30070,7 +30085,7 @@
             </a:r>
             <a:r>
               <a:rPr>
-                <a:hlinkClick r:id="rId95"/>
+                <a:hlinkClick r:id="rId96"/>
               </a:rPr>
               <a:t>10.1016/j.jtcvs.2015.09.085</a:t>
             </a:r>
@@ -30081,11 +30096,11 @@
             </a:pPr>
             <a:r>
               <a:rPr/>
-              <a:t>95. Krasser R. Explore: Simplifies exploratory data analysis. 2023. </a:t>
-            </a:r>
-            <a:r>
-              <a:rPr>
-                <a:hlinkClick r:id="rId96"/>
+              <a:t>96. Krasser R. Explore: Simplifies exploratory data analysis. 2023. </a:t>
+            </a:r>
+            <a:r>
+              <a:rPr>
+                <a:hlinkClick r:id="rId97"/>
               </a:rPr>
               <a:t>https://CRAN.R-project.org/package=explore.</a:t>
             </a:r>
@@ -30096,11 +30111,11 @@
             </a:pPr>
             <a:r>
               <a:rPr/>
-              <a:t>96. Petersen AH, Ekstrøm CT. dataMaid: Your assistant for documenting supervised data quality screening in r. 2019;90. doi:</a:t>
-            </a:r>
-            <a:r>
-              <a:rPr>
-                <a:hlinkClick r:id="rId97"/>
+              <a:t>97. Petersen AH, Ekstrøm CT. dataMaid: Your assistant for documenting supervised data quality screening in r. 2019;90. doi:</a:t>
+            </a:r>
+            <a:r>
+              <a:rPr>
+                <a:hlinkClick r:id="rId98"/>
               </a:rPr>
               <a:t>10.18637/jss.v090.i06</a:t>
             </a:r>
@@ -30111,11 +30126,11 @@
             </a:pPr>
             <a:r>
               <a:rPr/>
-              <a:t>97. Cui B. DataExplorer: Automate data exploration and treatment. 2020. </a:t>
-            </a:r>
-            <a:r>
-              <a:rPr>
-                <a:hlinkClick r:id="rId98"/>
+              <a:t>98. Cui B. DataExplorer: Automate data exploration and treatment. 2020. </a:t>
+            </a:r>
+            <a:r>
+              <a:rPr>
+                <a:hlinkClick r:id="rId99"/>
               </a:rPr>
               <a:t>https://CRAN.R-project.org/package=DataExplorer.</a:t>
             </a:r>
@@ -30126,11 +30141,11 @@
             </a:pPr>
             <a:r>
               <a:rPr/>
-              <a:t>98. Dayanand Ubrangala, R K, Prasad Kondapalli R, Putatunda S. SmartEDA: Summarize and explore the data. 2022. </a:t>
-            </a:r>
-            <a:r>
-              <a:rPr>
-                <a:hlinkClick r:id="rId99"/>
+              <a:t>99. Dayanand Ubrangala, R K, Prasad Kondapalli R, Putatunda S. SmartEDA: Summarize and explore the data. 2022. </a:t>
+            </a:r>
+            <a:r>
+              <a:rPr>
+                <a:hlinkClick r:id="rId100"/>
               </a:rPr>
               <a:t>https://CRAN.R-project.org/package=SmartEDA.</a:t>
             </a:r>
@@ -30141,11 +30156,11 @@
             </a:pPr>
             <a:r>
               <a:rPr/>
-              <a:t>99. R Core Team. R: A language and environment for statistical computing. 2023. </a:t>
-            </a:r>
-            <a:r>
-              <a:rPr>
-                <a:hlinkClick r:id="rId100"/>
+              <a:t>100. R Core Team. R: A language and environment for statistical computing. 2023. </a:t>
+            </a:r>
+            <a:r>
+              <a:rPr>
+                <a:hlinkClick r:id="rId101"/>
               </a:rPr>
               <a:t>https://www.R-project.org/.</a:t>
             </a:r>
@@ -30156,7 +30171,7 @@
             </a:pPr>
             <a:r>
               <a:rPr/>
-              <a:t>100. Cummings P, Rivara FP. Reporting Statistical Information in Medical Journal Articles. </a:t>
+              <a:t>101. Cummings P, Rivara FP. Reporting Statistical Information in Medical Journal Articles. </a:t>
             </a:r>
             <a:r>
               <a:rPr i="1"/>
@@ -30168,7 +30183,7 @@
             </a:r>
             <a:r>
               <a:rPr>
-                <a:hlinkClick r:id="rId101"/>
+                <a:hlinkClick r:id="rId102"/>
               </a:rPr>
               <a:t>10.1001/archpedi.157.4.321</a:t>
             </a:r>
@@ -30179,7 +30194,7 @@
             </a:pPr>
             <a:r>
               <a:rPr/>
-              <a:t>101. Inskip H, Ntani G, Westbury L, et al. Getting started with tables. </a:t>
+              <a:t>102. Inskip H, Ntani G, Westbury L, et al. Getting started with tables. </a:t>
             </a:r>
             <a:r>
               <a:rPr i="1"/>
@@ -30191,7 +30206,7 @@
             </a:r>
             <a:r>
               <a:rPr>
-                <a:hlinkClick r:id="rId102"/>
+                <a:hlinkClick r:id="rId103"/>
               </a:rPr>
               <a:t>10.1186/s13690-017-0180-1</a:t>
             </a:r>
@@ -30202,7 +30217,7 @@
             </a:pPr>
             <a:r>
               <a:rPr/>
-              <a:t>102. Kwak SG, Kang H, Kim JH, et al. The principles of presenting statistical results: Table. </a:t>
+              <a:t>103. Kwak SG, Kang H, Kim JH, et al. The principles of presenting statistical results: Table. </a:t>
             </a:r>
             <a:r>
               <a:rPr i="1"/>
@@ -30214,7 +30229,7 @@
             </a:r>
             <a:r>
               <a:rPr>
-                <a:hlinkClick r:id="rId103"/>
+                <a:hlinkClick r:id="rId104"/>
               </a:rPr>
               <a:t>10.4097/kja.20582</a:t>
             </a:r>
@@ -30225,7 +30240,7 @@
             </a:pPr>
             <a:r>
               <a:rPr/>
-              <a:t>103. Barnett A. Automated detection of over- and under-dispersion in baseline tables in randomised controlled trials. </a:t>
+              <a:t>104. Barnett A. Automated detection of over- and under-dispersion in baseline tables in randomised controlled trials. </a:t>
             </a:r>
             <a:r>
               <a:rPr i="1"/>
@@ -30237,7 +30252,7 @@
             </a:r>
             <a:r>
               <a:rPr>
-                <a:hlinkClick r:id="rId104"/>
+                <a:hlinkClick r:id="rId105"/>
               </a:rPr>
               <a:t>10.12688/f1000research.123002.2</a:t>
             </a:r>
@@ -30248,7 +30263,7 @@
             </a:pPr>
             <a:r>
               <a:rPr/>
-              <a:t>104. Westreich D, Greenland S. The Table 2 Fallacy: Presenting and Interpreting Confounder and Modifier Coefficients. </a:t>
+              <a:t>105. Westreich D, Greenland S. The Table 2 Fallacy: Presenting and Interpreting Confounder and Modifier Coefficients. </a:t>
             </a:r>
             <a:r>
               <a:rPr i="1"/>
@@ -30260,7 +30275,7 @@
             </a:r>
             <a:r>
               <a:rPr>
-                <a:hlinkClick r:id="rId105"/>
+                <a:hlinkClick r:id="rId106"/>
               </a:rPr>
               <a:t>10.1093/aje/kws412</a:t>
             </a:r>
@@ -30271,7 +30286,7 @@
             </a:pPr>
             <a:r>
               <a:rPr/>
-              <a:t>105. Chen H, Lu Y, Slye N. Testing for baseline differences in clinical trials. </a:t>
+              <a:t>106. Chen H, Lu Y, Slye N. Testing for baseline differences in clinical trials. </a:t>
             </a:r>
             <a:r>
               <a:rPr i="1"/>
@@ -30283,7 +30298,7 @@
             </a:r>
             <a:r>
               <a:rPr>
-                <a:hlinkClick r:id="rId106"/>
+                <a:hlinkClick r:id="rId107"/>
               </a:rPr>
               <a:t>10.18203/2349-3259.ijct20201720</a:t>
             </a:r>
@@ -30294,7 +30309,7 @@
             </a:pPr>
             <a:r>
               <a:rPr/>
-              <a:t>106. Pijls BG. The Table I Fallacy: P Values in Baseline Tables of Randomized Controlled Trials. </a:t>
+              <a:t>107. Pijls BG. The Table I Fallacy: P Values in Baseline Tables of Randomized Controlled Trials. </a:t>
             </a:r>
             <a:r>
               <a:rPr i="1"/>
@@ -30306,7 +30321,7 @@
             </a:r>
             <a:r>
               <a:rPr>
-                <a:hlinkClick r:id="rId107"/>
+                <a:hlinkClick r:id="rId108"/>
               </a:rPr>
               <a:t>10.2106/jbjs.21.01166</a:t>
             </a:r>
@@ -30317,7 +30332,7 @@
             </a:pPr>
             <a:r>
               <a:rPr/>
-              <a:t>107. Hayes-Larson E, Kezios KL, Mooney SJ, Lovasi G. Who is in this study, anyway? Guidelines for a useful Table 1. </a:t>
+              <a:t>108. Hayes-Larson E, Kezios KL, Mooney SJ, Lovasi G. Who is in this study, anyway? Guidelines for a useful Table 1. </a:t>
             </a:r>
             <a:r>
               <a:rPr i="1"/>
@@ -30329,7 +30344,7 @@
             </a:r>
             <a:r>
               <a:rPr>
-                <a:hlinkClick r:id="rId108"/>
+                <a:hlinkClick r:id="rId109"/>
               </a:rPr>
               <a:t>10.1016/j.jclinepi.2019.06.011</a:t>
             </a:r>
@@ -30340,11 +30355,11 @@
             </a:pPr>
             <a:r>
               <a:rPr/>
-              <a:t>108. Rich B. table1: Tables of descriptive statistics in HTML. 2023. </a:t>
-            </a:r>
-            <a:r>
-              <a:rPr>
-                <a:hlinkClick r:id="rId109"/>
+              <a:t>109. Rich B. table1: Tables of descriptive statistics in HTML. 2023. </a:t>
+            </a:r>
+            <a:r>
+              <a:rPr>
+                <a:hlinkClick r:id="rId110"/>
               </a:rPr>
               <a:t>https://CRAN.R-project.org/package=table1.</a:t>
             </a:r>
@@ -30355,11 +30370,11 @@
             </a:pPr>
             <a:r>
               <a:rPr/>
-              <a:t>109. Sjoberg DD, Whiting K, Curry M, Lavery JA, Larmarange J. Reproducible summary tables with the gtsummary package. 2021;13:570-580. doi:</a:t>
-            </a:r>
-            <a:r>
-              <a:rPr>
-                <a:hlinkClick r:id="rId110"/>
+              <a:t>110. Sjoberg DD, Whiting K, Curry M, Lavery JA, Larmarange J. Reproducible summary tables with the gtsummary package. 2021;13:570-580. doi:</a:t>
+            </a:r>
+            <a:r>
+              <a:rPr>
+                <a:hlinkClick r:id="rId111"/>
               </a:rPr>
               <a:t>10.32614/RJ-2021-053</a:t>
             </a:r>
@@ -30370,7 +30385,7 @@
             </a:pPr>
             <a:r>
               <a:rPr/>
-              <a:t>110. Bandoli G, Palmsten K, Chambers CD, Jelliffe-Pawlowski LL, Baer RJ, Thompson CA. Revisiting the Table 2 fallacy: A motivating example examining preeclampsia and preterm birth. </a:t>
+              <a:t>111. Bandoli G, Palmsten K, Chambers CD, Jelliffe-Pawlowski LL, Baer RJ, Thompson CA. Revisiting the Table 2 fallacy: A motivating example examining preeclampsia and preterm birth. </a:t>
             </a:r>
             <a:r>
               <a:rPr i="1"/>
@@ -30382,7 +30397,7 @@
             </a:r>
             <a:r>
               <a:rPr>
-                <a:hlinkClick r:id="rId111"/>
+                <a:hlinkClick r:id="rId112"/>
               </a:rPr>
               <a:t>10.1111/ppe.12474</a:t>
             </a:r>
@@ -30393,7 +30408,7 @@
             </a:pPr>
             <a:r>
               <a:rPr/>
-              <a:t>111. Park JH, Lee DK, Kang H, et al. The principles of presenting statistical results using figures. </a:t>
+              <a:t>112. Park JH, Lee DK, Kang H, et al. The principles of presenting statistical results using figures. </a:t>
             </a:r>
             <a:r>
               <a:rPr i="1"/>
@@ -30405,7 +30420,7 @@
             </a:r>
             <a:r>
               <a:rPr>
-                <a:hlinkClick r:id="rId112"/>
+                <a:hlinkClick r:id="rId113"/>
               </a:rPr>
               <a:t>10.4097/kja.21508</a:t>
             </a:r>
@@ -30416,11 +30431,11 @@
             </a:pPr>
             <a:r>
               <a:rPr/>
-              <a:t>112. Wickham H. ggplot2: Elegant graphics for data analysis. 2016. </a:t>
-            </a:r>
-            <a:r>
-              <a:rPr>
-                <a:hlinkClick r:id="rId113"/>
+              <a:t>113. Wickham H. ggplot2: Elegant graphics for data analysis. 2016. </a:t>
+            </a:r>
+            <a:r>
+              <a:rPr>
+                <a:hlinkClick r:id="rId114"/>
               </a:rPr>
               <a:t>https://ggplot2.tidyverse.org.</a:t>
             </a:r>
@@ -30431,11 +30446,11 @@
             </a:pPr>
             <a:r>
               <a:rPr/>
-              <a:t>113. Sievert C. Interactive web-based data visualization with r, plotly, and shiny. 2020. </a:t>
-            </a:r>
-            <a:r>
-              <a:rPr>
-                <a:hlinkClick r:id="rId114"/>
+              <a:t>114. Sievert C. Interactive web-based data visualization with r, plotly, and shiny. 2020. </a:t>
+            </a:r>
+            <a:r>
+              <a:rPr>
+                <a:hlinkClick r:id="rId115"/>
               </a:rPr>
               <a:t>https://plotly-r.com.</a:t>
             </a:r>
@@ -30446,11 +30461,11 @@
             </a:pPr>
             <a:r>
               <a:rPr/>
-              <a:t>114. Wei T, Simko V. R package ’corrplot’: Visualization of a correlation matrix. 2021. </a:t>
-            </a:r>
-            <a:r>
-              <a:rPr>
-                <a:hlinkClick r:id="rId115"/>
+              <a:t>115. Wei T, Simko V. R package ’corrplot’: Visualization of a correlation matrix. 2021. </a:t>
+            </a:r>
+            <a:r>
+              <a:rPr>
+                <a:hlinkClick r:id="rId116"/>
               </a:rPr>
               <a:t>https://github.com/taiyun/corrplot.</a:t>
             </a:r>
@@ -30461,7 +30476,7 @@
             </a:pPr>
             <a:r>
               <a:rPr/>
-              <a:t>115. Cumming G, Fidler F, Vaux DL. Error bars in experimental biology. </a:t>
+              <a:t>116. Cumming G, Fidler F, Vaux DL. Error bars in experimental biology. </a:t>
             </a:r>
             <a:r>
               <a:rPr i="1"/>
@@ -30473,7 +30488,7 @@
             </a:r>
             <a:r>
               <a:rPr>
-                <a:hlinkClick r:id="rId116"/>
+                <a:hlinkClick r:id="rId117"/>
               </a:rPr>
               <a:t>10.1083/jcb.200611141</a:t>
             </a:r>
@@ -30484,7 +30499,7 @@
             </a:pPr>
             <a:r>
               <a:rPr/>
-              <a:t>116. Weissgerber TL, Winham SJ, Heinzen EP, et al. Reveal, Don’t Conceal. </a:t>
+              <a:t>117. Weissgerber TL, Winham SJ, Heinzen EP, et al. Reveal, Don’t Conceal. </a:t>
             </a:r>
             <a:r>
               <a:rPr i="1"/>
@@ -30496,7 +30511,7 @@
             </a:r>
             <a:r>
               <a:rPr>
-                <a:hlinkClick r:id="rId117"/>
+                <a:hlinkClick r:id="rId118"/>
               </a:rPr>
               <a:t>10.1161/circulationaha.118.037777</a:t>
             </a:r>
@@ -30507,11 +30522,11 @@
             </a:pPr>
             <a:r>
               <a:rPr/>
-              <a:t>117. Xiao N. Ggsci: Scientific journal and sci-fi themed color palettes for ’ggplot2’. 2023. </a:t>
-            </a:r>
-            <a:r>
-              <a:rPr>
-                <a:hlinkClick r:id="rId118"/>
+              <a:t>118. Xiao N. Ggsci: Scientific journal and sci-fi themed color palettes for ’ggplot2’. 2023. </a:t>
+            </a:r>
+            <a:r>
+              <a:rPr>
+                <a:hlinkClick r:id="rId119"/>
               </a:rPr>
               <a:t>https://CRAN.R-project.org/package=ggsci.</a:t>
             </a:r>
@@ -30522,7 +30537,7 @@
             </a:pPr>
             <a:r>
               <a:rPr/>
-              <a:t>118. Curran-Everett D. Explorations in statistics: hypothesis tests and </a:t>
+              <a:t>119. Curran-Everett D. Explorations in statistics: hypothesis tests and </a:t>
             </a:r>
             <a:r>
               <a:rPr i="1"/>
@@ -30542,7 +30557,7 @@
             </a:r>
             <a:r>
               <a:rPr>
-                <a:hlinkClick r:id="rId119"/>
+                <a:hlinkClick r:id="rId120"/>
               </a:rPr>
               <a:t>10.1152/advan.90218.2008</a:t>
             </a:r>
@@ -30553,7 +30568,7 @@
             </a:pPr>
             <a:r>
               <a:rPr/>
-              <a:t>119. Goodman SN. Toward Evidence-Based Medical Statistics. 1: The P Value Fallacy. </a:t>
+              <a:t>120. Goodman SN. Toward Evidence-Based Medical Statistics. 1: The P Value Fallacy. </a:t>
             </a:r>
             <a:r>
               <a:rPr i="1"/>
@@ -30565,7 +30580,7 @@
             </a:r>
             <a:r>
               <a:rPr>
-                <a:hlinkClick r:id="rId120"/>
+                <a:hlinkClick r:id="rId121"/>
               </a:rPr>
               <a:t>10.7326/0003-4819-130-12-199906150-00008</a:t>
             </a:r>
@@ -30576,7 +30591,7 @@
             </a:pPr>
             <a:r>
               <a:rPr/>
-              <a:t>120. Vandenbroucke JP, Pearce N. From ideas to studies: how to get ideas and sharpen them into research questions. </a:t>
+              <a:t>121. Vandenbroucke JP, Pearce N. From ideas to studies: how to get ideas and sharpen them into research questions. </a:t>
             </a:r>
             <a:r>
               <a:rPr i="1"/>
@@ -30588,7 +30603,7 @@
             </a:r>
             <a:r>
               <a:rPr>
-                <a:hlinkClick r:id="rId121"/>
+                <a:hlinkClick r:id="rId122"/>
               </a:rPr>
               <a:t>10.2147/clep.s142940</a:t>
             </a:r>
@@ -30599,7 +30614,7 @@
             </a:pPr>
             <a:r>
               <a:rPr/>
-              <a:t>121. Lakens D, Scheel AM, Isager PM. Equivalence Testing for Psychological Research: A Tutorial. </a:t>
+              <a:t>122. Lakens D, Scheel AM, Isager PM. Equivalence Testing for Psychological Research: A Tutorial. </a:t>
             </a:r>
             <a:r>
               <a:rPr i="1"/>
@@ -30611,7 +30626,7 @@
             </a:r>
             <a:r>
               <a:rPr>
-                <a:hlinkClick r:id="rId122"/>
+                <a:hlinkClick r:id="rId123"/>
               </a:rPr>
               <a:t>10.1177/2515245918770963</a:t>
             </a:r>
@@ -30622,7 +30637,7 @@
             </a:pPr>
             <a:r>
               <a:rPr/>
-              <a:t>122. Sullivan GM, Feinn R. Using Effect Sizeor Why the </a:t>
+              <a:t>123. Sullivan GM, Feinn R. Using Effect Sizeor Why the </a:t>
             </a:r>
             <a:r>
               <a:rPr i="1"/>
@@ -30642,7 +30657,7 @@
             </a:r>
             <a:r>
               <a:rPr>
-                <a:hlinkClick r:id="rId123"/>
+                <a:hlinkClick r:id="rId124"/>
               </a:rPr>
               <a:t>10.4300/jgme-d-12-00156.1</a:t>
             </a:r>
@@ -30653,7 +30668,7 @@
             </a:pPr>
             <a:r>
               <a:rPr/>
-              <a:t>123. Wasserstein RL, Lazar NA. The ASA Statement on </a:t>
+              <a:t>124. Wasserstein RL, Lazar NA. The ASA Statement on </a:t>
             </a:r>
             <a:r>
               <a:rPr i="1"/>
@@ -30673,7 +30688,7 @@
             </a:r>
             <a:r>
               <a:rPr>
-                <a:hlinkClick r:id="rId124"/>
+                <a:hlinkClick r:id="rId125"/>
               </a:rPr>
               <a:t>10.1080/00031305.2016.1154108</a:t>
             </a:r>
@@ -30684,7 +30699,7 @@
             </a:pPr>
             <a:r>
               <a:rPr/>
-              <a:t>124. Altman N, Krzywinski M. P values and the search for significance. </a:t>
+              <a:t>125. Altman N, Krzywinski M. P values and the search for significance. </a:t>
             </a:r>
             <a:r>
               <a:rPr i="1"/>
@@ -30696,7 +30711,7 @@
             </a:r>
             <a:r>
               <a:rPr>
-                <a:hlinkClick r:id="rId125"/>
+                <a:hlinkClick r:id="rId126"/>
               </a:rPr>
               <a:t>10.1038/nmeth.4120</a:t>
             </a:r>
@@ -30707,7 +30722,7 @@
             </a:pPr>
             <a:r>
               <a:rPr/>
-              <a:t>125. Heinze G, Dunkler D. Five myths about variable selection. </a:t>
+              <a:t>126. Heinze G, Dunkler D. Five myths about variable selection. </a:t>
             </a:r>
             <a:r>
               <a:rPr i="1"/>
@@ -30719,7 +30734,7 @@
             </a:r>
             <a:r>
               <a:rPr>
-                <a:hlinkClick r:id="rId126"/>
+                <a:hlinkClick r:id="rId127"/>
               </a:rPr>
               <a:t>10.1111/tri.12895</a:t>
             </a:r>
@@ -30730,7 +30745,7 @@
             </a:pPr>
             <a:r>
               <a:rPr/>
-              <a:t>126. Kim HY. Statistical notes for clinical researchers: effect size. </a:t>
+              <a:t>127. Kim HY. Statistical notes for clinical researchers: effect size. </a:t>
             </a:r>
             <a:r>
               <a:rPr i="1"/>
@@ -30742,7 +30757,7 @@
             </a:r>
             <a:r>
               <a:rPr>
-                <a:hlinkClick r:id="rId127"/>
+                <a:hlinkClick r:id="rId128"/>
               </a:rPr>
               <a:t>10.5395/rde.2015.40.4.328</a:t>
             </a:r>
@@ -30753,7 +30768,7 @@
             </a:pPr>
             <a:r>
               <a:rPr/>
-              <a:t>127. Heckman MG, Davis JM, Crowson CS. Post Hoc Power Calculations: An Inappropriate Method for Interpreting the Findings of a Research Study. </a:t>
+              <a:t>128. Heckman MG, Davis JM, Crowson CS. Post Hoc Power Calculations: An Inappropriate Method for Interpreting the Findings of a Research Study. </a:t>
             </a:r>
             <a:r>
               <a:rPr i="1"/>
@@ -30765,7 +30780,7 @@
             </a:r>
             <a:r>
               <a:rPr>
-                <a:hlinkClick r:id="rId128"/>
+                <a:hlinkClick r:id="rId129"/>
               </a:rPr>
               <a:t>10.3899/jrheum.211115</a:t>
             </a:r>
@@ -30776,7 +30791,7 @@
             </a:pPr>
             <a:r>
               <a:rPr/>
-              <a:t>128. Goodman SN. Aligning statistical and scientific reasoning. </a:t>
+              <a:t>129. Goodman SN. Aligning statistical and scientific reasoning. </a:t>
             </a:r>
             <a:r>
               <a:rPr i="1"/>
@@ -30788,7 +30803,7 @@
             </a:r>
             <a:r>
               <a:rPr>
-                <a:hlinkClick r:id="rId129"/>
+                <a:hlinkClick r:id="rId130"/>
               </a:rPr>
               <a:t>10.1126/science.aaf5406</a:t>
             </a:r>
@@ -30799,7 +30814,7 @@
             </a:pPr>
             <a:r>
               <a:rPr/>
-              <a:t>129. Aylmer Fisher R. The arrangement of field experiments. </a:t>
+              <a:t>130. Aylmer Fisher R. The arrangement of field experiments. </a:t>
             </a:r>
             <a:r>
               <a:rPr i="1"/>
@@ -30811,7 +30826,7 @@
             </a:r>
             <a:r>
               <a:rPr>
-                <a:hlinkClick r:id="rId130"/>
+                <a:hlinkClick r:id="rId131"/>
               </a:rPr>
               <a:t>10.23637/ROTHAMSTED.8V61Q</a:t>
             </a:r>
@@ -30822,7 +30837,7 @@
             </a:pPr>
             <a:r>
               <a:rPr/>
-              <a:t>130. Greenhalgh T. How to read a paper: Statistics for the non-statistician. II: ̈Significanẗ relations and their pitfalls. </a:t>
+              <a:t>131. Greenhalgh T. How to read a paper: Statistics for the non-statistician. II: ̈Significanẗ relations and their pitfalls. </a:t>
             </a:r>
             <a:r>
               <a:rPr i="1"/>
@@ -30834,7 +30849,7 @@
             </a:r>
             <a:r>
               <a:rPr>
-                <a:hlinkClick r:id="rId131"/>
+                <a:hlinkClick r:id="rId132"/>
               </a:rPr>
               <a:t>10.1136/bmj.315.7105.422</a:t>
             </a:r>
@@ -30845,7 +30860,7 @@
             </a:pPr>
             <a:r>
               <a:rPr/>
-              <a:t>131. Weintraub PG. The Importance of Publishing Negative Results. </a:t>
+              <a:t>132. Weintraub PG. The Importance of Publishing Negative Results. </a:t>
             </a:r>
             <a:r>
               <a:rPr i="1"/>
@@ -30857,7 +30872,7 @@
             </a:r>
             <a:r>
               <a:rPr>
-                <a:hlinkClick r:id="rId132"/>
+                <a:hlinkClick r:id="rId133"/>
               </a:rPr>
               <a:t>10.1093/jisesa/iew092</a:t>
             </a:r>
@@ -30868,7 +30883,7 @@
             </a:pPr>
             <a:r>
               <a:rPr/>
-              <a:t>132. Altman DG, Bland JM. Statistics notes: Absence of evidence is not evidence of absence. </a:t>
+              <a:t>133. Altman DG, Bland JM. Statistics notes: Absence of evidence is not evidence of absence. </a:t>
             </a:r>
             <a:r>
               <a:rPr i="1"/>
@@ -30880,7 +30895,7 @@
             </a:r>
             <a:r>
               <a:rPr>
-                <a:hlinkClick r:id="rId133"/>
+                <a:hlinkClick r:id="rId134"/>
               </a:rPr>
               <a:t>10.1136/bmj.311.7003.485</a:t>
             </a:r>
@@ -30891,7 +30906,7 @@
             </a:pPr>
             <a:r>
               <a:rPr/>
-              <a:t>133. Breznau N, Rinke EM, Wuttke A, et al. Observing many researchers using the same data and hypothesis reveals a hidden universe of uncertainty. </a:t>
+              <a:t>134. Breznau N, Rinke EM, Wuttke A, et al. Observing many researchers using the same data and hypothesis reveals a hidden universe of uncertainty. </a:t>
             </a:r>
             <a:r>
               <a:rPr i="1"/>
@@ -30903,7 +30918,7 @@
             </a:r>
             <a:r>
               <a:rPr>
-                <a:hlinkClick r:id="rId134"/>
+                <a:hlinkClick r:id="rId135"/>
               </a:rPr>
               <a:t>10.1073/pnas.2203150119</a:t>
             </a:r>
@@ -30914,7 +30929,7 @@
             </a:pPr>
             <a:r>
               <a:rPr/>
-              <a:t>134. Dwivedi AK, Shukla R. Evidence-based statistical analysis and methods in biomedical research (SAMBR) checklists according to design features. </a:t>
+              <a:t>135. Dwivedi AK, Shukla R. Evidence-based statistical analysis and methods in biomedical research (SAMBR) checklists according to design features. </a:t>
             </a:r>
             <a:r>
               <a:rPr i="1"/>
@@ -30926,7 +30941,7 @@
             </a:r>
             <a:r>
               <a:rPr>
-                <a:hlinkClick r:id="rId135"/>
+                <a:hlinkClick r:id="rId136"/>
               </a:rPr>
               <a:t>10.1002/cnr2.1211</a:t>
             </a:r>
@@ -30937,7 +30952,7 @@
             </a:pPr>
             <a:r>
               <a:rPr/>
-              <a:t>135. Dwivedi AK. How to Write Statistical Analysis Section in Medical Research. </a:t>
+              <a:t>136. Dwivedi AK. How to Write Statistical Analysis Section in Medical Research. </a:t>
             </a:r>
             <a:r>
               <a:rPr i="1"/>
@@ -30949,7 +30964,7 @@
             </a:r>
             <a:r>
               <a:rPr>
-                <a:hlinkClick r:id="rId136"/>
+                <a:hlinkClick r:id="rId137"/>
               </a:rPr>
               <a:t>10.1136/jim-2022-002479</a:t>
             </a:r>
@@ -30960,7 +30975,7 @@
             </a:pPr>
             <a:r>
               <a:rPr/>
-              <a:t>136. Kim N, Fischer AH, Dyring-Andersen B, Rosner B, Okoye GA. Research Techniques Made Simple: Choosing Appropriate Statistical Methods for Clinical Research. </a:t>
+              <a:t>137. Kim N, Fischer AH, Dyring-Andersen B, Rosner B, Okoye GA. Research Techniques Made Simple: Choosing Appropriate Statistical Methods for Clinical Research. </a:t>
             </a:r>
             <a:r>
               <a:rPr i="1"/>
@@ -30972,7 +30987,7 @@
             </a:r>
             <a:r>
               <a:rPr>
-                <a:hlinkClick r:id="rId137"/>
+                <a:hlinkClick r:id="rId138"/>
               </a:rPr>
               <a:t>10.1016/j.jid.2017.08.007</a:t>
             </a:r>
@@ -30983,7 +30998,7 @@
             </a:pPr>
             <a:r>
               <a:rPr/>
-              <a:t>137. Marusteri M, Bacarea V. Comparing groups for statistical differences: How to choose the right statistical test? </a:t>
+              <a:t>138. Marusteri M, Bacarea V. Comparing groups for statistical differences: How to choose the right statistical test? </a:t>
             </a:r>
             <a:r>
               <a:rPr i="1"/>
@@ -30995,7 +31010,7 @@
             </a:r>
             <a:r>
               <a:rPr>
-                <a:hlinkClick r:id="rId138"/>
+                <a:hlinkClick r:id="rId139"/>
               </a:rPr>
               <a:t>10.11613/bm.2010.004</a:t>
             </a:r>
@@ -31006,7 +31021,7 @@
             </a:pPr>
             <a:r>
               <a:rPr/>
-              <a:t>138. Mishra P, Pandey C, Singh U, Keshri A, Sabaretnam M. Selection of appropriate statistical methods for data analysis. </a:t>
+              <a:t>139. Mishra P, Pandey C, Singh U, Keshri A, Sabaretnam M. Selection of appropriate statistical methods for data analysis. </a:t>
             </a:r>
             <a:r>
               <a:rPr i="1"/>
@@ -31018,7 +31033,7 @@
             </a:r>
             <a:r>
               <a:rPr>
-                <a:hlinkClick r:id="rId139"/>
+                <a:hlinkClick r:id="rId140"/>
               </a:rPr>
               <a:t>10.4103/aca.aca_248_18</a:t>
             </a:r>
@@ -31029,7 +31044,7 @@
             </a:pPr>
             <a:r>
               <a:rPr/>
-              <a:t>139. Ray A, Najmi A, Sadasivam B. How to choose and interpret a statistical test? An update for budding researchers. </a:t>
+              <a:t>140. Ray A, Najmi A, Sadasivam B. How to choose and interpret a statistical test? An update for budding researchers. </a:t>
             </a:r>
             <a:r>
               <a:rPr i="1"/>
@@ -31041,7 +31056,7 @@
             </a:r>
             <a:r>
               <a:rPr>
-                <a:hlinkClick r:id="rId140"/>
+                <a:hlinkClick r:id="rId141"/>
               </a:rPr>
               <a:t>10.4103/jfmpc.jfmpc_433_21</a:t>
             </a:r>
@@ -31052,7 +31067,7 @@
             </a:pPr>
             <a:r>
               <a:rPr/>
-              <a:t>140. Nayak B, Hazra A. How to choose the right statistical test? </a:t>
+              <a:t>141. Nayak B, Hazra A. How to choose the right statistical test? </a:t>
             </a:r>
             <a:r>
               <a:rPr i="1"/>
@@ -31064,7 +31079,7 @@
             </a:r>
             <a:r>
               <a:rPr>
-                <a:hlinkClick r:id="rId141"/>
+                <a:hlinkClick r:id="rId142"/>
               </a:rPr>
               <a:t>10.4103/0301-4738.77005</a:t>
             </a:r>
@@ -31075,7 +31090,7 @@
             </a:pPr>
             <a:r>
               <a:rPr/>
-              <a:t>141. Shankar S, Singh R. Demystifying statistics: How to choose a statistical test? </a:t>
+              <a:t>142. Shankar S, Singh R. Demystifying statistics: How to choose a statistical test? </a:t>
             </a:r>
             <a:r>
               <a:rPr i="1"/>
@@ -31087,7 +31102,7 @@
             </a:r>
             <a:r>
               <a:rPr>
-                <a:hlinkClick r:id="rId142"/>
+                <a:hlinkClick r:id="rId143"/>
               </a:rPr>
               <a:t>10.1016/j.injr.2014.04.002</a:t>
             </a:r>
@@ -31098,11 +31113,11 @@
             </a:pPr>
             <a:r>
               <a:rPr/>
-              <a:t>142. Diedenhofen B, Musch J. Cocor: A comprehensive solution for the statistical comparison of correlations. 2015;10:e0121945. doi:</a:t>
-            </a:r>
-            <a:r>
-              <a:rPr>
-                <a:hlinkClick r:id="rId143"/>
+              <a:t>143. Diedenhofen B, Musch J. Cocor: A comprehensive solution for the statistical comparison of correlations. 2015;10:e0121945. doi:</a:t>
+            </a:r>
+            <a:r>
+              <a:rPr>
+                <a:hlinkClick r:id="rId144"/>
               </a:rPr>
               <a:t>10.1371/journal.pone.0121945</a:t>
             </a:r>
@@ -31113,11 +31128,11 @@
             </a:pPr>
             <a:r>
               <a:rPr/>
-              <a:t>143. Diedenhofen B, Musch J. Cocor: A comprehensive solution for the statistical comparison of correlations. 2015;10:e0121945. doi:</a:t>
-            </a:r>
-            <a:r>
-              <a:rPr>
-                <a:hlinkClick r:id="rId144"/>
+              <a:t>144. Diedenhofen B, Musch J. Cocor: A comprehensive solution for the statistical comparison of correlations. 2015;10:e0121945. doi:</a:t>
+            </a:r>
+            <a:r>
+              <a:rPr>
+                <a:hlinkClick r:id="rId145"/>
               </a:rPr>
               <a:t>10.1371/journal.pone.0121945</a:t>
             </a:r>
@@ -31128,7 +31143,7 @@
             </a:pPr>
             <a:r>
               <a:rPr/>
-              <a:t>144. Khamis H. Measures of Association: How to Choose? </a:t>
+              <a:t>145. Khamis H. Measures of Association: How to Choose? </a:t>
             </a:r>
             <a:r>
               <a:rPr i="1"/>
@@ -31140,7 +31155,7 @@
             </a:r>
             <a:r>
               <a:rPr>
-                <a:hlinkClick r:id="rId145"/>
+                <a:hlinkClick r:id="rId146"/>
               </a:rPr>
               <a:t>10.1177/8756479308317006</a:t>
             </a:r>
@@ -31151,7 +31166,7 @@
             </a:pPr>
             <a:r>
               <a:rPr/>
-              <a:t>145. Allison JS, Santana L, (Jaco) Visagie IJH. A primer on simple measures of association taught at undergraduate level. </a:t>
+              <a:t>146. Allison JS, Santana L, (Jaco) Visagie IJH. A primer on simple measures of association taught at undergraduate level. </a:t>
             </a:r>
             <a:r>
               <a:rPr i="1"/>
@@ -31163,7 +31178,7 @@
             </a:r>
             <a:r>
               <a:rPr>
-                <a:hlinkClick r:id="rId146"/>
+                <a:hlinkClick r:id="rId147"/>
               </a:rPr>
               <a:t>10.1111/test.12307</a:t>
             </a:r>
@@ -31174,11 +31189,11 @@
             </a:pPr>
             <a:r>
               <a:rPr/>
-              <a:t>146. Wei T, Simko V. R package ’corrplot’: Visualization of a correlation matrix. 2021. </a:t>
-            </a:r>
-            <a:r>
-              <a:rPr>
-                <a:hlinkClick r:id="rId147"/>
+              <a:t>147. Wei T, Simko V. R package ’corrplot’: Visualization of a correlation matrix. 2021. </a:t>
+            </a:r>
+            <a:r>
+              <a:rPr>
+                <a:hlinkClick r:id="rId148"/>
               </a:rPr>
               <a:t>https://github.com/taiyun/corrplot.</a:t>
             </a:r>
@@ -31189,7 +31204,7 @@
             </a:pPr>
             <a:r>
               <a:rPr/>
-              <a:t>147. McHugh ML. The chi-square test of independence. </a:t>
+              <a:t>148. McHugh ML. The chi-square test of independence. </a:t>
             </a:r>
             <a:r>
               <a:rPr i="1"/>
@@ -31201,7 +31216,7 @@
             </a:r>
             <a:r>
               <a:rPr>
-                <a:hlinkClick r:id="rId148"/>
+                <a:hlinkClick r:id="rId149"/>
               </a:rPr>
               <a:t>10.11613/bm.2013.018</a:t>
             </a:r>
@@ -31212,7 +31227,7 @@
             </a:pPr>
             <a:r>
               <a:rPr/>
-              <a:t>148. Kim HY. Statistical notes for clinical researchers: Chi-squared test and Fisher’s exact test. </a:t>
+              <a:t>149. Kim HY. Statistical notes for clinical researchers: Chi-squared test and Fisher’s exact test. </a:t>
             </a:r>
             <a:r>
               <a:rPr i="1"/>
@@ -31224,7 +31239,7 @@
             </a:r>
             <a:r>
               <a:rPr>
-                <a:hlinkClick r:id="rId149"/>
+                <a:hlinkClick r:id="rId150"/>
               </a:rPr>
               <a:t>10.5395/rde.2017.42.2.152</a:t>
             </a:r>
@@ -31235,11 +31250,11 @@
             </a:pPr>
             <a:r>
               <a:rPr/>
-              <a:t>149. Sjoberg DD, Whiting K, Curry M, Lavery JA, Larmarange J. Reproducible summary tables with the gtsummary package. 2021;13:570-580. doi:</a:t>
-            </a:r>
-            <a:r>
-              <a:rPr>
-                <a:hlinkClick r:id="rId150"/>
+              <a:t>150. Sjoberg DD, Whiting K, Curry M, Lavery JA, Larmarange J. Reproducible summary tables with the gtsummary package. 2021;13:570-580. doi:</a:t>
+            </a:r>
+            <a:r>
+              <a:rPr>
+                <a:hlinkClick r:id="rId151"/>
               </a:rPr>
               <a:t>10.32614/RJ-2021-053</a:t>
             </a:r>
@@ -31250,7 +31265,7 @@
             </a:pPr>
             <a:r>
               <a:rPr/>
-              <a:t>150. Hidalgo B, Goodman M. Multivariate or Multivariable Regression? </a:t>
+              <a:t>151. Hidalgo B, Goodman M. Multivariate or Multivariable Regression? </a:t>
             </a:r>
             <a:r>
               <a:rPr i="1"/>
@@ -31262,7 +31277,7 @@
             </a:r>
             <a:r>
               <a:rPr>
-                <a:hlinkClick r:id="rId151"/>
+                <a:hlinkClick r:id="rId152"/>
               </a:rPr>
               <a:t>10.2105/ajph.2012.300897</a:t>
             </a:r>
@@ -31273,11 +31288,11 @@
             </a:pPr>
             <a:r>
               <a:rPr/>
-              <a:t>151. Arel-Bundock V. Modelsummary: Data and model summaries in r. 2022;103. doi:</a:t>
-            </a:r>
-            <a:r>
-              <a:rPr>
-                <a:hlinkClick r:id="rId152"/>
+              <a:t>152. Arel-Bundock V. Modelsummary: Data and model summaries in r. 2022;103. doi:</a:t>
+            </a:r>
+            <a:r>
+              <a:rPr>
+                <a:hlinkClick r:id="rId153"/>
               </a:rPr>
               <a:t>10.18637/jss.v103.i01</a:t>
             </a:r>
@@ -31288,7 +31303,7 @@
             </a:pPr>
             <a:r>
               <a:rPr/>
-              <a:t>152. Suits DB. Use of Dummy Variables in Regression Equations. </a:t>
+              <a:t>153. Suits DB. Use of Dummy Variables in Regression Equations. </a:t>
             </a:r>
             <a:r>
               <a:rPr i="1"/>
@@ -31300,7 +31315,7 @@
             </a:r>
             <a:r>
               <a:rPr>
-                <a:hlinkClick r:id="rId153"/>
+                <a:hlinkClick r:id="rId154"/>
               </a:rPr>
               <a:t>10.1080/01621459.1957.10501412</a:t>
             </a:r>
@@ -31311,7 +31326,7 @@
             </a:pPr>
             <a:r>
               <a:rPr/>
-              <a:t>153. Healy MJ. Statistics from the inside. 16. Multiple regression (2). </a:t>
+              <a:t>154. Healy MJ. Statistics from the inside. 16. Multiple regression (2). </a:t>
             </a:r>
             <a:r>
               <a:rPr i="1"/>
@@ -31323,7 +31338,7 @@
             </a:r>
             <a:r>
               <a:rPr>
-                <a:hlinkClick r:id="rId154"/>
+                <a:hlinkClick r:id="rId155"/>
               </a:rPr>
               <a:t>10.1136/adc.73.3.270</a:t>
             </a:r>
@@ -31334,11 +31349,11 @@
             </a:pPr>
             <a:r>
               <a:rPr/>
-              <a:t>154. Kaplan J. fastDummies: Fast creation of dummy (binary) columns and rows from categorical variables. 2023. </a:t>
-            </a:r>
-            <a:r>
-              <a:rPr>
-                <a:hlinkClick r:id="rId155"/>
+              <a:t>155. Kaplan J. fastDummies: Fast creation of dummy (binary) columns and rows from categorical variables. 2023. </a:t>
+            </a:r>
+            <a:r>
+              <a:rPr>
+                <a:hlinkClick r:id="rId156"/>
               </a:rPr>
               <a:t>https://CRAN.R-project.org/package=fastDummies.</a:t>
             </a:r>
@@ -31349,7 +31364,7 @@
             </a:pPr>
             <a:r>
               <a:rPr/>
-              <a:t>155. DALES LG, URY HK. An Improper Use of Statistical Significance Testing in Studying Covariables. </a:t>
+              <a:t>156. DALES LG, URY HK. An Improper Use of Statistical Significance Testing in Studying Covariables. </a:t>
             </a:r>
             <a:r>
               <a:rPr i="1"/>
@@ -31361,7 +31376,7 @@
             </a:r>
             <a:r>
               <a:rPr>
-                <a:hlinkClick r:id="rId156"/>
+                <a:hlinkClick r:id="rId157"/>
               </a:rPr>
               <a:t>10.1093/ije/7.4.373</a:t>
             </a:r>
@@ -31372,7 +31387,7 @@
             </a:pPr>
             <a:r>
               <a:rPr/>
-              <a:t>156. Sun GW, Shook TL, Kay GL. Inappropriate use of bivariable analysis to screen risk factors for use in multivariable analysis. </a:t>
+              <a:t>157. Sun GW, Shook TL, Kay GL. Inappropriate use of bivariable analysis to screen risk factors for use in multivariable analysis. </a:t>
             </a:r>
             <a:r>
               <a:rPr i="1"/>
@@ -31384,7 +31399,7 @@
             </a:r>
             <a:r>
               <a:rPr>
-                <a:hlinkClick r:id="rId157"/>
+                <a:hlinkClick r:id="rId158"/>
               </a:rPr>
               <a:t>10.1016/0895-4356(96)00025-x</a:t>
             </a:r>
@@ -31395,7 +31410,7 @@
             </a:pPr>
             <a:r>
               <a:rPr/>
-              <a:t>157. Bours MJL. Using mediators to understand effect modification and interaction. </a:t>
+              <a:t>158. Bours MJL. Using mediators to understand effect modification and interaction. </a:t>
             </a:r>
             <a:r>
               <a:rPr i="1"/>
@@ -31407,7 +31422,7 @@
             </a:r>
             <a:r>
               <a:rPr>
-                <a:hlinkClick r:id="rId158"/>
+                <a:hlinkClick r:id="rId159"/>
               </a:rPr>
               <a:t>10.1016/j.jclinepi.2023.09.005</a:t>
             </a:r>
@@ -31418,7 +31433,7 @@
             </a:pPr>
             <a:r>
               <a:rPr/>
-              <a:t>158. Altman DG, Matthews JNS. Statistics Notes: Interaction 1: heterogeneity of effects. </a:t>
+              <a:t>159. Altman DG, Matthews JNS. Statistics Notes: Interaction 1: heterogeneity of effects. </a:t>
             </a:r>
             <a:r>
               <a:rPr i="1"/>
@@ -31430,7 +31445,7 @@
             </a:r>
             <a:r>
               <a:rPr>
-                <a:hlinkClick r:id="rId159"/>
+                <a:hlinkClick r:id="rId160"/>
               </a:rPr>
               <a:t>10.1136/bmj.313.7055.486</a:t>
             </a:r>
@@ -31441,7 +31456,7 @@
             </a:pPr>
             <a:r>
               <a:rPr/>
-              <a:t>159. Baron RM, Kenny DA. The moderatormediator variable distinction in social psychological research: Conceptual, strategic, and statistical considerations. </a:t>
+              <a:t>160. Baron RM, Kenny DA. The moderatormediator variable distinction in social psychological research: Conceptual, strategic, and statistical considerations. </a:t>
             </a:r>
             <a:r>
               <a:rPr i="1"/>
@@ -31453,7 +31468,7 @@
             </a:r>
             <a:r>
               <a:rPr>
-                <a:hlinkClick r:id="rId160"/>
+                <a:hlinkClick r:id="rId161"/>
               </a:rPr>
               <a:t>10.1037/0022-3514.51.6.1173</a:t>
             </a:r>
@@ -31464,7 +31479,7 @@
             </a:pPr>
             <a:r>
               <a:rPr/>
-              <a:t>160. Grant MJ, Booth A. A typology of reviews: an analysis of 14 review types and associated methodologies. </a:t>
+              <a:t>161. Grant MJ, Booth A. A typology of reviews: an analysis of 14 review types and associated methodologies. </a:t>
             </a:r>
             <a:r>
               <a:rPr i="1"/>
@@ -31476,7 +31491,7 @@
             </a:r>
             <a:r>
               <a:rPr>
-                <a:hlinkClick r:id="rId161"/>
+                <a:hlinkClick r:id="rId162"/>
               </a:rPr>
               <a:t>10.1111/j.1471-1842.2009.00848.x</a:t>
             </a:r>
@@ -31487,7 +31502,7 @@
             </a:pPr>
             <a:r>
               <a:rPr/>
-              <a:t>161. Sut N. Study designs in medicine. </a:t>
+              <a:t>162. Sut N. Study designs in medicine. </a:t>
             </a:r>
             <a:r>
               <a:rPr i="1"/>
@@ -31499,7 +31514,7 @@
             </a:r>
             <a:r>
               <a:rPr>
-                <a:hlinkClick r:id="rId162"/>
+                <a:hlinkClick r:id="rId163"/>
               </a:rPr>
               <a:t>10.5152/balkanmedj.2014.1408</a:t>
             </a:r>
@@ -31510,7 +31525,7 @@
             </a:pPr>
             <a:r>
               <a:rPr/>
-              <a:t>162. Souza AC de, Alexandre NMC, Guirardello E de B, Souza AC de, Alexandre NMC, Guirardello E de B. Propriedades psicométricas na avaliação de instrumentos: avaliação da confiabilidade e da validade. </a:t>
+              <a:t>163. Souza AC de, Alexandre NMC, Guirardello E de B, Souza AC de, Alexandre NMC, Guirardello E de B. Propriedades psicométricas na avaliação de instrumentos: avaliação da confiabilidade e da validade. </a:t>
             </a:r>
             <a:r>
               <a:rPr i="1"/>
@@ -31522,7 +31537,7 @@
             </a:r>
             <a:r>
               <a:rPr>
-                <a:hlinkClick r:id="rId163"/>
+                <a:hlinkClick r:id="rId164"/>
               </a:rPr>
               <a:t>10.5123/s1679-49742017000300022</a:t>
             </a:r>
@@ -31533,7 +31548,7 @@
             </a:pPr>
             <a:r>
               <a:rPr/>
-              <a:t>163. Reeves BC, Wells GA, Waddington H. Quasi-experimental study designs seriespaper 5: a checklist for classifying studies evaluating the effects on health interventionsa taxonomy without labels. </a:t>
+              <a:t>164. Reeves BC, Wells GA, Waddington H. Quasi-experimental study designs seriespaper 5: a checklist for classifying studies evaluating the effects on health interventionsa taxonomy without labels. </a:t>
             </a:r>
             <a:r>
               <a:rPr i="1"/>
@@ -31545,7 +31560,7 @@
             </a:r>
             <a:r>
               <a:rPr>
-                <a:hlinkClick r:id="rId164"/>
+                <a:hlinkClick r:id="rId165"/>
               </a:rPr>
               <a:t>10.1016/j.jclinepi.2017.02.016</a:t>
             </a:r>
@@ -31556,7 +31571,7 @@
             </a:pPr>
             <a:r>
               <a:rPr/>
-              <a:t>164. Echevarría-Guanilo ME, Gonçalves N, Romanoski PJ. PSYCHOMETRIC PROPERTIES OF MEASUREMENT INSTRUMENTS: CONCEPTUAL BASIS AND EVALUATION METHODS - PART II. </a:t>
+              <a:t>165. Echevarría-Guanilo ME, Gonçalves N, Romanoski PJ. PSYCHOMETRIC PROPERTIES OF MEASUREMENT INSTRUMENTS: CONCEPTUAL BASIS AND EVALUATION METHODS - PART II. </a:t>
             </a:r>
             <a:r>
               <a:rPr i="1"/>
@@ -31568,7 +31583,7 @@
             </a:r>
             <a:r>
               <a:rPr>
-                <a:hlinkClick r:id="rId165"/>
+                <a:hlinkClick r:id="rId166"/>
               </a:rPr>
               <a:t>10.1590/1980-265x-tce-2017-0311</a:t>
             </a:r>
@@ -31579,7 +31594,7 @@
             </a:pPr>
             <a:r>
               <a:rPr/>
-              <a:t>165. Chassé M, Fergusson DA. Diagnostic Accuracy Studies. </a:t>
+              <a:t>166. Chassé M, Fergusson DA. Diagnostic Accuracy Studies. </a:t>
             </a:r>
             <a:r>
               <a:rPr i="1"/>
@@ -31591,7 +31606,7 @@
             </a:r>
             <a:r>
               <a:rPr>
-                <a:hlinkClick r:id="rId166"/>
+                <a:hlinkClick r:id="rId167"/>
               </a:rPr>
               <a:t>10.1053/j.semnuclmed.2018.11.005</a:t>
             </a:r>
@@ -31602,7 +31617,7 @@
             </a:pPr>
             <a:r>
               <a:rPr/>
-              <a:t>166. Chidambaram AG, Josephson M. Clinical research study designs: The essentials. </a:t>
+              <a:t>167. Chidambaram AG, Josephson M. Clinical research study designs: The essentials. </a:t>
             </a:r>
             <a:r>
               <a:rPr i="1"/>
@@ -31614,7 +31629,7 @@
             </a:r>
             <a:r>
               <a:rPr>
-                <a:hlinkClick r:id="rId167"/>
+                <a:hlinkClick r:id="rId168"/>
               </a:rPr>
               <a:t>10.1002/ped4.12166</a:t>
             </a:r>
@@ -31625,7 +31640,7 @@
             </a:pPr>
             <a:r>
               <a:rPr/>
-              <a:t>167. Erdemir A, Mulugeta L, Ku JP, et al. Credible practice of modeling and simulation in healthcare: ten rules from a multidisciplinary perspective. </a:t>
+              <a:t>168. Erdemir A, Mulugeta L, Ku JP, et al. Credible practice of modeling and simulation in healthcare: ten rules from a multidisciplinary perspective. </a:t>
             </a:r>
             <a:r>
               <a:rPr i="1"/>
@@ -31637,7 +31652,7 @@
             </a:r>
             <a:r>
               <a:rPr>
-                <a:hlinkClick r:id="rId168"/>
+                <a:hlinkClick r:id="rId169"/>
               </a:rPr>
               <a:t>10.1186/s12967-020-02540-4</a:t>
             </a:r>
@@ -31648,7 +31663,7 @@
             </a:pPr>
             <a:r>
               <a:rPr/>
-              <a:t>168. Yang B, Olsen M, Vali Y, et al. Study designs for comparative diagnostic test accuracy: A methodological review and classification scheme. </a:t>
+              <a:t>169. Yang B, Olsen M, Vali Y, et al. Study designs for comparative diagnostic test accuracy: A methodological review and classification scheme. </a:t>
             </a:r>
             <a:r>
               <a:rPr i="1"/>
@@ -31660,7 +31675,7 @@
             </a:r>
             <a:r>
               <a:rPr>
-                <a:hlinkClick r:id="rId169"/>
+                <a:hlinkClick r:id="rId170"/>
               </a:rPr>
               <a:t>10.1016/j.jclinepi.2021.04.013</a:t>
             </a:r>
@@ -31671,7 +31686,7 @@
             </a:pPr>
             <a:r>
               <a:rPr/>
-              <a:t>169. Chipman H, Bingham D. Let’s practice what we preach: Planning and interpreting simulation studies with design and analysis of experiments. </a:t>
+              <a:t>170. Chipman H, Bingham D. Let’s practice what we preach: Planning and interpreting simulation studies with design and analysis of experiments. </a:t>
             </a:r>
             <a:r>
               <a:rPr i="1"/>
@@ -31683,7 +31698,7 @@
             </a:r>
             <a:r>
               <a:rPr>
-                <a:hlinkClick r:id="rId170"/>
+                <a:hlinkClick r:id="rId171"/>
               </a:rPr>
               <a:t>10.1002/cjs.11719</a:t>
             </a:r>
@@ -31694,7 +31709,7 @@
             </a:pPr>
             <a:r>
               <a:rPr/>
-              <a:t>170. Donthu N, Kumar S, Mukherjee D, Pandey N, Lim WM. How to conduct a bibliometric analysis: An overview and guidelines. </a:t>
+              <a:t>171. Donthu N, Kumar S, Mukherjee D, Pandey N, Lim WM. How to conduct a bibliometric analysis: An overview and guidelines. </a:t>
             </a:r>
             <a:r>
               <a:rPr i="1"/>
@@ -31706,7 +31721,7 @@
             </a:r>
             <a:r>
               <a:rPr>
-                <a:hlinkClick r:id="rId171"/>
+                <a:hlinkClick r:id="rId172"/>
               </a:rPr>
               <a:t>10.1016/j.jbusres.2021.04.070</a:t>
             </a:r>
@@ -31717,7 +31732,7 @@
             </a:pPr>
             <a:r>
               <a:rPr/>
-              <a:t>171. Lim WM, Kumar S. Guidelines for interpreting the results of bibliometric analysis: A sensemaking approach. </a:t>
+              <a:t>172. Lim WM, Kumar S. Guidelines for interpreting the results of bibliometric analysis: A sensemaking approach. </a:t>
             </a:r>
             <a:r>
               <a:rPr i="1"/>
@@ -31729,7 +31744,7 @@
             </a:r>
             <a:r>
               <a:rPr>
-                <a:hlinkClick r:id="rId172"/>
+                <a:hlinkClick r:id="rId173"/>
               </a:rPr>
               <a:t>10.1002/joe.22229</a:t>
             </a:r>
@@ -31740,7 +31755,7 @@
             </a:pPr>
             <a:r>
               <a:rPr/>
-              <a:t>172. Bland JM, Altman DG. Statistics notes: Matching. </a:t>
+              <a:t>173. Bland JM, Altman DG. Statistics notes: Matching. </a:t>
             </a:r>
             <a:r>
               <a:rPr i="1"/>
@@ -31752,7 +31767,7 @@
             </a:r>
             <a:r>
               <a:rPr>
-                <a:hlinkClick r:id="rId173"/>
+                <a:hlinkClick r:id="rId174"/>
               </a:rPr>
               <a:t>10.1136/bmj.309.6962.1128</a:t>
             </a:r>
@@ -31763,7 +31778,7 @@
             </a:pPr>
             <a:r>
               <a:rPr/>
-              <a:t>173. Bland JM, Altman DG. Comparisons within randomised groups can be very misleading. </a:t>
+              <a:t>174. Bland JM, Altman DG. Comparisons within randomised groups can be very misleading. </a:t>
             </a:r>
             <a:r>
               <a:rPr i="1"/>
@@ -31775,7 +31790,7 @@
             </a:r>
             <a:r>
               <a:rPr>
-                <a:hlinkClick r:id="rId174"/>
+                <a:hlinkClick r:id="rId175"/>
               </a:rPr>
               <a:t>10.1136/bmj.d561</a:t>
             </a:r>
@@ -31786,7 +31801,7 @@
             </a:pPr>
             <a:r>
               <a:rPr/>
-              <a:t>174. Bruce CL, Juszczak E, Ogollah R, Partlett C, Montgomery A. A systematic review of randomisation method use in RCTs and association of trial design characteristics with method selection. </a:t>
+              <a:t>175. Bruce CL, Juszczak E, Ogollah R, Partlett C, Montgomery A. A systematic review of randomisation method use in RCTs and association of trial design characteristics with method selection. </a:t>
             </a:r>
             <a:r>
               <a:rPr i="1"/>
@@ -31798,7 +31813,7 @@
             </a:r>
             <a:r>
               <a:rPr>
-                <a:hlinkClick r:id="rId175"/>
+                <a:hlinkClick r:id="rId176"/>
               </a:rPr>
               <a:t>10.1186/s12874-022-01786-4</a:t>
             </a:r>
@@ -31809,7 +31824,7 @@
             </a:pPr>
             <a:r>
               <a:rPr/>
-              <a:t>175. Vickers AJ, Altman DG. Statistics Notes: Analysing controlled trials with baseline and follow up measurements. </a:t>
+              <a:t>176. Vickers AJ, Altman DG. Statistics Notes: Analysing controlled trials with baseline and follow up measurements. </a:t>
             </a:r>
             <a:r>
               <a:rPr i="1"/>
@@ -31821,7 +31836,7 @@
             </a:r>
             <a:r>
               <a:rPr>
-                <a:hlinkClick r:id="rId176"/>
+                <a:hlinkClick r:id="rId177"/>
               </a:rPr>
               <a:t>10.1136/bmj.323.7321.1123</a:t>
             </a:r>
@@ -31832,7 +31847,7 @@
             </a:pPr>
             <a:r>
               <a:rPr/>
-              <a:t>176. O Connell NS, Dai L, Jiang Y, et al. Methods for analysis of pre-post data in clinical research: A comparison of five common methods. </a:t>
+              <a:t>177. O Connell NS, Dai L, Jiang Y, et al. Methods for analysis of pre-post data in clinical research: A comparison of five common methods. </a:t>
             </a:r>
             <a:r>
               <a:rPr i="1"/>
@@ -31844,7 +31859,7 @@
             </a:r>
             <a:r>
               <a:rPr>
-                <a:hlinkClick r:id="rId177"/>
+                <a:hlinkClick r:id="rId178"/>
               </a:rPr>
               <a:t>10.4172/2155-6180.1000334</a:t>
             </a:r>
@@ -31855,7 +31870,7 @@
             </a:pPr>
             <a:r>
               <a:rPr/>
-              <a:t>177. Cao Y, Allore H, Vander Wyk B, Gutman R. Review and evaluation of imputation methods for multivariate longitudinal data with mixed-type incomplete variables. </a:t>
+              <a:t>178. Cao Y, Allore H, Vander Wyk B, Gutman R. Review and evaluation of imputation methods for multivariate longitudinal data with mixed-type incomplete variables. </a:t>
             </a:r>
             <a:r>
               <a:rPr i="1"/>
@@ -31867,7 +31882,7 @@
             </a:r>
             <a:r>
               <a:rPr>
-                <a:hlinkClick r:id="rId178"/>
+                <a:hlinkClick r:id="rId179"/>
               </a:rPr>
               <a:t>10.1002/sim.9592</a:t>
             </a:r>
@@ -31878,7 +31893,7 @@
             </a:pPr>
             <a:r>
               <a:rPr/>
-              <a:t>178. Kahan BC, Jairath V, Doré CJ, Morris TP. The risks and rewards of covariate adjustment in randomized trials: an assessment of 12 outcomes from 8 studies. </a:t>
+              <a:t>179. Kahan BC, Jairath V, Doré CJ, Morris TP. The risks and rewards of covariate adjustment in randomized trials: an assessment of 12 outcomes from 8 studies. </a:t>
             </a:r>
             <a:r>
               <a:rPr i="1"/>
@@ -31890,7 +31905,7 @@
             </a:r>
             <a:r>
               <a:rPr>
-                <a:hlinkClick r:id="rId179"/>
+                <a:hlinkClick r:id="rId180"/>
               </a:rPr>
               <a:t>10.1186/1745-6215-15-139</a:t>
             </a:r>
@@ -31901,7 +31916,7 @@
             </a:pPr>
             <a:r>
               <a:rPr/>
-              <a:t>179. Roberts C, Torgerson DJ. Understanding controlled trials: Baseline imbalance in randomised controlled trials. </a:t>
+              <a:t>180. Roberts C, Torgerson DJ. Understanding controlled trials: Baseline imbalance in randomised controlled trials. </a:t>
             </a:r>
             <a:r>
               <a:rPr i="1"/>
@@ -31913,7 +31928,7 @@
             </a:r>
             <a:r>
               <a:rPr>
-                <a:hlinkClick r:id="rId180"/>
+                <a:hlinkClick r:id="rId181"/>
               </a:rPr>
               <a:t>10.1136/bmj.319.7203.185</a:t>
             </a:r>
@@ -31924,7 +31939,7 @@
             </a:pPr>
             <a:r>
               <a:rPr/>
-              <a:t>180. Hauck WW, Anderson S, Marcus SM. Should We Adjust for Covariates in Nonlinear Regression Analyses of Randomized Trials? </a:t>
+              <a:t>181. Hauck WW, Anderson S, Marcus SM. Should We Adjust for Covariates in Nonlinear Regression Analyses of Randomized Trials? </a:t>
             </a:r>
             <a:r>
               <a:rPr i="1"/>
@@ -31936,7 +31951,7 @@
             </a:r>
             <a:r>
               <a:rPr>
-                <a:hlinkClick r:id="rId181"/>
+                <a:hlinkClick r:id="rId182"/>
               </a:rPr>
               <a:t>10.1016/s0197-2456(97)00147-5</a:t>
             </a:r>
@@ -31947,7 +31962,7 @@
             </a:pPr>
             <a:r>
               <a:rPr/>
-              <a:t>181. Stang A, Baethge C. Imbalance &lt;em&gt;p&lt;/em&gt; values for baseline covariates in randomized controlled trials: a last resort for the use of &lt;em&gt;p&lt;/em&gt; values? A pro and contra debate. </a:t>
+              <a:t>182. Stang A, Baethge C. Imbalance &lt;em&gt;p&lt;/em&gt; values for baseline covariates in randomized controlled trials: a last resort for the use of &lt;em&gt;p&lt;/em&gt; values? A pro and contra debate. </a:t>
             </a:r>
             <a:r>
               <a:rPr i="1"/>
@@ -31959,7 +31974,7 @@
             </a:r>
             <a:r>
               <a:rPr>
-                <a:hlinkClick r:id="rId182"/>
+                <a:hlinkClick r:id="rId183"/>
               </a:rPr>
               <a:t>10.2147/clep.s161508</a:t>
             </a:r>
@@ -31970,7 +31985,7 @@
             </a:pPr>
             <a:r>
               <a:rPr/>
-              <a:t>182. Bolzern JE, Mitchell A, Torgerson DJ. Baseline testing in cluster randomised controlled trials: should this be done? </a:t>
+              <a:t>183. Bolzern JE, Mitchell A, Torgerson DJ. Baseline testing in cluster randomised controlled trials: should this be done? </a:t>
             </a:r>
             <a:r>
               <a:rPr i="1"/>
@@ -31982,7 +31997,7 @@
             </a:r>
             <a:r>
               <a:rPr>
-                <a:hlinkClick r:id="rId183"/>
+                <a:hlinkClick r:id="rId184"/>
               </a:rPr>
               <a:t>10.1186/s12874-019-0750-8</a:t>
             </a:r>
@@ -31993,11 +32008,11 @@
             </a:pPr>
             <a:r>
               <a:rPr/>
-              <a:t>183. Gruijters SLK. Baseline comparisons and covariate fishing: Bad statistical habits we should have broken yesterday. July 2020. </a:t>
-            </a:r>
-            <a:r>
-              <a:rPr>
-                <a:hlinkClick r:id="rId184"/>
+              <a:t>184. Gruijters SLK. Baseline comparisons and covariate fishing: Bad statistical habits we should have broken yesterday. July 2020. </a:t>
+            </a:r>
+            <a:r>
+              <a:rPr>
+                <a:hlinkClick r:id="rId185"/>
               </a:rPr>
               <a:t>http://dx.doi.org/10.31234/osf.io/qftwg.</a:t>
             </a:r>
@@ -32008,7 +32023,7 @@
             </a:pPr>
             <a:r>
               <a:rPr/>
-              <a:t>184. Matthews JNS, Altman DG. Statistics Notes: Interaction 2: compare effect sizes not P values. </a:t>
+              <a:t>185. Matthews JNS, Altman DG. Statistics Notes: Interaction 2: compare effect sizes not P values. </a:t>
             </a:r>
             <a:r>
               <a:rPr i="1"/>
@@ -32020,7 +32035,7 @@
             </a:r>
             <a:r>
               <a:rPr>
-                <a:hlinkClick r:id="rId185"/>
+                <a:hlinkClick r:id="rId186"/>
               </a:rPr>
               <a:t>10.1136/bmj.313.7060.808</a:t>
             </a:r>
@@ -32031,7 +32046,7 @@
             </a:pPr>
             <a:r>
               <a:rPr/>
-              <a:t>185. Altman DG. Statistics notes: Interaction revisited: The difference between two estimates. </a:t>
+              <a:t>186. Altman DG. Statistics notes: Interaction revisited: The difference between two estimates. </a:t>
             </a:r>
             <a:r>
               <a:rPr i="1"/>
@@ -32043,7 +32058,7 @@
             </a:r>
             <a:r>
               <a:rPr>
-                <a:hlinkClick r:id="rId186"/>
+                <a:hlinkClick r:id="rId187"/>
               </a:rPr>
               <a:t>10.1136/bmj.326.7382.219</a:t>
             </a:r>
@@ -32054,7 +32069,7 @@
             </a:pPr>
             <a:r>
               <a:rPr/>
-              <a:t>186. Steckelberg A, Balgenorth A, Berger J, Mühlhauser I. Explaining computation of predictive values: 2 × 2 table versus frequency tree. A randomized controlled trial [ISRCTN74278823]. </a:t>
+              <a:t>187. Steckelberg A, Balgenorth A, Berger J, Mühlhauser I. Explaining computation of predictive values: 2 × 2 table versus frequency tree. A randomized controlled trial [ISRCTN74278823]. </a:t>
             </a:r>
             <a:r>
               <a:rPr i="1"/>
@@ -32066,7 +32081,7 @@
             </a:r>
             <a:r>
               <a:rPr>
-                <a:hlinkClick r:id="rId187"/>
+                <a:hlinkClick r:id="rId188"/>
               </a:rPr>
               <a:t>10.1186/1472-6920-4-13</a:t>
             </a:r>
@@ -32077,7 +32092,7 @@
             </a:pPr>
             <a:r>
               <a:rPr/>
-              <a:t>187. Greenhalgh T. How to read a paper: Papers that report diagnostic or screening tests. </a:t>
+              <a:t>188. Greenhalgh T. How to read a paper: Papers that report diagnostic or screening tests. </a:t>
             </a:r>
             <a:r>
               <a:rPr i="1"/>
@@ -32089,7 +32104,7 @@
             </a:r>
             <a:r>
               <a:rPr>
-                <a:hlinkClick r:id="rId188"/>
+                <a:hlinkClick r:id="rId189"/>
               </a:rPr>
               <a:t>10.1136/bmj.315.7107.540</a:t>
             </a:r>
@@ -32100,11 +32115,11 @@
             </a:pPr>
             <a:r>
               <a:rPr/>
-              <a:t>188. Neth H, Gaisbauer F, Gradwohl N, Gaissmaier W. Riskyr: Rendering risk literacy more transparent. 2022. </a:t>
-            </a:r>
-            <a:r>
-              <a:rPr>
-                <a:hlinkClick r:id="rId189"/>
+              <a:t>189. Neth H, Gaisbauer F, Gradwohl N, Gaissmaier W. Riskyr: Rendering risk literacy more transparent. 2022. </a:t>
+            </a:r>
+            <a:r>
+              <a:rPr>
+                <a:hlinkClick r:id="rId190"/>
               </a:rPr>
               <a:t>https://CRAN.R-project.org/package=riskyr.</a:t>
             </a:r>
@@ -32115,7 +32130,7 @@
             </a:pPr>
             <a:r>
               <a:rPr/>
-              <a:t>189. Kuhn, Max. Building predictive models in r using the caret package. </a:t>
+              <a:t>190. Kuhn, Max. Building predictive models in r using the caret package. </a:t>
             </a:r>
             <a:r>
               <a:rPr i="1"/>
@@ -32127,7 +32142,7 @@
             </a:r>
             <a:r>
               <a:rPr>
-                <a:hlinkClick r:id="rId190"/>
+                <a:hlinkClick r:id="rId191"/>
               </a:rPr>
               <a:t>10.18637/jss.v028.i05</a:t>
             </a:r>
@@ -32138,7 +32153,7 @@
             </a:pPr>
             <a:r>
               <a:rPr/>
-              <a:t>190. Hond AAH de, Steyerberg EW, Calster B van. Interpreting area under the receiver operating characteristic curve. </a:t>
+              <a:t>191. Hond AAH de, Steyerberg EW, Calster B van. Interpreting area under the receiver operating characteristic curve. </a:t>
             </a:r>
             <a:r>
               <a:rPr i="1"/>
@@ -32150,7 +32165,7 @@
             </a:r>
             <a:r>
               <a:rPr>
-                <a:hlinkClick r:id="rId191"/>
+                <a:hlinkClick r:id="rId192"/>
               </a:rPr>
               <a:t>10.1016/s2589-7500(22)00188-1</a:t>
             </a:r>
@@ -32161,16 +32176,16 @@
             </a:pPr>
             <a:r>
               <a:rPr/>
-              <a:t>191. Robin X, Turck N, Hainard A, et al. pROC: An open-source package for r and s+ to analyze and compare ROC curves. 2011;12:77.</a:t>
-            </a:r>
-          </a:p>
-          <a:p>
-            <a:pPr lvl="0" indent="0" marL="0">
-              <a:buNone/>
-            </a:pPr>
-            <a:r>
-              <a:rPr/>
-              <a:t>192. Ferreira ADS, Meziat-Filho N, Ferreira APA. Double threshold receiver operating characteristic plot for three-modal continuous predictors. </a:t>
+              <a:t>192. Robin X, Turck N, Hainard A, et al. pROC: An open-source package for r and s+ to analyze and compare ROC curves. 2011;12:77.</a:t>
+            </a:r>
+          </a:p>
+          <a:p>
+            <a:pPr lvl="0" indent="0" marL="0">
+              <a:buNone/>
+            </a:pPr>
+            <a:r>
+              <a:rPr/>
+              <a:t>193. Ferreira ADS, Meziat-Filho N, Ferreira APA. Double threshold receiver operating characteristic plot for three-modal continuous predictors. </a:t>
             </a:r>
             <a:r>
               <a:rPr i="1"/>
@@ -32182,7 +32197,7 @@
             </a:r>
             <a:r>
               <a:rPr>
-                <a:hlinkClick r:id="rId192"/>
+                <a:hlinkClick r:id="rId193"/>
               </a:rPr>
               <a:t>10.1007/s00180-021-01080-9</a:t>
             </a:r>
@@ -32193,7 +32208,7 @@
             </a:pPr>
             <a:r>
               <a:rPr/>
-              <a:t>193. Findley MG, Kikuta K, Denly M. External Validity. </a:t>
+              <a:t>194. Findley MG, Kikuta K, Denly M. External Validity. </a:t>
             </a:r>
             <a:r>
               <a:rPr i="1"/>
@@ -32205,7 +32220,7 @@
             </a:r>
             <a:r>
               <a:rPr>
-                <a:hlinkClick r:id="rId193"/>
+                <a:hlinkClick r:id="rId194"/>
               </a:rPr>
               <a:t>10.1146/annurev-polisci-041719-102556</a:t>
             </a:r>
@@ -32216,7 +32231,7 @@
             </a:pPr>
             <a:r>
               <a:rPr/>
-              <a:t>194. Altman DG, Bland JM. Measurement in medicine: The analysis of method comparison studies. </a:t>
+              <a:t>195. Altman DG, Bland JM. Measurement in medicine: The analysis of method comparison studies. </a:t>
             </a:r>
             <a:r>
               <a:rPr i="1"/>
@@ -32228,7 +32243,7 @@
             </a:r>
             <a:r>
               <a:rPr>
-                <a:hlinkClick r:id="rId194"/>
+                <a:hlinkClick r:id="rId195"/>
               </a:rPr>
               <a:t>10.2307/2987937</a:t>
             </a:r>
@@ -32239,7 +32254,7 @@
             </a:pPr>
             <a:r>
               <a:rPr/>
-              <a:t>195. Scott WA. Reliability of content analysis: The case of nominal scale coding. </a:t>
+              <a:t>196. Scott WA. Reliability of content analysis: The case of nominal scale coding. </a:t>
             </a:r>
             <a:r>
               <a:rPr i="1"/>
@@ -32251,7 +32266,7 @@
             </a:r>
             <a:r>
               <a:rPr>
-                <a:hlinkClick r:id="rId195"/>
+                <a:hlinkClick r:id="rId196"/>
               </a:rPr>
               <a:t>10.1086/266577</a:t>
             </a:r>
@@ -32262,7 +32277,7 @@
             </a:pPr>
             <a:r>
               <a:rPr/>
-              <a:t>196. Cohen J. A Coefficient of Agreement for Nominal Scales. </a:t>
+              <a:t>197. Cohen J. A Coefficient of Agreement for Nominal Scales. </a:t>
             </a:r>
             <a:r>
               <a:rPr i="1"/>
@@ -32274,7 +32289,7 @@
             </a:r>
             <a:r>
               <a:rPr>
-                <a:hlinkClick r:id="rId196"/>
+                <a:hlinkClick r:id="rId197"/>
               </a:rPr>
               <a:t>10.1177/001316446002000104</a:t>
             </a:r>
@@ -32285,7 +32300,7 @@
             </a:pPr>
             <a:r>
               <a:rPr/>
-              <a:t>197. I. Mathematical contributions to the theory of evolution. VII. On the correlation of characters not quantitatively measurable. </a:t>
+              <a:t>198. I. Mathematical contributions to the theory of evolution. VII. On the correlation of characters not quantitatively measurable. </a:t>
             </a:r>
             <a:r>
               <a:rPr i="1"/>
@@ -32297,7 +32312,7 @@
             </a:r>
             <a:r>
               <a:rPr>
-                <a:hlinkClick r:id="rId197"/>
+                <a:hlinkClick r:id="rId198"/>
               </a:rPr>
               <a:t>10.1098/rsta.1900.0022</a:t>
             </a:r>
@@ -32308,7 +32323,7 @@
             </a:pPr>
             <a:r>
               <a:rPr/>
-              <a:t>198. Banerjee M, Capozzoli M, McSweeney L, Sinha D. Beyond kappa: A review of interrater agreement measures. </a:t>
+              <a:t>199. Banerjee M, Capozzoli M, McSweeney L, Sinha D. Beyond kappa: A review of interrater agreement measures. </a:t>
             </a:r>
             <a:r>
               <a:rPr i="1"/>
@@ -32320,7 +32335,7 @@
             </a:r>
             <a:r>
               <a:rPr>
-                <a:hlinkClick r:id="rId198"/>
+                <a:hlinkClick r:id="rId199"/>
               </a:rPr>
               <a:t>10.2307/3315487</a:t>
             </a:r>
@@ -32331,11 +32346,11 @@
             </a:pPr>
             <a:r>
               <a:rPr/>
-              <a:t>199. William Revelle. Psych: Procedures for psychological, psychometric, and personality research. 2023. </a:t>
-            </a:r>
-            <a:r>
-              <a:rPr>
-                <a:hlinkClick r:id="rId199"/>
+              <a:t>200. William Revelle. Psych: Procedures for psychological, psychometric, and personality research. 2023. </a:t>
+            </a:r>
+            <a:r>
+              <a:rPr>
+                <a:hlinkClick r:id="rId200"/>
               </a:rPr>
               <a:t>https://CRAN.R-project.org/package=psych.</a:t>
             </a:r>
@@ -32346,7 +32361,7 @@
             </a:pPr>
             <a:r>
               <a:rPr/>
-              <a:t>200. Borenstein M. In a meta-analysis, the I-squared statistic does not tell us how much the effect size varies. </a:t>
+              <a:t>201. Borenstein M. In a meta-analysis, the I-squared statistic does not tell us how much the effect size varies. </a:t>
             </a:r>
             <a:r>
               <a:rPr i="1"/>
@@ -32358,7 +32373,7 @@
             </a:r>
             <a:r>
               <a:rPr>
-                <a:hlinkClick r:id="rId200"/>
+                <a:hlinkClick r:id="rId201"/>
               </a:rPr>
               <a:t>10.1016/j.jclinepi.2022.10.003</a:t>
             </a:r>
@@ -32369,7 +32384,7 @@
             </a:pPr>
             <a:r>
               <a:rPr/>
-              <a:t>201. Rücker G, Schwarzer G, Carpenter JR, Schumacher M. Undue reliance on I 2 in assessing heterogeneity may mislead. </a:t>
+              <a:t>202. Rücker G, Schwarzer G, Carpenter JR, Schumacher M. Undue reliance on I 2 in assessing heterogeneity may mislead. </a:t>
             </a:r>
             <a:r>
               <a:rPr i="1"/>
@@ -32381,7 +32396,7 @@
             </a:r>
             <a:r>
               <a:rPr>
-                <a:hlinkClick r:id="rId201"/>
+                <a:hlinkClick r:id="rId202"/>
               </a:rPr>
               <a:t>10.1186/1471-2288-8-79</a:t>
             </a:r>
@@ -32392,7 +32407,7 @@
             </a:pPr>
             <a:r>
               <a:rPr/>
-              <a:t>202. Grooth HJ de, Parienti JJ. Heterogeneity between studies can be explained more reliably with individual patient data. </a:t>
+              <a:t>203. Grooth HJ de, Parienti JJ. Heterogeneity between studies can be explained more reliably with individual patient data. </a:t>
             </a:r>
             <a:r>
               <a:rPr i="1"/>
@@ -32404,7 +32419,7 @@
             </a:r>
             <a:r>
               <a:rPr>
-                <a:hlinkClick r:id="rId202"/>
+                <a:hlinkClick r:id="rId203"/>
               </a:rPr>
               <a:t>10.1007/s00134-023-07163-z</a:t>
             </a:r>
@@ -32415,16 +32430,16 @@
             </a:pPr>
             <a:r>
               <a:rPr/>
-              <a:t>203. Lajeunesse MJ. Facilitating systematic reviews, data extraction, and meta-analysis with the metagear package for r. 2016;7:323-330.</a:t>
-            </a:r>
-          </a:p>
-          <a:p>
-            <a:pPr lvl="0" indent="0" marL="0">
-              <a:buNone/>
-            </a:pPr>
-            <a:r>
-              <a:rPr/>
-              <a:t>204. Moher D, Shamseer L, Clarke M, et al. Preferred reporting items for systematic review and meta-analysis protocols (PRISMA-P) 2015 statement. </a:t>
+              <a:t>204. Lajeunesse MJ. Facilitating systematic reviews, data extraction, and meta-analysis with the metagear package for r. 2016;7:323-330.</a:t>
+            </a:r>
+          </a:p>
+          <a:p>
+            <a:pPr lvl="0" indent="0" marL="0">
+              <a:buNone/>
+            </a:pPr>
+            <a:r>
+              <a:rPr/>
+              <a:t>205. Moher D, Shamseer L, Clarke M, et al. Preferred reporting items for systematic review and meta-analysis protocols (PRISMA-P) 2015 statement. </a:t>
             </a:r>
             <a:r>
               <a:rPr i="1"/>
@@ -32436,7 +32451,7 @@
             </a:r>
             <a:r>
               <a:rPr>
-                <a:hlinkClick r:id="rId203"/>
+                <a:hlinkClick r:id="rId204"/>
               </a:rPr>
               <a:t>10.1186/2046-4053-4-1</a:t>
             </a:r>
@@ -32447,11 +32462,11 @@
             </a:pPr>
             <a:r>
               <a:rPr/>
-              <a:t>205. Haddaway NR, Page MJ, Pritchard CC, McGuinness LA. PRISMA2020: An r package and shiny app for producing PRISMA 2020-compliant flow diagrams, with interactivity for optimised digital transparency and open synthesis. 2022;18:e1230. doi:</a:t>
-            </a:r>
-            <a:r>
-              <a:rPr>
-                <a:hlinkClick r:id="rId204"/>
+              <a:t>206. Haddaway NR, Page MJ, Pritchard CC, McGuinness LA. PRISMA2020: An r package and shiny app for producing PRISMA 2020-compliant flow diagrams, with interactivity for optimised digital transparency and open synthesis. 2022;18:e1230. doi:</a:t>
+            </a:r>
+            <a:r>
+              <a:rPr>
+                <a:hlinkClick r:id="rId205"/>
               </a:rPr>
               <a:t>10.1002/cl2.1230</a:t>
             </a:r>
@@ -32462,11 +32477,11 @@
             </a:pPr>
             <a:r>
               <a:rPr/>
-              <a:t>206. Haddaway NR, Page MJ, Pritchard CC, McGuinness LA. PRISMA2020: An r package and shiny app for producing PRISMA 2020-compliant flow diagrams, with interactivity for optimised digital transparency and open synthesis. 2022;18:e1230. doi:</a:t>
-            </a:r>
-            <a:r>
-              <a:rPr>
-                <a:hlinkClick r:id="rId205"/>
+              <a:t>207. Haddaway NR, Page MJ, Pritchard CC, McGuinness LA. PRISMA2020: An r package and shiny app for producing PRISMA 2020-compliant flow diagrams, with interactivity for optimised digital transparency and open synthesis. 2022;18:e1230. doi:</a:t>
+            </a:r>
+            <a:r>
+              <a:rPr>
+                <a:hlinkClick r:id="rId206"/>
               </a:rPr>
               <a:t>10.1002/cl2.1230</a:t>
             </a:r>
@@ -32477,7 +32492,7 @@
             </a:pPr>
             <a:r>
               <a:rPr/>
-              <a:t>207. Ihaka R, Gentleman R. R: A language for data analysis and graphics. </a:t>
+              <a:t>208. Ihaka R, Gentleman R. R: A language for data analysis and graphics. </a:t>
             </a:r>
             <a:r>
               <a:rPr i="1"/>
@@ -32489,7 +32504,7 @@
             </a:r>
             <a:r>
               <a:rPr>
-                <a:hlinkClick r:id="rId206"/>
+                <a:hlinkClick r:id="rId207"/>
               </a:rPr>
               <a:t>10.2307/1390807</a:t>
             </a:r>
@@ -32500,7 +32515,7 @@
             </a:pPr>
             <a:r>
               <a:rPr/>
-              <a:t>208. Racine JS. RStudio: A Platform-Independent IDE for R and Sweave. </a:t>
+              <a:t>209. Racine JS. RStudio: A Platform-Independent IDE for R and Sweave. </a:t>
             </a:r>
             <a:r>
               <a:rPr i="1"/>
@@ -32512,7 +32527,7 @@
             </a:r>
             <a:r>
               <a:rPr>
-                <a:hlinkClick r:id="rId207"/>
+                <a:hlinkClick r:id="rId208"/>
               </a:rPr>
               <a:t>10.1002/jae.1278</a:t>
             </a:r>
@@ -32523,7 +32538,7 @@
             </a:pPr>
             <a:r>
               <a:rPr/>
-              <a:t>209. Love J, Selker R, Marsman M, et al. </a:t>
+              <a:t>210. Love J, Selker R, Marsman M, et al. </a:t>
             </a:r>
             <a:r>
               <a:rPr b="1"/>
@@ -32543,7 +32558,7 @@
             </a:r>
             <a:r>
               <a:rPr>
-                <a:hlinkClick r:id="rId208"/>
+                <a:hlinkClick r:id="rId209"/>
               </a:rPr>
               <a:t>10.18637/jss.v088.i02</a:t>
             </a:r>
@@ -32554,7 +32569,7 @@
             </a:pPr>
             <a:r>
               <a:rPr/>
-              <a:t>210. ŞAHİN M, AYBEK E. Jamovi: An easy to use statistical software for the social scientists. </a:t>
+              <a:t>211. ŞAHİN M, AYBEK E. Jamovi: An easy to use statistical software for the social scientists. </a:t>
             </a:r>
             <a:r>
               <a:rPr i="1"/>
@@ -32566,7 +32581,7 @@
             </a:r>
             <a:r>
               <a:rPr>
-                <a:hlinkClick r:id="rId209"/>
+                <a:hlinkClick r:id="rId210"/>
               </a:rPr>
               <a:t>10.21449/ijate.661803</a:t>
             </a:r>
@@ -32577,11 +32592,11 @@
             </a:pPr>
             <a:r>
               <a:rPr/>
-              <a:t>211. Selker R, Love J, Dropmann D. Jmv: The ’jamovi’ analyses. 2023. </a:t>
-            </a:r>
-            <a:r>
-              <a:rPr>
-                <a:hlinkClick r:id="rId210"/>
+              <a:t>212. Selker R, Love J, Dropmann D. Jmv: The ’jamovi’ analyses. 2023. </a:t>
+            </a:r>
+            <a:r>
+              <a:rPr>
+                <a:hlinkClick r:id="rId211"/>
               </a:rPr>
               <a:t>https://CRAN.R-project.org/package=jmv.</a:t>
             </a:r>
@@ -32592,11 +32607,11 @@
             </a:pPr>
             <a:r>
               <a:rPr/>
-              <a:t>212. Love J. Jmvconnect: Connect to the ’jamovi’ statistical spreadsheet. 2022. </a:t>
-            </a:r>
-            <a:r>
-              <a:rPr>
-                <a:hlinkClick r:id="rId211"/>
+              <a:t>213. Love J. Jmvconnect: Connect to the ’jamovi’ statistical spreadsheet. 2022. </a:t>
+            </a:r>
+            <a:r>
+              <a:rPr>
+                <a:hlinkClick r:id="rId212"/>
               </a:rPr>
               <a:t>https://CRAN.R-project.org/package=jmvconnect.</a:t>
             </a:r>
@@ -32607,7 +32622,7 @@
             </a:pPr>
             <a:r>
               <a:rPr/>
-              <a:t>213. Hinsen K. A data and code model for reproducible research and executable papers. </a:t>
+              <a:t>214. Hinsen K. A data and code model for reproducible research and executable papers. </a:t>
             </a:r>
             <a:r>
               <a:rPr i="1"/>
@@ -32619,7 +32634,7 @@
             </a:r>
             <a:r>
               <a:rPr>
-                <a:hlinkClick r:id="rId212"/>
+                <a:hlinkClick r:id="rId213"/>
               </a:rPr>
               <a:t>10.1016/j.procs.2011.04.061</a:t>
             </a:r>
@@ -32630,7 +32645,7 @@
             </a:pPr>
             <a:r>
               <a:rPr/>
-              <a:t>214. Allaire J, Xie Y, Dervieux C, et al. </a:t>
+              <a:t>215. Allaire J, Xie Y, Dervieux C, et al. </a:t>
             </a:r>
             <a:r>
               <a:rPr i="1"/>
@@ -32642,7 +32657,7 @@
             </a:r>
             <a:r>
               <a:rPr>
-                <a:hlinkClick r:id="rId213"/>
+                <a:hlinkClick r:id="rId214"/>
               </a:rPr>
               <a:t>https://CRAN.R-project.org/package=rmarkdown.</a:t>
             </a:r>
@@ -32653,7 +32668,7 @@
             </a:pPr>
             <a:r>
               <a:rPr/>
-              <a:t>215. Holmes DT, Mobini M, McCudden CR. Reproducible manuscript preparation with RMarkdown application to JMSACL and other Elsevier Journals. </a:t>
+              <a:t>216. Holmes DT, Mobini M, McCudden CR. Reproducible manuscript preparation with RMarkdown application to JMSACL and other Elsevier Journals. </a:t>
             </a:r>
             <a:r>
               <a:rPr i="1"/>
@@ -32665,7 +32680,7 @@
             </a:r>
             <a:r>
               <a:rPr>
-                <a:hlinkClick r:id="rId214"/>
+                <a:hlinkClick r:id="rId215"/>
               </a:rPr>
               <a:t>10.1016/j.jmsacl.2021.09.002</a:t>
             </a:r>
@@ -32676,11 +32691,11 @@
             </a:pPr>
             <a:r>
               <a:rPr/>
-              <a:t>216. Gohel D, Ross N. Officedown: Enhanced ’r markdown’ format for ’word’ and ’PowerPoint’. 2023. </a:t>
-            </a:r>
-            <a:r>
-              <a:rPr>
-                <a:hlinkClick r:id="rId215"/>
+              <a:t>217. Gohel D, Ross N. Officedown: Enhanced ’r markdown’ format for ’word’ and ’PowerPoint’. 2023. </a:t>
+            </a:r>
+            <a:r>
+              <a:rPr>
+                <a:hlinkClick r:id="rId216"/>
               </a:rPr>
               <a:t>https://CRAN.R-project.org/package=officedown.</a:t>
             </a:r>
@@ -32691,11 +32706,11 @@
             </a:pPr>
             <a:r>
               <a:rPr/>
-              <a:t>217. Xie Y. Bookdown: Authoring books and technical documents with r markdown. 2023. </a:t>
-            </a:r>
-            <a:r>
-              <a:rPr>
-                <a:hlinkClick r:id="rId216"/>
+              <a:t>218. Xie Y. Bookdown: Authoring books and technical documents with r markdown. 2023. </a:t>
+            </a:r>
+            <a:r>
+              <a:rPr>
+                <a:hlinkClick r:id="rId217"/>
               </a:rPr>
               <a:t>https://github.com/rstudio/bookdown.</a:t>
             </a:r>
@@ -32706,7 +32721,7 @@
             </a:pPr>
             <a:r>
               <a:rPr/>
-              <a:t>218. Ioannidis JPA. How to Make More Published Research True. </a:t>
+              <a:t>219. Ioannidis JPA. How to Make More Published Research True. </a:t>
             </a:r>
             <a:r>
               <a:rPr i="1"/>
@@ -32718,7 +32733,7 @@
             </a:r>
             <a:r>
               <a:rPr>
-                <a:hlinkClick r:id="rId217"/>
+                <a:hlinkClick r:id="rId218"/>
               </a:rPr>
               <a:t>10.1371/journal.pmed.1001747</a:t>
             </a:r>
@@ -32729,11 +32744,11 @@
             </a:pPr>
             <a:r>
               <a:rPr/>
-              <a:t>219. Krieger N, Perzynski A, Dalton J. Projects: A project infrastructure for researchers. 2021. </a:t>
-            </a:r>
-            <a:r>
-              <a:rPr>
-                <a:hlinkClick r:id="rId218"/>
+              <a:t>220. Krieger N, Perzynski A, Dalton J. Projects: A project infrastructure for researchers. 2021. </a:t>
+            </a:r>
+            <a:r>
+              <a:rPr>
+                <a:hlinkClick r:id="rId219"/>
               </a:rPr>
               <a:t>https://CRAN.R-project.org/package=projects.</a:t>
             </a:r>
@@ -32744,7 +32759,7 @@
             </a:pPr>
             <a:r>
               <a:rPr/>
-              <a:t>220. Schwab, Simon, Held, Leonhard. Statistical programming: Small mistakes, big impacts. </a:t>
+              <a:t>221. Schwab, Simon, Held, Leonhard. Statistical programming: Small mistakes, big impacts. </a:t>
             </a:r>
             <a:r>
               <a:rPr i="1"/>
@@ -32756,7 +32771,7 @@
             </a:r>
             <a:r>
               <a:rPr>
-                <a:hlinkClick r:id="rId219"/>
+                <a:hlinkClick r:id="rId220"/>
               </a:rPr>
               <a:t>10.5167/UZH-205154</a:t>
             </a:r>
@@ -32767,7 +32782,7 @@
             </a:pPr>
             <a:r>
               <a:rPr/>
-              <a:t>221. Eglen SJ, Marwick B, Halchenko YO, et al. Toward standard practices for sharing computer code and programs in neuroscience. </a:t>
+              <a:t>222. Eglen SJ, Marwick B, Halchenko YO, et al. Toward standard practices for sharing computer code and programs in neuroscience. </a:t>
             </a:r>
             <a:r>
               <a:rPr i="1"/>
@@ -32779,7 +32794,7 @@
             </a:r>
             <a:r>
               <a:rPr>
-                <a:hlinkClick r:id="rId220"/>
+                <a:hlinkClick r:id="rId221"/>
               </a:rPr>
               <a:t>10.1038/nn.4550</a:t>
             </a:r>
@@ -32790,11 +32805,11 @@
             </a:pPr>
             <a:r>
               <a:rPr/>
-              <a:t>222. Francisco Rodríguez-Sánchez, Connor P. Jackson, Shaurita D. Hutchins. Grateful: Facilitate citation of r packages. 2023. </a:t>
-            </a:r>
-            <a:r>
-              <a:rPr>
-                <a:hlinkClick r:id="rId221"/>
+              <a:t>223. Francisco Rodríguez-Sánchez, Connor P. Jackson, Shaurita D. Hutchins. Grateful: Facilitate citation of r packages. 2023. </a:t>
+            </a:r>
+            <a:r>
+              <a:rPr>
+                <a:hlinkClick r:id="rId222"/>
               </a:rPr>
               <a:t>https://github.com/Pakillo/grateful.</a:t>
             </a:r>
@@ -32805,11 +32820,11 @@
             </a:pPr>
             <a:r>
               <a:rPr/>
-              <a:t>223. Xie Y. formatR: Format r code automatically. 2022. </a:t>
-            </a:r>
-            <a:r>
-              <a:rPr>
-                <a:hlinkClick r:id="rId222"/>
+              <a:t>224. Xie Y. formatR: Format r code automatically. 2022. </a:t>
+            </a:r>
+            <a:r>
+              <a:rPr>
+                <a:hlinkClick r:id="rId223"/>
               </a:rPr>
               <a:t>https://CRAN.R-project.org/package=formatR.</a:t>
             </a:r>
@@ -32820,11 +32835,11 @@
             </a:pPr>
             <a:r>
               <a:rPr/>
-              <a:t>224. Müller K, Walthert L. Styler: Non-invasive pretty printing of r code. 2023. </a:t>
-            </a:r>
-            <a:r>
-              <a:rPr>
-                <a:hlinkClick r:id="rId223"/>
+              <a:t>225. Müller K, Walthert L. Styler: Non-invasive pretty printing of r code. 2023. </a:t>
+            </a:r>
+            <a:r>
+              <a:rPr>
+                <a:hlinkClick r:id="rId224"/>
               </a:rPr>
               <a:t>https://CRAN.R-project.org/package=styler.</a:t>
             </a:r>
@@ -32835,11 +32850,11 @@
             </a:pPr>
             <a:r>
               <a:rPr/>
-              <a:t>225. Nowok B, Raab GM, Dibben C. Synthpop: Bespoke creation of synthetic data in r. 2016;74. doi:</a:t>
-            </a:r>
-            <a:r>
-              <a:rPr>
-                <a:hlinkClick r:id="rId224"/>
+              <a:t>226. Nowok B, Raab GM, Dibben C. Synthpop: Bespoke creation of synthetic data in r. 2016;74. doi:</a:t>
+            </a:r>
+            <a:r>
+              <a:rPr>
+                <a:hlinkClick r:id="rId225"/>
               </a:rPr>
               <a:t>10.18637/jss.v074.i11</a:t>
             </a:r>
@@ -32850,7 +32865,7 @@
             </a:pPr>
             <a:r>
               <a:rPr/>
-              <a:t>226. Zhao Y, Xiao N, Anderson K, Zhang Y. Electronic common technical document submission with analysis using R. </a:t>
+              <a:t>227. Zhao Y, Xiao N, Anderson K, Zhang Y. Electronic common technical document submission with analysis using R. </a:t>
             </a:r>
             <a:r>
               <a:rPr i="1"/>
@@ -32862,7 +32877,7 @@
             </a:r>
             <a:r>
               <a:rPr>
-                <a:hlinkClick r:id="rId225"/>
+                <a:hlinkClick r:id="rId226"/>
               </a:rPr>
               <a:t>10.1177/17407745221123244</a:t>
             </a:r>
@@ -32873,11 +32888,11 @@
             </a:pPr>
             <a:r>
               <a:rPr/>
-              <a:t>227. R Core Team. R: A language and environment for statistical computing. 2023. </a:t>
-            </a:r>
-            <a:r>
-              <a:rPr>
-                <a:hlinkClick r:id="rId226"/>
+              <a:t>228. R Core Team. R: A language and environment for statistical computing. 2023. </a:t>
+            </a:r>
+            <a:r>
+              <a:rPr>
+                <a:hlinkClick r:id="rId227"/>
               </a:rPr>
               <a:t>https://www.R-project.org/.</a:t>
             </a:r>
@@ -32888,11 +32903,11 @@
             </a:pPr>
             <a:r>
               <a:rPr/>
-              <a:t>228. Gohel D, Skintzos P. Flextable: Functions for tabular reporting. 2023. </a:t>
-            </a:r>
-            <a:r>
-              <a:rPr>
-                <a:hlinkClick r:id="rId227"/>
+              <a:t>229. Gohel D, Skintzos P. Flextable: Functions for tabular reporting. 2023. </a:t>
+            </a:r>
+            <a:r>
+              <a:rPr>
+                <a:hlinkClick r:id="rId228"/>
               </a:rPr>
               <a:t>https://CRAN.R-project.org/package=flextable.</a:t>
             </a:r>
@@ -32903,11 +32918,11 @@
             </a:pPr>
             <a:r>
               <a:rPr/>
-              <a:t>229. Urbanek S, Johnson K. Tiff: Read and write TIFF images. 2022. </a:t>
-            </a:r>
-            <a:r>
-              <a:rPr>
-                <a:hlinkClick r:id="rId228"/>
+              <a:t>230. Urbanek S, Johnson K. Tiff: Read and write TIFF images. 2022. </a:t>
+            </a:r>
+            <a:r>
+              <a:rPr>
+                <a:hlinkClick r:id="rId229"/>
               </a:rPr>
               <a:t>https://CRAN.R-project.org/package=tiff.</a:t>
             </a:r>
@@ -32918,7 +32933,7 @@
             </a:pPr>
             <a:r>
               <a:rPr/>
-              <a:t>230. Wallisch C, Bach P, Hafermann L, et al. Review of guidance papers on regression modeling in statistical series of medical journals. Mathes T, ed. </a:t>
+              <a:t>231. Wallisch C, Bach P, Hafermann L, et al. Review of guidance papers on regression modeling in statistical series of medical journals. Mathes T, ed. </a:t>
             </a:r>
             <a:r>
               <a:rPr i="1"/>
@@ -32930,7 +32945,7 @@
             </a:r>
             <a:r>
               <a:rPr>
-                <a:hlinkClick r:id="rId229"/>
+                <a:hlinkClick r:id="rId230"/>
               </a:rPr>
               <a:t>10.1371/journal.pone.0262918</a:t>
             </a:r>
@@ -32941,7 +32956,7 @@
             </a:pPr>
             <a:r>
               <a:rPr/>
-              <a:t>231. Lynggaard H, Bell J, Lösch C, et al. Principles and recommendations for incorporating estimands into clinical study protocol templates. </a:t>
+              <a:t>232. Lynggaard H, Bell J, Lösch C, et al. Principles and recommendations for incorporating estimands into clinical study protocol templates. </a:t>
             </a:r>
             <a:r>
               <a:rPr i="1"/>
@@ -32953,7 +32968,7 @@
             </a:r>
             <a:r>
               <a:rPr>
-                <a:hlinkClick r:id="rId230"/>
+                <a:hlinkClick r:id="rId231"/>
               </a:rPr>
               <a:t>10.1186/s13063-022-06515-2</a:t>
             </a:r>
@@ -32964,7 +32979,7 @@
             </a:pPr>
             <a:r>
               <a:rPr/>
-              <a:t>232. Althouse AD, Below JE, Claggett BL, et al. Recommendations for Statistical Reporting in Cardiovascular Medicine: A Special Report From the American Heart Association. </a:t>
+              <a:t>233. Althouse AD, Below JE, Claggett BL, et al. Recommendations for Statistical Reporting in Cardiovascular Medicine: A Special Report From the American Heart Association. </a:t>
             </a:r>
             <a:r>
               <a:rPr i="1"/>
@@ -32976,7 +32991,7 @@
             </a:r>
             <a:r>
               <a:rPr>
-                <a:hlinkClick r:id="rId231"/>
+                <a:hlinkClick r:id="rId232"/>
               </a:rPr>
               <a:t>10.1161/circulationaha.121.055393</a:t>
             </a:r>
@@ -32987,7 +33002,7 @@
             </a:pPr>
             <a:r>
               <a:rPr/>
-              <a:t>233. Lee KJ, Tilling KM, Cornish RP, et al. Framework for the treatment and reporting of missing data in observational studies: The Treatment And Reporting of Missing data in Observational Studies framework. </a:t>
+              <a:t>234. Lee KJ, Tilling KM, Cornish RP, et al. Framework for the treatment and reporting of missing data in observational studies: The Treatment And Reporting of Missing data in Observational Studies framework. </a:t>
             </a:r>
             <a:r>
               <a:rPr i="1"/>
@@ -32999,7 +33014,7 @@
             </a:r>
             <a:r>
               <a:rPr>
-                <a:hlinkClick r:id="rId232"/>
+                <a:hlinkClick r:id="rId233"/>
               </a:rPr>
               <a:t>10.1016/j.jclinepi.2021.01.008</a:t>
             </a:r>
@@ -33010,7 +33025,7 @@
             </a:pPr>
             <a:r>
               <a:rPr/>
-              <a:t>234. Vickers AJ, Assel MJ, Sjoberg DD, et al. Guidelines for Reporting of Figures and Tables for Clinical Research in Urology. </a:t>
+              <a:t>235. Vickers AJ, Assel MJ, Sjoberg DD, et al. Guidelines for Reporting of Figures and Tables for Clinical Research in Urology. </a:t>
             </a:r>
             <a:r>
               <a:rPr i="1"/>
@@ -33022,7 +33037,7 @@
             </a:r>
             <a:r>
               <a:rPr>
-                <a:hlinkClick r:id="rId233"/>
+                <a:hlinkClick r:id="rId234"/>
               </a:rPr>
               <a:t>10.1016/j.urology.2020.05.002</a:t>
             </a:r>
@@ -33033,7 +33048,7 @@
             </a:pPr>
             <a:r>
               <a:rPr/>
-              <a:t>235. Assel M, Sjoberg D, Elders A, et al. Guidelines for Reporting of Statistics for Clinical Research in Urology. </a:t>
+              <a:t>236. Assel M, Sjoberg D, Elders A, et al. Guidelines for Reporting of Statistics for Clinical Research in Urology. </a:t>
             </a:r>
             <a:r>
               <a:rPr i="1"/>
@@ -33045,7 +33060,7 @@
             </a:r>
             <a:r>
               <a:rPr>
-                <a:hlinkClick r:id="rId234"/>
+                <a:hlinkClick r:id="rId235"/>
               </a:rPr>
               <a:t>10.1097/ju.0000000000000001</a:t>
             </a:r>
@@ -33056,7 +33071,7 @@
             </a:pPr>
             <a:r>
               <a:rPr/>
-              <a:t>236. Gamble C, Krishan A, Stocken D, et al. Guidelines for the Content of Statistical Analysis Plans in Clinical Trials. </a:t>
+              <a:t>237. Gamble C, Krishan A, Stocken D, et al. Guidelines for the Content of Statistical Analysis Plans in Clinical Trials. </a:t>
             </a:r>
             <a:r>
               <a:rPr i="1"/>
@@ -33068,7 +33083,7 @@
             </a:r>
             <a:r>
               <a:rPr>
-                <a:hlinkClick r:id="rId235"/>
+                <a:hlinkClick r:id="rId236"/>
               </a:rPr>
               <a:t>10.1001/jama.2017.18556</a:t>
             </a:r>
@@ -33079,7 +33094,7 @@
             </a:pPr>
             <a:r>
               <a:rPr/>
-              <a:t>237. Lang TA, Altman DG. Basic statistical reporting for articles published in Biomedical Journals: The “Statistical Analyses and Methods in the Published Literature” or the SAMPL Guidelines. </a:t>
+              <a:t>238. Lang TA, Altman DG. Basic statistical reporting for articles published in Biomedical Journals: The “Statistical Analyses and Methods in the Published Literature” or the SAMPL Guidelines. </a:t>
             </a:r>
             <a:r>
               <a:rPr i="1"/>
@@ -33091,7 +33106,7 @@
             </a:r>
             <a:r>
               <a:rPr>
-                <a:hlinkClick r:id="rId236"/>
+                <a:hlinkClick r:id="rId237"/>
               </a:rPr>
               <a:t>10.1016/j.ijnurstu.2014.09.006</a:t>
             </a:r>
@@ -33102,7 +33117,7 @@
             </a:pPr>
             <a:r>
               <a:rPr/>
-              <a:t>238. Weissgerber TL, Milic NM, Winham SJ, Garovic VD. Beyond Bar and Line Graphs: Time for a New Data Presentation Paradigm. </a:t>
+              <a:t>239. Weissgerber TL, Milic NM, Winham SJ, Garovic VD. Beyond Bar and Line Graphs: Time for a New Data Presentation Paradigm. </a:t>
             </a:r>
             <a:r>
               <a:rPr i="1"/>
@@ -33114,7 +33129,7 @@
             </a:r>
             <a:r>
               <a:rPr>
-                <a:hlinkClick r:id="rId237"/>
+                <a:hlinkClick r:id="rId238"/>
               </a:rPr>
               <a:t>10.1371/journal.pbio.1002128</a:t>
             </a:r>
@@ -33125,7 +33140,7 @@
             </a:pPr>
             <a:r>
               <a:rPr/>
-              <a:t>239. Sauerbrei W, Abrahamowicz M, Altman DG, Cessie S, Carpenter J. STRengthening Analytical Thinking for Observational Studies: the STRATOS initiative. </a:t>
+              <a:t>240. Sauerbrei W, Abrahamowicz M, Altman DG, Cessie S, Carpenter J. STRengthening Analytical Thinking for Observational Studies: the STRATOS initiative. </a:t>
             </a:r>
             <a:r>
               <a:rPr i="1"/>
@@ -33137,7 +33152,7 @@
             </a:r>
             <a:r>
               <a:rPr>
-                <a:hlinkClick r:id="rId238"/>
+                <a:hlinkClick r:id="rId239"/>
               </a:rPr>
               <a:t>10.1002/sim.6265</a:t>
             </a:r>
@@ -33148,7 +33163,7 @@
             </a:pPr>
             <a:r>
               <a:rPr/>
-              <a:t>240. Groves T. Research methods and reporting. </a:t>
+              <a:t>241. Groves T. Research methods and reporting. </a:t>
             </a:r>
             <a:r>
               <a:rPr i="1"/>
@@ -33160,7 +33175,7 @@
             </a:r>
             <a:r>
               <a:rPr>
-                <a:hlinkClick r:id="rId239"/>
+                <a:hlinkClick r:id="rId240"/>
               </a:rPr>
               <a:t>10.1136/bmj.a2201</a:t>
             </a:r>
@@ -33171,7 +33186,7 @@
             </a:pPr>
             <a:r>
               <a:rPr/>
-              <a:t>241. Stratton IM, Neil A. How to ensure your paper is rejected by the statistical reviewer. </a:t>
+              <a:t>242. Stratton IM, Neil A. How to ensure your paper is rejected by the statistical reviewer. </a:t>
             </a:r>
             <a:r>
               <a:rPr i="1"/>
@@ -33183,7 +33198,7 @@
             </a:r>
             <a:r>
               <a:rPr>
-                <a:hlinkClick r:id="rId240"/>
+                <a:hlinkClick r:id="rId241"/>
               </a:rPr>
               <a:t>10.1111/j.1464-5491.2004.01443.x</a:t>
             </a:r>
@@ -33194,7 +33209,7 @@
             </a:pPr>
             <a:r>
               <a:rPr/>
-              <a:t>242. Mansournia MA, Collins GS, Nielsen RO, et al. A CHecklist for statistical Assessment of Medical Papers (the CHAMP statement): explanation and elaboration. </a:t>
+              <a:t>243. Mansournia MA, Collins GS, Nielsen RO, et al. A CHecklist for statistical Assessment of Medical Papers (the CHAMP statement): explanation and elaboration. </a:t>
             </a:r>
             <a:r>
               <a:rPr i="1"/>
@@ -33206,7 +33221,7 @@
             </a:r>
             <a:r>
               <a:rPr>
-                <a:hlinkClick r:id="rId241"/>
+                <a:hlinkClick r:id="rId242"/>
               </a:rPr>
               <a:t>10.1136/bjsports-2020-103652</a:t>
             </a:r>
@@ -33217,7 +33232,7 @@
             </a:pPr>
             <a:r>
               <a:rPr/>
-              <a:t>243. Gil-Sierra MD, Fénix-Caballero S, Abdel kader-Martin L, et al. Checklist for clinical applicability of subgroup analysis. </a:t>
+              <a:t>244. Gil-Sierra MD, Fénix-Caballero S, Abdel kader-Martin L, et al. Checklist for clinical applicability of subgroup analysis. </a:t>
             </a:r>
             <a:r>
               <a:rPr i="1"/>
@@ -33229,7 +33244,7 @@
             </a:r>
             <a:r>
               <a:rPr>
-                <a:hlinkClick r:id="rId242"/>
+                <a:hlinkClick r:id="rId243"/>
               </a:rPr>
               <a:t>10.1111/jcpt.13102</a:t>
             </a:r>
@@ -33240,7 +33255,7 @@
             </a:pPr>
             <a:r>
               <a:rPr/>
-              <a:t>244. Altman DG, Simera I, Hoey J, Moher D, Schulz K. EQUATOR: reporting guidelines for health research. </a:t>
+              <a:t>245. Altman DG, Simera I, Hoey J, Moher D, Schulz K. EQUATOR: reporting guidelines for health research. </a:t>
             </a:r>
             <a:r>
               <a:rPr i="1"/>
@@ -33252,7 +33267,7 @@
             </a:r>
             <a:r>
               <a:rPr>
-                <a:hlinkClick r:id="rId243"/>
+                <a:hlinkClick r:id="rId244"/>
               </a:rPr>
               <a:t>10.1016/s0140-6736(08)60505-x</a:t>
             </a:r>
@@ -39950,6 +39965,42 @@
             </a:r>
             <a:r>
               <a:rPr i="1"/>
+              <a:t>base</a:t>
+            </a:r>
+            <a:r>
+              <a:rPr baseline="30000"/>
+              <a:t>54</a:t>
+            </a:r>
+            <a:r>
+              <a:rPr/>
+              <a:t> fornece a função </a:t>
+            </a:r>
+            <a:r>
+              <a:rPr i="1">
+                <a:hlinkClick r:id="rId3"/>
+              </a:rPr>
+              <a:t>labels</a:t>
+            </a:r>
+            <a:r>
+              <a:rPr/>
+              <a:t> para declarar o rótulo de uma variável.</a:t>
+            </a:r>
+          </a:p>
+          <a:p>
+            <a:pPr lvl="0" indent="0" marL="0">
+              <a:buNone/>
+            </a:pPr>
+          </a:p>
+          <a:p>
+            <a:pPr lvl="0" indent="0" marL="0">
+              <a:buNone/>
+            </a:pPr>
+            <a:r>
+              <a:rPr/>
+              <a:t>O pacote </a:t>
+            </a:r>
+            <a:r>
+              <a:rPr i="1"/>
               <a:t>units</a:t>
             </a:r>
             <a:r>
@@ -39962,7 +40013,7 @@
             </a:r>
             <a:r>
               <a:rPr i="1">
-                <a:hlinkClick r:id="rId3"/>
+                <a:hlinkClick r:id="rId4"/>
               </a:rPr>
               <a:t>units</a:t>
             </a:r>
@@ -39986,11 +40037,11 @@
             </a:r>
             <a:r>
               <a:rPr i="1"/>
-              <a:t>base</a:t>
+              <a:t>janitor</a:t>
             </a:r>
             <a:r>
               <a:rPr baseline="30000"/>
-              <a:t>54</a:t>
+              <a:t>56</a:t>
             </a:r>
             <a:r>
               <a:rPr/>
@@ -39998,13 +40049,13 @@
             </a:r>
             <a:r>
               <a:rPr i="1">
-                <a:hlinkClick r:id="rId4"/>
-              </a:rPr>
-              <a:t>labels</a:t>
-            </a:r>
-            <a:r>
-              <a:rPr/>
-              <a:t> para declarar o rótulo de uma variável.</a:t>
+                <a:hlinkClick r:id="rId5"/>
+              </a:rPr>
+              <a:t>clean_names</a:t>
+            </a:r>
+            <a:r>
+              <a:rPr/>
+              <a:t> para formatar de modo padronizado o nome das variáveis utilizando apenas caracteres, números e o símbolo ’_’.</a:t>
             </a:r>
           </a:p>
           <a:p>
@@ -40026,7 +40077,7 @@
             </a:r>
             <a:r>
               <a:rPr baseline="30000"/>
-              <a:t>56</a:t>
+              <a:t>57</a:t>
             </a:r>
             <a:r>
               <a:rPr/>
@@ -40034,7 +40085,7 @@
             </a:r>
             <a:r>
               <a:rPr i="1">
-                <a:hlinkClick r:id="rId5"/>
+                <a:hlinkClick r:id="rId6"/>
               </a:rPr>
               <a:t>contents</a:t>
             </a:r>
@@ -40520,7 +40571,7 @@
             </a:r>
             <a:r>
               <a:rPr baseline="30000"/>
-              <a:t>57</a:t>
+              <a:t>58</a:t>
             </a:r>
           </a:p>
           <a:p>
@@ -40559,7 +40610,7 @@
             </a:r>
             <a:r>
               <a:rPr baseline="30000"/>
-              <a:t>34,58–60</a:t>
+              <a:t>34,59–61</a:t>
             </a:r>
           </a:p>
           <a:p>
@@ -40584,7 +40635,7 @@
             </a:r>
             <a:r>
               <a:rPr baseline="30000"/>
-              <a:t>34,58–61</a:t>
+              <a:t>34,59–62</a:t>
             </a:r>
           </a:p>
           <a:p>
@@ -40630,7 +40681,7 @@
             </a:r>
             <a:r>
               <a:rPr baseline="30000"/>
-              <a:t>34,58–60</a:t>
+              <a:t>34,59–61</a:t>
             </a:r>
           </a:p>
           <a:p>
@@ -40830,7 +40881,7 @@
             </a:r>
             <a:r>
               <a:rPr baseline="30000"/>
-              <a:t>59</a:t>
+              <a:t>60</a:t>
             </a:r>
           </a:p>
           <a:p>
@@ -40943,7 +40994,7 @@
             </a:r>
             <a:r>
               <a:rPr baseline="30000"/>
-              <a:t>62</a:t>
+              <a:t>63</a:t>
             </a:r>
           </a:p>
           <a:p>
@@ -40954,7 +41005,7 @@
             </a:r>
             <a:r>
               <a:rPr baseline="30000"/>
-              <a:t>34,62</a:t>
+              <a:t>34,63</a:t>
             </a:r>
           </a:p>
           <a:p>
@@ -40965,7 +41016,7 @@
             </a:r>
             <a:r>
               <a:rPr baseline="30000"/>
-              <a:t>63</a:t>
+              <a:t>64</a:t>
             </a:r>
           </a:p>
           <a:p>
@@ -40993,7 +41044,7 @@
             </a:r>
             <a:r>
               <a:rPr baseline="30000"/>
-              <a:t>64</a:t>
+              <a:t>65</a:t>
             </a:r>
           </a:p>
           <a:p>
@@ -41004,7 +41055,7 @@
             </a:r>
             <a:r>
               <a:rPr baseline="30000"/>
-              <a:t>64</a:t>
+              <a:t>65</a:t>
             </a:r>
           </a:p>
           <a:p>
@@ -41032,7 +41083,7 @@
             </a:r>
             <a:r>
               <a:rPr baseline="30000"/>
-              <a:t>64</a:t>
+              <a:t>65</a:t>
             </a:r>
           </a:p>
           <a:p>
@@ -41068,56 +41119,6 @@
             <a:r>
               <a:rPr/>
               <a:t>Distribuições com assimetria à esquerda:</a:t>
-            </a:r>
-            <a:r>
-              <a:rPr baseline="30000"/>
-              <a:t>64</a:t>
-            </a:r>
-          </a:p>
-          <a:p>
-            <a:pPr lvl="1"/>
-            <a:r>
-              <a:rPr/>
-              <a:t>Reflexão e raiz quadrada</a:t>
-            </a:r>
-          </a:p>
-          <a:p>
-            <a:pPr lvl="1"/>
-            <a:r>
-              <a:rPr/>
-              <a:t>Reflexão e logaritmo natural</a:t>
-            </a:r>
-          </a:p>
-          <a:p>
-            <a:pPr lvl="1"/>
-            <a:r>
-              <a:rPr/>
-              <a:t>Reflexão e logaritmo base 10</a:t>
-            </a:r>
-          </a:p>
-          <a:p>
-            <a:pPr lvl="1"/>
-            <a:r>
-              <a:rPr/>
-              <a:t>Reflexão e transformação inversa</a:t>
-            </a:r>
-          </a:p>
-          <a:p>
-            <a:pPr lvl="0"/>
-            <a:r>
-              <a:rPr/>
-              <a:t>Transformação arco-seno.</a:t>
-            </a:r>
-            <a:r>
-              <a:rPr baseline="30000"/>
-              <a:t>64</a:t>
-            </a:r>
-          </a:p>
-          <a:p>
-            <a:pPr lvl="0"/>
-            <a:r>
-              <a:rPr/>
-              <a:t>Transformação de Box-Cox.</a:t>
             </a:r>
             <a:r>
               <a:rPr baseline="30000"/>
@@ -41125,6 +41126,56 @@
             </a:r>
           </a:p>
           <a:p>
+            <a:pPr lvl="1"/>
+            <a:r>
+              <a:rPr/>
+              <a:t>Reflexão e raiz quadrada</a:t>
+            </a:r>
+          </a:p>
+          <a:p>
+            <a:pPr lvl="1"/>
+            <a:r>
+              <a:rPr/>
+              <a:t>Reflexão e logaritmo natural</a:t>
+            </a:r>
+          </a:p>
+          <a:p>
+            <a:pPr lvl="1"/>
+            <a:r>
+              <a:rPr/>
+              <a:t>Reflexão e logaritmo base 10</a:t>
+            </a:r>
+          </a:p>
+          <a:p>
+            <a:pPr lvl="1"/>
+            <a:r>
+              <a:rPr/>
+              <a:t>Reflexão e transformação inversa</a:t>
+            </a:r>
+          </a:p>
+          <a:p>
+            <a:pPr lvl="0"/>
+            <a:r>
+              <a:rPr/>
+              <a:t>Transformação arco-seno.</a:t>
+            </a:r>
+            <a:r>
+              <a:rPr baseline="30000"/>
+              <a:t>65</a:t>
+            </a:r>
+          </a:p>
+          <a:p>
+            <a:pPr lvl="0"/>
+            <a:r>
+              <a:rPr/>
+              <a:t>Transformação de Box-Cox.</a:t>
+            </a:r>
+            <a:r>
+              <a:rPr baseline="30000"/>
+              <a:t>66</a:t>
+            </a:r>
+          </a:p>
+          <a:p>
             <a:pPr lvl="0"/>
             <a:r>
               <a:rPr/>
@@ -41150,7 +41201,7 @@
             </a:r>
             <a:r>
               <a:rPr baseline="30000"/>
-              <a:t>66</a:t>
+              <a:t>67</a:t>
             </a:r>
             <a:r>
               <a:rPr/>
@@ -41168,7 +41219,7 @@
             </a:r>
             <a:r>
               <a:rPr baseline="30000"/>
-              <a:t>65</a:t>
+              <a:t>66</a:t>
             </a:r>
           </a:p>
           <a:p>
@@ -41305,7 +41356,7 @@
             </a:r>
             <a:r>
               <a:rPr baseline="30000"/>
-              <a:t>67</a:t>
+              <a:t>68</a:t>
             </a:r>
           </a:p>
           <a:p>
@@ -41316,7 +41367,7 @@
             </a:r>
             <a:r>
               <a:rPr baseline="30000"/>
-              <a:t>68–70</a:t>
+              <a:t>69–71</a:t>
             </a:r>
           </a:p>
           <a:p>
@@ -41327,7 +41378,7 @@
             </a:r>
             <a:r>
               <a:rPr baseline="30000"/>
-              <a:t>68–70</a:t>
+              <a:t>69–71</a:t>
             </a:r>
           </a:p>
           <a:p>
@@ -41335,17 +41386,6 @@
             <a:r>
               <a:rPr/>
               <a:t>Caso exista um ponto de corte ou limiar verdadeiro que discrimine três ou mais grupos independentes, identificar tal ponto de corte ainda é um desafio.</a:t>
-            </a:r>
-            <a:r>
-              <a:rPr baseline="30000"/>
-              <a:t>71</a:t>
-            </a:r>
-          </a:p>
-          <a:p>
-            <a:pPr lvl="0"/>
-            <a:r>
-              <a:rPr/>
-              <a:t>Categorização de variáveis contínuas aumenta a quantidade de testes de hipótese para comparações pareadas entre os quantis, inflando, portanto, o erro tipo I.</a:t>
             </a:r>
             <a:r>
               <a:rPr baseline="30000"/>
@@ -41356,11 +41396,22 @@
             <a:pPr lvl="0"/>
             <a:r>
               <a:rPr/>
+              <a:t>Categorização de variáveis contínuas aumenta a quantidade de testes de hipótese para comparações pareadas entre os quantis, inflando, portanto, o erro tipo I.</a:t>
+            </a:r>
+            <a:r>
+              <a:rPr baseline="30000"/>
+              <a:t>73</a:t>
+            </a:r>
+          </a:p>
+          <a:p>
+            <a:pPr lvl="0"/>
+            <a:r>
+              <a:rPr/>
               <a:t>Categorização de variáveis contínuas requer uma função teórica que pressupõe a homogeneidade da variável dentro dos grupos, levando tanto a uma perda de poder como a uma estimativa imprecisa.</a:t>
             </a:r>
             <a:r>
               <a:rPr baseline="30000"/>
-              <a:t>72</a:t>
+              <a:t>73</a:t>
             </a:r>
           </a:p>
           <a:p>
@@ -41371,7 +41422,7 @@
             </a:r>
             <a:r>
               <a:rPr baseline="30000"/>
-              <a:t>72</a:t>
+              <a:t>73</a:t>
             </a:r>
           </a:p>
           <a:p>
@@ -41399,7 +41450,7 @@
             </a:r>
             <a:r>
               <a:rPr baseline="30000"/>
-              <a:t>67</a:t>
+              <a:t>68</a:t>
             </a:r>
           </a:p>
           <a:p>
@@ -41426,7 +41477,7 @@
             </a:r>
             <a:r>
               <a:rPr baseline="30000"/>
-              <a:t>67</a:t>
+              <a:t>68</a:t>
             </a:r>
           </a:p>
           <a:p>
@@ -41587,7 +41638,7 @@
                 </a:r>
                 <a:r>
                   <a:rPr baseline="30000"/>
-                  <a:t>63</a:t>
+                  <a:t>64</a:t>
                 </a:r>
               </a:p>
               <a:p>
@@ -41598,7 +41649,7 @@
                 </a:r>
                 <a:r>
                   <a:rPr baseline="30000"/>
-                  <a:t>67</a:t>
+                  <a:t>68</a:t>
                 </a:r>
               </a:p>
               <a:p>
@@ -41609,7 +41660,7 @@
                 </a:r>
                 <a:r>
                   <a:rPr baseline="30000"/>
-                  <a:t>67</a:t>
+                  <a:t>68</a:t>
                 </a:r>
               </a:p>
               <a:p>
@@ -41620,7 +41671,7 @@
                 </a:r>
                 <a:r>
                   <a:rPr baseline="30000"/>
-                  <a:t>67</a:t>
+                  <a:t>68</a:t>
                 </a:r>
               </a:p>
               <a:p>
@@ -41631,7 +41682,7 @@
                 </a:r>
                 <a:r>
                   <a:rPr baseline="30000"/>
-                  <a:t>67</a:t>
+                  <a:t>68</a:t>
                 </a:r>
               </a:p>
               <a:p>
@@ -41659,7 +41710,7 @@
                 </a:r>
                 <a:r>
                   <a:rPr baseline="30000"/>
-                  <a:t>67</a:t>
+                  <a:t>68</a:t>
                 </a:r>
               </a:p>
               <a:p>
@@ -41670,7 +41721,7 @@
                 </a:r>
                 <a:r>
                   <a:rPr baseline="30000"/>
-                  <a:t>68–70</a:t>
+                  <a:t>69–71</a:t>
                 </a:r>
               </a:p>
               <a:p>
@@ -41681,7 +41732,7 @@
                 </a:r>
                 <a:r>
                   <a:rPr baseline="30000"/>
-                  <a:t>68–70</a:t>
+                  <a:t>69–71</a:t>
                 </a:r>
               </a:p>
               <a:p>
@@ -41692,7 +41743,7 @@
                 </a:r>
                 <a:r>
                   <a:rPr baseline="30000"/>
-                  <a:t>67,68</a:t>
+                  <a:t>68,69</a:t>
                 </a:r>
               </a:p>
               <a:p>
@@ -41703,7 +41754,7 @@
                 </a:r>
                 <a:r>
                   <a:rPr baseline="30000"/>
-                  <a:t>68</a:t>
+                  <a:t>69</a:t>
                 </a:r>
               </a:p>
               <a:p>
@@ -41714,7 +41765,7 @@
                 </a:r>
                 <a:r>
                   <a:rPr baseline="30000"/>
-                  <a:t>68</a:t>
+                  <a:t>69</a:t>
                 </a:r>
               </a:p>
               <a:p>
@@ -41725,7 +41776,7 @@
                 </a:r>
                 <a:r>
                   <a:rPr baseline="30000"/>
-                  <a:t>67,68</a:t>
+                  <a:t>68,69</a:t>
                 </a:r>
               </a:p>
               <a:p>
@@ -41736,7 +41787,7 @@
                 </a:r>
                 <a:r>
                   <a:rPr baseline="30000"/>
-                  <a:t>63,68</a:t>
+                  <a:t>64,69</a:t>
                 </a:r>
               </a:p>
               <a:p>
@@ -41747,7 +41798,7 @@
                 </a:r>
                 <a:r>
                   <a:rPr baseline="30000"/>
-                  <a:t>71</a:t>
+                  <a:t>72</a:t>
                 </a:r>
               </a:p>
               <a:p>
@@ -41775,7 +41826,7 @@
                 </a:r>
                 <a:r>
                   <a:rPr baseline="30000"/>
-                  <a:t>67</a:t>
+                  <a:t>68</a:t>
                 </a:r>
               </a:p>
               <a:p>
@@ -41786,7 +41837,7 @@
                 </a:r>
                 <a:r>
                   <a:rPr baseline="30000"/>
-                  <a:t>67</a:t>
+                  <a:t>68</a:t>
                 </a:r>
               </a:p>
               <a:p>
@@ -41814,7 +41865,7 @@
                 </a:r>
                 <a:r>
                   <a:rPr baseline="30000"/>
-                  <a:t>71</a:t>
+                  <a:t>72</a:t>
                 </a:r>
                 <a:r>
                   <a:rPr/>
@@ -41829,7 +41880,7 @@
                 </a:r>
                 <a:r>
                   <a:rPr baseline="30000"/>
-                  <a:t>73</a:t>
+                  <a:t>74</a:t>
                 </a:r>
               </a:p>
               <a:p>
@@ -41840,7 +41891,7 @@
                 </a:r>
                 <a:r>
                   <a:rPr baseline="30000"/>
-                  <a:t>74</a:t>
+                  <a:t>75</a:t>
                 </a:r>
               </a:p>
               <a:p>
@@ -41871,7 +41922,7 @@
                 </a:r>
                 <a:r>
                   <a:rPr baseline="30000"/>
-                  <a:t>75</a:t>
+                  <a:t>76</a:t>
                 </a:r>
               </a:p>
               <a:p>
@@ -41896,7 +41947,7 @@
                 </a:r>
                 <a:r>
                   <a:rPr baseline="30000"/>
-                  <a:t>76</a:t>
+                  <a:t>77</a:t>
                 </a:r>
               </a:p>
               <a:p>
@@ -41918,7 +41969,7 @@
                 </a:r>
                 <a:r>
                   <a:rPr baseline="30000"/>
-                  <a:t>77</a:t>
+                  <a:t>78</a:t>
                 </a:r>
                 <a:r>
                   <a:rPr/>
@@ -42447,7 +42498,7 @@
             </a:r>
             <a:r>
               <a:rPr baseline="30000"/>
-              <a:t>78</a:t>
+              <a:t>79</a:t>
             </a:r>
             <a:r>
               <a:rPr/>
@@ -42529,7 +42580,7 @@
             </a:r>
             <a:r>
               <a:rPr baseline="30000"/>
-              <a:t>58</a:t>
+              <a:t>59</a:t>
             </a:r>
           </a:p>
           <a:p>
@@ -42540,7 +42591,7 @@
             </a:r>
             <a:r>
               <a:rPr baseline="30000"/>
-              <a:t>58</a:t>
+              <a:t>59</a:t>
             </a:r>
           </a:p>
           <a:p>
@@ -42748,7 +42799,7 @@
             </a:r>
             <a:r>
               <a:rPr baseline="30000"/>
-              <a:t>57</a:t>
+              <a:t>58</a:t>
             </a:r>
           </a:p>
           <a:p>
@@ -42787,7 +42838,7 @@
             </a:r>
             <a:r>
               <a:rPr baseline="30000"/>
-              <a:t>58,79</a:t>
+              <a:t>59,80</a:t>
             </a:r>
           </a:p>
           <a:p>
@@ -42798,7 +42849,7 @@
             </a:r>
             <a:r>
               <a:rPr baseline="30000"/>
-              <a:t>58,79,80</a:t>
+              <a:t>59,80,81</a:t>
             </a:r>
           </a:p>
           <a:p>
@@ -42809,7 +42860,7 @@
             </a:r>
             <a:r>
               <a:rPr baseline="30000"/>
-              <a:t>58,79,81,81</a:t>
+              <a:t>59,80,82,82</a:t>
             </a:r>
           </a:p>
           <a:p>
@@ -42820,7 +42871,7 @@
             </a:r>
             <a:r>
               <a:rPr baseline="30000"/>
-              <a:t>79</a:t>
+              <a:t>80</a:t>
             </a:r>
           </a:p>
           <a:p>
@@ -42831,7 +42882,7 @@
             </a:r>
             <a:r>
               <a:rPr baseline="30000"/>
-              <a:t>58</a:t>
+              <a:t>59</a:t>
             </a:r>
           </a:p>
           <a:p>
@@ -42870,7 +42921,7 @@
             </a:r>
             <a:r>
               <a:rPr baseline="30000"/>
-              <a:t>34,58</a:t>
+              <a:t>34,59</a:t>
             </a:r>
           </a:p>
           <a:p>
@@ -42898,7 +42949,7 @@
             </a:r>
             <a:r>
               <a:rPr baseline="30000"/>
-              <a:t>34,58</a:t>
+              <a:t>34,59</a:t>
             </a:r>
           </a:p>
           <a:p>
@@ -42909,7 +42960,7 @@
             </a:r>
             <a:r>
               <a:rPr baseline="30000"/>
-              <a:t>58</a:t>
+              <a:t>59</a:t>
             </a:r>
           </a:p>
           <a:p>
@@ -42937,7 +42988,7 @@
             </a:r>
             <a:r>
               <a:rPr baseline="30000"/>
-              <a:t>34,82</a:t>
+              <a:t>34,83</a:t>
             </a:r>
           </a:p>
           <a:p>
@@ -42948,7 +42999,7 @@
             </a:r>
             <a:r>
               <a:rPr baseline="30000"/>
-              <a:t>58</a:t>
+              <a:t>59</a:t>
             </a:r>
           </a:p>
           <a:p>
@@ -43074,7 +43125,7 @@
             </a:r>
             <a:r>
               <a:rPr baseline="30000"/>
-              <a:t>58,79</a:t>
+              <a:t>59,80</a:t>
             </a:r>
           </a:p>
           <a:p>
@@ -43089,7 +43140,7 @@
             </a:r>
             <a:r>
               <a:rPr baseline="30000"/>
-              <a:t>58,79</a:t>
+              <a:t>59,80</a:t>
             </a:r>
           </a:p>
           <a:p>
@@ -43104,7 +43155,7 @@
             </a:r>
             <a:r>
               <a:rPr baseline="30000"/>
-              <a:t>58,79</a:t>
+              <a:t>59,80</a:t>
             </a:r>
           </a:p>
           <a:p>
@@ -43136,7 +43187,7 @@
             </a:r>
             <a:r>
               <a:rPr baseline="30000"/>
-              <a:t>58,79</a:t>
+              <a:t>59,80</a:t>
             </a:r>
           </a:p>
           <a:p>
@@ -43151,7 +43202,7 @@
             </a:r>
             <a:r>
               <a:rPr baseline="30000"/>
-              <a:t>80</a:t>
+              <a:t>81</a:t>
             </a:r>
           </a:p>
           <a:p>
@@ -43166,7 +43217,7 @@
             </a:r>
             <a:r>
               <a:rPr baseline="30000"/>
-              <a:t>80</a:t>
+              <a:t>81</a:t>
             </a:r>
           </a:p>
           <a:p>
@@ -43181,7 +43232,7 @@
             </a:r>
             <a:r>
               <a:rPr baseline="30000"/>
-              <a:t>58,79</a:t>
+              <a:t>59,80</a:t>
             </a:r>
           </a:p>
           <a:p>
@@ -43196,7 +43247,7 @@
             </a:r>
             <a:r>
               <a:rPr baseline="30000"/>
-              <a:t>58,79</a:t>
+              <a:t>59,80</a:t>
             </a:r>
           </a:p>
           <a:p>
@@ -43211,7 +43262,7 @@
             </a:r>
             <a:r>
               <a:rPr baseline="30000"/>
-              <a:t>58,79</a:t>
+              <a:t>59,80</a:t>
             </a:r>
           </a:p>
           <a:p>
@@ -43243,7 +43294,7 @@
             </a:r>
             <a:r>
               <a:rPr baseline="30000"/>
-              <a:t>58,79,81</a:t>
+              <a:t>59,80,82</a:t>
             </a:r>
           </a:p>
           <a:p>
@@ -43258,7 +43309,7 @@
             </a:r>
             <a:r>
               <a:rPr baseline="30000"/>
-              <a:t>58,79,81</a:t>
+              <a:t>59,80,82</a:t>
             </a:r>
           </a:p>
           <a:p>
@@ -43273,7 +43324,7 @@
             </a:r>
             <a:r>
               <a:rPr baseline="30000"/>
-              <a:t>58,79,81</a:t>
+              <a:t>59,80,82</a:t>
             </a:r>
           </a:p>
           <a:p>
@@ -43288,7 +43339,7 @@
             </a:r>
             <a:r>
               <a:rPr baseline="30000"/>
-              <a:t>81</a:t>
+              <a:t>82</a:t>
             </a:r>
           </a:p>
           <a:p>
@@ -43310,7 +43361,7 @@
             </a:r>
             <a:r>
               <a:rPr baseline="30000"/>
-              <a:t>83</a:t>
+              <a:t>84</a:t>
             </a:r>
             <a:r>
               <a:rPr/>
@@ -43356,7 +43407,7 @@
             </a:r>
             <a:r>
               <a:rPr baseline="30000"/>
-              <a:t>79</a:t>
+              <a:t>80</a:t>
             </a:r>
           </a:p>
           <a:p>
@@ -43371,7 +43422,7 @@
             </a:r>
             <a:r>
               <a:rPr baseline="30000"/>
-              <a:t>79</a:t>
+              <a:t>80</a:t>
             </a:r>
           </a:p>
           <a:p>
@@ -43403,7 +43454,7 @@
             </a:r>
             <a:r>
               <a:rPr baseline="30000"/>
-              <a:t>58</a:t>
+              <a:t>59</a:t>
             </a:r>
           </a:p>
           <a:p>
@@ -43418,7 +43469,7 @@
             </a:r>
             <a:r>
               <a:rPr baseline="30000"/>
-              <a:t>58</a:t>
+              <a:t>59</a:t>
             </a:r>
           </a:p>
           <a:p>
@@ -43440,7 +43491,7 @@
             </a:r>
             <a:r>
               <a:rPr baseline="30000"/>
-              <a:t>83</a:t>
+              <a:t>84</a:t>
             </a:r>
             <a:r>
               <a:rPr/>
@@ -43575,7 +43626,7 @@
             </a:r>
             <a:r>
               <a:rPr baseline="30000"/>
-              <a:t>84</a:t>
+              <a:t>85</a:t>
             </a:r>
           </a:p>
           <a:p>
@@ -43586,7 +43637,7 @@
             </a:r>
             <a:r>
               <a:rPr baseline="30000"/>
-              <a:t>84</a:t>
+              <a:t>85</a:t>
             </a:r>
           </a:p>
           <a:p>
@@ -43614,7 +43665,7 @@
             </a:r>
             <a:r>
               <a:rPr baseline="30000"/>
-              <a:t>84</a:t>
+              <a:t>85</a:t>
             </a:r>
           </a:p>
           <a:p>
@@ -43625,7 +43676,7 @@
             </a:r>
             <a:r>
               <a:rPr baseline="30000"/>
-              <a:t>84</a:t>
+              <a:t>85</a:t>
             </a:r>
           </a:p>
           <a:p>
@@ -43636,7 +43687,7 @@
             </a:r>
             <a:r>
               <a:rPr baseline="30000"/>
-              <a:t>84</a:t>
+              <a:t>85</a:t>
             </a:r>
           </a:p>
           <a:p>
@@ -43647,7 +43698,7 @@
             </a:r>
             <a:r>
               <a:rPr baseline="30000"/>
-              <a:t>84</a:t>
+              <a:t>85</a:t>
             </a:r>
           </a:p>
           <a:p>
@@ -43883,7 +43934,7 @@
             </a:r>
             <a:r>
               <a:rPr baseline="30000"/>
-              <a:t>85</a:t>
+              <a:t>86</a:t>
             </a:r>
           </a:p>
           <a:p>
@@ -43894,7 +43945,7 @@
             </a:r>
             <a:r>
               <a:rPr baseline="30000"/>
-              <a:t>85</a:t>
+              <a:t>86</a:t>
             </a:r>
           </a:p>
           <a:p>
@@ -43905,7 +43956,7 @@
             </a:r>
             <a:r>
               <a:rPr baseline="30000"/>
-              <a:t>85</a:t>
+              <a:t>86</a:t>
             </a:r>
           </a:p>
           <a:p>
@@ -43916,7 +43967,7 @@
             </a:r>
             <a:r>
               <a:rPr baseline="30000"/>
-              <a:t>85</a:t>
+              <a:t>86</a:t>
             </a:r>
           </a:p>
           <a:p>
@@ -43938,7 +43989,7 @@
             </a:r>
             <a:r>
               <a:rPr baseline="30000"/>
-              <a:t>86</a:t>
+              <a:t>87</a:t>
             </a:r>
             <a:r>
               <a:rPr/>
@@ -43980,7 +44031,7 @@
             </a:r>
             <a:r>
               <a:rPr baseline="30000"/>
-              <a:t>87</a:t>
+              <a:t>88</a:t>
             </a:r>
           </a:p>
           <a:p>
@@ -43991,7 +44042,7 @@
             </a:r>
             <a:r>
               <a:rPr baseline="30000"/>
-              <a:t>87</a:t>
+              <a:t>88</a:t>
             </a:r>
           </a:p>
           <a:p>
@@ -44018,7 +44069,7 @@
             </a:r>
             <a:r>
               <a:rPr baseline="30000"/>
-              <a:t>88</a:t>
+              <a:t>89</a:t>
             </a:r>
           </a:p>
           <a:p>
@@ -44051,7 +44102,7 @@
             </a:r>
             <a:r>
               <a:rPr baseline="30000"/>
-              <a:t>87,88</a:t>
+              <a:t>88,89</a:t>
             </a:r>
           </a:p>
           <a:p>
@@ -44062,7 +44113,7 @@
             </a:r>
             <a:r>
               <a:rPr baseline="30000"/>
-              <a:t>87</a:t>
+              <a:t>88</a:t>
             </a:r>
           </a:p>
           <a:p>
@@ -44073,7 +44124,7 @@
             </a:r>
             <a:r>
               <a:rPr baseline="30000"/>
-              <a:t>87,88</a:t>
+              <a:t>88,89</a:t>
             </a:r>
           </a:p>
           <a:p>
@@ -44095,7 +44146,7 @@
             </a:r>
             <a:r>
               <a:rPr baseline="30000"/>
-              <a:t>89</a:t>
+              <a:t>90</a:t>
             </a:r>
             <a:r>
               <a:rPr/>
@@ -44145,7 +44196,7 @@
             </a:r>
             <a:r>
               <a:rPr baseline="30000"/>
-              <a:t>87</a:t>
+              <a:t>88</a:t>
             </a:r>
           </a:p>
           <a:p>
@@ -44156,7 +44207,7 @@
             </a:r>
             <a:r>
               <a:rPr baseline="30000"/>
-              <a:t>87</a:t>
+              <a:t>88</a:t>
             </a:r>
           </a:p>
           <a:p>
@@ -44167,7 +44218,7 @@
             </a:r>
             <a:r>
               <a:rPr baseline="30000"/>
-              <a:t>87</a:t>
+              <a:t>88</a:t>
             </a:r>
           </a:p>
           <a:p>
@@ -44374,7 +44425,7 @@
             </a:r>
             <a:r>
               <a:rPr baseline="30000"/>
-              <a:t>90</a:t>
+              <a:t>91</a:t>
             </a:r>
             <a:r>
               <a:rPr/>
@@ -44457,7 +44508,7 @@
             </a:r>
             <a:r>
               <a:rPr baseline="30000"/>
-              <a:t>91</a:t>
+              <a:t>92</a:t>
             </a:r>
             <a:r>
               <a:rPr/>
@@ -44473,7 +44524,7 @@
             </a:r>
             <a:r>
               <a:rPr baseline="30000"/>
-              <a:t>92</a:t>
+              <a:t>93</a:t>
             </a:r>
             <a:r>
               <a:rPr/>
@@ -44579,7 +44630,7 @@
             </a:r>
             <a:r>
               <a:rPr baseline="30000"/>
-              <a:t>93</a:t>
+              <a:t>94</a:t>
             </a:r>
           </a:p>
           <a:p>
@@ -44607,7 +44658,7 @@
             </a:r>
             <a:r>
               <a:rPr baseline="30000"/>
-              <a:t>94</a:t>
+              <a:t>95</a:t>
             </a:r>
           </a:p>
           <a:p>
@@ -44618,7 +44669,7 @@
             </a:r>
             <a:r>
               <a:rPr baseline="30000"/>
-              <a:t>94</a:t>
+              <a:t>95</a:t>
             </a:r>
           </a:p>
           <a:p>
@@ -44629,7 +44680,7 @@
             </a:r>
             <a:r>
               <a:rPr baseline="30000"/>
-              <a:t>94</a:t>
+              <a:t>95</a:t>
             </a:r>
           </a:p>
           <a:p>
@@ -44640,7 +44691,7 @@
             </a:r>
             <a:r>
               <a:rPr baseline="30000"/>
-              <a:t>94</a:t>
+              <a:t>95</a:t>
             </a:r>
           </a:p>
           <a:p>
@@ -44651,7 +44702,7 @@
             </a:r>
             <a:r>
               <a:rPr baseline="30000"/>
-              <a:t>94</a:t>
+              <a:t>95</a:t>
             </a:r>
           </a:p>
           <a:p>
@@ -44824,7 +44875,7 @@
                 </a:r>
                 <a:r>
                   <a:rPr baseline="30000"/>
-                  <a:t>91</a:t>
+                  <a:t>92</a:t>
                 </a:r>
               </a:p>
               <a:p>
@@ -44843,7 +44894,7 @@
                 </a:r>
                 <a:r>
                   <a:rPr baseline="30000"/>
-                  <a:t>84</a:t>
+                  <a:t>85</a:t>
                 </a:r>
               </a:p>
               <a:p>
@@ -44871,7 +44922,7 @@
                 </a:r>
                 <a:r>
                   <a:rPr baseline="30000"/>
-                  <a:t>84</a:t>
+                  <a:t>85</a:t>
                 </a:r>
               </a:p>
               <a:p>
@@ -44882,7 +44933,7 @@
                 </a:r>
                 <a:r>
                   <a:rPr baseline="30000"/>
-                  <a:t>84</a:t>
+                  <a:t>85</a:t>
                 </a:r>
               </a:p>
               <a:p>
@@ -44904,7 +44955,7 @@
                 </a:r>
                 <a:r>
                   <a:rPr baseline="30000"/>
-                  <a:t>95</a:t>
+                  <a:t>96</a:t>
                 </a:r>
                 <a:r>
                   <a:rPr/>
@@ -44940,7 +44991,7 @@
                 </a:r>
                 <a:r>
                   <a:rPr baseline="30000"/>
-                  <a:t>96</a:t>
+                  <a:t>97</a:t>
                 </a:r>
                 <a:r>
                   <a:rPr/>
@@ -44976,7 +45027,7 @@
                 </a:r>
                 <a:r>
                   <a:rPr baseline="30000"/>
-                  <a:t>97</a:t>
+                  <a:t>98</a:t>
                 </a:r>
                 <a:r>
                   <a:rPr/>
@@ -45012,7 +45063,7 @@
                 </a:r>
                 <a:r>
                   <a:rPr baseline="30000"/>
-                  <a:t>98</a:t>
+                  <a:t>99</a:t>
                 </a:r>
                 <a:r>
                   <a:rPr/>
@@ -45054,7 +45105,7 @@
                 </a:r>
                 <a:r>
                   <a:rPr baseline="30000"/>
-                  <a:t>84</a:t>
+                  <a:t>85</a:t>
                 </a:r>
               </a:p>
               <a:p>
@@ -45073,7 +45124,7 @@
                 </a:r>
                 <a:r>
                   <a:rPr baseline="30000"/>
-                  <a:t>84,90,91</a:t>
+                  <a:t>85,91,92</a:t>
                 </a:r>
               </a:p>
               <a:p>
@@ -45109,7 +45160,7 @@
                 </a:r>
                 <a:r>
                   <a:rPr baseline="30000"/>
-                  <a:t>99</a:t>
+                  <a:t>100</a:t>
                 </a:r>
                 <a:r>
                   <a:rPr/>
@@ -45147,7 +45198,7 @@
                 </a:r>
                 <a:r>
                   <a:rPr baseline="30000"/>
-                  <a:t>84</a:t>
+                  <a:t>85</a:t>
                 </a:r>
               </a:p>
               <a:p>
@@ -45184,7 +45235,7 @@
                 </a:r>
                 <a:r>
                   <a:rPr baseline="30000"/>
-                  <a:t>84,90</a:t>
+                  <a:t>85,91</a:t>
                 </a:r>
               </a:p>
               <a:p>
@@ -45214,7 +45265,7 @@
                 </a:r>
                 <a:r>
                   <a:rPr baseline="30000"/>
-                  <a:t>84</a:t>
+                  <a:t>85</a:t>
                 </a:r>
               </a:p>
               <a:p>
@@ -45237,7 +45288,7 @@
                 </a:r>
                 <a:r>
                   <a:rPr baseline="30000"/>
-                  <a:t>84</a:t>
+                  <a:t>85</a:t>
                 </a:r>
               </a:p>
               <a:p>
@@ -45293,7 +45344,7 @@
                 </a:r>
                 <a:r>
                   <a:rPr baseline="30000"/>
-                  <a:t>84</a:t>
+                  <a:t>85</a:t>
                 </a:r>
               </a:p>
               <a:p>
@@ -45316,7 +45367,7 @@
                 </a:r>
                 <a:r>
                   <a:rPr baseline="30000"/>
-                  <a:t>84</a:t>
+                  <a:t>85</a:t>
                 </a:r>
               </a:p>
               <a:p>
@@ -45353,7 +45404,7 @@
                 </a:r>
                 <a:r>
                   <a:rPr baseline="30000"/>
-                  <a:t>99</a:t>
+                  <a:t>100</a:t>
                 </a:r>
                 <a:r>
                   <a:rPr/>
@@ -45391,7 +45442,7 @@
                 </a:r>
                 <a:r>
                   <a:rPr baseline="30000"/>
-                  <a:t>84</a:t>
+                  <a:t>85</a:t>
                 </a:r>
               </a:p>
               <a:p>
@@ -45611,7 +45662,7 @@
             </a:r>
             <a:r>
               <a:rPr baseline="30000"/>
-              <a:t>95</a:t>
+              <a:t>96</a:t>
             </a:r>
             <a:r>
               <a:rPr/>
@@ -45647,7 +45698,7 @@
             </a:r>
             <a:r>
               <a:rPr baseline="30000"/>
-              <a:t>96</a:t>
+              <a:t>97</a:t>
             </a:r>
             <a:r>
               <a:rPr/>
@@ -45683,7 +45734,7 @@
             </a:r>
             <a:r>
               <a:rPr baseline="30000"/>
-              <a:t>97</a:t>
+              <a:t>98</a:t>
             </a:r>
             <a:r>
               <a:rPr/>
@@ -45719,7 +45770,7 @@
             </a:r>
             <a:r>
               <a:rPr baseline="30000"/>
-              <a:t>98</a:t>
+              <a:t>99</a:t>
             </a:r>
             <a:r>
               <a:rPr/>
@@ -45761,7 +45812,7 @@
             </a:r>
             <a:r>
               <a:rPr baseline="30000"/>
-              <a:t>100</a:t>
+              <a:t>101</a:t>
             </a:r>
           </a:p>
           <a:p>
@@ -45772,7 +45823,7 @@
             </a:r>
             <a:r>
               <a:rPr baseline="30000"/>
-              <a:t>100</a:t>
+              <a:t>101</a:t>
             </a:r>
           </a:p>
           <a:p>
@@ -45783,7 +45834,7 @@
             </a:r>
             <a:r>
               <a:rPr baseline="30000"/>
-              <a:t>100</a:t>
+              <a:t>101</a:t>
             </a:r>
           </a:p>
           <a:p>
@@ -45794,7 +45845,7 @@
             </a:r>
             <a:r>
               <a:rPr baseline="30000"/>
-              <a:t>100</a:t>
+              <a:t>101</a:t>
             </a:r>
           </a:p>
           <a:p>
@@ -45909,7 +45960,7 @@
                 </a:r>
                 <a:r>
                   <a:rPr baseline="30000"/>
-                  <a:t>101</a:t>
+                  <a:t>102</a:t>
                 </a:r>
               </a:p>
               <a:p>
@@ -45937,7 +45988,7 @@
                 </a:r>
                 <a:r>
                   <a:rPr baseline="30000"/>
-                  <a:t>101,102</a:t>
+                  <a:t>102,103</a:t>
                 </a:r>
               </a:p>
               <a:p>
@@ -45965,7 +46016,7 @@
                 </a:r>
                 <a:r>
                   <a:rPr baseline="30000"/>
-                  <a:t>103</a:t>
+                  <a:t>104</a:t>
                 </a:r>
               </a:p>
               <a:p>
@@ -45976,7 +46027,7 @@
                 </a:r>
                 <a:r>
                   <a:rPr baseline="30000"/>
-                  <a:t>103</a:t>
+                  <a:t>104</a:t>
                 </a:r>
               </a:p>
               <a:p>
@@ -45987,7 +46038,7 @@
                 </a:r>
                 <a:r>
                   <a:rPr baseline="30000"/>
-                  <a:t>103</a:t>
+                  <a:t>104</a:t>
                 </a:r>
               </a:p>
               <a:p>
@@ -45998,7 +46049,7 @@
                 </a:r>
                 <a:r>
                   <a:rPr baseline="30000"/>
-                  <a:t>103</a:t>
+                  <a:t>104</a:t>
                 </a:r>
               </a:p>
               <a:p>
@@ -46029,7 +46080,7 @@
                 </a:r>
                 <a:r>
                   <a:rPr baseline="30000"/>
-                  <a:t>103</a:t>
+                  <a:t>104</a:t>
                 </a:r>
               </a:p>
               <a:p>
@@ -46040,7 +46091,7 @@
                 </a:r>
                 <a:r>
                   <a:rPr baseline="30000"/>
-                  <a:t>103</a:t>
+                  <a:t>104</a:t>
                 </a:r>
               </a:p>
               <a:p>
@@ -46155,7 +46206,7 @@
             </a:r>
             <a:r>
               <a:rPr baseline="30000"/>
-              <a:t>104,105</a:t>
+              <a:t>105,106</a:t>
             </a:r>
           </a:p>
           <a:p>
@@ -46183,7 +46234,7 @@
             </a:r>
             <a:r>
               <a:rPr baseline="30000"/>
-              <a:t>105</a:t>
+              <a:t>106</a:t>
             </a:r>
           </a:p>
           <a:p>
@@ -46194,7 +46245,7 @@
             </a:r>
             <a:r>
               <a:rPr baseline="30000"/>
-              <a:t>105</a:t>
+              <a:t>106</a:t>
             </a:r>
           </a:p>
           <a:p>
@@ -46205,7 +46256,7 @@
             </a:r>
             <a:r>
               <a:rPr baseline="30000"/>
-              <a:t>105</a:t>
+              <a:t>106</a:t>
             </a:r>
           </a:p>
           <a:p>
@@ -46216,7 +46267,7 @@
             </a:r>
             <a:r>
               <a:rPr baseline="30000"/>
-              <a:t>105</a:t>
+              <a:t>106</a:t>
             </a:r>
           </a:p>
           <a:p>
@@ -46227,7 +46278,7 @@
             </a:r>
             <a:r>
               <a:rPr baseline="30000"/>
-              <a:t>105</a:t>
+              <a:t>106</a:t>
             </a:r>
           </a:p>
           <a:p>
@@ -46255,7 +46306,7 @@
             </a:r>
             <a:r>
               <a:rPr baseline="30000"/>
-              <a:t>106</a:t>
+              <a:t>107</a:t>
             </a:r>
           </a:p>
           <a:p>
@@ -46283,7 +46334,7 @@
             </a:r>
             <a:r>
               <a:rPr baseline="30000"/>
-              <a:t>82,107</a:t>
+              <a:t>83,108</a:t>
             </a:r>
           </a:p>
           <a:p>
@@ -46305,7 +46356,7 @@
             </a:r>
             <a:r>
               <a:rPr baseline="30000"/>
-              <a:t>108</a:t>
+              <a:t>109</a:t>
             </a:r>
             <a:r>
               <a:rPr/>
@@ -46341,7 +46392,7 @@
             </a:r>
             <a:r>
               <a:rPr baseline="30000"/>
-              <a:t>109</a:t>
+              <a:t>110</a:t>
             </a:r>
             <a:r>
               <a:rPr/>
@@ -46564,7 +46615,7 @@
             </a:r>
             <a:r>
               <a:rPr baseline="30000"/>
-              <a:t>104</a:t>
+              <a:t>105</a:t>
             </a:r>
           </a:p>
           <a:p>
@@ -46592,7 +46643,7 @@
             </a:r>
             <a:r>
               <a:rPr baseline="30000"/>
-              <a:t>104,110</a:t>
+              <a:t>105,111</a:t>
             </a:r>
           </a:p>
           <a:p>
@@ -46603,7 +46654,7 @@
             </a:r>
             <a:r>
               <a:rPr baseline="30000"/>
-              <a:t>104,110</a:t>
+              <a:t>105,111</a:t>
             </a:r>
           </a:p>
           <a:p>
@@ -46614,7 +46665,7 @@
             </a:r>
             <a:r>
               <a:rPr baseline="30000"/>
-              <a:t>104</a:t>
+              <a:t>105</a:t>
             </a:r>
           </a:p>
           <a:p>
@@ -46642,7 +46693,7 @@
             </a:r>
             <a:r>
               <a:rPr baseline="30000"/>
-              <a:t>104</a:t>
+              <a:t>105</a:t>
             </a:r>
           </a:p>
           <a:p>
@@ -46664,7 +46715,7 @@
             </a:r>
             <a:r>
               <a:rPr baseline="30000"/>
-              <a:t>108</a:t>
+              <a:t>109</a:t>
             </a:r>
             <a:r>
               <a:rPr/>
@@ -46700,7 +46751,7 @@
             </a:r>
             <a:r>
               <a:rPr baseline="30000"/>
-              <a:t>109</a:t>
+              <a:t>110</a:t>
             </a:r>
             <a:r>
               <a:rPr/>
@@ -46827,7 +46878,7 @@
             </a:r>
             <a:r>
               <a:rPr baseline="30000"/>
-              <a:t>111</a:t>
+              <a:t>112</a:t>
             </a:r>
           </a:p>
           <a:p>
@@ -46879,7 +46930,7 @@
             </a:r>
             <a:r>
               <a:rPr baseline="30000"/>
-              <a:t>111</a:t>
+              <a:t>112</a:t>
             </a:r>
           </a:p>
           <a:p>
@@ -46901,7 +46952,7 @@
             </a:r>
             <a:r>
               <a:rPr baseline="30000"/>
-              <a:t>112</a:t>
+              <a:t>113</a:t>
             </a:r>
             <a:r>
               <a:rPr/>
@@ -46913,7 +46964,7 @@
             </a:r>
             <a:r>
               <a:rPr baseline="30000"/>
-              <a:t>113</a:t>
+              <a:t>114</a:t>
             </a:r>
             <a:r>
               <a:rPr/>
@@ -46925,7 +46976,7 @@
             </a:r>
             <a:r>
               <a:rPr baseline="30000"/>
-              <a:t>114</a:t>
+              <a:t>115</a:t>
             </a:r>
             <a:r>
               <a:rPr/>
@@ -46987,7 +47038,7 @@
             </a:r>
             <a:r>
               <a:rPr baseline="30000"/>
-              <a:t>115</a:t>
+              <a:t>116</a:t>
             </a:r>
           </a:p>
           <a:p>
@@ -46998,7 +47049,7 @@
             </a:r>
             <a:r>
               <a:rPr baseline="30000"/>
-              <a:t>115</a:t>
+              <a:t>116</a:t>
             </a:r>
           </a:p>
           <a:p>
@@ -47009,7 +47060,7 @@
             </a:r>
             <a:r>
               <a:rPr baseline="30000"/>
-              <a:t>115</a:t>
+              <a:t>116</a:t>
             </a:r>
           </a:p>
           <a:p>
@@ -47020,7 +47071,7 @@
             </a:r>
             <a:r>
               <a:rPr baseline="30000"/>
-              <a:t>115</a:t>
+              <a:t>116</a:t>
             </a:r>
           </a:p>
           <a:p>
@@ -47031,7 +47082,7 @@
             </a:r>
             <a:r>
               <a:rPr baseline="30000"/>
-              <a:t>115</a:t>
+              <a:t>116</a:t>
             </a:r>
           </a:p>
           <a:p>
@@ -47059,7 +47110,7 @@
             </a:r>
             <a:r>
               <a:rPr baseline="30000"/>
-              <a:t>115</a:t>
+              <a:t>116</a:t>
             </a:r>
           </a:p>
           <a:p>
@@ -47067,17 +47118,6 @@
             <a:r>
               <a:rPr/>
               <a:t>Para análise inferencial de figuras, as barras de erro representadas por erro-padrão ou intervalo de confiança são preferíveis à amplitude ou desvio-padrão.</a:t>
-            </a:r>
-            <a:r>
-              <a:rPr baseline="30000"/>
-              <a:t>115</a:t>
-            </a:r>
-          </a:p>
-          <a:p>
-            <a:pPr lvl="0"/>
-            <a:r>
-              <a:rPr/>
-              <a:t>Evite gráficos de barra e mostre a distribuição dos dados sempre que possível.</a:t>
             </a:r>
             <a:r>
               <a:rPr baseline="30000"/>
@@ -47088,11 +47128,22 @@
             <a:pPr lvl="0"/>
             <a:r>
               <a:rPr/>
+              <a:t>Evite gráficos de barra e mostre a distribuição dos dados sempre que possível.</a:t>
+            </a:r>
+            <a:r>
+              <a:rPr baseline="30000"/>
+              <a:t>117</a:t>
+            </a:r>
+          </a:p>
+          <a:p>
+            <a:pPr lvl="0"/>
+            <a:r>
+              <a:rPr/>
               <a:t>Exiba os pontos de dados em boxplots.</a:t>
             </a:r>
             <a:r>
               <a:rPr baseline="30000"/>
-              <a:t>116</a:t>
+              <a:t>117</a:t>
             </a:r>
           </a:p>
           <a:p>
@@ -47111,7 +47162,7 @@
             </a:r>
             <a:r>
               <a:rPr baseline="30000"/>
-              <a:t>116</a:t>
+              <a:t>117</a:t>
             </a:r>
           </a:p>
           <a:p>
@@ -47122,7 +47173,7 @@
             </a:r>
             <a:r>
               <a:rPr baseline="30000"/>
-              <a:t>116</a:t>
+              <a:t>117</a:t>
             </a:r>
           </a:p>
           <a:p>
@@ -47144,7 +47195,7 @@
             </a:r>
             <a:r>
               <a:rPr baseline="30000"/>
-              <a:t>117</a:t>
+              <a:t>118</a:t>
             </a:r>
             <a:r>
               <a:rPr/>
@@ -47402,7 +47453,7 @@
                 </a:r>
                 <a:r>
                   <a:rPr baseline="30000"/>
-                  <a:t>118</a:t>
+                  <a:t>119</a:t>
                 </a:r>
               </a:p>
               <a:p>
@@ -47430,7 +47481,7 @@
                 </a:r>
                 <a:r>
                   <a:rPr baseline="30000"/>
-                  <a:t>119</a:t>
+                  <a:t>120</a:t>
                 </a:r>
               </a:p>
               <a:p>
@@ -47441,7 +47492,7 @@
                 </a:r>
                 <a:r>
                   <a:rPr baseline="30000"/>
-                  <a:t>119</a:t>
+                  <a:t>120</a:t>
                 </a:r>
               </a:p>
               <a:p>
@@ -47584,7 +47635,7 @@
             </a:r>
             <a:r>
               <a:rPr baseline="30000"/>
-              <a:t>118</a:t>
+              <a:t>119</a:t>
             </a:r>
           </a:p>
           <a:p>
@@ -47623,7 +47674,7 @@
             </a:r>
             <a:r>
               <a:rPr baseline="30000"/>
-              <a:t>120</a:t>
+              <a:t>121</a:t>
             </a:r>
           </a:p>
           <a:p>
@@ -47634,7 +47685,7 @@
             </a:r>
             <a:r>
               <a:rPr baseline="30000"/>
-              <a:t>120</a:t>
+              <a:t>121</a:t>
             </a:r>
           </a:p>
           <a:p>
@@ -47645,7 +47696,7 @@
             </a:r>
             <a:r>
               <a:rPr baseline="30000"/>
-              <a:t>120</a:t>
+              <a:t>121</a:t>
             </a:r>
           </a:p>
           <a:p>
@@ -47656,7 +47707,7 @@
             </a:r>
             <a:r>
               <a:rPr baseline="30000"/>
-              <a:t>120</a:t>
+              <a:t>121</a:t>
             </a:r>
           </a:p>
           <a:p>
@@ -47667,7 +47718,7 @@
             </a:r>
             <a:r>
               <a:rPr baseline="30000"/>
-              <a:t>120</a:t>
+              <a:t>121</a:t>
             </a:r>
           </a:p>
           <a:p>
@@ -47678,7 +47729,7 @@
             </a:r>
             <a:r>
               <a:rPr baseline="30000"/>
-              <a:t>120</a:t>
+              <a:t>121</a:t>
             </a:r>
           </a:p>
           <a:p>
@@ -47821,7 +47872,7 @@
                 </a:r>
                 <a:r>
                   <a:rPr baseline="30000"/>
-                  <a:t>79</a:t>
+                  <a:t>80</a:t>
                 </a:r>
               </a:p>
               <a:p>
@@ -47869,7 +47920,7 @@
                 </a:r>
                 <a:r>
                   <a:rPr baseline="30000"/>
-                  <a:t>79</a:t>
+                  <a:t>80</a:t>
                 </a:r>
               </a:p>
               <a:p>
@@ -47917,7 +47968,7 @@
                 </a:r>
                 <a:r>
                   <a:rPr baseline="30000"/>
-                  <a:t>58</a:t>
+                  <a:t>59</a:t>
                 </a:r>
               </a:p>
               <a:p>
@@ -47948,7 +47999,7 @@
                 </a:r>
                 <a:r>
                   <a:rPr baseline="30000"/>
-                  <a:t>58</a:t>
+                  <a:t>59</a:t>
                 </a:r>
               </a:p>
               <a:p>
@@ -47979,7 +48030,7 @@
                 </a:r>
                 <a:r>
                   <a:rPr baseline="30000"/>
-                  <a:t>79</a:t>
+                  <a:t>80</a:t>
                 </a:r>
               </a:p>
               <a:p>
@@ -48012,7 +48063,7 @@
                 </a:r>
                 <a:r>
                   <a:rPr baseline="30000"/>
-                  <a:t>118</a:t>
+                  <a:t>119</a:t>
                 </a:r>
               </a:p>
               <a:p>
@@ -48040,7 +48091,7 @@
                 </a:r>
                 <a:r>
                   <a:rPr baseline="30000"/>
-                  <a:t>121</a:t>
+                  <a:t>122</a:t>
                 </a:r>
               </a:p>
               <a:p>
@@ -48051,7 +48102,7 @@
                 </a:r>
                 <a:r>
                   <a:rPr baseline="30000"/>
-                  <a:t>121</a:t>
+                  <a:t>122</a:t>
                 </a:r>
               </a:p>
               <a:p>
@@ -48062,7 +48113,7 @@
                 </a:r>
                 <a:r>
                   <a:rPr baseline="30000"/>
-                  <a:t>121</a:t>
+                  <a:t>122</a:t>
                 </a:r>
               </a:p>
               <a:p>
@@ -48073,7 +48124,7 @@
                 </a:r>
                 <a:r>
                   <a:rPr baseline="30000"/>
-                  <a:t>121</a:t>
+                  <a:t>122</a:t>
                 </a:r>
               </a:p>
               <a:p>
@@ -48263,7 +48314,7 @@
                 </a:r>
                 <a:r>
                   <a:rPr baseline="30000"/>
-                  <a:t>122</a:t>
+                  <a:t>123</a:t>
                 </a:r>
               </a:p>
               <a:p>
@@ -48274,7 +48325,7 @@
                 </a:r>
                 <a:r>
                   <a:rPr baseline="30000"/>
-                  <a:t>122</a:t>
+                  <a:t>123</a:t>
                 </a:r>
               </a:p>
               <a:p>
@@ -48391,7 +48442,7 @@
                 </a:r>
                 <a:r>
                   <a:rPr baseline="30000"/>
-                  <a:t>123</a:t>
+                  <a:t>124</a:t>
                 </a:r>
               </a:p>
               <a:p>
@@ -48422,7 +48473,7 @@
                 </a:r>
                 <a:r>
                   <a:rPr baseline="30000"/>
-                  <a:t>124</a:t>
+                  <a:t>125</a:t>
                 </a:r>
               </a:p>
               <a:p>
@@ -48470,7 +48521,7 @@
                 </a:r>
                 <a:r>
                   <a:rPr baseline="30000"/>
-                  <a:t>123</a:t>
+                  <a:t>124</a:t>
                 </a:r>
               </a:p>
               <a:p>
@@ -48481,7 +48532,7 @@
                 </a:r>
                 <a:r>
                   <a:rPr baseline="30000"/>
-                  <a:t>123</a:t>
+                  <a:t>124</a:t>
                 </a:r>
               </a:p>
               <a:p>
@@ -48492,7 +48543,7 @@
                 </a:r>
                 <a:r>
                   <a:rPr baseline="30000"/>
-                  <a:t>123</a:t>
+                  <a:t>124</a:t>
                 </a:r>
               </a:p>
               <a:p>
@@ -48523,7 +48574,7 @@
                 </a:r>
                 <a:r>
                   <a:rPr baseline="30000"/>
-                  <a:t>125</a:t>
+                  <a:t>126</a:t>
                 </a:r>
               </a:p>
               <a:p>
@@ -48534,7 +48585,7 @@
                 </a:r>
                 <a:r>
                   <a:rPr baseline="30000"/>
-                  <a:t>93,124</a:t>
+                  <a:t>94,125</a:t>
                 </a:r>
               </a:p>
               <a:p>
@@ -48582,7 +48633,7 @@
                 </a:r>
                 <a:r>
                   <a:rPr baseline="30000"/>
-                  <a:t>123</a:t>
+                  <a:t>124</a:t>
                 </a:r>
               </a:p>
               <a:p>
@@ -48593,7 +48644,7 @@
                 </a:r>
                 <a:r>
                   <a:rPr baseline="30000"/>
-                  <a:t>123</a:t>
+                  <a:t>124</a:t>
                 </a:r>
               </a:p>
               <a:p>
@@ -48621,7 +48672,7 @@
                 </a:r>
                 <a:r>
                   <a:rPr baseline="30000"/>
-                  <a:t>123</a:t>
+                  <a:t>124</a:t>
                 </a:r>
               </a:p>
               <a:p>
@@ -48632,7 +48683,7 @@
                 </a:r>
                 <a:r>
                   <a:rPr baseline="30000"/>
-                  <a:t>123</a:t>
+                  <a:t>124</a:t>
                 </a:r>
               </a:p>
               <a:p>
@@ -48643,7 +48694,7 @@
                 </a:r>
                 <a:r>
                   <a:rPr baseline="30000"/>
-                  <a:t>123</a:t>
+                  <a:t>124</a:t>
                 </a:r>
               </a:p>
               <a:p>
@@ -48760,7 +48811,7 @@
                 </a:r>
                 <a:r>
                   <a:rPr baseline="30000"/>
-                  <a:t>126</a:t>
+                  <a:t>127</a:t>
                 </a:r>
               </a:p>
               <a:p>
@@ -48788,7 +48839,7 @@
                 </a:r>
                 <a:r>
                   <a:rPr baseline="30000"/>
-                  <a:t>122</a:t>
+                  <a:t>123</a:t>
                 </a:r>
               </a:p>
               <a:p>
@@ -48816,7 +48867,7 @@
                 </a:r>
                 <a:r>
                   <a:rPr baseline="30000"/>
-                  <a:t>122,126</a:t>
+                  <a:t>123,127</a:t>
                 </a:r>
               </a:p>
               <a:p>
@@ -48904,7 +48955,7 @@
                 </a:r>
                 <a:r>
                   <a:rPr baseline="30000"/>
-                  <a:t>122,126</a:t>
+                  <a:t>123,127</a:t>
                 </a:r>
               </a:p>
               <a:p>
@@ -48977,7 +49028,7 @@
                 </a:r>
                 <a:r>
                   <a:rPr baseline="30000"/>
-                  <a:t>126</a:t>
+                  <a:t>127</a:t>
                 </a:r>
               </a:p>
               <a:p>
@@ -49114,7 +49165,7 @@
                 </a:r>
                 <a:r>
                   <a:rPr baseline="30000"/>
-                  <a:t>118</a:t>
+                  <a:t>119</a:t>
                 </a:r>
               </a:p>
               <a:p>
@@ -49145,7 +49196,7 @@
                 </a:r>
                 <a:r>
                   <a:rPr baseline="30000"/>
-                  <a:t>118</a:t>
+                  <a:t>119</a:t>
                 </a:r>
               </a:p>
               <a:p>
@@ -49173,7 +49224,7 @@
                 </a:r>
                 <a:r>
                   <a:rPr baseline="30000"/>
-                  <a:t>127</a:t>
+                  <a:t>128</a:t>
                 </a:r>
               </a:p>
               <a:p>
@@ -49206,7 +49257,7 @@
                 </a:r>
                 <a:r>
                   <a:rPr baseline="30000"/>
-                  <a:t>127</a:t>
+                  <a:t>128</a:t>
                 </a:r>
               </a:p>
               <a:p>
@@ -49237,7 +49288,7 @@
                 </a:r>
                 <a:r>
                   <a:rPr baseline="30000"/>
-                  <a:t>127</a:t>
+                  <a:t>128</a:t>
                 </a:r>
               </a:p>
               <a:p>
@@ -49265,7 +49316,7 @@
                 </a:r>
                 <a:r>
                   <a:rPr baseline="30000"/>
-                  <a:t>127</a:t>
+                  <a:t>128</a:t>
                 </a:r>
               </a:p>
               <a:p>
@@ -49276,7 +49327,7 @@
                 </a:r>
                 <a:r>
                   <a:rPr baseline="30000"/>
-                  <a:t>127</a:t>
+                  <a:t>128</a:t>
                 </a:r>
               </a:p>
               <a:p>
@@ -49332,7 +49383,7 @@
                 </a:r>
                 <a:r>
                   <a:rPr baseline="30000"/>
-                  <a:t>100,127</a:t>
+                  <a:t>101,128</a:t>
                 </a:r>
               </a:p>
               <a:p>
@@ -49371,7 +49422,7 @@
                 </a:r>
                 <a:r>
                   <a:rPr baseline="30000"/>
-                  <a:t>127</a:t>
+                  <a:t>128</a:t>
                 </a:r>
               </a:p>
               <a:p>
@@ -49488,7 +49539,7 @@
                 </a:r>
                 <a:r>
                   <a:rPr baseline="30000"/>
-                  <a:t>118</a:t>
+                  <a:t>119</a:t>
                 </a:r>
               </a:p>
               <a:p>
@@ -49536,7 +49587,7 @@
                 </a:r>
                 <a:r>
                   <a:rPr baseline="30000"/>
-                  <a:t>118</a:t>
+                  <a:t>119</a:t>
                 </a:r>
               </a:p>
               <a:p>
@@ -49584,7 +49635,7 @@
                 </a:r>
                 <a:r>
                   <a:rPr baseline="30000"/>
-                  <a:t>118</a:t>
+                  <a:t>119</a:t>
                 </a:r>
               </a:p>
               <a:p>
@@ -49834,7 +49885,7 @@
                 </a:r>
                 <a:r>
                   <a:rPr baseline="30000"/>
-                  <a:t>128</a:t>
+                  <a:t>129</a:t>
                 </a:r>
               </a:p>
               <a:p>
@@ -49865,7 +49916,7 @@
                 </a:r>
                 <a:r>
                   <a:rPr baseline="30000"/>
-                  <a:t>128</a:t>
+                  <a:t>129</a:t>
                 </a:r>
               </a:p>
               <a:p>
@@ -49960,7 +50011,7 @@
                 </a:r>
                 <a:r>
                   <a:rPr baseline="30000"/>
-                  <a:t>128</a:t>
+                  <a:t>129</a:t>
                 </a:r>
               </a:p>
               <a:p>
@@ -49971,7 +50022,7 @@
                 </a:r>
                 <a:r>
                   <a:rPr baseline="30000"/>
-                  <a:t>128</a:t>
+                  <a:t>129</a:t>
                 </a:r>
               </a:p>
               <a:p>
@@ -50019,7 +50070,7 @@
                 </a:r>
                 <a:r>
                   <a:rPr baseline="30000"/>
-                  <a:t>129</a:t>
+                  <a:t>130</a:t>
                 </a:r>
               </a:p>
               <a:p>
@@ -50067,7 +50118,7 @@
                 </a:r>
                 <a:r>
                   <a:rPr baseline="30000"/>
-                  <a:t>130</a:t>
+                  <a:t>131</a:t>
                 </a:r>
               </a:p>
               <a:p>
@@ -50098,7 +50149,7 @@
                 </a:r>
                 <a:r>
                   <a:rPr baseline="30000"/>
-                  <a:t>130</a:t>
+                  <a:t>131</a:t>
                 </a:r>
               </a:p>
               <a:p>
@@ -50126,7 +50177,7 @@
                 </a:r>
                 <a:r>
                   <a:rPr baseline="30000"/>
-                  <a:t>131</a:t>
+                  <a:t>132</a:t>
                 </a:r>
               </a:p>
               <a:p>
@@ -50137,7 +50188,7 @@
                 </a:r>
                 <a:r>
                   <a:rPr baseline="30000"/>
-                  <a:t>131</a:t>
+                  <a:t>132</a:t>
                 </a:r>
               </a:p>
               <a:p>
@@ -50185,7 +50236,7 @@
                 </a:r>
                 <a:r>
                   <a:rPr baseline="30000"/>
-                  <a:t>132</a:t>
+                  <a:t>133</a:t>
                 </a:r>
               </a:p>
               <a:p>
@@ -50216,7 +50267,7 @@
                 </a:r>
                 <a:r>
                   <a:rPr baseline="30000"/>
-                  <a:t>132</a:t>
+                  <a:t>133</a:t>
                 </a:r>
               </a:p>
               <a:p>
@@ -50227,7 +50278,7 @@
                 </a:r>
                 <a:r>
                   <a:rPr baseline="30000"/>
-                  <a:t>132</a:t>
+                  <a:t>133</a:t>
                 </a:r>
               </a:p>
               <a:p>
@@ -50400,7 +50451,7 @@
             </a:r>
             <a:r>
               <a:rPr baseline="30000"/>
-              <a:t>133</a:t>
+              <a:t>134</a:t>
             </a:r>
           </a:p>
           <a:p>
@@ -50411,7 +50462,7 @@
             </a:r>
             <a:r>
               <a:rPr baseline="30000"/>
-              <a:t>133</a:t>
+              <a:t>134</a:t>
             </a:r>
           </a:p>
           <a:p>
@@ -50524,17 +50575,6 @@
             </a:r>
             <a:r>
               <a:rPr baseline="30000"/>
-              <a:t>134</a:t>
-            </a:r>
-          </a:p>
-          <a:p>
-            <a:pPr lvl="0"/>
-            <a:r>
-              <a:rPr/>
-              <a:t>.</a:t>
-            </a:r>
-            <a:r>
-              <a:rPr baseline="30000"/>
               <a:t>135</a:t>
             </a:r>
           </a:p>
@@ -50602,6 +50642,17 @@
             <a:r>
               <a:rPr baseline="30000"/>
               <a:t>141</a:t>
+            </a:r>
+          </a:p>
+          <a:p>
+            <a:pPr lvl="0"/>
+            <a:r>
+              <a:rPr/>
+              <a:t>.</a:t>
+            </a:r>
+            <a:r>
+              <a:rPr baseline="30000"/>
+              <a:t>142</a:t>
             </a:r>
           </a:p>
           <a:p>
@@ -51010,7 +51061,7 @@
             </a:r>
             <a:r>
               <a:rPr baseline="30000"/>
-              <a:t>142</a:t>
+              <a:t>143</a:t>
             </a:r>
             <a:r>
               <a:rPr/>
@@ -51048,7 +51099,7 @@
             </a:r>
             <a:r>
               <a:rPr baseline="30000"/>
-              <a:t>143</a:t>
+              <a:t>144</a:t>
             </a:r>
           </a:p>
           <a:p>
@@ -51344,7 +51395,7 @@
                 </a:r>
                 <a:r>
                   <a:rPr baseline="30000"/>
-                  <a:t>61,144,145</a:t>
+                  <a:t>62,145,146</a:t>
                 </a:r>
               </a:p>
               <a:p>
@@ -51355,7 +51406,7 @@
                 </a:r>
                 <a:r>
                   <a:rPr baseline="30000"/>
-                  <a:t>144,145</a:t>
+                  <a:t>145,146</a:t>
                 </a:r>
               </a:p>
               <a:p>
@@ -51366,7 +51417,7 @@
                 </a:r>
                 <a:r>
                   <a:rPr baseline="30000"/>
-                  <a:t>144,145</a:t>
+                  <a:t>145,146</a:t>
                 </a:r>
               </a:p>
               <a:p>
@@ -51388,7 +51439,7 @@
                 </a:r>
                 <a:r>
                   <a:rPr baseline="30000"/>
-                  <a:t>144,145</a:t>
+                  <a:t>145,146</a:t>
                 </a:r>
               </a:p>
               <a:p>
@@ -51416,7 +51467,7 @@
                 </a:r>
                 <a:r>
                   <a:rPr baseline="30000"/>
-                  <a:t>144</a:t>
+                  <a:t>145</a:t>
                 </a:r>
               </a:p>
               <a:p>
@@ -51427,7 +51478,7 @@
                 </a:r>
                 <a:r>
                   <a:rPr baseline="30000"/>
-                  <a:t>144</a:t>
+                  <a:t>145</a:t>
                 </a:r>
               </a:p>
               <a:p>
@@ -51466,7 +51517,7 @@
                 </a:r>
                 <a:r>
                   <a:rPr baseline="30000"/>
-                  <a:t>144,145</a:t>
+                  <a:t>145,146</a:t>
                 </a:r>
               </a:p>
               <a:p>
@@ -51488,7 +51539,7 @@
                 </a:r>
                 <a:r>
                   <a:rPr baseline="30000"/>
-                  <a:t>144,145</a:t>
+                  <a:t>145,146</a:t>
                 </a:r>
               </a:p>
               <a:p>
@@ -51499,7 +51550,7 @@
                 </a:r>
                 <a:r>
                   <a:rPr baseline="30000"/>
-                  <a:t>144,145</a:t>
+                  <a:t>145,146</a:t>
                 </a:r>
               </a:p>
               <a:p>
@@ -51510,7 +51561,7 @@
                 </a:r>
                 <a:r>
                   <a:rPr baseline="30000"/>
-                  <a:t>145</a:t>
+                  <a:t>146</a:t>
                 </a:r>
               </a:p>
               <a:p>
@@ -51607,7 +51658,7 @@
                 </a:r>
                 <a:r>
                   <a:rPr baseline="30000"/>
-                  <a:t>144,145</a:t>
+                  <a:t>145,146</a:t>
                 </a:r>
               </a:p>
               <a:p>
@@ -51708,7 +51759,7 @@
                 </a:r>
                 <a:r>
                   <a:rPr baseline="30000"/>
-                  <a:t>144</a:t>
+                  <a:t>145</a:t>
                 </a:r>
               </a:p>
               <a:p>
@@ -51739,7 +51790,7 @@
                 </a:r>
                 <a:r>
                   <a:rPr baseline="30000"/>
-                  <a:t>144</a:t>
+                  <a:t>145</a:t>
                 </a:r>
               </a:p>
               <a:p>
@@ -51750,7 +51801,7 @@
                 </a:r>
                 <a:r>
                   <a:rPr baseline="30000"/>
-                  <a:t>144</a:t>
+                  <a:t>145</a:t>
                 </a:r>
               </a:p>
               <a:p>
@@ -51761,7 +51812,7 @@
                 </a:r>
                 <a:r>
                   <a:rPr baseline="30000"/>
-                  <a:t>144</a:t>
+                  <a:t>145</a:t>
                 </a:r>
               </a:p>
               <a:p>
@@ -51876,7 +51927,7 @@
                 </a:r>
                 <a:r>
                   <a:rPr baseline="30000"/>
-                  <a:t>144</a:t>
+                  <a:t>145</a:t>
                 </a:r>
               </a:p>
               <a:p>
@@ -51986,7 +52037,7 @@
                 </a:r>
                 <a:r>
                   <a:rPr baseline="30000"/>
-                  <a:t>144,145</a:t>
+                  <a:t>145,146</a:t>
                 </a:r>
               </a:p>
               <a:p>
@@ -52008,7 +52059,7 @@
                 </a:r>
                 <a:r>
                   <a:rPr baseline="30000"/>
-                  <a:t>144,145</a:t>
+                  <a:t>145,146</a:t>
                 </a:r>
               </a:p>
               <a:p>
@@ -52049,7 +52100,7 @@
                 </a:r>
                 <a:r>
                   <a:rPr baseline="30000"/>
-                  <a:t>144,145</a:t>
+                  <a:t>145,146</a:t>
                 </a:r>
               </a:p>
               <a:p>
@@ -52060,7 +52111,7 @@
                 </a:r>
                 <a:r>
                   <a:rPr baseline="30000"/>
-                  <a:t>144,145</a:t>
+                  <a:t>145,146</a:t>
                 </a:r>
               </a:p>
               <a:p>
@@ -52071,7 +52122,7 @@
                 </a:r>
                 <a:r>
                   <a:rPr baseline="30000"/>
-                  <a:t>144,145</a:t>
+                  <a:t>145,146</a:t>
                 </a:r>
               </a:p>
               <a:p>
@@ -52168,7 +52219,7 @@
                 </a:r>
                 <a:r>
                   <a:rPr baseline="30000"/>
-                  <a:t>144,145</a:t>
+                  <a:t>145,146</a:t>
                 </a:r>
               </a:p>
               <a:p>
@@ -52255,7 +52306,7 @@
                 </a:r>
                 <a:r>
                   <a:rPr baseline="30000"/>
-                  <a:t>146</a:t>
+                  <a:t>147</a:t>
                 </a:r>
                 <a:r>
                   <a:rPr/>
@@ -52291,7 +52342,7 @@
                 </a:r>
                 <a:r>
                   <a:rPr baseline="30000"/>
-                  <a:t>146</a:t>
+                  <a:t>147</a:t>
                 </a:r>
                 <a:r>
                   <a:rPr/>
@@ -52800,7 +52851,7 @@
                 </a:r>
                 <a:r>
                   <a:rPr baseline="30000"/>
-                  <a:t>147,148</a:t>
+                  <a:t>148,149</a:t>
                 </a:r>
               </a:p>
               <a:p>
@@ -52831,7 +52882,7 @@
                 </a:r>
                 <a:r>
                   <a:rPr baseline="30000"/>
-                  <a:t>148</a:t>
+                  <a:t>149</a:t>
                 </a:r>
               </a:p>
               <a:p>
@@ -52842,7 +52893,7 @@
                 </a:r>
                 <a:r>
                   <a:rPr baseline="30000"/>
-                  <a:t>148</a:t>
+                  <a:t>149</a:t>
                 </a:r>
               </a:p>
               <a:p>
@@ -52853,7 +52904,7 @@
                 </a:r>
                 <a:r>
                   <a:rPr baseline="30000"/>
-                  <a:t>147,148</a:t>
+                  <a:t>148,149</a:t>
                 </a:r>
               </a:p>
               <a:p>
@@ -52864,7 +52915,7 @@
                 </a:r>
                 <a:r>
                   <a:rPr baseline="30000"/>
-                  <a:t>147,148</a:t>
+                  <a:t>148,149</a:t>
                 </a:r>
               </a:p>
               <a:p>
@@ -52910,7 +52961,7 @@
                 </a:r>
                 <a:r>
                   <a:rPr baseline="30000"/>
-                  <a:t>148</a:t>
+                  <a:t>149</a:t>
                 </a:r>
               </a:p>
               <a:p>
@@ -52975,7 +53026,7 @@
                 </a:r>
                 <a:r>
                   <a:rPr baseline="30000"/>
-                  <a:t>148</a:t>
+                  <a:t>149</a:t>
                 </a:r>
               </a:p>
               <a:p>
@@ -53068,7 +53119,7 @@
                 </a:r>
                 <a:r>
                   <a:rPr baseline="30000"/>
-                  <a:t>149</a:t>
+                  <a:t>150</a:t>
                 </a:r>
                 <a:r>
                   <a:rPr/>
@@ -53118,7 +53169,7 @@
                 </a:r>
                 <a:r>
                   <a:rPr baseline="30000"/>
-                  <a:t>147,148</a:t>
+                  <a:t>148,149</a:t>
                 </a:r>
               </a:p>
               <a:p>
@@ -53129,7 +53180,7 @@
                 </a:r>
                 <a:r>
                   <a:rPr baseline="30000"/>
-                  <a:t>148</a:t>
+                  <a:t>149</a:t>
                 </a:r>
               </a:p>
               <a:p>
@@ -53140,7 +53191,7 @@
                 </a:r>
                 <a:r>
                   <a:rPr baseline="30000"/>
-                  <a:t>147,148</a:t>
+                  <a:t>148,149</a:t>
                 </a:r>
               </a:p>
               <a:p>
@@ -53205,7 +53256,7 @@
                 </a:r>
                 <a:r>
                   <a:rPr baseline="30000"/>
-                  <a:t>147,148</a:t>
+                  <a:t>148,149</a:t>
                 </a:r>
               </a:p>
               <a:p>
@@ -53298,7 +53349,7 @@
                 </a:r>
                 <a:r>
                   <a:rPr baseline="30000"/>
-                  <a:t>149</a:t>
+                  <a:t>150</a:t>
                 </a:r>
                 <a:r>
                   <a:rPr/>
@@ -53339,7 +53390,7 @@
                 </a:r>
                 <a:r>
                   <a:rPr baseline="30000"/>
-                  <a:t>144,145</a:t>
+                  <a:t>145,146</a:t>
                 </a:r>
               </a:p>
               <a:p>
@@ -53361,7 +53412,7 @@
                 </a:r>
                 <a:r>
                   <a:rPr baseline="30000"/>
-                  <a:t>144,145</a:t>
+                  <a:t>145,146</a:t>
                 </a:r>
               </a:p>
               <a:p>
@@ -53383,7 +53434,7 @@
                 </a:r>
                 <a:r>
                   <a:rPr baseline="30000"/>
-                  <a:t>144,145</a:t>
+                  <a:t>145,146</a:t>
                 </a:r>
               </a:p>
               <a:p>
@@ -53394,7 +53445,7 @@
                 </a:r>
                 <a:r>
                   <a:rPr baseline="30000"/>
-                  <a:t>144,145</a:t>
+                  <a:t>145,146</a:t>
                 </a:r>
               </a:p>
               <a:p>
@@ -53405,7 +53456,7 @@
                 </a:r>
                 <a:r>
                   <a:rPr baseline="30000"/>
-                  <a:t>144,145</a:t>
+                  <a:t>145,146</a:t>
                 </a:r>
               </a:p>
               <a:p>
@@ -53502,7 +53553,7 @@
                 </a:r>
                 <a:r>
                   <a:rPr baseline="30000"/>
-                  <a:t>144,145</a:t>
+                  <a:t>145,146</a:t>
                 </a:r>
               </a:p>
               <a:p>
@@ -53736,7 +53787,7 @@
             </a:r>
             <a:r>
               <a:rPr baseline="30000"/>
-              <a:t>130</a:t>
+              <a:t>131</a:t>
             </a:r>
           </a:p>
           <a:p>
@@ -53747,7 +53798,7 @@
             </a:r>
             <a:r>
               <a:rPr baseline="30000"/>
-              <a:t>110</a:t>
+              <a:t>111</a:t>
             </a:r>
           </a:p>
           <a:p>
@@ -53775,7 +53826,7 @@
             </a:r>
             <a:r>
               <a:rPr baseline="30000"/>
-              <a:t>150</a:t>
+              <a:t>151</a:t>
             </a:r>
           </a:p>
           <a:p>
@@ -53786,7 +53837,7 @@
             </a:r>
             <a:r>
               <a:rPr baseline="30000"/>
-              <a:t>150</a:t>
+              <a:t>151</a:t>
             </a:r>
           </a:p>
           <a:p>
@@ -53797,7 +53848,7 @@
             </a:r>
             <a:r>
               <a:rPr baseline="30000"/>
-              <a:t>150</a:t>
+              <a:t>151</a:t>
             </a:r>
           </a:p>
           <a:p>
@@ -53819,7 +53870,7 @@
             </a:r>
             <a:r>
               <a:rPr baseline="30000"/>
-              <a:t>151</a:t>
+              <a:t>152</a:t>
             </a:r>
             <a:r>
               <a:rPr/>
@@ -53865,7 +53916,7 @@
             </a:r>
             <a:r>
               <a:rPr baseline="30000"/>
-              <a:t>109</a:t>
+              <a:t>110</a:t>
             </a:r>
             <a:r>
               <a:rPr/>
@@ -54002,7 +54053,7 @@
                 </a:r>
                 <a:r>
                   <a:rPr baseline="30000"/>
-                  <a:t>152</a:t>
+                  <a:t>153</a:t>
                 </a:r>
               </a:p>
               <a:p>
@@ -54013,7 +54064,7 @@
                 </a:r>
                 <a:r>
                   <a:rPr baseline="30000"/>
-                  <a:t>153</a:t>
+                  <a:t>154</a:t>
                 </a:r>
               </a:p>
               <a:p>
@@ -54024,7 +54075,7 @@
                 </a:r>
                 <a:r>
                   <a:rPr baseline="30000"/>
-                  <a:t>153</a:t>
+                  <a:t>154</a:t>
                 </a:r>
               </a:p>
               <a:p>
@@ -54046,7 +54097,7 @@
                 </a:r>
                 <a:r>
                   <a:rPr baseline="30000"/>
-                  <a:t>154</a:t>
+                  <a:t>155</a:t>
                 </a:r>
                 <a:r>
                   <a:rPr/>
@@ -54088,7 +54139,7 @@
                 </a:r>
                 <a:r>
                   <a:rPr baseline="30000"/>
-                  <a:t>125,155,156</a:t>
+                  <a:t>126,156,157</a:t>
                 </a:r>
               </a:p>
               <a:p>
@@ -54099,7 +54150,7 @@
                 </a:r>
                 <a:r>
                   <a:rPr baseline="30000"/>
-                  <a:t>155,156</a:t>
+                  <a:t>156,157</a:t>
                 </a:r>
               </a:p>
               <a:p>
@@ -54147,7 +54198,7 @@
                 </a:r>
                 <a:r>
                   <a:rPr baseline="30000"/>
-                  <a:t>125</a:t>
+                  <a:t>126</a:t>
                 </a:r>
               </a:p>
               <a:p>
@@ -54158,7 +54209,7 @@
                 </a:r>
                 <a:r>
                   <a:rPr baseline="30000"/>
-                  <a:t>125</a:t>
+                  <a:t>126</a:t>
                 </a:r>
               </a:p>
               <a:p>
@@ -54186,7 +54237,7 @@
                 </a:r>
                 <a:r>
                   <a:rPr baseline="30000"/>
-                  <a:t>153</a:t>
+                  <a:t>154</a:t>
                 </a:r>
               </a:p>
               <a:p>
@@ -54197,7 +54248,7 @@
                 </a:r>
                 <a:r>
                   <a:rPr baseline="30000"/>
-                  <a:t>153</a:t>
+                  <a:t>154</a:t>
                 </a:r>
               </a:p>
               <a:p>
@@ -54208,7 +54259,7 @@
                 </a:r>
                 <a:r>
                   <a:rPr baseline="30000"/>
-                  <a:t>153</a:t>
+                  <a:t>154</a:t>
                 </a:r>
               </a:p>
               <a:p>
@@ -54236,7 +54287,7 @@
                 </a:r>
                 <a:r>
                   <a:rPr baseline="30000"/>
-                  <a:t>156</a:t>
+                  <a:t>157</a:t>
                 </a:r>
               </a:p>
               <a:p>
@@ -54247,7 +54298,7 @@
                 </a:r>
                 <a:r>
                   <a:rPr baseline="30000"/>
-                  <a:t>156</a:t>
+                  <a:t>157</a:t>
                 </a:r>
               </a:p>
               <a:p>
@@ -54258,7 +54309,7 @@
                 </a:r>
                 <a:r>
                   <a:rPr baseline="30000"/>
-                  <a:t>156</a:t>
+                  <a:t>157</a:t>
                 </a:r>
               </a:p>
               <a:p>
@@ -54269,7 +54320,7 @@
                 </a:r>
                 <a:r>
                   <a:rPr baseline="30000"/>
-                  <a:t>156</a:t>
+                  <a:t>157</a:t>
                 </a:r>
               </a:p>
               <a:p>
@@ -54280,7 +54331,7 @@
                 </a:r>
                 <a:r>
                   <a:rPr baseline="30000"/>
-                  <a:t>125</a:t>
+                  <a:t>126</a:t>
                 </a:r>
               </a:p>
               <a:p>
@@ -54317,7 +54368,7 @@
                 </a:r>
                 <a:r>
                   <a:rPr baseline="30000"/>
-                  <a:t>157</a:t>
+                  <a:t>158</a:t>
                 </a:r>
               </a:p>
               <a:p>
@@ -54432,7 +54483,7 @@
             </a:r>
             <a:r>
               <a:rPr baseline="30000"/>
-              <a:t>157</a:t>
+              <a:t>158</a:t>
             </a:r>
           </a:p>
           <a:p>
@@ -54460,7 +54511,7 @@
             </a:r>
             <a:r>
               <a:rPr baseline="30000"/>
-              <a:t>157</a:t>
+              <a:t>158</a:t>
             </a:r>
           </a:p>
           <a:p>

--- a/docs/Ciencia-com-R.pptx
+++ b/docs/Ciencia-com-R.pptx
@@ -3755,7 +3755,7 @@
             </a:r>
             <a:r>
               <a:rPr baseline="30000"/>
-              <a:t>159</a:t>
+              <a:t>161</a:t>
             </a:r>
           </a:p>
           <a:p>
@@ -3766,7 +3766,7 @@
             </a:r>
             <a:r>
               <a:rPr baseline="30000"/>
-              <a:t>158</a:t>
+              <a:t>160</a:t>
             </a:r>
           </a:p>
           <a:p>
@@ -3879,18 +3879,18 @@
             </a:r>
             <a:r>
               <a:rPr baseline="30000"/>
+              <a:t>162</a:t>
+            </a:r>
+          </a:p>
+          <a:p>
+            <a:pPr lvl="0"/>
+            <a:r>
+              <a:rPr/>
+              <a:t>.</a:t>
+            </a:r>
+            <a:r>
+              <a:rPr baseline="30000"/>
               <a:t>160</a:t>
-            </a:r>
-          </a:p>
-          <a:p>
-            <a:pPr lvl="0"/>
-            <a:r>
-              <a:rPr/>
-              <a:t>.</a:t>
-            </a:r>
-            <a:r>
-              <a:rPr baseline="30000"/>
-              <a:t>158</a:t>
             </a:r>
           </a:p>
           <a:p>
@@ -3918,18 +3918,18 @@
             </a:r>
             <a:r>
               <a:rPr baseline="30000"/>
+              <a:t>162</a:t>
+            </a:r>
+          </a:p>
+          <a:p>
+            <a:pPr lvl="0"/>
+            <a:r>
+              <a:rPr/>
+              <a:t>.</a:t>
+            </a:r>
+            <a:r>
+              <a:rPr baseline="30000"/>
               <a:t>160</a:t>
-            </a:r>
-          </a:p>
-          <a:p>
-            <a:pPr lvl="0"/>
-            <a:r>
-              <a:rPr/>
-              <a:t>.</a:t>
-            </a:r>
-            <a:r>
-              <a:rPr baseline="30000"/>
-              <a:t>158</a:t>
             </a:r>
           </a:p>
           <a:p>
@@ -3957,18 +3957,18 @@
             </a:r>
             <a:r>
               <a:rPr baseline="30000"/>
+              <a:t>162</a:t>
+            </a:r>
+          </a:p>
+          <a:p>
+            <a:pPr lvl="0"/>
+            <a:r>
+              <a:rPr/>
+              <a:t>.</a:t>
+            </a:r>
+            <a:r>
+              <a:rPr baseline="30000"/>
               <a:t>160</a:t>
-            </a:r>
-          </a:p>
-          <a:p>
-            <a:pPr lvl="0"/>
-            <a:r>
-              <a:rPr/>
-              <a:t>.</a:t>
-            </a:r>
-            <a:r>
-              <a:rPr baseline="30000"/>
-              <a:t>158</a:t>
             </a:r>
           </a:p>
           <a:p>
@@ -3996,18 +3996,18 @@
             </a:r>
             <a:r>
               <a:rPr baseline="30000"/>
+              <a:t>162</a:t>
+            </a:r>
+          </a:p>
+          <a:p>
+            <a:pPr lvl="0"/>
+            <a:r>
+              <a:rPr/>
+              <a:t>.</a:t>
+            </a:r>
+            <a:r>
+              <a:rPr baseline="30000"/>
               <a:t>160</a:t>
-            </a:r>
-          </a:p>
-          <a:p>
-            <a:pPr lvl="0"/>
-            <a:r>
-              <a:rPr/>
-              <a:t>.</a:t>
-            </a:r>
-            <a:r>
-              <a:rPr baseline="30000"/>
-              <a:t>158</a:t>
             </a:r>
           </a:p>
           <a:p>
@@ -4035,18 +4035,18 @@
             </a:r>
             <a:r>
               <a:rPr baseline="30000"/>
+              <a:t>162</a:t>
+            </a:r>
+          </a:p>
+          <a:p>
+            <a:pPr lvl="0"/>
+            <a:r>
+              <a:rPr/>
+              <a:t>.</a:t>
+            </a:r>
+            <a:r>
+              <a:rPr baseline="30000"/>
               <a:t>160</a:t>
-            </a:r>
-          </a:p>
-          <a:p>
-            <a:pPr lvl="0"/>
-            <a:r>
-              <a:rPr/>
-              <a:t>.</a:t>
-            </a:r>
-            <a:r>
-              <a:rPr baseline="30000"/>
-              <a:t>158</a:t>
             </a:r>
           </a:p>
           <a:p>
@@ -4331,7 +4331,7 @@
             </a:r>
             <a:r>
               <a:rPr baseline="30000"/>
-              <a:t>161–170</a:t>
+              <a:t>163–172</a:t>
             </a:r>
           </a:p>
           <a:p>
@@ -4342,7 +4342,7 @@
             </a:r>
             <a:r>
               <a:rPr baseline="30000"/>
-              <a:t>162,167</a:t>
+              <a:t>164,169</a:t>
             </a:r>
           </a:p>
           <a:p>
@@ -4381,7 +4381,7 @@
             </a:r>
             <a:r>
               <a:rPr baseline="30000"/>
-              <a:t>168,170</a:t>
+              <a:t>170,172</a:t>
             </a:r>
           </a:p>
           <a:p>
@@ -4392,7 +4392,7 @@
             </a:r>
             <a:r>
               <a:rPr baseline="30000"/>
-              <a:t>162,167</a:t>
+              <a:t>164,169</a:t>
             </a:r>
           </a:p>
           <a:p>
@@ -4473,7 +4473,7 @@
             </a:r>
             <a:r>
               <a:rPr baseline="30000"/>
-              <a:t>166,169</a:t>
+              <a:t>168,171</a:t>
             </a:r>
           </a:p>
           <a:p>
@@ -4540,7 +4540,7 @@
             </a:r>
             <a:r>
               <a:rPr baseline="30000"/>
-              <a:t>163,165</a:t>
+              <a:t>165,167</a:t>
             </a:r>
           </a:p>
           <a:p>
@@ -4572,7 +4572,7 @@
             </a:r>
             <a:r>
               <a:rPr baseline="30000"/>
-              <a:t>164</a:t>
+              <a:t>166</a:t>
             </a:r>
           </a:p>
           <a:p>
@@ -4625,7 +4625,7 @@
             </a:r>
             <a:r>
               <a:rPr baseline="30000"/>
-              <a:t>162,167</a:t>
+              <a:t>164,169</a:t>
             </a:r>
           </a:p>
           <a:p>
@@ -4692,7 +4692,7 @@
             </a:r>
             <a:r>
               <a:rPr baseline="30000"/>
-              <a:t>162</a:t>
+              <a:t>164</a:t>
             </a:r>
           </a:p>
           <a:p>
@@ -4738,7 +4738,7 @@
             </a:r>
             <a:r>
               <a:rPr baseline="30000"/>
-              <a:t>161</a:t>
+              <a:t>163</a:t>
             </a:r>
           </a:p>
           <a:p>
@@ -4812,7 +4812,7 @@
             </a:r>
             <a:r>
               <a:rPr baseline="30000"/>
-              <a:t>171,172</a:t>
+              <a:t>173,174</a:t>
             </a:r>
           </a:p>
           <a:p>
@@ -4960,7 +4960,7 @@
             </a:r>
             <a:r>
               <a:rPr baseline="30000"/>
-              <a:t>173</a:t>
+              <a:t>175</a:t>
             </a:r>
           </a:p>
           <a:p>
@@ -4971,7 +4971,7 @@
             </a:r>
             <a:r>
               <a:rPr baseline="30000"/>
-              <a:t>173</a:t>
+              <a:t>175</a:t>
             </a:r>
           </a:p>
           <a:p>
@@ -4982,7 +4982,7 @@
             </a:r>
             <a:r>
               <a:rPr baseline="30000"/>
-              <a:t>173</a:t>
+              <a:t>175</a:t>
             </a:r>
           </a:p>
           <a:p>
@@ -4993,7 +4993,7 @@
             </a:r>
             <a:r>
               <a:rPr baseline="30000"/>
-              <a:t>173</a:t>
+              <a:t>175</a:t>
             </a:r>
           </a:p>
           <a:p>
@@ -6117,7 +6117,7 @@
             </a:r>
             <a:r>
               <a:rPr baseline="30000"/>
-              <a:t>174</a:t>
+              <a:t>176</a:t>
             </a:r>
           </a:p>
           <a:p>
@@ -6128,7 +6128,7 @@
             </a:r>
             <a:r>
               <a:rPr baseline="30000"/>
-              <a:t>175</a:t>
+              <a:t>177</a:t>
             </a:r>
           </a:p>
           <a:p>
@@ -6153,7 +6153,7 @@
             </a:r>
             <a:r>
               <a:rPr baseline="30000"/>
-              <a:t>175</a:t>
+              <a:t>177</a:t>
             </a:r>
           </a:p>
           <a:p>
@@ -6178,7 +6178,7 @@
             </a:r>
             <a:r>
               <a:rPr baseline="30000"/>
-              <a:t>175</a:t>
+              <a:t>177</a:t>
             </a:r>
           </a:p>
           <a:p>
@@ -6203,7 +6203,7 @@
             </a:r>
             <a:r>
               <a:rPr baseline="30000"/>
-              <a:t>175</a:t>
+              <a:t>177</a:t>
             </a:r>
           </a:p>
           <a:p>
@@ -6249,7 +6249,7 @@
             </a:r>
             <a:r>
               <a:rPr baseline="30000"/>
-              <a:t>175</a:t>
+              <a:t>177</a:t>
             </a:r>
           </a:p>
           <a:p>
@@ -6397,7 +6397,7 @@
             </a:r>
             <a:r>
               <a:rPr baseline="30000"/>
-              <a:t>176</a:t>
+              <a:t>178</a:t>
             </a:r>
           </a:p>
           <a:p>
@@ -6408,7 +6408,7 @@
             </a:r>
             <a:r>
               <a:rPr baseline="30000"/>
-              <a:t>176</a:t>
+              <a:t>178</a:t>
             </a:r>
           </a:p>
           <a:p>
@@ -6419,7 +6419,7 @@
             </a:r>
             <a:r>
               <a:rPr baseline="30000"/>
-              <a:t>176</a:t>
+              <a:t>178</a:t>
             </a:r>
           </a:p>
           <a:p>
@@ -6430,7 +6430,7 @@
             </a:r>
             <a:r>
               <a:rPr baseline="30000"/>
-              <a:t>177</a:t>
+              <a:t>179</a:t>
             </a:r>
           </a:p>
           <a:p>
@@ -6441,7 +6441,7 @@
             </a:r>
             <a:r>
               <a:rPr baseline="30000"/>
-              <a:t>177</a:t>
+              <a:t>179</a:t>
             </a:r>
           </a:p>
           <a:p>
@@ -6562,7 +6562,7 @@
             </a:r>
             <a:r>
               <a:rPr baseline="30000"/>
-              <a:t>37,178</a:t>
+              <a:t>37,180</a:t>
             </a:r>
           </a:p>
           <a:p>
@@ -6633,7 +6633,7 @@
             </a:r>
             <a:r>
               <a:rPr baseline="30000"/>
-              <a:t>179</a:t>
+              <a:t>181</a:t>
             </a:r>
           </a:p>
           <a:p>
@@ -6804,7 +6804,7 @@
             </a:r>
             <a:r>
               <a:rPr baseline="30000"/>
-              <a:t>180</a:t>
+              <a:t>182</a:t>
             </a:r>
           </a:p>
           <a:p>
@@ -6832,6 +6832,17 @@
             </a:r>
             <a:r>
               <a:rPr baseline="30000"/>
+              <a:t>183</a:t>
+            </a:r>
+          </a:p>
+          <a:p>
+            <a:pPr lvl="0"/>
+            <a:r>
+              <a:rPr/>
+              <a:t>Incluir a variável de desfecho medida na linha de base como covariável - independentemente de a análise ser realizada com a medida pós-tratamento da mesma variável ou a diferença para a linha de base - pode aumentar o poder estatístico do estudo.</a:t>
+            </a:r>
+            <a:r>
+              <a:rPr baseline="30000"/>
               <a:t>181</a:t>
             </a:r>
           </a:p>
@@ -6839,22 +6850,11 @@
             <a:pPr lvl="0"/>
             <a:r>
               <a:rPr/>
-              <a:t>Incluir a variável de desfecho medida na linha de base como covariável - independentemente de a análise ser realizada com a medida pós-tratamento da mesma variável ou a diferença para a linha de base - pode aumentar o poder estatístico do estudo.</a:t>
+              <a:t>Incluir outras variáveis medidas na linha de base, com potencial para serem desbalanceadas entre grupos após a aleatorização, diminui a chance de afetar as estimativas de efeito dos tratamentos.</a:t>
             </a:r>
             <a:r>
               <a:rPr baseline="30000"/>
-              <a:t>179</a:t>
-            </a:r>
-          </a:p>
-          <a:p>
-            <a:pPr lvl="0"/>
-            <a:r>
-              <a:rPr/>
-              <a:t>Incluir outras variáveis medidas na linha de base, com potencial para serem desbalanceadas entre grupos após a aleatorização, diminui a chance de afetar as estimativas de efeito dos tratamentos.</a:t>
-            </a:r>
-            <a:r>
-              <a:rPr baseline="30000"/>
-              <a:t>179</a:t>
+              <a:t>181</a:t>
             </a:r>
           </a:p>
           <a:p>
@@ -6882,7 +6882,7 @@
             </a:r>
             <a:r>
               <a:rPr baseline="30000"/>
-              <a:t>179</a:t>
+              <a:t>181</a:t>
             </a:r>
           </a:p>
           <a:p>
@@ -6893,7 +6893,7 @@
             </a:r>
             <a:r>
               <a:rPr baseline="30000"/>
-              <a:t>179</a:t>
+              <a:t>181</a:t>
             </a:r>
           </a:p>
           <a:p>
@@ -7006,7 +7006,7 @@
             </a:r>
             <a:r>
               <a:rPr baseline="30000"/>
-              <a:t>182</a:t>
+              <a:t>184</a:t>
             </a:r>
           </a:p>
           <a:p>
@@ -7017,7 +7017,7 @@
             </a:r>
             <a:r>
               <a:rPr baseline="30000"/>
-              <a:t>182</a:t>
+              <a:t>184</a:t>
             </a:r>
           </a:p>
           <a:p>
@@ -7045,7 +7045,7 @@
             </a:r>
             <a:r>
               <a:rPr baseline="30000"/>
-              <a:t>183</a:t>
+              <a:t>185</a:t>
             </a:r>
           </a:p>
           <a:p>
@@ -7056,7 +7056,7 @@
             </a:r>
             <a:r>
               <a:rPr baseline="30000"/>
-              <a:t>183</a:t>
+              <a:t>185</a:t>
             </a:r>
           </a:p>
           <a:p>
@@ -7084,7 +7084,7 @@
             </a:r>
             <a:r>
               <a:rPr baseline="30000"/>
-              <a:t>106,182</a:t>
+              <a:t>106,184</a:t>
             </a:r>
           </a:p>
           <a:p>
@@ -7095,7 +7095,7 @@
             </a:r>
             <a:r>
               <a:rPr baseline="30000"/>
-              <a:t>106,182</a:t>
+              <a:t>106,184</a:t>
             </a:r>
           </a:p>
           <a:p>
@@ -7106,7 +7106,7 @@
             </a:r>
             <a:r>
               <a:rPr baseline="30000"/>
-              <a:t>106,182</a:t>
+              <a:t>106,184</a:t>
             </a:r>
           </a:p>
           <a:p>
@@ -7145,7 +7145,7 @@
             </a:r>
             <a:r>
               <a:rPr baseline="30000"/>
-              <a:t>183</a:t>
+              <a:t>185</a:t>
             </a:r>
           </a:p>
           <a:p>
@@ -7156,7 +7156,7 @@
             </a:r>
             <a:r>
               <a:rPr baseline="30000"/>
-              <a:t>183</a:t>
+              <a:t>185</a:t>
             </a:r>
           </a:p>
           <a:p>
@@ -7184,7 +7184,7 @@
             </a:r>
             <a:r>
               <a:rPr baseline="30000"/>
-              <a:t>180</a:t>
+              <a:t>182</a:t>
             </a:r>
           </a:p>
           <a:p>
@@ -7195,7 +7195,7 @@
             </a:r>
             <a:r>
               <a:rPr baseline="30000"/>
-              <a:t>184</a:t>
+              <a:t>186</a:t>
             </a:r>
           </a:p>
           <a:p>
@@ -7223,7 +7223,7 @@
             </a:r>
             <a:r>
               <a:rPr baseline="30000"/>
-              <a:t>180</a:t>
+              <a:t>182</a:t>
             </a:r>
           </a:p>
           <a:p>
@@ -7234,7 +7234,7 @@
             </a:r>
             <a:r>
               <a:rPr baseline="30000"/>
-              <a:t>180</a:t>
+              <a:t>182</a:t>
             </a:r>
           </a:p>
           <a:p>
@@ -7405,7 +7405,7 @@
             </a:r>
             <a:r>
               <a:rPr baseline="30000"/>
-              <a:t>174</a:t>
+              <a:t>176</a:t>
             </a:r>
           </a:p>
           <a:p>
@@ -7518,7 +7518,7 @@
             </a:r>
             <a:r>
               <a:rPr baseline="30000"/>
-              <a:t>174</a:t>
+              <a:t>176</a:t>
             </a:r>
           </a:p>
           <a:p>
@@ -7631,7 +7631,7 @@
             </a:r>
             <a:r>
               <a:rPr baseline="30000"/>
-              <a:t>174</a:t>
+              <a:t>176</a:t>
             </a:r>
           </a:p>
           <a:p>
@@ -7642,7 +7642,7 @@
             </a:r>
             <a:r>
               <a:rPr baseline="30000"/>
-              <a:t>185</a:t>
+              <a:t>187</a:t>
             </a:r>
           </a:p>
           <a:p>
@@ -7653,7 +7653,7 @@
             </a:r>
             <a:r>
               <a:rPr baseline="30000"/>
-              <a:t>158</a:t>
+              <a:t>160</a:t>
             </a:r>
           </a:p>
           <a:p>
@@ -7681,7 +7681,7 @@
             </a:r>
             <a:r>
               <a:rPr baseline="30000"/>
-              <a:t>159</a:t>
+              <a:t>161</a:t>
             </a:r>
           </a:p>
           <a:p>
@@ -7692,7 +7692,7 @@
             </a:r>
             <a:r>
               <a:rPr baseline="30000"/>
-              <a:t>186</a:t>
+              <a:t>188</a:t>
             </a:r>
           </a:p>
           <a:p>
@@ -7703,7 +7703,7 @@
             </a:r>
             <a:r>
               <a:rPr baseline="30000"/>
-              <a:t>186</a:t>
+              <a:t>188</a:t>
             </a:r>
           </a:p>
           <a:p>
@@ -7876,7 +7876,7 @@
                 </a:r>
                 <a:r>
                   <a:rPr baseline="30000"/>
-                  <a:t>187</a:t>
+                  <a:t>189</a:t>
                 </a:r>
               </a:p>
               <a:p>
@@ -7918,7 +7918,7 @@
                 </a:r>
                 <a:r>
                   <a:rPr baseline="30000"/>
-                  <a:t>188</a:t>
+                  <a:t>190</a:t>
                 </a:r>
               </a:p>
               <a:p>
@@ -7943,7 +7943,7 @@
                 </a:r>
                 <a:r>
                   <a:rPr baseline="30000"/>
-                  <a:t>188</a:t>
+                  <a:t>190</a:t>
                 </a:r>
               </a:p>
               <a:p>
@@ -7968,7 +7968,7 @@
                 </a:r>
                 <a:r>
                   <a:rPr baseline="30000"/>
-                  <a:t>188</a:t>
+                  <a:t>190</a:t>
                 </a:r>
               </a:p>
               <a:p>
@@ -7993,7 +7993,7 @@
                 </a:r>
                 <a:r>
                   <a:rPr baseline="30000"/>
-                  <a:t>188</a:t>
+                  <a:t>190</a:t>
                 </a:r>
               </a:p>
               <a:p>
@@ -8014,7 +8014,7 @@
                 </a:r>
                 <a:r>
                   <a:rPr baseline="30000"/>
-                  <a:t>187</a:t>
+                  <a:t>189</a:t>
                 </a:r>
               </a:p>
             </p:txBody>
@@ -8122,7 +8122,7 @@
                 </a:r>
                 <a:r>
                   <a:rPr baseline="30000"/>
-                  <a:t>189</a:t>
+                  <a:t>191</a:t>
                 </a:r>
                 <a:r>
                   <a:rPr/>
@@ -8181,7 +8181,7 @@
                 </a:r>
                 <a:r>
                   <a:rPr baseline="30000"/>
-                  <a:t>188</a:t>
+                  <a:t>190</a:t>
                 </a:r>
               </a:p>
               <a:p>
@@ -8209,7 +8209,7 @@
                 </a:r>
                 <a:r>
                   <a:rPr baseline="30000"/>
-                  <a:t>188</a:t>
+                  <a:t>190</a:t>
                 </a:r>
               </a:p>
               <a:p>
@@ -8237,7 +8237,7 @@
                 </a:r>
                 <a:r>
                   <a:rPr baseline="30000"/>
-                  <a:t>188</a:t>
+                  <a:t>190</a:t>
                 </a:r>
               </a:p>
               <a:p>
@@ -8265,7 +8265,7 @@
                 </a:r>
                 <a:r>
                   <a:rPr baseline="30000"/>
-                  <a:t>188</a:t>
+                  <a:t>190</a:t>
                 </a:r>
               </a:p>
               <a:p>
@@ -8293,7 +8293,7 @@
                 </a:r>
                 <a:r>
                   <a:rPr baseline="30000"/>
-                  <a:t>188</a:t>
+                  <a:t>190</a:t>
                 </a:r>
               </a:p>
               <a:p>
@@ -8318,7 +8318,7 @@
                 </a:r>
                 <a:r>
                   <a:rPr baseline="30000"/>
-                  <a:t>188</a:t>
+                  <a:t>190</a:t>
                 </a:r>
               </a:p>
               <a:p>
@@ -8345,7 +8345,7 @@
                 </a:r>
                 <a:r>
                   <a:rPr baseline="30000"/>
-                  <a:t>189</a:t>
+                  <a:t>191</a:t>
                 </a:r>
                 <a:r>
                   <a:rPr/>
@@ -8381,7 +8381,7 @@
                 </a:r>
                 <a:r>
                   <a:rPr baseline="30000"/>
-                  <a:t>190</a:t>
+                  <a:t>192</a:t>
                 </a:r>
                 <a:r>
                   <a:rPr/>
@@ -8512,7 +8512,7 @@
                 </a:r>
                 <a:r>
                   <a:rPr baseline="30000"/>
-                  <a:t>191</a:t>
+                  <a:t>193</a:t>
                 </a:r>
               </a:p>
               <a:p>
@@ -8534,7 +8534,7 @@
                 </a:r>
                 <a:r>
                   <a:rPr baseline="30000"/>
-                  <a:t>192</a:t>
+                  <a:t>194</a:t>
                 </a:r>
                 <a:r>
                   <a:rPr/>
@@ -8606,7 +8606,7 @@
                 </a:r>
                 <a:r>
                   <a:rPr baseline="30000"/>
-                  <a:t>191</a:t>
+                  <a:t>193</a:t>
                 </a:r>
               </a:p>
               <a:p>
@@ -8617,7 +8617,7 @@
                 </a:r>
                 <a:r>
                   <a:rPr baseline="30000"/>
-                  <a:t>191</a:t>
+                  <a:t>193</a:t>
                 </a:r>
               </a:p>
               <a:p>
@@ -8628,7 +8628,7 @@
                 </a:r>
                 <a:r>
                   <a:rPr baseline="30000"/>
-                  <a:t>191</a:t>
+                  <a:t>193</a:t>
                 </a:r>
               </a:p>
               <a:p>
@@ -8656,7 +8656,7 @@
                 </a:r>
                 <a:r>
                   <a:rPr baseline="30000"/>
-                  <a:t>193</a:t>
+                  <a:t>195</a:t>
                 </a:r>
               </a:p>
               <a:p>
@@ -8771,7 +8771,7 @@
             </a:r>
             <a:r>
               <a:rPr baseline="30000"/>
-              <a:t>188</a:t>
+              <a:t>190</a:t>
             </a:r>
           </a:p>
           <a:p>
@@ -8782,7 +8782,7 @@
             </a:r>
             <a:r>
               <a:rPr baseline="30000"/>
-              <a:t>188</a:t>
+              <a:t>190</a:t>
             </a:r>
           </a:p>
           <a:p>
@@ -8793,7 +8793,7 @@
             </a:r>
             <a:r>
               <a:rPr baseline="30000"/>
-              <a:t>188</a:t>
+              <a:t>190</a:t>
             </a:r>
           </a:p>
           <a:p>
@@ -8804,7 +8804,7 @@
             </a:r>
             <a:r>
               <a:rPr baseline="30000"/>
-              <a:t>188</a:t>
+              <a:t>190</a:t>
             </a:r>
           </a:p>
           <a:p>
@@ -8815,7 +8815,7 @@
             </a:r>
             <a:r>
               <a:rPr baseline="30000"/>
-              <a:t>188</a:t>
+              <a:t>190</a:t>
             </a:r>
           </a:p>
           <a:p>
@@ -8826,7 +8826,7 @@
             </a:r>
             <a:r>
               <a:rPr baseline="30000"/>
-              <a:t>188</a:t>
+              <a:t>190</a:t>
             </a:r>
           </a:p>
           <a:p>
@@ -8837,7 +8837,7 @@
             </a:r>
             <a:r>
               <a:rPr baseline="30000"/>
-              <a:t>188</a:t>
+              <a:t>190</a:t>
             </a:r>
           </a:p>
           <a:p>
@@ -9417,7 +9417,7 @@
             </a:r>
             <a:r>
               <a:rPr baseline="30000"/>
-              <a:t>194</a:t>
+              <a:t>196</a:t>
             </a:r>
           </a:p>
           <a:p>
@@ -9445,7 +9445,7 @@
             </a:r>
             <a:r>
               <a:rPr baseline="30000"/>
-              <a:t>194</a:t>
+              <a:t>196</a:t>
             </a:r>
           </a:p>
           <a:p>
@@ -10239,7 +10239,7 @@
             </a:r>
             <a:r>
               <a:rPr baseline="30000"/>
-              <a:t>195</a:t>
+              <a:t>197</a:t>
             </a:r>
           </a:p>
           <a:p>
@@ -10250,7 +10250,7 @@
             </a:r>
             <a:r>
               <a:rPr baseline="30000"/>
-              <a:t>195</a:t>
+              <a:t>197</a:t>
             </a:r>
           </a:p>
           <a:p>
@@ -10261,7 +10261,7 @@
             </a:r>
             <a:r>
               <a:rPr baseline="30000"/>
-              <a:t>195</a:t>
+              <a:t>197</a:t>
             </a:r>
           </a:p>
           <a:p>
@@ -10272,7 +10272,7 @@
             </a:r>
             <a:r>
               <a:rPr baseline="30000"/>
-              <a:t>195</a:t>
+              <a:t>197</a:t>
             </a:r>
           </a:p>
           <a:p>
@@ -10300,7 +10300,7 @@
             </a:r>
             <a:r>
               <a:rPr baseline="30000"/>
-              <a:t>195</a:t>
+              <a:t>197</a:t>
             </a:r>
           </a:p>
           <a:p>
@@ -10311,7 +10311,7 @@
             </a:r>
             <a:r>
               <a:rPr baseline="30000"/>
-              <a:t>195</a:t>
+              <a:t>197</a:t>
             </a:r>
           </a:p>
           <a:p>
@@ -10322,7 +10322,7 @@
             </a:r>
             <a:r>
               <a:rPr baseline="30000"/>
-              <a:t>195</a:t>
+              <a:t>197</a:t>
             </a:r>
           </a:p>
           <a:p>
@@ -10472,7 +10472,7 @@
                 </a:r>
                 <a:r>
                   <a:rPr baseline="30000"/>
-                  <a:t>196,197</a:t>
+                  <a:t>198,199</a:t>
                 </a:r>
               </a:p>
               <a:p>
@@ -10514,7 +10514,7 @@
                 </a:r>
                 <a:r>
                   <a:rPr baseline="30000"/>
-                  <a:t>198,199</a:t>
+                  <a:t>200,201</a:t>
                 </a:r>
               </a:p>
               <a:p>
@@ -10536,7 +10536,7 @@
                 </a:r>
                 <a:r>
                   <a:rPr baseline="30000"/>
-                  <a:t>200</a:t>
+                  <a:t>202</a:t>
                 </a:r>
                 <a:r>
                   <a:rPr/>
@@ -10624,7 +10624,7 @@
                 </a:r>
                 <a:r>
                   <a:rPr baseline="30000"/>
-                  <a:t>199</a:t>
+                  <a:t>201</a:t>
                 </a:r>
               </a:p>
               <a:p>
@@ -10658,7 +10658,7 @@
                 </a:r>
                 <a:r>
                   <a:rPr baseline="30000"/>
-                  <a:t>199</a:t>
+                  <a:t>201</a:t>
                 </a:r>
               </a:p>
               <a:p>
@@ -10689,7 +10689,7 @@
                 </a:r>
                 <a:r>
                   <a:rPr baseline="30000"/>
-                  <a:t>199</a:t>
+                  <a:t>201</a:t>
                 </a:r>
               </a:p>
               <a:p>
@@ -10711,7 +10711,7 @@
                 </a:r>
                 <a:r>
                   <a:rPr baseline="30000"/>
-                  <a:t>199</a:t>
+                  <a:t>201</a:t>
                 </a:r>
               </a:p>
               <a:p>
@@ -10750,7 +10750,7 @@
                 </a:r>
                 <a:r>
                   <a:rPr baseline="30000"/>
-                  <a:t>196,197</a:t>
+                  <a:t>198,199</a:t>
                 </a:r>
               </a:p>
               <a:p>
@@ -10781,7 +10781,7 @@
                 </a:r>
                 <a:r>
                   <a:rPr baseline="30000"/>
-                  <a:t>196,197</a:t>
+                  <a:t>198,199</a:t>
                 </a:r>
               </a:p>
               <a:p>
@@ -10823,7 +10823,7 @@
                 </a:r>
                 <a:r>
                   <a:rPr baseline="30000"/>
-                  <a:t>199</a:t>
+                  <a:t>201</a:t>
                 </a:r>
               </a:p>
               <a:p>
@@ -10845,7 +10845,7 @@
                 </a:r>
                 <a:r>
                   <a:rPr baseline="30000"/>
-                  <a:t>200</a:t>
+                  <a:t>202</a:t>
                 </a:r>
                 <a:r>
                   <a:rPr/>
@@ -10933,7 +10933,7 @@
                 </a:r>
                 <a:r>
                   <a:rPr baseline="30000"/>
-                  <a:t>199</a:t>
+                  <a:t>201</a:t>
                 </a:r>
               </a:p>
               <a:p>
@@ -10955,7 +10955,7 @@
                 </a:r>
                 <a:r>
                   <a:rPr baseline="30000"/>
-                  <a:t>200</a:t>
+                  <a:t>202</a:t>
                 </a:r>
                 <a:r>
                   <a:rPr/>
@@ -11037,7 +11037,7 @@
                 </a:r>
                 <a:r>
                   <a:rPr baseline="30000"/>
-                  <a:t>196,197</a:t>
+                  <a:t>198,199</a:t>
                 </a:r>
               </a:p>
               <a:p>
@@ -11065,7 +11065,7 @@
                 </a:r>
                 <a:r>
                   <a:rPr baseline="30000"/>
-                  <a:t>195</a:t>
+                  <a:t>197</a:t>
                 </a:r>
               </a:p>
               <a:p>
@@ -11076,7 +11076,7 @@
                 </a:r>
                 <a:r>
                   <a:rPr baseline="30000"/>
-                  <a:t>195</a:t>
+                  <a:t>197</a:t>
                 </a:r>
               </a:p>
               <a:p>
@@ -11160,7 +11160,7 @@
                 </a:r>
                 <a:r>
                   <a:rPr baseline="30000"/>
-                  <a:t>195</a:t>
+                  <a:t>197</a:t>
                 </a:r>
               </a:p>
               <a:p>
@@ -11171,7 +11171,7 @@
                 </a:r>
                 <a:r>
                   <a:rPr baseline="30000"/>
-                  <a:t>195</a:t>
+                  <a:t>197</a:t>
                 </a:r>
               </a:p>
               <a:p>
@@ -11258,7 +11258,7 @@
                 </a:r>
                 <a:r>
                   <a:rPr baseline="30000"/>
-                  <a:t>195</a:t>
+                  <a:t>197</a:t>
                 </a:r>
               </a:p>
               <a:p>
@@ -11286,7 +11286,7 @@
                 </a:r>
                 <a:r>
                   <a:rPr baseline="30000"/>
-                  <a:t>199</a:t>
+                  <a:t>201</a:t>
                 </a:r>
               </a:p>
               <a:p>
@@ -11838,7 +11838,7 @@
                 </a:r>
                 <a:r>
                   <a:rPr baseline="30000"/>
-                  <a:t>201</a:t>
+                  <a:t>203</a:t>
                 </a:r>
               </a:p>
               <a:p>
@@ -11869,7 +11869,7 @@
                 </a:r>
                 <a:r>
                   <a:rPr baseline="30000"/>
-                  <a:t>201</a:t>
+                  <a:t>203</a:t>
                 </a:r>
               </a:p>
               <a:p>
@@ -11900,7 +11900,7 @@
                 </a:r>
                 <a:r>
                   <a:rPr baseline="30000"/>
-                  <a:t>201</a:t>
+                  <a:t>203</a:t>
                 </a:r>
               </a:p>
               <a:p>
@@ -11948,7 +11948,7 @@
                 </a:r>
                 <a:r>
                   <a:rPr baseline="30000"/>
-                  <a:t>201,202</a:t>
+                  <a:t>203,204</a:t>
                 </a:r>
               </a:p>
               <a:p>
@@ -11975,7 +11975,7 @@
                 </a:r>
                 <a:r>
                   <a:rPr baseline="30000"/>
-                  <a:t>201</a:t>
+                  <a:t>203</a:t>
                 </a:r>
               </a:p>
               <a:p>
@@ -12022,7 +12022,7 @@
                 </a:r>
                 <a:r>
                   <a:rPr baseline="30000"/>
-                  <a:t>202</a:t>
+                  <a:t>204</a:t>
                 </a:r>
               </a:p>
               <a:p>
@@ -12033,7 +12033,7 @@
                 </a:r>
                 <a:r>
                   <a:rPr baseline="30000"/>
-                  <a:t>203</a:t>
+                  <a:t>205</a:t>
                 </a:r>
               </a:p>
               <a:p>
@@ -12055,7 +12055,7 @@
                 </a:r>
                 <a:r>
                   <a:rPr baseline="30000"/>
-                  <a:t>204</a:t>
+                  <a:t>206</a:t>
                 </a:r>
                 <a:r>
                   <a:rPr/>
@@ -12081,7 +12081,7 @@
                 </a:r>
                 <a:r>
                   <a:rPr baseline="30000"/>
-                  <a:t>204</a:t>
+                  <a:t>206</a:t>
                 </a:r>
                 <a:r>
                   <a:rPr/>
@@ -12103,7 +12103,7 @@
                 </a:r>
                 <a:r>
                   <a:rPr baseline="30000"/>
-                  <a:t>205</a:t>
+                  <a:t>207</a:t>
                 </a:r>
                 <a:r>
                   <a:rPr/>
@@ -12129,7 +12129,7 @@
                 </a:r>
                 <a:r>
                   <a:rPr baseline="30000"/>
-                  <a:t>206,207</a:t>
+                  <a:t>208,209</a:t>
                 </a:r>
                 <a:r>
                   <a:rPr/>
@@ -12374,7 +12374,7 @@
             </a:r>
             <a:r>
               <a:rPr baseline="30000"/>
-              <a:t>208</a:t>
+              <a:t>210</a:t>
             </a:r>
           </a:p>
           <a:p>
@@ -12434,7 +12434,7 @@
             </a:r>
             <a:r>
               <a:rPr baseline="30000"/>
-              <a:t>209</a:t>
+              <a:t>211</a:t>
             </a:r>
           </a:p>
           <a:p>
@@ -12445,7 +12445,7 @@
             </a:r>
             <a:r>
               <a:rPr baseline="30000"/>
-              <a:t>209</a:t>
+              <a:t>211</a:t>
             </a:r>
           </a:p>
           <a:p>
@@ -12534,7 +12534,7 @@
             </a:r>
             <a:r>
               <a:rPr baseline="30000"/>
-              <a:t>210</a:t>
+              <a:t>212</a:t>
             </a:r>
           </a:p>
           <a:p>
@@ -12551,7 +12551,7 @@
             </a:r>
             <a:r>
               <a:rPr baseline="30000"/>
-              <a:t>211</a:t>
+              <a:t>213</a:t>
             </a:r>
           </a:p>
           <a:p>
@@ -12573,7 +12573,7 @@
             </a:r>
             <a:r>
               <a:rPr baseline="30000"/>
-              <a:t>212</a:t>
+              <a:t>214</a:t>
             </a:r>
             <a:r>
               <a:rPr/>
@@ -12585,7 +12585,7 @@
             </a:r>
             <a:r>
               <a:rPr baseline="30000"/>
-              <a:t>213</a:t>
+              <a:t>215</a:t>
             </a:r>
             <a:r>
               <a:rPr/>
@@ -12702,7 +12702,7 @@
             </a:r>
             <a:r>
               <a:rPr baseline="30000"/>
-              <a:t>214</a:t>
+              <a:t>216</a:t>
             </a:r>
           </a:p>
           <a:p>
@@ -12713,7 +12713,7 @@
             </a:r>
             <a:r>
               <a:rPr baseline="30000"/>
-              <a:t>215</a:t>
+              <a:t>217</a:t>
             </a:r>
             <a:r>
               <a:rPr/>
@@ -12729,7 +12729,7 @@
             </a:r>
             <a:r>
               <a:rPr baseline="30000"/>
-              <a:t>216</a:t>
+              <a:t>218</a:t>
             </a:r>
           </a:p>
           <a:p>
@@ -12740,7 +12740,7 @@
             </a:r>
             <a:r>
               <a:rPr baseline="30000"/>
-              <a:t>215</a:t>
+              <a:t>217</a:t>
             </a:r>
             <a:r>
               <a:rPr/>
@@ -12809,7 +12809,7 @@
             </a:r>
             <a:r>
               <a:rPr baseline="30000"/>
-              <a:t>217</a:t>
+              <a:t>219</a:t>
             </a:r>
             <a:r>
               <a:rPr/>
@@ -12855,7 +12855,7 @@
             </a:r>
             <a:r>
               <a:rPr baseline="30000"/>
-              <a:t>218</a:t>
+              <a:t>220</a:t>
             </a:r>
             <a:r>
               <a:rPr/>
@@ -12917,7 +12917,7 @@
             </a:r>
             <a:r>
               <a:rPr baseline="30000"/>
-              <a:t>219</a:t>
+              <a:t>221</a:t>
             </a:r>
           </a:p>
           <a:p>
@@ -12939,7 +12939,7 @@
             </a:r>
             <a:r>
               <a:rPr baseline="30000"/>
-              <a:t>220</a:t>
+              <a:t>222</a:t>
             </a:r>
             <a:r>
               <a:rPr/>
@@ -13066,7 +13066,7 @@
             </a:r>
             <a:r>
               <a:rPr baseline="30000"/>
-              <a:t>214</a:t>
+              <a:t>216</a:t>
             </a:r>
           </a:p>
           <a:p>
@@ -13077,7 +13077,7 @@
             </a:r>
             <a:r>
               <a:rPr baseline="30000"/>
-              <a:t>214</a:t>
+              <a:t>216</a:t>
             </a:r>
           </a:p>
           <a:p>
@@ -13138,7 +13138,7 @@
             </a:r>
             <a:r>
               <a:rPr baseline="30000"/>
-              <a:t>221</a:t>
+              <a:t>223</a:t>
             </a:r>
           </a:p>
           <a:p>
@@ -13149,7 +13149,7 @@
             </a:r>
             <a:r>
               <a:rPr baseline="30000"/>
-              <a:t>221</a:t>
+              <a:t>223</a:t>
             </a:r>
           </a:p>
           <a:p>
@@ -13160,7 +13160,7 @@
             </a:r>
             <a:r>
               <a:rPr baseline="30000"/>
-              <a:t>221</a:t>
+              <a:t>223</a:t>
             </a:r>
           </a:p>
           <a:p>
@@ -13171,7 +13171,7 @@
             </a:r>
             <a:r>
               <a:rPr baseline="30000"/>
-              <a:t>221</a:t>
+              <a:t>223</a:t>
             </a:r>
           </a:p>
           <a:p>
@@ -13182,7 +13182,7 @@
             </a:r>
             <a:r>
               <a:rPr baseline="30000"/>
-              <a:t>221,222</a:t>
+              <a:t>223,224</a:t>
             </a:r>
           </a:p>
           <a:p>
@@ -13193,7 +13193,7 @@
             </a:r>
             <a:r>
               <a:rPr baseline="30000"/>
-              <a:t>221</a:t>
+              <a:t>223</a:t>
             </a:r>
           </a:p>
           <a:p>
@@ -13204,7 +13204,7 @@
             </a:r>
             <a:r>
               <a:rPr baseline="30000"/>
-              <a:t>221</a:t>
+              <a:t>223</a:t>
             </a:r>
           </a:p>
           <a:p>
@@ -13226,7 +13226,7 @@
             </a:r>
             <a:r>
               <a:rPr baseline="30000"/>
-              <a:t>223</a:t>
+              <a:t>225</a:t>
             </a:r>
             <a:r>
               <a:rPr/>
@@ -13262,7 +13262,7 @@
             </a:r>
             <a:r>
               <a:rPr baseline="30000"/>
-              <a:t>224</a:t>
+              <a:t>226</a:t>
             </a:r>
             <a:r>
               <a:rPr/>
@@ -13298,7 +13298,7 @@
             </a:r>
             <a:r>
               <a:rPr baseline="30000"/>
-              <a:t>225</a:t>
+              <a:t>227</a:t>
             </a:r>
             <a:r>
               <a:rPr/>
@@ -13425,7 +13425,7 @@
             </a:r>
             <a:r>
               <a:rPr baseline="30000"/>
-              <a:t>222</a:t>
+              <a:t>224</a:t>
             </a:r>
           </a:p>
           <a:p>
@@ -13436,7 +13436,7 @@
             </a:r>
             <a:r>
               <a:rPr baseline="30000"/>
-              <a:t>222</a:t>
+              <a:t>224</a:t>
             </a:r>
           </a:p>
           <a:p>
@@ -13482,7 +13482,7 @@
             </a:r>
             <a:r>
               <a:rPr baseline="30000"/>
-              <a:t>226</a:t>
+              <a:t>228</a:t>
             </a:r>
             <a:r>
               <a:rPr/>
@@ -13535,7 +13535,7 @@
             </a:r>
             <a:r>
               <a:rPr baseline="30000"/>
-              <a:t>222</a:t>
+              <a:t>224</a:t>
             </a:r>
           </a:p>
           <a:p>
@@ -13557,7 +13557,7 @@
             </a:r>
             <a:r>
               <a:rPr baseline="30000"/>
-              <a:t>222</a:t>
+              <a:t>224</a:t>
             </a:r>
           </a:p>
           <a:p>
@@ -13568,7 +13568,7 @@
             </a:r>
             <a:r>
               <a:rPr baseline="30000"/>
-              <a:t>227</a:t>
+              <a:t>229</a:t>
             </a:r>
           </a:p>
           <a:p>
@@ -13579,7 +13579,7 @@
             </a:r>
             <a:r>
               <a:rPr baseline="30000"/>
-              <a:t>222</a:t>
+              <a:t>224</a:t>
             </a:r>
           </a:p>
           <a:p>
@@ -13709,7 +13709,7 @@
             </a:r>
             <a:r>
               <a:rPr baseline="30000"/>
-              <a:t>228</a:t>
+              <a:t>230</a:t>
             </a:r>
             <a:r>
               <a:rPr/>
@@ -13847,7 +13847,7 @@
             </a:r>
             <a:r>
               <a:rPr baseline="30000"/>
-              <a:t>229</a:t>
+              <a:t>231</a:t>
             </a:r>
             <a:r>
               <a:rPr/>
@@ -13910,7 +13910,7 @@
             </a:r>
             <a:r>
               <a:rPr baseline="30000"/>
-              <a:t>230</a:t>
+              <a:t>232</a:t>
             </a:r>
             <a:r>
               <a:rPr/>
@@ -25458,7 +25458,7 @@
             </a:r>
             <a:r>
               <a:rPr baseline="30000"/>
-              <a:t>231</a:t>
+              <a:t>233</a:t>
             </a:r>
           </a:p>
           <a:p>
@@ -25473,7 +25473,7 @@
             </a:r>
             <a:r>
               <a:rPr baseline="30000"/>
-              <a:t>232</a:t>
+              <a:t>234</a:t>
             </a:r>
           </a:p>
           <a:p>
@@ -25488,7 +25488,7 @@
             </a:r>
             <a:r>
               <a:rPr baseline="30000"/>
-              <a:t>136</a:t>
+              <a:t>137</a:t>
             </a:r>
           </a:p>
           <a:p>
@@ -25503,7 +25503,7 @@
             </a:r>
             <a:r>
               <a:rPr baseline="30000"/>
-              <a:t>233</a:t>
+              <a:t>235</a:t>
             </a:r>
           </a:p>
           <a:p>
@@ -25518,7 +25518,7 @@
             </a:r>
             <a:r>
               <a:rPr baseline="30000"/>
-              <a:t>234</a:t>
+              <a:t>236</a:t>
             </a:r>
           </a:p>
           <a:p>
@@ -25533,7 +25533,7 @@
             </a:r>
             <a:r>
               <a:rPr baseline="30000"/>
-              <a:t>235</a:t>
+              <a:t>237</a:t>
             </a:r>
           </a:p>
           <a:p>
@@ -25563,7 +25563,7 @@
             </a:r>
             <a:r>
               <a:rPr baseline="30000"/>
-              <a:t>236</a:t>
+              <a:t>238</a:t>
             </a:r>
           </a:p>
           <a:p>
@@ -25593,7 +25593,7 @@
             </a:r>
             <a:r>
               <a:rPr baseline="30000"/>
-              <a:t>237</a:t>
+              <a:t>239</a:t>
             </a:r>
           </a:p>
           <a:p>
@@ -25608,7 +25608,7 @@
             </a:r>
             <a:r>
               <a:rPr baseline="30000"/>
-              <a:t>238</a:t>
+              <a:t>240</a:t>
             </a:r>
           </a:p>
           <a:p>
@@ -25623,7 +25623,7 @@
             </a:r>
             <a:r>
               <a:rPr baseline="30000"/>
-              <a:t>239</a:t>
+              <a:t>241</a:t>
             </a:r>
           </a:p>
           <a:p>
@@ -25638,7 +25638,7 @@
             </a:r>
             <a:r>
               <a:rPr baseline="30000"/>
-              <a:t>240</a:t>
+              <a:t>242</a:t>
             </a:r>
           </a:p>
           <a:p>
@@ -25653,7 +25653,7 @@
             </a:r>
             <a:r>
               <a:rPr baseline="30000"/>
-              <a:t>241</a:t>
+              <a:t>243</a:t>
             </a:r>
           </a:p>
           <a:p>
@@ -25668,7 +25668,7 @@
             </a:r>
             <a:r>
               <a:rPr baseline="30000"/>
-              <a:t>242</a:t>
+              <a:t>244</a:t>
             </a:r>
           </a:p>
           <a:p>
@@ -25768,7 +25768,7 @@
             </a:r>
             <a:r>
               <a:rPr baseline="30000"/>
-              <a:t>243</a:t>
+              <a:t>245</a:t>
             </a:r>
           </a:p>
           <a:p>
@@ -25783,7 +25783,7 @@
             </a:r>
             <a:r>
               <a:rPr baseline="30000"/>
-              <a:t>244</a:t>
+              <a:t>246</a:t>
             </a:r>
           </a:p>
           <a:p>
@@ -25798,7 +25798,7 @@
             </a:r>
             <a:r>
               <a:rPr baseline="30000"/>
-              <a:t>135</a:t>
+              <a:t>136</a:t>
             </a:r>
           </a:p>
           <a:p>
@@ -26838,7 +26838,7 @@
             </a:r>
             <a:r>
               <a:rPr baseline="30000"/>
-              <a:t>245</a:t>
+              <a:t>247</a:t>
             </a:r>
           </a:p>
           <a:p>
@@ -30537,7 +30537,22 @@
             </a:pPr>
             <a:r>
               <a:rPr/>
-              <a:t>119. Curran-Everett D. Explorations in statistics: hypothesis tests and </a:t>
+              <a:t>119. R Core Team. R: A language and environment for statistical computing. 2023. </a:t>
+            </a:r>
+            <a:r>
+              <a:rPr>
+                <a:hlinkClick r:id="rId120"/>
+              </a:rPr>
+              <a:t>https://www.R-project.org/.</a:t>
+            </a:r>
+          </a:p>
+          <a:p>
+            <a:pPr lvl="0" indent="0" marL="0">
+              <a:buNone/>
+            </a:pPr>
+            <a:r>
+              <a:rPr/>
+              <a:t>120. Curran-Everett D. Explorations in statistics: hypothesis tests and </a:t>
             </a:r>
             <a:r>
               <a:rPr i="1"/>
@@ -30557,7 +30572,7 @@
             </a:r>
             <a:r>
               <a:rPr>
-                <a:hlinkClick r:id="rId120"/>
+                <a:hlinkClick r:id="rId121"/>
               </a:rPr>
               <a:t>10.1152/advan.90218.2008</a:t>
             </a:r>
@@ -30568,7 +30583,7 @@
             </a:pPr>
             <a:r>
               <a:rPr/>
-              <a:t>120. Goodman SN. Toward Evidence-Based Medical Statistics. 1: The P Value Fallacy. </a:t>
+              <a:t>121. Goodman SN. Toward Evidence-Based Medical Statistics. 1: The P Value Fallacy. </a:t>
             </a:r>
             <a:r>
               <a:rPr i="1"/>
@@ -30580,7 +30595,7 @@
             </a:r>
             <a:r>
               <a:rPr>
-                <a:hlinkClick r:id="rId121"/>
+                <a:hlinkClick r:id="rId122"/>
               </a:rPr>
               <a:t>10.7326/0003-4819-130-12-199906150-00008</a:t>
             </a:r>
@@ -30591,7 +30606,7 @@
             </a:pPr>
             <a:r>
               <a:rPr/>
-              <a:t>121. Vandenbroucke JP, Pearce N. From ideas to studies: how to get ideas and sharpen them into research questions. </a:t>
+              <a:t>122. Vandenbroucke JP, Pearce N. From ideas to studies: how to get ideas and sharpen them into research questions. </a:t>
             </a:r>
             <a:r>
               <a:rPr i="1"/>
@@ -30603,7 +30618,7 @@
             </a:r>
             <a:r>
               <a:rPr>
-                <a:hlinkClick r:id="rId122"/>
+                <a:hlinkClick r:id="rId123"/>
               </a:rPr>
               <a:t>10.2147/clep.s142940</a:t>
             </a:r>
@@ -30614,7 +30629,7 @@
             </a:pPr>
             <a:r>
               <a:rPr/>
-              <a:t>122. Lakens D, Scheel AM, Isager PM. Equivalence Testing for Psychological Research: A Tutorial. </a:t>
+              <a:t>123. Lakens D, Scheel AM, Isager PM. Equivalence Testing for Psychological Research: A Tutorial. </a:t>
             </a:r>
             <a:r>
               <a:rPr i="1"/>
@@ -30626,7 +30641,7 @@
             </a:r>
             <a:r>
               <a:rPr>
-                <a:hlinkClick r:id="rId123"/>
+                <a:hlinkClick r:id="rId124"/>
               </a:rPr>
               <a:t>10.1177/2515245918770963</a:t>
             </a:r>
@@ -30637,7 +30652,7 @@
             </a:pPr>
             <a:r>
               <a:rPr/>
-              <a:t>123. Sullivan GM, Feinn R. Using Effect Sizeor Why the </a:t>
+              <a:t>124. Sullivan GM, Feinn R. Using Effect Sizeor Why the </a:t>
             </a:r>
             <a:r>
               <a:rPr i="1"/>
@@ -30657,7 +30672,7 @@
             </a:r>
             <a:r>
               <a:rPr>
-                <a:hlinkClick r:id="rId124"/>
+                <a:hlinkClick r:id="rId125"/>
               </a:rPr>
               <a:t>10.4300/jgme-d-12-00156.1</a:t>
             </a:r>
@@ -30668,7 +30683,7 @@
             </a:pPr>
             <a:r>
               <a:rPr/>
-              <a:t>124. Wasserstein RL, Lazar NA. The ASA Statement on </a:t>
+              <a:t>125. Wasserstein RL, Lazar NA. The ASA Statement on </a:t>
             </a:r>
             <a:r>
               <a:rPr i="1"/>
@@ -30688,7 +30703,7 @@
             </a:r>
             <a:r>
               <a:rPr>
-                <a:hlinkClick r:id="rId125"/>
+                <a:hlinkClick r:id="rId126"/>
               </a:rPr>
               <a:t>10.1080/00031305.2016.1154108</a:t>
             </a:r>
@@ -30699,7 +30714,7 @@
             </a:pPr>
             <a:r>
               <a:rPr/>
-              <a:t>125. Altman N, Krzywinski M. P values and the search for significance. </a:t>
+              <a:t>126. Altman N, Krzywinski M. P values and the search for significance. </a:t>
             </a:r>
             <a:r>
               <a:rPr i="1"/>
@@ -30711,7 +30726,7 @@
             </a:r>
             <a:r>
               <a:rPr>
-                <a:hlinkClick r:id="rId126"/>
+                <a:hlinkClick r:id="rId127"/>
               </a:rPr>
               <a:t>10.1038/nmeth.4120</a:t>
             </a:r>
@@ -30722,7 +30737,7 @@
             </a:pPr>
             <a:r>
               <a:rPr/>
-              <a:t>126. Heinze G, Dunkler D. Five myths about variable selection. </a:t>
+              <a:t>127. Heinze G, Dunkler D. Five myths about variable selection. </a:t>
             </a:r>
             <a:r>
               <a:rPr i="1"/>
@@ -30734,7 +30749,7 @@
             </a:r>
             <a:r>
               <a:rPr>
-                <a:hlinkClick r:id="rId127"/>
+                <a:hlinkClick r:id="rId128"/>
               </a:rPr>
               <a:t>10.1111/tri.12895</a:t>
             </a:r>
@@ -30745,7 +30760,7 @@
             </a:pPr>
             <a:r>
               <a:rPr/>
-              <a:t>127. Kim HY. Statistical notes for clinical researchers: effect size. </a:t>
+              <a:t>128. Kim HY. Statistical notes for clinical researchers: effect size. </a:t>
             </a:r>
             <a:r>
               <a:rPr i="1"/>
@@ -30757,7 +30772,7 @@
             </a:r>
             <a:r>
               <a:rPr>
-                <a:hlinkClick r:id="rId128"/>
+                <a:hlinkClick r:id="rId129"/>
               </a:rPr>
               <a:t>10.5395/rde.2015.40.4.328</a:t>
             </a:r>
@@ -30768,7 +30783,7 @@
             </a:pPr>
             <a:r>
               <a:rPr/>
-              <a:t>128. Heckman MG, Davis JM, Crowson CS. Post Hoc Power Calculations: An Inappropriate Method for Interpreting the Findings of a Research Study. </a:t>
+              <a:t>129. Heckman MG, Davis JM, Crowson CS. Post Hoc Power Calculations: An Inappropriate Method for Interpreting the Findings of a Research Study. </a:t>
             </a:r>
             <a:r>
               <a:rPr i="1"/>
@@ -30780,7 +30795,7 @@
             </a:r>
             <a:r>
               <a:rPr>
-                <a:hlinkClick r:id="rId129"/>
+                <a:hlinkClick r:id="rId130"/>
               </a:rPr>
               <a:t>10.3899/jrheum.211115</a:t>
             </a:r>
@@ -30791,7 +30806,7 @@
             </a:pPr>
             <a:r>
               <a:rPr/>
-              <a:t>129. Goodman SN. Aligning statistical and scientific reasoning. </a:t>
+              <a:t>130. Goodman SN. Aligning statistical and scientific reasoning. </a:t>
             </a:r>
             <a:r>
               <a:rPr i="1"/>
@@ -30803,7 +30818,7 @@
             </a:r>
             <a:r>
               <a:rPr>
-                <a:hlinkClick r:id="rId130"/>
+                <a:hlinkClick r:id="rId131"/>
               </a:rPr>
               <a:t>10.1126/science.aaf5406</a:t>
             </a:r>
@@ -30814,7 +30829,7 @@
             </a:pPr>
             <a:r>
               <a:rPr/>
-              <a:t>130. Aylmer Fisher R. The arrangement of field experiments. </a:t>
+              <a:t>131. Aylmer Fisher R. The arrangement of field experiments. </a:t>
             </a:r>
             <a:r>
               <a:rPr i="1"/>
@@ -30826,7 +30841,7 @@
             </a:r>
             <a:r>
               <a:rPr>
-                <a:hlinkClick r:id="rId131"/>
+                <a:hlinkClick r:id="rId132"/>
               </a:rPr>
               <a:t>10.23637/ROTHAMSTED.8V61Q</a:t>
             </a:r>
@@ -30837,7 +30852,7 @@
             </a:pPr>
             <a:r>
               <a:rPr/>
-              <a:t>131. Greenhalgh T. How to read a paper: Statistics for the non-statistician. II: ̈Significanẗ relations and their pitfalls. </a:t>
+              <a:t>132. Greenhalgh T. How to read a paper: Statistics for the non-statistician. II: ̈Significanẗ relations and their pitfalls. </a:t>
             </a:r>
             <a:r>
               <a:rPr i="1"/>
@@ -30849,7 +30864,7 @@
             </a:r>
             <a:r>
               <a:rPr>
-                <a:hlinkClick r:id="rId132"/>
+                <a:hlinkClick r:id="rId133"/>
               </a:rPr>
               <a:t>10.1136/bmj.315.7105.422</a:t>
             </a:r>
@@ -30860,7 +30875,7 @@
             </a:pPr>
             <a:r>
               <a:rPr/>
-              <a:t>132. Weintraub PG. The Importance of Publishing Negative Results. </a:t>
+              <a:t>133. Weintraub PG. The Importance of Publishing Negative Results. </a:t>
             </a:r>
             <a:r>
               <a:rPr i="1"/>
@@ -30872,7 +30887,7 @@
             </a:r>
             <a:r>
               <a:rPr>
-                <a:hlinkClick r:id="rId133"/>
+                <a:hlinkClick r:id="rId134"/>
               </a:rPr>
               <a:t>10.1093/jisesa/iew092</a:t>
             </a:r>
@@ -30883,7 +30898,7 @@
             </a:pPr>
             <a:r>
               <a:rPr/>
-              <a:t>133. Altman DG, Bland JM. Statistics notes: Absence of evidence is not evidence of absence. </a:t>
+              <a:t>134. Altman DG, Bland JM. Statistics notes: Absence of evidence is not evidence of absence. </a:t>
             </a:r>
             <a:r>
               <a:rPr i="1"/>
@@ -30895,7 +30910,7 @@
             </a:r>
             <a:r>
               <a:rPr>
-                <a:hlinkClick r:id="rId134"/>
+                <a:hlinkClick r:id="rId135"/>
               </a:rPr>
               <a:t>10.1136/bmj.311.7003.485</a:t>
             </a:r>
@@ -30906,7 +30921,7 @@
             </a:pPr>
             <a:r>
               <a:rPr/>
-              <a:t>134. Breznau N, Rinke EM, Wuttke A, et al. Observing many researchers using the same data and hypothesis reveals a hidden universe of uncertainty. </a:t>
+              <a:t>135. Breznau N, Rinke EM, Wuttke A, et al. Observing many researchers using the same data and hypothesis reveals a hidden universe of uncertainty. </a:t>
             </a:r>
             <a:r>
               <a:rPr i="1"/>
@@ -30918,7 +30933,7 @@
             </a:r>
             <a:r>
               <a:rPr>
-                <a:hlinkClick r:id="rId135"/>
+                <a:hlinkClick r:id="rId136"/>
               </a:rPr>
               <a:t>10.1073/pnas.2203150119</a:t>
             </a:r>
@@ -30929,7 +30944,7 @@
             </a:pPr>
             <a:r>
               <a:rPr/>
-              <a:t>135. Dwivedi AK, Shukla R. Evidence-based statistical analysis and methods in biomedical research (SAMBR) checklists according to design features. </a:t>
+              <a:t>136. Dwivedi AK, Shukla R. Evidence-based statistical analysis and methods in biomedical research (SAMBR) checklists according to design features. </a:t>
             </a:r>
             <a:r>
               <a:rPr i="1"/>
@@ -30941,7 +30956,7 @@
             </a:r>
             <a:r>
               <a:rPr>
-                <a:hlinkClick r:id="rId136"/>
+                <a:hlinkClick r:id="rId137"/>
               </a:rPr>
               <a:t>10.1002/cnr2.1211</a:t>
             </a:r>
@@ -30952,7 +30967,7 @@
             </a:pPr>
             <a:r>
               <a:rPr/>
-              <a:t>136. Dwivedi AK. How to Write Statistical Analysis Section in Medical Research. </a:t>
+              <a:t>137. Dwivedi AK. How to Write Statistical Analysis Section in Medical Research. </a:t>
             </a:r>
             <a:r>
               <a:rPr i="1"/>
@@ -30964,7 +30979,7 @@
             </a:r>
             <a:r>
               <a:rPr>
-                <a:hlinkClick r:id="rId137"/>
+                <a:hlinkClick r:id="rId138"/>
               </a:rPr>
               <a:t>10.1136/jim-2022-002479</a:t>
             </a:r>
@@ -30975,7 +30990,7 @@
             </a:pPr>
             <a:r>
               <a:rPr/>
-              <a:t>137. Kim N, Fischer AH, Dyring-Andersen B, Rosner B, Okoye GA. Research Techniques Made Simple: Choosing Appropriate Statistical Methods for Clinical Research. </a:t>
+              <a:t>138. Kim N, Fischer AH, Dyring-Andersen B, Rosner B, Okoye GA. Research Techniques Made Simple: Choosing Appropriate Statistical Methods for Clinical Research. </a:t>
             </a:r>
             <a:r>
               <a:rPr i="1"/>
@@ -30987,7 +31002,7 @@
             </a:r>
             <a:r>
               <a:rPr>
-                <a:hlinkClick r:id="rId138"/>
+                <a:hlinkClick r:id="rId139"/>
               </a:rPr>
               <a:t>10.1016/j.jid.2017.08.007</a:t>
             </a:r>
@@ -30998,7 +31013,7 @@
             </a:pPr>
             <a:r>
               <a:rPr/>
-              <a:t>138. Marusteri M, Bacarea V. Comparing groups for statistical differences: How to choose the right statistical test? </a:t>
+              <a:t>139. Marusteri M, Bacarea V. Comparing groups for statistical differences: How to choose the right statistical test? </a:t>
             </a:r>
             <a:r>
               <a:rPr i="1"/>
@@ -31010,7 +31025,7 @@
             </a:r>
             <a:r>
               <a:rPr>
-                <a:hlinkClick r:id="rId139"/>
+                <a:hlinkClick r:id="rId140"/>
               </a:rPr>
               <a:t>10.11613/bm.2010.004</a:t>
             </a:r>
@@ -31021,7 +31036,7 @@
             </a:pPr>
             <a:r>
               <a:rPr/>
-              <a:t>139. Mishra P, Pandey C, Singh U, Keshri A, Sabaretnam M. Selection of appropriate statistical methods for data analysis. </a:t>
+              <a:t>140. Mishra P, Pandey C, Singh U, Keshri A, Sabaretnam M. Selection of appropriate statistical methods for data analysis. </a:t>
             </a:r>
             <a:r>
               <a:rPr i="1"/>
@@ -31033,7 +31048,7 @@
             </a:r>
             <a:r>
               <a:rPr>
-                <a:hlinkClick r:id="rId140"/>
+                <a:hlinkClick r:id="rId141"/>
               </a:rPr>
               <a:t>10.4103/aca.aca_248_18</a:t>
             </a:r>
@@ -31044,7 +31059,7 @@
             </a:pPr>
             <a:r>
               <a:rPr/>
-              <a:t>140. Ray A, Najmi A, Sadasivam B. How to choose and interpret a statistical test? An update for budding researchers. </a:t>
+              <a:t>141. Ray A, Najmi A, Sadasivam B. How to choose and interpret a statistical test? An update for budding researchers. </a:t>
             </a:r>
             <a:r>
               <a:rPr i="1"/>
@@ -31056,7 +31071,7 @@
             </a:r>
             <a:r>
               <a:rPr>
-                <a:hlinkClick r:id="rId141"/>
+                <a:hlinkClick r:id="rId142"/>
               </a:rPr>
               <a:t>10.4103/jfmpc.jfmpc_433_21</a:t>
             </a:r>
@@ -31067,7 +31082,7 @@
             </a:pPr>
             <a:r>
               <a:rPr/>
-              <a:t>141. Nayak B, Hazra A. How to choose the right statistical test? </a:t>
+              <a:t>142. Nayak B, Hazra A. How to choose the right statistical test? </a:t>
             </a:r>
             <a:r>
               <a:rPr i="1"/>
@@ -31079,7 +31094,7 @@
             </a:r>
             <a:r>
               <a:rPr>
-                <a:hlinkClick r:id="rId142"/>
+                <a:hlinkClick r:id="rId143"/>
               </a:rPr>
               <a:t>10.4103/0301-4738.77005</a:t>
             </a:r>
@@ -31090,7 +31105,7 @@
             </a:pPr>
             <a:r>
               <a:rPr/>
-              <a:t>142. Shankar S, Singh R. Demystifying statistics: How to choose a statistical test? </a:t>
+              <a:t>143. Shankar S, Singh R. Demystifying statistics: How to choose a statistical test? </a:t>
             </a:r>
             <a:r>
               <a:rPr i="1"/>
@@ -31102,7 +31117,7 @@
             </a:r>
             <a:r>
               <a:rPr>
-                <a:hlinkClick r:id="rId143"/>
+                <a:hlinkClick r:id="rId144"/>
               </a:rPr>
               <a:t>10.1016/j.injr.2014.04.002</a:t>
             </a:r>
@@ -31113,11 +31128,11 @@
             </a:pPr>
             <a:r>
               <a:rPr/>
-              <a:t>143. Diedenhofen B, Musch J. Cocor: A comprehensive solution for the statistical comparison of correlations. 2015;10:e0121945. doi:</a:t>
-            </a:r>
-            <a:r>
-              <a:rPr>
-                <a:hlinkClick r:id="rId144"/>
+              <a:t>144. Diedenhofen B, Musch J. Cocor: A comprehensive solution for the statistical comparison of correlations. 2015;10:e0121945. doi:</a:t>
+            </a:r>
+            <a:r>
+              <a:rPr>
+                <a:hlinkClick r:id="rId145"/>
               </a:rPr>
               <a:t>10.1371/journal.pone.0121945</a:t>
             </a:r>
@@ -31128,11 +31143,11 @@
             </a:pPr>
             <a:r>
               <a:rPr/>
-              <a:t>144. Diedenhofen B, Musch J. Cocor: A comprehensive solution for the statistical comparison of correlations. 2015;10:e0121945. doi:</a:t>
-            </a:r>
-            <a:r>
-              <a:rPr>
-                <a:hlinkClick r:id="rId145"/>
+              <a:t>145. Diedenhofen B, Musch J. Cocor: A comprehensive solution for the statistical comparison of correlations. 2015;10:e0121945. doi:</a:t>
+            </a:r>
+            <a:r>
+              <a:rPr>
+                <a:hlinkClick r:id="rId146"/>
               </a:rPr>
               <a:t>10.1371/journal.pone.0121945</a:t>
             </a:r>
@@ -31143,7 +31158,7 @@
             </a:pPr>
             <a:r>
               <a:rPr/>
-              <a:t>145. Khamis H. Measures of Association: How to Choose? </a:t>
+              <a:t>146. Khamis H. Measures of Association: How to Choose? </a:t>
             </a:r>
             <a:r>
               <a:rPr i="1"/>
@@ -31155,7 +31170,7 @@
             </a:r>
             <a:r>
               <a:rPr>
-                <a:hlinkClick r:id="rId146"/>
+                <a:hlinkClick r:id="rId147"/>
               </a:rPr>
               <a:t>10.1177/8756479308317006</a:t>
             </a:r>
@@ -31166,7 +31181,7 @@
             </a:pPr>
             <a:r>
               <a:rPr/>
-              <a:t>146. Allison JS, Santana L, (Jaco) Visagie IJH. A primer on simple measures of association taught at undergraduate level. </a:t>
+              <a:t>147. Allison JS, Santana L, (Jaco) Visagie IJH. A primer on simple measures of association taught at undergraduate level. </a:t>
             </a:r>
             <a:r>
               <a:rPr i="1"/>
@@ -31178,7 +31193,7 @@
             </a:r>
             <a:r>
               <a:rPr>
-                <a:hlinkClick r:id="rId147"/>
+                <a:hlinkClick r:id="rId148"/>
               </a:rPr>
               <a:t>10.1111/test.12307</a:t>
             </a:r>
@@ -31189,11 +31204,11 @@
             </a:pPr>
             <a:r>
               <a:rPr/>
-              <a:t>147. Wei T, Simko V. R package ’corrplot’: Visualization of a correlation matrix. 2021. </a:t>
-            </a:r>
-            <a:r>
-              <a:rPr>
-                <a:hlinkClick r:id="rId148"/>
+              <a:t>148. Wei T, Simko V. R package ’corrplot’: Visualization of a correlation matrix. 2021. </a:t>
+            </a:r>
+            <a:r>
+              <a:rPr>
+                <a:hlinkClick r:id="rId149"/>
               </a:rPr>
               <a:t>https://github.com/taiyun/corrplot.</a:t>
             </a:r>
@@ -31204,7 +31219,22 @@
             </a:pPr>
             <a:r>
               <a:rPr/>
-              <a:t>148. McHugh ML. The chi-square test of independence. </a:t>
+              <a:t>149. Griffith DM, Veech JA, Marsh CJ. Cooccur: Probabilistic species co-occurrence analysis in r. 2016;69. doi:</a:t>
+            </a:r>
+            <a:r>
+              <a:rPr>
+                <a:hlinkClick r:id="rId150"/>
+              </a:rPr>
+              <a:t>10.18637/jss.v069.c02</a:t>
+            </a:r>
+          </a:p>
+          <a:p>
+            <a:pPr lvl="0" indent="0" marL="0">
+              <a:buNone/>
+            </a:pPr>
+            <a:r>
+              <a:rPr/>
+              <a:t>150. McHugh ML. The chi-square test of independence. </a:t>
             </a:r>
             <a:r>
               <a:rPr i="1"/>
@@ -31216,7 +31246,7 @@
             </a:r>
             <a:r>
               <a:rPr>
-                <a:hlinkClick r:id="rId149"/>
+                <a:hlinkClick r:id="rId151"/>
               </a:rPr>
               <a:t>10.11613/bm.2013.018</a:t>
             </a:r>
@@ -31227,7 +31257,7 @@
             </a:pPr>
             <a:r>
               <a:rPr/>
-              <a:t>149. Kim HY. Statistical notes for clinical researchers: Chi-squared test and Fisher’s exact test. </a:t>
+              <a:t>151. Kim HY. Statistical notes for clinical researchers: Chi-squared test and Fisher’s exact test. </a:t>
             </a:r>
             <a:r>
               <a:rPr i="1"/>
@@ -31239,7 +31269,7 @@
             </a:r>
             <a:r>
               <a:rPr>
-                <a:hlinkClick r:id="rId150"/>
+                <a:hlinkClick r:id="rId152"/>
               </a:rPr>
               <a:t>10.5395/rde.2017.42.2.152</a:t>
             </a:r>
@@ -31250,11 +31280,11 @@
             </a:pPr>
             <a:r>
               <a:rPr/>
-              <a:t>150. Sjoberg DD, Whiting K, Curry M, Lavery JA, Larmarange J. Reproducible summary tables with the gtsummary package. 2021;13:570-580. doi:</a:t>
-            </a:r>
-            <a:r>
-              <a:rPr>
-                <a:hlinkClick r:id="rId151"/>
+              <a:t>152. Sjoberg DD, Whiting K, Curry M, Lavery JA, Larmarange J. Reproducible summary tables with the gtsummary package. 2021;13:570-580. doi:</a:t>
+            </a:r>
+            <a:r>
+              <a:rPr>
+                <a:hlinkClick r:id="rId153"/>
               </a:rPr>
               <a:t>10.32614/RJ-2021-053</a:t>
             </a:r>
@@ -31265,7 +31295,7 @@
             </a:pPr>
             <a:r>
               <a:rPr/>
-              <a:t>151. Hidalgo B, Goodman M. Multivariate or Multivariable Regression? </a:t>
+              <a:t>153. Hidalgo B, Goodman M. Multivariate or Multivariable Regression? </a:t>
             </a:r>
             <a:r>
               <a:rPr i="1"/>
@@ -31277,7 +31307,7 @@
             </a:r>
             <a:r>
               <a:rPr>
-                <a:hlinkClick r:id="rId152"/>
+                <a:hlinkClick r:id="rId154"/>
               </a:rPr>
               <a:t>10.2105/ajph.2012.300897</a:t>
             </a:r>
@@ -31288,11 +31318,11 @@
             </a:pPr>
             <a:r>
               <a:rPr/>
-              <a:t>152. Arel-Bundock V. Modelsummary: Data and model summaries in r. 2022;103. doi:</a:t>
-            </a:r>
-            <a:r>
-              <a:rPr>
-                <a:hlinkClick r:id="rId153"/>
+              <a:t>154. Arel-Bundock V. Modelsummary: Data and model summaries in r. 2022;103. doi:</a:t>
+            </a:r>
+            <a:r>
+              <a:rPr>
+                <a:hlinkClick r:id="rId155"/>
               </a:rPr>
               <a:t>10.18637/jss.v103.i01</a:t>
             </a:r>
@@ -31303,7 +31333,7 @@
             </a:pPr>
             <a:r>
               <a:rPr/>
-              <a:t>153. Suits DB. Use of Dummy Variables in Regression Equations. </a:t>
+              <a:t>155. Suits DB. Use of Dummy Variables in Regression Equations. </a:t>
             </a:r>
             <a:r>
               <a:rPr i="1"/>
@@ -31315,7 +31345,7 @@
             </a:r>
             <a:r>
               <a:rPr>
-                <a:hlinkClick r:id="rId154"/>
+                <a:hlinkClick r:id="rId156"/>
               </a:rPr>
               <a:t>10.1080/01621459.1957.10501412</a:t>
             </a:r>
@@ -31326,7 +31356,7 @@
             </a:pPr>
             <a:r>
               <a:rPr/>
-              <a:t>154. Healy MJ. Statistics from the inside. 16. Multiple regression (2). </a:t>
+              <a:t>156. Healy MJ. Statistics from the inside. 16. Multiple regression (2). </a:t>
             </a:r>
             <a:r>
               <a:rPr i="1"/>
@@ -31338,7 +31368,7 @@
             </a:r>
             <a:r>
               <a:rPr>
-                <a:hlinkClick r:id="rId155"/>
+                <a:hlinkClick r:id="rId157"/>
               </a:rPr>
               <a:t>10.1136/adc.73.3.270</a:t>
             </a:r>
@@ -31349,11 +31379,11 @@
             </a:pPr>
             <a:r>
               <a:rPr/>
-              <a:t>155. Kaplan J. fastDummies: Fast creation of dummy (binary) columns and rows from categorical variables. 2023. </a:t>
-            </a:r>
-            <a:r>
-              <a:rPr>
-                <a:hlinkClick r:id="rId156"/>
+              <a:t>157. Kaplan J. fastDummies: Fast creation of dummy (binary) columns and rows from categorical variables. 2023. </a:t>
+            </a:r>
+            <a:r>
+              <a:rPr>
+                <a:hlinkClick r:id="rId158"/>
               </a:rPr>
               <a:t>https://CRAN.R-project.org/package=fastDummies.</a:t>
             </a:r>
@@ -31364,7 +31394,7 @@
             </a:pPr>
             <a:r>
               <a:rPr/>
-              <a:t>156. DALES LG, URY HK. An Improper Use of Statistical Significance Testing in Studying Covariables. </a:t>
+              <a:t>158. DALES LG, URY HK. An Improper Use of Statistical Significance Testing in Studying Covariables. </a:t>
             </a:r>
             <a:r>
               <a:rPr i="1"/>
@@ -31376,7 +31406,7 @@
             </a:r>
             <a:r>
               <a:rPr>
-                <a:hlinkClick r:id="rId157"/>
+                <a:hlinkClick r:id="rId159"/>
               </a:rPr>
               <a:t>10.1093/ije/7.4.373</a:t>
             </a:r>
@@ -31387,7 +31417,7 @@
             </a:pPr>
             <a:r>
               <a:rPr/>
-              <a:t>157. Sun GW, Shook TL, Kay GL. Inappropriate use of bivariable analysis to screen risk factors for use in multivariable analysis. </a:t>
+              <a:t>159. Sun GW, Shook TL, Kay GL. Inappropriate use of bivariable analysis to screen risk factors for use in multivariable analysis. </a:t>
             </a:r>
             <a:r>
               <a:rPr i="1"/>
@@ -31399,7 +31429,7 @@
             </a:r>
             <a:r>
               <a:rPr>
-                <a:hlinkClick r:id="rId158"/>
+                <a:hlinkClick r:id="rId160"/>
               </a:rPr>
               <a:t>10.1016/0895-4356(96)00025-x</a:t>
             </a:r>
@@ -31410,7 +31440,7 @@
             </a:pPr>
             <a:r>
               <a:rPr/>
-              <a:t>158. Bours MJL. Using mediators to understand effect modification and interaction. </a:t>
+              <a:t>160. Bours MJL. Using mediators to understand effect modification and interaction. </a:t>
             </a:r>
             <a:r>
               <a:rPr i="1"/>
@@ -31422,7 +31452,7 @@
             </a:r>
             <a:r>
               <a:rPr>
-                <a:hlinkClick r:id="rId159"/>
+                <a:hlinkClick r:id="rId161"/>
               </a:rPr>
               <a:t>10.1016/j.jclinepi.2023.09.005</a:t>
             </a:r>
@@ -31433,7 +31463,7 @@
             </a:pPr>
             <a:r>
               <a:rPr/>
-              <a:t>159. Altman DG, Matthews JNS. Statistics Notes: Interaction 1: heterogeneity of effects. </a:t>
+              <a:t>161. Altman DG, Matthews JNS. Statistics Notes: Interaction 1: heterogeneity of effects. </a:t>
             </a:r>
             <a:r>
               <a:rPr i="1"/>
@@ -31445,7 +31475,7 @@
             </a:r>
             <a:r>
               <a:rPr>
-                <a:hlinkClick r:id="rId160"/>
+                <a:hlinkClick r:id="rId162"/>
               </a:rPr>
               <a:t>10.1136/bmj.313.7055.486</a:t>
             </a:r>
@@ -31456,7 +31486,7 @@
             </a:pPr>
             <a:r>
               <a:rPr/>
-              <a:t>160. Baron RM, Kenny DA. The moderatormediator variable distinction in social psychological research: Conceptual, strategic, and statistical considerations. </a:t>
+              <a:t>162. Baron RM, Kenny DA. The moderatormediator variable distinction in social psychological research: Conceptual, strategic, and statistical considerations. </a:t>
             </a:r>
             <a:r>
               <a:rPr i="1"/>
@@ -31468,7 +31498,7 @@
             </a:r>
             <a:r>
               <a:rPr>
-                <a:hlinkClick r:id="rId161"/>
+                <a:hlinkClick r:id="rId163"/>
               </a:rPr>
               <a:t>10.1037/0022-3514.51.6.1173</a:t>
             </a:r>
@@ -31479,7 +31509,7 @@
             </a:pPr>
             <a:r>
               <a:rPr/>
-              <a:t>161. Grant MJ, Booth A. A typology of reviews: an analysis of 14 review types and associated methodologies. </a:t>
+              <a:t>163. Grant MJ, Booth A. A typology of reviews: an analysis of 14 review types and associated methodologies. </a:t>
             </a:r>
             <a:r>
               <a:rPr i="1"/>
@@ -31491,7 +31521,7 @@
             </a:r>
             <a:r>
               <a:rPr>
-                <a:hlinkClick r:id="rId162"/>
+                <a:hlinkClick r:id="rId164"/>
               </a:rPr>
               <a:t>10.1111/j.1471-1842.2009.00848.x</a:t>
             </a:r>
@@ -31502,7 +31532,7 @@
             </a:pPr>
             <a:r>
               <a:rPr/>
-              <a:t>162. Sut N. Study designs in medicine. </a:t>
+              <a:t>164. Sut N. Study designs in medicine. </a:t>
             </a:r>
             <a:r>
               <a:rPr i="1"/>
@@ -31514,7 +31544,7 @@
             </a:r>
             <a:r>
               <a:rPr>
-                <a:hlinkClick r:id="rId163"/>
+                <a:hlinkClick r:id="rId165"/>
               </a:rPr>
               <a:t>10.5152/balkanmedj.2014.1408</a:t>
             </a:r>
@@ -31525,7 +31555,7 @@
             </a:pPr>
             <a:r>
               <a:rPr/>
-              <a:t>163. Souza AC de, Alexandre NMC, Guirardello E de B, Souza AC de, Alexandre NMC, Guirardello E de B. Propriedades psicométricas na avaliação de instrumentos: avaliação da confiabilidade e da validade. </a:t>
+              <a:t>165. Souza AC de, Alexandre NMC, Guirardello E de B, Souza AC de, Alexandre NMC, Guirardello E de B. Propriedades psicométricas na avaliação de instrumentos: avaliação da confiabilidade e da validade. </a:t>
             </a:r>
             <a:r>
               <a:rPr i="1"/>
@@ -31537,7 +31567,7 @@
             </a:r>
             <a:r>
               <a:rPr>
-                <a:hlinkClick r:id="rId164"/>
+                <a:hlinkClick r:id="rId166"/>
               </a:rPr>
               <a:t>10.5123/s1679-49742017000300022</a:t>
             </a:r>
@@ -31548,7 +31578,7 @@
             </a:pPr>
             <a:r>
               <a:rPr/>
-              <a:t>164. Reeves BC, Wells GA, Waddington H. Quasi-experimental study designs seriespaper 5: a checklist for classifying studies evaluating the effects on health interventionsa taxonomy without labels. </a:t>
+              <a:t>166. Reeves BC, Wells GA, Waddington H. Quasi-experimental study designs seriespaper 5: a checklist for classifying studies evaluating the effects on health interventionsa taxonomy without labels. </a:t>
             </a:r>
             <a:r>
               <a:rPr i="1"/>
@@ -31560,7 +31590,7 @@
             </a:r>
             <a:r>
               <a:rPr>
-                <a:hlinkClick r:id="rId165"/>
+                <a:hlinkClick r:id="rId167"/>
               </a:rPr>
               <a:t>10.1016/j.jclinepi.2017.02.016</a:t>
             </a:r>
@@ -31571,7 +31601,7 @@
             </a:pPr>
             <a:r>
               <a:rPr/>
-              <a:t>165. Echevarría-Guanilo ME, Gonçalves N, Romanoski PJ. PSYCHOMETRIC PROPERTIES OF MEASUREMENT INSTRUMENTS: CONCEPTUAL BASIS AND EVALUATION METHODS - PART II. </a:t>
+              <a:t>167. Echevarría-Guanilo ME, Gonçalves N, Romanoski PJ. PSYCHOMETRIC PROPERTIES OF MEASUREMENT INSTRUMENTS: CONCEPTUAL BASIS AND EVALUATION METHODS - PART II. </a:t>
             </a:r>
             <a:r>
               <a:rPr i="1"/>
@@ -31583,7 +31613,7 @@
             </a:r>
             <a:r>
               <a:rPr>
-                <a:hlinkClick r:id="rId166"/>
+                <a:hlinkClick r:id="rId168"/>
               </a:rPr>
               <a:t>10.1590/1980-265x-tce-2017-0311</a:t>
             </a:r>
@@ -31594,7 +31624,7 @@
             </a:pPr>
             <a:r>
               <a:rPr/>
-              <a:t>166. Chassé M, Fergusson DA. Diagnostic Accuracy Studies. </a:t>
+              <a:t>168. Chassé M, Fergusson DA. Diagnostic Accuracy Studies. </a:t>
             </a:r>
             <a:r>
               <a:rPr i="1"/>
@@ -31606,7 +31636,7 @@
             </a:r>
             <a:r>
               <a:rPr>
-                <a:hlinkClick r:id="rId167"/>
+                <a:hlinkClick r:id="rId169"/>
               </a:rPr>
               <a:t>10.1053/j.semnuclmed.2018.11.005</a:t>
             </a:r>
@@ -31617,7 +31647,7 @@
             </a:pPr>
             <a:r>
               <a:rPr/>
-              <a:t>167. Chidambaram AG, Josephson M. Clinical research study designs: The essentials. </a:t>
+              <a:t>169. Chidambaram AG, Josephson M. Clinical research study designs: The essentials. </a:t>
             </a:r>
             <a:r>
               <a:rPr i="1"/>
@@ -31629,7 +31659,7 @@
             </a:r>
             <a:r>
               <a:rPr>
-                <a:hlinkClick r:id="rId168"/>
+                <a:hlinkClick r:id="rId170"/>
               </a:rPr>
               <a:t>10.1002/ped4.12166</a:t>
             </a:r>
@@ -31640,7 +31670,7 @@
             </a:pPr>
             <a:r>
               <a:rPr/>
-              <a:t>168. Erdemir A, Mulugeta L, Ku JP, et al. Credible practice of modeling and simulation in healthcare: ten rules from a multidisciplinary perspective. </a:t>
+              <a:t>170. Erdemir A, Mulugeta L, Ku JP, et al. Credible practice of modeling and simulation in healthcare: ten rules from a multidisciplinary perspective. </a:t>
             </a:r>
             <a:r>
               <a:rPr i="1"/>
@@ -31652,7 +31682,7 @@
             </a:r>
             <a:r>
               <a:rPr>
-                <a:hlinkClick r:id="rId169"/>
+                <a:hlinkClick r:id="rId171"/>
               </a:rPr>
               <a:t>10.1186/s12967-020-02540-4</a:t>
             </a:r>
@@ -31663,7 +31693,7 @@
             </a:pPr>
             <a:r>
               <a:rPr/>
-              <a:t>169. Yang B, Olsen M, Vali Y, et al. Study designs for comparative diagnostic test accuracy: A methodological review and classification scheme. </a:t>
+              <a:t>171. Yang B, Olsen M, Vali Y, et al. Study designs for comparative diagnostic test accuracy: A methodological review and classification scheme. </a:t>
             </a:r>
             <a:r>
               <a:rPr i="1"/>
@@ -31675,7 +31705,7 @@
             </a:r>
             <a:r>
               <a:rPr>
-                <a:hlinkClick r:id="rId170"/>
+                <a:hlinkClick r:id="rId172"/>
               </a:rPr>
               <a:t>10.1016/j.jclinepi.2021.04.013</a:t>
             </a:r>
@@ -31686,7 +31716,7 @@
             </a:pPr>
             <a:r>
               <a:rPr/>
-              <a:t>170. Chipman H, Bingham D. Let’s practice what we preach: Planning and interpreting simulation studies with design and analysis of experiments. </a:t>
+              <a:t>172. Chipman H, Bingham D. Let’s practice what we preach: Planning and interpreting simulation studies with design and analysis of experiments. </a:t>
             </a:r>
             <a:r>
               <a:rPr i="1"/>
@@ -31698,7 +31728,7 @@
             </a:r>
             <a:r>
               <a:rPr>
-                <a:hlinkClick r:id="rId171"/>
+                <a:hlinkClick r:id="rId173"/>
               </a:rPr>
               <a:t>10.1002/cjs.11719</a:t>
             </a:r>
@@ -31709,7 +31739,7 @@
             </a:pPr>
             <a:r>
               <a:rPr/>
-              <a:t>171. Donthu N, Kumar S, Mukherjee D, Pandey N, Lim WM. How to conduct a bibliometric analysis: An overview and guidelines. </a:t>
+              <a:t>173. Donthu N, Kumar S, Mukherjee D, Pandey N, Lim WM. How to conduct a bibliometric analysis: An overview and guidelines. </a:t>
             </a:r>
             <a:r>
               <a:rPr i="1"/>
@@ -31721,7 +31751,7 @@
             </a:r>
             <a:r>
               <a:rPr>
-                <a:hlinkClick r:id="rId172"/>
+                <a:hlinkClick r:id="rId174"/>
               </a:rPr>
               <a:t>10.1016/j.jbusres.2021.04.070</a:t>
             </a:r>
@@ -31732,7 +31762,7 @@
             </a:pPr>
             <a:r>
               <a:rPr/>
-              <a:t>172. Lim WM, Kumar S. Guidelines for interpreting the results of bibliometric analysis: A sensemaking approach. </a:t>
+              <a:t>174. Lim WM, Kumar S. Guidelines for interpreting the results of bibliometric analysis: A sensemaking approach. </a:t>
             </a:r>
             <a:r>
               <a:rPr i="1"/>
@@ -31744,7 +31774,7 @@
             </a:r>
             <a:r>
               <a:rPr>
-                <a:hlinkClick r:id="rId173"/>
+                <a:hlinkClick r:id="rId175"/>
               </a:rPr>
               <a:t>10.1002/joe.22229</a:t>
             </a:r>
@@ -31755,7 +31785,7 @@
             </a:pPr>
             <a:r>
               <a:rPr/>
-              <a:t>173. Bland JM, Altman DG. Statistics notes: Matching. </a:t>
+              <a:t>175. Bland JM, Altman DG. Statistics notes: Matching. </a:t>
             </a:r>
             <a:r>
               <a:rPr i="1"/>
@@ -31767,7 +31797,7 @@
             </a:r>
             <a:r>
               <a:rPr>
-                <a:hlinkClick r:id="rId174"/>
+                <a:hlinkClick r:id="rId176"/>
               </a:rPr>
               <a:t>10.1136/bmj.309.6962.1128</a:t>
             </a:r>
@@ -31778,7 +31808,7 @@
             </a:pPr>
             <a:r>
               <a:rPr/>
-              <a:t>174. Bland JM, Altman DG. Comparisons within randomised groups can be very misleading. </a:t>
+              <a:t>176. Bland JM, Altman DG. Comparisons within randomised groups can be very misleading. </a:t>
             </a:r>
             <a:r>
               <a:rPr i="1"/>
@@ -31790,7 +31820,7 @@
             </a:r>
             <a:r>
               <a:rPr>
-                <a:hlinkClick r:id="rId175"/>
+                <a:hlinkClick r:id="rId177"/>
               </a:rPr>
               <a:t>10.1136/bmj.d561</a:t>
             </a:r>
@@ -31801,7 +31831,7 @@
             </a:pPr>
             <a:r>
               <a:rPr/>
-              <a:t>175. Bruce CL, Juszczak E, Ogollah R, Partlett C, Montgomery A. A systematic review of randomisation method use in RCTs and association of trial design characteristics with method selection. </a:t>
+              <a:t>177. Bruce CL, Juszczak E, Ogollah R, Partlett C, Montgomery A. A systematic review of randomisation method use in RCTs and association of trial design characteristics with method selection. </a:t>
             </a:r>
             <a:r>
               <a:rPr i="1"/>
@@ -31813,7 +31843,7 @@
             </a:r>
             <a:r>
               <a:rPr>
-                <a:hlinkClick r:id="rId176"/>
+                <a:hlinkClick r:id="rId178"/>
               </a:rPr>
               <a:t>10.1186/s12874-022-01786-4</a:t>
             </a:r>
@@ -31824,7 +31854,7 @@
             </a:pPr>
             <a:r>
               <a:rPr/>
-              <a:t>176. Vickers AJ, Altman DG. Statistics Notes: Analysing controlled trials with baseline and follow up measurements. </a:t>
+              <a:t>178. Vickers AJ, Altman DG. Statistics Notes: Analysing controlled trials with baseline and follow up measurements. </a:t>
             </a:r>
             <a:r>
               <a:rPr i="1"/>
@@ -31836,7 +31866,7 @@
             </a:r>
             <a:r>
               <a:rPr>
-                <a:hlinkClick r:id="rId177"/>
+                <a:hlinkClick r:id="rId179"/>
               </a:rPr>
               <a:t>10.1136/bmj.323.7321.1123</a:t>
             </a:r>
@@ -31847,7 +31877,7 @@
             </a:pPr>
             <a:r>
               <a:rPr/>
-              <a:t>177. O Connell NS, Dai L, Jiang Y, et al. Methods for analysis of pre-post data in clinical research: A comparison of five common methods. </a:t>
+              <a:t>179. O Connell NS, Dai L, Jiang Y, et al. Methods for analysis of pre-post data in clinical research: A comparison of five common methods. </a:t>
             </a:r>
             <a:r>
               <a:rPr i="1"/>
@@ -31859,7 +31889,7 @@
             </a:r>
             <a:r>
               <a:rPr>
-                <a:hlinkClick r:id="rId178"/>
+                <a:hlinkClick r:id="rId180"/>
               </a:rPr>
               <a:t>10.4172/2155-6180.1000334</a:t>
             </a:r>
@@ -31870,7 +31900,7 @@
             </a:pPr>
             <a:r>
               <a:rPr/>
-              <a:t>178. Cao Y, Allore H, Vander Wyk B, Gutman R. Review and evaluation of imputation methods for multivariate longitudinal data with mixed-type incomplete variables. </a:t>
+              <a:t>180. Cao Y, Allore H, Vander Wyk B, Gutman R. Review and evaluation of imputation methods for multivariate longitudinal data with mixed-type incomplete variables. </a:t>
             </a:r>
             <a:r>
               <a:rPr i="1"/>
@@ -31882,7 +31912,7 @@
             </a:r>
             <a:r>
               <a:rPr>
-                <a:hlinkClick r:id="rId179"/>
+                <a:hlinkClick r:id="rId181"/>
               </a:rPr>
               <a:t>10.1002/sim.9592</a:t>
             </a:r>
@@ -31893,7 +31923,7 @@
             </a:pPr>
             <a:r>
               <a:rPr/>
-              <a:t>179. Kahan BC, Jairath V, Doré CJ, Morris TP. The risks and rewards of covariate adjustment in randomized trials: an assessment of 12 outcomes from 8 studies. </a:t>
+              <a:t>181. Kahan BC, Jairath V, Doré CJ, Morris TP. The risks and rewards of covariate adjustment in randomized trials: an assessment of 12 outcomes from 8 studies. </a:t>
             </a:r>
             <a:r>
               <a:rPr i="1"/>
@@ -31905,7 +31935,7 @@
             </a:r>
             <a:r>
               <a:rPr>
-                <a:hlinkClick r:id="rId180"/>
+                <a:hlinkClick r:id="rId182"/>
               </a:rPr>
               <a:t>10.1186/1745-6215-15-139</a:t>
             </a:r>
@@ -31916,7 +31946,7 @@
             </a:pPr>
             <a:r>
               <a:rPr/>
-              <a:t>180. Roberts C, Torgerson DJ. Understanding controlled trials: Baseline imbalance in randomised controlled trials. </a:t>
+              <a:t>182. Roberts C, Torgerson DJ. Understanding controlled trials: Baseline imbalance in randomised controlled trials. </a:t>
             </a:r>
             <a:r>
               <a:rPr i="1"/>
@@ -31928,7 +31958,7 @@
             </a:r>
             <a:r>
               <a:rPr>
-                <a:hlinkClick r:id="rId181"/>
+                <a:hlinkClick r:id="rId183"/>
               </a:rPr>
               <a:t>10.1136/bmj.319.7203.185</a:t>
             </a:r>
@@ -31939,7 +31969,7 @@
             </a:pPr>
             <a:r>
               <a:rPr/>
-              <a:t>181. Hauck WW, Anderson S, Marcus SM. Should We Adjust for Covariates in Nonlinear Regression Analyses of Randomized Trials? </a:t>
+              <a:t>183. Hauck WW, Anderson S, Marcus SM. Should We Adjust for Covariates in Nonlinear Regression Analyses of Randomized Trials? </a:t>
             </a:r>
             <a:r>
               <a:rPr i="1"/>
@@ -31951,7 +31981,7 @@
             </a:r>
             <a:r>
               <a:rPr>
-                <a:hlinkClick r:id="rId182"/>
+                <a:hlinkClick r:id="rId184"/>
               </a:rPr>
               <a:t>10.1016/s0197-2456(97)00147-5</a:t>
             </a:r>
@@ -31962,7 +31992,7 @@
             </a:pPr>
             <a:r>
               <a:rPr/>
-              <a:t>182. Stang A, Baethge C. Imbalance &lt;em&gt;p&lt;/em&gt; values for baseline covariates in randomized controlled trials: a last resort for the use of &lt;em&gt;p&lt;/em&gt; values? A pro and contra debate. </a:t>
+              <a:t>184. Stang A, Baethge C. Imbalance &lt;em&gt;p&lt;/em&gt; values for baseline covariates in randomized controlled trials: a last resort for the use of &lt;em&gt;p&lt;/em&gt; values? A pro and contra debate. </a:t>
             </a:r>
             <a:r>
               <a:rPr i="1"/>
@@ -31974,7 +32004,7 @@
             </a:r>
             <a:r>
               <a:rPr>
-                <a:hlinkClick r:id="rId183"/>
+                <a:hlinkClick r:id="rId185"/>
               </a:rPr>
               <a:t>10.2147/clep.s161508</a:t>
             </a:r>
@@ -31985,7 +32015,7 @@
             </a:pPr>
             <a:r>
               <a:rPr/>
-              <a:t>183. Bolzern JE, Mitchell A, Torgerson DJ. Baseline testing in cluster randomised controlled trials: should this be done? </a:t>
+              <a:t>185. Bolzern JE, Mitchell A, Torgerson DJ. Baseline testing in cluster randomised controlled trials: should this be done? </a:t>
             </a:r>
             <a:r>
               <a:rPr i="1"/>
@@ -31997,7 +32027,7 @@
             </a:r>
             <a:r>
               <a:rPr>
-                <a:hlinkClick r:id="rId184"/>
+                <a:hlinkClick r:id="rId186"/>
               </a:rPr>
               <a:t>10.1186/s12874-019-0750-8</a:t>
             </a:r>
@@ -32008,11 +32038,11 @@
             </a:pPr>
             <a:r>
               <a:rPr/>
-              <a:t>184. Gruijters SLK. Baseline comparisons and covariate fishing: Bad statistical habits we should have broken yesterday. July 2020. </a:t>
-            </a:r>
-            <a:r>
-              <a:rPr>
-                <a:hlinkClick r:id="rId185"/>
+              <a:t>186. Gruijters SLK. Baseline comparisons and covariate fishing: Bad statistical habits we should have broken yesterday. July 2020. </a:t>
+            </a:r>
+            <a:r>
+              <a:rPr>
+                <a:hlinkClick r:id="rId187"/>
               </a:rPr>
               <a:t>http://dx.doi.org/10.31234/osf.io/qftwg.</a:t>
             </a:r>
@@ -32023,7 +32053,7 @@
             </a:pPr>
             <a:r>
               <a:rPr/>
-              <a:t>185. Matthews JNS, Altman DG. Statistics Notes: Interaction 2: compare effect sizes not P values. </a:t>
+              <a:t>187. Matthews JNS, Altman DG. Statistics Notes: Interaction 2: compare effect sizes not P values. </a:t>
             </a:r>
             <a:r>
               <a:rPr i="1"/>
@@ -32035,7 +32065,7 @@
             </a:r>
             <a:r>
               <a:rPr>
-                <a:hlinkClick r:id="rId186"/>
+                <a:hlinkClick r:id="rId188"/>
               </a:rPr>
               <a:t>10.1136/bmj.313.7060.808</a:t>
             </a:r>
@@ -32046,7 +32076,7 @@
             </a:pPr>
             <a:r>
               <a:rPr/>
-              <a:t>186. Altman DG. Statistics notes: Interaction revisited: The difference between two estimates. </a:t>
+              <a:t>188. Altman DG. Statistics notes: Interaction revisited: The difference between two estimates. </a:t>
             </a:r>
             <a:r>
               <a:rPr i="1"/>
@@ -32058,7 +32088,7 @@
             </a:r>
             <a:r>
               <a:rPr>
-                <a:hlinkClick r:id="rId187"/>
+                <a:hlinkClick r:id="rId189"/>
               </a:rPr>
               <a:t>10.1136/bmj.326.7382.219</a:t>
             </a:r>
@@ -32069,7 +32099,7 @@
             </a:pPr>
             <a:r>
               <a:rPr/>
-              <a:t>187. Steckelberg A, Balgenorth A, Berger J, Mühlhauser I. Explaining computation of predictive values: 2 × 2 table versus frequency tree. A randomized controlled trial [ISRCTN74278823]. </a:t>
+              <a:t>189. Steckelberg A, Balgenorth A, Berger J, Mühlhauser I. Explaining computation of predictive values: 2 × 2 table versus frequency tree. A randomized controlled trial [ISRCTN74278823]. </a:t>
             </a:r>
             <a:r>
               <a:rPr i="1"/>
@@ -32081,7 +32111,7 @@
             </a:r>
             <a:r>
               <a:rPr>
-                <a:hlinkClick r:id="rId188"/>
+                <a:hlinkClick r:id="rId190"/>
               </a:rPr>
               <a:t>10.1186/1472-6920-4-13</a:t>
             </a:r>
@@ -32092,7 +32122,7 @@
             </a:pPr>
             <a:r>
               <a:rPr/>
-              <a:t>188. Greenhalgh T. How to read a paper: Papers that report diagnostic or screening tests. </a:t>
+              <a:t>190. Greenhalgh T. How to read a paper: Papers that report diagnostic or screening tests. </a:t>
             </a:r>
             <a:r>
               <a:rPr i="1"/>
@@ -32104,7 +32134,7 @@
             </a:r>
             <a:r>
               <a:rPr>
-                <a:hlinkClick r:id="rId189"/>
+                <a:hlinkClick r:id="rId191"/>
               </a:rPr>
               <a:t>10.1136/bmj.315.7107.540</a:t>
             </a:r>
@@ -32115,11 +32145,11 @@
             </a:pPr>
             <a:r>
               <a:rPr/>
-              <a:t>189. Neth H, Gaisbauer F, Gradwohl N, Gaissmaier W. Riskyr: Rendering risk literacy more transparent. 2022. </a:t>
-            </a:r>
-            <a:r>
-              <a:rPr>
-                <a:hlinkClick r:id="rId190"/>
+              <a:t>191. Neth H, Gaisbauer F, Gradwohl N, Gaissmaier W. Riskyr: Rendering risk literacy more transparent. 2022. </a:t>
+            </a:r>
+            <a:r>
+              <a:rPr>
+                <a:hlinkClick r:id="rId192"/>
               </a:rPr>
               <a:t>https://CRAN.R-project.org/package=riskyr.</a:t>
             </a:r>
@@ -32130,7 +32160,7 @@
             </a:pPr>
             <a:r>
               <a:rPr/>
-              <a:t>190. Kuhn, Max. Building predictive models in r using the caret package. </a:t>
+              <a:t>192. Kuhn, Max. Building predictive models in r using the caret package. </a:t>
             </a:r>
             <a:r>
               <a:rPr i="1"/>
@@ -32142,7 +32172,7 @@
             </a:r>
             <a:r>
               <a:rPr>
-                <a:hlinkClick r:id="rId191"/>
+                <a:hlinkClick r:id="rId193"/>
               </a:rPr>
               <a:t>10.18637/jss.v028.i05</a:t>
             </a:r>
@@ -32153,7 +32183,7 @@
             </a:pPr>
             <a:r>
               <a:rPr/>
-              <a:t>191. Hond AAH de, Steyerberg EW, Calster B van. Interpreting area under the receiver operating characteristic curve. </a:t>
+              <a:t>193. Hond AAH de, Steyerberg EW, Calster B van. Interpreting area under the receiver operating characteristic curve. </a:t>
             </a:r>
             <a:r>
               <a:rPr i="1"/>
@@ -32165,7 +32195,7 @@
             </a:r>
             <a:r>
               <a:rPr>
-                <a:hlinkClick r:id="rId192"/>
+                <a:hlinkClick r:id="rId194"/>
               </a:rPr>
               <a:t>10.1016/s2589-7500(22)00188-1</a:t>
             </a:r>
@@ -32176,16 +32206,16 @@
             </a:pPr>
             <a:r>
               <a:rPr/>
-              <a:t>192. Robin X, Turck N, Hainard A, et al. pROC: An open-source package for r and s+ to analyze and compare ROC curves. 2011;12:77.</a:t>
-            </a:r>
-          </a:p>
-          <a:p>
-            <a:pPr lvl="0" indent="0" marL="0">
-              <a:buNone/>
-            </a:pPr>
-            <a:r>
-              <a:rPr/>
-              <a:t>193. Ferreira ADS, Meziat-Filho N, Ferreira APA. Double threshold receiver operating characteristic plot for three-modal continuous predictors. </a:t>
+              <a:t>194. Robin X, Turck N, Hainard A, et al. pROC: An open-source package for r and s+ to analyze and compare ROC curves. 2011;12:77.</a:t>
+            </a:r>
+          </a:p>
+          <a:p>
+            <a:pPr lvl="0" indent="0" marL="0">
+              <a:buNone/>
+            </a:pPr>
+            <a:r>
+              <a:rPr/>
+              <a:t>195. Ferreira ADS, Meziat-Filho N, Ferreira APA. Double threshold receiver operating characteristic plot for three-modal continuous predictors. </a:t>
             </a:r>
             <a:r>
               <a:rPr i="1"/>
@@ -32197,7 +32227,7 @@
             </a:r>
             <a:r>
               <a:rPr>
-                <a:hlinkClick r:id="rId193"/>
+                <a:hlinkClick r:id="rId195"/>
               </a:rPr>
               <a:t>10.1007/s00180-021-01080-9</a:t>
             </a:r>
@@ -32208,7 +32238,7 @@
             </a:pPr>
             <a:r>
               <a:rPr/>
-              <a:t>194. Findley MG, Kikuta K, Denly M. External Validity. </a:t>
+              <a:t>196. Findley MG, Kikuta K, Denly M. External Validity. </a:t>
             </a:r>
             <a:r>
               <a:rPr i="1"/>
@@ -32220,7 +32250,7 @@
             </a:r>
             <a:r>
               <a:rPr>
-                <a:hlinkClick r:id="rId194"/>
+                <a:hlinkClick r:id="rId196"/>
               </a:rPr>
               <a:t>10.1146/annurev-polisci-041719-102556</a:t>
             </a:r>
@@ -32231,7 +32261,7 @@
             </a:pPr>
             <a:r>
               <a:rPr/>
-              <a:t>195. Altman DG, Bland JM. Measurement in medicine: The analysis of method comparison studies. </a:t>
+              <a:t>197. Altman DG, Bland JM. Measurement in medicine: The analysis of method comparison studies. </a:t>
             </a:r>
             <a:r>
               <a:rPr i="1"/>
@@ -32243,7 +32273,7 @@
             </a:r>
             <a:r>
               <a:rPr>
-                <a:hlinkClick r:id="rId195"/>
+                <a:hlinkClick r:id="rId197"/>
               </a:rPr>
               <a:t>10.2307/2987937</a:t>
             </a:r>
@@ -32254,7 +32284,7 @@
             </a:pPr>
             <a:r>
               <a:rPr/>
-              <a:t>196. Scott WA. Reliability of content analysis: The case of nominal scale coding. </a:t>
+              <a:t>198. Scott WA. Reliability of content analysis: The case of nominal scale coding. </a:t>
             </a:r>
             <a:r>
               <a:rPr i="1"/>
@@ -32266,7 +32296,7 @@
             </a:r>
             <a:r>
               <a:rPr>
-                <a:hlinkClick r:id="rId196"/>
+                <a:hlinkClick r:id="rId198"/>
               </a:rPr>
               <a:t>10.1086/266577</a:t>
             </a:r>
@@ -32277,7 +32307,7 @@
             </a:pPr>
             <a:r>
               <a:rPr/>
-              <a:t>197. Cohen J. A Coefficient of Agreement for Nominal Scales. </a:t>
+              <a:t>199. Cohen J. A Coefficient of Agreement for Nominal Scales. </a:t>
             </a:r>
             <a:r>
               <a:rPr i="1"/>
@@ -32289,7 +32319,7 @@
             </a:r>
             <a:r>
               <a:rPr>
-                <a:hlinkClick r:id="rId197"/>
+                <a:hlinkClick r:id="rId199"/>
               </a:rPr>
               <a:t>10.1177/001316446002000104</a:t>
             </a:r>
@@ -32300,7 +32330,7 @@
             </a:pPr>
             <a:r>
               <a:rPr/>
-              <a:t>198. I. Mathematical contributions to the theory of evolution. VII. On the correlation of characters not quantitatively measurable. </a:t>
+              <a:t>200. I. Mathematical contributions to the theory of evolution. VII. On the correlation of characters not quantitatively measurable. </a:t>
             </a:r>
             <a:r>
               <a:rPr i="1"/>
@@ -32312,7 +32342,7 @@
             </a:r>
             <a:r>
               <a:rPr>
-                <a:hlinkClick r:id="rId198"/>
+                <a:hlinkClick r:id="rId200"/>
               </a:rPr>
               <a:t>10.1098/rsta.1900.0022</a:t>
             </a:r>
@@ -32323,7 +32353,7 @@
             </a:pPr>
             <a:r>
               <a:rPr/>
-              <a:t>199. Banerjee M, Capozzoli M, McSweeney L, Sinha D. Beyond kappa: A review of interrater agreement measures. </a:t>
+              <a:t>201. Banerjee M, Capozzoli M, McSweeney L, Sinha D. Beyond kappa: A review of interrater agreement measures. </a:t>
             </a:r>
             <a:r>
               <a:rPr i="1"/>
@@ -32335,7 +32365,7 @@
             </a:r>
             <a:r>
               <a:rPr>
-                <a:hlinkClick r:id="rId199"/>
+                <a:hlinkClick r:id="rId201"/>
               </a:rPr>
               <a:t>10.2307/3315487</a:t>
             </a:r>
@@ -32346,11 +32376,11 @@
             </a:pPr>
             <a:r>
               <a:rPr/>
-              <a:t>200. William Revelle. Psych: Procedures for psychological, psychometric, and personality research. 2023. </a:t>
-            </a:r>
-            <a:r>
-              <a:rPr>
-                <a:hlinkClick r:id="rId200"/>
+              <a:t>202. William Revelle. Psych: Procedures for psychological, psychometric, and personality research. 2023. </a:t>
+            </a:r>
+            <a:r>
+              <a:rPr>
+                <a:hlinkClick r:id="rId202"/>
               </a:rPr>
               <a:t>https://CRAN.R-project.org/package=psych.</a:t>
             </a:r>
@@ -32361,7 +32391,7 @@
             </a:pPr>
             <a:r>
               <a:rPr/>
-              <a:t>201. Borenstein M. In a meta-analysis, the I-squared statistic does not tell us how much the effect size varies. </a:t>
+              <a:t>203. Borenstein M. In a meta-analysis, the I-squared statistic does not tell us how much the effect size varies. </a:t>
             </a:r>
             <a:r>
               <a:rPr i="1"/>
@@ -32373,7 +32403,7 @@
             </a:r>
             <a:r>
               <a:rPr>
-                <a:hlinkClick r:id="rId201"/>
+                <a:hlinkClick r:id="rId203"/>
               </a:rPr>
               <a:t>10.1016/j.jclinepi.2022.10.003</a:t>
             </a:r>
@@ -32384,7 +32414,7 @@
             </a:pPr>
             <a:r>
               <a:rPr/>
-              <a:t>202. Rücker G, Schwarzer G, Carpenter JR, Schumacher M. Undue reliance on I 2 in assessing heterogeneity may mislead. </a:t>
+              <a:t>204. Rücker G, Schwarzer G, Carpenter JR, Schumacher M. Undue reliance on I 2 in assessing heterogeneity may mislead. </a:t>
             </a:r>
             <a:r>
               <a:rPr i="1"/>
@@ -32396,7 +32426,7 @@
             </a:r>
             <a:r>
               <a:rPr>
-                <a:hlinkClick r:id="rId202"/>
+                <a:hlinkClick r:id="rId204"/>
               </a:rPr>
               <a:t>10.1186/1471-2288-8-79</a:t>
             </a:r>
@@ -32407,7 +32437,7 @@
             </a:pPr>
             <a:r>
               <a:rPr/>
-              <a:t>203. Grooth HJ de, Parienti JJ. Heterogeneity between studies can be explained more reliably with individual patient data. </a:t>
+              <a:t>205. Grooth HJ de, Parienti JJ. Heterogeneity between studies can be explained more reliably with individual patient data. </a:t>
             </a:r>
             <a:r>
               <a:rPr i="1"/>
@@ -32419,7 +32449,7 @@
             </a:r>
             <a:r>
               <a:rPr>
-                <a:hlinkClick r:id="rId203"/>
+                <a:hlinkClick r:id="rId205"/>
               </a:rPr>
               <a:t>10.1007/s00134-023-07163-z</a:t>
             </a:r>
@@ -32430,16 +32460,16 @@
             </a:pPr>
             <a:r>
               <a:rPr/>
-              <a:t>204. Lajeunesse MJ. Facilitating systematic reviews, data extraction, and meta-analysis with the metagear package for r. 2016;7:323-330.</a:t>
-            </a:r>
-          </a:p>
-          <a:p>
-            <a:pPr lvl="0" indent="0" marL="0">
-              <a:buNone/>
-            </a:pPr>
-            <a:r>
-              <a:rPr/>
-              <a:t>205. Moher D, Shamseer L, Clarke M, et al. Preferred reporting items for systematic review and meta-analysis protocols (PRISMA-P) 2015 statement. </a:t>
+              <a:t>206. Lajeunesse MJ. Facilitating systematic reviews, data extraction, and meta-analysis with the metagear package for r. 2016;7:323-330.</a:t>
+            </a:r>
+          </a:p>
+          <a:p>
+            <a:pPr lvl="0" indent="0" marL="0">
+              <a:buNone/>
+            </a:pPr>
+            <a:r>
+              <a:rPr/>
+              <a:t>207. Moher D, Shamseer L, Clarke M, et al. Preferred reporting items for systematic review and meta-analysis protocols (PRISMA-P) 2015 statement. </a:t>
             </a:r>
             <a:r>
               <a:rPr i="1"/>
@@ -32451,7 +32481,7 @@
             </a:r>
             <a:r>
               <a:rPr>
-                <a:hlinkClick r:id="rId204"/>
+                <a:hlinkClick r:id="rId206"/>
               </a:rPr>
               <a:t>10.1186/2046-4053-4-1</a:t>
             </a:r>
@@ -32462,11 +32492,11 @@
             </a:pPr>
             <a:r>
               <a:rPr/>
-              <a:t>206. Haddaway NR, Page MJ, Pritchard CC, McGuinness LA. PRISMA2020: An r package and shiny app for producing PRISMA 2020-compliant flow diagrams, with interactivity for optimised digital transparency and open synthesis. 2022;18:e1230. doi:</a:t>
-            </a:r>
-            <a:r>
-              <a:rPr>
-                <a:hlinkClick r:id="rId205"/>
+              <a:t>208. Haddaway NR, Page MJ, Pritchard CC, McGuinness LA. PRISMA2020: An r package and shiny app for producing PRISMA 2020-compliant flow diagrams, with interactivity for optimised digital transparency and open synthesis. 2022;18:e1230. doi:</a:t>
+            </a:r>
+            <a:r>
+              <a:rPr>
+                <a:hlinkClick r:id="rId207"/>
               </a:rPr>
               <a:t>10.1002/cl2.1230</a:t>
             </a:r>
@@ -32477,11 +32507,11 @@
             </a:pPr>
             <a:r>
               <a:rPr/>
-              <a:t>207. Haddaway NR, Page MJ, Pritchard CC, McGuinness LA. PRISMA2020: An r package and shiny app for producing PRISMA 2020-compliant flow diagrams, with interactivity for optimised digital transparency and open synthesis. 2022;18:e1230. doi:</a:t>
-            </a:r>
-            <a:r>
-              <a:rPr>
-                <a:hlinkClick r:id="rId206"/>
+              <a:t>209. Haddaway NR, Page MJ, Pritchard CC, McGuinness LA. PRISMA2020: An r package and shiny app for producing PRISMA 2020-compliant flow diagrams, with interactivity for optimised digital transparency and open synthesis. 2022;18:e1230. doi:</a:t>
+            </a:r>
+            <a:r>
+              <a:rPr>
+                <a:hlinkClick r:id="rId208"/>
               </a:rPr>
               <a:t>10.1002/cl2.1230</a:t>
             </a:r>
@@ -32492,7 +32522,7 @@
             </a:pPr>
             <a:r>
               <a:rPr/>
-              <a:t>208. Ihaka R, Gentleman R. R: A language for data analysis and graphics. </a:t>
+              <a:t>210. Ihaka R, Gentleman R. R: A language for data analysis and graphics. </a:t>
             </a:r>
             <a:r>
               <a:rPr i="1"/>
@@ -32504,7 +32534,7 @@
             </a:r>
             <a:r>
               <a:rPr>
-                <a:hlinkClick r:id="rId207"/>
+                <a:hlinkClick r:id="rId209"/>
               </a:rPr>
               <a:t>10.2307/1390807</a:t>
             </a:r>
@@ -32515,7 +32545,7 @@
             </a:pPr>
             <a:r>
               <a:rPr/>
-              <a:t>209. Racine JS. RStudio: A Platform-Independent IDE for R and Sweave. </a:t>
+              <a:t>211. Racine JS. RStudio: A Platform-Independent IDE for R and Sweave. </a:t>
             </a:r>
             <a:r>
               <a:rPr i="1"/>
@@ -32527,7 +32557,7 @@
             </a:r>
             <a:r>
               <a:rPr>
-                <a:hlinkClick r:id="rId208"/>
+                <a:hlinkClick r:id="rId210"/>
               </a:rPr>
               <a:t>10.1002/jae.1278</a:t>
             </a:r>
@@ -32538,7 +32568,7 @@
             </a:pPr>
             <a:r>
               <a:rPr/>
-              <a:t>210. Love J, Selker R, Marsman M, et al. </a:t>
+              <a:t>212. Love J, Selker R, Marsman M, et al. </a:t>
             </a:r>
             <a:r>
               <a:rPr b="1"/>
@@ -32558,7 +32588,7 @@
             </a:r>
             <a:r>
               <a:rPr>
-                <a:hlinkClick r:id="rId209"/>
+                <a:hlinkClick r:id="rId211"/>
               </a:rPr>
               <a:t>10.18637/jss.v088.i02</a:t>
             </a:r>
@@ -32569,7 +32599,7 @@
             </a:pPr>
             <a:r>
               <a:rPr/>
-              <a:t>211. ŞAHİN M, AYBEK E. Jamovi: An easy to use statistical software for the social scientists. </a:t>
+              <a:t>213. ŞAHİN M, AYBEK E. Jamovi: An easy to use statistical software for the social scientists. </a:t>
             </a:r>
             <a:r>
               <a:rPr i="1"/>
@@ -32581,7 +32611,7 @@
             </a:r>
             <a:r>
               <a:rPr>
-                <a:hlinkClick r:id="rId210"/>
+                <a:hlinkClick r:id="rId212"/>
               </a:rPr>
               <a:t>10.21449/ijate.661803</a:t>
             </a:r>
@@ -32592,11 +32622,11 @@
             </a:pPr>
             <a:r>
               <a:rPr/>
-              <a:t>212. Selker R, Love J, Dropmann D. Jmv: The ’jamovi’ analyses. 2023. </a:t>
-            </a:r>
-            <a:r>
-              <a:rPr>
-                <a:hlinkClick r:id="rId211"/>
+              <a:t>214. Selker R, Love J, Dropmann D. Jmv: The ’jamovi’ analyses. 2023. </a:t>
+            </a:r>
+            <a:r>
+              <a:rPr>
+                <a:hlinkClick r:id="rId213"/>
               </a:rPr>
               <a:t>https://CRAN.R-project.org/package=jmv.</a:t>
             </a:r>
@@ -32607,11 +32637,11 @@
             </a:pPr>
             <a:r>
               <a:rPr/>
-              <a:t>213. Love J. Jmvconnect: Connect to the ’jamovi’ statistical spreadsheet. 2022. </a:t>
-            </a:r>
-            <a:r>
-              <a:rPr>
-                <a:hlinkClick r:id="rId212"/>
+              <a:t>215. Love J. Jmvconnect: Connect to the ’jamovi’ statistical spreadsheet. 2022. </a:t>
+            </a:r>
+            <a:r>
+              <a:rPr>
+                <a:hlinkClick r:id="rId214"/>
               </a:rPr>
               <a:t>https://CRAN.R-project.org/package=jmvconnect.</a:t>
             </a:r>
@@ -32622,7 +32652,7 @@
             </a:pPr>
             <a:r>
               <a:rPr/>
-              <a:t>214. Hinsen K. A data and code model for reproducible research and executable papers. </a:t>
+              <a:t>216. Hinsen K. A data and code model for reproducible research and executable papers. </a:t>
             </a:r>
             <a:r>
               <a:rPr i="1"/>
@@ -32634,7 +32664,7 @@
             </a:r>
             <a:r>
               <a:rPr>
-                <a:hlinkClick r:id="rId213"/>
+                <a:hlinkClick r:id="rId215"/>
               </a:rPr>
               <a:t>10.1016/j.procs.2011.04.061</a:t>
             </a:r>
@@ -32645,7 +32675,7 @@
             </a:pPr>
             <a:r>
               <a:rPr/>
-              <a:t>215. Allaire J, Xie Y, Dervieux C, et al. </a:t>
+              <a:t>217. Allaire J, Xie Y, Dervieux C, et al. </a:t>
             </a:r>
             <a:r>
               <a:rPr i="1"/>
@@ -32657,7 +32687,7 @@
             </a:r>
             <a:r>
               <a:rPr>
-                <a:hlinkClick r:id="rId214"/>
+                <a:hlinkClick r:id="rId216"/>
               </a:rPr>
               <a:t>https://CRAN.R-project.org/package=rmarkdown.</a:t>
             </a:r>
@@ -32668,7 +32698,7 @@
             </a:pPr>
             <a:r>
               <a:rPr/>
-              <a:t>216. Holmes DT, Mobini M, McCudden CR. Reproducible manuscript preparation with RMarkdown application to JMSACL and other Elsevier Journals. </a:t>
+              <a:t>218. Holmes DT, Mobini M, McCudden CR. Reproducible manuscript preparation with RMarkdown application to JMSACL and other Elsevier Journals. </a:t>
             </a:r>
             <a:r>
               <a:rPr i="1"/>
@@ -32680,7 +32710,7 @@
             </a:r>
             <a:r>
               <a:rPr>
-                <a:hlinkClick r:id="rId215"/>
+                <a:hlinkClick r:id="rId217"/>
               </a:rPr>
               <a:t>10.1016/j.jmsacl.2021.09.002</a:t>
             </a:r>
@@ -32691,11 +32721,11 @@
             </a:pPr>
             <a:r>
               <a:rPr/>
-              <a:t>217. Gohel D, Ross N. Officedown: Enhanced ’r markdown’ format for ’word’ and ’PowerPoint’. 2023. </a:t>
-            </a:r>
-            <a:r>
-              <a:rPr>
-                <a:hlinkClick r:id="rId216"/>
+              <a:t>219. Gohel D, Ross N. Officedown: Enhanced ’r markdown’ format for ’word’ and ’PowerPoint’. 2023. </a:t>
+            </a:r>
+            <a:r>
+              <a:rPr>
+                <a:hlinkClick r:id="rId218"/>
               </a:rPr>
               <a:t>https://CRAN.R-project.org/package=officedown.</a:t>
             </a:r>
@@ -32706,11 +32736,11 @@
             </a:pPr>
             <a:r>
               <a:rPr/>
-              <a:t>218. Xie Y. Bookdown: Authoring books and technical documents with r markdown. 2023. </a:t>
-            </a:r>
-            <a:r>
-              <a:rPr>
-                <a:hlinkClick r:id="rId217"/>
+              <a:t>220. Xie Y. Bookdown: Authoring books and technical documents with r markdown. 2023. </a:t>
+            </a:r>
+            <a:r>
+              <a:rPr>
+                <a:hlinkClick r:id="rId219"/>
               </a:rPr>
               <a:t>https://github.com/rstudio/bookdown.</a:t>
             </a:r>
@@ -32721,7 +32751,7 @@
             </a:pPr>
             <a:r>
               <a:rPr/>
-              <a:t>219. Ioannidis JPA. How to Make More Published Research True. </a:t>
+              <a:t>221. Ioannidis JPA. How to Make More Published Research True. </a:t>
             </a:r>
             <a:r>
               <a:rPr i="1"/>
@@ -32733,7 +32763,7 @@
             </a:r>
             <a:r>
               <a:rPr>
-                <a:hlinkClick r:id="rId218"/>
+                <a:hlinkClick r:id="rId220"/>
               </a:rPr>
               <a:t>10.1371/journal.pmed.1001747</a:t>
             </a:r>
@@ -32744,11 +32774,11 @@
             </a:pPr>
             <a:r>
               <a:rPr/>
-              <a:t>220. Krieger N, Perzynski A, Dalton J. Projects: A project infrastructure for researchers. 2021. </a:t>
-            </a:r>
-            <a:r>
-              <a:rPr>
-                <a:hlinkClick r:id="rId219"/>
+              <a:t>222. Krieger N, Perzynski A, Dalton J. Projects: A project infrastructure for researchers. 2021. </a:t>
+            </a:r>
+            <a:r>
+              <a:rPr>
+                <a:hlinkClick r:id="rId221"/>
               </a:rPr>
               <a:t>https://CRAN.R-project.org/package=projects.</a:t>
             </a:r>
@@ -32759,7 +32789,7 @@
             </a:pPr>
             <a:r>
               <a:rPr/>
-              <a:t>221. Schwab, Simon, Held, Leonhard. Statistical programming: Small mistakes, big impacts. </a:t>
+              <a:t>223. Schwab, Simon, Held, Leonhard. Statistical programming: Small mistakes, big impacts. </a:t>
             </a:r>
             <a:r>
               <a:rPr i="1"/>
@@ -32771,7 +32801,7 @@
             </a:r>
             <a:r>
               <a:rPr>
-                <a:hlinkClick r:id="rId220"/>
+                <a:hlinkClick r:id="rId222"/>
               </a:rPr>
               <a:t>10.5167/UZH-205154</a:t>
             </a:r>
@@ -32782,7 +32812,7 @@
             </a:pPr>
             <a:r>
               <a:rPr/>
-              <a:t>222. Eglen SJ, Marwick B, Halchenko YO, et al. Toward standard practices for sharing computer code and programs in neuroscience. </a:t>
+              <a:t>224. Eglen SJ, Marwick B, Halchenko YO, et al. Toward standard practices for sharing computer code and programs in neuroscience. </a:t>
             </a:r>
             <a:r>
               <a:rPr i="1"/>
@@ -32794,7 +32824,7 @@
             </a:r>
             <a:r>
               <a:rPr>
-                <a:hlinkClick r:id="rId221"/>
+                <a:hlinkClick r:id="rId223"/>
               </a:rPr>
               <a:t>10.1038/nn.4550</a:t>
             </a:r>
@@ -32805,11 +32835,11 @@
             </a:pPr>
             <a:r>
               <a:rPr/>
-              <a:t>223. Francisco Rodríguez-Sánchez, Connor P. Jackson, Shaurita D. Hutchins. Grateful: Facilitate citation of r packages. 2023. </a:t>
-            </a:r>
-            <a:r>
-              <a:rPr>
-                <a:hlinkClick r:id="rId222"/>
+              <a:t>225. Francisco Rodríguez-Sánchez, Connor P. Jackson, Shaurita D. Hutchins. Grateful: Facilitate citation of r packages. 2023. </a:t>
+            </a:r>
+            <a:r>
+              <a:rPr>
+                <a:hlinkClick r:id="rId224"/>
               </a:rPr>
               <a:t>https://github.com/Pakillo/grateful.</a:t>
             </a:r>
@@ -32820,11 +32850,11 @@
             </a:pPr>
             <a:r>
               <a:rPr/>
-              <a:t>224. Xie Y. formatR: Format r code automatically. 2022. </a:t>
-            </a:r>
-            <a:r>
-              <a:rPr>
-                <a:hlinkClick r:id="rId223"/>
+              <a:t>226. Xie Y. formatR: Format r code automatically. 2022. </a:t>
+            </a:r>
+            <a:r>
+              <a:rPr>
+                <a:hlinkClick r:id="rId225"/>
               </a:rPr>
               <a:t>https://CRAN.R-project.org/package=formatR.</a:t>
             </a:r>
@@ -32835,11 +32865,11 @@
             </a:pPr>
             <a:r>
               <a:rPr/>
-              <a:t>225. Müller K, Walthert L. Styler: Non-invasive pretty printing of r code. 2023. </a:t>
-            </a:r>
-            <a:r>
-              <a:rPr>
-                <a:hlinkClick r:id="rId224"/>
+              <a:t>227. Müller K, Walthert L. Styler: Non-invasive pretty printing of r code. 2023. </a:t>
+            </a:r>
+            <a:r>
+              <a:rPr>
+                <a:hlinkClick r:id="rId226"/>
               </a:rPr>
               <a:t>https://CRAN.R-project.org/package=styler.</a:t>
             </a:r>
@@ -32850,11 +32880,11 @@
             </a:pPr>
             <a:r>
               <a:rPr/>
-              <a:t>226. Nowok B, Raab GM, Dibben C. Synthpop: Bespoke creation of synthetic data in r. 2016;74. doi:</a:t>
-            </a:r>
-            <a:r>
-              <a:rPr>
-                <a:hlinkClick r:id="rId225"/>
+              <a:t>228. Nowok B, Raab GM, Dibben C. Synthpop: Bespoke creation of synthetic data in r. 2016;74. doi:</a:t>
+            </a:r>
+            <a:r>
+              <a:rPr>
+                <a:hlinkClick r:id="rId227"/>
               </a:rPr>
               <a:t>10.18637/jss.v074.i11</a:t>
             </a:r>
@@ -32865,7 +32895,7 @@
             </a:pPr>
             <a:r>
               <a:rPr/>
-              <a:t>227. Zhao Y, Xiao N, Anderson K, Zhang Y. Electronic common technical document submission with analysis using R. </a:t>
+              <a:t>229. Zhao Y, Xiao N, Anderson K, Zhang Y. Electronic common technical document submission with analysis using R. </a:t>
             </a:r>
             <a:r>
               <a:rPr i="1"/>
@@ -32877,7 +32907,7 @@
             </a:r>
             <a:r>
               <a:rPr>
-                <a:hlinkClick r:id="rId226"/>
+                <a:hlinkClick r:id="rId228"/>
               </a:rPr>
               <a:t>10.1177/17407745221123244</a:t>
             </a:r>
@@ -32888,11 +32918,11 @@
             </a:pPr>
             <a:r>
               <a:rPr/>
-              <a:t>228. R Core Team. R: A language and environment for statistical computing. 2023. </a:t>
-            </a:r>
-            <a:r>
-              <a:rPr>
-                <a:hlinkClick r:id="rId227"/>
+              <a:t>230. R Core Team. R: A language and environment for statistical computing. 2023. </a:t>
+            </a:r>
+            <a:r>
+              <a:rPr>
+                <a:hlinkClick r:id="rId229"/>
               </a:rPr>
               <a:t>https://www.R-project.org/.</a:t>
             </a:r>
@@ -32903,11 +32933,11 @@
             </a:pPr>
             <a:r>
               <a:rPr/>
-              <a:t>229. Gohel D, Skintzos P. Flextable: Functions for tabular reporting. 2023. </a:t>
-            </a:r>
-            <a:r>
-              <a:rPr>
-                <a:hlinkClick r:id="rId228"/>
+              <a:t>231. Gohel D, Skintzos P. Flextable: Functions for tabular reporting. 2023. </a:t>
+            </a:r>
+            <a:r>
+              <a:rPr>
+                <a:hlinkClick r:id="rId230"/>
               </a:rPr>
               <a:t>https://CRAN.R-project.org/package=flextable.</a:t>
             </a:r>
@@ -32918,11 +32948,11 @@
             </a:pPr>
             <a:r>
               <a:rPr/>
-              <a:t>230. Urbanek S, Johnson K. Tiff: Read and write TIFF images. 2022. </a:t>
-            </a:r>
-            <a:r>
-              <a:rPr>
-                <a:hlinkClick r:id="rId229"/>
+              <a:t>232. Urbanek S, Johnson K. Tiff: Read and write TIFF images. 2022. </a:t>
+            </a:r>
+            <a:r>
+              <a:rPr>
+                <a:hlinkClick r:id="rId231"/>
               </a:rPr>
               <a:t>https://CRAN.R-project.org/package=tiff.</a:t>
             </a:r>
@@ -32933,7 +32963,7 @@
             </a:pPr>
             <a:r>
               <a:rPr/>
-              <a:t>231. Wallisch C, Bach P, Hafermann L, et al. Review of guidance papers on regression modeling in statistical series of medical journals. Mathes T, ed. </a:t>
+              <a:t>233. Wallisch C, Bach P, Hafermann L, et al. Review of guidance papers on regression modeling in statistical series of medical journals. Mathes T, ed. </a:t>
             </a:r>
             <a:r>
               <a:rPr i="1"/>
@@ -32945,7 +32975,7 @@
             </a:r>
             <a:r>
               <a:rPr>
-                <a:hlinkClick r:id="rId230"/>
+                <a:hlinkClick r:id="rId232"/>
               </a:rPr>
               <a:t>10.1371/journal.pone.0262918</a:t>
             </a:r>
@@ -32956,7 +32986,7 @@
             </a:pPr>
             <a:r>
               <a:rPr/>
-              <a:t>232. Lynggaard H, Bell J, Lösch C, et al. Principles and recommendations for incorporating estimands into clinical study protocol templates. </a:t>
+              <a:t>234. Lynggaard H, Bell J, Lösch C, et al. Principles and recommendations for incorporating estimands into clinical study protocol templates. </a:t>
             </a:r>
             <a:r>
               <a:rPr i="1"/>
@@ -32968,7 +32998,7 @@
             </a:r>
             <a:r>
               <a:rPr>
-                <a:hlinkClick r:id="rId231"/>
+                <a:hlinkClick r:id="rId233"/>
               </a:rPr>
               <a:t>10.1186/s13063-022-06515-2</a:t>
             </a:r>
@@ -32979,7 +33009,7 @@
             </a:pPr>
             <a:r>
               <a:rPr/>
-              <a:t>233. Althouse AD, Below JE, Claggett BL, et al. Recommendations for Statistical Reporting in Cardiovascular Medicine: A Special Report From the American Heart Association. </a:t>
+              <a:t>235. Althouse AD, Below JE, Claggett BL, et al. Recommendations for Statistical Reporting in Cardiovascular Medicine: A Special Report From the American Heart Association. </a:t>
             </a:r>
             <a:r>
               <a:rPr i="1"/>
@@ -32991,7 +33021,7 @@
             </a:r>
             <a:r>
               <a:rPr>
-                <a:hlinkClick r:id="rId232"/>
+                <a:hlinkClick r:id="rId234"/>
               </a:rPr>
               <a:t>10.1161/circulationaha.121.055393</a:t>
             </a:r>
@@ -33002,7 +33032,7 @@
             </a:pPr>
             <a:r>
               <a:rPr/>
-              <a:t>234. Lee KJ, Tilling KM, Cornish RP, et al. Framework for the treatment and reporting of missing data in observational studies: The Treatment And Reporting of Missing data in Observational Studies framework. </a:t>
+              <a:t>236. Lee KJ, Tilling KM, Cornish RP, et al. Framework for the treatment and reporting of missing data in observational studies: The Treatment And Reporting of Missing data in Observational Studies framework. </a:t>
             </a:r>
             <a:r>
               <a:rPr i="1"/>
@@ -33014,7 +33044,7 @@
             </a:r>
             <a:r>
               <a:rPr>
-                <a:hlinkClick r:id="rId233"/>
+                <a:hlinkClick r:id="rId235"/>
               </a:rPr>
               <a:t>10.1016/j.jclinepi.2021.01.008</a:t>
             </a:r>
@@ -33025,7 +33055,7 @@
             </a:pPr>
             <a:r>
               <a:rPr/>
-              <a:t>235. Vickers AJ, Assel MJ, Sjoberg DD, et al. Guidelines for Reporting of Figures and Tables for Clinical Research in Urology. </a:t>
+              <a:t>237. Vickers AJ, Assel MJ, Sjoberg DD, et al. Guidelines for Reporting of Figures and Tables for Clinical Research in Urology. </a:t>
             </a:r>
             <a:r>
               <a:rPr i="1"/>
@@ -33037,7 +33067,7 @@
             </a:r>
             <a:r>
               <a:rPr>
-                <a:hlinkClick r:id="rId234"/>
+                <a:hlinkClick r:id="rId236"/>
               </a:rPr>
               <a:t>10.1016/j.urology.2020.05.002</a:t>
             </a:r>
@@ -33048,7 +33078,7 @@
             </a:pPr>
             <a:r>
               <a:rPr/>
-              <a:t>236. Assel M, Sjoberg D, Elders A, et al. Guidelines for Reporting of Statistics for Clinical Research in Urology. </a:t>
+              <a:t>238. Assel M, Sjoberg D, Elders A, et al. Guidelines for Reporting of Statistics for Clinical Research in Urology. </a:t>
             </a:r>
             <a:r>
               <a:rPr i="1"/>
@@ -33060,7 +33090,7 @@
             </a:r>
             <a:r>
               <a:rPr>
-                <a:hlinkClick r:id="rId235"/>
+                <a:hlinkClick r:id="rId237"/>
               </a:rPr>
               <a:t>10.1097/ju.0000000000000001</a:t>
             </a:r>
@@ -33071,7 +33101,7 @@
             </a:pPr>
             <a:r>
               <a:rPr/>
-              <a:t>237. Gamble C, Krishan A, Stocken D, et al. Guidelines for the Content of Statistical Analysis Plans in Clinical Trials. </a:t>
+              <a:t>239. Gamble C, Krishan A, Stocken D, et al. Guidelines for the Content of Statistical Analysis Plans in Clinical Trials. </a:t>
             </a:r>
             <a:r>
               <a:rPr i="1"/>
@@ -33083,7 +33113,7 @@
             </a:r>
             <a:r>
               <a:rPr>
-                <a:hlinkClick r:id="rId236"/>
+                <a:hlinkClick r:id="rId238"/>
               </a:rPr>
               <a:t>10.1001/jama.2017.18556</a:t>
             </a:r>
@@ -33094,7 +33124,7 @@
             </a:pPr>
             <a:r>
               <a:rPr/>
-              <a:t>238. Lang TA, Altman DG. Basic statistical reporting for articles published in Biomedical Journals: The “Statistical Analyses and Methods in the Published Literature” or the SAMPL Guidelines. </a:t>
+              <a:t>240. Lang TA, Altman DG. Basic statistical reporting for articles published in Biomedical Journals: The “Statistical Analyses and Methods in the Published Literature” or the SAMPL Guidelines. </a:t>
             </a:r>
             <a:r>
               <a:rPr i="1"/>
@@ -33106,7 +33136,7 @@
             </a:r>
             <a:r>
               <a:rPr>
-                <a:hlinkClick r:id="rId237"/>
+                <a:hlinkClick r:id="rId239"/>
               </a:rPr>
               <a:t>10.1016/j.ijnurstu.2014.09.006</a:t>
             </a:r>
@@ -33117,7 +33147,7 @@
             </a:pPr>
             <a:r>
               <a:rPr/>
-              <a:t>239. Weissgerber TL, Milic NM, Winham SJ, Garovic VD. Beyond Bar and Line Graphs: Time for a New Data Presentation Paradigm. </a:t>
+              <a:t>241. Weissgerber TL, Milic NM, Winham SJ, Garovic VD. Beyond Bar and Line Graphs: Time for a New Data Presentation Paradigm. </a:t>
             </a:r>
             <a:r>
               <a:rPr i="1"/>
@@ -33129,7 +33159,7 @@
             </a:r>
             <a:r>
               <a:rPr>
-                <a:hlinkClick r:id="rId238"/>
+                <a:hlinkClick r:id="rId240"/>
               </a:rPr>
               <a:t>10.1371/journal.pbio.1002128</a:t>
             </a:r>
@@ -33140,7 +33170,7 @@
             </a:pPr>
             <a:r>
               <a:rPr/>
-              <a:t>240. Sauerbrei W, Abrahamowicz M, Altman DG, Cessie S, Carpenter J. STRengthening Analytical Thinking for Observational Studies: the STRATOS initiative. </a:t>
+              <a:t>242. Sauerbrei W, Abrahamowicz M, Altman DG, Cessie S, Carpenter J. STRengthening Analytical Thinking for Observational Studies: the STRATOS initiative. </a:t>
             </a:r>
             <a:r>
               <a:rPr i="1"/>
@@ -33152,7 +33182,7 @@
             </a:r>
             <a:r>
               <a:rPr>
-                <a:hlinkClick r:id="rId239"/>
+                <a:hlinkClick r:id="rId241"/>
               </a:rPr>
               <a:t>10.1002/sim.6265</a:t>
             </a:r>
@@ -33163,7 +33193,7 @@
             </a:pPr>
             <a:r>
               <a:rPr/>
-              <a:t>241. Groves T. Research methods and reporting. </a:t>
+              <a:t>243. Groves T. Research methods and reporting. </a:t>
             </a:r>
             <a:r>
               <a:rPr i="1"/>
@@ -33175,7 +33205,7 @@
             </a:r>
             <a:r>
               <a:rPr>
-                <a:hlinkClick r:id="rId240"/>
+                <a:hlinkClick r:id="rId242"/>
               </a:rPr>
               <a:t>10.1136/bmj.a2201</a:t>
             </a:r>
@@ -33186,7 +33216,7 @@
             </a:pPr>
             <a:r>
               <a:rPr/>
-              <a:t>242. Stratton IM, Neil A. How to ensure your paper is rejected by the statistical reviewer. </a:t>
+              <a:t>244. Stratton IM, Neil A. How to ensure your paper is rejected by the statistical reviewer. </a:t>
             </a:r>
             <a:r>
               <a:rPr i="1"/>
@@ -33198,7 +33228,7 @@
             </a:r>
             <a:r>
               <a:rPr>
-                <a:hlinkClick r:id="rId241"/>
+                <a:hlinkClick r:id="rId243"/>
               </a:rPr>
               <a:t>10.1111/j.1464-5491.2004.01443.x</a:t>
             </a:r>
@@ -33209,7 +33239,7 @@
             </a:pPr>
             <a:r>
               <a:rPr/>
-              <a:t>243. Mansournia MA, Collins GS, Nielsen RO, et al. A CHecklist for statistical Assessment of Medical Papers (the CHAMP statement): explanation and elaboration. </a:t>
+              <a:t>245. Mansournia MA, Collins GS, Nielsen RO, et al. A CHecklist for statistical Assessment of Medical Papers (the CHAMP statement): explanation and elaboration. </a:t>
             </a:r>
             <a:r>
               <a:rPr i="1"/>
@@ -33221,7 +33251,7 @@
             </a:r>
             <a:r>
               <a:rPr>
-                <a:hlinkClick r:id="rId242"/>
+                <a:hlinkClick r:id="rId244"/>
               </a:rPr>
               <a:t>10.1136/bjsports-2020-103652</a:t>
             </a:r>
@@ -33232,7 +33262,7 @@
             </a:pPr>
             <a:r>
               <a:rPr/>
-              <a:t>244. Gil-Sierra MD, Fénix-Caballero S, Abdel kader-Martin L, et al. Checklist for clinical applicability of subgroup analysis. </a:t>
+              <a:t>246. Gil-Sierra MD, Fénix-Caballero S, Abdel kader-Martin L, et al. Checklist for clinical applicability of subgroup analysis. </a:t>
             </a:r>
             <a:r>
               <a:rPr i="1"/>
@@ -33244,7 +33274,7 @@
             </a:r>
             <a:r>
               <a:rPr>
-                <a:hlinkClick r:id="rId243"/>
+                <a:hlinkClick r:id="rId245"/>
               </a:rPr>
               <a:t>10.1111/jcpt.13102</a:t>
             </a:r>
@@ -33255,7 +33285,7 @@
             </a:pPr>
             <a:r>
               <a:rPr/>
-              <a:t>245. Altman DG, Simera I, Hoey J, Moher D, Schulz K. EQUATOR: reporting guidelines for health research. </a:t>
+              <a:t>247. Altman DG, Simera I, Hoey J, Moher D, Schulz K. EQUATOR: reporting guidelines for health research. </a:t>
             </a:r>
             <a:r>
               <a:rPr i="1"/>
@@ -33267,7 +33297,7 @@
             </a:r>
             <a:r>
               <a:rPr>
-                <a:hlinkClick r:id="rId244"/>
+                <a:hlinkClick r:id="rId246"/>
               </a:rPr>
               <a:t>10.1016/s0140-6736(08)60505-x</a:t>
             </a:r>
@@ -47237,6 +47267,42 @@
               <a:buNone/>
             </a:pPr>
           </a:p>
+          <a:p>
+            <a:pPr lvl="0" indent="0" marL="0">
+              <a:buNone/>
+            </a:pPr>
+            <a:r>
+              <a:rPr/>
+              <a:t>O pacote </a:t>
+            </a:r>
+            <a:r>
+              <a:rPr i="1"/>
+              <a:t>grDevices</a:t>
+            </a:r>
+            <a:r>
+              <a:rPr baseline="30000"/>
+              <a:t>119</a:t>
+            </a:r>
+            <a:r>
+              <a:rPr/>
+              <a:t> fornece a função </a:t>
+            </a:r>
+            <a:r>
+              <a:rPr i="1">
+                <a:hlinkClick r:id="rId8"/>
+              </a:rPr>
+              <a:t>dev.new</a:t>
+            </a:r>
+            <a:r>
+              <a:rPr/>
+              <a:t> para controlar diversos aspectos do gráfico, tais como tamanho e resolução.</a:t>
+            </a:r>
+          </a:p>
+          <a:p>
+            <a:pPr lvl="0" indent="0" marL="0">
+              <a:buNone/>
+            </a:pPr>
+          </a:p>
         </p:txBody>
       </p:sp>
     </p:spTree>
@@ -47453,7 +47519,7 @@
                 </a:r>
                 <a:r>
                   <a:rPr baseline="30000"/>
-                  <a:t>119</a:t>
+                  <a:t>120</a:t>
                 </a:r>
               </a:p>
               <a:p>
@@ -47481,7 +47547,7 @@
                 </a:r>
                 <a:r>
                   <a:rPr baseline="30000"/>
-                  <a:t>120</a:t>
+                  <a:t>121</a:t>
                 </a:r>
               </a:p>
               <a:p>
@@ -47492,7 +47558,7 @@
                 </a:r>
                 <a:r>
                   <a:rPr baseline="30000"/>
-                  <a:t>120</a:t>
+                  <a:t>121</a:t>
                 </a:r>
               </a:p>
               <a:p>
@@ -47635,7 +47701,7 @@
             </a:r>
             <a:r>
               <a:rPr baseline="30000"/>
-              <a:t>119</a:t>
+              <a:t>120</a:t>
             </a:r>
           </a:p>
           <a:p>
@@ -47674,7 +47740,7 @@
             </a:r>
             <a:r>
               <a:rPr baseline="30000"/>
-              <a:t>121</a:t>
+              <a:t>122</a:t>
             </a:r>
           </a:p>
           <a:p>
@@ -47685,7 +47751,7 @@
             </a:r>
             <a:r>
               <a:rPr baseline="30000"/>
-              <a:t>121</a:t>
+              <a:t>122</a:t>
             </a:r>
           </a:p>
           <a:p>
@@ -47696,7 +47762,7 @@
             </a:r>
             <a:r>
               <a:rPr baseline="30000"/>
-              <a:t>121</a:t>
+              <a:t>122</a:t>
             </a:r>
           </a:p>
           <a:p>
@@ -47707,7 +47773,7 @@
             </a:r>
             <a:r>
               <a:rPr baseline="30000"/>
-              <a:t>121</a:t>
+              <a:t>122</a:t>
             </a:r>
           </a:p>
           <a:p>
@@ -47718,7 +47784,7 @@
             </a:r>
             <a:r>
               <a:rPr baseline="30000"/>
-              <a:t>121</a:t>
+              <a:t>122</a:t>
             </a:r>
           </a:p>
           <a:p>
@@ -47729,7 +47795,7 @@
             </a:r>
             <a:r>
               <a:rPr baseline="30000"/>
-              <a:t>121</a:t>
+              <a:t>122</a:t>
             </a:r>
           </a:p>
           <a:p>
@@ -48063,7 +48129,7 @@
                 </a:r>
                 <a:r>
                   <a:rPr baseline="30000"/>
-                  <a:t>119</a:t>
+                  <a:t>120</a:t>
                 </a:r>
               </a:p>
               <a:p>
@@ -48091,7 +48157,7 @@
                 </a:r>
                 <a:r>
                   <a:rPr baseline="30000"/>
-                  <a:t>122</a:t>
+                  <a:t>123</a:t>
                 </a:r>
               </a:p>
               <a:p>
@@ -48102,7 +48168,7 @@
                 </a:r>
                 <a:r>
                   <a:rPr baseline="30000"/>
-                  <a:t>122</a:t>
+                  <a:t>123</a:t>
                 </a:r>
               </a:p>
               <a:p>
@@ -48113,7 +48179,7 @@
                 </a:r>
                 <a:r>
                   <a:rPr baseline="30000"/>
-                  <a:t>122</a:t>
+                  <a:t>123</a:t>
                 </a:r>
               </a:p>
               <a:p>
@@ -48124,7 +48190,7 @@
                 </a:r>
                 <a:r>
                   <a:rPr baseline="30000"/>
-                  <a:t>122</a:t>
+                  <a:t>123</a:t>
                 </a:r>
               </a:p>
               <a:p>
@@ -48314,7 +48380,7 @@
                 </a:r>
                 <a:r>
                   <a:rPr baseline="30000"/>
-                  <a:t>123</a:t>
+                  <a:t>124</a:t>
                 </a:r>
               </a:p>
               <a:p>
@@ -48325,7 +48391,7 @@
                 </a:r>
                 <a:r>
                   <a:rPr baseline="30000"/>
-                  <a:t>123</a:t>
+                  <a:t>124</a:t>
                 </a:r>
               </a:p>
               <a:p>
@@ -48442,7 +48508,7 @@
                 </a:r>
                 <a:r>
                   <a:rPr baseline="30000"/>
-                  <a:t>124</a:t>
+                  <a:t>125</a:t>
                 </a:r>
               </a:p>
               <a:p>
@@ -48473,7 +48539,7 @@
                 </a:r>
                 <a:r>
                   <a:rPr baseline="30000"/>
-                  <a:t>125</a:t>
+                  <a:t>126</a:t>
                 </a:r>
               </a:p>
               <a:p>
@@ -48521,7 +48587,7 @@
                 </a:r>
                 <a:r>
                   <a:rPr baseline="30000"/>
-                  <a:t>124</a:t>
+                  <a:t>125</a:t>
                 </a:r>
               </a:p>
               <a:p>
@@ -48532,7 +48598,7 @@
                 </a:r>
                 <a:r>
                   <a:rPr baseline="30000"/>
-                  <a:t>124</a:t>
+                  <a:t>125</a:t>
                 </a:r>
               </a:p>
               <a:p>
@@ -48543,7 +48609,7 @@
                 </a:r>
                 <a:r>
                   <a:rPr baseline="30000"/>
-                  <a:t>124</a:t>
+                  <a:t>125</a:t>
                 </a:r>
               </a:p>
               <a:p>
@@ -48574,7 +48640,7 @@
                 </a:r>
                 <a:r>
                   <a:rPr baseline="30000"/>
-                  <a:t>126</a:t>
+                  <a:t>127</a:t>
                 </a:r>
               </a:p>
               <a:p>
@@ -48585,7 +48651,7 @@
                 </a:r>
                 <a:r>
                   <a:rPr baseline="30000"/>
-                  <a:t>94,125</a:t>
+                  <a:t>94,126</a:t>
                 </a:r>
               </a:p>
               <a:p>
@@ -48633,7 +48699,7 @@
                 </a:r>
                 <a:r>
                   <a:rPr baseline="30000"/>
-                  <a:t>124</a:t>
+                  <a:t>125</a:t>
                 </a:r>
               </a:p>
               <a:p>
@@ -48644,7 +48710,7 @@
                 </a:r>
                 <a:r>
                   <a:rPr baseline="30000"/>
-                  <a:t>124</a:t>
+                  <a:t>125</a:t>
                 </a:r>
               </a:p>
               <a:p>
@@ -48672,7 +48738,7 @@
                 </a:r>
                 <a:r>
                   <a:rPr baseline="30000"/>
-                  <a:t>124</a:t>
+                  <a:t>125</a:t>
                 </a:r>
               </a:p>
               <a:p>
@@ -48683,7 +48749,7 @@
                 </a:r>
                 <a:r>
                   <a:rPr baseline="30000"/>
-                  <a:t>124</a:t>
+                  <a:t>125</a:t>
                 </a:r>
               </a:p>
               <a:p>
@@ -48694,7 +48760,7 @@
                 </a:r>
                 <a:r>
                   <a:rPr baseline="30000"/>
-                  <a:t>124</a:t>
+                  <a:t>125</a:t>
                 </a:r>
               </a:p>
               <a:p>
@@ -48811,7 +48877,7 @@
                 </a:r>
                 <a:r>
                   <a:rPr baseline="30000"/>
-                  <a:t>127</a:t>
+                  <a:t>128</a:t>
                 </a:r>
               </a:p>
               <a:p>
@@ -48839,7 +48905,7 @@
                 </a:r>
                 <a:r>
                   <a:rPr baseline="30000"/>
-                  <a:t>123</a:t>
+                  <a:t>124</a:t>
                 </a:r>
               </a:p>
               <a:p>
@@ -48867,7 +48933,7 @@
                 </a:r>
                 <a:r>
                   <a:rPr baseline="30000"/>
-                  <a:t>123,127</a:t>
+                  <a:t>124,128</a:t>
                 </a:r>
               </a:p>
               <a:p>
@@ -48955,7 +49021,7 @@
                 </a:r>
                 <a:r>
                   <a:rPr baseline="30000"/>
-                  <a:t>123,127</a:t>
+                  <a:t>124,128</a:t>
                 </a:r>
               </a:p>
               <a:p>
@@ -49028,7 +49094,7 @@
                 </a:r>
                 <a:r>
                   <a:rPr baseline="30000"/>
-                  <a:t>127</a:t>
+                  <a:t>128</a:t>
                 </a:r>
               </a:p>
               <a:p>
@@ -49165,7 +49231,7 @@
                 </a:r>
                 <a:r>
                   <a:rPr baseline="30000"/>
-                  <a:t>119</a:t>
+                  <a:t>120</a:t>
                 </a:r>
               </a:p>
               <a:p>
@@ -49196,7 +49262,7 @@
                 </a:r>
                 <a:r>
                   <a:rPr baseline="30000"/>
-                  <a:t>119</a:t>
+                  <a:t>120</a:t>
                 </a:r>
               </a:p>
               <a:p>
@@ -49224,7 +49290,7 @@
                 </a:r>
                 <a:r>
                   <a:rPr baseline="30000"/>
-                  <a:t>128</a:t>
+                  <a:t>129</a:t>
                 </a:r>
               </a:p>
               <a:p>
@@ -49257,7 +49323,7 @@
                 </a:r>
                 <a:r>
                   <a:rPr baseline="30000"/>
-                  <a:t>128</a:t>
+                  <a:t>129</a:t>
                 </a:r>
               </a:p>
               <a:p>
@@ -49288,7 +49354,7 @@
                 </a:r>
                 <a:r>
                   <a:rPr baseline="30000"/>
-                  <a:t>128</a:t>
+                  <a:t>129</a:t>
                 </a:r>
               </a:p>
               <a:p>
@@ -49316,7 +49382,7 @@
                 </a:r>
                 <a:r>
                   <a:rPr baseline="30000"/>
-                  <a:t>128</a:t>
+                  <a:t>129</a:t>
                 </a:r>
               </a:p>
               <a:p>
@@ -49327,7 +49393,7 @@
                 </a:r>
                 <a:r>
                   <a:rPr baseline="30000"/>
-                  <a:t>128</a:t>
+                  <a:t>129</a:t>
                 </a:r>
               </a:p>
               <a:p>
@@ -49383,7 +49449,7 @@
                 </a:r>
                 <a:r>
                   <a:rPr baseline="30000"/>
-                  <a:t>101,128</a:t>
+                  <a:t>101,129</a:t>
                 </a:r>
               </a:p>
               <a:p>
@@ -49422,7 +49488,7 @@
                 </a:r>
                 <a:r>
                   <a:rPr baseline="30000"/>
-                  <a:t>128</a:t>
+                  <a:t>129</a:t>
                 </a:r>
               </a:p>
               <a:p>
@@ -49539,7 +49605,7 @@
                 </a:r>
                 <a:r>
                   <a:rPr baseline="30000"/>
-                  <a:t>119</a:t>
+                  <a:t>120</a:t>
                 </a:r>
               </a:p>
               <a:p>
@@ -49587,7 +49653,7 @@
                 </a:r>
                 <a:r>
                   <a:rPr baseline="30000"/>
-                  <a:t>119</a:t>
+                  <a:t>120</a:t>
                 </a:r>
               </a:p>
               <a:p>
@@ -49635,7 +49701,7 @@
                 </a:r>
                 <a:r>
                   <a:rPr baseline="30000"/>
-                  <a:t>119</a:t>
+                  <a:t>120</a:t>
                 </a:r>
               </a:p>
               <a:p>
@@ -49885,7 +49951,7 @@
                 </a:r>
                 <a:r>
                   <a:rPr baseline="30000"/>
-                  <a:t>129</a:t>
+                  <a:t>130</a:t>
                 </a:r>
               </a:p>
               <a:p>
@@ -49916,7 +49982,7 @@
                 </a:r>
                 <a:r>
                   <a:rPr baseline="30000"/>
-                  <a:t>129</a:t>
+                  <a:t>130</a:t>
                 </a:r>
               </a:p>
               <a:p>
@@ -50011,7 +50077,7 @@
                 </a:r>
                 <a:r>
                   <a:rPr baseline="30000"/>
-                  <a:t>129</a:t>
+                  <a:t>130</a:t>
                 </a:r>
               </a:p>
               <a:p>
@@ -50022,7 +50088,7 @@
                 </a:r>
                 <a:r>
                   <a:rPr baseline="30000"/>
-                  <a:t>129</a:t>
+                  <a:t>130</a:t>
                 </a:r>
               </a:p>
               <a:p>
@@ -50070,7 +50136,7 @@
                 </a:r>
                 <a:r>
                   <a:rPr baseline="30000"/>
-                  <a:t>130</a:t>
+                  <a:t>131</a:t>
                 </a:r>
               </a:p>
               <a:p>
@@ -50118,7 +50184,7 @@
                 </a:r>
                 <a:r>
                   <a:rPr baseline="30000"/>
-                  <a:t>131</a:t>
+                  <a:t>132</a:t>
                 </a:r>
               </a:p>
               <a:p>
@@ -50149,7 +50215,7 @@
                 </a:r>
                 <a:r>
                   <a:rPr baseline="30000"/>
-                  <a:t>131</a:t>
+                  <a:t>132</a:t>
                 </a:r>
               </a:p>
               <a:p>
@@ -50177,7 +50243,7 @@
                 </a:r>
                 <a:r>
                   <a:rPr baseline="30000"/>
-                  <a:t>132</a:t>
+                  <a:t>133</a:t>
                 </a:r>
               </a:p>
               <a:p>
@@ -50188,7 +50254,7 @@
                 </a:r>
                 <a:r>
                   <a:rPr baseline="30000"/>
-                  <a:t>132</a:t>
+                  <a:t>133</a:t>
                 </a:r>
               </a:p>
               <a:p>
@@ -50236,7 +50302,7 @@
                 </a:r>
                 <a:r>
                   <a:rPr baseline="30000"/>
-                  <a:t>133</a:t>
+                  <a:t>134</a:t>
                 </a:r>
               </a:p>
               <a:p>
@@ -50267,7 +50333,7 @@
                 </a:r>
                 <a:r>
                   <a:rPr baseline="30000"/>
-                  <a:t>133</a:t>
+                  <a:t>134</a:t>
                 </a:r>
               </a:p>
               <a:p>
@@ -50278,7 +50344,7 @@
                 </a:r>
                 <a:r>
                   <a:rPr baseline="30000"/>
-                  <a:t>133</a:t>
+                  <a:t>134</a:t>
                 </a:r>
               </a:p>
               <a:p>
@@ -50451,7 +50517,7 @@
             </a:r>
             <a:r>
               <a:rPr baseline="30000"/>
-              <a:t>134</a:t>
+              <a:t>135</a:t>
             </a:r>
           </a:p>
           <a:p>
@@ -50462,7 +50528,7 @@
             </a:r>
             <a:r>
               <a:rPr baseline="30000"/>
-              <a:t>134</a:t>
+              <a:t>135</a:t>
             </a:r>
           </a:p>
           <a:p>
@@ -50575,17 +50641,6 @@
             </a:r>
             <a:r>
               <a:rPr baseline="30000"/>
-              <a:t>135</a:t>
-            </a:r>
-          </a:p>
-          <a:p>
-            <a:pPr lvl="0"/>
-            <a:r>
-              <a:rPr/>
-              <a:t>.</a:t>
-            </a:r>
-            <a:r>
-              <a:rPr baseline="30000"/>
               <a:t>136</a:t>
             </a:r>
           </a:p>
@@ -50653,6 +50708,17 @@
             <a:r>
               <a:rPr baseline="30000"/>
               <a:t>142</a:t>
+            </a:r>
+          </a:p>
+          <a:p>
+            <a:pPr lvl="0"/>
+            <a:r>
+              <a:rPr/>
+              <a:t>.</a:t>
+            </a:r>
+            <a:r>
+              <a:rPr baseline="30000"/>
+              <a:t>143</a:t>
             </a:r>
           </a:p>
           <a:p>
@@ -51061,7 +51127,7 @@
             </a:r>
             <a:r>
               <a:rPr baseline="30000"/>
-              <a:t>143</a:t>
+              <a:t>144</a:t>
             </a:r>
             <a:r>
               <a:rPr/>
@@ -51099,7 +51165,7 @@
             </a:r>
             <a:r>
               <a:rPr baseline="30000"/>
-              <a:t>144</a:t>
+              <a:t>145</a:t>
             </a:r>
           </a:p>
           <a:p>
@@ -51395,7 +51461,7 @@
                 </a:r>
                 <a:r>
                   <a:rPr baseline="30000"/>
-                  <a:t>62,145,146</a:t>
+                  <a:t>62,146,147</a:t>
                 </a:r>
               </a:p>
               <a:p>
@@ -51406,7 +51472,7 @@
                 </a:r>
                 <a:r>
                   <a:rPr baseline="30000"/>
-                  <a:t>145,146</a:t>
+                  <a:t>146,147</a:t>
                 </a:r>
               </a:p>
               <a:p>
@@ -51417,7 +51483,7 @@
                 </a:r>
                 <a:r>
                   <a:rPr baseline="30000"/>
-                  <a:t>145,146</a:t>
+                  <a:t>146,147</a:t>
                 </a:r>
               </a:p>
               <a:p>
@@ -51439,7 +51505,7 @@
                 </a:r>
                 <a:r>
                   <a:rPr baseline="30000"/>
-                  <a:t>145,146</a:t>
+                  <a:t>146,147</a:t>
                 </a:r>
               </a:p>
               <a:p>
@@ -51467,7 +51533,7 @@
                 </a:r>
                 <a:r>
                   <a:rPr baseline="30000"/>
-                  <a:t>145</a:t>
+                  <a:t>146</a:t>
                 </a:r>
               </a:p>
               <a:p>
@@ -51478,7 +51544,7 @@
                 </a:r>
                 <a:r>
                   <a:rPr baseline="30000"/>
-                  <a:t>145</a:t>
+                  <a:t>146</a:t>
                 </a:r>
               </a:p>
               <a:p>
@@ -51517,7 +51583,7 @@
                 </a:r>
                 <a:r>
                   <a:rPr baseline="30000"/>
-                  <a:t>145,146</a:t>
+                  <a:t>146,147</a:t>
                 </a:r>
               </a:p>
               <a:p>
@@ -51539,7 +51605,7 @@
                 </a:r>
                 <a:r>
                   <a:rPr baseline="30000"/>
-                  <a:t>145,146</a:t>
+                  <a:t>146,147</a:t>
                 </a:r>
               </a:p>
               <a:p>
@@ -51550,7 +51616,7 @@
                 </a:r>
                 <a:r>
                   <a:rPr baseline="30000"/>
-                  <a:t>145,146</a:t>
+                  <a:t>146,147</a:t>
                 </a:r>
               </a:p>
               <a:p>
@@ -51561,7 +51627,7 @@
                 </a:r>
                 <a:r>
                   <a:rPr baseline="30000"/>
-                  <a:t>146</a:t>
+                  <a:t>147</a:t>
                 </a:r>
               </a:p>
               <a:p>
@@ -51658,7 +51724,7 @@
                 </a:r>
                 <a:r>
                   <a:rPr baseline="30000"/>
-                  <a:t>145,146</a:t>
+                  <a:t>146,147</a:t>
                 </a:r>
               </a:p>
               <a:p>
@@ -51759,7 +51825,7 @@
                 </a:r>
                 <a:r>
                   <a:rPr baseline="30000"/>
-                  <a:t>145</a:t>
+                  <a:t>146</a:t>
                 </a:r>
               </a:p>
               <a:p>
@@ -51790,7 +51856,7 @@
                 </a:r>
                 <a:r>
                   <a:rPr baseline="30000"/>
-                  <a:t>145</a:t>
+                  <a:t>146</a:t>
                 </a:r>
               </a:p>
               <a:p>
@@ -51801,7 +51867,7 @@
                 </a:r>
                 <a:r>
                   <a:rPr baseline="30000"/>
-                  <a:t>145</a:t>
+                  <a:t>146</a:t>
                 </a:r>
               </a:p>
               <a:p>
@@ -51812,7 +51878,7 @@
                 </a:r>
                 <a:r>
                   <a:rPr baseline="30000"/>
-                  <a:t>145</a:t>
+                  <a:t>146</a:t>
                 </a:r>
               </a:p>
               <a:p>
@@ -51927,7 +51993,7 @@
                 </a:r>
                 <a:r>
                   <a:rPr baseline="30000"/>
-                  <a:t>145</a:t>
+                  <a:t>146</a:t>
                 </a:r>
               </a:p>
               <a:p>
@@ -52037,7 +52103,7 @@
                 </a:r>
                 <a:r>
                   <a:rPr baseline="30000"/>
-                  <a:t>145,146</a:t>
+                  <a:t>146,147</a:t>
                 </a:r>
               </a:p>
               <a:p>
@@ -52059,7 +52125,7 @@
                 </a:r>
                 <a:r>
                   <a:rPr baseline="30000"/>
-                  <a:t>145,146</a:t>
+                  <a:t>146,147</a:t>
                 </a:r>
               </a:p>
               <a:p>
@@ -52100,7 +52166,7 @@
                 </a:r>
                 <a:r>
                   <a:rPr baseline="30000"/>
-                  <a:t>145,146</a:t>
+                  <a:t>146,147</a:t>
                 </a:r>
               </a:p>
               <a:p>
@@ -52111,7 +52177,7 @@
                 </a:r>
                 <a:r>
                   <a:rPr baseline="30000"/>
-                  <a:t>145,146</a:t>
+                  <a:t>146,147</a:t>
                 </a:r>
               </a:p>
               <a:p>
@@ -52122,7 +52188,7 @@
                 </a:r>
                 <a:r>
                   <a:rPr baseline="30000"/>
-                  <a:t>145,146</a:t>
+                  <a:t>146,147</a:t>
                 </a:r>
               </a:p>
               <a:p>
@@ -52219,7 +52285,7 @@
                 </a:r>
                 <a:r>
                   <a:rPr baseline="30000"/>
-                  <a:t>145,146</a:t>
+                  <a:t>146,147</a:t>
                 </a:r>
               </a:p>
               <a:p>
@@ -52306,7 +52372,7 @@
                 </a:r>
                 <a:r>
                   <a:rPr baseline="30000"/>
-                  <a:t>147</a:t>
+                  <a:t>148</a:t>
                 </a:r>
                 <a:r>
                   <a:rPr/>
@@ -52342,7 +52408,7 @@
                 </a:r>
                 <a:r>
                   <a:rPr baseline="30000"/>
-                  <a:t>147</a:t>
+                  <a:t>148</a:t>
                 </a:r>
                 <a:r>
                   <a:rPr/>
@@ -52533,6 +52599,42 @@
               <a:buNone/>
             </a:pPr>
           </a:p>
+          <a:p>
+            <a:pPr lvl="0" indent="0" marL="0">
+              <a:buNone/>
+            </a:pPr>
+            <a:r>
+              <a:rPr/>
+              <a:t>O pacote </a:t>
+            </a:r>
+            <a:r>
+              <a:rPr i="1"/>
+              <a:t>cooccur</a:t>
+            </a:r>
+            <a:r>
+              <a:rPr baseline="30000"/>
+              <a:t>149</a:t>
+            </a:r>
+            <a:r>
+              <a:rPr/>
+              <a:t> fornece a função </a:t>
+            </a:r>
+            <a:r>
+              <a:rPr i="1">
+                <a:hlinkClick r:id="rId2"/>
+              </a:rPr>
+              <a:t>cooccur</a:t>
+            </a:r>
+            <a:r>
+              <a:rPr/>
+              <a:t> para criar calcular a coocorrência de objetos em um banco de dados.</a:t>
+            </a:r>
+          </a:p>
+          <a:p>
+            <a:pPr lvl="0" indent="0" marL="0">
+              <a:buNone/>
+            </a:pPr>
+          </a:p>
         </p:txBody>
       </p:sp>
     </p:spTree>
@@ -52851,7 +52953,7 @@
                 </a:r>
                 <a:r>
                   <a:rPr baseline="30000"/>
-                  <a:t>148,149</a:t>
+                  <a:t>150,151</a:t>
                 </a:r>
               </a:p>
               <a:p>
@@ -52882,7 +52984,7 @@
                 </a:r>
                 <a:r>
                   <a:rPr baseline="30000"/>
-                  <a:t>149</a:t>
+                  <a:t>151</a:t>
                 </a:r>
               </a:p>
               <a:p>
@@ -52893,7 +52995,7 @@
                 </a:r>
                 <a:r>
                   <a:rPr baseline="30000"/>
-                  <a:t>149</a:t>
+                  <a:t>151</a:t>
                 </a:r>
               </a:p>
               <a:p>
@@ -52904,7 +53006,7 @@
                 </a:r>
                 <a:r>
                   <a:rPr baseline="30000"/>
-                  <a:t>148,149</a:t>
+                  <a:t>150,151</a:t>
                 </a:r>
               </a:p>
               <a:p>
@@ -52915,7 +53017,7 @@
                 </a:r>
                 <a:r>
                   <a:rPr baseline="30000"/>
-                  <a:t>148,149</a:t>
+                  <a:t>150,151</a:t>
                 </a:r>
               </a:p>
               <a:p>
@@ -52961,7 +53063,7 @@
                 </a:r>
                 <a:r>
                   <a:rPr baseline="30000"/>
-                  <a:t>149</a:t>
+                  <a:t>151</a:t>
                 </a:r>
               </a:p>
               <a:p>
@@ -53026,7 +53128,7 @@
                 </a:r>
                 <a:r>
                   <a:rPr baseline="30000"/>
-                  <a:t>149</a:t>
+                  <a:t>151</a:t>
                 </a:r>
               </a:p>
               <a:p>
@@ -53119,7 +53221,7 @@
                 </a:r>
                 <a:r>
                   <a:rPr baseline="30000"/>
-                  <a:t>150</a:t>
+                  <a:t>152</a:t>
                 </a:r>
                 <a:r>
                   <a:rPr/>
@@ -53169,7 +53271,7 @@
                 </a:r>
                 <a:r>
                   <a:rPr baseline="30000"/>
-                  <a:t>148,149</a:t>
+                  <a:t>150,151</a:t>
                 </a:r>
               </a:p>
               <a:p>
@@ -53180,7 +53282,7 @@
                 </a:r>
                 <a:r>
                   <a:rPr baseline="30000"/>
-                  <a:t>149</a:t>
+                  <a:t>151</a:t>
                 </a:r>
               </a:p>
               <a:p>
@@ -53191,7 +53293,7 @@
                 </a:r>
                 <a:r>
                   <a:rPr baseline="30000"/>
-                  <a:t>148,149</a:t>
+                  <a:t>150,151</a:t>
                 </a:r>
               </a:p>
               <a:p>
@@ -53256,7 +53358,7 @@
                 </a:r>
                 <a:r>
                   <a:rPr baseline="30000"/>
-                  <a:t>148,149</a:t>
+                  <a:t>150,151</a:t>
                 </a:r>
               </a:p>
               <a:p>
@@ -53349,7 +53451,7 @@
                 </a:r>
                 <a:r>
                   <a:rPr baseline="30000"/>
-                  <a:t>150</a:t>
+                  <a:t>152</a:t>
                 </a:r>
                 <a:r>
                   <a:rPr/>
@@ -53390,7 +53492,7 @@
                 </a:r>
                 <a:r>
                   <a:rPr baseline="30000"/>
-                  <a:t>145,146</a:t>
+                  <a:t>146,147</a:t>
                 </a:r>
               </a:p>
               <a:p>
@@ -53412,7 +53514,7 @@
                 </a:r>
                 <a:r>
                   <a:rPr baseline="30000"/>
-                  <a:t>145,146</a:t>
+                  <a:t>146,147</a:t>
                 </a:r>
               </a:p>
               <a:p>
@@ -53434,7 +53536,7 @@
                 </a:r>
                 <a:r>
                   <a:rPr baseline="30000"/>
-                  <a:t>145,146</a:t>
+                  <a:t>146,147</a:t>
                 </a:r>
               </a:p>
               <a:p>
@@ -53445,7 +53547,7 @@
                 </a:r>
                 <a:r>
                   <a:rPr baseline="30000"/>
-                  <a:t>145,146</a:t>
+                  <a:t>146,147</a:t>
                 </a:r>
               </a:p>
               <a:p>
@@ -53456,7 +53558,7 @@
                 </a:r>
                 <a:r>
                   <a:rPr baseline="30000"/>
-                  <a:t>145,146</a:t>
+                  <a:t>146,147</a:t>
                 </a:r>
               </a:p>
               <a:p>
@@ -53553,7 +53655,7 @@
                 </a:r>
                 <a:r>
                   <a:rPr baseline="30000"/>
-                  <a:t>145,146</a:t>
+                  <a:t>146,147</a:t>
                 </a:r>
               </a:p>
               <a:p>
@@ -53787,7 +53889,7 @@
             </a:r>
             <a:r>
               <a:rPr baseline="30000"/>
-              <a:t>131</a:t>
+              <a:t>132</a:t>
             </a:r>
           </a:p>
           <a:p>
@@ -53826,7 +53928,7 @@
             </a:r>
             <a:r>
               <a:rPr baseline="30000"/>
-              <a:t>151</a:t>
+              <a:t>153</a:t>
             </a:r>
           </a:p>
           <a:p>
@@ -53837,7 +53939,7 @@
             </a:r>
             <a:r>
               <a:rPr baseline="30000"/>
-              <a:t>151</a:t>
+              <a:t>153</a:t>
             </a:r>
           </a:p>
           <a:p>
@@ -53848,7 +53950,7 @@
             </a:r>
             <a:r>
               <a:rPr baseline="30000"/>
-              <a:t>151</a:t>
+              <a:t>153</a:t>
             </a:r>
           </a:p>
           <a:p>
@@ -53870,7 +53972,7 @@
             </a:r>
             <a:r>
               <a:rPr baseline="30000"/>
-              <a:t>152</a:t>
+              <a:t>154</a:t>
             </a:r>
             <a:r>
               <a:rPr/>
@@ -54053,7 +54155,7 @@
                 </a:r>
                 <a:r>
                   <a:rPr baseline="30000"/>
-                  <a:t>153</a:t>
+                  <a:t>155</a:t>
                 </a:r>
               </a:p>
               <a:p>
@@ -54064,7 +54166,7 @@
                 </a:r>
                 <a:r>
                   <a:rPr baseline="30000"/>
-                  <a:t>154</a:t>
+                  <a:t>156</a:t>
                 </a:r>
               </a:p>
               <a:p>
@@ -54075,7 +54177,7 @@
                 </a:r>
                 <a:r>
                   <a:rPr baseline="30000"/>
-                  <a:t>154</a:t>
+                  <a:t>156</a:t>
                 </a:r>
               </a:p>
               <a:p>
@@ -54097,7 +54199,7 @@
                 </a:r>
                 <a:r>
                   <a:rPr baseline="30000"/>
-                  <a:t>155</a:t>
+                  <a:t>157</a:t>
                 </a:r>
                 <a:r>
                   <a:rPr/>
@@ -54139,7 +54241,7 @@
                 </a:r>
                 <a:r>
                   <a:rPr baseline="30000"/>
-                  <a:t>126,156,157</a:t>
+                  <a:t>127,158,159</a:t>
                 </a:r>
               </a:p>
               <a:p>
@@ -54150,7 +54252,7 @@
                 </a:r>
                 <a:r>
                   <a:rPr baseline="30000"/>
-                  <a:t>156,157</a:t>
+                  <a:t>158,159</a:t>
                 </a:r>
               </a:p>
               <a:p>
@@ -54198,7 +54300,7 @@
                 </a:r>
                 <a:r>
                   <a:rPr baseline="30000"/>
-                  <a:t>126</a:t>
+                  <a:t>127</a:t>
                 </a:r>
               </a:p>
               <a:p>
@@ -54209,7 +54311,7 @@
                 </a:r>
                 <a:r>
                   <a:rPr baseline="30000"/>
-                  <a:t>126</a:t>
+                  <a:t>127</a:t>
                 </a:r>
               </a:p>
               <a:p>
@@ -54237,7 +54339,7 @@
                 </a:r>
                 <a:r>
                   <a:rPr baseline="30000"/>
-                  <a:t>154</a:t>
+                  <a:t>156</a:t>
                 </a:r>
               </a:p>
               <a:p>
@@ -54248,7 +54350,7 @@
                 </a:r>
                 <a:r>
                   <a:rPr baseline="30000"/>
-                  <a:t>154</a:t>
+                  <a:t>156</a:t>
                 </a:r>
               </a:p>
               <a:p>
@@ -54259,7 +54361,7 @@
                 </a:r>
                 <a:r>
                   <a:rPr baseline="30000"/>
-                  <a:t>154</a:t>
+                  <a:t>156</a:t>
                 </a:r>
               </a:p>
               <a:p>
@@ -54287,7 +54389,7 @@
                 </a:r>
                 <a:r>
                   <a:rPr baseline="30000"/>
-                  <a:t>157</a:t>
+                  <a:t>159</a:t>
                 </a:r>
               </a:p>
               <a:p>
@@ -54298,7 +54400,7 @@
                 </a:r>
                 <a:r>
                   <a:rPr baseline="30000"/>
-                  <a:t>157</a:t>
+                  <a:t>159</a:t>
                 </a:r>
               </a:p>
               <a:p>
@@ -54309,7 +54411,7 @@
                 </a:r>
                 <a:r>
                   <a:rPr baseline="30000"/>
-                  <a:t>157</a:t>
+                  <a:t>159</a:t>
                 </a:r>
               </a:p>
               <a:p>
@@ -54320,7 +54422,7 @@
                 </a:r>
                 <a:r>
                   <a:rPr baseline="30000"/>
-                  <a:t>157</a:t>
+                  <a:t>159</a:t>
                 </a:r>
               </a:p>
               <a:p>
@@ -54331,7 +54433,7 @@
                 </a:r>
                 <a:r>
                   <a:rPr baseline="30000"/>
-                  <a:t>126</a:t>
+                  <a:t>127</a:t>
                 </a:r>
               </a:p>
               <a:p>
@@ -54368,7 +54470,7 @@
                 </a:r>
                 <a:r>
                   <a:rPr baseline="30000"/>
-                  <a:t>158</a:t>
+                  <a:t>160</a:t>
                 </a:r>
               </a:p>
               <a:p>
@@ -54483,7 +54585,7 @@
             </a:r>
             <a:r>
               <a:rPr baseline="30000"/>
-              <a:t>158</a:t>
+              <a:t>160</a:t>
             </a:r>
           </a:p>
           <a:p>
@@ -54511,7 +54613,7 @@
             </a:r>
             <a:r>
               <a:rPr baseline="30000"/>
-              <a:t>158</a:t>
+              <a:t>160</a:t>
             </a:r>
           </a:p>
           <a:p>

--- a/docs/Ciencia-com-R.pptx
+++ b/docs/Ciencia-com-R.pptx
@@ -180,6 +180,10 @@
     <p:sldId id="428" r:id="rId174"/>
     <p:sldId id="429" r:id="rId175"/>
     <p:sldId id="430" r:id="rId176"/>
+    <p:sldId id="431" r:id="rId177"/>
+    <p:sldId id="432" r:id="rId178"/>
+    <p:sldId id="433" r:id="rId179"/>
+    <p:sldId id="434" r:id="rId180"/>
   </p:sldIdLst>
   <p:sldSz cx="12192000" cy="6858000"/>
   <p:notesSz cx="6858000" cy="9144000"/>
@@ -9850,7 +9854,7 @@
             </a:pPr>
             <a:r>
               <a:rPr/>
-              <a:t>Análise fatorial exploratória</a:t>
+              <a:t>Propriedades psicométricas</a:t>
             </a:r>
           </a:p>
         </p:txBody>
@@ -9877,11 +9881,6 @@
           <a:lstStyle/>
           <a:p>
             <a:pPr lvl="0" indent="0" marL="0">
-              <a:buNone/>
-            </a:pPr>
-          </a:p>
-          <a:p>
-            <a:pPr lvl="0" indent="0" marL="0">
               <a:spcBef>
                 <a:spcPts val="3000"/>
               </a:spcBef>
@@ -9889,7 +9888,7 @@
             </a:pPr>
             <a:r>
               <a:rPr b="1"/>
-              <a:t>O que é análise fatorial exploratória?</a:t>
+              <a:t>O que são propriedades psicométricas?</a:t>
             </a:r>
           </a:p>
           <a:p>
@@ -9898,6 +9897,11 @@
               <a:rPr/>
               <a:t>.[REF]</a:t>
             </a:r>
+          </a:p>
+          <a:p>
+            <a:pPr lvl="0" indent="0" marL="0">
+              <a:buNone/>
+            </a:pPr>
           </a:p>
           <a:p>
             <a:pPr lvl="0" indent="0" marL="0">
@@ -9959,7 +9963,7 @@
             </a:pPr>
             <a:r>
               <a:rPr/>
-              <a:t>Análise fatorial confirmatória</a:t>
+              <a:t>Análise fatorial exploratória</a:t>
             </a:r>
           </a:p>
         </p:txBody>
@@ -9998,7 +10002,7 @@
             </a:pPr>
             <a:r>
               <a:rPr b="1"/>
-              <a:t>O que é análise fatorial confirmatória?</a:t>
+              <a:t>O que é análise fatorial exploratória?</a:t>
             </a:r>
           </a:p>
           <a:p>
@@ -10068,7 +10072,7 @@
             </a:pPr>
             <a:r>
               <a:rPr/>
-              <a:t>Validade</a:t>
+              <a:t>Análise fatorial confirmatória</a:t>
             </a:r>
           </a:p>
         </p:txBody>
@@ -10107,14 +10111,14 @@
             </a:pPr>
             <a:r>
               <a:rPr b="1"/>
-              <a:t>Quais são os tipos de validade?</a:t>
+              <a:t>O que é análise fatorial confirmatória?</a:t>
             </a:r>
           </a:p>
           <a:p>
             <a:pPr lvl="0"/>
             <a:r>
               <a:rPr/>
-              <a:t>Conteúdo.[REF]</a:t>
+              <a:t>.[REF]</a:t>
             </a:r>
           </a:p>
           <a:p>
@@ -10177,7 +10181,7 @@
             </a:pPr>
             <a:r>
               <a:rPr/>
-              <a:t>Validade de conteúdo</a:t>
+              <a:t>Validade</a:t>
             </a:r>
           </a:p>
         </p:txBody>
@@ -10216,137 +10220,28 @@
             </a:pPr>
             <a:r>
               <a:rPr b="1"/>
-              <a:t>O que é conteúdo?</a:t>
+              <a:t>Quais são os tipos de validade?</a:t>
             </a:r>
           </a:p>
           <a:p>
             <a:pPr lvl="0"/>
             <a:r>
               <a:rPr/>
-              <a:t>.[REF]</a:t>
-            </a:r>
-          </a:p>
-          <a:p>
-            <a:pPr lvl="0" indent="0" marL="0">
-              <a:buNone/>
-            </a:pPr>
-          </a:p>
-          <a:p>
-            <a:pPr lvl="0" indent="0" marL="0">
-              <a:spcBef>
-                <a:spcPts val="3000"/>
-              </a:spcBef>
-              <a:buNone/>
-            </a:pPr>
-            <a:r>
-              <a:rPr b="1"/>
-              <a:t>O que é validade interna?</a:t>
+              <a:t>Conteúdo.[REF]</a:t>
             </a:r>
           </a:p>
           <a:p>
             <a:pPr lvl="0"/>
             <a:r>
               <a:rPr/>
-              <a:t>.</a:t>
-            </a:r>
-            <a:r>
-              <a:rPr baseline="30000"/>
-              <a:t>207</a:t>
-            </a:r>
-          </a:p>
-          <a:p>
-            <a:pPr lvl="0" indent="0" marL="0">
-              <a:buNone/>
-            </a:pPr>
-          </a:p>
-          <a:p>
-            <a:pPr lvl="0" indent="0" marL="0">
-              <a:spcBef>
-                <a:spcPts val="3000"/>
-              </a:spcBef>
-              <a:buNone/>
-            </a:pPr>
-            <a:r>
-              <a:rPr b="1"/>
-              <a:t>O que é validade externa?</a:t>
+              <a:t>Construto.[REF]</a:t>
             </a:r>
           </a:p>
           <a:p>
             <a:pPr lvl="0"/>
             <a:r>
               <a:rPr/>
-              <a:t>.</a:t>
-            </a:r>
-            <a:r>
-              <a:rPr baseline="30000"/>
-              <a:t>207</a:t>
-            </a:r>
-          </a:p>
-          <a:p>
-            <a:pPr lvl="0" indent="0" marL="0">
-              <a:buNone/>
-            </a:pPr>
-          </a:p>
-          <a:p>
-            <a:pPr lvl="0" indent="0" marL="0">
-              <a:spcBef>
-                <a:spcPts val="3000"/>
-              </a:spcBef>
-              <a:buNone/>
-            </a:pPr>
-            <a:r>
-              <a:rPr b="1"/>
-              <a:t>Que fatores afetam a validade?</a:t>
-            </a:r>
-          </a:p>
-          <a:p>
-            <a:pPr lvl="0"/>
-            <a:r>
-              <a:rPr/>
-              <a:t>A amostragem não probabilística pode dificultar a generalização dos achados da amostra para a população, diminuindo assim a validade externa do estudo.</a:t>
-            </a:r>
-            <a:r>
-              <a:rPr baseline="30000"/>
-              <a:t>7</a:t>
-            </a:r>
-          </a:p>
-          <a:p>
-            <a:pPr lvl="0"/>
-            <a:r>
-              <a:rPr/>
-              <a:t>Quando as características da amostra obtida por seleção não probabilística forem similares às da população, a validade externa pode ser maior.</a:t>
-            </a:r>
-            <a:r>
-              <a:rPr baseline="30000"/>
-              <a:t>7</a:t>
-            </a:r>
-          </a:p>
-          <a:p>
-            <a:pPr lvl="0" indent="0" marL="0">
-              <a:buNone/>
-            </a:pPr>
-          </a:p>
-          <a:p>
-            <a:pPr lvl="0" indent="0" marL="0">
-              <a:spcBef>
-                <a:spcPts val="3000"/>
-              </a:spcBef>
-              <a:buNone/>
-            </a:pPr>
-            <a:r>
-              <a:rPr b="1"/>
-              <a:t>Como avaliar a validade de um estudo?</a:t>
-            </a:r>
-          </a:p>
-          <a:p>
-            <a:pPr lvl="0"/>
-            <a:r>
-              <a:rPr/>
-              <a:t>As características da amostra apresentadas na Tabela 1 são úteis para interpretação da validade interna e externa dos achados do estudo.</a:t>
-            </a:r>
-            <a:r>
-              <a:rPr baseline="30000"/>
-              <a:t>104</a:t>
+              <a:t>Critério.[REF]</a:t>
             </a:r>
           </a:p>
           <a:p>
@@ -10409,7 +10304,7 @@
             </a:pPr>
             <a:r>
               <a:rPr/>
-              <a:t>Validade relacionada ao critério</a:t>
+              <a:t>Validade de conteúdo</a:t>
             </a:r>
           </a:p>
         </p:txBody>
@@ -10448,14 +10343,18 @@
             </a:pPr>
             <a:r>
               <a:rPr b="1"/>
-              <a:t>O que é critério?</a:t>
+              <a:t>O que é validade interna?</a:t>
             </a:r>
           </a:p>
           <a:p>
             <a:pPr lvl="0"/>
             <a:r>
               <a:rPr/>
-              <a:t>.[RF]</a:t>
+              <a:t>.</a:t>
+            </a:r>
+            <a:r>
+              <a:rPr baseline="30000"/>
+              <a:t>207</a:t>
             </a:r>
           </a:p>
           <a:p>
@@ -10472,14 +10371,85 @@
             </a:pPr>
             <a:r>
               <a:rPr b="1"/>
-              <a:t>O que é validade relacionada ao critério?</a:t>
+              <a:t>O que é validade externa?</a:t>
             </a:r>
           </a:p>
           <a:p>
             <a:pPr lvl="0"/>
             <a:r>
               <a:rPr/>
-              <a:t>.[RF]</a:t>
+              <a:t>.</a:t>
+            </a:r>
+            <a:r>
+              <a:rPr baseline="30000"/>
+              <a:t>207</a:t>
+            </a:r>
+          </a:p>
+          <a:p>
+            <a:pPr lvl="0" indent="0" marL="0">
+              <a:buNone/>
+            </a:pPr>
+          </a:p>
+          <a:p>
+            <a:pPr lvl="0" indent="0" marL="0">
+              <a:spcBef>
+                <a:spcPts val="3000"/>
+              </a:spcBef>
+              <a:buNone/>
+            </a:pPr>
+            <a:r>
+              <a:rPr b="1"/>
+              <a:t>Que fatores afetam a validade?</a:t>
+            </a:r>
+          </a:p>
+          <a:p>
+            <a:pPr lvl="0"/>
+            <a:r>
+              <a:rPr/>
+              <a:t>A amostragem não probabilística pode dificultar a generalização dos achados da amostra para a população, diminuindo assim a validade externa do estudo.</a:t>
+            </a:r>
+            <a:r>
+              <a:rPr baseline="30000"/>
+              <a:t>7</a:t>
+            </a:r>
+          </a:p>
+          <a:p>
+            <a:pPr lvl="0"/>
+            <a:r>
+              <a:rPr/>
+              <a:t>Quando as características da amostra obtida por seleção não probabilística forem similares às da população, a validade externa pode ser maior.</a:t>
+            </a:r>
+            <a:r>
+              <a:rPr baseline="30000"/>
+              <a:t>7</a:t>
+            </a:r>
+          </a:p>
+          <a:p>
+            <a:pPr lvl="0" indent="0" marL="0">
+              <a:buNone/>
+            </a:pPr>
+          </a:p>
+          <a:p>
+            <a:pPr lvl="0" indent="0" marL="0">
+              <a:spcBef>
+                <a:spcPts val="3000"/>
+              </a:spcBef>
+              <a:buNone/>
+            </a:pPr>
+            <a:r>
+              <a:rPr b="1"/>
+              <a:t>Como avaliar a validade de um estudo?</a:t>
+            </a:r>
+          </a:p>
+          <a:p>
+            <a:pPr lvl="0"/>
+            <a:r>
+              <a:rPr/>
+              <a:t>As características da amostra apresentadas na Tabela 1 são úteis para interpretação da validade interna e externa dos achados do estudo.</a:t>
+            </a:r>
+            <a:r>
+              <a:rPr baseline="30000"/>
+              <a:t>104</a:t>
             </a:r>
           </a:p>
           <a:p>
@@ -10542,7 +10512,7 @@
             </a:pPr>
             <a:r>
               <a:rPr/>
-              <a:t>Validade relacionada ao critério</a:t>
+              <a:t>Validade de face</a:t>
             </a:r>
           </a:p>
         </p:txBody>
@@ -10581,55 +10551,7 @@
             </a:pPr>
             <a:r>
               <a:rPr b="1"/>
-              <a:t>O que é concorrente?</a:t>
-            </a:r>
-          </a:p>
-          <a:p>
-            <a:pPr lvl="0"/>
-            <a:r>
-              <a:rPr/>
-              <a:t>.[RF]</a:t>
-            </a:r>
-          </a:p>
-          <a:p>
-            <a:pPr lvl="0" indent="0" marL="0">
-              <a:buNone/>
-            </a:pPr>
-          </a:p>
-          <a:p>
-            <a:pPr lvl="0" indent="0" marL="0">
-              <a:spcBef>
-                <a:spcPts val="3000"/>
-              </a:spcBef>
-              <a:buNone/>
-            </a:pPr>
-            <a:r>
-              <a:rPr b="1"/>
-              <a:t>O que é validade concorrente?</a:t>
-            </a:r>
-          </a:p>
-          <a:p>
-            <a:pPr lvl="0"/>
-            <a:r>
-              <a:rPr/>
-              <a:t>.[RF]</a:t>
-            </a:r>
-          </a:p>
-          <a:p>
-            <a:pPr lvl="0" indent="0" marL="0">
-              <a:buNone/>
-            </a:pPr>
-          </a:p>
-          <a:p>
-            <a:pPr lvl="0" indent="0" marL="0">
-              <a:spcBef>
-                <a:spcPts val="3000"/>
-              </a:spcBef>
-              <a:buNone/>
-            </a:pPr>
-            <a:r>
-              <a:rPr b="1"/>
-              <a:t>O que é validade preditiva?</a:t>
+              <a:t>O que é validade de face?</a:t>
             </a:r>
           </a:p>
           <a:p>
@@ -10753,30 +10675,6 @@
               <a:buNone/>
             </a:pPr>
           </a:p>
-          <a:p>
-            <a:pPr lvl="0" indent="0" marL="0">
-              <a:spcBef>
-                <a:spcPts val="3000"/>
-              </a:spcBef>
-              <a:buNone/>
-            </a:pPr>
-            <a:r>
-              <a:rPr b="1"/>
-              <a:t>O que é validade do construto?</a:t>
-            </a:r>
-          </a:p>
-          <a:p>
-            <a:pPr lvl="0"/>
-            <a:r>
-              <a:rPr/>
-              <a:t>.[RF]</a:t>
-            </a:r>
-          </a:p>
-          <a:p>
-            <a:pPr lvl="0" indent="0" marL="0">
-              <a:buNone/>
-            </a:pPr>
-          </a:p>
         </p:txBody>
       </p:sp>
     </p:spTree>
@@ -10832,7 +10730,7 @@
             </a:pPr>
             <a:r>
               <a:rPr/>
-              <a:t>Validade de face</a:t>
+              <a:t>Validade fatorial</a:t>
             </a:r>
           </a:p>
         </p:txBody>
@@ -10871,31 +10769,7 @@
             </a:pPr>
             <a:r>
               <a:rPr b="1"/>
-              <a:t>O que é face?</a:t>
-            </a:r>
-          </a:p>
-          <a:p>
-            <a:pPr lvl="0"/>
-            <a:r>
-              <a:rPr/>
-              <a:t>.[RF]</a:t>
-            </a:r>
-          </a:p>
-          <a:p>
-            <a:pPr lvl="0" indent="0" marL="0">
-              <a:buNone/>
-            </a:pPr>
-          </a:p>
-          <a:p>
-            <a:pPr lvl="0" indent="0" marL="0">
-              <a:spcBef>
-                <a:spcPts val="3000"/>
-              </a:spcBef>
-              <a:buNone/>
-            </a:pPr>
-            <a:r>
-              <a:rPr b="1"/>
-              <a:t>O que é validade de face?</a:t>
+              <a:t>O que é validade fatorial?</a:t>
             </a:r>
           </a:p>
           <a:p>
@@ -11074,7 +10948,7 @@
           <p:cNvPr id="2" name="Title 1">
             <a:extLst>
               <a:ext uri="{FF2B5EF4-FFF2-40B4-BE49-F238E27FC236}">
-                <a16:creationId xmlns:a16="http://schemas.microsoft.com/office/drawing/2014/main" id="{28A92D45-5BAF-634B-BB37-8481089F9E28}"/>
+                <a16:creationId xmlns:a16="http://schemas.microsoft.com/office/drawing/2014/main" id="{0277F749-6ED4-3E49-963A-830033252F78}"/>
               </a:ext>
             </a:extLst>
           </p:cNvPr>
@@ -11087,8 +10961,8 @@
         </p:nvSpPr>
         <p:spPr>
           <a:xfrm>
-            <a:off x="831850" y="1709738"/>
-            <a:ext cx="10515600" cy="2852737"/>
+            <a:off x="0" y="17256"/>
+            <a:ext cx="10515600" cy="663782"/>
           </a:xfrm>
         </p:spPr>
         <p:txBody>
@@ -11099,9 +10973,60 @@
               <a:buNone/>
             </a:pPr>
             <a:r>
+              <a:rPr/>
+              <a:t>Validade convergente</a:t>
+            </a:r>
+          </a:p>
+        </p:txBody>
+      </p:sp>
+      <p:sp>
+        <p:nvSpPr>
+          <p:cNvPr id="3" name="Content Placeholder 2">
+            <a:extLst>
+              <a:ext uri="{FF2B5EF4-FFF2-40B4-BE49-F238E27FC236}">
+                <a16:creationId xmlns:a16="http://schemas.microsoft.com/office/drawing/2014/main" id="{1574FA24-F1CC-B240-AAF9-A2DF684B1C54}"/>
+              </a:ext>
+            </a:extLst>
+          </p:cNvPr>
+          <p:cNvSpPr>
+            <a:spLocks noGrp="1"/>
+          </p:cNvSpPr>
+          <p:nvPr>
+            <p:ph idx="1"/>
+          </p:nvPr>
+        </p:nvSpPr>
+        <p:spPr/>
+        <p:txBody>
+          <a:bodyPr/>
+          <a:lstStyle/>
+          <a:p>
+            <a:pPr lvl="0" indent="0" marL="0">
+              <a:buNone/>
+            </a:pPr>
+          </a:p>
+          <a:p>
+            <a:pPr lvl="0" indent="0" marL="0">
+              <a:spcBef>
+                <a:spcPts val="3000"/>
+              </a:spcBef>
+              <a:buNone/>
+            </a:pPr>
+            <a:r>
               <a:rPr b="1"/>
-              <a:t>Concordância e confiabilidade</a:t>
-            </a:r>
+              <a:t>O que é validade convergente?</a:t>
+            </a:r>
+          </a:p>
+          <a:p>
+            <a:pPr lvl="0"/>
+            <a:r>
+              <a:rPr/>
+              <a:t>.[RF]</a:t>
+            </a:r>
+          </a:p>
+          <a:p>
+            <a:pPr lvl="0" indent="0" marL="0">
+              <a:buNone/>
+            </a:pPr>
           </a:p>
         </p:txBody>
       </p:sp>
@@ -11158,7 +11083,7 @@
             </a:pPr>
             <a:r>
               <a:rPr/>
-              <a:t>Problemas de pesquisa</a:t>
+              <a:t>Validade discriminante</a:t>
             </a:r>
           </a:p>
         </p:txBody>
@@ -11197,101 +11122,14 @@
             </a:pPr>
             <a:r>
               <a:rPr b="1"/>
-              <a:t>Quais problemas de pesquisa são investigados com estudos de concordância e confiabilidade?</a:t>
+              <a:t>O que é validade discriminante?</a:t>
             </a:r>
           </a:p>
           <a:p>
             <a:pPr lvl="0"/>
             <a:r>
               <a:rPr/>
-              <a:t>Quão reprodutíveis são as mensurações?</a:t>
-            </a:r>
-            <a:r>
-              <a:rPr baseline="30000"/>
-              <a:t>208</a:t>
-            </a:r>
-          </a:p>
-          <a:p>
-            <a:pPr lvl="0"/>
-            <a:r>
-              <a:rPr/>
-              <a:t>Os diferentes métodos medem a mesma coisa em média?</a:t>
-            </a:r>
-            <a:r>
-              <a:rPr baseline="30000"/>
-              <a:t>208</a:t>
-            </a:r>
-          </a:p>
-          <a:p>
-            <a:pPr lvl="0"/>
-            <a:r>
-              <a:rPr/>
-              <a:t>Existe viés entre as medidas de diferentes métodos (isto é, medem a mesma coisa em média)?</a:t>
-            </a:r>
-            <a:r>
-              <a:rPr baseline="30000"/>
-              <a:t>208</a:t>
-            </a:r>
-          </a:p>
-          <a:p>
-            <a:pPr lvl="0"/>
-            <a:r>
-              <a:rPr/>
-              <a:t>Um método pode substituir o outro?</a:t>
-            </a:r>
-            <a:r>
-              <a:rPr baseline="30000"/>
-              <a:t>208</a:t>
-            </a:r>
-          </a:p>
-          <a:p>
-            <a:pPr lvl="0" indent="0" marL="0">
-              <a:buNone/>
-            </a:pPr>
-          </a:p>
-          <a:p>
-            <a:pPr lvl="0" indent="0" marL="0">
-              <a:spcBef>
-                <a:spcPts val="3000"/>
-              </a:spcBef>
-              <a:buNone/>
-            </a:pPr>
-            <a:r>
-              <a:rPr b="1"/>
-              <a:t>Quais fontes de variabilidade são comumente investigadas?</a:t>
-            </a:r>
-          </a:p>
-          <a:p>
-            <a:pPr lvl="0"/>
-            <a:r>
-              <a:rPr/>
-              <a:t>Intra/Entre sujeitos.</a:t>
-            </a:r>
-            <a:r>
-              <a:rPr baseline="30000"/>
-              <a:t>208</a:t>
-            </a:r>
-          </a:p>
-          <a:p>
-            <a:pPr lvl="0"/>
-            <a:r>
-              <a:rPr/>
-              <a:t>Intra/Entre repetições.</a:t>
-            </a:r>
-            <a:r>
-              <a:rPr baseline="30000"/>
-              <a:t>208</a:t>
-            </a:r>
-          </a:p>
-          <a:p>
-            <a:pPr lvl="0"/>
-            <a:r>
-              <a:rPr/>
-              <a:t>Intra/Entre observadores.</a:t>
-            </a:r>
-            <a:r>
-              <a:rPr baseline="30000"/>
-              <a:t>208</a:t>
+              <a:t>.[RF]</a:t>
             </a:r>
           </a:p>
           <a:p>
@@ -11307,6 +11145,526 @@
 </file>
 
 <file path=ppt/slides/slide142.xml><?xml version="1.0" encoding="utf-8"?>
+<p:sld xmlns:a="http://schemas.openxmlformats.org/drawingml/2006/main" xmlns:r="http://schemas.openxmlformats.org/officeDocument/2006/relationships" xmlns:p="http://schemas.openxmlformats.org/presentationml/2006/main">
+  <p:cSld>
+    <p:spTree>
+      <p:nvGrpSpPr>
+        <p:cNvPr id="1" name=""/>
+        <p:cNvGrpSpPr/>
+        <p:nvPr/>
+      </p:nvGrpSpPr>
+      <p:grpSpPr>
+        <a:xfrm>
+          <a:off x="0" y="0"/>
+          <a:ext cx="0" cy="0"/>
+          <a:chOff x="0" y="0"/>
+          <a:chExt cx="0" cy="0"/>
+        </a:xfrm>
+      </p:grpSpPr>
+      <p:sp>
+        <p:nvSpPr>
+          <p:cNvPr id="2" name="Title 1">
+            <a:extLst>
+              <a:ext uri="{FF2B5EF4-FFF2-40B4-BE49-F238E27FC236}">
+                <a16:creationId xmlns:a16="http://schemas.microsoft.com/office/drawing/2014/main" id="{0277F749-6ED4-3E49-963A-830033252F78}"/>
+              </a:ext>
+            </a:extLst>
+          </p:cNvPr>
+          <p:cNvSpPr>
+            <a:spLocks noGrp="1"/>
+          </p:cNvSpPr>
+          <p:nvPr>
+            <p:ph type="title"/>
+          </p:nvPr>
+        </p:nvSpPr>
+        <p:spPr>
+          <a:xfrm>
+            <a:off x="0" y="17256"/>
+            <a:ext cx="10515600" cy="663782"/>
+          </a:xfrm>
+        </p:spPr>
+        <p:txBody>
+          <a:bodyPr/>
+          <a:lstStyle/>
+          <a:p>
+            <a:pPr lvl="0" indent="0" marL="0">
+              <a:buNone/>
+            </a:pPr>
+            <a:r>
+              <a:rPr/>
+              <a:t>Validade de critério</a:t>
+            </a:r>
+          </a:p>
+        </p:txBody>
+      </p:sp>
+      <p:sp>
+        <p:nvSpPr>
+          <p:cNvPr id="3" name="Content Placeholder 2">
+            <a:extLst>
+              <a:ext uri="{FF2B5EF4-FFF2-40B4-BE49-F238E27FC236}">
+                <a16:creationId xmlns:a16="http://schemas.microsoft.com/office/drawing/2014/main" id="{1574FA24-F1CC-B240-AAF9-A2DF684B1C54}"/>
+              </a:ext>
+            </a:extLst>
+          </p:cNvPr>
+          <p:cNvSpPr>
+            <a:spLocks noGrp="1"/>
+          </p:cNvSpPr>
+          <p:nvPr>
+            <p:ph idx="1"/>
+          </p:nvPr>
+        </p:nvSpPr>
+        <p:spPr/>
+        <p:txBody>
+          <a:bodyPr/>
+          <a:lstStyle/>
+          <a:p>
+            <a:pPr lvl="0" indent="0" marL="0">
+              <a:buNone/>
+            </a:pPr>
+          </a:p>
+          <a:p>
+            <a:pPr lvl="0" indent="0" marL="0">
+              <a:spcBef>
+                <a:spcPts val="3000"/>
+              </a:spcBef>
+              <a:buNone/>
+            </a:pPr>
+            <a:r>
+              <a:rPr b="1"/>
+              <a:t>O que é validade de critério?</a:t>
+            </a:r>
+          </a:p>
+          <a:p>
+            <a:pPr lvl="0"/>
+            <a:r>
+              <a:rPr/>
+              <a:t>.[RF]</a:t>
+            </a:r>
+          </a:p>
+          <a:p>
+            <a:pPr lvl="0" indent="0" marL="0">
+              <a:buNone/>
+            </a:pPr>
+          </a:p>
+        </p:txBody>
+      </p:sp>
+    </p:spTree>
+  </p:cSld>
+</p:sld>
+</file>
+
+<file path=ppt/slides/slide143.xml><?xml version="1.0" encoding="utf-8"?>
+<p:sld xmlns:a="http://schemas.openxmlformats.org/drawingml/2006/main" xmlns:r="http://schemas.openxmlformats.org/officeDocument/2006/relationships" xmlns:p="http://schemas.openxmlformats.org/presentationml/2006/main">
+  <p:cSld>
+    <p:spTree>
+      <p:nvGrpSpPr>
+        <p:cNvPr id="1" name=""/>
+        <p:cNvGrpSpPr/>
+        <p:nvPr/>
+      </p:nvGrpSpPr>
+      <p:grpSpPr>
+        <a:xfrm>
+          <a:off x="0" y="0"/>
+          <a:ext cx="0" cy="0"/>
+          <a:chOff x="0" y="0"/>
+          <a:chExt cx="0" cy="0"/>
+        </a:xfrm>
+      </p:grpSpPr>
+      <p:sp>
+        <p:nvSpPr>
+          <p:cNvPr id="2" name="Title 1">
+            <a:extLst>
+              <a:ext uri="{FF2B5EF4-FFF2-40B4-BE49-F238E27FC236}">
+                <a16:creationId xmlns:a16="http://schemas.microsoft.com/office/drawing/2014/main" id="{0277F749-6ED4-3E49-963A-830033252F78}"/>
+              </a:ext>
+            </a:extLst>
+          </p:cNvPr>
+          <p:cNvSpPr>
+            <a:spLocks noGrp="1"/>
+          </p:cNvSpPr>
+          <p:nvPr>
+            <p:ph type="title"/>
+          </p:nvPr>
+        </p:nvSpPr>
+        <p:spPr>
+          <a:xfrm>
+            <a:off x="0" y="17256"/>
+            <a:ext cx="10515600" cy="663782"/>
+          </a:xfrm>
+        </p:spPr>
+        <p:txBody>
+          <a:bodyPr/>
+          <a:lstStyle/>
+          <a:p>
+            <a:pPr lvl="0" indent="0" marL="0">
+              <a:buNone/>
+            </a:pPr>
+            <a:r>
+              <a:rPr/>
+              <a:t>Validade concorrente</a:t>
+            </a:r>
+          </a:p>
+        </p:txBody>
+      </p:sp>
+      <p:sp>
+        <p:nvSpPr>
+          <p:cNvPr id="3" name="Content Placeholder 2">
+            <a:extLst>
+              <a:ext uri="{FF2B5EF4-FFF2-40B4-BE49-F238E27FC236}">
+                <a16:creationId xmlns:a16="http://schemas.microsoft.com/office/drawing/2014/main" id="{1574FA24-F1CC-B240-AAF9-A2DF684B1C54}"/>
+              </a:ext>
+            </a:extLst>
+          </p:cNvPr>
+          <p:cNvSpPr>
+            <a:spLocks noGrp="1"/>
+          </p:cNvSpPr>
+          <p:nvPr>
+            <p:ph idx="1"/>
+          </p:nvPr>
+        </p:nvSpPr>
+        <p:spPr/>
+        <p:txBody>
+          <a:bodyPr/>
+          <a:lstStyle/>
+          <a:p>
+            <a:pPr lvl="0" indent="0" marL="0">
+              <a:buNone/>
+            </a:pPr>
+          </a:p>
+          <a:p>
+            <a:pPr lvl="0" indent="0" marL="0">
+              <a:spcBef>
+                <a:spcPts val="3000"/>
+              </a:spcBef>
+              <a:buNone/>
+            </a:pPr>
+            <a:r>
+              <a:rPr b="1"/>
+              <a:t>O que é concorrente?</a:t>
+            </a:r>
+          </a:p>
+          <a:p>
+            <a:pPr lvl="0"/>
+            <a:r>
+              <a:rPr/>
+              <a:t>.[RF]</a:t>
+            </a:r>
+          </a:p>
+          <a:p>
+            <a:pPr lvl="0" indent="0" marL="0">
+              <a:buNone/>
+            </a:pPr>
+          </a:p>
+          <a:p>
+            <a:pPr lvl="0" indent="0" marL="0">
+              <a:spcBef>
+                <a:spcPts val="3000"/>
+              </a:spcBef>
+              <a:buNone/>
+            </a:pPr>
+            <a:r>
+              <a:rPr b="1"/>
+              <a:t>O que é validade concorrente?</a:t>
+            </a:r>
+          </a:p>
+          <a:p>
+            <a:pPr lvl="0"/>
+            <a:r>
+              <a:rPr/>
+              <a:t>.[RF]</a:t>
+            </a:r>
+          </a:p>
+          <a:p>
+            <a:pPr lvl="0" indent="0" marL="0">
+              <a:buNone/>
+            </a:pPr>
+          </a:p>
+          <a:p>
+            <a:pPr lvl="0" indent="0" marL="0">
+              <a:spcBef>
+                <a:spcPts val="3000"/>
+              </a:spcBef>
+              <a:buNone/>
+            </a:pPr>
+            <a:r>
+              <a:rPr b="1"/>
+              <a:t>O que é validade preditiva?</a:t>
+            </a:r>
+          </a:p>
+          <a:p>
+            <a:pPr lvl="0"/>
+            <a:r>
+              <a:rPr/>
+              <a:t>.[RF]</a:t>
+            </a:r>
+          </a:p>
+          <a:p>
+            <a:pPr lvl="0" indent="0" marL="0">
+              <a:buNone/>
+            </a:pPr>
+          </a:p>
+        </p:txBody>
+      </p:sp>
+    </p:spTree>
+  </p:cSld>
+</p:sld>
+</file>
+
+<file path=ppt/slides/slide144.xml><?xml version="1.0" encoding="utf-8"?>
+<p:sld xmlns:a="http://schemas.openxmlformats.org/drawingml/2006/main" xmlns:r="http://schemas.openxmlformats.org/officeDocument/2006/relationships" xmlns:p="http://schemas.openxmlformats.org/presentationml/2006/main">
+  <p:cSld>
+    <p:spTree>
+      <p:nvGrpSpPr>
+        <p:cNvPr id="1" name=""/>
+        <p:cNvGrpSpPr/>
+        <p:nvPr/>
+      </p:nvGrpSpPr>
+      <p:grpSpPr>
+        <a:xfrm>
+          <a:off x="0" y="0"/>
+          <a:ext cx="0" cy="0"/>
+          <a:chOff x="0" y="0"/>
+          <a:chExt cx="0" cy="0"/>
+        </a:xfrm>
+      </p:grpSpPr>
+      <p:sp>
+        <p:nvSpPr>
+          <p:cNvPr id="2" name="Title 1">
+            <a:extLst>
+              <a:ext uri="{FF2B5EF4-FFF2-40B4-BE49-F238E27FC236}">
+                <a16:creationId xmlns:a16="http://schemas.microsoft.com/office/drawing/2014/main" id="{28A92D45-5BAF-634B-BB37-8481089F9E28}"/>
+              </a:ext>
+            </a:extLst>
+          </p:cNvPr>
+          <p:cNvSpPr>
+            <a:spLocks noGrp="1"/>
+          </p:cNvSpPr>
+          <p:nvPr>
+            <p:ph type="title"/>
+          </p:nvPr>
+        </p:nvSpPr>
+        <p:spPr>
+          <a:xfrm>
+            <a:off x="831850" y="1709738"/>
+            <a:ext cx="10515600" cy="2852737"/>
+          </a:xfrm>
+        </p:spPr>
+        <p:txBody>
+          <a:bodyPr/>
+          <a:lstStyle/>
+          <a:p>
+            <a:pPr lvl="0" indent="0" marL="0">
+              <a:buNone/>
+            </a:pPr>
+            <a:r>
+              <a:rPr b="1"/>
+              <a:t>Concordância e confiabilidade</a:t>
+            </a:r>
+          </a:p>
+        </p:txBody>
+      </p:sp>
+    </p:spTree>
+  </p:cSld>
+</p:sld>
+</file>
+
+<file path=ppt/slides/slide145.xml><?xml version="1.0" encoding="utf-8"?>
+<p:sld xmlns:a="http://schemas.openxmlformats.org/drawingml/2006/main" xmlns:r="http://schemas.openxmlformats.org/officeDocument/2006/relationships" xmlns:p="http://schemas.openxmlformats.org/presentationml/2006/main">
+  <p:cSld>
+    <p:spTree>
+      <p:nvGrpSpPr>
+        <p:cNvPr id="1" name=""/>
+        <p:cNvGrpSpPr/>
+        <p:nvPr/>
+      </p:nvGrpSpPr>
+      <p:grpSpPr>
+        <a:xfrm>
+          <a:off x="0" y="0"/>
+          <a:ext cx="0" cy="0"/>
+          <a:chOff x="0" y="0"/>
+          <a:chExt cx="0" cy="0"/>
+        </a:xfrm>
+      </p:grpSpPr>
+      <p:sp>
+        <p:nvSpPr>
+          <p:cNvPr id="2" name="Title 1">
+            <a:extLst>
+              <a:ext uri="{FF2B5EF4-FFF2-40B4-BE49-F238E27FC236}">
+                <a16:creationId xmlns:a16="http://schemas.microsoft.com/office/drawing/2014/main" id="{0277F749-6ED4-3E49-963A-830033252F78}"/>
+              </a:ext>
+            </a:extLst>
+          </p:cNvPr>
+          <p:cNvSpPr>
+            <a:spLocks noGrp="1"/>
+          </p:cNvSpPr>
+          <p:nvPr>
+            <p:ph type="title"/>
+          </p:nvPr>
+        </p:nvSpPr>
+        <p:spPr>
+          <a:xfrm>
+            <a:off x="0" y="17256"/>
+            <a:ext cx="10515600" cy="663782"/>
+          </a:xfrm>
+        </p:spPr>
+        <p:txBody>
+          <a:bodyPr/>
+          <a:lstStyle/>
+          <a:p>
+            <a:pPr lvl="0" indent="0" marL="0">
+              <a:buNone/>
+            </a:pPr>
+            <a:r>
+              <a:rPr/>
+              <a:t>Problemas de pesquisa</a:t>
+            </a:r>
+          </a:p>
+        </p:txBody>
+      </p:sp>
+      <p:sp>
+        <p:nvSpPr>
+          <p:cNvPr id="3" name="Content Placeholder 2">
+            <a:extLst>
+              <a:ext uri="{FF2B5EF4-FFF2-40B4-BE49-F238E27FC236}">
+                <a16:creationId xmlns:a16="http://schemas.microsoft.com/office/drawing/2014/main" id="{1574FA24-F1CC-B240-AAF9-A2DF684B1C54}"/>
+              </a:ext>
+            </a:extLst>
+          </p:cNvPr>
+          <p:cNvSpPr>
+            <a:spLocks noGrp="1"/>
+          </p:cNvSpPr>
+          <p:nvPr>
+            <p:ph idx="1"/>
+          </p:nvPr>
+        </p:nvSpPr>
+        <p:spPr/>
+        <p:txBody>
+          <a:bodyPr/>
+          <a:lstStyle/>
+          <a:p>
+            <a:pPr lvl="0" indent="0" marL="0">
+              <a:buNone/>
+            </a:pPr>
+          </a:p>
+          <a:p>
+            <a:pPr lvl="0" indent="0" marL="0">
+              <a:spcBef>
+                <a:spcPts val="3000"/>
+              </a:spcBef>
+              <a:buNone/>
+            </a:pPr>
+            <a:r>
+              <a:rPr b="1"/>
+              <a:t>Quais problemas de pesquisa são investigados com estudos de concordância e confiabilidade?</a:t>
+            </a:r>
+          </a:p>
+          <a:p>
+            <a:pPr lvl="0"/>
+            <a:r>
+              <a:rPr/>
+              <a:t>Quão reprodutíveis são as mensurações?</a:t>
+            </a:r>
+            <a:r>
+              <a:rPr baseline="30000"/>
+              <a:t>208</a:t>
+            </a:r>
+          </a:p>
+          <a:p>
+            <a:pPr lvl="0"/>
+            <a:r>
+              <a:rPr/>
+              <a:t>Os diferentes métodos medem a mesma coisa em média?</a:t>
+            </a:r>
+            <a:r>
+              <a:rPr baseline="30000"/>
+              <a:t>208</a:t>
+            </a:r>
+          </a:p>
+          <a:p>
+            <a:pPr lvl="0"/>
+            <a:r>
+              <a:rPr/>
+              <a:t>Existe viés entre as medidas de diferentes métodos (isto é, medem a mesma coisa em média)?</a:t>
+            </a:r>
+            <a:r>
+              <a:rPr baseline="30000"/>
+              <a:t>208</a:t>
+            </a:r>
+          </a:p>
+          <a:p>
+            <a:pPr lvl="0"/>
+            <a:r>
+              <a:rPr/>
+              <a:t>Um método pode substituir o outro?</a:t>
+            </a:r>
+            <a:r>
+              <a:rPr baseline="30000"/>
+              <a:t>208</a:t>
+            </a:r>
+          </a:p>
+          <a:p>
+            <a:pPr lvl="0" indent="0" marL="0">
+              <a:buNone/>
+            </a:pPr>
+          </a:p>
+          <a:p>
+            <a:pPr lvl="0" indent="0" marL="0">
+              <a:spcBef>
+                <a:spcPts val="3000"/>
+              </a:spcBef>
+              <a:buNone/>
+            </a:pPr>
+            <a:r>
+              <a:rPr b="1"/>
+              <a:t>Quais fontes de variabilidade são comumente investigadas?</a:t>
+            </a:r>
+          </a:p>
+          <a:p>
+            <a:pPr lvl="0"/>
+            <a:r>
+              <a:rPr/>
+              <a:t>Intra/Entre sujeitos.</a:t>
+            </a:r>
+            <a:r>
+              <a:rPr baseline="30000"/>
+              <a:t>208</a:t>
+            </a:r>
+          </a:p>
+          <a:p>
+            <a:pPr lvl="0"/>
+            <a:r>
+              <a:rPr/>
+              <a:t>Intra/Entre repetições.</a:t>
+            </a:r>
+            <a:r>
+              <a:rPr baseline="30000"/>
+              <a:t>208</a:t>
+            </a:r>
+          </a:p>
+          <a:p>
+            <a:pPr lvl="0"/>
+            <a:r>
+              <a:rPr/>
+              <a:t>Intra/Entre observadores.</a:t>
+            </a:r>
+            <a:r>
+              <a:rPr baseline="30000"/>
+              <a:t>208</a:t>
+            </a:r>
+          </a:p>
+          <a:p>
+            <a:pPr lvl="0" indent="0" marL="0">
+              <a:buNone/>
+            </a:pPr>
+          </a:p>
+        </p:txBody>
+      </p:sp>
+    </p:spTree>
+  </p:cSld>
+</p:sld>
+</file>
+
+<file path=ppt/slides/slide146.xml><?xml version="1.0" encoding="utf-8"?>
 <p:sld xmlns:a="http://schemas.openxmlformats.org/drawingml/2006/main" xmlns:r="http://schemas.openxmlformats.org/officeDocument/2006/relationships" xmlns:p="http://schemas.openxmlformats.org/presentationml/2006/main">
   <p:cSld>
     <p:spTree>
@@ -12272,7 +12630,7 @@
 </p:sld>
 </file>
 
-<file path=ppt/slides/slide143.xml><?xml version="1.0" encoding="utf-8"?>
+<file path=ppt/slides/slide147.xml><?xml version="1.0" encoding="utf-8"?>
 <p:sld xmlns:a="http://schemas.openxmlformats.org/drawingml/2006/main" xmlns:r="http://schemas.openxmlformats.org/officeDocument/2006/relationships" xmlns:p="http://schemas.openxmlformats.org/presentationml/2006/main">
   <p:cSld>
     <p:spTree>
@@ -12397,653 +12755,6 @@
             <a:pPr lvl="0" indent="0" marL="0">
               <a:buNone/>
             </a:pPr>
-          </a:p>
-        </p:txBody>
-      </p:sp>
-    </p:spTree>
-  </p:cSld>
-</p:sld>
-</file>
-
-<file path=ppt/slides/slide144.xml><?xml version="1.0" encoding="utf-8"?>
-<p:sld xmlns:a="http://schemas.openxmlformats.org/drawingml/2006/main" xmlns:r="http://schemas.openxmlformats.org/officeDocument/2006/relationships" xmlns:p="http://schemas.openxmlformats.org/presentationml/2006/main">
-  <p:cSld>
-    <p:spTree>
-      <p:nvGrpSpPr>
-        <p:cNvPr id="1" name=""/>
-        <p:cNvGrpSpPr/>
-        <p:nvPr/>
-      </p:nvGrpSpPr>
-      <p:grpSpPr>
-        <a:xfrm>
-          <a:off x="0" y="0"/>
-          <a:ext cx="0" cy="0"/>
-          <a:chOff x="0" y="0"/>
-          <a:chExt cx="0" cy="0"/>
-        </a:xfrm>
-      </p:grpSpPr>
-      <p:sp>
-        <p:nvSpPr>
-          <p:cNvPr id="2" name="Title 1">
-            <a:extLst>
-              <a:ext uri="{FF2B5EF4-FFF2-40B4-BE49-F238E27FC236}">
-                <a16:creationId xmlns:a16="http://schemas.microsoft.com/office/drawing/2014/main" id="{28A92D45-5BAF-634B-BB37-8481089F9E28}"/>
-              </a:ext>
-            </a:extLst>
-          </p:cNvPr>
-          <p:cNvSpPr>
-            <a:spLocks noGrp="1"/>
-          </p:cNvSpPr>
-          <p:nvPr>
-            <p:ph type="title"/>
-          </p:nvPr>
-        </p:nvSpPr>
-        <p:spPr>
-          <a:xfrm>
-            <a:off x="831850" y="1709738"/>
-            <a:ext cx="10515600" cy="2852737"/>
-          </a:xfrm>
-        </p:spPr>
-        <p:txBody>
-          <a:bodyPr/>
-          <a:lstStyle/>
-          <a:p>
-            <a:pPr lvl="0" indent="0" marL="0">
-              <a:buNone/>
-            </a:pPr>
-            <a:r>
-              <a:rPr b="1"/>
-              <a:t>Meta-análise</a:t>
-            </a:r>
-          </a:p>
-        </p:txBody>
-      </p:sp>
-    </p:spTree>
-  </p:cSld>
-</p:sld>
-</file>
-
-<file path=ppt/slides/slide145.xml><?xml version="1.0" encoding="utf-8"?>
-<p:sld xmlns:a="http://schemas.openxmlformats.org/drawingml/2006/main" xmlns:r="http://schemas.openxmlformats.org/officeDocument/2006/relationships" xmlns:p="http://schemas.openxmlformats.org/presentationml/2006/main">
-  <p:cSld>
-    <p:spTree>
-      <p:nvGrpSpPr>
-        <p:cNvPr id="1" name=""/>
-        <p:cNvGrpSpPr/>
-        <p:nvPr/>
-      </p:nvGrpSpPr>
-      <p:grpSpPr>
-        <a:xfrm>
-          <a:off x="0" y="0"/>
-          <a:ext cx="0" cy="0"/>
-          <a:chOff x="0" y="0"/>
-          <a:chExt cx="0" cy="0"/>
-        </a:xfrm>
-      </p:grpSpPr>
-      <p:sp>
-        <p:nvSpPr>
-          <p:cNvPr id="2" name="Title 1">
-            <a:extLst>
-              <a:ext uri="{FF2B5EF4-FFF2-40B4-BE49-F238E27FC236}">
-                <a16:creationId xmlns:a16="http://schemas.microsoft.com/office/drawing/2014/main" id="{0277F749-6ED4-3E49-963A-830033252F78}"/>
-              </a:ext>
-            </a:extLst>
-          </p:cNvPr>
-          <p:cNvSpPr>
-            <a:spLocks noGrp="1"/>
-          </p:cNvSpPr>
-          <p:nvPr>
-            <p:ph type="title"/>
-          </p:nvPr>
-        </p:nvSpPr>
-        <p:spPr>
-          <a:xfrm>
-            <a:off x="0" y="17256"/>
-            <a:ext cx="10515600" cy="663782"/>
-          </a:xfrm>
-        </p:spPr>
-        <p:txBody>
-          <a:bodyPr/>
-          <a:lstStyle/>
-          <a:p>
-            <a:pPr lvl="0" indent="0" marL="0">
-              <a:buNone/>
-            </a:pPr>
-            <a:r>
-              <a:rPr/>
-              <a:t>Meta-análise</a:t>
-            </a:r>
-          </a:p>
-        </p:txBody>
-      </p:sp>
-      <p:sp>
-        <p:nvSpPr>
-          <p:cNvPr id="3" name="Content Placeholder 2">
-            <a:extLst>
-              <a:ext uri="{FF2B5EF4-FFF2-40B4-BE49-F238E27FC236}">
-                <a16:creationId xmlns:a16="http://schemas.microsoft.com/office/drawing/2014/main" id="{1574FA24-F1CC-B240-AAF9-A2DF684B1C54}"/>
-              </a:ext>
-            </a:extLst>
-          </p:cNvPr>
-          <p:cNvSpPr>
-            <a:spLocks noGrp="1"/>
-          </p:cNvSpPr>
-          <p:nvPr>
-            <p:ph idx="1"/>
-          </p:nvPr>
-        </p:nvSpPr>
-        <p:spPr/>
-        <p:txBody>
-          <a:bodyPr/>
-          <a:lstStyle/>
-          <a:p>
-            <a:pPr lvl="0" indent="0" marL="0">
-              <a:buNone/>
-            </a:pPr>
-          </a:p>
-          <a:p>
-            <a:pPr lvl="0" indent="0" marL="0">
-              <a:spcBef>
-                <a:spcPts val="3000"/>
-              </a:spcBef>
-              <a:buNone/>
-            </a:pPr>
-            <a:r>
-              <a:rPr b="1"/>
-              <a:t>O que é meta-análise?</a:t>
-            </a:r>
-          </a:p>
-          <a:p>
-            <a:pPr lvl="0"/>
-            <a:r>
-              <a:rPr/>
-              <a:t>.[]</a:t>
-            </a:r>
-          </a:p>
-          <a:p>
-            <a:pPr lvl="0" indent="0" marL="0">
-              <a:buNone/>
-            </a:pPr>
-          </a:p>
-        </p:txBody>
-      </p:sp>
-    </p:spTree>
-  </p:cSld>
-</p:sld>
-</file>
-
-<file path=ppt/slides/slide146.xml><?xml version="1.0" encoding="utf-8"?>
-<p:sld xmlns:a="http://schemas.openxmlformats.org/drawingml/2006/main" xmlns:r="http://schemas.openxmlformats.org/officeDocument/2006/relationships" xmlns:p="http://schemas.openxmlformats.org/presentationml/2006/main">
-  <p:cSld>
-    <p:spTree>
-      <p:nvGrpSpPr>
-        <p:cNvPr id="1" name=""/>
-        <p:cNvGrpSpPr/>
-        <p:nvPr/>
-      </p:nvGrpSpPr>
-      <p:grpSpPr>
-        <a:xfrm>
-          <a:off x="0" y="0"/>
-          <a:ext cx="0" cy="0"/>
-          <a:chOff x="0" y="0"/>
-          <a:chExt cx="0" cy="0"/>
-        </a:xfrm>
-      </p:grpSpPr>
-      <p:sp>
-        <p:nvSpPr>
-          <p:cNvPr id="2" name="Title 1">
-            <a:extLst>
-              <a:ext uri="{FF2B5EF4-FFF2-40B4-BE49-F238E27FC236}">
-                <a16:creationId xmlns:a16="http://schemas.microsoft.com/office/drawing/2014/main" id="{0277F749-6ED4-3E49-963A-830033252F78}"/>
-              </a:ext>
-            </a:extLst>
-          </p:cNvPr>
-          <p:cNvSpPr>
-            <a:spLocks noGrp="1"/>
-          </p:cNvSpPr>
-          <p:nvPr>
-            <p:ph type="title"/>
-          </p:nvPr>
-        </p:nvSpPr>
-        <p:spPr>
-          <a:xfrm>
-            <a:off x="0" y="17256"/>
-            <a:ext cx="10515600" cy="663782"/>
-          </a:xfrm>
-        </p:spPr>
-        <p:txBody>
-          <a:bodyPr/>
-          <a:lstStyle/>
-          <a:p>
-            <a:pPr lvl="0" indent="0" marL="0">
-              <a:buNone/>
-            </a:pPr>
-            <a:r>
-              <a:rPr/>
-              <a:t>Interpretação de efeitos em meta-análise</a:t>
-            </a:r>
-          </a:p>
-        </p:txBody>
-      </p:sp>
-      <mc:AlternateContent xmlns:mc="http://schemas.openxmlformats.org/markup-compatibility/2006">
-        <mc:Choice xmlns:a14="http://schemas.microsoft.com/office/drawing/2010/main" Requires="a14">
-          <p:sp>
-            <p:nvSpPr>
-              <p:cNvPr id="3" name="Content Placeholder 2">
-                <a:extLst>
-                  <a:ext uri="{FF2B5EF4-FFF2-40B4-BE49-F238E27FC236}">
-                    <a16:creationId xmlns:a16="http://schemas.microsoft.com/office/drawing/2014/main" id="{1574FA24-F1CC-B240-AAF9-A2DF684B1C54}"/>
-                  </a:ext>
-                </a:extLst>
-              </p:cNvPr>
-              <p:cNvSpPr>
-                <a:spLocks noGrp="1"/>
-              </p:cNvSpPr>
-              <p:nvPr>
-                <p:ph idx="1"/>
-              </p:nvPr>
-            </p:nvSpPr>
-            <p:spPr/>
-            <p:txBody>
-              <a:bodyPr/>
-              <a:lstStyle/>
-              <a:p>
-                <a:pPr lvl="0" indent="0" marL="0">
-                  <a:buNone/>
-                </a:pPr>
-              </a:p>
-              <a:p>
-                <a:pPr lvl="0" indent="0" marL="0">
-                  <a:spcBef>
-                    <a:spcPts val="3000"/>
-                  </a:spcBef>
-                  <a:buNone/>
-                </a:pPr>
-                <a:r>
-                  <a:rPr b="1"/>
-                  <a:t>Como avaliar a variação do tamanho do efeito?</a:t>
-                </a:r>
-              </a:p>
-              <a:p>
-                <a:pPr lvl="0"/>
-                <a:r>
-                  <a:rPr/>
-                  <a:t>O intervalo de predição contém informação sobre a variação do tamanho do efeito.</a:t>
-                </a:r>
-                <a:r>
-                  <a:rPr baseline="30000"/>
-                  <a:t>214</a:t>
-                </a:r>
-              </a:p>
-              <a:p>
-                <a:pPr lvl="0"/>
-                <a:r>
-                  <a:rPr/>
-                  <a:t>Se o intervalo de predição não contém a hipótese nula (</a:t>
-                </a:r>
-                <a14:m>
-                  <m:oMath xmlns:m="http://schemas.openxmlformats.org/officeDocument/2006/math">
-                    <m:sSub>
-                      <m:e>
-                        <m:r>
-                          <m:t>H</m:t>
-                        </m:r>
-                      </m:e>
-                      <m:sub>
-                        <m:r>
-                          <m:t>0</m:t>
-                        </m:r>
-                      </m:sub>
-                    </m:sSub>
-                  </m:oMath>
-                </a14:m>
-                <a:r>
-                  <a:rPr/>
-                  <a:t>), podemos concluir que (a) o tratamento funciona igualmente bem em todas as populações, ou que ele funciona melhor em algumas populações do que em outras.</a:t>
-                </a:r>
-                <a:r>
-                  <a:rPr baseline="30000"/>
-                  <a:t>214</a:t>
-                </a:r>
-              </a:p>
-              <a:p>
-                <a:pPr lvl="0"/>
-                <a:r>
-                  <a:rPr/>
-                  <a:t>Se o intervalo de predição contém a hipótese nula (</a:t>
-                </a:r>
-                <a14:m>
-                  <m:oMath xmlns:m="http://schemas.openxmlformats.org/officeDocument/2006/math">
-                    <m:sSub>
-                      <m:e>
-                        <m:r>
-                          <m:t>H</m:t>
-                        </m:r>
-                      </m:e>
-                      <m:sub>
-                        <m:r>
-                          <m:t>0</m:t>
-                        </m:r>
-                      </m:sub>
-                    </m:sSub>
-                  </m:oMath>
-                </a14:m>
-                <a:r>
-                  <a:rPr/>
-                  <a:t>), podemos concluir que o tratamento pode ser benéfico em algumas populações, mas prejudicial em outras, de modo que a estimativa pontual (geralmente a média) torna-se amplamente irrelevante. Nesse caso, é recomendado investigar em que populações o tratamento seria benéfico e em quais causaria danos.</a:t>
-                </a:r>
-                <a:r>
-                  <a:rPr baseline="30000"/>
-                  <a:t>214</a:t>
-                </a:r>
-              </a:p>
-              <a:p>
-                <a:pPr lvl="0" indent="0" marL="0">
-                  <a:buNone/>
-                </a:pPr>
-              </a:p>
-              <a:p>
-                <a:pPr lvl="0" indent="0" marL="0">
-                  <a:spcBef>
-                    <a:spcPts val="3000"/>
-                  </a:spcBef>
-                  <a:buNone/>
-                </a:pPr>
-                <a:r>
-                  <a:rPr b="1"/>
-                  <a:t>Como avaliar a heterogeneidade entre os estudos?</a:t>
-                </a:r>
-              </a:p>
-              <a:p>
-                <a:pPr lvl="0"/>
-                <a:r>
-                  <a:rPr/>
-                  <a:t>A heterogeneidade - variação não-aleatória - no efeito do tratamento entre os estudos incluídos em uma meta-análise pode ser avaliada pelo </a:t>
-                </a:r>
-                <a14:m>
-                  <m:oMath xmlns:m="http://schemas.openxmlformats.org/officeDocument/2006/math">
-                    <m:sSup>
-                      <m:e>
-                        <m:r>
-                          <m:t>I</m:t>
-                        </m:r>
-                      </m:e>
-                      <m:sup>
-                        <m:r>
-                          <m:t>2</m:t>
-                        </m:r>
-                      </m:sup>
-                    </m:sSup>
-                  </m:oMath>
-                </a14:m>
-                <a:r>
-                  <a:rPr/>
-                  <a:t>.</a:t>
-                </a:r>
-                <a:r>
-                  <a:rPr baseline="30000"/>
-                  <a:t>214,215</a:t>
-                </a:r>
-              </a:p>
-              <a:p>
-                <a:pPr lvl="0"/>
-                <a14:m>
-                  <m:oMath xmlns:m="http://schemas.openxmlformats.org/officeDocument/2006/math">
-                    <m:sSup>
-                      <m:e>
-                        <m:r>
-                          <m:t>I</m:t>
-                        </m:r>
-                      </m:e>
-                      <m:sup>
-                        <m:r>
-                          <m:t>2</m:t>
-                        </m:r>
-                      </m:sup>
-                    </m:sSup>
-                  </m:oMath>
-                </a14:m>
-                <a:r>
-                  <a:rPr/>
-                  <a:t> representa qual proporção da variância observada reflete a variância nos efeitos verdadeiros em vez do erro de amostragem.</a:t>
-                </a:r>
-                <a:r>
-                  <a:rPr baseline="30000"/>
-                  <a:t>214</a:t>
-                </a:r>
-              </a:p>
-              <a:p>
-                <a:pPr lvl="0"/>
-                <a14:m>
-                  <m:oMath xmlns:m="http://schemas.openxmlformats.org/officeDocument/2006/math">
-                    <m:sSup>
-                      <m:e>
-                        <m:r>
-                          <m:t>I</m:t>
-                        </m:r>
-                      </m:e>
-                      <m:sup>
-                        <m:r>
-                          <m:t>2</m:t>
-                        </m:r>
-                      </m:sup>
-                    </m:sSup>
-                  </m:oMath>
-                </a14:m>
-                <a:r>
-                  <a:rPr/>
-                  <a:t> não depende da quantidade de estudos incluídos na meta-análise. Entretanto, </a:t>
-                </a:r>
-                <a14:m>
-                  <m:oMath xmlns:m="http://schemas.openxmlformats.org/officeDocument/2006/math">
-                    <m:sSup>
-                      <m:e>
-                        <m:r>
-                          <m:t>I</m:t>
-                        </m:r>
-                      </m:e>
-                      <m:sup>
-                        <m:r>
-                          <m:t>2</m:t>
-                        </m:r>
-                      </m:sup>
-                    </m:sSup>
-                  </m:oMath>
-                </a14:m>
-                <a:r>
-                  <a:rPr/>
-                  <a:t> aumenta com a quantidade de participantes incluídos nos estudos meta-analisados.</a:t>
-                </a:r>
-                <a:r>
-                  <a:rPr baseline="30000"/>
-                  <a:t>215</a:t>
-                </a:r>
-              </a:p>
-              <a:p>
-                <a:pPr lvl="0"/>
-                <a:r>
-                  <a:rPr/>
-                  <a:t>A heterogeneidade entre estudos é explicada de modo mais confiável utilizando dados de pacientes individuais, uma vez que a direção verdadeira da modificação de efeito não pode ser observada a partir de dados agregados no estudo.</a:t>
-                </a:r>
-                <a:r>
-                  <a:rPr baseline="30000"/>
-                  <a:t>216</a:t>
-                </a:r>
-              </a:p>
-              <a:p>
-                <a:pPr lvl="0" indent="0" marL="0">
-                  <a:buNone/>
-                </a:pPr>
-              </a:p>
-              <a:p>
-                <a:pPr lvl="0" indent="0" marL="0">
-                  <a:buNone/>
-                </a:pPr>
-                <a:r>
-                  <a:rPr/>
-                  <a:t>O pacote </a:t>
-                </a:r>
-                <a:r>
-                  <a:rPr i="1"/>
-                  <a:t>metagear</a:t>
-                </a:r>
-                <a:r>
-                  <a:rPr baseline="30000"/>
-                  <a:t>217</a:t>
-                </a:r>
-                <a:r>
-                  <a:rPr/>
-                  <a:t> fornece funções para condução e análise de revisões sistemáticas.</a:t>
-                </a:r>
-              </a:p>
-              <a:p>
-                <a:pPr lvl="0" indent="0" marL="0">
-                  <a:buNone/>
-                </a:pPr>
-              </a:p>
-              <a:p>
-                <a:pPr lvl="0" indent="0" marL="0">
-                  <a:buNone/>
-                </a:pPr>
-                <a:r>
-                  <a:rPr/>
-                  <a:t>O pacote </a:t>
-                </a:r>
-                <a:r>
-                  <a:rPr i="1"/>
-                  <a:t>metagear</a:t>
-                </a:r>
-                <a:r>
-                  <a:rPr baseline="30000"/>
-                  <a:t>217</a:t>
-                </a:r>
-                <a:r>
-                  <a:rPr/>
-                  <a:t> fornece a função </a:t>
-                </a:r>
-                <a:r>
-                  <a:rPr i="1">
-                    <a:hlinkClick r:id="rId2"/>
-                  </a:rPr>
-                  <a:t>plot_PRISMA</a:t>
-                </a:r>
-                <a:r>
-                  <a:rPr/>
-                  <a:t> para gerar o fluxograma de uma revisão sistemática de acordo com o </a:t>
-                </a:r>
-                <a:r>
-                  <a:rPr i="1"/>
-                  <a:t>Preferred Reporting Items for Systematic Reviews and Meta-Analyses</a:t>
-                </a:r>
-                <a:r>
-                  <a:rPr baseline="30000"/>
-                  <a:t>218</a:t>
-                </a:r>
-                <a:r>
-                  <a:rPr/>
-                  <a:t>.</a:t>
-                </a:r>
-              </a:p>
-              <a:p>
-                <a:pPr lvl="0" indent="0" marL="0">
-                  <a:buNone/>
-                </a:pPr>
-              </a:p>
-              <a:p>
-                <a:pPr lvl="0" indent="0" marL="0">
-                  <a:buNone/>
-                </a:pPr>
-                <a:r>
-                  <a:rPr/>
-                  <a:t>O pacote </a:t>
-                </a:r>
-                <a:r>
-                  <a:rPr i="1"/>
-                  <a:t>PRISMA2020</a:t>
-                </a:r>
-                <a:r>
-                  <a:rPr baseline="30000"/>
-                  <a:t>219,220</a:t>
-                </a:r>
-                <a:r>
-                  <a:rPr/>
-                  <a:t> fornece a função </a:t>
-                </a:r>
-                <a:r>
-                  <a:rPr i="1">
-                    <a:hlinkClick r:id="rId3"/>
-                  </a:rPr>
-                  <a:t>PRISMA_flowdiagram</a:t>
-                </a:r>
-                <a:r>
-                  <a:rPr/>
-                  <a:t> para elaboração do fluxograma de revisões sistemáticas no formato padrão.</a:t>
-                </a:r>
-              </a:p>
-              <a:p>
-                <a:pPr lvl="0" indent="0" marL="0">
-                  <a:buNone/>
-                </a:pPr>
-              </a:p>
-            </p:txBody>
-          </p:sp>
-        </mc:Choice>
-      </mc:AlternateContent>
-    </p:spTree>
-  </p:cSld>
-</p:sld>
-</file>
-
-<file path=ppt/slides/slide147.xml><?xml version="1.0" encoding="utf-8"?>
-<p:sld xmlns:a="http://schemas.openxmlformats.org/drawingml/2006/main" xmlns:r="http://schemas.openxmlformats.org/officeDocument/2006/relationships" xmlns:p="http://schemas.openxmlformats.org/presentationml/2006/main">
-  <p:cSld>
-    <p:spTree>
-      <p:nvGrpSpPr>
-        <p:cNvPr id="1" name=""/>
-        <p:cNvGrpSpPr/>
-        <p:nvPr/>
-      </p:nvGrpSpPr>
-      <p:grpSpPr>
-        <a:xfrm>
-          <a:off x="0" y="0"/>
-          <a:ext cx="0" cy="0"/>
-          <a:chOff x="0" y="0"/>
-          <a:chExt cx="0" cy="0"/>
-        </a:xfrm>
-      </p:grpSpPr>
-      <p:sp>
-        <p:nvSpPr>
-          <p:cNvPr id="2" name="Title 1">
-            <a:extLst>
-              <a:ext uri="{FF2B5EF4-FFF2-40B4-BE49-F238E27FC236}">
-                <a16:creationId xmlns:a16="http://schemas.microsoft.com/office/drawing/2014/main" id="{28A92D45-5BAF-634B-BB37-8481089F9E28}"/>
-              </a:ext>
-            </a:extLst>
-          </p:cNvPr>
-          <p:cNvSpPr>
-            <a:spLocks noGrp="1"/>
-          </p:cNvSpPr>
-          <p:nvPr>
-            <p:ph type="title"/>
-          </p:nvPr>
-        </p:nvSpPr>
-        <p:spPr>
-          <a:xfrm>
-            <a:off x="831850" y="1709738"/>
-            <a:ext cx="10515600" cy="2852737"/>
-          </a:xfrm>
-        </p:spPr>
-        <p:txBody>
-          <a:bodyPr/>
-          <a:lstStyle/>
-          <a:p>
-            <a:pPr lvl="0" indent="0" marL="0">
-              <a:buNone/>
-            </a:pPr>
-            <a:r>
-              <a:rPr i="1"/>
-              <a:t>Parte 5 - Produção Científica</a:t>
-            </a:r>
           </a:p>
         </p:txBody>
       </p:sp>
@@ -13100,7 +12811,7 @@
             </a:pPr>
             <a:r>
               <a:rPr b="1"/>
-              <a:t>Manuscritos reprodutíveis</a:t>
+              <a:t>Meta-análise</a:t>
             </a:r>
           </a:p>
         </p:txBody>
@@ -13158,7 +12869,7 @@
             </a:pPr>
             <a:r>
               <a:rPr/>
-              <a:t>Programa de computador</a:t>
+              <a:t>Meta-análise</a:t>
             </a:r>
           </a:p>
         </p:txBody>
@@ -13197,233 +12908,14 @@
             </a:pPr>
             <a:r>
               <a:rPr b="1"/>
-              <a:t>O que é R?</a:t>
+              <a:t>O que é meta-análise?</a:t>
             </a:r>
           </a:p>
           <a:p>
             <a:pPr lvl="0"/>
             <a:r>
               <a:rPr/>
-              <a:t>R é um programa de computador com linguagem computacional direcionada para análise estatística.</a:t>
-            </a:r>
-            <a:r>
-              <a:rPr baseline="30000"/>
-              <a:t>221</a:t>
-            </a:r>
-          </a:p>
-          <a:p>
-            <a:pPr lvl="0"/>
-            <a:r>
-              <a:rPr/>
-              <a:t>R está disponível em </a:t>
-            </a:r>
-            <a:r>
-              <a:rPr>
-                <a:hlinkClick r:id="rId2"/>
-              </a:rPr>
-              <a:t>Comprehensive R Archive Network (CRAN)</a:t>
-            </a:r>
-            <a:r>
-              <a:rPr/>
-              <a:t>.</a:t>
-            </a:r>
-          </a:p>
-          <a:p>
-            <a:pPr lvl="0"/>
-            <a:r>
-              <a:rPr/>
-              <a:t>R version 4.3.1 (2023-06-16).</a:t>
-            </a:r>
-          </a:p>
-          <a:p>
-            <a:pPr lvl="0" indent="0" marL="0">
-              <a:buNone/>
-            </a:pPr>
-          </a:p>
-          <a:p>
-            <a:pPr lvl="0" indent="0" marL="0">
-              <a:spcBef>
-                <a:spcPts val="3000"/>
-              </a:spcBef>
-              <a:buNone/>
-            </a:pPr>
-            <a:r>
-              <a:rPr b="1"/>
-              <a:t>O que é RStudio?</a:t>
-            </a:r>
-          </a:p>
-          <a:p>
-            <a:pPr lvl="0"/>
-            <a:r>
-              <a:rPr/>
-              <a:t>RStudio é um ambiente de desenvolvimento integrado (</a:t>
-            </a:r>
-            <a:r>
-              <a:rPr i="1"/>
-              <a:t>integrated development environment</a:t>
-            </a:r>
-            <a:r>
-              <a:rPr/>
-              <a:t>, IDE) desenvolvido visando a reprodutibilidade e a simplicidade para a criação e disseminação de conhecimento.</a:t>
-            </a:r>
-            <a:r>
-              <a:rPr baseline="30000"/>
-              <a:t>222</a:t>
-            </a:r>
-          </a:p>
-          <a:p>
-            <a:pPr lvl="0"/>
-            <a:r>
-              <a:rPr/>
-              <a:t>As principais características do RStudio incluem um ambiente de edição com abas para acesso rápido a arquivos, comandos e resultados; histórico de comandos previamente utilizados; ferramentas para visualização de bancos de dados e elaboração de scripts e gráficos e tabelas.</a:t>
-            </a:r>
-            <a:r>
-              <a:rPr baseline="30000"/>
-              <a:t>222</a:t>
-            </a:r>
-          </a:p>
-          <a:p>
-            <a:pPr lvl="0"/>
-            <a:r>
-              <a:rPr/>
-              <a:t>RStudio está disponível em </a:t>
-            </a:r>
-            <a:r>
-              <a:rPr>
-                <a:hlinkClick r:id="rId3"/>
-              </a:rPr>
-              <a:t>Posit</a:t>
-            </a:r>
-            <a:r>
-              <a:rPr/>
-              <a:t>.</a:t>
-            </a:r>
-          </a:p>
-          <a:p>
-            <a:pPr lvl="0" indent="0" marL="0">
-              <a:buNone/>
-            </a:pPr>
-          </a:p>
-          <a:p>
-            <a:pPr lvl="0" indent="0" marL="0">
-              <a:spcBef>
-                <a:spcPts val="3000"/>
-              </a:spcBef>
-              <a:buNone/>
-            </a:pPr>
-            <a:r>
-              <a:rPr b="1"/>
-              <a:t>Por que usar R?</a:t>
-            </a:r>
-          </a:p>
-          <a:p>
-            <a:pPr lvl="0"/>
-            <a:r>
-              <a:rPr/>
-              <a:t>R é o software de maior abrangência de métodos estatísticos, possui sintaxe que permite análises estatísticas reproduzíveis e está disponível gratuitamente no website CRAN (</a:t>
-            </a:r>
-            <a:r>
-              <a:rPr>
-                <a:hlinkClick r:id="rId4"/>
-              </a:rPr>
-              <a:t>http://cran.r-project.org/</a:t>
-            </a:r>
-            <a:r>
-              <a:rPr/>
-              <a:t>).</a:t>
-            </a:r>
-            <a:r>
-              <a:rPr baseline="30000"/>
-              <a:t>27</a:t>
-            </a:r>
-          </a:p>
-          <a:p>
-            <a:pPr lvl="0" indent="0" marL="0">
-              <a:buNone/>
-            </a:pPr>
-          </a:p>
-          <a:p>
-            <a:pPr lvl="0" indent="0" marL="0">
-              <a:spcBef>
-                <a:spcPts val="3000"/>
-              </a:spcBef>
-              <a:buNone/>
-            </a:pPr>
-            <a:r>
-              <a:rPr b="1"/>
-              <a:t>Que programas de computador podem ser usados para análise estatística com R?</a:t>
-            </a:r>
-          </a:p>
-          <a:p>
-            <a:pPr lvl="0"/>
-            <a:r>
-              <a:rPr>
-                <a:hlinkClick r:id="rId5"/>
-              </a:rPr>
-              <a:t>JASP</a:t>
-            </a:r>
-            <a:r>
-              <a:rPr/>
-              <a:t>.</a:t>
-            </a:r>
-            <a:r>
-              <a:rPr baseline="30000"/>
-              <a:t>223</a:t>
-            </a:r>
-          </a:p>
-          <a:p>
-            <a:pPr lvl="0"/>
-            <a:r>
-              <a:rPr>
-                <a:hlinkClick r:id="rId6"/>
-              </a:rPr>
-              <a:t>jamovi</a:t>
-            </a:r>
-            <a:r>
-              <a:rPr/>
-              <a:t>.</a:t>
-            </a:r>
-            <a:r>
-              <a:rPr baseline="30000"/>
-              <a:t>224</a:t>
-            </a:r>
-          </a:p>
-          <a:p>
-            <a:pPr lvl="0" indent="0" marL="0">
-              <a:buNone/>
-            </a:pPr>
-          </a:p>
-          <a:p>
-            <a:pPr lvl="0" indent="0" marL="0">
-              <a:buNone/>
-            </a:pPr>
-            <a:r>
-              <a:rPr/>
-              <a:t>Os pacotes </a:t>
-            </a:r>
-            <a:r>
-              <a:rPr i="1"/>
-              <a:t>jmv</a:t>
-            </a:r>
-            <a:r>
-              <a:rPr baseline="30000"/>
-              <a:t>225</a:t>
-            </a:r>
-            <a:r>
-              <a:rPr/>
-              <a:t> e </a:t>
-            </a:r>
-            <a:r>
-              <a:rPr i="1"/>
-              <a:t>jmvconnect</a:t>
-            </a:r>
-            <a:r>
-              <a:rPr baseline="30000"/>
-              <a:t>226</a:t>
-            </a:r>
-            <a:r>
-              <a:rPr/>
-              <a:t> fornecem funções para análise descritiva e inferencial com interface com jamovi.</a:t>
+              <a:t>.[]</a:t>
             </a:r>
           </a:p>
           <a:p>
@@ -14176,317 +13668,375 @@
             </a:pPr>
             <a:r>
               <a:rPr/>
-              <a:t>Manuscritos reprodutíveis</a:t>
+              <a:t>Interpretação de efeitos em meta-análise</a:t>
             </a:r>
           </a:p>
         </p:txBody>
       </p:sp>
-      <p:sp>
-        <p:nvSpPr>
-          <p:cNvPr id="3" name="Content Placeholder 2">
-            <a:extLst>
-              <a:ext uri="{FF2B5EF4-FFF2-40B4-BE49-F238E27FC236}">
-                <a16:creationId xmlns:a16="http://schemas.microsoft.com/office/drawing/2014/main" id="{1574FA24-F1CC-B240-AAF9-A2DF684B1C54}"/>
-              </a:ext>
-            </a:extLst>
-          </p:cNvPr>
-          <p:cNvSpPr>
-            <a:spLocks noGrp="1"/>
-          </p:cNvSpPr>
-          <p:nvPr>
-            <p:ph idx="1"/>
-          </p:nvPr>
-        </p:nvSpPr>
-        <p:spPr/>
-        <p:txBody>
-          <a:bodyPr/>
-          <a:lstStyle/>
-          <a:p>
-            <a:pPr lvl="0" indent="0" marL="0">
-              <a:buNone/>
-            </a:pPr>
-          </a:p>
-          <a:p>
-            <a:pPr lvl="0" indent="0" marL="0">
-              <a:spcBef>
-                <a:spcPts val="3000"/>
-              </a:spcBef>
-              <a:buNone/>
-            </a:pPr>
-            <a:r>
-              <a:rPr b="1"/>
-              <a:t>O que são manuscritos reprodutíveis?</a:t>
-            </a:r>
-          </a:p>
-          <a:p>
-            <a:pPr lvl="0"/>
-            <a:r>
-              <a:rPr/>
-              <a:t>Manuscritos reprodutíveis - manuscritos executáveis ou relatórios dinâmicos - permitem a produção de um manuscrito completo a partir da integração do banco de dados da(s) amostra(s), do(s) script(s) de análise estatística (incluindo comentários para sua interpretação), dos pacotes ou bibliotecas utilizados, das fontes e referências bibliográficas citadas, além dos demais elementos textuais (tabelas, gráficos) - todos gerados dinamicamente.</a:t>
-            </a:r>
-            <a:r>
-              <a:rPr baseline="30000"/>
-              <a:t>227</a:t>
-            </a:r>
-          </a:p>
-          <a:p>
-            <a:pPr lvl="0"/>
-            <a:r>
-              <a:rPr/>
-              <a:t>O trabalho com RMarkdown</a:t>
-            </a:r>
-            <a:r>
-              <a:rPr baseline="30000"/>
-              <a:t>228</a:t>
-            </a:r>
-            <a:r>
-              <a:rPr/>
-              <a:t> permite um fluxo de dados totalmente transparente, desde o conjunto de dados coletados até o manuscrito finalizado. Todos os aspectos do fluxo de dados podem ser incorporados em blocos de R script (</a:t>
-            </a:r>
-            <a:r>
-              <a:rPr i="1"/>
-              <a:t>chunk</a:t>
-            </a:r>
-            <a:r>
-              <a:rPr/>
-              <a:t>), exibindo tanto o R script quando o respectivo texto, tabelas e figuras formatadas no estilo científico de interesse.</a:t>
-            </a:r>
-            <a:r>
-              <a:rPr baseline="30000"/>
-              <a:t>229</a:t>
-            </a:r>
-          </a:p>
-          <a:p>
-            <a:pPr lvl="0"/>
-            <a:r>
-              <a:rPr/>
-              <a:t>O RMarkdown</a:t>
-            </a:r>
-            <a:r>
-              <a:rPr baseline="30000"/>
-              <a:t>228</a:t>
-            </a:r>
-            <a:r>
-              <a:rPr/>
-              <a:t> foi projetado especificamente para relatórios dinâmicos onde a análise é realizada em R e oferece uma flexibilidade incrível por meio de uma linguagem de marcação.</a:t>
-            </a:r>
-            <a:r>
-              <a:rPr baseline="30000"/>
-              <a:t>27</a:t>
-            </a:r>
-          </a:p>
-          <a:p>
-            <a:pPr lvl="0" indent="0" marL="0">
-              <a:buNone/>
-            </a:pPr>
-          </a:p>
-          <a:p>
-            <a:pPr lvl="0" indent="0" marL="0">
-              <a:spcBef>
-                <a:spcPts val="3000"/>
-              </a:spcBef>
-              <a:buNone/>
-            </a:pPr>
-            <a:r>
-              <a:rPr b="1"/>
-              <a:t>Por que usar manuscritos reprodutíveis?</a:t>
-            </a:r>
-          </a:p>
-          <a:p>
-            <a:pPr lvl="0"/>
-            <a:r>
-              <a:rPr/>
-              <a:t>No processo tradicional de redação científica há muitas etapas de copiar e colar não reproduzíveis envolvidas. Documentos dinâmicos combinam uma ferramenta de processamento de texto com o R script que produz o texto/tabela/figura a ser incorporado no manuscrito.</a:t>
-            </a:r>
-            <a:r>
-              <a:rPr baseline="30000"/>
-              <a:t>27</a:t>
-            </a:r>
-          </a:p>
-          <a:p>
-            <a:pPr lvl="0"/>
-            <a:r>
-              <a:rPr/>
-              <a:t>Ao trabalhar com relatórios dinâmicos, é possível extrair o mesmo script usado para análise estatística. Os documentos podem ser compilados em vários formatos de saída e salvos como DOCX, PPTX e PDF.</a:t>
-            </a:r>
-            <a:r>
-              <a:rPr baseline="30000"/>
-              <a:t>27</a:t>
-            </a:r>
-          </a:p>
-          <a:p>
-            <a:pPr lvl="0" indent="0" marL="0">
-              <a:buNone/>
-            </a:pPr>
-          </a:p>
-          <a:p>
-            <a:pPr lvl="0" indent="0" marL="0">
-              <a:buNone/>
-            </a:pPr>
-            <a:r>
-              <a:rPr/>
-              <a:t>O pacote </a:t>
-            </a:r>
-            <a:r>
-              <a:rPr i="1"/>
-              <a:t>officedown</a:t>
-            </a:r>
-            <a:r>
-              <a:rPr baseline="30000"/>
-              <a:t>230</a:t>
-            </a:r>
-            <a:r>
-              <a:rPr/>
-              <a:t> fornece as funções </a:t>
-            </a:r>
-            <a:r>
-              <a:rPr i="1">
-                <a:hlinkClick r:id="rId2"/>
-              </a:rPr>
-              <a:t>rdocx_document</a:t>
-            </a:r>
-            <a:r>
-              <a:rPr/>
-              <a:t> e </a:t>
-            </a:r>
-            <a:r>
-              <a:rPr i="1">
-                <a:hlinkClick r:id="rId3"/>
-              </a:rPr>
-              <a:t>rpptx_document</a:t>
-            </a:r>
-            <a:r>
-              <a:rPr/>
-              <a:t> para criar arquivos DOCX e PPTX, respectivamente, com o conteúdo criado no manuscrito reprodutível.</a:t>
-            </a:r>
-          </a:p>
-          <a:p>
-            <a:pPr lvl="0" indent="0" marL="0">
-              <a:buNone/>
-            </a:pPr>
-          </a:p>
-          <a:p>
-            <a:pPr lvl="0" indent="0" marL="0">
-              <a:buNone/>
-            </a:pPr>
-            <a:r>
-              <a:rPr/>
-              <a:t>O pacote </a:t>
-            </a:r>
-            <a:r>
-              <a:rPr i="1"/>
-              <a:t>bookdown</a:t>
-            </a:r>
-            <a:r>
-              <a:rPr baseline="30000"/>
-              <a:t>231</a:t>
-            </a:r>
-            <a:r>
-              <a:rPr/>
-              <a:t> fornece as funções </a:t>
-            </a:r>
-            <a:r>
-              <a:rPr i="1">
-                <a:hlinkClick r:id="rId4"/>
-              </a:rPr>
-              <a:t>pdf_book</a:t>
-            </a:r>
-            <a:r>
-              <a:rPr/>
-              <a:t>, </a:t>
-            </a:r>
-            <a:r>
-              <a:rPr i="1">
-                <a:hlinkClick r:id="rId5"/>
-              </a:rPr>
-              <a:t>bs4_book</a:t>
-            </a:r>
-            <a:r>
-              <a:rPr/>
-              <a:t> e </a:t>
-            </a:r>
-            <a:r>
-              <a:rPr i="1">
-                <a:hlinkClick r:id="rId6"/>
-              </a:rPr>
-              <a:t>epub_book</a:t>
-            </a:r>
-            <a:r>
-              <a:rPr/>
-              <a:t> para criar arquivos PDF, HTML e EPUB, respectivamente, com o conteúdo criado no manuscrito reprodutível.</a:t>
-            </a:r>
-          </a:p>
-          <a:p>
-            <a:pPr lvl="0" indent="0" marL="0">
-              <a:buNone/>
-            </a:pPr>
-          </a:p>
-          <a:p>
-            <a:pPr lvl="0" indent="0" marL="0">
-              <a:spcBef>
-                <a:spcPts val="3000"/>
-              </a:spcBef>
-              <a:buNone/>
-            </a:pPr>
-            <a:r>
-              <a:rPr b="1"/>
-              <a:t>Como manuscritos reprodutíveis contribuem para a ciência?</a:t>
-            </a:r>
-          </a:p>
-          <a:p>
-            <a:pPr lvl="0"/>
-            <a:r>
-              <a:rPr/>
-              <a:t>O compartilhamento de bancos de dados e seus scripts de análise estatística permitem a adoção de práticas reprodutíveis, tais como a reanálise dos dados.</a:t>
-            </a:r>
-            <a:r>
-              <a:rPr baseline="30000"/>
-              <a:t>232</a:t>
-            </a:r>
-          </a:p>
-          <a:p>
-            <a:pPr lvl="0" indent="0" marL="0">
-              <a:buNone/>
-            </a:pPr>
-          </a:p>
-          <a:p>
-            <a:pPr lvl="0" indent="0" marL="0">
-              <a:buNone/>
-            </a:pPr>
-            <a:r>
-              <a:rPr/>
-              <a:t>O pacote </a:t>
-            </a:r>
-            <a:r>
-              <a:rPr i="1"/>
-              <a:t>projects</a:t>
-            </a:r>
-            <a:r>
-              <a:rPr baseline="30000"/>
-              <a:t>233</a:t>
-            </a:r>
-            <a:r>
-              <a:rPr/>
-              <a:t> fornece a função </a:t>
-            </a:r>
-            <a:r>
-              <a:rPr i="1">
-                <a:hlinkClick r:id="rId7"/>
-              </a:rPr>
-              <a:t>setup_projects</a:t>
-            </a:r>
-            <a:r>
-              <a:rPr/>
-              <a:t> para criar um projeto com arquivos organizados em diretórios.</a:t>
-            </a:r>
-          </a:p>
-          <a:p>
-            <a:pPr lvl="0" indent="0" marL="0">
-              <a:buNone/>
-            </a:pPr>
-          </a:p>
-        </p:txBody>
-      </p:sp>
+      <mc:AlternateContent xmlns:mc="http://schemas.openxmlformats.org/markup-compatibility/2006">
+        <mc:Choice xmlns:a14="http://schemas.microsoft.com/office/drawing/2010/main" Requires="a14">
+          <p:sp>
+            <p:nvSpPr>
+              <p:cNvPr id="3" name="Content Placeholder 2">
+                <a:extLst>
+                  <a:ext uri="{FF2B5EF4-FFF2-40B4-BE49-F238E27FC236}">
+                    <a16:creationId xmlns:a16="http://schemas.microsoft.com/office/drawing/2014/main" id="{1574FA24-F1CC-B240-AAF9-A2DF684B1C54}"/>
+                  </a:ext>
+                </a:extLst>
+              </p:cNvPr>
+              <p:cNvSpPr>
+                <a:spLocks noGrp="1"/>
+              </p:cNvSpPr>
+              <p:nvPr>
+                <p:ph idx="1"/>
+              </p:nvPr>
+            </p:nvSpPr>
+            <p:spPr/>
+            <p:txBody>
+              <a:bodyPr/>
+              <a:lstStyle/>
+              <a:p>
+                <a:pPr lvl="0" indent="0" marL="0">
+                  <a:buNone/>
+                </a:pPr>
+              </a:p>
+              <a:p>
+                <a:pPr lvl="0" indent="0" marL="0">
+                  <a:spcBef>
+                    <a:spcPts val="3000"/>
+                  </a:spcBef>
+                  <a:buNone/>
+                </a:pPr>
+                <a:r>
+                  <a:rPr b="1"/>
+                  <a:t>Como avaliar a variação do tamanho do efeito?</a:t>
+                </a:r>
+              </a:p>
+              <a:p>
+                <a:pPr lvl="0"/>
+                <a:r>
+                  <a:rPr/>
+                  <a:t>O intervalo de predição contém informação sobre a variação do tamanho do efeito.</a:t>
+                </a:r>
+                <a:r>
+                  <a:rPr baseline="30000"/>
+                  <a:t>214</a:t>
+                </a:r>
+              </a:p>
+              <a:p>
+                <a:pPr lvl="0"/>
+                <a:r>
+                  <a:rPr/>
+                  <a:t>Se o intervalo de predição não contém a hipótese nula (</a:t>
+                </a:r>
+                <a14:m>
+                  <m:oMath xmlns:m="http://schemas.openxmlformats.org/officeDocument/2006/math">
+                    <m:sSub>
+                      <m:e>
+                        <m:r>
+                          <m:t>H</m:t>
+                        </m:r>
+                      </m:e>
+                      <m:sub>
+                        <m:r>
+                          <m:t>0</m:t>
+                        </m:r>
+                      </m:sub>
+                    </m:sSub>
+                  </m:oMath>
+                </a14:m>
+                <a:r>
+                  <a:rPr/>
+                  <a:t>), podemos concluir que (a) o tratamento funciona igualmente bem em todas as populações, ou que ele funciona melhor em algumas populações do que em outras.</a:t>
+                </a:r>
+                <a:r>
+                  <a:rPr baseline="30000"/>
+                  <a:t>214</a:t>
+                </a:r>
+              </a:p>
+              <a:p>
+                <a:pPr lvl="0"/>
+                <a:r>
+                  <a:rPr/>
+                  <a:t>Se o intervalo de predição contém a hipótese nula (</a:t>
+                </a:r>
+                <a14:m>
+                  <m:oMath xmlns:m="http://schemas.openxmlformats.org/officeDocument/2006/math">
+                    <m:sSub>
+                      <m:e>
+                        <m:r>
+                          <m:t>H</m:t>
+                        </m:r>
+                      </m:e>
+                      <m:sub>
+                        <m:r>
+                          <m:t>0</m:t>
+                        </m:r>
+                      </m:sub>
+                    </m:sSub>
+                  </m:oMath>
+                </a14:m>
+                <a:r>
+                  <a:rPr/>
+                  <a:t>), podemos concluir que o tratamento pode ser benéfico em algumas populações, mas prejudicial em outras, de modo que a estimativa pontual (geralmente a média) torna-se amplamente irrelevante. Nesse caso, é recomendado investigar em que populações o tratamento seria benéfico e em quais causaria danos.</a:t>
+                </a:r>
+                <a:r>
+                  <a:rPr baseline="30000"/>
+                  <a:t>214</a:t>
+                </a:r>
+              </a:p>
+              <a:p>
+                <a:pPr lvl="0" indent="0" marL="0">
+                  <a:buNone/>
+                </a:pPr>
+              </a:p>
+              <a:p>
+                <a:pPr lvl="0" indent="0" marL="0">
+                  <a:spcBef>
+                    <a:spcPts val="3000"/>
+                  </a:spcBef>
+                  <a:buNone/>
+                </a:pPr>
+                <a:r>
+                  <a:rPr b="1"/>
+                  <a:t>Como avaliar a heterogeneidade entre os estudos?</a:t>
+                </a:r>
+              </a:p>
+              <a:p>
+                <a:pPr lvl="0"/>
+                <a:r>
+                  <a:rPr/>
+                  <a:t>A heterogeneidade - variação não-aleatória - no efeito do tratamento entre os estudos incluídos em uma meta-análise pode ser avaliada pelo </a:t>
+                </a:r>
+                <a14:m>
+                  <m:oMath xmlns:m="http://schemas.openxmlformats.org/officeDocument/2006/math">
+                    <m:sSup>
+                      <m:e>
+                        <m:r>
+                          <m:t>I</m:t>
+                        </m:r>
+                      </m:e>
+                      <m:sup>
+                        <m:r>
+                          <m:t>2</m:t>
+                        </m:r>
+                      </m:sup>
+                    </m:sSup>
+                  </m:oMath>
+                </a14:m>
+                <a:r>
+                  <a:rPr/>
+                  <a:t>.</a:t>
+                </a:r>
+                <a:r>
+                  <a:rPr baseline="30000"/>
+                  <a:t>214,215</a:t>
+                </a:r>
+              </a:p>
+              <a:p>
+                <a:pPr lvl="0"/>
+                <a14:m>
+                  <m:oMath xmlns:m="http://schemas.openxmlformats.org/officeDocument/2006/math">
+                    <m:sSup>
+                      <m:e>
+                        <m:r>
+                          <m:t>I</m:t>
+                        </m:r>
+                      </m:e>
+                      <m:sup>
+                        <m:r>
+                          <m:t>2</m:t>
+                        </m:r>
+                      </m:sup>
+                    </m:sSup>
+                  </m:oMath>
+                </a14:m>
+                <a:r>
+                  <a:rPr/>
+                  <a:t> representa qual proporção da variância observada reflete a variância nos efeitos verdadeiros em vez do erro de amostragem.</a:t>
+                </a:r>
+                <a:r>
+                  <a:rPr baseline="30000"/>
+                  <a:t>214</a:t>
+                </a:r>
+              </a:p>
+              <a:p>
+                <a:pPr lvl="0"/>
+                <a14:m>
+                  <m:oMath xmlns:m="http://schemas.openxmlformats.org/officeDocument/2006/math">
+                    <m:sSup>
+                      <m:e>
+                        <m:r>
+                          <m:t>I</m:t>
+                        </m:r>
+                      </m:e>
+                      <m:sup>
+                        <m:r>
+                          <m:t>2</m:t>
+                        </m:r>
+                      </m:sup>
+                    </m:sSup>
+                  </m:oMath>
+                </a14:m>
+                <a:r>
+                  <a:rPr/>
+                  <a:t> não depende da quantidade de estudos incluídos na meta-análise. Entretanto, </a:t>
+                </a:r>
+                <a14:m>
+                  <m:oMath xmlns:m="http://schemas.openxmlformats.org/officeDocument/2006/math">
+                    <m:sSup>
+                      <m:e>
+                        <m:r>
+                          <m:t>I</m:t>
+                        </m:r>
+                      </m:e>
+                      <m:sup>
+                        <m:r>
+                          <m:t>2</m:t>
+                        </m:r>
+                      </m:sup>
+                    </m:sSup>
+                  </m:oMath>
+                </a14:m>
+                <a:r>
+                  <a:rPr/>
+                  <a:t> aumenta com a quantidade de participantes incluídos nos estudos meta-analisados.</a:t>
+                </a:r>
+                <a:r>
+                  <a:rPr baseline="30000"/>
+                  <a:t>215</a:t>
+                </a:r>
+              </a:p>
+              <a:p>
+                <a:pPr lvl="0"/>
+                <a:r>
+                  <a:rPr/>
+                  <a:t>A heterogeneidade entre estudos é explicada de modo mais confiável utilizando dados de pacientes individuais, uma vez que a direção verdadeira da modificação de efeito não pode ser observada a partir de dados agregados no estudo.</a:t>
+                </a:r>
+                <a:r>
+                  <a:rPr baseline="30000"/>
+                  <a:t>216</a:t>
+                </a:r>
+              </a:p>
+              <a:p>
+                <a:pPr lvl="0" indent="0" marL="0">
+                  <a:buNone/>
+                </a:pPr>
+              </a:p>
+              <a:p>
+                <a:pPr lvl="0" indent="0" marL="0">
+                  <a:buNone/>
+                </a:pPr>
+                <a:r>
+                  <a:rPr/>
+                  <a:t>O pacote </a:t>
+                </a:r>
+                <a:r>
+                  <a:rPr i="1"/>
+                  <a:t>metagear</a:t>
+                </a:r>
+                <a:r>
+                  <a:rPr baseline="30000"/>
+                  <a:t>217</a:t>
+                </a:r>
+                <a:r>
+                  <a:rPr/>
+                  <a:t> fornece funções para condução e análise de revisões sistemáticas.</a:t>
+                </a:r>
+              </a:p>
+              <a:p>
+                <a:pPr lvl="0" indent="0" marL="0">
+                  <a:buNone/>
+                </a:pPr>
+              </a:p>
+              <a:p>
+                <a:pPr lvl="0" indent="0" marL="0">
+                  <a:buNone/>
+                </a:pPr>
+                <a:r>
+                  <a:rPr/>
+                  <a:t>O pacote </a:t>
+                </a:r>
+                <a:r>
+                  <a:rPr i="1"/>
+                  <a:t>metagear</a:t>
+                </a:r>
+                <a:r>
+                  <a:rPr baseline="30000"/>
+                  <a:t>217</a:t>
+                </a:r>
+                <a:r>
+                  <a:rPr/>
+                  <a:t> fornece a função </a:t>
+                </a:r>
+                <a:r>
+                  <a:rPr i="1">
+                    <a:hlinkClick r:id="rId2"/>
+                  </a:rPr>
+                  <a:t>plot_PRISMA</a:t>
+                </a:r>
+                <a:r>
+                  <a:rPr/>
+                  <a:t> para gerar o fluxograma de uma revisão sistemática de acordo com o </a:t>
+                </a:r>
+                <a:r>
+                  <a:rPr i="1"/>
+                  <a:t>Preferred Reporting Items for Systematic Reviews and Meta-Analyses</a:t>
+                </a:r>
+                <a:r>
+                  <a:rPr baseline="30000"/>
+                  <a:t>218</a:t>
+                </a:r>
+                <a:r>
+                  <a:rPr/>
+                  <a:t>.</a:t>
+                </a:r>
+              </a:p>
+              <a:p>
+                <a:pPr lvl="0" indent="0" marL="0">
+                  <a:buNone/>
+                </a:pPr>
+              </a:p>
+              <a:p>
+                <a:pPr lvl="0" indent="0" marL="0">
+                  <a:buNone/>
+                </a:pPr>
+                <a:r>
+                  <a:rPr/>
+                  <a:t>O pacote </a:t>
+                </a:r>
+                <a:r>
+                  <a:rPr i="1"/>
+                  <a:t>PRISMA2020</a:t>
+                </a:r>
+                <a:r>
+                  <a:rPr baseline="30000"/>
+                  <a:t>219,220</a:t>
+                </a:r>
+                <a:r>
+                  <a:rPr/>
+                  <a:t> fornece a função </a:t>
+                </a:r>
+                <a:r>
+                  <a:rPr i="1">
+                    <a:hlinkClick r:id="rId3"/>
+                  </a:rPr>
+                  <a:t>PRISMA_flowdiagram</a:t>
+                </a:r>
+                <a:r>
+                  <a:rPr/>
+                  <a:t> para elaboração do fluxograma de revisões sistemáticas no formato padrão.</a:t>
+                </a:r>
+              </a:p>
+              <a:p>
+                <a:pPr lvl="0" indent="0" marL="0">
+                  <a:buNone/>
+                </a:pPr>
+              </a:p>
+            </p:txBody>
+          </p:sp>
+        </mc:Choice>
+      </mc:AlternateContent>
     </p:spTree>
   </p:cSld>
 </p:sld>
@@ -14514,7 +14064,7 @@
           <p:cNvPr id="2" name="Title 1">
             <a:extLst>
               <a:ext uri="{FF2B5EF4-FFF2-40B4-BE49-F238E27FC236}">
-                <a16:creationId xmlns:a16="http://schemas.microsoft.com/office/drawing/2014/main" id="{0277F749-6ED4-3E49-963A-830033252F78}"/>
+                <a16:creationId xmlns:a16="http://schemas.microsoft.com/office/drawing/2014/main" id="{28A92D45-5BAF-634B-BB37-8481089F9E28}"/>
               </a:ext>
             </a:extLst>
           </p:cNvPr>
@@ -14527,8 +14077,8 @@
         </p:nvSpPr>
         <p:spPr>
           <a:xfrm>
-            <a:off x="0" y="17256"/>
-            <a:ext cx="10515600" cy="663782"/>
+            <a:off x="831850" y="1709738"/>
+            <a:ext cx="10515600" cy="2852737"/>
           </a:xfrm>
         </p:spPr>
         <p:txBody>
@@ -14539,310 +14089,9 @@
               <a:buNone/>
             </a:pPr>
             <a:r>
-              <a:rPr/>
-              <a:t>Scripts computacionais</a:t>
-            </a:r>
-          </a:p>
-        </p:txBody>
-      </p:sp>
-      <p:sp>
-        <p:nvSpPr>
-          <p:cNvPr id="3" name="Content Placeholder 2">
-            <a:extLst>
-              <a:ext uri="{FF2B5EF4-FFF2-40B4-BE49-F238E27FC236}">
-                <a16:creationId xmlns:a16="http://schemas.microsoft.com/office/drawing/2014/main" id="{1574FA24-F1CC-B240-AAF9-A2DF684B1C54}"/>
-              </a:ext>
-            </a:extLst>
-          </p:cNvPr>
-          <p:cNvSpPr>
-            <a:spLocks noGrp="1"/>
-          </p:cNvSpPr>
-          <p:nvPr>
-            <p:ph idx="1"/>
-          </p:nvPr>
-        </p:nvSpPr>
-        <p:spPr/>
-        <p:txBody>
-          <a:bodyPr/>
-          <a:lstStyle/>
-          <a:p>
-            <a:pPr lvl="0" indent="0" marL="0">
-              <a:buNone/>
-            </a:pPr>
-          </a:p>
-          <a:p>
-            <a:pPr lvl="0" indent="0" marL="0">
-              <a:spcBef>
-                <a:spcPts val="3000"/>
-              </a:spcBef>
-              <a:buNone/>
-            </a:pPr>
-            <a:r>
-              <a:rPr b="1"/>
-              <a:t>O que são scripts?</a:t>
-            </a:r>
-          </a:p>
-          <a:p>
-            <a:pPr lvl="0"/>
-            <a:r>
-              <a:rPr/>
-              <a:t>“Scripts são dados”.</a:t>
-            </a:r>
-            <a:r>
-              <a:rPr baseline="30000"/>
-              <a:t>227</a:t>
-            </a:r>
-          </a:p>
-          <a:p>
-            <a:pPr lvl="0"/>
-            <a:r>
-              <a:rPr/>
-              <a:t>Scripts permitem ao usuário se concentrar nas tarefas mais importantes da computação e utilizar pacotes ou bibliotecas para executar as funções mais básicas com maior eficiência.</a:t>
-            </a:r>
-            <a:r>
-              <a:rPr baseline="30000"/>
-              <a:t>227</a:t>
-            </a:r>
-          </a:p>
-          <a:p>
-            <a:pPr lvl="0"/>
-            <a:r>
-              <a:rPr/>
-              <a:t>Um script é um arquivo de texto contendo (quase) os mesmos comandos que você digitaria na linha de comando do R. (Quase) refere-se ao fato de que se você estiver usando </a:t>
-            </a:r>
-            <a:r>
               <a:rPr i="1"/>
-              <a:t>sink()</a:t>
-            </a:r>
-            <a:r>
-              <a:rPr/>
-              <a:t> para enviar a saída para um arquivo, você terá que incluir alguns comandos em </a:t>
-            </a:r>
-            <a:r>
-              <a:rPr i="1"/>
-              <a:t>print()</a:t>
-            </a:r>
-            <a:r>
-              <a:rPr/>
-              <a:t> para obter a mesma saída da linha de comando (</a:t>
-            </a:r>
-            <a:r>
-              <a:rPr>
-                <a:hlinkClick r:id="rId2"/>
-              </a:rPr>
-              <a:t>CRAN</a:t>
-            </a:r>
-            <a:r>
-              <a:rPr/>
-              <a:t>).</a:t>
-            </a:r>
-          </a:p>
-          <a:p>
-            <a:pPr lvl="0" indent="0" marL="0">
-              <a:buNone/>
-            </a:pPr>
-          </a:p>
-          <a:p>
-            <a:pPr lvl="0" indent="0" marL="0">
-              <a:spcBef>
-                <a:spcPts val="3000"/>
-              </a:spcBef>
-              <a:buNone/>
-            </a:pPr>
-            <a:r>
-              <a:rPr b="1"/>
-              <a:t>Quais práticas são recomendadas na redação de scripts?</a:t>
-            </a:r>
-          </a:p>
-          <a:p>
-            <a:pPr lvl="0"/>
-            <a:r>
-              <a:rPr/>
-              <a:t>Use nomes consistentes para as variáveis.</a:t>
-            </a:r>
-            <a:r>
-              <a:rPr baseline="30000"/>
-              <a:t>234</a:t>
-            </a:r>
-          </a:p>
-          <a:p>
-            <a:pPr lvl="0"/>
-            <a:r>
-              <a:rPr/>
-              <a:t>Defina os tipos de variáveis adequadamente no banco de dados.</a:t>
-            </a:r>
-            <a:r>
-              <a:rPr baseline="30000"/>
-              <a:t>234</a:t>
-            </a:r>
-          </a:p>
-          <a:p>
-            <a:pPr lvl="0"/>
-            <a:r>
-              <a:rPr/>
-              <a:t>Defina constantes - isto é, variáveis de valor fixo - ao invés de digitar valores.</a:t>
-            </a:r>
-            <a:r>
-              <a:rPr baseline="30000"/>
-              <a:t>234</a:t>
-            </a:r>
-          </a:p>
-          <a:p>
-            <a:pPr lvl="0"/>
-            <a:r>
-              <a:rPr/>
-              <a:t>Use e cite os pacotes disponíveis para suas análises.</a:t>
-            </a:r>
-            <a:r>
-              <a:rPr baseline="30000"/>
-              <a:t>234</a:t>
-            </a:r>
-          </a:p>
-          <a:p>
-            <a:pPr lvl="0"/>
-            <a:r>
-              <a:rPr/>
-              <a:t>Controle as versões do script.</a:t>
-            </a:r>
-            <a:r>
-              <a:rPr baseline="30000"/>
-              <a:t>234,235</a:t>
-            </a:r>
-          </a:p>
-          <a:p>
-            <a:pPr lvl="0"/>
-            <a:r>
-              <a:rPr/>
-              <a:t>Teste o script antes de sua utilização.</a:t>
-            </a:r>
-            <a:r>
-              <a:rPr baseline="30000"/>
-              <a:t>234</a:t>
-            </a:r>
-          </a:p>
-          <a:p>
-            <a:pPr lvl="0"/>
-            <a:r>
-              <a:rPr/>
-              <a:t>Conduza revisão por pares do código durante a redação (digitação em dupla).</a:t>
-            </a:r>
-            <a:r>
-              <a:rPr baseline="30000"/>
-              <a:t>234</a:t>
-            </a:r>
-          </a:p>
-          <a:p>
-            <a:pPr lvl="0" indent="0" marL="0">
-              <a:buNone/>
-            </a:pPr>
-          </a:p>
-          <a:p>
-            <a:pPr lvl="0" indent="0" marL="0">
-              <a:buNone/>
-            </a:pPr>
-            <a:r>
-              <a:rPr/>
-              <a:t>O pacote </a:t>
-            </a:r>
-            <a:r>
-              <a:rPr i="1"/>
-              <a:t>grateful</a:t>
-            </a:r>
-            <a:r>
-              <a:rPr baseline="30000"/>
-              <a:t>236</a:t>
-            </a:r>
-            <a:r>
-              <a:rPr/>
-              <a:t> fornece a função </a:t>
-            </a:r>
-            <a:r>
-              <a:rPr i="1">
-                <a:hlinkClick r:id="rId3"/>
-              </a:rPr>
-              <a:t>cite_packages</a:t>
-            </a:r>
-            <a:r>
-              <a:rPr/>
-              <a:t> para citar os pacotes utilizados em um projeto R.</a:t>
-            </a:r>
-          </a:p>
-          <a:p>
-            <a:pPr lvl="0" indent="0" marL="0">
-              <a:buNone/>
-            </a:pPr>
-          </a:p>
-          <a:p>
-            <a:pPr lvl="0" indent="0" marL="0">
-              <a:buNone/>
-            </a:pPr>
-            <a:r>
-              <a:rPr/>
-              <a:t>O pacote </a:t>
-            </a:r>
-            <a:r>
-              <a:rPr i="1"/>
-              <a:t>formatR</a:t>
-            </a:r>
-            <a:r>
-              <a:rPr baseline="30000"/>
-              <a:t>237</a:t>
-            </a:r>
-            <a:r>
-              <a:rPr/>
-              <a:t> fornece a função </a:t>
-            </a:r>
-            <a:r>
-              <a:rPr i="1">
-                <a:hlinkClick r:id="rId4"/>
-              </a:rPr>
-              <a:t>tidy_source</a:t>
-            </a:r>
-            <a:r>
-              <a:rPr/>
-              <a:t> para formatar um R script.</a:t>
-            </a:r>
-          </a:p>
-          <a:p>
-            <a:pPr lvl="0" indent="0" marL="0">
-              <a:buNone/>
-            </a:pPr>
-          </a:p>
-          <a:p>
-            <a:pPr lvl="0" indent="0" marL="0">
-              <a:buNone/>
-            </a:pPr>
-            <a:r>
-              <a:rPr/>
-              <a:t>O pacote </a:t>
-            </a:r>
-            <a:r>
-              <a:rPr i="1"/>
-              <a:t>styler</a:t>
-            </a:r>
-            <a:r>
-              <a:rPr baseline="30000"/>
-              <a:t>238</a:t>
-            </a:r>
-            <a:r>
-              <a:rPr/>
-              <a:t> fornece a função </a:t>
-            </a:r>
-            <a:r>
-              <a:rPr i="1">
-                <a:hlinkClick r:id="rId5"/>
-              </a:rPr>
-              <a:t>style_file</a:t>
-            </a:r>
-            <a:r>
-              <a:rPr/>
-              <a:t> para formatar um R script.</a:t>
-            </a:r>
-          </a:p>
-          <a:p>
-            <a:pPr lvl="0" indent="0" marL="0">
-              <a:buNone/>
-            </a:pPr>
+              <a:t>Parte 5 - Produção Científica</a:t>
+            </a:r>
           </a:p>
         </p:txBody>
       </p:sp>
@@ -14873,7 +14122,7 @@
           <p:cNvPr id="2" name="Title 1">
             <a:extLst>
               <a:ext uri="{FF2B5EF4-FFF2-40B4-BE49-F238E27FC236}">
-                <a16:creationId xmlns:a16="http://schemas.microsoft.com/office/drawing/2014/main" id="{0277F749-6ED4-3E49-963A-830033252F78}"/>
+                <a16:creationId xmlns:a16="http://schemas.microsoft.com/office/drawing/2014/main" id="{28A92D45-5BAF-634B-BB37-8481089F9E28}"/>
               </a:ext>
             </a:extLst>
           </p:cNvPr>
@@ -14886,8 +14135,8 @@
         </p:nvSpPr>
         <p:spPr>
           <a:xfrm>
-            <a:off x="0" y="17256"/>
-            <a:ext cx="10515600" cy="663782"/>
+            <a:off x="831850" y="1709738"/>
+            <a:ext cx="10515600" cy="2852737"/>
           </a:xfrm>
         </p:spPr>
         <p:txBody>
@@ -14898,362 +14147,9 @@
               <a:buNone/>
             </a:pPr>
             <a:r>
-              <a:rPr/>
-              <a:t>Compartilhamento</a:t>
-            </a:r>
-          </a:p>
-        </p:txBody>
-      </p:sp>
-      <p:sp>
-        <p:nvSpPr>
-          <p:cNvPr id="3" name="Content Placeholder 2">
-            <a:extLst>
-              <a:ext uri="{FF2B5EF4-FFF2-40B4-BE49-F238E27FC236}">
-                <a16:creationId xmlns:a16="http://schemas.microsoft.com/office/drawing/2014/main" id="{1574FA24-F1CC-B240-AAF9-A2DF684B1C54}"/>
-              </a:ext>
-            </a:extLst>
-          </p:cNvPr>
-          <p:cNvSpPr>
-            <a:spLocks noGrp="1"/>
-          </p:cNvSpPr>
-          <p:nvPr>
-            <p:ph idx="1"/>
-          </p:nvPr>
-        </p:nvSpPr>
-        <p:spPr/>
-        <p:txBody>
-          <a:bodyPr/>
-          <a:lstStyle/>
-          <a:p>
-            <a:pPr lvl="0" indent="0" marL="0">
-              <a:buNone/>
-            </a:pPr>
-          </a:p>
-          <a:p>
-            <a:pPr lvl="0" indent="0" marL="0">
-              <a:spcBef>
-                <a:spcPts val="3000"/>
-              </a:spcBef>
-              <a:buNone/>
-            </a:pPr>
-            <a:r>
               <a:rPr b="1"/>
-              <a:t>O que pode ser compartilhado?</a:t>
-            </a:r>
-          </a:p>
-          <a:p>
-            <a:pPr lvl="0"/>
-            <a:r>
-              <a:rPr/>
-              <a:t>Idealmente, todos os scripts, pacotes/bibliotecas e dados necessários para outros reproduzirem seus dados.</a:t>
-            </a:r>
-            <a:r>
-              <a:rPr baseline="30000"/>
-              <a:t>235</a:t>
-            </a:r>
-          </a:p>
-          <a:p>
-            <a:pPr lvl="0"/>
-            <a:r>
-              <a:rPr/>
-              <a:t>Minimamente, partes importantes incluindo implementações de novos algoritmos e dados que permitam reproduzir um resultado importante.</a:t>
-            </a:r>
-            <a:r>
-              <a:rPr baseline="30000"/>
-              <a:t>235</a:t>
-            </a:r>
-          </a:p>
-          <a:p>
-            <a:pPr lvl="0" indent="0" marL="0">
-              <a:buNone/>
-            </a:pPr>
-          </a:p>
-          <a:p>
-            <a:pPr lvl="0" indent="0" marL="0">
-              <a:spcBef>
-                <a:spcPts val="3000"/>
-              </a:spcBef>
-              <a:buNone/>
-            </a:pPr>
-            <a:r>
-              <a:rPr b="1"/>
-              <a:t>Como preparar dados para compartilhamento?</a:t>
-            </a:r>
-          </a:p>
-          <a:p>
-            <a:pPr lvl="0"/>
-            <a:r>
-              <a:rPr/>
-              <a:t>.[REF]</a:t>
-            </a:r>
-          </a:p>
-          <a:p>
-            <a:pPr lvl="0" indent="0" marL="0">
-              <a:buNone/>
-            </a:pPr>
-          </a:p>
-          <a:p>
-            <a:pPr lvl="0" indent="0" marL="0">
-              <a:buNone/>
-            </a:pPr>
-            <a:r>
-              <a:rPr/>
-              <a:t>O pacote </a:t>
-            </a:r>
-            <a:r>
-              <a:rPr i="1"/>
-              <a:t>synthpop</a:t>
-            </a:r>
-            <a:r>
-              <a:rPr baseline="30000"/>
-              <a:t>239</a:t>
-            </a:r>
-            <a:r>
-              <a:rPr/>
-              <a:t> fornece a função </a:t>
-            </a:r>
-            <a:r>
-              <a:rPr i="1">
-                <a:hlinkClick r:id="rId2"/>
-              </a:rPr>
-              <a:t>syn</a:t>
-            </a:r>
-            <a:r>
-              <a:rPr/>
-              <a:t> para criar bancos de dados sintéticos a partir de um banco de dados real.</a:t>
-            </a:r>
-          </a:p>
-          <a:p>
-            <a:pPr lvl="0" indent="0" marL="0">
-              <a:buNone/>
-            </a:pPr>
-          </a:p>
-          <a:p>
-            <a:pPr lvl="0" indent="0" marL="0">
-              <a:spcBef>
-                <a:spcPts val="3000"/>
-              </a:spcBef>
-              <a:buNone/>
-            </a:pPr>
-            <a:r>
-              <a:rPr b="1"/>
-              <a:t>Como preparar scripts para compartilhamento?</a:t>
-            </a:r>
-          </a:p>
-          <a:p>
-            <a:pPr lvl="0"/>
-            <a:r>
-              <a:rPr/>
-              <a:t>Documente em um arquivo README os arquivos disponíveis e os pré-requisitos necessários para executar o código (ex.: pacotes e respectivas versões). Uma lista de configurações (hardware e software) que foram usadas para rodar o código pode ajudar na reprodução dos resultados.</a:t>
-            </a:r>
-            <a:r>
-              <a:rPr baseline="30000"/>
-              <a:t>26</a:t>
-            </a:r>
-          </a:p>
-          <a:p>
-            <a:pPr lvl="0"/>
-            <a:r>
-              <a:rPr/>
-              <a:t>Crie links persistentes para versões do seu script.</a:t>
-            </a:r>
-            <a:r>
-              <a:rPr baseline="30000"/>
-              <a:t>235</a:t>
-            </a:r>
-          </a:p>
-          <a:p>
-            <a:pPr lvl="0"/>
-            <a:r>
-              <a:rPr/>
-              <a:t>Defina uma semente para o gerador de números aleatórios em scripts com métodos computacionais que dependem da geração de números pseudoaleatórios.</a:t>
-            </a:r>
-            <a:r>
-              <a:rPr baseline="30000"/>
-              <a:t>26</a:t>
-            </a:r>
-          </a:p>
-          <a:p>
-            <a:pPr lvl="0"/>
-            <a:r>
-              <a:rPr/>
-              <a:t>Escolha uma licença apropriada para garantir como outros usarão seus scripts.</a:t>
-            </a:r>
-            <a:r>
-              <a:rPr baseline="30000"/>
-              <a:t>235</a:t>
-            </a:r>
-          </a:p>
-          <a:p>
-            <a:pPr lvl="0"/>
-            <a:r>
-              <a:rPr/>
-              <a:t>Compartilhe todos os pacotes relacionados à sua análise.</a:t>
-            </a:r>
-            <a:r>
-              <a:rPr baseline="30000"/>
-              <a:t>240</a:t>
-            </a:r>
-          </a:p>
-          <a:p>
-            <a:pPr lvl="0"/>
-            <a:r>
-              <a:rPr/>
-              <a:t>Providencie a documentação sobre seu script (ex.: arquivo README).</a:t>
-            </a:r>
-            <a:r>
-              <a:rPr baseline="30000"/>
-              <a:t>235</a:t>
-            </a:r>
-          </a:p>
-          <a:p>
-            <a:pPr lvl="0" indent="0" marL="0">
-              <a:buNone/>
-            </a:pPr>
-          </a:p>
-          <a:p>
-            <a:pPr lvl="0" indent="0" marL="0">
-              <a:buNone/>
-            </a:pPr>
-            <a:r>
-              <a:rPr/>
-              <a:t>O pacote </a:t>
-            </a:r>
-            <a:r>
-              <a:rPr i="1"/>
-              <a:t>base</a:t>
-            </a:r>
-            <a:r>
-              <a:rPr baseline="30000"/>
-              <a:t>28</a:t>
-            </a:r>
-            <a:r>
-              <a:rPr/>
-              <a:t> fornece a função </a:t>
-            </a:r>
-            <a:r>
-              <a:rPr i="1">
-                <a:hlinkClick r:id="rId3"/>
-              </a:rPr>
-              <a:t>set.seed</a:t>
-            </a:r>
-            <a:r>
-              <a:rPr/>
-              <a:t> para especificar uma semente para reprodutibilidade de computações que envolvem números aleatórios.</a:t>
-            </a:r>
-          </a:p>
-          <a:p>
-            <a:pPr lvl="0" indent="0" marL="0">
-              <a:buNone/>
-            </a:pPr>
-          </a:p>
-          <a:p>
-            <a:pPr lvl="0" indent="0" marL="0">
-              <a:spcBef>
-                <a:spcPts val="3000"/>
-              </a:spcBef>
-              <a:buNone/>
-            </a:pPr>
-            <a:r>
-              <a:rPr b="1"/>
-              <a:t>O que incluir no arquivo README?</a:t>
-            </a:r>
-          </a:p>
-          <a:p>
-            <a:pPr lvl="0"/>
-            <a:r>
-              <a:rPr/>
-              <a:t>Título do manuscrito.</a:t>
-            </a:r>
-            <a:r>
-              <a:rPr baseline="30000"/>
-              <a:t>26</a:t>
-            </a:r>
-          </a:p>
-          <a:p>
-            <a:pPr lvl="0"/>
-            <a:r>
-              <a:rPr/>
-              <a:t>Autores do manuscrito.</a:t>
-            </a:r>
-            <a:r>
-              <a:rPr baseline="30000"/>
-              <a:t>26</a:t>
-            </a:r>
-          </a:p>
-          <a:p>
-            <a:pPr lvl="0"/>
-            <a:r>
-              <a:rPr/>
-              <a:t>Principais responsáveis pela escrita do script e quaisquer outras pessoas que fizeram contribuições substanciais para o desenvolvimento do script.</a:t>
-            </a:r>
-            <a:r>
-              <a:rPr baseline="30000"/>
-              <a:t>26</a:t>
-            </a:r>
-          </a:p>
-          <a:p>
-            <a:pPr lvl="0"/>
-            <a:r>
-              <a:rPr/>
-              <a:t>Endereço de e-mail do autor ou contribuidor a quem devem ser direcionadas dúvidas, comentários, sugestões e bugs sobre o script.</a:t>
-            </a:r>
-            <a:r>
-              <a:rPr baseline="30000"/>
-              <a:t>26</a:t>
-            </a:r>
-          </a:p>
-          <a:p>
-            <a:pPr lvl="0"/>
-            <a:r>
-              <a:rPr/>
-              <a:t>Lista de configurações nas quais o script foi testado, tais com nome e versão do programa, pacotes e plataforma.</a:t>
-            </a:r>
-            <a:r>
-              <a:rPr baseline="30000"/>
-              <a:t>26</a:t>
-            </a:r>
-          </a:p>
-          <a:p>
-            <a:pPr lvl="0" indent="0" marL="0">
-              <a:buNone/>
-            </a:pPr>
-          </a:p>
-          <a:p>
-            <a:pPr lvl="0" indent="0" marL="0">
-              <a:buNone/>
-            </a:pPr>
-            <a:r>
-              <a:rPr/>
-              <a:t>O pacote </a:t>
-            </a:r>
-            <a:r>
-              <a:rPr i="1"/>
-              <a:t>utils</a:t>
-            </a:r>
-            <a:r>
-              <a:rPr baseline="30000"/>
-              <a:t>241</a:t>
-            </a:r>
-            <a:r>
-              <a:rPr/>
-              <a:t> fornece a função </a:t>
-            </a:r>
-            <a:r>
-              <a:rPr i="1">
-                <a:hlinkClick r:id="rId4"/>
-              </a:rPr>
-              <a:t>sessionInfo</a:t>
-            </a:r>
-            <a:r>
-              <a:rPr/>
-              <a:t> para descrever as características do programa, pacotes e plataforma da sessão atual.</a:t>
-            </a:r>
-          </a:p>
-          <a:p>
-            <a:pPr lvl="0" indent="0" marL="0">
-              <a:buNone/>
-            </a:pPr>
+              <a:t>Manuscritos reprodutíveis</a:t>
+            </a:r>
           </a:p>
         </p:txBody>
       </p:sp>
@@ -15310,7 +14206,7 @@
             </a:pPr>
             <a:r>
               <a:rPr/>
-              <a:t>Exportando elementos</a:t>
+              <a:t>Programa de computador</a:t>
             </a:r>
           </a:p>
         </p:txBody>
@@ -15349,53 +14245,42 @@
             </a:pPr>
             <a:r>
               <a:rPr b="1"/>
-              <a:t>Como exportar tabelas em formato DOCX?</a:t>
-            </a:r>
-          </a:p>
-          <a:p>
-            <a:pPr lvl="0" indent="0" marL="0">
-              <a:buNone/>
-            </a:pPr>
-          </a:p>
-          <a:p>
-            <a:pPr lvl="0" indent="0" marL="0">
-              <a:buNone/>
-            </a:pPr>
-            <a:r>
-              <a:rPr/>
-              <a:t>O pacote </a:t>
-            </a:r>
-            <a:r>
-              <a:rPr i="1"/>
-              <a:t>table1</a:t>
+              <a:t>O que é R?</a:t>
+            </a:r>
+          </a:p>
+          <a:p>
+            <a:pPr lvl="0"/>
+            <a:r>
+              <a:rPr/>
+              <a:t>R é um programa de computador com linguagem computacional direcionada para análise estatística.</a:t>
             </a:r>
             <a:r>
               <a:rPr baseline="30000"/>
-              <a:t>242</a:t>
-            </a:r>
-            <a:r>
-              <a:rPr/>
-              <a:t> fornece as funções </a:t>
-            </a:r>
-            <a:r>
-              <a:rPr i="1">
+              <a:t>221</a:t>
+            </a:r>
+          </a:p>
+          <a:p>
+            <a:pPr lvl="0"/>
+            <a:r>
+              <a:rPr/>
+              <a:t>R está disponível em </a:t>
+            </a:r>
+            <a:r>
+              <a:rPr>
                 <a:hlinkClick r:id="rId2"/>
               </a:rPr>
-              <a:t>as_flextable</a:t>
-            </a:r>
-            <a:r>
-              <a:rPr/>
-              <a:t> e </a:t>
-            </a:r>
-            <a:r>
-              <a:rPr i="1">
-                <a:hlinkClick r:id="rId3"/>
-              </a:rPr>
-              <a:t>save_as_docx</a:t>
-            </a:r>
-            <a:r>
-              <a:rPr/>
-              <a:t> para salvar tabelas em formato DOCX.</a:t>
+              <a:t>Comprehensive R Archive Network (CRAN)</a:t>
+            </a:r>
+            <a:r>
+              <a:rPr/>
+              <a:t>.</a:t>
+            </a:r>
+          </a:p>
+          <a:p>
+            <a:pPr lvl="0"/>
+            <a:r>
+              <a:rPr/>
+              <a:t>R version 4.3.1 (2023-06-16).</a:t>
             </a:r>
           </a:p>
           <a:p>
@@ -15412,43 +14297,181 @@
             </a:pPr>
             <a:r>
               <a:rPr b="1"/>
-              <a:t>Como exportar figuras em formato TIFF?</a:t>
-            </a:r>
-          </a:p>
-          <a:p>
-            <a:pPr lvl="0" indent="0" marL="0">
-              <a:buNone/>
-            </a:pPr>
-          </a:p>
-          <a:p>
-            <a:pPr lvl="0" indent="0" marL="0">
-              <a:buNone/>
-            </a:pPr>
-            <a:r>
-              <a:rPr/>
-              <a:t>O pacote </a:t>
+              <a:t>O que é RStudio?</a:t>
+            </a:r>
+          </a:p>
+          <a:p>
+            <a:pPr lvl="0"/>
+            <a:r>
+              <a:rPr/>
+              <a:t>RStudio é um ambiente de desenvolvimento integrado (</a:t>
             </a:r>
             <a:r>
               <a:rPr i="1"/>
-              <a:t>tiff</a:t>
+              <a:t>integrated development environment</a:t>
+            </a:r>
+            <a:r>
+              <a:rPr/>
+              <a:t>, IDE) desenvolvido visando a reprodutibilidade e a simplicidade para a criação e disseminação de conhecimento.</a:t>
             </a:r>
             <a:r>
               <a:rPr baseline="30000"/>
-              <a:t>243</a:t>
-            </a:r>
-            <a:r>
-              <a:rPr/>
-              <a:t> fornece a função </a:t>
-            </a:r>
-            <a:r>
-              <a:rPr i="1">
+              <a:t>222</a:t>
+            </a:r>
+          </a:p>
+          <a:p>
+            <a:pPr lvl="0"/>
+            <a:r>
+              <a:rPr/>
+              <a:t>As principais características do RStudio incluem um ambiente de edição com abas para acesso rápido a arquivos, comandos e resultados; histórico de comandos previamente utilizados; ferramentas para visualização de bancos de dados e elaboração de scripts e gráficos e tabelas.</a:t>
+            </a:r>
+            <a:r>
+              <a:rPr baseline="30000"/>
+              <a:t>222</a:t>
+            </a:r>
+          </a:p>
+          <a:p>
+            <a:pPr lvl="0"/>
+            <a:r>
+              <a:rPr/>
+              <a:t>RStudio está disponível em </a:t>
+            </a:r>
+            <a:r>
+              <a:rPr>
+                <a:hlinkClick r:id="rId3"/>
+              </a:rPr>
+              <a:t>Posit</a:t>
+            </a:r>
+            <a:r>
+              <a:rPr/>
+              <a:t>.</a:t>
+            </a:r>
+          </a:p>
+          <a:p>
+            <a:pPr lvl="0" indent="0" marL="0">
+              <a:buNone/>
+            </a:pPr>
+          </a:p>
+          <a:p>
+            <a:pPr lvl="0" indent="0" marL="0">
+              <a:spcBef>
+                <a:spcPts val="3000"/>
+              </a:spcBef>
+              <a:buNone/>
+            </a:pPr>
+            <a:r>
+              <a:rPr b="1"/>
+              <a:t>Por que usar R?</a:t>
+            </a:r>
+          </a:p>
+          <a:p>
+            <a:pPr lvl="0"/>
+            <a:r>
+              <a:rPr/>
+              <a:t>R é o software de maior abrangência de métodos estatísticos, possui sintaxe que permite análises estatísticas reproduzíveis e está disponível gratuitamente no website CRAN (</a:t>
+            </a:r>
+            <a:r>
+              <a:rPr>
                 <a:hlinkClick r:id="rId4"/>
               </a:rPr>
-              <a:t>writeTIFF</a:t>
-            </a:r>
-            <a:r>
-              <a:rPr/>
-              <a:t> para exportar gráficos em formato TIFF.</a:t>
+              <a:t>http://cran.r-project.org/</a:t>
+            </a:r>
+            <a:r>
+              <a:rPr/>
+              <a:t>).</a:t>
+            </a:r>
+            <a:r>
+              <a:rPr baseline="30000"/>
+              <a:t>27</a:t>
+            </a:r>
+          </a:p>
+          <a:p>
+            <a:pPr lvl="0" indent="0" marL="0">
+              <a:buNone/>
+            </a:pPr>
+          </a:p>
+          <a:p>
+            <a:pPr lvl="0" indent="0" marL="0">
+              <a:spcBef>
+                <a:spcPts val="3000"/>
+              </a:spcBef>
+              <a:buNone/>
+            </a:pPr>
+            <a:r>
+              <a:rPr b="1"/>
+              <a:t>Que programas de computador podem ser usados para análise estatística com R?</a:t>
+            </a:r>
+          </a:p>
+          <a:p>
+            <a:pPr lvl="0"/>
+            <a:r>
+              <a:rPr>
+                <a:hlinkClick r:id="rId5"/>
+              </a:rPr>
+              <a:t>JASP</a:t>
+            </a:r>
+            <a:r>
+              <a:rPr/>
+              <a:t>.</a:t>
+            </a:r>
+            <a:r>
+              <a:rPr baseline="30000"/>
+              <a:t>223</a:t>
+            </a:r>
+          </a:p>
+          <a:p>
+            <a:pPr lvl="0"/>
+            <a:r>
+              <a:rPr>
+                <a:hlinkClick r:id="rId6"/>
+              </a:rPr>
+              <a:t>jamovi</a:t>
+            </a:r>
+            <a:r>
+              <a:rPr/>
+              <a:t>.</a:t>
+            </a:r>
+            <a:r>
+              <a:rPr baseline="30000"/>
+              <a:t>224</a:t>
+            </a:r>
+          </a:p>
+          <a:p>
+            <a:pPr lvl="0" indent="0" marL="0">
+              <a:buNone/>
+            </a:pPr>
+          </a:p>
+          <a:p>
+            <a:pPr lvl="0" indent="0" marL="0">
+              <a:buNone/>
+            </a:pPr>
+            <a:r>
+              <a:rPr/>
+              <a:t>Os pacotes </a:t>
+            </a:r>
+            <a:r>
+              <a:rPr i="1"/>
+              <a:t>jmv</a:t>
+            </a:r>
+            <a:r>
+              <a:rPr baseline="30000"/>
+              <a:t>225</a:t>
+            </a:r>
+            <a:r>
+              <a:rPr/>
+              <a:t> e </a:t>
+            </a:r>
+            <a:r>
+              <a:rPr i="1"/>
+              <a:t>jmvconnect</a:t>
+            </a:r>
+            <a:r>
+              <a:rPr baseline="30000"/>
+              <a:t>226</a:t>
+            </a:r>
+            <a:r>
+              <a:rPr/>
+              <a:t> fornecem funções para análise descritiva e inferencial com interface com jamovi.</a:t>
             </a:r>
           </a:p>
           <a:p>
@@ -15485,7 +14508,7 @@
           <p:cNvPr id="2" name="Title 1">
             <a:extLst>
               <a:ext uri="{FF2B5EF4-FFF2-40B4-BE49-F238E27FC236}">
-                <a16:creationId xmlns:a16="http://schemas.microsoft.com/office/drawing/2014/main" id="{28A92D45-5BAF-634B-BB37-8481089F9E28}"/>
+                <a16:creationId xmlns:a16="http://schemas.microsoft.com/office/drawing/2014/main" id="{0277F749-6ED4-3E49-963A-830033252F78}"/>
               </a:ext>
             </a:extLst>
           </p:cNvPr>
@@ -15498,8 +14521,8 @@
         </p:nvSpPr>
         <p:spPr>
           <a:xfrm>
-            <a:off x="831850" y="1709738"/>
-            <a:ext cx="10515600" cy="2852737"/>
+            <a:off x="0" y="17256"/>
+            <a:ext cx="10515600" cy="663782"/>
           </a:xfrm>
         </p:spPr>
         <p:txBody>
@@ -15510,9 +14533,315 @@
               <a:buNone/>
             </a:pPr>
             <a:r>
+              <a:rPr/>
+              <a:t>Manuscritos reprodutíveis</a:t>
+            </a:r>
+          </a:p>
+        </p:txBody>
+      </p:sp>
+      <p:sp>
+        <p:nvSpPr>
+          <p:cNvPr id="3" name="Content Placeholder 2">
+            <a:extLst>
+              <a:ext uri="{FF2B5EF4-FFF2-40B4-BE49-F238E27FC236}">
+                <a16:creationId xmlns:a16="http://schemas.microsoft.com/office/drawing/2014/main" id="{1574FA24-F1CC-B240-AAF9-A2DF684B1C54}"/>
+              </a:ext>
+            </a:extLst>
+          </p:cNvPr>
+          <p:cNvSpPr>
+            <a:spLocks noGrp="1"/>
+          </p:cNvSpPr>
+          <p:nvPr>
+            <p:ph idx="1"/>
+          </p:nvPr>
+        </p:nvSpPr>
+        <p:spPr/>
+        <p:txBody>
+          <a:bodyPr/>
+          <a:lstStyle/>
+          <a:p>
+            <a:pPr lvl="0" indent="0" marL="0">
+              <a:buNone/>
+            </a:pPr>
+          </a:p>
+          <a:p>
+            <a:pPr lvl="0" indent="0" marL="0">
+              <a:spcBef>
+                <a:spcPts val="3000"/>
+              </a:spcBef>
+              <a:buNone/>
+            </a:pPr>
+            <a:r>
               <a:rPr b="1"/>
-              <a:t>Computação estatística</a:t>
-            </a:r>
+              <a:t>O que são manuscritos reprodutíveis?</a:t>
+            </a:r>
+          </a:p>
+          <a:p>
+            <a:pPr lvl="0"/>
+            <a:r>
+              <a:rPr/>
+              <a:t>Manuscritos reprodutíveis - manuscritos executáveis ou relatórios dinâmicos - permitem a produção de um manuscrito completo a partir da integração do banco de dados da(s) amostra(s), do(s) script(s) de análise estatística (incluindo comentários para sua interpretação), dos pacotes ou bibliotecas utilizados, das fontes e referências bibliográficas citadas, além dos demais elementos textuais (tabelas, gráficos) - todos gerados dinamicamente.</a:t>
+            </a:r>
+            <a:r>
+              <a:rPr baseline="30000"/>
+              <a:t>227</a:t>
+            </a:r>
+          </a:p>
+          <a:p>
+            <a:pPr lvl="0"/>
+            <a:r>
+              <a:rPr/>
+              <a:t>O trabalho com RMarkdown</a:t>
+            </a:r>
+            <a:r>
+              <a:rPr baseline="30000"/>
+              <a:t>228</a:t>
+            </a:r>
+            <a:r>
+              <a:rPr/>
+              <a:t> permite um fluxo de dados totalmente transparente, desde o conjunto de dados coletados até o manuscrito finalizado. Todos os aspectos do fluxo de dados podem ser incorporados em blocos de R script (</a:t>
+            </a:r>
+            <a:r>
+              <a:rPr i="1"/>
+              <a:t>chunk</a:t>
+            </a:r>
+            <a:r>
+              <a:rPr/>
+              <a:t>), exibindo tanto o R script quando o respectivo texto, tabelas e figuras formatadas no estilo científico de interesse.</a:t>
+            </a:r>
+            <a:r>
+              <a:rPr baseline="30000"/>
+              <a:t>229</a:t>
+            </a:r>
+          </a:p>
+          <a:p>
+            <a:pPr lvl="0"/>
+            <a:r>
+              <a:rPr/>
+              <a:t>O RMarkdown</a:t>
+            </a:r>
+            <a:r>
+              <a:rPr baseline="30000"/>
+              <a:t>228</a:t>
+            </a:r>
+            <a:r>
+              <a:rPr/>
+              <a:t> foi projetado especificamente para relatórios dinâmicos onde a análise é realizada em R e oferece uma flexibilidade incrível por meio de uma linguagem de marcação.</a:t>
+            </a:r>
+            <a:r>
+              <a:rPr baseline="30000"/>
+              <a:t>27</a:t>
+            </a:r>
+          </a:p>
+          <a:p>
+            <a:pPr lvl="0" indent="0" marL="0">
+              <a:buNone/>
+            </a:pPr>
+          </a:p>
+          <a:p>
+            <a:pPr lvl="0" indent="0" marL="0">
+              <a:spcBef>
+                <a:spcPts val="3000"/>
+              </a:spcBef>
+              <a:buNone/>
+            </a:pPr>
+            <a:r>
+              <a:rPr b="1"/>
+              <a:t>Por que usar manuscritos reprodutíveis?</a:t>
+            </a:r>
+          </a:p>
+          <a:p>
+            <a:pPr lvl="0"/>
+            <a:r>
+              <a:rPr/>
+              <a:t>No processo tradicional de redação científica há muitas etapas de copiar e colar não reproduzíveis envolvidas. Documentos dinâmicos combinam uma ferramenta de processamento de texto com o R script que produz o texto/tabela/figura a ser incorporado no manuscrito.</a:t>
+            </a:r>
+            <a:r>
+              <a:rPr baseline="30000"/>
+              <a:t>27</a:t>
+            </a:r>
+          </a:p>
+          <a:p>
+            <a:pPr lvl="0"/>
+            <a:r>
+              <a:rPr/>
+              <a:t>Ao trabalhar com relatórios dinâmicos, é possível extrair o mesmo script usado para análise estatística. Os documentos podem ser compilados em vários formatos de saída e salvos como DOCX, PPTX e PDF.</a:t>
+            </a:r>
+            <a:r>
+              <a:rPr baseline="30000"/>
+              <a:t>27</a:t>
+            </a:r>
+          </a:p>
+          <a:p>
+            <a:pPr lvl="0" indent="0" marL="0">
+              <a:buNone/>
+            </a:pPr>
+          </a:p>
+          <a:p>
+            <a:pPr lvl="0" indent="0" marL="0">
+              <a:buNone/>
+            </a:pPr>
+            <a:r>
+              <a:rPr/>
+              <a:t>O pacote </a:t>
+            </a:r>
+            <a:r>
+              <a:rPr i="1"/>
+              <a:t>officedown</a:t>
+            </a:r>
+            <a:r>
+              <a:rPr baseline="30000"/>
+              <a:t>230</a:t>
+            </a:r>
+            <a:r>
+              <a:rPr/>
+              <a:t> fornece as funções </a:t>
+            </a:r>
+            <a:r>
+              <a:rPr i="1">
+                <a:hlinkClick r:id="rId2"/>
+              </a:rPr>
+              <a:t>rdocx_document</a:t>
+            </a:r>
+            <a:r>
+              <a:rPr/>
+              <a:t> e </a:t>
+            </a:r>
+            <a:r>
+              <a:rPr i="1">
+                <a:hlinkClick r:id="rId3"/>
+              </a:rPr>
+              <a:t>rpptx_document</a:t>
+            </a:r>
+            <a:r>
+              <a:rPr/>
+              <a:t> para criar arquivos DOCX e PPTX, respectivamente, com o conteúdo criado no manuscrito reprodutível.</a:t>
+            </a:r>
+          </a:p>
+          <a:p>
+            <a:pPr lvl="0" indent="0" marL="0">
+              <a:buNone/>
+            </a:pPr>
+          </a:p>
+          <a:p>
+            <a:pPr lvl="0" indent="0" marL="0">
+              <a:buNone/>
+            </a:pPr>
+            <a:r>
+              <a:rPr/>
+              <a:t>O pacote </a:t>
+            </a:r>
+            <a:r>
+              <a:rPr i="1"/>
+              <a:t>bookdown</a:t>
+            </a:r>
+            <a:r>
+              <a:rPr baseline="30000"/>
+              <a:t>231</a:t>
+            </a:r>
+            <a:r>
+              <a:rPr/>
+              <a:t> fornece as funções </a:t>
+            </a:r>
+            <a:r>
+              <a:rPr i="1">
+                <a:hlinkClick r:id="rId4"/>
+              </a:rPr>
+              <a:t>pdf_book</a:t>
+            </a:r>
+            <a:r>
+              <a:rPr/>
+              <a:t>, </a:t>
+            </a:r>
+            <a:r>
+              <a:rPr i="1">
+                <a:hlinkClick r:id="rId5"/>
+              </a:rPr>
+              <a:t>bs4_book</a:t>
+            </a:r>
+            <a:r>
+              <a:rPr/>
+              <a:t> e </a:t>
+            </a:r>
+            <a:r>
+              <a:rPr i="1">
+                <a:hlinkClick r:id="rId6"/>
+              </a:rPr>
+              <a:t>epub_book</a:t>
+            </a:r>
+            <a:r>
+              <a:rPr/>
+              <a:t> para criar arquivos PDF, HTML e EPUB, respectivamente, com o conteúdo criado no manuscrito reprodutível.</a:t>
+            </a:r>
+          </a:p>
+          <a:p>
+            <a:pPr lvl="0" indent="0" marL="0">
+              <a:buNone/>
+            </a:pPr>
+          </a:p>
+          <a:p>
+            <a:pPr lvl="0" indent="0" marL="0">
+              <a:spcBef>
+                <a:spcPts val="3000"/>
+              </a:spcBef>
+              <a:buNone/>
+            </a:pPr>
+            <a:r>
+              <a:rPr b="1"/>
+              <a:t>Como manuscritos reprodutíveis contribuem para a ciência?</a:t>
+            </a:r>
+          </a:p>
+          <a:p>
+            <a:pPr lvl="0"/>
+            <a:r>
+              <a:rPr/>
+              <a:t>O compartilhamento de bancos de dados e seus scripts de análise estatística permitem a adoção de práticas reprodutíveis, tais como a reanálise dos dados.</a:t>
+            </a:r>
+            <a:r>
+              <a:rPr baseline="30000"/>
+              <a:t>232</a:t>
+            </a:r>
+          </a:p>
+          <a:p>
+            <a:pPr lvl="0" indent="0" marL="0">
+              <a:buNone/>
+            </a:pPr>
+          </a:p>
+          <a:p>
+            <a:pPr lvl="0" indent="0" marL="0">
+              <a:buNone/>
+            </a:pPr>
+            <a:r>
+              <a:rPr/>
+              <a:t>O pacote </a:t>
+            </a:r>
+            <a:r>
+              <a:rPr i="1"/>
+              <a:t>projects</a:t>
+            </a:r>
+            <a:r>
+              <a:rPr baseline="30000"/>
+              <a:t>233</a:t>
+            </a:r>
+            <a:r>
+              <a:rPr/>
+              <a:t> fornece a função </a:t>
+            </a:r>
+            <a:r>
+              <a:rPr i="1">
+                <a:hlinkClick r:id="rId7"/>
+              </a:rPr>
+              <a:t>setup_projects</a:t>
+            </a:r>
+            <a:r>
+              <a:rPr/>
+              <a:t> para criar um projeto com arquivos organizados em diretórios.</a:t>
+            </a:r>
+          </a:p>
+          <a:p>
+            <a:pPr lvl="0" indent="0" marL="0">
+              <a:buNone/>
+            </a:pPr>
           </a:p>
         </p:txBody>
       </p:sp>
@@ -15569,7 +14898,7 @@
             </a:pPr>
             <a:r>
               <a:rPr/>
-              <a:t>Scripts compartilhados</a:t>
+              <a:t>Scripts computacionais</a:t>
             </a:r>
           </a:p>
         </p:txBody>
@@ -15601,11 +14930,6 @@
           </a:p>
           <a:p>
             <a:pPr lvl="0" indent="0" marL="0">
-              <a:buNone/>
-            </a:pPr>
-          </a:p>
-          <a:p>
-            <a:pPr lvl="0" indent="0" marL="0">
               <a:spcBef>
                 <a:spcPts val="3000"/>
               </a:spcBef>
@@ -15613,27 +14937,63 @@
             </a:pPr>
             <a:r>
               <a:rPr b="1"/>
-              <a:t>Concordancia e Confiabilidade</a:t>
-            </a:r>
-          </a:p>
-          <a:p>
-            <a:pPr lvl="0" indent="0" marL="0">
-              <a:buNone/>
-            </a:pPr>
+              <a:t>O que são scripts?</a:t>
+            </a:r>
           </a:p>
           <a:p>
             <a:pPr lvl="0"/>
             <a:r>
+              <a:rPr/>
+              <a:t>“Scripts são dados”.</a:t>
+            </a:r>
+            <a:r>
+              <a:rPr baseline="30000"/>
+              <a:t>227</a:t>
+            </a:r>
+          </a:p>
+          <a:p>
+            <a:pPr lvl="0"/>
+            <a:r>
+              <a:rPr/>
+              <a:t>Scripts permitem ao usuário se concentrar nas tarefas mais importantes da computação e utilizar pacotes ou bibliotecas para executar as funções mais básicas com maior eficiência.</a:t>
+            </a:r>
+            <a:r>
+              <a:rPr baseline="30000"/>
+              <a:t>227</a:t>
+            </a:r>
+          </a:p>
+          <a:p>
+            <a:pPr lvl="0"/>
+            <a:r>
+              <a:rPr/>
+              <a:t>Um script é um arquivo de texto contendo (quase) os mesmos comandos que você digitaria na linha de comando do R. (Quase) refere-se ao fato de que se você estiver usando </a:t>
+            </a:r>
+            <a:r>
+              <a:rPr i="1"/>
+              <a:t>sink()</a:t>
+            </a:r>
+            <a:r>
+              <a:rPr/>
+              <a:t> para enviar a saída para um arquivo, você terá que incluir alguns comandos em </a:t>
+            </a:r>
+            <a:r>
+              <a:rPr i="1"/>
+              <a:t>print()</a:t>
+            </a:r>
+            <a:r>
+              <a:rPr/>
+              <a:t> para obter a mesma saída da linha de comando (</a:t>
+            </a:r>
+            <a:r>
               <a:rPr>
                 <a:hlinkClick r:id="rId2"/>
               </a:rPr>
-              <a:t>reliability-kappa-icc.R</a:t>
-            </a:r>
-          </a:p>
-          <a:p>
-            <a:pPr lvl="0" indent="0" marL="0">
-              <a:buNone/>
-            </a:pPr>
+              <a:t>CRAN</a:t>
+            </a:r>
+            <a:r>
+              <a:rPr/>
+              <a:t>).</a:t>
+            </a:r>
           </a:p>
           <a:p>
             <a:pPr lvl="0" indent="0" marL="0">
@@ -15649,314 +15009,192 @@
             </a:pPr>
             <a:r>
               <a:rPr b="1"/>
-              <a:t>Descricao</a:t>
-            </a:r>
-          </a:p>
-          <a:p>
-            <a:pPr lvl="0" indent="0" marL="0">
-              <a:buNone/>
-            </a:pPr>
+              <a:t>Quais práticas são recomendadas na redação de scripts?</a:t>
+            </a:r>
           </a:p>
           <a:p>
             <a:pPr lvl="0"/>
             <a:r>
-              <a:rPr>
+              <a:rPr/>
+              <a:t>Use nomes consistentes para as variáveis.</a:t>
+            </a:r>
+            <a:r>
+              <a:rPr baseline="30000"/>
+              <a:t>234</a:t>
+            </a:r>
+          </a:p>
+          <a:p>
+            <a:pPr lvl="0"/>
+            <a:r>
+              <a:rPr/>
+              <a:t>Defina os tipos de variáveis adequadamente no banco de dados.</a:t>
+            </a:r>
+            <a:r>
+              <a:rPr baseline="30000"/>
+              <a:t>234</a:t>
+            </a:r>
+          </a:p>
+          <a:p>
+            <a:pPr lvl="0"/>
+            <a:r>
+              <a:rPr/>
+              <a:t>Defina constantes - isto é, variáveis de valor fixo - ao invés de digitar valores.</a:t>
+            </a:r>
+            <a:r>
+              <a:rPr baseline="30000"/>
+              <a:t>234</a:t>
+            </a:r>
+          </a:p>
+          <a:p>
+            <a:pPr lvl="0"/>
+            <a:r>
+              <a:rPr/>
+              <a:t>Use e cite os pacotes disponíveis para suas análises.</a:t>
+            </a:r>
+            <a:r>
+              <a:rPr baseline="30000"/>
+              <a:t>234</a:t>
+            </a:r>
+          </a:p>
+          <a:p>
+            <a:pPr lvl="0"/>
+            <a:r>
+              <a:rPr/>
+              <a:t>Controle as versões do script.</a:t>
+            </a:r>
+            <a:r>
+              <a:rPr baseline="30000"/>
+              <a:t>234,235</a:t>
+            </a:r>
+          </a:p>
+          <a:p>
+            <a:pPr lvl="0"/>
+            <a:r>
+              <a:rPr/>
+              <a:t>Teste o script antes de sua utilização.</a:t>
+            </a:r>
+            <a:r>
+              <a:rPr baseline="30000"/>
+              <a:t>234</a:t>
+            </a:r>
+          </a:p>
+          <a:p>
+            <a:pPr lvl="0"/>
+            <a:r>
+              <a:rPr/>
+              <a:t>Conduza revisão por pares do código durante a redação (digitação em dupla).</a:t>
+            </a:r>
+            <a:r>
+              <a:rPr baseline="30000"/>
+              <a:t>234</a:t>
+            </a:r>
+          </a:p>
+          <a:p>
+            <a:pPr lvl="0" indent="0" marL="0">
+              <a:buNone/>
+            </a:pPr>
+          </a:p>
+          <a:p>
+            <a:pPr lvl="0" indent="0" marL="0">
+              <a:buNone/>
+            </a:pPr>
+            <a:r>
+              <a:rPr/>
+              <a:t>O pacote </a:t>
+            </a:r>
+            <a:r>
+              <a:rPr i="1"/>
+              <a:t>grateful</a:t>
+            </a:r>
+            <a:r>
+              <a:rPr baseline="30000"/>
+              <a:t>236</a:t>
+            </a:r>
+            <a:r>
+              <a:rPr/>
+              <a:t> fornece a função </a:t>
+            </a:r>
+            <a:r>
+              <a:rPr i="1">
                 <a:hlinkClick r:id="rId3"/>
               </a:rPr>
-              <a:t>extracolumn-es.R</a:t>
-            </a:r>
-          </a:p>
-          <a:p>
-            <a:pPr lvl="0"/>
-            <a:r>
-              <a:rPr>
+              <a:t>cite_packages</a:t>
+            </a:r>
+            <a:r>
+              <a:rPr/>
+              <a:t> para citar os pacotes utilizados em um projeto R.</a:t>
+            </a:r>
+          </a:p>
+          <a:p>
+            <a:pPr lvl="0" indent="0" marL="0">
+              <a:buNone/>
+            </a:pPr>
+          </a:p>
+          <a:p>
+            <a:pPr lvl="0" indent="0" marL="0">
+              <a:buNone/>
+            </a:pPr>
+            <a:r>
+              <a:rPr/>
+              <a:t>O pacote </a:t>
+            </a:r>
+            <a:r>
+              <a:rPr i="1"/>
+              <a:t>formatR</a:t>
+            </a:r>
+            <a:r>
+              <a:rPr baseline="30000"/>
+              <a:t>237</a:t>
+            </a:r>
+            <a:r>
+              <a:rPr/>
+              <a:t> fornece a função </a:t>
+            </a:r>
+            <a:r>
+              <a:rPr i="1">
                 <a:hlinkClick r:id="rId4"/>
               </a:rPr>
-              <a:t>extracolumn-N.R</a:t>
-            </a:r>
-          </a:p>
-          <a:p>
-            <a:pPr lvl="0"/>
-            <a:r>
-              <a:rPr>
+              <a:t>tidy_source</a:t>
+            </a:r>
+            <a:r>
+              <a:rPr/>
+              <a:t> para formatar um R script.</a:t>
+            </a:r>
+          </a:p>
+          <a:p>
+            <a:pPr lvl="0" indent="0" marL="0">
+              <a:buNone/>
+            </a:pPr>
+          </a:p>
+          <a:p>
+            <a:pPr lvl="0" indent="0" marL="0">
+              <a:buNone/>
+            </a:pPr>
+            <a:r>
+              <a:rPr/>
+              <a:t>O pacote </a:t>
+            </a:r>
+            <a:r>
+              <a:rPr i="1"/>
+              <a:t>styler</a:t>
+            </a:r>
+            <a:r>
+              <a:rPr baseline="30000"/>
+              <a:t>238</a:t>
+            </a:r>
+            <a:r>
+              <a:rPr/>
+              <a:t> fornece a função </a:t>
+            </a:r>
+            <a:r>
+              <a:rPr i="1">
                 <a:hlinkClick r:id="rId5"/>
               </a:rPr>
-              <a:t>extracolumn-p.R</a:t>
-            </a:r>
-          </a:p>
-          <a:p>
-            <a:pPr lvl="0"/>
-            <a:r>
-              <a:rPr>
-                <a:hlinkClick r:id="rId6"/>
-              </a:rPr>
-              <a:t>pilotdata_gopal.R</a:t>
-            </a:r>
-          </a:p>
-          <a:p>
-            <a:pPr lvl="0" indent="0" marL="0">
-              <a:buNone/>
-            </a:pPr>
-          </a:p>
-          <a:p>
-            <a:pPr lvl="0" indent="0" marL="0">
-              <a:buNone/>
-            </a:pPr>
-          </a:p>
-          <a:p>
-            <a:pPr lvl="0" indent="0" marL="0">
-              <a:spcBef>
-                <a:spcPts val="3000"/>
-              </a:spcBef>
-              <a:buNone/>
-            </a:pPr>
-            <a:r>
-              <a:rPr b="1"/>
-              <a:t>Desempenho diagnostico</a:t>
-            </a:r>
-          </a:p>
-          <a:p>
-            <a:pPr lvl="0" indent="0" marL="0">
-              <a:buNone/>
-            </a:pPr>
-          </a:p>
-          <a:p>
-            <a:pPr lvl="0"/>
-            <a:r>
-              <a:rPr>
-                <a:hlinkClick r:id="rId7"/>
-              </a:rPr>
-              <a:t>diag-stats.R</a:t>
-            </a:r>
-          </a:p>
-          <a:p>
-            <a:pPr lvl="0"/>
-            <a:r>
-              <a:rPr>
-                <a:hlinkClick r:id="rId8"/>
-              </a:rPr>
-              <a:t>dtROC.R</a:t>
-            </a:r>
-          </a:p>
-          <a:p>
-            <a:pPr lvl="0"/>
-            <a:r>
-              <a:rPr>
-                <a:hlinkClick r:id="rId9"/>
-              </a:rPr>
-              <a:t>stROC.R</a:t>
-            </a:r>
-          </a:p>
-          <a:p>
-            <a:pPr lvl="0" indent="0" marL="0">
-              <a:buNone/>
-            </a:pPr>
-          </a:p>
-          <a:p>
-            <a:pPr lvl="0" indent="0" marL="0">
-              <a:buNone/>
-            </a:pPr>
-          </a:p>
-          <a:p>
-            <a:pPr lvl="0" indent="0" marL="0">
-              <a:spcBef>
-                <a:spcPts val="3000"/>
-              </a:spcBef>
-              <a:buNone/>
-            </a:pPr>
-            <a:r>
-              <a:rPr b="1"/>
-              <a:t>Ensaio clinico aleatorizado</a:t>
-            </a:r>
-          </a:p>
-          <a:p>
-            <a:pPr lvl="0" indent="0" marL="0">
-              <a:buNone/>
-            </a:pPr>
-          </a:p>
-          <a:p>
-            <a:pPr lvl="0"/>
-            <a:r>
-              <a:rPr>
-                <a:hlinkClick r:id="rId10"/>
-              </a:rPr>
-              <a:t>RCT-Figure1.R</a:t>
-            </a:r>
-          </a:p>
-          <a:p>
-            <a:pPr lvl="0"/>
-            <a:r>
-              <a:rPr>
-                <a:hlinkClick r:id="rId11"/>
-              </a:rPr>
-              <a:t>RCT-Missingness.R</a:t>
-            </a:r>
-          </a:p>
-          <a:p>
-            <a:pPr lvl="0"/>
-            <a:r>
-              <a:rPr>
-                <a:hlinkClick r:id="rId12"/>
-              </a:rPr>
-              <a:t>RCT-Table1.R</a:t>
-            </a:r>
-          </a:p>
-          <a:p>
-            <a:pPr lvl="0"/>
-            <a:r>
-              <a:rPr>
-                <a:hlinkClick r:id="rId13"/>
-              </a:rPr>
-              <a:t>RCT-Table2a.R</a:t>
-            </a:r>
-          </a:p>
-          <a:p>
-            <a:pPr lvl="0"/>
-            <a:r>
-              <a:rPr>
-                <a:hlinkClick r:id="rId14"/>
-              </a:rPr>
-              <a:t>RCT-Table2b.R</a:t>
-            </a:r>
-          </a:p>
-          <a:p>
-            <a:pPr lvl="0"/>
-            <a:r>
-              <a:rPr>
-                <a:hlinkClick r:id="rId15"/>
-              </a:rPr>
-              <a:t>RCT-Table3.R</a:t>
-            </a:r>
-          </a:p>
-          <a:p>
-            <a:pPr lvl="0" indent="0" marL="0">
-              <a:buNone/>
-            </a:pPr>
-          </a:p>
-          <a:p>
-            <a:pPr lvl="0" indent="0" marL="0">
-              <a:buNone/>
-            </a:pPr>
-          </a:p>
-          <a:p>
-            <a:pPr lvl="0" indent="0" marL="0">
-              <a:spcBef>
-                <a:spcPts val="3000"/>
-              </a:spcBef>
-              <a:buNone/>
-            </a:pPr>
-            <a:r>
-              <a:rPr b="1"/>
-              <a:t>Ensaio cruzado</a:t>
-            </a:r>
-          </a:p>
-          <a:p>
-            <a:pPr lvl="0" indent="0" marL="0">
-              <a:buNone/>
-            </a:pPr>
-          </a:p>
-          <a:p>
-            <a:pPr lvl="0"/>
-            <a:r>
-              <a:rPr>
-                <a:hlinkClick r:id="rId16"/>
-              </a:rPr>
-              <a:t>crossover.R</a:t>
-            </a:r>
-          </a:p>
-          <a:p>
-            <a:pPr lvl="0"/>
-            <a:r>
-              <a:rPr>
-                <a:hlinkClick r:id="rId17"/>
-              </a:rPr>
-              <a:t>RSTR-crossover-trial.R</a:t>
-            </a:r>
-          </a:p>
-          <a:p>
-            <a:pPr lvl="0" indent="0" marL="0">
-              <a:buNone/>
-            </a:pPr>
-          </a:p>
-          <a:p>
-            <a:pPr lvl="0" indent="0" marL="0">
-              <a:buNone/>
-            </a:pPr>
-          </a:p>
-          <a:p>
-            <a:pPr lvl="0" indent="0" marL="0">
-              <a:spcBef>
-                <a:spcPts val="3000"/>
-              </a:spcBef>
-              <a:buNone/>
-            </a:pPr>
-            <a:r>
-              <a:rPr b="1"/>
-              <a:t>Regressao</a:t>
-            </a:r>
-          </a:p>
-          <a:p>
-            <a:pPr lvl="0" indent="0" marL="0">
-              <a:buNone/>
-            </a:pPr>
-          </a:p>
-          <a:p>
-            <a:pPr lvl="0"/>
-            <a:r>
-              <a:rPr>
-                <a:hlinkClick r:id="rId18"/>
-              </a:rPr>
-              <a:t>mediation-analysis.R</a:t>
-            </a:r>
-          </a:p>
-          <a:p>
-            <a:pPr lvl="0"/>
-            <a:r>
-              <a:rPr>
-                <a:hlinkClick r:id="rId19"/>
-              </a:rPr>
-              <a:t>regression-diagnosis.R</a:t>
-            </a:r>
-          </a:p>
-          <a:p>
-            <a:pPr lvl="0" indent="0" marL="0">
-              <a:buNone/>
-            </a:pPr>
-          </a:p>
-          <a:p>
-            <a:pPr lvl="0" indent="0" marL="0">
-              <a:buNone/>
-            </a:pPr>
-          </a:p>
-          <a:p>
-            <a:pPr lvl="0" indent="0" marL="0">
-              <a:buNone/>
-            </a:pPr>
-            <a:r>
-              <a:rPr/>
-              <a:t>O pacote </a:t>
-            </a:r>
-            <a:r>
-              <a:rPr i="1"/>
-              <a:t>base</a:t>
-            </a:r>
-            <a:r>
-              <a:rPr baseline="30000"/>
-              <a:t>34</a:t>
-            </a:r>
-            <a:r>
-              <a:rPr/>
-              <a:t> fornece a função </a:t>
-            </a:r>
-            <a:r>
-              <a:rPr i="1">
-                <a:hlinkClick r:id="rId20"/>
-              </a:rPr>
-              <a:t>source</a:t>
-            </a:r>
-            <a:r>
-              <a:rPr/>
-              <a:t> para abrir um arquivo .R com script e executar seus comandos.</a:t>
+              <a:t>style_file</a:t>
+            </a:r>
+            <a:r>
+              <a:rPr/>
+              <a:t> para formatar um R script.</a:t>
             </a:r>
           </a:p>
           <a:p>
@@ -15971,7 +15209,1284 @@
 </p:sld>
 </file>
 
-<file path=ppt/slides/slide156.xml><?xml version="1.0" encoding="UTF-8"?>
+<file path=ppt/slides/slide156.xml><?xml version="1.0" encoding="utf-8"?>
+<p:sld xmlns:a="http://schemas.openxmlformats.org/drawingml/2006/main" xmlns:r="http://schemas.openxmlformats.org/officeDocument/2006/relationships" xmlns:p="http://schemas.openxmlformats.org/presentationml/2006/main">
+  <p:cSld>
+    <p:spTree>
+      <p:nvGrpSpPr>
+        <p:cNvPr id="1" name=""/>
+        <p:cNvGrpSpPr/>
+        <p:nvPr/>
+      </p:nvGrpSpPr>
+      <p:grpSpPr>
+        <a:xfrm>
+          <a:off x="0" y="0"/>
+          <a:ext cx="0" cy="0"/>
+          <a:chOff x="0" y="0"/>
+          <a:chExt cx="0" cy="0"/>
+        </a:xfrm>
+      </p:grpSpPr>
+      <p:sp>
+        <p:nvSpPr>
+          <p:cNvPr id="2" name="Title 1">
+            <a:extLst>
+              <a:ext uri="{FF2B5EF4-FFF2-40B4-BE49-F238E27FC236}">
+                <a16:creationId xmlns:a16="http://schemas.microsoft.com/office/drawing/2014/main" id="{0277F749-6ED4-3E49-963A-830033252F78}"/>
+              </a:ext>
+            </a:extLst>
+          </p:cNvPr>
+          <p:cNvSpPr>
+            <a:spLocks noGrp="1"/>
+          </p:cNvSpPr>
+          <p:nvPr>
+            <p:ph type="title"/>
+          </p:nvPr>
+        </p:nvSpPr>
+        <p:spPr>
+          <a:xfrm>
+            <a:off x="0" y="17256"/>
+            <a:ext cx="10515600" cy="663782"/>
+          </a:xfrm>
+        </p:spPr>
+        <p:txBody>
+          <a:bodyPr/>
+          <a:lstStyle/>
+          <a:p>
+            <a:pPr lvl="0" indent="0" marL="0">
+              <a:buNone/>
+            </a:pPr>
+            <a:r>
+              <a:rPr/>
+              <a:t>Compartilhamento</a:t>
+            </a:r>
+          </a:p>
+        </p:txBody>
+      </p:sp>
+      <p:sp>
+        <p:nvSpPr>
+          <p:cNvPr id="3" name="Content Placeholder 2">
+            <a:extLst>
+              <a:ext uri="{FF2B5EF4-FFF2-40B4-BE49-F238E27FC236}">
+                <a16:creationId xmlns:a16="http://schemas.microsoft.com/office/drawing/2014/main" id="{1574FA24-F1CC-B240-AAF9-A2DF684B1C54}"/>
+              </a:ext>
+            </a:extLst>
+          </p:cNvPr>
+          <p:cNvSpPr>
+            <a:spLocks noGrp="1"/>
+          </p:cNvSpPr>
+          <p:nvPr>
+            <p:ph idx="1"/>
+          </p:nvPr>
+        </p:nvSpPr>
+        <p:spPr/>
+        <p:txBody>
+          <a:bodyPr/>
+          <a:lstStyle/>
+          <a:p>
+            <a:pPr lvl="0" indent="0" marL="0">
+              <a:buNone/>
+            </a:pPr>
+          </a:p>
+          <a:p>
+            <a:pPr lvl="0" indent="0" marL="0">
+              <a:spcBef>
+                <a:spcPts val="3000"/>
+              </a:spcBef>
+              <a:buNone/>
+            </a:pPr>
+            <a:r>
+              <a:rPr b="1"/>
+              <a:t>O que pode ser compartilhado?</a:t>
+            </a:r>
+          </a:p>
+          <a:p>
+            <a:pPr lvl="0"/>
+            <a:r>
+              <a:rPr/>
+              <a:t>Idealmente, todos os scripts, pacotes/bibliotecas e dados necessários para outros reproduzirem seus dados.</a:t>
+            </a:r>
+            <a:r>
+              <a:rPr baseline="30000"/>
+              <a:t>235</a:t>
+            </a:r>
+          </a:p>
+          <a:p>
+            <a:pPr lvl="0"/>
+            <a:r>
+              <a:rPr/>
+              <a:t>Minimamente, partes importantes incluindo implementações de novos algoritmos e dados que permitam reproduzir um resultado importante.</a:t>
+            </a:r>
+            <a:r>
+              <a:rPr baseline="30000"/>
+              <a:t>235</a:t>
+            </a:r>
+          </a:p>
+          <a:p>
+            <a:pPr lvl="0" indent="0" marL="0">
+              <a:buNone/>
+            </a:pPr>
+          </a:p>
+          <a:p>
+            <a:pPr lvl="0" indent="0" marL="0">
+              <a:spcBef>
+                <a:spcPts val="3000"/>
+              </a:spcBef>
+              <a:buNone/>
+            </a:pPr>
+            <a:r>
+              <a:rPr b="1"/>
+              <a:t>Como preparar dados para compartilhamento?</a:t>
+            </a:r>
+          </a:p>
+          <a:p>
+            <a:pPr lvl="0"/>
+            <a:r>
+              <a:rPr/>
+              <a:t>.[REF]</a:t>
+            </a:r>
+          </a:p>
+          <a:p>
+            <a:pPr lvl="0" indent="0" marL="0">
+              <a:buNone/>
+            </a:pPr>
+          </a:p>
+          <a:p>
+            <a:pPr lvl="0" indent="0" marL="0">
+              <a:buNone/>
+            </a:pPr>
+            <a:r>
+              <a:rPr/>
+              <a:t>O pacote </a:t>
+            </a:r>
+            <a:r>
+              <a:rPr i="1"/>
+              <a:t>synthpop</a:t>
+            </a:r>
+            <a:r>
+              <a:rPr baseline="30000"/>
+              <a:t>239</a:t>
+            </a:r>
+            <a:r>
+              <a:rPr/>
+              <a:t> fornece a função </a:t>
+            </a:r>
+            <a:r>
+              <a:rPr i="1">
+                <a:hlinkClick r:id="rId2"/>
+              </a:rPr>
+              <a:t>syn</a:t>
+            </a:r>
+            <a:r>
+              <a:rPr/>
+              <a:t> para criar bancos de dados sintéticos a partir de um banco de dados real.</a:t>
+            </a:r>
+          </a:p>
+          <a:p>
+            <a:pPr lvl="0" indent="0" marL="0">
+              <a:buNone/>
+            </a:pPr>
+          </a:p>
+          <a:p>
+            <a:pPr lvl="0" indent="0" marL="0">
+              <a:spcBef>
+                <a:spcPts val="3000"/>
+              </a:spcBef>
+              <a:buNone/>
+            </a:pPr>
+            <a:r>
+              <a:rPr b="1"/>
+              <a:t>Como preparar scripts para compartilhamento?</a:t>
+            </a:r>
+          </a:p>
+          <a:p>
+            <a:pPr lvl="0"/>
+            <a:r>
+              <a:rPr/>
+              <a:t>Documente em um arquivo README os arquivos disponíveis e os pré-requisitos necessários para executar o código (ex.: pacotes e respectivas versões). Uma lista de configurações (hardware e software) que foram usadas para rodar o código pode ajudar na reprodução dos resultados.</a:t>
+            </a:r>
+            <a:r>
+              <a:rPr baseline="30000"/>
+              <a:t>26</a:t>
+            </a:r>
+          </a:p>
+          <a:p>
+            <a:pPr lvl="0"/>
+            <a:r>
+              <a:rPr/>
+              <a:t>Crie links persistentes para versões do seu script.</a:t>
+            </a:r>
+            <a:r>
+              <a:rPr baseline="30000"/>
+              <a:t>235</a:t>
+            </a:r>
+          </a:p>
+          <a:p>
+            <a:pPr lvl="0"/>
+            <a:r>
+              <a:rPr/>
+              <a:t>Defina uma semente para o gerador de números aleatórios em scripts com métodos computacionais que dependem da geração de números pseudoaleatórios.</a:t>
+            </a:r>
+            <a:r>
+              <a:rPr baseline="30000"/>
+              <a:t>26</a:t>
+            </a:r>
+          </a:p>
+          <a:p>
+            <a:pPr lvl="0"/>
+            <a:r>
+              <a:rPr/>
+              <a:t>Escolha uma licença apropriada para garantir como outros usarão seus scripts.</a:t>
+            </a:r>
+            <a:r>
+              <a:rPr baseline="30000"/>
+              <a:t>235</a:t>
+            </a:r>
+          </a:p>
+          <a:p>
+            <a:pPr lvl="0"/>
+            <a:r>
+              <a:rPr/>
+              <a:t>Compartilhe todos os pacotes relacionados à sua análise.</a:t>
+            </a:r>
+            <a:r>
+              <a:rPr baseline="30000"/>
+              <a:t>240</a:t>
+            </a:r>
+          </a:p>
+          <a:p>
+            <a:pPr lvl="0"/>
+            <a:r>
+              <a:rPr/>
+              <a:t>Providencie a documentação sobre seu script (ex.: arquivo README).</a:t>
+            </a:r>
+            <a:r>
+              <a:rPr baseline="30000"/>
+              <a:t>235</a:t>
+            </a:r>
+          </a:p>
+          <a:p>
+            <a:pPr lvl="0" indent="0" marL="0">
+              <a:buNone/>
+            </a:pPr>
+          </a:p>
+          <a:p>
+            <a:pPr lvl="0" indent="0" marL="0">
+              <a:buNone/>
+            </a:pPr>
+            <a:r>
+              <a:rPr/>
+              <a:t>O pacote </a:t>
+            </a:r>
+            <a:r>
+              <a:rPr i="1"/>
+              <a:t>base</a:t>
+            </a:r>
+            <a:r>
+              <a:rPr baseline="30000"/>
+              <a:t>28</a:t>
+            </a:r>
+            <a:r>
+              <a:rPr/>
+              <a:t> fornece a função </a:t>
+            </a:r>
+            <a:r>
+              <a:rPr i="1">
+                <a:hlinkClick r:id="rId3"/>
+              </a:rPr>
+              <a:t>set.seed</a:t>
+            </a:r>
+            <a:r>
+              <a:rPr/>
+              <a:t> para especificar uma semente para reprodutibilidade de computações que envolvem números aleatórios.</a:t>
+            </a:r>
+          </a:p>
+          <a:p>
+            <a:pPr lvl="0" indent="0" marL="0">
+              <a:buNone/>
+            </a:pPr>
+          </a:p>
+          <a:p>
+            <a:pPr lvl="0" indent="0" marL="0">
+              <a:spcBef>
+                <a:spcPts val="3000"/>
+              </a:spcBef>
+              <a:buNone/>
+            </a:pPr>
+            <a:r>
+              <a:rPr b="1"/>
+              <a:t>O que incluir no arquivo README?</a:t>
+            </a:r>
+          </a:p>
+          <a:p>
+            <a:pPr lvl="0"/>
+            <a:r>
+              <a:rPr/>
+              <a:t>Título do manuscrito.</a:t>
+            </a:r>
+            <a:r>
+              <a:rPr baseline="30000"/>
+              <a:t>26</a:t>
+            </a:r>
+          </a:p>
+          <a:p>
+            <a:pPr lvl="0"/>
+            <a:r>
+              <a:rPr/>
+              <a:t>Autores do manuscrito.</a:t>
+            </a:r>
+            <a:r>
+              <a:rPr baseline="30000"/>
+              <a:t>26</a:t>
+            </a:r>
+          </a:p>
+          <a:p>
+            <a:pPr lvl="0"/>
+            <a:r>
+              <a:rPr/>
+              <a:t>Principais responsáveis pela escrita do script e quaisquer outras pessoas que fizeram contribuições substanciais para o desenvolvimento do script.</a:t>
+            </a:r>
+            <a:r>
+              <a:rPr baseline="30000"/>
+              <a:t>26</a:t>
+            </a:r>
+          </a:p>
+          <a:p>
+            <a:pPr lvl="0"/>
+            <a:r>
+              <a:rPr/>
+              <a:t>Endereço de e-mail do autor ou contribuidor a quem devem ser direcionadas dúvidas, comentários, sugestões e bugs sobre o script.</a:t>
+            </a:r>
+            <a:r>
+              <a:rPr baseline="30000"/>
+              <a:t>26</a:t>
+            </a:r>
+          </a:p>
+          <a:p>
+            <a:pPr lvl="0"/>
+            <a:r>
+              <a:rPr/>
+              <a:t>Lista de configurações nas quais o script foi testado, tais com nome e versão do programa, pacotes e plataforma.</a:t>
+            </a:r>
+            <a:r>
+              <a:rPr baseline="30000"/>
+              <a:t>26</a:t>
+            </a:r>
+          </a:p>
+          <a:p>
+            <a:pPr lvl="0" indent="0" marL="0">
+              <a:buNone/>
+            </a:pPr>
+          </a:p>
+          <a:p>
+            <a:pPr lvl="0" indent="0" marL="0">
+              <a:buNone/>
+            </a:pPr>
+            <a:r>
+              <a:rPr/>
+              <a:t>O pacote </a:t>
+            </a:r>
+            <a:r>
+              <a:rPr i="1"/>
+              <a:t>utils</a:t>
+            </a:r>
+            <a:r>
+              <a:rPr baseline="30000"/>
+              <a:t>241</a:t>
+            </a:r>
+            <a:r>
+              <a:rPr/>
+              <a:t> fornece a função </a:t>
+            </a:r>
+            <a:r>
+              <a:rPr i="1">
+                <a:hlinkClick r:id="rId4"/>
+              </a:rPr>
+              <a:t>sessionInfo</a:t>
+            </a:r>
+            <a:r>
+              <a:rPr/>
+              <a:t> para descrever as características do programa, pacotes e plataforma da sessão atual.</a:t>
+            </a:r>
+          </a:p>
+          <a:p>
+            <a:pPr lvl="0" indent="0" marL="0">
+              <a:buNone/>
+            </a:pPr>
+          </a:p>
+        </p:txBody>
+      </p:sp>
+    </p:spTree>
+  </p:cSld>
+</p:sld>
+</file>
+
+<file path=ppt/slides/slide157.xml><?xml version="1.0" encoding="utf-8"?>
+<p:sld xmlns:a="http://schemas.openxmlformats.org/drawingml/2006/main" xmlns:r="http://schemas.openxmlformats.org/officeDocument/2006/relationships" xmlns:p="http://schemas.openxmlformats.org/presentationml/2006/main">
+  <p:cSld>
+    <p:spTree>
+      <p:nvGrpSpPr>
+        <p:cNvPr id="1" name=""/>
+        <p:cNvGrpSpPr/>
+        <p:nvPr/>
+      </p:nvGrpSpPr>
+      <p:grpSpPr>
+        <a:xfrm>
+          <a:off x="0" y="0"/>
+          <a:ext cx="0" cy="0"/>
+          <a:chOff x="0" y="0"/>
+          <a:chExt cx="0" cy="0"/>
+        </a:xfrm>
+      </p:grpSpPr>
+      <p:sp>
+        <p:nvSpPr>
+          <p:cNvPr id="2" name="Title 1">
+            <a:extLst>
+              <a:ext uri="{FF2B5EF4-FFF2-40B4-BE49-F238E27FC236}">
+                <a16:creationId xmlns:a16="http://schemas.microsoft.com/office/drawing/2014/main" id="{0277F749-6ED4-3E49-963A-830033252F78}"/>
+              </a:ext>
+            </a:extLst>
+          </p:cNvPr>
+          <p:cNvSpPr>
+            <a:spLocks noGrp="1"/>
+          </p:cNvSpPr>
+          <p:nvPr>
+            <p:ph type="title"/>
+          </p:nvPr>
+        </p:nvSpPr>
+        <p:spPr>
+          <a:xfrm>
+            <a:off x="0" y="17256"/>
+            <a:ext cx="10515600" cy="663782"/>
+          </a:xfrm>
+        </p:spPr>
+        <p:txBody>
+          <a:bodyPr/>
+          <a:lstStyle/>
+          <a:p>
+            <a:pPr lvl="0" indent="0" marL="0">
+              <a:buNone/>
+            </a:pPr>
+            <a:r>
+              <a:rPr/>
+              <a:t>Exportando elementos</a:t>
+            </a:r>
+          </a:p>
+        </p:txBody>
+      </p:sp>
+      <p:sp>
+        <p:nvSpPr>
+          <p:cNvPr id="3" name="Content Placeholder 2">
+            <a:extLst>
+              <a:ext uri="{FF2B5EF4-FFF2-40B4-BE49-F238E27FC236}">
+                <a16:creationId xmlns:a16="http://schemas.microsoft.com/office/drawing/2014/main" id="{1574FA24-F1CC-B240-AAF9-A2DF684B1C54}"/>
+              </a:ext>
+            </a:extLst>
+          </p:cNvPr>
+          <p:cNvSpPr>
+            <a:spLocks noGrp="1"/>
+          </p:cNvSpPr>
+          <p:nvPr>
+            <p:ph idx="1"/>
+          </p:nvPr>
+        </p:nvSpPr>
+        <p:spPr/>
+        <p:txBody>
+          <a:bodyPr/>
+          <a:lstStyle/>
+          <a:p>
+            <a:pPr lvl="0" indent="0" marL="0">
+              <a:buNone/>
+            </a:pPr>
+          </a:p>
+          <a:p>
+            <a:pPr lvl="0" indent="0" marL="0">
+              <a:spcBef>
+                <a:spcPts val="3000"/>
+              </a:spcBef>
+              <a:buNone/>
+            </a:pPr>
+            <a:r>
+              <a:rPr b="1"/>
+              <a:t>Como exportar tabelas em formato DOCX?</a:t>
+            </a:r>
+          </a:p>
+          <a:p>
+            <a:pPr lvl="0" indent="0" marL="0">
+              <a:buNone/>
+            </a:pPr>
+          </a:p>
+          <a:p>
+            <a:pPr lvl="0" indent="0" marL="0">
+              <a:buNone/>
+            </a:pPr>
+            <a:r>
+              <a:rPr/>
+              <a:t>O pacote </a:t>
+            </a:r>
+            <a:r>
+              <a:rPr i="1"/>
+              <a:t>table1</a:t>
+            </a:r>
+            <a:r>
+              <a:rPr baseline="30000"/>
+              <a:t>242</a:t>
+            </a:r>
+            <a:r>
+              <a:rPr/>
+              <a:t> fornece as funções </a:t>
+            </a:r>
+            <a:r>
+              <a:rPr i="1">
+                <a:hlinkClick r:id="rId2"/>
+              </a:rPr>
+              <a:t>as_flextable</a:t>
+            </a:r>
+            <a:r>
+              <a:rPr/>
+              <a:t> e </a:t>
+            </a:r>
+            <a:r>
+              <a:rPr i="1">
+                <a:hlinkClick r:id="rId3"/>
+              </a:rPr>
+              <a:t>save_as_docx</a:t>
+            </a:r>
+            <a:r>
+              <a:rPr/>
+              <a:t> para salvar tabelas em formato DOCX.</a:t>
+            </a:r>
+          </a:p>
+          <a:p>
+            <a:pPr lvl="0" indent="0" marL="0">
+              <a:buNone/>
+            </a:pPr>
+          </a:p>
+          <a:p>
+            <a:pPr lvl="0" indent="0" marL="0">
+              <a:spcBef>
+                <a:spcPts val="3000"/>
+              </a:spcBef>
+              <a:buNone/>
+            </a:pPr>
+            <a:r>
+              <a:rPr b="1"/>
+              <a:t>Como exportar figuras em formato TIFF?</a:t>
+            </a:r>
+          </a:p>
+          <a:p>
+            <a:pPr lvl="0" indent="0" marL="0">
+              <a:buNone/>
+            </a:pPr>
+          </a:p>
+          <a:p>
+            <a:pPr lvl="0" indent="0" marL="0">
+              <a:buNone/>
+            </a:pPr>
+            <a:r>
+              <a:rPr/>
+              <a:t>O pacote </a:t>
+            </a:r>
+            <a:r>
+              <a:rPr i="1"/>
+              <a:t>tiff</a:t>
+            </a:r>
+            <a:r>
+              <a:rPr baseline="30000"/>
+              <a:t>243</a:t>
+            </a:r>
+            <a:r>
+              <a:rPr/>
+              <a:t> fornece a função </a:t>
+            </a:r>
+            <a:r>
+              <a:rPr i="1">
+                <a:hlinkClick r:id="rId4"/>
+              </a:rPr>
+              <a:t>writeTIFF</a:t>
+            </a:r>
+            <a:r>
+              <a:rPr/>
+              <a:t> para exportar gráficos em formato TIFF.</a:t>
+            </a:r>
+          </a:p>
+          <a:p>
+            <a:pPr lvl="0" indent="0" marL="0">
+              <a:buNone/>
+            </a:pPr>
+          </a:p>
+        </p:txBody>
+      </p:sp>
+    </p:spTree>
+  </p:cSld>
+</p:sld>
+</file>
+
+<file path=ppt/slides/slide158.xml><?xml version="1.0" encoding="utf-8"?>
+<p:sld xmlns:a="http://schemas.openxmlformats.org/drawingml/2006/main" xmlns:r="http://schemas.openxmlformats.org/officeDocument/2006/relationships" xmlns:p="http://schemas.openxmlformats.org/presentationml/2006/main">
+  <p:cSld>
+    <p:spTree>
+      <p:nvGrpSpPr>
+        <p:cNvPr id="1" name=""/>
+        <p:cNvGrpSpPr/>
+        <p:nvPr/>
+      </p:nvGrpSpPr>
+      <p:grpSpPr>
+        <a:xfrm>
+          <a:off x="0" y="0"/>
+          <a:ext cx="0" cy="0"/>
+          <a:chOff x="0" y="0"/>
+          <a:chExt cx="0" cy="0"/>
+        </a:xfrm>
+      </p:grpSpPr>
+      <p:sp>
+        <p:nvSpPr>
+          <p:cNvPr id="2" name="Title 1">
+            <a:extLst>
+              <a:ext uri="{FF2B5EF4-FFF2-40B4-BE49-F238E27FC236}">
+                <a16:creationId xmlns:a16="http://schemas.microsoft.com/office/drawing/2014/main" id="{28A92D45-5BAF-634B-BB37-8481089F9E28}"/>
+              </a:ext>
+            </a:extLst>
+          </p:cNvPr>
+          <p:cNvSpPr>
+            <a:spLocks noGrp="1"/>
+          </p:cNvSpPr>
+          <p:nvPr>
+            <p:ph type="title"/>
+          </p:nvPr>
+        </p:nvSpPr>
+        <p:spPr>
+          <a:xfrm>
+            <a:off x="831850" y="1709738"/>
+            <a:ext cx="10515600" cy="2852737"/>
+          </a:xfrm>
+        </p:spPr>
+        <p:txBody>
+          <a:bodyPr/>
+          <a:lstStyle/>
+          <a:p>
+            <a:pPr lvl="0" indent="0" marL="0">
+              <a:buNone/>
+            </a:pPr>
+            <a:r>
+              <a:rPr b="1"/>
+              <a:t>Computação estatística</a:t>
+            </a:r>
+          </a:p>
+        </p:txBody>
+      </p:sp>
+    </p:spTree>
+  </p:cSld>
+</p:sld>
+</file>
+
+<file path=ppt/slides/slide159.xml><?xml version="1.0" encoding="utf-8"?>
+<p:sld xmlns:a="http://schemas.openxmlformats.org/drawingml/2006/main" xmlns:r="http://schemas.openxmlformats.org/officeDocument/2006/relationships" xmlns:p="http://schemas.openxmlformats.org/presentationml/2006/main">
+  <p:cSld>
+    <p:spTree>
+      <p:nvGrpSpPr>
+        <p:cNvPr id="1" name=""/>
+        <p:cNvGrpSpPr/>
+        <p:nvPr/>
+      </p:nvGrpSpPr>
+      <p:grpSpPr>
+        <a:xfrm>
+          <a:off x="0" y="0"/>
+          <a:ext cx="0" cy="0"/>
+          <a:chOff x="0" y="0"/>
+          <a:chExt cx="0" cy="0"/>
+        </a:xfrm>
+      </p:grpSpPr>
+      <p:sp>
+        <p:nvSpPr>
+          <p:cNvPr id="2" name="Title 1">
+            <a:extLst>
+              <a:ext uri="{FF2B5EF4-FFF2-40B4-BE49-F238E27FC236}">
+                <a16:creationId xmlns:a16="http://schemas.microsoft.com/office/drawing/2014/main" id="{0277F749-6ED4-3E49-963A-830033252F78}"/>
+              </a:ext>
+            </a:extLst>
+          </p:cNvPr>
+          <p:cNvSpPr>
+            <a:spLocks noGrp="1"/>
+          </p:cNvSpPr>
+          <p:nvPr>
+            <p:ph type="title"/>
+          </p:nvPr>
+        </p:nvSpPr>
+        <p:spPr>
+          <a:xfrm>
+            <a:off x="0" y="17256"/>
+            <a:ext cx="10515600" cy="663782"/>
+          </a:xfrm>
+        </p:spPr>
+        <p:txBody>
+          <a:bodyPr/>
+          <a:lstStyle/>
+          <a:p>
+            <a:pPr lvl="0" indent="0" marL="0">
+              <a:buNone/>
+            </a:pPr>
+            <a:r>
+              <a:rPr/>
+              <a:t>Scripts compartilhados</a:t>
+            </a:r>
+          </a:p>
+        </p:txBody>
+      </p:sp>
+      <p:sp>
+        <p:nvSpPr>
+          <p:cNvPr id="3" name="Content Placeholder 2">
+            <a:extLst>
+              <a:ext uri="{FF2B5EF4-FFF2-40B4-BE49-F238E27FC236}">
+                <a16:creationId xmlns:a16="http://schemas.microsoft.com/office/drawing/2014/main" id="{1574FA24-F1CC-B240-AAF9-A2DF684B1C54}"/>
+              </a:ext>
+            </a:extLst>
+          </p:cNvPr>
+          <p:cNvSpPr>
+            <a:spLocks noGrp="1"/>
+          </p:cNvSpPr>
+          <p:nvPr>
+            <p:ph idx="1"/>
+          </p:nvPr>
+        </p:nvSpPr>
+        <p:spPr/>
+        <p:txBody>
+          <a:bodyPr/>
+          <a:lstStyle/>
+          <a:p>
+            <a:pPr lvl="0" indent="0" marL="0">
+              <a:buNone/>
+            </a:pPr>
+          </a:p>
+          <a:p>
+            <a:pPr lvl="0" indent="0" marL="0">
+              <a:buNone/>
+            </a:pPr>
+          </a:p>
+          <a:p>
+            <a:pPr lvl="0" indent="0" marL="0">
+              <a:spcBef>
+                <a:spcPts val="3000"/>
+              </a:spcBef>
+              <a:buNone/>
+            </a:pPr>
+            <a:r>
+              <a:rPr b="1"/>
+              <a:t>Concordancia e Confiabilidade</a:t>
+            </a:r>
+          </a:p>
+          <a:p>
+            <a:pPr lvl="0" indent="0" marL="0">
+              <a:buNone/>
+            </a:pPr>
+          </a:p>
+          <a:p>
+            <a:pPr lvl="0"/>
+            <a:r>
+              <a:rPr>
+                <a:hlinkClick r:id="rId2"/>
+              </a:rPr>
+              <a:t>reliability-kappa-icc.R</a:t>
+            </a:r>
+          </a:p>
+          <a:p>
+            <a:pPr lvl="0" indent="0" marL="0">
+              <a:buNone/>
+            </a:pPr>
+          </a:p>
+          <a:p>
+            <a:pPr lvl="0" indent="0" marL="0">
+              <a:buNone/>
+            </a:pPr>
+          </a:p>
+          <a:p>
+            <a:pPr lvl="0" indent="0" marL="0">
+              <a:spcBef>
+                <a:spcPts val="3000"/>
+              </a:spcBef>
+              <a:buNone/>
+            </a:pPr>
+            <a:r>
+              <a:rPr b="1"/>
+              <a:t>Descricao</a:t>
+            </a:r>
+          </a:p>
+          <a:p>
+            <a:pPr lvl="0" indent="0" marL="0">
+              <a:buNone/>
+            </a:pPr>
+          </a:p>
+          <a:p>
+            <a:pPr lvl="0"/>
+            <a:r>
+              <a:rPr>
+                <a:hlinkClick r:id="rId3"/>
+              </a:rPr>
+              <a:t>extracolumn-es.R</a:t>
+            </a:r>
+          </a:p>
+          <a:p>
+            <a:pPr lvl="0"/>
+            <a:r>
+              <a:rPr>
+                <a:hlinkClick r:id="rId4"/>
+              </a:rPr>
+              <a:t>extracolumn-N.R</a:t>
+            </a:r>
+          </a:p>
+          <a:p>
+            <a:pPr lvl="0"/>
+            <a:r>
+              <a:rPr>
+                <a:hlinkClick r:id="rId5"/>
+              </a:rPr>
+              <a:t>extracolumn-p.R</a:t>
+            </a:r>
+          </a:p>
+          <a:p>
+            <a:pPr lvl="0"/>
+            <a:r>
+              <a:rPr>
+                <a:hlinkClick r:id="rId6"/>
+              </a:rPr>
+              <a:t>pilotdata_gopal.R</a:t>
+            </a:r>
+          </a:p>
+          <a:p>
+            <a:pPr lvl="0" indent="0" marL="0">
+              <a:buNone/>
+            </a:pPr>
+          </a:p>
+          <a:p>
+            <a:pPr lvl="0" indent="0" marL="0">
+              <a:buNone/>
+            </a:pPr>
+          </a:p>
+          <a:p>
+            <a:pPr lvl="0" indent="0" marL="0">
+              <a:spcBef>
+                <a:spcPts val="3000"/>
+              </a:spcBef>
+              <a:buNone/>
+            </a:pPr>
+            <a:r>
+              <a:rPr b="1"/>
+              <a:t>Desempenho diagnostico</a:t>
+            </a:r>
+          </a:p>
+          <a:p>
+            <a:pPr lvl="0" indent="0" marL="0">
+              <a:buNone/>
+            </a:pPr>
+          </a:p>
+          <a:p>
+            <a:pPr lvl="0"/>
+            <a:r>
+              <a:rPr>
+                <a:hlinkClick r:id="rId7"/>
+              </a:rPr>
+              <a:t>diag-stats.R</a:t>
+            </a:r>
+          </a:p>
+          <a:p>
+            <a:pPr lvl="0"/>
+            <a:r>
+              <a:rPr>
+                <a:hlinkClick r:id="rId8"/>
+              </a:rPr>
+              <a:t>dtROC.R</a:t>
+            </a:r>
+          </a:p>
+          <a:p>
+            <a:pPr lvl="0"/>
+            <a:r>
+              <a:rPr>
+                <a:hlinkClick r:id="rId9"/>
+              </a:rPr>
+              <a:t>stROC.R</a:t>
+            </a:r>
+          </a:p>
+          <a:p>
+            <a:pPr lvl="0" indent="0" marL="0">
+              <a:buNone/>
+            </a:pPr>
+          </a:p>
+          <a:p>
+            <a:pPr lvl="0" indent="0" marL="0">
+              <a:buNone/>
+            </a:pPr>
+          </a:p>
+          <a:p>
+            <a:pPr lvl="0" indent="0" marL="0">
+              <a:spcBef>
+                <a:spcPts val="3000"/>
+              </a:spcBef>
+              <a:buNone/>
+            </a:pPr>
+            <a:r>
+              <a:rPr b="1"/>
+              <a:t>Ensaio clinico aleatorizado</a:t>
+            </a:r>
+          </a:p>
+          <a:p>
+            <a:pPr lvl="0" indent="0" marL="0">
+              <a:buNone/>
+            </a:pPr>
+          </a:p>
+          <a:p>
+            <a:pPr lvl="0"/>
+            <a:r>
+              <a:rPr>
+                <a:hlinkClick r:id="rId10"/>
+              </a:rPr>
+              <a:t>RCT-Figure1.R</a:t>
+            </a:r>
+          </a:p>
+          <a:p>
+            <a:pPr lvl="0"/>
+            <a:r>
+              <a:rPr>
+                <a:hlinkClick r:id="rId11"/>
+              </a:rPr>
+              <a:t>RCT-Missingness.R</a:t>
+            </a:r>
+          </a:p>
+          <a:p>
+            <a:pPr lvl="0"/>
+            <a:r>
+              <a:rPr>
+                <a:hlinkClick r:id="rId12"/>
+              </a:rPr>
+              <a:t>RCT-Table1.R</a:t>
+            </a:r>
+          </a:p>
+          <a:p>
+            <a:pPr lvl="0"/>
+            <a:r>
+              <a:rPr>
+                <a:hlinkClick r:id="rId13"/>
+              </a:rPr>
+              <a:t>RCT-Table2a.R</a:t>
+            </a:r>
+          </a:p>
+          <a:p>
+            <a:pPr lvl="0"/>
+            <a:r>
+              <a:rPr>
+                <a:hlinkClick r:id="rId14"/>
+              </a:rPr>
+              <a:t>RCT-Table2b.R</a:t>
+            </a:r>
+          </a:p>
+          <a:p>
+            <a:pPr lvl="0"/>
+            <a:r>
+              <a:rPr>
+                <a:hlinkClick r:id="rId15"/>
+              </a:rPr>
+              <a:t>RCT-Table3.R</a:t>
+            </a:r>
+          </a:p>
+          <a:p>
+            <a:pPr lvl="0" indent="0" marL="0">
+              <a:buNone/>
+            </a:pPr>
+          </a:p>
+          <a:p>
+            <a:pPr lvl="0" indent="0" marL="0">
+              <a:buNone/>
+            </a:pPr>
+          </a:p>
+          <a:p>
+            <a:pPr lvl="0" indent="0" marL="0">
+              <a:spcBef>
+                <a:spcPts val="3000"/>
+              </a:spcBef>
+              <a:buNone/>
+            </a:pPr>
+            <a:r>
+              <a:rPr b="1"/>
+              <a:t>Ensaio cruzado</a:t>
+            </a:r>
+          </a:p>
+          <a:p>
+            <a:pPr lvl="0" indent="0" marL="0">
+              <a:buNone/>
+            </a:pPr>
+          </a:p>
+          <a:p>
+            <a:pPr lvl="0"/>
+            <a:r>
+              <a:rPr>
+                <a:hlinkClick r:id="rId16"/>
+              </a:rPr>
+              <a:t>crossover.R</a:t>
+            </a:r>
+          </a:p>
+          <a:p>
+            <a:pPr lvl="0"/>
+            <a:r>
+              <a:rPr>
+                <a:hlinkClick r:id="rId17"/>
+              </a:rPr>
+              <a:t>RSTR-crossover-trial.R</a:t>
+            </a:r>
+          </a:p>
+          <a:p>
+            <a:pPr lvl="0" indent="0" marL="0">
+              <a:buNone/>
+            </a:pPr>
+          </a:p>
+          <a:p>
+            <a:pPr lvl="0" indent="0" marL="0">
+              <a:buNone/>
+            </a:pPr>
+          </a:p>
+          <a:p>
+            <a:pPr lvl="0" indent="0" marL="0">
+              <a:spcBef>
+                <a:spcPts val="3000"/>
+              </a:spcBef>
+              <a:buNone/>
+            </a:pPr>
+            <a:r>
+              <a:rPr b="1"/>
+              <a:t>Regressao</a:t>
+            </a:r>
+          </a:p>
+          <a:p>
+            <a:pPr lvl="0" indent="0" marL="0">
+              <a:buNone/>
+            </a:pPr>
+          </a:p>
+          <a:p>
+            <a:pPr lvl="0"/>
+            <a:r>
+              <a:rPr>
+                <a:hlinkClick r:id="rId18"/>
+              </a:rPr>
+              <a:t>mediation-analysis.R</a:t>
+            </a:r>
+          </a:p>
+          <a:p>
+            <a:pPr lvl="0"/>
+            <a:r>
+              <a:rPr>
+                <a:hlinkClick r:id="rId19"/>
+              </a:rPr>
+              <a:t>regression-diagnosis.R</a:t>
+            </a:r>
+          </a:p>
+          <a:p>
+            <a:pPr lvl="0" indent="0" marL="0">
+              <a:buNone/>
+            </a:pPr>
+          </a:p>
+          <a:p>
+            <a:pPr lvl="0" indent="0" marL="0">
+              <a:buNone/>
+            </a:pPr>
+          </a:p>
+          <a:p>
+            <a:pPr lvl="0" indent="0" marL="0">
+              <a:buNone/>
+            </a:pPr>
+            <a:r>
+              <a:rPr/>
+              <a:t>O pacote </a:t>
+            </a:r>
+            <a:r>
+              <a:rPr i="1"/>
+              <a:t>base</a:t>
+            </a:r>
+            <a:r>
+              <a:rPr baseline="30000"/>
+              <a:t>34</a:t>
+            </a:r>
+            <a:r>
+              <a:rPr/>
+              <a:t> fornece a função </a:t>
+            </a:r>
+            <a:r>
+              <a:rPr i="1">
+                <a:hlinkClick r:id="rId20"/>
+              </a:rPr>
+              <a:t>source</a:t>
+            </a:r>
+            <a:r>
+              <a:rPr/>
+              <a:t> para abrir um arquivo .R com script e executar seus comandos.</a:t>
+            </a:r>
+          </a:p>
+          <a:p>
+            <a:pPr lvl="0" indent="0" marL="0">
+              <a:buNone/>
+            </a:pPr>
+          </a:p>
+        </p:txBody>
+      </p:sp>
+    </p:spTree>
+  </p:cSld>
+</p:sld>
+</file>
+
+<file path=ppt/slides/slide16.xml><?xml version="1.0" encoding="utf-8"?>
+<p:sld xmlns:a="http://schemas.openxmlformats.org/drawingml/2006/main" xmlns:r="http://schemas.openxmlformats.org/officeDocument/2006/relationships" xmlns:p="http://schemas.openxmlformats.org/presentationml/2006/main">
+  <p:cSld>
+    <p:spTree>
+      <p:nvGrpSpPr>
+        <p:cNvPr id="1" name=""/>
+        <p:cNvGrpSpPr/>
+        <p:nvPr/>
+      </p:nvGrpSpPr>
+      <p:grpSpPr>
+        <a:xfrm>
+          <a:off x="0" y="0"/>
+          <a:ext cx="0" cy="0"/>
+          <a:chOff x="0" y="0"/>
+          <a:chExt cx="0" cy="0"/>
+        </a:xfrm>
+      </p:grpSpPr>
+      <p:sp>
+        <p:nvSpPr>
+          <p:cNvPr id="2" name="Title 1">
+            <a:extLst>
+              <a:ext uri="{FF2B5EF4-FFF2-40B4-BE49-F238E27FC236}">
+                <a16:creationId xmlns:a16="http://schemas.microsoft.com/office/drawing/2014/main" id="{0277F749-6ED4-3E49-963A-830033252F78}"/>
+              </a:ext>
+            </a:extLst>
+          </p:cNvPr>
+          <p:cNvSpPr>
+            <a:spLocks noGrp="1"/>
+          </p:cNvSpPr>
+          <p:nvPr>
+            <p:ph type="title"/>
+          </p:nvPr>
+        </p:nvSpPr>
+        <p:spPr>
+          <a:xfrm>
+            <a:off x="0" y="17256"/>
+            <a:ext cx="10515600" cy="663782"/>
+          </a:xfrm>
+        </p:spPr>
+        <p:txBody>
+          <a:bodyPr/>
+          <a:lstStyle/>
+          <a:p>
+            <a:pPr lvl="0" indent="0" marL="0">
+              <a:buNone/>
+            </a:pPr>
+            <a:r>
+              <a:rPr/>
+              <a:t>Espaços amostrais e eventos contínuos</a:t>
+            </a:r>
+          </a:p>
+        </p:txBody>
+      </p:sp>
+      <p:sp>
+        <p:nvSpPr>
+          <p:cNvPr id="3" name="Content Placeholder 2">
+            <a:extLst>
+              <a:ext uri="{FF2B5EF4-FFF2-40B4-BE49-F238E27FC236}">
+                <a16:creationId xmlns:a16="http://schemas.microsoft.com/office/drawing/2014/main" id="{1574FA24-F1CC-B240-AAF9-A2DF684B1C54}"/>
+              </a:ext>
+            </a:extLst>
+          </p:cNvPr>
+          <p:cNvSpPr>
+            <a:spLocks noGrp="1"/>
+          </p:cNvSpPr>
+          <p:nvPr>
+            <p:ph idx="1"/>
+          </p:nvPr>
+        </p:nvSpPr>
+        <p:spPr/>
+        <p:txBody>
+          <a:bodyPr/>
+          <a:lstStyle/>
+          <a:p>
+            <a:pPr lvl="0" indent="0" marL="0">
+              <a:buNone/>
+            </a:pPr>
+          </a:p>
+          <a:p>
+            <a:pPr lvl="0" indent="0" marL="0">
+              <a:spcBef>
+                <a:spcPts val="3000"/>
+              </a:spcBef>
+              <a:buNone/>
+            </a:pPr>
+            <a:r>
+              <a:rPr b="1"/>
+              <a:t>O que é espaço amostral contínuo?</a:t>
+            </a:r>
+          </a:p>
+          <a:p>
+            <a:pPr lvl="0"/>
+            <a:r>
+              <a:rPr/>
+              <a:t>.[REF]</a:t>
+            </a:r>
+          </a:p>
+          <a:p>
+            <a:pPr lvl="0" indent="0" marL="0">
+              <a:buNone/>
+            </a:pPr>
+          </a:p>
+          <a:p>
+            <a:pPr lvl="0" indent="0" marL="0">
+              <a:spcBef>
+                <a:spcPts val="3000"/>
+              </a:spcBef>
+              <a:buNone/>
+            </a:pPr>
+            <a:r>
+              <a:rPr b="1"/>
+              <a:t>O que é evento contínuo?</a:t>
+            </a:r>
+          </a:p>
+          <a:p>
+            <a:pPr lvl="0"/>
+            <a:r>
+              <a:rPr/>
+              <a:t>.[REF]</a:t>
+            </a:r>
+          </a:p>
+          <a:p>
+            <a:pPr lvl="0" indent="0" marL="0">
+              <a:buNone/>
+            </a:pPr>
+          </a:p>
+          <a:p>
+            <a:pPr lvl="0" indent="0" marL="0">
+              <a:spcBef>
+                <a:spcPts val="3000"/>
+              </a:spcBef>
+              <a:buNone/>
+            </a:pPr>
+            <a:r>
+              <a:rPr b="1"/>
+              <a:t>O que é espaço de eventos contínuo?</a:t>
+            </a:r>
+          </a:p>
+          <a:p>
+            <a:pPr lvl="0"/>
+            <a:r>
+              <a:rPr/>
+              <a:t>.[REF]</a:t>
+            </a:r>
+          </a:p>
+          <a:p>
+            <a:pPr lvl="0" indent="0" marL="0">
+              <a:buNone/>
+            </a:pPr>
+          </a:p>
+        </p:txBody>
+      </p:sp>
+    </p:spTree>
+  </p:cSld>
+</p:sld>
+</file>
+
+<file path=ppt/slides/slide160.xml><?xml version="1.0" encoding="UTF-8"?>
 <p:sld xmlns:a="http://schemas.openxmlformats.org/drawingml/2006/main" xmlns:r="http://schemas.openxmlformats.org/officeDocument/2006/relationships" xmlns:p="http://schemas.openxmlformats.org/presentationml/2006/main">
   <p:cSld>
     <p:spTree>
@@ -22735,7 +23250,7 @@
 
 </file>
 
-<file path=ppt/slides/slide157.xml><?xml version="1.0" encoding="utf-8"?>
+<file path=ppt/slides/slide161.xml><?xml version="1.0" encoding="utf-8"?>
 <p:sld xmlns:a="http://schemas.openxmlformats.org/drawingml/2006/main" xmlns:r="http://schemas.openxmlformats.org/officeDocument/2006/relationships" xmlns:p="http://schemas.openxmlformats.org/presentationml/2006/main">
   <p:cSld>
     <p:spTree>
@@ -26149,7 +26664,7 @@
 </p:sld>
 </file>
 
-<file path=ppt/slides/slide158.xml><?xml version="1.0" encoding="utf-8"?>
+<file path=ppt/slides/slide162.xml><?xml version="1.0" encoding="utf-8"?>
 <p:sld xmlns:a="http://schemas.openxmlformats.org/drawingml/2006/main" xmlns:r="http://schemas.openxmlformats.org/officeDocument/2006/relationships" xmlns:p="http://schemas.openxmlformats.org/presentationml/2006/main">
   <p:cSld>
     <p:spTree>
@@ -26207,7 +26722,7 @@
 </p:sld>
 </file>
 
-<file path=ppt/slides/slide159.xml><?xml version="1.0" encoding="utf-8"?>
+<file path=ppt/slides/slide163.xml><?xml version="1.0" encoding="utf-8"?>
 <p:sld xmlns:a="http://schemas.openxmlformats.org/drawingml/2006/main" xmlns:r="http://schemas.openxmlformats.org/officeDocument/2006/relationships" xmlns:p="http://schemas.openxmlformats.org/presentationml/2006/main">
   <p:cSld>
     <p:spTree>
@@ -26517,7 +27032,7 @@
 </p:sld>
 </file>
 
-<file path=ppt/slides/slide16.xml><?xml version="1.0" encoding="utf-8"?>
+<file path=ppt/slides/slide164.xml><?xml version="1.0" encoding="utf-8"?>
 <p:sld xmlns:a="http://schemas.openxmlformats.org/drawingml/2006/main" xmlns:r="http://schemas.openxmlformats.org/officeDocument/2006/relationships" xmlns:p="http://schemas.openxmlformats.org/presentationml/2006/main">
   <p:cSld>
     <p:spTree>
@@ -26565,7 +27080,7 @@
             </a:pPr>
             <a:r>
               <a:rPr/>
-              <a:t>Espaços amostrais e eventos contínuos</a:t>
+              <a:t>Listas de verificação</a:t>
             </a:r>
           </a:p>
         </p:txBody>
@@ -26591,163 +27106,6 @@
           <a:bodyPr/>
           <a:lstStyle/>
           <a:p>
-            <a:pPr lvl="0" indent="0" marL="0">
-              <a:buNone/>
-            </a:pPr>
-          </a:p>
-          <a:p>
-            <a:pPr lvl="0" indent="0" marL="0">
-              <a:spcBef>
-                <a:spcPts val="3000"/>
-              </a:spcBef>
-              <a:buNone/>
-            </a:pPr>
-            <a:r>
-              <a:rPr b="1"/>
-              <a:t>O que é espaço amostral contínuo?</a:t>
-            </a:r>
-          </a:p>
-          <a:p>
-            <a:pPr lvl="0"/>
-            <a:r>
-              <a:rPr/>
-              <a:t>.[REF]</a:t>
-            </a:r>
-          </a:p>
-          <a:p>
-            <a:pPr lvl="0" indent="0" marL="0">
-              <a:buNone/>
-            </a:pPr>
-          </a:p>
-          <a:p>
-            <a:pPr lvl="0" indent="0" marL="0">
-              <a:spcBef>
-                <a:spcPts val="3000"/>
-              </a:spcBef>
-              <a:buNone/>
-            </a:pPr>
-            <a:r>
-              <a:rPr b="1"/>
-              <a:t>O que é evento contínuo?</a:t>
-            </a:r>
-          </a:p>
-          <a:p>
-            <a:pPr lvl="0"/>
-            <a:r>
-              <a:rPr/>
-              <a:t>.[REF]</a:t>
-            </a:r>
-          </a:p>
-          <a:p>
-            <a:pPr lvl="0" indent="0" marL="0">
-              <a:buNone/>
-            </a:pPr>
-          </a:p>
-          <a:p>
-            <a:pPr lvl="0" indent="0" marL="0">
-              <a:spcBef>
-                <a:spcPts val="3000"/>
-              </a:spcBef>
-              <a:buNone/>
-            </a:pPr>
-            <a:r>
-              <a:rPr b="1"/>
-              <a:t>O que é espaço de eventos contínuo?</a:t>
-            </a:r>
-          </a:p>
-          <a:p>
-            <a:pPr lvl="0"/>
-            <a:r>
-              <a:rPr/>
-              <a:t>.[REF]</a:t>
-            </a:r>
-          </a:p>
-          <a:p>
-            <a:pPr lvl="0" indent="0" marL="0">
-              <a:buNone/>
-            </a:pPr>
-          </a:p>
-        </p:txBody>
-      </p:sp>
-    </p:spTree>
-  </p:cSld>
-</p:sld>
-</file>
-
-<file path=ppt/slides/slide160.xml><?xml version="1.0" encoding="utf-8"?>
-<p:sld xmlns:a="http://schemas.openxmlformats.org/drawingml/2006/main" xmlns:r="http://schemas.openxmlformats.org/officeDocument/2006/relationships" xmlns:p="http://schemas.openxmlformats.org/presentationml/2006/main">
-  <p:cSld>
-    <p:spTree>
-      <p:nvGrpSpPr>
-        <p:cNvPr id="1" name=""/>
-        <p:cNvGrpSpPr/>
-        <p:nvPr/>
-      </p:nvGrpSpPr>
-      <p:grpSpPr>
-        <a:xfrm>
-          <a:off x="0" y="0"/>
-          <a:ext cx="0" cy="0"/>
-          <a:chOff x="0" y="0"/>
-          <a:chExt cx="0" cy="0"/>
-        </a:xfrm>
-      </p:grpSpPr>
-      <p:sp>
-        <p:nvSpPr>
-          <p:cNvPr id="2" name="Title 1">
-            <a:extLst>
-              <a:ext uri="{FF2B5EF4-FFF2-40B4-BE49-F238E27FC236}">
-                <a16:creationId xmlns:a16="http://schemas.microsoft.com/office/drawing/2014/main" id="{0277F749-6ED4-3E49-963A-830033252F78}"/>
-              </a:ext>
-            </a:extLst>
-          </p:cNvPr>
-          <p:cNvSpPr>
-            <a:spLocks noGrp="1"/>
-          </p:cNvSpPr>
-          <p:nvPr>
-            <p:ph type="title"/>
-          </p:nvPr>
-        </p:nvSpPr>
-        <p:spPr>
-          <a:xfrm>
-            <a:off x="0" y="17256"/>
-            <a:ext cx="10515600" cy="663782"/>
-          </a:xfrm>
-        </p:spPr>
-        <p:txBody>
-          <a:bodyPr/>
-          <a:lstStyle/>
-          <a:p>
-            <a:pPr lvl="0" indent="0" marL="0">
-              <a:buNone/>
-            </a:pPr>
-            <a:r>
-              <a:rPr/>
-              <a:t>Listas de verificação</a:t>
-            </a:r>
-          </a:p>
-        </p:txBody>
-      </p:sp>
-      <p:sp>
-        <p:nvSpPr>
-          <p:cNvPr id="3" name="Content Placeholder 2">
-            <a:extLst>
-              <a:ext uri="{FF2B5EF4-FFF2-40B4-BE49-F238E27FC236}">
-                <a16:creationId xmlns:a16="http://schemas.microsoft.com/office/drawing/2014/main" id="{1574FA24-F1CC-B240-AAF9-A2DF684B1C54}"/>
-              </a:ext>
-            </a:extLst>
-          </p:cNvPr>
-          <p:cNvSpPr>
-            <a:spLocks noGrp="1"/>
-          </p:cNvSpPr>
-          <p:nvPr>
-            <p:ph idx="1"/>
-          </p:nvPr>
-        </p:nvSpPr>
-        <p:spPr/>
-        <p:txBody>
-          <a:bodyPr/>
-          <a:lstStyle/>
-          <a:p>
             <a:pPr lvl="0"/>
             <a:r>
               <a:rPr i="1"/>
@@ -26796,340 +27154,6 @@
             <a:pPr lvl="0" indent="0" marL="0">
               <a:buNone/>
             </a:pPr>
-          </a:p>
-        </p:txBody>
-      </p:sp>
-    </p:spTree>
-  </p:cSld>
-</p:sld>
-</file>
-
-<file path=ppt/slides/slide161.xml><?xml version="1.0" encoding="utf-8"?>
-<p:sld xmlns:a="http://schemas.openxmlformats.org/drawingml/2006/main" xmlns:r="http://schemas.openxmlformats.org/officeDocument/2006/relationships" xmlns:p="http://schemas.openxmlformats.org/presentationml/2006/main">
-  <p:cSld>
-    <p:spTree>
-      <p:nvGrpSpPr>
-        <p:cNvPr id="1" name=""/>
-        <p:cNvGrpSpPr/>
-        <p:nvPr/>
-      </p:nvGrpSpPr>
-      <p:grpSpPr>
-        <a:xfrm>
-          <a:off x="0" y="0"/>
-          <a:ext cx="0" cy="0"/>
-          <a:chOff x="0" y="0"/>
-          <a:chExt cx="0" cy="0"/>
-        </a:xfrm>
-      </p:grpSpPr>
-      <p:sp>
-        <p:nvSpPr>
-          <p:cNvPr id="2" name="Title 1">
-            <a:extLst>
-              <a:ext uri="{FF2B5EF4-FFF2-40B4-BE49-F238E27FC236}">
-                <a16:creationId xmlns:a16="http://schemas.microsoft.com/office/drawing/2014/main" id="{0277F749-6ED4-3E49-963A-830033252F78}"/>
-              </a:ext>
-            </a:extLst>
-          </p:cNvPr>
-          <p:cNvSpPr>
-            <a:spLocks noGrp="1"/>
-          </p:cNvSpPr>
-          <p:nvPr>
-            <p:ph type="title"/>
-          </p:nvPr>
-        </p:nvSpPr>
-        <p:spPr>
-          <a:xfrm>
-            <a:off x="0" y="17256"/>
-            <a:ext cx="10515600" cy="663782"/>
-          </a:xfrm>
-        </p:spPr>
-        <p:txBody>
-          <a:bodyPr/>
-          <a:lstStyle/>
-          <a:p>
-            <a:pPr lvl="0" indent="0" marL="0">
-              <a:buNone/>
-            </a:pPr>
-            <a:r>
-              <a:rPr/>
-              <a:t>Plano de análise estatística</a:t>
-            </a:r>
-          </a:p>
-        </p:txBody>
-      </p:sp>
-      <p:sp>
-        <p:nvSpPr>
-          <p:cNvPr id="3" name="Content Placeholder 2">
-            <a:extLst>
-              <a:ext uri="{FF2B5EF4-FFF2-40B4-BE49-F238E27FC236}">
-                <a16:creationId xmlns:a16="http://schemas.microsoft.com/office/drawing/2014/main" id="{1574FA24-F1CC-B240-AAF9-A2DF684B1C54}"/>
-              </a:ext>
-            </a:extLst>
-          </p:cNvPr>
-          <p:cNvSpPr>
-            <a:spLocks noGrp="1"/>
-          </p:cNvSpPr>
-          <p:nvPr>
-            <p:ph idx="1"/>
-          </p:nvPr>
-        </p:nvSpPr>
-        <p:spPr/>
-        <p:txBody>
-          <a:bodyPr/>
-          <a:lstStyle/>
-          <a:p>
-            <a:pPr lvl="0" indent="0" marL="0">
-              <a:buNone/>
-            </a:pPr>
-          </a:p>
-          <a:p>
-            <a:pPr lvl="0" indent="0" marL="0">
-              <a:spcBef>
-                <a:spcPts val="3000"/>
-              </a:spcBef>
-              <a:buNone/>
-            </a:pPr>
-            <a:r>
-              <a:rPr b="1"/>
-              <a:t>O que é plano de análise estatística?</a:t>
-            </a:r>
-          </a:p>
-          <a:p>
-            <a:pPr lvl="0"/>
-            <a:r>
-              <a:rPr/>
-              <a:t>.[REF]</a:t>
-            </a:r>
-          </a:p>
-          <a:p>
-            <a:pPr lvl="0" indent="0" marL="0">
-              <a:buNone/>
-            </a:pPr>
-          </a:p>
-        </p:txBody>
-      </p:sp>
-    </p:spTree>
-  </p:cSld>
-</p:sld>
-</file>
-
-<file path=ppt/slides/slide162.xml><?xml version="1.0" encoding="utf-8"?>
-<p:sld xmlns:a="http://schemas.openxmlformats.org/drawingml/2006/main" xmlns:r="http://schemas.openxmlformats.org/officeDocument/2006/relationships" xmlns:p="http://schemas.openxmlformats.org/presentationml/2006/main">
-  <p:cSld>
-    <p:spTree>
-      <p:nvGrpSpPr>
-        <p:cNvPr id="1" name=""/>
-        <p:cNvGrpSpPr/>
-        <p:nvPr/>
-      </p:nvGrpSpPr>
-      <p:grpSpPr>
-        <a:xfrm>
-          <a:off x="0" y="0"/>
-          <a:ext cx="0" cy="0"/>
-          <a:chOff x="0" y="0"/>
-          <a:chExt cx="0" cy="0"/>
-        </a:xfrm>
-      </p:grpSpPr>
-      <p:sp>
-        <p:nvSpPr>
-          <p:cNvPr id="2" name="Title 1">
-            <a:extLst>
-              <a:ext uri="{FF2B5EF4-FFF2-40B4-BE49-F238E27FC236}">
-                <a16:creationId xmlns:a16="http://schemas.microsoft.com/office/drawing/2014/main" id="{0277F749-6ED4-3E49-963A-830033252F78}"/>
-              </a:ext>
-            </a:extLst>
-          </p:cNvPr>
-          <p:cNvSpPr>
-            <a:spLocks noGrp="1"/>
-          </p:cNvSpPr>
-          <p:nvPr>
-            <p:ph type="title"/>
-          </p:nvPr>
-        </p:nvSpPr>
-        <p:spPr>
-          <a:xfrm>
-            <a:off x="0" y="17256"/>
-            <a:ext cx="10515600" cy="663782"/>
-          </a:xfrm>
-        </p:spPr>
-        <p:txBody>
-          <a:bodyPr/>
-          <a:lstStyle/>
-          <a:p>
-            <a:pPr lvl="0" indent="0" marL="0">
-              <a:buNone/>
-            </a:pPr>
-            <a:r>
-              <a:rPr/>
-              <a:t>Resultados da análise estatística</a:t>
-            </a:r>
-          </a:p>
-        </p:txBody>
-      </p:sp>
-      <p:sp>
-        <p:nvSpPr>
-          <p:cNvPr id="3" name="Content Placeholder 2">
-            <a:extLst>
-              <a:ext uri="{FF2B5EF4-FFF2-40B4-BE49-F238E27FC236}">
-                <a16:creationId xmlns:a16="http://schemas.microsoft.com/office/drawing/2014/main" id="{1574FA24-F1CC-B240-AAF9-A2DF684B1C54}"/>
-              </a:ext>
-            </a:extLst>
-          </p:cNvPr>
-          <p:cNvSpPr>
-            <a:spLocks noGrp="1"/>
-          </p:cNvSpPr>
-          <p:nvPr>
-            <p:ph idx="1"/>
-          </p:nvPr>
-        </p:nvSpPr>
-        <p:spPr/>
-        <p:txBody>
-          <a:bodyPr/>
-          <a:lstStyle/>
-          <a:p>
-            <a:pPr lvl="0" indent="0" marL="0">
-              <a:buNone/>
-            </a:pPr>
-          </a:p>
-          <a:p>
-            <a:pPr lvl="0" indent="0" marL="0">
-              <a:spcBef>
-                <a:spcPts val="3000"/>
-              </a:spcBef>
-              <a:buNone/>
-            </a:pPr>
-            <a:r>
-              <a:rPr b="1"/>
-              <a:t>Como redigir os resultados da análise estatística?</a:t>
-            </a:r>
-          </a:p>
-          <a:p>
-            <a:pPr lvl="0"/>
-            <a:r>
-              <a:rPr/>
-              <a:t>.[REF]</a:t>
-            </a:r>
-          </a:p>
-          <a:p>
-            <a:pPr lvl="0" indent="0" marL="0">
-              <a:buNone/>
-            </a:pPr>
-          </a:p>
-        </p:txBody>
-      </p:sp>
-    </p:spTree>
-  </p:cSld>
-</p:sld>
-</file>
-
-<file path=ppt/slides/slide163.xml><?xml version="1.0" encoding="utf-8"?>
-<p:sld xmlns:a="http://schemas.openxmlformats.org/drawingml/2006/main" xmlns:r="http://schemas.openxmlformats.org/officeDocument/2006/relationships" xmlns:p="http://schemas.openxmlformats.org/presentationml/2006/main">
-  <p:cSld>
-    <p:spTree>
-      <p:nvGrpSpPr>
-        <p:cNvPr id="1" name=""/>
-        <p:cNvGrpSpPr/>
-        <p:nvPr/>
-      </p:nvGrpSpPr>
-      <p:grpSpPr>
-        <a:xfrm>
-          <a:off x="0" y="0"/>
-          <a:ext cx="0" cy="0"/>
-          <a:chOff x="0" y="0"/>
-          <a:chExt cx="0" cy="0"/>
-        </a:xfrm>
-      </p:grpSpPr>
-      <p:sp>
-        <p:nvSpPr>
-          <p:cNvPr id="2" name="Title 1">
-            <a:extLst>
-              <a:ext uri="{FF2B5EF4-FFF2-40B4-BE49-F238E27FC236}">
-                <a16:creationId xmlns:a16="http://schemas.microsoft.com/office/drawing/2014/main" id="{28A92D45-5BAF-634B-BB37-8481089F9E28}"/>
-              </a:ext>
-            </a:extLst>
-          </p:cNvPr>
-          <p:cNvSpPr>
-            <a:spLocks noGrp="1"/>
-          </p:cNvSpPr>
-          <p:nvPr>
-            <p:ph type="title"/>
-          </p:nvPr>
-        </p:nvSpPr>
-        <p:spPr>
-          <a:xfrm>
-            <a:off x="831850" y="1709738"/>
-            <a:ext cx="10515600" cy="2852737"/>
-          </a:xfrm>
-        </p:spPr>
-        <p:txBody>
-          <a:bodyPr/>
-          <a:lstStyle/>
-          <a:p>
-            <a:pPr lvl="0" indent="0" marL="0">
-              <a:buNone/>
-            </a:pPr>
-            <a:r>
-              <a:rPr i="1"/>
-              <a:t>Bibliografia</a:t>
-            </a:r>
-          </a:p>
-        </p:txBody>
-      </p:sp>
-    </p:spTree>
-  </p:cSld>
-</p:sld>
-</file>
-
-<file path=ppt/slides/slide164.xml><?xml version="1.0" encoding="utf-8"?>
-<p:sld xmlns:a="http://schemas.openxmlformats.org/drawingml/2006/main" xmlns:r="http://schemas.openxmlformats.org/officeDocument/2006/relationships" xmlns:p="http://schemas.openxmlformats.org/presentationml/2006/main">
-  <p:cSld>
-    <p:spTree>
-      <p:nvGrpSpPr>
-        <p:cNvPr id="1" name=""/>
-        <p:cNvGrpSpPr/>
-        <p:nvPr/>
-      </p:nvGrpSpPr>
-      <p:grpSpPr>
-        <a:xfrm>
-          <a:off x="0" y="0"/>
-          <a:ext cx="0" cy="0"/>
-          <a:chOff x="0" y="0"/>
-          <a:chExt cx="0" cy="0"/>
-        </a:xfrm>
-      </p:grpSpPr>
-      <p:sp>
-        <p:nvSpPr>
-          <p:cNvPr id="2" name="Title 1">
-            <a:extLst>
-              <a:ext uri="{FF2B5EF4-FFF2-40B4-BE49-F238E27FC236}">
-                <a16:creationId xmlns:a16="http://schemas.microsoft.com/office/drawing/2014/main" id="{28A92D45-5BAF-634B-BB37-8481089F9E28}"/>
-              </a:ext>
-            </a:extLst>
-          </p:cNvPr>
-          <p:cNvSpPr>
-            <a:spLocks noGrp="1"/>
-          </p:cNvSpPr>
-          <p:nvPr>
-            <p:ph type="title"/>
-          </p:nvPr>
-        </p:nvSpPr>
-        <p:spPr>
-          <a:xfrm>
-            <a:off x="831850" y="1709738"/>
-            <a:ext cx="10515600" cy="2852737"/>
-          </a:xfrm>
-        </p:spPr>
-        <p:txBody>
-          <a:bodyPr/>
-          <a:lstStyle/>
-          <a:p>
-            <a:pPr lvl="0" indent="0" marL="0">
-              <a:buNone/>
-            </a:pPr>
-            <a:r>
-              <a:rPr b="1"/>
-              <a:t>Fontes externas</a:t>
-            </a:r>
           </a:p>
         </p:txBody>
       </p:sp>
@@ -27186,7 +27210,7 @@
             </a:pPr>
             <a:r>
               <a:rPr/>
-              <a:t>American Heart Association</a:t>
+              <a:t>Plano de análise estatística</a:t>
             </a:r>
           </a:p>
         </p:txBody>
@@ -27212,12 +27236,27 @@
           <a:bodyPr/>
           <a:lstStyle/>
           <a:p>
+            <a:pPr lvl="0" indent="0" marL="0">
+              <a:buNone/>
+            </a:pPr>
+          </a:p>
+          <a:p>
+            <a:pPr lvl="0" indent="0" marL="0">
+              <a:spcBef>
+                <a:spcPts val="3000"/>
+              </a:spcBef>
+              <a:buNone/>
+            </a:pPr>
+            <a:r>
+              <a:rPr b="1"/>
+              <a:t>O que é plano de análise estatística?</a:t>
+            </a:r>
+          </a:p>
+          <a:p>
             <a:pPr lvl="0"/>
             <a:r>
-              <a:rPr i="1">
-                <a:hlinkClick r:id="rId2"/>
-              </a:rPr>
-              <a:t>Statistical Reporting Recommendations - AHA/ASA journals</a:t>
+              <a:rPr/>
+              <a:t>.[REF]</a:t>
             </a:r>
           </a:p>
           <a:p>
@@ -27280,7 +27319,7 @@
             </a:pPr>
             <a:r>
               <a:rPr/>
-              <a:t>American Physiological Society</a:t>
+              <a:t>Resultados da análise estatística</a:t>
             </a:r>
           </a:p>
         </p:txBody>
@@ -27306,39 +27345,27 @@
           <a:bodyPr/>
           <a:lstStyle/>
           <a:p>
+            <a:pPr lvl="0" indent="0" marL="0">
+              <a:buNone/>
+            </a:pPr>
+          </a:p>
+          <a:p>
+            <a:pPr lvl="0" indent="0" marL="0">
+              <a:spcBef>
+                <a:spcPts val="3000"/>
+              </a:spcBef>
+              <a:buNone/>
+            </a:pPr>
+            <a:r>
+              <a:rPr b="1"/>
+              <a:t>Como redigir os resultados da análise estatística?</a:t>
+            </a:r>
+          </a:p>
+          <a:p>
             <a:pPr lvl="0"/>
             <a:r>
-              <a:rPr i="1">
-                <a:hlinkClick r:id="rId2"/>
-              </a:rPr>
-              <a:t>Statistics</a:t>
-            </a:r>
-          </a:p>
-          <a:p>
-            <a:pPr lvl="0"/>
-            <a:r>
-              <a:rPr i="1">
-                <a:hlinkClick r:id="rId3"/>
-              </a:rPr>
-              <a:t>Exploration in Statistics</a:t>
-            </a:r>
-          </a:p>
-          <a:p>
-            <a:pPr lvl="0"/>
-            <a:r>
-              <a:rPr i="1">
-                <a:hlinkClick r:id="rId4"/>
-              </a:rPr>
-              <a:t>General Statistics</a:t>
-            </a:r>
-          </a:p>
-          <a:p>
-            <a:pPr lvl="0"/>
-            <a:r>
-              <a:rPr i="1">
-                <a:hlinkClick r:id="rId5"/>
-              </a:rPr>
-              <a:t>Reporting Statistics</a:t>
+              <a:rPr/>
+              <a:t>.[REF]</a:t>
             </a:r>
           </a:p>
           <a:p>
@@ -27375,7 +27402,7 @@
           <p:cNvPr id="2" name="Title 1">
             <a:extLst>
               <a:ext uri="{FF2B5EF4-FFF2-40B4-BE49-F238E27FC236}">
-                <a16:creationId xmlns:a16="http://schemas.microsoft.com/office/drawing/2014/main" id="{0277F749-6ED4-3E49-963A-830033252F78}"/>
+                <a16:creationId xmlns:a16="http://schemas.microsoft.com/office/drawing/2014/main" id="{28A92D45-5BAF-634B-BB37-8481089F9E28}"/>
               </a:ext>
             </a:extLst>
           </p:cNvPr>
@@ -27388,8 +27415,8 @@
         </p:nvSpPr>
         <p:spPr>
           <a:xfrm>
-            <a:off x="0" y="17256"/>
-            <a:ext cx="10515600" cy="663782"/>
+            <a:off x="831850" y="1709738"/>
+            <a:ext cx="10515600" cy="2852737"/>
           </a:xfrm>
         </p:spPr>
         <p:txBody>
@@ -27400,45 +27427,9 @@
               <a:buNone/>
             </a:pPr>
             <a:r>
-              <a:rPr/>
-              <a:t>American Statistical Association</a:t>
-            </a:r>
-          </a:p>
-        </p:txBody>
-      </p:sp>
-      <p:sp>
-        <p:nvSpPr>
-          <p:cNvPr id="3" name="Content Placeholder 2">
-            <a:extLst>
-              <a:ext uri="{FF2B5EF4-FFF2-40B4-BE49-F238E27FC236}">
-                <a16:creationId xmlns:a16="http://schemas.microsoft.com/office/drawing/2014/main" id="{1574FA24-F1CC-B240-AAF9-A2DF684B1C54}"/>
-              </a:ext>
-            </a:extLst>
-          </p:cNvPr>
-          <p:cNvSpPr>
-            <a:spLocks noGrp="1"/>
-          </p:cNvSpPr>
-          <p:nvPr>
-            <p:ph idx="1"/>
-          </p:nvPr>
-        </p:nvSpPr>
-        <p:spPr/>
-        <p:txBody>
-          <a:bodyPr/>
-          <a:lstStyle/>
-          <a:p>
-            <a:pPr lvl="0"/>
-            <a:r>
-              <a:rPr i="1">
-                <a:hlinkClick r:id="rId2"/>
-              </a:rPr>
-              <a:t>Statistical Inference in the 21st Century: A World Beyond p &lt; 0.05 - The American Statistical Association</a:t>
-            </a:r>
-          </a:p>
-          <a:p>
-            <a:pPr lvl="0" indent="0" marL="0">
-              <a:buNone/>
-            </a:pPr>
+              <a:rPr i="1"/>
+              <a:t>Bibliografia</a:t>
+            </a:r>
           </a:p>
         </p:txBody>
       </p:sp>
@@ -27469,7 +27460,7 @@
           <p:cNvPr id="2" name="Title 1">
             <a:extLst>
               <a:ext uri="{FF2B5EF4-FFF2-40B4-BE49-F238E27FC236}">
-                <a16:creationId xmlns:a16="http://schemas.microsoft.com/office/drawing/2014/main" id="{0277F749-6ED4-3E49-963A-830033252F78}"/>
+                <a16:creationId xmlns:a16="http://schemas.microsoft.com/office/drawing/2014/main" id="{28A92D45-5BAF-634B-BB37-8481089F9E28}"/>
               </a:ext>
             </a:extLst>
           </p:cNvPr>
@@ -27482,8 +27473,8 @@
         </p:nvSpPr>
         <p:spPr>
           <a:xfrm>
-            <a:off x="0" y="17256"/>
-            <a:ext cx="10515600" cy="663782"/>
+            <a:off x="831850" y="1709738"/>
+            <a:ext cx="10515600" cy="2852737"/>
           </a:xfrm>
         </p:spPr>
         <p:txBody>
@@ -27494,81 +27485,9 @@
               <a:buNone/>
             </a:pPr>
             <a:r>
-              <a:rPr/>
-              <a:t>British Medicine Journal</a:t>
-            </a:r>
-          </a:p>
-        </p:txBody>
-      </p:sp>
-      <p:sp>
-        <p:nvSpPr>
-          <p:cNvPr id="3" name="Content Placeholder 2">
-            <a:extLst>
-              <a:ext uri="{FF2B5EF4-FFF2-40B4-BE49-F238E27FC236}">
-                <a16:creationId xmlns:a16="http://schemas.microsoft.com/office/drawing/2014/main" id="{1574FA24-F1CC-B240-AAF9-A2DF684B1C54}"/>
-              </a:ext>
-            </a:extLst>
-          </p:cNvPr>
-          <p:cNvSpPr>
-            <a:spLocks noGrp="1"/>
-          </p:cNvSpPr>
-          <p:nvPr>
-            <p:ph idx="1"/>
-          </p:nvPr>
-        </p:nvSpPr>
-        <p:spPr/>
-        <p:txBody>
-          <a:bodyPr/>
-          <a:lstStyle/>
-          <a:p>
-            <a:pPr lvl="0"/>
-            <a:r>
-              <a:rPr i="1">
-                <a:hlinkClick r:id="rId2"/>
-              </a:rPr>
-              <a:t>Statistics - Latest from The BMJ</a:t>
-            </a:r>
-          </a:p>
-          <a:p>
-            <a:pPr lvl="0"/>
-            <a:r>
-              <a:rPr i="1">
-                <a:hlinkClick r:id="rId3"/>
-              </a:rPr>
-              <a:t>Statistics notes - Latest from The BMJ</a:t>
-            </a:r>
-          </a:p>
-          <a:p>
-            <a:pPr lvl="0"/>
-            <a:r>
-              <a:rPr i="1">
-                <a:hlinkClick r:id="rId4"/>
-              </a:rPr>
-              <a:t>Statistics and research methods - Latest from The BMJ</a:t>
-            </a:r>
-          </a:p>
-          <a:p>
-            <a:pPr lvl="0"/>
-            <a:r>
-              <a:rPr i="1">
-                <a:hlinkClick r:id="rId5"/>
-              </a:rPr>
-              <a:t>Statistics at Square One</a:t>
-            </a:r>
-          </a:p>
-          <a:p>
-            <a:pPr lvl="0"/>
-            <a:r>
-              <a:rPr i="1">
-                <a:hlinkClick r:id="rId6"/>
-              </a:rPr>
-              <a:t>Research methods &amp; reporting</a:t>
-            </a:r>
-          </a:p>
-          <a:p>
-            <a:pPr lvl="0" indent="0" marL="0">
-              <a:buNone/>
-            </a:pPr>
+              <a:rPr b="1"/>
+              <a:t>Fontes externas</a:t>
+            </a:r>
           </a:p>
         </p:txBody>
       </p:sp>
@@ -27625,7 +27544,7 @@
             </a:pPr>
             <a:r>
               <a:rPr/>
-              <a:t>Enhancing the QUality And Transparency Of health Research Network</a:t>
+              <a:t>American Heart Association</a:t>
             </a:r>
           </a:p>
         </p:txBody>
@@ -27653,26 +27572,10 @@
           <a:p>
             <a:pPr lvl="0"/>
             <a:r>
-              <a:rPr i="1"/>
-              <a:t>Enhancing the Quality and Transparency of health research</a:t>
-            </a:r>
-            <a:r>
-              <a:rPr/>
-              <a:t> </a:t>
-            </a:r>
-            <a:r>
-              <a:rPr>
+              <a:rPr i="1">
                 <a:hlinkClick r:id="rId2"/>
               </a:rPr>
-              <a:t>EQUATOR Network</a:t>
-            </a:r>
-            <a:r>
-              <a:rPr/>
-              <a:t>.</a:t>
-            </a:r>
-            <a:r>
-              <a:rPr baseline="30000"/>
-              <a:t>258</a:t>
+              <a:t>Statistical Reporting Recommendations - AHA/ASA journals</a:t>
             </a:r>
           </a:p>
           <a:p>
@@ -28484,7 +28387,7 @@
             </a:pPr>
             <a:r>
               <a:rPr/>
-              <a:t>Journal of the Amercan Medical Association</a:t>
+              <a:t>American Physiological Society</a:t>
             </a:r>
           </a:p>
         </p:txBody>
@@ -28515,7 +28418,34 @@
               <a:rPr i="1">
                 <a:hlinkClick r:id="rId2"/>
               </a:rPr>
-              <a:t>JAMA Guide to Statistics and Methods - JAMA</a:t>
+              <a:t>Statistics</a:t>
+            </a:r>
+          </a:p>
+          <a:p>
+            <a:pPr lvl="0"/>
+            <a:r>
+              <a:rPr i="1">
+                <a:hlinkClick r:id="rId3"/>
+              </a:rPr>
+              <a:t>Exploration in Statistics</a:t>
+            </a:r>
+          </a:p>
+          <a:p>
+            <a:pPr lvl="0"/>
+            <a:r>
+              <a:rPr i="1">
+                <a:hlinkClick r:id="rId4"/>
+              </a:rPr>
+              <a:t>General Statistics</a:t>
+            </a:r>
+          </a:p>
+          <a:p>
+            <a:pPr lvl="0"/>
+            <a:r>
+              <a:rPr i="1">
+                <a:hlinkClick r:id="rId5"/>
+              </a:rPr>
+              <a:t>Reporting Statistics</a:t>
             </a:r>
           </a:p>
           <a:p>
@@ -28578,7 +28508,7 @@
             </a:pPr>
             <a:r>
               <a:rPr/>
-              <a:t>Nature Publishing Group</a:t>
+              <a:t>American Statistical Association</a:t>
             </a:r>
           </a:p>
         </p:txBody>
@@ -28609,7 +28539,7 @@
               <a:rPr i="1">
                 <a:hlinkClick r:id="rId2"/>
               </a:rPr>
-              <a:t>Statistics for Biologists - Nature Publising Group</a:t>
+              <a:t>Statistical Inference in the 21st Century: A World Beyond p &lt; 0.05 - The American Statistical Association</a:t>
             </a:r>
           </a:p>
           <a:p>
@@ -28672,7 +28602,7 @@
             </a:pPr>
             <a:r>
               <a:rPr/>
-              <a:t>Royal Statistical Society</a:t>
+              <a:t>British Medicine Journal</a:t>
             </a:r>
           </a:p>
         </p:txBody>
@@ -28703,7 +28633,43 @@
               <a:rPr i="1">
                 <a:hlinkClick r:id="rId2"/>
               </a:rPr>
-              <a:t>Best Practices for Data Visualisation - Royal Statistical Society</a:t>
+              <a:t>Statistics - Latest from The BMJ</a:t>
+            </a:r>
+          </a:p>
+          <a:p>
+            <a:pPr lvl="0"/>
+            <a:r>
+              <a:rPr i="1">
+                <a:hlinkClick r:id="rId3"/>
+              </a:rPr>
+              <a:t>Statistics notes - Latest from The BMJ</a:t>
+            </a:r>
+          </a:p>
+          <a:p>
+            <a:pPr lvl="0"/>
+            <a:r>
+              <a:rPr i="1">
+                <a:hlinkClick r:id="rId4"/>
+              </a:rPr>
+              <a:t>Statistics and research methods - Latest from The BMJ</a:t>
+            </a:r>
+          </a:p>
+          <a:p>
+            <a:pPr lvl="0"/>
+            <a:r>
+              <a:rPr i="1">
+                <a:hlinkClick r:id="rId5"/>
+              </a:rPr>
+              <a:t>Statistics at Square One</a:t>
+            </a:r>
+          </a:p>
+          <a:p>
+            <a:pPr lvl="0"/>
+            <a:r>
+              <a:rPr i="1">
+                <a:hlinkClick r:id="rId6"/>
+              </a:rPr>
+              <a:t>Research methods &amp; reporting</a:t>
             </a:r>
           </a:p>
           <a:p>
@@ -28766,7 +28732,7 @@
             </a:pPr>
             <a:r>
               <a:rPr/>
-              <a:t>Wiley Online Library</a:t>
+              <a:t>Enhancing the QUality And Transparency Of health Research Network</a:t>
             </a:r>
           </a:p>
         </p:txBody>
@@ -28794,10 +28760,26 @@
           <a:p>
             <a:pPr lvl="0"/>
             <a:r>
-              <a:rPr i="1">
+              <a:rPr i="1"/>
+              <a:t>Enhancing the Quality and Transparency of health research</a:t>
+            </a:r>
+            <a:r>
+              <a:rPr/>
+              <a:t> </a:t>
+            </a:r>
+            <a:r>
+              <a:rPr>
                 <a:hlinkClick r:id="rId2"/>
               </a:rPr>
-              <a:t>Tutorials in Biostatistics Papers - Wiley Online Library</a:t>
+              <a:t>EQUATOR Network</a:t>
+            </a:r>
+            <a:r>
+              <a:rPr/>
+              <a:t>.</a:t>
+            </a:r>
+            <a:r>
+              <a:rPr baseline="30000"/>
+              <a:t>258</a:t>
             </a:r>
           </a:p>
           <a:p>
@@ -28813,6 +28795,382 @@
 </file>
 
 <file path=ppt/slides/slide174.xml><?xml version="1.0" encoding="utf-8"?>
+<p:sld xmlns:a="http://schemas.openxmlformats.org/drawingml/2006/main" xmlns:r="http://schemas.openxmlformats.org/officeDocument/2006/relationships" xmlns:p="http://schemas.openxmlformats.org/presentationml/2006/main">
+  <p:cSld>
+    <p:spTree>
+      <p:nvGrpSpPr>
+        <p:cNvPr id="1" name=""/>
+        <p:cNvGrpSpPr/>
+        <p:nvPr/>
+      </p:nvGrpSpPr>
+      <p:grpSpPr>
+        <a:xfrm>
+          <a:off x="0" y="0"/>
+          <a:ext cx="0" cy="0"/>
+          <a:chOff x="0" y="0"/>
+          <a:chExt cx="0" cy="0"/>
+        </a:xfrm>
+      </p:grpSpPr>
+      <p:sp>
+        <p:nvSpPr>
+          <p:cNvPr id="2" name="Title 1">
+            <a:extLst>
+              <a:ext uri="{FF2B5EF4-FFF2-40B4-BE49-F238E27FC236}">
+                <a16:creationId xmlns:a16="http://schemas.microsoft.com/office/drawing/2014/main" id="{0277F749-6ED4-3E49-963A-830033252F78}"/>
+              </a:ext>
+            </a:extLst>
+          </p:cNvPr>
+          <p:cNvSpPr>
+            <a:spLocks noGrp="1"/>
+          </p:cNvSpPr>
+          <p:nvPr>
+            <p:ph type="title"/>
+          </p:nvPr>
+        </p:nvSpPr>
+        <p:spPr>
+          <a:xfrm>
+            <a:off x="0" y="17256"/>
+            <a:ext cx="10515600" cy="663782"/>
+          </a:xfrm>
+        </p:spPr>
+        <p:txBody>
+          <a:bodyPr/>
+          <a:lstStyle/>
+          <a:p>
+            <a:pPr lvl="0" indent="0" marL="0">
+              <a:buNone/>
+            </a:pPr>
+            <a:r>
+              <a:rPr/>
+              <a:t>Journal of the Amercan Medical Association</a:t>
+            </a:r>
+          </a:p>
+        </p:txBody>
+      </p:sp>
+      <p:sp>
+        <p:nvSpPr>
+          <p:cNvPr id="3" name="Content Placeholder 2">
+            <a:extLst>
+              <a:ext uri="{FF2B5EF4-FFF2-40B4-BE49-F238E27FC236}">
+                <a16:creationId xmlns:a16="http://schemas.microsoft.com/office/drawing/2014/main" id="{1574FA24-F1CC-B240-AAF9-A2DF684B1C54}"/>
+              </a:ext>
+            </a:extLst>
+          </p:cNvPr>
+          <p:cNvSpPr>
+            <a:spLocks noGrp="1"/>
+          </p:cNvSpPr>
+          <p:nvPr>
+            <p:ph idx="1"/>
+          </p:nvPr>
+        </p:nvSpPr>
+        <p:spPr/>
+        <p:txBody>
+          <a:bodyPr/>
+          <a:lstStyle/>
+          <a:p>
+            <a:pPr lvl="0"/>
+            <a:r>
+              <a:rPr i="1">
+                <a:hlinkClick r:id="rId2"/>
+              </a:rPr>
+              <a:t>JAMA Guide to Statistics and Methods - JAMA</a:t>
+            </a:r>
+          </a:p>
+          <a:p>
+            <a:pPr lvl="0" indent="0" marL="0">
+              <a:buNone/>
+            </a:pPr>
+          </a:p>
+        </p:txBody>
+      </p:sp>
+    </p:spTree>
+  </p:cSld>
+</p:sld>
+</file>
+
+<file path=ppt/slides/slide175.xml><?xml version="1.0" encoding="utf-8"?>
+<p:sld xmlns:a="http://schemas.openxmlformats.org/drawingml/2006/main" xmlns:r="http://schemas.openxmlformats.org/officeDocument/2006/relationships" xmlns:p="http://schemas.openxmlformats.org/presentationml/2006/main">
+  <p:cSld>
+    <p:spTree>
+      <p:nvGrpSpPr>
+        <p:cNvPr id="1" name=""/>
+        <p:cNvGrpSpPr/>
+        <p:nvPr/>
+      </p:nvGrpSpPr>
+      <p:grpSpPr>
+        <a:xfrm>
+          <a:off x="0" y="0"/>
+          <a:ext cx="0" cy="0"/>
+          <a:chOff x="0" y="0"/>
+          <a:chExt cx="0" cy="0"/>
+        </a:xfrm>
+      </p:grpSpPr>
+      <p:sp>
+        <p:nvSpPr>
+          <p:cNvPr id="2" name="Title 1">
+            <a:extLst>
+              <a:ext uri="{FF2B5EF4-FFF2-40B4-BE49-F238E27FC236}">
+                <a16:creationId xmlns:a16="http://schemas.microsoft.com/office/drawing/2014/main" id="{0277F749-6ED4-3E49-963A-830033252F78}"/>
+              </a:ext>
+            </a:extLst>
+          </p:cNvPr>
+          <p:cNvSpPr>
+            <a:spLocks noGrp="1"/>
+          </p:cNvSpPr>
+          <p:nvPr>
+            <p:ph type="title"/>
+          </p:nvPr>
+        </p:nvSpPr>
+        <p:spPr>
+          <a:xfrm>
+            <a:off x="0" y="17256"/>
+            <a:ext cx="10515600" cy="663782"/>
+          </a:xfrm>
+        </p:spPr>
+        <p:txBody>
+          <a:bodyPr/>
+          <a:lstStyle/>
+          <a:p>
+            <a:pPr lvl="0" indent="0" marL="0">
+              <a:buNone/>
+            </a:pPr>
+            <a:r>
+              <a:rPr/>
+              <a:t>Nature Publishing Group</a:t>
+            </a:r>
+          </a:p>
+        </p:txBody>
+      </p:sp>
+      <p:sp>
+        <p:nvSpPr>
+          <p:cNvPr id="3" name="Content Placeholder 2">
+            <a:extLst>
+              <a:ext uri="{FF2B5EF4-FFF2-40B4-BE49-F238E27FC236}">
+                <a16:creationId xmlns:a16="http://schemas.microsoft.com/office/drawing/2014/main" id="{1574FA24-F1CC-B240-AAF9-A2DF684B1C54}"/>
+              </a:ext>
+            </a:extLst>
+          </p:cNvPr>
+          <p:cNvSpPr>
+            <a:spLocks noGrp="1"/>
+          </p:cNvSpPr>
+          <p:nvPr>
+            <p:ph idx="1"/>
+          </p:nvPr>
+        </p:nvSpPr>
+        <p:spPr/>
+        <p:txBody>
+          <a:bodyPr/>
+          <a:lstStyle/>
+          <a:p>
+            <a:pPr lvl="0"/>
+            <a:r>
+              <a:rPr i="1">
+                <a:hlinkClick r:id="rId2"/>
+              </a:rPr>
+              <a:t>Statistics for Biologists - Nature Publising Group</a:t>
+            </a:r>
+          </a:p>
+          <a:p>
+            <a:pPr lvl="0" indent="0" marL="0">
+              <a:buNone/>
+            </a:pPr>
+          </a:p>
+        </p:txBody>
+      </p:sp>
+    </p:spTree>
+  </p:cSld>
+</p:sld>
+</file>
+
+<file path=ppt/slides/slide176.xml><?xml version="1.0" encoding="utf-8"?>
+<p:sld xmlns:a="http://schemas.openxmlformats.org/drawingml/2006/main" xmlns:r="http://schemas.openxmlformats.org/officeDocument/2006/relationships" xmlns:p="http://schemas.openxmlformats.org/presentationml/2006/main">
+  <p:cSld>
+    <p:spTree>
+      <p:nvGrpSpPr>
+        <p:cNvPr id="1" name=""/>
+        <p:cNvGrpSpPr/>
+        <p:nvPr/>
+      </p:nvGrpSpPr>
+      <p:grpSpPr>
+        <a:xfrm>
+          <a:off x="0" y="0"/>
+          <a:ext cx="0" cy="0"/>
+          <a:chOff x="0" y="0"/>
+          <a:chExt cx="0" cy="0"/>
+        </a:xfrm>
+      </p:grpSpPr>
+      <p:sp>
+        <p:nvSpPr>
+          <p:cNvPr id="2" name="Title 1">
+            <a:extLst>
+              <a:ext uri="{FF2B5EF4-FFF2-40B4-BE49-F238E27FC236}">
+                <a16:creationId xmlns:a16="http://schemas.microsoft.com/office/drawing/2014/main" id="{0277F749-6ED4-3E49-963A-830033252F78}"/>
+              </a:ext>
+            </a:extLst>
+          </p:cNvPr>
+          <p:cNvSpPr>
+            <a:spLocks noGrp="1"/>
+          </p:cNvSpPr>
+          <p:nvPr>
+            <p:ph type="title"/>
+          </p:nvPr>
+        </p:nvSpPr>
+        <p:spPr>
+          <a:xfrm>
+            <a:off x="0" y="17256"/>
+            <a:ext cx="10515600" cy="663782"/>
+          </a:xfrm>
+        </p:spPr>
+        <p:txBody>
+          <a:bodyPr/>
+          <a:lstStyle/>
+          <a:p>
+            <a:pPr lvl="0" indent="0" marL="0">
+              <a:buNone/>
+            </a:pPr>
+            <a:r>
+              <a:rPr/>
+              <a:t>Royal Statistical Society</a:t>
+            </a:r>
+          </a:p>
+        </p:txBody>
+      </p:sp>
+      <p:sp>
+        <p:nvSpPr>
+          <p:cNvPr id="3" name="Content Placeholder 2">
+            <a:extLst>
+              <a:ext uri="{FF2B5EF4-FFF2-40B4-BE49-F238E27FC236}">
+                <a16:creationId xmlns:a16="http://schemas.microsoft.com/office/drawing/2014/main" id="{1574FA24-F1CC-B240-AAF9-A2DF684B1C54}"/>
+              </a:ext>
+            </a:extLst>
+          </p:cNvPr>
+          <p:cNvSpPr>
+            <a:spLocks noGrp="1"/>
+          </p:cNvSpPr>
+          <p:nvPr>
+            <p:ph idx="1"/>
+          </p:nvPr>
+        </p:nvSpPr>
+        <p:spPr/>
+        <p:txBody>
+          <a:bodyPr/>
+          <a:lstStyle/>
+          <a:p>
+            <a:pPr lvl="0"/>
+            <a:r>
+              <a:rPr i="1">
+                <a:hlinkClick r:id="rId2"/>
+              </a:rPr>
+              <a:t>Best Practices for Data Visualisation - Royal Statistical Society</a:t>
+            </a:r>
+          </a:p>
+          <a:p>
+            <a:pPr lvl="0" indent="0" marL="0">
+              <a:buNone/>
+            </a:pPr>
+          </a:p>
+        </p:txBody>
+      </p:sp>
+    </p:spTree>
+  </p:cSld>
+</p:sld>
+</file>
+
+<file path=ppt/slides/slide177.xml><?xml version="1.0" encoding="utf-8"?>
+<p:sld xmlns:a="http://schemas.openxmlformats.org/drawingml/2006/main" xmlns:r="http://schemas.openxmlformats.org/officeDocument/2006/relationships" xmlns:p="http://schemas.openxmlformats.org/presentationml/2006/main">
+  <p:cSld>
+    <p:spTree>
+      <p:nvGrpSpPr>
+        <p:cNvPr id="1" name=""/>
+        <p:cNvGrpSpPr/>
+        <p:nvPr/>
+      </p:nvGrpSpPr>
+      <p:grpSpPr>
+        <a:xfrm>
+          <a:off x="0" y="0"/>
+          <a:ext cx="0" cy="0"/>
+          <a:chOff x="0" y="0"/>
+          <a:chExt cx="0" cy="0"/>
+        </a:xfrm>
+      </p:grpSpPr>
+      <p:sp>
+        <p:nvSpPr>
+          <p:cNvPr id="2" name="Title 1">
+            <a:extLst>
+              <a:ext uri="{FF2B5EF4-FFF2-40B4-BE49-F238E27FC236}">
+                <a16:creationId xmlns:a16="http://schemas.microsoft.com/office/drawing/2014/main" id="{0277F749-6ED4-3E49-963A-830033252F78}"/>
+              </a:ext>
+            </a:extLst>
+          </p:cNvPr>
+          <p:cNvSpPr>
+            <a:spLocks noGrp="1"/>
+          </p:cNvSpPr>
+          <p:nvPr>
+            <p:ph type="title"/>
+          </p:nvPr>
+        </p:nvSpPr>
+        <p:spPr>
+          <a:xfrm>
+            <a:off x="0" y="17256"/>
+            <a:ext cx="10515600" cy="663782"/>
+          </a:xfrm>
+        </p:spPr>
+        <p:txBody>
+          <a:bodyPr/>
+          <a:lstStyle/>
+          <a:p>
+            <a:pPr lvl="0" indent="0" marL="0">
+              <a:buNone/>
+            </a:pPr>
+            <a:r>
+              <a:rPr/>
+              <a:t>Wiley Online Library</a:t>
+            </a:r>
+          </a:p>
+        </p:txBody>
+      </p:sp>
+      <p:sp>
+        <p:nvSpPr>
+          <p:cNvPr id="3" name="Content Placeholder 2">
+            <a:extLst>
+              <a:ext uri="{FF2B5EF4-FFF2-40B4-BE49-F238E27FC236}">
+                <a16:creationId xmlns:a16="http://schemas.microsoft.com/office/drawing/2014/main" id="{1574FA24-F1CC-B240-AAF9-A2DF684B1C54}"/>
+              </a:ext>
+            </a:extLst>
+          </p:cNvPr>
+          <p:cNvSpPr>
+            <a:spLocks noGrp="1"/>
+          </p:cNvSpPr>
+          <p:nvPr>
+            <p:ph idx="1"/>
+          </p:nvPr>
+        </p:nvSpPr>
+        <p:spPr/>
+        <p:txBody>
+          <a:bodyPr/>
+          <a:lstStyle/>
+          <a:p>
+            <a:pPr lvl="0"/>
+            <a:r>
+              <a:rPr i="1">
+                <a:hlinkClick r:id="rId2"/>
+              </a:rPr>
+              <a:t>Tutorials in Biostatistics Papers - Wiley Online Library</a:t>
+            </a:r>
+          </a:p>
+          <a:p>
+            <a:pPr lvl="0" indent="0" marL="0">
+              <a:buNone/>
+            </a:pPr>
+          </a:p>
+        </p:txBody>
+      </p:sp>
+    </p:spTree>
+  </p:cSld>
+</p:sld>
+</file>
+
+<file path=ppt/slides/slide178.xml><?xml version="1.0" encoding="utf-8"?>
 <p:sld xmlns:a="http://schemas.openxmlformats.org/drawingml/2006/main" xmlns:r="http://schemas.openxmlformats.org/officeDocument/2006/relationships" xmlns:p="http://schemas.openxmlformats.org/presentationml/2006/main">
   <p:cSld>
     <p:spTree>
@@ -28870,7 +29228,7 @@
 </p:sld>
 </file>
 
-<file path=ppt/slides/slide175.xml><?xml version="1.0" encoding="utf-8"?>
+<file path=ppt/slides/slide179.xml><?xml version="1.0" encoding="utf-8"?>
 <p:sld xmlns:a="http://schemas.openxmlformats.org/drawingml/2006/main" xmlns:r="http://schemas.openxmlformats.org/officeDocument/2006/relationships" xmlns:p="http://schemas.openxmlformats.org/presentationml/2006/main">
   <p:cSld>
     <p:spTree>
@@ -35435,7 +35793,7 @@
             </a:r>
             <a:r>
               <a:rPr/>
-              <a:t>. Rio de Janeiro: 1a edição, 2023. 148p. </a:t>
+              <a:t>. Rio de Janeiro: 1a edição, 2023. 152p. </a:t>
             </a:r>
             <a:r>
               <a:rPr>

--- a/docs/Ciencia-com-R.pptx
+++ b/docs/Ciencia-com-R.pptx
@@ -183,7 +183,6 @@
     <p:sldId id="431" r:id="rId177"/>
     <p:sldId id="432" r:id="rId178"/>
     <p:sldId id="433" r:id="rId179"/>
-    <p:sldId id="434" r:id="rId180"/>
   </p:sldIdLst>
   <p:sldSz cx="12192000" cy="6858000"/>
   <p:notesSz cx="6858000" cy="9144000"/>
@@ -9908,6 +9907,150 @@
               <a:buNone/>
             </a:pPr>
           </a:p>
+          <a:p>
+            <a:pPr lvl="0" indent="0" marL="0">
+              <a:buNone/>
+            </a:pPr>
+            <a:r>
+              <a:rPr/>
+              <a:t>O pacote </a:t>
+            </a:r>
+            <a:r>
+              <a:rPr i="1"/>
+              <a:t>lavaan</a:t>
+            </a:r>
+            <a:r>
+              <a:rPr baseline="30000"/>
+              <a:t>207</a:t>
+            </a:r>
+            <a:r>
+              <a:rPr/>
+              <a:t> fornece a função </a:t>
+            </a:r>
+            <a:r>
+              <a:rPr i="1">
+                <a:hlinkClick r:id="rId2"/>
+              </a:rPr>
+              <a:t>cfa</a:t>
+            </a:r>
+            <a:r>
+              <a:rPr/>
+              <a:t> para implementar modelos de análise fatorial confirmatória.</a:t>
+            </a:r>
+          </a:p>
+          <a:p>
+            <a:pPr lvl="0" indent="0" marL="0">
+              <a:buNone/>
+            </a:pPr>
+          </a:p>
+          <a:p>
+            <a:pPr lvl="0" indent="0" marL="0">
+              <a:buNone/>
+            </a:pPr>
+            <a:r>
+              <a:rPr/>
+              <a:t>O pacote </a:t>
+            </a:r>
+            <a:r>
+              <a:rPr i="1"/>
+              <a:t>lavaan</a:t>
+            </a:r>
+            <a:r>
+              <a:rPr baseline="30000"/>
+              <a:t>207</a:t>
+            </a:r>
+            <a:r>
+              <a:rPr/>
+              <a:t> fornece a função </a:t>
+            </a:r>
+            <a:r>
+              <a:rPr i="1">
+                <a:hlinkClick r:id="rId3"/>
+              </a:rPr>
+              <a:t>modificationIndices</a:t>
+            </a:r>
+            <a:r>
+              <a:rPr/>
+              <a:t> para calcular os índices de modificação.</a:t>
+            </a:r>
+          </a:p>
+          <a:p>
+            <a:pPr lvl="0" indent="0" marL="0">
+              <a:buNone/>
+            </a:pPr>
+          </a:p>
+          <a:p>
+            <a:pPr lvl="0" indent="0" marL="0">
+              <a:buNone/>
+            </a:pPr>
+            <a:r>
+              <a:rPr/>
+              <a:t>O pacote </a:t>
+            </a:r>
+            <a:r>
+              <a:rPr i="1"/>
+              <a:t>semTools</a:t>
+            </a:r>
+            <a:r>
+              <a:rPr baseline="30000"/>
+              <a:t>208</a:t>
+            </a:r>
+            <a:r>
+              <a:rPr/>
+              <a:t> fornece a função </a:t>
+            </a:r>
+            <a:r>
+              <a:rPr i="1">
+                <a:hlinkClick r:id="rId4"/>
+              </a:rPr>
+              <a:t>reliability</a:t>
+            </a:r>
+            <a:r>
+              <a:rPr/>
+              <a:t> para analisar a confiabilidade de um instrumento.</a:t>
+            </a:r>
+          </a:p>
+          <a:p>
+            <a:pPr lvl="0" indent="0" marL="0">
+              <a:buNone/>
+            </a:pPr>
+          </a:p>
+          <a:p>
+            <a:pPr lvl="0" indent="0" marL="0">
+              <a:buNone/>
+            </a:pPr>
+            <a:r>
+              <a:rPr/>
+              <a:t>O pacote </a:t>
+            </a:r>
+            <a:r>
+              <a:rPr i="1"/>
+              <a:t>psych</a:t>
+            </a:r>
+            <a:r>
+              <a:rPr baseline="30000"/>
+              <a:t>209</a:t>
+            </a:r>
+            <a:r>
+              <a:rPr/>
+              <a:t> fornece a função </a:t>
+            </a:r>
+            <a:r>
+              <a:rPr i="1">
+                <a:hlinkClick r:id="rId5"/>
+              </a:rPr>
+              <a:t>icc</a:t>
+            </a:r>
+            <a:r>
+              <a:rPr/>
+              <a:t> para calcular a confiabilidade utilizando coeficientes de correlação intraclasse.</a:t>
+            </a:r>
+          </a:p>
+          <a:p>
+            <a:pPr lvl="0" indent="0" marL="0">
+              <a:buNone/>
+            </a:pPr>
+          </a:p>
         </p:txBody>
       </p:sp>
     </p:spTree>
@@ -10354,7 +10497,7 @@
             </a:r>
             <a:r>
               <a:rPr baseline="30000"/>
-              <a:t>207</a:t>
+              <a:t>210</a:t>
             </a:r>
           </a:p>
           <a:p>
@@ -10382,7 +10525,7 @@
             </a:r>
             <a:r>
               <a:rPr baseline="30000"/>
-              <a:t>207</a:t>
+              <a:t>210</a:t>
             </a:r>
           </a:p>
           <a:p>
@@ -11566,7 +11709,7 @@
             </a:r>
             <a:r>
               <a:rPr baseline="30000"/>
-              <a:t>208</a:t>
+              <a:t>211</a:t>
             </a:r>
           </a:p>
           <a:p>
@@ -11577,7 +11720,7 @@
             </a:r>
             <a:r>
               <a:rPr baseline="30000"/>
-              <a:t>208</a:t>
+              <a:t>211</a:t>
             </a:r>
           </a:p>
           <a:p>
@@ -11588,7 +11731,7 @@
             </a:r>
             <a:r>
               <a:rPr baseline="30000"/>
-              <a:t>208</a:t>
+              <a:t>211</a:t>
             </a:r>
           </a:p>
           <a:p>
@@ -11599,7 +11742,7 @@
             </a:r>
             <a:r>
               <a:rPr baseline="30000"/>
-              <a:t>208</a:t>
+              <a:t>211</a:t>
             </a:r>
           </a:p>
           <a:p>
@@ -11627,7 +11770,7 @@
             </a:r>
             <a:r>
               <a:rPr baseline="30000"/>
-              <a:t>208</a:t>
+              <a:t>211</a:t>
             </a:r>
           </a:p>
           <a:p>
@@ -11638,7 +11781,7 @@
             </a:r>
             <a:r>
               <a:rPr baseline="30000"/>
-              <a:t>208</a:t>
+              <a:t>211</a:t>
             </a:r>
           </a:p>
           <a:p>
@@ -11649,7 +11792,7 @@
             </a:r>
             <a:r>
               <a:rPr baseline="30000"/>
-              <a:t>208</a:t>
+              <a:t>211</a:t>
             </a:r>
           </a:p>
           <a:p>
@@ -11799,7 +11942,7 @@
                 </a:r>
                 <a:r>
                   <a:rPr baseline="30000"/>
-                  <a:t>209,210</a:t>
+                  <a:t>212,213</a:t>
                 </a:r>
               </a:p>
               <a:p>
@@ -11841,7 +11984,7 @@
                 </a:r>
                 <a:r>
                   <a:rPr baseline="30000"/>
-                  <a:t>211,212</a:t>
+                  <a:t>214,215</a:t>
                 </a:r>
               </a:p>
               <a:p>
@@ -11863,7 +12006,7 @@
                 </a:r>
                 <a:r>
                   <a:rPr baseline="30000"/>
-                  <a:t>213</a:t>
+                  <a:t>216</a:t>
                 </a:r>
                 <a:r>
                   <a:rPr/>
@@ -11951,7 +12094,7 @@
                 </a:r>
                 <a:r>
                   <a:rPr baseline="30000"/>
-                  <a:t>212</a:t>
+                  <a:t>215</a:t>
                 </a:r>
               </a:p>
               <a:p>
@@ -11985,7 +12128,7 @@
                 </a:r>
                 <a:r>
                   <a:rPr baseline="30000"/>
-                  <a:t>212</a:t>
+                  <a:t>215</a:t>
                 </a:r>
               </a:p>
               <a:p>
@@ -12016,7 +12159,7 @@
                 </a:r>
                 <a:r>
                   <a:rPr baseline="30000"/>
-                  <a:t>212</a:t>
+                  <a:t>215</a:t>
                 </a:r>
               </a:p>
               <a:p>
@@ -12038,7 +12181,7 @@
                 </a:r>
                 <a:r>
                   <a:rPr baseline="30000"/>
-                  <a:t>212</a:t>
+                  <a:t>215</a:t>
                 </a:r>
               </a:p>
               <a:p>
@@ -12077,7 +12220,7 @@
                 </a:r>
                 <a:r>
                   <a:rPr baseline="30000"/>
-                  <a:t>209,210</a:t>
+                  <a:t>212,213</a:t>
                 </a:r>
               </a:p>
               <a:p>
@@ -12108,7 +12251,7 @@
                 </a:r>
                 <a:r>
                   <a:rPr baseline="30000"/>
-                  <a:t>209,210</a:t>
+                  <a:t>212,213</a:t>
                 </a:r>
               </a:p>
               <a:p>
@@ -12150,7 +12293,7 @@
                 </a:r>
                 <a:r>
                   <a:rPr baseline="30000"/>
-                  <a:t>212</a:t>
+                  <a:t>215</a:t>
                 </a:r>
               </a:p>
               <a:p>
@@ -12172,7 +12315,7 @@
                 </a:r>
                 <a:r>
                   <a:rPr baseline="30000"/>
-                  <a:t>213</a:t>
+                  <a:t>216</a:t>
                 </a:r>
                 <a:r>
                   <a:rPr/>
@@ -12260,7 +12403,7 @@
                 </a:r>
                 <a:r>
                   <a:rPr baseline="30000"/>
-                  <a:t>212</a:t>
+                  <a:t>215</a:t>
                 </a:r>
               </a:p>
               <a:p>
@@ -12282,7 +12425,7 @@
                 </a:r>
                 <a:r>
                   <a:rPr baseline="30000"/>
-                  <a:t>213</a:t>
+                  <a:t>216</a:t>
                 </a:r>
                 <a:r>
                   <a:rPr/>
@@ -12364,7 +12507,7 @@
                 </a:r>
                 <a:r>
                   <a:rPr baseline="30000"/>
-                  <a:t>209,210</a:t>
+                  <a:t>212,213</a:t>
                 </a:r>
               </a:p>
               <a:p>
@@ -12392,7 +12535,7 @@
                 </a:r>
                 <a:r>
                   <a:rPr baseline="30000"/>
-                  <a:t>208</a:t>
+                  <a:t>211</a:t>
                 </a:r>
               </a:p>
               <a:p>
@@ -12403,7 +12546,7 @@
                 </a:r>
                 <a:r>
                   <a:rPr baseline="30000"/>
-                  <a:t>208</a:t>
+                  <a:t>211</a:t>
                 </a:r>
               </a:p>
               <a:p>
@@ -12487,7 +12630,7 @@
                 </a:r>
                 <a:r>
                   <a:rPr baseline="30000"/>
-                  <a:t>208</a:t>
+                  <a:t>211</a:t>
                 </a:r>
               </a:p>
               <a:p>
@@ -12498,7 +12641,7 @@
                 </a:r>
                 <a:r>
                   <a:rPr baseline="30000"/>
-                  <a:t>208</a:t>
+                  <a:t>211</a:t>
                 </a:r>
               </a:p>
               <a:p>
@@ -12585,7 +12728,7 @@
                 </a:r>
                 <a:r>
                   <a:rPr baseline="30000"/>
-                  <a:t>208</a:t>
+                  <a:t>211</a:t>
                 </a:r>
               </a:p>
               <a:p>
@@ -12613,7 +12756,7 @@
                 </a:r>
                 <a:r>
                   <a:rPr baseline="30000"/>
-                  <a:t>212</a:t>
+                  <a:t>215</a:t>
                 </a:r>
               </a:p>
               <a:p>
@@ -13720,7 +13863,7 @@
                 </a:r>
                 <a:r>
                   <a:rPr baseline="30000"/>
-                  <a:t>214</a:t>
+                  <a:t>217</a:t>
                 </a:r>
               </a:p>
               <a:p>
@@ -13751,7 +13894,7 @@
                 </a:r>
                 <a:r>
                   <a:rPr baseline="30000"/>
-                  <a:t>214</a:t>
+                  <a:t>217</a:t>
                 </a:r>
               </a:p>
               <a:p>
@@ -13782,7 +13925,7 @@
                 </a:r>
                 <a:r>
                   <a:rPr baseline="30000"/>
-                  <a:t>214</a:t>
+                  <a:t>217</a:t>
                 </a:r>
               </a:p>
               <a:p>
@@ -13830,7 +13973,7 @@
                 </a:r>
                 <a:r>
                   <a:rPr baseline="30000"/>
-                  <a:t>214,215</a:t>
+                  <a:t>217,218</a:t>
                 </a:r>
               </a:p>
               <a:p>
@@ -13857,7 +14000,7 @@
                 </a:r>
                 <a:r>
                   <a:rPr baseline="30000"/>
-                  <a:t>214</a:t>
+                  <a:t>217</a:t>
                 </a:r>
               </a:p>
               <a:p>
@@ -13904,7 +14047,7 @@
                 </a:r>
                 <a:r>
                   <a:rPr baseline="30000"/>
-                  <a:t>215</a:t>
+                  <a:t>218</a:t>
                 </a:r>
               </a:p>
               <a:p>
@@ -13915,7 +14058,7 @@
                 </a:r>
                 <a:r>
                   <a:rPr baseline="30000"/>
-                  <a:t>216</a:t>
+                  <a:t>219</a:t>
                 </a:r>
               </a:p>
               <a:p>
@@ -13937,7 +14080,7 @@
                 </a:r>
                 <a:r>
                   <a:rPr baseline="30000"/>
-                  <a:t>217</a:t>
+                  <a:t>220</a:t>
                 </a:r>
                 <a:r>
                   <a:rPr/>
@@ -13963,7 +14106,7 @@
                 </a:r>
                 <a:r>
                   <a:rPr baseline="30000"/>
-                  <a:t>217</a:t>
+                  <a:t>220</a:t>
                 </a:r>
                 <a:r>
                   <a:rPr/>
@@ -13985,7 +14128,7 @@
                 </a:r>
                 <a:r>
                   <a:rPr baseline="30000"/>
-                  <a:t>218</a:t>
+                  <a:t>221</a:t>
                 </a:r>
                 <a:r>
                   <a:rPr/>
@@ -14011,7 +14154,7 @@
                 </a:r>
                 <a:r>
                   <a:rPr baseline="30000"/>
-                  <a:t>219,220</a:t>
+                  <a:t>222,223</a:t>
                 </a:r>
                 <a:r>
                   <a:rPr/>
@@ -14148,7 +14291,7 @@
             </a:pPr>
             <a:r>
               <a:rPr b="1"/>
-              <a:t>Manuscritos reprodutíveis</a:t>
+              <a:t>Computação estatística</a:t>
             </a:r>
           </a:p>
         </p:txBody>
@@ -14256,7 +14399,7 @@
             </a:r>
             <a:r>
               <a:rPr baseline="30000"/>
-              <a:t>221</a:t>
+              <a:t>224</a:t>
             </a:r>
           </a:p>
           <a:p>
@@ -14316,7 +14459,7 @@
             </a:r>
             <a:r>
               <a:rPr baseline="30000"/>
-              <a:t>222</a:t>
+              <a:t>225</a:t>
             </a:r>
           </a:p>
           <a:p>
@@ -14327,7 +14470,7 @@
             </a:r>
             <a:r>
               <a:rPr baseline="30000"/>
-              <a:t>222</a:t>
+              <a:t>225</a:t>
             </a:r>
           </a:p>
           <a:p>
@@ -14416,7 +14559,7 @@
             </a:r>
             <a:r>
               <a:rPr baseline="30000"/>
-              <a:t>223</a:t>
+              <a:t>226</a:t>
             </a:r>
           </a:p>
           <a:p>
@@ -14433,7 +14576,7 @@
             </a:r>
             <a:r>
               <a:rPr baseline="30000"/>
-              <a:t>224</a:t>
+              <a:t>227</a:t>
             </a:r>
           </a:p>
           <a:p>
@@ -14455,7 +14598,7 @@
             </a:r>
             <a:r>
               <a:rPr baseline="30000"/>
-              <a:t>225</a:t>
+              <a:t>228</a:t>
             </a:r>
             <a:r>
               <a:rPr/>
@@ -14467,7 +14610,7 @@
             </a:r>
             <a:r>
               <a:rPr baseline="30000"/>
-              <a:t>226</a:t>
+              <a:t>229</a:t>
             </a:r>
             <a:r>
               <a:rPr/>
@@ -14534,7 +14677,7 @@
             </a:pPr>
             <a:r>
               <a:rPr/>
-              <a:t>Manuscritos reprodutíveis</a:t>
+              <a:t>Scripts computacionais</a:t>
             </a:r>
           </a:p>
         </p:txBody>
@@ -14573,64 +14716,62 @@
             </a:pPr>
             <a:r>
               <a:rPr b="1"/>
-              <a:t>O que são manuscritos reprodutíveis?</a:t>
+              <a:t>O que são scripts?</a:t>
             </a:r>
           </a:p>
           <a:p>
             <a:pPr lvl="0"/>
             <a:r>
               <a:rPr/>
-              <a:t>Manuscritos reprodutíveis - manuscritos executáveis ou relatórios dinâmicos - permitem a produção de um manuscrito completo a partir da integração do banco de dados da(s) amostra(s), do(s) script(s) de análise estatística (incluindo comentários para sua interpretação), dos pacotes ou bibliotecas utilizados, das fontes e referências bibliográficas citadas, além dos demais elementos textuais (tabelas, gráficos) - todos gerados dinamicamente.</a:t>
+              <a:t>“Scripts são dados”.</a:t>
             </a:r>
             <a:r>
               <a:rPr baseline="30000"/>
-              <a:t>227</a:t>
+              <a:t>230</a:t>
             </a:r>
           </a:p>
           <a:p>
             <a:pPr lvl="0"/>
             <a:r>
               <a:rPr/>
-              <a:t>O trabalho com RMarkdown</a:t>
+              <a:t>Scripts permitem ao usuário se concentrar nas tarefas mais importantes da computação e utilizar pacotes ou bibliotecas para executar as funções mais básicas com maior eficiência.</a:t>
             </a:r>
             <a:r>
               <a:rPr baseline="30000"/>
-              <a:t>228</a:t>
-            </a:r>
-            <a:r>
-              <a:rPr/>
-              <a:t> permite um fluxo de dados totalmente transparente, desde o conjunto de dados coletados até o manuscrito finalizado. Todos os aspectos do fluxo de dados podem ser incorporados em blocos de R script (</a:t>
+              <a:t>230</a:t>
+            </a:r>
+          </a:p>
+          <a:p>
+            <a:pPr lvl="0"/>
+            <a:r>
+              <a:rPr/>
+              <a:t>Um script é um arquivo de texto contendo (quase) os mesmos comandos que você digitaria na linha de comando do R. (Quase) refere-se ao fato de que se você estiver usando </a:t>
             </a:r>
             <a:r>
               <a:rPr i="1"/>
-              <a:t>chunk</a:t>
-            </a:r>
-            <a:r>
-              <a:rPr/>
-              <a:t>), exibindo tanto o R script quando o respectivo texto, tabelas e figuras formatadas no estilo científico de interesse.</a:t>
-            </a:r>
-            <a:r>
-              <a:rPr baseline="30000"/>
-              <a:t>229</a:t>
-            </a:r>
-          </a:p>
-          <a:p>
-            <a:pPr lvl="0"/>
-            <a:r>
-              <a:rPr/>
-              <a:t>O RMarkdown</a:t>
-            </a:r>
-            <a:r>
-              <a:rPr baseline="30000"/>
-              <a:t>228</a:t>
-            </a:r>
-            <a:r>
-              <a:rPr/>
-              <a:t> foi projetado especificamente para relatórios dinâmicos onde a análise é realizada em R e oferece uma flexibilidade incrível por meio de uma linguagem de marcação.</a:t>
-            </a:r>
-            <a:r>
-              <a:rPr baseline="30000"/>
-              <a:t>27</a:t>
+              <a:t>sink()</a:t>
+            </a:r>
+            <a:r>
+              <a:rPr/>
+              <a:t> para enviar a saída para um arquivo, você terá que incluir alguns comandos em </a:t>
+            </a:r>
+            <a:r>
+              <a:rPr i="1"/>
+              <a:t>print()</a:t>
+            </a:r>
+            <a:r>
+              <a:rPr/>
+              <a:t> para obter a mesma saída da linha de comando (</a:t>
+            </a:r>
+            <a:r>
+              <a:rPr>
+                <a:hlinkClick r:id="rId2"/>
+              </a:rPr>
+              <a:t>CRAN</a:t>
+            </a:r>
+            <a:r>
+              <a:rPr/>
+              <a:t>).</a:t>
             </a:r>
           </a:p>
           <a:p>
@@ -14647,29 +14788,84 @@
             </a:pPr>
             <a:r>
               <a:rPr b="1"/>
-              <a:t>Por que usar manuscritos reprodutíveis?</a:t>
+              <a:t>Quais práticas são recomendadas na redação de scripts?</a:t>
             </a:r>
           </a:p>
           <a:p>
             <a:pPr lvl="0"/>
             <a:r>
               <a:rPr/>
-              <a:t>No processo tradicional de redação científica há muitas etapas de copiar e colar não reproduzíveis envolvidas. Documentos dinâmicos combinam uma ferramenta de processamento de texto com o R script que produz o texto/tabela/figura a ser incorporado no manuscrito.</a:t>
+              <a:t>Use nomes consistentes para as variáveis.</a:t>
             </a:r>
             <a:r>
               <a:rPr baseline="30000"/>
-              <a:t>27</a:t>
+              <a:t>231</a:t>
             </a:r>
           </a:p>
           <a:p>
             <a:pPr lvl="0"/>
             <a:r>
               <a:rPr/>
-              <a:t>Ao trabalhar com relatórios dinâmicos, é possível extrair o mesmo script usado para análise estatística. Os documentos podem ser compilados em vários formatos de saída e salvos como DOCX, PPTX e PDF.</a:t>
+              <a:t>Defina os tipos de variáveis adequadamente no banco de dados.</a:t>
             </a:r>
             <a:r>
               <a:rPr baseline="30000"/>
-              <a:t>27</a:t>
+              <a:t>231</a:t>
+            </a:r>
+          </a:p>
+          <a:p>
+            <a:pPr lvl="0"/>
+            <a:r>
+              <a:rPr/>
+              <a:t>Defina constantes - isto é, variáveis de valor fixo - ao invés de digitar valores.</a:t>
+            </a:r>
+            <a:r>
+              <a:rPr baseline="30000"/>
+              <a:t>231</a:t>
+            </a:r>
+          </a:p>
+          <a:p>
+            <a:pPr lvl="0"/>
+            <a:r>
+              <a:rPr/>
+              <a:t>Use e cite os pacotes disponíveis para suas análises.</a:t>
+            </a:r>
+            <a:r>
+              <a:rPr baseline="30000"/>
+              <a:t>231</a:t>
+            </a:r>
+          </a:p>
+          <a:p>
+            <a:pPr lvl="0"/>
+            <a:r>
+              <a:rPr/>
+              <a:t>Controle as versões do script.</a:t>
+            </a:r>
+            <a:r>
+              <a:rPr baseline="30000"/>
+              <a:t>231,232</a:t>
+            </a:r>
+          </a:p>
+          <a:p>
+            <a:pPr lvl="0"/>
+            <a:r>
+              <a:rPr/>
+              <a:t>Teste o script antes de sua utilização.</a:t>
+            </a:r>
+            <a:r>
+              <a:rPr baseline="30000"/>
+              <a:t>231</a:t>
+            </a:r>
+          </a:p>
+          <a:p>
+            <a:pPr lvl="0"/>
+            <a:r>
+              <a:rPr/>
+              <a:t>Conduza revisão por pares do código durante a redação (digitação em dupla).</a:t>
+            </a:r>
+            <a:r>
+              <a:rPr baseline="30000"/>
+              <a:t>231</a:t>
             </a:r>
           </a:p>
           <a:p>
@@ -14687,35 +14883,25 @@
             </a:r>
             <a:r>
               <a:rPr i="1"/>
-              <a:t>officedown</a:t>
+              <a:t>formatR</a:t>
             </a:r>
             <a:r>
               <a:rPr baseline="30000"/>
-              <a:t>230</a:t>
-            </a:r>
-            <a:r>
-              <a:rPr/>
-              <a:t> fornece as funções </a:t>
-            </a:r>
-            <a:r>
-              <a:rPr i="1">
-                <a:hlinkClick r:id="rId2"/>
-              </a:rPr>
-              <a:t>rdocx_document</a:t>
-            </a:r>
-            <a:r>
-              <a:rPr/>
-              <a:t> e </a:t>
+              <a:t>233</a:t>
+            </a:r>
+            <a:r>
+              <a:rPr/>
+              <a:t> fornece a função </a:t>
             </a:r>
             <a:r>
               <a:rPr i="1">
                 <a:hlinkClick r:id="rId3"/>
               </a:rPr>
-              <a:t>rpptx_document</a:t>
-            </a:r>
-            <a:r>
-              <a:rPr/>
-              <a:t> para criar arquivos DOCX e PPTX, respectivamente, com o conteúdo criado no manuscrito reprodutível.</a:t>
+              <a:t>tidy_source</a:t>
+            </a:r>
+            <a:r>
+              <a:rPr/>
+              <a:t> para formatar um R script.</a:t>
             </a:r>
           </a:p>
           <a:p>
@@ -14733,109 +14919,25 @@
             </a:r>
             <a:r>
               <a:rPr i="1"/>
-              <a:t>bookdown</a:t>
+              <a:t>styler</a:t>
             </a:r>
             <a:r>
               <a:rPr baseline="30000"/>
-              <a:t>231</a:t>
-            </a:r>
-            <a:r>
-              <a:rPr/>
-              <a:t> fornece as funções </a:t>
+              <a:t>234</a:t>
+            </a:r>
+            <a:r>
+              <a:rPr/>
+              <a:t> fornece a função </a:t>
             </a:r>
             <a:r>
               <a:rPr i="1">
                 <a:hlinkClick r:id="rId4"/>
               </a:rPr>
-              <a:t>pdf_book</a:t>
-            </a:r>
-            <a:r>
-              <a:rPr/>
-              <a:t>, </a:t>
-            </a:r>
-            <a:r>
-              <a:rPr i="1">
-                <a:hlinkClick r:id="rId5"/>
-              </a:rPr>
-              <a:t>bs4_book</a:t>
-            </a:r>
-            <a:r>
-              <a:rPr/>
-              <a:t> e </a:t>
-            </a:r>
-            <a:r>
-              <a:rPr i="1">
-                <a:hlinkClick r:id="rId6"/>
-              </a:rPr>
-              <a:t>epub_book</a:t>
-            </a:r>
-            <a:r>
-              <a:rPr/>
-              <a:t> para criar arquivos PDF, HTML e EPUB, respectivamente, com o conteúdo criado no manuscrito reprodutível.</a:t>
-            </a:r>
-          </a:p>
-          <a:p>
-            <a:pPr lvl="0" indent="0" marL="0">
-              <a:buNone/>
-            </a:pPr>
-          </a:p>
-          <a:p>
-            <a:pPr lvl="0" indent="0" marL="0">
-              <a:spcBef>
-                <a:spcPts val="3000"/>
-              </a:spcBef>
-              <a:buNone/>
-            </a:pPr>
-            <a:r>
-              <a:rPr b="1"/>
-              <a:t>Como manuscritos reprodutíveis contribuem para a ciência?</a:t>
-            </a:r>
-          </a:p>
-          <a:p>
-            <a:pPr lvl="0"/>
-            <a:r>
-              <a:rPr/>
-              <a:t>O compartilhamento de bancos de dados e seus scripts de análise estatística permitem a adoção de práticas reprodutíveis, tais como a reanálise dos dados.</a:t>
-            </a:r>
-            <a:r>
-              <a:rPr baseline="30000"/>
-              <a:t>232</a:t>
-            </a:r>
-          </a:p>
-          <a:p>
-            <a:pPr lvl="0" indent="0" marL="0">
-              <a:buNone/>
-            </a:pPr>
-          </a:p>
-          <a:p>
-            <a:pPr lvl="0" indent="0" marL="0">
-              <a:buNone/>
-            </a:pPr>
-            <a:r>
-              <a:rPr/>
-              <a:t>O pacote </a:t>
-            </a:r>
-            <a:r>
-              <a:rPr i="1"/>
-              <a:t>projects</a:t>
-            </a:r>
-            <a:r>
-              <a:rPr baseline="30000"/>
-              <a:t>233</a:t>
-            </a:r>
-            <a:r>
-              <a:rPr/>
-              <a:t> fornece a função </a:t>
-            </a:r>
-            <a:r>
-              <a:rPr i="1">
-                <a:hlinkClick r:id="rId7"/>
-              </a:rPr>
-              <a:t>setup_projects</a:t>
-            </a:r>
-            <a:r>
-              <a:rPr/>
-              <a:t> para criar um projeto com arquivos organizados em diretórios.</a:t>
+              <a:t>style_file</a:t>
+            </a:r>
+            <a:r>
+              <a:rPr/>
+              <a:t> para formatar um R script.</a:t>
             </a:r>
           </a:p>
           <a:p>
@@ -14898,7 +15000,7 @@
             </a:pPr>
             <a:r>
               <a:rPr/>
-              <a:t>Scripts computacionais</a:t>
+              <a:t>Compartilhamento</a:t>
             </a:r>
           </a:p>
         </p:txBody>
@@ -14937,62 +15039,29 @@
             </a:pPr>
             <a:r>
               <a:rPr b="1"/>
-              <a:t>O que são scripts?</a:t>
+              <a:t>O que pode ser compartilhado?</a:t>
             </a:r>
           </a:p>
           <a:p>
             <a:pPr lvl="0"/>
             <a:r>
               <a:rPr/>
-              <a:t>“Scripts são dados”.</a:t>
+              <a:t>Idealmente, todos os scripts, pacotes/bibliotecas e dados necessários para outros reproduzirem seus dados.</a:t>
             </a:r>
             <a:r>
               <a:rPr baseline="30000"/>
-              <a:t>227</a:t>
+              <a:t>232</a:t>
             </a:r>
           </a:p>
           <a:p>
             <a:pPr lvl="0"/>
             <a:r>
               <a:rPr/>
-              <a:t>Scripts permitem ao usuário se concentrar nas tarefas mais importantes da computação e utilizar pacotes ou bibliotecas para executar as funções mais básicas com maior eficiência.</a:t>
+              <a:t>Minimamente, partes importantes incluindo implementações de novos algoritmos e dados que permitam reproduzir um resultado importante.</a:t>
             </a:r>
             <a:r>
               <a:rPr baseline="30000"/>
-              <a:t>227</a:t>
-            </a:r>
-          </a:p>
-          <a:p>
-            <a:pPr lvl="0"/>
-            <a:r>
-              <a:rPr/>
-              <a:t>Um script é um arquivo de texto contendo (quase) os mesmos comandos que você digitaria na linha de comando do R. (Quase) refere-se ao fato de que se você estiver usando </a:t>
-            </a:r>
-            <a:r>
-              <a:rPr i="1"/>
-              <a:t>sink()</a:t>
-            </a:r>
-            <a:r>
-              <a:rPr/>
-              <a:t> para enviar a saída para um arquivo, você terá que incluir alguns comandos em </a:t>
-            </a:r>
-            <a:r>
-              <a:rPr i="1"/>
-              <a:t>print()</a:t>
-            </a:r>
-            <a:r>
-              <a:rPr/>
-              <a:t> para obter a mesma saída da linha de comando (</a:t>
-            </a:r>
-            <a:r>
-              <a:rPr>
-                <a:hlinkClick r:id="rId2"/>
-              </a:rPr>
-              <a:t>CRAN</a:t>
-            </a:r>
-            <a:r>
-              <a:rPr/>
-              <a:t>).</a:t>
+              <a:t>232</a:t>
             </a:r>
           </a:p>
           <a:p>
@@ -15009,84 +15078,50 @@
             </a:pPr>
             <a:r>
               <a:rPr b="1"/>
-              <a:t>Quais práticas são recomendadas na redação de scripts?</a:t>
+              <a:t>Como preparar dados para compartilhamento?</a:t>
             </a:r>
           </a:p>
           <a:p>
             <a:pPr lvl="0"/>
             <a:r>
               <a:rPr/>
-              <a:t>Use nomes consistentes para as variáveis.</a:t>
+              <a:t>.[REF]</a:t>
+            </a:r>
+          </a:p>
+          <a:p>
+            <a:pPr lvl="0" indent="0" marL="0">
+              <a:buNone/>
+            </a:pPr>
+          </a:p>
+          <a:p>
+            <a:pPr lvl="0" indent="0" marL="0">
+              <a:buNone/>
+            </a:pPr>
+            <a:r>
+              <a:rPr/>
+              <a:t>O pacote </a:t>
+            </a:r>
+            <a:r>
+              <a:rPr i="1"/>
+              <a:t>synthpop</a:t>
             </a:r>
             <a:r>
               <a:rPr baseline="30000"/>
-              <a:t>234</a:t>
-            </a:r>
-          </a:p>
-          <a:p>
-            <a:pPr lvl="0"/>
-            <a:r>
-              <a:rPr/>
-              <a:t>Defina os tipos de variáveis adequadamente no banco de dados.</a:t>
-            </a:r>
-            <a:r>
-              <a:rPr baseline="30000"/>
-              <a:t>234</a:t>
-            </a:r>
-          </a:p>
-          <a:p>
-            <a:pPr lvl="0"/>
-            <a:r>
-              <a:rPr/>
-              <a:t>Defina constantes - isto é, variáveis de valor fixo - ao invés de digitar valores.</a:t>
-            </a:r>
-            <a:r>
-              <a:rPr baseline="30000"/>
-              <a:t>234</a:t>
-            </a:r>
-          </a:p>
-          <a:p>
-            <a:pPr lvl="0"/>
-            <a:r>
-              <a:rPr/>
-              <a:t>Use e cite os pacotes disponíveis para suas análises.</a:t>
-            </a:r>
-            <a:r>
-              <a:rPr baseline="30000"/>
-              <a:t>234</a:t>
-            </a:r>
-          </a:p>
-          <a:p>
-            <a:pPr lvl="0"/>
-            <a:r>
-              <a:rPr/>
-              <a:t>Controle as versões do script.</a:t>
-            </a:r>
-            <a:r>
-              <a:rPr baseline="30000"/>
-              <a:t>234,235</a:t>
-            </a:r>
-          </a:p>
-          <a:p>
-            <a:pPr lvl="0"/>
-            <a:r>
-              <a:rPr/>
-              <a:t>Teste o script antes de sua utilização.</a:t>
-            </a:r>
-            <a:r>
-              <a:rPr baseline="30000"/>
-              <a:t>234</a:t>
-            </a:r>
-          </a:p>
-          <a:p>
-            <a:pPr lvl="0"/>
-            <a:r>
-              <a:rPr/>
-              <a:t>Conduza revisão por pares do código durante a redação (digitação em dupla).</a:t>
-            </a:r>
-            <a:r>
-              <a:rPr baseline="30000"/>
-              <a:t>234</a:t>
+              <a:t>235</a:t>
+            </a:r>
+            <a:r>
+              <a:rPr/>
+              <a:t> fornece a função </a:t>
+            </a:r>
+            <a:r>
+              <a:rPr i="1">
+                <a:hlinkClick r:id="rId2"/>
+              </a:rPr>
+              <a:t>syn</a:t>
+            </a:r>
+            <a:r>
+              <a:rPr/>
+              <a:t> para criar bancos de dados sintéticos a partir de um banco de dados real.</a:t>
             </a:r>
           </a:p>
           <a:p>
@@ -15132,20 +15167,103 @@
           </a:p>
           <a:p>
             <a:pPr lvl="0" indent="0" marL="0">
-              <a:buNone/>
-            </a:pPr>
-            <a:r>
-              <a:rPr/>
-              <a:t>O pacote </a:t>
-            </a:r>
-            <a:r>
-              <a:rPr i="1"/>
-              <a:t>formatR</a:t>
+              <a:spcBef>
+                <a:spcPts val="3000"/>
+              </a:spcBef>
+              <a:buNone/>
+            </a:pPr>
+            <a:r>
+              <a:rPr b="1"/>
+              <a:t>Como preparar scripts para compartilhamento?</a:t>
+            </a:r>
+          </a:p>
+          <a:p>
+            <a:pPr lvl="0"/>
+            <a:r>
+              <a:rPr/>
+              <a:t>Documente em um arquivo README os arquivos disponíveis e os pré-requisitos necessários para executar o código (ex.: pacotes e respectivas versões). Uma lista de configurações (hardware e software) que foram usadas para rodar o código pode ajudar na reprodução dos resultados.</a:t>
+            </a:r>
+            <a:r>
+              <a:rPr baseline="30000"/>
+              <a:t>26</a:t>
+            </a:r>
+          </a:p>
+          <a:p>
+            <a:pPr lvl="0"/>
+            <a:r>
+              <a:rPr/>
+              <a:t>Crie links persistentes para versões do seu script.</a:t>
+            </a:r>
+            <a:r>
+              <a:rPr baseline="30000"/>
+              <a:t>232</a:t>
+            </a:r>
+          </a:p>
+          <a:p>
+            <a:pPr lvl="0"/>
+            <a:r>
+              <a:rPr/>
+              <a:t>Defina uma semente para o gerador de números aleatórios em scripts com métodos computacionais que dependem da geração de números pseudoaleatórios.</a:t>
+            </a:r>
+            <a:r>
+              <a:rPr baseline="30000"/>
+              <a:t>26</a:t>
+            </a:r>
+          </a:p>
+          <a:p>
+            <a:pPr lvl="0"/>
+            <a:r>
+              <a:rPr/>
+              <a:t>Escolha uma licença apropriada para garantir como outros usarão seus scripts.</a:t>
+            </a:r>
+            <a:r>
+              <a:rPr baseline="30000"/>
+              <a:t>232</a:t>
+            </a:r>
+          </a:p>
+          <a:p>
+            <a:pPr lvl="0"/>
+            <a:r>
+              <a:rPr/>
+              <a:t>Compartilhe todos os pacotes relacionados à sua análise.</a:t>
             </a:r>
             <a:r>
               <a:rPr baseline="30000"/>
               <a:t>237</a:t>
             </a:r>
+          </a:p>
+          <a:p>
+            <a:pPr lvl="0"/>
+            <a:r>
+              <a:rPr/>
+              <a:t>Providencie a documentação sobre seu script (ex.: arquivo README).</a:t>
+            </a:r>
+            <a:r>
+              <a:rPr baseline="30000"/>
+              <a:t>232</a:t>
+            </a:r>
+          </a:p>
+          <a:p>
+            <a:pPr lvl="0" indent="0" marL="0">
+              <a:buNone/>
+            </a:pPr>
+          </a:p>
+          <a:p>
+            <a:pPr lvl="0" indent="0" marL="0">
+              <a:buNone/>
+            </a:pPr>
+            <a:r>
+              <a:rPr/>
+              <a:t>O pacote </a:t>
+            </a:r>
+            <a:r>
+              <a:rPr i="1"/>
+              <a:t>base</a:t>
+            </a:r>
+            <a:r>
+              <a:rPr baseline="30000"/>
+              <a:t>28</a:t>
+            </a:r>
             <a:r>
               <a:rPr/>
               <a:t> fornece a função </a:t>
@@ -15154,11 +15272,83 @@
               <a:rPr i="1">
                 <a:hlinkClick r:id="rId4"/>
               </a:rPr>
-              <a:t>tidy_source</a:t>
-            </a:r>
-            <a:r>
-              <a:rPr/>
-              <a:t> para formatar um R script.</a:t>
+              <a:t>set.seed</a:t>
+            </a:r>
+            <a:r>
+              <a:rPr/>
+              <a:t> para especificar uma semente para reprodutibilidade de computações que envolvem números aleatórios.</a:t>
+            </a:r>
+          </a:p>
+          <a:p>
+            <a:pPr lvl="0" indent="0" marL="0">
+              <a:buNone/>
+            </a:pPr>
+          </a:p>
+          <a:p>
+            <a:pPr lvl="0" indent="0" marL="0">
+              <a:spcBef>
+                <a:spcPts val="3000"/>
+              </a:spcBef>
+              <a:buNone/>
+            </a:pPr>
+            <a:r>
+              <a:rPr b="1"/>
+              <a:t>O que incluir no arquivo README?</a:t>
+            </a:r>
+          </a:p>
+          <a:p>
+            <a:pPr lvl="0"/>
+            <a:r>
+              <a:rPr/>
+              <a:t>Título do manuscrito.</a:t>
+            </a:r>
+            <a:r>
+              <a:rPr baseline="30000"/>
+              <a:t>26</a:t>
+            </a:r>
+          </a:p>
+          <a:p>
+            <a:pPr lvl="0"/>
+            <a:r>
+              <a:rPr/>
+              <a:t>Autores do manuscrito.</a:t>
+            </a:r>
+            <a:r>
+              <a:rPr baseline="30000"/>
+              <a:t>26</a:t>
+            </a:r>
+          </a:p>
+          <a:p>
+            <a:pPr lvl="0"/>
+            <a:r>
+              <a:rPr/>
+              <a:t>Principais responsáveis pela escrita do script e quaisquer outras pessoas que fizeram contribuições substanciais para o desenvolvimento do script.</a:t>
+            </a:r>
+            <a:r>
+              <a:rPr baseline="30000"/>
+              <a:t>26</a:t>
+            </a:r>
+          </a:p>
+          <a:p>
+            <a:pPr lvl="0"/>
+            <a:r>
+              <a:rPr/>
+              <a:t>Endereço de e-mail do autor ou contribuidor a quem devem ser direcionadas dúvidas, comentários, sugestões e bugs sobre o script.</a:t>
+            </a:r>
+            <a:r>
+              <a:rPr baseline="30000"/>
+              <a:t>26</a:t>
+            </a:r>
+          </a:p>
+          <a:p>
+            <a:pPr lvl="0"/>
+            <a:r>
+              <a:rPr/>
+              <a:t>Lista de configurações nas quais o script foi testado, tais com nome e versão do programa, pacotes e plataforma.</a:t>
+            </a:r>
+            <a:r>
+              <a:rPr baseline="30000"/>
+              <a:t>26</a:t>
             </a:r>
           </a:p>
           <a:p>
@@ -15176,7 +15366,7 @@
             </a:r>
             <a:r>
               <a:rPr i="1"/>
-              <a:t>styler</a:t>
+              <a:t>utils</a:t>
             </a:r>
             <a:r>
               <a:rPr baseline="30000"/>
@@ -15190,11 +15380,11 @@
               <a:rPr i="1">
                 <a:hlinkClick r:id="rId5"/>
               </a:rPr>
-              <a:t>style_file</a:t>
-            </a:r>
-            <a:r>
-              <a:rPr/>
-              <a:t> para formatar um R script.</a:t>
+              <a:t>sessionInfo</a:t>
+            </a:r>
+            <a:r>
+              <a:rPr/>
+              <a:t> para descrever as características do programa, pacotes e plataforma da sessão atual.</a:t>
             </a:r>
           </a:p>
           <a:p>
@@ -15257,7 +15447,7 @@
             </a:pPr>
             <a:r>
               <a:rPr/>
-              <a:t>Compartilhamento</a:t>
+              <a:t>Manuscritos reprodutíveis</a:t>
             </a:r>
           </a:p>
         </p:txBody>
@@ -15296,29 +15486,64 @@
             </a:pPr>
             <a:r>
               <a:rPr b="1"/>
-              <a:t>O que pode ser compartilhado?</a:t>
+              <a:t>O que são manuscritos reprodutíveis?</a:t>
             </a:r>
           </a:p>
           <a:p>
             <a:pPr lvl="0"/>
             <a:r>
               <a:rPr/>
-              <a:t>Idealmente, todos os scripts, pacotes/bibliotecas e dados necessários para outros reproduzirem seus dados.</a:t>
+              <a:t>Manuscritos reprodutíveis - manuscritos executáveis ou relatórios dinâmicos - permitem a produção de um manuscrito completo a partir da integração do banco de dados da(s) amostra(s), do(s) script(s) de análise estatística (incluindo comentários para sua interpretação), dos pacotes ou bibliotecas utilizados, das fontes e referências bibliográficas citadas, além dos demais elementos textuais (tabelas, gráficos) - todos gerados dinamicamente.</a:t>
             </a:r>
             <a:r>
               <a:rPr baseline="30000"/>
-              <a:t>235</a:t>
+              <a:t>230</a:t>
             </a:r>
           </a:p>
           <a:p>
             <a:pPr lvl="0"/>
             <a:r>
               <a:rPr/>
-              <a:t>Minimamente, partes importantes incluindo implementações de novos algoritmos e dados que permitam reproduzir um resultado importante.</a:t>
+              <a:t>O trabalho com RMarkdown</a:t>
             </a:r>
             <a:r>
               <a:rPr baseline="30000"/>
-              <a:t>235</a:t>
+              <a:t>239</a:t>
+            </a:r>
+            <a:r>
+              <a:rPr/>
+              <a:t> permite um fluxo de dados totalmente transparente, desde o conjunto de dados coletados até o manuscrito finalizado. Todos os aspectos do fluxo de dados podem ser incorporados em blocos de R script (</a:t>
+            </a:r>
+            <a:r>
+              <a:rPr i="1"/>
+              <a:t>chunk</a:t>
+            </a:r>
+            <a:r>
+              <a:rPr/>
+              <a:t>), exibindo tanto o R script quando o respectivo texto, tabelas e figuras formatadas no estilo científico de interesse.</a:t>
+            </a:r>
+            <a:r>
+              <a:rPr baseline="30000"/>
+              <a:t>240</a:t>
+            </a:r>
+          </a:p>
+          <a:p>
+            <a:pPr lvl="0"/>
+            <a:r>
+              <a:rPr/>
+              <a:t>O RMarkdown</a:t>
+            </a:r>
+            <a:r>
+              <a:rPr baseline="30000"/>
+              <a:t>239</a:t>
+            </a:r>
+            <a:r>
+              <a:rPr/>
+              <a:t> foi projetado especificamente para relatórios dinâmicos onde a análise é realizada em R e oferece uma flexibilidade incrível por meio de uma linguagem de marcação.</a:t>
+            </a:r>
+            <a:r>
+              <a:rPr baseline="30000"/>
+              <a:t>27</a:t>
             </a:r>
           </a:p>
           <a:p>
@@ -15335,14 +15560,29 @@
             </a:pPr>
             <a:r>
               <a:rPr b="1"/>
-              <a:t>Como preparar dados para compartilhamento?</a:t>
+              <a:t>Por que usar manuscritos reprodutíveis?</a:t>
             </a:r>
           </a:p>
           <a:p>
             <a:pPr lvl="0"/>
             <a:r>
               <a:rPr/>
-              <a:t>.[REF]</a:t>
+              <a:t>No processo tradicional de redação científica há muitas etapas de copiar e colar não reproduzíveis envolvidas. Documentos dinâmicos combinam uma ferramenta de processamento de texto com o R script que produz o texto/tabela/figura a ser incorporado no manuscrito.</a:t>
+            </a:r>
+            <a:r>
+              <a:rPr baseline="30000"/>
+              <a:t>27</a:t>
+            </a:r>
+          </a:p>
+          <a:p>
+            <a:pPr lvl="0"/>
+            <a:r>
+              <a:rPr/>
+              <a:t>Ao trabalhar com relatórios dinâmicos, é possível extrair o mesmo script usado para análise estatística. Os documentos podem ser compilados em vários formatos de saída e salvos como DOCX, PPTX e PDF.</a:t>
+            </a:r>
+            <a:r>
+              <a:rPr baseline="30000"/>
+              <a:t>27</a:t>
             </a:r>
           </a:p>
           <a:p>
@@ -15360,25 +15600,91 @@
             </a:r>
             <a:r>
               <a:rPr i="1"/>
-              <a:t>synthpop</a:t>
+              <a:t>officedown</a:t>
             </a:r>
             <a:r>
               <a:rPr baseline="30000"/>
-              <a:t>239</a:t>
-            </a:r>
-            <a:r>
-              <a:rPr/>
-              <a:t> fornece a função </a:t>
+              <a:t>241</a:t>
+            </a:r>
+            <a:r>
+              <a:rPr/>
+              <a:t> fornece as funções </a:t>
             </a:r>
             <a:r>
               <a:rPr i="1">
                 <a:hlinkClick r:id="rId2"/>
               </a:rPr>
-              <a:t>syn</a:t>
-            </a:r>
-            <a:r>
-              <a:rPr/>
-              <a:t> para criar bancos de dados sintéticos a partir de um banco de dados real.</a:t>
+              <a:t>rdocx_document</a:t>
+            </a:r>
+            <a:r>
+              <a:rPr/>
+              <a:t> e </a:t>
+            </a:r>
+            <a:r>
+              <a:rPr i="1">
+                <a:hlinkClick r:id="rId3"/>
+              </a:rPr>
+              <a:t>rpptx_document</a:t>
+            </a:r>
+            <a:r>
+              <a:rPr/>
+              <a:t> para criar arquivos DOCX e PPTX, respectivamente, com o conteúdo criado no manuscrito reprodutível.</a:t>
+            </a:r>
+          </a:p>
+          <a:p>
+            <a:pPr lvl="0" indent="0" marL="0">
+              <a:buNone/>
+            </a:pPr>
+          </a:p>
+          <a:p>
+            <a:pPr lvl="0" indent="0" marL="0">
+              <a:buNone/>
+            </a:pPr>
+            <a:r>
+              <a:rPr/>
+              <a:t>O pacote </a:t>
+            </a:r>
+            <a:r>
+              <a:rPr i="1"/>
+              <a:t>bookdown</a:t>
+            </a:r>
+            <a:r>
+              <a:rPr baseline="30000"/>
+              <a:t>242</a:t>
+            </a:r>
+            <a:r>
+              <a:rPr/>
+              <a:t> fornece as funções </a:t>
+            </a:r>
+            <a:r>
+              <a:rPr i="1">
+                <a:hlinkClick r:id="rId4"/>
+              </a:rPr>
+              <a:t>pdf_book</a:t>
+            </a:r>
+            <a:r>
+              <a:rPr/>
+              <a:t>, </a:t>
+            </a:r>
+            <a:r>
+              <a:rPr i="1">
+                <a:hlinkClick r:id="rId5"/>
+              </a:rPr>
+              <a:t>bs4_book</a:t>
+            </a:r>
+            <a:r>
+              <a:rPr/>
+              <a:t> e </a:t>
+            </a:r>
+            <a:r>
+              <a:rPr i="1">
+                <a:hlinkClick r:id="rId6"/>
+              </a:rPr>
+              <a:t>epub_book</a:t>
+            </a:r>
+            <a:r>
+              <a:rPr/>
+              <a:t> para criar arquivos PDF, HTML e EPUB, respectivamente, com o conteúdo criado no manuscrito reprodutível.</a:t>
             </a:r>
           </a:p>
           <a:p>
@@ -15395,95 +15701,40 @@
             </a:pPr>
             <a:r>
               <a:rPr b="1"/>
-              <a:t>Como preparar scripts para compartilhamento?</a:t>
+              <a:t>Como manuscritos reprodutíveis contribuem para a ciência?</a:t>
             </a:r>
           </a:p>
           <a:p>
             <a:pPr lvl="0"/>
             <a:r>
               <a:rPr/>
-              <a:t>Documente em um arquivo README os arquivos disponíveis e os pré-requisitos necessários para executar o código (ex.: pacotes e respectivas versões). Uma lista de configurações (hardware e software) que foram usadas para rodar o código pode ajudar na reprodução dos resultados.</a:t>
+              <a:t>O compartilhamento de bancos de dados e seus scripts de análise estatística permitem a adoção de práticas reprodutíveis, tais como a reanálise dos dados.</a:t>
             </a:r>
             <a:r>
               <a:rPr baseline="30000"/>
-              <a:t>26</a:t>
-            </a:r>
-          </a:p>
-          <a:p>
-            <a:pPr lvl="0"/>
-            <a:r>
-              <a:rPr/>
-              <a:t>Crie links persistentes para versões do seu script.</a:t>
+              <a:t>243</a:t>
+            </a:r>
+          </a:p>
+          <a:p>
+            <a:pPr lvl="0" indent="0" marL="0">
+              <a:buNone/>
+            </a:pPr>
+          </a:p>
+          <a:p>
+            <a:pPr lvl="0" indent="0" marL="0">
+              <a:buNone/>
+            </a:pPr>
+            <a:r>
+              <a:rPr/>
+              <a:t>O pacote </a:t>
+            </a:r>
+            <a:r>
+              <a:rPr i="1"/>
+              <a:t>projects</a:t>
             </a:r>
             <a:r>
               <a:rPr baseline="30000"/>
-              <a:t>235</a:t>
-            </a:r>
-          </a:p>
-          <a:p>
-            <a:pPr lvl="0"/>
-            <a:r>
-              <a:rPr/>
-              <a:t>Defina uma semente para o gerador de números aleatórios em scripts com métodos computacionais que dependem da geração de números pseudoaleatórios.</a:t>
-            </a:r>
-            <a:r>
-              <a:rPr baseline="30000"/>
-              <a:t>26</a:t>
-            </a:r>
-          </a:p>
-          <a:p>
-            <a:pPr lvl="0"/>
-            <a:r>
-              <a:rPr/>
-              <a:t>Escolha uma licença apropriada para garantir como outros usarão seus scripts.</a:t>
-            </a:r>
-            <a:r>
-              <a:rPr baseline="30000"/>
-              <a:t>235</a:t>
-            </a:r>
-          </a:p>
-          <a:p>
-            <a:pPr lvl="0"/>
-            <a:r>
-              <a:rPr/>
-              <a:t>Compartilhe todos os pacotes relacionados à sua análise.</a:t>
-            </a:r>
-            <a:r>
-              <a:rPr baseline="30000"/>
-              <a:t>240</a:t>
-            </a:r>
-          </a:p>
-          <a:p>
-            <a:pPr lvl="0"/>
-            <a:r>
-              <a:rPr/>
-              <a:t>Providencie a documentação sobre seu script (ex.: arquivo README).</a:t>
-            </a:r>
-            <a:r>
-              <a:rPr baseline="30000"/>
-              <a:t>235</a:t>
-            </a:r>
-          </a:p>
-          <a:p>
-            <a:pPr lvl="0" indent="0" marL="0">
-              <a:buNone/>
-            </a:pPr>
-          </a:p>
-          <a:p>
-            <a:pPr lvl="0" indent="0" marL="0">
-              <a:buNone/>
-            </a:pPr>
-            <a:r>
-              <a:rPr/>
-              <a:t>O pacote </a:t>
-            </a:r>
-            <a:r>
-              <a:rPr i="1"/>
-              <a:t>base</a:t>
-            </a:r>
-            <a:r>
-              <a:rPr baseline="30000"/>
-              <a:t>28</a:t>
+              <a:t>244</a:t>
             </a:r>
             <a:r>
               <a:rPr/>
@@ -15491,13 +15742,13 @@
             </a:r>
             <a:r>
               <a:rPr i="1">
-                <a:hlinkClick r:id="rId3"/>
-              </a:rPr>
-              <a:t>set.seed</a:t>
-            </a:r>
-            <a:r>
-              <a:rPr/>
-              <a:t> para especificar uma semente para reprodutibilidade de computações que envolvem números aleatórios.</a:t>
+                <a:hlinkClick r:id="rId7"/>
+              </a:rPr>
+              <a:t>setup_projects</a:t>
+            </a:r>
+            <a:r>
+              <a:rPr/>
+              <a:t> para criar um projeto com arquivos organizados em diretórios.</a:t>
             </a:r>
           </a:p>
           <a:p>
@@ -15514,84 +15765,92 @@
             </a:pPr>
             <a:r>
               <a:rPr b="1"/>
-              <a:t>O que incluir no arquivo README?</a:t>
-            </a:r>
-          </a:p>
-          <a:p>
-            <a:pPr lvl="0"/>
-            <a:r>
-              <a:rPr/>
-              <a:t>Título do manuscrito.</a:t>
+              <a:t>Como exportar tabelas em formato DOCX?</a:t>
+            </a:r>
+          </a:p>
+          <a:p>
+            <a:pPr lvl="0" indent="0" marL="0">
+              <a:buNone/>
+            </a:pPr>
+          </a:p>
+          <a:p>
+            <a:pPr lvl="0" indent="0" marL="0">
+              <a:buNone/>
+            </a:pPr>
+            <a:r>
+              <a:rPr/>
+              <a:t>O pacote </a:t>
+            </a:r>
+            <a:r>
+              <a:rPr i="1"/>
+              <a:t>table1</a:t>
             </a:r>
             <a:r>
               <a:rPr baseline="30000"/>
-              <a:t>26</a:t>
-            </a:r>
-          </a:p>
-          <a:p>
-            <a:pPr lvl="0"/>
-            <a:r>
-              <a:rPr/>
-              <a:t>Autores do manuscrito.</a:t>
+              <a:t>245</a:t>
+            </a:r>
+            <a:r>
+              <a:rPr/>
+              <a:t> fornece as funções </a:t>
+            </a:r>
+            <a:r>
+              <a:rPr i="1">
+                <a:hlinkClick r:id="rId8"/>
+              </a:rPr>
+              <a:t>as_flextable</a:t>
+            </a:r>
+            <a:r>
+              <a:rPr/>
+              <a:t> e </a:t>
+            </a:r>
+            <a:r>
+              <a:rPr i="1">
+                <a:hlinkClick r:id="rId9"/>
+              </a:rPr>
+              <a:t>save_as_docx</a:t>
+            </a:r>
+            <a:r>
+              <a:rPr/>
+              <a:t> para salvar tabelas em formato DOCX.</a:t>
+            </a:r>
+          </a:p>
+          <a:p>
+            <a:pPr lvl="0" indent="0" marL="0">
+              <a:buNone/>
+            </a:pPr>
+          </a:p>
+          <a:p>
+            <a:pPr lvl="0" indent="0" marL="0">
+              <a:spcBef>
+                <a:spcPts val="3000"/>
+              </a:spcBef>
+              <a:buNone/>
+            </a:pPr>
+            <a:r>
+              <a:rPr b="1"/>
+              <a:t>Como exportar figuras em formato TIFF?</a:t>
+            </a:r>
+          </a:p>
+          <a:p>
+            <a:pPr lvl="0" indent="0" marL="0">
+              <a:buNone/>
+            </a:pPr>
+          </a:p>
+          <a:p>
+            <a:pPr lvl="0" indent="0" marL="0">
+              <a:buNone/>
+            </a:pPr>
+            <a:r>
+              <a:rPr/>
+              <a:t>O pacote </a:t>
+            </a:r>
+            <a:r>
+              <a:rPr i="1"/>
+              <a:t>tiff</a:t>
             </a:r>
             <a:r>
               <a:rPr baseline="30000"/>
-              <a:t>26</a:t>
-            </a:r>
-          </a:p>
-          <a:p>
-            <a:pPr lvl="0"/>
-            <a:r>
-              <a:rPr/>
-              <a:t>Principais responsáveis pela escrita do script e quaisquer outras pessoas que fizeram contribuições substanciais para o desenvolvimento do script.</a:t>
-            </a:r>
-            <a:r>
-              <a:rPr baseline="30000"/>
-              <a:t>26</a:t>
-            </a:r>
-          </a:p>
-          <a:p>
-            <a:pPr lvl="0"/>
-            <a:r>
-              <a:rPr/>
-              <a:t>Endereço de e-mail do autor ou contribuidor a quem devem ser direcionadas dúvidas, comentários, sugestões e bugs sobre o script.</a:t>
-            </a:r>
-            <a:r>
-              <a:rPr baseline="30000"/>
-              <a:t>26</a:t>
-            </a:r>
-          </a:p>
-          <a:p>
-            <a:pPr lvl="0"/>
-            <a:r>
-              <a:rPr/>
-              <a:t>Lista de configurações nas quais o script foi testado, tais com nome e versão do programa, pacotes e plataforma.</a:t>
-            </a:r>
-            <a:r>
-              <a:rPr baseline="30000"/>
-              <a:t>26</a:t>
-            </a:r>
-          </a:p>
-          <a:p>
-            <a:pPr lvl="0" indent="0" marL="0">
-              <a:buNone/>
-            </a:pPr>
-          </a:p>
-          <a:p>
-            <a:pPr lvl="0" indent="0" marL="0">
-              <a:buNone/>
-            </a:pPr>
-            <a:r>
-              <a:rPr/>
-              <a:t>O pacote </a:t>
-            </a:r>
-            <a:r>
-              <a:rPr i="1"/>
-              <a:t>utils</a:t>
-            </a:r>
-            <a:r>
-              <a:rPr baseline="30000"/>
-              <a:t>241</a:t>
+              <a:t>246</a:t>
             </a:r>
             <a:r>
               <a:rPr/>
@@ -15599,13 +15858,13 @@
             </a:r>
             <a:r>
               <a:rPr i="1">
-                <a:hlinkClick r:id="rId4"/>
-              </a:rPr>
-              <a:t>sessionInfo</a:t>
-            </a:r>
-            <a:r>
-              <a:rPr/>
-              <a:t> para descrever as características do programa, pacotes e plataforma da sessão atual.</a:t>
+                <a:hlinkClick r:id="rId10"/>
+              </a:rPr>
+              <a:t>writeTIFF</a:t>
+            </a:r>
+            <a:r>
+              <a:rPr/>
+              <a:t> para exportar gráficos em formato TIFF.</a:t>
             </a:r>
           </a:p>
           <a:p>
@@ -15621,6 +15880,64 @@
 </file>
 
 <file path=ppt/slides/slide157.xml><?xml version="1.0" encoding="utf-8"?>
+<p:sld xmlns:a="http://schemas.openxmlformats.org/drawingml/2006/main" xmlns:r="http://schemas.openxmlformats.org/officeDocument/2006/relationships" xmlns:p="http://schemas.openxmlformats.org/presentationml/2006/main">
+  <p:cSld>
+    <p:spTree>
+      <p:nvGrpSpPr>
+        <p:cNvPr id="1" name=""/>
+        <p:cNvGrpSpPr/>
+        <p:nvPr/>
+      </p:nvGrpSpPr>
+      <p:grpSpPr>
+        <a:xfrm>
+          <a:off x="0" y="0"/>
+          <a:ext cx="0" cy="0"/>
+          <a:chOff x="0" y="0"/>
+          <a:chExt cx="0" cy="0"/>
+        </a:xfrm>
+      </p:grpSpPr>
+      <p:sp>
+        <p:nvSpPr>
+          <p:cNvPr id="2" name="Title 1">
+            <a:extLst>
+              <a:ext uri="{FF2B5EF4-FFF2-40B4-BE49-F238E27FC236}">
+                <a16:creationId xmlns:a16="http://schemas.microsoft.com/office/drawing/2014/main" id="{28A92D45-5BAF-634B-BB37-8481089F9E28}"/>
+              </a:ext>
+            </a:extLst>
+          </p:cNvPr>
+          <p:cNvSpPr>
+            <a:spLocks noGrp="1"/>
+          </p:cNvSpPr>
+          <p:nvPr>
+            <p:ph type="title"/>
+          </p:nvPr>
+        </p:nvSpPr>
+        <p:spPr>
+          <a:xfrm>
+            <a:off x="831850" y="1709738"/>
+            <a:ext cx="10515600" cy="2852737"/>
+          </a:xfrm>
+        </p:spPr>
+        <p:txBody>
+          <a:bodyPr/>
+          <a:lstStyle/>
+          <a:p>
+            <a:pPr lvl="0" indent="0" marL="0">
+              <a:buNone/>
+            </a:pPr>
+            <a:r>
+              <a:rPr b="1"/>
+              <a:t>Testes estatísticos</a:t>
+            </a:r>
+          </a:p>
+        </p:txBody>
+      </p:sp>
+    </p:spTree>
+  </p:cSld>
+</p:sld>
+</file>
+
+<file path=ppt/slides/slide158.xml><?xml version="1.0" encoding="utf-8"?>
 <p:sld xmlns:a="http://schemas.openxmlformats.org/drawingml/2006/main" xmlns:r="http://schemas.openxmlformats.org/officeDocument/2006/relationships" xmlns:p="http://schemas.openxmlformats.org/presentationml/2006/main">
   <p:cSld>
     <p:spTree>
@@ -15668,7 +15985,7 @@
             </a:pPr>
             <a:r>
               <a:rPr/>
-              <a:t>Exportando elementos</a:t>
+              <a:t>Scripts compartilhados</a:t>
             </a:r>
           </a:p>
         </p:txBody>
@@ -15700,6 +16017,11 @@
           </a:p>
           <a:p>
             <a:pPr lvl="0" indent="0" marL="0">
+              <a:buNone/>
+            </a:pPr>
+          </a:p>
+          <a:p>
+            <a:pPr lvl="0" indent="0" marL="0">
               <a:spcBef>
                 <a:spcPts val="3000"/>
               </a:spcBef>
@@ -15707,54 +16029,27 @@
             </a:pPr>
             <a:r>
               <a:rPr b="1"/>
-              <a:t>Como exportar tabelas em formato DOCX?</a:t>
-            </a:r>
-          </a:p>
-          <a:p>
-            <a:pPr lvl="0" indent="0" marL="0">
-              <a:buNone/>
-            </a:pPr>
-          </a:p>
-          <a:p>
-            <a:pPr lvl="0" indent="0" marL="0">
-              <a:buNone/>
-            </a:pPr>
-            <a:r>
-              <a:rPr/>
-              <a:t>O pacote </a:t>
-            </a:r>
-            <a:r>
-              <a:rPr i="1"/>
-              <a:t>table1</a:t>
-            </a:r>
-            <a:r>
-              <a:rPr baseline="30000"/>
-              <a:t>242</a:t>
-            </a:r>
-            <a:r>
-              <a:rPr/>
-              <a:t> fornece as funções </a:t>
-            </a:r>
-            <a:r>
-              <a:rPr i="1">
+              <a:t>Concordancia e Confiabilidade</a:t>
+            </a:r>
+          </a:p>
+          <a:p>
+            <a:pPr lvl="0" indent="0" marL="0">
+              <a:buNone/>
+            </a:pPr>
+          </a:p>
+          <a:p>
+            <a:pPr lvl="0"/>
+            <a:r>
+              <a:rPr>
                 <a:hlinkClick r:id="rId2"/>
               </a:rPr>
-              <a:t>as_flextable</a:t>
-            </a:r>
-            <a:r>
-              <a:rPr/>
-              <a:t> e </a:t>
-            </a:r>
-            <a:r>
-              <a:rPr i="1">
-                <a:hlinkClick r:id="rId3"/>
-              </a:rPr>
-              <a:t>save_as_docx</a:t>
-            </a:r>
-            <a:r>
-              <a:rPr/>
-              <a:t> para salvar tabelas em formato DOCX.</a:t>
-            </a:r>
+              <a:t>reliability-kappa-icc.R</a:t>
+            </a:r>
+          </a:p>
+          <a:p>
+            <a:pPr lvl="0" indent="0" marL="0">
+              <a:buNone/>
+            </a:pPr>
           </a:p>
           <a:p>
             <a:pPr lvl="0" indent="0" marL="0">
@@ -15770,8 +16065,279 @@
             </a:pPr>
             <a:r>
               <a:rPr b="1"/>
-              <a:t>Como exportar figuras em formato TIFF?</a:t>
-            </a:r>
+              <a:t>Descricao</a:t>
+            </a:r>
+          </a:p>
+          <a:p>
+            <a:pPr lvl="0" indent="0" marL="0">
+              <a:buNone/>
+            </a:pPr>
+          </a:p>
+          <a:p>
+            <a:pPr lvl="0"/>
+            <a:r>
+              <a:rPr>
+                <a:hlinkClick r:id="rId3"/>
+              </a:rPr>
+              <a:t>extracolumn-es.R</a:t>
+            </a:r>
+          </a:p>
+          <a:p>
+            <a:pPr lvl="0"/>
+            <a:r>
+              <a:rPr>
+                <a:hlinkClick r:id="rId4"/>
+              </a:rPr>
+              <a:t>extracolumn-N.R</a:t>
+            </a:r>
+          </a:p>
+          <a:p>
+            <a:pPr lvl="0"/>
+            <a:r>
+              <a:rPr>
+                <a:hlinkClick r:id="rId5"/>
+              </a:rPr>
+              <a:t>extracolumn-p.R</a:t>
+            </a:r>
+          </a:p>
+          <a:p>
+            <a:pPr lvl="0"/>
+            <a:r>
+              <a:rPr>
+                <a:hlinkClick r:id="rId6"/>
+              </a:rPr>
+              <a:t>pilotdata_gopal.R</a:t>
+            </a:r>
+          </a:p>
+          <a:p>
+            <a:pPr lvl="0" indent="0" marL="0">
+              <a:buNone/>
+            </a:pPr>
+          </a:p>
+          <a:p>
+            <a:pPr lvl="0" indent="0" marL="0">
+              <a:buNone/>
+            </a:pPr>
+          </a:p>
+          <a:p>
+            <a:pPr lvl="0" indent="0" marL="0">
+              <a:spcBef>
+                <a:spcPts val="3000"/>
+              </a:spcBef>
+              <a:buNone/>
+            </a:pPr>
+            <a:r>
+              <a:rPr b="1"/>
+              <a:t>Desempenho diagnostico</a:t>
+            </a:r>
+          </a:p>
+          <a:p>
+            <a:pPr lvl="0" indent="0" marL="0">
+              <a:buNone/>
+            </a:pPr>
+          </a:p>
+          <a:p>
+            <a:pPr lvl="0"/>
+            <a:r>
+              <a:rPr>
+                <a:hlinkClick r:id="rId7"/>
+              </a:rPr>
+              <a:t>diag-stats.R</a:t>
+            </a:r>
+          </a:p>
+          <a:p>
+            <a:pPr lvl="0"/>
+            <a:r>
+              <a:rPr>
+                <a:hlinkClick r:id="rId8"/>
+              </a:rPr>
+              <a:t>dtROC.R</a:t>
+            </a:r>
+          </a:p>
+          <a:p>
+            <a:pPr lvl="0"/>
+            <a:r>
+              <a:rPr>
+                <a:hlinkClick r:id="rId9"/>
+              </a:rPr>
+              <a:t>stROC.R</a:t>
+            </a:r>
+          </a:p>
+          <a:p>
+            <a:pPr lvl="0" indent="0" marL="0">
+              <a:buNone/>
+            </a:pPr>
+          </a:p>
+          <a:p>
+            <a:pPr lvl="0" indent="0" marL="0">
+              <a:buNone/>
+            </a:pPr>
+          </a:p>
+          <a:p>
+            <a:pPr lvl="0" indent="0" marL="0">
+              <a:spcBef>
+                <a:spcPts val="3000"/>
+              </a:spcBef>
+              <a:buNone/>
+            </a:pPr>
+            <a:r>
+              <a:rPr b="1"/>
+              <a:t>Ensaio clinico aleatorizado</a:t>
+            </a:r>
+          </a:p>
+          <a:p>
+            <a:pPr lvl="0" indent="0" marL="0">
+              <a:buNone/>
+            </a:pPr>
+          </a:p>
+          <a:p>
+            <a:pPr lvl="0"/>
+            <a:r>
+              <a:rPr>
+                <a:hlinkClick r:id="rId10"/>
+              </a:rPr>
+              <a:t>RCT-Figure1.R</a:t>
+            </a:r>
+          </a:p>
+          <a:p>
+            <a:pPr lvl="0"/>
+            <a:r>
+              <a:rPr>
+                <a:hlinkClick r:id="rId11"/>
+              </a:rPr>
+              <a:t>RCT-Missingness.R</a:t>
+            </a:r>
+          </a:p>
+          <a:p>
+            <a:pPr lvl="0"/>
+            <a:r>
+              <a:rPr>
+                <a:hlinkClick r:id="rId12"/>
+              </a:rPr>
+              <a:t>RCT-Table1.R</a:t>
+            </a:r>
+          </a:p>
+          <a:p>
+            <a:pPr lvl="0"/>
+            <a:r>
+              <a:rPr>
+                <a:hlinkClick r:id="rId13"/>
+              </a:rPr>
+              <a:t>RCT-Table2a.R</a:t>
+            </a:r>
+          </a:p>
+          <a:p>
+            <a:pPr lvl="0"/>
+            <a:r>
+              <a:rPr>
+                <a:hlinkClick r:id="rId14"/>
+              </a:rPr>
+              <a:t>RCT-Table2b.R</a:t>
+            </a:r>
+          </a:p>
+          <a:p>
+            <a:pPr lvl="0"/>
+            <a:r>
+              <a:rPr>
+                <a:hlinkClick r:id="rId15"/>
+              </a:rPr>
+              <a:t>RCT-Table3.R</a:t>
+            </a:r>
+          </a:p>
+          <a:p>
+            <a:pPr lvl="0" indent="0" marL="0">
+              <a:buNone/>
+            </a:pPr>
+          </a:p>
+          <a:p>
+            <a:pPr lvl="0" indent="0" marL="0">
+              <a:buNone/>
+            </a:pPr>
+          </a:p>
+          <a:p>
+            <a:pPr lvl="0" indent="0" marL="0">
+              <a:spcBef>
+                <a:spcPts val="3000"/>
+              </a:spcBef>
+              <a:buNone/>
+            </a:pPr>
+            <a:r>
+              <a:rPr b="1"/>
+              <a:t>Ensaio cruzado</a:t>
+            </a:r>
+          </a:p>
+          <a:p>
+            <a:pPr lvl="0" indent="0" marL="0">
+              <a:buNone/>
+            </a:pPr>
+          </a:p>
+          <a:p>
+            <a:pPr lvl="0"/>
+            <a:r>
+              <a:rPr>
+                <a:hlinkClick r:id="rId16"/>
+              </a:rPr>
+              <a:t>crossover.R</a:t>
+            </a:r>
+          </a:p>
+          <a:p>
+            <a:pPr lvl="0"/>
+            <a:r>
+              <a:rPr>
+                <a:hlinkClick r:id="rId17"/>
+              </a:rPr>
+              <a:t>RSTR-crossover-trial.R</a:t>
+            </a:r>
+          </a:p>
+          <a:p>
+            <a:pPr lvl="0" indent="0" marL="0">
+              <a:buNone/>
+            </a:pPr>
+          </a:p>
+          <a:p>
+            <a:pPr lvl="0" indent="0" marL="0">
+              <a:buNone/>
+            </a:pPr>
+          </a:p>
+          <a:p>
+            <a:pPr lvl="0" indent="0" marL="0">
+              <a:spcBef>
+                <a:spcPts val="3000"/>
+              </a:spcBef>
+              <a:buNone/>
+            </a:pPr>
+            <a:r>
+              <a:rPr b="1"/>
+              <a:t>Regressao</a:t>
+            </a:r>
+          </a:p>
+          <a:p>
+            <a:pPr lvl="0" indent="0" marL="0">
+              <a:buNone/>
+            </a:pPr>
+          </a:p>
+          <a:p>
+            <a:pPr lvl="0"/>
+            <a:r>
+              <a:rPr>
+                <a:hlinkClick r:id="rId18"/>
+              </a:rPr>
+              <a:t>mediation-analysis.R</a:t>
+            </a:r>
+          </a:p>
+          <a:p>
+            <a:pPr lvl="0"/>
+            <a:r>
+              <a:rPr>
+                <a:hlinkClick r:id="rId19"/>
+              </a:rPr>
+              <a:t>regression-diagnosis.R</a:t>
+            </a:r>
+          </a:p>
+          <a:p>
+            <a:pPr lvl="0" indent="0" marL="0">
+              <a:buNone/>
+            </a:pPr>
           </a:p>
           <a:p>
             <a:pPr lvl="0" indent="0" marL="0">
@@ -15788,11 +16354,11 @@
             </a:r>
             <a:r>
               <a:rPr i="1"/>
-              <a:t>tiff</a:t>
+              <a:t>base</a:t>
             </a:r>
             <a:r>
               <a:rPr baseline="30000"/>
-              <a:t>243</a:t>
+              <a:t>34</a:t>
             </a:r>
             <a:r>
               <a:rPr/>
@@ -15800,13 +16366,13 @@
             </a:r>
             <a:r>
               <a:rPr i="1">
-                <a:hlinkClick r:id="rId4"/>
-              </a:rPr>
-              <a:t>writeTIFF</a:t>
-            </a:r>
-            <a:r>
-              <a:rPr/>
-              <a:t> para exportar gráficos em formato TIFF.</a:t>
+                <a:hlinkClick r:id="rId20"/>
+              </a:rPr>
+              <a:t>source</a:t>
+            </a:r>
+            <a:r>
+              <a:rPr/>
+              <a:t> para abrir um arquivo .R com script e executar seus comandos.</a:t>
             </a:r>
           </a:p>
           <a:p>
@@ -15821,672 +16387,7 @@
 </p:sld>
 </file>
 
-<file path=ppt/slides/slide158.xml><?xml version="1.0" encoding="utf-8"?>
-<p:sld xmlns:a="http://schemas.openxmlformats.org/drawingml/2006/main" xmlns:r="http://schemas.openxmlformats.org/officeDocument/2006/relationships" xmlns:p="http://schemas.openxmlformats.org/presentationml/2006/main">
-  <p:cSld>
-    <p:spTree>
-      <p:nvGrpSpPr>
-        <p:cNvPr id="1" name=""/>
-        <p:cNvGrpSpPr/>
-        <p:nvPr/>
-      </p:nvGrpSpPr>
-      <p:grpSpPr>
-        <a:xfrm>
-          <a:off x="0" y="0"/>
-          <a:ext cx="0" cy="0"/>
-          <a:chOff x="0" y="0"/>
-          <a:chExt cx="0" cy="0"/>
-        </a:xfrm>
-      </p:grpSpPr>
-      <p:sp>
-        <p:nvSpPr>
-          <p:cNvPr id="2" name="Title 1">
-            <a:extLst>
-              <a:ext uri="{FF2B5EF4-FFF2-40B4-BE49-F238E27FC236}">
-                <a16:creationId xmlns:a16="http://schemas.microsoft.com/office/drawing/2014/main" id="{28A92D45-5BAF-634B-BB37-8481089F9E28}"/>
-              </a:ext>
-            </a:extLst>
-          </p:cNvPr>
-          <p:cNvSpPr>
-            <a:spLocks noGrp="1"/>
-          </p:cNvSpPr>
-          <p:nvPr>
-            <p:ph type="title"/>
-          </p:nvPr>
-        </p:nvSpPr>
-        <p:spPr>
-          <a:xfrm>
-            <a:off x="831850" y="1709738"/>
-            <a:ext cx="10515600" cy="2852737"/>
-          </a:xfrm>
-        </p:spPr>
-        <p:txBody>
-          <a:bodyPr/>
-          <a:lstStyle/>
-          <a:p>
-            <a:pPr lvl="0" indent="0" marL="0">
-              <a:buNone/>
-            </a:pPr>
-            <a:r>
-              <a:rPr b="1"/>
-              <a:t>Computação estatística</a:t>
-            </a:r>
-          </a:p>
-        </p:txBody>
-      </p:sp>
-    </p:spTree>
-  </p:cSld>
-</p:sld>
-</file>
-
-<file path=ppt/slides/slide159.xml><?xml version="1.0" encoding="utf-8"?>
-<p:sld xmlns:a="http://schemas.openxmlformats.org/drawingml/2006/main" xmlns:r="http://schemas.openxmlformats.org/officeDocument/2006/relationships" xmlns:p="http://schemas.openxmlformats.org/presentationml/2006/main">
-  <p:cSld>
-    <p:spTree>
-      <p:nvGrpSpPr>
-        <p:cNvPr id="1" name=""/>
-        <p:cNvGrpSpPr/>
-        <p:nvPr/>
-      </p:nvGrpSpPr>
-      <p:grpSpPr>
-        <a:xfrm>
-          <a:off x="0" y="0"/>
-          <a:ext cx="0" cy="0"/>
-          <a:chOff x="0" y="0"/>
-          <a:chExt cx="0" cy="0"/>
-        </a:xfrm>
-      </p:grpSpPr>
-      <p:sp>
-        <p:nvSpPr>
-          <p:cNvPr id="2" name="Title 1">
-            <a:extLst>
-              <a:ext uri="{FF2B5EF4-FFF2-40B4-BE49-F238E27FC236}">
-                <a16:creationId xmlns:a16="http://schemas.microsoft.com/office/drawing/2014/main" id="{0277F749-6ED4-3E49-963A-830033252F78}"/>
-              </a:ext>
-            </a:extLst>
-          </p:cNvPr>
-          <p:cNvSpPr>
-            <a:spLocks noGrp="1"/>
-          </p:cNvSpPr>
-          <p:nvPr>
-            <p:ph type="title"/>
-          </p:nvPr>
-        </p:nvSpPr>
-        <p:spPr>
-          <a:xfrm>
-            <a:off x="0" y="17256"/>
-            <a:ext cx="10515600" cy="663782"/>
-          </a:xfrm>
-        </p:spPr>
-        <p:txBody>
-          <a:bodyPr/>
-          <a:lstStyle/>
-          <a:p>
-            <a:pPr lvl="0" indent="0" marL="0">
-              <a:buNone/>
-            </a:pPr>
-            <a:r>
-              <a:rPr/>
-              <a:t>Scripts compartilhados</a:t>
-            </a:r>
-          </a:p>
-        </p:txBody>
-      </p:sp>
-      <p:sp>
-        <p:nvSpPr>
-          <p:cNvPr id="3" name="Content Placeholder 2">
-            <a:extLst>
-              <a:ext uri="{FF2B5EF4-FFF2-40B4-BE49-F238E27FC236}">
-                <a16:creationId xmlns:a16="http://schemas.microsoft.com/office/drawing/2014/main" id="{1574FA24-F1CC-B240-AAF9-A2DF684B1C54}"/>
-              </a:ext>
-            </a:extLst>
-          </p:cNvPr>
-          <p:cNvSpPr>
-            <a:spLocks noGrp="1"/>
-          </p:cNvSpPr>
-          <p:nvPr>
-            <p:ph idx="1"/>
-          </p:nvPr>
-        </p:nvSpPr>
-        <p:spPr/>
-        <p:txBody>
-          <a:bodyPr/>
-          <a:lstStyle/>
-          <a:p>
-            <a:pPr lvl="0" indent="0" marL="0">
-              <a:buNone/>
-            </a:pPr>
-          </a:p>
-          <a:p>
-            <a:pPr lvl="0" indent="0" marL="0">
-              <a:buNone/>
-            </a:pPr>
-          </a:p>
-          <a:p>
-            <a:pPr lvl="0" indent="0" marL="0">
-              <a:spcBef>
-                <a:spcPts val="3000"/>
-              </a:spcBef>
-              <a:buNone/>
-            </a:pPr>
-            <a:r>
-              <a:rPr b="1"/>
-              <a:t>Concordancia e Confiabilidade</a:t>
-            </a:r>
-          </a:p>
-          <a:p>
-            <a:pPr lvl="0" indent="0" marL="0">
-              <a:buNone/>
-            </a:pPr>
-          </a:p>
-          <a:p>
-            <a:pPr lvl="0"/>
-            <a:r>
-              <a:rPr>
-                <a:hlinkClick r:id="rId2"/>
-              </a:rPr>
-              <a:t>reliability-kappa-icc.R</a:t>
-            </a:r>
-          </a:p>
-          <a:p>
-            <a:pPr lvl="0" indent="0" marL="0">
-              <a:buNone/>
-            </a:pPr>
-          </a:p>
-          <a:p>
-            <a:pPr lvl="0" indent="0" marL="0">
-              <a:buNone/>
-            </a:pPr>
-          </a:p>
-          <a:p>
-            <a:pPr lvl="0" indent="0" marL="0">
-              <a:spcBef>
-                <a:spcPts val="3000"/>
-              </a:spcBef>
-              <a:buNone/>
-            </a:pPr>
-            <a:r>
-              <a:rPr b="1"/>
-              <a:t>Descricao</a:t>
-            </a:r>
-          </a:p>
-          <a:p>
-            <a:pPr lvl="0" indent="0" marL="0">
-              <a:buNone/>
-            </a:pPr>
-          </a:p>
-          <a:p>
-            <a:pPr lvl="0"/>
-            <a:r>
-              <a:rPr>
-                <a:hlinkClick r:id="rId3"/>
-              </a:rPr>
-              <a:t>extracolumn-es.R</a:t>
-            </a:r>
-          </a:p>
-          <a:p>
-            <a:pPr lvl="0"/>
-            <a:r>
-              <a:rPr>
-                <a:hlinkClick r:id="rId4"/>
-              </a:rPr>
-              <a:t>extracolumn-N.R</a:t>
-            </a:r>
-          </a:p>
-          <a:p>
-            <a:pPr lvl="0"/>
-            <a:r>
-              <a:rPr>
-                <a:hlinkClick r:id="rId5"/>
-              </a:rPr>
-              <a:t>extracolumn-p.R</a:t>
-            </a:r>
-          </a:p>
-          <a:p>
-            <a:pPr lvl="0"/>
-            <a:r>
-              <a:rPr>
-                <a:hlinkClick r:id="rId6"/>
-              </a:rPr>
-              <a:t>pilotdata_gopal.R</a:t>
-            </a:r>
-          </a:p>
-          <a:p>
-            <a:pPr lvl="0" indent="0" marL="0">
-              <a:buNone/>
-            </a:pPr>
-          </a:p>
-          <a:p>
-            <a:pPr lvl="0" indent="0" marL="0">
-              <a:buNone/>
-            </a:pPr>
-          </a:p>
-          <a:p>
-            <a:pPr lvl="0" indent="0" marL="0">
-              <a:spcBef>
-                <a:spcPts val="3000"/>
-              </a:spcBef>
-              <a:buNone/>
-            </a:pPr>
-            <a:r>
-              <a:rPr b="1"/>
-              <a:t>Desempenho diagnostico</a:t>
-            </a:r>
-          </a:p>
-          <a:p>
-            <a:pPr lvl="0" indent="0" marL="0">
-              <a:buNone/>
-            </a:pPr>
-          </a:p>
-          <a:p>
-            <a:pPr lvl="0"/>
-            <a:r>
-              <a:rPr>
-                <a:hlinkClick r:id="rId7"/>
-              </a:rPr>
-              <a:t>diag-stats.R</a:t>
-            </a:r>
-          </a:p>
-          <a:p>
-            <a:pPr lvl="0"/>
-            <a:r>
-              <a:rPr>
-                <a:hlinkClick r:id="rId8"/>
-              </a:rPr>
-              <a:t>dtROC.R</a:t>
-            </a:r>
-          </a:p>
-          <a:p>
-            <a:pPr lvl="0"/>
-            <a:r>
-              <a:rPr>
-                <a:hlinkClick r:id="rId9"/>
-              </a:rPr>
-              <a:t>stROC.R</a:t>
-            </a:r>
-          </a:p>
-          <a:p>
-            <a:pPr lvl="0" indent="0" marL="0">
-              <a:buNone/>
-            </a:pPr>
-          </a:p>
-          <a:p>
-            <a:pPr lvl="0" indent="0" marL="0">
-              <a:buNone/>
-            </a:pPr>
-          </a:p>
-          <a:p>
-            <a:pPr lvl="0" indent="0" marL="0">
-              <a:spcBef>
-                <a:spcPts val="3000"/>
-              </a:spcBef>
-              <a:buNone/>
-            </a:pPr>
-            <a:r>
-              <a:rPr b="1"/>
-              <a:t>Ensaio clinico aleatorizado</a:t>
-            </a:r>
-          </a:p>
-          <a:p>
-            <a:pPr lvl="0" indent="0" marL="0">
-              <a:buNone/>
-            </a:pPr>
-          </a:p>
-          <a:p>
-            <a:pPr lvl="0"/>
-            <a:r>
-              <a:rPr>
-                <a:hlinkClick r:id="rId10"/>
-              </a:rPr>
-              <a:t>RCT-Figure1.R</a:t>
-            </a:r>
-          </a:p>
-          <a:p>
-            <a:pPr lvl="0"/>
-            <a:r>
-              <a:rPr>
-                <a:hlinkClick r:id="rId11"/>
-              </a:rPr>
-              <a:t>RCT-Missingness.R</a:t>
-            </a:r>
-          </a:p>
-          <a:p>
-            <a:pPr lvl="0"/>
-            <a:r>
-              <a:rPr>
-                <a:hlinkClick r:id="rId12"/>
-              </a:rPr>
-              <a:t>RCT-Table1.R</a:t>
-            </a:r>
-          </a:p>
-          <a:p>
-            <a:pPr lvl="0"/>
-            <a:r>
-              <a:rPr>
-                <a:hlinkClick r:id="rId13"/>
-              </a:rPr>
-              <a:t>RCT-Table2a.R</a:t>
-            </a:r>
-          </a:p>
-          <a:p>
-            <a:pPr lvl="0"/>
-            <a:r>
-              <a:rPr>
-                <a:hlinkClick r:id="rId14"/>
-              </a:rPr>
-              <a:t>RCT-Table2b.R</a:t>
-            </a:r>
-          </a:p>
-          <a:p>
-            <a:pPr lvl="0"/>
-            <a:r>
-              <a:rPr>
-                <a:hlinkClick r:id="rId15"/>
-              </a:rPr>
-              <a:t>RCT-Table3.R</a:t>
-            </a:r>
-          </a:p>
-          <a:p>
-            <a:pPr lvl="0" indent="0" marL="0">
-              <a:buNone/>
-            </a:pPr>
-          </a:p>
-          <a:p>
-            <a:pPr lvl="0" indent="0" marL="0">
-              <a:buNone/>
-            </a:pPr>
-          </a:p>
-          <a:p>
-            <a:pPr lvl="0" indent="0" marL="0">
-              <a:spcBef>
-                <a:spcPts val="3000"/>
-              </a:spcBef>
-              <a:buNone/>
-            </a:pPr>
-            <a:r>
-              <a:rPr b="1"/>
-              <a:t>Ensaio cruzado</a:t>
-            </a:r>
-          </a:p>
-          <a:p>
-            <a:pPr lvl="0" indent="0" marL="0">
-              <a:buNone/>
-            </a:pPr>
-          </a:p>
-          <a:p>
-            <a:pPr lvl="0"/>
-            <a:r>
-              <a:rPr>
-                <a:hlinkClick r:id="rId16"/>
-              </a:rPr>
-              <a:t>crossover.R</a:t>
-            </a:r>
-          </a:p>
-          <a:p>
-            <a:pPr lvl="0"/>
-            <a:r>
-              <a:rPr>
-                <a:hlinkClick r:id="rId17"/>
-              </a:rPr>
-              <a:t>RSTR-crossover-trial.R</a:t>
-            </a:r>
-          </a:p>
-          <a:p>
-            <a:pPr lvl="0" indent="0" marL="0">
-              <a:buNone/>
-            </a:pPr>
-          </a:p>
-          <a:p>
-            <a:pPr lvl="0" indent="0" marL="0">
-              <a:buNone/>
-            </a:pPr>
-          </a:p>
-          <a:p>
-            <a:pPr lvl="0" indent="0" marL="0">
-              <a:spcBef>
-                <a:spcPts val="3000"/>
-              </a:spcBef>
-              <a:buNone/>
-            </a:pPr>
-            <a:r>
-              <a:rPr b="1"/>
-              <a:t>Regressao</a:t>
-            </a:r>
-          </a:p>
-          <a:p>
-            <a:pPr lvl="0" indent="0" marL="0">
-              <a:buNone/>
-            </a:pPr>
-          </a:p>
-          <a:p>
-            <a:pPr lvl="0"/>
-            <a:r>
-              <a:rPr>
-                <a:hlinkClick r:id="rId18"/>
-              </a:rPr>
-              <a:t>mediation-analysis.R</a:t>
-            </a:r>
-          </a:p>
-          <a:p>
-            <a:pPr lvl="0"/>
-            <a:r>
-              <a:rPr>
-                <a:hlinkClick r:id="rId19"/>
-              </a:rPr>
-              <a:t>regression-diagnosis.R</a:t>
-            </a:r>
-          </a:p>
-          <a:p>
-            <a:pPr lvl="0" indent="0" marL="0">
-              <a:buNone/>
-            </a:pPr>
-          </a:p>
-          <a:p>
-            <a:pPr lvl="0" indent="0" marL="0">
-              <a:buNone/>
-            </a:pPr>
-          </a:p>
-          <a:p>
-            <a:pPr lvl="0" indent="0" marL="0">
-              <a:buNone/>
-            </a:pPr>
-            <a:r>
-              <a:rPr/>
-              <a:t>O pacote </a:t>
-            </a:r>
-            <a:r>
-              <a:rPr i="1"/>
-              <a:t>base</a:t>
-            </a:r>
-            <a:r>
-              <a:rPr baseline="30000"/>
-              <a:t>34</a:t>
-            </a:r>
-            <a:r>
-              <a:rPr/>
-              <a:t> fornece a função </a:t>
-            </a:r>
-            <a:r>
-              <a:rPr i="1">
-                <a:hlinkClick r:id="rId20"/>
-              </a:rPr>
-              <a:t>source</a:t>
-            </a:r>
-            <a:r>
-              <a:rPr/>
-              <a:t> para abrir um arquivo .R com script e executar seus comandos.</a:t>
-            </a:r>
-          </a:p>
-          <a:p>
-            <a:pPr lvl="0" indent="0" marL="0">
-              <a:buNone/>
-            </a:pPr>
-          </a:p>
-        </p:txBody>
-      </p:sp>
-    </p:spTree>
-  </p:cSld>
-</p:sld>
-</file>
-
-<file path=ppt/slides/slide16.xml><?xml version="1.0" encoding="utf-8"?>
-<p:sld xmlns:a="http://schemas.openxmlformats.org/drawingml/2006/main" xmlns:r="http://schemas.openxmlformats.org/officeDocument/2006/relationships" xmlns:p="http://schemas.openxmlformats.org/presentationml/2006/main">
-  <p:cSld>
-    <p:spTree>
-      <p:nvGrpSpPr>
-        <p:cNvPr id="1" name=""/>
-        <p:cNvGrpSpPr/>
-        <p:nvPr/>
-      </p:nvGrpSpPr>
-      <p:grpSpPr>
-        <a:xfrm>
-          <a:off x="0" y="0"/>
-          <a:ext cx="0" cy="0"/>
-          <a:chOff x="0" y="0"/>
-          <a:chExt cx="0" cy="0"/>
-        </a:xfrm>
-      </p:grpSpPr>
-      <p:sp>
-        <p:nvSpPr>
-          <p:cNvPr id="2" name="Title 1">
-            <a:extLst>
-              <a:ext uri="{FF2B5EF4-FFF2-40B4-BE49-F238E27FC236}">
-                <a16:creationId xmlns:a16="http://schemas.microsoft.com/office/drawing/2014/main" id="{0277F749-6ED4-3E49-963A-830033252F78}"/>
-              </a:ext>
-            </a:extLst>
-          </p:cNvPr>
-          <p:cNvSpPr>
-            <a:spLocks noGrp="1"/>
-          </p:cNvSpPr>
-          <p:nvPr>
-            <p:ph type="title"/>
-          </p:nvPr>
-        </p:nvSpPr>
-        <p:spPr>
-          <a:xfrm>
-            <a:off x="0" y="17256"/>
-            <a:ext cx="10515600" cy="663782"/>
-          </a:xfrm>
-        </p:spPr>
-        <p:txBody>
-          <a:bodyPr/>
-          <a:lstStyle/>
-          <a:p>
-            <a:pPr lvl="0" indent="0" marL="0">
-              <a:buNone/>
-            </a:pPr>
-            <a:r>
-              <a:rPr/>
-              <a:t>Espaços amostrais e eventos contínuos</a:t>
-            </a:r>
-          </a:p>
-        </p:txBody>
-      </p:sp>
-      <p:sp>
-        <p:nvSpPr>
-          <p:cNvPr id="3" name="Content Placeholder 2">
-            <a:extLst>
-              <a:ext uri="{FF2B5EF4-FFF2-40B4-BE49-F238E27FC236}">
-                <a16:creationId xmlns:a16="http://schemas.microsoft.com/office/drawing/2014/main" id="{1574FA24-F1CC-B240-AAF9-A2DF684B1C54}"/>
-              </a:ext>
-            </a:extLst>
-          </p:cNvPr>
-          <p:cNvSpPr>
-            <a:spLocks noGrp="1"/>
-          </p:cNvSpPr>
-          <p:nvPr>
-            <p:ph idx="1"/>
-          </p:nvPr>
-        </p:nvSpPr>
-        <p:spPr/>
-        <p:txBody>
-          <a:bodyPr/>
-          <a:lstStyle/>
-          <a:p>
-            <a:pPr lvl="0" indent="0" marL="0">
-              <a:buNone/>
-            </a:pPr>
-          </a:p>
-          <a:p>
-            <a:pPr lvl="0" indent="0" marL="0">
-              <a:spcBef>
-                <a:spcPts val="3000"/>
-              </a:spcBef>
-              <a:buNone/>
-            </a:pPr>
-            <a:r>
-              <a:rPr b="1"/>
-              <a:t>O que é espaço amostral contínuo?</a:t>
-            </a:r>
-          </a:p>
-          <a:p>
-            <a:pPr lvl="0"/>
-            <a:r>
-              <a:rPr/>
-              <a:t>.[REF]</a:t>
-            </a:r>
-          </a:p>
-          <a:p>
-            <a:pPr lvl="0" indent="0" marL="0">
-              <a:buNone/>
-            </a:pPr>
-          </a:p>
-          <a:p>
-            <a:pPr lvl="0" indent="0" marL="0">
-              <a:spcBef>
-                <a:spcPts val="3000"/>
-              </a:spcBef>
-              <a:buNone/>
-            </a:pPr>
-            <a:r>
-              <a:rPr b="1"/>
-              <a:t>O que é evento contínuo?</a:t>
-            </a:r>
-          </a:p>
-          <a:p>
-            <a:pPr lvl="0"/>
-            <a:r>
-              <a:rPr/>
-              <a:t>.[REF]</a:t>
-            </a:r>
-          </a:p>
-          <a:p>
-            <a:pPr lvl="0" indent="0" marL="0">
-              <a:buNone/>
-            </a:pPr>
-          </a:p>
-          <a:p>
-            <a:pPr lvl="0" indent="0" marL="0">
-              <a:spcBef>
-                <a:spcPts val="3000"/>
-              </a:spcBef>
-              <a:buNone/>
-            </a:pPr>
-            <a:r>
-              <a:rPr b="1"/>
-              <a:t>O que é espaço de eventos contínuo?</a:t>
-            </a:r>
-          </a:p>
-          <a:p>
-            <a:pPr lvl="0"/>
-            <a:r>
-              <a:rPr/>
-              <a:t>.[REF]</a:t>
-            </a:r>
-          </a:p>
-          <a:p>
-            <a:pPr lvl="0" indent="0" marL="0">
-              <a:buNone/>
-            </a:pPr>
-          </a:p>
-        </p:txBody>
-      </p:sp>
-    </p:spTree>
-  </p:cSld>
-</p:sld>
-</file>
-
-<file path=ppt/slides/slide160.xml><?xml version="1.0" encoding="UTF-8"?>
+<file path=ppt/slides/slide159.xml><?xml version="1.0" encoding="UTF-8"?>
 <p:sld xmlns:a="http://schemas.openxmlformats.org/drawingml/2006/main" xmlns:r="http://schemas.openxmlformats.org/officeDocument/2006/relationships" xmlns:p="http://schemas.openxmlformats.org/presentationml/2006/main">
   <p:cSld>
     <p:spTree>
@@ -23250,7 +23151,164 @@
 
 </file>
 
-<file path=ppt/slides/slide161.xml><?xml version="1.0" encoding="utf-8"?>
+<file path=ppt/slides/slide16.xml><?xml version="1.0" encoding="utf-8"?>
+<p:sld xmlns:a="http://schemas.openxmlformats.org/drawingml/2006/main" xmlns:r="http://schemas.openxmlformats.org/officeDocument/2006/relationships" xmlns:p="http://schemas.openxmlformats.org/presentationml/2006/main">
+  <p:cSld>
+    <p:spTree>
+      <p:nvGrpSpPr>
+        <p:cNvPr id="1" name=""/>
+        <p:cNvGrpSpPr/>
+        <p:nvPr/>
+      </p:nvGrpSpPr>
+      <p:grpSpPr>
+        <a:xfrm>
+          <a:off x="0" y="0"/>
+          <a:ext cx="0" cy="0"/>
+          <a:chOff x="0" y="0"/>
+          <a:chExt cx="0" cy="0"/>
+        </a:xfrm>
+      </p:grpSpPr>
+      <p:sp>
+        <p:nvSpPr>
+          <p:cNvPr id="2" name="Title 1">
+            <a:extLst>
+              <a:ext uri="{FF2B5EF4-FFF2-40B4-BE49-F238E27FC236}">
+                <a16:creationId xmlns:a16="http://schemas.microsoft.com/office/drawing/2014/main" id="{0277F749-6ED4-3E49-963A-830033252F78}"/>
+              </a:ext>
+            </a:extLst>
+          </p:cNvPr>
+          <p:cNvSpPr>
+            <a:spLocks noGrp="1"/>
+          </p:cNvSpPr>
+          <p:nvPr>
+            <p:ph type="title"/>
+          </p:nvPr>
+        </p:nvSpPr>
+        <p:spPr>
+          <a:xfrm>
+            <a:off x="0" y="17256"/>
+            <a:ext cx="10515600" cy="663782"/>
+          </a:xfrm>
+        </p:spPr>
+        <p:txBody>
+          <a:bodyPr/>
+          <a:lstStyle/>
+          <a:p>
+            <a:pPr lvl="0" indent="0" marL="0">
+              <a:buNone/>
+            </a:pPr>
+            <a:r>
+              <a:rPr/>
+              <a:t>Espaços amostrais e eventos contínuos</a:t>
+            </a:r>
+          </a:p>
+        </p:txBody>
+      </p:sp>
+      <p:sp>
+        <p:nvSpPr>
+          <p:cNvPr id="3" name="Content Placeholder 2">
+            <a:extLst>
+              <a:ext uri="{FF2B5EF4-FFF2-40B4-BE49-F238E27FC236}">
+                <a16:creationId xmlns:a16="http://schemas.microsoft.com/office/drawing/2014/main" id="{1574FA24-F1CC-B240-AAF9-A2DF684B1C54}"/>
+              </a:ext>
+            </a:extLst>
+          </p:cNvPr>
+          <p:cNvSpPr>
+            <a:spLocks noGrp="1"/>
+          </p:cNvSpPr>
+          <p:nvPr>
+            <p:ph idx="1"/>
+          </p:nvPr>
+        </p:nvSpPr>
+        <p:spPr/>
+        <p:txBody>
+          <a:bodyPr/>
+          <a:lstStyle/>
+          <a:p>
+            <a:pPr lvl="0" indent="0" marL="0">
+              <a:buNone/>
+            </a:pPr>
+          </a:p>
+          <a:p>
+            <a:pPr lvl="0" indent="0" marL="0">
+              <a:spcBef>
+                <a:spcPts val="3000"/>
+              </a:spcBef>
+              <a:buNone/>
+            </a:pPr>
+            <a:r>
+              <a:rPr b="1"/>
+              <a:t>O que é espaço amostral contínuo?</a:t>
+            </a:r>
+          </a:p>
+          <a:p>
+            <a:pPr lvl="0"/>
+            <a:r>
+              <a:rPr/>
+              <a:t>.[REF]</a:t>
+            </a:r>
+          </a:p>
+          <a:p>
+            <a:pPr lvl="0" indent="0" marL="0">
+              <a:buNone/>
+            </a:pPr>
+          </a:p>
+          <a:p>
+            <a:pPr lvl="0" indent="0" marL="0">
+              <a:spcBef>
+                <a:spcPts val="3000"/>
+              </a:spcBef>
+              <a:buNone/>
+            </a:pPr>
+            <a:r>
+              <a:rPr b="1"/>
+              <a:t>O que é evento contínuo?</a:t>
+            </a:r>
+          </a:p>
+          <a:p>
+            <a:pPr lvl="0"/>
+            <a:r>
+              <a:rPr/>
+              <a:t>.[REF]</a:t>
+            </a:r>
+          </a:p>
+          <a:p>
+            <a:pPr lvl="0" indent="0" marL="0">
+              <a:buNone/>
+            </a:pPr>
+          </a:p>
+          <a:p>
+            <a:pPr lvl="0" indent="0" marL="0">
+              <a:spcBef>
+                <a:spcPts val="3000"/>
+              </a:spcBef>
+              <a:buNone/>
+            </a:pPr>
+            <a:r>
+              <a:rPr b="1"/>
+              <a:t>O que é espaço de eventos contínuo?</a:t>
+            </a:r>
+          </a:p>
+          <a:p>
+            <a:pPr lvl="0"/>
+            <a:r>
+              <a:rPr/>
+              <a:t>.[REF]</a:t>
+            </a:r>
+          </a:p>
+          <a:p>
+            <a:pPr lvl="0" indent="0" marL="0">
+              <a:buNone/>
+            </a:pPr>
+          </a:p>
+        </p:txBody>
+      </p:sp>
+    </p:spTree>
+  </p:cSld>
+</p:sld>
+</file>
+
+<file path=ppt/slides/slide160.xml><?xml version="1.0" encoding="utf-8"?>
 <p:sld xmlns:a="http://schemas.openxmlformats.org/drawingml/2006/main" xmlns:r="http://schemas.openxmlformats.org/officeDocument/2006/relationships" xmlns:p="http://schemas.openxmlformats.org/presentationml/2006/main">
   <p:cSld>
     <p:spTree>
@@ -26664,7 +26722,7 @@
 </p:sld>
 </file>
 
-<file path=ppt/slides/slide162.xml><?xml version="1.0" encoding="utf-8"?>
+<file path=ppt/slides/slide161.xml><?xml version="1.0" encoding="utf-8"?>
 <p:sld xmlns:a="http://schemas.openxmlformats.org/drawingml/2006/main" xmlns:r="http://schemas.openxmlformats.org/officeDocument/2006/relationships" xmlns:p="http://schemas.openxmlformats.org/presentationml/2006/main">
   <p:cSld>
     <p:spTree>
@@ -26714,6 +26772,316 @@
               <a:rPr b="1"/>
               <a:t>Redação estatística</a:t>
             </a:r>
+          </a:p>
+        </p:txBody>
+      </p:sp>
+    </p:spTree>
+  </p:cSld>
+</p:sld>
+</file>
+
+<file path=ppt/slides/slide162.xml><?xml version="1.0" encoding="utf-8"?>
+<p:sld xmlns:a="http://schemas.openxmlformats.org/drawingml/2006/main" xmlns:r="http://schemas.openxmlformats.org/officeDocument/2006/relationships" xmlns:p="http://schemas.openxmlformats.org/presentationml/2006/main">
+  <p:cSld>
+    <p:spTree>
+      <p:nvGrpSpPr>
+        <p:cNvPr id="1" name=""/>
+        <p:cNvGrpSpPr/>
+        <p:nvPr/>
+      </p:nvGrpSpPr>
+      <p:grpSpPr>
+        <a:xfrm>
+          <a:off x="0" y="0"/>
+          <a:ext cx="0" cy="0"/>
+          <a:chOff x="0" y="0"/>
+          <a:chExt cx="0" cy="0"/>
+        </a:xfrm>
+      </p:grpSpPr>
+      <p:sp>
+        <p:nvSpPr>
+          <p:cNvPr id="2" name="Title 1">
+            <a:extLst>
+              <a:ext uri="{FF2B5EF4-FFF2-40B4-BE49-F238E27FC236}">
+                <a16:creationId xmlns:a16="http://schemas.microsoft.com/office/drawing/2014/main" id="{0277F749-6ED4-3E49-963A-830033252F78}"/>
+              </a:ext>
+            </a:extLst>
+          </p:cNvPr>
+          <p:cNvSpPr>
+            <a:spLocks noGrp="1"/>
+          </p:cNvSpPr>
+          <p:nvPr>
+            <p:ph type="title"/>
+          </p:nvPr>
+        </p:nvSpPr>
+        <p:spPr>
+          <a:xfrm>
+            <a:off x="0" y="17256"/>
+            <a:ext cx="10515600" cy="663782"/>
+          </a:xfrm>
+        </p:spPr>
+        <p:txBody>
+          <a:bodyPr/>
+          <a:lstStyle/>
+          <a:p>
+            <a:pPr lvl="0" indent="0" marL="0">
+              <a:buNone/>
+            </a:pPr>
+            <a:r>
+              <a:rPr/>
+              <a:t>Diretrizes</a:t>
+            </a:r>
+          </a:p>
+        </p:txBody>
+      </p:sp>
+      <p:sp>
+        <p:nvSpPr>
+          <p:cNvPr id="3" name="Content Placeholder 2">
+            <a:extLst>
+              <a:ext uri="{FF2B5EF4-FFF2-40B4-BE49-F238E27FC236}">
+                <a16:creationId xmlns:a16="http://schemas.microsoft.com/office/drawing/2014/main" id="{1574FA24-F1CC-B240-AAF9-A2DF684B1C54}"/>
+              </a:ext>
+            </a:extLst>
+          </p:cNvPr>
+          <p:cNvSpPr>
+            <a:spLocks noGrp="1"/>
+          </p:cNvSpPr>
+          <p:nvPr>
+            <p:ph idx="1"/>
+          </p:nvPr>
+        </p:nvSpPr>
+        <p:spPr/>
+        <p:txBody>
+          <a:bodyPr/>
+          <a:lstStyle/>
+          <a:p>
+            <a:pPr lvl="0"/>
+            <a:r>
+              <a:rPr i="1"/>
+              <a:t>Review of guidance papers on regression modeling in statistical series of medical journals</a:t>
+            </a:r>
+            <a:r>
+              <a:rPr/>
+              <a:t>.</a:t>
+            </a:r>
+            <a:r>
+              <a:rPr baseline="30000"/>
+              <a:t>247</a:t>
+            </a:r>
+          </a:p>
+          <a:p>
+            <a:pPr lvl="0"/>
+            <a:r>
+              <a:rPr i="1"/>
+              <a:t>Principles and recommendations for incorporating estimands into clinical study protocol templates</a:t>
+            </a:r>
+            <a:r>
+              <a:rPr/>
+              <a:t>.</a:t>
+            </a:r>
+            <a:r>
+              <a:rPr baseline="30000"/>
+              <a:t>248</a:t>
+            </a:r>
+          </a:p>
+          <a:p>
+            <a:pPr lvl="0"/>
+            <a:r>
+              <a:rPr i="1"/>
+              <a:t>How to write statistical analysis section in medical research</a:t>
+            </a:r>
+            <a:r>
+              <a:rPr/>
+              <a:t>.</a:t>
+            </a:r>
+            <a:r>
+              <a:rPr baseline="30000"/>
+              <a:t>136</a:t>
+            </a:r>
+          </a:p>
+          <a:p>
+            <a:pPr lvl="0"/>
+            <a:r>
+              <a:rPr i="1"/>
+              <a:t>Recommendations for Statistical Reporting in Cardiovascular Medicine: A Special Report From the American Heart Association</a:t>
+            </a:r>
+            <a:r>
+              <a:rPr/>
+              <a:t>.</a:t>
+            </a:r>
+            <a:r>
+              <a:rPr baseline="30000"/>
+              <a:t>249</a:t>
+            </a:r>
+          </a:p>
+          <a:p>
+            <a:pPr lvl="0"/>
+            <a:r>
+              <a:rPr i="1"/>
+              <a:t>Framework for the treatment and reporting of missing data in observational studies: The Treatment And Reporting of Missing data in Observational Studies framework</a:t>
+            </a:r>
+            <a:r>
+              <a:rPr/>
+              <a:t>.</a:t>
+            </a:r>
+            <a:r>
+              <a:rPr baseline="30000"/>
+              <a:t>250</a:t>
+            </a:r>
+          </a:p>
+          <a:p>
+            <a:pPr lvl="0"/>
+            <a:r>
+              <a:rPr i="1"/>
+              <a:t>Guidelines for reporting of figures and tables for clinical research in urology</a:t>
+            </a:r>
+            <a:r>
+              <a:rPr/>
+              <a:t>.</a:t>
+            </a:r>
+            <a:r>
+              <a:rPr baseline="30000"/>
+              <a:t>251</a:t>
+            </a:r>
+          </a:p>
+          <a:p>
+            <a:pPr lvl="0"/>
+            <a:r>
+              <a:rPr i="1"/>
+              <a:t>Who is in this study, anyway? Guidelines for a useful Table 1</a:t>
+            </a:r>
+            <a:r>
+              <a:rPr/>
+              <a:t>.</a:t>
+            </a:r>
+            <a:r>
+              <a:rPr baseline="30000"/>
+              <a:t>107</a:t>
+            </a:r>
+          </a:p>
+          <a:p>
+            <a:pPr lvl="0"/>
+            <a:r>
+              <a:rPr i="1"/>
+              <a:t>Guidelines for Reporting of Statistics for Clinical Research in Urology</a:t>
+            </a:r>
+            <a:r>
+              <a:rPr/>
+              <a:t>.</a:t>
+            </a:r>
+            <a:r>
+              <a:rPr baseline="30000"/>
+              <a:t>252</a:t>
+            </a:r>
+          </a:p>
+          <a:p>
+            <a:pPr lvl="0"/>
+            <a:r>
+              <a:rPr i="1"/>
+              <a:t>Reveal, Don’t Conceal: Transforming Data Visualization to Improve Transparency</a:t>
+            </a:r>
+            <a:r>
+              <a:rPr/>
+              <a:t>.</a:t>
+            </a:r>
+            <a:r>
+              <a:rPr baseline="30000"/>
+              <a:t>116</a:t>
+            </a:r>
+          </a:p>
+          <a:p>
+            <a:pPr lvl="0"/>
+            <a:r>
+              <a:rPr i="1"/>
+              <a:t>Guidelines for the Content of Statistical Analysis Plans in Clinical Trials</a:t>
+            </a:r>
+            <a:r>
+              <a:rPr/>
+              <a:t>.</a:t>
+            </a:r>
+            <a:r>
+              <a:rPr baseline="30000"/>
+              <a:t>253</a:t>
+            </a:r>
+          </a:p>
+          <a:p>
+            <a:pPr lvl="0"/>
+            <a:r>
+              <a:rPr i="1"/>
+              <a:t>Basic statistical reporting for articles published in Biomedical Journals: The ‘’Statistical Analyses and Methods in the Published Literature’’ or the SAMPL Guidelines</a:t>
+            </a:r>
+            <a:r>
+              <a:rPr/>
+              <a:t>.</a:t>
+            </a:r>
+            <a:r>
+              <a:rPr baseline="30000"/>
+              <a:t>254</a:t>
+            </a:r>
+          </a:p>
+          <a:p>
+            <a:pPr lvl="0"/>
+            <a:r>
+              <a:rPr i="1"/>
+              <a:t>Beyond Bar and Line Graphs: Time for a New Data Presentation Paradigm</a:t>
+            </a:r>
+            <a:r>
+              <a:rPr/>
+              <a:t>.</a:t>
+            </a:r>
+            <a:r>
+              <a:rPr baseline="30000"/>
+              <a:t>255</a:t>
+            </a:r>
+          </a:p>
+          <a:p>
+            <a:pPr lvl="0"/>
+            <a:r>
+              <a:rPr i="1"/>
+              <a:t>STRengthening analytical thinking for observational studies: the STRATOS initiative</a:t>
+            </a:r>
+            <a:r>
+              <a:rPr/>
+              <a:t>.</a:t>
+            </a:r>
+            <a:r>
+              <a:rPr baseline="30000"/>
+              <a:t>256</a:t>
+            </a:r>
+          </a:p>
+          <a:p>
+            <a:pPr lvl="0"/>
+            <a:r>
+              <a:rPr i="1"/>
+              <a:t>Research methods and reporting</a:t>
+            </a:r>
+            <a:r>
+              <a:rPr/>
+              <a:t>.</a:t>
+            </a:r>
+            <a:r>
+              <a:rPr baseline="30000"/>
+              <a:t>257</a:t>
+            </a:r>
+          </a:p>
+          <a:p>
+            <a:pPr lvl="0"/>
+            <a:r>
+              <a:rPr i="1"/>
+              <a:t>How to ensure your paper is rejected by the statistical reviewer</a:t>
+            </a:r>
+            <a:r>
+              <a:rPr/>
+              <a:t>.</a:t>
+            </a:r>
+            <a:r>
+              <a:rPr baseline="30000"/>
+              <a:t>258</a:t>
+            </a:r>
+          </a:p>
+          <a:p>
+            <a:pPr lvl="0" indent="0" marL="0">
+              <a:buNone/>
+            </a:pPr>
           </a:p>
         </p:txBody>
       </p:sp>
@@ -26770,7 +27138,7 @@
             </a:pPr>
             <a:r>
               <a:rPr/>
-              <a:t>Diretrizes</a:t>
+              <a:t>Listas de verificação</a:t>
             </a:r>
           </a:p>
         </p:txBody>
@@ -26799,7 +27167,7 @@
             <a:pPr lvl="0"/>
             <a:r>
               <a:rPr i="1"/>
-              <a:t>Review of guidance papers on regression modeling in statistical series of medical journals</a:t>
+              <a:t>A CHecklist for statistical Assessment of Medical Papers (the CHAMP statement): explanation and elaboration</a:t>
             </a:r>
             <a:r>
               <a:rPr/>
@@ -26807,14 +27175,14 @@
             </a:r>
             <a:r>
               <a:rPr baseline="30000"/>
-              <a:t>244</a:t>
+              <a:t>259</a:t>
             </a:r>
           </a:p>
           <a:p>
             <a:pPr lvl="0"/>
             <a:r>
               <a:rPr i="1"/>
-              <a:t>Principles and recommendations for incorporating estimands into clinical study protocol templates</a:t>
+              <a:t>Checklist for clinical applicability of subgroup analysis</a:t>
             </a:r>
             <a:r>
               <a:rPr/>
@@ -26822,14 +27190,14 @@
             </a:r>
             <a:r>
               <a:rPr baseline="30000"/>
-              <a:t>245</a:t>
+              <a:t>260</a:t>
             </a:r>
           </a:p>
           <a:p>
             <a:pPr lvl="0"/>
             <a:r>
               <a:rPr i="1"/>
-              <a:t>How to write statistical analysis section in medical research</a:t>
+              <a:t>Evidence-based statistical analysis and methods in biomedical research (SAMBR) checklists according to design features</a:t>
             </a:r>
             <a:r>
               <a:rPr/>
@@ -26837,187 +27205,7 @@
             </a:r>
             <a:r>
               <a:rPr baseline="30000"/>
-              <a:t>136</a:t>
-            </a:r>
-          </a:p>
-          <a:p>
-            <a:pPr lvl="0"/>
-            <a:r>
-              <a:rPr i="1"/>
-              <a:t>Recommendations for Statistical Reporting in Cardiovascular Medicine: A Special Report From the American Heart Association</a:t>
-            </a:r>
-            <a:r>
-              <a:rPr/>
-              <a:t>.</a:t>
-            </a:r>
-            <a:r>
-              <a:rPr baseline="30000"/>
-              <a:t>246</a:t>
-            </a:r>
-          </a:p>
-          <a:p>
-            <a:pPr lvl="0"/>
-            <a:r>
-              <a:rPr i="1"/>
-              <a:t>Framework for the treatment and reporting of missing data in observational studies: The Treatment And Reporting of Missing data in Observational Studies framework</a:t>
-            </a:r>
-            <a:r>
-              <a:rPr/>
-              <a:t>.</a:t>
-            </a:r>
-            <a:r>
-              <a:rPr baseline="30000"/>
-              <a:t>247</a:t>
-            </a:r>
-          </a:p>
-          <a:p>
-            <a:pPr lvl="0"/>
-            <a:r>
-              <a:rPr i="1"/>
-              <a:t>Guidelines for reporting of figures and tables for clinical research in urology</a:t>
-            </a:r>
-            <a:r>
-              <a:rPr/>
-              <a:t>.</a:t>
-            </a:r>
-            <a:r>
-              <a:rPr baseline="30000"/>
-              <a:t>248</a:t>
-            </a:r>
-          </a:p>
-          <a:p>
-            <a:pPr lvl="0"/>
-            <a:r>
-              <a:rPr i="1"/>
-              <a:t>Who is in this study, anyway? Guidelines for a useful Table 1</a:t>
-            </a:r>
-            <a:r>
-              <a:rPr/>
-              <a:t>.</a:t>
-            </a:r>
-            <a:r>
-              <a:rPr baseline="30000"/>
-              <a:t>107</a:t>
-            </a:r>
-          </a:p>
-          <a:p>
-            <a:pPr lvl="0"/>
-            <a:r>
-              <a:rPr i="1"/>
-              <a:t>Guidelines for Reporting of Statistics for Clinical Research in Urology</a:t>
-            </a:r>
-            <a:r>
-              <a:rPr/>
-              <a:t>.</a:t>
-            </a:r>
-            <a:r>
-              <a:rPr baseline="30000"/>
-              <a:t>249</a:t>
-            </a:r>
-          </a:p>
-          <a:p>
-            <a:pPr lvl="0"/>
-            <a:r>
-              <a:rPr i="1"/>
-              <a:t>Reveal, Don’t Conceal: Transforming Data Visualization to Improve Transparency</a:t>
-            </a:r>
-            <a:r>
-              <a:rPr/>
-              <a:t>.</a:t>
-            </a:r>
-            <a:r>
-              <a:rPr baseline="30000"/>
-              <a:t>116</a:t>
-            </a:r>
-          </a:p>
-          <a:p>
-            <a:pPr lvl="0"/>
-            <a:r>
-              <a:rPr i="1"/>
-              <a:t>Guidelines for the Content of Statistical Analysis Plans in Clinical Trials</a:t>
-            </a:r>
-            <a:r>
-              <a:rPr/>
-              <a:t>.</a:t>
-            </a:r>
-            <a:r>
-              <a:rPr baseline="30000"/>
-              <a:t>250</a:t>
-            </a:r>
-          </a:p>
-          <a:p>
-            <a:pPr lvl="0"/>
-            <a:r>
-              <a:rPr i="1"/>
-              <a:t>Basic statistical reporting for articles published in Biomedical Journals: The ‘’Statistical Analyses and Methods in the Published Literature’’ or the SAMPL Guidelines</a:t>
-            </a:r>
-            <a:r>
-              <a:rPr/>
-              <a:t>.</a:t>
-            </a:r>
-            <a:r>
-              <a:rPr baseline="30000"/>
-              <a:t>251</a:t>
-            </a:r>
-          </a:p>
-          <a:p>
-            <a:pPr lvl="0"/>
-            <a:r>
-              <a:rPr i="1"/>
-              <a:t>Beyond Bar and Line Graphs: Time for a New Data Presentation Paradigm</a:t>
-            </a:r>
-            <a:r>
-              <a:rPr/>
-              <a:t>.</a:t>
-            </a:r>
-            <a:r>
-              <a:rPr baseline="30000"/>
-              <a:t>252</a:t>
-            </a:r>
-          </a:p>
-          <a:p>
-            <a:pPr lvl="0"/>
-            <a:r>
-              <a:rPr i="1"/>
-              <a:t>STRengthening analytical thinking for observational studies: the STRATOS initiative</a:t>
-            </a:r>
-            <a:r>
-              <a:rPr/>
-              <a:t>.</a:t>
-            </a:r>
-            <a:r>
-              <a:rPr baseline="30000"/>
-              <a:t>253</a:t>
-            </a:r>
-          </a:p>
-          <a:p>
-            <a:pPr lvl="0"/>
-            <a:r>
-              <a:rPr i="1"/>
-              <a:t>Research methods and reporting</a:t>
-            </a:r>
-            <a:r>
-              <a:rPr/>
-              <a:t>.</a:t>
-            </a:r>
-            <a:r>
-              <a:rPr baseline="30000"/>
-              <a:t>254</a:t>
-            </a:r>
-          </a:p>
-          <a:p>
-            <a:pPr lvl="0"/>
-            <a:r>
-              <a:rPr i="1"/>
-              <a:t>How to ensure your paper is rejected by the statistical reviewer</a:t>
-            </a:r>
-            <a:r>
-              <a:rPr/>
-              <a:t>.</a:t>
-            </a:r>
-            <a:r>
-              <a:rPr baseline="30000"/>
-              <a:t>255</a:t>
+              <a:t>135</a:t>
             </a:r>
           </a:p>
           <a:p>
@@ -27080,7 +27268,7 @@
             </a:pPr>
             <a:r>
               <a:rPr/>
-              <a:t>Listas de verificação</a:t>
+              <a:t>Plano de análise estatística</a:t>
             </a:r>
           </a:p>
         </p:txBody>
@@ -27106,48 +27294,27 @@
           <a:bodyPr/>
           <a:lstStyle/>
           <a:p>
+            <a:pPr lvl="0" indent="0" marL="0">
+              <a:buNone/>
+            </a:pPr>
+          </a:p>
+          <a:p>
+            <a:pPr lvl="0" indent="0" marL="0">
+              <a:spcBef>
+                <a:spcPts val="3000"/>
+              </a:spcBef>
+              <a:buNone/>
+            </a:pPr>
+            <a:r>
+              <a:rPr b="1"/>
+              <a:t>O que é plano de análise estatística?</a:t>
+            </a:r>
+          </a:p>
+          <a:p>
             <a:pPr lvl="0"/>
             <a:r>
-              <a:rPr i="1"/>
-              <a:t>A CHecklist for statistical Assessment of Medical Papers (the CHAMP statement): explanation and elaboration</a:t>
-            </a:r>
-            <a:r>
-              <a:rPr/>
-              <a:t>.</a:t>
-            </a:r>
-            <a:r>
-              <a:rPr baseline="30000"/>
-              <a:t>256</a:t>
-            </a:r>
-          </a:p>
-          <a:p>
-            <a:pPr lvl="0"/>
-            <a:r>
-              <a:rPr i="1"/>
-              <a:t>Checklist for clinical applicability of subgroup analysis</a:t>
-            </a:r>
-            <a:r>
-              <a:rPr/>
-              <a:t>.</a:t>
-            </a:r>
-            <a:r>
-              <a:rPr baseline="30000"/>
-              <a:t>257</a:t>
-            </a:r>
-          </a:p>
-          <a:p>
-            <a:pPr lvl="0"/>
-            <a:r>
-              <a:rPr i="1"/>
-              <a:t>Evidence-based statistical analysis and methods in biomedical research (SAMBR) checklists according to design features</a:t>
-            </a:r>
-            <a:r>
-              <a:rPr/>
-              <a:t>.</a:t>
-            </a:r>
-            <a:r>
-              <a:rPr baseline="30000"/>
-              <a:t>135</a:t>
+              <a:rPr/>
+              <a:t>.[REF]</a:t>
             </a:r>
           </a:p>
           <a:p>
@@ -27210,7 +27377,7 @@
             </a:pPr>
             <a:r>
               <a:rPr/>
-              <a:t>Plano de análise estatística</a:t>
+              <a:t>Resultados da análise estatística</a:t>
             </a:r>
           </a:p>
         </p:txBody>
@@ -27249,7 +27416,7 @@
             </a:pPr>
             <a:r>
               <a:rPr b="1"/>
-              <a:t>O que é plano de análise estatística?</a:t>
+              <a:t>Como redigir os resultados da análise estatística?</a:t>
             </a:r>
           </a:p>
           <a:p>
@@ -27293,7 +27460,7 @@
           <p:cNvPr id="2" name="Title 1">
             <a:extLst>
               <a:ext uri="{FF2B5EF4-FFF2-40B4-BE49-F238E27FC236}">
-                <a16:creationId xmlns:a16="http://schemas.microsoft.com/office/drawing/2014/main" id="{0277F749-6ED4-3E49-963A-830033252F78}"/>
+                <a16:creationId xmlns:a16="http://schemas.microsoft.com/office/drawing/2014/main" id="{28A92D45-5BAF-634B-BB37-8481089F9E28}"/>
               </a:ext>
             </a:extLst>
           </p:cNvPr>
@@ -27306,8 +27473,8 @@
         </p:nvSpPr>
         <p:spPr>
           <a:xfrm>
-            <a:off x="0" y="17256"/>
-            <a:ext cx="10515600" cy="663782"/>
+            <a:off x="831850" y="1709738"/>
+            <a:ext cx="10515600" cy="2852737"/>
           </a:xfrm>
         </p:spPr>
         <p:txBody>
@@ -27318,60 +27485,9 @@
               <a:buNone/>
             </a:pPr>
             <a:r>
-              <a:rPr/>
-              <a:t>Resultados da análise estatística</a:t>
-            </a:r>
-          </a:p>
-        </p:txBody>
-      </p:sp>
-      <p:sp>
-        <p:nvSpPr>
-          <p:cNvPr id="3" name="Content Placeholder 2">
-            <a:extLst>
-              <a:ext uri="{FF2B5EF4-FFF2-40B4-BE49-F238E27FC236}">
-                <a16:creationId xmlns:a16="http://schemas.microsoft.com/office/drawing/2014/main" id="{1574FA24-F1CC-B240-AAF9-A2DF684B1C54}"/>
-              </a:ext>
-            </a:extLst>
-          </p:cNvPr>
-          <p:cNvSpPr>
-            <a:spLocks noGrp="1"/>
-          </p:cNvSpPr>
-          <p:nvPr>
-            <p:ph idx="1"/>
-          </p:nvPr>
-        </p:nvSpPr>
-        <p:spPr/>
-        <p:txBody>
-          <a:bodyPr/>
-          <a:lstStyle/>
-          <a:p>
-            <a:pPr lvl="0" indent="0" marL="0">
-              <a:buNone/>
-            </a:pPr>
-          </a:p>
-          <a:p>
-            <a:pPr lvl="0" indent="0" marL="0">
-              <a:spcBef>
-                <a:spcPts val="3000"/>
-              </a:spcBef>
-              <a:buNone/>
-            </a:pPr>
-            <a:r>
-              <a:rPr b="1"/>
-              <a:t>Como redigir os resultados da análise estatística?</a:t>
-            </a:r>
-          </a:p>
-          <a:p>
-            <a:pPr lvl="0"/>
-            <a:r>
-              <a:rPr/>
-              <a:t>.[REF]</a:t>
-            </a:r>
-          </a:p>
-          <a:p>
-            <a:pPr lvl="0" indent="0" marL="0">
-              <a:buNone/>
-            </a:pPr>
+              <a:rPr i="1"/>
+              <a:t>Bibliografia</a:t>
+            </a:r>
           </a:p>
         </p:txBody>
       </p:sp>
@@ -27427,8 +27543,8 @@
               <a:buNone/>
             </a:pPr>
             <a:r>
-              <a:rPr i="1"/>
-              <a:t>Bibliografia</a:t>
+              <a:rPr b="1"/>
+              <a:t>Fontes externas</a:t>
             </a:r>
           </a:p>
         </p:txBody>
@@ -27460,7 +27576,7 @@
           <p:cNvPr id="2" name="Title 1">
             <a:extLst>
               <a:ext uri="{FF2B5EF4-FFF2-40B4-BE49-F238E27FC236}">
-                <a16:creationId xmlns:a16="http://schemas.microsoft.com/office/drawing/2014/main" id="{28A92D45-5BAF-634B-BB37-8481089F9E28}"/>
+                <a16:creationId xmlns:a16="http://schemas.microsoft.com/office/drawing/2014/main" id="{0277F749-6ED4-3E49-963A-830033252F78}"/>
               </a:ext>
             </a:extLst>
           </p:cNvPr>
@@ -27473,8 +27589,8 @@
         </p:nvSpPr>
         <p:spPr>
           <a:xfrm>
-            <a:off x="831850" y="1709738"/>
-            <a:ext cx="10515600" cy="2852737"/>
+            <a:off x="0" y="17256"/>
+            <a:ext cx="10515600" cy="663782"/>
           </a:xfrm>
         </p:spPr>
         <p:txBody>
@@ -27485,9 +27601,45 @@
               <a:buNone/>
             </a:pPr>
             <a:r>
-              <a:rPr b="1"/>
-              <a:t>Fontes externas</a:t>
-            </a:r>
+              <a:rPr/>
+              <a:t>American Heart Association</a:t>
+            </a:r>
+          </a:p>
+        </p:txBody>
+      </p:sp>
+      <p:sp>
+        <p:nvSpPr>
+          <p:cNvPr id="3" name="Content Placeholder 2">
+            <a:extLst>
+              <a:ext uri="{FF2B5EF4-FFF2-40B4-BE49-F238E27FC236}">
+                <a16:creationId xmlns:a16="http://schemas.microsoft.com/office/drawing/2014/main" id="{1574FA24-F1CC-B240-AAF9-A2DF684B1C54}"/>
+              </a:ext>
+            </a:extLst>
+          </p:cNvPr>
+          <p:cNvSpPr>
+            <a:spLocks noGrp="1"/>
+          </p:cNvSpPr>
+          <p:nvPr>
+            <p:ph idx="1"/>
+          </p:nvPr>
+        </p:nvSpPr>
+        <p:spPr/>
+        <p:txBody>
+          <a:bodyPr/>
+          <a:lstStyle/>
+          <a:p>
+            <a:pPr lvl="0"/>
+            <a:r>
+              <a:rPr i="1">
+                <a:hlinkClick r:id="rId2"/>
+              </a:rPr>
+              <a:t>Statistical Reporting Recommendations - AHA/ASA journals</a:t>
+            </a:r>
+          </a:p>
+          <a:p>
+            <a:pPr lvl="0" indent="0" marL="0">
+              <a:buNone/>
+            </a:pPr>
           </a:p>
         </p:txBody>
       </p:sp>
@@ -27544,7 +27696,7 @@
             </a:pPr>
             <a:r>
               <a:rPr/>
-              <a:t>American Heart Association</a:t>
+              <a:t>American Physiological Society</a:t>
             </a:r>
           </a:p>
         </p:txBody>
@@ -27575,7 +27727,34 @@
               <a:rPr i="1">
                 <a:hlinkClick r:id="rId2"/>
               </a:rPr>
-              <a:t>Statistical Reporting Recommendations - AHA/ASA journals</a:t>
+              <a:t>Statistics</a:t>
+            </a:r>
+          </a:p>
+          <a:p>
+            <a:pPr lvl="0"/>
+            <a:r>
+              <a:rPr i="1">
+                <a:hlinkClick r:id="rId3"/>
+              </a:rPr>
+              <a:t>Exploration in Statistics</a:t>
+            </a:r>
+          </a:p>
+          <a:p>
+            <a:pPr lvl="0"/>
+            <a:r>
+              <a:rPr i="1">
+                <a:hlinkClick r:id="rId4"/>
+              </a:rPr>
+              <a:t>General Statistics</a:t>
+            </a:r>
+          </a:p>
+          <a:p>
+            <a:pPr lvl="0"/>
+            <a:r>
+              <a:rPr i="1">
+                <a:hlinkClick r:id="rId5"/>
+              </a:rPr>
+              <a:t>Reporting Statistics</a:t>
             </a:r>
           </a:p>
           <a:p>
@@ -28387,7 +28566,7 @@
             </a:pPr>
             <a:r>
               <a:rPr/>
-              <a:t>American Physiological Society</a:t>
+              <a:t>American Statistical Association</a:t>
             </a:r>
           </a:p>
         </p:txBody>
@@ -28418,34 +28597,7 @@
               <a:rPr i="1">
                 <a:hlinkClick r:id="rId2"/>
               </a:rPr>
-              <a:t>Statistics</a:t>
-            </a:r>
-          </a:p>
-          <a:p>
-            <a:pPr lvl="0"/>
-            <a:r>
-              <a:rPr i="1">
-                <a:hlinkClick r:id="rId3"/>
-              </a:rPr>
-              <a:t>Exploration in Statistics</a:t>
-            </a:r>
-          </a:p>
-          <a:p>
-            <a:pPr lvl="0"/>
-            <a:r>
-              <a:rPr i="1">
-                <a:hlinkClick r:id="rId4"/>
-              </a:rPr>
-              <a:t>General Statistics</a:t>
-            </a:r>
-          </a:p>
-          <a:p>
-            <a:pPr lvl="0"/>
-            <a:r>
-              <a:rPr i="1">
-                <a:hlinkClick r:id="rId5"/>
-              </a:rPr>
-              <a:t>Reporting Statistics</a:t>
+              <a:t>Statistical Inference in the 21st Century: A World Beyond p &lt; 0.05 - The American Statistical Association</a:t>
             </a:r>
           </a:p>
           <a:p>
@@ -28508,7 +28660,7 @@
             </a:pPr>
             <a:r>
               <a:rPr/>
-              <a:t>American Statistical Association</a:t>
+              <a:t>British Medicine Journal</a:t>
             </a:r>
           </a:p>
         </p:txBody>
@@ -28539,7 +28691,43 @@
               <a:rPr i="1">
                 <a:hlinkClick r:id="rId2"/>
               </a:rPr>
-              <a:t>Statistical Inference in the 21st Century: A World Beyond p &lt; 0.05 - The American Statistical Association</a:t>
+              <a:t>Statistics - Latest from The BMJ</a:t>
+            </a:r>
+          </a:p>
+          <a:p>
+            <a:pPr lvl="0"/>
+            <a:r>
+              <a:rPr i="1">
+                <a:hlinkClick r:id="rId3"/>
+              </a:rPr>
+              <a:t>Statistics notes - Latest from The BMJ</a:t>
+            </a:r>
+          </a:p>
+          <a:p>
+            <a:pPr lvl="0"/>
+            <a:r>
+              <a:rPr i="1">
+                <a:hlinkClick r:id="rId4"/>
+              </a:rPr>
+              <a:t>Statistics and research methods - Latest from The BMJ</a:t>
+            </a:r>
+          </a:p>
+          <a:p>
+            <a:pPr lvl="0"/>
+            <a:r>
+              <a:rPr i="1">
+                <a:hlinkClick r:id="rId5"/>
+              </a:rPr>
+              <a:t>Statistics at Square One</a:t>
+            </a:r>
+          </a:p>
+          <a:p>
+            <a:pPr lvl="0"/>
+            <a:r>
+              <a:rPr i="1">
+                <a:hlinkClick r:id="rId6"/>
+              </a:rPr>
+              <a:t>Research methods &amp; reporting</a:t>
             </a:r>
           </a:p>
           <a:p>
@@ -28602,7 +28790,7 @@
             </a:pPr>
             <a:r>
               <a:rPr/>
-              <a:t>British Medicine Journal</a:t>
+              <a:t>Enhancing the QUality And Transparency Of health Research Network</a:t>
             </a:r>
           </a:p>
         </p:txBody>
@@ -28630,46 +28818,26 @@
           <a:p>
             <a:pPr lvl="0"/>
             <a:r>
-              <a:rPr i="1">
+              <a:rPr i="1"/>
+              <a:t>Enhancing the Quality and Transparency of health research</a:t>
+            </a:r>
+            <a:r>
+              <a:rPr/>
+              <a:t> </a:t>
+            </a:r>
+            <a:r>
+              <a:rPr>
                 <a:hlinkClick r:id="rId2"/>
               </a:rPr>
-              <a:t>Statistics - Latest from The BMJ</a:t>
-            </a:r>
-          </a:p>
-          <a:p>
-            <a:pPr lvl="0"/>
-            <a:r>
-              <a:rPr i="1">
-                <a:hlinkClick r:id="rId3"/>
-              </a:rPr>
-              <a:t>Statistics notes - Latest from The BMJ</a:t>
-            </a:r>
-          </a:p>
-          <a:p>
-            <a:pPr lvl="0"/>
-            <a:r>
-              <a:rPr i="1">
-                <a:hlinkClick r:id="rId4"/>
-              </a:rPr>
-              <a:t>Statistics and research methods - Latest from The BMJ</a:t>
-            </a:r>
-          </a:p>
-          <a:p>
-            <a:pPr lvl="0"/>
-            <a:r>
-              <a:rPr i="1">
-                <a:hlinkClick r:id="rId5"/>
-              </a:rPr>
-              <a:t>Statistics at Square One</a:t>
-            </a:r>
-          </a:p>
-          <a:p>
-            <a:pPr lvl="0"/>
-            <a:r>
-              <a:rPr i="1">
-                <a:hlinkClick r:id="rId6"/>
-              </a:rPr>
-              <a:t>Research methods &amp; reporting</a:t>
+              <a:t>EQUATOR Network</a:t>
+            </a:r>
+            <a:r>
+              <a:rPr/>
+              <a:t>.</a:t>
+            </a:r>
+            <a:r>
+              <a:rPr baseline="30000"/>
+              <a:t>261</a:t>
             </a:r>
           </a:p>
           <a:p>
@@ -28732,7 +28900,7 @@
             </a:pPr>
             <a:r>
               <a:rPr/>
-              <a:t>Enhancing the QUality And Transparency Of health Research Network</a:t>
+              <a:t>Journal of the Amercan Medical Association</a:t>
             </a:r>
           </a:p>
         </p:txBody>
@@ -28760,26 +28928,10 @@
           <a:p>
             <a:pPr lvl="0"/>
             <a:r>
-              <a:rPr i="1"/>
-              <a:t>Enhancing the Quality and Transparency of health research</a:t>
-            </a:r>
-            <a:r>
-              <a:rPr/>
-              <a:t> </a:t>
-            </a:r>
-            <a:r>
-              <a:rPr>
+              <a:rPr i="1">
                 <a:hlinkClick r:id="rId2"/>
               </a:rPr>
-              <a:t>EQUATOR Network</a:t>
-            </a:r>
-            <a:r>
-              <a:rPr/>
-              <a:t>.</a:t>
-            </a:r>
-            <a:r>
-              <a:rPr baseline="30000"/>
-              <a:t>258</a:t>
+              <a:t>JAMA Guide to Statistics and Methods - JAMA</a:t>
             </a:r>
           </a:p>
           <a:p>
@@ -28842,7 +28994,7 @@
             </a:pPr>
             <a:r>
               <a:rPr/>
-              <a:t>Journal of the Amercan Medical Association</a:t>
+              <a:t>Nature Publishing Group</a:t>
             </a:r>
           </a:p>
         </p:txBody>
@@ -28873,7 +29025,7 @@
               <a:rPr i="1">
                 <a:hlinkClick r:id="rId2"/>
               </a:rPr>
-              <a:t>JAMA Guide to Statistics and Methods - JAMA</a:t>
+              <a:t>Statistics for Biologists - Nature Publising Group</a:t>
             </a:r>
           </a:p>
           <a:p>
@@ -28936,7 +29088,7 @@
             </a:pPr>
             <a:r>
               <a:rPr/>
-              <a:t>Nature Publishing Group</a:t>
+              <a:t>Royal Statistical Society</a:t>
             </a:r>
           </a:p>
         </p:txBody>
@@ -28967,7 +29119,7 @@
               <a:rPr i="1">
                 <a:hlinkClick r:id="rId2"/>
               </a:rPr>
-              <a:t>Statistics for Biologists - Nature Publising Group</a:t>
+              <a:t>Best Practices for Data Visualisation - Royal Statistical Society</a:t>
             </a:r>
           </a:p>
           <a:p>
@@ -29030,7 +29182,7 @@
             </a:pPr>
             <a:r>
               <a:rPr/>
-              <a:t>Royal Statistical Society</a:t>
+              <a:t>Wiley Online Library</a:t>
             </a:r>
           </a:p>
         </p:txBody>
@@ -29061,7 +29213,7 @@
               <a:rPr i="1">
                 <a:hlinkClick r:id="rId2"/>
               </a:rPr>
-              <a:t>Best Practices for Data Visualisation - Royal Statistical Society</a:t>
+              <a:t>Tutorials in Biostatistics Papers - Wiley Online Library</a:t>
             </a:r>
           </a:p>
           <a:p>
@@ -29077,100 +29229,6 @@
 </file>
 
 <file path=ppt/slides/slide177.xml><?xml version="1.0" encoding="utf-8"?>
-<p:sld xmlns:a="http://schemas.openxmlformats.org/drawingml/2006/main" xmlns:r="http://schemas.openxmlformats.org/officeDocument/2006/relationships" xmlns:p="http://schemas.openxmlformats.org/presentationml/2006/main">
-  <p:cSld>
-    <p:spTree>
-      <p:nvGrpSpPr>
-        <p:cNvPr id="1" name=""/>
-        <p:cNvGrpSpPr/>
-        <p:nvPr/>
-      </p:nvGrpSpPr>
-      <p:grpSpPr>
-        <a:xfrm>
-          <a:off x="0" y="0"/>
-          <a:ext cx="0" cy="0"/>
-          <a:chOff x="0" y="0"/>
-          <a:chExt cx="0" cy="0"/>
-        </a:xfrm>
-      </p:grpSpPr>
-      <p:sp>
-        <p:nvSpPr>
-          <p:cNvPr id="2" name="Title 1">
-            <a:extLst>
-              <a:ext uri="{FF2B5EF4-FFF2-40B4-BE49-F238E27FC236}">
-                <a16:creationId xmlns:a16="http://schemas.microsoft.com/office/drawing/2014/main" id="{0277F749-6ED4-3E49-963A-830033252F78}"/>
-              </a:ext>
-            </a:extLst>
-          </p:cNvPr>
-          <p:cNvSpPr>
-            <a:spLocks noGrp="1"/>
-          </p:cNvSpPr>
-          <p:nvPr>
-            <p:ph type="title"/>
-          </p:nvPr>
-        </p:nvSpPr>
-        <p:spPr>
-          <a:xfrm>
-            <a:off x="0" y="17256"/>
-            <a:ext cx="10515600" cy="663782"/>
-          </a:xfrm>
-        </p:spPr>
-        <p:txBody>
-          <a:bodyPr/>
-          <a:lstStyle/>
-          <a:p>
-            <a:pPr lvl="0" indent="0" marL="0">
-              <a:buNone/>
-            </a:pPr>
-            <a:r>
-              <a:rPr/>
-              <a:t>Wiley Online Library</a:t>
-            </a:r>
-          </a:p>
-        </p:txBody>
-      </p:sp>
-      <p:sp>
-        <p:nvSpPr>
-          <p:cNvPr id="3" name="Content Placeholder 2">
-            <a:extLst>
-              <a:ext uri="{FF2B5EF4-FFF2-40B4-BE49-F238E27FC236}">
-                <a16:creationId xmlns:a16="http://schemas.microsoft.com/office/drawing/2014/main" id="{1574FA24-F1CC-B240-AAF9-A2DF684B1C54}"/>
-              </a:ext>
-            </a:extLst>
-          </p:cNvPr>
-          <p:cNvSpPr>
-            <a:spLocks noGrp="1"/>
-          </p:cNvSpPr>
-          <p:nvPr>
-            <p:ph idx="1"/>
-          </p:nvPr>
-        </p:nvSpPr>
-        <p:spPr/>
-        <p:txBody>
-          <a:bodyPr/>
-          <a:lstStyle/>
-          <a:p>
-            <a:pPr lvl="0"/>
-            <a:r>
-              <a:rPr i="1">
-                <a:hlinkClick r:id="rId2"/>
-              </a:rPr>
-              <a:t>Tutorials in Biostatistics Papers - Wiley Online Library</a:t>
-            </a:r>
-          </a:p>
-          <a:p>
-            <a:pPr lvl="0" indent="0" marL="0">
-              <a:buNone/>
-            </a:pPr>
-          </a:p>
-        </p:txBody>
-      </p:sp>
-    </p:spTree>
-  </p:cSld>
-</p:sld>
-</file>
-
-<file path=ppt/slides/slide178.xml><?xml version="1.0" encoding="utf-8"?>
 <p:sld xmlns:a="http://schemas.openxmlformats.org/drawingml/2006/main" xmlns:r="http://schemas.openxmlformats.org/officeDocument/2006/relationships" xmlns:p="http://schemas.openxmlformats.org/presentationml/2006/main">
   <p:cSld>
     <p:spTree>
@@ -29228,7 +29286,7 @@
 </p:sld>
 </file>
 
-<file path=ppt/slides/slide179.xml><?xml version="1.0" encoding="utf-8"?>
+<file path=ppt/slides/slide178.xml><?xml version="1.0" encoding="utf-8"?>
 <p:sld xmlns:a="http://schemas.openxmlformats.org/drawingml/2006/main" xmlns:r="http://schemas.openxmlformats.org/officeDocument/2006/relationships" xmlns:p="http://schemas.openxmlformats.org/presentationml/2006/main">
   <p:cSld>
     <p:spTree>
@@ -33621,7 +33679,60 @@
             </a:pPr>
             <a:r>
               <a:rPr/>
-              <a:t>207. Findley MG, Kikuta K, Denly M. External Validity. </a:t>
+              <a:t>207. Rosseel Y. Lavaan: An r package for structural equation modeling. 2012;48. doi:</a:t>
+            </a:r>
+            <a:r>
+              <a:rPr>
+                <a:hlinkClick r:id="rId206"/>
+              </a:rPr>
+              <a:t>10.18637/jss.v048.i02</a:t>
+            </a:r>
+          </a:p>
+          <a:p>
+            <a:pPr lvl="0" indent="0" marL="0">
+              <a:buNone/>
+            </a:pPr>
+            <a:r>
+              <a:rPr/>
+              <a:t>208. Contributors semTools. </a:t>
+            </a:r>
+            <a:r>
+              <a:rPr i="1"/>
+              <a:t>semTools: Useful Tools for Structural Equation Modeling</a:t>
+            </a:r>
+            <a:r>
+              <a:rPr/>
+              <a:t>.; 2016. </a:t>
+            </a:r>
+            <a:r>
+              <a:rPr>
+                <a:hlinkClick r:id="rId207"/>
+              </a:rPr>
+              <a:t>https://CRAN.R-project.org/package=semTools.</a:t>
+            </a:r>
+          </a:p>
+          <a:p>
+            <a:pPr lvl="0" indent="0" marL="0">
+              <a:buNone/>
+            </a:pPr>
+            <a:r>
+              <a:rPr/>
+              <a:t>209. William Revelle. Psych: Procedures for psychological, psychometric, and personality research. 2023. </a:t>
+            </a:r>
+            <a:r>
+              <a:rPr>
+                <a:hlinkClick r:id="rId208"/>
+              </a:rPr>
+              <a:t>https://CRAN.R-project.org/package=psych.</a:t>
+            </a:r>
+          </a:p>
+          <a:p>
+            <a:pPr lvl="0" indent="0" marL="0">
+              <a:buNone/>
+            </a:pPr>
+            <a:r>
+              <a:rPr/>
+              <a:t>210. Findley MG, Kikuta K, Denly M. External Validity. </a:t>
             </a:r>
             <a:r>
               <a:rPr i="1"/>
@@ -33633,7 +33744,7 @@
             </a:r>
             <a:r>
               <a:rPr>
-                <a:hlinkClick r:id="rId206"/>
+                <a:hlinkClick r:id="rId209"/>
               </a:rPr>
               <a:t>10.1146/annurev-polisci-041719-102556</a:t>
             </a:r>
@@ -33644,7 +33755,7 @@
             </a:pPr>
             <a:r>
               <a:rPr/>
-              <a:t>208. Altman DG, Bland JM. Measurement in medicine: The analysis of method comparison studies. </a:t>
+              <a:t>211. Altman DG, Bland JM. Measurement in medicine: The analysis of method comparison studies. </a:t>
             </a:r>
             <a:r>
               <a:rPr i="1"/>
@@ -33656,7 +33767,7 @@
             </a:r>
             <a:r>
               <a:rPr>
-                <a:hlinkClick r:id="rId207"/>
+                <a:hlinkClick r:id="rId210"/>
               </a:rPr>
               <a:t>10.2307/2987937</a:t>
             </a:r>
@@ -33667,7 +33778,7 @@
             </a:pPr>
             <a:r>
               <a:rPr/>
-              <a:t>209. Scott WA. Reliability of content analysis: The case of nominal scale coding. </a:t>
+              <a:t>212. Scott WA. Reliability of content analysis: The case of nominal scale coding. </a:t>
             </a:r>
             <a:r>
               <a:rPr i="1"/>
@@ -33679,7 +33790,7 @@
             </a:r>
             <a:r>
               <a:rPr>
-                <a:hlinkClick r:id="rId208"/>
+                <a:hlinkClick r:id="rId211"/>
               </a:rPr>
               <a:t>10.1086/266577</a:t>
             </a:r>
@@ -33690,7 +33801,7 @@
             </a:pPr>
             <a:r>
               <a:rPr/>
-              <a:t>210. Cohen J. A Coefficient of Agreement for Nominal Scales. </a:t>
+              <a:t>213. Cohen J. A Coefficient of Agreement for Nominal Scales. </a:t>
             </a:r>
             <a:r>
               <a:rPr i="1"/>
@@ -33702,7 +33813,7 @@
             </a:r>
             <a:r>
               <a:rPr>
-                <a:hlinkClick r:id="rId209"/>
+                <a:hlinkClick r:id="rId212"/>
               </a:rPr>
               <a:t>10.1177/001316446002000104</a:t>
             </a:r>
@@ -33713,7 +33824,7 @@
             </a:pPr>
             <a:r>
               <a:rPr/>
-              <a:t>211. I. Mathematical contributions to the theory of evolution. VII. On the correlation of characters not quantitatively measurable. </a:t>
+              <a:t>214. I. Mathematical contributions to the theory of evolution. VII. On the correlation of characters not quantitatively measurable. </a:t>
             </a:r>
             <a:r>
               <a:rPr i="1"/>
@@ -33725,7 +33836,7 @@
             </a:r>
             <a:r>
               <a:rPr>
-                <a:hlinkClick r:id="rId210"/>
+                <a:hlinkClick r:id="rId213"/>
               </a:rPr>
               <a:t>10.1098/rsta.1900.0022</a:t>
             </a:r>
@@ -33736,7 +33847,7 @@
             </a:pPr>
             <a:r>
               <a:rPr/>
-              <a:t>212. Banerjee M, Capozzoli M, McSweeney L, Sinha D. Beyond kappa: A review of interrater agreement measures. </a:t>
+              <a:t>215. Banerjee M, Capozzoli M, McSweeney L, Sinha D. Beyond kappa: A review of interrater agreement measures. </a:t>
             </a:r>
             <a:r>
               <a:rPr i="1"/>
@@ -33748,7 +33859,7 @@
             </a:r>
             <a:r>
               <a:rPr>
-                <a:hlinkClick r:id="rId211"/>
+                <a:hlinkClick r:id="rId214"/>
               </a:rPr>
               <a:t>10.2307/3315487</a:t>
             </a:r>
@@ -33759,11 +33870,11 @@
             </a:pPr>
             <a:r>
               <a:rPr/>
-              <a:t>213. William Revelle. Psych: Procedures for psychological, psychometric, and personality research. 2023. </a:t>
-            </a:r>
-            <a:r>
-              <a:rPr>
-                <a:hlinkClick r:id="rId212"/>
+              <a:t>216. William Revelle. Psych: Procedures for psychological, psychometric, and personality research. 2023. </a:t>
+            </a:r>
+            <a:r>
+              <a:rPr>
+                <a:hlinkClick r:id="rId215"/>
               </a:rPr>
               <a:t>https://CRAN.R-project.org/package=psych.</a:t>
             </a:r>
@@ -33774,7 +33885,7 @@
             </a:pPr>
             <a:r>
               <a:rPr/>
-              <a:t>214. Borenstein M. In a meta-analysis, the I-squared statistic does not tell us how much the effect size varies. </a:t>
+              <a:t>217. Borenstein M. In a meta-analysis, the I-squared statistic does not tell us how much the effect size varies. </a:t>
             </a:r>
             <a:r>
               <a:rPr i="1"/>
@@ -33786,7 +33897,7 @@
             </a:r>
             <a:r>
               <a:rPr>
-                <a:hlinkClick r:id="rId213"/>
+                <a:hlinkClick r:id="rId216"/>
               </a:rPr>
               <a:t>10.1016/j.jclinepi.2022.10.003</a:t>
             </a:r>
@@ -33797,7 +33908,7 @@
             </a:pPr>
             <a:r>
               <a:rPr/>
-              <a:t>215. Rücker G, Schwarzer G, Carpenter JR, Schumacher M. Undue reliance on I 2 in assessing heterogeneity may mislead. </a:t>
+              <a:t>218. Rücker G, Schwarzer G, Carpenter JR, Schumacher M. Undue reliance on I 2 in assessing heterogeneity may mislead. </a:t>
             </a:r>
             <a:r>
               <a:rPr i="1"/>
@@ -33809,7 +33920,7 @@
             </a:r>
             <a:r>
               <a:rPr>
-                <a:hlinkClick r:id="rId214"/>
+                <a:hlinkClick r:id="rId217"/>
               </a:rPr>
               <a:t>10.1186/1471-2288-8-79</a:t>
             </a:r>
@@ -33820,7 +33931,7 @@
             </a:pPr>
             <a:r>
               <a:rPr/>
-              <a:t>216. Grooth HJ de, Parienti JJ. Heterogeneity between studies can be explained more reliably with individual patient data. </a:t>
+              <a:t>219. Grooth HJ de, Parienti JJ. Heterogeneity between studies can be explained more reliably with individual patient data. </a:t>
             </a:r>
             <a:r>
               <a:rPr i="1"/>
@@ -33832,7 +33943,7 @@
             </a:r>
             <a:r>
               <a:rPr>
-                <a:hlinkClick r:id="rId215"/>
+                <a:hlinkClick r:id="rId218"/>
               </a:rPr>
               <a:t>10.1007/s00134-023-07163-z</a:t>
             </a:r>
@@ -33843,16 +33954,16 @@
             </a:pPr>
             <a:r>
               <a:rPr/>
-              <a:t>217. Lajeunesse MJ. Facilitating systematic reviews, data extraction, and meta-analysis with the metagear package for r. 2016;7:323-330.</a:t>
-            </a:r>
-          </a:p>
-          <a:p>
-            <a:pPr lvl="0" indent="0" marL="0">
-              <a:buNone/>
-            </a:pPr>
-            <a:r>
-              <a:rPr/>
-              <a:t>218. Moher D, Shamseer L, Clarke M, et al. Preferred reporting items for systematic review and meta-analysis protocols (PRISMA-P) 2015 statement. </a:t>
+              <a:t>220. Lajeunesse MJ. Facilitating systematic reviews, data extraction, and meta-analysis with the metagear package for r. 2016;7:323-330.</a:t>
+            </a:r>
+          </a:p>
+          <a:p>
+            <a:pPr lvl="0" indent="0" marL="0">
+              <a:buNone/>
+            </a:pPr>
+            <a:r>
+              <a:rPr/>
+              <a:t>221. Moher D, Shamseer L, Clarke M, et al. Preferred reporting items for systematic review and meta-analysis protocols (PRISMA-P) 2015 statement. </a:t>
             </a:r>
             <a:r>
               <a:rPr i="1"/>
@@ -33864,7 +33975,7 @@
             </a:r>
             <a:r>
               <a:rPr>
-                <a:hlinkClick r:id="rId216"/>
+                <a:hlinkClick r:id="rId219"/>
               </a:rPr>
               <a:t>10.1186/2046-4053-4-1</a:t>
             </a:r>
@@ -33875,11 +33986,11 @@
             </a:pPr>
             <a:r>
               <a:rPr/>
-              <a:t>219. Haddaway NR, Page MJ, Pritchard CC, McGuinness LA. PRISMA2020: An r package and shiny app for producing PRISMA 2020-compliant flow diagrams, with interactivity for optimised digital transparency and open synthesis. 2022;18:e1230. doi:</a:t>
-            </a:r>
-            <a:r>
-              <a:rPr>
-                <a:hlinkClick r:id="rId217"/>
+              <a:t>222. Haddaway NR, Page MJ, Pritchard CC, McGuinness LA. PRISMA2020: An r package and shiny app for producing PRISMA 2020-compliant flow diagrams, with interactivity for optimised digital transparency and open synthesis. 2022;18:e1230. doi:</a:t>
+            </a:r>
+            <a:r>
+              <a:rPr>
+                <a:hlinkClick r:id="rId220"/>
               </a:rPr>
               <a:t>10.1002/cl2.1230</a:t>
             </a:r>
@@ -33890,11 +34001,11 @@
             </a:pPr>
             <a:r>
               <a:rPr/>
-              <a:t>220. Haddaway NR, Page MJ, Pritchard CC, McGuinness LA. PRISMA2020: An r package and shiny app for producing PRISMA 2020-compliant flow diagrams, with interactivity for optimised digital transparency and open synthesis. 2022;18:e1230. doi:</a:t>
-            </a:r>
-            <a:r>
-              <a:rPr>
-                <a:hlinkClick r:id="rId218"/>
+              <a:t>223. Haddaway NR, Page MJ, Pritchard CC, McGuinness LA. PRISMA2020: An r package and shiny app for producing PRISMA 2020-compliant flow diagrams, with interactivity for optimised digital transparency and open synthesis. 2022;18:e1230. doi:</a:t>
+            </a:r>
+            <a:r>
+              <a:rPr>
+                <a:hlinkClick r:id="rId221"/>
               </a:rPr>
               <a:t>10.1002/cl2.1230</a:t>
             </a:r>
@@ -33905,7 +34016,7 @@
             </a:pPr>
             <a:r>
               <a:rPr/>
-              <a:t>221. Ihaka R, Gentleman R. R: A language for data analysis and graphics. </a:t>
+              <a:t>224. Ihaka R, Gentleman R. R: A language for data analysis and graphics. </a:t>
             </a:r>
             <a:r>
               <a:rPr i="1"/>
@@ -33917,7 +34028,7 @@
             </a:r>
             <a:r>
               <a:rPr>
-                <a:hlinkClick r:id="rId219"/>
+                <a:hlinkClick r:id="rId222"/>
               </a:rPr>
               <a:t>10.2307/1390807</a:t>
             </a:r>
@@ -33928,7 +34039,7 @@
             </a:pPr>
             <a:r>
               <a:rPr/>
-              <a:t>222. Racine JS. RStudio: A Platform-Independent IDE for R and Sweave. </a:t>
+              <a:t>225. Racine JS. RStudio: A Platform-Independent IDE for R and Sweave. </a:t>
             </a:r>
             <a:r>
               <a:rPr i="1"/>
@@ -33940,7 +34051,7 @@
             </a:r>
             <a:r>
               <a:rPr>
-                <a:hlinkClick r:id="rId220"/>
+                <a:hlinkClick r:id="rId223"/>
               </a:rPr>
               <a:t>10.1002/jae.1278</a:t>
             </a:r>
@@ -33951,7 +34062,7 @@
             </a:pPr>
             <a:r>
               <a:rPr/>
-              <a:t>223. Love J, Selker R, Marsman M, et al. </a:t>
+              <a:t>226. Love J, Selker R, Marsman M, et al. </a:t>
             </a:r>
             <a:r>
               <a:rPr b="1"/>
@@ -33971,7 +34082,7 @@
             </a:r>
             <a:r>
               <a:rPr>
-                <a:hlinkClick r:id="rId221"/>
+                <a:hlinkClick r:id="rId224"/>
               </a:rPr>
               <a:t>10.18637/jss.v088.i02</a:t>
             </a:r>
@@ -33982,7 +34093,7 @@
             </a:pPr>
             <a:r>
               <a:rPr/>
-              <a:t>224. ŞAHİN M, AYBEK E. Jamovi: An easy to use statistical software for the social scientists. </a:t>
+              <a:t>227. ŞAHİN M, AYBEK E. Jamovi: An easy to use statistical software for the social scientists. </a:t>
             </a:r>
             <a:r>
               <a:rPr i="1"/>
@@ -33994,7 +34105,7 @@
             </a:r>
             <a:r>
               <a:rPr>
-                <a:hlinkClick r:id="rId222"/>
+                <a:hlinkClick r:id="rId225"/>
               </a:rPr>
               <a:t>10.21449/ijate.661803</a:t>
             </a:r>
@@ -34005,11 +34116,11 @@
             </a:pPr>
             <a:r>
               <a:rPr/>
-              <a:t>225. Selker R, Love J, Dropmann D. Jmv: The ’jamovi’ analyses. 2023. </a:t>
-            </a:r>
-            <a:r>
-              <a:rPr>
-                <a:hlinkClick r:id="rId223"/>
+              <a:t>228. Selker R, Love J, Dropmann D. Jmv: The ’jamovi’ analyses. 2023. </a:t>
+            </a:r>
+            <a:r>
+              <a:rPr>
+                <a:hlinkClick r:id="rId226"/>
               </a:rPr>
               <a:t>https://CRAN.R-project.org/package=jmv.</a:t>
             </a:r>
@@ -34020,11 +34131,11 @@
             </a:pPr>
             <a:r>
               <a:rPr/>
-              <a:t>226. Love J. Jmvconnect: Connect to the ’jamovi’ statistical spreadsheet. 2022. </a:t>
-            </a:r>
-            <a:r>
-              <a:rPr>
-                <a:hlinkClick r:id="rId224"/>
+              <a:t>229. Love J. Jmvconnect: Connect to the ’jamovi’ statistical spreadsheet. 2022. </a:t>
+            </a:r>
+            <a:r>
+              <a:rPr>
+                <a:hlinkClick r:id="rId227"/>
               </a:rPr>
               <a:t>https://CRAN.R-project.org/package=jmvconnect.</a:t>
             </a:r>
@@ -34035,7 +34146,7 @@
             </a:pPr>
             <a:r>
               <a:rPr/>
-              <a:t>227. Hinsen K. A data and code model for reproducible research and executable papers. </a:t>
+              <a:t>230. Hinsen K. A data and code model for reproducible research and executable papers. </a:t>
             </a:r>
             <a:r>
               <a:rPr i="1"/>
@@ -34047,7 +34158,7 @@
             </a:r>
             <a:r>
               <a:rPr>
-                <a:hlinkClick r:id="rId225"/>
+                <a:hlinkClick r:id="rId228"/>
               </a:rPr>
               <a:t>10.1016/j.procs.2011.04.061</a:t>
             </a:r>
@@ -34058,7 +34169,151 @@
             </a:pPr>
             <a:r>
               <a:rPr/>
-              <a:t>228. Allaire J, Xie Y, Dervieux C, et al. </a:t>
+              <a:t>231. Schwab, Simon, Held, Leonhard. Statistical programming: Small mistakes, big impacts. </a:t>
+            </a:r>
+            <a:r>
+              <a:rPr i="1"/>
+              <a:t>Wiley-Blackwell Publishing, Inc</a:t>
+            </a:r>
+            <a:r>
+              <a:rPr/>
+              <a:t>. 2021. doi:</a:t>
+            </a:r>
+            <a:r>
+              <a:rPr>
+                <a:hlinkClick r:id="rId229"/>
+              </a:rPr>
+              <a:t>10.5167/UZH-205154</a:t>
+            </a:r>
+          </a:p>
+          <a:p>
+            <a:pPr lvl="0" indent="0" marL="0">
+              <a:buNone/>
+            </a:pPr>
+            <a:r>
+              <a:rPr/>
+              <a:t>232. Eglen SJ, Marwick B, Halchenko YO, et al. Toward standard practices for sharing computer code and programs in neuroscience. </a:t>
+            </a:r>
+            <a:r>
+              <a:rPr i="1"/>
+              <a:t>Nature Neuroscience</a:t>
+            </a:r>
+            <a:r>
+              <a:rPr/>
+              <a:t>. 2017;20(6):770-773. doi:</a:t>
+            </a:r>
+            <a:r>
+              <a:rPr>
+                <a:hlinkClick r:id="rId230"/>
+              </a:rPr>
+              <a:t>10.1038/nn.4550</a:t>
+            </a:r>
+          </a:p>
+          <a:p>
+            <a:pPr lvl="0" indent="0" marL="0">
+              <a:buNone/>
+            </a:pPr>
+            <a:r>
+              <a:rPr/>
+              <a:t>233. Xie Y. formatR: Format r code automatically. 2022. </a:t>
+            </a:r>
+            <a:r>
+              <a:rPr>
+                <a:hlinkClick r:id="rId231"/>
+              </a:rPr>
+              <a:t>https://CRAN.R-project.org/package=formatR.</a:t>
+            </a:r>
+          </a:p>
+          <a:p>
+            <a:pPr lvl="0" indent="0" marL="0">
+              <a:buNone/>
+            </a:pPr>
+            <a:r>
+              <a:rPr/>
+              <a:t>234. Müller K, Walthert L. Styler: Non-invasive pretty printing of r code. 2023. </a:t>
+            </a:r>
+            <a:r>
+              <a:rPr>
+                <a:hlinkClick r:id="rId232"/>
+              </a:rPr>
+              <a:t>https://CRAN.R-project.org/package=styler.</a:t>
+            </a:r>
+          </a:p>
+          <a:p>
+            <a:pPr lvl="0" indent="0" marL="0">
+              <a:buNone/>
+            </a:pPr>
+            <a:r>
+              <a:rPr/>
+              <a:t>235. Nowok B, Raab GM, Dibben C. Synthpop: Bespoke creation of synthetic data in r. 2016;74. doi:</a:t>
+            </a:r>
+            <a:r>
+              <a:rPr>
+                <a:hlinkClick r:id="rId233"/>
+              </a:rPr>
+              <a:t>10.18637/jss.v074.i11</a:t>
+            </a:r>
+          </a:p>
+          <a:p>
+            <a:pPr lvl="0" indent="0" marL="0">
+              <a:buNone/>
+            </a:pPr>
+            <a:r>
+              <a:rPr/>
+              <a:t>236. Francisco Rodríguez-Sánchez, Connor P. Jackson, Shaurita D. Hutchins. Grateful: Facilitate citation of r packages. 2023. </a:t>
+            </a:r>
+            <a:r>
+              <a:rPr>
+                <a:hlinkClick r:id="rId234"/>
+              </a:rPr>
+              <a:t>https://github.com/Pakillo/grateful.</a:t>
+            </a:r>
+          </a:p>
+          <a:p>
+            <a:pPr lvl="0" indent="0" marL="0">
+              <a:buNone/>
+            </a:pPr>
+            <a:r>
+              <a:rPr/>
+              <a:t>237. Zhao Y, Xiao N, Anderson K, Zhang Y. Electronic common technical document submission with analysis using R. </a:t>
+            </a:r>
+            <a:r>
+              <a:rPr i="1"/>
+              <a:t>Clinical Trials</a:t>
+            </a:r>
+            <a:r>
+              <a:rPr/>
+              <a:t>. 2022;20(1):89-92. doi:</a:t>
+            </a:r>
+            <a:r>
+              <a:rPr>
+                <a:hlinkClick r:id="rId235"/>
+              </a:rPr>
+              <a:t>10.1177/17407745221123244</a:t>
+            </a:r>
+          </a:p>
+          <a:p>
+            <a:pPr lvl="0" indent="0" marL="0">
+              <a:buNone/>
+            </a:pPr>
+            <a:r>
+              <a:rPr/>
+              <a:t>238. R Core Team. R: A language and environment for statistical computing. 2023. </a:t>
+            </a:r>
+            <a:r>
+              <a:rPr>
+                <a:hlinkClick r:id="rId236"/>
+              </a:rPr>
+              <a:t>https://www.R-project.org/.</a:t>
+            </a:r>
+          </a:p>
+          <a:p>
+            <a:pPr lvl="0" indent="0" marL="0">
+              <a:buNone/>
+            </a:pPr>
+            <a:r>
+              <a:rPr/>
+              <a:t>239. Allaire J, Xie Y, Dervieux C, et al. </a:t>
             </a:r>
             <a:r>
               <a:rPr i="1"/>
@@ -34070,7 +34325,7 @@
             </a:r>
             <a:r>
               <a:rPr>
-                <a:hlinkClick r:id="rId226"/>
+                <a:hlinkClick r:id="rId237"/>
               </a:rPr>
               <a:t>https://CRAN.R-project.org/package=rmarkdown.</a:t>
             </a:r>
@@ -34081,7 +34336,7 @@
             </a:pPr>
             <a:r>
               <a:rPr/>
-              <a:t>229. Holmes DT, Mobini M, McCudden CR. Reproducible manuscript preparation with RMarkdown application to JMSACL and other Elsevier Journals. </a:t>
+              <a:t>240. Holmes DT, Mobini M, McCudden CR. Reproducible manuscript preparation with RMarkdown application to JMSACL and other Elsevier Journals. </a:t>
             </a:r>
             <a:r>
               <a:rPr i="1"/>
@@ -34093,7 +34348,7 @@
             </a:r>
             <a:r>
               <a:rPr>
-                <a:hlinkClick r:id="rId227"/>
+                <a:hlinkClick r:id="rId238"/>
               </a:rPr>
               <a:t>10.1016/j.jmsacl.2021.09.002</a:t>
             </a:r>
@@ -34104,11 +34359,11 @@
             </a:pPr>
             <a:r>
               <a:rPr/>
-              <a:t>230. Gohel D, Ross N. Officedown: Enhanced ’r markdown’ format for ’word’ and ’PowerPoint’. 2023. </a:t>
-            </a:r>
-            <a:r>
-              <a:rPr>
-                <a:hlinkClick r:id="rId228"/>
+              <a:t>241. Gohel D, Ross N. Officedown: Enhanced ’r markdown’ format for ’word’ and ’PowerPoint’. 2023. </a:t>
+            </a:r>
+            <a:r>
+              <a:rPr>
+                <a:hlinkClick r:id="rId239"/>
               </a:rPr>
               <a:t>https://CRAN.R-project.org/package=officedown.</a:t>
             </a:r>
@@ -34119,11 +34374,11 @@
             </a:pPr>
             <a:r>
               <a:rPr/>
-              <a:t>231. Xie Y. Bookdown: Authoring books and technical documents with r markdown. 2023. </a:t>
-            </a:r>
-            <a:r>
-              <a:rPr>
-                <a:hlinkClick r:id="rId229"/>
+              <a:t>242. Xie Y. Bookdown: Authoring books and technical documents with r markdown. 2023. </a:t>
+            </a:r>
+            <a:r>
+              <a:rPr>
+                <a:hlinkClick r:id="rId240"/>
               </a:rPr>
               <a:t>https://github.com/rstudio/bookdown.</a:t>
             </a:r>
@@ -34134,7 +34389,7 @@
             </a:pPr>
             <a:r>
               <a:rPr/>
-              <a:t>232. Ioannidis JPA. How to Make More Published Research True. </a:t>
+              <a:t>243. Ioannidis JPA. How to Make More Published Research True. </a:t>
             </a:r>
             <a:r>
               <a:rPr i="1"/>
@@ -34146,7 +34401,7 @@
             </a:r>
             <a:r>
               <a:rPr>
-                <a:hlinkClick r:id="rId230"/>
+                <a:hlinkClick r:id="rId241"/>
               </a:rPr>
               <a:t>10.1371/journal.pmed.1001747</a:t>
             </a:r>
@@ -34157,11 +34412,11 @@
             </a:pPr>
             <a:r>
               <a:rPr/>
-              <a:t>233. Krieger N, Perzynski A, Dalton J. Projects: A project infrastructure for researchers. 2021. </a:t>
-            </a:r>
-            <a:r>
-              <a:rPr>
-                <a:hlinkClick r:id="rId231"/>
+              <a:t>244. Krieger N, Perzynski A, Dalton J. Projects: A project infrastructure for researchers. 2021. </a:t>
+            </a:r>
+            <a:r>
+              <a:rPr>
+                <a:hlinkClick r:id="rId242"/>
               </a:rPr>
               <a:t>https://CRAN.R-project.org/package=projects.</a:t>
             </a:r>
@@ -34172,155 +34427,11 @@
             </a:pPr>
             <a:r>
               <a:rPr/>
-              <a:t>234. Schwab, Simon, Held, Leonhard. Statistical programming: Small mistakes, big impacts. </a:t>
-            </a:r>
-            <a:r>
-              <a:rPr i="1"/>
-              <a:t>Wiley-Blackwell Publishing, Inc</a:t>
-            </a:r>
-            <a:r>
-              <a:rPr/>
-              <a:t>. 2021. doi:</a:t>
-            </a:r>
-            <a:r>
-              <a:rPr>
-                <a:hlinkClick r:id="rId232"/>
-              </a:rPr>
-              <a:t>10.5167/UZH-205154</a:t>
-            </a:r>
-          </a:p>
-          <a:p>
-            <a:pPr lvl="0" indent="0" marL="0">
-              <a:buNone/>
-            </a:pPr>
-            <a:r>
-              <a:rPr/>
-              <a:t>235. Eglen SJ, Marwick B, Halchenko YO, et al. Toward standard practices for sharing computer code and programs in neuroscience. </a:t>
-            </a:r>
-            <a:r>
-              <a:rPr i="1"/>
-              <a:t>Nature Neuroscience</a:t>
-            </a:r>
-            <a:r>
-              <a:rPr/>
-              <a:t>. 2017;20(6):770-773. doi:</a:t>
-            </a:r>
-            <a:r>
-              <a:rPr>
-                <a:hlinkClick r:id="rId233"/>
-              </a:rPr>
-              <a:t>10.1038/nn.4550</a:t>
-            </a:r>
-          </a:p>
-          <a:p>
-            <a:pPr lvl="0" indent="0" marL="0">
-              <a:buNone/>
-            </a:pPr>
-            <a:r>
-              <a:rPr/>
-              <a:t>236. Francisco Rodríguez-Sánchez, Connor P. Jackson, Shaurita D. Hutchins. Grateful: Facilitate citation of r packages. 2023. </a:t>
-            </a:r>
-            <a:r>
-              <a:rPr>
-                <a:hlinkClick r:id="rId234"/>
-              </a:rPr>
-              <a:t>https://github.com/Pakillo/grateful.</a:t>
-            </a:r>
-          </a:p>
-          <a:p>
-            <a:pPr lvl="0" indent="0" marL="0">
-              <a:buNone/>
-            </a:pPr>
-            <a:r>
-              <a:rPr/>
-              <a:t>237. Xie Y. formatR: Format r code automatically. 2022. </a:t>
-            </a:r>
-            <a:r>
-              <a:rPr>
-                <a:hlinkClick r:id="rId235"/>
-              </a:rPr>
-              <a:t>https://CRAN.R-project.org/package=formatR.</a:t>
-            </a:r>
-          </a:p>
-          <a:p>
-            <a:pPr lvl="0" indent="0" marL="0">
-              <a:buNone/>
-            </a:pPr>
-            <a:r>
-              <a:rPr/>
-              <a:t>238. Müller K, Walthert L. Styler: Non-invasive pretty printing of r code. 2023. </a:t>
-            </a:r>
-            <a:r>
-              <a:rPr>
-                <a:hlinkClick r:id="rId236"/>
-              </a:rPr>
-              <a:t>https://CRAN.R-project.org/package=styler.</a:t>
-            </a:r>
-          </a:p>
-          <a:p>
-            <a:pPr lvl="0" indent="0" marL="0">
-              <a:buNone/>
-            </a:pPr>
-            <a:r>
-              <a:rPr/>
-              <a:t>239. Nowok B, Raab GM, Dibben C. Synthpop: Bespoke creation of synthetic data in r. 2016;74. doi:</a:t>
-            </a:r>
-            <a:r>
-              <a:rPr>
-                <a:hlinkClick r:id="rId237"/>
-              </a:rPr>
-              <a:t>10.18637/jss.v074.i11</a:t>
-            </a:r>
-          </a:p>
-          <a:p>
-            <a:pPr lvl="0" indent="0" marL="0">
-              <a:buNone/>
-            </a:pPr>
-            <a:r>
-              <a:rPr/>
-              <a:t>240. Zhao Y, Xiao N, Anderson K, Zhang Y. Electronic common technical document submission with analysis using R. </a:t>
-            </a:r>
-            <a:r>
-              <a:rPr i="1"/>
-              <a:t>Clinical Trials</a:t>
-            </a:r>
-            <a:r>
-              <a:rPr/>
-              <a:t>. 2022;20(1):89-92. doi:</a:t>
-            </a:r>
-            <a:r>
-              <a:rPr>
-                <a:hlinkClick r:id="rId238"/>
-              </a:rPr>
-              <a:t>10.1177/17407745221123244</a:t>
-            </a:r>
-          </a:p>
-          <a:p>
-            <a:pPr lvl="0" indent="0" marL="0">
-              <a:buNone/>
-            </a:pPr>
-            <a:r>
-              <a:rPr/>
-              <a:t>241. R Core Team. R: A language and environment for statistical computing. 2023. </a:t>
-            </a:r>
-            <a:r>
-              <a:rPr>
-                <a:hlinkClick r:id="rId239"/>
-              </a:rPr>
-              <a:t>https://www.R-project.org/.</a:t>
-            </a:r>
-          </a:p>
-          <a:p>
-            <a:pPr lvl="0" indent="0" marL="0">
-              <a:buNone/>
-            </a:pPr>
-            <a:r>
-              <a:rPr/>
-              <a:t>242. Gohel D, Skintzos P. Flextable: Functions for tabular reporting. 2023. </a:t>
-            </a:r>
-            <a:r>
-              <a:rPr>
-                <a:hlinkClick r:id="rId240"/>
+              <a:t>245. Gohel D, Skintzos P. Flextable: Functions for tabular reporting. 2023. </a:t>
+            </a:r>
+            <a:r>
+              <a:rPr>
+                <a:hlinkClick r:id="rId243"/>
               </a:rPr>
               <a:t>https://CRAN.R-project.org/package=flextable.</a:t>
             </a:r>
@@ -34331,11 +34442,11 @@
             </a:pPr>
             <a:r>
               <a:rPr/>
-              <a:t>243. Urbanek S, Johnson K. Tiff: Read and write TIFF images. 2022. </a:t>
-            </a:r>
-            <a:r>
-              <a:rPr>
-                <a:hlinkClick r:id="rId241"/>
+              <a:t>246. Urbanek S, Johnson K. Tiff: Read and write TIFF images. 2022. </a:t>
+            </a:r>
+            <a:r>
+              <a:rPr>
+                <a:hlinkClick r:id="rId244"/>
               </a:rPr>
               <a:t>https://CRAN.R-project.org/package=tiff.</a:t>
             </a:r>
@@ -34346,7 +34457,7 @@
             </a:pPr>
             <a:r>
               <a:rPr/>
-              <a:t>244. Wallisch C, Bach P, Hafermann L, et al. Review of guidance papers on regression modeling in statistical series of medical journals. Mathes T, ed. </a:t>
+              <a:t>247. Wallisch C, Bach P, Hafermann L, et al. Review of guidance papers on regression modeling in statistical series of medical journals. Mathes T, ed. </a:t>
             </a:r>
             <a:r>
               <a:rPr i="1"/>
@@ -34358,7 +34469,7 @@
             </a:r>
             <a:r>
               <a:rPr>
-                <a:hlinkClick r:id="rId242"/>
+                <a:hlinkClick r:id="rId245"/>
               </a:rPr>
               <a:t>10.1371/journal.pone.0262918</a:t>
             </a:r>
@@ -34369,7 +34480,7 @@
             </a:pPr>
             <a:r>
               <a:rPr/>
-              <a:t>245. Lynggaard H, Bell J, Lösch C, et al. Principles and recommendations for incorporating estimands into clinical study protocol templates. </a:t>
+              <a:t>248. Lynggaard H, Bell J, Lösch C, et al. Principles and recommendations for incorporating estimands into clinical study protocol templates. </a:t>
             </a:r>
             <a:r>
               <a:rPr i="1"/>
@@ -34381,7 +34492,7 @@
             </a:r>
             <a:r>
               <a:rPr>
-                <a:hlinkClick r:id="rId243"/>
+                <a:hlinkClick r:id="rId246"/>
               </a:rPr>
               <a:t>10.1186/s13063-022-06515-2</a:t>
             </a:r>
@@ -34392,7 +34503,7 @@
             </a:pPr>
             <a:r>
               <a:rPr/>
-              <a:t>246. Althouse AD, Below JE, Claggett BL, et al. Recommendations for Statistical Reporting in Cardiovascular Medicine: A Special Report From the American Heart Association. </a:t>
+              <a:t>249. Althouse AD, Below JE, Claggett BL, et al. Recommendations for Statistical Reporting in Cardiovascular Medicine: A Special Report From the American Heart Association. </a:t>
             </a:r>
             <a:r>
               <a:rPr i="1"/>
@@ -34404,7 +34515,7 @@
             </a:r>
             <a:r>
               <a:rPr>
-                <a:hlinkClick r:id="rId244"/>
+                <a:hlinkClick r:id="rId247"/>
               </a:rPr>
               <a:t>10.1161/circulationaha.121.055393</a:t>
             </a:r>
@@ -34415,7 +34526,7 @@
             </a:pPr>
             <a:r>
               <a:rPr/>
-              <a:t>247. Lee KJ, Tilling KM, Cornish RP, et al. Framework for the treatment and reporting of missing data in observational studies: The Treatment And Reporting of Missing data in Observational Studies framework. </a:t>
+              <a:t>250. Lee KJ, Tilling KM, Cornish RP, et al. Framework for the treatment and reporting of missing data in observational studies: The Treatment And Reporting of Missing data in Observational Studies framework. </a:t>
             </a:r>
             <a:r>
               <a:rPr i="1"/>
@@ -34427,7 +34538,7 @@
             </a:r>
             <a:r>
               <a:rPr>
-                <a:hlinkClick r:id="rId245"/>
+                <a:hlinkClick r:id="rId248"/>
               </a:rPr>
               <a:t>10.1016/j.jclinepi.2021.01.008</a:t>
             </a:r>
@@ -34438,7 +34549,7 @@
             </a:pPr>
             <a:r>
               <a:rPr/>
-              <a:t>248. Vickers AJ, Assel MJ, Sjoberg DD, et al. Guidelines for Reporting of Figures and Tables for Clinical Research in Urology. </a:t>
+              <a:t>251. Vickers AJ, Assel MJ, Sjoberg DD, et al. Guidelines for Reporting of Figures and Tables for Clinical Research in Urology. </a:t>
             </a:r>
             <a:r>
               <a:rPr i="1"/>
@@ -34450,7 +34561,7 @@
             </a:r>
             <a:r>
               <a:rPr>
-                <a:hlinkClick r:id="rId246"/>
+                <a:hlinkClick r:id="rId249"/>
               </a:rPr>
               <a:t>10.1016/j.urology.2020.05.002</a:t>
             </a:r>
@@ -34461,7 +34572,7 @@
             </a:pPr>
             <a:r>
               <a:rPr/>
-              <a:t>249. Assel M, Sjoberg D, Elders A, et al. Guidelines for Reporting of Statistics for Clinical Research in Urology. </a:t>
+              <a:t>252. Assel M, Sjoberg D, Elders A, et al. Guidelines for Reporting of Statistics for Clinical Research in Urology. </a:t>
             </a:r>
             <a:r>
               <a:rPr i="1"/>
@@ -34473,7 +34584,7 @@
             </a:r>
             <a:r>
               <a:rPr>
-                <a:hlinkClick r:id="rId247"/>
+                <a:hlinkClick r:id="rId250"/>
               </a:rPr>
               <a:t>10.1097/ju.0000000000000001</a:t>
             </a:r>
@@ -34484,7 +34595,7 @@
             </a:pPr>
             <a:r>
               <a:rPr/>
-              <a:t>250. Gamble C, Krishan A, Stocken D, et al. Guidelines for the Content of Statistical Analysis Plans in Clinical Trials. </a:t>
+              <a:t>253. Gamble C, Krishan A, Stocken D, et al. Guidelines for the Content of Statistical Analysis Plans in Clinical Trials. </a:t>
             </a:r>
             <a:r>
               <a:rPr i="1"/>
@@ -34496,7 +34607,7 @@
             </a:r>
             <a:r>
               <a:rPr>
-                <a:hlinkClick r:id="rId248"/>
+                <a:hlinkClick r:id="rId251"/>
               </a:rPr>
               <a:t>10.1001/jama.2017.18556</a:t>
             </a:r>
@@ -34507,7 +34618,7 @@
             </a:pPr>
             <a:r>
               <a:rPr/>
-              <a:t>251. Lang TA, Altman DG. Basic statistical reporting for articles published in Biomedical Journals: The “Statistical Analyses and Methods in the Published Literature” or the SAMPL Guidelines. </a:t>
+              <a:t>254. Lang TA, Altman DG. Basic statistical reporting for articles published in Biomedical Journals: The “Statistical Analyses and Methods in the Published Literature” or the SAMPL Guidelines. </a:t>
             </a:r>
             <a:r>
               <a:rPr i="1"/>
@@ -34519,7 +34630,7 @@
             </a:r>
             <a:r>
               <a:rPr>
-                <a:hlinkClick r:id="rId249"/>
+                <a:hlinkClick r:id="rId252"/>
               </a:rPr>
               <a:t>10.1016/j.ijnurstu.2014.09.006</a:t>
             </a:r>
@@ -34530,7 +34641,7 @@
             </a:pPr>
             <a:r>
               <a:rPr/>
-              <a:t>252. Weissgerber TL, Milic NM, Winham SJ, Garovic VD. Beyond Bar and Line Graphs: Time for a New Data Presentation Paradigm. </a:t>
+              <a:t>255. Weissgerber TL, Milic NM, Winham SJ, Garovic VD. Beyond Bar and Line Graphs: Time for a New Data Presentation Paradigm. </a:t>
             </a:r>
             <a:r>
               <a:rPr i="1"/>
@@ -34542,7 +34653,7 @@
             </a:r>
             <a:r>
               <a:rPr>
-                <a:hlinkClick r:id="rId250"/>
+                <a:hlinkClick r:id="rId253"/>
               </a:rPr>
               <a:t>10.1371/journal.pbio.1002128</a:t>
             </a:r>
@@ -34553,7 +34664,7 @@
             </a:pPr>
             <a:r>
               <a:rPr/>
-              <a:t>253. Sauerbrei W, Abrahamowicz M, Altman DG, Cessie S, Carpenter J. STRengthening Analytical Thinking for Observational Studies: the STRATOS initiative. </a:t>
+              <a:t>256. Sauerbrei W, Abrahamowicz M, Altman DG, Cessie S, Carpenter J. STRengthening Analytical Thinking for Observational Studies: the STRATOS initiative. </a:t>
             </a:r>
             <a:r>
               <a:rPr i="1"/>
@@ -34565,7 +34676,7 @@
             </a:r>
             <a:r>
               <a:rPr>
-                <a:hlinkClick r:id="rId251"/>
+                <a:hlinkClick r:id="rId254"/>
               </a:rPr>
               <a:t>10.1002/sim.6265</a:t>
             </a:r>
@@ -34576,7 +34687,7 @@
             </a:pPr>
             <a:r>
               <a:rPr/>
-              <a:t>254. Groves T. Research methods and reporting. </a:t>
+              <a:t>257. Groves T. Research methods and reporting. </a:t>
             </a:r>
             <a:r>
               <a:rPr i="1"/>
@@ -34588,7 +34699,7 @@
             </a:r>
             <a:r>
               <a:rPr>
-                <a:hlinkClick r:id="rId252"/>
+                <a:hlinkClick r:id="rId255"/>
               </a:rPr>
               <a:t>10.1136/bmj.a2201</a:t>
             </a:r>
@@ -34599,7 +34710,7 @@
             </a:pPr>
             <a:r>
               <a:rPr/>
-              <a:t>255. Stratton IM, Neil A. How to ensure your paper is rejected by the statistical reviewer. </a:t>
+              <a:t>258. Stratton IM, Neil A. How to ensure your paper is rejected by the statistical reviewer. </a:t>
             </a:r>
             <a:r>
               <a:rPr i="1"/>
@@ -34611,7 +34722,7 @@
             </a:r>
             <a:r>
               <a:rPr>
-                <a:hlinkClick r:id="rId253"/>
+                <a:hlinkClick r:id="rId256"/>
               </a:rPr>
               <a:t>10.1111/j.1464-5491.2004.01443.x</a:t>
             </a:r>
@@ -34622,7 +34733,7 @@
             </a:pPr>
             <a:r>
               <a:rPr/>
-              <a:t>256. Mansournia MA, Collins GS, Nielsen RO, et al. A CHecklist for statistical Assessment of Medical Papers (the CHAMP statement): explanation and elaboration. </a:t>
+              <a:t>259. Mansournia MA, Collins GS, Nielsen RO, et al. A CHecklist for statistical Assessment of Medical Papers (the CHAMP statement): explanation and elaboration. </a:t>
             </a:r>
             <a:r>
               <a:rPr i="1"/>
@@ -34634,7 +34745,7 @@
             </a:r>
             <a:r>
               <a:rPr>
-                <a:hlinkClick r:id="rId254"/>
+                <a:hlinkClick r:id="rId257"/>
               </a:rPr>
               <a:t>10.1136/bjsports-2020-103652</a:t>
             </a:r>
@@ -34645,7 +34756,7 @@
             </a:pPr>
             <a:r>
               <a:rPr/>
-              <a:t>257. Gil-Sierra MD, Fénix-Caballero S, Abdel kader-Martin L, et al. Checklist for clinical applicability of subgroup analysis. </a:t>
+              <a:t>260. Gil-Sierra MD, Fénix-Caballero S, Abdel kader-Martin L, et al. Checklist for clinical applicability of subgroup analysis. </a:t>
             </a:r>
             <a:r>
               <a:rPr i="1"/>
@@ -34657,7 +34768,7 @@
             </a:r>
             <a:r>
               <a:rPr>
-                <a:hlinkClick r:id="rId255"/>
+                <a:hlinkClick r:id="rId258"/>
               </a:rPr>
               <a:t>10.1111/jcpt.13102</a:t>
             </a:r>
@@ -34668,7 +34779,7 @@
             </a:pPr>
             <a:r>
               <a:rPr/>
-              <a:t>258. Altman DG, Simera I, Hoey J, Moher D, Schulz K. EQUATOR: reporting guidelines for health research. </a:t>
+              <a:t>261. Altman DG, Simera I, Hoey J, Moher D, Schulz K. EQUATOR: reporting guidelines for health research. </a:t>
             </a:r>
             <a:r>
               <a:rPr i="1"/>
@@ -34680,7 +34791,7 @@
             </a:r>
             <a:r>
               <a:rPr>
-                <a:hlinkClick r:id="rId256"/>
+                <a:hlinkClick r:id="rId259"/>
               </a:rPr>
               <a:t>10.1016/s0140-6736(08)60505-x</a:t>
             </a:r>

--- a/docs/Ciencia-com-R.pptx
+++ b/docs/Ciencia-com-R.pptx
@@ -189,6 +189,7 @@
     <p:sldId id="437" r:id="rId183"/>
     <p:sldId id="438" r:id="rId184"/>
     <p:sldId id="439" r:id="rId185"/>
+    <p:sldId id="440" r:id="rId186"/>
   </p:sldIdLst>
   <p:sldSz cx="12192000" cy="6858000"/>
   <p:notesSz cx="6858000" cy="9144000"/>
@@ -13960,6 +13961,115 @@
           <p:cNvPr id="2" name="Title 1">
             <a:extLst>
               <a:ext uri="{FF2B5EF4-FFF2-40B4-BE49-F238E27FC236}">
+                <a16:creationId xmlns:a16="http://schemas.microsoft.com/office/drawing/2014/main" id="{0277F749-6ED4-3E49-963A-830033252F78}"/>
+              </a:ext>
+            </a:extLst>
+          </p:cNvPr>
+          <p:cNvSpPr>
+            <a:spLocks noGrp="1"/>
+          </p:cNvSpPr>
+          <p:nvPr>
+            <p:ph type="title"/>
+          </p:nvPr>
+        </p:nvSpPr>
+        <p:spPr>
+          <a:xfrm>
+            <a:off x="0" y="17256"/>
+            <a:ext cx="10515600" cy="663782"/>
+          </a:xfrm>
+        </p:spPr>
+        <p:txBody>
+          <a:bodyPr/>
+          <a:lstStyle/>
+          <a:p>
+            <a:pPr lvl="0" indent="0" marL="0">
+              <a:buNone/>
+            </a:pPr>
+            <a:r>
+              <a:rPr/>
+              <a:t>Responsividade</a:t>
+            </a:r>
+          </a:p>
+        </p:txBody>
+      </p:sp>
+      <p:sp>
+        <p:nvSpPr>
+          <p:cNvPr id="3" name="Content Placeholder 2">
+            <a:extLst>
+              <a:ext uri="{FF2B5EF4-FFF2-40B4-BE49-F238E27FC236}">
+                <a16:creationId xmlns:a16="http://schemas.microsoft.com/office/drawing/2014/main" id="{1574FA24-F1CC-B240-AAF9-A2DF684B1C54}"/>
+              </a:ext>
+            </a:extLst>
+          </p:cNvPr>
+          <p:cNvSpPr>
+            <a:spLocks noGrp="1"/>
+          </p:cNvSpPr>
+          <p:nvPr>
+            <p:ph idx="1"/>
+          </p:nvPr>
+        </p:nvSpPr>
+        <p:spPr/>
+        <p:txBody>
+          <a:bodyPr/>
+          <a:lstStyle/>
+          <a:p>
+            <a:pPr lvl="0" indent="0" marL="0">
+              <a:buNone/>
+            </a:pPr>
+          </a:p>
+          <a:p>
+            <a:pPr lvl="0" indent="0" marL="0">
+              <a:spcBef>
+                <a:spcPts val="3000"/>
+              </a:spcBef>
+              <a:buNone/>
+            </a:pPr>
+            <a:r>
+              <a:rPr b="1"/>
+              <a:t>O que é responsividade?</a:t>
+            </a:r>
+          </a:p>
+          <a:p>
+            <a:pPr lvl="0"/>
+            <a:r>
+              <a:rPr/>
+              <a:t>.[REF]</a:t>
+            </a:r>
+          </a:p>
+          <a:p>
+            <a:pPr lvl="0" indent="0" marL="0">
+              <a:buNone/>
+            </a:pPr>
+          </a:p>
+        </p:txBody>
+      </p:sp>
+    </p:spTree>
+  </p:cSld>
+</p:sld>
+</file>
+
+<file path=ppt/slides/slide151.xml><?xml version="1.0" encoding="utf-8"?>
+<p:sld xmlns:a="http://schemas.openxmlformats.org/drawingml/2006/main" xmlns:r="http://schemas.openxmlformats.org/officeDocument/2006/relationships" xmlns:p="http://schemas.openxmlformats.org/presentationml/2006/main">
+  <p:cSld>
+    <p:spTree>
+      <p:nvGrpSpPr>
+        <p:cNvPr id="1" name=""/>
+        <p:cNvGrpSpPr/>
+        <p:nvPr/>
+      </p:nvGrpSpPr>
+      <p:grpSpPr>
+        <a:xfrm>
+          <a:off x="0" y="0"/>
+          <a:ext cx="0" cy="0"/>
+          <a:chOff x="0" y="0"/>
+          <a:chExt cx="0" cy="0"/>
+        </a:xfrm>
+      </p:grpSpPr>
+      <p:sp>
+        <p:nvSpPr>
+          <p:cNvPr id="2" name="Title 1">
+            <a:extLst>
+              <a:ext uri="{FF2B5EF4-FFF2-40B4-BE49-F238E27FC236}">
                 <a16:creationId xmlns:a16="http://schemas.microsoft.com/office/drawing/2014/main" id="{28A92D45-5BAF-634B-BB37-8481089F9E28}"/>
               </a:ext>
             </a:extLst>
@@ -13996,7 +14106,7 @@
 </p:sld>
 </file>
 
-<file path=ppt/slides/slide151.xml><?xml version="1.0" encoding="utf-8"?>
+<file path=ppt/slides/slide152.xml><?xml version="1.0" encoding="utf-8"?>
 <p:sld xmlns:a="http://schemas.openxmlformats.org/drawingml/2006/main" xmlns:r="http://schemas.openxmlformats.org/officeDocument/2006/relationships" xmlns:p="http://schemas.openxmlformats.org/presentationml/2006/main">
   <p:cSld>
     <p:spTree>
@@ -14192,7 +14302,7 @@
 </p:sld>
 </file>
 
-<file path=ppt/slides/slide152.xml><?xml version="1.0" encoding="utf-8"?>
+<file path=ppt/slides/slide153.xml><?xml version="1.0" encoding="utf-8"?>
 <p:sld xmlns:a="http://schemas.openxmlformats.org/drawingml/2006/main" xmlns:r="http://schemas.openxmlformats.org/officeDocument/2006/relationships" xmlns:p="http://schemas.openxmlformats.org/presentationml/2006/main">
   <p:cSld>
     <p:spTree>
@@ -15158,7 +15268,7 @@
 </p:sld>
 </file>
 
-<file path=ppt/slides/slide153.xml><?xml version="1.0" encoding="utf-8"?>
+<file path=ppt/slides/slide154.xml><?xml version="1.0" encoding="utf-8"?>
 <p:sld xmlns:a="http://schemas.openxmlformats.org/drawingml/2006/main" xmlns:r="http://schemas.openxmlformats.org/officeDocument/2006/relationships" xmlns:p="http://schemas.openxmlformats.org/presentationml/2006/main">
   <p:cSld>
     <p:spTree>
@@ -15291,7 +15401,7 @@
 </p:sld>
 </file>
 
-<file path=ppt/slides/slide154.xml><?xml version="1.0" encoding="utf-8"?>
+<file path=ppt/slides/slide155.xml><?xml version="1.0" encoding="utf-8"?>
 <p:sld xmlns:a="http://schemas.openxmlformats.org/drawingml/2006/main" xmlns:r="http://schemas.openxmlformats.org/officeDocument/2006/relationships" xmlns:p="http://schemas.openxmlformats.org/presentationml/2006/main">
   <p:cSld>
     <p:spTree>
@@ -15341,115 +15451,6 @@
               <a:rPr b="1"/>
               <a:t>Meta-análise</a:t>
             </a:r>
-          </a:p>
-        </p:txBody>
-      </p:sp>
-    </p:spTree>
-  </p:cSld>
-</p:sld>
-</file>
-
-<file path=ppt/slides/slide155.xml><?xml version="1.0" encoding="utf-8"?>
-<p:sld xmlns:a="http://schemas.openxmlformats.org/drawingml/2006/main" xmlns:r="http://schemas.openxmlformats.org/officeDocument/2006/relationships" xmlns:p="http://schemas.openxmlformats.org/presentationml/2006/main">
-  <p:cSld>
-    <p:spTree>
-      <p:nvGrpSpPr>
-        <p:cNvPr id="1" name=""/>
-        <p:cNvGrpSpPr/>
-        <p:nvPr/>
-      </p:nvGrpSpPr>
-      <p:grpSpPr>
-        <a:xfrm>
-          <a:off x="0" y="0"/>
-          <a:ext cx="0" cy="0"/>
-          <a:chOff x="0" y="0"/>
-          <a:chExt cx="0" cy="0"/>
-        </a:xfrm>
-      </p:grpSpPr>
-      <p:sp>
-        <p:nvSpPr>
-          <p:cNvPr id="2" name="Title 1">
-            <a:extLst>
-              <a:ext uri="{FF2B5EF4-FFF2-40B4-BE49-F238E27FC236}">
-                <a16:creationId xmlns:a16="http://schemas.microsoft.com/office/drawing/2014/main" id="{0277F749-6ED4-3E49-963A-830033252F78}"/>
-              </a:ext>
-            </a:extLst>
-          </p:cNvPr>
-          <p:cNvSpPr>
-            <a:spLocks noGrp="1"/>
-          </p:cNvSpPr>
-          <p:nvPr>
-            <p:ph type="title"/>
-          </p:nvPr>
-        </p:nvSpPr>
-        <p:spPr>
-          <a:xfrm>
-            <a:off x="0" y="17256"/>
-            <a:ext cx="10515600" cy="663782"/>
-          </a:xfrm>
-        </p:spPr>
-        <p:txBody>
-          <a:bodyPr/>
-          <a:lstStyle/>
-          <a:p>
-            <a:pPr lvl="0" indent="0" marL="0">
-              <a:buNone/>
-            </a:pPr>
-            <a:r>
-              <a:rPr/>
-              <a:t>Meta-análise</a:t>
-            </a:r>
-          </a:p>
-        </p:txBody>
-      </p:sp>
-      <p:sp>
-        <p:nvSpPr>
-          <p:cNvPr id="3" name="Content Placeholder 2">
-            <a:extLst>
-              <a:ext uri="{FF2B5EF4-FFF2-40B4-BE49-F238E27FC236}">
-                <a16:creationId xmlns:a16="http://schemas.microsoft.com/office/drawing/2014/main" id="{1574FA24-F1CC-B240-AAF9-A2DF684B1C54}"/>
-              </a:ext>
-            </a:extLst>
-          </p:cNvPr>
-          <p:cNvSpPr>
-            <a:spLocks noGrp="1"/>
-          </p:cNvSpPr>
-          <p:nvPr>
-            <p:ph idx="1"/>
-          </p:nvPr>
-        </p:nvSpPr>
-        <p:spPr/>
-        <p:txBody>
-          <a:bodyPr/>
-          <a:lstStyle/>
-          <a:p>
-            <a:pPr lvl="0" indent="0" marL="0">
-              <a:buNone/>
-            </a:pPr>
-          </a:p>
-          <a:p>
-            <a:pPr lvl="0" indent="0" marL="0">
-              <a:spcBef>
-                <a:spcPts val="3000"/>
-              </a:spcBef>
-              <a:buNone/>
-            </a:pPr>
-            <a:r>
-              <a:rPr b="1"/>
-              <a:t>O que é meta-análise?</a:t>
-            </a:r>
-          </a:p>
-          <a:p>
-            <a:pPr lvl="0"/>
-            <a:r>
-              <a:rPr/>
-              <a:t>.[]</a:t>
-            </a:r>
-          </a:p>
-          <a:p>
-            <a:pPr lvl="0" indent="0" marL="0">
-              <a:buNone/>
-            </a:pPr>
           </a:p>
         </p:txBody>
       </p:sp>
@@ -15506,375 +15507,62 @@
             </a:pPr>
             <a:r>
               <a:rPr/>
-              <a:t>Interpretação de efeitos em meta-análise</a:t>
+              <a:t>Meta-análise</a:t>
             </a:r>
           </a:p>
         </p:txBody>
       </p:sp>
-      <mc:AlternateContent xmlns:mc="http://schemas.openxmlformats.org/markup-compatibility/2006">
-        <mc:Choice xmlns:a14="http://schemas.microsoft.com/office/drawing/2010/main" Requires="a14">
-          <p:sp>
-            <p:nvSpPr>
-              <p:cNvPr id="3" name="Content Placeholder 2">
-                <a:extLst>
-                  <a:ext uri="{FF2B5EF4-FFF2-40B4-BE49-F238E27FC236}">
-                    <a16:creationId xmlns:a16="http://schemas.microsoft.com/office/drawing/2014/main" id="{1574FA24-F1CC-B240-AAF9-A2DF684B1C54}"/>
-                  </a:ext>
-                </a:extLst>
-              </p:cNvPr>
-              <p:cNvSpPr>
-                <a:spLocks noGrp="1"/>
-              </p:cNvSpPr>
-              <p:nvPr>
-                <p:ph idx="1"/>
-              </p:nvPr>
-            </p:nvSpPr>
-            <p:spPr/>
-            <p:txBody>
-              <a:bodyPr/>
-              <a:lstStyle/>
-              <a:p>
-                <a:pPr lvl="0" indent="0" marL="0">
-                  <a:buNone/>
-                </a:pPr>
-              </a:p>
-              <a:p>
-                <a:pPr lvl="0" indent="0" marL="0">
-                  <a:spcBef>
-                    <a:spcPts val="3000"/>
-                  </a:spcBef>
-                  <a:buNone/>
-                </a:pPr>
-                <a:r>
-                  <a:rPr b="1"/>
-                  <a:t>Como avaliar a variação do tamanho do efeito?</a:t>
-                </a:r>
-              </a:p>
-              <a:p>
-                <a:pPr lvl="0"/>
-                <a:r>
-                  <a:rPr/>
-                  <a:t>O intervalo de predição contém informação sobre a variação do tamanho do efeito.</a:t>
-                </a:r>
-                <a:r>
-                  <a:rPr baseline="30000"/>
-                  <a:t>224</a:t>
-                </a:r>
-              </a:p>
-              <a:p>
-                <a:pPr lvl="0"/>
-                <a:r>
-                  <a:rPr/>
-                  <a:t>Se o intervalo de predição não contém a hipótese nula (</a:t>
-                </a:r>
-                <a14:m>
-                  <m:oMath xmlns:m="http://schemas.openxmlformats.org/officeDocument/2006/math">
-                    <m:sSub>
-                      <m:e>
-                        <m:r>
-                          <m:t>H</m:t>
-                        </m:r>
-                      </m:e>
-                      <m:sub>
-                        <m:r>
-                          <m:t>0</m:t>
-                        </m:r>
-                      </m:sub>
-                    </m:sSub>
-                  </m:oMath>
-                </a14:m>
-                <a:r>
-                  <a:rPr/>
-                  <a:t>), podemos concluir que (a) o tratamento funciona igualmente bem em todas as populações, ou que ele funciona melhor em algumas populações do que em outras.</a:t>
-                </a:r>
-                <a:r>
-                  <a:rPr baseline="30000"/>
-                  <a:t>224</a:t>
-                </a:r>
-              </a:p>
-              <a:p>
-                <a:pPr lvl="0"/>
-                <a:r>
-                  <a:rPr/>
-                  <a:t>Se o intervalo de predição contém a hipótese nula (</a:t>
-                </a:r>
-                <a14:m>
-                  <m:oMath xmlns:m="http://schemas.openxmlformats.org/officeDocument/2006/math">
-                    <m:sSub>
-                      <m:e>
-                        <m:r>
-                          <m:t>H</m:t>
-                        </m:r>
-                      </m:e>
-                      <m:sub>
-                        <m:r>
-                          <m:t>0</m:t>
-                        </m:r>
-                      </m:sub>
-                    </m:sSub>
-                  </m:oMath>
-                </a14:m>
-                <a:r>
-                  <a:rPr/>
-                  <a:t>), podemos concluir que o tratamento pode ser benéfico em algumas populações, mas prejudicial em outras, de modo que a estimativa pontual (geralmente a média) torna-se amplamente irrelevante. Nesse caso, é recomendado investigar em que populações o tratamento seria benéfico e em quais causaria danos.</a:t>
-                </a:r>
-                <a:r>
-                  <a:rPr baseline="30000"/>
-                  <a:t>224</a:t>
-                </a:r>
-              </a:p>
-              <a:p>
-                <a:pPr lvl="0" indent="0" marL="0">
-                  <a:buNone/>
-                </a:pPr>
-              </a:p>
-              <a:p>
-                <a:pPr lvl="0" indent="0" marL="0">
-                  <a:spcBef>
-                    <a:spcPts val="3000"/>
-                  </a:spcBef>
-                  <a:buNone/>
-                </a:pPr>
-                <a:r>
-                  <a:rPr b="1"/>
-                  <a:t>Como avaliar a heterogeneidade entre os estudos?</a:t>
-                </a:r>
-              </a:p>
-              <a:p>
-                <a:pPr lvl="0"/>
-                <a:r>
-                  <a:rPr/>
-                  <a:t>A heterogeneidade - variação não-aleatória - no efeito do tratamento entre os estudos incluídos em uma meta-análise pode ser avaliada pelo </a:t>
-                </a:r>
-                <a14:m>
-                  <m:oMath xmlns:m="http://schemas.openxmlformats.org/officeDocument/2006/math">
-                    <m:sSup>
-                      <m:e>
-                        <m:r>
-                          <m:t>I</m:t>
-                        </m:r>
-                      </m:e>
-                      <m:sup>
-                        <m:r>
-                          <m:t>2</m:t>
-                        </m:r>
-                      </m:sup>
-                    </m:sSup>
-                  </m:oMath>
-                </a14:m>
-                <a:r>
-                  <a:rPr/>
-                  <a:t>.</a:t>
-                </a:r>
-                <a:r>
-                  <a:rPr baseline="30000"/>
-                  <a:t>224,225</a:t>
-                </a:r>
-              </a:p>
-              <a:p>
-                <a:pPr lvl="0"/>
-                <a14:m>
-                  <m:oMath xmlns:m="http://schemas.openxmlformats.org/officeDocument/2006/math">
-                    <m:sSup>
-                      <m:e>
-                        <m:r>
-                          <m:t>I</m:t>
-                        </m:r>
-                      </m:e>
-                      <m:sup>
-                        <m:r>
-                          <m:t>2</m:t>
-                        </m:r>
-                      </m:sup>
-                    </m:sSup>
-                  </m:oMath>
-                </a14:m>
-                <a:r>
-                  <a:rPr/>
-                  <a:t> representa qual proporção da variância observada reflete a variância nos efeitos verdadeiros em vez do erro de amostragem.</a:t>
-                </a:r>
-                <a:r>
-                  <a:rPr baseline="30000"/>
-                  <a:t>224</a:t>
-                </a:r>
-              </a:p>
-              <a:p>
-                <a:pPr lvl="0"/>
-                <a14:m>
-                  <m:oMath xmlns:m="http://schemas.openxmlformats.org/officeDocument/2006/math">
-                    <m:sSup>
-                      <m:e>
-                        <m:r>
-                          <m:t>I</m:t>
-                        </m:r>
-                      </m:e>
-                      <m:sup>
-                        <m:r>
-                          <m:t>2</m:t>
-                        </m:r>
-                      </m:sup>
-                    </m:sSup>
-                  </m:oMath>
-                </a14:m>
-                <a:r>
-                  <a:rPr/>
-                  <a:t> não depende da quantidade de estudos incluídos na meta-análise. Entretanto, </a:t>
-                </a:r>
-                <a14:m>
-                  <m:oMath xmlns:m="http://schemas.openxmlformats.org/officeDocument/2006/math">
-                    <m:sSup>
-                      <m:e>
-                        <m:r>
-                          <m:t>I</m:t>
-                        </m:r>
-                      </m:e>
-                      <m:sup>
-                        <m:r>
-                          <m:t>2</m:t>
-                        </m:r>
-                      </m:sup>
-                    </m:sSup>
-                  </m:oMath>
-                </a14:m>
-                <a:r>
-                  <a:rPr/>
-                  <a:t> aumenta com a quantidade de participantes incluídos nos estudos meta-analisados.</a:t>
-                </a:r>
-                <a:r>
-                  <a:rPr baseline="30000"/>
-                  <a:t>225</a:t>
-                </a:r>
-              </a:p>
-              <a:p>
-                <a:pPr lvl="0"/>
-                <a:r>
-                  <a:rPr/>
-                  <a:t>A heterogeneidade entre estudos é explicada de modo mais confiável utilizando dados de pacientes individuais, uma vez que a direção verdadeira da modificação de efeito não pode ser observada a partir de dados agregados no estudo.</a:t>
-                </a:r>
-                <a:r>
-                  <a:rPr baseline="30000"/>
-                  <a:t>226</a:t>
-                </a:r>
-              </a:p>
-              <a:p>
-                <a:pPr lvl="0" indent="0" marL="0">
-                  <a:buNone/>
-                </a:pPr>
-              </a:p>
-              <a:p>
-                <a:pPr lvl="0" indent="0" marL="0">
-                  <a:buNone/>
-                </a:pPr>
-                <a:r>
-                  <a:rPr/>
-                  <a:t>O pacote </a:t>
-                </a:r>
-                <a:r>
-                  <a:rPr i="1"/>
-                  <a:t>metagear</a:t>
-                </a:r>
-                <a:r>
-                  <a:rPr baseline="30000"/>
-                  <a:t>227</a:t>
-                </a:r>
-                <a:r>
-                  <a:rPr/>
-                  <a:t> fornece funções para condução e análise de revisões sistemáticas.</a:t>
-                </a:r>
-              </a:p>
-              <a:p>
-                <a:pPr lvl="0" indent="0" marL="0">
-                  <a:buNone/>
-                </a:pPr>
-              </a:p>
-              <a:p>
-                <a:pPr lvl="0" indent="0" marL="0">
-                  <a:buNone/>
-                </a:pPr>
-                <a:r>
-                  <a:rPr/>
-                  <a:t>O pacote </a:t>
-                </a:r>
-                <a:r>
-                  <a:rPr i="1"/>
-                  <a:t>metagear</a:t>
-                </a:r>
-                <a:r>
-                  <a:rPr baseline="30000"/>
-                  <a:t>227</a:t>
-                </a:r>
-                <a:r>
-                  <a:rPr/>
-                  <a:t> fornece a função </a:t>
-                </a:r>
-                <a:r>
-                  <a:rPr i="1">
-                    <a:hlinkClick r:id="rId2"/>
-                  </a:rPr>
-                  <a:t>plot_PRISMA</a:t>
-                </a:r>
-                <a:r>
-                  <a:rPr/>
-                  <a:t> para gerar o fluxograma de uma revisão sistemática de acordo com o </a:t>
-                </a:r>
-                <a:r>
-                  <a:rPr i="1"/>
-                  <a:t>Preferred Reporting Items for Systematic Reviews and Meta-Analyses</a:t>
-                </a:r>
-                <a:r>
-                  <a:rPr baseline="30000"/>
-                  <a:t>228</a:t>
-                </a:r>
-                <a:r>
-                  <a:rPr/>
-                  <a:t>.</a:t>
-                </a:r>
-              </a:p>
-              <a:p>
-                <a:pPr lvl="0" indent="0" marL="0">
-                  <a:buNone/>
-                </a:pPr>
-              </a:p>
-              <a:p>
-                <a:pPr lvl="0" indent="0" marL="0">
-                  <a:buNone/>
-                </a:pPr>
-                <a:r>
-                  <a:rPr/>
-                  <a:t>O pacote </a:t>
-                </a:r>
-                <a:r>
-                  <a:rPr i="1"/>
-                  <a:t>PRISMA2020</a:t>
-                </a:r>
-                <a:r>
-                  <a:rPr baseline="30000"/>
-                  <a:t>229,230</a:t>
-                </a:r>
-                <a:r>
-                  <a:rPr/>
-                  <a:t> fornece a função </a:t>
-                </a:r>
-                <a:r>
-                  <a:rPr i="1">
-                    <a:hlinkClick r:id="rId3"/>
-                  </a:rPr>
-                  <a:t>PRISMA_flowdiagram</a:t>
-                </a:r>
-                <a:r>
-                  <a:rPr/>
-                  <a:t> para elaboração do fluxograma de revisões sistemáticas no formato padrão.</a:t>
-                </a:r>
-              </a:p>
-              <a:p>
-                <a:pPr lvl="0" indent="0" marL="0">
-                  <a:buNone/>
-                </a:pPr>
-              </a:p>
-            </p:txBody>
-          </p:sp>
-        </mc:Choice>
-      </mc:AlternateContent>
+      <p:sp>
+        <p:nvSpPr>
+          <p:cNvPr id="3" name="Content Placeholder 2">
+            <a:extLst>
+              <a:ext uri="{FF2B5EF4-FFF2-40B4-BE49-F238E27FC236}">
+                <a16:creationId xmlns:a16="http://schemas.microsoft.com/office/drawing/2014/main" id="{1574FA24-F1CC-B240-AAF9-A2DF684B1C54}"/>
+              </a:ext>
+            </a:extLst>
+          </p:cNvPr>
+          <p:cNvSpPr>
+            <a:spLocks noGrp="1"/>
+          </p:cNvSpPr>
+          <p:nvPr>
+            <p:ph idx="1"/>
+          </p:nvPr>
+        </p:nvSpPr>
+        <p:spPr/>
+        <p:txBody>
+          <a:bodyPr/>
+          <a:lstStyle/>
+          <a:p>
+            <a:pPr lvl="0" indent="0" marL="0">
+              <a:buNone/>
+            </a:pPr>
+          </a:p>
+          <a:p>
+            <a:pPr lvl="0" indent="0" marL="0">
+              <a:spcBef>
+                <a:spcPts val="3000"/>
+              </a:spcBef>
+              <a:buNone/>
+            </a:pPr>
+            <a:r>
+              <a:rPr b="1"/>
+              <a:t>O que é meta-análise?</a:t>
+            </a:r>
+          </a:p>
+          <a:p>
+            <a:pPr lvl="0"/>
+            <a:r>
+              <a:rPr/>
+              <a:t>.[]</a:t>
+            </a:r>
+          </a:p>
+          <a:p>
+            <a:pPr lvl="0" indent="0" marL="0">
+              <a:buNone/>
+            </a:pPr>
+          </a:p>
+        </p:txBody>
+      </p:sp>
     </p:spTree>
   </p:cSld>
 </p:sld>
@@ -15902,7 +15590,7 @@
           <p:cNvPr id="2" name="Title 1">
             <a:extLst>
               <a:ext uri="{FF2B5EF4-FFF2-40B4-BE49-F238E27FC236}">
-                <a16:creationId xmlns:a16="http://schemas.microsoft.com/office/drawing/2014/main" id="{28A92D45-5BAF-634B-BB37-8481089F9E28}"/>
+                <a16:creationId xmlns:a16="http://schemas.microsoft.com/office/drawing/2014/main" id="{0277F749-6ED4-3E49-963A-830033252F78}"/>
               </a:ext>
             </a:extLst>
           </p:cNvPr>
@@ -15915,8 +15603,8 @@
         </p:nvSpPr>
         <p:spPr>
           <a:xfrm>
-            <a:off x="831850" y="1709738"/>
-            <a:ext cx="10515600" cy="2852737"/>
+            <a:off x="0" y="17256"/>
+            <a:ext cx="10515600" cy="663782"/>
           </a:xfrm>
         </p:spPr>
         <p:txBody>
@@ -15927,12 +15615,376 @@
               <a:buNone/>
             </a:pPr>
             <a:r>
-              <a:rPr i="1"/>
-              <a:t>Parte 5 - Produção Científica</a:t>
+              <a:rPr/>
+              <a:t>Interpretação de efeitos em meta-análise</a:t>
             </a:r>
           </a:p>
         </p:txBody>
       </p:sp>
+      <mc:AlternateContent xmlns:mc="http://schemas.openxmlformats.org/markup-compatibility/2006">
+        <mc:Choice xmlns:a14="http://schemas.microsoft.com/office/drawing/2010/main" Requires="a14">
+          <p:sp>
+            <p:nvSpPr>
+              <p:cNvPr id="3" name="Content Placeholder 2">
+                <a:extLst>
+                  <a:ext uri="{FF2B5EF4-FFF2-40B4-BE49-F238E27FC236}">
+                    <a16:creationId xmlns:a16="http://schemas.microsoft.com/office/drawing/2014/main" id="{1574FA24-F1CC-B240-AAF9-A2DF684B1C54}"/>
+                  </a:ext>
+                </a:extLst>
+              </p:cNvPr>
+              <p:cNvSpPr>
+                <a:spLocks noGrp="1"/>
+              </p:cNvSpPr>
+              <p:nvPr>
+                <p:ph idx="1"/>
+              </p:nvPr>
+            </p:nvSpPr>
+            <p:spPr/>
+            <p:txBody>
+              <a:bodyPr/>
+              <a:lstStyle/>
+              <a:p>
+                <a:pPr lvl="0" indent="0" marL="0">
+                  <a:buNone/>
+                </a:pPr>
+              </a:p>
+              <a:p>
+                <a:pPr lvl="0" indent="0" marL="0">
+                  <a:spcBef>
+                    <a:spcPts val="3000"/>
+                  </a:spcBef>
+                  <a:buNone/>
+                </a:pPr>
+                <a:r>
+                  <a:rPr b="1"/>
+                  <a:t>Como avaliar a variação do tamanho do efeito?</a:t>
+                </a:r>
+              </a:p>
+              <a:p>
+                <a:pPr lvl="0"/>
+                <a:r>
+                  <a:rPr/>
+                  <a:t>O intervalo de predição contém informação sobre a variação do tamanho do efeito.</a:t>
+                </a:r>
+                <a:r>
+                  <a:rPr baseline="30000"/>
+                  <a:t>224</a:t>
+                </a:r>
+              </a:p>
+              <a:p>
+                <a:pPr lvl="0"/>
+                <a:r>
+                  <a:rPr/>
+                  <a:t>Se o intervalo de predição não contém a hipótese nula (</a:t>
+                </a:r>
+                <a14:m>
+                  <m:oMath xmlns:m="http://schemas.openxmlformats.org/officeDocument/2006/math">
+                    <m:sSub>
+                      <m:e>
+                        <m:r>
+                          <m:t>H</m:t>
+                        </m:r>
+                      </m:e>
+                      <m:sub>
+                        <m:r>
+                          <m:t>0</m:t>
+                        </m:r>
+                      </m:sub>
+                    </m:sSub>
+                  </m:oMath>
+                </a14:m>
+                <a:r>
+                  <a:rPr/>
+                  <a:t>), podemos concluir que (a) o tratamento funciona igualmente bem em todas as populações, ou que ele funciona melhor em algumas populações do que em outras.</a:t>
+                </a:r>
+                <a:r>
+                  <a:rPr baseline="30000"/>
+                  <a:t>224</a:t>
+                </a:r>
+              </a:p>
+              <a:p>
+                <a:pPr lvl="0"/>
+                <a:r>
+                  <a:rPr/>
+                  <a:t>Se o intervalo de predição contém a hipótese nula (</a:t>
+                </a:r>
+                <a14:m>
+                  <m:oMath xmlns:m="http://schemas.openxmlformats.org/officeDocument/2006/math">
+                    <m:sSub>
+                      <m:e>
+                        <m:r>
+                          <m:t>H</m:t>
+                        </m:r>
+                      </m:e>
+                      <m:sub>
+                        <m:r>
+                          <m:t>0</m:t>
+                        </m:r>
+                      </m:sub>
+                    </m:sSub>
+                  </m:oMath>
+                </a14:m>
+                <a:r>
+                  <a:rPr/>
+                  <a:t>), podemos concluir que o tratamento pode ser benéfico em algumas populações, mas prejudicial em outras, de modo que a estimativa pontual (geralmente a média) torna-se amplamente irrelevante. Nesse caso, é recomendado investigar em que populações o tratamento seria benéfico e em quais causaria danos.</a:t>
+                </a:r>
+                <a:r>
+                  <a:rPr baseline="30000"/>
+                  <a:t>224</a:t>
+                </a:r>
+              </a:p>
+              <a:p>
+                <a:pPr lvl="0" indent="0" marL="0">
+                  <a:buNone/>
+                </a:pPr>
+              </a:p>
+              <a:p>
+                <a:pPr lvl="0" indent="0" marL="0">
+                  <a:spcBef>
+                    <a:spcPts val="3000"/>
+                  </a:spcBef>
+                  <a:buNone/>
+                </a:pPr>
+                <a:r>
+                  <a:rPr b="1"/>
+                  <a:t>Como avaliar a heterogeneidade entre os estudos?</a:t>
+                </a:r>
+              </a:p>
+              <a:p>
+                <a:pPr lvl="0"/>
+                <a:r>
+                  <a:rPr/>
+                  <a:t>A heterogeneidade - variação não-aleatória - no efeito do tratamento entre os estudos incluídos em uma meta-análise pode ser avaliada pelo </a:t>
+                </a:r>
+                <a14:m>
+                  <m:oMath xmlns:m="http://schemas.openxmlformats.org/officeDocument/2006/math">
+                    <m:sSup>
+                      <m:e>
+                        <m:r>
+                          <m:t>I</m:t>
+                        </m:r>
+                      </m:e>
+                      <m:sup>
+                        <m:r>
+                          <m:t>2</m:t>
+                        </m:r>
+                      </m:sup>
+                    </m:sSup>
+                  </m:oMath>
+                </a14:m>
+                <a:r>
+                  <a:rPr/>
+                  <a:t>.</a:t>
+                </a:r>
+                <a:r>
+                  <a:rPr baseline="30000"/>
+                  <a:t>224,225</a:t>
+                </a:r>
+              </a:p>
+              <a:p>
+                <a:pPr lvl="0"/>
+                <a14:m>
+                  <m:oMath xmlns:m="http://schemas.openxmlformats.org/officeDocument/2006/math">
+                    <m:sSup>
+                      <m:e>
+                        <m:r>
+                          <m:t>I</m:t>
+                        </m:r>
+                      </m:e>
+                      <m:sup>
+                        <m:r>
+                          <m:t>2</m:t>
+                        </m:r>
+                      </m:sup>
+                    </m:sSup>
+                  </m:oMath>
+                </a14:m>
+                <a:r>
+                  <a:rPr/>
+                  <a:t> representa qual proporção da variância observada reflete a variância nos efeitos verdadeiros em vez do erro de amostragem.</a:t>
+                </a:r>
+                <a:r>
+                  <a:rPr baseline="30000"/>
+                  <a:t>224</a:t>
+                </a:r>
+              </a:p>
+              <a:p>
+                <a:pPr lvl="0"/>
+                <a14:m>
+                  <m:oMath xmlns:m="http://schemas.openxmlformats.org/officeDocument/2006/math">
+                    <m:sSup>
+                      <m:e>
+                        <m:r>
+                          <m:t>I</m:t>
+                        </m:r>
+                      </m:e>
+                      <m:sup>
+                        <m:r>
+                          <m:t>2</m:t>
+                        </m:r>
+                      </m:sup>
+                    </m:sSup>
+                  </m:oMath>
+                </a14:m>
+                <a:r>
+                  <a:rPr/>
+                  <a:t> não depende da quantidade de estudos incluídos na meta-análise. Entretanto, </a:t>
+                </a:r>
+                <a14:m>
+                  <m:oMath xmlns:m="http://schemas.openxmlformats.org/officeDocument/2006/math">
+                    <m:sSup>
+                      <m:e>
+                        <m:r>
+                          <m:t>I</m:t>
+                        </m:r>
+                      </m:e>
+                      <m:sup>
+                        <m:r>
+                          <m:t>2</m:t>
+                        </m:r>
+                      </m:sup>
+                    </m:sSup>
+                  </m:oMath>
+                </a14:m>
+                <a:r>
+                  <a:rPr/>
+                  <a:t> aumenta com a quantidade de participantes incluídos nos estudos meta-analisados.</a:t>
+                </a:r>
+                <a:r>
+                  <a:rPr baseline="30000"/>
+                  <a:t>225</a:t>
+                </a:r>
+              </a:p>
+              <a:p>
+                <a:pPr lvl="0"/>
+                <a:r>
+                  <a:rPr/>
+                  <a:t>A heterogeneidade entre estudos é explicada de modo mais confiável utilizando dados de pacientes individuais, uma vez que a direção verdadeira da modificação de efeito não pode ser observada a partir de dados agregados no estudo.</a:t>
+                </a:r>
+                <a:r>
+                  <a:rPr baseline="30000"/>
+                  <a:t>226</a:t>
+                </a:r>
+              </a:p>
+              <a:p>
+                <a:pPr lvl="0" indent="0" marL="0">
+                  <a:buNone/>
+                </a:pPr>
+              </a:p>
+              <a:p>
+                <a:pPr lvl="0" indent="0" marL="0">
+                  <a:buNone/>
+                </a:pPr>
+                <a:r>
+                  <a:rPr/>
+                  <a:t>O pacote </a:t>
+                </a:r>
+                <a:r>
+                  <a:rPr i="1"/>
+                  <a:t>metagear</a:t>
+                </a:r>
+                <a:r>
+                  <a:rPr baseline="30000"/>
+                  <a:t>227</a:t>
+                </a:r>
+                <a:r>
+                  <a:rPr/>
+                  <a:t> fornece funções para condução e análise de revisões sistemáticas.</a:t>
+                </a:r>
+              </a:p>
+              <a:p>
+                <a:pPr lvl="0" indent="0" marL="0">
+                  <a:buNone/>
+                </a:pPr>
+              </a:p>
+              <a:p>
+                <a:pPr lvl="0" indent="0" marL="0">
+                  <a:buNone/>
+                </a:pPr>
+                <a:r>
+                  <a:rPr/>
+                  <a:t>O pacote </a:t>
+                </a:r>
+                <a:r>
+                  <a:rPr i="1"/>
+                  <a:t>metagear</a:t>
+                </a:r>
+                <a:r>
+                  <a:rPr baseline="30000"/>
+                  <a:t>227</a:t>
+                </a:r>
+                <a:r>
+                  <a:rPr/>
+                  <a:t> fornece a função </a:t>
+                </a:r>
+                <a:r>
+                  <a:rPr i="1">
+                    <a:hlinkClick r:id="rId2"/>
+                  </a:rPr>
+                  <a:t>plot_PRISMA</a:t>
+                </a:r>
+                <a:r>
+                  <a:rPr/>
+                  <a:t> para gerar o fluxograma de uma revisão sistemática de acordo com o </a:t>
+                </a:r>
+                <a:r>
+                  <a:rPr i="1"/>
+                  <a:t>Preferred Reporting Items for Systematic Reviews and Meta-Analyses</a:t>
+                </a:r>
+                <a:r>
+                  <a:rPr baseline="30000"/>
+                  <a:t>228</a:t>
+                </a:r>
+                <a:r>
+                  <a:rPr/>
+                  <a:t>.</a:t>
+                </a:r>
+              </a:p>
+              <a:p>
+                <a:pPr lvl="0" indent="0" marL="0">
+                  <a:buNone/>
+                </a:pPr>
+              </a:p>
+              <a:p>
+                <a:pPr lvl="0" indent="0" marL="0">
+                  <a:buNone/>
+                </a:pPr>
+                <a:r>
+                  <a:rPr/>
+                  <a:t>O pacote </a:t>
+                </a:r>
+                <a:r>
+                  <a:rPr i="1"/>
+                  <a:t>PRISMA2020</a:t>
+                </a:r>
+                <a:r>
+                  <a:rPr baseline="30000"/>
+                  <a:t>229,230</a:t>
+                </a:r>
+                <a:r>
+                  <a:rPr/>
+                  <a:t> fornece a função </a:t>
+                </a:r>
+                <a:r>
+                  <a:rPr i="1">
+                    <a:hlinkClick r:id="rId3"/>
+                  </a:rPr>
+                  <a:t>PRISMA_flowdiagram</a:t>
+                </a:r>
+                <a:r>
+                  <a:rPr/>
+                  <a:t> para elaboração do fluxograma de revisões sistemáticas no formato padrão.</a:t>
+                </a:r>
+              </a:p>
+              <a:p>
+                <a:pPr lvl="0" indent="0" marL="0">
+                  <a:buNone/>
+                </a:pPr>
+              </a:p>
+            </p:txBody>
+          </p:sp>
+        </mc:Choice>
+      </mc:AlternateContent>
     </p:spTree>
   </p:cSld>
 </p:sld>
@@ -15985,8 +16037,8 @@
               <a:buNone/>
             </a:pPr>
             <a:r>
-              <a:rPr b="1"/>
-              <a:t>Computação estatística</a:t>
+              <a:rPr i="1"/>
+              <a:t>Parte 5 - Produção Científica</a:t>
             </a:r>
           </a:p>
         </p:txBody>
@@ -16018,7 +16070,7 @@
           <p:cNvPr id="2" name="Title 1">
             <a:extLst>
               <a:ext uri="{FF2B5EF4-FFF2-40B4-BE49-F238E27FC236}">
-                <a16:creationId xmlns:a16="http://schemas.microsoft.com/office/drawing/2014/main" id="{0277F749-6ED4-3E49-963A-830033252F78}"/>
+                <a16:creationId xmlns:a16="http://schemas.microsoft.com/office/drawing/2014/main" id="{28A92D45-5BAF-634B-BB37-8481089F9E28}"/>
               </a:ext>
             </a:extLst>
           </p:cNvPr>
@@ -16031,8 +16083,8 @@
         </p:nvSpPr>
         <p:spPr>
           <a:xfrm>
-            <a:off x="0" y="17256"/>
-            <a:ext cx="10515600" cy="663782"/>
+            <a:off x="831850" y="1709738"/>
+            <a:ext cx="10515600" cy="2852737"/>
           </a:xfrm>
         </p:spPr>
         <p:txBody>
@@ -16043,279 +16095,9 @@
               <a:buNone/>
             </a:pPr>
             <a:r>
-              <a:rPr/>
-              <a:t>Programa de computador</a:t>
-            </a:r>
-          </a:p>
-        </p:txBody>
-      </p:sp>
-      <p:sp>
-        <p:nvSpPr>
-          <p:cNvPr id="3" name="Content Placeholder 2">
-            <a:extLst>
-              <a:ext uri="{FF2B5EF4-FFF2-40B4-BE49-F238E27FC236}">
-                <a16:creationId xmlns:a16="http://schemas.microsoft.com/office/drawing/2014/main" id="{1574FA24-F1CC-B240-AAF9-A2DF684B1C54}"/>
-              </a:ext>
-            </a:extLst>
-          </p:cNvPr>
-          <p:cNvSpPr>
-            <a:spLocks noGrp="1"/>
-          </p:cNvSpPr>
-          <p:nvPr>
-            <p:ph idx="1"/>
-          </p:nvPr>
-        </p:nvSpPr>
-        <p:spPr/>
-        <p:txBody>
-          <a:bodyPr/>
-          <a:lstStyle/>
-          <a:p>
-            <a:pPr lvl="0" indent="0" marL="0">
-              <a:buNone/>
-            </a:pPr>
-          </a:p>
-          <a:p>
-            <a:pPr lvl="0" indent="0" marL="0">
-              <a:spcBef>
-                <a:spcPts val="3000"/>
-              </a:spcBef>
-              <a:buNone/>
-            </a:pPr>
-            <a:r>
               <a:rPr b="1"/>
-              <a:t>O que é R?</a:t>
-            </a:r>
-          </a:p>
-          <a:p>
-            <a:pPr lvl="0"/>
-            <a:r>
-              <a:rPr/>
-              <a:t>R é um programa de computador com linguagem computacional direcionada para análise estatística.</a:t>
-            </a:r>
-            <a:r>
-              <a:rPr baseline="30000"/>
-              <a:t>231</a:t>
-            </a:r>
-          </a:p>
-          <a:p>
-            <a:pPr lvl="0"/>
-            <a:r>
-              <a:rPr/>
-              <a:t>R está disponível em </a:t>
-            </a:r>
-            <a:r>
-              <a:rPr>
-                <a:hlinkClick r:id="rId2"/>
-              </a:rPr>
-              <a:t>Comprehensive R Archive Network (CRAN)</a:t>
-            </a:r>
-            <a:r>
-              <a:rPr/>
-              <a:t>.</a:t>
-            </a:r>
-          </a:p>
-          <a:p>
-            <a:pPr lvl="0"/>
-            <a:r>
-              <a:rPr/>
-              <a:t>R version 4.3.1 (2023-06-16).</a:t>
-            </a:r>
-          </a:p>
-          <a:p>
-            <a:pPr lvl="0" indent="0" marL="0">
-              <a:buNone/>
-            </a:pPr>
-          </a:p>
-          <a:p>
-            <a:pPr lvl="0" indent="0" marL="0">
-              <a:spcBef>
-                <a:spcPts val="3000"/>
-              </a:spcBef>
-              <a:buNone/>
-            </a:pPr>
-            <a:r>
-              <a:rPr b="1"/>
-              <a:t>O que é RStudio?</a:t>
-            </a:r>
-          </a:p>
-          <a:p>
-            <a:pPr lvl="0"/>
-            <a:r>
-              <a:rPr/>
-              <a:t>RStudio é um ambiente de desenvolvimento integrado (</a:t>
-            </a:r>
-            <a:r>
-              <a:rPr i="1"/>
-              <a:t>integrated development environment</a:t>
-            </a:r>
-            <a:r>
-              <a:rPr/>
-              <a:t>, IDE) desenvolvido visando a reprodutibilidade e a simplicidade para a criação e disseminação de conhecimento.</a:t>
-            </a:r>
-            <a:r>
-              <a:rPr baseline="30000"/>
-              <a:t>232</a:t>
-            </a:r>
-          </a:p>
-          <a:p>
-            <a:pPr lvl="0"/>
-            <a:r>
-              <a:rPr/>
-              <a:t>As principais características do RStudio incluem um ambiente de edição com abas para acesso rápido a arquivos, comandos e resultados; histórico de comandos previamente utilizados; ferramentas para visualização de bancos de dados e elaboração de scripts e gráficos e tabelas.</a:t>
-            </a:r>
-            <a:r>
-              <a:rPr baseline="30000"/>
-              <a:t>232</a:t>
-            </a:r>
-          </a:p>
-          <a:p>
-            <a:pPr lvl="0"/>
-            <a:r>
-              <a:rPr/>
-              <a:t>RStudio está disponível em </a:t>
-            </a:r>
-            <a:r>
-              <a:rPr>
-                <a:hlinkClick r:id="rId3"/>
-              </a:rPr>
-              <a:t>Posit</a:t>
-            </a:r>
-            <a:r>
-              <a:rPr/>
-              <a:t>.</a:t>
-            </a:r>
-          </a:p>
-          <a:p>
-            <a:pPr lvl="0" indent="0" marL="0">
-              <a:buNone/>
-            </a:pPr>
-          </a:p>
-          <a:p>
-            <a:pPr lvl="0" indent="0" marL="0">
-              <a:spcBef>
-                <a:spcPts val="3000"/>
-              </a:spcBef>
-              <a:buNone/>
-            </a:pPr>
-            <a:r>
-              <a:rPr b="1"/>
-              <a:t>Por que usar R?</a:t>
-            </a:r>
-          </a:p>
-          <a:p>
-            <a:pPr lvl="0"/>
-            <a:r>
-              <a:rPr/>
-              <a:t>R é o software de maior abrangência de métodos estatísticos, possui sintaxe que permite análises estatísticas reproduzíveis e está disponível gratuitamente no website CRAN (</a:t>
-            </a:r>
-            <a:r>
-              <a:rPr>
-                <a:hlinkClick r:id="rId4"/>
-              </a:rPr>
-              <a:t>http://cran.r-project.org/</a:t>
-            </a:r>
-            <a:r>
-              <a:rPr/>
-              <a:t>).</a:t>
-            </a:r>
-            <a:r>
-              <a:rPr baseline="30000"/>
-              <a:t>13</a:t>
-            </a:r>
-          </a:p>
-          <a:p>
-            <a:pPr lvl="0" indent="0" marL="0">
-              <a:buNone/>
-            </a:pPr>
-          </a:p>
-          <a:p>
-            <a:pPr lvl="0" indent="0" marL="0">
-              <a:spcBef>
-                <a:spcPts val="3000"/>
-              </a:spcBef>
-              <a:buNone/>
-            </a:pPr>
-            <a:r>
-              <a:rPr b="1"/>
-              <a:t>Que programas de computador podem ser usados para análise estatística com R?</a:t>
-            </a:r>
-          </a:p>
-          <a:p>
-            <a:pPr lvl="0"/>
-            <a:r>
-              <a:rPr>
-                <a:hlinkClick r:id="rId5"/>
-              </a:rPr>
-              <a:t>JASP</a:t>
-            </a:r>
-            <a:r>
-              <a:rPr/>
-              <a:t>.</a:t>
-            </a:r>
-            <a:r>
-              <a:rPr baseline="30000"/>
-              <a:t>233</a:t>
-            </a:r>
-          </a:p>
-          <a:p>
-            <a:pPr lvl="0"/>
-            <a:r>
-              <a:rPr>
-                <a:hlinkClick r:id="rId6"/>
-              </a:rPr>
-              <a:t>jamovi</a:t>
-            </a:r>
-            <a:r>
-              <a:rPr/>
-              <a:t>.</a:t>
-            </a:r>
-            <a:r>
-              <a:rPr baseline="30000"/>
-              <a:t>234</a:t>
-            </a:r>
-          </a:p>
-          <a:p>
-            <a:pPr lvl="0" indent="0" marL="0">
-              <a:buNone/>
-            </a:pPr>
-          </a:p>
-          <a:p>
-            <a:pPr lvl="0" indent="0" marL="0">
-              <a:buNone/>
-            </a:pPr>
-            <a:r>
-              <a:rPr/>
-              <a:t>Os pacotes </a:t>
-            </a:r>
-            <a:r>
-              <a:rPr i="1"/>
-              <a:t>jmv</a:t>
-            </a:r>
-            <a:r>
-              <a:rPr baseline="30000"/>
-              <a:t>235</a:t>
-            </a:r>
-            <a:r>
-              <a:rPr/>
-              <a:t> e </a:t>
-            </a:r>
-            <a:r>
-              <a:rPr i="1"/>
-              <a:t>jmvconnect</a:t>
-            </a:r>
-            <a:r>
-              <a:rPr baseline="30000"/>
-              <a:t>236</a:t>
-            </a:r>
-            <a:r>
-              <a:rPr/>
-              <a:t> fornecem funções para análise descritiva e inferencial com interface com jamovi.</a:t>
-            </a:r>
-          </a:p>
-          <a:p>
-            <a:pPr lvl="0" indent="0" marL="0">
-              <a:buNone/>
-            </a:pPr>
+              <a:t>Computação estatística</a:t>
+            </a:r>
           </a:p>
         </p:txBody>
       </p:sp>
@@ -16529,7 +16311,7 @@
             </a:pPr>
             <a:r>
               <a:rPr/>
-              <a:t>Scripts computacionais</a:t>
+              <a:t>Programa de computador</a:t>
             </a:r>
           </a:p>
         </p:txBody>
@@ -16568,62 +16350,42 @@
             </a:pPr>
             <a:r>
               <a:rPr b="1"/>
-              <a:t>O que são scripts?</a:t>
+              <a:t>O que é R?</a:t>
             </a:r>
           </a:p>
           <a:p>
             <a:pPr lvl="0"/>
             <a:r>
               <a:rPr/>
-              <a:t>“Scripts são dados”.</a:t>
+              <a:t>R é um programa de computador com linguagem computacional direcionada para análise estatística.</a:t>
             </a:r>
             <a:r>
               <a:rPr baseline="30000"/>
-              <a:t>15</a:t>
+              <a:t>231</a:t>
             </a:r>
           </a:p>
           <a:p>
             <a:pPr lvl="0"/>
             <a:r>
               <a:rPr/>
-              <a:t>Scripts permitem ao usuário se concentrar nas tarefas mais importantes da computação e utilizar pacotes ou bibliotecas para executar as funções mais básicas com maior eficiência.</a:t>
-            </a:r>
-            <a:r>
-              <a:rPr baseline="30000"/>
-              <a:t>15</a:t>
+              <a:t>R está disponível em </a:t>
+            </a:r>
+            <a:r>
+              <a:rPr>
+                <a:hlinkClick r:id="rId2"/>
+              </a:rPr>
+              <a:t>Comprehensive R Archive Network (CRAN)</a:t>
+            </a:r>
+            <a:r>
+              <a:rPr/>
+              <a:t>.</a:t>
             </a:r>
           </a:p>
           <a:p>
             <a:pPr lvl="0"/>
             <a:r>
               <a:rPr/>
-              <a:t>Um script é um arquivo de texto contendo (quase) os mesmos comandos que você digitaria na linha de comando do R. (Quase) refere-se ao fato de que se você estiver usando </a:t>
-            </a:r>
-            <a:r>
-              <a:rPr i="1"/>
-              <a:t>sink()</a:t>
-            </a:r>
-            <a:r>
-              <a:rPr/>
-              <a:t> para enviar a saída para um arquivo, você terá que incluir alguns comandos em </a:t>
-            </a:r>
-            <a:r>
-              <a:rPr i="1"/>
-              <a:t>print()</a:t>
-            </a:r>
-            <a:r>
-              <a:rPr/>
-              <a:t> para obter a mesma saída da linha de comando (</a:t>
-            </a:r>
-            <a:r>
-              <a:rPr>
-                <a:hlinkClick r:id="rId2"/>
-              </a:rPr>
-              <a:t>CRAN</a:t>
-            </a:r>
-            <a:r>
-              <a:rPr/>
-              <a:t>).</a:t>
+              <a:t>R version 4.3.1 (2023-06-16).</a:t>
             </a:r>
           </a:p>
           <a:p>
@@ -16640,156 +16402,181 @@
             </a:pPr>
             <a:r>
               <a:rPr b="1"/>
-              <a:t>Quais práticas são recomendadas na redação de scripts?</a:t>
+              <a:t>O que é RStudio?</a:t>
             </a:r>
           </a:p>
           <a:p>
             <a:pPr lvl="0"/>
             <a:r>
               <a:rPr/>
-              <a:t>Use nomes consistentes para as variáveis.</a:t>
+              <a:t>RStudio é um ambiente de desenvolvimento integrado (</a:t>
+            </a:r>
+            <a:r>
+              <a:rPr i="1"/>
+              <a:t>integrated development environment</a:t>
+            </a:r>
+            <a:r>
+              <a:rPr/>
+              <a:t>, IDE) desenvolvido visando a reprodutibilidade e a simplicidade para a criação e disseminação de conhecimento.</a:t>
             </a:r>
             <a:r>
               <a:rPr baseline="30000"/>
-              <a:t>237</a:t>
+              <a:t>232</a:t>
             </a:r>
           </a:p>
           <a:p>
             <a:pPr lvl="0"/>
             <a:r>
               <a:rPr/>
-              <a:t>Defina os tipos de variáveis adequadamente no banco de dados.</a:t>
+              <a:t>As principais características do RStudio incluem um ambiente de edição com abas para acesso rápido a arquivos, comandos e resultados; histórico de comandos previamente utilizados; ferramentas para visualização de bancos de dados e elaboração de scripts e gráficos e tabelas.</a:t>
             </a:r>
             <a:r>
               <a:rPr baseline="30000"/>
-              <a:t>237</a:t>
+              <a:t>232</a:t>
             </a:r>
           </a:p>
           <a:p>
             <a:pPr lvl="0"/>
             <a:r>
               <a:rPr/>
-              <a:t>Defina constantes - isto é, variáveis de valor fixo - ao invés de digitar valores.</a:t>
+              <a:t>RStudio está disponível em </a:t>
+            </a:r>
+            <a:r>
+              <a:rPr>
+                <a:hlinkClick r:id="rId3"/>
+              </a:rPr>
+              <a:t>Posit</a:t>
+            </a:r>
+            <a:r>
+              <a:rPr/>
+              <a:t>.</a:t>
+            </a:r>
+          </a:p>
+          <a:p>
+            <a:pPr lvl="0" indent="0" marL="0">
+              <a:buNone/>
+            </a:pPr>
+          </a:p>
+          <a:p>
+            <a:pPr lvl="0" indent="0" marL="0">
+              <a:spcBef>
+                <a:spcPts val="3000"/>
+              </a:spcBef>
+              <a:buNone/>
+            </a:pPr>
+            <a:r>
+              <a:rPr b="1"/>
+              <a:t>Por que usar R?</a:t>
+            </a:r>
+          </a:p>
+          <a:p>
+            <a:pPr lvl="0"/>
+            <a:r>
+              <a:rPr/>
+              <a:t>R é o software de maior abrangência de métodos estatísticos, possui sintaxe que permite análises estatísticas reproduzíveis e está disponível gratuitamente no website CRAN (</a:t>
+            </a:r>
+            <a:r>
+              <a:rPr>
+                <a:hlinkClick r:id="rId4"/>
+              </a:rPr>
+              <a:t>http://cran.r-project.org/</a:t>
+            </a:r>
+            <a:r>
+              <a:rPr/>
+              <a:t>).</a:t>
             </a:r>
             <a:r>
               <a:rPr baseline="30000"/>
-              <a:t>237</a:t>
+              <a:t>13</a:t>
+            </a:r>
+          </a:p>
+          <a:p>
+            <a:pPr lvl="0" indent="0" marL="0">
+              <a:buNone/>
+            </a:pPr>
+          </a:p>
+          <a:p>
+            <a:pPr lvl="0" indent="0" marL="0">
+              <a:spcBef>
+                <a:spcPts val="3000"/>
+              </a:spcBef>
+              <a:buNone/>
+            </a:pPr>
+            <a:r>
+              <a:rPr b="1"/>
+              <a:t>Que programas de computador podem ser usados para análise estatística com R?</a:t>
             </a:r>
           </a:p>
           <a:p>
             <a:pPr lvl="0"/>
             <a:r>
-              <a:rPr/>
-              <a:t>Use e cite os pacotes disponíveis para suas análises.</a:t>
+              <a:rPr>
+                <a:hlinkClick r:id="rId5"/>
+              </a:rPr>
+              <a:t>JASP</a:t>
+            </a:r>
+            <a:r>
+              <a:rPr/>
+              <a:t>.</a:t>
             </a:r>
             <a:r>
               <a:rPr baseline="30000"/>
-              <a:t>237</a:t>
+              <a:t>233</a:t>
             </a:r>
           </a:p>
           <a:p>
             <a:pPr lvl="0"/>
             <a:r>
-              <a:rPr/>
-              <a:t>Controle as versões do script.</a:t>
+              <a:rPr>
+                <a:hlinkClick r:id="rId6"/>
+              </a:rPr>
+              <a:t>jamovi</a:t>
+            </a:r>
+            <a:r>
+              <a:rPr/>
+              <a:t>.</a:t>
             </a:r>
             <a:r>
               <a:rPr baseline="30000"/>
-              <a:t>237,238</a:t>
-            </a:r>
-          </a:p>
-          <a:p>
-            <a:pPr lvl="0"/>
-            <a:r>
-              <a:rPr/>
-              <a:t>Teste o script antes de sua utilização.</a:t>
+              <a:t>234</a:t>
+            </a:r>
+          </a:p>
+          <a:p>
+            <a:pPr lvl="0" indent="0" marL="0">
+              <a:buNone/>
+            </a:pPr>
+          </a:p>
+          <a:p>
+            <a:pPr lvl="0" indent="0" marL="0">
+              <a:buNone/>
+            </a:pPr>
+            <a:r>
+              <a:rPr/>
+              <a:t>Os pacotes </a:t>
+            </a:r>
+            <a:r>
+              <a:rPr i="1"/>
+              <a:t>jmv</a:t>
             </a:r>
             <a:r>
               <a:rPr baseline="30000"/>
-              <a:t>237</a:t>
-            </a:r>
-          </a:p>
-          <a:p>
-            <a:pPr lvl="0"/>
-            <a:r>
-              <a:rPr/>
-              <a:t>Conduza revisão por pares do código durante a redação (digitação em dupla).</a:t>
+              <a:t>235</a:t>
+            </a:r>
+            <a:r>
+              <a:rPr/>
+              <a:t> e </a:t>
+            </a:r>
+            <a:r>
+              <a:rPr i="1"/>
+              <a:t>jmvconnect</a:t>
             </a:r>
             <a:r>
               <a:rPr baseline="30000"/>
-              <a:t>237</a:t>
-            </a:r>
-          </a:p>
-          <a:p>
-            <a:pPr lvl="0" indent="0" marL="0">
-              <a:buNone/>
-            </a:pPr>
-          </a:p>
-          <a:p>
-            <a:pPr lvl="0" indent="0" marL="0">
-              <a:buNone/>
-            </a:pPr>
-            <a:r>
-              <a:rPr/>
-              <a:t>O pacote </a:t>
-            </a:r>
-            <a:r>
-              <a:rPr i="1"/>
-              <a:t>formatR</a:t>
-            </a:r>
-            <a:r>
-              <a:rPr baseline="30000"/>
-              <a:t>239</a:t>
-            </a:r>
-            <a:r>
-              <a:rPr/>
-              <a:t> fornece a função </a:t>
-            </a:r>
-            <a:r>
-              <a:rPr i="1">
-                <a:hlinkClick r:id="rId3"/>
-              </a:rPr>
-              <a:t>tidy_source</a:t>
-            </a:r>
-            <a:r>
-              <a:rPr/>
-              <a:t> para formatar um R script.</a:t>
-            </a:r>
-          </a:p>
-          <a:p>
-            <a:pPr lvl="0" indent="0" marL="0">
-              <a:buNone/>
-            </a:pPr>
-          </a:p>
-          <a:p>
-            <a:pPr lvl="0" indent="0" marL="0">
-              <a:buNone/>
-            </a:pPr>
-            <a:r>
-              <a:rPr/>
-              <a:t>O pacote </a:t>
-            </a:r>
-            <a:r>
-              <a:rPr i="1"/>
-              <a:t>styler</a:t>
-            </a:r>
-            <a:r>
-              <a:rPr baseline="30000"/>
-              <a:t>240</a:t>
-            </a:r>
-            <a:r>
-              <a:rPr/>
-              <a:t> fornece a função </a:t>
-            </a:r>
-            <a:r>
-              <a:rPr i="1">
-                <a:hlinkClick r:id="rId4"/>
-              </a:rPr>
-              <a:t>style_file</a:t>
-            </a:r>
-            <a:r>
-              <a:rPr/>
-              <a:t> para formatar um R script.</a:t>
+              <a:t>236</a:t>
+            </a:r>
+            <a:r>
+              <a:rPr/>
+              <a:t> fornecem funções para análise descritiva e inferencial com interface com jamovi.</a:t>
             </a:r>
           </a:p>
           <a:p>
@@ -16852,7 +16639,7 @@
             </a:pPr>
             <a:r>
               <a:rPr/>
-              <a:t>Compartilhamento</a:t>
+              <a:t>Scripts computacionais</a:t>
             </a:r>
           </a:p>
         </p:txBody>
@@ -16891,29 +16678,62 @@
             </a:pPr>
             <a:r>
               <a:rPr b="1"/>
-              <a:t>O que pode ser compartilhado?</a:t>
+              <a:t>O que são scripts?</a:t>
             </a:r>
           </a:p>
           <a:p>
             <a:pPr lvl="0"/>
             <a:r>
               <a:rPr/>
-              <a:t>Idealmente, todos os scripts, pacotes/bibliotecas e dados necessários para outros reproduzirem seus dados.</a:t>
+              <a:t>“Scripts são dados”.</a:t>
             </a:r>
             <a:r>
               <a:rPr baseline="30000"/>
-              <a:t>238</a:t>
+              <a:t>15</a:t>
             </a:r>
           </a:p>
           <a:p>
             <a:pPr lvl="0"/>
             <a:r>
               <a:rPr/>
-              <a:t>Minimamente, partes importantes incluindo implementações de novos algoritmos e dados que permitam reproduzir um resultado importante.</a:t>
+              <a:t>Scripts permitem ao usuário se concentrar nas tarefas mais importantes da computação e utilizar pacotes ou bibliotecas para executar as funções mais básicas com maior eficiência.</a:t>
             </a:r>
             <a:r>
               <a:rPr baseline="30000"/>
-              <a:t>238</a:t>
+              <a:t>15</a:t>
+            </a:r>
+          </a:p>
+          <a:p>
+            <a:pPr lvl="0"/>
+            <a:r>
+              <a:rPr/>
+              <a:t>Um script é um arquivo de texto contendo (quase) os mesmos comandos que você digitaria na linha de comando do R. (Quase) refere-se ao fato de que se você estiver usando </a:t>
+            </a:r>
+            <a:r>
+              <a:rPr i="1"/>
+              <a:t>sink()</a:t>
+            </a:r>
+            <a:r>
+              <a:rPr/>
+              <a:t> para enviar a saída para um arquivo, você terá que incluir alguns comandos em </a:t>
+            </a:r>
+            <a:r>
+              <a:rPr i="1"/>
+              <a:t>print()</a:t>
+            </a:r>
+            <a:r>
+              <a:rPr/>
+              <a:t> para obter a mesma saída da linha de comando (</a:t>
+            </a:r>
+            <a:r>
+              <a:rPr>
+                <a:hlinkClick r:id="rId2"/>
+              </a:rPr>
+              <a:t>CRAN</a:t>
+            </a:r>
+            <a:r>
+              <a:rPr/>
+              <a:t>).</a:t>
             </a:r>
           </a:p>
           <a:p>
@@ -16930,14 +16750,84 @@
             </a:pPr>
             <a:r>
               <a:rPr b="1"/>
-              <a:t>Como preparar dados para compartilhamento?</a:t>
+              <a:t>Quais práticas são recomendadas na redação de scripts?</a:t>
             </a:r>
           </a:p>
           <a:p>
             <a:pPr lvl="0"/>
             <a:r>
               <a:rPr/>
-              <a:t>.[REF]</a:t>
+              <a:t>Use nomes consistentes para as variáveis.</a:t>
+            </a:r>
+            <a:r>
+              <a:rPr baseline="30000"/>
+              <a:t>237</a:t>
+            </a:r>
+          </a:p>
+          <a:p>
+            <a:pPr lvl="0"/>
+            <a:r>
+              <a:rPr/>
+              <a:t>Defina os tipos de variáveis adequadamente no banco de dados.</a:t>
+            </a:r>
+            <a:r>
+              <a:rPr baseline="30000"/>
+              <a:t>237</a:t>
+            </a:r>
+          </a:p>
+          <a:p>
+            <a:pPr lvl="0"/>
+            <a:r>
+              <a:rPr/>
+              <a:t>Defina constantes - isto é, variáveis de valor fixo - ao invés de digitar valores.</a:t>
+            </a:r>
+            <a:r>
+              <a:rPr baseline="30000"/>
+              <a:t>237</a:t>
+            </a:r>
+          </a:p>
+          <a:p>
+            <a:pPr lvl="0"/>
+            <a:r>
+              <a:rPr/>
+              <a:t>Use e cite os pacotes disponíveis para suas análises.</a:t>
+            </a:r>
+            <a:r>
+              <a:rPr baseline="30000"/>
+              <a:t>237</a:t>
+            </a:r>
+          </a:p>
+          <a:p>
+            <a:pPr lvl="0"/>
+            <a:r>
+              <a:rPr/>
+              <a:t>Controle as versões do script.</a:t>
+            </a:r>
+            <a:r>
+              <a:rPr baseline="30000"/>
+              <a:t>237,238</a:t>
+            </a:r>
+          </a:p>
+          <a:p>
+            <a:pPr lvl="0"/>
+            <a:r>
+              <a:rPr/>
+              <a:t>Teste o script antes de sua utilização.</a:t>
+            </a:r>
+            <a:r>
+              <a:rPr baseline="30000"/>
+              <a:t>237</a:t>
+            </a:r>
+          </a:p>
+          <a:p>
+            <a:pPr lvl="0"/>
+            <a:r>
+              <a:rPr/>
+              <a:t>Conduza revisão por pares do código durante a redação (digitação em dupla).</a:t>
+            </a:r>
+            <a:r>
+              <a:rPr baseline="30000"/>
+              <a:t>237</a:t>
             </a:r>
           </a:p>
           <a:p>
@@ -16955,47 +16845,11 @@
             </a:r>
             <a:r>
               <a:rPr i="1"/>
-              <a:t>synthpop</a:t>
+              <a:t>formatR</a:t>
             </a:r>
             <a:r>
               <a:rPr baseline="30000"/>
-              <a:t>241</a:t>
-            </a:r>
-            <a:r>
-              <a:rPr/>
-              <a:t> fornece a função </a:t>
-            </a:r>
-            <a:r>
-              <a:rPr i="1">
-                <a:hlinkClick r:id="rId2"/>
-              </a:rPr>
-              <a:t>syn</a:t>
-            </a:r>
-            <a:r>
-              <a:rPr/>
-              <a:t> para criar bancos de dados sintéticos a partir de um banco de dados real.</a:t>
-            </a:r>
-          </a:p>
-          <a:p>
-            <a:pPr lvl="0" indent="0" marL="0">
-              <a:buNone/>
-            </a:pPr>
-          </a:p>
-          <a:p>
-            <a:pPr lvl="0" indent="0" marL="0">
-              <a:buNone/>
-            </a:pPr>
-            <a:r>
-              <a:rPr/>
-              <a:t>O pacote </a:t>
-            </a:r>
-            <a:r>
-              <a:rPr i="1"/>
-              <a:t>grateful</a:t>
-            </a:r>
-            <a:r>
-              <a:rPr baseline="30000"/>
-              <a:t>242</a:t>
+              <a:t>239</a:t>
             </a:r>
             <a:r>
               <a:rPr/>
@@ -17005,116 +16859,33 @@
               <a:rPr i="1">
                 <a:hlinkClick r:id="rId3"/>
               </a:rPr>
-              <a:t>cite_packages</a:t>
-            </a:r>
-            <a:r>
-              <a:rPr/>
-              <a:t> para citar os pacotes utilizados em um projeto R.</a:t>
-            </a:r>
-          </a:p>
-          <a:p>
-            <a:pPr lvl="0" indent="0" marL="0">
-              <a:buNone/>
-            </a:pPr>
-          </a:p>
-          <a:p>
-            <a:pPr lvl="0" indent="0" marL="0">
-              <a:spcBef>
-                <a:spcPts val="3000"/>
-              </a:spcBef>
-              <a:buNone/>
-            </a:pPr>
-            <a:r>
-              <a:rPr b="1"/>
-              <a:t>Como preparar scripts para compartilhamento?</a:t>
-            </a:r>
-          </a:p>
-          <a:p>
-            <a:pPr lvl="0"/>
-            <a:r>
-              <a:rPr/>
-              <a:t>Documente em um arquivo README os arquivos disponíveis e os pré-requisitos necessários para executar o código (ex.: pacotes e respectivas versões). Uma lista de configurações (hardware e software) que foram usadas para rodar o código pode ajudar na reprodução dos resultados.</a:t>
+              <a:t>tidy_source</a:t>
+            </a:r>
+            <a:r>
+              <a:rPr/>
+              <a:t> para formatar um R script.</a:t>
+            </a:r>
+          </a:p>
+          <a:p>
+            <a:pPr lvl="0" indent="0" marL="0">
+              <a:buNone/>
+            </a:pPr>
+          </a:p>
+          <a:p>
+            <a:pPr lvl="0" indent="0" marL="0">
+              <a:buNone/>
+            </a:pPr>
+            <a:r>
+              <a:rPr/>
+              <a:t>O pacote </a:t>
+            </a:r>
+            <a:r>
+              <a:rPr i="1"/>
+              <a:t>styler</a:t>
             </a:r>
             <a:r>
               <a:rPr baseline="30000"/>
-              <a:t>12</a:t>
-            </a:r>
-          </a:p>
-          <a:p>
-            <a:pPr lvl="0"/>
-            <a:r>
-              <a:rPr/>
-              <a:t>Crie links persistentes para versões do seu script.</a:t>
-            </a:r>
-            <a:r>
-              <a:rPr baseline="30000"/>
-              <a:t>238</a:t>
-            </a:r>
-          </a:p>
-          <a:p>
-            <a:pPr lvl="0"/>
-            <a:r>
-              <a:rPr/>
-              <a:t>Defina uma semente para o gerador de números aleatórios em scripts com métodos computacionais que dependem da geração de números pseudoaleatórios.</a:t>
-            </a:r>
-            <a:r>
-              <a:rPr baseline="30000"/>
-              <a:t>12</a:t>
-            </a:r>
-          </a:p>
-          <a:p>
-            <a:pPr lvl="0"/>
-            <a:r>
-              <a:rPr/>
-              <a:t>Escolha uma licença apropriada para garantir como outros usarão seus scripts.</a:t>
-            </a:r>
-            <a:r>
-              <a:rPr baseline="30000"/>
-              <a:t>238</a:t>
-            </a:r>
-          </a:p>
-          <a:p>
-            <a:pPr lvl="0"/>
-            <a:r>
-              <a:rPr/>
-              <a:t>Compartilhe todos os pacotes relacionados à sua análise.</a:t>
-            </a:r>
-            <a:r>
-              <a:rPr baseline="30000"/>
-              <a:t>243</a:t>
-            </a:r>
-          </a:p>
-          <a:p>
-            <a:pPr lvl="0"/>
-            <a:r>
-              <a:rPr/>
-              <a:t>Providencie a documentação sobre seu script (ex.: arquivo README).</a:t>
-            </a:r>
-            <a:r>
-              <a:rPr baseline="30000"/>
-              <a:t>238</a:t>
-            </a:r>
-          </a:p>
-          <a:p>
-            <a:pPr lvl="0" indent="0" marL="0">
-              <a:buNone/>
-            </a:pPr>
-          </a:p>
-          <a:p>
-            <a:pPr lvl="0" indent="0" marL="0">
-              <a:buNone/>
-            </a:pPr>
-            <a:r>
-              <a:rPr/>
-              <a:t>O pacote </a:t>
-            </a:r>
-            <a:r>
-              <a:rPr i="1"/>
-              <a:t>base</a:t>
-            </a:r>
-            <a:r>
-              <a:rPr baseline="30000"/>
-              <a:t>14</a:t>
+              <a:t>240</a:t>
             </a:r>
             <a:r>
               <a:rPr/>
@@ -17124,119 +16895,11 @@
               <a:rPr i="1">
                 <a:hlinkClick r:id="rId4"/>
               </a:rPr>
-              <a:t>set.seed</a:t>
-            </a:r>
-            <a:r>
-              <a:rPr/>
-              <a:t> para especificar uma semente para reprodutibilidade de computações que envolvem números aleatórios.</a:t>
-            </a:r>
-          </a:p>
-          <a:p>
-            <a:pPr lvl="0" indent="0" marL="0">
-              <a:buNone/>
-            </a:pPr>
-          </a:p>
-          <a:p>
-            <a:pPr lvl="0" indent="0" marL="0">
-              <a:spcBef>
-                <a:spcPts val="3000"/>
-              </a:spcBef>
-              <a:buNone/>
-            </a:pPr>
-            <a:r>
-              <a:rPr b="1"/>
-              <a:t>O que incluir no arquivo README?</a:t>
-            </a:r>
-          </a:p>
-          <a:p>
-            <a:pPr lvl="0"/>
-            <a:r>
-              <a:rPr/>
-              <a:t>Título do manuscrito.</a:t>
-            </a:r>
-            <a:r>
-              <a:rPr baseline="30000"/>
-              <a:t>12</a:t>
-            </a:r>
-          </a:p>
-          <a:p>
-            <a:pPr lvl="0"/>
-            <a:r>
-              <a:rPr/>
-              <a:t>Autores do manuscrito.</a:t>
-            </a:r>
-            <a:r>
-              <a:rPr baseline="30000"/>
-              <a:t>12</a:t>
-            </a:r>
-          </a:p>
-          <a:p>
-            <a:pPr lvl="0"/>
-            <a:r>
-              <a:rPr/>
-              <a:t>Principais responsáveis pela escrita do script e quaisquer outras pessoas que fizeram contribuições substanciais para o desenvolvimento do script.</a:t>
-            </a:r>
-            <a:r>
-              <a:rPr baseline="30000"/>
-              <a:t>12</a:t>
-            </a:r>
-          </a:p>
-          <a:p>
-            <a:pPr lvl="0"/>
-            <a:r>
-              <a:rPr/>
-              <a:t>Endereço de e-mail do autor ou contribuidor a quem devem ser direcionadas dúvidas, comentários, sugestões e bugs sobre o script.</a:t>
-            </a:r>
-            <a:r>
-              <a:rPr baseline="30000"/>
-              <a:t>12</a:t>
-            </a:r>
-          </a:p>
-          <a:p>
-            <a:pPr lvl="0"/>
-            <a:r>
-              <a:rPr/>
-              <a:t>Lista de configurações nas quais o script foi testado, tais com nome e versão do programa, pacotes e plataforma.</a:t>
-            </a:r>
-            <a:r>
-              <a:rPr baseline="30000"/>
-              <a:t>12</a:t>
-            </a:r>
-          </a:p>
-          <a:p>
-            <a:pPr lvl="0" indent="0" marL="0">
-              <a:buNone/>
-            </a:pPr>
-          </a:p>
-          <a:p>
-            <a:pPr lvl="0" indent="0" marL="0">
-              <a:buNone/>
-            </a:pPr>
-            <a:r>
-              <a:rPr/>
-              <a:t>O pacote </a:t>
-            </a:r>
-            <a:r>
-              <a:rPr i="1"/>
-              <a:t>utils</a:t>
-            </a:r>
-            <a:r>
-              <a:rPr baseline="30000"/>
-              <a:t>244</a:t>
-            </a:r>
-            <a:r>
-              <a:rPr/>
-              <a:t> fornece a função </a:t>
-            </a:r>
-            <a:r>
-              <a:rPr i="1">
-                <a:hlinkClick r:id="rId5"/>
-              </a:rPr>
-              <a:t>sessionInfo</a:t>
-            </a:r>
-            <a:r>
-              <a:rPr/>
-              <a:t> para descrever as características do programa, pacotes e plataforma da sessão atual.</a:t>
+              <a:t>style_file</a:t>
+            </a:r>
+            <a:r>
+              <a:rPr/>
+              <a:t> para formatar um R script.</a:t>
             </a:r>
           </a:p>
           <a:p>
@@ -17299,7 +16962,7 @@
             </a:pPr>
             <a:r>
               <a:rPr/>
-              <a:t>Manuscritos reprodutíveis</a:t>
+              <a:t>Compartilhamento</a:t>
             </a:r>
           </a:p>
         </p:txBody>
@@ -17338,64 +17001,29 @@
             </a:pPr>
             <a:r>
               <a:rPr b="1"/>
-              <a:t>O que são manuscritos reprodutíveis?</a:t>
+              <a:t>O que pode ser compartilhado?</a:t>
             </a:r>
           </a:p>
           <a:p>
             <a:pPr lvl="0"/>
             <a:r>
               <a:rPr/>
-              <a:t>Manuscritos reprodutíveis - manuscritos executáveis ou relatórios dinâmicos - permitem a produção de um manuscrito completo a partir da integração do banco de dados da(s) amostra(s), do(s) script(s) de análise estatística (incluindo comentários para sua interpretação), dos pacotes ou bibliotecas utilizados, das fontes e referências bibliográficas citadas, além dos demais elementos textuais (tabelas, gráficos) - todos gerados dinamicamente.</a:t>
+              <a:t>Idealmente, todos os scripts, pacotes/bibliotecas e dados necessários para outros reproduzirem seus dados.</a:t>
             </a:r>
             <a:r>
               <a:rPr baseline="30000"/>
-              <a:t>15</a:t>
+              <a:t>238</a:t>
             </a:r>
           </a:p>
           <a:p>
             <a:pPr lvl="0"/>
             <a:r>
               <a:rPr/>
-              <a:t>O trabalho com RMarkdown</a:t>
+              <a:t>Minimamente, partes importantes incluindo implementações de novos algoritmos e dados que permitam reproduzir um resultado importante.</a:t>
             </a:r>
             <a:r>
               <a:rPr baseline="30000"/>
-              <a:t>245</a:t>
-            </a:r>
-            <a:r>
-              <a:rPr/>
-              <a:t> permite um fluxo de dados totalmente transparente, desde o conjunto de dados coletados até o manuscrito finalizado. Todos os aspectos do fluxo de dados podem ser incorporados em blocos de R script (</a:t>
-            </a:r>
-            <a:r>
-              <a:rPr i="1"/>
-              <a:t>chunk</a:t>
-            </a:r>
-            <a:r>
-              <a:rPr/>
-              <a:t>), exibindo tanto o R script quando o respectivo texto, tabelas e figuras formatadas no estilo científico de interesse.</a:t>
-            </a:r>
-            <a:r>
-              <a:rPr baseline="30000"/>
-              <a:t>246</a:t>
-            </a:r>
-          </a:p>
-          <a:p>
-            <a:pPr lvl="0"/>
-            <a:r>
-              <a:rPr/>
-              <a:t>O RMarkdown</a:t>
-            </a:r>
-            <a:r>
-              <a:rPr baseline="30000"/>
-              <a:t>245</a:t>
-            </a:r>
-            <a:r>
-              <a:rPr/>
-              <a:t> foi projetado especificamente para relatórios dinâmicos onde a análise é realizada em R e oferece uma flexibilidade incrível por meio de uma linguagem de marcação.</a:t>
-            </a:r>
-            <a:r>
-              <a:rPr baseline="30000"/>
-              <a:t>13</a:t>
+              <a:t>238</a:t>
             </a:r>
           </a:p>
           <a:p>
@@ -17412,175 +17040,86 @@
             </a:pPr>
             <a:r>
               <a:rPr b="1"/>
-              <a:t>Por que usar manuscritos reprodutíveis?</a:t>
+              <a:t>Como preparar dados para compartilhamento?</a:t>
             </a:r>
           </a:p>
           <a:p>
             <a:pPr lvl="0"/>
             <a:r>
               <a:rPr/>
-              <a:t>No processo tradicional de redação científica há muitas etapas de copiar e colar não reproduzíveis envolvidas. Documentos dinâmicos combinam uma ferramenta de processamento de texto com o R script que produz o texto/tabela/figura a ser incorporado no manuscrito.</a:t>
+              <a:t>.[REF]</a:t>
+            </a:r>
+          </a:p>
+          <a:p>
+            <a:pPr lvl="0" indent="0" marL="0">
+              <a:buNone/>
+            </a:pPr>
+          </a:p>
+          <a:p>
+            <a:pPr lvl="0" indent="0" marL="0">
+              <a:buNone/>
+            </a:pPr>
+            <a:r>
+              <a:rPr/>
+              <a:t>O pacote </a:t>
+            </a:r>
+            <a:r>
+              <a:rPr i="1"/>
+              <a:t>synthpop</a:t>
             </a:r>
             <a:r>
               <a:rPr baseline="30000"/>
-              <a:t>13</a:t>
-            </a:r>
-          </a:p>
-          <a:p>
-            <a:pPr lvl="0"/>
-            <a:r>
-              <a:rPr/>
-              <a:t>Ao trabalhar com relatórios dinâmicos, é possível extrair o mesmo script usado para análise estatística. Os documentos podem ser compilados em vários formatos de saída e salvos como DOCX, PPTX e PDF.</a:t>
+              <a:t>241</a:t>
+            </a:r>
+            <a:r>
+              <a:rPr/>
+              <a:t> fornece a função </a:t>
+            </a:r>
+            <a:r>
+              <a:rPr i="1">
+                <a:hlinkClick r:id="rId2"/>
+              </a:rPr>
+              <a:t>syn</a:t>
+            </a:r>
+            <a:r>
+              <a:rPr/>
+              <a:t> para criar bancos de dados sintéticos a partir de um banco de dados real.</a:t>
+            </a:r>
+          </a:p>
+          <a:p>
+            <a:pPr lvl="0" indent="0" marL="0">
+              <a:buNone/>
+            </a:pPr>
+          </a:p>
+          <a:p>
+            <a:pPr lvl="0" indent="0" marL="0">
+              <a:buNone/>
+            </a:pPr>
+            <a:r>
+              <a:rPr/>
+              <a:t>O pacote </a:t>
+            </a:r>
+            <a:r>
+              <a:rPr i="1"/>
+              <a:t>grateful</a:t>
             </a:r>
             <a:r>
               <a:rPr baseline="30000"/>
-              <a:t>13</a:t>
-            </a:r>
-          </a:p>
-          <a:p>
-            <a:pPr lvl="0" indent="0" marL="0">
-              <a:buNone/>
-            </a:pPr>
-          </a:p>
-          <a:p>
-            <a:pPr lvl="0" indent="0" marL="0">
-              <a:buNone/>
-            </a:pPr>
-            <a:r>
-              <a:rPr/>
-              <a:t>O pacote </a:t>
-            </a:r>
-            <a:r>
-              <a:rPr i="1"/>
-              <a:t>rmarkdown</a:t>
-            </a:r>
-            <a:r>
-              <a:rPr baseline="30000"/>
-              <a:t>16</a:t>
-            </a:r>
-            <a:r>
-              <a:rPr/>
-              <a:t> fornece as funções [</a:t>
-            </a:r>
-            <a:r>
-              <a:rPr i="1"/>
-              <a:t>render</a:t>
-            </a:r>
-            <a:r>
-              <a:rPr/>
-              <a:t>]</a:t>
-            </a:r>
-            <a:r>
-              <a:rPr>
-                <a:hlinkClick r:id="rId2"/>
-              </a:rPr>
-              <a:t>https://www.rdocumentation.org/packages/rmarkdown/versions/2.24/topics/render</a:t>
-            </a:r>
-            <a:r>
-              <a:rPr/>
-              <a:t>) para criar manuscritos reprodutíveis a partir de arquivos .Rmd.</a:t>
-            </a:r>
-          </a:p>
-          <a:p>
-            <a:pPr lvl="0" indent="0" marL="0">
-              <a:buNone/>
-            </a:pPr>
-          </a:p>
-          <a:p>
-            <a:pPr lvl="0" indent="0" marL="0">
-              <a:buNone/>
-            </a:pPr>
-            <a:r>
-              <a:rPr/>
-              <a:t>O pacote </a:t>
-            </a:r>
-            <a:r>
-              <a:rPr i="1"/>
-              <a:t>officedown</a:t>
-            </a:r>
-            <a:r>
-              <a:rPr baseline="30000"/>
-              <a:t>247</a:t>
-            </a:r>
-            <a:r>
-              <a:rPr/>
-              <a:t> fornece as funções </a:t>
+              <a:t>242</a:t>
+            </a:r>
+            <a:r>
+              <a:rPr/>
+              <a:t> fornece a função </a:t>
             </a:r>
             <a:r>
               <a:rPr i="1">
                 <a:hlinkClick r:id="rId3"/>
               </a:rPr>
-              <a:t>rdocx_document</a:t>
-            </a:r>
-            <a:r>
-              <a:rPr/>
-              <a:t> e </a:t>
-            </a:r>
-            <a:r>
-              <a:rPr i="1">
-                <a:hlinkClick r:id="rId4"/>
-              </a:rPr>
-              <a:t>rpptx_document</a:t>
-            </a:r>
-            <a:r>
-              <a:rPr/>
-              <a:t> para criar arquivos DOCX e PPTX, respectivamente, com o conteúdo criado no manuscrito reprodutível.</a:t>
-            </a:r>
-          </a:p>
-          <a:p>
-            <a:pPr lvl="0" indent="0" marL="0">
-              <a:buNone/>
-            </a:pPr>
-          </a:p>
-          <a:p>
-            <a:pPr lvl="0" indent="0" marL="0">
-              <a:buNone/>
-            </a:pPr>
-            <a:r>
-              <a:rPr/>
-              <a:t>O pacote </a:t>
-            </a:r>
-            <a:r>
-              <a:rPr i="1"/>
-              <a:t>bookdown</a:t>
-            </a:r>
-            <a:r>
-              <a:rPr baseline="30000"/>
-              <a:t>248</a:t>
-            </a:r>
-            <a:r>
-              <a:rPr/>
-              <a:t> fornece as funções </a:t>
-            </a:r>
-            <a:r>
-              <a:rPr i="1">
-                <a:hlinkClick r:id="rId5"/>
-              </a:rPr>
-              <a:t>pdf_book</a:t>
-            </a:r>
-            <a:r>
-              <a:rPr/>
-              <a:t>, </a:t>
-            </a:r>
-            <a:r>
-              <a:rPr i="1">
-                <a:hlinkClick r:id="rId6"/>
-              </a:rPr>
-              <a:t>bs4_book</a:t>
-            </a:r>
-            <a:r>
-              <a:rPr/>
-              <a:t> e </a:t>
-            </a:r>
-            <a:r>
-              <a:rPr i="1">
-                <a:hlinkClick r:id="rId7"/>
-              </a:rPr>
-              <a:t>epub_book</a:t>
-            </a:r>
-            <a:r>
-              <a:rPr/>
-              <a:t> para criar arquivos PDF, HTML e EPUB, respectivamente, com o conteúdo criado no manuscrito reprodutível.</a:t>
+              <a:t>cite_packages</a:t>
+            </a:r>
+            <a:r>
+              <a:rPr/>
+              <a:t> para citar os pacotes utilizados em um projeto R.</a:t>
             </a:r>
           </a:p>
           <a:p>
@@ -17597,18 +17136,73 @@
             </a:pPr>
             <a:r>
               <a:rPr b="1"/>
-              <a:t>Como manuscritos reprodutíveis contribuem para a ciência?</a:t>
+              <a:t>Como preparar scripts para compartilhamento?</a:t>
             </a:r>
           </a:p>
           <a:p>
             <a:pPr lvl="0"/>
             <a:r>
               <a:rPr/>
-              <a:t>O compartilhamento de bancos de dados e seus scripts de análise estatística permitem a adoção de práticas reprodutíveis, tais como a reanálise dos dados.</a:t>
+              <a:t>Documente em um arquivo README os arquivos disponíveis e os pré-requisitos necessários para executar o código (ex.: pacotes e respectivas versões). Uma lista de configurações (hardware e software) que foram usadas para rodar o código pode ajudar na reprodução dos resultados.</a:t>
             </a:r>
             <a:r>
               <a:rPr baseline="30000"/>
-              <a:t>249</a:t>
+              <a:t>12</a:t>
+            </a:r>
+          </a:p>
+          <a:p>
+            <a:pPr lvl="0"/>
+            <a:r>
+              <a:rPr/>
+              <a:t>Crie links persistentes para versões do seu script.</a:t>
+            </a:r>
+            <a:r>
+              <a:rPr baseline="30000"/>
+              <a:t>238</a:t>
+            </a:r>
+          </a:p>
+          <a:p>
+            <a:pPr lvl="0"/>
+            <a:r>
+              <a:rPr/>
+              <a:t>Defina uma semente para o gerador de números aleatórios em scripts com métodos computacionais que dependem da geração de números pseudoaleatórios.</a:t>
+            </a:r>
+            <a:r>
+              <a:rPr baseline="30000"/>
+              <a:t>12</a:t>
+            </a:r>
+          </a:p>
+          <a:p>
+            <a:pPr lvl="0"/>
+            <a:r>
+              <a:rPr/>
+              <a:t>Escolha uma licença apropriada para garantir como outros usarão seus scripts.</a:t>
+            </a:r>
+            <a:r>
+              <a:rPr baseline="30000"/>
+              <a:t>238</a:t>
+            </a:r>
+          </a:p>
+          <a:p>
+            <a:pPr lvl="0"/>
+            <a:r>
+              <a:rPr/>
+              <a:t>Compartilhe todos os pacotes relacionados à sua análise.</a:t>
+            </a:r>
+            <a:r>
+              <a:rPr baseline="30000"/>
+              <a:t>243</a:t>
+            </a:r>
+          </a:p>
+          <a:p>
+            <a:pPr lvl="0"/>
+            <a:r>
+              <a:rPr/>
+              <a:t>Providencie a documentação sobre seu script (ex.: arquivo README).</a:t>
+            </a:r>
+            <a:r>
+              <a:rPr baseline="30000"/>
+              <a:t>238</a:t>
             </a:r>
           </a:p>
           <a:p>
@@ -17626,11 +17220,11 @@
             </a:r>
             <a:r>
               <a:rPr i="1"/>
-              <a:t>projects</a:t>
+              <a:t>base</a:t>
             </a:r>
             <a:r>
               <a:rPr baseline="30000"/>
-              <a:t>250</a:t>
+              <a:t>14</a:t>
             </a:r>
             <a:r>
               <a:rPr/>
@@ -17638,13 +17232,13 @@
             </a:r>
             <a:r>
               <a:rPr i="1">
-                <a:hlinkClick r:id="rId8"/>
-              </a:rPr>
-              <a:t>setup_projects</a:t>
-            </a:r>
-            <a:r>
-              <a:rPr/>
-              <a:t> para criar um projeto com arquivos organizados em diretórios.</a:t>
+                <a:hlinkClick r:id="rId4"/>
+              </a:rPr>
+              <a:t>set.seed</a:t>
+            </a:r>
+            <a:r>
+              <a:rPr/>
+              <a:t> para especificar uma semente para reprodutibilidade de computações que envolvem números aleatórios.</a:t>
             </a:r>
           </a:p>
           <a:p>
@@ -17661,7 +17255,62 @@
             </a:pPr>
             <a:r>
               <a:rPr b="1"/>
-              <a:t>Como exportar tabelas em formato DOCX?</a:t>
+              <a:t>O que incluir no arquivo README?</a:t>
+            </a:r>
+          </a:p>
+          <a:p>
+            <a:pPr lvl="0"/>
+            <a:r>
+              <a:rPr/>
+              <a:t>Título do manuscrito.</a:t>
+            </a:r>
+            <a:r>
+              <a:rPr baseline="30000"/>
+              <a:t>12</a:t>
+            </a:r>
+          </a:p>
+          <a:p>
+            <a:pPr lvl="0"/>
+            <a:r>
+              <a:rPr/>
+              <a:t>Autores do manuscrito.</a:t>
+            </a:r>
+            <a:r>
+              <a:rPr baseline="30000"/>
+              <a:t>12</a:t>
+            </a:r>
+          </a:p>
+          <a:p>
+            <a:pPr lvl="0"/>
+            <a:r>
+              <a:rPr/>
+              <a:t>Principais responsáveis pela escrita do script e quaisquer outras pessoas que fizeram contribuições substanciais para o desenvolvimento do script.</a:t>
+            </a:r>
+            <a:r>
+              <a:rPr baseline="30000"/>
+              <a:t>12</a:t>
+            </a:r>
+          </a:p>
+          <a:p>
+            <a:pPr lvl="0"/>
+            <a:r>
+              <a:rPr/>
+              <a:t>Endereço de e-mail do autor ou contribuidor a quem devem ser direcionadas dúvidas, comentários, sugestões e bugs sobre o script.</a:t>
+            </a:r>
+            <a:r>
+              <a:rPr baseline="30000"/>
+              <a:t>12</a:t>
+            </a:r>
+          </a:p>
+          <a:p>
+            <a:pPr lvl="0"/>
+            <a:r>
+              <a:rPr/>
+              <a:t>Lista de configurações nas quais o script foi testado, tais com nome e versão do programa, pacotes e plataforma.</a:t>
+            </a:r>
+            <a:r>
+              <a:rPr baseline="30000"/>
+              <a:t>12</a:t>
             </a:r>
           </a:p>
           <a:p>
@@ -17679,88 +17328,25 @@
             </a:r>
             <a:r>
               <a:rPr i="1"/>
-              <a:t>table1</a:t>
+              <a:t>utils</a:t>
             </a:r>
             <a:r>
               <a:rPr baseline="30000"/>
-              <a:t>251</a:t>
-            </a:r>
-            <a:r>
-              <a:rPr/>
-              <a:t> fornece as funções </a:t>
+              <a:t>244</a:t>
+            </a:r>
+            <a:r>
+              <a:rPr/>
+              <a:t> fornece a função </a:t>
             </a:r>
             <a:r>
               <a:rPr i="1">
-                <a:hlinkClick r:id="rId9"/>
-              </a:rPr>
-              <a:t>as_flextable</a:t>
-            </a:r>
-            <a:r>
-              <a:rPr/>
-              <a:t> e </a:t>
-            </a:r>
-            <a:r>
-              <a:rPr i="1">
-                <a:hlinkClick r:id="rId10"/>
-              </a:rPr>
-              <a:t>save_as_docx</a:t>
-            </a:r>
-            <a:r>
-              <a:rPr/>
-              <a:t> para salvar tabelas em formato DOCX.</a:t>
-            </a:r>
-          </a:p>
-          <a:p>
-            <a:pPr lvl="0" indent="0" marL="0">
-              <a:buNone/>
-            </a:pPr>
-          </a:p>
-          <a:p>
-            <a:pPr lvl="0" indent="0" marL="0">
-              <a:spcBef>
-                <a:spcPts val="3000"/>
-              </a:spcBef>
-              <a:buNone/>
-            </a:pPr>
-            <a:r>
-              <a:rPr b="1"/>
-              <a:t>Como exportar figuras em formato TIFF?</a:t>
-            </a:r>
-          </a:p>
-          <a:p>
-            <a:pPr lvl="0" indent="0" marL="0">
-              <a:buNone/>
-            </a:pPr>
-          </a:p>
-          <a:p>
-            <a:pPr lvl="0" indent="0" marL="0">
-              <a:buNone/>
-            </a:pPr>
-            <a:r>
-              <a:rPr/>
-              <a:t>O pacote </a:t>
-            </a:r>
-            <a:r>
-              <a:rPr i="1"/>
-              <a:t>tiff</a:t>
-            </a:r>
-            <a:r>
-              <a:rPr baseline="30000"/>
-              <a:t>252</a:t>
-            </a:r>
-            <a:r>
-              <a:rPr/>
-              <a:t> fornece a função </a:t>
-            </a:r>
-            <a:r>
-              <a:rPr i="1">
-                <a:hlinkClick r:id="rId11"/>
-              </a:rPr>
-              <a:t>writeTIFF</a:t>
-            </a:r>
-            <a:r>
-              <a:rPr/>
-              <a:t> para exportar gráficos em formato TIFF.</a:t>
+                <a:hlinkClick r:id="rId5"/>
+              </a:rPr>
+              <a:t>sessionInfo</a:t>
+            </a:r>
+            <a:r>
+              <a:rPr/>
+              <a:t> para descrever as características do programa, pacotes e plataforma da sessão atual.</a:t>
             </a:r>
           </a:p>
           <a:p>
@@ -17776,6 +17362,530 @@
 </file>
 
 <file path=ppt/slides/slide163.xml><?xml version="1.0" encoding="utf-8"?>
+<p:sld xmlns:a="http://schemas.openxmlformats.org/drawingml/2006/main" xmlns:r="http://schemas.openxmlformats.org/officeDocument/2006/relationships" xmlns:p="http://schemas.openxmlformats.org/presentationml/2006/main">
+  <p:cSld>
+    <p:spTree>
+      <p:nvGrpSpPr>
+        <p:cNvPr id="1" name=""/>
+        <p:cNvGrpSpPr/>
+        <p:nvPr/>
+      </p:nvGrpSpPr>
+      <p:grpSpPr>
+        <a:xfrm>
+          <a:off x="0" y="0"/>
+          <a:ext cx="0" cy="0"/>
+          <a:chOff x="0" y="0"/>
+          <a:chExt cx="0" cy="0"/>
+        </a:xfrm>
+      </p:grpSpPr>
+      <p:sp>
+        <p:nvSpPr>
+          <p:cNvPr id="2" name="Title 1">
+            <a:extLst>
+              <a:ext uri="{FF2B5EF4-FFF2-40B4-BE49-F238E27FC236}">
+                <a16:creationId xmlns:a16="http://schemas.microsoft.com/office/drawing/2014/main" id="{0277F749-6ED4-3E49-963A-830033252F78}"/>
+              </a:ext>
+            </a:extLst>
+          </p:cNvPr>
+          <p:cNvSpPr>
+            <a:spLocks noGrp="1"/>
+          </p:cNvSpPr>
+          <p:nvPr>
+            <p:ph type="title"/>
+          </p:nvPr>
+        </p:nvSpPr>
+        <p:spPr>
+          <a:xfrm>
+            <a:off x="0" y="17256"/>
+            <a:ext cx="10515600" cy="663782"/>
+          </a:xfrm>
+        </p:spPr>
+        <p:txBody>
+          <a:bodyPr/>
+          <a:lstStyle/>
+          <a:p>
+            <a:pPr lvl="0" indent="0" marL="0">
+              <a:buNone/>
+            </a:pPr>
+            <a:r>
+              <a:rPr/>
+              <a:t>Manuscritos reprodutíveis</a:t>
+            </a:r>
+          </a:p>
+        </p:txBody>
+      </p:sp>
+      <p:sp>
+        <p:nvSpPr>
+          <p:cNvPr id="3" name="Content Placeholder 2">
+            <a:extLst>
+              <a:ext uri="{FF2B5EF4-FFF2-40B4-BE49-F238E27FC236}">
+                <a16:creationId xmlns:a16="http://schemas.microsoft.com/office/drawing/2014/main" id="{1574FA24-F1CC-B240-AAF9-A2DF684B1C54}"/>
+              </a:ext>
+            </a:extLst>
+          </p:cNvPr>
+          <p:cNvSpPr>
+            <a:spLocks noGrp="1"/>
+          </p:cNvSpPr>
+          <p:nvPr>
+            <p:ph idx="1"/>
+          </p:nvPr>
+        </p:nvSpPr>
+        <p:spPr/>
+        <p:txBody>
+          <a:bodyPr/>
+          <a:lstStyle/>
+          <a:p>
+            <a:pPr lvl="0" indent="0" marL="0">
+              <a:buNone/>
+            </a:pPr>
+          </a:p>
+          <a:p>
+            <a:pPr lvl="0" indent="0" marL="0">
+              <a:spcBef>
+                <a:spcPts val="3000"/>
+              </a:spcBef>
+              <a:buNone/>
+            </a:pPr>
+            <a:r>
+              <a:rPr b="1"/>
+              <a:t>O que são manuscritos reprodutíveis?</a:t>
+            </a:r>
+          </a:p>
+          <a:p>
+            <a:pPr lvl="0"/>
+            <a:r>
+              <a:rPr/>
+              <a:t>Manuscritos reprodutíveis - manuscritos executáveis ou relatórios dinâmicos - permitem a produção de um manuscrito completo a partir da integração do banco de dados da(s) amostra(s), do(s) script(s) de análise estatística (incluindo comentários para sua interpretação), dos pacotes ou bibliotecas utilizados, das fontes e referências bibliográficas citadas, além dos demais elementos textuais (tabelas, gráficos) - todos gerados dinamicamente.</a:t>
+            </a:r>
+            <a:r>
+              <a:rPr baseline="30000"/>
+              <a:t>15</a:t>
+            </a:r>
+          </a:p>
+          <a:p>
+            <a:pPr lvl="0"/>
+            <a:r>
+              <a:rPr/>
+              <a:t>O trabalho com RMarkdown</a:t>
+            </a:r>
+            <a:r>
+              <a:rPr baseline="30000"/>
+              <a:t>245</a:t>
+            </a:r>
+            <a:r>
+              <a:rPr/>
+              <a:t> permite um fluxo de dados totalmente transparente, desde o conjunto de dados coletados até o manuscrito finalizado. Todos os aspectos do fluxo de dados podem ser incorporados em blocos de R script (</a:t>
+            </a:r>
+            <a:r>
+              <a:rPr i="1"/>
+              <a:t>chunk</a:t>
+            </a:r>
+            <a:r>
+              <a:rPr/>
+              <a:t>), exibindo tanto o R script quando o respectivo texto, tabelas e figuras formatadas no estilo científico de interesse.</a:t>
+            </a:r>
+            <a:r>
+              <a:rPr baseline="30000"/>
+              <a:t>246</a:t>
+            </a:r>
+          </a:p>
+          <a:p>
+            <a:pPr lvl="0"/>
+            <a:r>
+              <a:rPr/>
+              <a:t>O RMarkdown</a:t>
+            </a:r>
+            <a:r>
+              <a:rPr baseline="30000"/>
+              <a:t>245</a:t>
+            </a:r>
+            <a:r>
+              <a:rPr/>
+              <a:t> foi projetado especificamente para relatórios dinâmicos onde a análise é realizada em R e oferece uma flexibilidade incrível por meio de uma linguagem de marcação.</a:t>
+            </a:r>
+            <a:r>
+              <a:rPr baseline="30000"/>
+              <a:t>13</a:t>
+            </a:r>
+          </a:p>
+          <a:p>
+            <a:pPr lvl="0" indent="0" marL="0">
+              <a:buNone/>
+            </a:pPr>
+          </a:p>
+          <a:p>
+            <a:pPr lvl="0" indent="0" marL="0">
+              <a:spcBef>
+                <a:spcPts val="3000"/>
+              </a:spcBef>
+              <a:buNone/>
+            </a:pPr>
+            <a:r>
+              <a:rPr b="1"/>
+              <a:t>Por que usar manuscritos reprodutíveis?</a:t>
+            </a:r>
+          </a:p>
+          <a:p>
+            <a:pPr lvl="0"/>
+            <a:r>
+              <a:rPr/>
+              <a:t>No processo tradicional de redação científica há muitas etapas de copiar e colar não reproduzíveis envolvidas. Documentos dinâmicos combinam uma ferramenta de processamento de texto com o R script que produz o texto/tabela/figura a ser incorporado no manuscrito.</a:t>
+            </a:r>
+            <a:r>
+              <a:rPr baseline="30000"/>
+              <a:t>13</a:t>
+            </a:r>
+          </a:p>
+          <a:p>
+            <a:pPr lvl="0"/>
+            <a:r>
+              <a:rPr/>
+              <a:t>Ao trabalhar com relatórios dinâmicos, é possível extrair o mesmo script usado para análise estatística. Os documentos podem ser compilados em vários formatos de saída e salvos como DOCX, PPTX e PDF.</a:t>
+            </a:r>
+            <a:r>
+              <a:rPr baseline="30000"/>
+              <a:t>13</a:t>
+            </a:r>
+          </a:p>
+          <a:p>
+            <a:pPr lvl="0" indent="0" marL="0">
+              <a:buNone/>
+            </a:pPr>
+          </a:p>
+          <a:p>
+            <a:pPr lvl="0" indent="0" marL="0">
+              <a:buNone/>
+            </a:pPr>
+            <a:r>
+              <a:rPr/>
+              <a:t>O pacote </a:t>
+            </a:r>
+            <a:r>
+              <a:rPr i="1"/>
+              <a:t>rmarkdown</a:t>
+            </a:r>
+            <a:r>
+              <a:rPr baseline="30000"/>
+              <a:t>16</a:t>
+            </a:r>
+            <a:r>
+              <a:rPr/>
+              <a:t> fornece as funções [</a:t>
+            </a:r>
+            <a:r>
+              <a:rPr i="1"/>
+              <a:t>render</a:t>
+            </a:r>
+            <a:r>
+              <a:rPr/>
+              <a:t>]</a:t>
+            </a:r>
+            <a:r>
+              <a:rPr>
+                <a:hlinkClick r:id="rId2"/>
+              </a:rPr>
+              <a:t>https://www.rdocumentation.org/packages/rmarkdown/versions/2.24/topics/render</a:t>
+            </a:r>
+            <a:r>
+              <a:rPr/>
+              <a:t>) para criar manuscritos reprodutíveis a partir de arquivos .Rmd.</a:t>
+            </a:r>
+          </a:p>
+          <a:p>
+            <a:pPr lvl="0" indent="0" marL="0">
+              <a:buNone/>
+            </a:pPr>
+          </a:p>
+          <a:p>
+            <a:pPr lvl="0" indent="0" marL="0">
+              <a:buNone/>
+            </a:pPr>
+            <a:r>
+              <a:rPr/>
+              <a:t>O pacote </a:t>
+            </a:r>
+            <a:r>
+              <a:rPr i="1"/>
+              <a:t>officedown</a:t>
+            </a:r>
+            <a:r>
+              <a:rPr baseline="30000"/>
+              <a:t>247</a:t>
+            </a:r>
+            <a:r>
+              <a:rPr/>
+              <a:t> fornece as funções </a:t>
+            </a:r>
+            <a:r>
+              <a:rPr i="1">
+                <a:hlinkClick r:id="rId3"/>
+              </a:rPr>
+              <a:t>rdocx_document</a:t>
+            </a:r>
+            <a:r>
+              <a:rPr/>
+              <a:t> e </a:t>
+            </a:r>
+            <a:r>
+              <a:rPr i="1">
+                <a:hlinkClick r:id="rId4"/>
+              </a:rPr>
+              <a:t>rpptx_document</a:t>
+            </a:r>
+            <a:r>
+              <a:rPr/>
+              <a:t> para criar arquivos DOCX e PPTX, respectivamente, com o conteúdo criado no manuscrito reprodutível.</a:t>
+            </a:r>
+          </a:p>
+          <a:p>
+            <a:pPr lvl="0" indent="0" marL="0">
+              <a:buNone/>
+            </a:pPr>
+          </a:p>
+          <a:p>
+            <a:pPr lvl="0" indent="0" marL="0">
+              <a:buNone/>
+            </a:pPr>
+            <a:r>
+              <a:rPr/>
+              <a:t>O pacote </a:t>
+            </a:r>
+            <a:r>
+              <a:rPr i="1"/>
+              <a:t>bookdown</a:t>
+            </a:r>
+            <a:r>
+              <a:rPr baseline="30000"/>
+              <a:t>248</a:t>
+            </a:r>
+            <a:r>
+              <a:rPr/>
+              <a:t> fornece as funções </a:t>
+            </a:r>
+            <a:r>
+              <a:rPr i="1">
+                <a:hlinkClick r:id="rId5"/>
+              </a:rPr>
+              <a:t>pdf_book</a:t>
+            </a:r>
+            <a:r>
+              <a:rPr/>
+              <a:t>, </a:t>
+            </a:r>
+            <a:r>
+              <a:rPr i="1">
+                <a:hlinkClick r:id="rId6"/>
+              </a:rPr>
+              <a:t>bs4_book</a:t>
+            </a:r>
+            <a:r>
+              <a:rPr/>
+              <a:t> e </a:t>
+            </a:r>
+            <a:r>
+              <a:rPr i="1">
+                <a:hlinkClick r:id="rId7"/>
+              </a:rPr>
+              <a:t>epub_book</a:t>
+            </a:r>
+            <a:r>
+              <a:rPr/>
+              <a:t> para criar arquivos PDF, HTML e EPUB, respectivamente, com o conteúdo criado no manuscrito reprodutível.</a:t>
+            </a:r>
+          </a:p>
+          <a:p>
+            <a:pPr lvl="0" indent="0" marL="0">
+              <a:buNone/>
+            </a:pPr>
+          </a:p>
+          <a:p>
+            <a:pPr lvl="0" indent="0" marL="0">
+              <a:spcBef>
+                <a:spcPts val="3000"/>
+              </a:spcBef>
+              <a:buNone/>
+            </a:pPr>
+            <a:r>
+              <a:rPr b="1"/>
+              <a:t>Como manuscritos reprodutíveis contribuem para a ciência?</a:t>
+            </a:r>
+          </a:p>
+          <a:p>
+            <a:pPr lvl="0"/>
+            <a:r>
+              <a:rPr/>
+              <a:t>O compartilhamento de bancos de dados e seus scripts de análise estatística permitem a adoção de práticas reprodutíveis, tais como a reanálise dos dados.</a:t>
+            </a:r>
+            <a:r>
+              <a:rPr baseline="30000"/>
+              <a:t>249</a:t>
+            </a:r>
+          </a:p>
+          <a:p>
+            <a:pPr lvl="0" indent="0" marL="0">
+              <a:buNone/>
+            </a:pPr>
+          </a:p>
+          <a:p>
+            <a:pPr lvl="0" indent="0" marL="0">
+              <a:buNone/>
+            </a:pPr>
+            <a:r>
+              <a:rPr/>
+              <a:t>O pacote </a:t>
+            </a:r>
+            <a:r>
+              <a:rPr i="1"/>
+              <a:t>projects</a:t>
+            </a:r>
+            <a:r>
+              <a:rPr baseline="30000"/>
+              <a:t>250</a:t>
+            </a:r>
+            <a:r>
+              <a:rPr/>
+              <a:t> fornece a função </a:t>
+            </a:r>
+            <a:r>
+              <a:rPr i="1">
+                <a:hlinkClick r:id="rId8"/>
+              </a:rPr>
+              <a:t>setup_projects</a:t>
+            </a:r>
+            <a:r>
+              <a:rPr/>
+              <a:t> para criar um projeto com arquivos organizados em diretórios.</a:t>
+            </a:r>
+          </a:p>
+          <a:p>
+            <a:pPr lvl="0" indent="0" marL="0">
+              <a:buNone/>
+            </a:pPr>
+          </a:p>
+          <a:p>
+            <a:pPr lvl="0" indent="0" marL="0">
+              <a:spcBef>
+                <a:spcPts val="3000"/>
+              </a:spcBef>
+              <a:buNone/>
+            </a:pPr>
+            <a:r>
+              <a:rPr b="1"/>
+              <a:t>Como exportar tabelas em formato DOCX?</a:t>
+            </a:r>
+          </a:p>
+          <a:p>
+            <a:pPr lvl="0" indent="0" marL="0">
+              <a:buNone/>
+            </a:pPr>
+          </a:p>
+          <a:p>
+            <a:pPr lvl="0" indent="0" marL="0">
+              <a:buNone/>
+            </a:pPr>
+            <a:r>
+              <a:rPr/>
+              <a:t>O pacote </a:t>
+            </a:r>
+            <a:r>
+              <a:rPr i="1"/>
+              <a:t>table1</a:t>
+            </a:r>
+            <a:r>
+              <a:rPr baseline="30000"/>
+              <a:t>251</a:t>
+            </a:r>
+            <a:r>
+              <a:rPr/>
+              <a:t> fornece as funções </a:t>
+            </a:r>
+            <a:r>
+              <a:rPr i="1">
+                <a:hlinkClick r:id="rId9"/>
+              </a:rPr>
+              <a:t>as_flextable</a:t>
+            </a:r>
+            <a:r>
+              <a:rPr/>
+              <a:t> e </a:t>
+            </a:r>
+            <a:r>
+              <a:rPr i="1">
+                <a:hlinkClick r:id="rId10"/>
+              </a:rPr>
+              <a:t>save_as_docx</a:t>
+            </a:r>
+            <a:r>
+              <a:rPr/>
+              <a:t> para salvar tabelas em formato DOCX.</a:t>
+            </a:r>
+          </a:p>
+          <a:p>
+            <a:pPr lvl="0" indent="0" marL="0">
+              <a:buNone/>
+            </a:pPr>
+          </a:p>
+          <a:p>
+            <a:pPr lvl="0" indent="0" marL="0">
+              <a:spcBef>
+                <a:spcPts val="3000"/>
+              </a:spcBef>
+              <a:buNone/>
+            </a:pPr>
+            <a:r>
+              <a:rPr b="1"/>
+              <a:t>Como exportar figuras em formato TIFF?</a:t>
+            </a:r>
+          </a:p>
+          <a:p>
+            <a:pPr lvl="0" indent="0" marL="0">
+              <a:buNone/>
+            </a:pPr>
+          </a:p>
+          <a:p>
+            <a:pPr lvl="0" indent="0" marL="0">
+              <a:buNone/>
+            </a:pPr>
+            <a:r>
+              <a:rPr/>
+              <a:t>O pacote </a:t>
+            </a:r>
+            <a:r>
+              <a:rPr i="1"/>
+              <a:t>tiff</a:t>
+            </a:r>
+            <a:r>
+              <a:rPr baseline="30000"/>
+              <a:t>252</a:t>
+            </a:r>
+            <a:r>
+              <a:rPr/>
+              <a:t> fornece a função </a:t>
+            </a:r>
+            <a:r>
+              <a:rPr i="1">
+                <a:hlinkClick r:id="rId11"/>
+              </a:rPr>
+              <a:t>writeTIFF</a:t>
+            </a:r>
+            <a:r>
+              <a:rPr/>
+              <a:t> para exportar gráficos em formato TIFF.</a:t>
+            </a:r>
+          </a:p>
+          <a:p>
+            <a:pPr lvl="0" indent="0" marL="0">
+              <a:buNone/>
+            </a:pPr>
+          </a:p>
+        </p:txBody>
+      </p:sp>
+    </p:spTree>
+  </p:cSld>
+</p:sld>
+</file>
+
+<file path=ppt/slides/slide164.xml><?xml version="1.0" encoding="utf-8"?>
 <p:sld xmlns:a="http://schemas.openxmlformats.org/drawingml/2006/main" xmlns:r="http://schemas.openxmlformats.org/officeDocument/2006/relationships" xmlns:p="http://schemas.openxmlformats.org/presentationml/2006/main">
   <p:cSld>
     <p:spTree>
@@ -17833,7 +17943,7 @@
 </p:sld>
 </file>
 
-<file path=ppt/slides/slide164.xml><?xml version="1.0" encoding="utf-8"?>
+<file path=ppt/slides/slide165.xml><?xml version="1.0" encoding="utf-8"?>
 <p:sld xmlns:a="http://schemas.openxmlformats.org/drawingml/2006/main" xmlns:r="http://schemas.openxmlformats.org/officeDocument/2006/relationships" xmlns:p="http://schemas.openxmlformats.org/presentationml/2006/main">
   <p:cSld>
     <p:spTree>
@@ -18283,7 +18393,7 @@
 </p:sld>
 </file>
 
-<file path=ppt/slides/slide165.xml><?xml version="1.0" encoding="UTF-8"?>
+<file path=ppt/slides/slide166.xml><?xml version="1.0" encoding="UTF-8"?>
 <p:sld xmlns:a="http://schemas.openxmlformats.org/drawingml/2006/main" xmlns:r="http://schemas.openxmlformats.org/officeDocument/2006/relationships" xmlns:p="http://schemas.openxmlformats.org/presentationml/2006/main">
   <p:cSld>
     <p:spTree>
@@ -25047,7 +25157,7 @@
 
 </file>
 
-<file path=ppt/slides/slide166.xml><?xml version="1.0" encoding="utf-8"?>
+<file path=ppt/slides/slide167.xml><?xml version="1.0" encoding="utf-8"?>
 <p:sld xmlns:a="http://schemas.openxmlformats.org/drawingml/2006/main" xmlns:r="http://schemas.openxmlformats.org/officeDocument/2006/relationships" xmlns:p="http://schemas.openxmlformats.org/presentationml/2006/main">
   <p:cSld>
     <p:spTree>
@@ -28461,7 +28571,7 @@
 </p:sld>
 </file>
 
-<file path=ppt/slides/slide167.xml><?xml version="1.0" encoding="utf-8"?>
+<file path=ppt/slides/slide168.xml><?xml version="1.0" encoding="utf-8"?>
 <p:sld xmlns:a="http://schemas.openxmlformats.org/drawingml/2006/main" xmlns:r="http://schemas.openxmlformats.org/officeDocument/2006/relationships" xmlns:p="http://schemas.openxmlformats.org/presentationml/2006/main">
   <p:cSld>
     <p:spTree>
@@ -28511,316 +28621,6 @@
               <a:rPr b="1"/>
               <a:t>Redação estatística</a:t>
             </a:r>
-          </a:p>
-        </p:txBody>
-      </p:sp>
-    </p:spTree>
-  </p:cSld>
-</p:sld>
-</file>
-
-<file path=ppt/slides/slide168.xml><?xml version="1.0" encoding="utf-8"?>
-<p:sld xmlns:a="http://schemas.openxmlformats.org/drawingml/2006/main" xmlns:r="http://schemas.openxmlformats.org/officeDocument/2006/relationships" xmlns:p="http://schemas.openxmlformats.org/presentationml/2006/main">
-  <p:cSld>
-    <p:spTree>
-      <p:nvGrpSpPr>
-        <p:cNvPr id="1" name=""/>
-        <p:cNvGrpSpPr/>
-        <p:nvPr/>
-      </p:nvGrpSpPr>
-      <p:grpSpPr>
-        <a:xfrm>
-          <a:off x="0" y="0"/>
-          <a:ext cx="0" cy="0"/>
-          <a:chOff x="0" y="0"/>
-          <a:chExt cx="0" cy="0"/>
-        </a:xfrm>
-      </p:grpSpPr>
-      <p:sp>
-        <p:nvSpPr>
-          <p:cNvPr id="2" name="Title 1">
-            <a:extLst>
-              <a:ext uri="{FF2B5EF4-FFF2-40B4-BE49-F238E27FC236}">
-                <a16:creationId xmlns:a16="http://schemas.microsoft.com/office/drawing/2014/main" id="{0277F749-6ED4-3E49-963A-830033252F78}"/>
-              </a:ext>
-            </a:extLst>
-          </p:cNvPr>
-          <p:cNvSpPr>
-            <a:spLocks noGrp="1"/>
-          </p:cNvSpPr>
-          <p:nvPr>
-            <p:ph type="title"/>
-          </p:nvPr>
-        </p:nvSpPr>
-        <p:spPr>
-          <a:xfrm>
-            <a:off x="0" y="17256"/>
-            <a:ext cx="10515600" cy="663782"/>
-          </a:xfrm>
-        </p:spPr>
-        <p:txBody>
-          <a:bodyPr/>
-          <a:lstStyle/>
-          <a:p>
-            <a:pPr lvl="0" indent="0" marL="0">
-              <a:buNone/>
-            </a:pPr>
-            <a:r>
-              <a:rPr/>
-              <a:t>Diretrizes</a:t>
-            </a:r>
-          </a:p>
-        </p:txBody>
-      </p:sp>
-      <p:sp>
-        <p:nvSpPr>
-          <p:cNvPr id="3" name="Content Placeholder 2">
-            <a:extLst>
-              <a:ext uri="{FF2B5EF4-FFF2-40B4-BE49-F238E27FC236}">
-                <a16:creationId xmlns:a16="http://schemas.microsoft.com/office/drawing/2014/main" id="{1574FA24-F1CC-B240-AAF9-A2DF684B1C54}"/>
-              </a:ext>
-            </a:extLst>
-          </p:cNvPr>
-          <p:cNvSpPr>
-            <a:spLocks noGrp="1"/>
-          </p:cNvSpPr>
-          <p:nvPr>
-            <p:ph idx="1"/>
-          </p:nvPr>
-        </p:nvSpPr>
-        <p:spPr/>
-        <p:txBody>
-          <a:bodyPr/>
-          <a:lstStyle/>
-          <a:p>
-            <a:pPr lvl="0"/>
-            <a:r>
-              <a:rPr i="1"/>
-              <a:t>Review of guidance papers on regression modeling in statistical series of medical journals</a:t>
-            </a:r>
-            <a:r>
-              <a:rPr/>
-              <a:t>.</a:t>
-            </a:r>
-            <a:r>
-              <a:rPr baseline="30000"/>
-              <a:t>253</a:t>
-            </a:r>
-          </a:p>
-          <a:p>
-            <a:pPr lvl="0"/>
-            <a:r>
-              <a:rPr i="1"/>
-              <a:t>Principles and recommendations for incorporating estimands into clinical study protocol templates</a:t>
-            </a:r>
-            <a:r>
-              <a:rPr/>
-              <a:t>.</a:t>
-            </a:r>
-            <a:r>
-              <a:rPr baseline="30000"/>
-              <a:t>254</a:t>
-            </a:r>
-          </a:p>
-          <a:p>
-            <a:pPr lvl="0"/>
-            <a:r>
-              <a:rPr i="1"/>
-              <a:t>How to write statistical analysis section in medical research</a:t>
-            </a:r>
-            <a:r>
-              <a:rPr/>
-              <a:t>.</a:t>
-            </a:r>
-            <a:r>
-              <a:rPr baseline="30000"/>
-              <a:t>141</a:t>
-            </a:r>
-          </a:p>
-          <a:p>
-            <a:pPr lvl="0"/>
-            <a:r>
-              <a:rPr i="1"/>
-              <a:t>Recommendations for Statistical Reporting in Cardiovascular Medicine: A Special Report From the American Heart Association</a:t>
-            </a:r>
-            <a:r>
-              <a:rPr/>
-              <a:t>.</a:t>
-            </a:r>
-            <a:r>
-              <a:rPr baseline="30000"/>
-              <a:t>255</a:t>
-            </a:r>
-          </a:p>
-          <a:p>
-            <a:pPr lvl="0"/>
-            <a:r>
-              <a:rPr i="1"/>
-              <a:t>Framework for the treatment and reporting of missing data in observational studies: The Treatment And Reporting of Missing data in Observational Studies framework</a:t>
-            </a:r>
-            <a:r>
-              <a:rPr/>
-              <a:t>.</a:t>
-            </a:r>
-            <a:r>
-              <a:rPr baseline="30000"/>
-              <a:t>256</a:t>
-            </a:r>
-          </a:p>
-          <a:p>
-            <a:pPr lvl="0"/>
-            <a:r>
-              <a:rPr i="1"/>
-              <a:t>Guidelines for reporting of figures and tables for clinical research in urology</a:t>
-            </a:r>
-            <a:r>
-              <a:rPr/>
-              <a:t>.</a:t>
-            </a:r>
-            <a:r>
-              <a:rPr baseline="30000"/>
-              <a:t>257</a:t>
-            </a:r>
-          </a:p>
-          <a:p>
-            <a:pPr lvl="0"/>
-            <a:r>
-              <a:rPr i="1"/>
-              <a:t>Who is in this study, anyway? Guidelines for a useful Table 1</a:t>
-            </a:r>
-            <a:r>
-              <a:rPr/>
-              <a:t>.</a:t>
-            </a:r>
-            <a:r>
-              <a:rPr baseline="30000"/>
-              <a:t>110</a:t>
-            </a:r>
-          </a:p>
-          <a:p>
-            <a:pPr lvl="0"/>
-            <a:r>
-              <a:rPr i="1"/>
-              <a:t>Guidelines for Reporting of Statistics for Clinical Research in Urology</a:t>
-            </a:r>
-            <a:r>
-              <a:rPr/>
-              <a:t>.</a:t>
-            </a:r>
-            <a:r>
-              <a:rPr baseline="30000"/>
-              <a:t>258</a:t>
-            </a:r>
-          </a:p>
-          <a:p>
-            <a:pPr lvl="0"/>
-            <a:r>
-              <a:rPr i="1"/>
-              <a:t>Reveal, Don’t Conceal: Transforming Data Visualization to Improve Transparency</a:t>
-            </a:r>
-            <a:r>
-              <a:rPr/>
-              <a:t>.</a:t>
-            </a:r>
-            <a:r>
-              <a:rPr baseline="30000"/>
-              <a:t>119</a:t>
-            </a:r>
-          </a:p>
-          <a:p>
-            <a:pPr lvl="0"/>
-            <a:r>
-              <a:rPr i="1"/>
-              <a:t>Guidelines for the Content of Statistical Analysis Plans in Clinical Trials</a:t>
-            </a:r>
-            <a:r>
-              <a:rPr/>
-              <a:t>.</a:t>
-            </a:r>
-            <a:r>
-              <a:rPr baseline="30000"/>
-              <a:t>259</a:t>
-            </a:r>
-          </a:p>
-          <a:p>
-            <a:pPr lvl="0"/>
-            <a:r>
-              <a:rPr i="1"/>
-              <a:t>Basic statistical reporting for articles published in Biomedical Journals: The ‘’Statistical Analyses and Methods in the Published Literature’’ or the SAMPL Guidelines</a:t>
-            </a:r>
-            <a:r>
-              <a:rPr/>
-              <a:t>.</a:t>
-            </a:r>
-            <a:r>
-              <a:rPr baseline="30000"/>
-              <a:t>260</a:t>
-            </a:r>
-          </a:p>
-          <a:p>
-            <a:pPr lvl="0"/>
-            <a:r>
-              <a:rPr i="1"/>
-              <a:t>Beyond Bar and Line Graphs: Time for a New Data Presentation Paradigm</a:t>
-            </a:r>
-            <a:r>
-              <a:rPr/>
-              <a:t>.</a:t>
-            </a:r>
-            <a:r>
-              <a:rPr baseline="30000"/>
-              <a:t>261</a:t>
-            </a:r>
-          </a:p>
-          <a:p>
-            <a:pPr lvl="0"/>
-            <a:r>
-              <a:rPr i="1"/>
-              <a:t>STRengthening analytical thinking for observational studies: the STRATOS initiative</a:t>
-            </a:r>
-            <a:r>
-              <a:rPr/>
-              <a:t>.</a:t>
-            </a:r>
-            <a:r>
-              <a:rPr baseline="30000"/>
-              <a:t>262</a:t>
-            </a:r>
-          </a:p>
-          <a:p>
-            <a:pPr lvl="0"/>
-            <a:r>
-              <a:rPr i="1"/>
-              <a:t>Research methods and reporting</a:t>
-            </a:r>
-            <a:r>
-              <a:rPr/>
-              <a:t>.</a:t>
-            </a:r>
-            <a:r>
-              <a:rPr baseline="30000"/>
-              <a:t>263</a:t>
-            </a:r>
-          </a:p>
-          <a:p>
-            <a:pPr lvl="0"/>
-            <a:r>
-              <a:rPr i="1"/>
-              <a:t>How to ensure your paper is rejected by the statistical reviewer</a:t>
-            </a:r>
-            <a:r>
-              <a:rPr/>
-              <a:t>.</a:t>
-            </a:r>
-            <a:r>
-              <a:rPr baseline="30000"/>
-              <a:t>264</a:t>
-            </a:r>
-          </a:p>
-          <a:p>
-            <a:pPr lvl="0" indent="0" marL="0">
-              <a:buNone/>
-            </a:pPr>
           </a:p>
         </p:txBody>
       </p:sp>
@@ -28877,7 +28677,7 @@
             </a:pPr>
             <a:r>
               <a:rPr/>
-              <a:t>Listas de verificação</a:t>
+              <a:t>Diretrizes</a:t>
             </a:r>
           </a:p>
         </p:txBody>
@@ -28906,7 +28706,7 @@
             <a:pPr lvl="0"/>
             <a:r>
               <a:rPr i="1"/>
-              <a:t>A CHecklist for statistical Assessment of Medical Papers (the CHAMP statement): explanation and elaboration</a:t>
+              <a:t>Review of guidance papers on regression modeling in statistical series of medical journals</a:t>
             </a:r>
             <a:r>
               <a:rPr/>
@@ -28914,14 +28714,14 @@
             </a:r>
             <a:r>
               <a:rPr baseline="30000"/>
-              <a:t>265</a:t>
+              <a:t>253</a:t>
             </a:r>
           </a:p>
           <a:p>
             <a:pPr lvl="0"/>
             <a:r>
               <a:rPr i="1"/>
-              <a:t>Checklist for clinical applicability of subgroup analysis</a:t>
+              <a:t>Principles and recommendations for incorporating estimands into clinical study protocol templates</a:t>
             </a:r>
             <a:r>
               <a:rPr/>
@@ -28929,14 +28729,14 @@
             </a:r>
             <a:r>
               <a:rPr baseline="30000"/>
-              <a:t>266</a:t>
+              <a:t>254</a:t>
             </a:r>
           </a:p>
           <a:p>
             <a:pPr lvl="0"/>
             <a:r>
               <a:rPr i="1"/>
-              <a:t>Evidence-based statistical analysis and methods in biomedical research (SAMBR) checklists according to design features</a:t>
+              <a:t>How to write statistical analysis section in medical research</a:t>
             </a:r>
             <a:r>
               <a:rPr/>
@@ -28944,7 +28744,187 @@
             </a:r>
             <a:r>
               <a:rPr baseline="30000"/>
-              <a:t>140</a:t>
+              <a:t>141</a:t>
+            </a:r>
+          </a:p>
+          <a:p>
+            <a:pPr lvl="0"/>
+            <a:r>
+              <a:rPr i="1"/>
+              <a:t>Recommendations for Statistical Reporting in Cardiovascular Medicine: A Special Report From the American Heart Association</a:t>
+            </a:r>
+            <a:r>
+              <a:rPr/>
+              <a:t>.</a:t>
+            </a:r>
+            <a:r>
+              <a:rPr baseline="30000"/>
+              <a:t>255</a:t>
+            </a:r>
+          </a:p>
+          <a:p>
+            <a:pPr lvl="0"/>
+            <a:r>
+              <a:rPr i="1"/>
+              <a:t>Framework for the treatment and reporting of missing data in observational studies: The Treatment And Reporting of Missing data in Observational Studies framework</a:t>
+            </a:r>
+            <a:r>
+              <a:rPr/>
+              <a:t>.</a:t>
+            </a:r>
+            <a:r>
+              <a:rPr baseline="30000"/>
+              <a:t>256</a:t>
+            </a:r>
+          </a:p>
+          <a:p>
+            <a:pPr lvl="0"/>
+            <a:r>
+              <a:rPr i="1"/>
+              <a:t>Guidelines for reporting of figures and tables for clinical research in urology</a:t>
+            </a:r>
+            <a:r>
+              <a:rPr/>
+              <a:t>.</a:t>
+            </a:r>
+            <a:r>
+              <a:rPr baseline="30000"/>
+              <a:t>257</a:t>
+            </a:r>
+          </a:p>
+          <a:p>
+            <a:pPr lvl="0"/>
+            <a:r>
+              <a:rPr i="1"/>
+              <a:t>Who is in this study, anyway? Guidelines for a useful Table 1</a:t>
+            </a:r>
+            <a:r>
+              <a:rPr/>
+              <a:t>.</a:t>
+            </a:r>
+            <a:r>
+              <a:rPr baseline="30000"/>
+              <a:t>110</a:t>
+            </a:r>
+          </a:p>
+          <a:p>
+            <a:pPr lvl="0"/>
+            <a:r>
+              <a:rPr i="1"/>
+              <a:t>Guidelines for Reporting of Statistics for Clinical Research in Urology</a:t>
+            </a:r>
+            <a:r>
+              <a:rPr/>
+              <a:t>.</a:t>
+            </a:r>
+            <a:r>
+              <a:rPr baseline="30000"/>
+              <a:t>258</a:t>
+            </a:r>
+          </a:p>
+          <a:p>
+            <a:pPr lvl="0"/>
+            <a:r>
+              <a:rPr i="1"/>
+              <a:t>Reveal, Don’t Conceal: Transforming Data Visualization to Improve Transparency</a:t>
+            </a:r>
+            <a:r>
+              <a:rPr/>
+              <a:t>.</a:t>
+            </a:r>
+            <a:r>
+              <a:rPr baseline="30000"/>
+              <a:t>119</a:t>
+            </a:r>
+          </a:p>
+          <a:p>
+            <a:pPr lvl="0"/>
+            <a:r>
+              <a:rPr i="1"/>
+              <a:t>Guidelines for the Content of Statistical Analysis Plans in Clinical Trials</a:t>
+            </a:r>
+            <a:r>
+              <a:rPr/>
+              <a:t>.</a:t>
+            </a:r>
+            <a:r>
+              <a:rPr baseline="30000"/>
+              <a:t>259</a:t>
+            </a:r>
+          </a:p>
+          <a:p>
+            <a:pPr lvl="0"/>
+            <a:r>
+              <a:rPr i="1"/>
+              <a:t>Basic statistical reporting for articles published in Biomedical Journals: The ‘’Statistical Analyses and Methods in the Published Literature’’ or the SAMPL Guidelines</a:t>
+            </a:r>
+            <a:r>
+              <a:rPr/>
+              <a:t>.</a:t>
+            </a:r>
+            <a:r>
+              <a:rPr baseline="30000"/>
+              <a:t>260</a:t>
+            </a:r>
+          </a:p>
+          <a:p>
+            <a:pPr lvl="0"/>
+            <a:r>
+              <a:rPr i="1"/>
+              <a:t>Beyond Bar and Line Graphs: Time for a New Data Presentation Paradigm</a:t>
+            </a:r>
+            <a:r>
+              <a:rPr/>
+              <a:t>.</a:t>
+            </a:r>
+            <a:r>
+              <a:rPr baseline="30000"/>
+              <a:t>261</a:t>
+            </a:r>
+          </a:p>
+          <a:p>
+            <a:pPr lvl="0"/>
+            <a:r>
+              <a:rPr i="1"/>
+              <a:t>STRengthening analytical thinking for observational studies: the STRATOS initiative</a:t>
+            </a:r>
+            <a:r>
+              <a:rPr/>
+              <a:t>.</a:t>
+            </a:r>
+            <a:r>
+              <a:rPr baseline="30000"/>
+              <a:t>262</a:t>
+            </a:r>
+          </a:p>
+          <a:p>
+            <a:pPr lvl="0"/>
+            <a:r>
+              <a:rPr i="1"/>
+              <a:t>Research methods and reporting</a:t>
+            </a:r>
+            <a:r>
+              <a:rPr/>
+              <a:t>.</a:t>
+            </a:r>
+            <a:r>
+              <a:rPr baseline="30000"/>
+              <a:t>263</a:t>
+            </a:r>
+          </a:p>
+          <a:p>
+            <a:pPr lvl="0"/>
+            <a:r>
+              <a:rPr i="1"/>
+              <a:t>How to ensure your paper is rejected by the statistical reviewer</a:t>
+            </a:r>
+            <a:r>
+              <a:rPr/>
+              <a:t>.</a:t>
+            </a:r>
+            <a:r>
+              <a:rPr baseline="30000"/>
+              <a:t>264</a:t>
             </a:r>
           </a:p>
           <a:p>
@@ -29756,7 +29736,7 @@
             </a:pPr>
             <a:r>
               <a:rPr/>
-              <a:t>Plano de análise estatística</a:t>
+              <a:t>Listas de verificação</a:t>
             </a:r>
           </a:p>
         </p:txBody>
@@ -29782,27 +29762,48 @@
           <a:bodyPr/>
           <a:lstStyle/>
           <a:p>
-            <a:pPr lvl="0" indent="0" marL="0">
-              <a:buNone/>
-            </a:pPr>
-          </a:p>
-          <a:p>
-            <a:pPr lvl="0" indent="0" marL="0">
-              <a:spcBef>
-                <a:spcPts val="3000"/>
-              </a:spcBef>
-              <a:buNone/>
-            </a:pPr>
-            <a:r>
-              <a:rPr b="1"/>
-              <a:t>O que é plano de análise estatística?</a:t>
-            </a:r>
-          </a:p>
-          <a:p>
             <a:pPr lvl="0"/>
             <a:r>
-              <a:rPr/>
-              <a:t>.[REF]</a:t>
+              <a:rPr i="1"/>
+              <a:t>A CHecklist for statistical Assessment of Medical Papers (the CHAMP statement): explanation and elaboration</a:t>
+            </a:r>
+            <a:r>
+              <a:rPr/>
+              <a:t>.</a:t>
+            </a:r>
+            <a:r>
+              <a:rPr baseline="30000"/>
+              <a:t>265</a:t>
+            </a:r>
+          </a:p>
+          <a:p>
+            <a:pPr lvl="0"/>
+            <a:r>
+              <a:rPr i="1"/>
+              <a:t>Checklist for clinical applicability of subgroup analysis</a:t>
+            </a:r>
+            <a:r>
+              <a:rPr/>
+              <a:t>.</a:t>
+            </a:r>
+            <a:r>
+              <a:rPr baseline="30000"/>
+              <a:t>266</a:t>
+            </a:r>
+          </a:p>
+          <a:p>
+            <a:pPr lvl="0"/>
+            <a:r>
+              <a:rPr i="1"/>
+              <a:t>Evidence-based statistical analysis and methods in biomedical research (SAMBR) checklists according to design features</a:t>
+            </a:r>
+            <a:r>
+              <a:rPr/>
+              <a:t>.</a:t>
+            </a:r>
+            <a:r>
+              <a:rPr baseline="30000"/>
+              <a:t>140</a:t>
             </a:r>
           </a:p>
           <a:p>
@@ -29865,7 +29866,7 @@
             </a:pPr>
             <a:r>
               <a:rPr/>
-              <a:t>Resultados da análise estatística</a:t>
+              <a:t>Plano de análise estatística</a:t>
             </a:r>
           </a:p>
         </p:txBody>
@@ -29904,7 +29905,7 @@
             </a:pPr>
             <a:r>
               <a:rPr b="1"/>
-              <a:t>Como redigir os resultados da análise estatística?</a:t>
+              <a:t>O que é plano de análise estatística?</a:t>
             </a:r>
           </a:p>
           <a:p>
@@ -29948,7 +29949,7 @@
           <p:cNvPr id="2" name="Title 1">
             <a:extLst>
               <a:ext uri="{FF2B5EF4-FFF2-40B4-BE49-F238E27FC236}">
-                <a16:creationId xmlns:a16="http://schemas.microsoft.com/office/drawing/2014/main" id="{28A92D45-5BAF-634B-BB37-8481089F9E28}"/>
+                <a16:creationId xmlns:a16="http://schemas.microsoft.com/office/drawing/2014/main" id="{0277F749-6ED4-3E49-963A-830033252F78}"/>
               </a:ext>
             </a:extLst>
           </p:cNvPr>
@@ -29961,8 +29962,8 @@
         </p:nvSpPr>
         <p:spPr>
           <a:xfrm>
-            <a:off x="831850" y="1709738"/>
-            <a:ext cx="10515600" cy="2852737"/>
+            <a:off x="0" y="17256"/>
+            <a:ext cx="10515600" cy="663782"/>
           </a:xfrm>
         </p:spPr>
         <p:txBody>
@@ -29973,9 +29974,60 @@
               <a:buNone/>
             </a:pPr>
             <a:r>
-              <a:rPr i="1"/>
-              <a:t>Bibliografia</a:t>
-            </a:r>
+              <a:rPr/>
+              <a:t>Resultados da análise estatística</a:t>
+            </a:r>
+          </a:p>
+        </p:txBody>
+      </p:sp>
+      <p:sp>
+        <p:nvSpPr>
+          <p:cNvPr id="3" name="Content Placeholder 2">
+            <a:extLst>
+              <a:ext uri="{FF2B5EF4-FFF2-40B4-BE49-F238E27FC236}">
+                <a16:creationId xmlns:a16="http://schemas.microsoft.com/office/drawing/2014/main" id="{1574FA24-F1CC-B240-AAF9-A2DF684B1C54}"/>
+              </a:ext>
+            </a:extLst>
+          </p:cNvPr>
+          <p:cNvSpPr>
+            <a:spLocks noGrp="1"/>
+          </p:cNvSpPr>
+          <p:nvPr>
+            <p:ph idx="1"/>
+          </p:nvPr>
+        </p:nvSpPr>
+        <p:spPr/>
+        <p:txBody>
+          <a:bodyPr/>
+          <a:lstStyle/>
+          <a:p>
+            <a:pPr lvl="0" indent="0" marL="0">
+              <a:buNone/>
+            </a:pPr>
+          </a:p>
+          <a:p>
+            <a:pPr lvl="0" indent="0" marL="0">
+              <a:spcBef>
+                <a:spcPts val="3000"/>
+              </a:spcBef>
+              <a:buNone/>
+            </a:pPr>
+            <a:r>
+              <a:rPr b="1"/>
+              <a:t>Como redigir os resultados da análise estatística?</a:t>
+            </a:r>
+          </a:p>
+          <a:p>
+            <a:pPr lvl="0"/>
+            <a:r>
+              <a:rPr/>
+              <a:t>.[REF]</a:t>
+            </a:r>
+          </a:p>
+          <a:p>
+            <a:pPr lvl="0" indent="0" marL="0">
+              <a:buNone/>
+            </a:pPr>
           </a:p>
         </p:txBody>
       </p:sp>
@@ -30031,8 +30083,8 @@
               <a:buNone/>
             </a:pPr>
             <a:r>
-              <a:rPr b="1"/>
-              <a:t>Fontes externas</a:t>
+              <a:rPr i="1"/>
+              <a:t>Bibliografia</a:t>
             </a:r>
           </a:p>
         </p:txBody>
@@ -30064,7 +30116,7 @@
           <p:cNvPr id="2" name="Title 1">
             <a:extLst>
               <a:ext uri="{FF2B5EF4-FFF2-40B4-BE49-F238E27FC236}">
-                <a16:creationId xmlns:a16="http://schemas.microsoft.com/office/drawing/2014/main" id="{0277F749-6ED4-3E49-963A-830033252F78}"/>
+                <a16:creationId xmlns:a16="http://schemas.microsoft.com/office/drawing/2014/main" id="{28A92D45-5BAF-634B-BB37-8481089F9E28}"/>
               </a:ext>
             </a:extLst>
           </p:cNvPr>
@@ -30077,8 +30129,8 @@
         </p:nvSpPr>
         <p:spPr>
           <a:xfrm>
-            <a:off x="0" y="17256"/>
-            <a:ext cx="10515600" cy="663782"/>
+            <a:off x="831850" y="1709738"/>
+            <a:ext cx="10515600" cy="2852737"/>
           </a:xfrm>
         </p:spPr>
         <p:txBody>
@@ -30089,45 +30141,9 @@
               <a:buNone/>
             </a:pPr>
             <a:r>
-              <a:rPr/>
-              <a:t>American Heart Association</a:t>
-            </a:r>
-          </a:p>
-        </p:txBody>
-      </p:sp>
-      <p:sp>
-        <p:nvSpPr>
-          <p:cNvPr id="3" name="Content Placeholder 2">
-            <a:extLst>
-              <a:ext uri="{FF2B5EF4-FFF2-40B4-BE49-F238E27FC236}">
-                <a16:creationId xmlns:a16="http://schemas.microsoft.com/office/drawing/2014/main" id="{1574FA24-F1CC-B240-AAF9-A2DF684B1C54}"/>
-              </a:ext>
-            </a:extLst>
-          </p:cNvPr>
-          <p:cNvSpPr>
-            <a:spLocks noGrp="1"/>
-          </p:cNvSpPr>
-          <p:nvPr>
-            <p:ph idx="1"/>
-          </p:nvPr>
-        </p:nvSpPr>
-        <p:spPr/>
-        <p:txBody>
-          <a:bodyPr/>
-          <a:lstStyle/>
-          <a:p>
-            <a:pPr lvl="0"/>
-            <a:r>
-              <a:rPr i="1">
-                <a:hlinkClick r:id="rId2"/>
-              </a:rPr>
-              <a:t>Statistical Reporting Recommendations - AHA/ASA journals</a:t>
-            </a:r>
-          </a:p>
-          <a:p>
-            <a:pPr lvl="0" indent="0" marL="0">
-              <a:buNone/>
-            </a:pPr>
+              <a:rPr b="1"/>
+              <a:t>Fontes externas</a:t>
+            </a:r>
           </a:p>
         </p:txBody>
       </p:sp>
@@ -30184,7 +30200,7 @@
             </a:pPr>
             <a:r>
               <a:rPr/>
-              <a:t>American Physiological Society</a:t>
+              <a:t>American Heart Association</a:t>
             </a:r>
           </a:p>
         </p:txBody>
@@ -30215,34 +30231,7 @@
               <a:rPr i="1">
                 <a:hlinkClick r:id="rId2"/>
               </a:rPr>
-              <a:t>Statistics</a:t>
-            </a:r>
-          </a:p>
-          <a:p>
-            <a:pPr lvl="0"/>
-            <a:r>
-              <a:rPr i="1">
-                <a:hlinkClick r:id="rId3"/>
-              </a:rPr>
-              <a:t>Exploration in Statistics</a:t>
-            </a:r>
-          </a:p>
-          <a:p>
-            <a:pPr lvl="0"/>
-            <a:r>
-              <a:rPr i="1">
-                <a:hlinkClick r:id="rId4"/>
-              </a:rPr>
-              <a:t>General Statistics</a:t>
-            </a:r>
-          </a:p>
-          <a:p>
-            <a:pPr lvl="0"/>
-            <a:r>
-              <a:rPr i="1">
-                <a:hlinkClick r:id="rId5"/>
-              </a:rPr>
-              <a:t>Reporting Statistics</a:t>
+              <a:t>Statistical Reporting Recommendations - AHA/ASA journals</a:t>
             </a:r>
           </a:p>
           <a:p>
@@ -30305,7 +30294,7 @@
             </a:pPr>
             <a:r>
               <a:rPr/>
-              <a:t>American Statistical Association</a:t>
+              <a:t>American Physiological Society</a:t>
             </a:r>
           </a:p>
         </p:txBody>
@@ -30336,7 +30325,34 @@
               <a:rPr i="1">
                 <a:hlinkClick r:id="rId2"/>
               </a:rPr>
-              <a:t>Statistical Inference in the 21st Century: A World Beyond p &lt; 0.05 - The American Statistical Association</a:t>
+              <a:t>Statistics</a:t>
+            </a:r>
+          </a:p>
+          <a:p>
+            <a:pPr lvl="0"/>
+            <a:r>
+              <a:rPr i="1">
+                <a:hlinkClick r:id="rId3"/>
+              </a:rPr>
+              <a:t>Exploration in Statistics</a:t>
+            </a:r>
+          </a:p>
+          <a:p>
+            <a:pPr lvl="0"/>
+            <a:r>
+              <a:rPr i="1">
+                <a:hlinkClick r:id="rId4"/>
+              </a:rPr>
+              <a:t>General Statistics</a:t>
+            </a:r>
+          </a:p>
+          <a:p>
+            <a:pPr lvl="0"/>
+            <a:r>
+              <a:rPr i="1">
+                <a:hlinkClick r:id="rId5"/>
+              </a:rPr>
+              <a:t>Reporting Statistics</a:t>
             </a:r>
           </a:p>
           <a:p>
@@ -30399,7 +30415,7 @@
             </a:pPr>
             <a:r>
               <a:rPr/>
-              <a:t>British Medicine Journal</a:t>
+              <a:t>American Statistical Association</a:t>
             </a:r>
           </a:p>
         </p:txBody>
@@ -30430,43 +30446,7 @@
               <a:rPr i="1">
                 <a:hlinkClick r:id="rId2"/>
               </a:rPr>
-              <a:t>Statistics - Latest from The BMJ</a:t>
-            </a:r>
-          </a:p>
-          <a:p>
-            <a:pPr lvl="0"/>
-            <a:r>
-              <a:rPr i="1">
-                <a:hlinkClick r:id="rId3"/>
-              </a:rPr>
-              <a:t>Statistics notes - Latest from The BMJ</a:t>
-            </a:r>
-          </a:p>
-          <a:p>
-            <a:pPr lvl="0"/>
-            <a:r>
-              <a:rPr i="1">
-                <a:hlinkClick r:id="rId4"/>
-              </a:rPr>
-              <a:t>Statistics and research methods - Latest from The BMJ</a:t>
-            </a:r>
-          </a:p>
-          <a:p>
-            <a:pPr lvl="0"/>
-            <a:r>
-              <a:rPr i="1">
-                <a:hlinkClick r:id="rId5"/>
-              </a:rPr>
-              <a:t>Statistics at Square One</a:t>
-            </a:r>
-          </a:p>
-          <a:p>
-            <a:pPr lvl="0"/>
-            <a:r>
-              <a:rPr i="1">
-                <a:hlinkClick r:id="rId6"/>
-              </a:rPr>
-              <a:t>Research methods &amp; reporting</a:t>
+              <a:t>Statistical Inference in the 21st Century: A World Beyond p &lt; 0.05 - The American Statistical Association</a:t>
             </a:r>
           </a:p>
           <a:p>
@@ -30529,7 +30509,7 @@
             </a:pPr>
             <a:r>
               <a:rPr/>
-              <a:t>Enhancing the QUality And Transparency Of health Research Network</a:t>
+              <a:t>British Medicine Journal</a:t>
             </a:r>
           </a:p>
         </p:txBody>
@@ -30557,26 +30537,46 @@
           <a:p>
             <a:pPr lvl="0"/>
             <a:r>
-              <a:rPr i="1"/>
-              <a:t>Enhancing the Quality and Transparency of health research</a:t>
-            </a:r>
-            <a:r>
-              <a:rPr/>
-              <a:t> </a:t>
-            </a:r>
-            <a:r>
-              <a:rPr>
+              <a:rPr i="1">
                 <a:hlinkClick r:id="rId2"/>
               </a:rPr>
-              <a:t>EQUATOR Network</a:t>
-            </a:r>
-            <a:r>
-              <a:rPr/>
-              <a:t>.</a:t>
-            </a:r>
-            <a:r>
-              <a:rPr baseline="30000"/>
-              <a:t>267</a:t>
+              <a:t>Statistics - Latest from The BMJ</a:t>
+            </a:r>
+          </a:p>
+          <a:p>
+            <a:pPr lvl="0"/>
+            <a:r>
+              <a:rPr i="1">
+                <a:hlinkClick r:id="rId3"/>
+              </a:rPr>
+              <a:t>Statistics notes - Latest from The BMJ</a:t>
+            </a:r>
+          </a:p>
+          <a:p>
+            <a:pPr lvl="0"/>
+            <a:r>
+              <a:rPr i="1">
+                <a:hlinkClick r:id="rId4"/>
+              </a:rPr>
+              <a:t>Statistics and research methods - Latest from The BMJ</a:t>
+            </a:r>
+          </a:p>
+          <a:p>
+            <a:pPr lvl="0"/>
+            <a:r>
+              <a:rPr i="1">
+                <a:hlinkClick r:id="rId5"/>
+              </a:rPr>
+              <a:t>Statistics at Square One</a:t>
+            </a:r>
+          </a:p>
+          <a:p>
+            <a:pPr lvl="0"/>
+            <a:r>
+              <a:rPr i="1">
+                <a:hlinkClick r:id="rId6"/>
+              </a:rPr>
+              <a:t>Research methods &amp; reporting</a:t>
             </a:r>
           </a:p>
           <a:p>
@@ -30639,7 +30639,7 @@
             </a:pPr>
             <a:r>
               <a:rPr/>
-              <a:t>Journal of the Amercan Medical Association</a:t>
+              <a:t>Enhancing the QUality And Transparency Of health Research Network</a:t>
             </a:r>
           </a:p>
         </p:txBody>
@@ -30667,10 +30667,26 @@
           <a:p>
             <a:pPr lvl="0"/>
             <a:r>
-              <a:rPr i="1">
+              <a:rPr i="1"/>
+              <a:t>Enhancing the Quality and Transparency of health research</a:t>
+            </a:r>
+            <a:r>
+              <a:rPr/>
+              <a:t> </a:t>
+            </a:r>
+            <a:r>
+              <a:rPr>
                 <a:hlinkClick r:id="rId2"/>
               </a:rPr>
-              <a:t>JAMA Guide to Statistics and Methods - JAMA</a:t>
+              <a:t>EQUATOR Network</a:t>
+            </a:r>
+            <a:r>
+              <a:rPr/>
+              <a:t>.</a:t>
+            </a:r>
+            <a:r>
+              <a:rPr baseline="30000"/>
+              <a:t>267</a:t>
             </a:r>
           </a:p>
           <a:p>
@@ -31674,7 +31690,7 @@
             </a:pPr>
             <a:r>
               <a:rPr/>
-              <a:t>Nature Publishing Group</a:t>
+              <a:t>Journal of the Amercan Medical Association</a:t>
             </a:r>
           </a:p>
         </p:txBody>
@@ -31705,7 +31721,7 @@
               <a:rPr i="1">
                 <a:hlinkClick r:id="rId2"/>
               </a:rPr>
-              <a:t>Statistics for Biologists - Nature Publising Group</a:t>
+              <a:t>JAMA Guide to Statistics and Methods - JAMA</a:t>
             </a:r>
           </a:p>
           <a:p>
@@ -31768,7 +31784,7 @@
             </a:pPr>
             <a:r>
               <a:rPr/>
-              <a:t>Royal Statistical Society</a:t>
+              <a:t>Nature Publishing Group</a:t>
             </a:r>
           </a:p>
         </p:txBody>
@@ -31799,7 +31815,7 @@
               <a:rPr i="1">
                 <a:hlinkClick r:id="rId2"/>
               </a:rPr>
-              <a:t>Best Practices for Data Visualisation - Royal Statistical Society</a:t>
+              <a:t>Statistics for Biologists - Nature Publising Group</a:t>
             </a:r>
           </a:p>
           <a:p>
@@ -31862,7 +31878,7 @@
             </a:pPr>
             <a:r>
               <a:rPr/>
-              <a:t>Wiley Online Library</a:t>
+              <a:t>Royal Statistical Society</a:t>
             </a:r>
           </a:p>
         </p:txBody>
@@ -31893,7 +31909,7 @@
               <a:rPr i="1">
                 <a:hlinkClick r:id="rId2"/>
               </a:rPr>
-              <a:t>Tutorials in Biostatistics Papers - Wiley Online Library</a:t>
+              <a:t>Best Practices for Data Visualisation - Royal Statistical Society</a:t>
             </a:r>
           </a:p>
           <a:p>
@@ -31909,6 +31925,100 @@
 </file>
 
 <file path=ppt/slides/slide183.xml><?xml version="1.0" encoding="utf-8"?>
+<p:sld xmlns:a="http://schemas.openxmlformats.org/drawingml/2006/main" xmlns:r="http://schemas.openxmlformats.org/officeDocument/2006/relationships" xmlns:p="http://schemas.openxmlformats.org/presentationml/2006/main">
+  <p:cSld>
+    <p:spTree>
+      <p:nvGrpSpPr>
+        <p:cNvPr id="1" name=""/>
+        <p:cNvGrpSpPr/>
+        <p:nvPr/>
+      </p:nvGrpSpPr>
+      <p:grpSpPr>
+        <a:xfrm>
+          <a:off x="0" y="0"/>
+          <a:ext cx="0" cy="0"/>
+          <a:chOff x="0" y="0"/>
+          <a:chExt cx="0" cy="0"/>
+        </a:xfrm>
+      </p:grpSpPr>
+      <p:sp>
+        <p:nvSpPr>
+          <p:cNvPr id="2" name="Title 1">
+            <a:extLst>
+              <a:ext uri="{FF2B5EF4-FFF2-40B4-BE49-F238E27FC236}">
+                <a16:creationId xmlns:a16="http://schemas.microsoft.com/office/drawing/2014/main" id="{0277F749-6ED4-3E49-963A-830033252F78}"/>
+              </a:ext>
+            </a:extLst>
+          </p:cNvPr>
+          <p:cNvSpPr>
+            <a:spLocks noGrp="1"/>
+          </p:cNvSpPr>
+          <p:nvPr>
+            <p:ph type="title"/>
+          </p:nvPr>
+        </p:nvSpPr>
+        <p:spPr>
+          <a:xfrm>
+            <a:off x="0" y="17256"/>
+            <a:ext cx="10515600" cy="663782"/>
+          </a:xfrm>
+        </p:spPr>
+        <p:txBody>
+          <a:bodyPr/>
+          <a:lstStyle/>
+          <a:p>
+            <a:pPr lvl="0" indent="0" marL="0">
+              <a:buNone/>
+            </a:pPr>
+            <a:r>
+              <a:rPr/>
+              <a:t>Wiley Online Library</a:t>
+            </a:r>
+          </a:p>
+        </p:txBody>
+      </p:sp>
+      <p:sp>
+        <p:nvSpPr>
+          <p:cNvPr id="3" name="Content Placeholder 2">
+            <a:extLst>
+              <a:ext uri="{FF2B5EF4-FFF2-40B4-BE49-F238E27FC236}">
+                <a16:creationId xmlns:a16="http://schemas.microsoft.com/office/drawing/2014/main" id="{1574FA24-F1CC-B240-AAF9-A2DF684B1C54}"/>
+              </a:ext>
+            </a:extLst>
+          </p:cNvPr>
+          <p:cNvSpPr>
+            <a:spLocks noGrp="1"/>
+          </p:cNvSpPr>
+          <p:nvPr>
+            <p:ph idx="1"/>
+          </p:nvPr>
+        </p:nvSpPr>
+        <p:spPr/>
+        <p:txBody>
+          <a:bodyPr/>
+          <a:lstStyle/>
+          <a:p>
+            <a:pPr lvl="0"/>
+            <a:r>
+              <a:rPr i="1">
+                <a:hlinkClick r:id="rId2"/>
+              </a:rPr>
+              <a:t>Tutorials in Biostatistics Papers - Wiley Online Library</a:t>
+            </a:r>
+          </a:p>
+          <a:p>
+            <a:pPr lvl="0" indent="0" marL="0">
+              <a:buNone/>
+            </a:pPr>
+          </a:p>
+        </p:txBody>
+      </p:sp>
+    </p:spTree>
+  </p:cSld>
+</p:sld>
+</file>
+
+<file path=ppt/slides/slide184.xml><?xml version="1.0" encoding="utf-8"?>
 <p:sld xmlns:a="http://schemas.openxmlformats.org/drawingml/2006/main" xmlns:r="http://schemas.openxmlformats.org/officeDocument/2006/relationships" xmlns:p="http://schemas.openxmlformats.org/presentationml/2006/main">
   <p:cSld>
     <p:spTree>
@@ -31966,7 +32076,7 @@
 </p:sld>
 </file>
 
-<file path=ppt/slides/slide184.xml><?xml version="1.0" encoding="utf-8"?>
+<file path=ppt/slides/slide185.xml><?xml version="1.0" encoding="utf-8"?>
 <p:sld xmlns:a="http://schemas.openxmlformats.org/drawingml/2006/main" xmlns:r="http://schemas.openxmlformats.org/officeDocument/2006/relationships" xmlns:p="http://schemas.openxmlformats.org/presentationml/2006/main">
   <p:cSld>
     <p:spTree>

--- a/docs/Ciencia-com-R.pptx
+++ b/docs/Ciencia-com-R.pptx
@@ -4404,7 +4404,7 @@
                 <a:pPr lvl="0"/>
                 <a:r>
                   <a:rPr/>
-                  <a:t>Coeficiente de correlação ponto-biserial (</a:t>
+                  <a:t>Coeficiente de correlação ponto-bisserial (</a:t>
                 </a:r>
                 <a14:m>
                   <m:oMath xmlns:m="http://schemas.openxmlformats.org/officeDocument/2006/math">
@@ -10115,7 +10115,7 @@
                 </a14:m>
                 <a:r>
                   <a:rPr/>
-                  <a:t> é a quantidade de participantes (ou unidades dde análise) nessecárias para conduzir um estudo afim de testar uma hipótese.</a:t>
+                  <a:t> é a quantidade de participantes (ou unidades de análise) necessárias para conduzir um estudo a fim de testar uma hipótese.</a:t>
                 </a:r>
                 <a:r>
                   <a:rPr baseline="30000"/>
@@ -10204,7 +10204,7 @@
                 <a:pPr lvl="0"/>
                 <a:r>
                   <a:rPr/>
-                  <a:t>Delinamento do estudo.</a:t>
+                  <a:t>Delineamento do estudo.</a:t>
                 </a:r>
                 <a:r>
                   <a:rPr baseline="30000"/>
@@ -10215,7 +10215,7 @@
                 <a:pPr lvl="0"/>
                 <a:r>
                   <a:rPr/>
-                  <a:t>Quantidade e características (dependende vs. indepentende) dos grupos de participantes do estudo.</a:t>
+                  <a:t>Quantidade e características (dependente vs. independente) dos grupos de participantes do estudo.</a:t>
                 </a:r>
                 <a:r>
                   <a:rPr baseline="30000"/>
@@ -10428,7 +10428,7 @@
                 <a:pPr lvl="0"/>
                 <a:r>
                   <a:rPr/>
-                  <a:t>O tamamho amostral pode ser calculado por meio de fórmulas matemáticas que tendem a assegurar margens de erros tipos I (</a:t>
+                  <a:t>O tamanho amostral pode ser calculado por meio de fórmulas matemáticas que tendem a assegurar margens de erros tipos I (</a:t>
                 </a:r>
                 <a14:m>
                   <m:oMath xmlns:m="http://schemas.openxmlformats.org/officeDocument/2006/math">
@@ -10472,7 +10472,7 @@
                 <a:pPr lvl="0"/>
                 <a:r>
                   <a:rPr/>
-                  <a:t>O tamanho da amostra deve ser calculado para cada um dos objtivos primários e/ou secundários, sendo escolhido o maior tamanho de amostra calculado para o estudo.</a:t>
+                  <a:t>O tamanho da amostra deve ser calculado para cada um dos objetivos primários e/ou secundários, sendo escolhido o maior tamanho de amostra calculado para o estudo.</a:t>
                 </a:r>
                 <a:r>
                   <a:rPr baseline="30000"/>
@@ -11638,7 +11638,7 @@
             <a:pPr lvl="0"/>
             <a:r>
               <a:rPr/>
-              <a:t>Em estudos que envolvem condições raras, pode ser difícil recrutar o número necessário de participantes devido à limitada dispomnibilidade de casos da população. Mesmo assim, é aconselhável determinar o tamanho da amostra.</a:t>
+              <a:t>Em estudos que envolvem condições raras, pode ser difícil recrutar o número necessário de participantes devido à limitada disponibilidade de casos da população. Mesmo assim, é aconselhável determinar o tamanho da amostra.</a:t>
             </a:r>
             <a:r>
               <a:rPr baseline="30000"/>
@@ -18875,7 +18875,7 @@
                 <a:pPr lvl="0"/>
                 <a:r>
                   <a:rPr/>
-                  <a:t>Coeficiente de correlação biserial </a:t>
+                  <a:t>Coeficiente de correlação bisserial </a:t>
                 </a:r>
                 <a14:m>
                   <m:oMath xmlns:m="http://schemas.openxmlformats.org/officeDocument/2006/math">
@@ -18935,7 +18935,7 @@
                 </a:r>
                 <a:r>
                   <a:rPr/>
-                  <a:t> para calcular o coeficiente de correlação biserial (</a:t>
+                  <a:t> para calcular o coeficiente de correlação bisserial (</a:t>
                 </a:r>
                 <a14:m>
                   <m:oMath xmlns:m="http://schemas.openxmlformats.org/officeDocument/2006/math">
@@ -38149,7 +38149,7 @@
             <a:pPr lvl="1"/>
             <a:r>
               <a:rPr/>
-              <a:t>Categórica ordinal (numérica ou nominal): representam ordem mas não magnitude entre valores.</a:t>
+              <a:t>Categórica ordinal (numérica ou nominal): representam ordem, mas não magnitude entre valores.</a:t>
             </a:r>
           </a:p>
           <a:p>
@@ -43505,7 +43505,7 @@
             <a:pPr lvl="0"/>
             <a:r>
               <a:rPr/>
-              <a:t>Falácia da Tabela 1 ocorre pela interpretação errônea dos P-valores na comparação entre grupos, na linha de base, de um ensaio clínco aleatorizado.</a:t>
+              <a:t>Falácia da Tabela 1 ocorre pela interpretação errônea dos P-valores na comparação entre grupos, na linha de base, de um ensaio clínico aleatorizado.</a:t>
             </a:r>
             <a:r>
               <a:rPr baseline="30000"/>
@@ -45724,7 +45724,7 @@
                 </a:r>
                 <a:r>
                   <a:rPr/>
-                  <a:t> ou “evidência estatística de signficância” sugere apenas que um experimento merece ser repetido, uma vez que um baixo P-valor (calculado a partir dos dados, modelos e demais suposições do estudo) sugere ser improvável que os dados coletados sejam coletados no contexto de que a hipótese nula </a:t>
+                  <a:t> ou “evidência estatística de significância” sugere apenas que um experimento merece ser repetido, uma vez que um baixo P-valor (calculado a partir dos dados, modelos e demais suposições do estudo) sugere ser improvável que os dados coletados sejam coletados no contexto de que a hipótese nula </a:t>
                 </a:r>
                 <a14:m>
                   <m:oMath xmlns:m="http://schemas.openxmlformats.org/officeDocument/2006/math">
@@ -46970,7 +46970,7 @@
                 <a:pPr lvl="0"/>
                 <a:r>
                   <a:rPr/>
-                  <a:t>Após a coleta de dados: a análise de poder objetiva informar estudos futuros a respeito do tamanho da amostra necessário para a detectação de um efeito significativo pré-especificado.</a:t>
+                  <a:t>Após a coleta de dados: a análise de poder objetiva informar estudos futuros a respeito do tamanho da amostra necessário para a detecção de um efeito significativo pré-especificado.</a:t>
                 </a:r>
                 <a:r>
                   <a:rPr baseline="30000"/>
@@ -47639,7 +47639,7 @@
                 </a:pPr>
                 <a:r>
                   <a:rPr b="1"/>
-                  <a:t>Porque a análise de poder do teste </a:t>
+                  <a:t>Por que a análise de poder do teste </a:t>
                 </a:r>
                 <a:r>
                   <a:rPr b="1" i="1"/>

--- a/docs/Ciencia-com-R.pptx
+++ b/docs/Ciencia-com-R.pptx
@@ -3793,7 +3793,7 @@
             </a:r>
             <a:r>
               <a:rPr baseline="30000"/>
-              <a:t>172</a:t>
+              <a:t>173</a:t>
             </a:r>
             <a:r>
               <a:rPr/>
@@ -3831,7 +3831,7 @@
             </a:r>
             <a:r>
               <a:rPr baseline="30000"/>
-              <a:t>173</a:t>
+              <a:t>174</a:t>
             </a:r>
           </a:p>
           <a:p>
@@ -4064,7 +4064,7 @@
                 </a:r>
                 <a:r>
                   <a:rPr baseline="30000"/>
-                  <a:t>88,174,175</a:t>
+                  <a:t>88,175,176</a:t>
                 </a:r>
               </a:p>
               <a:p>
@@ -4075,7 +4075,7 @@
                 </a:r>
                 <a:r>
                   <a:rPr baseline="30000"/>
-                  <a:t>174,175</a:t>
+                  <a:t>175,176</a:t>
                 </a:r>
               </a:p>
               <a:p>
@@ -4086,7 +4086,7 @@
                 </a:r>
                 <a:r>
                   <a:rPr baseline="30000"/>
-                  <a:t>174,175</a:t>
+                  <a:t>175,176</a:t>
                 </a:r>
               </a:p>
               <a:p>
@@ -4108,7 +4108,7 @@
                 </a:r>
                 <a:r>
                   <a:rPr baseline="30000"/>
-                  <a:t>174,175</a:t>
+                  <a:t>175,176</a:t>
                 </a:r>
               </a:p>
               <a:p>
@@ -4136,7 +4136,7 @@
                 </a:r>
                 <a:r>
                   <a:rPr baseline="30000"/>
-                  <a:t>174</a:t>
+                  <a:t>175</a:t>
                 </a:r>
               </a:p>
               <a:p>
@@ -4147,7 +4147,7 @@
                 </a:r>
                 <a:r>
                   <a:rPr baseline="30000"/>
-                  <a:t>174</a:t>
+                  <a:t>175</a:t>
                 </a:r>
               </a:p>
               <a:p>
@@ -4186,7 +4186,7 @@
                 </a:r>
                 <a:r>
                   <a:rPr baseline="30000"/>
-                  <a:t>174,175</a:t>
+                  <a:t>175,176</a:t>
                 </a:r>
               </a:p>
               <a:p>
@@ -4208,7 +4208,7 @@
                 </a:r>
                 <a:r>
                   <a:rPr baseline="30000"/>
-                  <a:t>174,175</a:t>
+                  <a:t>175,176</a:t>
                 </a:r>
               </a:p>
               <a:p>
@@ -4219,7 +4219,7 @@
                 </a:r>
                 <a:r>
                   <a:rPr baseline="30000"/>
-                  <a:t>174,175</a:t>
+                  <a:t>175,176</a:t>
                 </a:r>
               </a:p>
               <a:p>
@@ -4230,7 +4230,7 @@
                 </a:r>
                 <a:r>
                   <a:rPr baseline="30000"/>
-                  <a:t>175</a:t>
+                  <a:t>176</a:t>
                 </a:r>
               </a:p>
               <a:p>
@@ -4327,7 +4327,7 @@
                 </a:r>
                 <a:r>
                   <a:rPr baseline="30000"/>
-                  <a:t>174,175</a:t>
+                  <a:t>175,176</a:t>
                 </a:r>
               </a:p>
               <a:p>
@@ -4428,7 +4428,7 @@
                 </a:r>
                 <a:r>
                   <a:rPr baseline="30000"/>
-                  <a:t>174</a:t>
+                  <a:t>175</a:t>
                 </a:r>
               </a:p>
               <a:p>
@@ -4459,7 +4459,7 @@
                 </a:r>
                 <a:r>
                   <a:rPr baseline="30000"/>
-                  <a:t>174</a:t>
+                  <a:t>175</a:t>
                 </a:r>
               </a:p>
               <a:p>
@@ -4470,7 +4470,7 @@
                 </a:r>
                 <a:r>
                   <a:rPr baseline="30000"/>
-                  <a:t>174</a:t>
+                  <a:t>175</a:t>
                 </a:r>
               </a:p>
               <a:p>
@@ -4481,7 +4481,7 @@
                 </a:r>
                 <a:r>
                   <a:rPr baseline="30000"/>
-                  <a:t>174</a:t>
+                  <a:t>175</a:t>
                 </a:r>
               </a:p>
               <a:p>
@@ -4596,7 +4596,7 @@
                 </a:r>
                 <a:r>
                   <a:rPr baseline="30000"/>
-                  <a:t>174</a:t>
+                  <a:t>175</a:t>
                 </a:r>
               </a:p>
               <a:p>
@@ -4706,7 +4706,7 @@
                 </a:r>
                 <a:r>
                   <a:rPr baseline="30000"/>
-                  <a:t>174,175</a:t>
+                  <a:t>175,176</a:t>
                 </a:r>
               </a:p>
               <a:p>
@@ -4728,7 +4728,7 @@
                 </a:r>
                 <a:r>
                   <a:rPr baseline="30000"/>
-                  <a:t>174,175</a:t>
+                  <a:t>175,176</a:t>
                 </a:r>
               </a:p>
               <a:p>
@@ -4769,7 +4769,7 @@
                 </a:r>
                 <a:r>
                   <a:rPr baseline="30000"/>
-                  <a:t>174,175</a:t>
+                  <a:t>175,176</a:t>
                 </a:r>
               </a:p>
               <a:p>
@@ -4780,7 +4780,7 @@
                 </a:r>
                 <a:r>
                   <a:rPr baseline="30000"/>
-                  <a:t>174,175</a:t>
+                  <a:t>175,176</a:t>
                 </a:r>
               </a:p>
               <a:p>
@@ -4791,7 +4791,7 @@
                 </a:r>
                 <a:r>
                   <a:rPr baseline="30000"/>
-                  <a:t>174,175</a:t>
+                  <a:t>175,176</a:t>
                 </a:r>
               </a:p>
               <a:p>
@@ -4888,7 +4888,7 @@
                 </a:r>
                 <a:r>
                   <a:rPr baseline="30000"/>
-                  <a:t>174,175</a:t>
+                  <a:t>175,176</a:t>
                 </a:r>
               </a:p>
               <a:p>
@@ -4975,7 +4975,7 @@
                 </a:r>
                 <a:r>
                   <a:rPr baseline="30000"/>
-                  <a:t>176</a:t>
+                  <a:t>177</a:t>
                 </a:r>
                 <a:r>
                   <a:rPr/>
@@ -5011,7 +5011,7 @@
                 </a:r>
                 <a:r>
                   <a:rPr baseline="30000"/>
-                  <a:t>176</a:t>
+                  <a:t>177</a:t>
                 </a:r>
                 <a:r>
                   <a:rPr/>
@@ -5216,7 +5216,7 @@
             </a:r>
             <a:r>
               <a:rPr baseline="30000"/>
-              <a:t>177</a:t>
+              <a:t>178</a:t>
             </a:r>
             <a:r>
               <a:rPr/>
@@ -5556,7 +5556,7 @@
                 </a:r>
                 <a:r>
                   <a:rPr baseline="30000"/>
-                  <a:t>178,179</a:t>
+                  <a:t>179,180</a:t>
                 </a:r>
               </a:p>
               <a:p>
@@ -5587,7 +5587,7 @@
                 </a:r>
                 <a:r>
                   <a:rPr baseline="30000"/>
-                  <a:t>179</a:t>
+                  <a:t>180</a:t>
                 </a:r>
               </a:p>
               <a:p>
@@ -5598,7 +5598,7 @@
                 </a:r>
                 <a:r>
                   <a:rPr baseline="30000"/>
-                  <a:t>179</a:t>
+                  <a:t>180</a:t>
                 </a:r>
               </a:p>
               <a:p>
@@ -5609,7 +5609,7 @@
                 </a:r>
                 <a:r>
                   <a:rPr baseline="30000"/>
-                  <a:t>178,179</a:t>
+                  <a:t>179,180</a:t>
                 </a:r>
               </a:p>
               <a:p>
@@ -5620,7 +5620,7 @@
                 </a:r>
                 <a:r>
                   <a:rPr baseline="30000"/>
-                  <a:t>178,179</a:t>
+                  <a:t>179,180</a:t>
                 </a:r>
               </a:p>
               <a:p>
@@ -5666,7 +5666,7 @@
                 </a:r>
                 <a:r>
                   <a:rPr baseline="30000"/>
-                  <a:t>179</a:t>
+                  <a:t>180</a:t>
                 </a:r>
               </a:p>
               <a:p>
@@ -5731,7 +5731,7 @@
                 </a:r>
                 <a:r>
                   <a:rPr baseline="30000"/>
-                  <a:t>179</a:t>
+                  <a:t>180</a:t>
                 </a:r>
               </a:p>
               <a:p>
@@ -5824,7 +5824,7 @@
                 </a:r>
                 <a:r>
                   <a:rPr baseline="30000"/>
-                  <a:t>180</a:t>
+                  <a:t>181</a:t>
                 </a:r>
                 <a:r>
                   <a:rPr/>
@@ -5874,7 +5874,7 @@
                 </a:r>
                 <a:r>
                   <a:rPr baseline="30000"/>
-                  <a:t>178,179</a:t>
+                  <a:t>179,180</a:t>
                 </a:r>
               </a:p>
               <a:p>
@@ -5885,7 +5885,7 @@
                 </a:r>
                 <a:r>
                   <a:rPr baseline="30000"/>
-                  <a:t>179</a:t>
+                  <a:t>180</a:t>
                 </a:r>
               </a:p>
               <a:p>
@@ -5896,7 +5896,7 @@
                 </a:r>
                 <a:r>
                   <a:rPr baseline="30000"/>
-                  <a:t>178,179</a:t>
+                  <a:t>179,180</a:t>
                 </a:r>
               </a:p>
               <a:p>
@@ -5961,7 +5961,7 @@
                 </a:r>
                 <a:r>
                   <a:rPr baseline="30000"/>
-                  <a:t>178,179</a:t>
+                  <a:t>179,180</a:t>
                 </a:r>
               </a:p>
               <a:p>
@@ -6054,7 +6054,7 @@
                 </a:r>
                 <a:r>
                   <a:rPr baseline="30000"/>
-                  <a:t>180</a:t>
+                  <a:t>181</a:t>
                 </a:r>
                 <a:r>
                   <a:rPr/>
@@ -6095,7 +6095,7 @@
                 </a:r>
                 <a:r>
                   <a:rPr baseline="30000"/>
-                  <a:t>174,175</a:t>
+                  <a:t>175,176</a:t>
                 </a:r>
               </a:p>
               <a:p>
@@ -6117,7 +6117,7 @@
                 </a:r>
                 <a:r>
                   <a:rPr baseline="30000"/>
-                  <a:t>174,175</a:t>
+                  <a:t>175,176</a:t>
                 </a:r>
               </a:p>
               <a:p>
@@ -6139,7 +6139,7 @@
                 </a:r>
                 <a:r>
                   <a:rPr baseline="30000"/>
-                  <a:t>174,175</a:t>
+                  <a:t>175,176</a:t>
                 </a:r>
               </a:p>
               <a:p>
@@ -6150,7 +6150,7 @@
                 </a:r>
                 <a:r>
                   <a:rPr baseline="30000"/>
-                  <a:t>174,175</a:t>
+                  <a:t>175,176</a:t>
                 </a:r>
               </a:p>
               <a:p>
@@ -6161,7 +6161,7 @@
                 </a:r>
                 <a:r>
                   <a:rPr baseline="30000"/>
-                  <a:t>174,175</a:t>
+                  <a:t>175,176</a:t>
                 </a:r>
               </a:p>
               <a:p>
@@ -6258,7 +6258,7 @@
                 </a:r>
                 <a:r>
                   <a:rPr baseline="30000"/>
-                  <a:t>174,175</a:t>
+                  <a:t>175,176</a:t>
                 </a:r>
               </a:p>
               <a:p>
@@ -6492,7 +6492,7 @@
             </a:r>
             <a:r>
               <a:rPr baseline="30000"/>
-              <a:t>160</a:t>
+              <a:t>161</a:t>
             </a:r>
           </a:p>
           <a:p>
@@ -6531,7 +6531,7 @@
             </a:r>
             <a:r>
               <a:rPr baseline="30000"/>
-              <a:t>181</a:t>
+              <a:t>182</a:t>
             </a:r>
           </a:p>
           <a:p>
@@ -6542,7 +6542,7 @@
             </a:r>
             <a:r>
               <a:rPr baseline="30000"/>
-              <a:t>181</a:t>
+              <a:t>182</a:t>
             </a:r>
           </a:p>
           <a:p>
@@ -6553,7 +6553,7 @@
             </a:r>
             <a:r>
               <a:rPr baseline="30000"/>
-              <a:t>181</a:t>
+              <a:t>182</a:t>
             </a:r>
           </a:p>
           <a:p>
@@ -6575,7 +6575,7 @@
             </a:r>
             <a:r>
               <a:rPr baseline="30000"/>
-              <a:t>182</a:t>
+              <a:t>183</a:t>
             </a:r>
             <a:r>
               <a:rPr/>
@@ -6929,7 +6929,7 @@
                 </a:r>
                 <a:r>
                   <a:rPr baseline="30000"/>
-                  <a:t>183</a:t>
+                  <a:t>184</a:t>
                 </a:r>
               </a:p>
               <a:p>
@@ -6940,7 +6940,7 @@
                 </a:r>
                 <a:r>
                   <a:rPr baseline="30000"/>
-                  <a:t>184</a:t>
+                  <a:t>185</a:t>
                 </a:r>
               </a:p>
               <a:p>
@@ -6951,7 +6951,7 @@
                 </a:r>
                 <a:r>
                   <a:rPr baseline="30000"/>
-                  <a:t>184</a:t>
+                  <a:t>185</a:t>
                 </a:r>
               </a:p>
               <a:p>
@@ -6973,7 +6973,7 @@
                 </a:r>
                 <a:r>
                   <a:rPr baseline="30000"/>
-                  <a:t>185</a:t>
+                  <a:t>186</a:t>
                 </a:r>
                 <a:r>
                   <a:rPr/>
@@ -7015,7 +7015,7 @@
                 </a:r>
                 <a:r>
                   <a:rPr baseline="30000"/>
-                  <a:t>154,186,187</a:t>
+                  <a:t>154,187,188</a:t>
                 </a:r>
               </a:p>
               <a:p>
@@ -7026,7 +7026,7 @@
                 </a:r>
                 <a:r>
                   <a:rPr baseline="30000"/>
-                  <a:t>186,187</a:t>
+                  <a:t>187,188</a:t>
                 </a:r>
               </a:p>
               <a:p>
@@ -7113,7 +7113,7 @@
                 </a:r>
                 <a:r>
                   <a:rPr baseline="30000"/>
-                  <a:t>184</a:t>
+                  <a:t>185</a:t>
                 </a:r>
               </a:p>
               <a:p>
@@ -7124,7 +7124,7 @@
                 </a:r>
                 <a:r>
                   <a:rPr baseline="30000"/>
-                  <a:t>184</a:t>
+                  <a:t>185</a:t>
                 </a:r>
               </a:p>
               <a:p>
@@ -7135,7 +7135,7 @@
                 </a:r>
                 <a:r>
                   <a:rPr baseline="30000"/>
-                  <a:t>184</a:t>
+                  <a:t>185</a:t>
                 </a:r>
               </a:p>
               <a:p>
@@ -7163,7 +7163,7 @@
                 </a:r>
                 <a:r>
                   <a:rPr baseline="30000"/>
-                  <a:t>187</a:t>
+                  <a:t>188</a:t>
                 </a:r>
               </a:p>
               <a:p>
@@ -7174,7 +7174,7 @@
                 </a:r>
                 <a:r>
                   <a:rPr baseline="30000"/>
-                  <a:t>187</a:t>
+                  <a:t>188</a:t>
                 </a:r>
               </a:p>
               <a:p>
@@ -7185,7 +7185,7 @@
                 </a:r>
                 <a:r>
                   <a:rPr baseline="30000"/>
-                  <a:t>187</a:t>
+                  <a:t>188</a:t>
                 </a:r>
               </a:p>
               <a:p>
@@ -7196,7 +7196,7 @@
                 </a:r>
                 <a:r>
                   <a:rPr baseline="30000"/>
-                  <a:t>187</a:t>
+                  <a:t>188</a:t>
                 </a:r>
               </a:p>
               <a:p>
@@ -7244,7 +7244,7 @@
                 </a:r>
                 <a:r>
                   <a:rPr baseline="30000"/>
-                  <a:t>188</a:t>
+                  <a:t>189</a:t>
                 </a:r>
               </a:p>
               <a:p>
@@ -7359,7 +7359,7 @@
             </a:r>
             <a:r>
               <a:rPr baseline="30000"/>
-              <a:t>188</a:t>
+              <a:t>189</a:t>
             </a:r>
           </a:p>
           <a:p>
@@ -7387,7 +7387,7 @@
             </a:r>
             <a:r>
               <a:rPr baseline="30000"/>
-              <a:t>188</a:t>
+              <a:t>189</a:t>
             </a:r>
           </a:p>
           <a:p>
@@ -7500,18 +7500,18 @@
             </a:r>
             <a:r>
               <a:rPr baseline="30000"/>
+              <a:t>190</a:t>
+            </a:r>
+          </a:p>
+          <a:p>
+            <a:pPr lvl="0"/>
+            <a:r>
+              <a:rPr/>
+              <a:t>.</a:t>
+            </a:r>
+            <a:r>
+              <a:rPr baseline="30000"/>
               <a:t>189</a:t>
-            </a:r>
-          </a:p>
-          <a:p>
-            <a:pPr lvl="0"/>
-            <a:r>
-              <a:rPr/>
-              <a:t>.</a:t>
-            </a:r>
-            <a:r>
-              <a:rPr baseline="30000"/>
-              <a:t>188</a:t>
             </a:r>
           </a:p>
           <a:p>
@@ -7533,7 +7533,7 @@
             </a:r>
             <a:r>
               <a:rPr baseline="30000"/>
-              <a:t>190</a:t>
+              <a:t>191</a:t>
             </a:r>
             <a:r>
               <a:rPr/>
@@ -7569,7 +7569,7 @@
             </a:r>
             <a:r>
               <a:rPr baseline="30000"/>
-              <a:t>191</a:t>
+              <a:t>192</a:t>
             </a:r>
             <a:r>
               <a:rPr/>
@@ -7605,7 +7605,7 @@
             </a:r>
             <a:r>
               <a:rPr baseline="30000"/>
-              <a:t>192</a:t>
+              <a:t>193</a:t>
             </a:r>
             <a:r>
               <a:rPr/>
@@ -7732,7 +7732,7 @@
             </a:r>
             <a:r>
               <a:rPr baseline="30000"/>
-              <a:t>193</a:t>
+              <a:t>194</a:t>
             </a:r>
           </a:p>
           <a:p>
@@ -7743,7 +7743,7 @@
             </a:r>
             <a:r>
               <a:rPr baseline="30000"/>
-              <a:t>188</a:t>
+              <a:t>189</a:t>
             </a:r>
           </a:p>
           <a:p>
@@ -7771,7 +7771,7 @@
             </a:r>
             <a:r>
               <a:rPr baseline="30000"/>
-              <a:t>193</a:t>
+              <a:t>194</a:t>
             </a:r>
           </a:p>
           <a:p>
@@ -7782,7 +7782,7 @@
             </a:r>
             <a:r>
               <a:rPr baseline="30000"/>
-              <a:t>188</a:t>
+              <a:t>189</a:t>
             </a:r>
           </a:p>
           <a:p>
@@ -7810,7 +7810,7 @@
             </a:r>
             <a:r>
               <a:rPr baseline="30000"/>
-              <a:t>193</a:t>
+              <a:t>194</a:t>
             </a:r>
           </a:p>
           <a:p>
@@ -7821,7 +7821,7 @@
             </a:r>
             <a:r>
               <a:rPr baseline="30000"/>
-              <a:t>188</a:t>
+              <a:t>189</a:t>
             </a:r>
           </a:p>
           <a:p>
@@ -7849,7 +7849,7 @@
             </a:r>
             <a:r>
               <a:rPr baseline="30000"/>
-              <a:t>193</a:t>
+              <a:t>194</a:t>
             </a:r>
           </a:p>
           <a:p>
@@ -7860,7 +7860,7 @@
             </a:r>
             <a:r>
               <a:rPr baseline="30000"/>
-              <a:t>188</a:t>
+              <a:t>189</a:t>
             </a:r>
           </a:p>
           <a:p>
@@ -7888,7 +7888,7 @@
             </a:r>
             <a:r>
               <a:rPr baseline="30000"/>
-              <a:t>193</a:t>
+              <a:t>194</a:t>
             </a:r>
           </a:p>
           <a:p>
@@ -7899,7 +7899,7 @@
             </a:r>
             <a:r>
               <a:rPr baseline="30000"/>
-              <a:t>188</a:t>
+              <a:t>189</a:t>
             </a:r>
           </a:p>
           <a:p>
@@ -8012,7 +8012,7 @@
             </a:r>
             <a:r>
               <a:rPr baseline="30000"/>
-              <a:t>194</a:t>
+              <a:t>195</a:t>
             </a:r>
           </a:p>
           <a:p>
@@ -8023,7 +8023,7 @@
             </a:r>
             <a:r>
               <a:rPr baseline="30000"/>
-              <a:t>195</a:t>
+              <a:t>196</a:t>
             </a:r>
           </a:p>
           <a:p>
@@ -8051,7 +8051,7 @@
             </a:r>
             <a:r>
               <a:rPr baseline="30000"/>
-              <a:t>194</a:t>
+              <a:t>195</a:t>
             </a:r>
           </a:p>
           <a:p>
@@ -8062,7 +8062,7 @@
             </a:r>
             <a:r>
               <a:rPr baseline="30000"/>
-              <a:t>195</a:t>
+              <a:t>196</a:t>
             </a:r>
           </a:p>
           <a:p>
@@ -8217,7 +8217,7 @@
             </a:r>
             <a:r>
               <a:rPr baseline="30000"/>
-              <a:t>196</a:t>
+              <a:t>197</a:t>
             </a:r>
             <a:r>
               <a:rPr/>
@@ -8386,7 +8386,7 @@
             </a:r>
             <a:r>
               <a:rPr baseline="30000"/>
-              <a:t>196</a:t>
+              <a:t>197</a:t>
             </a:r>
             <a:r>
               <a:rPr/>
@@ -8422,7 +8422,7 @@
             </a:r>
             <a:r>
               <a:rPr baseline="30000"/>
-              <a:t>196</a:t>
+              <a:t>197</a:t>
             </a:r>
             <a:r>
               <a:rPr/>
@@ -8946,7 +8946,7 @@
             </a:r>
             <a:r>
               <a:rPr baseline="30000"/>
-              <a:t>197–206</a:t>
+              <a:t>198–207</a:t>
             </a:r>
           </a:p>
           <a:p>
@@ -8957,7 +8957,7 @@
             </a:r>
             <a:r>
               <a:rPr baseline="30000"/>
-              <a:t>198,203</a:t>
+              <a:t>199,204</a:t>
             </a:r>
           </a:p>
           <a:p>
@@ -8996,7 +8996,7 @@
             </a:r>
             <a:r>
               <a:rPr baseline="30000"/>
-              <a:t>204,206</a:t>
+              <a:t>205,207</a:t>
             </a:r>
           </a:p>
           <a:p>
@@ -9007,7 +9007,7 @@
             </a:r>
             <a:r>
               <a:rPr baseline="30000"/>
-              <a:t>198,203</a:t>
+              <a:t>199,204</a:t>
             </a:r>
           </a:p>
           <a:p>
@@ -9088,7 +9088,7 @@
             </a:r>
             <a:r>
               <a:rPr baseline="30000"/>
-              <a:t>202,205</a:t>
+              <a:t>203,206</a:t>
             </a:r>
           </a:p>
           <a:p>
@@ -9155,7 +9155,7 @@
             </a:r>
             <a:r>
               <a:rPr baseline="30000"/>
-              <a:t>199,201</a:t>
+              <a:t>200,202</a:t>
             </a:r>
           </a:p>
           <a:p>
@@ -9187,7 +9187,7 @@
             </a:r>
             <a:r>
               <a:rPr baseline="30000"/>
-              <a:t>200</a:t>
+              <a:t>201</a:t>
             </a:r>
           </a:p>
           <a:p>
@@ -9240,7 +9240,7 @@
             </a:r>
             <a:r>
               <a:rPr baseline="30000"/>
-              <a:t>198,203</a:t>
+              <a:t>199,204</a:t>
             </a:r>
           </a:p>
           <a:p>
@@ -9307,7 +9307,7 @@
             </a:r>
             <a:r>
               <a:rPr baseline="30000"/>
-              <a:t>198</a:t>
+              <a:t>199</a:t>
             </a:r>
           </a:p>
           <a:p>
@@ -9353,7 +9353,7 @@
             </a:r>
             <a:r>
               <a:rPr baseline="30000"/>
-              <a:t>197</a:t>
+              <a:t>198</a:t>
             </a:r>
           </a:p>
           <a:p>
@@ -9427,7 +9427,7 @@
             </a:r>
             <a:r>
               <a:rPr baseline="30000"/>
-              <a:t>207,208</a:t>
+              <a:t>208,209</a:t>
             </a:r>
           </a:p>
           <a:p>
@@ -9575,7 +9575,7 @@
             </a:r>
             <a:r>
               <a:rPr baseline="30000"/>
-              <a:t>209</a:t>
+              <a:t>210</a:t>
             </a:r>
           </a:p>
           <a:p>
@@ -9586,7 +9586,7 @@
             </a:r>
             <a:r>
               <a:rPr baseline="30000"/>
-              <a:t>209</a:t>
+              <a:t>210</a:t>
             </a:r>
           </a:p>
           <a:p>
@@ -9597,7 +9597,7 @@
             </a:r>
             <a:r>
               <a:rPr baseline="30000"/>
-              <a:t>209</a:t>
+              <a:t>210</a:t>
             </a:r>
           </a:p>
           <a:p>
@@ -9608,7 +9608,7 @@
             </a:r>
             <a:r>
               <a:rPr baseline="30000"/>
-              <a:t>209</a:t>
+              <a:t>210</a:t>
             </a:r>
           </a:p>
           <a:p>
@@ -10119,7 +10119,7 @@
                 </a:r>
                 <a:r>
                   <a:rPr baseline="30000"/>
-                  <a:t>210</a:t>
+                  <a:t>211</a:t>
                 </a:r>
               </a:p>
               <a:p>
@@ -10197,7 +10197,7 @@
                 </a:r>
                 <a:r>
                   <a:rPr baseline="30000"/>
-                  <a:t>210</a:t>
+                  <a:t>211</a:t>
                 </a:r>
               </a:p>
               <a:p>
@@ -10208,7 +10208,7 @@
                 </a:r>
                 <a:r>
                   <a:rPr baseline="30000"/>
-                  <a:t>210</a:t>
+                  <a:t>211</a:t>
                 </a:r>
               </a:p>
               <a:p>
@@ -10219,7 +10219,7 @@
                 </a:r>
                 <a:r>
                   <a:rPr baseline="30000"/>
-                  <a:t>210</a:t>
+                  <a:t>211</a:t>
                 </a:r>
               </a:p>
               <a:p>
@@ -10252,7 +10252,7 @@
                 </a:r>
                 <a:r>
                   <a:rPr baseline="30000"/>
-                  <a:t>210</a:t>
+                  <a:t>211</a:t>
                 </a:r>
               </a:p>
               <a:p>
@@ -10263,7 +10263,7 @@
                 </a:r>
                 <a:r>
                   <a:rPr baseline="30000"/>
-                  <a:t>210</a:t>
+                  <a:t>211</a:t>
                 </a:r>
               </a:p>
               <a:p>
@@ -10274,7 +10274,7 @@
                 </a:r>
                 <a:r>
                   <a:rPr baseline="30000"/>
-                  <a:t>210</a:t>
+                  <a:t>211</a:t>
                 </a:r>
               </a:p>
               <a:p>
@@ -10285,7 +10285,7 @@
                 </a:r>
                 <a:r>
                   <a:rPr baseline="30000"/>
-                  <a:t>210</a:t>
+                  <a:t>211</a:t>
                 </a:r>
               </a:p>
               <a:p>
@@ -10296,7 +10296,7 @@
                 </a:r>
                 <a:r>
                   <a:rPr baseline="30000"/>
-                  <a:t>210</a:t>
+                  <a:t>211</a:t>
                 </a:r>
               </a:p>
               <a:p>
@@ -10307,7 +10307,7 @@
                 </a:r>
                 <a:r>
                   <a:rPr baseline="30000"/>
-                  <a:t>210</a:t>
+                  <a:t>211</a:t>
                 </a:r>
               </a:p>
               <a:p>
@@ -10329,7 +10329,7 @@
                 </a:r>
                 <a:r>
                   <a:rPr baseline="30000"/>
-                  <a:t>157</a:t>
+                  <a:t>158</a:t>
                 </a:r>
                 <a:r>
                   <a:rPr/>
@@ -10371,7 +10371,7 @@
                 </a:r>
                 <a:r>
                   <a:rPr baseline="30000"/>
-                  <a:t>210</a:t>
+                  <a:t>211</a:t>
                 </a:r>
               </a:p>
               <a:p>
@@ -10382,7 +10382,7 @@
                 </a:r>
                 <a:r>
                   <a:rPr baseline="30000"/>
-                  <a:t>211</a:t>
+                  <a:t>212</a:t>
                 </a:r>
               </a:p>
               <a:p>
@@ -10393,7 +10393,7 @@
                 </a:r>
                 <a:r>
                   <a:rPr baseline="30000"/>
-                  <a:t>211</a:t>
+                  <a:t>212</a:t>
                 </a:r>
               </a:p>
               <a:p>
@@ -10404,7 +10404,7 @@
                 </a:r>
                 <a:r>
                   <a:rPr baseline="30000"/>
-                  <a:t>211</a:t>
+                  <a:t>212</a:t>
                 </a:r>
               </a:p>
               <a:p>
@@ -10454,7 +10454,7 @@
                 </a:r>
                 <a:r>
                   <a:rPr baseline="30000"/>
-                  <a:t>210</a:t>
+                  <a:t>211</a:t>
                 </a:r>
               </a:p>
               <a:p>
@@ -10465,7 +10465,7 @@
                 </a:r>
                 <a:r>
                   <a:rPr baseline="30000"/>
-                  <a:t>210</a:t>
+                  <a:t>211</a:t>
                 </a:r>
               </a:p>
               <a:p>
@@ -10476,7 +10476,7 @@
                 </a:r>
                 <a:r>
                   <a:rPr baseline="30000"/>
-                  <a:t>210</a:t>
+                  <a:t>211</a:t>
                 </a:r>
               </a:p>
               <a:p>
@@ -10509,7 +10509,7 @@
                 </a:r>
                 <a:r>
                   <a:rPr baseline="30000"/>
-                  <a:t>157</a:t>
+                  <a:t>158</a:t>
                 </a:r>
                 <a:r>
                   <a:rPr/>
@@ -10651,7 +10651,7 @@
                 </a:r>
                 <a:r>
                   <a:rPr baseline="30000"/>
-                  <a:t>157</a:t>
+                  <a:t>158</a:t>
                 </a:r>
                 <a:r>
                   <a:rPr/>
@@ -10687,7 +10687,7 @@
                 </a:r>
                 <a:r>
                   <a:rPr baseline="30000"/>
-                  <a:t>157</a:t>
+                  <a:t>158</a:t>
                 </a:r>
                 <a:r>
                   <a:rPr/>
@@ -10723,7 +10723,7 @@
                 </a:r>
                 <a:r>
                   <a:rPr baseline="30000"/>
-                  <a:t>157</a:t>
+                  <a:t>158</a:t>
                 </a:r>
                 <a:r>
                   <a:rPr/>
@@ -10759,7 +10759,7 @@
                 </a:r>
                 <a:r>
                   <a:rPr baseline="30000"/>
-                  <a:t>157</a:t>
+                  <a:t>158</a:t>
                 </a:r>
                 <a:r>
                   <a:rPr/>
@@ -10815,7 +10815,7 @@
                 </a:r>
                 <a:r>
                   <a:rPr baseline="30000"/>
-                  <a:t>157</a:t>
+                  <a:t>158</a:t>
                 </a:r>
                 <a:r>
                   <a:rPr/>
@@ -10851,7 +10851,7 @@
                 </a:r>
                 <a:r>
                   <a:rPr baseline="30000"/>
-                  <a:t>157</a:t>
+                  <a:t>158</a:t>
                 </a:r>
                 <a:r>
                   <a:rPr/>
@@ -10887,7 +10887,7 @@
                 </a:r>
                 <a:r>
                   <a:rPr baseline="30000"/>
-                  <a:t>157</a:t>
+                  <a:t>158</a:t>
                 </a:r>
                 <a:r>
                   <a:rPr/>
@@ -10923,7 +10923,7 @@
                 </a:r>
                 <a:r>
                   <a:rPr baseline="30000"/>
-                  <a:t>157</a:t>
+                  <a:t>158</a:t>
                 </a:r>
                 <a:r>
                   <a:rPr/>
@@ -10959,7 +10959,7 @@
                 </a:r>
                 <a:r>
                   <a:rPr baseline="30000"/>
-                  <a:t>157</a:t>
+                  <a:t>158</a:t>
                 </a:r>
                 <a:r>
                   <a:rPr/>
@@ -11003,7 +11003,7 @@
                 </a:r>
                 <a:r>
                   <a:rPr baseline="30000"/>
-                  <a:t>157</a:t>
+                  <a:t>158</a:t>
                 </a:r>
                 <a:r>
                   <a:rPr/>
@@ -11047,7 +11047,7 @@
                 </a:r>
                 <a:r>
                   <a:rPr baseline="30000"/>
-                  <a:t>159</a:t>
+                  <a:t>160</a:t>
                 </a:r>
                 <a:r>
                   <a:rPr/>
@@ -11178,7 +11178,7 @@
                 </a:r>
                 <a:r>
                   <a:rPr baseline="30000"/>
-                  <a:t>210</a:t>
+                  <a:t>211</a:t>
                 </a:r>
               </a:p>
               <a:p>
@@ -11189,7 +11189,7 @@
                 </a:r>
                 <a:r>
                   <a:rPr baseline="30000"/>
-                  <a:t>210</a:t>
+                  <a:t>211</a:t>
                 </a:r>
               </a:p>
               <a:p>
@@ -11266,7 +11266,7 @@
                 </a:r>
                 <a:r>
                   <a:rPr baseline="30000"/>
-                  <a:t>210</a:t>
+                  <a:t>211</a:t>
                 </a:r>
               </a:p>
               <a:p>
@@ -11441,7 +11441,7 @@
                 </a:r>
                 <a:r>
                   <a:rPr baseline="30000"/>
-                  <a:t>210</a:t>
+                  <a:t>211</a:t>
                 </a:r>
               </a:p>
               <a:p>
@@ -11503,7 +11503,7 @@
                 </a:r>
                 <a:r>
                   <a:rPr baseline="30000"/>
-                  <a:t>210</a:t>
+                  <a:t>211</a:t>
                 </a:r>
               </a:p>
               <a:p>
@@ -11642,7 +11642,7 @@
             </a:r>
             <a:r>
               <a:rPr baseline="30000"/>
-              <a:t>210</a:t>
+              <a:t>211</a:t>
             </a:r>
           </a:p>
           <a:p>
@@ -11653,7 +11653,7 @@
             </a:r>
             <a:r>
               <a:rPr baseline="30000"/>
-              <a:t>210</a:t>
+              <a:t>211</a:t>
             </a:r>
           </a:p>
           <a:p>
@@ -11987,7 +11987,7 @@
             </a:r>
             <a:r>
               <a:rPr baseline="30000"/>
-              <a:t>212</a:t>
+              <a:t>213</a:t>
             </a:r>
             <a:r>
               <a:rPr/>
@@ -12325,7 +12325,7 @@
             </a:r>
             <a:r>
               <a:rPr baseline="30000"/>
-              <a:t>213</a:t>
+              <a:t>214</a:t>
             </a:r>
           </a:p>
           <a:p>
@@ -12336,7 +12336,7 @@
             </a:r>
             <a:r>
               <a:rPr baseline="30000"/>
-              <a:t>214</a:t>
+              <a:t>215</a:t>
             </a:r>
           </a:p>
           <a:p>
@@ -12361,7 +12361,7 @@
             </a:r>
             <a:r>
               <a:rPr baseline="30000"/>
-              <a:t>214</a:t>
+              <a:t>215</a:t>
             </a:r>
           </a:p>
           <a:p>
@@ -12386,7 +12386,7 @@
             </a:r>
             <a:r>
               <a:rPr baseline="30000"/>
-              <a:t>214</a:t>
+              <a:t>215</a:t>
             </a:r>
           </a:p>
           <a:p>
@@ -12411,7 +12411,7 @@
             </a:r>
             <a:r>
               <a:rPr baseline="30000"/>
-              <a:t>214</a:t>
+              <a:t>215</a:t>
             </a:r>
           </a:p>
           <a:p>
@@ -12457,7 +12457,7 @@
             </a:r>
             <a:r>
               <a:rPr baseline="30000"/>
-              <a:t>214</a:t>
+              <a:t>215</a:t>
             </a:r>
           </a:p>
           <a:p>
@@ -12605,7 +12605,7 @@
             </a:r>
             <a:r>
               <a:rPr baseline="30000"/>
-              <a:t>215</a:t>
+              <a:t>216</a:t>
             </a:r>
           </a:p>
           <a:p>
@@ -12613,28 +12613,6 @@
             <a:r>
               <a:rPr/>
               <a:t>Se a média da variável é igual entre grupos no início do acompanhamento, ambas abordagens estimam o mesmo efeito. Caso contrário, o efeito será influenciado pela correlação entre as medidas antes e depois. A análise da mudança não controla para desbalanços no início do estudo.</a:t>
-            </a:r>
-            <a:r>
-              <a:rPr baseline="30000"/>
-              <a:t>215</a:t>
-            </a:r>
-          </a:p>
-          <a:p>
-            <a:pPr lvl="0"/>
-            <a:r>
-              <a:rPr/>
-              <a:t>Uma abordagem recomendada é a análise de covariância (ANCOVA), pois ajusta os valores pós-intervenção aos valores pré-intervenção para cada participante, e não é afetada pelas diferenças entre grupos no início do estudo.</a:t>
-            </a:r>
-            <a:r>
-              <a:rPr baseline="30000"/>
-              <a:t>215</a:t>
-            </a:r>
-          </a:p>
-          <a:p>
-            <a:pPr lvl="0"/>
-            <a:r>
-              <a:rPr/>
-              <a:t>A análise de covariância (ANCOVA) modelando seja a mudança (pré - pós) quando o desfecho no pós-tratamento parece ser o método mais efetivo considerando-se o viés de estimação dos parâmetros, a precisão das estimativas, a cobertura nominal (isto é, intervalo de confiança) e o poder do teste.</a:t>
             </a:r>
             <a:r>
               <a:rPr baseline="30000"/>
@@ -12645,7 +12623,7 @@
             <a:pPr lvl="0"/>
             <a:r>
               <a:rPr/>
-              <a:t>Análise de variância (ANOVA) e modelos lineares mistos (MLM) são outras opções de métodos, embora apresentem maior variância, menor poder, e cobertura nominal comparados à ANCOVA.</a:t>
+              <a:t>Uma abordagem recomendada é a análise de covariância (ANCOVA), pois ajusta os valores pós-intervenção aos valores pré-intervenção para cada participante, e não é afetada pelas diferenças entre grupos no início do estudo.</a:t>
             </a:r>
             <a:r>
               <a:rPr baseline="30000"/>
@@ -12656,7 +12634,7 @@
             <a:pPr lvl="0"/>
             <a:r>
               <a:rPr/>
-              <a:t>.</a:t>
+              <a:t>A análise de covariância (ANCOVA) modelando seja a mudança (pré - pós) quando o desfecho no pós-tratamento parece ser o método mais efetivo considerando-se o viés de estimação dos parâmetros, a precisão das estimativas, a cobertura nominal (isto é, intervalo de confiança) e o poder do teste.</a:t>
             </a:r>
             <a:r>
               <a:rPr baseline="30000"/>
@@ -12667,11 +12645,33 @@
             <a:pPr lvl="0"/>
             <a:r>
               <a:rPr/>
+              <a:t>Análise de variância (ANOVA) e modelos lineares mistos (MLM) são outras opções de métodos, embora apresentem maior variância, menor poder, e cobertura nominal comparados à ANCOVA.</a:t>
+            </a:r>
+            <a:r>
+              <a:rPr baseline="30000"/>
+              <a:t>217</a:t>
+            </a:r>
+          </a:p>
+          <a:p>
+            <a:pPr lvl="0"/>
+            <a:r>
+              <a:rPr/>
               <a:t>.</a:t>
             </a:r>
             <a:r>
               <a:rPr baseline="30000"/>
               <a:t>218</a:t>
+            </a:r>
+          </a:p>
+          <a:p>
+            <a:pPr lvl="0"/>
+            <a:r>
+              <a:rPr/>
+              <a:t>.</a:t>
+            </a:r>
+            <a:r>
+              <a:rPr baseline="30000"/>
+              <a:t>219</a:t>
             </a:r>
           </a:p>
           <a:p>
@@ -13133,7 +13133,7 @@
             </a:r>
             <a:r>
               <a:rPr baseline="30000"/>
-              <a:t>58,219</a:t>
+              <a:t>58,220</a:t>
             </a:r>
           </a:p>
           <a:p>
@@ -13204,7 +13204,7 @@
             </a:r>
             <a:r>
               <a:rPr baseline="30000"/>
-              <a:t>220</a:t>
+              <a:t>221</a:t>
             </a:r>
           </a:p>
           <a:p>
@@ -13375,7 +13375,7 @@
             </a:r>
             <a:r>
               <a:rPr baseline="30000"/>
-              <a:t>221</a:t>
+              <a:t>222</a:t>
             </a:r>
           </a:p>
           <a:p>
@@ -13403,7 +13403,7 @@
             </a:r>
             <a:r>
               <a:rPr baseline="30000"/>
-              <a:t>222</a:t>
+              <a:t>223</a:t>
             </a:r>
           </a:p>
           <a:p>
@@ -13414,7 +13414,7 @@
             </a:r>
             <a:r>
               <a:rPr baseline="30000"/>
-              <a:t>220</a:t>
+              <a:t>221</a:t>
             </a:r>
           </a:p>
           <a:p>
@@ -13425,7 +13425,7 @@
             </a:r>
             <a:r>
               <a:rPr baseline="30000"/>
-              <a:t>220</a:t>
+              <a:t>221</a:t>
             </a:r>
           </a:p>
           <a:p>
@@ -13453,7 +13453,7 @@
             </a:r>
             <a:r>
               <a:rPr baseline="30000"/>
-              <a:t>220</a:t>
+              <a:t>221</a:t>
             </a:r>
           </a:p>
           <a:p>
@@ -13464,7 +13464,7 @@
             </a:r>
             <a:r>
               <a:rPr baseline="30000"/>
-              <a:t>220</a:t>
+              <a:t>221</a:t>
             </a:r>
           </a:p>
           <a:p>
@@ -13577,7 +13577,7 @@
             </a:r>
             <a:r>
               <a:rPr baseline="30000"/>
-              <a:t>223</a:t>
+              <a:t>224</a:t>
             </a:r>
           </a:p>
           <a:p>
@@ -13588,7 +13588,7 @@
             </a:r>
             <a:r>
               <a:rPr baseline="30000"/>
-              <a:t>223</a:t>
+              <a:t>224</a:t>
             </a:r>
           </a:p>
           <a:p>
@@ -13616,7 +13616,7 @@
             </a:r>
             <a:r>
               <a:rPr baseline="30000"/>
-              <a:t>224</a:t>
+              <a:t>225</a:t>
             </a:r>
           </a:p>
           <a:p>
@@ -13627,7 +13627,7 @@
             </a:r>
             <a:r>
               <a:rPr baseline="30000"/>
-              <a:t>224</a:t>
+              <a:t>225</a:t>
             </a:r>
           </a:p>
           <a:p>
@@ -13655,7 +13655,7 @@
             </a:r>
             <a:r>
               <a:rPr baseline="30000"/>
-              <a:t>129,223</a:t>
+              <a:t>129,224</a:t>
             </a:r>
           </a:p>
           <a:p>
@@ -13666,7 +13666,7 @@
             </a:r>
             <a:r>
               <a:rPr baseline="30000"/>
-              <a:t>129,223</a:t>
+              <a:t>129,224</a:t>
             </a:r>
           </a:p>
           <a:p>
@@ -13677,7 +13677,7 @@
             </a:r>
             <a:r>
               <a:rPr baseline="30000"/>
-              <a:t>129,223</a:t>
+              <a:t>129,224</a:t>
             </a:r>
           </a:p>
           <a:p>
@@ -13716,7 +13716,7 @@
             </a:r>
             <a:r>
               <a:rPr baseline="30000"/>
-              <a:t>224</a:t>
+              <a:t>225</a:t>
             </a:r>
           </a:p>
           <a:p>
@@ -13727,7 +13727,7 @@
             </a:r>
             <a:r>
               <a:rPr baseline="30000"/>
-              <a:t>224</a:t>
+              <a:t>225</a:t>
             </a:r>
           </a:p>
           <a:p>
@@ -13755,7 +13755,7 @@
             </a:r>
             <a:r>
               <a:rPr baseline="30000"/>
-              <a:t>221</a:t>
+              <a:t>222</a:t>
             </a:r>
           </a:p>
           <a:p>
@@ -13766,7 +13766,7 @@
             </a:r>
             <a:r>
               <a:rPr baseline="30000"/>
-              <a:t>225</a:t>
+              <a:t>226</a:t>
             </a:r>
           </a:p>
           <a:p>
@@ -13794,7 +13794,7 @@
             </a:r>
             <a:r>
               <a:rPr baseline="30000"/>
-              <a:t>221</a:t>
+              <a:t>222</a:t>
             </a:r>
           </a:p>
           <a:p>
@@ -13805,7 +13805,7 @@
             </a:r>
             <a:r>
               <a:rPr baseline="30000"/>
-              <a:t>221</a:t>
+              <a:t>222</a:t>
             </a:r>
           </a:p>
           <a:p>
@@ -13918,7 +13918,7 @@
             </a:r>
             <a:r>
               <a:rPr baseline="30000"/>
-              <a:t>213</a:t>
+              <a:t>214</a:t>
             </a:r>
           </a:p>
           <a:p>
@@ -14031,7 +14031,7 @@
             </a:r>
             <a:r>
               <a:rPr baseline="30000"/>
-              <a:t>213</a:t>
+              <a:t>214</a:t>
             </a:r>
           </a:p>
           <a:p>
@@ -14144,7 +14144,7 @@
             </a:r>
             <a:r>
               <a:rPr baseline="30000"/>
-              <a:t>213</a:t>
+              <a:t>214</a:t>
             </a:r>
           </a:p>
           <a:p>
@@ -14155,7 +14155,7 @@
             </a:r>
             <a:r>
               <a:rPr baseline="30000"/>
-              <a:t>226</a:t>
+              <a:t>227</a:t>
             </a:r>
           </a:p>
           <a:p>
@@ -14166,7 +14166,7 @@
             </a:r>
             <a:r>
               <a:rPr baseline="30000"/>
-              <a:t>188</a:t>
+              <a:t>189</a:t>
             </a:r>
           </a:p>
           <a:p>
@@ -14194,7 +14194,7 @@
             </a:r>
             <a:r>
               <a:rPr baseline="30000"/>
-              <a:t>189</a:t>
+              <a:t>190</a:t>
             </a:r>
           </a:p>
           <a:p>
@@ -14205,7 +14205,7 @@
             </a:r>
             <a:r>
               <a:rPr baseline="30000"/>
-              <a:t>227</a:t>
+              <a:t>228</a:t>
             </a:r>
           </a:p>
           <a:p>
@@ -14216,7 +14216,7 @@
             </a:r>
             <a:r>
               <a:rPr baseline="30000"/>
-              <a:t>227</a:t>
+              <a:t>228</a:t>
             </a:r>
           </a:p>
           <a:p>
@@ -14389,7 +14389,7 @@
                 </a:r>
                 <a:r>
                   <a:rPr baseline="30000"/>
-                  <a:t>228</a:t>
+                  <a:t>229</a:t>
                 </a:r>
               </a:p>
               <a:p>
@@ -14431,7 +14431,7 @@
                 </a:r>
                 <a:r>
                   <a:rPr baseline="30000"/>
-                  <a:t>229</a:t>
+                  <a:t>230</a:t>
                 </a:r>
               </a:p>
               <a:p>
@@ -14456,7 +14456,7 @@
                 </a:r>
                 <a:r>
                   <a:rPr baseline="30000"/>
-                  <a:t>229</a:t>
+                  <a:t>230</a:t>
                 </a:r>
               </a:p>
               <a:p>
@@ -14481,7 +14481,7 @@
                 </a:r>
                 <a:r>
                   <a:rPr baseline="30000"/>
-                  <a:t>229</a:t>
+                  <a:t>230</a:t>
                 </a:r>
               </a:p>
               <a:p>
@@ -14506,7 +14506,7 @@
                 </a:r>
                 <a:r>
                   <a:rPr baseline="30000"/>
-                  <a:t>229</a:t>
+                  <a:t>230</a:t>
                 </a:r>
               </a:p>
               <a:p>
@@ -14527,7 +14527,7 @@
                 </a:r>
                 <a:r>
                   <a:rPr baseline="30000"/>
-                  <a:t>228</a:t>
+                  <a:t>229</a:t>
                 </a:r>
               </a:p>
             </p:txBody>
@@ -14635,7 +14635,7 @@
                 </a:r>
                 <a:r>
                   <a:rPr baseline="30000"/>
-                  <a:t>230</a:t>
+                  <a:t>231</a:t>
                 </a:r>
                 <a:r>
                   <a:rPr/>
@@ -14694,7 +14694,7 @@
                 </a:r>
                 <a:r>
                   <a:rPr baseline="30000"/>
-                  <a:t>229</a:t>
+                  <a:t>230</a:t>
                 </a:r>
               </a:p>
               <a:p>
@@ -14727,7 +14727,7 @@
                 </a:r>
                 <a:r>
                   <a:rPr baseline="30000"/>
-                  <a:t>229</a:t>
+                  <a:t>230</a:t>
                 </a:r>
               </a:p>
               <a:p>
@@ -14760,7 +14760,7 @@
                 </a:r>
                 <a:r>
                   <a:rPr baseline="30000"/>
-                  <a:t>229</a:t>
+                  <a:t>230</a:t>
                 </a:r>
               </a:p>
               <a:p>
@@ -14793,7 +14793,7 @@
                 </a:r>
                 <a:r>
                   <a:rPr baseline="30000"/>
-                  <a:t>229</a:t>
+                  <a:t>230</a:t>
                 </a:r>
               </a:p>
               <a:p>
@@ -14826,7 +14826,7 @@
                 </a:r>
                 <a:r>
                   <a:rPr baseline="30000"/>
-                  <a:t>229</a:t>
+                  <a:t>230</a:t>
                 </a:r>
               </a:p>
               <a:p>
@@ -14858,7 +14858,7 @@
                 </a:r>
                 <a:r>
                   <a:rPr baseline="30000"/>
-                  <a:t>230</a:t>
+                  <a:t>231</a:t>
                 </a:r>
                 <a:r>
                   <a:rPr/>
@@ -14894,7 +14894,7 @@
                 </a:r>
                 <a:r>
                   <a:rPr baseline="30000"/>
-                  <a:t>231</a:t>
+                  <a:t>232</a:t>
                 </a:r>
                 <a:r>
                   <a:rPr/>
@@ -15035,7 +15035,7 @@
             </a:r>
             <a:r>
               <a:rPr baseline="30000"/>
-              <a:t>232</a:t>
+              <a:t>233</a:t>
             </a:r>
           </a:p>
           <a:p>
@@ -15057,7 +15057,7 @@
             </a:r>
             <a:r>
               <a:rPr baseline="30000"/>
-              <a:t>233</a:t>
+              <a:t>234</a:t>
             </a:r>
             <a:r>
               <a:rPr/>
@@ -15079,7 +15079,7 @@
             </a:r>
             <a:r>
               <a:rPr baseline="30000"/>
-              <a:t>232</a:t>
+              <a:t>233</a:t>
             </a:r>
             <a:r>
               <a:rPr/>
@@ -15198,7 +15198,7 @@
                 </a:r>
                 <a:r>
                   <a:rPr baseline="30000"/>
-                  <a:t>234</a:t>
+                  <a:t>235</a:t>
                 </a:r>
               </a:p>
               <a:p>
@@ -15220,7 +15220,7 @@
                 </a:r>
                 <a:r>
                   <a:rPr baseline="30000"/>
-                  <a:t>235</a:t>
+                  <a:t>236</a:t>
                 </a:r>
                 <a:r>
                   <a:rPr/>
@@ -15292,7 +15292,7 @@
                 </a:r>
                 <a:r>
                   <a:rPr baseline="30000"/>
-                  <a:t>234</a:t>
+                  <a:t>235</a:t>
                 </a:r>
               </a:p>
               <a:p>
@@ -15303,7 +15303,7 @@
                 </a:r>
                 <a:r>
                   <a:rPr baseline="30000"/>
-                  <a:t>234</a:t>
+                  <a:t>235</a:t>
                 </a:r>
               </a:p>
               <a:p>
@@ -15314,7 +15314,7 @@
                 </a:r>
                 <a:r>
                   <a:rPr baseline="30000"/>
-                  <a:t>234</a:t>
+                  <a:t>235</a:t>
                 </a:r>
               </a:p>
               <a:p>
@@ -15342,7 +15342,7 @@
                 </a:r>
                 <a:r>
                   <a:rPr baseline="30000"/>
-                  <a:t>236</a:t>
+                  <a:t>237</a:t>
                 </a:r>
               </a:p>
               <a:p>
@@ -15780,7 +15780,7 @@
             </a:r>
             <a:r>
               <a:rPr baseline="30000"/>
-              <a:t>229</a:t>
+              <a:t>230</a:t>
             </a:r>
           </a:p>
           <a:p>
@@ -15791,7 +15791,7 @@
             </a:r>
             <a:r>
               <a:rPr baseline="30000"/>
-              <a:t>229</a:t>
+              <a:t>230</a:t>
             </a:r>
           </a:p>
           <a:p>
@@ -15802,7 +15802,7 @@
             </a:r>
             <a:r>
               <a:rPr baseline="30000"/>
-              <a:t>229</a:t>
+              <a:t>230</a:t>
             </a:r>
           </a:p>
           <a:p>
@@ -15813,7 +15813,7 @@
             </a:r>
             <a:r>
               <a:rPr baseline="30000"/>
-              <a:t>229</a:t>
+              <a:t>230</a:t>
             </a:r>
           </a:p>
           <a:p>
@@ -15824,7 +15824,7 @@
             </a:r>
             <a:r>
               <a:rPr baseline="30000"/>
-              <a:t>229</a:t>
+              <a:t>230</a:t>
             </a:r>
           </a:p>
           <a:p>
@@ -15835,7 +15835,7 @@
             </a:r>
             <a:r>
               <a:rPr baseline="30000"/>
-              <a:t>229</a:t>
+              <a:t>230</a:t>
             </a:r>
           </a:p>
           <a:p>
@@ -15846,7 +15846,7 @@
             </a:r>
             <a:r>
               <a:rPr baseline="30000"/>
-              <a:t>229</a:t>
+              <a:t>230</a:t>
             </a:r>
           </a:p>
           <a:p>
@@ -16035,7 +16035,7 @@
             </a:r>
             <a:r>
               <a:rPr baseline="30000"/>
-              <a:t>237</a:t>
+              <a:t>238</a:t>
             </a:r>
             <a:r>
               <a:rPr/>
@@ -16071,7 +16071,7 @@
             </a:r>
             <a:r>
               <a:rPr baseline="30000"/>
-              <a:t>237</a:t>
+              <a:t>238</a:t>
             </a:r>
             <a:r>
               <a:rPr/>
@@ -16107,7 +16107,7 @@
             </a:r>
             <a:r>
               <a:rPr baseline="30000"/>
-              <a:t>238</a:t>
+              <a:t>239</a:t>
             </a:r>
             <a:r>
               <a:rPr/>
@@ -16143,7 +16143,7 @@
             </a:r>
             <a:r>
               <a:rPr baseline="30000"/>
-              <a:t>239</a:t>
+              <a:t>240</a:t>
             </a:r>
             <a:r>
               <a:rPr/>
@@ -16611,7 +16611,7 @@
             </a:r>
             <a:r>
               <a:rPr baseline="30000"/>
-              <a:t>240</a:t>
+              <a:t>241</a:t>
             </a:r>
           </a:p>
           <a:p>
@@ -16639,7 +16639,7 @@
             </a:r>
             <a:r>
               <a:rPr baseline="30000"/>
-              <a:t>240</a:t>
+              <a:t>241</a:t>
             </a:r>
           </a:p>
           <a:p>
@@ -18205,7 +18205,7 @@
             </a:r>
             <a:r>
               <a:rPr baseline="30000"/>
-              <a:t>241</a:t>
+              <a:t>242</a:t>
             </a:r>
           </a:p>
           <a:p>
@@ -18216,7 +18216,7 @@
             </a:r>
             <a:r>
               <a:rPr baseline="30000"/>
-              <a:t>241</a:t>
+              <a:t>242</a:t>
             </a:r>
           </a:p>
           <a:p>
@@ -18227,7 +18227,7 @@
             </a:r>
             <a:r>
               <a:rPr baseline="30000"/>
-              <a:t>241</a:t>
+              <a:t>242</a:t>
             </a:r>
           </a:p>
           <a:p>
@@ -18238,7 +18238,7 @@
             </a:r>
             <a:r>
               <a:rPr baseline="30000"/>
-              <a:t>241</a:t>
+              <a:t>242</a:t>
             </a:r>
           </a:p>
           <a:p>
@@ -18266,7 +18266,7 @@
             </a:r>
             <a:r>
               <a:rPr baseline="30000"/>
-              <a:t>241</a:t>
+              <a:t>242</a:t>
             </a:r>
           </a:p>
           <a:p>
@@ -18277,7 +18277,7 @@
             </a:r>
             <a:r>
               <a:rPr baseline="30000"/>
-              <a:t>241</a:t>
+              <a:t>242</a:t>
             </a:r>
           </a:p>
           <a:p>
@@ -18288,7 +18288,7 @@
             </a:r>
             <a:r>
               <a:rPr baseline="30000"/>
-              <a:t>241</a:t>
+              <a:t>242</a:t>
             </a:r>
           </a:p>
           <a:p>
@@ -18438,7 +18438,7 @@
                 </a:r>
                 <a:r>
                   <a:rPr baseline="30000"/>
-                  <a:t>242,243</a:t>
+                  <a:t>243,244</a:t>
                 </a:r>
               </a:p>
               <a:p>
@@ -18480,7 +18480,7 @@
                 </a:r>
                 <a:r>
                   <a:rPr baseline="30000"/>
-                  <a:t>244,245</a:t>
+                  <a:t>245,246</a:t>
                 </a:r>
               </a:p>
               <a:p>
@@ -18502,7 +18502,7 @@
                 </a:r>
                 <a:r>
                   <a:rPr baseline="30000"/>
-                  <a:t>246</a:t>
+                  <a:t>247</a:t>
                 </a:r>
                 <a:r>
                   <a:rPr/>
@@ -18590,7 +18590,7 @@
                 </a:r>
                 <a:r>
                   <a:rPr baseline="30000"/>
-                  <a:t>245</a:t>
+                  <a:t>246</a:t>
                 </a:r>
               </a:p>
               <a:p>
@@ -18624,7 +18624,7 @@
                 </a:r>
                 <a:r>
                   <a:rPr baseline="30000"/>
-                  <a:t>245</a:t>
+                  <a:t>246</a:t>
                 </a:r>
               </a:p>
               <a:p>
@@ -18655,7 +18655,7 @@
                 </a:r>
                 <a:r>
                   <a:rPr baseline="30000"/>
-                  <a:t>245</a:t>
+                  <a:t>246</a:t>
                 </a:r>
               </a:p>
               <a:p>
@@ -18677,7 +18677,7 @@
                 </a:r>
                 <a:r>
                   <a:rPr baseline="30000"/>
-                  <a:t>245</a:t>
+                  <a:t>246</a:t>
                 </a:r>
               </a:p>
               <a:p>
@@ -18716,7 +18716,7 @@
                 </a:r>
                 <a:r>
                   <a:rPr baseline="30000"/>
-                  <a:t>242,243</a:t>
+                  <a:t>243,244</a:t>
                 </a:r>
               </a:p>
               <a:p>
@@ -18747,7 +18747,7 @@
                 </a:r>
                 <a:r>
                   <a:rPr baseline="30000"/>
-                  <a:t>242,243</a:t>
+                  <a:t>243,244</a:t>
                 </a:r>
               </a:p>
               <a:p>
@@ -18789,7 +18789,7 @@
                 </a:r>
                 <a:r>
                   <a:rPr baseline="30000"/>
-                  <a:t>245</a:t>
+                  <a:t>246</a:t>
                 </a:r>
               </a:p>
               <a:p>
@@ -18811,7 +18811,7 @@
                 </a:r>
                 <a:r>
                   <a:rPr baseline="30000"/>
-                  <a:t>246</a:t>
+                  <a:t>247</a:t>
                 </a:r>
                 <a:r>
                   <a:rPr/>
@@ -18899,7 +18899,7 @@
                 </a:r>
                 <a:r>
                   <a:rPr baseline="30000"/>
-                  <a:t>245</a:t>
+                  <a:t>246</a:t>
                 </a:r>
               </a:p>
               <a:p>
@@ -18921,7 +18921,7 @@
                 </a:r>
                 <a:r>
                   <a:rPr baseline="30000"/>
-                  <a:t>246</a:t>
+                  <a:t>247</a:t>
                 </a:r>
                 <a:r>
                   <a:rPr/>
@@ -19003,7 +19003,7 @@
                 </a:r>
                 <a:r>
                   <a:rPr baseline="30000"/>
-                  <a:t>242,243</a:t>
+                  <a:t>243,244</a:t>
                 </a:r>
               </a:p>
               <a:p>
@@ -19031,7 +19031,7 @@
                 </a:r>
                 <a:r>
                   <a:rPr baseline="30000"/>
-                  <a:t>241</a:t>
+                  <a:t>242</a:t>
                 </a:r>
               </a:p>
               <a:p>
@@ -19042,7 +19042,7 @@
                 </a:r>
                 <a:r>
                   <a:rPr baseline="30000"/>
-                  <a:t>241</a:t>
+                  <a:t>242</a:t>
                 </a:r>
               </a:p>
               <a:p>
@@ -19126,7 +19126,7 @@
                 </a:r>
                 <a:r>
                   <a:rPr baseline="30000"/>
-                  <a:t>241</a:t>
+                  <a:t>242</a:t>
                 </a:r>
               </a:p>
               <a:p>
@@ -19137,7 +19137,7 @@
                 </a:r>
                 <a:r>
                   <a:rPr baseline="30000"/>
-                  <a:t>241</a:t>
+                  <a:t>242</a:t>
                 </a:r>
               </a:p>
               <a:p>
@@ -19224,7 +19224,7 @@
                 </a:r>
                 <a:r>
                   <a:rPr baseline="30000"/>
-                  <a:t>241</a:t>
+                  <a:t>242</a:t>
                 </a:r>
               </a:p>
               <a:p>
@@ -19252,7 +19252,7 @@
                 </a:r>
                 <a:r>
                   <a:rPr baseline="30000"/>
-                  <a:t>245</a:t>
+                  <a:t>246</a:t>
                 </a:r>
               </a:p>
               <a:p>
@@ -19727,7 +19727,7 @@
                 </a:r>
                 <a:r>
                   <a:rPr baseline="30000"/>
-                  <a:t>247</a:t>
+                  <a:t>248</a:t>
                 </a:r>
               </a:p>
               <a:p>
@@ -19758,7 +19758,7 @@
                 </a:r>
                 <a:r>
                   <a:rPr baseline="30000"/>
-                  <a:t>247</a:t>
+                  <a:t>248</a:t>
                 </a:r>
               </a:p>
               <a:p>
@@ -19789,7 +19789,7 @@
                 </a:r>
                 <a:r>
                   <a:rPr baseline="30000"/>
-                  <a:t>247</a:t>
+                  <a:t>248</a:t>
                 </a:r>
               </a:p>
               <a:p>
@@ -19837,7 +19837,7 @@
                 </a:r>
                 <a:r>
                   <a:rPr baseline="30000"/>
-                  <a:t>247,248</a:t>
+                  <a:t>248,249</a:t>
                 </a:r>
               </a:p>
               <a:p>
@@ -19864,7 +19864,7 @@
                 </a:r>
                 <a:r>
                   <a:rPr baseline="30000"/>
-                  <a:t>247</a:t>
+                  <a:t>248</a:t>
                 </a:r>
               </a:p>
               <a:p>
@@ -19911,7 +19911,7 @@
                 </a:r>
                 <a:r>
                   <a:rPr baseline="30000"/>
-                  <a:t>248</a:t>
+                  <a:t>249</a:t>
                 </a:r>
               </a:p>
               <a:p>
@@ -19922,7 +19922,7 @@
                 </a:r>
                 <a:r>
                   <a:rPr baseline="30000"/>
-                  <a:t>249</a:t>
+                  <a:t>250</a:t>
                 </a:r>
               </a:p>
               <a:p>
@@ -19944,7 +19944,7 @@
                 </a:r>
                 <a:r>
                   <a:rPr baseline="30000"/>
-                  <a:t>250</a:t>
+                  <a:t>251</a:t>
                 </a:r>
                 <a:r>
                   <a:rPr/>
@@ -19970,7 +19970,7 @@
                 </a:r>
                 <a:r>
                   <a:rPr baseline="30000"/>
-                  <a:t>250</a:t>
+                  <a:t>251</a:t>
                 </a:r>
                 <a:r>
                   <a:rPr/>
@@ -19992,7 +19992,7 @@
                 </a:r>
                 <a:r>
                   <a:rPr baseline="30000"/>
-                  <a:t>251</a:t>
+                  <a:t>252</a:t>
                 </a:r>
                 <a:r>
                   <a:rPr/>
@@ -20018,7 +20018,7 @@
                 </a:r>
                 <a:r>
                   <a:rPr baseline="30000"/>
-                  <a:t>252,253</a:t>
+                  <a:t>253,254</a:t>
                 </a:r>
                 <a:r>
                   <a:rPr/>
@@ -20250,7 +20250,7 @@
             </a:r>
             <a:r>
               <a:rPr baseline="30000"/>
-              <a:t>254</a:t>
+              <a:t>255</a:t>
             </a:r>
           </a:p>
           <a:p>
@@ -20265,7 +20265,7 @@
             </a:r>
             <a:r>
               <a:rPr baseline="30000"/>
-              <a:t>255</a:t>
+              <a:t>256</a:t>
             </a:r>
           </a:p>
           <a:p>
@@ -20280,7 +20280,7 @@
             </a:r>
             <a:r>
               <a:rPr baseline="30000"/>
-              <a:t>165</a:t>
+              <a:t>166</a:t>
             </a:r>
           </a:p>
           <a:p>
@@ -20295,7 +20295,7 @@
             </a:r>
             <a:r>
               <a:rPr baseline="30000"/>
-              <a:t>256</a:t>
+              <a:t>257</a:t>
             </a:r>
           </a:p>
           <a:p>
@@ -20310,7 +20310,7 @@
             </a:r>
             <a:r>
               <a:rPr baseline="30000"/>
-              <a:t>257</a:t>
+              <a:t>258</a:t>
             </a:r>
           </a:p>
           <a:p>
@@ -20325,7 +20325,7 @@
             </a:r>
             <a:r>
               <a:rPr baseline="30000"/>
-              <a:t>258</a:t>
+              <a:t>259</a:t>
             </a:r>
           </a:p>
           <a:p>
@@ -20355,7 +20355,7 @@
             </a:r>
             <a:r>
               <a:rPr baseline="30000"/>
-              <a:t>259</a:t>
+              <a:t>260</a:t>
             </a:r>
           </a:p>
           <a:p>
@@ -20385,7 +20385,7 @@
             </a:r>
             <a:r>
               <a:rPr baseline="30000"/>
-              <a:t>260</a:t>
+              <a:t>261</a:t>
             </a:r>
           </a:p>
           <a:p>
@@ -20400,7 +20400,7 @@
             </a:r>
             <a:r>
               <a:rPr baseline="30000"/>
-              <a:t>261</a:t>
+              <a:t>262</a:t>
             </a:r>
           </a:p>
           <a:p>
@@ -20415,7 +20415,7 @@
             </a:r>
             <a:r>
               <a:rPr baseline="30000"/>
-              <a:t>262</a:t>
+              <a:t>263</a:t>
             </a:r>
           </a:p>
           <a:p>
@@ -20430,7 +20430,7 @@
             </a:r>
             <a:r>
               <a:rPr baseline="30000"/>
-              <a:t>263</a:t>
+              <a:t>264</a:t>
             </a:r>
           </a:p>
           <a:p>
@@ -20445,7 +20445,7 @@
             </a:r>
             <a:r>
               <a:rPr baseline="30000"/>
-              <a:t>264</a:t>
+              <a:t>265</a:t>
             </a:r>
           </a:p>
           <a:p>
@@ -20460,7 +20460,7 @@
             </a:r>
             <a:r>
               <a:rPr baseline="30000"/>
-              <a:t>265</a:t>
+              <a:t>266</a:t>
             </a:r>
           </a:p>
           <a:p>
@@ -20560,7 +20560,7 @@
           